--- a/기획단계/졸작 제안서_α.pptx
+++ b/기획단계/졸작 제안서_α.pptx
@@ -116,6 +116,11 @@
       </a:defRPr>
     </a:lvl9pPr>
   </p:defaultTextStyle>
+  <p:extLst>
+    <p:ext uri="{EFAFB233-063F-42B5-8137-9DF3F51BA10A}">
+      <p15:sldGuideLst xmlns:p15="http://schemas.microsoft.com/office/powerpoint/2012/main"/>
+    </p:ext>
+  </p:extLst>
 </p:presentation>
 </file>
 
@@ -300,7 +305,7 @@
             <a:fld id="{B61BEF0D-F0BB-DE4B-95CE-6DB70DBA9567}" type="datetimeFigureOut">
               <a:rPr lang="en-US" smtClean="0"/>
               <a:pPr/>
-              <a:t>11/11/2019</a:t>
+              <a:t>11/12/2019</a:t>
             </a:fld>
             <a:endParaRPr lang="en-US" dirty="0"/>
           </a:p>
@@ -529,7 +534,7 @@
           <a:p>
             <a:fld id="{55C6B4A9-1611-4792-9094-5F34BCA07E0B}" type="datetimeFigureOut">
               <a:rPr lang="en-US" smtClean="0"/>
-              <a:t>11/11/2019</a:t>
+              <a:t>11/12/2019</a:t>
             </a:fld>
             <a:endParaRPr lang="en-US" dirty="0"/>
           </a:p>
@@ -710,7 +715,7 @@
             <a:fld id="{B61BEF0D-F0BB-DE4B-95CE-6DB70DBA9567}" type="datetimeFigureOut">
               <a:rPr lang="en-US" smtClean="0"/>
               <a:pPr/>
-              <a:t>11/11/2019</a:t>
+              <a:t>11/12/2019</a:t>
             </a:fld>
             <a:endParaRPr lang="en-US" dirty="0"/>
           </a:p>
@@ -881,7 +886,7 @@
           <a:p>
             <a:fld id="{42A54C80-263E-416B-A8E0-580EDEADCBDC}" type="datetimeFigureOut">
               <a:rPr lang="en-US" smtClean="0"/>
-              <a:t>11/11/2019</a:t>
+              <a:t>11/12/2019</a:t>
             </a:fld>
             <a:endParaRPr lang="en-US" dirty="0"/>
           </a:p>
@@ -1136,7 +1141,7 @@
             <a:fld id="{B61BEF0D-F0BB-DE4B-95CE-6DB70DBA9567}" type="datetimeFigureOut">
               <a:rPr lang="en-US" smtClean="0"/>
               <a:pPr/>
-              <a:t>11/11/2019</a:t>
+              <a:t>11/12/2019</a:t>
             </a:fld>
             <a:endParaRPr lang="en-US" dirty="0"/>
           </a:p>
@@ -1463,7 +1468,7 @@
           <a:p>
             <a:fld id="{42A54C80-263E-416B-A8E0-580EDEADCBDC}" type="datetimeFigureOut">
               <a:rPr lang="en-US" smtClean="0"/>
-              <a:t>11/11/2019</a:t>
+              <a:t>11/12/2019</a:t>
             </a:fld>
             <a:endParaRPr lang="en-US" dirty="0"/>
           </a:p>
@@ -1915,7 +1920,7 @@
             <a:fld id="{B61BEF0D-F0BB-DE4B-95CE-6DB70DBA9567}" type="datetimeFigureOut">
               <a:rPr lang="en-US" smtClean="0"/>
               <a:pPr/>
-              <a:t>11/11/2019</a:t>
+              <a:t>11/12/2019</a:t>
             </a:fld>
             <a:endParaRPr lang="en-US" dirty="0"/>
           </a:p>
@@ -2035,7 +2040,7 @@
             <a:fld id="{B61BEF0D-F0BB-DE4B-95CE-6DB70DBA9567}" type="datetimeFigureOut">
               <a:rPr lang="en-US" smtClean="0"/>
               <a:pPr/>
-              <a:t>11/11/2019</a:t>
+              <a:t>11/12/2019</a:t>
             </a:fld>
             <a:endParaRPr lang="en-US" dirty="0"/>
           </a:p>
@@ -2132,7 +2137,7 @@
             <a:fld id="{B61BEF0D-F0BB-DE4B-95CE-6DB70DBA9567}" type="datetimeFigureOut">
               <a:rPr lang="en-US" smtClean="0"/>
               <a:pPr/>
-              <a:t>11/11/2019</a:t>
+              <a:t>11/12/2019</a:t>
             </a:fld>
             <a:endParaRPr lang="en-US" dirty="0"/>
           </a:p>
@@ -2420,7 +2425,7 @@
           <a:p>
             <a:fld id="{42A54C80-263E-416B-A8E0-580EDEADCBDC}" type="datetimeFigureOut">
               <a:rPr lang="en-US" smtClean="0"/>
-              <a:t>11/11/2019</a:t>
+              <a:t>11/12/2019</a:t>
             </a:fld>
             <a:endParaRPr lang="en-US" dirty="0"/>
           </a:p>
@@ -2743,7 +2748,7 @@
             <a:fld id="{B61BEF0D-F0BB-DE4B-95CE-6DB70DBA9567}" type="datetimeFigureOut">
               <a:rPr lang="en-US" smtClean="0"/>
               <a:pPr/>
-              <a:t>11/11/2019</a:t>
+              <a:t>11/12/2019</a:t>
             </a:fld>
             <a:endParaRPr lang="en-US" dirty="0"/>
           </a:p>
@@ -2999,7 +3004,7 @@
             <a:fld id="{B61BEF0D-F0BB-DE4B-95CE-6DB70DBA9567}" type="datetimeFigureOut">
               <a:rPr lang="en-US" smtClean="0"/>
               <a:pPr/>
-              <a:t>11/11/2019</a:t>
+              <a:t>11/12/2019</a:t>
             </a:fld>
             <a:endParaRPr lang="en-US" dirty="0"/>
           </a:p>
@@ -3763,11 +3768,11 @@
               <a:buNone/>
             </a:pPr>
             <a:r>
-              <a:rPr lang="en-US" altLang="ko-KR" sz="2000" dirty="0">
+              <a:rPr lang="en-US" altLang="ko-KR" sz="2000">
                 <a:latin typeface="HY헤드라인M" panose="02030600000101010101" pitchFamily="18" charset="-127"/>
                 <a:ea typeface="HY헤드라인M" panose="02030600000101010101" pitchFamily="18" charset="-127"/>
               </a:rPr>
-              <a:t>20151800XX </a:t>
+              <a:t>2015180014 </a:t>
             </a:r>
             <a:r>
               <a:rPr lang="ko-KR" altLang="en-US" sz="2000" dirty="0">

--- a/기획단계/졸작 제안서_α.pptx
+++ b/기획단계/졸작 제안서_α.pptx
@@ -12960,26 +12960,6 @@
               </a:rPr>
               <a:t>-</a:t>
             </a:r>
-            <a:r>
-              <a:rPr lang="en-US" altLang="ko-KR" sz="4000" dirty="0">
-                <a:solidFill>
-                  <a:schemeClr val="bg1"/>
-                </a:solidFill>
-                <a:latin typeface="HY헤드라인M" panose="02030600000101010101" pitchFamily="18" charset="-127"/>
-                <a:ea typeface="HY헤드라인M" panose="02030600000101010101" pitchFamily="18" charset="-127"/>
-              </a:rPr>
-              <a:t> </a:t>
-            </a:r>
-            <a:r>
-              <a:rPr lang="ko-KR" altLang="en-US" sz="4000" dirty="0">
-                <a:solidFill>
-                  <a:schemeClr val="bg1"/>
-                </a:solidFill>
-                <a:latin typeface="HY헤드라인M" panose="02030600000101010101" pitchFamily="18" charset="-127"/>
-                <a:ea typeface="HY헤드라인M" panose="02030600000101010101" pitchFamily="18" charset="-127"/>
-              </a:rPr>
-              <a:t>추가적 목표</a:t>
-            </a:r>
             <a:endParaRPr lang="ko-KR" altLang="en-US" sz="4000" dirty="0">
               <a:solidFill>
                 <a:schemeClr val="bg1"/>
@@ -13018,6 +12998,36 @@
           <a:chExt cx="0" cy="0"/>
         </a:xfrm>
       </p:grpSpPr>
+      <p:pic>
+        <p:nvPicPr>
+          <p:cNvPr id="7" name="그림 6" descr="개체, 다채로운, 테이블, 그룹이(가) 표시된 사진&#10;&#10;자동 생성된 설명">
+            <a:extLst>
+              <a:ext uri="{FF2B5EF4-FFF2-40B4-BE49-F238E27FC236}">
+                <a16:creationId xmlns:a16="http://schemas.microsoft.com/office/drawing/2014/main" id="{BE9A4D3B-F89D-4800-9F2A-3C70232E821E}"/>
+              </a:ext>
+            </a:extLst>
+          </p:cNvPr>
+          <p:cNvPicPr>
+            <a:picLocks noChangeAspect="1"/>
+          </p:cNvPicPr>
+          <p:nvPr/>
+        </p:nvPicPr>
+        <p:blipFill>
+          <a:blip r:embed="rId2"/>
+          <a:stretch>
+            <a:fillRect/>
+          </a:stretch>
+        </p:blipFill>
+        <p:spPr>
+          <a:xfrm>
+            <a:off x="6619874" y="1571625"/>
+            <a:ext cx="5343524" cy="4210050"/>
+          </a:xfrm>
+          <a:prstGeom prst="rect">
+            <a:avLst/>
+          </a:prstGeom>
+        </p:spPr>
+      </p:pic>
       <p:sp>
         <p:nvSpPr>
           <p:cNvPr id="6" name="직사각형 5">
@@ -13521,6 +13531,7 @@
           <a:prstGeom prst="rect">
             <a:avLst/>
           </a:prstGeom>
+          <a:noFill/>
           <a:ln w="38100">
             <a:solidFill>
               <a:schemeClr val="tx1">
@@ -13550,10 +13561,7 @@
           <a:lstStyle/>
           <a:p>
             <a:pPr algn="ctr"/>
-            <a:r>
-              <a:rPr lang="ko-KR" altLang="en-US" dirty="0"/>
-              <a:t>사진 이미지</a:t>
-            </a:r>
+            <a:endParaRPr lang="ko-KR" altLang="en-US" dirty="0"/>
           </a:p>
         </p:txBody>
       </p:sp>
@@ -14286,7 +14294,7 @@
                 <a:latin typeface="HY헤드라인M" panose="02030600000101010101" pitchFamily="18" charset="-127"/>
                 <a:ea typeface="HY헤드라인M" panose="02030600000101010101" pitchFamily="18" charset="-127"/>
               </a:rPr>
-              <a:t>-</a:t>
+              <a:t>200 m/h</a:t>
             </a:r>
             <a:endParaRPr lang="ko-KR" altLang="en-US" dirty="0">
               <a:latin typeface="HY헤드라인M" panose="02030600000101010101" pitchFamily="18" charset="-127"/>
@@ -14414,7 +14422,7 @@
                 <a:latin typeface="HY헤드라인M" panose="02030600000101010101" pitchFamily="18" charset="-127"/>
                 <a:ea typeface="HY헤드라인M" panose="02030600000101010101" pitchFamily="18" charset="-127"/>
               </a:rPr>
-              <a:t>-</a:t>
+              <a:t>500 X 1000 X 200 M</a:t>
             </a:r>
             <a:endParaRPr lang="ko-KR" altLang="en-US" dirty="0">
               <a:latin typeface="HY헤드라인M" panose="02030600000101010101" pitchFamily="18" charset="-127"/>
@@ -15029,7 +15037,7 @@
           </a:fontRef>
         </p:style>
         <p:txBody>
-          <a:bodyPr rtlCol="0" anchor="ctr"/>
+          <a:bodyPr rtlCol="0" anchor="t"/>
           <a:lstStyle/>
           <a:p>
             <a:r>
@@ -15038,6 +15046,48 @@
                 <a:ea typeface="HY헤드라인M" panose="02030600000101010101" pitchFamily="18" charset="-127"/>
               </a:rPr>
               <a:t>조작법 설명</a:t>
+            </a:r>
+            <a:endParaRPr lang="en-US" altLang="ko-KR" dirty="0">
+              <a:latin typeface="HY헤드라인M" panose="02030600000101010101" pitchFamily="18" charset="-127"/>
+              <a:ea typeface="HY헤드라인M" panose="02030600000101010101" pitchFamily="18" charset="-127"/>
+            </a:endParaRPr>
+          </a:p>
+          <a:p>
+            <a:endParaRPr lang="en-US" altLang="ko-KR" dirty="0">
+              <a:latin typeface="HY헤드라인M" panose="02030600000101010101" pitchFamily="18" charset="-127"/>
+              <a:ea typeface="HY헤드라인M" panose="02030600000101010101" pitchFamily="18" charset="-127"/>
+            </a:endParaRPr>
+          </a:p>
+          <a:p>
+            <a:r>
+              <a:rPr lang="ko-KR" altLang="en-US" dirty="0">
+                <a:solidFill>
+                  <a:srgbClr val="B3E5FC"/>
+                </a:solidFill>
+                <a:latin typeface="HY헤드라인M" panose="02030600000101010101" pitchFamily="18" charset="-127"/>
+                <a:ea typeface="HY헤드라인M" panose="02030600000101010101" pitchFamily="18" charset="-127"/>
+              </a:rPr>
+              <a:t>←→↑↓ </a:t>
+            </a:r>
+            <a:r>
+              <a:rPr lang="en-US" altLang="ko-KR" dirty="0">
+                <a:solidFill>
+                  <a:srgbClr val="B3E5FC"/>
+                </a:solidFill>
+                <a:latin typeface="HY헤드라인M" panose="02030600000101010101" pitchFamily="18" charset="-127"/>
+                <a:ea typeface="HY헤드라인M" panose="02030600000101010101" pitchFamily="18" charset="-127"/>
+              </a:rPr>
+              <a:t>:  </a:t>
+            </a:r>
+            <a:r>
+              <a:rPr lang="ko-KR" altLang="en-US" dirty="0">
+                <a:solidFill>
+                  <a:srgbClr val="B3E5FC"/>
+                </a:solidFill>
+                <a:latin typeface="HY헤드라인M" panose="02030600000101010101" pitchFamily="18" charset="-127"/>
+                <a:ea typeface="HY헤드라인M" panose="02030600000101010101" pitchFamily="18" charset="-127"/>
+              </a:rPr>
+              <a:t>이동</a:t>
             </a:r>
           </a:p>
         </p:txBody>
@@ -15291,7 +15341,7 @@
                 <a:latin typeface="HY헤드라인M" panose="02030600000101010101" pitchFamily="18" charset="-127"/>
                 <a:ea typeface="HY헤드라인M" panose="02030600000101010101" pitchFamily="18" charset="-127"/>
               </a:rPr>
-              <a:t>Visual Studio 2017	  ||   Visual Studio 2019</a:t>
+              <a:t>Visual Studio 2019</a:t>
             </a:r>
           </a:p>
         </p:txBody>

--- a/기획단계/졸작 제안서_α.pptx
+++ b/기획단계/졸작 제안서_α.pptx
@@ -17,7 +17,9 @@
     <p:sldId id="269" r:id="rId11"/>
     <p:sldId id="264" r:id="rId12"/>
     <p:sldId id="265" r:id="rId13"/>
-    <p:sldId id="259" r:id="rId14"/>
+    <p:sldId id="270" r:id="rId14"/>
+    <p:sldId id="271" r:id="rId15"/>
+    <p:sldId id="259" r:id="rId16"/>
   </p:sldIdLst>
   <p:sldSz cx="12192000" cy="6858000"/>
   <p:notesSz cx="6858000" cy="9144000"/>
@@ -305,7 +307,7 @@
             <a:fld id="{B61BEF0D-F0BB-DE4B-95CE-6DB70DBA9567}" type="datetimeFigureOut">
               <a:rPr lang="en-US" smtClean="0"/>
               <a:pPr/>
-              <a:t>11/12/2019</a:t>
+              <a:t>11/15/2019</a:t>
             </a:fld>
             <a:endParaRPr lang="en-US" dirty="0"/>
           </a:p>
@@ -534,7 +536,7 @@
           <a:p>
             <a:fld id="{55C6B4A9-1611-4792-9094-5F34BCA07E0B}" type="datetimeFigureOut">
               <a:rPr lang="en-US" smtClean="0"/>
-              <a:t>11/12/2019</a:t>
+              <a:t>11/15/2019</a:t>
             </a:fld>
             <a:endParaRPr lang="en-US" dirty="0"/>
           </a:p>
@@ -715,7 +717,7 @@
             <a:fld id="{B61BEF0D-F0BB-DE4B-95CE-6DB70DBA9567}" type="datetimeFigureOut">
               <a:rPr lang="en-US" smtClean="0"/>
               <a:pPr/>
-              <a:t>11/12/2019</a:t>
+              <a:t>11/15/2019</a:t>
             </a:fld>
             <a:endParaRPr lang="en-US" dirty="0"/>
           </a:p>
@@ -886,7 +888,7 @@
           <a:p>
             <a:fld id="{42A54C80-263E-416B-A8E0-580EDEADCBDC}" type="datetimeFigureOut">
               <a:rPr lang="en-US" smtClean="0"/>
-              <a:t>11/12/2019</a:t>
+              <a:t>11/15/2019</a:t>
             </a:fld>
             <a:endParaRPr lang="en-US" dirty="0"/>
           </a:p>
@@ -1141,7 +1143,7 @@
             <a:fld id="{B61BEF0D-F0BB-DE4B-95CE-6DB70DBA9567}" type="datetimeFigureOut">
               <a:rPr lang="en-US" smtClean="0"/>
               <a:pPr/>
-              <a:t>11/12/2019</a:t>
+              <a:t>11/15/2019</a:t>
             </a:fld>
             <a:endParaRPr lang="en-US" dirty="0"/>
           </a:p>
@@ -1468,7 +1470,7 @@
           <a:p>
             <a:fld id="{42A54C80-263E-416B-A8E0-580EDEADCBDC}" type="datetimeFigureOut">
               <a:rPr lang="en-US" smtClean="0"/>
-              <a:t>11/12/2019</a:t>
+              <a:t>11/15/2019</a:t>
             </a:fld>
             <a:endParaRPr lang="en-US" dirty="0"/>
           </a:p>
@@ -1920,7 +1922,7 @@
             <a:fld id="{B61BEF0D-F0BB-DE4B-95CE-6DB70DBA9567}" type="datetimeFigureOut">
               <a:rPr lang="en-US" smtClean="0"/>
               <a:pPr/>
-              <a:t>11/12/2019</a:t>
+              <a:t>11/15/2019</a:t>
             </a:fld>
             <a:endParaRPr lang="en-US" dirty="0"/>
           </a:p>
@@ -2040,7 +2042,7 @@
             <a:fld id="{B61BEF0D-F0BB-DE4B-95CE-6DB70DBA9567}" type="datetimeFigureOut">
               <a:rPr lang="en-US" smtClean="0"/>
               <a:pPr/>
-              <a:t>11/12/2019</a:t>
+              <a:t>11/15/2019</a:t>
             </a:fld>
             <a:endParaRPr lang="en-US" dirty="0"/>
           </a:p>
@@ -2137,7 +2139,7 @@
             <a:fld id="{B61BEF0D-F0BB-DE4B-95CE-6DB70DBA9567}" type="datetimeFigureOut">
               <a:rPr lang="en-US" smtClean="0"/>
               <a:pPr/>
-              <a:t>11/12/2019</a:t>
+              <a:t>11/15/2019</a:t>
             </a:fld>
             <a:endParaRPr lang="en-US" dirty="0"/>
           </a:p>
@@ -2425,7 +2427,7 @@
           <a:p>
             <a:fld id="{42A54C80-263E-416B-A8E0-580EDEADCBDC}" type="datetimeFigureOut">
               <a:rPr lang="en-US" smtClean="0"/>
-              <a:t>11/12/2019</a:t>
+              <a:t>11/15/2019</a:t>
             </a:fld>
             <a:endParaRPr lang="en-US" dirty="0"/>
           </a:p>
@@ -2748,7 +2750,7 @@
             <a:fld id="{B61BEF0D-F0BB-DE4B-95CE-6DB70DBA9567}" type="datetimeFigureOut">
               <a:rPr lang="en-US" smtClean="0"/>
               <a:pPr/>
-              <a:t>11/12/2019</a:t>
+              <a:t>11/15/2019</a:t>
             </a:fld>
             <a:endParaRPr lang="en-US" dirty="0"/>
           </a:p>
@@ -3004,7 +3006,7 @@
             <a:fld id="{B61BEF0D-F0BB-DE4B-95CE-6DB70DBA9567}" type="datetimeFigureOut">
               <a:rPr lang="en-US" smtClean="0"/>
               <a:pPr/>
-              <a:t>11/12/2019</a:t>
+              <a:t>11/15/2019</a:t>
             </a:fld>
             <a:endParaRPr lang="en-US" dirty="0"/>
           </a:p>
@@ -3911,7 +3913,7 @@
                 <a:latin typeface="HY헤드라인M" panose="02030600000101010101" pitchFamily="18" charset="-127"/>
                 <a:ea typeface="HY헤드라인M" panose="02030600000101010101" pitchFamily="18" charset="-127"/>
               </a:rPr>
-              <a:t>기술적 요소 및 중점 연구분야</a:t>
+              <a:t>기술적 요소</a:t>
             </a:r>
             <a:endParaRPr lang="ko-KR" altLang="en-US" dirty="0"/>
           </a:p>
@@ -3991,7 +3993,7 @@
         <p:spPr>
           <a:xfrm>
             <a:off x="1924051" y="2366267"/>
-            <a:ext cx="3695699" cy="809625"/>
+            <a:ext cx="8878420" cy="809625"/>
           </a:xfrm>
           <a:prstGeom prst="rect">
             <a:avLst/>
@@ -4037,65 +4039,6 @@
       </p:sp>
       <p:sp>
         <p:nvSpPr>
-          <p:cNvPr id="7" name="직사각형 6">
-            <a:extLst>
-              <a:ext uri="{FF2B5EF4-FFF2-40B4-BE49-F238E27FC236}">
-                <a16:creationId xmlns:a16="http://schemas.microsoft.com/office/drawing/2014/main" id="{42B06023-C9CE-4C1A-9104-BF620370FF1C}"/>
-              </a:ext>
-            </a:extLst>
-          </p:cNvPr>
-          <p:cNvSpPr/>
-          <p:nvPr/>
-        </p:nvSpPr>
-        <p:spPr>
-          <a:xfrm>
-            <a:off x="6572250" y="2366267"/>
-            <a:ext cx="3695699" cy="809625"/>
-          </a:xfrm>
-          <a:prstGeom prst="rect">
-            <a:avLst/>
-          </a:prstGeom>
-          <a:ln w="38100">
-            <a:solidFill>
-              <a:schemeClr val="tx1">
-                <a:lumMod val="85000"/>
-              </a:schemeClr>
-            </a:solidFill>
-          </a:ln>
-        </p:spPr>
-        <p:style>
-          <a:lnRef idx="2">
-            <a:schemeClr val="accent1">
-              <a:shade val="50000"/>
-            </a:schemeClr>
-          </a:lnRef>
-          <a:fillRef idx="1">
-            <a:schemeClr val="accent1"/>
-          </a:fillRef>
-          <a:effectRef idx="0">
-            <a:schemeClr val="accent1"/>
-          </a:effectRef>
-          <a:fontRef idx="minor">
-            <a:schemeClr val="lt1"/>
-          </a:fontRef>
-        </p:style>
-        <p:txBody>
-          <a:bodyPr rtlCol="0" anchor="ctr"/>
-          <a:lstStyle/>
-          <a:p>
-            <a:pPr algn="ctr"/>
-            <a:r>
-              <a:rPr lang="ko-KR" altLang="en-US" sz="2800" dirty="0">
-                <a:latin typeface="HY헤드라인M" panose="02030600000101010101" pitchFamily="18" charset="-127"/>
-                <a:ea typeface="HY헤드라인M" panose="02030600000101010101" pitchFamily="18" charset="-127"/>
-              </a:rPr>
-              <a:t>중점 연구 분야</a:t>
-            </a:r>
-          </a:p>
-        </p:txBody>
-      </p:sp>
-      <p:sp>
-        <p:nvSpPr>
           <p:cNvPr id="8" name="직사각형 7">
             <a:extLst>
               <a:ext uri="{FF2B5EF4-FFF2-40B4-BE49-F238E27FC236}">
@@ -4109,66 +4052,7 @@
         <p:spPr>
           <a:xfrm>
             <a:off x="1924051" y="3175891"/>
-            <a:ext cx="3695699" cy="2701033"/>
-          </a:xfrm>
-          <a:prstGeom prst="rect">
-            <a:avLst/>
-          </a:prstGeom>
-          <a:solidFill>
-            <a:srgbClr val="595959"/>
-          </a:solidFill>
-          <a:ln w="38100">
-            <a:solidFill>
-              <a:schemeClr val="tx1">
-                <a:lumMod val="85000"/>
-              </a:schemeClr>
-            </a:solidFill>
-          </a:ln>
-        </p:spPr>
-        <p:style>
-          <a:lnRef idx="2">
-            <a:schemeClr val="accent1">
-              <a:shade val="50000"/>
-            </a:schemeClr>
-          </a:lnRef>
-          <a:fillRef idx="1">
-            <a:schemeClr val="accent1"/>
-          </a:fillRef>
-          <a:effectRef idx="0">
-            <a:schemeClr val="accent1"/>
-          </a:effectRef>
-          <a:fontRef idx="minor">
-            <a:schemeClr val="lt1"/>
-          </a:fontRef>
-        </p:style>
-        <p:txBody>
-          <a:bodyPr rtlCol="0" anchor="ctr"/>
-          <a:lstStyle/>
-          <a:p>
-            <a:pPr algn="ctr"/>
-            <a:endParaRPr lang="en-US" altLang="ko-KR" sz="2000" dirty="0">
-              <a:latin typeface="HY헤드라인M" panose="02030600000101010101" pitchFamily="18" charset="-127"/>
-              <a:ea typeface="HY헤드라인M" panose="02030600000101010101" pitchFamily="18" charset="-127"/>
-            </a:endParaRPr>
-          </a:p>
-        </p:txBody>
-      </p:sp>
-      <p:sp>
-        <p:nvSpPr>
-          <p:cNvPr id="9" name="직사각형 8">
-            <a:extLst>
-              <a:ext uri="{FF2B5EF4-FFF2-40B4-BE49-F238E27FC236}">
-                <a16:creationId xmlns:a16="http://schemas.microsoft.com/office/drawing/2014/main" id="{6B09A52A-95C6-4612-8E09-EEF3A88C93D6}"/>
-              </a:ext>
-            </a:extLst>
-          </p:cNvPr>
-          <p:cNvSpPr/>
-          <p:nvPr/>
-        </p:nvSpPr>
-        <p:spPr>
-          <a:xfrm>
-            <a:off x="6572249" y="3175891"/>
-            <a:ext cx="3695699" cy="2701033"/>
+            <a:ext cx="8878420" cy="2701033"/>
           </a:xfrm>
           <a:prstGeom prst="rect">
             <a:avLst/>
@@ -4339,131 +4223,9 @@
                 <a:latin typeface="HY헤드라인M" panose="02030600000101010101" pitchFamily="18" charset="-127"/>
                 <a:ea typeface="HY헤드라인M" panose="02030600000101010101" pitchFamily="18" charset="-127"/>
               </a:rPr>
-              <a:t>타 게임과의 비교</a:t>
+              <a:t>개인별 준비 현황</a:t>
             </a:r>
             <a:endParaRPr lang="ko-KR" altLang="en-US" dirty="0"/>
-          </a:p>
-        </p:txBody>
-      </p:sp>
-      <p:sp>
-        <p:nvSpPr>
-          <p:cNvPr id="4" name="직사각형 3">
-            <a:extLst>
-              <a:ext uri="{FF2B5EF4-FFF2-40B4-BE49-F238E27FC236}">
-                <a16:creationId xmlns:a16="http://schemas.microsoft.com/office/drawing/2014/main" id="{A7CC8746-CE11-471B-AA61-008FA745958B}"/>
-              </a:ext>
-            </a:extLst>
-          </p:cNvPr>
-          <p:cNvSpPr/>
-          <p:nvPr/>
-        </p:nvSpPr>
-        <p:spPr>
-          <a:xfrm>
-            <a:off x="566736" y="1819274"/>
-            <a:ext cx="5343525" cy="4210050"/>
-          </a:xfrm>
-          <a:prstGeom prst="rect">
-            <a:avLst/>
-          </a:prstGeom>
-          <a:ln w="38100">
-            <a:solidFill>
-              <a:schemeClr val="tx1">
-                <a:lumMod val="85000"/>
-              </a:schemeClr>
-            </a:solidFill>
-          </a:ln>
-        </p:spPr>
-        <p:style>
-          <a:lnRef idx="2">
-            <a:schemeClr val="accent1">
-              <a:shade val="50000"/>
-            </a:schemeClr>
-          </a:lnRef>
-          <a:fillRef idx="1">
-            <a:schemeClr val="accent1"/>
-          </a:fillRef>
-          <a:effectRef idx="0">
-            <a:schemeClr val="accent1"/>
-          </a:effectRef>
-          <a:fontRef idx="minor">
-            <a:schemeClr val="lt1"/>
-          </a:fontRef>
-        </p:style>
-        <p:txBody>
-          <a:bodyPr rtlCol="0" anchor="ctr"/>
-          <a:lstStyle/>
-          <a:p>
-            <a:pPr algn="ctr"/>
-            <a:r>
-              <a:rPr lang="ko-KR" altLang="en-US" dirty="0"/>
-              <a:t>타 게임 이미지</a:t>
-            </a:r>
-          </a:p>
-        </p:txBody>
-      </p:sp>
-      <p:sp>
-        <p:nvSpPr>
-          <p:cNvPr id="5" name="직사각형 4">
-            <a:extLst>
-              <a:ext uri="{FF2B5EF4-FFF2-40B4-BE49-F238E27FC236}">
-                <a16:creationId xmlns:a16="http://schemas.microsoft.com/office/drawing/2014/main" id="{30B360F1-F0BB-45F7-AB00-D1FA6434B826}"/>
-              </a:ext>
-            </a:extLst>
-          </p:cNvPr>
-          <p:cNvSpPr/>
-          <p:nvPr/>
-        </p:nvSpPr>
-        <p:spPr>
-          <a:xfrm>
-            <a:off x="6672265" y="2414586"/>
-            <a:ext cx="4702649" cy="3019425"/>
-          </a:xfrm>
-          <a:prstGeom prst="rect">
-            <a:avLst/>
-          </a:prstGeom>
-          <a:solidFill>
-            <a:srgbClr val="595959"/>
-          </a:solidFill>
-          <a:ln w="38100">
-            <a:solidFill>
-              <a:schemeClr val="tx1">
-                <a:lumMod val="85000"/>
-              </a:schemeClr>
-            </a:solidFill>
-          </a:ln>
-        </p:spPr>
-        <p:style>
-          <a:lnRef idx="2">
-            <a:schemeClr val="accent1">
-              <a:shade val="50000"/>
-            </a:schemeClr>
-          </a:lnRef>
-          <a:fillRef idx="1">
-            <a:schemeClr val="accent1"/>
-          </a:fillRef>
-          <a:effectRef idx="0">
-            <a:schemeClr val="accent1"/>
-          </a:effectRef>
-          <a:fontRef idx="minor">
-            <a:schemeClr val="lt1"/>
-          </a:fontRef>
-        </p:style>
-        <p:txBody>
-          <a:bodyPr rtlCol="0" anchor="ctr"/>
-          <a:lstStyle/>
-          <a:p>
-            <a:pPr algn="ctr"/>
-            <a:r>
-              <a:rPr lang="ko-KR" altLang="en-US" sz="2000" dirty="0">
-                <a:latin typeface="HY헤드라인M" panose="02030600000101010101" pitchFamily="18" charset="-127"/>
-                <a:ea typeface="HY헤드라인M" panose="02030600000101010101" pitchFamily="18" charset="-127"/>
-              </a:rPr>
-              <a:t>다른 점 설명</a:t>
-            </a:r>
-            <a:endParaRPr lang="en-US" altLang="ko-KR" sz="2000" dirty="0">
-              <a:latin typeface="HY헤드라인M" panose="02030600000101010101" pitchFamily="18" charset="-127"/>
-              <a:ea typeface="HY헤드라인M" panose="02030600000101010101" pitchFamily="18" charset="-127"/>
-            </a:endParaRPr>
           </a:p>
         </p:txBody>
       </p:sp>
@@ -4594,6 +4356,272 @@
                 <a:latin typeface="HY헤드라인M" panose="02030600000101010101" pitchFamily="18" charset="-127"/>
                 <a:ea typeface="HY헤드라인M" panose="02030600000101010101" pitchFamily="18" charset="-127"/>
               </a:rPr>
+              <a:t>중점 연구분야</a:t>
+            </a:r>
+            <a:endParaRPr lang="ko-KR" altLang="en-US" dirty="0"/>
+          </a:p>
+        </p:txBody>
+      </p:sp>
+    </p:spTree>
+    <p:extLst>
+      <p:ext uri="{BB962C8B-B14F-4D97-AF65-F5344CB8AC3E}">
+        <p14:creationId xmlns:p14="http://schemas.microsoft.com/office/powerpoint/2010/main" val="2237484308"/>
+      </p:ext>
+    </p:extLst>
+  </p:cSld>
+  <p:clrMapOvr>
+    <a:masterClrMapping/>
+  </p:clrMapOvr>
+</p:sld>
+</file>
+
+<file path=ppt/slides/slide13.xml><?xml version="1.0" encoding="utf-8"?>
+<p:sld xmlns:a="http://schemas.openxmlformats.org/drawingml/2006/main" xmlns:r="http://schemas.openxmlformats.org/officeDocument/2006/relationships" xmlns:p="http://schemas.openxmlformats.org/presentationml/2006/main" showMasterSp="0">
+  <p:cSld>
+    <p:spTree>
+      <p:nvGrpSpPr>
+        <p:cNvPr id="1" name=""/>
+        <p:cNvGrpSpPr/>
+        <p:nvPr/>
+      </p:nvGrpSpPr>
+      <p:grpSpPr>
+        <a:xfrm>
+          <a:off x="0" y="0"/>
+          <a:ext cx="0" cy="0"/>
+          <a:chOff x="0" y="0"/>
+          <a:chExt cx="0" cy="0"/>
+        </a:xfrm>
+      </p:grpSpPr>
+      <p:sp>
+        <p:nvSpPr>
+          <p:cNvPr id="6" name="직사각형 5">
+            <a:extLst>
+              <a:ext uri="{FF2B5EF4-FFF2-40B4-BE49-F238E27FC236}">
+                <a16:creationId xmlns:a16="http://schemas.microsoft.com/office/drawing/2014/main" id="{CFF1CAA2-04CC-496D-80EE-A52890558A65}"/>
+              </a:ext>
+            </a:extLst>
+          </p:cNvPr>
+          <p:cNvSpPr/>
+          <p:nvPr/>
+        </p:nvSpPr>
+        <p:spPr>
+          <a:xfrm>
+            <a:off x="38101" y="38097"/>
+            <a:ext cx="1260000" cy="1260000"/>
+          </a:xfrm>
+          <a:prstGeom prst="rect">
+            <a:avLst/>
+          </a:prstGeom>
+          <a:ln w="76200" cap="sq">
+            <a:solidFill>
+              <a:schemeClr val="tx1">
+                <a:lumMod val="85000"/>
+              </a:schemeClr>
+            </a:solidFill>
+            <a:miter lim="800000"/>
+          </a:ln>
+        </p:spPr>
+        <p:style>
+          <a:lnRef idx="2">
+            <a:schemeClr val="accent1">
+              <a:shade val="50000"/>
+            </a:schemeClr>
+          </a:lnRef>
+          <a:fillRef idx="1">
+            <a:schemeClr val="accent1"/>
+          </a:fillRef>
+          <a:effectRef idx="0">
+            <a:schemeClr val="accent1"/>
+          </a:effectRef>
+          <a:fontRef idx="minor">
+            <a:schemeClr val="lt1"/>
+          </a:fontRef>
+        </p:style>
+        <p:txBody>
+          <a:bodyPr rtlCol="0" anchor="ctr"/>
+          <a:lstStyle/>
+          <a:p>
+            <a:pPr algn="ctr"/>
+            <a:r>
+              <a:rPr lang="en-US" altLang="ko-KR" sz="5400" dirty="0">
+                <a:latin typeface="HY헤드라인M" panose="02030600000101010101" pitchFamily="18" charset="-127"/>
+                <a:ea typeface="HY헤드라인M" panose="02030600000101010101" pitchFamily="18" charset="-127"/>
+              </a:rPr>
+              <a:t>8</a:t>
+            </a:r>
+            <a:endParaRPr lang="ko-KR" altLang="en-US" sz="5400" dirty="0">
+              <a:latin typeface="HY헤드라인M" panose="02030600000101010101" pitchFamily="18" charset="-127"/>
+              <a:ea typeface="HY헤드라인M" panose="02030600000101010101" pitchFamily="18" charset="-127"/>
+            </a:endParaRPr>
+          </a:p>
+        </p:txBody>
+      </p:sp>
+      <p:sp>
+        <p:nvSpPr>
+          <p:cNvPr id="11" name="TextBox 10">
+            <a:extLst>
+              <a:ext uri="{FF2B5EF4-FFF2-40B4-BE49-F238E27FC236}">
+                <a16:creationId xmlns:a16="http://schemas.microsoft.com/office/drawing/2014/main" id="{EB6AD26A-4D70-44CF-9FF8-6140CA5F6660}"/>
+              </a:ext>
+            </a:extLst>
+          </p:cNvPr>
+          <p:cNvSpPr txBox="1"/>
+          <p:nvPr/>
+        </p:nvSpPr>
+        <p:spPr>
+          <a:xfrm>
+            <a:off x="1419225" y="393221"/>
+            <a:ext cx="6838950" cy="646331"/>
+          </a:xfrm>
+          <a:prstGeom prst="rect">
+            <a:avLst/>
+          </a:prstGeom>
+          <a:noFill/>
+        </p:spPr>
+        <p:txBody>
+          <a:bodyPr wrap="square" rtlCol="0">
+            <a:spAutoFit/>
+          </a:bodyPr>
+          <a:lstStyle/>
+          <a:p>
+            <a:r>
+              <a:rPr lang="ko-KR" altLang="en-US" sz="3600" dirty="0">
+                <a:latin typeface="HY헤드라인M" panose="02030600000101010101" pitchFamily="18" charset="-127"/>
+                <a:ea typeface="HY헤드라인M" panose="02030600000101010101" pitchFamily="18" charset="-127"/>
+              </a:rPr>
+              <a:t>타 게임과의 비교</a:t>
+            </a:r>
+            <a:endParaRPr lang="ko-KR" altLang="en-US" dirty="0"/>
+          </a:p>
+        </p:txBody>
+      </p:sp>
+    </p:spTree>
+    <p:extLst>
+      <p:ext uri="{BB962C8B-B14F-4D97-AF65-F5344CB8AC3E}">
+        <p14:creationId xmlns:p14="http://schemas.microsoft.com/office/powerpoint/2010/main" val="1375486611"/>
+      </p:ext>
+    </p:extLst>
+  </p:cSld>
+  <p:clrMapOvr>
+    <a:masterClrMapping/>
+  </p:clrMapOvr>
+</p:sld>
+</file>
+
+<file path=ppt/slides/slide14.xml><?xml version="1.0" encoding="utf-8"?>
+<p:sld xmlns:a="http://schemas.openxmlformats.org/drawingml/2006/main" xmlns:r="http://schemas.openxmlformats.org/officeDocument/2006/relationships" xmlns:p="http://schemas.openxmlformats.org/presentationml/2006/main" showMasterSp="0">
+  <p:cSld>
+    <p:spTree>
+      <p:nvGrpSpPr>
+        <p:cNvPr id="1" name=""/>
+        <p:cNvGrpSpPr/>
+        <p:nvPr/>
+      </p:nvGrpSpPr>
+      <p:grpSpPr>
+        <a:xfrm>
+          <a:off x="0" y="0"/>
+          <a:ext cx="0" cy="0"/>
+          <a:chOff x="0" y="0"/>
+          <a:chExt cx="0" cy="0"/>
+        </a:xfrm>
+      </p:grpSpPr>
+      <p:sp>
+        <p:nvSpPr>
+          <p:cNvPr id="6" name="직사각형 5">
+            <a:extLst>
+              <a:ext uri="{FF2B5EF4-FFF2-40B4-BE49-F238E27FC236}">
+                <a16:creationId xmlns:a16="http://schemas.microsoft.com/office/drawing/2014/main" id="{CFF1CAA2-04CC-496D-80EE-A52890558A65}"/>
+              </a:ext>
+            </a:extLst>
+          </p:cNvPr>
+          <p:cNvSpPr/>
+          <p:nvPr/>
+        </p:nvSpPr>
+        <p:spPr>
+          <a:xfrm>
+            <a:off x="38101" y="38097"/>
+            <a:ext cx="1260000" cy="1260000"/>
+          </a:xfrm>
+          <a:prstGeom prst="rect">
+            <a:avLst/>
+          </a:prstGeom>
+          <a:ln w="76200" cap="sq">
+            <a:solidFill>
+              <a:schemeClr val="tx1">
+                <a:lumMod val="85000"/>
+              </a:schemeClr>
+            </a:solidFill>
+            <a:miter lim="800000"/>
+          </a:ln>
+        </p:spPr>
+        <p:style>
+          <a:lnRef idx="2">
+            <a:schemeClr val="accent1">
+              <a:shade val="50000"/>
+            </a:schemeClr>
+          </a:lnRef>
+          <a:fillRef idx="1">
+            <a:schemeClr val="accent1"/>
+          </a:fillRef>
+          <a:effectRef idx="0">
+            <a:schemeClr val="accent1"/>
+          </a:effectRef>
+          <a:fontRef idx="minor">
+            <a:schemeClr val="lt1"/>
+          </a:fontRef>
+        </p:style>
+        <p:txBody>
+          <a:bodyPr rtlCol="0" anchor="ctr"/>
+          <a:lstStyle/>
+          <a:p>
+            <a:pPr algn="ctr"/>
+            <a:r>
+              <a:rPr lang="en-US" altLang="ko-KR" sz="5400" dirty="0">
+                <a:latin typeface="HY헤드라인M" panose="02030600000101010101" pitchFamily="18" charset="-127"/>
+                <a:ea typeface="HY헤드라인M" panose="02030600000101010101" pitchFamily="18" charset="-127"/>
+              </a:rPr>
+              <a:t>9</a:t>
+            </a:r>
+            <a:endParaRPr lang="ko-KR" altLang="en-US" sz="5400" dirty="0">
+              <a:latin typeface="HY헤드라인M" panose="02030600000101010101" pitchFamily="18" charset="-127"/>
+              <a:ea typeface="HY헤드라인M" panose="02030600000101010101" pitchFamily="18" charset="-127"/>
+            </a:endParaRPr>
+          </a:p>
+        </p:txBody>
+      </p:sp>
+      <p:sp>
+        <p:nvSpPr>
+          <p:cNvPr id="11" name="TextBox 10">
+            <a:extLst>
+              <a:ext uri="{FF2B5EF4-FFF2-40B4-BE49-F238E27FC236}">
+                <a16:creationId xmlns:a16="http://schemas.microsoft.com/office/drawing/2014/main" id="{EB6AD26A-4D70-44CF-9FF8-6140CA5F6660}"/>
+              </a:ext>
+            </a:extLst>
+          </p:cNvPr>
+          <p:cNvSpPr txBox="1"/>
+          <p:nvPr/>
+        </p:nvSpPr>
+        <p:spPr>
+          <a:xfrm>
+            <a:off x="1419225" y="393221"/>
+            <a:ext cx="6838950" cy="646331"/>
+          </a:xfrm>
+          <a:prstGeom prst="rect">
+            <a:avLst/>
+          </a:prstGeom>
+          <a:noFill/>
+        </p:spPr>
+        <p:txBody>
+          <a:bodyPr wrap="square" rtlCol="0">
+            <a:spAutoFit/>
+          </a:bodyPr>
+          <a:lstStyle/>
+          <a:p>
+            <a:r>
+              <a:rPr lang="ko-KR" altLang="en-US" sz="3600" dirty="0">
+                <a:latin typeface="HY헤드라인M" panose="02030600000101010101" pitchFamily="18" charset="-127"/>
+                <a:ea typeface="HY헤드라인M" panose="02030600000101010101" pitchFamily="18" charset="-127"/>
+              </a:rPr>
               <a:t>개발일정 및 구성원 역할분담</a:t>
             </a:r>
             <a:endParaRPr lang="ko-KR" altLang="en-US" dirty="0"/>
@@ -4833,21 +4861,21 @@
           <p:nvPr>
             <p:extLst>
               <p:ext uri="{D42A27DB-BD31-4B8C-83A1-F6EECF244321}">
-                <p14:modId xmlns:p14="http://schemas.microsoft.com/office/powerpoint/2010/main" val="2672523600"/>
+                <p14:modId xmlns:p14="http://schemas.microsoft.com/office/powerpoint/2010/main" val="3461897859"/>
               </p:ext>
             </p:extLst>
           </p:nvPr>
         </p:nvGraphicFramePr>
         <p:xfrm>
-          <a:off x="568655" y="1702237"/>
-          <a:ext cx="11054690" cy="4713358"/>
+          <a:off x="504625" y="1815359"/>
+          <a:ext cx="11182750" cy="4908170"/>
         </p:xfrm>
         <a:graphic>
           <a:graphicData uri="http://schemas.openxmlformats.org/drawingml/2006/table">
             <a:tbl>
               <a:tblPr/>
               <a:tblGrid>
-                <a:gridCol w="1228223">
+                <a:gridCol w="1356283">
                   <a:extLst>
                     <a:ext uri="{9D8B030D-6E8A-4147-A177-3AD203B41FA5}">
                       <a16:colId xmlns:a16="http://schemas.microsoft.com/office/drawing/2014/main" val="20000"/>
@@ -4896,14 +4924,14 @@
                     </a:ext>
                   </a:extLst>
                 </a:gridCol>
-                <a:gridCol w="409408">
+                <a:gridCol w="493549">
                   <a:extLst>
                     <a:ext uri="{9D8B030D-6E8A-4147-A177-3AD203B41FA5}">
                       <a16:colId xmlns:a16="http://schemas.microsoft.com/office/drawing/2014/main" val="996571854"/>
                     </a:ext>
                   </a:extLst>
                 </a:gridCol>
-                <a:gridCol w="1228223">
+                <a:gridCol w="1144082">
                   <a:extLst>
                     <a:ext uri="{9D8B030D-6E8A-4147-A177-3AD203B41FA5}">
                       <a16:colId xmlns:a16="http://schemas.microsoft.com/office/drawing/2014/main" val="20007"/>
@@ -5843,7 +5871,7 @@
                       <a:tailEnd type="none" w="med" len="med"/>
                     </a:lnB>
                     <a:solidFill>
-                      <a:srgbClr val="545455"/>
+                      <a:srgbClr val="92D050"/>
                     </a:solidFill>
                   </a:tcPr>
                 </a:tc>
@@ -5864,6 +5892,73 @@
                         </a:spcAft>
                       </a:pPr>
                       <a:endParaRPr lang="ko-KR" altLang="en-US" sz="1200" b="1" kern="0" spc="0" dirty="0">
+                        <a:solidFill>
+                          <a:schemeClr val="bg1"/>
+                        </a:solidFill>
+                        <a:latin typeface="+mn-ea"/>
+                        <a:ea typeface="+mn-ea"/>
+                      </a:endParaRPr>
+                    </a:p>
+                  </a:txBody>
+                  <a:tcPr marL="63779" marR="63779" marT="17417" marB="17417" anchor="ctr">
+                    <a:lnL w="3175" cap="flat" cmpd="sng" algn="ctr">
+                      <a:solidFill>
+                        <a:srgbClr val="000000"/>
+                      </a:solidFill>
+                      <a:prstDash val="solid"/>
+                      <a:round/>
+                      <a:headEnd type="none" w="med" len="med"/>
+                      <a:tailEnd type="none" w="med" len="med"/>
+                    </a:lnL>
+                    <a:lnR w="3175" cap="flat" cmpd="sng" algn="ctr">
+                      <a:solidFill>
+                        <a:srgbClr val="000000"/>
+                      </a:solidFill>
+                      <a:prstDash val="solid"/>
+                      <a:round/>
+                      <a:headEnd type="none" w="med" len="med"/>
+                      <a:tailEnd type="none" w="med" len="med"/>
+                    </a:lnR>
+                    <a:lnT w="3175" cap="flat" cmpd="sng" algn="ctr">
+                      <a:solidFill>
+                        <a:srgbClr val="000000"/>
+                      </a:solidFill>
+                      <a:prstDash val="solid"/>
+                      <a:round/>
+                      <a:headEnd type="none" w="med" len="med"/>
+                      <a:tailEnd type="none" w="med" len="med"/>
+                    </a:lnT>
+                    <a:lnB w="3175" cap="flat" cmpd="sng" algn="ctr">
+                      <a:solidFill>
+                        <a:srgbClr val="000000"/>
+                      </a:solidFill>
+                      <a:prstDash val="solid"/>
+                      <a:round/>
+                      <a:headEnd type="none" w="med" len="med"/>
+                      <a:tailEnd type="none" w="med" len="med"/>
+                    </a:lnB>
+                    <a:solidFill>
+                      <a:srgbClr val="92D050"/>
+                    </a:solidFill>
+                  </a:tcPr>
+                </a:tc>
+                <a:tc>
+                  <a:txBody>
+                    <a:bodyPr/>
+                    <a:lstStyle/>
+                    <a:p>
+                      <a:pPr marL="0" marR="0" indent="0" algn="just" fontAlgn="base" latinLnBrk="1">
+                        <a:lnSpc>
+                          <a:spcPct val="160000"/>
+                        </a:lnSpc>
+                        <a:spcBef>
+                          <a:spcPts val="0"/>
+                        </a:spcBef>
+                        <a:spcAft>
+                          <a:spcPts val="0"/>
+                        </a:spcAft>
+                      </a:pPr>
+                      <a:endParaRPr lang="ko-KR" altLang="en-US" sz="1200" b="1" kern="0" spc="0">
                         <a:solidFill>
                           <a:schemeClr val="bg1"/>
                         </a:solidFill>
@@ -5930,73 +6025,6 @@
                           <a:spcPts val="0"/>
                         </a:spcAft>
                       </a:pPr>
-                      <a:endParaRPr lang="ko-KR" altLang="en-US" sz="1200" b="1" kern="0" spc="0">
-                        <a:solidFill>
-                          <a:schemeClr val="bg1"/>
-                        </a:solidFill>
-                        <a:latin typeface="+mn-ea"/>
-                        <a:ea typeface="+mn-ea"/>
-                      </a:endParaRPr>
-                    </a:p>
-                  </a:txBody>
-                  <a:tcPr marL="63779" marR="63779" marT="17417" marB="17417" anchor="ctr">
-                    <a:lnL w="3175" cap="flat" cmpd="sng" algn="ctr">
-                      <a:solidFill>
-                        <a:srgbClr val="000000"/>
-                      </a:solidFill>
-                      <a:prstDash val="solid"/>
-                      <a:round/>
-                      <a:headEnd type="none" w="med" len="med"/>
-                      <a:tailEnd type="none" w="med" len="med"/>
-                    </a:lnL>
-                    <a:lnR w="3175" cap="flat" cmpd="sng" algn="ctr">
-                      <a:solidFill>
-                        <a:srgbClr val="000000"/>
-                      </a:solidFill>
-                      <a:prstDash val="solid"/>
-                      <a:round/>
-                      <a:headEnd type="none" w="med" len="med"/>
-                      <a:tailEnd type="none" w="med" len="med"/>
-                    </a:lnR>
-                    <a:lnT w="3175" cap="flat" cmpd="sng" algn="ctr">
-                      <a:solidFill>
-                        <a:srgbClr val="000000"/>
-                      </a:solidFill>
-                      <a:prstDash val="solid"/>
-                      <a:round/>
-                      <a:headEnd type="none" w="med" len="med"/>
-                      <a:tailEnd type="none" w="med" len="med"/>
-                    </a:lnT>
-                    <a:lnB w="3175" cap="flat" cmpd="sng" algn="ctr">
-                      <a:solidFill>
-                        <a:srgbClr val="000000"/>
-                      </a:solidFill>
-                      <a:prstDash val="solid"/>
-                      <a:round/>
-                      <a:headEnd type="none" w="med" len="med"/>
-                      <a:tailEnd type="none" w="med" len="med"/>
-                    </a:lnB>
-                    <a:solidFill>
-                      <a:srgbClr val="545455"/>
-                    </a:solidFill>
-                  </a:tcPr>
-                </a:tc>
-                <a:tc>
-                  <a:txBody>
-                    <a:bodyPr/>
-                    <a:lstStyle/>
-                    <a:p>
-                      <a:pPr marL="0" marR="0" indent="0" algn="just" fontAlgn="base" latinLnBrk="1">
-                        <a:lnSpc>
-                          <a:spcPct val="160000"/>
-                        </a:lnSpc>
-                        <a:spcBef>
-                          <a:spcPts val="0"/>
-                        </a:spcBef>
-                        <a:spcAft>
-                          <a:spcPts val="0"/>
-                        </a:spcAft>
-                      </a:pPr>
                       <a:endParaRPr lang="ko-KR" altLang="en-US" sz="1200" b="1" kern="0" spc="0" dirty="0">
                         <a:solidFill>
                           <a:schemeClr val="bg1"/>
@@ -6115,7 +6143,7 @@
                     </a:solidFill>
                   </a:tcPr>
                 </a:tc>
-                <a:tc rowSpan="10">
+                <a:tc rowSpan="11">
                   <a:txBody>
                     <a:bodyPr/>
                     <a:lstStyle/>
@@ -6260,11 +6288,9 @@
                       <a:headEnd type="none" w="med" len="med"/>
                       <a:tailEnd type="none" w="med" len="med"/>
                     </a:lnT>
-                    <a:lnB w="38100" cap="flat" cmpd="sng" algn="ctr">
-                      <a:solidFill>
-                        <a:schemeClr val="tx1">
-                          <a:lumMod val="85000"/>
-                        </a:schemeClr>
+                    <a:lnB w="3175" cap="flat" cmpd="sng" algn="ctr">
+                      <a:solidFill>
+                        <a:srgbClr val="000000"/>
                       </a:solidFill>
                       <a:prstDash val="solid"/>
                       <a:round/>
@@ -6480,7 +6506,7 @@
                     </a:solidFill>
                   </a:tcPr>
                 </a:tc>
-                <a:tc rowSpan="10">
+                <a:tc rowSpan="11">
                   <a:txBody>
                     <a:bodyPr/>
                     <a:lstStyle/>
@@ -6628,11 +6654,9 @@
                       <a:headEnd type="none" w="med" len="med"/>
                       <a:tailEnd type="none" w="med" len="med"/>
                     </a:lnT>
-                    <a:lnB w="38100" cap="flat" cmpd="sng" algn="ctr">
-                      <a:solidFill>
-                        <a:schemeClr val="tx1">
-                          <a:lumMod val="85000"/>
-                        </a:schemeClr>
+                    <a:lnB w="3175" cap="flat" cmpd="sng" algn="ctr">
+                      <a:solidFill>
+                        <a:srgbClr val="000000"/>
                       </a:solidFill>
                       <a:prstDash val="solid"/>
                       <a:round/>
@@ -6653,8 +6677,8 @@
                   </a:ext>
                 </a:extLst>
               </a:tr>
-              <a:tr h="321475">
-                <a:tc>
+              <a:tr h="330739">
+                <a:tc rowSpan="2">
                   <a:txBody>
                     <a:bodyPr/>
                     <a:lstStyle/>
@@ -6671,14 +6695,14 @@
                         </a:spcAft>
                       </a:pPr>
                       <a:r>
-                        <a:rPr lang="en-US" altLang="ko-KR" sz="1200" b="1" kern="0" spc="0" dirty="0">
+                        <a:rPr lang="ko-KR" altLang="en-US" sz="1200" b="1" kern="0" spc="0" dirty="0" err="1">
                           <a:solidFill>
                             <a:schemeClr val="bg1"/>
                           </a:solidFill>
                           <a:latin typeface="+mn-ea"/>
                           <a:ea typeface="+mn-ea"/>
                         </a:rPr>
-                        <a:t>UI</a:t>
+                        <a:t>셰이더</a:t>
                       </a:r>
                       <a:endParaRPr lang="ko-KR" altLang="en-US" sz="1200" b="1" kern="0" spc="0" dirty="0">
                         <a:solidFill>
@@ -6866,7 +6890,7 @@
                       <a:tailEnd type="none" w="med" len="med"/>
                     </a:lnB>
                     <a:solidFill>
-                      <a:srgbClr val="545455"/>
+                      <a:srgbClr val="92D050"/>
                     </a:solidFill>
                   </a:tcPr>
                 </a:tc>
@@ -6933,7 +6957,7 @@
                       <a:tailEnd type="none" w="med" len="med"/>
                     </a:lnB>
                     <a:solidFill>
-                      <a:srgbClr val="545455"/>
+                      <a:srgbClr val="92D050"/>
                     </a:solidFill>
                   </a:tcPr>
                 </a:tc>
@@ -7000,7 +7024,7 @@
                       <a:tailEnd type="none" w="med" len="med"/>
                     </a:lnB>
                     <a:solidFill>
-                      <a:srgbClr val="545455"/>
+                      <a:srgbClr val="92D050"/>
                     </a:solidFill>
                   </a:tcPr>
                 </a:tc>
@@ -7067,7 +7091,7 @@
                       <a:tailEnd type="none" w="med" len="med"/>
                     </a:lnB>
                     <a:solidFill>
-                      <a:srgbClr val="545455"/>
+                      <a:srgbClr val="92D050"/>
                     </a:solidFill>
                   </a:tcPr>
                 </a:tc>
@@ -7129,7 +7153,7 @@
                       <a:tailEnd type="none" w="med" len="med"/>
                     </a:lnB>
                     <a:solidFill>
-                      <a:srgbClr val="545455"/>
+                      <a:srgbClr val="92D050"/>
                     </a:solidFill>
                   </a:tcPr>
                 </a:tc>
@@ -7337,88 +7361,17 @@
                   </a:ext>
                 </a:extLst>
               </a:tr>
-              <a:tr h="371475">
-                <a:tc>
+              <a:tr h="330739">
+                <a:tc vMerge="1">
                   <a:txBody>
                     <a:bodyPr/>
                     <a:lstStyle/>
                     <a:p>
-                      <a:pPr marL="0" marR="0" indent="0" algn="ctr" fontAlgn="base" latinLnBrk="0">
-                        <a:lnSpc>
-                          <a:spcPct val="160000"/>
-                        </a:lnSpc>
-                        <a:spcBef>
-                          <a:spcPts val="0"/>
-                        </a:spcBef>
-                        <a:spcAft>
-                          <a:spcPts val="0"/>
-                        </a:spcAft>
-                      </a:pPr>
-                      <a:r>
-                        <a:rPr lang="en-US" altLang="ko-KR" sz="1200" b="1" kern="0" spc="0" dirty="0">
-                          <a:solidFill>
-                            <a:schemeClr val="bg1"/>
-                          </a:solidFill>
-                          <a:latin typeface="+mn-ea"/>
-                          <a:ea typeface="+mn-ea"/>
-                        </a:rPr>
-                        <a:t>-</a:t>
-                      </a:r>
-                      <a:endParaRPr lang="ko-KR" altLang="en-US" sz="1200" b="1" kern="0" spc="0" dirty="0">
-                        <a:solidFill>
-                          <a:schemeClr val="bg1"/>
-                        </a:solidFill>
-                        <a:latin typeface="+mn-ea"/>
-                        <a:ea typeface="+mn-ea"/>
-                      </a:endParaRPr>
+                      <a:pPr latinLnBrk="1"/>
+                      <a:endParaRPr lang="ko-KR" altLang="en-US"/>
                     </a:p>
                   </a:txBody>
-                  <a:tcPr marL="63779" marR="63779" marT="17417" marB="17417" anchor="ctr">
-                    <a:lnL w="38100" cap="flat" cmpd="sng" algn="ctr">
-                      <a:solidFill>
-                        <a:schemeClr val="tx1">
-                          <a:lumMod val="85000"/>
-                        </a:schemeClr>
-                      </a:solidFill>
-                      <a:prstDash val="solid"/>
-                      <a:round/>
-                      <a:headEnd type="none" w="med" len="med"/>
-                      <a:tailEnd type="none" w="med" len="med"/>
-                    </a:lnL>
-                    <a:lnR w="3175" cap="flat" cmpd="sng" algn="ctr">
-                      <a:solidFill>
-                        <a:srgbClr val="000000"/>
-                      </a:solidFill>
-                      <a:prstDash val="solid"/>
-                      <a:round/>
-                      <a:headEnd type="none" w="med" len="med"/>
-                      <a:tailEnd type="none" w="med" len="med"/>
-                    </a:lnR>
-                    <a:lnT w="3175" cap="flat" cmpd="sng" algn="ctr">
-                      <a:solidFill>
-                        <a:srgbClr val="000000"/>
-                      </a:solidFill>
-                      <a:prstDash val="solid"/>
-                      <a:round/>
-                      <a:headEnd type="none" w="med" len="med"/>
-                      <a:tailEnd type="none" w="med" len="med"/>
-                    </a:lnT>
-                    <a:lnB w="3175" cap="flat" cmpd="sng" algn="ctr">
-                      <a:solidFill>
-                        <a:srgbClr val="000000"/>
-                      </a:solidFill>
-                      <a:prstDash val="solid"/>
-                      <a:round/>
-                      <a:headEnd type="none" w="med" len="med"/>
-                      <a:tailEnd type="none" w="med" len="med"/>
-                    </a:lnB>
-                    <a:solidFill>
-                      <a:schemeClr val="tx1">
-                        <a:lumMod val="65000"/>
-                        <a:lumOff val="35000"/>
-                      </a:schemeClr>
-                    </a:solidFill>
-                  </a:tcPr>
+                  <a:tcPr/>
                 </a:tc>
                 <a:tc>
                   <a:txBody>
@@ -7550,7 +7503,7 @@
                       <a:tailEnd type="none" w="med" len="med"/>
                     </a:lnB>
                     <a:solidFill>
-                      <a:srgbClr val="545455"/>
+                      <a:srgbClr val="618197"/>
                     </a:solidFill>
                   </a:tcPr>
                 </a:tc>
@@ -7617,7 +7570,7 @@
                       <a:tailEnd type="none" w="med" len="med"/>
                     </a:lnB>
                     <a:solidFill>
-                      <a:srgbClr val="545455"/>
+                      <a:srgbClr val="618197"/>
                     </a:solidFill>
                   </a:tcPr>
                 </a:tc>
@@ -7684,7 +7637,7 @@
                       <a:tailEnd type="none" w="med" len="med"/>
                     </a:lnB>
                     <a:solidFill>
-                      <a:srgbClr val="545455"/>
+                      <a:srgbClr val="618197"/>
                     </a:solidFill>
                   </a:tcPr>
                 </a:tc>
@@ -7751,7 +7704,7 @@
                       <a:tailEnd type="none" w="med" len="med"/>
                     </a:lnB>
                     <a:solidFill>
-                      <a:srgbClr val="545455"/>
+                      <a:srgbClr val="618197"/>
                     </a:solidFill>
                   </a:tcPr>
                 </a:tc>
@@ -7813,7 +7766,7 @@
                       <a:tailEnd type="none" w="med" len="med"/>
                     </a:lnB>
                     <a:solidFill>
-                      <a:srgbClr val="545455"/>
+                      <a:srgbClr val="618197"/>
                     </a:solidFill>
                   </a:tcPr>
                 </a:tc>
@@ -7964,11 +7917,671 @@
                 </a:tc>
                 <a:extLst>
                   <a:ext uri="{0D108BD9-81ED-4DB2-BD59-A6C34878D82A}">
-                    <a16:rowId xmlns:a16="http://schemas.microsoft.com/office/drawing/2014/main" val="2613179605"/>
+                    <a16:rowId xmlns:a16="http://schemas.microsoft.com/office/drawing/2014/main" val="3132021439"/>
                   </a:ext>
                 </a:extLst>
               </a:tr>
-              <a:tr h="371475">
+              <a:tr h="421341">
+                <a:tc>
+                  <a:txBody>
+                    <a:bodyPr/>
+                    <a:lstStyle/>
+                    <a:p>
+                      <a:pPr marL="0" marR="0" indent="0" algn="ctr" fontAlgn="base" latinLnBrk="0">
+                        <a:lnSpc>
+                          <a:spcPct val="160000"/>
+                        </a:lnSpc>
+                        <a:spcBef>
+                          <a:spcPts val="0"/>
+                        </a:spcBef>
+                        <a:spcAft>
+                          <a:spcPts val="0"/>
+                        </a:spcAft>
+                      </a:pPr>
+                      <a:r>
+                        <a:rPr lang="en-US" altLang="ko-KR" sz="1200" b="1" kern="0" spc="0">
+                          <a:solidFill>
+                            <a:schemeClr val="bg1"/>
+                          </a:solidFill>
+                          <a:latin typeface="+mn-ea"/>
+                          <a:ea typeface="+mn-ea"/>
+                        </a:rPr>
+                        <a:t>-</a:t>
+                      </a:r>
+                      <a:endParaRPr lang="ko-KR" altLang="en-US" sz="1200" b="1" kern="0" spc="0" dirty="0">
+                        <a:solidFill>
+                          <a:schemeClr val="bg1"/>
+                        </a:solidFill>
+                        <a:latin typeface="+mn-ea"/>
+                        <a:ea typeface="+mn-ea"/>
+                      </a:endParaRPr>
+                    </a:p>
+                  </a:txBody>
+                  <a:tcPr marL="63779" marR="63779" marT="17417" marB="17417" anchor="ctr">
+                    <a:lnL w="38100" cap="flat" cmpd="sng" algn="ctr">
+                      <a:solidFill>
+                        <a:schemeClr val="tx1">
+                          <a:lumMod val="85000"/>
+                        </a:schemeClr>
+                      </a:solidFill>
+                      <a:prstDash val="solid"/>
+                      <a:round/>
+                      <a:headEnd type="none" w="med" len="med"/>
+                      <a:tailEnd type="none" w="med" len="med"/>
+                    </a:lnL>
+                    <a:lnR w="3175" cap="flat" cmpd="sng" algn="ctr">
+                      <a:solidFill>
+                        <a:srgbClr val="000000"/>
+                      </a:solidFill>
+                      <a:prstDash val="solid"/>
+                      <a:round/>
+                      <a:headEnd type="none" w="med" len="med"/>
+                      <a:tailEnd type="none" w="med" len="med"/>
+                    </a:lnR>
+                    <a:lnT w="3175" cap="flat" cmpd="sng" algn="ctr">
+                      <a:solidFill>
+                        <a:srgbClr val="000000"/>
+                      </a:solidFill>
+                      <a:prstDash val="solid"/>
+                      <a:round/>
+                      <a:headEnd type="none" w="med" len="med"/>
+                      <a:tailEnd type="none" w="med" len="med"/>
+                    </a:lnT>
+                    <a:lnB w="3175" cap="flat" cmpd="sng" algn="ctr">
+                      <a:solidFill>
+                        <a:srgbClr val="000000"/>
+                      </a:solidFill>
+                      <a:prstDash val="solid"/>
+                      <a:round/>
+                      <a:headEnd type="none" w="med" len="med"/>
+                      <a:tailEnd type="none" w="med" len="med"/>
+                    </a:lnB>
+                    <a:solidFill>
+                      <a:schemeClr val="tx1">
+                        <a:lumMod val="65000"/>
+                        <a:lumOff val="35000"/>
+                      </a:schemeClr>
+                    </a:solidFill>
+                  </a:tcPr>
+                </a:tc>
+                <a:tc>
+                  <a:txBody>
+                    <a:bodyPr/>
+                    <a:lstStyle/>
+                    <a:p>
+                      <a:pPr marL="0" marR="0" indent="0" algn="just" fontAlgn="base" latinLnBrk="1">
+                        <a:lnSpc>
+                          <a:spcPct val="160000"/>
+                        </a:lnSpc>
+                        <a:spcBef>
+                          <a:spcPts val="0"/>
+                        </a:spcBef>
+                        <a:spcAft>
+                          <a:spcPts val="0"/>
+                        </a:spcAft>
+                      </a:pPr>
+                      <a:endParaRPr lang="ko-KR" altLang="en-US" sz="1200" b="1" kern="0" spc="0" dirty="0">
+                        <a:solidFill>
+                          <a:schemeClr val="bg1"/>
+                        </a:solidFill>
+                        <a:latin typeface="+mn-ea"/>
+                        <a:ea typeface="+mn-ea"/>
+                      </a:endParaRPr>
+                    </a:p>
+                  </a:txBody>
+                  <a:tcPr marL="63779" marR="63779" marT="17417" marB="17417" anchor="ctr">
+                    <a:lnL w="3175" cap="flat" cmpd="sng" algn="ctr">
+                      <a:solidFill>
+                        <a:srgbClr val="000000"/>
+                      </a:solidFill>
+                      <a:prstDash val="solid"/>
+                      <a:round/>
+                      <a:headEnd type="none" w="med" len="med"/>
+                      <a:tailEnd type="none" w="med" len="med"/>
+                    </a:lnL>
+                    <a:lnR w="3175" cap="flat" cmpd="sng" algn="ctr">
+                      <a:solidFill>
+                        <a:srgbClr val="000000"/>
+                      </a:solidFill>
+                      <a:prstDash val="solid"/>
+                      <a:round/>
+                      <a:headEnd type="none" w="med" len="med"/>
+                      <a:tailEnd type="none" w="med" len="med"/>
+                    </a:lnR>
+                    <a:lnT w="3175" cap="flat" cmpd="sng" algn="ctr">
+                      <a:solidFill>
+                        <a:srgbClr val="000000"/>
+                      </a:solidFill>
+                      <a:prstDash val="solid"/>
+                      <a:round/>
+                      <a:headEnd type="none" w="med" len="med"/>
+                      <a:tailEnd type="none" w="med" len="med"/>
+                    </a:lnT>
+                    <a:lnB w="3175" cap="flat" cmpd="sng" algn="ctr">
+                      <a:solidFill>
+                        <a:srgbClr val="000000"/>
+                      </a:solidFill>
+                      <a:prstDash val="solid"/>
+                      <a:round/>
+                      <a:headEnd type="none" w="med" len="med"/>
+                      <a:tailEnd type="none" w="med" len="med"/>
+                    </a:lnB>
+                    <a:solidFill>
+                      <a:srgbClr val="545455"/>
+                    </a:solidFill>
+                  </a:tcPr>
+                </a:tc>
+                <a:tc>
+                  <a:txBody>
+                    <a:bodyPr/>
+                    <a:lstStyle/>
+                    <a:p>
+                      <a:pPr marL="0" marR="0" indent="0" algn="just" fontAlgn="base" latinLnBrk="1">
+                        <a:lnSpc>
+                          <a:spcPct val="160000"/>
+                        </a:lnSpc>
+                        <a:spcBef>
+                          <a:spcPts val="0"/>
+                        </a:spcBef>
+                        <a:spcAft>
+                          <a:spcPts val="0"/>
+                        </a:spcAft>
+                      </a:pPr>
+                      <a:endParaRPr lang="ko-KR" altLang="en-US" sz="1200" b="1" kern="0" spc="0" dirty="0">
+                        <a:solidFill>
+                          <a:schemeClr val="bg1"/>
+                        </a:solidFill>
+                        <a:latin typeface="+mn-ea"/>
+                        <a:ea typeface="+mn-ea"/>
+                      </a:endParaRPr>
+                    </a:p>
+                  </a:txBody>
+                  <a:tcPr marL="63779" marR="63779" marT="17417" marB="17417" anchor="ctr">
+                    <a:lnL w="3175" cap="flat" cmpd="sng" algn="ctr">
+                      <a:solidFill>
+                        <a:srgbClr val="000000"/>
+                      </a:solidFill>
+                      <a:prstDash val="solid"/>
+                      <a:round/>
+                      <a:headEnd type="none" w="med" len="med"/>
+                      <a:tailEnd type="none" w="med" len="med"/>
+                    </a:lnL>
+                    <a:lnR w="3175" cap="flat" cmpd="sng" algn="ctr">
+                      <a:solidFill>
+                        <a:srgbClr val="000000"/>
+                      </a:solidFill>
+                      <a:prstDash val="solid"/>
+                      <a:round/>
+                      <a:headEnd type="none" w="med" len="med"/>
+                      <a:tailEnd type="none" w="med" len="med"/>
+                    </a:lnR>
+                    <a:lnT w="3175" cap="flat" cmpd="sng" algn="ctr">
+                      <a:solidFill>
+                        <a:srgbClr val="000000"/>
+                      </a:solidFill>
+                      <a:prstDash val="solid"/>
+                      <a:round/>
+                      <a:headEnd type="none" w="med" len="med"/>
+                      <a:tailEnd type="none" w="med" len="med"/>
+                    </a:lnT>
+                    <a:lnB w="3175" cap="flat" cmpd="sng" algn="ctr">
+                      <a:solidFill>
+                        <a:srgbClr val="000000"/>
+                      </a:solidFill>
+                      <a:prstDash val="solid"/>
+                      <a:round/>
+                      <a:headEnd type="none" w="med" len="med"/>
+                      <a:tailEnd type="none" w="med" len="med"/>
+                    </a:lnB>
+                    <a:solidFill>
+                      <a:srgbClr val="545455"/>
+                    </a:solidFill>
+                  </a:tcPr>
+                </a:tc>
+                <a:tc>
+                  <a:txBody>
+                    <a:bodyPr/>
+                    <a:lstStyle/>
+                    <a:p>
+                      <a:pPr marL="0" marR="0" indent="0" algn="just" fontAlgn="base" latinLnBrk="1">
+                        <a:lnSpc>
+                          <a:spcPct val="160000"/>
+                        </a:lnSpc>
+                        <a:spcBef>
+                          <a:spcPts val="0"/>
+                        </a:spcBef>
+                        <a:spcAft>
+                          <a:spcPts val="0"/>
+                        </a:spcAft>
+                      </a:pPr>
+                      <a:endParaRPr lang="ko-KR" altLang="en-US" sz="1200" b="1" kern="0" spc="0" dirty="0">
+                        <a:solidFill>
+                          <a:schemeClr val="bg1"/>
+                        </a:solidFill>
+                        <a:latin typeface="+mn-ea"/>
+                        <a:ea typeface="+mn-ea"/>
+                      </a:endParaRPr>
+                    </a:p>
+                  </a:txBody>
+                  <a:tcPr marL="63779" marR="63779" marT="17417" marB="17417" anchor="ctr">
+                    <a:lnL w="3175" cap="flat" cmpd="sng" algn="ctr">
+                      <a:solidFill>
+                        <a:srgbClr val="000000"/>
+                      </a:solidFill>
+                      <a:prstDash val="solid"/>
+                      <a:round/>
+                      <a:headEnd type="none" w="med" len="med"/>
+                      <a:tailEnd type="none" w="med" len="med"/>
+                    </a:lnL>
+                    <a:lnR w="3175" cap="flat" cmpd="sng" algn="ctr">
+                      <a:solidFill>
+                        <a:srgbClr val="000000"/>
+                      </a:solidFill>
+                      <a:prstDash val="solid"/>
+                      <a:round/>
+                      <a:headEnd type="none" w="med" len="med"/>
+                      <a:tailEnd type="none" w="med" len="med"/>
+                    </a:lnR>
+                    <a:lnT w="3175" cap="flat" cmpd="sng" algn="ctr">
+                      <a:solidFill>
+                        <a:srgbClr val="000000"/>
+                      </a:solidFill>
+                      <a:prstDash val="solid"/>
+                      <a:round/>
+                      <a:headEnd type="none" w="med" len="med"/>
+                      <a:tailEnd type="none" w="med" len="med"/>
+                    </a:lnT>
+                    <a:lnB w="3175" cap="flat" cmpd="sng" algn="ctr">
+                      <a:solidFill>
+                        <a:srgbClr val="000000"/>
+                      </a:solidFill>
+                      <a:prstDash val="solid"/>
+                      <a:round/>
+                      <a:headEnd type="none" w="med" len="med"/>
+                      <a:tailEnd type="none" w="med" len="med"/>
+                    </a:lnB>
+                    <a:solidFill>
+                      <a:srgbClr val="545455"/>
+                    </a:solidFill>
+                  </a:tcPr>
+                </a:tc>
+                <a:tc>
+                  <a:txBody>
+                    <a:bodyPr/>
+                    <a:lstStyle/>
+                    <a:p>
+                      <a:pPr marL="0" marR="0" indent="0" algn="just" fontAlgn="base" latinLnBrk="1">
+                        <a:lnSpc>
+                          <a:spcPct val="160000"/>
+                        </a:lnSpc>
+                        <a:spcBef>
+                          <a:spcPts val="0"/>
+                        </a:spcBef>
+                        <a:spcAft>
+                          <a:spcPts val="0"/>
+                        </a:spcAft>
+                      </a:pPr>
+                      <a:endParaRPr lang="ko-KR" altLang="en-US" sz="1200" b="1" kern="0" spc="0" dirty="0">
+                        <a:solidFill>
+                          <a:schemeClr val="bg1"/>
+                        </a:solidFill>
+                        <a:latin typeface="+mn-ea"/>
+                        <a:ea typeface="+mn-ea"/>
+                      </a:endParaRPr>
+                    </a:p>
+                  </a:txBody>
+                  <a:tcPr marL="63779" marR="63779" marT="17417" marB="17417" anchor="ctr">
+                    <a:lnL w="3175" cap="flat" cmpd="sng" algn="ctr">
+                      <a:solidFill>
+                        <a:srgbClr val="000000"/>
+                      </a:solidFill>
+                      <a:prstDash val="solid"/>
+                      <a:round/>
+                      <a:headEnd type="none" w="med" len="med"/>
+                      <a:tailEnd type="none" w="med" len="med"/>
+                    </a:lnL>
+                    <a:lnR w="3175" cap="flat" cmpd="sng" algn="ctr">
+                      <a:solidFill>
+                        <a:srgbClr val="000000"/>
+                      </a:solidFill>
+                      <a:prstDash val="solid"/>
+                      <a:round/>
+                      <a:headEnd type="none" w="med" len="med"/>
+                      <a:tailEnd type="none" w="med" len="med"/>
+                    </a:lnR>
+                    <a:lnT w="3175" cap="flat" cmpd="sng" algn="ctr">
+                      <a:solidFill>
+                        <a:srgbClr val="000000"/>
+                      </a:solidFill>
+                      <a:prstDash val="solid"/>
+                      <a:round/>
+                      <a:headEnd type="none" w="med" len="med"/>
+                      <a:tailEnd type="none" w="med" len="med"/>
+                    </a:lnT>
+                    <a:lnB w="3175" cap="flat" cmpd="sng" algn="ctr">
+                      <a:solidFill>
+                        <a:srgbClr val="000000"/>
+                      </a:solidFill>
+                      <a:prstDash val="solid"/>
+                      <a:round/>
+                      <a:headEnd type="none" w="med" len="med"/>
+                      <a:tailEnd type="none" w="med" len="med"/>
+                    </a:lnB>
+                    <a:solidFill>
+                      <a:srgbClr val="545455"/>
+                    </a:solidFill>
+                  </a:tcPr>
+                </a:tc>
+                <a:tc>
+                  <a:txBody>
+                    <a:bodyPr/>
+                    <a:lstStyle/>
+                    <a:p>
+                      <a:pPr marL="0" marR="0" indent="0" algn="just" fontAlgn="base" latinLnBrk="1">
+                        <a:lnSpc>
+                          <a:spcPct val="160000"/>
+                        </a:lnSpc>
+                        <a:spcBef>
+                          <a:spcPts val="0"/>
+                        </a:spcBef>
+                        <a:spcAft>
+                          <a:spcPts val="0"/>
+                        </a:spcAft>
+                      </a:pPr>
+                      <a:endParaRPr lang="ko-KR" altLang="en-US" sz="1200" b="1" kern="0" spc="0" dirty="0">
+                        <a:solidFill>
+                          <a:schemeClr val="bg1"/>
+                        </a:solidFill>
+                        <a:latin typeface="+mn-ea"/>
+                        <a:ea typeface="+mn-ea"/>
+                      </a:endParaRPr>
+                    </a:p>
+                  </a:txBody>
+                  <a:tcPr marL="63779" marR="63779" marT="17417" marB="17417" anchor="ctr">
+                    <a:lnL w="3175" cap="flat" cmpd="sng" algn="ctr">
+                      <a:solidFill>
+                        <a:srgbClr val="000000"/>
+                      </a:solidFill>
+                      <a:prstDash val="solid"/>
+                      <a:round/>
+                      <a:headEnd type="none" w="med" len="med"/>
+                      <a:tailEnd type="none" w="med" len="med"/>
+                    </a:lnL>
+                    <a:lnR w="3175" cap="flat" cmpd="sng" algn="ctr">
+                      <a:solidFill>
+                        <a:srgbClr val="000000"/>
+                      </a:solidFill>
+                      <a:prstDash val="solid"/>
+                      <a:round/>
+                      <a:headEnd type="none" w="med" len="med"/>
+                      <a:tailEnd type="none" w="med" len="med"/>
+                    </a:lnR>
+                    <a:lnT w="3175" cap="flat" cmpd="sng" algn="ctr">
+                      <a:solidFill>
+                        <a:srgbClr val="000000"/>
+                      </a:solidFill>
+                      <a:prstDash val="solid"/>
+                      <a:round/>
+                      <a:headEnd type="none" w="med" len="med"/>
+                      <a:tailEnd type="none" w="med" len="med"/>
+                    </a:lnT>
+                    <a:lnB w="3175" cap="flat" cmpd="sng" algn="ctr">
+                      <a:solidFill>
+                        <a:srgbClr val="000000"/>
+                      </a:solidFill>
+                      <a:prstDash val="solid"/>
+                      <a:round/>
+                      <a:headEnd type="none" w="med" len="med"/>
+                      <a:tailEnd type="none" w="med" len="med"/>
+                    </a:lnB>
+                    <a:solidFill>
+                      <a:srgbClr val="545455"/>
+                    </a:solidFill>
+                  </a:tcPr>
+                </a:tc>
+                <a:tc vMerge="1">
+                  <a:txBody>
+                    <a:bodyPr/>
+                    <a:lstStyle/>
+                    <a:p>
+                      <a:pPr latinLnBrk="1"/>
+                      <a:endParaRPr lang="ko-KR" altLang="en-US"/>
+                    </a:p>
+                  </a:txBody>
+                  <a:tcPr>
+                    <a:lnL w="3175" cap="flat" cmpd="sng" algn="ctr">
+                      <a:solidFill>
+                        <a:srgbClr val="000000"/>
+                      </a:solidFill>
+                      <a:prstDash val="solid"/>
+                      <a:round/>
+                      <a:headEnd type="none" w="med" len="med"/>
+                      <a:tailEnd type="none" w="med" len="med"/>
+                    </a:lnL>
+                    <a:lnT w="3175" cap="flat" cmpd="sng" algn="ctr">
+                      <a:solidFill>
+                        <a:srgbClr val="000000"/>
+                      </a:solidFill>
+                      <a:prstDash val="solid"/>
+                      <a:round/>
+                      <a:headEnd type="none" w="med" len="med"/>
+                      <a:tailEnd type="none" w="med" len="med"/>
+                    </a:lnT>
+                  </a:tcPr>
+                </a:tc>
+                <a:tc>
+                  <a:txBody>
+                    <a:bodyPr/>
+                    <a:lstStyle/>
+                    <a:p>
+                      <a:pPr latinLnBrk="1"/>
+                      <a:endParaRPr lang="ko-KR" altLang="en-US" dirty="0"/>
+                    </a:p>
+                  </a:txBody>
+                  <a:tcPr marL="63779" marR="63779" marT="17417" marB="17417" anchor="ctr">
+                    <a:lnR w="3175" cap="flat" cmpd="sng" algn="ctr">
+                      <a:solidFill>
+                        <a:srgbClr val="000000"/>
+                      </a:solidFill>
+                      <a:prstDash val="solid"/>
+                      <a:round/>
+                      <a:headEnd type="none" w="med" len="med"/>
+                      <a:tailEnd type="none" w="med" len="med"/>
+                    </a:lnR>
+                    <a:lnT w="3175" cap="flat" cmpd="sng" algn="ctr">
+                      <a:solidFill>
+                        <a:srgbClr val="000000"/>
+                      </a:solidFill>
+                      <a:prstDash val="solid"/>
+                      <a:round/>
+                      <a:headEnd type="none" w="med" len="med"/>
+                      <a:tailEnd type="none" w="med" len="med"/>
+                    </a:lnT>
+                    <a:lnB w="3175" cap="flat" cmpd="sng" algn="ctr">
+                      <a:solidFill>
+                        <a:srgbClr val="000000"/>
+                      </a:solidFill>
+                      <a:prstDash val="solid"/>
+                      <a:round/>
+                      <a:headEnd type="none" w="med" len="med"/>
+                      <a:tailEnd type="none" w="med" len="med"/>
+                    </a:lnB>
+                    <a:solidFill>
+                      <a:srgbClr val="545455"/>
+                    </a:solidFill>
+                  </a:tcPr>
+                </a:tc>
+                <a:tc>
+                  <a:txBody>
+                    <a:bodyPr/>
+                    <a:lstStyle/>
+                    <a:p>
+                      <a:pPr marL="0" marR="0" indent="0" algn="just" fontAlgn="base" latinLnBrk="1">
+                        <a:lnSpc>
+                          <a:spcPct val="160000"/>
+                        </a:lnSpc>
+                        <a:spcBef>
+                          <a:spcPts val="0"/>
+                        </a:spcBef>
+                        <a:spcAft>
+                          <a:spcPts val="0"/>
+                        </a:spcAft>
+                      </a:pPr>
+                      <a:endParaRPr lang="ko-KR" altLang="en-US" sz="1200" b="1" kern="0" spc="0" dirty="0">
+                        <a:solidFill>
+                          <a:schemeClr val="bg1"/>
+                        </a:solidFill>
+                        <a:latin typeface="+mn-ea"/>
+                        <a:ea typeface="+mn-ea"/>
+                      </a:endParaRPr>
+                    </a:p>
+                  </a:txBody>
+                  <a:tcPr marL="63779" marR="63779" marT="17417" marB="17417" anchor="ctr">
+                    <a:lnL w="3175" cap="flat" cmpd="sng" algn="ctr">
+                      <a:solidFill>
+                        <a:srgbClr val="000000"/>
+                      </a:solidFill>
+                      <a:prstDash val="solid"/>
+                      <a:round/>
+                      <a:headEnd type="none" w="med" len="med"/>
+                      <a:tailEnd type="none" w="med" len="med"/>
+                    </a:lnL>
+                    <a:lnR w="3175" cap="flat" cmpd="sng" algn="ctr">
+                      <a:solidFill>
+                        <a:srgbClr val="000000"/>
+                      </a:solidFill>
+                      <a:prstDash val="solid"/>
+                      <a:round/>
+                      <a:headEnd type="none" w="med" len="med"/>
+                      <a:tailEnd type="none" w="med" len="med"/>
+                    </a:lnR>
+                    <a:lnT w="3175" cap="flat" cmpd="sng" algn="ctr">
+                      <a:solidFill>
+                        <a:srgbClr val="000000"/>
+                      </a:solidFill>
+                      <a:prstDash val="solid"/>
+                      <a:round/>
+                      <a:headEnd type="none" w="med" len="med"/>
+                      <a:tailEnd type="none" w="med" len="med"/>
+                    </a:lnT>
+                    <a:lnB w="3175" cap="flat" cmpd="sng" algn="ctr">
+                      <a:solidFill>
+                        <a:srgbClr val="000000"/>
+                      </a:solidFill>
+                      <a:prstDash val="solid"/>
+                      <a:round/>
+                      <a:headEnd type="none" w="med" len="med"/>
+                      <a:tailEnd type="none" w="med" len="med"/>
+                    </a:lnB>
+                    <a:solidFill>
+                      <a:srgbClr val="545455"/>
+                    </a:solidFill>
+                  </a:tcPr>
+                </a:tc>
+                <a:tc>
+                  <a:txBody>
+                    <a:bodyPr/>
+                    <a:lstStyle/>
+                    <a:p>
+                      <a:pPr marL="0" marR="0" indent="0" algn="just" fontAlgn="base" latinLnBrk="1">
+                        <a:lnSpc>
+                          <a:spcPct val="160000"/>
+                        </a:lnSpc>
+                        <a:spcBef>
+                          <a:spcPts val="0"/>
+                        </a:spcBef>
+                        <a:spcAft>
+                          <a:spcPts val="0"/>
+                        </a:spcAft>
+                      </a:pPr>
+                      <a:endParaRPr lang="ko-KR" altLang="en-US" sz="1200" b="1" kern="0" spc="0" dirty="0">
+                        <a:solidFill>
+                          <a:schemeClr val="bg1"/>
+                        </a:solidFill>
+                        <a:latin typeface="+mn-ea"/>
+                        <a:ea typeface="+mn-ea"/>
+                      </a:endParaRPr>
+                    </a:p>
+                  </a:txBody>
+                  <a:tcPr marL="63779" marR="63779" marT="17417" marB="17417" anchor="ctr">
+                    <a:lnL w="3175" cap="flat" cmpd="sng" algn="ctr">
+                      <a:solidFill>
+                        <a:srgbClr val="000000"/>
+                      </a:solidFill>
+                      <a:prstDash val="solid"/>
+                      <a:round/>
+                      <a:headEnd type="none" w="med" len="med"/>
+                      <a:tailEnd type="none" w="med" len="med"/>
+                    </a:lnL>
+                    <a:lnR w="3175" cap="flat" cmpd="sng" algn="ctr">
+                      <a:solidFill>
+                        <a:srgbClr val="000000"/>
+                      </a:solidFill>
+                      <a:prstDash val="solid"/>
+                      <a:round/>
+                      <a:headEnd type="none" w="med" len="med"/>
+                      <a:tailEnd type="none" w="med" len="med"/>
+                    </a:lnR>
+                    <a:lnT w="3175" cap="flat" cmpd="sng" algn="ctr">
+                      <a:solidFill>
+                        <a:srgbClr val="000000"/>
+                      </a:solidFill>
+                      <a:prstDash val="solid"/>
+                      <a:round/>
+                      <a:headEnd type="none" w="med" len="med"/>
+                      <a:tailEnd type="none" w="med" len="med"/>
+                    </a:lnT>
+                    <a:lnB w="3175" cap="flat" cmpd="sng" algn="ctr">
+                      <a:solidFill>
+                        <a:srgbClr val="000000"/>
+                      </a:solidFill>
+                      <a:prstDash val="solid"/>
+                      <a:round/>
+                      <a:headEnd type="none" w="med" len="med"/>
+                      <a:tailEnd type="none" w="med" len="med"/>
+                    </a:lnB>
+                    <a:solidFill>
+                      <a:srgbClr val="545455"/>
+                    </a:solidFill>
+                  </a:tcPr>
+                </a:tc>
+                <a:tc vMerge="1">
+                  <a:txBody>
+                    <a:bodyPr/>
+                    <a:lstStyle/>
+                    <a:p>
+                      <a:pPr latinLnBrk="1"/>
+                      <a:endParaRPr lang="ko-KR" altLang="en-US"/>
+                    </a:p>
+                  </a:txBody>
+                  <a:tcPr>
+                    <a:lnL w="3175" cap="flat" cmpd="sng" algn="ctr">
+                      <a:solidFill>
+                        <a:srgbClr val="000000"/>
+                      </a:solidFill>
+                      <a:prstDash val="solid"/>
+                      <a:round/>
+                      <a:headEnd type="none" w="med" len="med"/>
+                      <a:tailEnd type="none" w="med" len="med"/>
+                    </a:lnL>
+                    <a:lnT w="3175" cap="flat" cmpd="sng" algn="ctr">
+                      <a:solidFill>
+                        <a:srgbClr val="000000"/>
+                      </a:solidFill>
+                      <a:prstDash val="solid"/>
+                      <a:round/>
+                      <a:headEnd type="none" w="med" len="med"/>
+                      <a:tailEnd type="none" w="med" len="med"/>
+                    </a:lnT>
+                  </a:tcPr>
+                </a:tc>
+                <a:extLst>
+                  <a:ext uri="{0D108BD9-81ED-4DB2-BD59-A6C34878D82A}">
+                    <a16:rowId xmlns:a16="http://schemas.microsoft.com/office/drawing/2014/main" val="300897329"/>
+                  </a:ext>
+                </a:extLst>
+              </a:tr>
+              <a:tr h="457200">
                 <a:tc>
                   <a:txBody>
                     <a:bodyPr/>
@@ -8395,7 +9008,26 @@
                       <a:endParaRPr lang="ko-KR" altLang="en-US"/>
                     </a:p>
                   </a:txBody>
-                  <a:tcPr/>
+                  <a:tcPr>
+                    <a:lnL w="3175" cap="flat" cmpd="sng" algn="ctr">
+                      <a:solidFill>
+                        <a:srgbClr val="000000"/>
+                      </a:solidFill>
+                      <a:prstDash val="solid"/>
+                      <a:round/>
+                      <a:headEnd type="none" w="med" len="med"/>
+                      <a:tailEnd type="none" w="med" len="med"/>
+                    </a:lnL>
+                    <a:lnT w="3175" cap="flat" cmpd="sng" algn="ctr">
+                      <a:solidFill>
+                        <a:srgbClr val="000000"/>
+                      </a:solidFill>
+                      <a:prstDash val="solid"/>
+                      <a:round/>
+                      <a:headEnd type="none" w="med" len="med"/>
+                      <a:tailEnd type="none" w="med" len="med"/>
+                    </a:lnT>
+                  </a:tcPr>
                 </a:tc>
                 <a:tc>
                   <a:txBody>
@@ -8407,15 +9039,6 @@
                     </a:p>
                   </a:txBody>
                   <a:tcPr marL="63779" marR="63779" marT="17417" marB="17417" anchor="ctr">
-                    <a:lnL w="3175" cap="flat" cmpd="sng" algn="ctr">
-                      <a:solidFill>
-                        <a:srgbClr val="000000"/>
-                      </a:solidFill>
-                      <a:prstDash val="solid"/>
-                      <a:round/>
-                      <a:headEnd type="none" w="med" len="med"/>
-                      <a:tailEnd type="none" w="med" len="med"/>
-                    </a:lnL>
                     <a:lnR w="3175" cap="flat" cmpd="sng" algn="ctr">
                       <a:solidFill>
                         <a:srgbClr val="000000"/>
@@ -8591,15 +9214,34 @@
                       <a:endParaRPr lang="ko-KR" altLang="en-US"/>
                     </a:p>
                   </a:txBody>
-                  <a:tcPr/>
+                  <a:tcPr>
+                    <a:lnL w="3175" cap="flat" cmpd="sng" algn="ctr">
+                      <a:solidFill>
+                        <a:srgbClr val="000000"/>
+                      </a:solidFill>
+                      <a:prstDash val="solid"/>
+                      <a:round/>
+                      <a:headEnd type="none" w="med" len="med"/>
+                      <a:tailEnd type="none" w="med" len="med"/>
+                    </a:lnL>
+                    <a:lnT w="3175" cap="flat" cmpd="sng" algn="ctr">
+                      <a:solidFill>
+                        <a:srgbClr val="000000"/>
+                      </a:solidFill>
+                      <a:prstDash val="solid"/>
+                      <a:round/>
+                      <a:headEnd type="none" w="med" len="med"/>
+                      <a:tailEnd type="none" w="med" len="med"/>
+                    </a:lnT>
+                  </a:tcPr>
                 </a:tc>
                 <a:extLst>
                   <a:ext uri="{0D108BD9-81ED-4DB2-BD59-A6C34878D82A}">
-                    <a16:rowId xmlns:a16="http://schemas.microsoft.com/office/drawing/2014/main" val="1241877145"/>
+                    <a16:rowId xmlns:a16="http://schemas.microsoft.com/office/drawing/2014/main" val="2831734677"/>
                   </a:ext>
                 </a:extLst>
               </a:tr>
-              <a:tr h="438150">
+              <a:tr h="493059">
                 <a:tc>
                   <a:txBody>
                     <a:bodyPr/>
@@ -8624,7 +9266,7 @@
                           <a:latin typeface="+mn-ea"/>
                           <a:ea typeface="+mn-ea"/>
                         </a:rPr>
-                        <a:t>-</a:t>
+                        <a:t>UI</a:t>
                       </a:r>
                       <a:endParaRPr lang="ko-KR" altLang="en-US" sz="1200" b="1" kern="0" spc="0" dirty="0">
                         <a:solidFill>
@@ -8745,7 +9387,74 @@
                       <a:tailEnd type="none" w="med" len="med"/>
                     </a:lnB>
                     <a:solidFill>
-                      <a:srgbClr val="545455"/>
+                      <a:srgbClr val="618197"/>
+                    </a:solidFill>
+                  </a:tcPr>
+                </a:tc>
+                <a:tc>
+                  <a:txBody>
+                    <a:bodyPr/>
+                    <a:lstStyle/>
+                    <a:p>
+                      <a:pPr marL="0" marR="0" indent="0" algn="just" fontAlgn="base" latinLnBrk="1">
+                        <a:lnSpc>
+                          <a:spcPct val="160000"/>
+                        </a:lnSpc>
+                        <a:spcBef>
+                          <a:spcPts val="0"/>
+                        </a:spcBef>
+                        <a:spcAft>
+                          <a:spcPts val="0"/>
+                        </a:spcAft>
+                      </a:pPr>
+                      <a:endParaRPr lang="ko-KR" altLang="en-US" sz="1200" b="1" kern="0" spc="0" dirty="0">
+                        <a:solidFill>
+                          <a:schemeClr val="bg1"/>
+                        </a:solidFill>
+                        <a:latin typeface="+mn-ea"/>
+                        <a:ea typeface="+mn-ea"/>
+                      </a:endParaRPr>
+                    </a:p>
+                  </a:txBody>
+                  <a:tcPr marL="63779" marR="63779" marT="17417" marB="17417" anchor="ctr">
+                    <a:lnL w="3175" cap="flat" cmpd="sng" algn="ctr">
+                      <a:solidFill>
+                        <a:srgbClr val="000000"/>
+                      </a:solidFill>
+                      <a:prstDash val="solid"/>
+                      <a:round/>
+                      <a:headEnd type="none" w="med" len="med"/>
+                      <a:tailEnd type="none" w="med" len="med"/>
+                    </a:lnL>
+                    <a:lnR w="3175" cap="flat" cmpd="sng" algn="ctr">
+                      <a:solidFill>
+                        <a:srgbClr val="000000"/>
+                      </a:solidFill>
+                      <a:prstDash val="solid"/>
+                      <a:round/>
+                      <a:headEnd type="none" w="med" len="med"/>
+                      <a:tailEnd type="none" w="med" len="med"/>
+                    </a:lnR>
+                    <a:lnT w="3175" cap="flat" cmpd="sng" algn="ctr">
+                      <a:solidFill>
+                        <a:srgbClr val="000000"/>
+                      </a:solidFill>
+                      <a:prstDash val="solid"/>
+                      <a:round/>
+                      <a:headEnd type="none" w="med" len="med"/>
+                      <a:tailEnd type="none" w="med" len="med"/>
+                    </a:lnT>
+                    <a:lnB w="3175" cap="flat" cmpd="sng" algn="ctr">
+                      <a:solidFill>
+                        <a:srgbClr val="000000"/>
+                      </a:solidFill>
+                      <a:prstDash val="solid"/>
+                      <a:round/>
+                      <a:headEnd type="none" w="med" len="med"/>
+                      <a:tailEnd type="none" w="med" len="med"/>
+                    </a:lnB>
+                    <a:solidFill>
+                      <a:srgbClr val="618197"/>
                     </a:solidFill>
                   </a:tcPr>
                 </a:tc>
@@ -8950,73 +9659,6 @@
                     </a:solidFill>
                   </a:tcPr>
                 </a:tc>
-                <a:tc>
-                  <a:txBody>
-                    <a:bodyPr/>
-                    <a:lstStyle/>
-                    <a:p>
-                      <a:pPr marL="0" marR="0" indent="0" algn="just" fontAlgn="base" latinLnBrk="1">
-                        <a:lnSpc>
-                          <a:spcPct val="160000"/>
-                        </a:lnSpc>
-                        <a:spcBef>
-                          <a:spcPts val="0"/>
-                        </a:spcBef>
-                        <a:spcAft>
-                          <a:spcPts val="0"/>
-                        </a:spcAft>
-                      </a:pPr>
-                      <a:endParaRPr lang="ko-KR" altLang="en-US" sz="1200" b="1" kern="0" spc="0" dirty="0">
-                        <a:solidFill>
-                          <a:schemeClr val="bg1"/>
-                        </a:solidFill>
-                        <a:latin typeface="+mn-ea"/>
-                        <a:ea typeface="+mn-ea"/>
-                      </a:endParaRPr>
-                    </a:p>
-                  </a:txBody>
-                  <a:tcPr marL="63779" marR="63779" marT="17417" marB="17417" anchor="ctr">
-                    <a:lnL w="3175" cap="flat" cmpd="sng" algn="ctr">
-                      <a:solidFill>
-                        <a:srgbClr val="000000"/>
-                      </a:solidFill>
-                      <a:prstDash val="solid"/>
-                      <a:round/>
-                      <a:headEnd type="none" w="med" len="med"/>
-                      <a:tailEnd type="none" w="med" len="med"/>
-                    </a:lnL>
-                    <a:lnR w="3175" cap="flat" cmpd="sng" algn="ctr">
-                      <a:solidFill>
-                        <a:srgbClr val="000000"/>
-                      </a:solidFill>
-                      <a:prstDash val="solid"/>
-                      <a:round/>
-                      <a:headEnd type="none" w="med" len="med"/>
-                      <a:tailEnd type="none" w="med" len="med"/>
-                    </a:lnR>
-                    <a:lnT w="3175" cap="flat" cmpd="sng" algn="ctr">
-                      <a:solidFill>
-                        <a:srgbClr val="000000"/>
-                      </a:solidFill>
-                      <a:prstDash val="solid"/>
-                      <a:round/>
-                      <a:headEnd type="none" w="med" len="med"/>
-                      <a:tailEnd type="none" w="med" len="med"/>
-                    </a:lnT>
-                    <a:lnB w="3175" cap="flat" cmpd="sng" algn="ctr">
-                      <a:solidFill>
-                        <a:srgbClr val="000000"/>
-                      </a:solidFill>
-                      <a:prstDash val="solid"/>
-                      <a:round/>
-                      <a:headEnd type="none" w="med" len="med"/>
-                      <a:tailEnd type="none" w="med" len="med"/>
-                    </a:lnB>
-                    <a:solidFill>
-                      <a:srgbClr val="545455"/>
-                    </a:solidFill>
-                  </a:tcPr>
-                </a:tc>
                 <a:tc vMerge="1">
                   <a:txBody>
                     <a:bodyPr/>
@@ -9026,7 +9668,26 @@
                       <a:endParaRPr lang="ko-KR" altLang="en-US"/>
                     </a:p>
                   </a:txBody>
-                  <a:tcPr/>
+                  <a:tcPr>
+                    <a:lnL w="3175" cap="flat" cmpd="sng" algn="ctr">
+                      <a:solidFill>
+                        <a:srgbClr val="000000"/>
+                      </a:solidFill>
+                      <a:prstDash val="solid"/>
+                      <a:round/>
+                      <a:headEnd type="none" w="med" len="med"/>
+                      <a:tailEnd type="none" w="med" len="med"/>
+                    </a:lnL>
+                    <a:lnT w="3175" cap="flat" cmpd="sng" algn="ctr">
+                      <a:solidFill>
+                        <a:srgbClr val="000000"/>
+                      </a:solidFill>
+                      <a:prstDash val="solid"/>
+                      <a:round/>
+                      <a:headEnd type="none" w="med" len="med"/>
+                      <a:tailEnd type="none" w="med" len="med"/>
+                    </a:lnT>
+                  </a:tcPr>
                 </a:tc>
                 <a:tc>
                   <a:txBody>
@@ -9038,15 +9699,6 @@
                     </a:p>
                   </a:txBody>
                   <a:tcPr marL="63779" marR="63779" marT="17417" marB="17417" anchor="ctr">
-                    <a:lnL w="3175" cap="flat" cmpd="sng" algn="ctr">
-                      <a:solidFill>
-                        <a:srgbClr val="000000"/>
-                      </a:solidFill>
-                      <a:prstDash val="solid"/>
-                      <a:round/>
-                      <a:headEnd type="none" w="med" len="med"/>
-                      <a:tailEnd type="none" w="med" len="med"/>
-                    </a:lnL>
                     <a:lnR w="3175" cap="flat" cmpd="sng" algn="ctr">
                       <a:solidFill>
                         <a:srgbClr val="000000"/>
@@ -9222,15 +9874,34 @@
                       <a:endParaRPr lang="ko-KR" altLang="en-US"/>
                     </a:p>
                   </a:txBody>
-                  <a:tcPr/>
+                  <a:tcPr>
+                    <a:lnL w="3175" cap="flat" cmpd="sng" algn="ctr">
+                      <a:solidFill>
+                        <a:srgbClr val="000000"/>
+                      </a:solidFill>
+                      <a:prstDash val="solid"/>
+                      <a:round/>
+                      <a:headEnd type="none" w="med" len="med"/>
+                      <a:tailEnd type="none" w="med" len="med"/>
+                    </a:lnL>
+                    <a:lnT w="3175" cap="flat" cmpd="sng" algn="ctr">
+                      <a:solidFill>
+                        <a:srgbClr val="000000"/>
+                      </a:solidFill>
+                      <a:prstDash val="solid"/>
+                      <a:round/>
+                      <a:headEnd type="none" w="med" len="med"/>
+                      <a:tailEnd type="none" w="med" len="med"/>
+                    </a:lnT>
+                  </a:tcPr>
                 </a:tc>
                 <a:extLst>
                   <a:ext uri="{0D108BD9-81ED-4DB2-BD59-A6C34878D82A}">
-                    <a16:rowId xmlns:a16="http://schemas.microsoft.com/office/drawing/2014/main" val="2231379199"/>
+                    <a16:rowId xmlns:a16="http://schemas.microsoft.com/office/drawing/2014/main" val="2894298090"/>
                   </a:ext>
                 </a:extLst>
               </a:tr>
-              <a:tr h="602163">
+              <a:tr h="537882">
                 <a:tc>
                   <a:txBody>
                     <a:bodyPr/>
@@ -9248,22 +9919,15 @@
                         </a:spcAft>
                       </a:pPr>
                       <a:r>
-                        <a:rPr lang="en-US" altLang="ko-KR" sz="1200" b="1" kern="0" spc="0" dirty="0">
+                        <a:rPr lang="ko-KR" altLang="en-US" sz="1200" b="1" kern="0" spc="0" dirty="0">
                           <a:solidFill>
                             <a:schemeClr val="bg1"/>
                           </a:solidFill>
                           <a:latin typeface="+mn-ea"/>
                           <a:ea typeface="+mn-ea"/>
                         </a:rPr>
-                        <a:t>-</a:t>
+                        <a:t>그래픽 리소스</a:t>
                       </a:r>
-                      <a:endParaRPr lang="ko-KR" altLang="en-US" sz="1200" b="1" kern="0" spc="0" dirty="0">
-                        <a:solidFill>
-                          <a:schemeClr val="bg1"/>
-                        </a:solidFill>
-                        <a:latin typeface="+mn-ea"/>
-                        <a:ea typeface="+mn-ea"/>
-                      </a:endParaRPr>
                     </a:p>
                   </a:txBody>
                   <a:tcPr marL="63779" marR="63779" marT="17417" marB="17417" anchor="ctr">
@@ -9510,7 +10174,7 @@
                       <a:tailEnd type="none" w="med" len="med"/>
                     </a:lnB>
                     <a:solidFill>
-                      <a:srgbClr val="545455"/>
+                      <a:srgbClr val="618197"/>
                     </a:solidFill>
                   </a:tcPr>
                 </a:tc>
@@ -9657,7 +10321,26 @@
                       <a:endParaRPr lang="ko-KR" altLang="en-US"/>
                     </a:p>
                   </a:txBody>
-                  <a:tcPr/>
+                  <a:tcPr>
+                    <a:lnL w="3175" cap="flat" cmpd="sng" algn="ctr">
+                      <a:solidFill>
+                        <a:srgbClr val="000000"/>
+                      </a:solidFill>
+                      <a:prstDash val="solid"/>
+                      <a:round/>
+                      <a:headEnd type="none" w="med" len="med"/>
+                      <a:tailEnd type="none" w="med" len="med"/>
+                    </a:lnL>
+                    <a:lnT w="3175" cap="flat" cmpd="sng" algn="ctr">
+                      <a:solidFill>
+                        <a:srgbClr val="000000"/>
+                      </a:solidFill>
+                      <a:prstDash val="solid"/>
+                      <a:round/>
+                      <a:headEnd type="none" w="med" len="med"/>
+                      <a:tailEnd type="none" w="med" len="med"/>
+                    </a:lnT>
+                  </a:tcPr>
                 </a:tc>
                 <a:tc>
                   <a:txBody>
@@ -9669,15 +10352,6 @@
                     </a:p>
                   </a:txBody>
                   <a:tcPr marL="63779" marR="63779" marT="17417" marB="17417" anchor="ctr">
-                    <a:lnL w="3175" cap="flat" cmpd="sng" algn="ctr">
-                      <a:solidFill>
-                        <a:srgbClr val="000000"/>
-                      </a:solidFill>
-                      <a:prstDash val="solid"/>
-                      <a:round/>
-                      <a:headEnd type="none" w="med" len="med"/>
-                      <a:tailEnd type="none" w="med" len="med"/>
-                    </a:lnL>
                     <a:lnR w="3175" cap="flat" cmpd="sng" algn="ctr">
                       <a:solidFill>
                         <a:srgbClr val="000000"/>
@@ -9853,15 +10527,1993 @@
                       <a:endParaRPr lang="ko-KR" altLang="en-US"/>
                     </a:p>
                   </a:txBody>
-                  <a:tcPr/>
+                  <a:tcPr>
+                    <a:lnL w="3175" cap="flat" cmpd="sng" algn="ctr">
+                      <a:solidFill>
+                        <a:srgbClr val="000000"/>
+                      </a:solidFill>
+                      <a:prstDash val="solid"/>
+                      <a:round/>
+                      <a:headEnd type="none" w="med" len="med"/>
+                      <a:tailEnd type="none" w="med" len="med"/>
+                    </a:lnL>
+                    <a:lnT w="3175" cap="flat" cmpd="sng" algn="ctr">
+                      <a:solidFill>
+                        <a:srgbClr val="000000"/>
+                      </a:solidFill>
+                      <a:prstDash val="solid"/>
+                      <a:round/>
+                      <a:headEnd type="none" w="med" len="med"/>
+                      <a:tailEnd type="none" w="med" len="med"/>
+                    </a:lnT>
+                  </a:tcPr>
                 </a:tc>
                 <a:extLst>
                   <a:ext uri="{0D108BD9-81ED-4DB2-BD59-A6C34878D82A}">
-                    <a16:rowId xmlns:a16="http://schemas.microsoft.com/office/drawing/2014/main" val="299119353"/>
+                    <a16:rowId xmlns:a16="http://schemas.microsoft.com/office/drawing/2014/main" val="937056866"/>
                   </a:ext>
                 </a:extLst>
               </a:tr>
-              <a:tr h="535488">
+              <a:tr h="510988">
+                <a:tc>
+                  <a:txBody>
+                    <a:bodyPr/>
+                    <a:lstStyle/>
+                    <a:p>
+                      <a:pPr marL="0" marR="0" indent="0" algn="ctr" fontAlgn="base" latinLnBrk="0">
+                        <a:lnSpc>
+                          <a:spcPct val="160000"/>
+                        </a:lnSpc>
+                        <a:spcBef>
+                          <a:spcPts val="0"/>
+                        </a:spcBef>
+                        <a:spcAft>
+                          <a:spcPts val="0"/>
+                        </a:spcAft>
+                      </a:pPr>
+                      <a:r>
+                        <a:rPr lang="ko-KR" altLang="en-US" sz="1200" b="1" kern="0" spc="0" dirty="0">
+                          <a:solidFill>
+                            <a:schemeClr val="bg1"/>
+                          </a:solidFill>
+                          <a:latin typeface="+mn-ea"/>
+                          <a:ea typeface="+mn-ea"/>
+                        </a:rPr>
+                        <a:t>레벨디자인</a:t>
+                      </a:r>
+                    </a:p>
+                  </a:txBody>
+                  <a:tcPr marL="63779" marR="63779" marT="17417" marB="17417" anchor="ctr">
+                    <a:lnL w="38100" cap="flat" cmpd="sng" algn="ctr">
+                      <a:solidFill>
+                        <a:schemeClr val="tx1">
+                          <a:lumMod val="85000"/>
+                        </a:schemeClr>
+                      </a:solidFill>
+                      <a:prstDash val="solid"/>
+                      <a:round/>
+                      <a:headEnd type="none" w="med" len="med"/>
+                      <a:tailEnd type="none" w="med" len="med"/>
+                    </a:lnL>
+                    <a:lnR w="3175" cap="flat" cmpd="sng" algn="ctr">
+                      <a:solidFill>
+                        <a:srgbClr val="000000"/>
+                      </a:solidFill>
+                      <a:prstDash val="solid"/>
+                      <a:round/>
+                      <a:headEnd type="none" w="med" len="med"/>
+                      <a:tailEnd type="none" w="med" len="med"/>
+                    </a:lnR>
+                    <a:lnT w="3175" cap="flat" cmpd="sng" algn="ctr">
+                      <a:solidFill>
+                        <a:srgbClr val="000000"/>
+                      </a:solidFill>
+                      <a:prstDash val="solid"/>
+                      <a:round/>
+                      <a:headEnd type="none" w="med" len="med"/>
+                      <a:tailEnd type="none" w="med" len="med"/>
+                    </a:lnT>
+                    <a:lnB w="3175" cap="flat" cmpd="sng" algn="ctr">
+                      <a:solidFill>
+                        <a:srgbClr val="000000"/>
+                      </a:solidFill>
+                      <a:prstDash val="solid"/>
+                      <a:round/>
+                      <a:headEnd type="none" w="med" len="med"/>
+                      <a:tailEnd type="none" w="med" len="med"/>
+                    </a:lnB>
+                    <a:solidFill>
+                      <a:schemeClr val="tx1">
+                        <a:lumMod val="65000"/>
+                        <a:lumOff val="35000"/>
+                      </a:schemeClr>
+                    </a:solidFill>
+                  </a:tcPr>
+                </a:tc>
+                <a:tc>
+                  <a:txBody>
+                    <a:bodyPr/>
+                    <a:lstStyle/>
+                    <a:p>
+                      <a:pPr marL="0" marR="0" indent="0" algn="just" fontAlgn="base" latinLnBrk="1">
+                        <a:lnSpc>
+                          <a:spcPct val="160000"/>
+                        </a:lnSpc>
+                        <a:spcBef>
+                          <a:spcPts val="0"/>
+                        </a:spcBef>
+                        <a:spcAft>
+                          <a:spcPts val="0"/>
+                        </a:spcAft>
+                      </a:pPr>
+                      <a:endParaRPr lang="ko-KR" altLang="en-US" sz="1200" b="1" kern="0" spc="0" dirty="0">
+                        <a:solidFill>
+                          <a:schemeClr val="bg1"/>
+                        </a:solidFill>
+                        <a:latin typeface="+mn-ea"/>
+                        <a:ea typeface="+mn-ea"/>
+                      </a:endParaRPr>
+                    </a:p>
+                  </a:txBody>
+                  <a:tcPr marL="63779" marR="63779" marT="17417" marB="17417" anchor="ctr">
+                    <a:lnL w="3175" cap="flat" cmpd="sng" algn="ctr">
+                      <a:solidFill>
+                        <a:srgbClr val="000000"/>
+                      </a:solidFill>
+                      <a:prstDash val="solid"/>
+                      <a:round/>
+                      <a:headEnd type="none" w="med" len="med"/>
+                      <a:tailEnd type="none" w="med" len="med"/>
+                    </a:lnL>
+                    <a:lnR w="3175" cap="flat" cmpd="sng" algn="ctr">
+                      <a:solidFill>
+                        <a:srgbClr val="000000"/>
+                      </a:solidFill>
+                      <a:prstDash val="solid"/>
+                      <a:round/>
+                      <a:headEnd type="none" w="med" len="med"/>
+                      <a:tailEnd type="none" w="med" len="med"/>
+                    </a:lnR>
+                    <a:lnT w="3175" cap="flat" cmpd="sng" algn="ctr">
+                      <a:solidFill>
+                        <a:srgbClr val="000000"/>
+                      </a:solidFill>
+                      <a:prstDash val="solid"/>
+                      <a:round/>
+                      <a:headEnd type="none" w="med" len="med"/>
+                      <a:tailEnd type="none" w="med" len="med"/>
+                    </a:lnT>
+                    <a:lnB w="3175" cap="flat" cmpd="sng" algn="ctr">
+                      <a:solidFill>
+                        <a:srgbClr val="000000"/>
+                      </a:solidFill>
+                      <a:prstDash val="solid"/>
+                      <a:round/>
+                      <a:headEnd type="none" w="med" len="med"/>
+                      <a:tailEnd type="none" w="med" len="med"/>
+                    </a:lnB>
+                    <a:solidFill>
+                      <a:srgbClr val="545455"/>
+                    </a:solidFill>
+                  </a:tcPr>
+                </a:tc>
+                <a:tc>
+                  <a:txBody>
+                    <a:bodyPr/>
+                    <a:lstStyle/>
+                    <a:p>
+                      <a:pPr marL="0" marR="0" indent="0" algn="just" fontAlgn="base" latinLnBrk="1">
+                        <a:lnSpc>
+                          <a:spcPct val="160000"/>
+                        </a:lnSpc>
+                        <a:spcBef>
+                          <a:spcPts val="0"/>
+                        </a:spcBef>
+                        <a:spcAft>
+                          <a:spcPts val="0"/>
+                        </a:spcAft>
+                      </a:pPr>
+                      <a:endParaRPr lang="ko-KR" altLang="en-US" sz="1200" b="1" kern="0" spc="0" dirty="0">
+                        <a:solidFill>
+                          <a:schemeClr val="bg1"/>
+                        </a:solidFill>
+                        <a:latin typeface="+mn-ea"/>
+                        <a:ea typeface="+mn-ea"/>
+                      </a:endParaRPr>
+                    </a:p>
+                  </a:txBody>
+                  <a:tcPr marL="63779" marR="63779" marT="17417" marB="17417" anchor="ctr">
+                    <a:lnL w="3175" cap="flat" cmpd="sng" algn="ctr">
+                      <a:solidFill>
+                        <a:srgbClr val="000000"/>
+                      </a:solidFill>
+                      <a:prstDash val="solid"/>
+                      <a:round/>
+                      <a:headEnd type="none" w="med" len="med"/>
+                      <a:tailEnd type="none" w="med" len="med"/>
+                    </a:lnL>
+                    <a:lnR w="3175" cap="flat" cmpd="sng" algn="ctr">
+                      <a:solidFill>
+                        <a:srgbClr val="000000"/>
+                      </a:solidFill>
+                      <a:prstDash val="solid"/>
+                      <a:round/>
+                      <a:headEnd type="none" w="med" len="med"/>
+                      <a:tailEnd type="none" w="med" len="med"/>
+                    </a:lnR>
+                    <a:lnT w="3175" cap="flat" cmpd="sng" algn="ctr">
+                      <a:solidFill>
+                        <a:srgbClr val="000000"/>
+                      </a:solidFill>
+                      <a:prstDash val="solid"/>
+                      <a:round/>
+                      <a:headEnd type="none" w="med" len="med"/>
+                      <a:tailEnd type="none" w="med" len="med"/>
+                    </a:lnT>
+                    <a:lnB w="3175" cap="flat" cmpd="sng" algn="ctr">
+                      <a:solidFill>
+                        <a:srgbClr val="000000"/>
+                      </a:solidFill>
+                      <a:prstDash val="solid"/>
+                      <a:round/>
+                      <a:headEnd type="none" w="med" len="med"/>
+                      <a:tailEnd type="none" w="med" len="med"/>
+                    </a:lnB>
+                    <a:solidFill>
+                      <a:srgbClr val="545455"/>
+                    </a:solidFill>
+                  </a:tcPr>
+                </a:tc>
+                <a:tc>
+                  <a:txBody>
+                    <a:bodyPr/>
+                    <a:lstStyle/>
+                    <a:p>
+                      <a:pPr marL="0" marR="0" indent="0" algn="just" fontAlgn="base" latinLnBrk="1">
+                        <a:lnSpc>
+                          <a:spcPct val="160000"/>
+                        </a:lnSpc>
+                        <a:spcBef>
+                          <a:spcPts val="0"/>
+                        </a:spcBef>
+                        <a:spcAft>
+                          <a:spcPts val="0"/>
+                        </a:spcAft>
+                      </a:pPr>
+                      <a:endParaRPr lang="ko-KR" altLang="en-US" sz="1200" b="1" kern="0" spc="0" dirty="0">
+                        <a:solidFill>
+                          <a:schemeClr val="bg1"/>
+                        </a:solidFill>
+                        <a:latin typeface="+mn-ea"/>
+                        <a:ea typeface="+mn-ea"/>
+                      </a:endParaRPr>
+                    </a:p>
+                  </a:txBody>
+                  <a:tcPr marL="63779" marR="63779" marT="17417" marB="17417" anchor="ctr">
+                    <a:lnL w="3175" cap="flat" cmpd="sng" algn="ctr">
+                      <a:solidFill>
+                        <a:srgbClr val="000000"/>
+                      </a:solidFill>
+                      <a:prstDash val="solid"/>
+                      <a:round/>
+                      <a:headEnd type="none" w="med" len="med"/>
+                      <a:tailEnd type="none" w="med" len="med"/>
+                    </a:lnL>
+                    <a:lnR w="3175" cap="flat" cmpd="sng" algn="ctr">
+                      <a:solidFill>
+                        <a:srgbClr val="000000"/>
+                      </a:solidFill>
+                      <a:prstDash val="solid"/>
+                      <a:round/>
+                      <a:headEnd type="none" w="med" len="med"/>
+                      <a:tailEnd type="none" w="med" len="med"/>
+                    </a:lnR>
+                    <a:lnT w="3175" cap="flat" cmpd="sng" algn="ctr">
+                      <a:solidFill>
+                        <a:srgbClr val="000000"/>
+                      </a:solidFill>
+                      <a:prstDash val="solid"/>
+                      <a:round/>
+                      <a:headEnd type="none" w="med" len="med"/>
+                      <a:tailEnd type="none" w="med" len="med"/>
+                    </a:lnT>
+                    <a:lnB w="3175" cap="flat" cmpd="sng" algn="ctr">
+                      <a:solidFill>
+                        <a:srgbClr val="000000"/>
+                      </a:solidFill>
+                      <a:prstDash val="solid"/>
+                      <a:round/>
+                      <a:headEnd type="none" w="med" len="med"/>
+                      <a:tailEnd type="none" w="med" len="med"/>
+                    </a:lnB>
+                    <a:solidFill>
+                      <a:srgbClr val="618197"/>
+                    </a:solidFill>
+                  </a:tcPr>
+                </a:tc>
+                <a:tc>
+                  <a:txBody>
+                    <a:bodyPr/>
+                    <a:lstStyle/>
+                    <a:p>
+                      <a:pPr marL="0" marR="0" indent="0" algn="just" fontAlgn="base" latinLnBrk="1">
+                        <a:lnSpc>
+                          <a:spcPct val="160000"/>
+                        </a:lnSpc>
+                        <a:spcBef>
+                          <a:spcPts val="0"/>
+                        </a:spcBef>
+                        <a:spcAft>
+                          <a:spcPts val="0"/>
+                        </a:spcAft>
+                      </a:pPr>
+                      <a:endParaRPr lang="ko-KR" altLang="en-US" sz="1200" b="1" kern="0" spc="0" dirty="0">
+                        <a:solidFill>
+                          <a:schemeClr val="bg1"/>
+                        </a:solidFill>
+                        <a:latin typeface="+mn-ea"/>
+                        <a:ea typeface="+mn-ea"/>
+                      </a:endParaRPr>
+                    </a:p>
+                  </a:txBody>
+                  <a:tcPr marL="63779" marR="63779" marT="17417" marB="17417" anchor="ctr">
+                    <a:lnL w="3175" cap="flat" cmpd="sng" algn="ctr">
+                      <a:solidFill>
+                        <a:srgbClr val="000000"/>
+                      </a:solidFill>
+                      <a:prstDash val="solid"/>
+                      <a:round/>
+                      <a:headEnd type="none" w="med" len="med"/>
+                      <a:tailEnd type="none" w="med" len="med"/>
+                    </a:lnL>
+                    <a:lnR w="3175" cap="flat" cmpd="sng" algn="ctr">
+                      <a:solidFill>
+                        <a:srgbClr val="000000"/>
+                      </a:solidFill>
+                      <a:prstDash val="solid"/>
+                      <a:round/>
+                      <a:headEnd type="none" w="med" len="med"/>
+                      <a:tailEnd type="none" w="med" len="med"/>
+                    </a:lnR>
+                    <a:lnT w="3175" cap="flat" cmpd="sng" algn="ctr">
+                      <a:solidFill>
+                        <a:srgbClr val="000000"/>
+                      </a:solidFill>
+                      <a:prstDash val="solid"/>
+                      <a:round/>
+                      <a:headEnd type="none" w="med" len="med"/>
+                      <a:tailEnd type="none" w="med" len="med"/>
+                    </a:lnT>
+                    <a:lnB w="3175" cap="flat" cmpd="sng" algn="ctr">
+                      <a:solidFill>
+                        <a:srgbClr val="000000"/>
+                      </a:solidFill>
+                      <a:prstDash val="solid"/>
+                      <a:round/>
+                      <a:headEnd type="none" w="med" len="med"/>
+                      <a:tailEnd type="none" w="med" len="med"/>
+                    </a:lnB>
+                    <a:solidFill>
+                      <a:srgbClr val="618197"/>
+                    </a:solidFill>
+                  </a:tcPr>
+                </a:tc>
+                <a:tc>
+                  <a:txBody>
+                    <a:bodyPr/>
+                    <a:lstStyle/>
+                    <a:p>
+                      <a:pPr marL="0" marR="0" indent="0" algn="just" fontAlgn="base" latinLnBrk="1">
+                        <a:lnSpc>
+                          <a:spcPct val="160000"/>
+                        </a:lnSpc>
+                        <a:spcBef>
+                          <a:spcPts val="0"/>
+                        </a:spcBef>
+                        <a:spcAft>
+                          <a:spcPts val="0"/>
+                        </a:spcAft>
+                      </a:pPr>
+                      <a:endParaRPr lang="ko-KR" altLang="en-US" sz="1200" b="1" kern="0" spc="0" dirty="0">
+                        <a:solidFill>
+                          <a:schemeClr val="bg1"/>
+                        </a:solidFill>
+                        <a:latin typeface="+mn-ea"/>
+                        <a:ea typeface="+mn-ea"/>
+                      </a:endParaRPr>
+                    </a:p>
+                  </a:txBody>
+                  <a:tcPr marL="63779" marR="63779" marT="17417" marB="17417" anchor="ctr">
+                    <a:lnL w="3175" cap="flat" cmpd="sng" algn="ctr">
+                      <a:solidFill>
+                        <a:srgbClr val="000000"/>
+                      </a:solidFill>
+                      <a:prstDash val="solid"/>
+                      <a:round/>
+                      <a:headEnd type="none" w="med" len="med"/>
+                      <a:tailEnd type="none" w="med" len="med"/>
+                    </a:lnL>
+                    <a:lnR w="3175" cap="flat" cmpd="sng" algn="ctr">
+                      <a:solidFill>
+                        <a:srgbClr val="000000"/>
+                      </a:solidFill>
+                      <a:prstDash val="solid"/>
+                      <a:round/>
+                      <a:headEnd type="none" w="med" len="med"/>
+                      <a:tailEnd type="none" w="med" len="med"/>
+                    </a:lnR>
+                    <a:lnT w="3175" cap="flat" cmpd="sng" algn="ctr">
+                      <a:solidFill>
+                        <a:srgbClr val="000000"/>
+                      </a:solidFill>
+                      <a:prstDash val="solid"/>
+                      <a:round/>
+                      <a:headEnd type="none" w="med" len="med"/>
+                      <a:tailEnd type="none" w="med" len="med"/>
+                    </a:lnT>
+                    <a:lnB w="3175" cap="flat" cmpd="sng" algn="ctr">
+                      <a:solidFill>
+                        <a:srgbClr val="000000"/>
+                      </a:solidFill>
+                      <a:prstDash val="solid"/>
+                      <a:round/>
+                      <a:headEnd type="none" w="med" len="med"/>
+                      <a:tailEnd type="none" w="med" len="med"/>
+                    </a:lnB>
+                    <a:solidFill>
+                      <a:srgbClr val="618197"/>
+                    </a:solidFill>
+                  </a:tcPr>
+                </a:tc>
+                <a:tc vMerge="1">
+                  <a:txBody>
+                    <a:bodyPr/>
+                    <a:lstStyle/>
+                    <a:p>
+                      <a:pPr latinLnBrk="1"/>
+                      <a:endParaRPr lang="ko-KR" altLang="en-US"/>
+                    </a:p>
+                  </a:txBody>
+                  <a:tcPr>
+                    <a:lnL w="3175" cap="flat" cmpd="sng" algn="ctr">
+                      <a:solidFill>
+                        <a:srgbClr val="000000"/>
+                      </a:solidFill>
+                      <a:prstDash val="solid"/>
+                      <a:round/>
+                      <a:headEnd type="none" w="med" len="med"/>
+                      <a:tailEnd type="none" w="med" len="med"/>
+                    </a:lnL>
+                    <a:lnT w="3175" cap="flat" cmpd="sng" algn="ctr">
+                      <a:solidFill>
+                        <a:srgbClr val="000000"/>
+                      </a:solidFill>
+                      <a:prstDash val="solid"/>
+                      <a:round/>
+                      <a:headEnd type="none" w="med" len="med"/>
+                      <a:tailEnd type="none" w="med" len="med"/>
+                    </a:lnT>
+                  </a:tcPr>
+                </a:tc>
+                <a:tc>
+                  <a:txBody>
+                    <a:bodyPr/>
+                    <a:lstStyle/>
+                    <a:p>
+                      <a:pPr latinLnBrk="1"/>
+                      <a:endParaRPr lang="ko-KR" altLang="en-US" dirty="0"/>
+                    </a:p>
+                  </a:txBody>
+                  <a:tcPr marL="63779" marR="63779" marT="17417" marB="17417" anchor="ctr">
+                    <a:lnR w="3175" cap="flat" cmpd="sng" algn="ctr">
+                      <a:solidFill>
+                        <a:srgbClr val="000000"/>
+                      </a:solidFill>
+                      <a:prstDash val="solid"/>
+                      <a:round/>
+                      <a:headEnd type="none" w="med" len="med"/>
+                      <a:tailEnd type="none" w="med" len="med"/>
+                    </a:lnR>
+                    <a:lnT w="3175" cap="flat" cmpd="sng" algn="ctr">
+                      <a:solidFill>
+                        <a:srgbClr val="000000"/>
+                      </a:solidFill>
+                      <a:prstDash val="solid"/>
+                      <a:round/>
+                      <a:headEnd type="none" w="med" len="med"/>
+                      <a:tailEnd type="none" w="med" len="med"/>
+                    </a:lnT>
+                    <a:lnB w="3175" cap="flat" cmpd="sng" algn="ctr">
+                      <a:solidFill>
+                        <a:srgbClr val="000000"/>
+                      </a:solidFill>
+                      <a:prstDash val="solid"/>
+                      <a:round/>
+                      <a:headEnd type="none" w="med" len="med"/>
+                      <a:tailEnd type="none" w="med" len="med"/>
+                    </a:lnB>
+                    <a:solidFill>
+                      <a:srgbClr val="618197"/>
+                    </a:solidFill>
+                  </a:tcPr>
+                </a:tc>
+                <a:tc>
+                  <a:txBody>
+                    <a:bodyPr/>
+                    <a:lstStyle/>
+                    <a:p>
+                      <a:pPr marL="0" marR="0" indent="0" algn="just" fontAlgn="base" latinLnBrk="1">
+                        <a:lnSpc>
+                          <a:spcPct val="160000"/>
+                        </a:lnSpc>
+                        <a:spcBef>
+                          <a:spcPts val="0"/>
+                        </a:spcBef>
+                        <a:spcAft>
+                          <a:spcPts val="0"/>
+                        </a:spcAft>
+                      </a:pPr>
+                      <a:endParaRPr lang="ko-KR" altLang="en-US" sz="1200" b="1" kern="0" spc="0" dirty="0">
+                        <a:solidFill>
+                          <a:schemeClr val="bg1"/>
+                        </a:solidFill>
+                        <a:latin typeface="+mn-ea"/>
+                        <a:ea typeface="+mn-ea"/>
+                      </a:endParaRPr>
+                    </a:p>
+                  </a:txBody>
+                  <a:tcPr marL="63779" marR="63779" marT="17417" marB="17417" anchor="ctr">
+                    <a:lnL w="3175" cap="flat" cmpd="sng" algn="ctr">
+                      <a:solidFill>
+                        <a:srgbClr val="000000"/>
+                      </a:solidFill>
+                      <a:prstDash val="solid"/>
+                      <a:round/>
+                      <a:headEnd type="none" w="med" len="med"/>
+                      <a:tailEnd type="none" w="med" len="med"/>
+                    </a:lnL>
+                    <a:lnR w="3175" cap="flat" cmpd="sng" algn="ctr">
+                      <a:solidFill>
+                        <a:srgbClr val="000000"/>
+                      </a:solidFill>
+                      <a:prstDash val="solid"/>
+                      <a:round/>
+                      <a:headEnd type="none" w="med" len="med"/>
+                      <a:tailEnd type="none" w="med" len="med"/>
+                    </a:lnR>
+                    <a:lnT w="3175" cap="flat" cmpd="sng" algn="ctr">
+                      <a:solidFill>
+                        <a:srgbClr val="000000"/>
+                      </a:solidFill>
+                      <a:prstDash val="solid"/>
+                      <a:round/>
+                      <a:headEnd type="none" w="med" len="med"/>
+                      <a:tailEnd type="none" w="med" len="med"/>
+                    </a:lnT>
+                    <a:lnB w="3175" cap="flat" cmpd="sng" algn="ctr">
+                      <a:solidFill>
+                        <a:srgbClr val="000000"/>
+                      </a:solidFill>
+                      <a:prstDash val="solid"/>
+                      <a:round/>
+                      <a:headEnd type="none" w="med" len="med"/>
+                      <a:tailEnd type="none" w="med" len="med"/>
+                    </a:lnB>
+                    <a:solidFill>
+                      <a:srgbClr val="545455"/>
+                    </a:solidFill>
+                  </a:tcPr>
+                </a:tc>
+                <a:tc>
+                  <a:txBody>
+                    <a:bodyPr/>
+                    <a:lstStyle/>
+                    <a:p>
+                      <a:pPr marL="0" marR="0" indent="0" algn="just" fontAlgn="base" latinLnBrk="1">
+                        <a:lnSpc>
+                          <a:spcPct val="160000"/>
+                        </a:lnSpc>
+                        <a:spcBef>
+                          <a:spcPts val="0"/>
+                        </a:spcBef>
+                        <a:spcAft>
+                          <a:spcPts val="0"/>
+                        </a:spcAft>
+                      </a:pPr>
+                      <a:endParaRPr lang="ko-KR" altLang="en-US" sz="1200" b="1" kern="0" spc="0" dirty="0">
+                        <a:solidFill>
+                          <a:schemeClr val="bg1"/>
+                        </a:solidFill>
+                        <a:latin typeface="+mn-ea"/>
+                        <a:ea typeface="+mn-ea"/>
+                      </a:endParaRPr>
+                    </a:p>
+                  </a:txBody>
+                  <a:tcPr marL="63779" marR="63779" marT="17417" marB="17417" anchor="ctr">
+                    <a:lnL w="3175" cap="flat" cmpd="sng" algn="ctr">
+                      <a:solidFill>
+                        <a:srgbClr val="000000"/>
+                      </a:solidFill>
+                      <a:prstDash val="solid"/>
+                      <a:round/>
+                      <a:headEnd type="none" w="med" len="med"/>
+                      <a:tailEnd type="none" w="med" len="med"/>
+                    </a:lnL>
+                    <a:lnR w="3175" cap="flat" cmpd="sng" algn="ctr">
+                      <a:solidFill>
+                        <a:srgbClr val="000000"/>
+                      </a:solidFill>
+                      <a:prstDash val="solid"/>
+                      <a:round/>
+                      <a:headEnd type="none" w="med" len="med"/>
+                      <a:tailEnd type="none" w="med" len="med"/>
+                    </a:lnR>
+                    <a:lnT w="3175" cap="flat" cmpd="sng" algn="ctr">
+                      <a:solidFill>
+                        <a:srgbClr val="000000"/>
+                      </a:solidFill>
+                      <a:prstDash val="solid"/>
+                      <a:round/>
+                      <a:headEnd type="none" w="med" len="med"/>
+                      <a:tailEnd type="none" w="med" len="med"/>
+                    </a:lnT>
+                    <a:lnB w="3175" cap="flat" cmpd="sng" algn="ctr">
+                      <a:solidFill>
+                        <a:srgbClr val="000000"/>
+                      </a:solidFill>
+                      <a:prstDash val="solid"/>
+                      <a:round/>
+                      <a:headEnd type="none" w="med" len="med"/>
+                      <a:tailEnd type="none" w="med" len="med"/>
+                    </a:lnB>
+                    <a:solidFill>
+                      <a:srgbClr val="545455"/>
+                    </a:solidFill>
+                  </a:tcPr>
+                </a:tc>
+                <a:tc vMerge="1">
+                  <a:txBody>
+                    <a:bodyPr/>
+                    <a:lstStyle/>
+                    <a:p>
+                      <a:pPr latinLnBrk="1"/>
+                      <a:endParaRPr lang="ko-KR" altLang="en-US"/>
+                    </a:p>
+                  </a:txBody>
+                  <a:tcPr>
+                    <a:lnL w="3175" cap="flat" cmpd="sng" algn="ctr">
+                      <a:solidFill>
+                        <a:srgbClr val="000000"/>
+                      </a:solidFill>
+                      <a:prstDash val="solid"/>
+                      <a:round/>
+                      <a:headEnd type="none" w="med" len="med"/>
+                      <a:tailEnd type="none" w="med" len="med"/>
+                    </a:lnL>
+                    <a:lnT w="3175" cap="flat" cmpd="sng" algn="ctr">
+                      <a:solidFill>
+                        <a:srgbClr val="000000"/>
+                      </a:solidFill>
+                      <a:prstDash val="solid"/>
+                      <a:round/>
+                      <a:headEnd type="none" w="med" len="med"/>
+                      <a:tailEnd type="none" w="med" len="med"/>
+                    </a:lnT>
+                  </a:tcPr>
+                </a:tc>
+                <a:extLst>
+                  <a:ext uri="{0D108BD9-81ED-4DB2-BD59-A6C34878D82A}">
+                    <a16:rowId xmlns:a16="http://schemas.microsoft.com/office/drawing/2014/main" val="951811176"/>
+                  </a:ext>
+                </a:extLst>
+              </a:tr>
+              <a:tr h="457200">
+                <a:tc>
+                  <a:txBody>
+                    <a:bodyPr/>
+                    <a:lstStyle/>
+                    <a:p>
+                      <a:pPr marL="0" marR="0" indent="0" algn="ctr" fontAlgn="base" latinLnBrk="0">
+                        <a:lnSpc>
+                          <a:spcPct val="160000"/>
+                        </a:lnSpc>
+                        <a:spcBef>
+                          <a:spcPts val="0"/>
+                        </a:spcBef>
+                        <a:spcAft>
+                          <a:spcPts val="0"/>
+                        </a:spcAft>
+                      </a:pPr>
+                      <a:r>
+                        <a:rPr lang="ko-KR" altLang="en-US" sz="1200" b="1" kern="0" spc="0" dirty="0">
+                          <a:solidFill>
+                            <a:schemeClr val="bg1"/>
+                          </a:solidFill>
+                          <a:latin typeface="+mn-ea"/>
+                          <a:ea typeface="+mn-ea"/>
+                        </a:rPr>
+                        <a:t>서버 프레임 워크</a:t>
+                      </a:r>
+                    </a:p>
+                  </a:txBody>
+                  <a:tcPr marL="63779" marR="63779" marT="17417" marB="17417" anchor="ctr">
+                    <a:lnL w="38100" cap="flat" cmpd="sng" algn="ctr">
+                      <a:solidFill>
+                        <a:schemeClr val="tx1">
+                          <a:lumMod val="85000"/>
+                        </a:schemeClr>
+                      </a:solidFill>
+                      <a:prstDash val="solid"/>
+                      <a:round/>
+                      <a:headEnd type="none" w="med" len="med"/>
+                      <a:tailEnd type="none" w="med" len="med"/>
+                    </a:lnL>
+                    <a:lnR w="3175" cap="flat" cmpd="sng" algn="ctr">
+                      <a:solidFill>
+                        <a:srgbClr val="000000"/>
+                      </a:solidFill>
+                      <a:prstDash val="solid"/>
+                      <a:round/>
+                      <a:headEnd type="none" w="med" len="med"/>
+                      <a:tailEnd type="none" w="med" len="med"/>
+                    </a:lnR>
+                    <a:lnT w="3175" cap="flat" cmpd="sng" algn="ctr">
+                      <a:solidFill>
+                        <a:srgbClr val="000000"/>
+                      </a:solidFill>
+                      <a:prstDash val="solid"/>
+                      <a:round/>
+                      <a:headEnd type="none" w="med" len="med"/>
+                      <a:tailEnd type="none" w="med" len="med"/>
+                    </a:lnT>
+                    <a:lnB w="3175" cap="flat" cmpd="sng" algn="ctr">
+                      <a:solidFill>
+                        <a:srgbClr val="000000"/>
+                      </a:solidFill>
+                      <a:prstDash val="solid"/>
+                      <a:round/>
+                      <a:headEnd type="none" w="med" len="med"/>
+                      <a:tailEnd type="none" w="med" len="med"/>
+                    </a:lnB>
+                    <a:solidFill>
+                      <a:schemeClr val="tx1">
+                        <a:lumMod val="65000"/>
+                        <a:lumOff val="35000"/>
+                      </a:schemeClr>
+                    </a:solidFill>
+                  </a:tcPr>
+                </a:tc>
+                <a:tc>
+                  <a:txBody>
+                    <a:bodyPr/>
+                    <a:lstStyle/>
+                    <a:p>
+                      <a:pPr marL="0" marR="0" indent="0" algn="just" fontAlgn="base" latinLnBrk="1">
+                        <a:lnSpc>
+                          <a:spcPct val="160000"/>
+                        </a:lnSpc>
+                        <a:spcBef>
+                          <a:spcPts val="0"/>
+                        </a:spcBef>
+                        <a:spcAft>
+                          <a:spcPts val="0"/>
+                        </a:spcAft>
+                      </a:pPr>
+                      <a:endParaRPr lang="ko-KR" altLang="en-US" sz="1200" b="1" kern="0" spc="0" dirty="0">
+                        <a:solidFill>
+                          <a:schemeClr val="bg1"/>
+                        </a:solidFill>
+                        <a:latin typeface="+mn-ea"/>
+                        <a:ea typeface="+mn-ea"/>
+                      </a:endParaRPr>
+                    </a:p>
+                  </a:txBody>
+                  <a:tcPr marL="63779" marR="63779" marT="17417" marB="17417" anchor="ctr">
+                    <a:lnL w="3175" cap="flat" cmpd="sng" algn="ctr">
+                      <a:solidFill>
+                        <a:srgbClr val="000000"/>
+                      </a:solidFill>
+                      <a:prstDash val="solid"/>
+                      <a:round/>
+                      <a:headEnd type="none" w="med" len="med"/>
+                      <a:tailEnd type="none" w="med" len="med"/>
+                    </a:lnL>
+                    <a:lnR w="3175" cap="flat" cmpd="sng" algn="ctr">
+                      <a:solidFill>
+                        <a:srgbClr val="000000"/>
+                      </a:solidFill>
+                      <a:prstDash val="solid"/>
+                      <a:round/>
+                      <a:headEnd type="none" w="med" len="med"/>
+                      <a:tailEnd type="none" w="med" len="med"/>
+                    </a:lnR>
+                    <a:lnT w="3175" cap="flat" cmpd="sng" algn="ctr">
+                      <a:solidFill>
+                        <a:srgbClr val="000000"/>
+                      </a:solidFill>
+                      <a:prstDash val="solid"/>
+                      <a:round/>
+                      <a:headEnd type="none" w="med" len="med"/>
+                      <a:tailEnd type="none" w="med" len="med"/>
+                    </a:lnT>
+                    <a:lnB w="3175" cap="flat" cmpd="sng" algn="ctr">
+                      <a:solidFill>
+                        <a:srgbClr val="000000"/>
+                      </a:solidFill>
+                      <a:prstDash val="solid"/>
+                      <a:round/>
+                      <a:headEnd type="none" w="med" len="med"/>
+                      <a:tailEnd type="none" w="med" len="med"/>
+                    </a:lnB>
+                    <a:solidFill>
+                      <a:srgbClr val="C00000"/>
+                    </a:solidFill>
+                  </a:tcPr>
+                </a:tc>
+                <a:tc>
+                  <a:txBody>
+                    <a:bodyPr/>
+                    <a:lstStyle/>
+                    <a:p>
+                      <a:pPr marL="0" marR="0" indent="0" algn="just" fontAlgn="base" latinLnBrk="1">
+                        <a:lnSpc>
+                          <a:spcPct val="160000"/>
+                        </a:lnSpc>
+                        <a:spcBef>
+                          <a:spcPts val="0"/>
+                        </a:spcBef>
+                        <a:spcAft>
+                          <a:spcPts val="0"/>
+                        </a:spcAft>
+                      </a:pPr>
+                      <a:endParaRPr lang="ko-KR" altLang="en-US" sz="1200" b="1" kern="0" spc="0" dirty="0">
+                        <a:solidFill>
+                          <a:schemeClr val="bg1"/>
+                        </a:solidFill>
+                        <a:latin typeface="+mn-ea"/>
+                        <a:ea typeface="+mn-ea"/>
+                      </a:endParaRPr>
+                    </a:p>
+                  </a:txBody>
+                  <a:tcPr marL="63779" marR="63779" marT="17417" marB="17417" anchor="ctr">
+                    <a:lnL w="3175" cap="flat" cmpd="sng" algn="ctr">
+                      <a:solidFill>
+                        <a:srgbClr val="000000"/>
+                      </a:solidFill>
+                      <a:prstDash val="solid"/>
+                      <a:round/>
+                      <a:headEnd type="none" w="med" len="med"/>
+                      <a:tailEnd type="none" w="med" len="med"/>
+                    </a:lnL>
+                    <a:lnR w="3175" cap="flat" cmpd="sng" algn="ctr">
+                      <a:solidFill>
+                        <a:srgbClr val="000000"/>
+                      </a:solidFill>
+                      <a:prstDash val="solid"/>
+                      <a:round/>
+                      <a:headEnd type="none" w="med" len="med"/>
+                      <a:tailEnd type="none" w="med" len="med"/>
+                    </a:lnR>
+                    <a:lnT w="3175" cap="flat" cmpd="sng" algn="ctr">
+                      <a:solidFill>
+                        <a:srgbClr val="000000"/>
+                      </a:solidFill>
+                      <a:prstDash val="solid"/>
+                      <a:round/>
+                      <a:headEnd type="none" w="med" len="med"/>
+                      <a:tailEnd type="none" w="med" len="med"/>
+                    </a:lnT>
+                    <a:lnB w="3175" cap="flat" cmpd="sng" algn="ctr">
+                      <a:solidFill>
+                        <a:srgbClr val="000000"/>
+                      </a:solidFill>
+                      <a:prstDash val="solid"/>
+                      <a:round/>
+                      <a:headEnd type="none" w="med" len="med"/>
+                      <a:tailEnd type="none" w="med" len="med"/>
+                    </a:lnB>
+                    <a:solidFill>
+                      <a:srgbClr val="C00000"/>
+                    </a:solidFill>
+                  </a:tcPr>
+                </a:tc>
+                <a:tc>
+                  <a:txBody>
+                    <a:bodyPr/>
+                    <a:lstStyle/>
+                    <a:p>
+                      <a:pPr marL="0" marR="0" indent="0" algn="just" fontAlgn="base" latinLnBrk="1">
+                        <a:lnSpc>
+                          <a:spcPct val="160000"/>
+                        </a:lnSpc>
+                        <a:spcBef>
+                          <a:spcPts val="0"/>
+                        </a:spcBef>
+                        <a:spcAft>
+                          <a:spcPts val="0"/>
+                        </a:spcAft>
+                      </a:pPr>
+                      <a:endParaRPr lang="ko-KR" altLang="en-US" sz="1200" b="1" kern="0" spc="0" dirty="0">
+                        <a:solidFill>
+                          <a:schemeClr val="bg1"/>
+                        </a:solidFill>
+                        <a:latin typeface="+mn-ea"/>
+                        <a:ea typeface="+mn-ea"/>
+                      </a:endParaRPr>
+                    </a:p>
+                  </a:txBody>
+                  <a:tcPr marL="63779" marR="63779" marT="17417" marB="17417" anchor="ctr">
+                    <a:lnL w="3175" cap="flat" cmpd="sng" algn="ctr">
+                      <a:solidFill>
+                        <a:srgbClr val="000000"/>
+                      </a:solidFill>
+                      <a:prstDash val="solid"/>
+                      <a:round/>
+                      <a:headEnd type="none" w="med" len="med"/>
+                      <a:tailEnd type="none" w="med" len="med"/>
+                    </a:lnL>
+                    <a:lnR w="3175" cap="flat" cmpd="sng" algn="ctr">
+                      <a:solidFill>
+                        <a:srgbClr val="000000"/>
+                      </a:solidFill>
+                      <a:prstDash val="solid"/>
+                      <a:round/>
+                      <a:headEnd type="none" w="med" len="med"/>
+                      <a:tailEnd type="none" w="med" len="med"/>
+                    </a:lnR>
+                    <a:lnT w="3175" cap="flat" cmpd="sng" algn="ctr">
+                      <a:solidFill>
+                        <a:srgbClr val="000000"/>
+                      </a:solidFill>
+                      <a:prstDash val="solid"/>
+                      <a:round/>
+                      <a:headEnd type="none" w="med" len="med"/>
+                      <a:tailEnd type="none" w="med" len="med"/>
+                    </a:lnT>
+                    <a:lnB w="3175" cap="flat" cmpd="sng" algn="ctr">
+                      <a:solidFill>
+                        <a:srgbClr val="000000"/>
+                      </a:solidFill>
+                      <a:prstDash val="solid"/>
+                      <a:round/>
+                      <a:headEnd type="none" w="med" len="med"/>
+                      <a:tailEnd type="none" w="med" len="med"/>
+                    </a:lnB>
+                    <a:solidFill>
+                      <a:srgbClr val="C00000"/>
+                    </a:solidFill>
+                  </a:tcPr>
+                </a:tc>
+                <a:tc>
+                  <a:txBody>
+                    <a:bodyPr/>
+                    <a:lstStyle/>
+                    <a:p>
+                      <a:pPr marL="0" marR="0" indent="0" algn="just" fontAlgn="base" latinLnBrk="1">
+                        <a:lnSpc>
+                          <a:spcPct val="160000"/>
+                        </a:lnSpc>
+                        <a:spcBef>
+                          <a:spcPts val="0"/>
+                        </a:spcBef>
+                        <a:spcAft>
+                          <a:spcPts val="0"/>
+                        </a:spcAft>
+                      </a:pPr>
+                      <a:endParaRPr lang="ko-KR" altLang="en-US" sz="1200" b="1" kern="0" spc="0" dirty="0">
+                        <a:solidFill>
+                          <a:schemeClr val="bg1"/>
+                        </a:solidFill>
+                        <a:latin typeface="+mn-ea"/>
+                        <a:ea typeface="+mn-ea"/>
+                      </a:endParaRPr>
+                    </a:p>
+                  </a:txBody>
+                  <a:tcPr marL="63779" marR="63779" marT="17417" marB="17417" anchor="ctr">
+                    <a:lnL w="3175" cap="flat" cmpd="sng" algn="ctr">
+                      <a:solidFill>
+                        <a:srgbClr val="000000"/>
+                      </a:solidFill>
+                      <a:prstDash val="solid"/>
+                      <a:round/>
+                      <a:headEnd type="none" w="med" len="med"/>
+                      <a:tailEnd type="none" w="med" len="med"/>
+                    </a:lnL>
+                    <a:lnR w="3175" cap="flat" cmpd="sng" algn="ctr">
+                      <a:solidFill>
+                        <a:srgbClr val="000000"/>
+                      </a:solidFill>
+                      <a:prstDash val="solid"/>
+                      <a:round/>
+                      <a:headEnd type="none" w="med" len="med"/>
+                      <a:tailEnd type="none" w="med" len="med"/>
+                    </a:lnR>
+                    <a:lnT w="3175" cap="flat" cmpd="sng" algn="ctr">
+                      <a:solidFill>
+                        <a:srgbClr val="000000"/>
+                      </a:solidFill>
+                      <a:prstDash val="solid"/>
+                      <a:round/>
+                      <a:headEnd type="none" w="med" len="med"/>
+                      <a:tailEnd type="none" w="med" len="med"/>
+                    </a:lnT>
+                    <a:lnB w="3175" cap="flat" cmpd="sng" algn="ctr">
+                      <a:solidFill>
+                        <a:srgbClr val="000000"/>
+                      </a:solidFill>
+                      <a:prstDash val="solid"/>
+                      <a:round/>
+                      <a:headEnd type="none" w="med" len="med"/>
+                      <a:tailEnd type="none" w="med" len="med"/>
+                    </a:lnB>
+                    <a:solidFill>
+                      <a:srgbClr val="C00000"/>
+                    </a:solidFill>
+                  </a:tcPr>
+                </a:tc>
+                <a:tc>
+                  <a:txBody>
+                    <a:bodyPr/>
+                    <a:lstStyle/>
+                    <a:p>
+                      <a:pPr marL="0" marR="0" indent="0" algn="just" fontAlgn="base" latinLnBrk="1">
+                        <a:lnSpc>
+                          <a:spcPct val="160000"/>
+                        </a:lnSpc>
+                        <a:spcBef>
+                          <a:spcPts val="0"/>
+                        </a:spcBef>
+                        <a:spcAft>
+                          <a:spcPts val="0"/>
+                        </a:spcAft>
+                      </a:pPr>
+                      <a:endParaRPr lang="ko-KR" altLang="en-US" sz="1200" b="1" kern="0" spc="0" dirty="0">
+                        <a:solidFill>
+                          <a:schemeClr val="bg1"/>
+                        </a:solidFill>
+                        <a:latin typeface="+mn-ea"/>
+                        <a:ea typeface="+mn-ea"/>
+                      </a:endParaRPr>
+                    </a:p>
+                  </a:txBody>
+                  <a:tcPr marL="63779" marR="63779" marT="17417" marB="17417" anchor="ctr">
+                    <a:lnL w="3175" cap="flat" cmpd="sng" algn="ctr">
+                      <a:solidFill>
+                        <a:srgbClr val="000000"/>
+                      </a:solidFill>
+                      <a:prstDash val="solid"/>
+                      <a:round/>
+                      <a:headEnd type="none" w="med" len="med"/>
+                      <a:tailEnd type="none" w="med" len="med"/>
+                    </a:lnL>
+                    <a:lnR w="3175" cap="flat" cmpd="sng" algn="ctr">
+                      <a:solidFill>
+                        <a:srgbClr val="000000"/>
+                      </a:solidFill>
+                      <a:prstDash val="solid"/>
+                      <a:round/>
+                      <a:headEnd type="none" w="med" len="med"/>
+                      <a:tailEnd type="none" w="med" len="med"/>
+                    </a:lnR>
+                    <a:lnT w="3175" cap="flat" cmpd="sng" algn="ctr">
+                      <a:solidFill>
+                        <a:srgbClr val="000000"/>
+                      </a:solidFill>
+                      <a:prstDash val="solid"/>
+                      <a:round/>
+                      <a:headEnd type="none" w="med" len="med"/>
+                      <a:tailEnd type="none" w="med" len="med"/>
+                    </a:lnT>
+                    <a:lnB w="3175" cap="flat" cmpd="sng" algn="ctr">
+                      <a:solidFill>
+                        <a:srgbClr val="000000"/>
+                      </a:solidFill>
+                      <a:prstDash val="solid"/>
+                      <a:round/>
+                      <a:headEnd type="none" w="med" len="med"/>
+                      <a:tailEnd type="none" w="med" len="med"/>
+                    </a:lnB>
+                    <a:solidFill>
+                      <a:srgbClr val="C00000"/>
+                    </a:solidFill>
+                  </a:tcPr>
+                </a:tc>
+                <a:tc vMerge="1">
+                  <a:txBody>
+                    <a:bodyPr/>
+                    <a:lstStyle/>
+                    <a:p>
+                      <a:pPr latinLnBrk="1"/>
+                      <a:endParaRPr lang="ko-KR" altLang="en-US"/>
+                    </a:p>
+                  </a:txBody>
+                  <a:tcPr>
+                    <a:lnL w="3175" cap="flat" cmpd="sng" algn="ctr">
+                      <a:solidFill>
+                        <a:srgbClr val="000000"/>
+                      </a:solidFill>
+                      <a:prstDash val="solid"/>
+                      <a:round/>
+                      <a:headEnd type="none" w="med" len="med"/>
+                      <a:tailEnd type="none" w="med" len="med"/>
+                    </a:lnL>
+                    <a:lnT w="3175" cap="flat" cmpd="sng" algn="ctr">
+                      <a:solidFill>
+                        <a:srgbClr val="000000"/>
+                      </a:solidFill>
+                      <a:prstDash val="solid"/>
+                      <a:round/>
+                      <a:headEnd type="none" w="med" len="med"/>
+                      <a:tailEnd type="none" w="med" len="med"/>
+                    </a:lnT>
+                  </a:tcPr>
+                </a:tc>
+                <a:tc>
+                  <a:txBody>
+                    <a:bodyPr/>
+                    <a:lstStyle/>
+                    <a:p>
+                      <a:pPr latinLnBrk="1"/>
+                      <a:endParaRPr lang="ko-KR" altLang="en-US" dirty="0"/>
+                    </a:p>
+                  </a:txBody>
+                  <a:tcPr marL="63779" marR="63779" marT="17417" marB="17417" anchor="ctr">
+                    <a:lnR w="3175" cap="flat" cmpd="sng" algn="ctr">
+                      <a:solidFill>
+                        <a:srgbClr val="000000"/>
+                      </a:solidFill>
+                      <a:prstDash val="solid"/>
+                      <a:round/>
+                      <a:headEnd type="none" w="med" len="med"/>
+                      <a:tailEnd type="none" w="med" len="med"/>
+                    </a:lnR>
+                    <a:lnT w="3175" cap="flat" cmpd="sng" algn="ctr">
+                      <a:solidFill>
+                        <a:srgbClr val="000000"/>
+                      </a:solidFill>
+                      <a:prstDash val="solid"/>
+                      <a:round/>
+                      <a:headEnd type="none" w="med" len="med"/>
+                      <a:tailEnd type="none" w="med" len="med"/>
+                    </a:lnT>
+                    <a:lnB w="3175" cap="flat" cmpd="sng" algn="ctr">
+                      <a:solidFill>
+                        <a:srgbClr val="000000"/>
+                      </a:solidFill>
+                      <a:prstDash val="solid"/>
+                      <a:round/>
+                      <a:headEnd type="none" w="med" len="med"/>
+                      <a:tailEnd type="none" w="med" len="med"/>
+                    </a:lnB>
+                    <a:solidFill>
+                      <a:srgbClr val="C00000"/>
+                    </a:solidFill>
+                  </a:tcPr>
+                </a:tc>
+                <a:tc>
+                  <a:txBody>
+                    <a:bodyPr/>
+                    <a:lstStyle/>
+                    <a:p>
+                      <a:pPr marL="0" marR="0" indent="0" algn="just" fontAlgn="base" latinLnBrk="1">
+                        <a:lnSpc>
+                          <a:spcPct val="160000"/>
+                        </a:lnSpc>
+                        <a:spcBef>
+                          <a:spcPts val="0"/>
+                        </a:spcBef>
+                        <a:spcAft>
+                          <a:spcPts val="0"/>
+                        </a:spcAft>
+                      </a:pPr>
+                      <a:endParaRPr lang="ko-KR" altLang="en-US" sz="1200" b="1" kern="0" spc="0" dirty="0">
+                        <a:solidFill>
+                          <a:schemeClr val="bg1"/>
+                        </a:solidFill>
+                        <a:latin typeface="+mn-ea"/>
+                        <a:ea typeface="+mn-ea"/>
+                      </a:endParaRPr>
+                    </a:p>
+                  </a:txBody>
+                  <a:tcPr marL="63779" marR="63779" marT="17417" marB="17417" anchor="ctr">
+                    <a:lnL w="3175" cap="flat" cmpd="sng" algn="ctr">
+                      <a:solidFill>
+                        <a:srgbClr val="000000"/>
+                      </a:solidFill>
+                      <a:prstDash val="solid"/>
+                      <a:round/>
+                      <a:headEnd type="none" w="med" len="med"/>
+                      <a:tailEnd type="none" w="med" len="med"/>
+                    </a:lnL>
+                    <a:lnR w="3175" cap="flat" cmpd="sng" algn="ctr">
+                      <a:solidFill>
+                        <a:srgbClr val="000000"/>
+                      </a:solidFill>
+                      <a:prstDash val="solid"/>
+                      <a:round/>
+                      <a:headEnd type="none" w="med" len="med"/>
+                      <a:tailEnd type="none" w="med" len="med"/>
+                    </a:lnR>
+                    <a:lnT w="3175" cap="flat" cmpd="sng" algn="ctr">
+                      <a:solidFill>
+                        <a:srgbClr val="000000"/>
+                      </a:solidFill>
+                      <a:prstDash val="solid"/>
+                      <a:round/>
+                      <a:headEnd type="none" w="med" len="med"/>
+                      <a:tailEnd type="none" w="med" len="med"/>
+                    </a:lnT>
+                    <a:lnB w="3175" cap="flat" cmpd="sng" algn="ctr">
+                      <a:solidFill>
+                        <a:srgbClr val="000000"/>
+                      </a:solidFill>
+                      <a:prstDash val="solid"/>
+                      <a:round/>
+                      <a:headEnd type="none" w="med" len="med"/>
+                      <a:tailEnd type="none" w="med" len="med"/>
+                    </a:lnB>
+                    <a:solidFill>
+                      <a:srgbClr val="C00000"/>
+                    </a:solidFill>
+                  </a:tcPr>
+                </a:tc>
+                <a:tc>
+                  <a:txBody>
+                    <a:bodyPr/>
+                    <a:lstStyle/>
+                    <a:p>
+                      <a:pPr marL="0" marR="0" indent="0" algn="just" fontAlgn="base" latinLnBrk="1">
+                        <a:lnSpc>
+                          <a:spcPct val="160000"/>
+                        </a:lnSpc>
+                        <a:spcBef>
+                          <a:spcPts val="0"/>
+                        </a:spcBef>
+                        <a:spcAft>
+                          <a:spcPts val="0"/>
+                        </a:spcAft>
+                      </a:pPr>
+                      <a:endParaRPr lang="ko-KR" altLang="en-US" sz="1200" b="1" kern="0" spc="0" dirty="0">
+                        <a:solidFill>
+                          <a:schemeClr val="bg1"/>
+                        </a:solidFill>
+                        <a:latin typeface="+mn-ea"/>
+                        <a:ea typeface="+mn-ea"/>
+                      </a:endParaRPr>
+                    </a:p>
+                  </a:txBody>
+                  <a:tcPr marL="63779" marR="63779" marT="17417" marB="17417" anchor="ctr">
+                    <a:lnL w="3175" cap="flat" cmpd="sng" algn="ctr">
+                      <a:solidFill>
+                        <a:srgbClr val="000000"/>
+                      </a:solidFill>
+                      <a:prstDash val="solid"/>
+                      <a:round/>
+                      <a:headEnd type="none" w="med" len="med"/>
+                      <a:tailEnd type="none" w="med" len="med"/>
+                    </a:lnL>
+                    <a:lnR w="3175" cap="flat" cmpd="sng" algn="ctr">
+                      <a:solidFill>
+                        <a:srgbClr val="000000"/>
+                      </a:solidFill>
+                      <a:prstDash val="solid"/>
+                      <a:round/>
+                      <a:headEnd type="none" w="med" len="med"/>
+                      <a:tailEnd type="none" w="med" len="med"/>
+                    </a:lnR>
+                    <a:lnT w="3175" cap="flat" cmpd="sng" algn="ctr">
+                      <a:solidFill>
+                        <a:srgbClr val="000000"/>
+                      </a:solidFill>
+                      <a:prstDash val="solid"/>
+                      <a:round/>
+                      <a:headEnd type="none" w="med" len="med"/>
+                      <a:tailEnd type="none" w="med" len="med"/>
+                    </a:lnT>
+                    <a:lnB w="3175" cap="flat" cmpd="sng" algn="ctr">
+                      <a:solidFill>
+                        <a:srgbClr val="000000"/>
+                      </a:solidFill>
+                      <a:prstDash val="solid"/>
+                      <a:round/>
+                      <a:headEnd type="none" w="med" len="med"/>
+                      <a:tailEnd type="none" w="med" len="med"/>
+                    </a:lnB>
+                    <a:solidFill>
+                      <a:srgbClr val="C00000"/>
+                    </a:solidFill>
+                  </a:tcPr>
+                </a:tc>
+                <a:tc vMerge="1">
+                  <a:txBody>
+                    <a:bodyPr/>
+                    <a:lstStyle/>
+                    <a:p>
+                      <a:pPr latinLnBrk="1"/>
+                      <a:endParaRPr lang="ko-KR" altLang="en-US"/>
+                    </a:p>
+                  </a:txBody>
+                  <a:tcPr>
+                    <a:lnL w="3175" cap="flat" cmpd="sng" algn="ctr">
+                      <a:solidFill>
+                        <a:srgbClr val="000000"/>
+                      </a:solidFill>
+                      <a:prstDash val="solid"/>
+                      <a:round/>
+                      <a:headEnd type="none" w="med" len="med"/>
+                      <a:tailEnd type="none" w="med" len="med"/>
+                    </a:lnL>
+                    <a:lnT w="3175" cap="flat" cmpd="sng" algn="ctr">
+                      <a:solidFill>
+                        <a:srgbClr val="000000"/>
+                      </a:solidFill>
+                      <a:prstDash val="solid"/>
+                      <a:round/>
+                      <a:headEnd type="none" w="med" len="med"/>
+                      <a:tailEnd type="none" w="med" len="med"/>
+                    </a:lnT>
+                  </a:tcPr>
+                </a:tc>
+                <a:extLst>
+                  <a:ext uri="{0D108BD9-81ED-4DB2-BD59-A6C34878D82A}">
+                    <a16:rowId xmlns:a16="http://schemas.microsoft.com/office/drawing/2014/main" val="1758816005"/>
+                  </a:ext>
+                </a:extLst>
+              </a:tr>
+              <a:tr h="376518">
+                <a:tc>
+                  <a:txBody>
+                    <a:bodyPr/>
+                    <a:lstStyle/>
+                    <a:p>
+                      <a:pPr marL="0" marR="0" indent="0" algn="ctr" fontAlgn="base" latinLnBrk="0">
+                        <a:lnSpc>
+                          <a:spcPct val="160000"/>
+                        </a:lnSpc>
+                        <a:spcBef>
+                          <a:spcPts val="0"/>
+                        </a:spcBef>
+                        <a:spcAft>
+                          <a:spcPts val="0"/>
+                        </a:spcAft>
+                      </a:pPr>
+                      <a:r>
+                        <a:rPr lang="ko-KR" altLang="en-US" sz="1200" b="1" kern="0" spc="0" dirty="0">
+                          <a:solidFill>
+                            <a:schemeClr val="bg1"/>
+                          </a:solidFill>
+                          <a:latin typeface="+mn-ea"/>
+                          <a:ea typeface="+mn-ea"/>
+                        </a:rPr>
+                        <a:t>네트워크 동기화</a:t>
+                      </a:r>
+                    </a:p>
+                  </a:txBody>
+                  <a:tcPr marL="63779" marR="63779" marT="17417" marB="17417" anchor="ctr">
+                    <a:lnL w="38100" cap="flat" cmpd="sng" algn="ctr">
+                      <a:solidFill>
+                        <a:schemeClr val="tx1">
+                          <a:lumMod val="85000"/>
+                        </a:schemeClr>
+                      </a:solidFill>
+                      <a:prstDash val="solid"/>
+                      <a:round/>
+                      <a:headEnd type="none" w="med" len="med"/>
+                      <a:tailEnd type="none" w="med" len="med"/>
+                    </a:lnL>
+                    <a:lnR w="3175" cap="flat" cmpd="sng" algn="ctr">
+                      <a:solidFill>
+                        <a:srgbClr val="000000"/>
+                      </a:solidFill>
+                      <a:prstDash val="solid"/>
+                      <a:round/>
+                      <a:headEnd type="none" w="med" len="med"/>
+                      <a:tailEnd type="none" w="med" len="med"/>
+                    </a:lnR>
+                    <a:lnT w="3175" cap="flat" cmpd="sng" algn="ctr">
+                      <a:solidFill>
+                        <a:srgbClr val="000000"/>
+                      </a:solidFill>
+                      <a:prstDash val="solid"/>
+                      <a:round/>
+                      <a:headEnd type="none" w="med" len="med"/>
+                      <a:tailEnd type="none" w="med" len="med"/>
+                    </a:lnT>
+                    <a:lnB w="3175" cap="flat" cmpd="sng" algn="ctr">
+                      <a:solidFill>
+                        <a:srgbClr val="000000"/>
+                      </a:solidFill>
+                      <a:prstDash val="solid"/>
+                      <a:round/>
+                      <a:headEnd type="none" w="med" len="med"/>
+                      <a:tailEnd type="none" w="med" len="med"/>
+                    </a:lnB>
+                    <a:solidFill>
+                      <a:schemeClr val="tx1">
+                        <a:lumMod val="65000"/>
+                        <a:lumOff val="35000"/>
+                      </a:schemeClr>
+                    </a:solidFill>
+                  </a:tcPr>
+                </a:tc>
+                <a:tc>
+                  <a:txBody>
+                    <a:bodyPr/>
+                    <a:lstStyle/>
+                    <a:p>
+                      <a:pPr marL="0" marR="0" indent="0" algn="just" fontAlgn="base" latinLnBrk="1">
+                        <a:lnSpc>
+                          <a:spcPct val="160000"/>
+                        </a:lnSpc>
+                        <a:spcBef>
+                          <a:spcPts val="0"/>
+                        </a:spcBef>
+                        <a:spcAft>
+                          <a:spcPts val="0"/>
+                        </a:spcAft>
+                      </a:pPr>
+                      <a:endParaRPr lang="ko-KR" altLang="en-US" sz="1200" b="1" kern="0" spc="0" dirty="0">
+                        <a:solidFill>
+                          <a:schemeClr val="bg1"/>
+                        </a:solidFill>
+                        <a:latin typeface="+mn-ea"/>
+                        <a:ea typeface="+mn-ea"/>
+                      </a:endParaRPr>
+                    </a:p>
+                  </a:txBody>
+                  <a:tcPr marL="63779" marR="63779" marT="17417" marB="17417" anchor="ctr">
+                    <a:lnL w="3175" cap="flat" cmpd="sng" algn="ctr">
+                      <a:solidFill>
+                        <a:srgbClr val="000000"/>
+                      </a:solidFill>
+                      <a:prstDash val="solid"/>
+                      <a:round/>
+                      <a:headEnd type="none" w="med" len="med"/>
+                      <a:tailEnd type="none" w="med" len="med"/>
+                    </a:lnL>
+                    <a:lnR w="3175" cap="flat" cmpd="sng" algn="ctr">
+                      <a:solidFill>
+                        <a:srgbClr val="000000"/>
+                      </a:solidFill>
+                      <a:prstDash val="solid"/>
+                      <a:round/>
+                      <a:headEnd type="none" w="med" len="med"/>
+                      <a:tailEnd type="none" w="med" len="med"/>
+                    </a:lnR>
+                    <a:lnT w="3175" cap="flat" cmpd="sng" algn="ctr">
+                      <a:solidFill>
+                        <a:srgbClr val="000000"/>
+                      </a:solidFill>
+                      <a:prstDash val="solid"/>
+                      <a:round/>
+                      <a:headEnd type="none" w="med" len="med"/>
+                      <a:tailEnd type="none" w="med" len="med"/>
+                    </a:lnT>
+                    <a:lnB w="3175" cap="flat" cmpd="sng" algn="ctr">
+                      <a:solidFill>
+                        <a:srgbClr val="000000"/>
+                      </a:solidFill>
+                      <a:prstDash val="solid"/>
+                      <a:round/>
+                      <a:headEnd type="none" w="med" len="med"/>
+                      <a:tailEnd type="none" w="med" len="med"/>
+                    </a:lnB>
+                    <a:solidFill>
+                      <a:srgbClr val="545455"/>
+                    </a:solidFill>
+                  </a:tcPr>
+                </a:tc>
+                <a:tc>
+                  <a:txBody>
+                    <a:bodyPr/>
+                    <a:lstStyle/>
+                    <a:p>
+                      <a:pPr marL="0" marR="0" indent="0" algn="just" fontAlgn="base" latinLnBrk="1">
+                        <a:lnSpc>
+                          <a:spcPct val="160000"/>
+                        </a:lnSpc>
+                        <a:spcBef>
+                          <a:spcPts val="0"/>
+                        </a:spcBef>
+                        <a:spcAft>
+                          <a:spcPts val="0"/>
+                        </a:spcAft>
+                      </a:pPr>
+                      <a:endParaRPr lang="ko-KR" altLang="en-US" sz="1200" b="1" kern="0" spc="0" dirty="0">
+                        <a:solidFill>
+                          <a:schemeClr val="bg1"/>
+                        </a:solidFill>
+                        <a:latin typeface="+mn-ea"/>
+                        <a:ea typeface="+mn-ea"/>
+                      </a:endParaRPr>
+                    </a:p>
+                  </a:txBody>
+                  <a:tcPr marL="63779" marR="63779" marT="17417" marB="17417" anchor="ctr">
+                    <a:lnL w="3175" cap="flat" cmpd="sng" algn="ctr">
+                      <a:solidFill>
+                        <a:srgbClr val="000000"/>
+                      </a:solidFill>
+                      <a:prstDash val="solid"/>
+                      <a:round/>
+                      <a:headEnd type="none" w="med" len="med"/>
+                      <a:tailEnd type="none" w="med" len="med"/>
+                    </a:lnL>
+                    <a:lnR w="3175" cap="flat" cmpd="sng" algn="ctr">
+                      <a:solidFill>
+                        <a:srgbClr val="000000"/>
+                      </a:solidFill>
+                      <a:prstDash val="solid"/>
+                      <a:round/>
+                      <a:headEnd type="none" w="med" len="med"/>
+                      <a:tailEnd type="none" w="med" len="med"/>
+                    </a:lnR>
+                    <a:lnT w="3175" cap="flat" cmpd="sng" algn="ctr">
+                      <a:solidFill>
+                        <a:srgbClr val="000000"/>
+                      </a:solidFill>
+                      <a:prstDash val="solid"/>
+                      <a:round/>
+                      <a:headEnd type="none" w="med" len="med"/>
+                      <a:tailEnd type="none" w="med" len="med"/>
+                    </a:lnT>
+                    <a:lnB w="3175" cap="flat" cmpd="sng" algn="ctr">
+                      <a:solidFill>
+                        <a:srgbClr val="000000"/>
+                      </a:solidFill>
+                      <a:prstDash val="solid"/>
+                      <a:round/>
+                      <a:headEnd type="none" w="med" len="med"/>
+                      <a:tailEnd type="none" w="med" len="med"/>
+                    </a:lnB>
+                    <a:solidFill>
+                      <a:srgbClr val="545455"/>
+                    </a:solidFill>
+                  </a:tcPr>
+                </a:tc>
+                <a:tc>
+                  <a:txBody>
+                    <a:bodyPr/>
+                    <a:lstStyle/>
+                    <a:p>
+                      <a:pPr marL="0" marR="0" indent="0" algn="just" fontAlgn="base" latinLnBrk="1">
+                        <a:lnSpc>
+                          <a:spcPct val="160000"/>
+                        </a:lnSpc>
+                        <a:spcBef>
+                          <a:spcPts val="0"/>
+                        </a:spcBef>
+                        <a:spcAft>
+                          <a:spcPts val="0"/>
+                        </a:spcAft>
+                      </a:pPr>
+                      <a:endParaRPr lang="ko-KR" altLang="en-US" sz="1200" b="1" kern="0" spc="0" dirty="0">
+                        <a:solidFill>
+                          <a:schemeClr val="bg1"/>
+                        </a:solidFill>
+                        <a:latin typeface="+mn-ea"/>
+                        <a:ea typeface="+mn-ea"/>
+                      </a:endParaRPr>
+                    </a:p>
+                  </a:txBody>
+                  <a:tcPr marL="63779" marR="63779" marT="17417" marB="17417" anchor="ctr">
+                    <a:lnL w="3175" cap="flat" cmpd="sng" algn="ctr">
+                      <a:solidFill>
+                        <a:srgbClr val="000000"/>
+                      </a:solidFill>
+                      <a:prstDash val="solid"/>
+                      <a:round/>
+                      <a:headEnd type="none" w="med" len="med"/>
+                      <a:tailEnd type="none" w="med" len="med"/>
+                    </a:lnL>
+                    <a:lnR w="3175" cap="flat" cmpd="sng" algn="ctr">
+                      <a:solidFill>
+                        <a:srgbClr val="000000"/>
+                      </a:solidFill>
+                      <a:prstDash val="solid"/>
+                      <a:round/>
+                      <a:headEnd type="none" w="med" len="med"/>
+                      <a:tailEnd type="none" w="med" len="med"/>
+                    </a:lnR>
+                    <a:lnT w="3175" cap="flat" cmpd="sng" algn="ctr">
+                      <a:solidFill>
+                        <a:srgbClr val="000000"/>
+                      </a:solidFill>
+                      <a:prstDash val="solid"/>
+                      <a:round/>
+                      <a:headEnd type="none" w="med" len="med"/>
+                      <a:tailEnd type="none" w="med" len="med"/>
+                    </a:lnT>
+                    <a:lnB w="3175" cap="flat" cmpd="sng" algn="ctr">
+                      <a:solidFill>
+                        <a:srgbClr val="000000"/>
+                      </a:solidFill>
+                      <a:prstDash val="solid"/>
+                      <a:round/>
+                      <a:headEnd type="none" w="med" len="med"/>
+                      <a:tailEnd type="none" w="med" len="med"/>
+                    </a:lnB>
+                    <a:solidFill>
+                      <a:srgbClr val="C00000"/>
+                    </a:solidFill>
+                  </a:tcPr>
+                </a:tc>
+                <a:tc>
+                  <a:txBody>
+                    <a:bodyPr/>
+                    <a:lstStyle/>
+                    <a:p>
+                      <a:pPr marL="0" marR="0" indent="0" algn="just" fontAlgn="base" latinLnBrk="1">
+                        <a:lnSpc>
+                          <a:spcPct val="160000"/>
+                        </a:lnSpc>
+                        <a:spcBef>
+                          <a:spcPts val="0"/>
+                        </a:spcBef>
+                        <a:spcAft>
+                          <a:spcPts val="0"/>
+                        </a:spcAft>
+                      </a:pPr>
+                      <a:endParaRPr lang="ko-KR" altLang="en-US" sz="1200" b="1" kern="0" spc="0" dirty="0">
+                        <a:solidFill>
+                          <a:schemeClr val="bg1"/>
+                        </a:solidFill>
+                        <a:latin typeface="+mn-ea"/>
+                        <a:ea typeface="+mn-ea"/>
+                      </a:endParaRPr>
+                    </a:p>
+                  </a:txBody>
+                  <a:tcPr marL="63779" marR="63779" marT="17417" marB="17417" anchor="ctr">
+                    <a:lnL w="3175" cap="flat" cmpd="sng" algn="ctr">
+                      <a:solidFill>
+                        <a:srgbClr val="000000"/>
+                      </a:solidFill>
+                      <a:prstDash val="solid"/>
+                      <a:round/>
+                      <a:headEnd type="none" w="med" len="med"/>
+                      <a:tailEnd type="none" w="med" len="med"/>
+                    </a:lnL>
+                    <a:lnR w="3175" cap="flat" cmpd="sng" algn="ctr">
+                      <a:solidFill>
+                        <a:srgbClr val="000000"/>
+                      </a:solidFill>
+                      <a:prstDash val="solid"/>
+                      <a:round/>
+                      <a:headEnd type="none" w="med" len="med"/>
+                      <a:tailEnd type="none" w="med" len="med"/>
+                    </a:lnR>
+                    <a:lnT w="3175" cap="flat" cmpd="sng" algn="ctr">
+                      <a:solidFill>
+                        <a:srgbClr val="000000"/>
+                      </a:solidFill>
+                      <a:prstDash val="solid"/>
+                      <a:round/>
+                      <a:headEnd type="none" w="med" len="med"/>
+                      <a:tailEnd type="none" w="med" len="med"/>
+                    </a:lnT>
+                    <a:lnB w="3175" cap="flat" cmpd="sng" algn="ctr">
+                      <a:solidFill>
+                        <a:srgbClr val="000000"/>
+                      </a:solidFill>
+                      <a:prstDash val="solid"/>
+                      <a:round/>
+                      <a:headEnd type="none" w="med" len="med"/>
+                      <a:tailEnd type="none" w="med" len="med"/>
+                    </a:lnB>
+                    <a:solidFill>
+                      <a:srgbClr val="C00000"/>
+                    </a:solidFill>
+                  </a:tcPr>
+                </a:tc>
+                <a:tc>
+                  <a:txBody>
+                    <a:bodyPr/>
+                    <a:lstStyle/>
+                    <a:p>
+                      <a:pPr marL="0" marR="0" indent="0" algn="just" fontAlgn="base" latinLnBrk="1">
+                        <a:lnSpc>
+                          <a:spcPct val="160000"/>
+                        </a:lnSpc>
+                        <a:spcBef>
+                          <a:spcPts val="0"/>
+                        </a:spcBef>
+                        <a:spcAft>
+                          <a:spcPts val="0"/>
+                        </a:spcAft>
+                      </a:pPr>
+                      <a:endParaRPr lang="ko-KR" altLang="en-US" sz="1200" b="1" kern="0" spc="0" dirty="0">
+                        <a:solidFill>
+                          <a:schemeClr val="bg1"/>
+                        </a:solidFill>
+                        <a:latin typeface="+mn-ea"/>
+                        <a:ea typeface="+mn-ea"/>
+                      </a:endParaRPr>
+                    </a:p>
+                  </a:txBody>
+                  <a:tcPr marL="63779" marR="63779" marT="17417" marB="17417" anchor="ctr">
+                    <a:lnL w="3175" cap="flat" cmpd="sng" algn="ctr">
+                      <a:solidFill>
+                        <a:srgbClr val="000000"/>
+                      </a:solidFill>
+                      <a:prstDash val="solid"/>
+                      <a:round/>
+                      <a:headEnd type="none" w="med" len="med"/>
+                      <a:tailEnd type="none" w="med" len="med"/>
+                    </a:lnL>
+                    <a:lnR w="3175" cap="flat" cmpd="sng" algn="ctr">
+                      <a:solidFill>
+                        <a:srgbClr val="000000"/>
+                      </a:solidFill>
+                      <a:prstDash val="solid"/>
+                      <a:round/>
+                      <a:headEnd type="none" w="med" len="med"/>
+                      <a:tailEnd type="none" w="med" len="med"/>
+                    </a:lnR>
+                    <a:lnT w="3175" cap="flat" cmpd="sng" algn="ctr">
+                      <a:solidFill>
+                        <a:srgbClr val="000000"/>
+                      </a:solidFill>
+                      <a:prstDash val="solid"/>
+                      <a:round/>
+                      <a:headEnd type="none" w="med" len="med"/>
+                      <a:tailEnd type="none" w="med" len="med"/>
+                    </a:lnT>
+                    <a:lnB w="3175" cap="flat" cmpd="sng" algn="ctr">
+                      <a:solidFill>
+                        <a:srgbClr val="000000"/>
+                      </a:solidFill>
+                      <a:prstDash val="solid"/>
+                      <a:round/>
+                      <a:headEnd type="none" w="med" len="med"/>
+                      <a:tailEnd type="none" w="med" len="med"/>
+                    </a:lnB>
+                    <a:solidFill>
+                      <a:srgbClr val="C00000"/>
+                    </a:solidFill>
+                  </a:tcPr>
+                </a:tc>
+                <a:tc vMerge="1">
+                  <a:txBody>
+                    <a:bodyPr/>
+                    <a:lstStyle/>
+                    <a:p>
+                      <a:pPr latinLnBrk="1"/>
+                      <a:endParaRPr lang="ko-KR" altLang="en-US"/>
+                    </a:p>
+                  </a:txBody>
+                  <a:tcPr>
+                    <a:lnL w="3175" cap="flat" cmpd="sng" algn="ctr">
+                      <a:solidFill>
+                        <a:srgbClr val="000000"/>
+                      </a:solidFill>
+                      <a:prstDash val="solid"/>
+                      <a:round/>
+                      <a:headEnd type="none" w="med" len="med"/>
+                      <a:tailEnd type="none" w="med" len="med"/>
+                    </a:lnL>
+                    <a:lnT w="3175" cap="flat" cmpd="sng" algn="ctr">
+                      <a:solidFill>
+                        <a:srgbClr val="000000"/>
+                      </a:solidFill>
+                      <a:prstDash val="solid"/>
+                      <a:round/>
+                      <a:headEnd type="none" w="med" len="med"/>
+                      <a:tailEnd type="none" w="med" len="med"/>
+                    </a:lnT>
+                  </a:tcPr>
+                </a:tc>
+                <a:tc>
+                  <a:txBody>
+                    <a:bodyPr/>
+                    <a:lstStyle/>
+                    <a:p>
+                      <a:pPr latinLnBrk="1"/>
+                      <a:endParaRPr lang="ko-KR" altLang="en-US" dirty="0"/>
+                    </a:p>
+                  </a:txBody>
+                  <a:tcPr marL="63779" marR="63779" marT="17417" marB="17417" anchor="ctr">
+                    <a:lnR w="3175" cap="flat" cmpd="sng" algn="ctr">
+                      <a:solidFill>
+                        <a:srgbClr val="000000"/>
+                      </a:solidFill>
+                      <a:prstDash val="solid"/>
+                      <a:round/>
+                      <a:headEnd type="none" w="med" len="med"/>
+                      <a:tailEnd type="none" w="med" len="med"/>
+                    </a:lnR>
+                    <a:lnT w="3175" cap="flat" cmpd="sng" algn="ctr">
+                      <a:solidFill>
+                        <a:srgbClr val="000000"/>
+                      </a:solidFill>
+                      <a:prstDash val="solid"/>
+                      <a:round/>
+                      <a:headEnd type="none" w="med" len="med"/>
+                      <a:tailEnd type="none" w="med" len="med"/>
+                    </a:lnT>
+                    <a:lnB w="3175" cap="flat" cmpd="sng" algn="ctr">
+                      <a:solidFill>
+                        <a:srgbClr val="000000"/>
+                      </a:solidFill>
+                      <a:prstDash val="solid"/>
+                      <a:round/>
+                      <a:headEnd type="none" w="med" len="med"/>
+                      <a:tailEnd type="none" w="med" len="med"/>
+                    </a:lnB>
+                    <a:solidFill>
+                      <a:srgbClr val="C00000"/>
+                    </a:solidFill>
+                  </a:tcPr>
+                </a:tc>
+                <a:tc>
+                  <a:txBody>
+                    <a:bodyPr/>
+                    <a:lstStyle/>
+                    <a:p>
+                      <a:pPr marL="0" marR="0" indent="0" algn="just" fontAlgn="base" latinLnBrk="1">
+                        <a:lnSpc>
+                          <a:spcPct val="160000"/>
+                        </a:lnSpc>
+                        <a:spcBef>
+                          <a:spcPts val="0"/>
+                        </a:spcBef>
+                        <a:spcAft>
+                          <a:spcPts val="0"/>
+                        </a:spcAft>
+                      </a:pPr>
+                      <a:endParaRPr lang="ko-KR" altLang="en-US" sz="1200" b="1" kern="0" spc="0" dirty="0">
+                        <a:solidFill>
+                          <a:schemeClr val="bg1"/>
+                        </a:solidFill>
+                        <a:latin typeface="+mn-ea"/>
+                        <a:ea typeface="+mn-ea"/>
+                      </a:endParaRPr>
+                    </a:p>
+                  </a:txBody>
+                  <a:tcPr marL="63779" marR="63779" marT="17417" marB="17417" anchor="ctr">
+                    <a:lnL w="3175" cap="flat" cmpd="sng" algn="ctr">
+                      <a:solidFill>
+                        <a:srgbClr val="000000"/>
+                      </a:solidFill>
+                      <a:prstDash val="solid"/>
+                      <a:round/>
+                      <a:headEnd type="none" w="med" len="med"/>
+                      <a:tailEnd type="none" w="med" len="med"/>
+                    </a:lnL>
+                    <a:lnR w="3175" cap="flat" cmpd="sng" algn="ctr">
+                      <a:solidFill>
+                        <a:srgbClr val="000000"/>
+                      </a:solidFill>
+                      <a:prstDash val="solid"/>
+                      <a:round/>
+                      <a:headEnd type="none" w="med" len="med"/>
+                      <a:tailEnd type="none" w="med" len="med"/>
+                    </a:lnR>
+                    <a:lnT w="3175" cap="flat" cmpd="sng" algn="ctr">
+                      <a:solidFill>
+                        <a:srgbClr val="000000"/>
+                      </a:solidFill>
+                      <a:prstDash val="solid"/>
+                      <a:round/>
+                      <a:headEnd type="none" w="med" len="med"/>
+                      <a:tailEnd type="none" w="med" len="med"/>
+                    </a:lnT>
+                    <a:lnB w="3175" cap="flat" cmpd="sng" algn="ctr">
+                      <a:solidFill>
+                        <a:srgbClr val="000000"/>
+                      </a:solidFill>
+                      <a:prstDash val="solid"/>
+                      <a:round/>
+                      <a:headEnd type="none" w="med" len="med"/>
+                      <a:tailEnd type="none" w="med" len="med"/>
+                    </a:lnB>
+                    <a:solidFill>
+                      <a:srgbClr val="C00000"/>
+                    </a:solidFill>
+                  </a:tcPr>
+                </a:tc>
+                <a:tc>
+                  <a:txBody>
+                    <a:bodyPr/>
+                    <a:lstStyle/>
+                    <a:p>
+                      <a:pPr marL="0" marR="0" indent="0" algn="ctr" fontAlgn="base" latinLnBrk="1">
+                        <a:lnSpc>
+                          <a:spcPct val="160000"/>
+                        </a:lnSpc>
+                        <a:spcBef>
+                          <a:spcPts val="0"/>
+                        </a:spcBef>
+                        <a:spcAft>
+                          <a:spcPts val="0"/>
+                        </a:spcAft>
+                      </a:pPr>
+                      <a:endParaRPr lang="ko-KR" altLang="en-US" sz="1200" b="1" kern="0" spc="0" dirty="0">
+                        <a:solidFill>
+                          <a:schemeClr val="bg1"/>
+                        </a:solidFill>
+                        <a:latin typeface="+mn-ea"/>
+                        <a:ea typeface="+mn-ea"/>
+                      </a:endParaRPr>
+                    </a:p>
+                  </a:txBody>
+                  <a:tcPr marL="63779" marR="63779" marT="17417" marB="17417" anchor="ctr">
+                    <a:lnL w="3175" cap="flat" cmpd="sng" algn="ctr">
+                      <a:solidFill>
+                        <a:srgbClr val="000000"/>
+                      </a:solidFill>
+                      <a:prstDash val="solid"/>
+                      <a:round/>
+                      <a:headEnd type="none" w="med" len="med"/>
+                      <a:tailEnd type="none" w="med" len="med"/>
+                    </a:lnL>
+                    <a:lnR w="3175" cap="flat" cmpd="sng" algn="ctr">
+                      <a:solidFill>
+                        <a:srgbClr val="000000"/>
+                      </a:solidFill>
+                      <a:prstDash val="solid"/>
+                      <a:round/>
+                      <a:headEnd type="none" w="med" len="med"/>
+                      <a:tailEnd type="none" w="med" len="med"/>
+                    </a:lnR>
+                    <a:lnT w="3175" cap="flat" cmpd="sng" algn="ctr">
+                      <a:solidFill>
+                        <a:srgbClr val="000000"/>
+                      </a:solidFill>
+                      <a:prstDash val="solid"/>
+                      <a:round/>
+                      <a:headEnd type="none" w="med" len="med"/>
+                      <a:tailEnd type="none" w="med" len="med"/>
+                    </a:lnT>
+                    <a:lnB w="3175" cap="flat" cmpd="sng" algn="ctr">
+                      <a:solidFill>
+                        <a:srgbClr val="000000"/>
+                      </a:solidFill>
+                      <a:prstDash val="solid"/>
+                      <a:round/>
+                      <a:headEnd type="none" w="med" len="med"/>
+                      <a:tailEnd type="none" w="med" len="med"/>
+                    </a:lnB>
+                    <a:solidFill>
+                      <a:srgbClr val="545455"/>
+                    </a:solidFill>
+                  </a:tcPr>
+                </a:tc>
+                <a:tc vMerge="1">
+                  <a:txBody>
+                    <a:bodyPr/>
+                    <a:lstStyle/>
+                    <a:p>
+                      <a:pPr latinLnBrk="1"/>
+                      <a:endParaRPr lang="ko-KR" altLang="en-US"/>
+                    </a:p>
+                  </a:txBody>
+                  <a:tcPr>
+                    <a:lnL w="3175" cap="flat" cmpd="sng" algn="ctr">
+                      <a:solidFill>
+                        <a:srgbClr val="000000"/>
+                      </a:solidFill>
+                      <a:prstDash val="solid"/>
+                      <a:round/>
+                      <a:headEnd type="none" w="med" len="med"/>
+                      <a:tailEnd type="none" w="med" len="med"/>
+                    </a:lnL>
+                    <a:lnT w="3175" cap="flat" cmpd="sng" algn="ctr">
+                      <a:solidFill>
+                        <a:srgbClr val="000000"/>
+                      </a:solidFill>
+                      <a:prstDash val="solid"/>
+                      <a:round/>
+                      <a:headEnd type="none" w="med" len="med"/>
+                      <a:tailEnd type="none" w="med" len="med"/>
+                    </a:lnT>
+                  </a:tcPr>
+                </a:tc>
+                <a:extLst>
+                  <a:ext uri="{0D108BD9-81ED-4DB2-BD59-A6C34878D82A}">
+                    <a16:rowId xmlns:a16="http://schemas.microsoft.com/office/drawing/2014/main" val="17615240"/>
+                  </a:ext>
+                </a:extLst>
+              </a:tr>
+              <a:tr h="322729">
                 <a:tc>
                   <a:txBody>
                     <a:bodyPr/>
@@ -9869,14 +12521,14 @@
                     <a:p>
                       <a:pPr algn="ctr" latinLnBrk="1"/>
                       <a:r>
-                        <a:rPr lang="en-US" sz="1200" b="1" kern="0" spc="0" dirty="0">
+                        <a:rPr lang="ko-KR" altLang="en-US" sz="1200" b="1" kern="0" spc="0">
                           <a:solidFill>
                             <a:schemeClr val="bg1"/>
                           </a:solidFill>
                           <a:latin typeface="+mn-ea"/>
                           <a:ea typeface="+mn-ea"/>
                         </a:rPr>
-                        <a:t>-</a:t>
+                        <a:t>충돌처리</a:t>
                       </a:r>
                       <a:endParaRPr lang="ko-KR" altLang="en-US" dirty="0"/>
                     </a:p>
@@ -9911,9 +12563,11 @@
                       <a:headEnd type="none" w="med" len="med"/>
                       <a:tailEnd type="none" w="med" len="med"/>
                     </a:lnT>
-                    <a:lnB w="3175" cap="flat" cmpd="sng" algn="ctr">
-                      <a:solidFill>
-                        <a:srgbClr val="000000"/>
+                    <a:lnB w="38100" cap="flat" cmpd="sng" algn="ctr">
+                      <a:solidFill>
+                        <a:schemeClr val="tx1">
+                          <a:lumMod val="85000"/>
+                        </a:schemeClr>
                       </a:solidFill>
                       <a:prstDash val="solid"/>
                       <a:round/>
@@ -9965,9 +12619,11 @@
                       <a:headEnd type="none" w="med" len="med"/>
                       <a:tailEnd type="none" w="med" len="med"/>
                     </a:lnT>
-                    <a:lnB w="3175" cap="flat" cmpd="sng" algn="ctr">
-                      <a:solidFill>
-                        <a:srgbClr val="000000"/>
+                    <a:lnB w="38100" cap="flat" cmpd="sng" algn="ctr">
+                      <a:solidFill>
+                        <a:schemeClr val="tx1">
+                          <a:lumMod val="85000"/>
+                        </a:schemeClr>
                       </a:solidFill>
                       <a:prstDash val="solid"/>
                       <a:round/>
@@ -10016,9 +12672,11 @@
                       <a:headEnd type="none" w="med" len="med"/>
                       <a:tailEnd type="none" w="med" len="med"/>
                     </a:lnT>
-                    <a:lnB w="3175" cap="flat" cmpd="sng" algn="ctr">
-                      <a:solidFill>
-                        <a:srgbClr val="000000"/>
+                    <a:lnB w="38100" cap="flat" cmpd="sng" algn="ctr">
+                      <a:solidFill>
+                        <a:schemeClr val="tx1">
+                          <a:lumMod val="85000"/>
+                        </a:schemeClr>
                       </a:solidFill>
                       <a:prstDash val="solid"/>
                       <a:round/>
@@ -10067,9 +12725,11 @@
                       <a:headEnd type="none" w="med" len="med"/>
                       <a:tailEnd type="none" w="med" len="med"/>
                     </a:lnT>
-                    <a:lnB w="3175" cap="flat" cmpd="sng" algn="ctr">
-                      <a:solidFill>
-                        <a:srgbClr val="000000"/>
+                    <a:lnB w="38100" cap="flat" cmpd="sng" algn="ctr">
+                      <a:solidFill>
+                        <a:schemeClr val="tx1">
+                          <a:lumMod val="85000"/>
+                        </a:schemeClr>
                       </a:solidFill>
                       <a:prstDash val="solid"/>
                       <a:round/>
@@ -10118,9 +12778,11 @@
                       <a:headEnd type="none" w="med" len="med"/>
                       <a:tailEnd type="none" w="med" len="med"/>
                     </a:lnT>
-                    <a:lnB w="3175" cap="flat" cmpd="sng" algn="ctr">
-                      <a:solidFill>
-                        <a:srgbClr val="000000"/>
+                    <a:lnB w="38100" cap="flat" cmpd="sng" algn="ctr">
+                      <a:solidFill>
+                        <a:schemeClr val="tx1">
+                          <a:lumMod val="85000"/>
+                        </a:schemeClr>
                       </a:solidFill>
                       <a:prstDash val="solid"/>
                       <a:round/>
@@ -10128,7 +12790,7 @@
                       <a:tailEnd type="none" w="med" len="med"/>
                     </a:lnB>
                     <a:solidFill>
-                      <a:srgbClr val="545455"/>
+                      <a:srgbClr val="C00000"/>
                     </a:solidFill>
                   </a:tcPr>
                 </a:tc>
@@ -10169,9 +12831,11 @@
                       <a:headEnd type="none" w="med" len="med"/>
                       <a:tailEnd type="none" w="med" len="med"/>
                     </a:lnT>
-                    <a:lnB w="3175" cap="flat" cmpd="sng" algn="ctr">
-                      <a:solidFill>
-                        <a:srgbClr val="000000"/>
+                    <a:lnB w="38100" cap="flat" cmpd="sng" algn="ctr">
+                      <a:solidFill>
+                        <a:schemeClr val="tx1">
+                          <a:lumMod val="85000"/>
+                        </a:schemeClr>
                       </a:solidFill>
                       <a:prstDash val="solid"/>
                       <a:round/>
@@ -10179,7 +12843,7 @@
                       <a:tailEnd type="none" w="med" len="med"/>
                     </a:lnB>
                     <a:solidFill>
-                      <a:srgbClr val="545455"/>
+                      <a:srgbClr val="C00000"/>
                     </a:solidFill>
                   </a:tcPr>
                 </a:tc>
@@ -10188,69 +12852,7 @@
                     <a:bodyPr/>
                     <a:lstStyle/>
                     <a:p>
-                      <a:pPr latinLnBrk="1"/>
-                      <a:endParaRPr lang="ko-KR" altLang="en-US"/>
-                    </a:p>
-                  </a:txBody>
-                  <a:tcPr/>
-                </a:tc>
-                <a:tc>
-                  <a:txBody>
-                    <a:bodyPr/>
-                    <a:lstStyle/>
-                    <a:p>
-                      <a:pPr latinLnBrk="1"/>
-                      <a:endParaRPr lang="ko-KR" altLang="en-US" dirty="0"/>
-                    </a:p>
-                  </a:txBody>
-                  <a:tcPr marL="63779" marR="63779" marT="17417" marB="17417" anchor="ctr">
-                    <a:lnL w="3175" cap="flat" cmpd="sng" algn="ctr">
-                      <a:solidFill>
-                        <a:srgbClr val="000000"/>
-                      </a:solidFill>
-                      <a:prstDash val="solid"/>
-                      <a:round/>
-                      <a:headEnd type="none" w="med" len="med"/>
-                      <a:tailEnd type="none" w="med" len="med"/>
-                    </a:lnL>
-                    <a:lnR w="3175" cap="flat" cmpd="sng" algn="ctr">
-                      <a:solidFill>
-                        <a:srgbClr val="000000"/>
-                      </a:solidFill>
-                      <a:prstDash val="solid"/>
-                      <a:round/>
-                      <a:headEnd type="none" w="med" len="med"/>
-                      <a:tailEnd type="none" w="med" len="med"/>
-                    </a:lnR>
-                    <a:lnT w="3175" cap="flat" cmpd="sng" algn="ctr">
-                      <a:solidFill>
-                        <a:srgbClr val="000000"/>
-                      </a:solidFill>
-                      <a:prstDash val="solid"/>
-                      <a:round/>
-                      <a:headEnd type="none" w="med" len="med"/>
-                      <a:tailEnd type="none" w="med" len="med"/>
-                    </a:lnT>
-                    <a:lnB w="3175" cap="flat" cmpd="sng" algn="ctr">
-                      <a:solidFill>
-                        <a:srgbClr val="000000"/>
-                      </a:solidFill>
-                      <a:prstDash val="solid"/>
-                      <a:round/>
-                      <a:headEnd type="none" w="med" len="med"/>
-                      <a:tailEnd type="none" w="med" len="med"/>
-                    </a:lnB>
-                    <a:solidFill>
-                      <a:srgbClr val="545455"/>
-                    </a:solidFill>
-                  </a:tcPr>
-                </a:tc>
-                <a:tc>
-                  <a:txBody>
-                    <a:bodyPr/>
-                    <a:lstStyle/>
-                    <a:p>
-                      <a:pPr marL="0" marR="0" indent="0" algn="just" fontAlgn="base" latinLnBrk="1">
+                      <a:pPr marL="0" marR="0" indent="0" algn="ctr" fontAlgn="base" latinLnBrk="1">
                         <a:lnSpc>
                           <a:spcPct val="160000"/>
                         </a:lnSpc>
@@ -10298,157 +12900,11 @@
                       <a:headEnd type="none" w="med" len="med"/>
                       <a:tailEnd type="none" w="med" len="med"/>
                     </a:lnT>
-                    <a:lnB w="3175" cap="flat" cmpd="sng" algn="ctr">
-                      <a:solidFill>
-                        <a:srgbClr val="000000"/>
-                      </a:solidFill>
-                      <a:prstDash val="solid"/>
-                      <a:round/>
-                      <a:headEnd type="none" w="med" len="med"/>
-                      <a:tailEnd type="none" w="med" len="med"/>
-                    </a:lnB>
-                    <a:solidFill>
-                      <a:srgbClr val="545455"/>
-                    </a:solidFill>
-                  </a:tcPr>
-                </a:tc>
-                <a:tc>
-                  <a:txBody>
-                    <a:bodyPr/>
-                    <a:lstStyle/>
-                    <a:p>
-                      <a:pPr marL="0" marR="0" indent="0" algn="just" fontAlgn="base" latinLnBrk="1">
-                        <a:lnSpc>
-                          <a:spcPct val="160000"/>
-                        </a:lnSpc>
-                        <a:spcBef>
-                          <a:spcPts val="0"/>
-                        </a:spcBef>
-                        <a:spcAft>
-                          <a:spcPts val="0"/>
-                        </a:spcAft>
-                      </a:pPr>
-                      <a:endParaRPr lang="ko-KR" altLang="en-US" sz="1200" b="1" kern="0" spc="0" dirty="0">
-                        <a:solidFill>
-                          <a:schemeClr val="bg1"/>
-                        </a:solidFill>
-                        <a:latin typeface="+mn-ea"/>
-                        <a:ea typeface="+mn-ea"/>
-                      </a:endParaRPr>
-                    </a:p>
-                  </a:txBody>
-                  <a:tcPr marL="63779" marR="63779" marT="17417" marB="17417" anchor="ctr">
-                    <a:lnL w="3175" cap="flat" cmpd="sng" algn="ctr">
-                      <a:solidFill>
-                        <a:srgbClr val="000000"/>
-                      </a:solidFill>
-                      <a:prstDash val="solid"/>
-                      <a:round/>
-                      <a:headEnd type="none" w="med" len="med"/>
-                      <a:tailEnd type="none" w="med" len="med"/>
-                    </a:lnL>
-                    <a:lnR w="3175" cap="flat" cmpd="sng" algn="ctr">
-                      <a:solidFill>
-                        <a:srgbClr val="000000"/>
-                      </a:solidFill>
-                      <a:prstDash val="solid"/>
-                      <a:round/>
-                      <a:headEnd type="none" w="med" len="med"/>
-                      <a:tailEnd type="none" w="med" len="med"/>
-                    </a:lnR>
-                    <a:lnT w="3175" cap="flat" cmpd="sng" algn="ctr">
-                      <a:solidFill>
-                        <a:srgbClr val="000000"/>
-                      </a:solidFill>
-                      <a:prstDash val="solid"/>
-                      <a:round/>
-                      <a:headEnd type="none" w="med" len="med"/>
-                      <a:tailEnd type="none" w="med" len="med"/>
-                    </a:lnT>
-                    <a:lnB w="3175" cap="flat" cmpd="sng" algn="ctr">
-                      <a:solidFill>
-                        <a:srgbClr val="000000"/>
-                      </a:solidFill>
-                      <a:prstDash val="solid"/>
-                      <a:round/>
-                      <a:headEnd type="none" w="med" len="med"/>
-                      <a:tailEnd type="none" w="med" len="med"/>
-                    </a:lnB>
-                    <a:solidFill>
-                      <a:srgbClr val="545455"/>
-                    </a:solidFill>
-                  </a:tcPr>
-                </a:tc>
-                <a:tc vMerge="1">
-                  <a:txBody>
-                    <a:bodyPr/>
-                    <a:lstStyle/>
-                    <a:p>
-                      <a:pPr latinLnBrk="1"/>
-                      <a:endParaRPr lang="ko-KR" altLang="en-US"/>
-                    </a:p>
-                  </a:txBody>
-                  <a:tcPr/>
-                </a:tc>
-                <a:extLst>
-                  <a:ext uri="{0D108BD9-81ED-4DB2-BD59-A6C34878D82A}">
-                    <a16:rowId xmlns:a16="http://schemas.microsoft.com/office/drawing/2014/main" val="1114134317"/>
-                  </a:ext>
-                </a:extLst>
-              </a:tr>
-              <a:tr h="469830">
-                <a:tc>
-                  <a:txBody>
-                    <a:bodyPr/>
-                    <a:lstStyle/>
-                    <a:p>
-                      <a:pPr algn="ctr" latinLnBrk="1"/>
-                      <a:r>
-                        <a:rPr lang="en-US" altLang="ko-KR" sz="1200" b="1" kern="0" spc="0" dirty="0">
-                          <a:solidFill>
-                            <a:schemeClr val="bg1"/>
-                          </a:solidFill>
-                          <a:latin typeface="+mn-ea"/>
-                          <a:ea typeface="+mn-ea"/>
-                        </a:rPr>
-                        <a:t>-</a:t>
-                      </a:r>
-                      <a:endParaRPr lang="ko-KR" altLang="en-US" dirty="0"/>
-                    </a:p>
-                  </a:txBody>
-                  <a:tcPr marL="63779" marR="63779" marT="17417" marB="17417" anchor="ctr">
-                    <a:lnL w="38100" cap="flat" cmpd="sng" algn="ctr">
+                    <a:lnB w="38100" cap="flat" cmpd="sng" algn="ctr">
                       <a:solidFill>
                         <a:schemeClr val="tx1">
                           <a:lumMod val="85000"/>
                         </a:schemeClr>
-                      </a:solidFill>
-                      <a:prstDash val="solid"/>
-                      <a:round/>
-                      <a:headEnd type="none" w="med" len="med"/>
-                      <a:tailEnd type="none" w="med" len="med"/>
-                    </a:lnL>
-                    <a:lnR w="3175" cap="flat" cmpd="sng" algn="ctr">
-                      <a:solidFill>
-                        <a:srgbClr val="000000"/>
-                      </a:solidFill>
-                      <a:prstDash val="solid"/>
-                      <a:round/>
-                      <a:headEnd type="none" w="med" len="med"/>
-                      <a:tailEnd type="none" w="med" len="med"/>
-                    </a:lnR>
-                    <a:lnT w="3175" cap="flat" cmpd="sng" algn="ctr">
-                      <a:solidFill>
-                        <a:srgbClr val="000000"/>
-                      </a:solidFill>
-                      <a:prstDash val="solid"/>
-                      <a:round/>
-                      <a:headEnd type="none" w="med" len="med"/>
-                      <a:tailEnd type="none" w="med" len="med"/>
-                    </a:lnT>
-                    <a:lnB w="3175" cap="flat" cmpd="sng" algn="ctr">
-                      <a:solidFill>
-                        <a:srgbClr val="000000"/>
                       </a:solidFill>
                       <a:prstDash val="solid"/>
                       <a:round/>
@@ -10469,210 +12925,6 @@
                     <a:lstStyle/>
                     <a:p>
                       <a:pPr latinLnBrk="1"/>
-                      <a:endParaRPr lang="ko-KR" altLang="en-US"/>
-                    </a:p>
-                  </a:txBody>
-                  <a:tcPr marL="63779" marR="63779" marT="17417" marB="17417" anchor="ctr">
-                    <a:lnL w="3175" cap="flat" cmpd="sng" algn="ctr">
-                      <a:solidFill>
-                        <a:srgbClr val="000000"/>
-                      </a:solidFill>
-                      <a:prstDash val="solid"/>
-                      <a:round/>
-                      <a:headEnd type="none" w="med" len="med"/>
-                      <a:tailEnd type="none" w="med" len="med"/>
-                    </a:lnL>
-                    <a:lnR w="3175" cap="flat" cmpd="sng" algn="ctr">
-                      <a:solidFill>
-                        <a:srgbClr val="000000"/>
-                      </a:solidFill>
-                      <a:prstDash val="solid"/>
-                      <a:round/>
-                      <a:headEnd type="none" w="med" len="med"/>
-                      <a:tailEnd type="none" w="med" len="med"/>
-                    </a:lnR>
-                    <a:lnT w="3175" cap="flat" cmpd="sng" algn="ctr">
-                      <a:solidFill>
-                        <a:srgbClr val="000000"/>
-                      </a:solidFill>
-                      <a:prstDash val="solid"/>
-                      <a:round/>
-                      <a:headEnd type="none" w="med" len="med"/>
-                      <a:tailEnd type="none" w="med" len="med"/>
-                    </a:lnT>
-                    <a:lnB w="3175" cap="flat" cmpd="sng" algn="ctr">
-                      <a:solidFill>
-                        <a:srgbClr val="000000"/>
-                      </a:solidFill>
-                      <a:prstDash val="solid"/>
-                      <a:round/>
-                      <a:headEnd type="none" w="med" len="med"/>
-                      <a:tailEnd type="none" w="med" len="med"/>
-                    </a:lnB>
-                    <a:solidFill>
-                      <a:srgbClr val="545455"/>
-                    </a:solidFill>
-                  </a:tcPr>
-                </a:tc>
-                <a:tc>
-                  <a:txBody>
-                    <a:bodyPr/>
-                    <a:lstStyle/>
-                    <a:p>
-                      <a:pPr latinLnBrk="1"/>
-                      <a:endParaRPr lang="ko-KR" altLang="en-US"/>
-                    </a:p>
-                  </a:txBody>
-                  <a:tcPr marL="63779" marR="63779" marT="17417" marB="17417" anchor="ctr">
-                    <a:lnL w="3175" cap="flat" cmpd="sng" algn="ctr">
-                      <a:solidFill>
-                        <a:srgbClr val="000000"/>
-                      </a:solidFill>
-                      <a:prstDash val="solid"/>
-                      <a:round/>
-                      <a:headEnd type="none" w="med" len="med"/>
-                      <a:tailEnd type="none" w="med" len="med"/>
-                    </a:lnL>
-                    <a:lnR w="3175" cap="flat" cmpd="sng" algn="ctr">
-                      <a:solidFill>
-                        <a:srgbClr val="000000"/>
-                      </a:solidFill>
-                      <a:prstDash val="solid"/>
-                      <a:round/>
-                      <a:headEnd type="none" w="med" len="med"/>
-                      <a:tailEnd type="none" w="med" len="med"/>
-                    </a:lnR>
-                    <a:lnT w="3175" cap="flat" cmpd="sng" algn="ctr">
-                      <a:solidFill>
-                        <a:srgbClr val="000000"/>
-                      </a:solidFill>
-                      <a:prstDash val="solid"/>
-                      <a:round/>
-                      <a:headEnd type="none" w="med" len="med"/>
-                      <a:tailEnd type="none" w="med" len="med"/>
-                    </a:lnT>
-                    <a:lnB w="3175" cap="flat" cmpd="sng" algn="ctr">
-                      <a:solidFill>
-                        <a:srgbClr val="000000"/>
-                      </a:solidFill>
-                      <a:prstDash val="solid"/>
-                      <a:round/>
-                      <a:headEnd type="none" w="med" len="med"/>
-                      <a:tailEnd type="none" w="med" len="med"/>
-                    </a:lnB>
-                    <a:solidFill>
-                      <a:srgbClr val="545455"/>
-                    </a:solidFill>
-                  </a:tcPr>
-                </a:tc>
-                <a:tc>
-                  <a:txBody>
-                    <a:bodyPr/>
-                    <a:lstStyle/>
-                    <a:p>
-                      <a:pPr latinLnBrk="1"/>
-                      <a:endParaRPr lang="ko-KR" altLang="en-US"/>
-                    </a:p>
-                  </a:txBody>
-                  <a:tcPr marL="63779" marR="63779" marT="17417" marB="17417" anchor="ctr">
-                    <a:lnL w="3175" cap="flat" cmpd="sng" algn="ctr">
-                      <a:solidFill>
-                        <a:srgbClr val="000000"/>
-                      </a:solidFill>
-                      <a:prstDash val="solid"/>
-                      <a:round/>
-                      <a:headEnd type="none" w="med" len="med"/>
-                      <a:tailEnd type="none" w="med" len="med"/>
-                    </a:lnL>
-                    <a:lnR w="3175" cap="flat" cmpd="sng" algn="ctr">
-                      <a:solidFill>
-                        <a:srgbClr val="000000"/>
-                      </a:solidFill>
-                      <a:prstDash val="solid"/>
-                      <a:round/>
-                      <a:headEnd type="none" w="med" len="med"/>
-                      <a:tailEnd type="none" w="med" len="med"/>
-                    </a:lnR>
-                    <a:lnT w="3175" cap="flat" cmpd="sng" algn="ctr">
-                      <a:solidFill>
-                        <a:srgbClr val="000000"/>
-                      </a:solidFill>
-                      <a:prstDash val="solid"/>
-                      <a:round/>
-                      <a:headEnd type="none" w="med" len="med"/>
-                      <a:tailEnd type="none" w="med" len="med"/>
-                    </a:lnT>
-                    <a:lnB w="3175" cap="flat" cmpd="sng" algn="ctr">
-                      <a:solidFill>
-                        <a:srgbClr val="000000"/>
-                      </a:solidFill>
-                      <a:prstDash val="solid"/>
-                      <a:round/>
-                      <a:headEnd type="none" w="med" len="med"/>
-                      <a:tailEnd type="none" w="med" len="med"/>
-                    </a:lnB>
-                    <a:solidFill>
-                      <a:srgbClr val="545455"/>
-                    </a:solidFill>
-                  </a:tcPr>
-                </a:tc>
-                <a:tc>
-                  <a:txBody>
-                    <a:bodyPr/>
-                    <a:lstStyle/>
-                    <a:p>
-                      <a:pPr latinLnBrk="1"/>
-                      <a:endParaRPr lang="ko-KR" altLang="en-US"/>
-                    </a:p>
-                  </a:txBody>
-                  <a:tcPr marL="63779" marR="63779" marT="17417" marB="17417" anchor="ctr">
-                    <a:lnL w="3175" cap="flat" cmpd="sng" algn="ctr">
-                      <a:solidFill>
-                        <a:srgbClr val="000000"/>
-                      </a:solidFill>
-                      <a:prstDash val="solid"/>
-                      <a:round/>
-                      <a:headEnd type="none" w="med" len="med"/>
-                      <a:tailEnd type="none" w="med" len="med"/>
-                    </a:lnL>
-                    <a:lnR w="3175" cap="flat" cmpd="sng" algn="ctr">
-                      <a:solidFill>
-                        <a:srgbClr val="000000"/>
-                      </a:solidFill>
-                      <a:prstDash val="solid"/>
-                      <a:round/>
-                      <a:headEnd type="none" w="med" len="med"/>
-                      <a:tailEnd type="none" w="med" len="med"/>
-                    </a:lnR>
-                    <a:lnT w="3175" cap="flat" cmpd="sng" algn="ctr">
-                      <a:solidFill>
-                        <a:srgbClr val="000000"/>
-                      </a:solidFill>
-                      <a:prstDash val="solid"/>
-                      <a:round/>
-                      <a:headEnd type="none" w="med" len="med"/>
-                      <a:tailEnd type="none" w="med" len="med"/>
-                    </a:lnT>
-                    <a:lnB w="3175" cap="flat" cmpd="sng" algn="ctr">
-                      <a:solidFill>
-                        <a:srgbClr val="000000"/>
-                      </a:solidFill>
-                      <a:prstDash val="solid"/>
-                      <a:round/>
-                      <a:headEnd type="none" w="med" len="med"/>
-                      <a:tailEnd type="none" w="med" len="med"/>
-                    </a:lnB>
-                    <a:solidFill>
-                      <a:srgbClr val="545455"/>
-                    </a:solidFill>
-                  </a:tcPr>
-                </a:tc>
-                <a:tc>
-                  <a:txBody>
-                    <a:bodyPr/>
-                    <a:lstStyle/>
-                    <a:p>
-                      <a:pPr latinLnBrk="1"/>
                       <a:endParaRPr lang="ko-KR" altLang="en-US" dirty="0"/>
                     </a:p>
                   </a:txBody>
@@ -10714,81 +12966,7 @@
                       <a:tailEnd type="none" w="med" len="med"/>
                     </a:lnB>
                     <a:solidFill>
-                      <a:srgbClr val="545455"/>
-                    </a:solidFill>
-                  </a:tcPr>
-                </a:tc>
-                <a:tc vMerge="1">
-                  <a:txBody>
-                    <a:bodyPr/>
-                    <a:lstStyle/>
-                    <a:p>
-                      <a:pPr latinLnBrk="1"/>
-                      <a:endParaRPr lang="ko-KR" altLang="en-US"/>
-                    </a:p>
-                  </a:txBody>
-                  <a:tcPr>
-                    <a:lnL w="3175" cap="flat" cmpd="sng" algn="ctr">
-                      <a:solidFill>
-                        <a:srgbClr val="000000"/>
-                      </a:solidFill>
-                      <a:prstDash val="solid"/>
-                      <a:round/>
-                      <a:headEnd type="none" w="med" len="med"/>
-                      <a:tailEnd type="none" w="med" len="med"/>
-                    </a:lnL>
-                    <a:lnT w="38100" cap="flat" cmpd="sng" algn="ctr">
-                      <a:solidFill>
-                        <a:schemeClr val="tx1">
-                          <a:lumMod val="85000"/>
-                        </a:schemeClr>
-                      </a:solidFill>
-                      <a:prstDash val="solid"/>
-                      <a:round/>
-                      <a:headEnd type="none" w="med" len="med"/>
-                      <a:tailEnd type="none" w="med" len="med"/>
-                    </a:lnT>
-                  </a:tcPr>
-                </a:tc>
-                <a:tc>
-                  <a:txBody>
-                    <a:bodyPr/>
-                    <a:lstStyle/>
-                    <a:p>
-                      <a:pPr latinLnBrk="1"/>
-                      <a:endParaRPr lang="ko-KR" altLang="en-US" dirty="0"/>
-                    </a:p>
-                  </a:txBody>
-                  <a:tcPr marL="63779" marR="63779" marT="17417" marB="17417" anchor="ctr">
-                    <a:lnR w="3175" cap="flat" cmpd="sng" algn="ctr">
-                      <a:solidFill>
-                        <a:srgbClr val="000000"/>
-                      </a:solidFill>
-                      <a:prstDash val="solid"/>
-                      <a:round/>
-                      <a:headEnd type="none" w="med" len="med"/>
-                      <a:tailEnd type="none" w="med" len="med"/>
-                    </a:lnR>
-                    <a:lnT w="3175" cap="flat" cmpd="sng" algn="ctr">
-                      <a:solidFill>
-                        <a:srgbClr val="000000"/>
-                      </a:solidFill>
-                      <a:prstDash val="solid"/>
-                      <a:round/>
-                      <a:headEnd type="none" w="med" len="med"/>
-                      <a:tailEnd type="none" w="med" len="med"/>
-                    </a:lnT>
-                    <a:lnB w="3175" cap="flat" cmpd="sng" algn="ctr">
-                      <a:solidFill>
-                        <a:srgbClr val="000000"/>
-                      </a:solidFill>
-                      <a:prstDash val="solid"/>
-                      <a:round/>
-                      <a:headEnd type="none" w="med" len="med"/>
-                      <a:tailEnd type="none" w="med" len="med"/>
-                    </a:lnB>
-                    <a:solidFill>
-                      <a:srgbClr val="545455"/>
+                      <a:srgbClr val="C00000"/>
                     </a:solidFill>
                   </a:tcPr>
                 </a:tc>
@@ -10931,195 +13109,7 @@
                     <a:bodyPr/>
                     <a:lstStyle/>
                     <a:p>
-                      <a:pPr latinLnBrk="1"/>
-                      <a:endParaRPr lang="ko-KR" altLang="en-US"/>
-                    </a:p>
-                  </a:txBody>
-                  <a:tcPr>
-                    <a:lnL w="3175" cap="flat" cmpd="sng" algn="ctr">
-                      <a:solidFill>
-                        <a:srgbClr val="000000"/>
-                      </a:solidFill>
-                      <a:prstDash val="solid"/>
-                      <a:round/>
-                      <a:headEnd type="none" w="med" len="med"/>
-                      <a:tailEnd type="none" w="med" len="med"/>
-                    </a:lnL>
-                    <a:lnT w="38100" cap="flat" cmpd="sng" algn="ctr">
-                      <a:solidFill>
-                        <a:schemeClr val="tx1">
-                          <a:lumMod val="85000"/>
-                        </a:schemeClr>
-                      </a:solidFill>
-                      <a:prstDash val="solid"/>
-                      <a:round/>
-                      <a:headEnd type="none" w="med" len="med"/>
-                      <a:tailEnd type="none" w="med" len="med"/>
-                    </a:lnT>
-                  </a:tcPr>
-                </a:tc>
-                <a:extLst>
-                  <a:ext uri="{0D108BD9-81ED-4DB2-BD59-A6C34878D82A}">
-                    <a16:rowId xmlns:a16="http://schemas.microsoft.com/office/drawing/2014/main" val="3510207330"/>
-                  </a:ext>
-                </a:extLst>
-              </a:tr>
-              <a:tr h="478587">
-                <a:tc>
-                  <a:txBody>
-                    <a:bodyPr/>
-                    <a:lstStyle/>
-                    <a:p>
-                      <a:pPr marL="0" marR="0" indent="0" algn="ctr" fontAlgn="base" latinLnBrk="0">
-                        <a:lnSpc>
-                          <a:spcPct val="160000"/>
-                        </a:lnSpc>
-                        <a:spcBef>
-                          <a:spcPts val="0"/>
-                        </a:spcBef>
-                        <a:spcAft>
-                          <a:spcPts val="0"/>
-                        </a:spcAft>
-                      </a:pPr>
-                      <a:r>
-                        <a:rPr lang="en-US" altLang="ko-KR" sz="1200" b="1" kern="0" spc="0" dirty="0">
-                          <a:solidFill>
-                            <a:schemeClr val="bg1"/>
-                          </a:solidFill>
-                          <a:latin typeface="+mn-ea"/>
-                          <a:ea typeface="+mn-ea"/>
-                        </a:rPr>
-                        <a:t>-</a:t>
-                      </a:r>
-                      <a:endParaRPr lang="ko-KR" altLang="en-US" sz="1200" b="1" kern="0" spc="0" dirty="0">
-                        <a:solidFill>
-                          <a:schemeClr val="bg1"/>
-                        </a:solidFill>
-                        <a:latin typeface="+mn-ea"/>
-                        <a:ea typeface="+mn-ea"/>
-                      </a:endParaRPr>
-                    </a:p>
-                  </a:txBody>
-                  <a:tcPr marL="63779" marR="63779" marT="17417" marB="17417" anchor="ctr">
-                    <a:lnL w="38100" cap="flat" cmpd="sng" algn="ctr">
-                      <a:solidFill>
-                        <a:schemeClr val="tx1">
-                          <a:lumMod val="85000"/>
-                        </a:schemeClr>
-                      </a:solidFill>
-                      <a:prstDash val="solid"/>
-                      <a:round/>
-                      <a:headEnd type="none" w="med" len="med"/>
-                      <a:tailEnd type="none" w="med" len="med"/>
-                    </a:lnL>
-                    <a:lnR w="3175" cap="flat" cmpd="sng" algn="ctr">
-                      <a:solidFill>
-                        <a:srgbClr val="000000"/>
-                      </a:solidFill>
-                      <a:prstDash val="solid"/>
-                      <a:round/>
-                      <a:headEnd type="none" w="med" len="med"/>
-                      <a:tailEnd type="none" w="med" len="med"/>
-                    </a:lnR>
-                    <a:lnT w="3175" cap="flat" cmpd="sng" algn="ctr">
-                      <a:solidFill>
-                        <a:srgbClr val="000000"/>
-                      </a:solidFill>
-                      <a:prstDash val="solid"/>
-                      <a:round/>
-                      <a:headEnd type="none" w="med" len="med"/>
-                      <a:tailEnd type="none" w="med" len="med"/>
-                    </a:lnT>
-                    <a:lnB w="3175" cap="flat" cmpd="sng" algn="ctr">
-                      <a:solidFill>
-                        <a:srgbClr val="000000"/>
-                      </a:solidFill>
-                      <a:prstDash val="solid"/>
-                      <a:round/>
-                      <a:headEnd type="none" w="med" len="med"/>
-                      <a:tailEnd type="none" w="med" len="med"/>
-                    </a:lnB>
-                    <a:solidFill>
-                      <a:schemeClr val="tx1">
-                        <a:lumMod val="65000"/>
-                        <a:lumOff val="35000"/>
-                      </a:schemeClr>
-                    </a:solidFill>
-                  </a:tcPr>
-                </a:tc>
-                <a:tc>
-                  <a:txBody>
-                    <a:bodyPr/>
-                    <a:lstStyle/>
-                    <a:p>
-                      <a:pPr marL="0" marR="0" indent="0" algn="just" fontAlgn="base" latinLnBrk="1">
-                        <a:lnSpc>
-                          <a:spcPct val="160000"/>
-                        </a:lnSpc>
-                        <a:spcBef>
-                          <a:spcPts val="0"/>
-                        </a:spcBef>
-                        <a:spcAft>
-                          <a:spcPts val="0"/>
-                        </a:spcAft>
-                      </a:pPr>
-                      <a:endParaRPr lang="ko-KR" altLang="en-US" sz="1200" b="1" kern="0" spc="0">
-                        <a:solidFill>
-                          <a:schemeClr val="bg1"/>
-                        </a:solidFill>
-                        <a:latin typeface="+mn-ea"/>
-                        <a:ea typeface="+mn-ea"/>
-                      </a:endParaRPr>
-                    </a:p>
-                  </a:txBody>
-                  <a:tcPr marL="63779" marR="63779" marT="17417" marB="17417" anchor="ctr">
-                    <a:lnL w="3175" cap="flat" cmpd="sng" algn="ctr">
-                      <a:solidFill>
-                        <a:srgbClr val="000000"/>
-                      </a:solidFill>
-                      <a:prstDash val="solid"/>
-                      <a:round/>
-                      <a:headEnd type="none" w="med" len="med"/>
-                      <a:tailEnd type="none" w="med" len="med"/>
-                    </a:lnL>
-                    <a:lnR w="3175" cap="flat" cmpd="sng" algn="ctr">
-                      <a:solidFill>
-                        <a:srgbClr val="000000"/>
-                      </a:solidFill>
-                      <a:prstDash val="solid"/>
-                      <a:round/>
-                      <a:headEnd type="none" w="med" len="med"/>
-                      <a:tailEnd type="none" w="med" len="med"/>
-                    </a:lnR>
-                    <a:lnT w="3175" cap="flat" cmpd="sng" algn="ctr">
-                      <a:solidFill>
-                        <a:srgbClr val="000000"/>
-                      </a:solidFill>
-                      <a:prstDash val="solid"/>
-                      <a:round/>
-                      <a:headEnd type="none" w="med" len="med"/>
-                      <a:tailEnd type="none" w="med" len="med"/>
-                    </a:lnT>
-                    <a:lnB w="3175" cap="flat" cmpd="sng" algn="ctr">
-                      <a:solidFill>
-                        <a:srgbClr val="000000"/>
-                      </a:solidFill>
-                      <a:prstDash val="solid"/>
-                      <a:round/>
-                      <a:headEnd type="none" w="med" len="med"/>
-                      <a:tailEnd type="none" w="med" len="med"/>
-                    </a:lnB>
-                    <a:solidFill>
-                      <a:srgbClr val="545455"/>
-                    </a:solidFill>
-                  </a:tcPr>
-                </a:tc>
-                <a:tc>
-                  <a:txBody>
-                    <a:bodyPr/>
-                    <a:lstStyle/>
-                    <a:p>
-                      <a:pPr marL="0" marR="0" indent="0" algn="just" fontAlgn="base" latinLnBrk="1">
+                      <a:pPr marL="0" marR="0" indent="0" algn="ctr" fontAlgn="base" latinLnBrk="1">
                         <a:lnSpc>
                           <a:spcPct val="160000"/>
                         </a:lnSpc>
@@ -11149,547 +13139,11 @@
                       <a:headEnd type="none" w="med" len="med"/>
                       <a:tailEnd type="none" w="med" len="med"/>
                     </a:lnL>
-                    <a:lnR w="3175" cap="flat" cmpd="sng" algn="ctr">
-                      <a:solidFill>
-                        <a:srgbClr val="000000"/>
-                      </a:solidFill>
-                      <a:prstDash val="solid"/>
-                      <a:round/>
-                      <a:headEnd type="none" w="med" len="med"/>
-                      <a:tailEnd type="none" w="med" len="med"/>
-                    </a:lnR>
-                    <a:lnT w="3175" cap="flat" cmpd="sng" algn="ctr">
-                      <a:solidFill>
-                        <a:srgbClr val="000000"/>
-                      </a:solidFill>
-                      <a:prstDash val="solid"/>
-                      <a:round/>
-                      <a:headEnd type="none" w="med" len="med"/>
-                      <a:tailEnd type="none" w="med" len="med"/>
-                    </a:lnT>
-                    <a:lnB w="3175" cap="flat" cmpd="sng" algn="ctr">
-                      <a:solidFill>
-                        <a:srgbClr val="000000"/>
-                      </a:solidFill>
-                      <a:prstDash val="solid"/>
-                      <a:round/>
-                      <a:headEnd type="none" w="med" len="med"/>
-                      <a:tailEnd type="none" w="med" len="med"/>
-                    </a:lnB>
-                    <a:solidFill>
-                      <a:srgbClr val="545455"/>
-                    </a:solidFill>
-                  </a:tcPr>
-                </a:tc>
-                <a:tc>
-                  <a:txBody>
-                    <a:bodyPr/>
-                    <a:lstStyle/>
-                    <a:p>
-                      <a:pPr marL="0" marR="0" indent="0" algn="just" fontAlgn="base" latinLnBrk="1">
-                        <a:lnSpc>
-                          <a:spcPct val="160000"/>
-                        </a:lnSpc>
-                        <a:spcBef>
-                          <a:spcPts val="0"/>
-                        </a:spcBef>
-                        <a:spcAft>
-                          <a:spcPts val="0"/>
-                        </a:spcAft>
-                      </a:pPr>
-                      <a:endParaRPr lang="ko-KR" altLang="en-US" sz="1200" b="1" kern="0" spc="0" dirty="0">
-                        <a:solidFill>
-                          <a:schemeClr val="bg1"/>
-                        </a:solidFill>
-                        <a:latin typeface="+mn-ea"/>
-                        <a:ea typeface="+mn-ea"/>
-                      </a:endParaRPr>
-                    </a:p>
-                  </a:txBody>
-                  <a:tcPr marL="63779" marR="63779" marT="17417" marB="17417" anchor="ctr">
-                    <a:lnL w="3175" cap="flat" cmpd="sng" algn="ctr">
-                      <a:solidFill>
-                        <a:srgbClr val="000000"/>
-                      </a:solidFill>
-                      <a:prstDash val="solid"/>
-                      <a:round/>
-                      <a:headEnd type="none" w="med" len="med"/>
-                      <a:tailEnd type="none" w="med" len="med"/>
-                    </a:lnL>
-                    <a:lnR w="3175" cap="flat" cmpd="sng" algn="ctr">
-                      <a:solidFill>
-                        <a:srgbClr val="000000"/>
-                      </a:solidFill>
-                      <a:prstDash val="solid"/>
-                      <a:round/>
-                      <a:headEnd type="none" w="med" len="med"/>
-                      <a:tailEnd type="none" w="med" len="med"/>
-                    </a:lnR>
-                    <a:lnT w="3175" cap="flat" cmpd="sng" algn="ctr">
-                      <a:solidFill>
-                        <a:srgbClr val="000000"/>
-                      </a:solidFill>
-                      <a:prstDash val="solid"/>
-                      <a:round/>
-                      <a:headEnd type="none" w="med" len="med"/>
-                      <a:tailEnd type="none" w="med" len="med"/>
-                    </a:lnT>
-                    <a:lnB w="3175" cap="flat" cmpd="sng" algn="ctr">
-                      <a:solidFill>
-                        <a:srgbClr val="000000"/>
-                      </a:solidFill>
-                      <a:prstDash val="solid"/>
-                      <a:round/>
-                      <a:headEnd type="none" w="med" len="med"/>
-                      <a:tailEnd type="none" w="med" len="med"/>
-                    </a:lnB>
-                    <a:solidFill>
-                      <a:srgbClr val="545455"/>
-                    </a:solidFill>
-                  </a:tcPr>
-                </a:tc>
-                <a:tc>
-                  <a:txBody>
-                    <a:bodyPr/>
-                    <a:lstStyle/>
-                    <a:p>
-                      <a:pPr marL="0" marR="0" indent="0" algn="just" fontAlgn="base" latinLnBrk="1">
-                        <a:lnSpc>
-                          <a:spcPct val="160000"/>
-                        </a:lnSpc>
-                        <a:spcBef>
-                          <a:spcPts val="0"/>
-                        </a:spcBef>
-                        <a:spcAft>
-                          <a:spcPts val="0"/>
-                        </a:spcAft>
-                      </a:pPr>
-                      <a:endParaRPr lang="ko-KR" altLang="en-US" sz="1200" b="1" kern="0" spc="0" dirty="0">
-                        <a:solidFill>
-                          <a:schemeClr val="bg1"/>
-                        </a:solidFill>
-                        <a:latin typeface="+mn-ea"/>
-                        <a:ea typeface="+mn-ea"/>
-                      </a:endParaRPr>
-                    </a:p>
-                  </a:txBody>
-                  <a:tcPr marL="63779" marR="63779" marT="17417" marB="17417" anchor="ctr">
-                    <a:lnL w="3175" cap="flat" cmpd="sng" algn="ctr">
-                      <a:solidFill>
-                        <a:srgbClr val="000000"/>
-                      </a:solidFill>
-                      <a:prstDash val="solid"/>
-                      <a:round/>
-                      <a:headEnd type="none" w="med" len="med"/>
-                      <a:tailEnd type="none" w="med" len="med"/>
-                    </a:lnL>
-                    <a:lnR w="3175" cap="flat" cmpd="sng" algn="ctr">
-                      <a:solidFill>
-                        <a:srgbClr val="000000"/>
-                      </a:solidFill>
-                      <a:prstDash val="solid"/>
-                      <a:round/>
-                      <a:headEnd type="none" w="med" len="med"/>
-                      <a:tailEnd type="none" w="med" len="med"/>
-                    </a:lnR>
-                    <a:lnT w="3175" cap="flat" cmpd="sng" algn="ctr">
-                      <a:solidFill>
-                        <a:srgbClr val="000000"/>
-                      </a:solidFill>
-                      <a:prstDash val="solid"/>
-                      <a:round/>
-                      <a:headEnd type="none" w="med" len="med"/>
-                      <a:tailEnd type="none" w="med" len="med"/>
-                    </a:lnT>
-                    <a:lnB w="3175" cap="flat" cmpd="sng" algn="ctr">
-                      <a:solidFill>
-                        <a:srgbClr val="000000"/>
-                      </a:solidFill>
-                      <a:prstDash val="solid"/>
-                      <a:round/>
-                      <a:headEnd type="none" w="med" len="med"/>
-                      <a:tailEnd type="none" w="med" len="med"/>
-                    </a:lnB>
-                    <a:solidFill>
-                      <a:srgbClr val="545455"/>
-                    </a:solidFill>
-                  </a:tcPr>
-                </a:tc>
-                <a:tc>
-                  <a:txBody>
-                    <a:bodyPr/>
-                    <a:lstStyle/>
-                    <a:p>
-                      <a:pPr latinLnBrk="1"/>
-                      <a:endParaRPr lang="ko-KR" altLang="en-US" dirty="0"/>
-                    </a:p>
-                  </a:txBody>
-                  <a:tcPr marL="63779" marR="63779" marT="17417" marB="17417" anchor="ctr">
-                    <a:lnL w="3175" cap="flat" cmpd="sng" algn="ctr">
-                      <a:solidFill>
-                        <a:srgbClr val="000000"/>
-                      </a:solidFill>
-                      <a:prstDash val="solid"/>
-                      <a:round/>
-                      <a:headEnd type="none" w="med" len="med"/>
-                      <a:tailEnd type="none" w="med" len="med"/>
-                    </a:lnL>
-                    <a:lnR w="3175" cap="flat" cmpd="sng" algn="ctr">
-                      <a:solidFill>
-                        <a:srgbClr val="000000"/>
-                      </a:solidFill>
-                      <a:prstDash val="solid"/>
-                      <a:round/>
-                      <a:headEnd type="none" w="med" len="med"/>
-                      <a:tailEnd type="none" w="med" len="med"/>
-                    </a:lnR>
-                    <a:lnT w="3175" cap="flat" cmpd="sng" algn="ctr">
-                      <a:solidFill>
-                        <a:srgbClr val="000000"/>
-                      </a:solidFill>
-                      <a:prstDash val="solid"/>
-                      <a:round/>
-                      <a:headEnd type="none" w="med" len="med"/>
-                      <a:tailEnd type="none" w="med" len="med"/>
-                    </a:lnT>
-                    <a:lnB w="3175" cap="flat" cmpd="sng" algn="ctr">
-                      <a:solidFill>
-                        <a:srgbClr val="000000"/>
-                      </a:solidFill>
-                      <a:prstDash val="solid"/>
-                      <a:round/>
-                      <a:headEnd type="none" w="med" len="med"/>
-                      <a:tailEnd type="none" w="med" len="med"/>
-                    </a:lnB>
-                    <a:solidFill>
-                      <a:srgbClr val="545455"/>
-                    </a:solidFill>
-                  </a:tcPr>
-                </a:tc>
-                <a:tc vMerge="1">
-                  <a:txBody>
-                    <a:bodyPr/>
-                    <a:lstStyle/>
-                    <a:p>
-                      <a:pPr latinLnBrk="1"/>
-                      <a:endParaRPr lang="ko-KR" altLang="en-US"/>
-                    </a:p>
-                  </a:txBody>
-                  <a:tcPr>
-                    <a:lnL w="3175" cap="flat" cmpd="sng" algn="ctr">
-                      <a:solidFill>
-                        <a:srgbClr val="000000"/>
-                      </a:solidFill>
-                      <a:prstDash val="solid"/>
-                      <a:round/>
-                      <a:headEnd type="none" w="med" len="med"/>
-                      <a:tailEnd type="none" w="med" len="med"/>
-                    </a:lnL>
-                    <a:lnT w="38100" cap="flat" cmpd="sng" algn="ctr">
+                    <a:lnR w="38100" cap="flat" cmpd="sng" algn="ctr">
                       <a:solidFill>
                         <a:schemeClr val="tx1">
                           <a:lumMod val="85000"/>
                         </a:schemeClr>
-                      </a:solidFill>
-                      <a:prstDash val="solid"/>
-                      <a:round/>
-                      <a:headEnd type="none" w="med" len="med"/>
-                      <a:tailEnd type="none" w="med" len="med"/>
-                    </a:lnT>
-                  </a:tcPr>
-                </a:tc>
-                <a:tc>
-                  <a:txBody>
-                    <a:bodyPr/>
-                    <a:lstStyle/>
-                    <a:p>
-                      <a:pPr latinLnBrk="1"/>
-                      <a:endParaRPr lang="ko-KR" altLang="en-US" dirty="0"/>
-                    </a:p>
-                  </a:txBody>
-                  <a:tcPr marL="63779" marR="63779" marT="17417" marB="17417" anchor="ctr">
-                    <a:lnL w="3175" cap="flat" cmpd="sng" algn="ctr">
-                      <a:solidFill>
-                        <a:srgbClr val="000000"/>
-                      </a:solidFill>
-                      <a:prstDash val="solid"/>
-                      <a:round/>
-                      <a:headEnd type="none" w="med" len="med"/>
-                      <a:tailEnd type="none" w="med" len="med"/>
-                    </a:lnL>
-                    <a:lnR w="3175" cap="flat" cmpd="sng" algn="ctr">
-                      <a:solidFill>
-                        <a:srgbClr val="000000"/>
-                      </a:solidFill>
-                      <a:prstDash val="solid"/>
-                      <a:round/>
-                      <a:headEnd type="none" w="med" len="med"/>
-                      <a:tailEnd type="none" w="med" len="med"/>
-                    </a:lnR>
-                    <a:lnT w="3175" cap="flat" cmpd="sng" algn="ctr">
-                      <a:solidFill>
-                        <a:srgbClr val="000000"/>
-                      </a:solidFill>
-                      <a:prstDash val="solid"/>
-                      <a:round/>
-                      <a:headEnd type="none" w="med" len="med"/>
-                      <a:tailEnd type="none" w="med" len="med"/>
-                    </a:lnT>
-                    <a:lnB w="3175" cap="flat" cmpd="sng" algn="ctr">
-                      <a:solidFill>
-                        <a:srgbClr val="000000"/>
-                      </a:solidFill>
-                      <a:prstDash val="solid"/>
-                      <a:round/>
-                      <a:headEnd type="none" w="med" len="med"/>
-                      <a:tailEnd type="none" w="med" len="med"/>
-                    </a:lnB>
-                    <a:solidFill>
-                      <a:srgbClr val="545455"/>
-                    </a:solidFill>
-                  </a:tcPr>
-                </a:tc>
-                <a:tc>
-                  <a:txBody>
-                    <a:bodyPr/>
-                    <a:lstStyle/>
-                    <a:p>
-                      <a:pPr marL="0" marR="0" indent="0" algn="just" fontAlgn="base" latinLnBrk="1">
-                        <a:lnSpc>
-                          <a:spcPct val="160000"/>
-                        </a:lnSpc>
-                        <a:spcBef>
-                          <a:spcPts val="0"/>
-                        </a:spcBef>
-                        <a:spcAft>
-                          <a:spcPts val="0"/>
-                        </a:spcAft>
-                      </a:pPr>
-                      <a:endParaRPr lang="ko-KR" altLang="en-US" sz="1200" b="1" kern="0" spc="0" dirty="0">
-                        <a:solidFill>
-                          <a:schemeClr val="bg1"/>
-                        </a:solidFill>
-                        <a:latin typeface="+mn-ea"/>
-                        <a:ea typeface="+mn-ea"/>
-                      </a:endParaRPr>
-                    </a:p>
-                  </a:txBody>
-                  <a:tcPr marL="63779" marR="63779" marT="17417" marB="17417" anchor="ctr">
-                    <a:lnL w="3175" cap="flat" cmpd="sng" algn="ctr">
-                      <a:solidFill>
-                        <a:srgbClr val="000000"/>
-                      </a:solidFill>
-                      <a:prstDash val="solid"/>
-                      <a:round/>
-                      <a:headEnd type="none" w="med" len="med"/>
-                      <a:tailEnd type="none" w="med" len="med"/>
-                    </a:lnL>
-                    <a:lnR w="3175" cap="flat" cmpd="sng" algn="ctr">
-                      <a:solidFill>
-                        <a:srgbClr val="000000"/>
-                      </a:solidFill>
-                      <a:prstDash val="solid"/>
-                      <a:round/>
-                      <a:headEnd type="none" w="med" len="med"/>
-                      <a:tailEnd type="none" w="med" len="med"/>
-                    </a:lnR>
-                    <a:lnT w="3175" cap="flat" cmpd="sng" algn="ctr">
-                      <a:solidFill>
-                        <a:srgbClr val="000000"/>
-                      </a:solidFill>
-                      <a:prstDash val="solid"/>
-                      <a:round/>
-                      <a:headEnd type="none" w="med" len="med"/>
-                      <a:tailEnd type="none" w="med" len="med"/>
-                    </a:lnT>
-                    <a:lnB w="3175" cap="flat" cmpd="sng" algn="ctr">
-                      <a:solidFill>
-                        <a:srgbClr val="000000"/>
-                      </a:solidFill>
-                      <a:prstDash val="solid"/>
-                      <a:round/>
-                      <a:headEnd type="none" w="med" len="med"/>
-                      <a:tailEnd type="none" w="med" len="med"/>
-                    </a:lnB>
-                    <a:solidFill>
-                      <a:srgbClr val="545455"/>
-                    </a:solidFill>
-                  </a:tcPr>
-                </a:tc>
-                <a:tc>
-                  <a:txBody>
-                    <a:bodyPr/>
-                    <a:lstStyle/>
-                    <a:p>
-                      <a:pPr marL="0" marR="0" indent="0" algn="just" fontAlgn="base" latinLnBrk="1">
-                        <a:lnSpc>
-                          <a:spcPct val="160000"/>
-                        </a:lnSpc>
-                        <a:spcBef>
-                          <a:spcPts val="0"/>
-                        </a:spcBef>
-                        <a:spcAft>
-                          <a:spcPts val="0"/>
-                        </a:spcAft>
-                      </a:pPr>
-                      <a:endParaRPr lang="ko-KR" altLang="en-US" sz="1200" b="1" kern="0" spc="0" dirty="0">
-                        <a:solidFill>
-                          <a:schemeClr val="bg1"/>
-                        </a:solidFill>
-                        <a:latin typeface="+mn-ea"/>
-                        <a:ea typeface="+mn-ea"/>
-                      </a:endParaRPr>
-                    </a:p>
-                  </a:txBody>
-                  <a:tcPr marL="63779" marR="63779" marT="17417" marB="17417" anchor="ctr">
-                    <a:lnL w="3175" cap="flat" cmpd="sng" algn="ctr">
-                      <a:solidFill>
-                        <a:srgbClr val="000000"/>
-                      </a:solidFill>
-                      <a:prstDash val="solid"/>
-                      <a:round/>
-                      <a:headEnd type="none" w="med" len="med"/>
-                      <a:tailEnd type="none" w="med" len="med"/>
-                    </a:lnL>
-                    <a:lnR w="3175" cap="flat" cmpd="sng" algn="ctr">
-                      <a:solidFill>
-                        <a:srgbClr val="000000"/>
-                      </a:solidFill>
-                      <a:prstDash val="solid"/>
-                      <a:round/>
-                      <a:headEnd type="none" w="med" len="med"/>
-                      <a:tailEnd type="none" w="med" len="med"/>
-                    </a:lnR>
-                    <a:lnT w="3175" cap="flat" cmpd="sng" algn="ctr">
-                      <a:solidFill>
-                        <a:srgbClr val="000000"/>
-                      </a:solidFill>
-                      <a:prstDash val="solid"/>
-                      <a:round/>
-                      <a:headEnd type="none" w="med" len="med"/>
-                      <a:tailEnd type="none" w="med" len="med"/>
-                    </a:lnT>
-                    <a:lnB w="3175" cap="flat" cmpd="sng" algn="ctr">
-                      <a:solidFill>
-                        <a:srgbClr val="000000"/>
-                      </a:solidFill>
-                      <a:prstDash val="solid"/>
-                      <a:round/>
-                      <a:headEnd type="none" w="med" len="med"/>
-                      <a:tailEnd type="none" w="med" len="med"/>
-                    </a:lnB>
-                    <a:solidFill>
-                      <a:srgbClr val="545455"/>
-                    </a:solidFill>
-                  </a:tcPr>
-                </a:tc>
-                <a:tc vMerge="1">
-                  <a:txBody>
-                    <a:bodyPr/>
-                    <a:lstStyle/>
-                    <a:p>
-                      <a:pPr marL="0" marR="0" indent="0" algn="just" fontAlgn="base" latinLnBrk="1">
-                        <a:lnSpc>
-                          <a:spcPct val="160000"/>
-                        </a:lnSpc>
-                        <a:spcBef>
-                          <a:spcPts val="0"/>
-                        </a:spcBef>
-                        <a:spcAft>
-                          <a:spcPts val="0"/>
-                        </a:spcAft>
-                      </a:pPr>
-                      <a:endParaRPr lang="ko-KR" altLang="en-US" sz="1200" b="1" kern="0" spc="0" dirty="0">
-                        <a:solidFill>
-                          <a:schemeClr val="bg1"/>
-                        </a:solidFill>
-                        <a:latin typeface="+mn-ea"/>
-                        <a:ea typeface="+mn-ea"/>
-                      </a:endParaRPr>
-                    </a:p>
-                  </a:txBody>
-                  <a:tcPr marL="63779" marR="63779" marT="17417" marB="17417" anchor="ctr">
-                    <a:lnL w="3175" cap="flat" cmpd="sng" algn="ctr">
-                      <a:solidFill>
-                        <a:srgbClr val="000000"/>
-                      </a:solidFill>
-                      <a:prstDash val="solid"/>
-                      <a:round/>
-                      <a:headEnd type="none" w="med" len="med"/>
-                      <a:tailEnd type="none" w="med" len="med"/>
-                    </a:lnL>
-                    <a:lnR w="3175" cap="flat" cmpd="sng" algn="ctr">
-                      <a:solidFill>
-                        <a:srgbClr val="000000"/>
-                      </a:solidFill>
-                      <a:prstDash val="solid"/>
-                      <a:round/>
-                      <a:headEnd type="none" w="med" len="med"/>
-                      <a:tailEnd type="none" w="med" len="med"/>
-                    </a:lnR>
-                    <a:lnT w="38100" cap="flat" cmpd="sng" algn="ctr">
-                      <a:solidFill>
-                        <a:schemeClr val="tx1">
-                          <a:lumMod val="85000"/>
-                        </a:schemeClr>
-                      </a:solidFill>
-                      <a:prstDash val="solid"/>
-                      <a:round/>
-                      <a:headEnd type="none" w="med" len="med"/>
-                      <a:tailEnd type="none" w="med" len="med"/>
-                    </a:lnT>
-                    <a:lnB w="3175" cap="flat" cmpd="sng" algn="ctr">
-                      <a:solidFill>
-                        <a:srgbClr val="000000"/>
-                      </a:solidFill>
-                      <a:prstDash val="solid"/>
-                      <a:round/>
-                      <a:headEnd type="none" w="med" len="med"/>
-                      <a:tailEnd type="none" w="med" len="med"/>
-                    </a:lnB>
-                  </a:tcPr>
-                </a:tc>
-                <a:extLst>
-                  <a:ext uri="{0D108BD9-81ED-4DB2-BD59-A6C34878D82A}">
-                    <a16:rowId xmlns:a16="http://schemas.microsoft.com/office/drawing/2014/main" val="10009"/>
-                  </a:ext>
-                </a:extLst>
-              </a:tr>
-              <a:tr h="454940">
-                <a:tc>
-                  <a:txBody>
-                    <a:bodyPr/>
-                    <a:lstStyle/>
-                    <a:p>
-                      <a:pPr algn="ctr" latinLnBrk="1"/>
-                      <a:r>
-                        <a:rPr lang="en-US" altLang="ko-KR" sz="1200" b="1" kern="0" spc="0" dirty="0">
-                          <a:solidFill>
-                            <a:schemeClr val="bg1"/>
-                          </a:solidFill>
-                          <a:latin typeface="+mn-ea"/>
-                          <a:ea typeface="+mn-ea"/>
-                        </a:rPr>
-                        <a:t>-</a:t>
-                      </a:r>
-                      <a:endParaRPr lang="ko-KR" altLang="en-US" dirty="0"/>
-                    </a:p>
-                  </a:txBody>
-                  <a:tcPr marL="63779" marR="63779" marT="17417" marB="17417" anchor="ctr">
-                    <a:lnL w="38100" cap="flat" cmpd="sng" algn="ctr">
-                      <a:solidFill>
-                        <a:schemeClr val="tx1">
-                          <a:lumMod val="85000"/>
-                        </a:schemeClr>
-                      </a:solidFill>
-                      <a:prstDash val="solid"/>
-                      <a:round/>
-                      <a:headEnd type="none" w="med" len="med"/>
-                      <a:tailEnd type="none" w="med" len="med"/>
-                    </a:lnL>
-                    <a:lnR w="3175" cap="flat" cmpd="sng" algn="ctr">
-                      <a:solidFill>
-                        <a:srgbClr val="000000"/>
                       </a:solidFill>
                       <a:prstDash val="solid"/>
                       <a:round/>
@@ -11724,529 +13178,9 @@
                     </a:solidFill>
                   </a:tcPr>
                 </a:tc>
-                <a:tc>
-                  <a:txBody>
-                    <a:bodyPr/>
-                    <a:lstStyle/>
-                    <a:p>
-                      <a:pPr latinLnBrk="1"/>
-                      <a:endParaRPr lang="ko-KR" altLang="en-US"/>
-                    </a:p>
-                  </a:txBody>
-                  <a:tcPr marL="63779" marR="63779" marT="17417" marB="17417" anchor="ctr">
-                    <a:lnL w="3175" cap="flat" cmpd="sng" algn="ctr">
-                      <a:solidFill>
-                        <a:srgbClr val="000000"/>
-                      </a:solidFill>
-                      <a:prstDash val="solid"/>
-                      <a:round/>
-                      <a:headEnd type="none" w="med" len="med"/>
-                      <a:tailEnd type="none" w="med" len="med"/>
-                    </a:lnL>
-                    <a:lnR w="3175" cap="flat" cmpd="sng" algn="ctr">
-                      <a:solidFill>
-                        <a:srgbClr val="000000"/>
-                      </a:solidFill>
-                      <a:prstDash val="solid"/>
-                      <a:round/>
-                      <a:headEnd type="none" w="med" len="med"/>
-                      <a:tailEnd type="none" w="med" len="med"/>
-                    </a:lnR>
-                    <a:lnT w="3175" cap="flat" cmpd="sng" algn="ctr">
-                      <a:solidFill>
-                        <a:srgbClr val="000000"/>
-                      </a:solidFill>
-                      <a:prstDash val="solid"/>
-                      <a:round/>
-                      <a:headEnd type="none" w="med" len="med"/>
-                      <a:tailEnd type="none" w="med" len="med"/>
-                    </a:lnT>
-                    <a:lnB w="38100" cap="flat" cmpd="sng" algn="ctr">
-                      <a:solidFill>
-                        <a:schemeClr val="tx1">
-                          <a:lumMod val="85000"/>
-                        </a:schemeClr>
-                      </a:solidFill>
-                      <a:prstDash val="solid"/>
-                      <a:round/>
-                      <a:headEnd type="none" w="med" len="med"/>
-                      <a:tailEnd type="none" w="med" len="med"/>
-                    </a:lnB>
-                    <a:solidFill>
-                      <a:srgbClr val="545455"/>
-                    </a:solidFill>
-                  </a:tcPr>
-                </a:tc>
-                <a:tc>
-                  <a:txBody>
-                    <a:bodyPr/>
-                    <a:lstStyle/>
-                    <a:p>
-                      <a:pPr latinLnBrk="1"/>
-                      <a:endParaRPr lang="ko-KR" altLang="en-US"/>
-                    </a:p>
-                  </a:txBody>
-                  <a:tcPr marL="63779" marR="63779" marT="17417" marB="17417" anchor="ctr">
-                    <a:lnL w="3175" cap="flat" cmpd="sng" algn="ctr">
-                      <a:solidFill>
-                        <a:srgbClr val="000000"/>
-                      </a:solidFill>
-                      <a:prstDash val="solid"/>
-                      <a:round/>
-                      <a:headEnd type="none" w="med" len="med"/>
-                      <a:tailEnd type="none" w="med" len="med"/>
-                    </a:lnL>
-                    <a:lnR w="3175" cap="flat" cmpd="sng" algn="ctr">
-                      <a:solidFill>
-                        <a:srgbClr val="000000"/>
-                      </a:solidFill>
-                      <a:prstDash val="solid"/>
-                      <a:round/>
-                      <a:headEnd type="none" w="med" len="med"/>
-                      <a:tailEnd type="none" w="med" len="med"/>
-                    </a:lnR>
-                    <a:lnT w="3175" cap="flat" cmpd="sng" algn="ctr">
-                      <a:solidFill>
-                        <a:srgbClr val="000000"/>
-                      </a:solidFill>
-                      <a:prstDash val="solid"/>
-                      <a:round/>
-                      <a:headEnd type="none" w="med" len="med"/>
-                      <a:tailEnd type="none" w="med" len="med"/>
-                    </a:lnT>
-                    <a:lnB w="38100" cap="flat" cmpd="sng" algn="ctr">
-                      <a:solidFill>
-                        <a:schemeClr val="tx1">
-                          <a:lumMod val="85000"/>
-                        </a:schemeClr>
-                      </a:solidFill>
-                      <a:prstDash val="solid"/>
-                      <a:round/>
-                      <a:headEnd type="none" w="med" len="med"/>
-                      <a:tailEnd type="none" w="med" len="med"/>
-                    </a:lnB>
-                    <a:solidFill>
-                      <a:srgbClr val="545455"/>
-                    </a:solidFill>
-                  </a:tcPr>
-                </a:tc>
-                <a:tc>
-                  <a:txBody>
-                    <a:bodyPr/>
-                    <a:lstStyle/>
-                    <a:p>
-                      <a:pPr latinLnBrk="1"/>
-                      <a:endParaRPr lang="ko-KR" altLang="en-US"/>
-                    </a:p>
-                  </a:txBody>
-                  <a:tcPr marL="63779" marR="63779" marT="17417" marB="17417" anchor="ctr">
-                    <a:lnL w="3175" cap="flat" cmpd="sng" algn="ctr">
-                      <a:solidFill>
-                        <a:srgbClr val="000000"/>
-                      </a:solidFill>
-                      <a:prstDash val="solid"/>
-                      <a:round/>
-                      <a:headEnd type="none" w="med" len="med"/>
-                      <a:tailEnd type="none" w="med" len="med"/>
-                    </a:lnL>
-                    <a:lnR w="3175" cap="flat" cmpd="sng" algn="ctr">
-                      <a:solidFill>
-                        <a:srgbClr val="000000"/>
-                      </a:solidFill>
-                      <a:prstDash val="solid"/>
-                      <a:round/>
-                      <a:headEnd type="none" w="med" len="med"/>
-                      <a:tailEnd type="none" w="med" len="med"/>
-                    </a:lnR>
-                    <a:lnT w="3175" cap="flat" cmpd="sng" algn="ctr">
-                      <a:solidFill>
-                        <a:srgbClr val="000000"/>
-                      </a:solidFill>
-                      <a:prstDash val="solid"/>
-                      <a:round/>
-                      <a:headEnd type="none" w="med" len="med"/>
-                      <a:tailEnd type="none" w="med" len="med"/>
-                    </a:lnT>
-                    <a:lnB w="38100" cap="flat" cmpd="sng" algn="ctr">
-                      <a:solidFill>
-                        <a:schemeClr val="tx1">
-                          <a:lumMod val="85000"/>
-                        </a:schemeClr>
-                      </a:solidFill>
-                      <a:prstDash val="solid"/>
-                      <a:round/>
-                      <a:headEnd type="none" w="med" len="med"/>
-                      <a:tailEnd type="none" w="med" len="med"/>
-                    </a:lnB>
-                    <a:solidFill>
-                      <a:srgbClr val="545455"/>
-                    </a:solidFill>
-                  </a:tcPr>
-                </a:tc>
-                <a:tc>
-                  <a:txBody>
-                    <a:bodyPr/>
-                    <a:lstStyle/>
-                    <a:p>
-                      <a:pPr latinLnBrk="1"/>
-                      <a:endParaRPr lang="ko-KR" altLang="en-US"/>
-                    </a:p>
-                  </a:txBody>
-                  <a:tcPr marL="63779" marR="63779" marT="17417" marB="17417" anchor="ctr">
-                    <a:lnL w="3175" cap="flat" cmpd="sng" algn="ctr">
-                      <a:solidFill>
-                        <a:srgbClr val="000000"/>
-                      </a:solidFill>
-                      <a:prstDash val="solid"/>
-                      <a:round/>
-                      <a:headEnd type="none" w="med" len="med"/>
-                      <a:tailEnd type="none" w="med" len="med"/>
-                    </a:lnL>
-                    <a:lnR w="3175" cap="flat" cmpd="sng" algn="ctr">
-                      <a:solidFill>
-                        <a:srgbClr val="000000"/>
-                      </a:solidFill>
-                      <a:prstDash val="solid"/>
-                      <a:round/>
-                      <a:headEnd type="none" w="med" len="med"/>
-                      <a:tailEnd type="none" w="med" len="med"/>
-                    </a:lnR>
-                    <a:lnT w="3175" cap="flat" cmpd="sng" algn="ctr">
-                      <a:solidFill>
-                        <a:srgbClr val="000000"/>
-                      </a:solidFill>
-                      <a:prstDash val="solid"/>
-                      <a:round/>
-                      <a:headEnd type="none" w="med" len="med"/>
-                      <a:tailEnd type="none" w="med" len="med"/>
-                    </a:lnT>
-                    <a:lnB w="38100" cap="flat" cmpd="sng" algn="ctr">
-                      <a:solidFill>
-                        <a:schemeClr val="tx1">
-                          <a:lumMod val="85000"/>
-                        </a:schemeClr>
-                      </a:solidFill>
-                      <a:prstDash val="solid"/>
-                      <a:round/>
-                      <a:headEnd type="none" w="med" len="med"/>
-                      <a:tailEnd type="none" w="med" len="med"/>
-                    </a:lnB>
-                    <a:solidFill>
-                      <a:srgbClr val="545455"/>
-                    </a:solidFill>
-                  </a:tcPr>
-                </a:tc>
-                <a:tc>
-                  <a:txBody>
-                    <a:bodyPr/>
-                    <a:lstStyle/>
-                    <a:p>
-                      <a:pPr latinLnBrk="1"/>
-                      <a:endParaRPr lang="ko-KR" altLang="en-US" dirty="0"/>
-                    </a:p>
-                  </a:txBody>
-                  <a:tcPr marL="63779" marR="63779" marT="17417" marB="17417" anchor="ctr">
-                    <a:lnL w="3175" cap="flat" cmpd="sng" algn="ctr">
-                      <a:solidFill>
-                        <a:srgbClr val="000000"/>
-                      </a:solidFill>
-                      <a:prstDash val="solid"/>
-                      <a:round/>
-                      <a:headEnd type="none" w="med" len="med"/>
-                      <a:tailEnd type="none" w="med" len="med"/>
-                    </a:lnL>
-                    <a:lnR w="3175" cap="flat" cmpd="sng" algn="ctr">
-                      <a:solidFill>
-                        <a:srgbClr val="000000"/>
-                      </a:solidFill>
-                      <a:prstDash val="solid"/>
-                      <a:round/>
-                      <a:headEnd type="none" w="med" len="med"/>
-                      <a:tailEnd type="none" w="med" len="med"/>
-                    </a:lnR>
-                    <a:lnT w="3175" cap="flat" cmpd="sng" algn="ctr">
-                      <a:solidFill>
-                        <a:srgbClr val="000000"/>
-                      </a:solidFill>
-                      <a:prstDash val="solid"/>
-                      <a:round/>
-                      <a:headEnd type="none" w="med" len="med"/>
-                      <a:tailEnd type="none" w="med" len="med"/>
-                    </a:lnT>
-                    <a:lnB w="38100" cap="flat" cmpd="sng" algn="ctr">
-                      <a:solidFill>
-                        <a:schemeClr val="tx1">
-                          <a:lumMod val="85000"/>
-                        </a:schemeClr>
-                      </a:solidFill>
-                      <a:prstDash val="solid"/>
-                      <a:round/>
-                      <a:headEnd type="none" w="med" len="med"/>
-                      <a:tailEnd type="none" w="med" len="med"/>
-                    </a:lnB>
-                    <a:solidFill>
-                      <a:srgbClr val="545455"/>
-                    </a:solidFill>
-                  </a:tcPr>
-                </a:tc>
-                <a:tc vMerge="1">
-                  <a:txBody>
-                    <a:bodyPr/>
-                    <a:lstStyle/>
-                    <a:p>
-                      <a:pPr latinLnBrk="1"/>
-                      <a:endParaRPr lang="ko-KR" altLang="en-US"/>
-                    </a:p>
-                  </a:txBody>
-                  <a:tcPr>
-                    <a:lnL w="3175" cap="flat" cmpd="sng" algn="ctr">
-                      <a:solidFill>
-                        <a:srgbClr val="000000"/>
-                      </a:solidFill>
-                      <a:prstDash val="solid"/>
-                      <a:round/>
-                      <a:headEnd type="none" w="med" len="med"/>
-                      <a:tailEnd type="none" w="med" len="med"/>
-                    </a:lnL>
-                    <a:lnT w="38100" cap="flat" cmpd="sng" algn="ctr">
-                      <a:solidFill>
-                        <a:schemeClr val="tx1">
-                          <a:lumMod val="85000"/>
-                        </a:schemeClr>
-                      </a:solidFill>
-                      <a:prstDash val="solid"/>
-                      <a:round/>
-                      <a:headEnd type="none" w="med" len="med"/>
-                      <a:tailEnd type="none" w="med" len="med"/>
-                    </a:lnT>
-                  </a:tcPr>
-                </a:tc>
-                <a:tc>
-                  <a:txBody>
-                    <a:bodyPr/>
-                    <a:lstStyle/>
-                    <a:p>
-                      <a:pPr latinLnBrk="1"/>
-                      <a:endParaRPr lang="ko-KR" altLang="en-US" dirty="0"/>
-                    </a:p>
-                  </a:txBody>
-                  <a:tcPr marL="63779" marR="63779" marT="17417" marB="17417" anchor="ctr">
-                    <a:lnL w="3175" cap="flat" cmpd="sng" algn="ctr">
-                      <a:solidFill>
-                        <a:srgbClr val="000000"/>
-                      </a:solidFill>
-                      <a:prstDash val="solid"/>
-                      <a:round/>
-                      <a:headEnd type="none" w="med" len="med"/>
-                      <a:tailEnd type="none" w="med" len="med"/>
-                    </a:lnL>
-                    <a:lnR w="3175" cap="flat" cmpd="sng" algn="ctr">
-                      <a:solidFill>
-                        <a:srgbClr val="000000"/>
-                      </a:solidFill>
-                      <a:prstDash val="solid"/>
-                      <a:round/>
-                      <a:headEnd type="none" w="med" len="med"/>
-                      <a:tailEnd type="none" w="med" len="med"/>
-                    </a:lnR>
-                    <a:lnT w="3175" cap="flat" cmpd="sng" algn="ctr">
-                      <a:solidFill>
-                        <a:srgbClr val="000000"/>
-                      </a:solidFill>
-                      <a:prstDash val="solid"/>
-                      <a:round/>
-                      <a:headEnd type="none" w="med" len="med"/>
-                      <a:tailEnd type="none" w="med" len="med"/>
-                    </a:lnT>
-                    <a:lnB w="38100" cap="flat" cmpd="sng" algn="ctr">
-                      <a:solidFill>
-                        <a:schemeClr val="tx1">
-                          <a:lumMod val="85000"/>
-                        </a:schemeClr>
-                      </a:solidFill>
-                      <a:prstDash val="solid"/>
-                      <a:round/>
-                      <a:headEnd type="none" w="med" len="med"/>
-                      <a:tailEnd type="none" w="med" len="med"/>
-                    </a:lnB>
-                    <a:solidFill>
-                      <a:srgbClr val="545455"/>
-                    </a:solidFill>
-                  </a:tcPr>
-                </a:tc>
-                <a:tc>
-                  <a:txBody>
-                    <a:bodyPr/>
-                    <a:lstStyle/>
-                    <a:p>
-                      <a:pPr marL="0" marR="0" indent="0" algn="just" fontAlgn="base" latinLnBrk="1">
-                        <a:lnSpc>
-                          <a:spcPct val="160000"/>
-                        </a:lnSpc>
-                        <a:spcBef>
-                          <a:spcPts val="0"/>
-                        </a:spcBef>
-                        <a:spcAft>
-                          <a:spcPts val="0"/>
-                        </a:spcAft>
-                      </a:pPr>
-                      <a:endParaRPr lang="ko-KR" altLang="en-US" sz="1200" b="1" kern="0" spc="0">
-                        <a:solidFill>
-                          <a:schemeClr val="bg1"/>
-                        </a:solidFill>
-                        <a:latin typeface="+mn-ea"/>
-                        <a:ea typeface="+mn-ea"/>
-                      </a:endParaRPr>
-                    </a:p>
-                  </a:txBody>
-                  <a:tcPr marL="63779" marR="63779" marT="17417" marB="17417" anchor="ctr">
-                    <a:lnL w="3175" cap="flat" cmpd="sng" algn="ctr">
-                      <a:solidFill>
-                        <a:srgbClr val="000000"/>
-                      </a:solidFill>
-                      <a:prstDash val="solid"/>
-                      <a:round/>
-                      <a:headEnd type="none" w="med" len="med"/>
-                      <a:tailEnd type="none" w="med" len="med"/>
-                    </a:lnL>
-                    <a:lnR w="3175" cap="flat" cmpd="sng" algn="ctr">
-                      <a:solidFill>
-                        <a:srgbClr val="000000"/>
-                      </a:solidFill>
-                      <a:prstDash val="solid"/>
-                      <a:round/>
-                      <a:headEnd type="none" w="med" len="med"/>
-                      <a:tailEnd type="none" w="med" len="med"/>
-                    </a:lnR>
-                    <a:lnT w="3175" cap="flat" cmpd="sng" algn="ctr">
-                      <a:solidFill>
-                        <a:srgbClr val="000000"/>
-                      </a:solidFill>
-                      <a:prstDash val="solid"/>
-                      <a:round/>
-                      <a:headEnd type="none" w="med" len="med"/>
-                      <a:tailEnd type="none" w="med" len="med"/>
-                    </a:lnT>
-                    <a:lnB w="38100" cap="flat" cmpd="sng" algn="ctr">
-                      <a:solidFill>
-                        <a:schemeClr val="tx1">
-                          <a:lumMod val="85000"/>
-                        </a:schemeClr>
-                      </a:solidFill>
-                      <a:prstDash val="solid"/>
-                      <a:round/>
-                      <a:headEnd type="none" w="med" len="med"/>
-                      <a:tailEnd type="none" w="med" len="med"/>
-                    </a:lnB>
-                    <a:solidFill>
-                      <a:srgbClr val="545455"/>
-                    </a:solidFill>
-                  </a:tcPr>
-                </a:tc>
-                <a:tc>
-                  <a:txBody>
-                    <a:bodyPr/>
-                    <a:lstStyle/>
-                    <a:p>
-                      <a:pPr marL="0" marR="0" indent="0" algn="just" fontAlgn="base" latinLnBrk="1">
-                        <a:lnSpc>
-                          <a:spcPct val="160000"/>
-                        </a:lnSpc>
-                        <a:spcBef>
-                          <a:spcPts val="0"/>
-                        </a:spcBef>
-                        <a:spcAft>
-                          <a:spcPts val="0"/>
-                        </a:spcAft>
-                      </a:pPr>
-                      <a:endParaRPr lang="ko-KR" altLang="en-US" sz="1200" b="1" kern="0" spc="0" dirty="0">
-                        <a:solidFill>
-                          <a:schemeClr val="bg1"/>
-                        </a:solidFill>
-                        <a:latin typeface="+mn-ea"/>
-                        <a:ea typeface="+mn-ea"/>
-                      </a:endParaRPr>
-                    </a:p>
-                  </a:txBody>
-                  <a:tcPr marL="63779" marR="63779" marT="17417" marB="17417" anchor="ctr">
-                    <a:lnL w="3175" cap="flat" cmpd="sng" algn="ctr">
-                      <a:solidFill>
-                        <a:srgbClr val="000000"/>
-                      </a:solidFill>
-                      <a:prstDash val="solid"/>
-                      <a:round/>
-                      <a:headEnd type="none" w="med" len="med"/>
-                      <a:tailEnd type="none" w="med" len="med"/>
-                    </a:lnL>
-                    <a:lnR w="3175" cap="flat" cmpd="sng" algn="ctr">
-                      <a:solidFill>
-                        <a:srgbClr val="000000"/>
-                      </a:solidFill>
-                      <a:prstDash val="solid"/>
-                      <a:round/>
-                      <a:headEnd type="none" w="med" len="med"/>
-                      <a:tailEnd type="none" w="med" len="med"/>
-                    </a:lnR>
-                    <a:lnT w="3175" cap="flat" cmpd="sng" algn="ctr">
-                      <a:solidFill>
-                        <a:srgbClr val="000000"/>
-                      </a:solidFill>
-                      <a:prstDash val="solid"/>
-                      <a:round/>
-                      <a:headEnd type="none" w="med" len="med"/>
-                      <a:tailEnd type="none" w="med" len="med"/>
-                    </a:lnT>
-                    <a:lnB w="38100" cap="flat" cmpd="sng" algn="ctr">
-                      <a:solidFill>
-                        <a:schemeClr val="tx1">
-                          <a:lumMod val="85000"/>
-                        </a:schemeClr>
-                      </a:solidFill>
-                      <a:prstDash val="solid"/>
-                      <a:round/>
-                      <a:headEnd type="none" w="med" len="med"/>
-                      <a:tailEnd type="none" w="med" len="med"/>
-                    </a:lnB>
-                    <a:solidFill>
-                      <a:srgbClr val="545455"/>
-                    </a:solidFill>
-                  </a:tcPr>
-                </a:tc>
-                <a:tc vMerge="1">
-                  <a:txBody>
-                    <a:bodyPr/>
-                    <a:lstStyle/>
-                    <a:p>
-                      <a:pPr latinLnBrk="1"/>
-                      <a:endParaRPr lang="ko-KR" altLang="en-US"/>
-                    </a:p>
-                  </a:txBody>
-                  <a:tcPr>
-                    <a:lnL w="3175" cap="flat" cmpd="sng" algn="ctr">
-                      <a:solidFill>
-                        <a:srgbClr val="000000"/>
-                      </a:solidFill>
-                      <a:prstDash val="solid"/>
-                      <a:round/>
-                      <a:headEnd type="none" w="med" len="med"/>
-                      <a:tailEnd type="none" w="med" len="med"/>
-                    </a:lnL>
-                    <a:lnT w="38100" cap="flat" cmpd="sng" algn="ctr">
-                      <a:solidFill>
-                        <a:schemeClr val="tx1">
-                          <a:lumMod val="85000"/>
-                        </a:schemeClr>
-                      </a:solidFill>
-                      <a:prstDash val="solid"/>
-                      <a:round/>
-                      <a:headEnd type="none" w="med" len="med"/>
-                      <a:tailEnd type="none" w="med" len="med"/>
-                    </a:lnT>
-                  </a:tcPr>
-                </a:tc>
                 <a:extLst>
                   <a:ext uri="{0D108BD9-81ED-4DB2-BD59-A6C34878D82A}">
-                    <a16:rowId xmlns:a16="http://schemas.microsoft.com/office/drawing/2014/main" val="1612196694"/>
+                    <a16:rowId xmlns:a16="http://schemas.microsoft.com/office/drawing/2014/main" val="3362922720"/>
                   </a:ext>
                 </a:extLst>
               </a:tr>
@@ -12257,7 +13191,7 @@
     </p:spTree>
     <p:extLst>
       <p:ext uri="{BB962C8B-B14F-4D97-AF65-F5344CB8AC3E}">
-        <p14:creationId xmlns:p14="http://schemas.microsoft.com/office/powerpoint/2010/main" val="2237484308"/>
+        <p14:creationId xmlns:p14="http://schemas.microsoft.com/office/powerpoint/2010/main" val="2726157751"/>
       </p:ext>
     </p:extLst>
   </p:cSld>
@@ -12267,7 +13201,7 @@
 </p:sld>
 </file>
 
-<file path=ppt/slides/slide13.xml><?xml version="1.0" encoding="utf-8"?>
+<file path=ppt/slides/slide15.xml><?xml version="1.0" encoding="utf-8"?>
 <p:sld xmlns:a="http://schemas.openxmlformats.org/drawingml/2006/main" xmlns:r="http://schemas.openxmlformats.org/officeDocument/2006/relationships" xmlns:p="http://schemas.openxmlformats.org/presentationml/2006/main" showMasterSp="0">
   <p:cSld>
     <p:spTree>
@@ -12492,8 +13426,8 @@
         </p:nvSpPr>
         <p:spPr>
           <a:xfrm>
-            <a:off x="3496654" y="582067"/>
-            <a:ext cx="7366328" cy="5693866"/>
+            <a:off x="3568372" y="212735"/>
+            <a:ext cx="7366328" cy="6432530"/>
           </a:xfrm>
           <a:prstGeom prst="rect">
             <a:avLst/>
@@ -12511,166 +13445,225 @@
                 <a:latin typeface="HY헤드라인M" panose="02030600000101010101" pitchFamily="18" charset="-127"/>
                 <a:ea typeface="HY헤드라인M" panose="02030600000101010101" pitchFamily="18" charset="-127"/>
               </a:rPr>
-              <a:t> 1  		</a:t>
+              <a:t> </a:t>
             </a:r>
             <a:r>
-              <a:rPr lang="ko-KR" altLang="en-US" sz="2800" dirty="0">
+              <a:rPr lang="en-US" altLang="ko-KR" sz="2400" dirty="0">
+                <a:latin typeface="HY헤드라인M" panose="02030600000101010101" pitchFamily="18" charset="-127"/>
+                <a:ea typeface="HY헤드라인M" panose="02030600000101010101" pitchFamily="18" charset="-127"/>
+              </a:rPr>
+              <a:t>1  		</a:t>
+            </a:r>
+            <a:r>
+              <a:rPr lang="ko-KR" altLang="en-US" sz="2400" dirty="0">
                 <a:latin typeface="HY헤드라인M" panose="02030600000101010101" pitchFamily="18" charset="-127"/>
                 <a:ea typeface="HY헤드라인M" panose="02030600000101010101" pitchFamily="18" charset="-127"/>
               </a:rPr>
               <a:t>연구목적</a:t>
             </a:r>
-            <a:endParaRPr lang="en-US" altLang="ko-KR" sz="2800" dirty="0">
+            <a:endParaRPr lang="en-US" altLang="ko-KR" sz="2400" dirty="0">
               <a:latin typeface="HY헤드라인M" panose="02030600000101010101" pitchFamily="18" charset="-127"/>
               <a:ea typeface="HY헤드라인M" panose="02030600000101010101" pitchFamily="18" charset="-127"/>
             </a:endParaRPr>
           </a:p>
           <a:p>
-            <a:endParaRPr lang="en-US" altLang="ko-KR" sz="2800" dirty="0">
+            <a:endParaRPr lang="en-US" altLang="ko-KR" sz="2400" dirty="0">
               <a:latin typeface="HY헤드라인M" panose="02030600000101010101" pitchFamily="18" charset="-127"/>
               <a:ea typeface="HY헤드라인M" panose="02030600000101010101" pitchFamily="18" charset="-127"/>
             </a:endParaRPr>
           </a:p>
           <a:p>
             <a:r>
-              <a:rPr lang="en-US" altLang="ko-KR" sz="2800" dirty="0">
+              <a:rPr lang="en-US" altLang="ko-KR" sz="2400" dirty="0">
                 <a:latin typeface="HY헤드라인M" panose="02030600000101010101" pitchFamily="18" charset="-127"/>
                 <a:ea typeface="HY헤드라인M" panose="02030600000101010101" pitchFamily="18" charset="-127"/>
               </a:rPr>
               <a:t> 2 			</a:t>
             </a:r>
             <a:r>
-              <a:rPr lang="ko-KR" altLang="en-US" sz="2800" dirty="0">
+              <a:rPr lang="ko-KR" altLang="en-US" sz="2400" dirty="0">
                 <a:latin typeface="HY헤드라인M" panose="02030600000101010101" pitchFamily="18" charset="-127"/>
                 <a:ea typeface="HY헤드라인M" panose="02030600000101010101" pitchFamily="18" charset="-127"/>
               </a:rPr>
               <a:t>게임 소개 및 특징</a:t>
             </a:r>
-            <a:endParaRPr lang="en-US" altLang="ko-KR" sz="2800" dirty="0">
+            <a:endParaRPr lang="en-US" altLang="ko-KR" sz="2400" dirty="0">
               <a:latin typeface="HY헤드라인M" panose="02030600000101010101" pitchFamily="18" charset="-127"/>
               <a:ea typeface="HY헤드라인M" panose="02030600000101010101" pitchFamily="18" charset="-127"/>
             </a:endParaRPr>
           </a:p>
           <a:p>
-            <a:endParaRPr lang="en-US" altLang="ko-KR" sz="2800" dirty="0">
+            <a:endParaRPr lang="en-US" altLang="ko-KR" sz="2400" dirty="0">
               <a:latin typeface="HY헤드라인M" panose="02030600000101010101" pitchFamily="18" charset="-127"/>
               <a:ea typeface="HY헤드라인M" panose="02030600000101010101" pitchFamily="18" charset="-127"/>
             </a:endParaRPr>
           </a:p>
           <a:p>
             <a:r>
-              <a:rPr lang="en-US" altLang="ko-KR" sz="2800" dirty="0">
+              <a:rPr lang="en-US" altLang="ko-KR" sz="2400" dirty="0">
                 <a:latin typeface="HY헤드라인M" panose="02030600000101010101" pitchFamily="18" charset="-127"/>
                 <a:ea typeface="HY헤드라인M" panose="02030600000101010101" pitchFamily="18" charset="-127"/>
               </a:rPr>
               <a:t> 3  		</a:t>
             </a:r>
             <a:r>
-              <a:rPr lang="ko-KR" altLang="en-US" sz="2800" dirty="0">
+              <a:rPr lang="ko-KR" altLang="en-US" sz="2400" dirty="0">
                 <a:latin typeface="HY헤드라인M" panose="02030600000101010101" pitchFamily="18" charset="-127"/>
                 <a:ea typeface="HY헤드라인M" panose="02030600000101010101" pitchFamily="18" charset="-127"/>
               </a:rPr>
               <a:t>게임 방법</a:t>
             </a:r>
-            <a:endParaRPr lang="en-US" altLang="ko-KR" sz="2800" dirty="0">
+            <a:endParaRPr lang="en-US" altLang="ko-KR" sz="2400" dirty="0">
               <a:latin typeface="HY헤드라인M" panose="02030600000101010101" pitchFamily="18" charset="-127"/>
               <a:ea typeface="HY헤드라인M" panose="02030600000101010101" pitchFamily="18" charset="-127"/>
             </a:endParaRPr>
           </a:p>
           <a:p>
-            <a:endParaRPr lang="en-US" altLang="ko-KR" sz="2800" dirty="0">
+            <a:endParaRPr lang="en-US" altLang="ko-KR" sz="2400" dirty="0">
               <a:latin typeface="HY헤드라인M" panose="02030600000101010101" pitchFamily="18" charset="-127"/>
               <a:ea typeface="HY헤드라인M" panose="02030600000101010101" pitchFamily="18" charset="-127"/>
             </a:endParaRPr>
           </a:p>
           <a:p>
             <a:r>
-              <a:rPr lang="en-US" altLang="ko-KR" sz="2800" dirty="0">
+              <a:rPr lang="en-US" altLang="ko-KR" sz="2400" dirty="0">
                 <a:latin typeface="HY헤드라인M" panose="02030600000101010101" pitchFamily="18" charset="-127"/>
                 <a:ea typeface="HY헤드라인M" panose="02030600000101010101" pitchFamily="18" charset="-127"/>
               </a:rPr>
               <a:t> 4  		</a:t>
             </a:r>
             <a:r>
-              <a:rPr lang="ko-KR" altLang="en-US" sz="2800" dirty="0">
+              <a:rPr lang="ko-KR" altLang="en-US" sz="2400" dirty="0">
                 <a:latin typeface="HY헤드라인M" panose="02030600000101010101" pitchFamily="18" charset="-127"/>
                 <a:ea typeface="HY헤드라인M" panose="02030600000101010101" pitchFamily="18" charset="-127"/>
               </a:rPr>
               <a:t>개발 환경</a:t>
             </a:r>
-            <a:endParaRPr lang="en-US" altLang="ko-KR" sz="2800" dirty="0">
+            <a:endParaRPr lang="en-US" altLang="ko-KR" sz="2400" dirty="0">
               <a:latin typeface="HY헤드라인M" panose="02030600000101010101" pitchFamily="18" charset="-127"/>
               <a:ea typeface="HY헤드라인M" panose="02030600000101010101" pitchFamily="18" charset="-127"/>
             </a:endParaRPr>
           </a:p>
           <a:p>
-            <a:endParaRPr lang="en-US" altLang="ko-KR" sz="2800" dirty="0">
+            <a:endParaRPr lang="en-US" altLang="ko-KR" sz="2400" dirty="0">
               <a:latin typeface="HY헤드라인M" panose="02030600000101010101" pitchFamily="18" charset="-127"/>
               <a:ea typeface="HY헤드라인M" panose="02030600000101010101" pitchFamily="18" charset="-127"/>
             </a:endParaRPr>
           </a:p>
           <a:p>
             <a:r>
-              <a:rPr lang="en-US" altLang="ko-KR" sz="2800" dirty="0">
+              <a:rPr lang="en-US" altLang="ko-KR" sz="2400" dirty="0">
                 <a:latin typeface="HY헤드라인M" panose="02030600000101010101" pitchFamily="18" charset="-127"/>
                 <a:ea typeface="HY헤드라인M" panose="02030600000101010101" pitchFamily="18" charset="-127"/>
               </a:rPr>
               <a:t> 5  		</a:t>
             </a:r>
             <a:r>
-              <a:rPr lang="ko-KR" altLang="en-US" sz="2800" dirty="0">
+              <a:rPr lang="ko-KR" altLang="en-US" sz="2400" dirty="0">
                 <a:latin typeface="HY헤드라인M" panose="02030600000101010101" pitchFamily="18" charset="-127"/>
                 <a:ea typeface="HY헤드라인M" panose="02030600000101010101" pitchFamily="18" charset="-127"/>
               </a:rPr>
-              <a:t>기술적 요소 및 중점 연구분야</a:t>
+              <a:t>기술적 요소</a:t>
             </a:r>
-            <a:endParaRPr lang="en-US" altLang="ko-KR" sz="2800" dirty="0">
+            <a:endParaRPr lang="en-US" altLang="ko-KR" sz="2400" dirty="0">
               <a:latin typeface="HY헤드라인M" panose="02030600000101010101" pitchFamily="18" charset="-127"/>
               <a:ea typeface="HY헤드라인M" panose="02030600000101010101" pitchFamily="18" charset="-127"/>
             </a:endParaRPr>
           </a:p>
           <a:p>
-            <a:endParaRPr lang="en-US" altLang="ko-KR" sz="2800" dirty="0">
+            <a:endParaRPr lang="en-US" altLang="ko-KR" sz="2400" dirty="0">
               <a:latin typeface="HY헤드라인M" panose="02030600000101010101" pitchFamily="18" charset="-127"/>
               <a:ea typeface="HY헤드라인M" panose="02030600000101010101" pitchFamily="18" charset="-127"/>
             </a:endParaRPr>
           </a:p>
           <a:p>
             <a:r>
-              <a:rPr lang="en-US" altLang="ko-KR" sz="2800" dirty="0">
+              <a:rPr lang="en-US" altLang="ko-KR" sz="2400" dirty="0">
                 <a:latin typeface="HY헤드라인M" panose="02030600000101010101" pitchFamily="18" charset="-127"/>
                 <a:ea typeface="HY헤드라인M" panose="02030600000101010101" pitchFamily="18" charset="-127"/>
               </a:rPr>
               <a:t> 6  		</a:t>
             </a:r>
             <a:r>
-              <a:rPr lang="ko-KR" altLang="en-US" sz="2800" dirty="0">
+              <a:rPr lang="ko-KR" altLang="en-US" sz="2400" dirty="0">
                 <a:latin typeface="HY헤드라인M" panose="02030600000101010101" pitchFamily="18" charset="-127"/>
                 <a:ea typeface="HY헤드라인M" panose="02030600000101010101" pitchFamily="18" charset="-127"/>
               </a:rPr>
-              <a:t>타 게임과의 비교 </a:t>
+              <a:t>개인별 준비 현황</a:t>
             </a:r>
-            <a:endParaRPr lang="en-US" altLang="ko-KR" sz="2800" dirty="0">
+            <a:endParaRPr lang="en-US" altLang="ko-KR" sz="2400" dirty="0">
               <a:latin typeface="HY헤드라인M" panose="02030600000101010101" pitchFamily="18" charset="-127"/>
               <a:ea typeface="HY헤드라인M" panose="02030600000101010101" pitchFamily="18" charset="-127"/>
             </a:endParaRPr>
           </a:p>
           <a:p>
-            <a:endParaRPr lang="en-US" altLang="ko-KR" sz="2800" dirty="0">
+            <a:endParaRPr lang="en-US" altLang="ko-KR" sz="2400" dirty="0">
               <a:latin typeface="HY헤드라인M" panose="02030600000101010101" pitchFamily="18" charset="-127"/>
               <a:ea typeface="HY헤드라인M" panose="02030600000101010101" pitchFamily="18" charset="-127"/>
             </a:endParaRPr>
           </a:p>
           <a:p>
             <a:r>
-              <a:rPr lang="en-US" altLang="ko-KR" sz="2800" dirty="0">
+              <a:rPr lang="en-US" altLang="ko-KR" sz="2400" dirty="0">
                 <a:latin typeface="HY헤드라인M" panose="02030600000101010101" pitchFamily="18" charset="-127"/>
                 <a:ea typeface="HY헤드라인M" panose="02030600000101010101" pitchFamily="18" charset="-127"/>
               </a:rPr>
               <a:t> 7  		</a:t>
             </a:r>
             <a:r>
-              <a:rPr lang="ko-KR" altLang="en-US" sz="2800" dirty="0">
+              <a:rPr lang="ko-KR" altLang="en-US" sz="2400" dirty="0">
+                <a:latin typeface="HY헤드라인M" panose="02030600000101010101" pitchFamily="18" charset="-127"/>
+                <a:ea typeface="HY헤드라인M" panose="02030600000101010101" pitchFamily="18" charset="-127"/>
+              </a:rPr>
+              <a:t>중점 연구분야</a:t>
+            </a:r>
+            <a:endParaRPr lang="en-US" altLang="ko-KR" sz="2400" dirty="0">
+              <a:latin typeface="HY헤드라인M" panose="02030600000101010101" pitchFamily="18" charset="-127"/>
+              <a:ea typeface="HY헤드라인M" panose="02030600000101010101" pitchFamily="18" charset="-127"/>
+            </a:endParaRPr>
+          </a:p>
+          <a:p>
+            <a:endParaRPr lang="en-US" altLang="ko-KR" sz="2400" dirty="0">
+              <a:latin typeface="HY헤드라인M" panose="02030600000101010101" pitchFamily="18" charset="-127"/>
+              <a:ea typeface="HY헤드라인M" panose="02030600000101010101" pitchFamily="18" charset="-127"/>
+            </a:endParaRPr>
+          </a:p>
+          <a:p>
+            <a:r>
+              <a:rPr lang="en-US" altLang="ko-KR" sz="2400" dirty="0">
+                <a:latin typeface="HY헤드라인M" panose="02030600000101010101" pitchFamily="18" charset="-127"/>
+                <a:ea typeface="HY헤드라인M" panose="02030600000101010101" pitchFamily="18" charset="-127"/>
+              </a:rPr>
+              <a:t> 8 			</a:t>
+            </a:r>
+            <a:r>
+              <a:rPr lang="ko-KR" altLang="en-US" sz="2400" dirty="0">
+                <a:latin typeface="HY헤드라인M" panose="02030600000101010101" pitchFamily="18" charset="-127"/>
+                <a:ea typeface="HY헤드라인M" panose="02030600000101010101" pitchFamily="18" charset="-127"/>
+              </a:rPr>
+              <a:t>타 게임과의 비교 </a:t>
+            </a:r>
+            <a:endParaRPr lang="en-US" altLang="ko-KR" sz="2400" dirty="0">
+              <a:latin typeface="HY헤드라인M" panose="02030600000101010101" pitchFamily="18" charset="-127"/>
+              <a:ea typeface="HY헤드라인M" panose="02030600000101010101" pitchFamily="18" charset="-127"/>
+            </a:endParaRPr>
+          </a:p>
+          <a:p>
+            <a:endParaRPr lang="en-US" altLang="ko-KR" sz="2400" dirty="0">
+              <a:latin typeface="HY헤드라인M" panose="02030600000101010101" pitchFamily="18" charset="-127"/>
+              <a:ea typeface="HY헤드라인M" panose="02030600000101010101" pitchFamily="18" charset="-127"/>
+            </a:endParaRPr>
+          </a:p>
+          <a:p>
+            <a:r>
+              <a:rPr lang="en-US" altLang="ko-KR" sz="2400" dirty="0">
+                <a:latin typeface="HY헤드라인M" panose="02030600000101010101" pitchFamily="18" charset="-127"/>
+                <a:ea typeface="HY헤드라인M" panose="02030600000101010101" pitchFamily="18" charset="-127"/>
+              </a:rPr>
+              <a:t> 9   		</a:t>
+            </a:r>
+            <a:r>
+              <a:rPr lang="ko-KR" altLang="en-US" sz="2400" dirty="0">
                 <a:latin typeface="HY헤드라인M" panose="02030600000101010101" pitchFamily="18" charset="-127"/>
                 <a:ea typeface="HY헤드라인M" panose="02030600000101010101" pitchFamily="18" charset="-127"/>
               </a:rPr>
@@ -16096,7 +17089,7 @@
                 <a:latin typeface="HY헤드라인M" panose="02030600000101010101" pitchFamily="18" charset="-127"/>
                 <a:ea typeface="HY헤드라인M" panose="02030600000101010101" pitchFamily="18" charset="-127"/>
               </a:rPr>
-              <a:t>기술적 요소 및 중점 연구분야</a:t>
+              <a:t>기술적 요소</a:t>
             </a:r>
             <a:endParaRPr lang="ko-KR" altLang="en-US" dirty="0"/>
           </a:p>
@@ -16163,10 +17156,10 @@
       </p:sp>
       <p:sp>
         <p:nvSpPr>
-          <p:cNvPr id="5" name="직사각형 4">
+          <p:cNvPr id="10" name="직사각형 9">
             <a:extLst>
               <a:ext uri="{FF2B5EF4-FFF2-40B4-BE49-F238E27FC236}">
-                <a16:creationId xmlns:a16="http://schemas.microsoft.com/office/drawing/2014/main" id="{711DCDA1-7BF2-4A7D-9799-A995CEF01B7A}"/>
+                <a16:creationId xmlns:a16="http://schemas.microsoft.com/office/drawing/2014/main" id="{F3625E38-9DD3-4442-BF57-8A052A202C27}"/>
               </a:ext>
             </a:extLst>
           </p:cNvPr>
@@ -16176,7 +17169,7 @@
         <p:spPr>
           <a:xfrm>
             <a:off x="1924051" y="2366267"/>
-            <a:ext cx="3695699" cy="809625"/>
+            <a:ext cx="8878420" cy="809625"/>
           </a:xfrm>
           <a:prstGeom prst="rect">
             <a:avLst/>
@@ -16222,69 +17215,10 @@
       </p:sp>
       <p:sp>
         <p:nvSpPr>
-          <p:cNvPr id="7" name="직사각형 6">
+          <p:cNvPr id="12" name="직사각형 11">
             <a:extLst>
               <a:ext uri="{FF2B5EF4-FFF2-40B4-BE49-F238E27FC236}">
-                <a16:creationId xmlns:a16="http://schemas.microsoft.com/office/drawing/2014/main" id="{42B06023-C9CE-4C1A-9104-BF620370FF1C}"/>
-              </a:ext>
-            </a:extLst>
-          </p:cNvPr>
-          <p:cNvSpPr/>
-          <p:nvPr/>
-        </p:nvSpPr>
-        <p:spPr>
-          <a:xfrm>
-            <a:off x="6572250" y="2366267"/>
-            <a:ext cx="3695699" cy="809625"/>
-          </a:xfrm>
-          <a:prstGeom prst="rect">
-            <a:avLst/>
-          </a:prstGeom>
-          <a:ln w="38100">
-            <a:solidFill>
-              <a:schemeClr val="tx1">
-                <a:lumMod val="85000"/>
-              </a:schemeClr>
-            </a:solidFill>
-          </a:ln>
-        </p:spPr>
-        <p:style>
-          <a:lnRef idx="2">
-            <a:schemeClr val="accent1">
-              <a:shade val="50000"/>
-            </a:schemeClr>
-          </a:lnRef>
-          <a:fillRef idx="1">
-            <a:schemeClr val="accent1"/>
-          </a:fillRef>
-          <a:effectRef idx="0">
-            <a:schemeClr val="accent1"/>
-          </a:effectRef>
-          <a:fontRef idx="minor">
-            <a:schemeClr val="lt1"/>
-          </a:fontRef>
-        </p:style>
-        <p:txBody>
-          <a:bodyPr rtlCol="0" anchor="ctr"/>
-          <a:lstStyle/>
-          <a:p>
-            <a:pPr algn="ctr"/>
-            <a:r>
-              <a:rPr lang="ko-KR" altLang="en-US" sz="2800" dirty="0">
-                <a:latin typeface="HY헤드라인M" panose="02030600000101010101" pitchFamily="18" charset="-127"/>
-                <a:ea typeface="HY헤드라인M" panose="02030600000101010101" pitchFamily="18" charset="-127"/>
-              </a:rPr>
-              <a:t>중점 연구 분야</a:t>
-            </a:r>
-          </a:p>
-        </p:txBody>
-      </p:sp>
-      <p:sp>
-        <p:nvSpPr>
-          <p:cNvPr id="8" name="직사각형 7">
-            <a:extLst>
-              <a:ext uri="{FF2B5EF4-FFF2-40B4-BE49-F238E27FC236}">
-                <a16:creationId xmlns:a16="http://schemas.microsoft.com/office/drawing/2014/main" id="{CB469350-E50A-4DC1-86EC-2F2AA9335895}"/>
+                <a16:creationId xmlns:a16="http://schemas.microsoft.com/office/drawing/2014/main" id="{640F0722-8F30-4096-9ECD-204AC27D67E6}"/>
               </a:ext>
             </a:extLst>
           </p:cNvPr>
@@ -16294,66 +17228,7 @@
         <p:spPr>
           <a:xfrm>
             <a:off x="1924051" y="3175891"/>
-            <a:ext cx="3695699" cy="2701033"/>
-          </a:xfrm>
-          <a:prstGeom prst="rect">
-            <a:avLst/>
-          </a:prstGeom>
-          <a:solidFill>
-            <a:srgbClr val="595959"/>
-          </a:solidFill>
-          <a:ln w="38100">
-            <a:solidFill>
-              <a:schemeClr val="tx1">
-                <a:lumMod val="85000"/>
-              </a:schemeClr>
-            </a:solidFill>
-          </a:ln>
-        </p:spPr>
-        <p:style>
-          <a:lnRef idx="2">
-            <a:schemeClr val="accent1">
-              <a:shade val="50000"/>
-            </a:schemeClr>
-          </a:lnRef>
-          <a:fillRef idx="1">
-            <a:schemeClr val="accent1"/>
-          </a:fillRef>
-          <a:effectRef idx="0">
-            <a:schemeClr val="accent1"/>
-          </a:effectRef>
-          <a:fontRef idx="minor">
-            <a:schemeClr val="lt1"/>
-          </a:fontRef>
-        </p:style>
-        <p:txBody>
-          <a:bodyPr rtlCol="0" anchor="ctr"/>
-          <a:lstStyle/>
-          <a:p>
-            <a:pPr algn="ctr"/>
-            <a:endParaRPr lang="en-US" altLang="ko-KR" sz="2000" dirty="0">
-              <a:latin typeface="HY헤드라인M" panose="02030600000101010101" pitchFamily="18" charset="-127"/>
-              <a:ea typeface="HY헤드라인M" panose="02030600000101010101" pitchFamily="18" charset="-127"/>
-            </a:endParaRPr>
-          </a:p>
-        </p:txBody>
-      </p:sp>
-      <p:sp>
-        <p:nvSpPr>
-          <p:cNvPr id="9" name="직사각형 8">
-            <a:extLst>
-              <a:ext uri="{FF2B5EF4-FFF2-40B4-BE49-F238E27FC236}">
-                <a16:creationId xmlns:a16="http://schemas.microsoft.com/office/drawing/2014/main" id="{8428788A-2D00-4988-AC0D-60E036ECBFB4}"/>
-              </a:ext>
-            </a:extLst>
-          </p:cNvPr>
-          <p:cNvSpPr/>
-          <p:nvPr/>
-        </p:nvSpPr>
-        <p:spPr>
-          <a:xfrm>
-            <a:off x="6572249" y="3175891"/>
-            <a:ext cx="3695699" cy="2701033"/>
+            <a:ext cx="8878420" cy="2701033"/>
           </a:xfrm>
           <a:prstGeom prst="rect">
             <a:avLst/>

--- a/기획단계/졸작 제안서_α.pptx
+++ b/기획단계/졸작 제안서_α.pptx
@@ -307,7 +307,7 @@
             <a:fld id="{B61BEF0D-F0BB-DE4B-95CE-6DB70DBA9567}" type="datetimeFigureOut">
               <a:rPr lang="en-US" smtClean="0"/>
               <a:pPr/>
-              <a:t>11/15/2019</a:t>
+              <a:t>11/16/2019</a:t>
             </a:fld>
             <a:endParaRPr lang="en-US" dirty="0"/>
           </a:p>
@@ -536,7 +536,7 @@
           <a:p>
             <a:fld id="{55C6B4A9-1611-4792-9094-5F34BCA07E0B}" type="datetimeFigureOut">
               <a:rPr lang="en-US" smtClean="0"/>
-              <a:t>11/15/2019</a:t>
+              <a:t>11/16/2019</a:t>
             </a:fld>
             <a:endParaRPr lang="en-US" dirty="0"/>
           </a:p>
@@ -717,7 +717,7 @@
             <a:fld id="{B61BEF0D-F0BB-DE4B-95CE-6DB70DBA9567}" type="datetimeFigureOut">
               <a:rPr lang="en-US" smtClean="0"/>
               <a:pPr/>
-              <a:t>11/15/2019</a:t>
+              <a:t>11/16/2019</a:t>
             </a:fld>
             <a:endParaRPr lang="en-US" dirty="0"/>
           </a:p>
@@ -888,7 +888,7 @@
           <a:p>
             <a:fld id="{42A54C80-263E-416B-A8E0-580EDEADCBDC}" type="datetimeFigureOut">
               <a:rPr lang="en-US" smtClean="0"/>
-              <a:t>11/15/2019</a:t>
+              <a:t>11/16/2019</a:t>
             </a:fld>
             <a:endParaRPr lang="en-US" dirty="0"/>
           </a:p>
@@ -1143,7 +1143,7 @@
             <a:fld id="{B61BEF0D-F0BB-DE4B-95CE-6DB70DBA9567}" type="datetimeFigureOut">
               <a:rPr lang="en-US" smtClean="0"/>
               <a:pPr/>
-              <a:t>11/15/2019</a:t>
+              <a:t>11/16/2019</a:t>
             </a:fld>
             <a:endParaRPr lang="en-US" dirty="0"/>
           </a:p>
@@ -1470,7 +1470,7 @@
           <a:p>
             <a:fld id="{42A54C80-263E-416B-A8E0-580EDEADCBDC}" type="datetimeFigureOut">
               <a:rPr lang="en-US" smtClean="0"/>
-              <a:t>11/15/2019</a:t>
+              <a:t>11/16/2019</a:t>
             </a:fld>
             <a:endParaRPr lang="en-US" dirty="0"/>
           </a:p>
@@ -1922,7 +1922,7 @@
             <a:fld id="{B61BEF0D-F0BB-DE4B-95CE-6DB70DBA9567}" type="datetimeFigureOut">
               <a:rPr lang="en-US" smtClean="0"/>
               <a:pPr/>
-              <a:t>11/15/2019</a:t>
+              <a:t>11/16/2019</a:t>
             </a:fld>
             <a:endParaRPr lang="en-US" dirty="0"/>
           </a:p>
@@ -2042,7 +2042,7 @@
             <a:fld id="{B61BEF0D-F0BB-DE4B-95CE-6DB70DBA9567}" type="datetimeFigureOut">
               <a:rPr lang="en-US" smtClean="0"/>
               <a:pPr/>
-              <a:t>11/15/2019</a:t>
+              <a:t>11/16/2019</a:t>
             </a:fld>
             <a:endParaRPr lang="en-US" dirty="0"/>
           </a:p>
@@ -2139,7 +2139,7 @@
             <a:fld id="{B61BEF0D-F0BB-DE4B-95CE-6DB70DBA9567}" type="datetimeFigureOut">
               <a:rPr lang="en-US" smtClean="0"/>
               <a:pPr/>
-              <a:t>11/15/2019</a:t>
+              <a:t>11/16/2019</a:t>
             </a:fld>
             <a:endParaRPr lang="en-US" dirty="0"/>
           </a:p>
@@ -2427,7 +2427,7 @@
           <a:p>
             <a:fld id="{42A54C80-263E-416B-A8E0-580EDEADCBDC}" type="datetimeFigureOut">
               <a:rPr lang="en-US" smtClean="0"/>
-              <a:t>11/15/2019</a:t>
+              <a:t>11/16/2019</a:t>
             </a:fld>
             <a:endParaRPr lang="en-US" dirty="0"/>
           </a:p>
@@ -2750,7 +2750,7 @@
             <a:fld id="{B61BEF0D-F0BB-DE4B-95CE-6DB70DBA9567}" type="datetimeFigureOut">
               <a:rPr lang="en-US" smtClean="0"/>
               <a:pPr/>
-              <a:t>11/15/2019</a:t>
+              <a:t>11/16/2019</a:t>
             </a:fld>
             <a:endParaRPr lang="en-US" dirty="0"/>
           </a:p>
@@ -3006,7 +3006,7 @@
             <a:fld id="{B61BEF0D-F0BB-DE4B-95CE-6DB70DBA9567}" type="datetimeFigureOut">
               <a:rPr lang="en-US" smtClean="0"/>
               <a:pPr/>
-              <a:t>11/15/2019</a:t>
+              <a:t>11/16/2019</a:t>
             </a:fld>
             <a:endParaRPr lang="en-US" dirty="0"/>
           </a:p>
@@ -4085,14 +4085,59 @@
           </a:fontRef>
         </p:style>
         <p:txBody>
-          <a:bodyPr rtlCol="0" anchor="ctr"/>
+          <a:bodyPr rtlCol="0" anchor="t"/>
           <a:lstStyle/>
           <a:p>
-            <a:pPr algn="ctr"/>
-            <a:endParaRPr lang="en-US" altLang="ko-KR" sz="2000" dirty="0">
+            <a:endParaRPr lang="en-US" altLang="ko-KR" sz="2400" dirty="0">
               <a:latin typeface="HY헤드라인M" panose="02030600000101010101" pitchFamily="18" charset="-127"/>
               <a:ea typeface="HY헤드라인M" panose="02030600000101010101" pitchFamily="18" charset="-127"/>
             </a:endParaRPr>
+          </a:p>
+          <a:p>
+            <a:r>
+              <a:rPr lang="en-US" altLang="ko-KR" sz="2400" dirty="0">
+                <a:latin typeface="HY헤드라인M" panose="02030600000101010101" pitchFamily="18" charset="-127"/>
+                <a:ea typeface="HY헤드라인M" panose="02030600000101010101" pitchFamily="18" charset="-127"/>
+              </a:rPr>
+              <a:t>	-	IOCP</a:t>
+            </a:r>
+            <a:r>
+              <a:rPr lang="ko-KR" altLang="en-US" sz="2400" dirty="0">
+                <a:latin typeface="HY헤드라인M" panose="02030600000101010101" pitchFamily="18" charset="-127"/>
+                <a:ea typeface="HY헤드라인M" panose="02030600000101010101" pitchFamily="18" charset="-127"/>
+              </a:rPr>
+              <a:t>를 이용한 여러 개의 클라이언트 접속 유지</a:t>
+            </a:r>
+            <a:endParaRPr lang="en-US" altLang="ko-KR" sz="2400" dirty="0">
+              <a:latin typeface="HY헤드라인M" panose="02030600000101010101" pitchFamily="18" charset="-127"/>
+              <a:ea typeface="HY헤드라인M" panose="02030600000101010101" pitchFamily="18" charset="-127"/>
+            </a:endParaRPr>
+          </a:p>
+          <a:p>
+            <a:endParaRPr lang="en-US" altLang="ko-KR" sz="2400" dirty="0">
+              <a:latin typeface="HY헤드라인M" panose="02030600000101010101" pitchFamily="18" charset="-127"/>
+              <a:ea typeface="HY헤드라인M" panose="02030600000101010101" pitchFamily="18" charset="-127"/>
+            </a:endParaRPr>
+          </a:p>
+          <a:p>
+            <a:r>
+              <a:rPr lang="en-US" altLang="ko-KR" sz="2400" dirty="0">
+                <a:latin typeface="HY헤드라인M" panose="02030600000101010101" pitchFamily="18" charset="-127"/>
+                <a:ea typeface="HY헤드라인M" panose="02030600000101010101" pitchFamily="18" charset="-127"/>
+              </a:rPr>
+              <a:t>	-	</a:t>
+            </a:r>
+            <a:r>
+              <a:rPr lang="ko-KR" altLang="en-US" sz="2400" dirty="0">
+                <a:latin typeface="HY헤드라인M" panose="02030600000101010101" pitchFamily="18" charset="-127"/>
+                <a:ea typeface="HY헤드라인M" panose="02030600000101010101" pitchFamily="18" charset="-127"/>
+              </a:rPr>
+              <a:t>물리엔진의 실시간 처리</a:t>
+            </a:r>
+          </a:p>
+          <a:p>
+            <a:pPr algn="ctr"/>
+            <a:endParaRPr lang="ko-KR" altLang="en-US" sz="2000" dirty="0"/>
           </a:p>
         </p:txBody>
       </p:sp>
@@ -4229,6 +4274,847 @@
           </a:p>
         </p:txBody>
       </p:sp>
+      <p:sp>
+        <p:nvSpPr>
+          <p:cNvPr id="5" name="직사각형 4">
+            <a:extLst>
+              <a:ext uri="{FF2B5EF4-FFF2-40B4-BE49-F238E27FC236}">
+                <a16:creationId xmlns:a16="http://schemas.microsoft.com/office/drawing/2014/main" id="{77B11E97-3DE7-40DA-8FF7-A32B35070F07}"/>
+              </a:ext>
+            </a:extLst>
+          </p:cNvPr>
+          <p:cNvSpPr/>
+          <p:nvPr/>
+        </p:nvSpPr>
+        <p:spPr>
+          <a:xfrm>
+            <a:off x="1631476" y="1298100"/>
+            <a:ext cx="3390901" cy="809625"/>
+          </a:xfrm>
+          <a:prstGeom prst="rect">
+            <a:avLst/>
+          </a:prstGeom>
+          <a:ln w="38100">
+            <a:solidFill>
+              <a:schemeClr val="tx1">
+                <a:lumMod val="85000"/>
+              </a:schemeClr>
+            </a:solidFill>
+          </a:ln>
+        </p:spPr>
+        <p:style>
+          <a:lnRef idx="2">
+            <a:schemeClr val="accent1">
+              <a:shade val="50000"/>
+            </a:schemeClr>
+          </a:lnRef>
+          <a:fillRef idx="1">
+            <a:schemeClr val="accent1"/>
+          </a:fillRef>
+          <a:effectRef idx="0">
+            <a:schemeClr val="accent1"/>
+          </a:effectRef>
+          <a:fontRef idx="minor">
+            <a:schemeClr val="lt1"/>
+          </a:fontRef>
+        </p:style>
+        <p:txBody>
+          <a:bodyPr rtlCol="0" anchor="ctr"/>
+          <a:lstStyle/>
+          <a:p>
+            <a:pPr algn="ctr"/>
+            <a:r>
+              <a:rPr lang="ko-KR" altLang="en-US" sz="2800" dirty="0" err="1">
+                <a:latin typeface="HY헤드라인M" panose="02030600000101010101" pitchFamily="18" charset="-127"/>
+                <a:ea typeface="HY헤드라인M" panose="02030600000101010101" pitchFamily="18" charset="-127"/>
+              </a:rPr>
+              <a:t>김영완</a:t>
+            </a:r>
+            <a:endParaRPr lang="ko-KR" altLang="en-US" sz="2800" dirty="0">
+              <a:latin typeface="HY헤드라인M" panose="02030600000101010101" pitchFamily="18" charset="-127"/>
+              <a:ea typeface="HY헤드라인M" panose="02030600000101010101" pitchFamily="18" charset="-127"/>
+            </a:endParaRPr>
+          </a:p>
+        </p:txBody>
+      </p:sp>
+      <p:sp>
+        <p:nvSpPr>
+          <p:cNvPr id="7" name="직사각형 6">
+            <a:extLst>
+              <a:ext uri="{FF2B5EF4-FFF2-40B4-BE49-F238E27FC236}">
+                <a16:creationId xmlns:a16="http://schemas.microsoft.com/office/drawing/2014/main" id="{F339315A-041C-45AC-82AD-9EE2920A232E}"/>
+              </a:ext>
+            </a:extLst>
+          </p:cNvPr>
+          <p:cNvSpPr/>
+          <p:nvPr/>
+        </p:nvSpPr>
+        <p:spPr>
+          <a:xfrm>
+            <a:off x="1631476" y="2107724"/>
+            <a:ext cx="3390901" cy="3891662"/>
+          </a:xfrm>
+          <a:prstGeom prst="rect">
+            <a:avLst/>
+          </a:prstGeom>
+          <a:solidFill>
+            <a:srgbClr val="595959"/>
+          </a:solidFill>
+          <a:ln w="38100">
+            <a:solidFill>
+              <a:schemeClr val="tx1">
+                <a:lumMod val="85000"/>
+              </a:schemeClr>
+            </a:solidFill>
+          </a:ln>
+        </p:spPr>
+        <p:style>
+          <a:lnRef idx="2">
+            <a:schemeClr val="accent1">
+              <a:shade val="50000"/>
+            </a:schemeClr>
+          </a:lnRef>
+          <a:fillRef idx="1">
+            <a:schemeClr val="accent1"/>
+          </a:fillRef>
+          <a:effectRef idx="0">
+            <a:schemeClr val="accent1"/>
+          </a:effectRef>
+          <a:fontRef idx="minor">
+            <a:schemeClr val="lt1"/>
+          </a:fontRef>
+        </p:style>
+        <p:txBody>
+          <a:bodyPr rtlCol="0" anchor="t"/>
+          <a:lstStyle/>
+          <a:p>
+            <a:r>
+              <a:rPr lang="en-US" altLang="ko-KR" sz="1600" dirty="0">
+                <a:latin typeface="HY헤드라인M" panose="02030600000101010101" pitchFamily="18" charset="-127"/>
+                <a:ea typeface="HY헤드라인M" panose="02030600000101010101" pitchFamily="18" charset="-127"/>
+              </a:rPr>
+              <a:t>DirectX 12</a:t>
+            </a:r>
+          </a:p>
+          <a:p>
+            <a:r>
+              <a:rPr lang="en-US" altLang="ko-KR" sz="1600" dirty="0">
+                <a:latin typeface="HY헤드라인M" panose="02030600000101010101" pitchFamily="18" charset="-127"/>
+                <a:ea typeface="HY헤드라인M" panose="02030600000101010101" pitchFamily="18" charset="-127"/>
+              </a:rPr>
+              <a:t>-3DGP</a:t>
+            </a:r>
+            <a:r>
+              <a:rPr lang="ko-KR" altLang="en-US" sz="1600" dirty="0">
+                <a:latin typeface="HY헤드라인M" panose="02030600000101010101" pitchFamily="18" charset="-127"/>
+                <a:ea typeface="HY헤드라인M" panose="02030600000101010101" pitchFamily="18" charset="-127"/>
+              </a:rPr>
+              <a:t> 수강</a:t>
+            </a:r>
+            <a:endParaRPr lang="en-US" altLang="ko-KR" sz="1600" dirty="0">
+              <a:latin typeface="HY헤드라인M" panose="02030600000101010101" pitchFamily="18" charset="-127"/>
+              <a:ea typeface="HY헤드라인M" panose="02030600000101010101" pitchFamily="18" charset="-127"/>
+            </a:endParaRPr>
+          </a:p>
+          <a:p>
+            <a:endParaRPr lang="en-US" altLang="ko-KR" sz="1600" dirty="0">
+              <a:latin typeface="HY헤드라인M" panose="02030600000101010101" pitchFamily="18" charset="-127"/>
+              <a:ea typeface="HY헤드라인M" panose="02030600000101010101" pitchFamily="18" charset="-127"/>
+            </a:endParaRPr>
+          </a:p>
+          <a:p>
+            <a:r>
+              <a:rPr lang="ko-KR" altLang="en-US" sz="1600" dirty="0">
+                <a:latin typeface="HY헤드라인M" panose="02030600000101010101" pitchFamily="18" charset="-127"/>
+                <a:ea typeface="HY헤드라인M" panose="02030600000101010101" pitchFamily="18" charset="-127"/>
+              </a:rPr>
+              <a:t>모델링</a:t>
+            </a:r>
+            <a:endParaRPr lang="en-US" altLang="ko-KR" sz="1600" dirty="0">
+              <a:latin typeface="HY헤드라인M" panose="02030600000101010101" pitchFamily="18" charset="-127"/>
+              <a:ea typeface="HY헤드라인M" panose="02030600000101010101" pitchFamily="18" charset="-127"/>
+            </a:endParaRPr>
+          </a:p>
+          <a:p>
+            <a:r>
+              <a:rPr lang="en-US" altLang="ko-KR" sz="1600" dirty="0">
+                <a:latin typeface="HY헤드라인M" panose="02030600000101010101" pitchFamily="18" charset="-127"/>
+                <a:ea typeface="HY헤드라인M" panose="02030600000101010101" pitchFamily="18" charset="-127"/>
+              </a:rPr>
+              <a:t>-</a:t>
+            </a:r>
+            <a:r>
+              <a:rPr lang="ko-KR" altLang="en-US" sz="1600" dirty="0" err="1">
+                <a:latin typeface="HY헤드라인M" panose="02030600000101010101" pitchFamily="18" charset="-127"/>
+                <a:ea typeface="HY헤드라인M" panose="02030600000101010101" pitchFamily="18" charset="-127"/>
+              </a:rPr>
+              <a:t>쉐이더</a:t>
+            </a:r>
+            <a:r>
+              <a:rPr lang="ko-KR" altLang="en-US" sz="1600" dirty="0">
+                <a:latin typeface="HY헤드라인M" panose="02030600000101010101" pitchFamily="18" charset="-127"/>
+                <a:ea typeface="HY헤드라인M" panose="02030600000101010101" pitchFamily="18" charset="-127"/>
+              </a:rPr>
+              <a:t> 프로그래밍 수강</a:t>
+            </a:r>
+            <a:endParaRPr lang="en-US" altLang="ko-KR" sz="1600" dirty="0">
+              <a:latin typeface="HY헤드라인M" panose="02030600000101010101" pitchFamily="18" charset="-127"/>
+              <a:ea typeface="HY헤드라인M" panose="02030600000101010101" pitchFamily="18" charset="-127"/>
+            </a:endParaRPr>
+          </a:p>
+          <a:p>
+            <a:endParaRPr lang="en-US" altLang="ko-KR" sz="1600" dirty="0">
+              <a:latin typeface="HY헤드라인M" panose="02030600000101010101" pitchFamily="18" charset="-127"/>
+              <a:ea typeface="HY헤드라인M" panose="02030600000101010101" pitchFamily="18" charset="-127"/>
+            </a:endParaRPr>
+          </a:p>
+          <a:p>
+            <a:r>
+              <a:rPr lang="ko-KR" altLang="en-US" sz="1600" dirty="0">
+                <a:latin typeface="HY헤드라인M" panose="02030600000101010101" pitchFamily="18" charset="-127"/>
+                <a:ea typeface="HY헤드라인M" panose="02030600000101010101" pitchFamily="18" charset="-127"/>
+              </a:rPr>
+              <a:t>애니메이션</a:t>
+            </a:r>
+            <a:endParaRPr lang="en-US" altLang="ko-KR" sz="1600" dirty="0">
+              <a:latin typeface="HY헤드라인M" panose="02030600000101010101" pitchFamily="18" charset="-127"/>
+              <a:ea typeface="HY헤드라인M" panose="02030600000101010101" pitchFamily="18" charset="-127"/>
+            </a:endParaRPr>
+          </a:p>
+          <a:p>
+            <a:r>
+              <a:rPr lang="en-US" altLang="ko-KR" sz="1600" dirty="0">
+                <a:latin typeface="HY헤드라인M" panose="02030600000101010101" pitchFamily="18" charset="-127"/>
+                <a:ea typeface="HY헤드라인M" panose="02030600000101010101" pitchFamily="18" charset="-127"/>
+              </a:rPr>
+              <a:t>-FBX SDK </a:t>
+            </a:r>
+          </a:p>
+          <a:p>
+            <a:endParaRPr lang="en-US" altLang="ko-KR" sz="1600" dirty="0">
+              <a:latin typeface="HY헤드라인M" panose="02030600000101010101" pitchFamily="18" charset="-127"/>
+              <a:ea typeface="HY헤드라인M" panose="02030600000101010101" pitchFamily="18" charset="-127"/>
+            </a:endParaRPr>
+          </a:p>
+          <a:p>
+            <a:endParaRPr lang="en-US" altLang="ko-KR" sz="1600" dirty="0">
+              <a:latin typeface="HY헤드라인M" panose="02030600000101010101" pitchFamily="18" charset="-127"/>
+              <a:ea typeface="HY헤드라인M" panose="02030600000101010101" pitchFamily="18" charset="-127"/>
+            </a:endParaRPr>
+          </a:p>
+          <a:p>
+            <a:endParaRPr lang="en-US" altLang="ko-KR" sz="1600" dirty="0">
+              <a:latin typeface="HY헤드라인M" panose="02030600000101010101" pitchFamily="18" charset="-127"/>
+              <a:ea typeface="HY헤드라인M" panose="02030600000101010101" pitchFamily="18" charset="-127"/>
+            </a:endParaRPr>
+          </a:p>
+          <a:p>
+            <a:endParaRPr lang="en-US" altLang="ko-KR" sz="1600" dirty="0">
+              <a:latin typeface="HY헤드라인M" panose="02030600000101010101" pitchFamily="18" charset="-127"/>
+              <a:ea typeface="HY헤드라인M" panose="02030600000101010101" pitchFamily="18" charset="-127"/>
+            </a:endParaRPr>
+          </a:p>
+          <a:p>
+            <a:endParaRPr lang="en-US" altLang="ko-KR" sz="1600" dirty="0">
+              <a:latin typeface="HY헤드라인M" panose="02030600000101010101" pitchFamily="18" charset="-127"/>
+              <a:ea typeface="HY헤드라인M" panose="02030600000101010101" pitchFamily="18" charset="-127"/>
+            </a:endParaRPr>
+          </a:p>
+          <a:p>
+            <a:r>
+              <a:rPr lang="en-US" altLang="ko-KR" sz="1600" dirty="0">
+                <a:latin typeface="HY헤드라인M" panose="02030600000101010101" pitchFamily="18" charset="-127"/>
+                <a:ea typeface="HY헤드라인M" panose="02030600000101010101" pitchFamily="18" charset="-127"/>
+              </a:rPr>
+              <a:t>Git</a:t>
+            </a:r>
+          </a:p>
+          <a:p>
+            <a:r>
+              <a:rPr lang="en-US" altLang="ko-KR" sz="1600" dirty="0">
+                <a:latin typeface="HY헤드라인M" panose="02030600000101010101" pitchFamily="18" charset="-127"/>
+                <a:ea typeface="HY헤드라인M" panose="02030600000101010101" pitchFamily="18" charset="-127"/>
+              </a:rPr>
+              <a:t>-</a:t>
+            </a:r>
+            <a:r>
+              <a:rPr lang="ko-KR" altLang="en-US" sz="1600" dirty="0">
+                <a:latin typeface="HY헤드라인M" panose="02030600000101010101" pitchFamily="18" charset="-127"/>
+                <a:ea typeface="HY헤드라인M" panose="02030600000101010101" pitchFamily="18" charset="-127"/>
+              </a:rPr>
+              <a:t>게임소프트공학 수강</a:t>
+            </a:r>
+            <a:endParaRPr lang="en-US" altLang="ko-KR" sz="1600" dirty="0">
+              <a:latin typeface="HY헤드라인M" panose="02030600000101010101" pitchFamily="18" charset="-127"/>
+              <a:ea typeface="HY헤드라인M" panose="02030600000101010101" pitchFamily="18" charset="-127"/>
+            </a:endParaRPr>
+          </a:p>
+          <a:p>
+            <a:endParaRPr lang="en-US" altLang="ko-KR" sz="2000" dirty="0">
+              <a:latin typeface="HY헤드라인M" panose="02030600000101010101" pitchFamily="18" charset="-127"/>
+              <a:ea typeface="HY헤드라인M" panose="02030600000101010101" pitchFamily="18" charset="-127"/>
+            </a:endParaRPr>
+          </a:p>
+        </p:txBody>
+      </p:sp>
+      <p:sp>
+        <p:nvSpPr>
+          <p:cNvPr id="8" name="직사각형 7">
+            <a:extLst>
+              <a:ext uri="{FF2B5EF4-FFF2-40B4-BE49-F238E27FC236}">
+                <a16:creationId xmlns:a16="http://schemas.microsoft.com/office/drawing/2014/main" id="{0598F42B-20BB-4FE1-B916-900EF2CCD5F1}"/>
+              </a:ext>
+            </a:extLst>
+          </p:cNvPr>
+          <p:cNvSpPr/>
+          <p:nvPr/>
+        </p:nvSpPr>
+        <p:spPr>
+          <a:xfrm>
+            <a:off x="5022377" y="1298097"/>
+            <a:ext cx="3390901" cy="809625"/>
+          </a:xfrm>
+          <a:prstGeom prst="rect">
+            <a:avLst/>
+          </a:prstGeom>
+          <a:ln w="38100">
+            <a:solidFill>
+              <a:schemeClr val="tx1">
+                <a:lumMod val="85000"/>
+              </a:schemeClr>
+            </a:solidFill>
+          </a:ln>
+        </p:spPr>
+        <p:style>
+          <a:lnRef idx="2">
+            <a:schemeClr val="accent1">
+              <a:shade val="50000"/>
+            </a:schemeClr>
+          </a:lnRef>
+          <a:fillRef idx="1">
+            <a:schemeClr val="accent1"/>
+          </a:fillRef>
+          <a:effectRef idx="0">
+            <a:schemeClr val="accent1"/>
+          </a:effectRef>
+          <a:fontRef idx="minor">
+            <a:schemeClr val="lt1"/>
+          </a:fontRef>
+        </p:style>
+        <p:txBody>
+          <a:bodyPr rtlCol="0" anchor="ctr"/>
+          <a:lstStyle/>
+          <a:p>
+            <a:pPr algn="ctr"/>
+            <a:r>
+              <a:rPr lang="ko-KR" altLang="en-US" sz="2800" dirty="0">
+                <a:latin typeface="HY헤드라인M" panose="02030600000101010101" pitchFamily="18" charset="-127"/>
+                <a:ea typeface="HY헤드라인M" panose="02030600000101010101" pitchFamily="18" charset="-127"/>
+              </a:rPr>
+              <a:t>박건호</a:t>
+            </a:r>
+          </a:p>
+        </p:txBody>
+      </p:sp>
+      <p:sp>
+        <p:nvSpPr>
+          <p:cNvPr id="9" name="직사각형 8">
+            <a:extLst>
+              <a:ext uri="{FF2B5EF4-FFF2-40B4-BE49-F238E27FC236}">
+                <a16:creationId xmlns:a16="http://schemas.microsoft.com/office/drawing/2014/main" id="{B3C4690B-4DFC-4286-B5B4-EA8F7F452F2D}"/>
+              </a:ext>
+            </a:extLst>
+          </p:cNvPr>
+          <p:cNvSpPr/>
+          <p:nvPr/>
+        </p:nvSpPr>
+        <p:spPr>
+          <a:xfrm>
+            <a:off x="5022377" y="2107721"/>
+            <a:ext cx="3390901" cy="3891662"/>
+          </a:xfrm>
+          <a:prstGeom prst="rect">
+            <a:avLst/>
+          </a:prstGeom>
+          <a:solidFill>
+            <a:srgbClr val="595959"/>
+          </a:solidFill>
+          <a:ln w="38100">
+            <a:solidFill>
+              <a:schemeClr val="tx1">
+                <a:lumMod val="85000"/>
+              </a:schemeClr>
+            </a:solidFill>
+          </a:ln>
+        </p:spPr>
+        <p:style>
+          <a:lnRef idx="2">
+            <a:schemeClr val="accent1">
+              <a:shade val="50000"/>
+            </a:schemeClr>
+          </a:lnRef>
+          <a:fillRef idx="1">
+            <a:schemeClr val="accent1"/>
+          </a:fillRef>
+          <a:effectRef idx="0">
+            <a:schemeClr val="accent1"/>
+          </a:effectRef>
+          <a:fontRef idx="minor">
+            <a:schemeClr val="lt1"/>
+          </a:fontRef>
+        </p:style>
+        <p:txBody>
+          <a:bodyPr rtlCol="0" anchor="t"/>
+          <a:lstStyle/>
+          <a:p>
+            <a:r>
+              <a:rPr lang="en-US" altLang="ko-KR" sz="1600" dirty="0">
+                <a:latin typeface="HY헤드라인M" panose="02030600000101010101" pitchFamily="18" charset="-127"/>
+                <a:ea typeface="HY헤드라인M" panose="02030600000101010101" pitchFamily="18" charset="-127"/>
+              </a:rPr>
+              <a:t>DirectX 12</a:t>
+            </a:r>
+          </a:p>
+          <a:p>
+            <a:r>
+              <a:rPr lang="en-US" altLang="ko-KR" sz="1600" dirty="0">
+                <a:latin typeface="HY헤드라인M" panose="02030600000101010101" pitchFamily="18" charset="-127"/>
+                <a:ea typeface="HY헤드라인M" panose="02030600000101010101" pitchFamily="18" charset="-127"/>
+              </a:rPr>
+              <a:t>-3DGP</a:t>
+            </a:r>
+            <a:r>
+              <a:rPr lang="ko-KR" altLang="en-US" sz="1600" dirty="0">
+                <a:latin typeface="HY헤드라인M" panose="02030600000101010101" pitchFamily="18" charset="-127"/>
+                <a:ea typeface="HY헤드라인M" panose="02030600000101010101" pitchFamily="18" charset="-127"/>
+              </a:rPr>
+              <a:t> 수강</a:t>
+            </a:r>
+            <a:endParaRPr lang="en-US" altLang="ko-KR" sz="1600" dirty="0">
+              <a:latin typeface="HY헤드라인M" panose="02030600000101010101" pitchFamily="18" charset="-127"/>
+              <a:ea typeface="HY헤드라인M" panose="02030600000101010101" pitchFamily="18" charset="-127"/>
+            </a:endParaRPr>
+          </a:p>
+          <a:p>
+            <a:endParaRPr lang="en-US" altLang="ko-KR" sz="1600" dirty="0">
+              <a:latin typeface="HY헤드라인M" panose="02030600000101010101" pitchFamily="18" charset="-127"/>
+              <a:ea typeface="HY헤드라인M" panose="02030600000101010101" pitchFamily="18" charset="-127"/>
+            </a:endParaRPr>
+          </a:p>
+          <a:p>
+            <a:r>
+              <a:rPr lang="ko-KR" altLang="en-US" sz="1600" dirty="0">
+                <a:latin typeface="HY헤드라인M" panose="02030600000101010101" pitchFamily="18" charset="-127"/>
+                <a:ea typeface="HY헤드라인M" panose="02030600000101010101" pitchFamily="18" charset="-127"/>
+              </a:rPr>
+              <a:t>모델링</a:t>
+            </a:r>
+            <a:endParaRPr lang="en-US" altLang="ko-KR" sz="1600" dirty="0">
+              <a:latin typeface="HY헤드라인M" panose="02030600000101010101" pitchFamily="18" charset="-127"/>
+              <a:ea typeface="HY헤드라인M" panose="02030600000101010101" pitchFamily="18" charset="-127"/>
+            </a:endParaRPr>
+          </a:p>
+          <a:p>
+            <a:r>
+              <a:rPr lang="en-US" altLang="ko-KR" sz="1600" dirty="0">
+                <a:latin typeface="HY헤드라인M" panose="02030600000101010101" pitchFamily="18" charset="-127"/>
+                <a:ea typeface="HY헤드라인M" panose="02030600000101010101" pitchFamily="18" charset="-127"/>
+              </a:rPr>
+              <a:t>-</a:t>
+            </a:r>
+            <a:r>
+              <a:rPr lang="ko-KR" altLang="en-US" sz="1600" dirty="0" err="1">
+                <a:latin typeface="HY헤드라인M" panose="02030600000101010101" pitchFamily="18" charset="-127"/>
+                <a:ea typeface="HY헤드라인M" panose="02030600000101010101" pitchFamily="18" charset="-127"/>
+              </a:rPr>
+              <a:t>쉐이더</a:t>
+            </a:r>
+            <a:r>
+              <a:rPr lang="ko-KR" altLang="en-US" sz="1600" dirty="0">
+                <a:latin typeface="HY헤드라인M" panose="02030600000101010101" pitchFamily="18" charset="-127"/>
+                <a:ea typeface="HY헤드라인M" panose="02030600000101010101" pitchFamily="18" charset="-127"/>
+              </a:rPr>
+              <a:t> 프로그래밍 수강</a:t>
+            </a:r>
+            <a:endParaRPr lang="en-US" altLang="ko-KR" sz="1600" dirty="0">
+              <a:latin typeface="HY헤드라인M" panose="02030600000101010101" pitchFamily="18" charset="-127"/>
+              <a:ea typeface="HY헤드라인M" panose="02030600000101010101" pitchFamily="18" charset="-127"/>
+            </a:endParaRPr>
+          </a:p>
+          <a:p>
+            <a:endParaRPr lang="en-US" altLang="ko-KR" sz="1600" dirty="0">
+              <a:latin typeface="HY헤드라인M" panose="02030600000101010101" pitchFamily="18" charset="-127"/>
+              <a:ea typeface="HY헤드라인M" panose="02030600000101010101" pitchFamily="18" charset="-127"/>
+            </a:endParaRPr>
+          </a:p>
+          <a:p>
+            <a:r>
+              <a:rPr lang="en-US" altLang="ko-KR" sz="1600" dirty="0">
+                <a:latin typeface="HY헤드라인M" panose="02030600000101010101" pitchFamily="18" charset="-127"/>
+                <a:ea typeface="HY헤드라인M" panose="02030600000101010101" pitchFamily="18" charset="-127"/>
+              </a:rPr>
+              <a:t>UI &amp; </a:t>
+            </a:r>
+            <a:r>
+              <a:rPr lang="ko-KR" altLang="en-US" sz="1600" dirty="0">
+                <a:latin typeface="HY헤드라인M" panose="02030600000101010101" pitchFamily="18" charset="-127"/>
+                <a:ea typeface="HY헤드라인M" panose="02030600000101010101" pitchFamily="18" charset="-127"/>
+              </a:rPr>
+              <a:t>레벨 디자인</a:t>
+            </a:r>
+            <a:endParaRPr lang="en-US" altLang="ko-KR" sz="1600" dirty="0">
+              <a:latin typeface="HY헤드라인M" panose="02030600000101010101" pitchFamily="18" charset="-127"/>
+              <a:ea typeface="HY헤드라인M" panose="02030600000101010101" pitchFamily="18" charset="-127"/>
+            </a:endParaRPr>
+          </a:p>
+          <a:p>
+            <a:r>
+              <a:rPr lang="en-US" altLang="ko-KR" sz="1600" dirty="0">
+                <a:latin typeface="HY헤드라인M" panose="02030600000101010101" pitchFamily="18" charset="-127"/>
+                <a:ea typeface="HY헤드라인M" panose="02030600000101010101" pitchFamily="18" charset="-127"/>
+              </a:rPr>
+              <a:t>-</a:t>
+            </a:r>
+            <a:r>
+              <a:rPr lang="ko-KR" altLang="en-US" sz="1600" dirty="0">
+                <a:latin typeface="HY헤드라인M" panose="02030600000101010101" pitchFamily="18" charset="-127"/>
+                <a:ea typeface="HY헤드라인M" panose="02030600000101010101" pitchFamily="18" charset="-127"/>
+              </a:rPr>
+              <a:t>게임 기획 수강</a:t>
+            </a:r>
+            <a:endParaRPr lang="en-US" altLang="ko-KR" sz="1600" dirty="0">
+              <a:latin typeface="HY헤드라인M" panose="02030600000101010101" pitchFamily="18" charset="-127"/>
+              <a:ea typeface="HY헤드라인M" panose="02030600000101010101" pitchFamily="18" charset="-127"/>
+            </a:endParaRPr>
+          </a:p>
+          <a:p>
+            <a:r>
+              <a:rPr lang="en-US" altLang="ko-KR" sz="1600" dirty="0">
+                <a:latin typeface="HY헤드라인M" panose="02030600000101010101" pitchFamily="18" charset="-127"/>
+                <a:ea typeface="HY헤드라인M" panose="02030600000101010101" pitchFamily="18" charset="-127"/>
+              </a:rPr>
+              <a:t>-</a:t>
+            </a:r>
+            <a:r>
+              <a:rPr lang="ko-KR" altLang="en-US" sz="1600" dirty="0">
+                <a:latin typeface="HY헤드라인M" panose="02030600000101010101" pitchFamily="18" charset="-127"/>
+                <a:ea typeface="HY헤드라인M" panose="02030600000101010101" pitchFamily="18" charset="-127"/>
+              </a:rPr>
+              <a:t>기획자 </a:t>
+            </a:r>
+            <a:r>
+              <a:rPr lang="ko-KR" altLang="en-US" sz="1600" dirty="0" err="1">
+                <a:latin typeface="HY헤드라인M" panose="02030600000101010101" pitchFamily="18" charset="-127"/>
+                <a:ea typeface="HY헤드라인M" panose="02030600000101010101" pitchFamily="18" charset="-127"/>
+              </a:rPr>
+              <a:t>특훈</a:t>
+            </a:r>
+            <a:r>
+              <a:rPr lang="ko-KR" altLang="en-US" sz="1600" dirty="0">
+                <a:latin typeface="HY헤드라인M" panose="02030600000101010101" pitchFamily="18" charset="-127"/>
+                <a:ea typeface="HY헤드라인M" panose="02030600000101010101" pitchFamily="18" charset="-127"/>
+              </a:rPr>
+              <a:t> 수강</a:t>
+            </a:r>
+            <a:endParaRPr lang="en-US" altLang="ko-KR" sz="1600" dirty="0">
+              <a:latin typeface="HY헤드라인M" panose="02030600000101010101" pitchFamily="18" charset="-127"/>
+              <a:ea typeface="HY헤드라인M" panose="02030600000101010101" pitchFamily="18" charset="-127"/>
+            </a:endParaRPr>
+          </a:p>
+          <a:p>
+            <a:endParaRPr lang="en-US" altLang="ko-KR" sz="1600" dirty="0">
+              <a:latin typeface="HY헤드라인M" panose="02030600000101010101" pitchFamily="18" charset="-127"/>
+              <a:ea typeface="HY헤드라인M" panose="02030600000101010101" pitchFamily="18" charset="-127"/>
+            </a:endParaRPr>
+          </a:p>
+          <a:p>
+            <a:endParaRPr lang="en-US" altLang="ko-KR" sz="1600" dirty="0">
+              <a:latin typeface="HY헤드라인M" panose="02030600000101010101" pitchFamily="18" charset="-127"/>
+              <a:ea typeface="HY헤드라인M" panose="02030600000101010101" pitchFamily="18" charset="-127"/>
+            </a:endParaRPr>
+          </a:p>
+          <a:p>
+            <a:endParaRPr lang="en-US" altLang="ko-KR" sz="1600" dirty="0">
+              <a:latin typeface="HY헤드라인M" panose="02030600000101010101" pitchFamily="18" charset="-127"/>
+              <a:ea typeface="HY헤드라인M" panose="02030600000101010101" pitchFamily="18" charset="-127"/>
+            </a:endParaRPr>
+          </a:p>
+          <a:p>
+            <a:endParaRPr lang="en-US" altLang="ko-KR" sz="1600" dirty="0">
+              <a:latin typeface="HY헤드라인M" panose="02030600000101010101" pitchFamily="18" charset="-127"/>
+              <a:ea typeface="HY헤드라인M" panose="02030600000101010101" pitchFamily="18" charset="-127"/>
+            </a:endParaRPr>
+          </a:p>
+          <a:p>
+            <a:r>
+              <a:rPr lang="en-US" altLang="ko-KR" sz="1600" dirty="0">
+                <a:latin typeface="HY헤드라인M" panose="02030600000101010101" pitchFamily="18" charset="-127"/>
+                <a:ea typeface="HY헤드라인M" panose="02030600000101010101" pitchFamily="18" charset="-127"/>
+              </a:rPr>
+              <a:t>Git</a:t>
+            </a:r>
+          </a:p>
+          <a:p>
+            <a:r>
+              <a:rPr lang="en-US" altLang="ko-KR" sz="1600" dirty="0">
+                <a:latin typeface="HY헤드라인M" panose="02030600000101010101" pitchFamily="18" charset="-127"/>
+                <a:ea typeface="HY헤드라인M" panose="02030600000101010101" pitchFamily="18" charset="-127"/>
+              </a:rPr>
+              <a:t>-</a:t>
+            </a:r>
+            <a:r>
+              <a:rPr lang="ko-KR" altLang="en-US" sz="1600" dirty="0">
+                <a:latin typeface="HY헤드라인M" panose="02030600000101010101" pitchFamily="18" charset="-127"/>
+                <a:ea typeface="HY헤드라인M" panose="02030600000101010101" pitchFamily="18" charset="-127"/>
+              </a:rPr>
+              <a:t>게임소프트공학 수강</a:t>
+            </a:r>
+            <a:endParaRPr lang="en-US" altLang="ko-KR" sz="1600" dirty="0">
+              <a:latin typeface="HY헤드라인M" panose="02030600000101010101" pitchFamily="18" charset="-127"/>
+              <a:ea typeface="HY헤드라인M" panose="02030600000101010101" pitchFamily="18" charset="-127"/>
+            </a:endParaRPr>
+          </a:p>
+        </p:txBody>
+      </p:sp>
+      <p:sp>
+        <p:nvSpPr>
+          <p:cNvPr id="10" name="직사각형 9">
+            <a:extLst>
+              <a:ext uri="{FF2B5EF4-FFF2-40B4-BE49-F238E27FC236}">
+                <a16:creationId xmlns:a16="http://schemas.microsoft.com/office/drawing/2014/main" id="{D3F450E1-C0C0-43EA-965D-6DF7A17A2380}"/>
+              </a:ext>
+            </a:extLst>
+          </p:cNvPr>
+          <p:cNvSpPr/>
+          <p:nvPr/>
+        </p:nvSpPr>
+        <p:spPr>
+          <a:xfrm>
+            <a:off x="8413278" y="1298093"/>
+            <a:ext cx="3390901" cy="809625"/>
+          </a:xfrm>
+          <a:prstGeom prst="rect">
+            <a:avLst/>
+          </a:prstGeom>
+          <a:ln w="38100">
+            <a:solidFill>
+              <a:schemeClr val="tx1">
+                <a:lumMod val="85000"/>
+              </a:schemeClr>
+            </a:solidFill>
+          </a:ln>
+        </p:spPr>
+        <p:style>
+          <a:lnRef idx="2">
+            <a:schemeClr val="accent1">
+              <a:shade val="50000"/>
+            </a:schemeClr>
+          </a:lnRef>
+          <a:fillRef idx="1">
+            <a:schemeClr val="accent1"/>
+          </a:fillRef>
+          <a:effectRef idx="0">
+            <a:schemeClr val="accent1"/>
+          </a:effectRef>
+          <a:fontRef idx="minor">
+            <a:schemeClr val="lt1"/>
+          </a:fontRef>
+        </p:style>
+        <p:txBody>
+          <a:bodyPr rtlCol="0" anchor="ctr"/>
+          <a:lstStyle/>
+          <a:p>
+            <a:pPr algn="ctr"/>
+            <a:r>
+              <a:rPr lang="ko-KR" altLang="en-US" sz="2800" dirty="0">
+                <a:latin typeface="HY헤드라인M" panose="02030600000101010101" pitchFamily="18" charset="-127"/>
+                <a:ea typeface="HY헤드라인M" panose="02030600000101010101" pitchFamily="18" charset="-127"/>
+              </a:rPr>
+              <a:t>박정만</a:t>
+            </a:r>
+          </a:p>
+        </p:txBody>
+      </p:sp>
+      <p:sp>
+        <p:nvSpPr>
+          <p:cNvPr id="12" name="직사각형 11">
+            <a:extLst>
+              <a:ext uri="{FF2B5EF4-FFF2-40B4-BE49-F238E27FC236}">
+                <a16:creationId xmlns:a16="http://schemas.microsoft.com/office/drawing/2014/main" id="{242167CD-F648-4E14-9D37-5731E669137E}"/>
+              </a:ext>
+            </a:extLst>
+          </p:cNvPr>
+          <p:cNvSpPr/>
+          <p:nvPr/>
+        </p:nvSpPr>
+        <p:spPr>
+          <a:xfrm>
+            <a:off x="8413278" y="2107717"/>
+            <a:ext cx="3390901" cy="3891662"/>
+          </a:xfrm>
+          <a:prstGeom prst="rect">
+            <a:avLst/>
+          </a:prstGeom>
+          <a:solidFill>
+            <a:srgbClr val="595959"/>
+          </a:solidFill>
+          <a:ln w="38100">
+            <a:solidFill>
+              <a:schemeClr val="tx1">
+                <a:lumMod val="85000"/>
+              </a:schemeClr>
+            </a:solidFill>
+          </a:ln>
+        </p:spPr>
+        <p:style>
+          <a:lnRef idx="2">
+            <a:schemeClr val="accent1">
+              <a:shade val="50000"/>
+            </a:schemeClr>
+          </a:lnRef>
+          <a:fillRef idx="1">
+            <a:schemeClr val="accent1"/>
+          </a:fillRef>
+          <a:effectRef idx="0">
+            <a:schemeClr val="accent1"/>
+          </a:effectRef>
+          <a:fontRef idx="minor">
+            <a:schemeClr val="lt1"/>
+          </a:fontRef>
+        </p:style>
+        <p:txBody>
+          <a:bodyPr rtlCol="0" anchor="t"/>
+          <a:lstStyle/>
+          <a:p>
+            <a:r>
+              <a:rPr lang="ko-KR" altLang="en-US" sz="1600" dirty="0">
+                <a:latin typeface="HY헤드라인M" panose="02030600000101010101" pitchFamily="18" charset="-127"/>
+                <a:ea typeface="HY헤드라인M" panose="02030600000101010101" pitchFamily="18" charset="-127"/>
+              </a:rPr>
+              <a:t>서버</a:t>
+            </a:r>
+            <a:endParaRPr lang="en-US" altLang="ko-KR" sz="1600" dirty="0">
+              <a:latin typeface="HY헤드라인M" panose="02030600000101010101" pitchFamily="18" charset="-127"/>
+              <a:ea typeface="HY헤드라인M" panose="02030600000101010101" pitchFamily="18" charset="-127"/>
+            </a:endParaRPr>
+          </a:p>
+          <a:p>
+            <a:r>
+              <a:rPr lang="en-US" altLang="ko-KR" sz="1600" dirty="0">
+                <a:latin typeface="HY헤드라인M" panose="02030600000101010101" pitchFamily="18" charset="-127"/>
+                <a:ea typeface="HY헤드라인M" panose="02030600000101010101" pitchFamily="18" charset="-127"/>
+              </a:rPr>
+              <a:t>-</a:t>
+            </a:r>
+            <a:r>
+              <a:rPr lang="ko-KR" altLang="en-US" sz="1600" dirty="0">
+                <a:latin typeface="HY헤드라인M" panose="02030600000101010101" pitchFamily="18" charset="-127"/>
+                <a:ea typeface="HY헤드라인M" panose="02030600000101010101" pitchFamily="18" charset="-127"/>
+              </a:rPr>
+              <a:t>게임 서버 수강</a:t>
+            </a:r>
+            <a:endParaRPr lang="en-US" altLang="ko-KR" sz="1600" dirty="0">
+              <a:latin typeface="HY헤드라인M" panose="02030600000101010101" pitchFamily="18" charset="-127"/>
+              <a:ea typeface="HY헤드라인M" panose="02030600000101010101" pitchFamily="18" charset="-127"/>
+            </a:endParaRPr>
+          </a:p>
+          <a:p>
+            <a:endParaRPr lang="en-US" altLang="ko-KR" sz="1600" dirty="0">
+              <a:latin typeface="HY헤드라인M" panose="02030600000101010101" pitchFamily="18" charset="-127"/>
+              <a:ea typeface="HY헤드라인M" panose="02030600000101010101" pitchFamily="18" charset="-127"/>
+            </a:endParaRPr>
+          </a:p>
+          <a:p>
+            <a:endParaRPr lang="en-US" altLang="ko-KR" sz="1600" dirty="0">
+              <a:latin typeface="HY헤드라인M" panose="02030600000101010101" pitchFamily="18" charset="-127"/>
+              <a:ea typeface="HY헤드라인M" panose="02030600000101010101" pitchFamily="18" charset="-127"/>
+            </a:endParaRPr>
+          </a:p>
+          <a:p>
+            <a:endParaRPr lang="en-US" altLang="ko-KR" sz="1600" dirty="0">
+              <a:latin typeface="HY헤드라인M" panose="02030600000101010101" pitchFamily="18" charset="-127"/>
+              <a:ea typeface="HY헤드라인M" panose="02030600000101010101" pitchFamily="18" charset="-127"/>
+            </a:endParaRPr>
+          </a:p>
+          <a:p>
+            <a:endParaRPr lang="en-US" altLang="ko-KR" sz="1600" dirty="0">
+              <a:latin typeface="HY헤드라인M" panose="02030600000101010101" pitchFamily="18" charset="-127"/>
+              <a:ea typeface="HY헤드라인M" panose="02030600000101010101" pitchFamily="18" charset="-127"/>
+            </a:endParaRPr>
+          </a:p>
+          <a:p>
+            <a:endParaRPr lang="en-US" altLang="ko-KR" sz="1600" dirty="0">
+              <a:latin typeface="HY헤드라인M" panose="02030600000101010101" pitchFamily="18" charset="-127"/>
+              <a:ea typeface="HY헤드라인M" panose="02030600000101010101" pitchFamily="18" charset="-127"/>
+            </a:endParaRPr>
+          </a:p>
+          <a:p>
+            <a:endParaRPr lang="en-US" altLang="ko-KR" sz="1600" dirty="0">
+              <a:latin typeface="HY헤드라인M" panose="02030600000101010101" pitchFamily="18" charset="-127"/>
+              <a:ea typeface="HY헤드라인M" panose="02030600000101010101" pitchFamily="18" charset="-127"/>
+            </a:endParaRPr>
+          </a:p>
+          <a:p>
+            <a:endParaRPr lang="en-US" altLang="ko-KR" sz="1600" dirty="0">
+              <a:latin typeface="HY헤드라인M" panose="02030600000101010101" pitchFamily="18" charset="-127"/>
+              <a:ea typeface="HY헤드라인M" panose="02030600000101010101" pitchFamily="18" charset="-127"/>
+            </a:endParaRPr>
+          </a:p>
+          <a:p>
+            <a:endParaRPr lang="en-US" altLang="ko-KR" sz="1600" dirty="0">
+              <a:latin typeface="HY헤드라인M" panose="02030600000101010101" pitchFamily="18" charset="-127"/>
+              <a:ea typeface="HY헤드라인M" panose="02030600000101010101" pitchFamily="18" charset="-127"/>
+            </a:endParaRPr>
+          </a:p>
+          <a:p>
+            <a:endParaRPr lang="en-US" altLang="ko-KR" sz="1600" dirty="0">
+              <a:latin typeface="HY헤드라인M" panose="02030600000101010101" pitchFamily="18" charset="-127"/>
+              <a:ea typeface="HY헤드라인M" panose="02030600000101010101" pitchFamily="18" charset="-127"/>
+            </a:endParaRPr>
+          </a:p>
+          <a:p>
+            <a:endParaRPr lang="en-US" altLang="ko-KR" sz="1600" dirty="0">
+              <a:latin typeface="HY헤드라인M" panose="02030600000101010101" pitchFamily="18" charset="-127"/>
+              <a:ea typeface="HY헤드라인M" panose="02030600000101010101" pitchFamily="18" charset="-127"/>
+            </a:endParaRPr>
+          </a:p>
+          <a:p>
+            <a:endParaRPr lang="en-US" altLang="ko-KR" sz="1600" dirty="0">
+              <a:latin typeface="HY헤드라인M" panose="02030600000101010101" pitchFamily="18" charset="-127"/>
+              <a:ea typeface="HY헤드라인M" panose="02030600000101010101" pitchFamily="18" charset="-127"/>
+            </a:endParaRPr>
+          </a:p>
+          <a:p>
+            <a:r>
+              <a:rPr lang="en-US" altLang="ko-KR" sz="1600" dirty="0">
+                <a:latin typeface="HY헤드라인M" panose="02030600000101010101" pitchFamily="18" charset="-127"/>
+                <a:ea typeface="HY헤드라인M" panose="02030600000101010101" pitchFamily="18" charset="-127"/>
+              </a:rPr>
+              <a:t>Git</a:t>
+            </a:r>
+          </a:p>
+          <a:p>
+            <a:r>
+              <a:rPr lang="en-US" altLang="ko-KR" sz="1600" dirty="0">
+                <a:latin typeface="HY헤드라인M" panose="02030600000101010101" pitchFamily="18" charset="-127"/>
+                <a:ea typeface="HY헤드라인M" panose="02030600000101010101" pitchFamily="18" charset="-127"/>
+              </a:rPr>
+              <a:t>-</a:t>
+            </a:r>
+            <a:r>
+              <a:rPr lang="ko-KR" altLang="en-US" sz="1600" dirty="0">
+                <a:latin typeface="HY헤드라인M" panose="02030600000101010101" pitchFamily="18" charset="-127"/>
+                <a:ea typeface="HY헤드라인M" panose="02030600000101010101" pitchFamily="18" charset="-127"/>
+              </a:rPr>
+              <a:t>게임소프트공학 수강</a:t>
+            </a:r>
+            <a:endParaRPr lang="en-US" altLang="ko-KR" sz="1600" dirty="0">
+              <a:latin typeface="HY헤드라인M" panose="02030600000101010101" pitchFamily="18" charset="-127"/>
+              <a:ea typeface="HY헤드라인M" panose="02030600000101010101" pitchFamily="18" charset="-127"/>
+            </a:endParaRPr>
+          </a:p>
+        </p:txBody>
+      </p:sp>
     </p:spTree>
     <p:extLst>
       <p:ext uri="{BB962C8B-B14F-4D97-AF65-F5344CB8AC3E}">
@@ -4642,7 +5528,7 @@
         </p:nvSpPr>
         <p:spPr>
           <a:xfrm>
-            <a:off x="1495425" y="1048064"/>
+            <a:off x="1419225" y="1094880"/>
             <a:ext cx="1254494" cy="500066"/>
           </a:xfrm>
           <a:prstGeom prst="rect">
@@ -4714,7 +5600,7 @@
         </p:nvSpPr>
         <p:spPr>
           <a:xfrm>
-            <a:off x="2947243" y="1048064"/>
+            <a:off x="4750031" y="1094880"/>
             <a:ext cx="1254494" cy="500066"/>
           </a:xfrm>
           <a:prstGeom prst="rect">
@@ -4788,7 +5674,7 @@
         </p:nvSpPr>
         <p:spPr>
           <a:xfrm>
-            <a:off x="4399061" y="1039552"/>
+            <a:off x="8080836" y="1094880"/>
             <a:ext cx="1254494" cy="500066"/>
           </a:xfrm>
           <a:prstGeom prst="rect">
@@ -4861,14 +5747,14 @@
           <p:nvPr>
             <p:extLst>
               <p:ext uri="{D42A27DB-BD31-4B8C-83A1-F6EECF244321}">
-                <p14:modId xmlns:p14="http://schemas.microsoft.com/office/powerpoint/2010/main" val="3461897859"/>
+                <p14:modId xmlns:p14="http://schemas.microsoft.com/office/powerpoint/2010/main" val="1352103100"/>
               </p:ext>
             </p:extLst>
           </p:nvPr>
         </p:nvGraphicFramePr>
         <p:xfrm>
           <a:off x="504625" y="1815359"/>
-          <a:ext cx="11182750" cy="4908170"/>
+          <a:ext cx="11182750" cy="5105137"/>
         </p:xfrm>
         <a:graphic>
           <a:graphicData uri="http://schemas.openxmlformats.org/drawingml/2006/table">
@@ -6143,7 +7029,7 @@
                     </a:solidFill>
                   </a:tcPr>
                 </a:tc>
-                <a:tc rowSpan="11">
+                <a:tc rowSpan="12">
                   <a:txBody>
                     <a:bodyPr/>
                     <a:lstStyle/>
@@ -6506,7 +7392,7 @@
                     </a:solidFill>
                   </a:tcPr>
                 </a:tc>
-                <a:tc rowSpan="11">
+                <a:tc rowSpan="12">
                   <a:txBody>
                     <a:bodyPr/>
                     <a:lstStyle/>
@@ -6702,7 +7588,7 @@
                           <a:latin typeface="+mn-ea"/>
                           <a:ea typeface="+mn-ea"/>
                         </a:rPr>
-                        <a:t>셰이더</a:t>
+                        <a:t>쉐이더</a:t>
                       </a:r>
                       <a:endParaRPr lang="ko-KR" altLang="en-US" sz="1200" b="1" kern="0" spc="0" dirty="0">
                         <a:solidFill>
@@ -7921,8 +8807,8 @@
                   </a:ext>
                 </a:extLst>
               </a:tr>
-              <a:tr h="421341">
-                <a:tc>
+              <a:tr h="210671">
+                <a:tc rowSpan="2">
                   <a:txBody>
                     <a:bodyPr/>
                     <a:lstStyle/>
@@ -7939,22 +8825,15 @@
                         </a:spcAft>
                       </a:pPr>
                       <a:r>
-                        <a:rPr lang="en-US" altLang="ko-KR" sz="1200" b="1" kern="0" spc="0">
+                        <a:rPr lang="ko-KR" altLang="en-US" sz="1200" b="1" kern="0" spc="0" dirty="0">
                           <a:solidFill>
                             <a:schemeClr val="bg1"/>
                           </a:solidFill>
                           <a:latin typeface="+mn-ea"/>
                           <a:ea typeface="+mn-ea"/>
                         </a:rPr>
-                        <a:t>-</a:t>
+                        <a:t>게임 로직</a:t>
                       </a:r>
-                      <a:endParaRPr lang="ko-KR" altLang="en-US" sz="1200" b="1" kern="0" spc="0" dirty="0">
-                        <a:solidFill>
-                          <a:schemeClr val="bg1"/>
-                        </a:solidFill>
-                        <a:latin typeface="+mn-ea"/>
-                        <a:ea typeface="+mn-ea"/>
-                      </a:endParaRPr>
                     </a:p>
                   </a:txBody>
                   <a:tcPr marL="63779" marR="63779" marT="17417" marB="17417" anchor="ctr">
@@ -8004,7 +8883,7 @@
                     </a:solidFill>
                   </a:tcPr>
                 </a:tc>
-                <a:tc>
+                <a:tc rowSpan="2">
                   <a:txBody>
                     <a:bodyPr/>
                     <a:lstStyle/>
@@ -8134,7 +9013,7 @@
                       <a:tailEnd type="none" w="med" len="med"/>
                     </a:lnB>
                     <a:solidFill>
-                      <a:srgbClr val="545455"/>
+                      <a:srgbClr val="92D050"/>
                     </a:solidFill>
                   </a:tcPr>
                 </a:tc>
@@ -8201,7 +9080,7 @@
                       <a:tailEnd type="none" w="med" len="med"/>
                     </a:lnB>
                     <a:solidFill>
-                      <a:srgbClr val="545455"/>
+                      <a:srgbClr val="92D050"/>
                     </a:solidFill>
                   </a:tcPr>
                 </a:tc>
@@ -8268,7 +9147,7 @@
                       <a:tailEnd type="none" w="med" len="med"/>
                     </a:lnB>
                     <a:solidFill>
-                      <a:srgbClr val="545455"/>
+                      <a:srgbClr val="92D050"/>
                     </a:solidFill>
                   </a:tcPr>
                 </a:tc>
@@ -8335,7 +9214,7 @@
                       <a:tailEnd type="none" w="med" len="med"/>
                     </a:lnB>
                     <a:solidFill>
-                      <a:srgbClr val="545455"/>
+                      <a:srgbClr val="92D050"/>
                     </a:solidFill>
                   </a:tcPr>
                 </a:tc>
@@ -8407,7 +9286,7 @@
                       <a:tailEnd type="none" w="med" len="med"/>
                     </a:lnB>
                     <a:solidFill>
-                      <a:srgbClr val="545455"/>
+                      <a:srgbClr val="92D050"/>
                     </a:solidFill>
                   </a:tcPr>
                 </a:tc>
@@ -8474,7 +9353,7 @@
                       <a:tailEnd type="none" w="med" len="med"/>
                     </a:lnB>
                     <a:solidFill>
-                      <a:srgbClr val="545455"/>
+                      <a:srgbClr val="92D050"/>
                     </a:solidFill>
                   </a:tcPr>
                 </a:tc>
@@ -8541,7 +9420,7 @@
                       <a:tailEnd type="none" w="med" len="med"/>
                     </a:lnB>
                     <a:solidFill>
-                      <a:srgbClr val="545455"/>
+                      <a:srgbClr val="92D050"/>
                     </a:solidFill>
                   </a:tcPr>
                 </a:tc>
@@ -8578,6 +9457,501 @@
                 <a:extLst>
                   <a:ext uri="{0D108BD9-81ED-4DB2-BD59-A6C34878D82A}">
                     <a16:rowId xmlns:a16="http://schemas.microsoft.com/office/drawing/2014/main" val="300897329"/>
+                  </a:ext>
+                </a:extLst>
+              </a:tr>
+              <a:tr h="210671">
+                <a:tc vMerge="1">
+                  <a:txBody>
+                    <a:bodyPr/>
+                    <a:lstStyle/>
+                    <a:p>
+                      <a:pPr latinLnBrk="1"/>
+                      <a:endParaRPr lang="ko-KR" altLang="en-US"/>
+                    </a:p>
+                  </a:txBody>
+                  <a:tcPr/>
+                </a:tc>
+                <a:tc vMerge="1">
+                  <a:txBody>
+                    <a:bodyPr/>
+                    <a:lstStyle/>
+                    <a:p>
+                      <a:pPr latinLnBrk="1"/>
+                      <a:endParaRPr lang="ko-KR" altLang="en-US"/>
+                    </a:p>
+                  </a:txBody>
+                  <a:tcPr/>
+                </a:tc>
+                <a:tc>
+                  <a:txBody>
+                    <a:bodyPr/>
+                    <a:lstStyle/>
+                    <a:p>
+                      <a:pPr marL="0" marR="0" indent="0" algn="just" fontAlgn="base" latinLnBrk="1">
+                        <a:lnSpc>
+                          <a:spcPct val="160000"/>
+                        </a:lnSpc>
+                        <a:spcBef>
+                          <a:spcPts val="0"/>
+                        </a:spcBef>
+                        <a:spcAft>
+                          <a:spcPts val="0"/>
+                        </a:spcAft>
+                      </a:pPr>
+                      <a:endParaRPr lang="ko-KR" altLang="en-US" sz="1200" b="1" kern="0" spc="0" dirty="0">
+                        <a:solidFill>
+                          <a:schemeClr val="bg1"/>
+                        </a:solidFill>
+                        <a:latin typeface="+mn-ea"/>
+                        <a:ea typeface="+mn-ea"/>
+                      </a:endParaRPr>
+                    </a:p>
+                  </a:txBody>
+                  <a:tcPr marL="63779" marR="63779" marT="17417" marB="17417" anchor="ctr">
+                    <a:lnL w="3175" cap="flat" cmpd="sng" algn="ctr">
+                      <a:solidFill>
+                        <a:srgbClr val="000000"/>
+                      </a:solidFill>
+                      <a:prstDash val="solid"/>
+                      <a:round/>
+                      <a:headEnd type="none" w="med" len="med"/>
+                      <a:tailEnd type="none" w="med" len="med"/>
+                    </a:lnL>
+                    <a:lnR w="3175" cap="flat" cmpd="sng" algn="ctr">
+                      <a:solidFill>
+                        <a:srgbClr val="000000"/>
+                      </a:solidFill>
+                      <a:prstDash val="solid"/>
+                      <a:round/>
+                      <a:headEnd type="none" w="med" len="med"/>
+                      <a:tailEnd type="none" w="med" len="med"/>
+                    </a:lnR>
+                    <a:lnT w="3175" cap="flat" cmpd="sng" algn="ctr">
+                      <a:solidFill>
+                        <a:srgbClr val="000000"/>
+                      </a:solidFill>
+                      <a:prstDash val="solid"/>
+                      <a:round/>
+                      <a:headEnd type="none" w="med" len="med"/>
+                      <a:tailEnd type="none" w="med" len="med"/>
+                    </a:lnT>
+                    <a:lnB w="3175" cap="flat" cmpd="sng" algn="ctr">
+                      <a:solidFill>
+                        <a:srgbClr val="000000"/>
+                      </a:solidFill>
+                      <a:prstDash val="solid"/>
+                      <a:round/>
+                      <a:headEnd type="none" w="med" len="med"/>
+                      <a:tailEnd type="none" w="med" len="med"/>
+                    </a:lnB>
+                    <a:solidFill>
+                      <a:srgbClr val="618197"/>
+                    </a:solidFill>
+                  </a:tcPr>
+                </a:tc>
+                <a:tc>
+                  <a:txBody>
+                    <a:bodyPr/>
+                    <a:lstStyle/>
+                    <a:p>
+                      <a:pPr marL="0" marR="0" indent="0" algn="just" fontAlgn="base" latinLnBrk="1">
+                        <a:lnSpc>
+                          <a:spcPct val="160000"/>
+                        </a:lnSpc>
+                        <a:spcBef>
+                          <a:spcPts val="0"/>
+                        </a:spcBef>
+                        <a:spcAft>
+                          <a:spcPts val="0"/>
+                        </a:spcAft>
+                      </a:pPr>
+                      <a:endParaRPr lang="ko-KR" altLang="en-US" sz="1200" b="1" kern="0" spc="0" dirty="0">
+                        <a:solidFill>
+                          <a:schemeClr val="bg1"/>
+                        </a:solidFill>
+                        <a:latin typeface="+mn-ea"/>
+                        <a:ea typeface="+mn-ea"/>
+                      </a:endParaRPr>
+                    </a:p>
+                  </a:txBody>
+                  <a:tcPr marL="63779" marR="63779" marT="17417" marB="17417" anchor="ctr">
+                    <a:lnL w="3175" cap="flat" cmpd="sng" algn="ctr">
+                      <a:solidFill>
+                        <a:srgbClr val="000000"/>
+                      </a:solidFill>
+                      <a:prstDash val="solid"/>
+                      <a:round/>
+                      <a:headEnd type="none" w="med" len="med"/>
+                      <a:tailEnd type="none" w="med" len="med"/>
+                    </a:lnL>
+                    <a:lnR w="3175" cap="flat" cmpd="sng" algn="ctr">
+                      <a:solidFill>
+                        <a:srgbClr val="000000"/>
+                      </a:solidFill>
+                      <a:prstDash val="solid"/>
+                      <a:round/>
+                      <a:headEnd type="none" w="med" len="med"/>
+                      <a:tailEnd type="none" w="med" len="med"/>
+                    </a:lnR>
+                    <a:lnT w="3175" cap="flat" cmpd="sng" algn="ctr">
+                      <a:solidFill>
+                        <a:srgbClr val="000000"/>
+                      </a:solidFill>
+                      <a:prstDash val="solid"/>
+                      <a:round/>
+                      <a:headEnd type="none" w="med" len="med"/>
+                      <a:tailEnd type="none" w="med" len="med"/>
+                    </a:lnT>
+                    <a:lnB w="3175" cap="flat" cmpd="sng" algn="ctr">
+                      <a:solidFill>
+                        <a:srgbClr val="000000"/>
+                      </a:solidFill>
+                      <a:prstDash val="solid"/>
+                      <a:round/>
+                      <a:headEnd type="none" w="med" len="med"/>
+                      <a:tailEnd type="none" w="med" len="med"/>
+                    </a:lnB>
+                    <a:solidFill>
+                      <a:srgbClr val="618197"/>
+                    </a:solidFill>
+                  </a:tcPr>
+                </a:tc>
+                <a:tc>
+                  <a:txBody>
+                    <a:bodyPr/>
+                    <a:lstStyle/>
+                    <a:p>
+                      <a:pPr marL="0" marR="0" indent="0" algn="just" fontAlgn="base" latinLnBrk="1">
+                        <a:lnSpc>
+                          <a:spcPct val="160000"/>
+                        </a:lnSpc>
+                        <a:spcBef>
+                          <a:spcPts val="0"/>
+                        </a:spcBef>
+                        <a:spcAft>
+                          <a:spcPts val="0"/>
+                        </a:spcAft>
+                      </a:pPr>
+                      <a:endParaRPr lang="ko-KR" altLang="en-US" sz="1200" b="1" kern="0" spc="0" dirty="0">
+                        <a:solidFill>
+                          <a:schemeClr val="bg1"/>
+                        </a:solidFill>
+                        <a:latin typeface="+mn-ea"/>
+                        <a:ea typeface="+mn-ea"/>
+                      </a:endParaRPr>
+                    </a:p>
+                  </a:txBody>
+                  <a:tcPr marL="63779" marR="63779" marT="17417" marB="17417" anchor="ctr">
+                    <a:lnL w="3175" cap="flat" cmpd="sng" algn="ctr">
+                      <a:solidFill>
+                        <a:srgbClr val="000000"/>
+                      </a:solidFill>
+                      <a:prstDash val="solid"/>
+                      <a:round/>
+                      <a:headEnd type="none" w="med" len="med"/>
+                      <a:tailEnd type="none" w="med" len="med"/>
+                    </a:lnL>
+                    <a:lnR w="3175" cap="flat" cmpd="sng" algn="ctr">
+                      <a:solidFill>
+                        <a:srgbClr val="000000"/>
+                      </a:solidFill>
+                      <a:prstDash val="solid"/>
+                      <a:round/>
+                      <a:headEnd type="none" w="med" len="med"/>
+                      <a:tailEnd type="none" w="med" len="med"/>
+                    </a:lnR>
+                    <a:lnT w="3175" cap="flat" cmpd="sng" algn="ctr">
+                      <a:solidFill>
+                        <a:srgbClr val="000000"/>
+                      </a:solidFill>
+                      <a:prstDash val="solid"/>
+                      <a:round/>
+                      <a:headEnd type="none" w="med" len="med"/>
+                      <a:tailEnd type="none" w="med" len="med"/>
+                    </a:lnT>
+                    <a:lnB w="3175" cap="flat" cmpd="sng" algn="ctr">
+                      <a:solidFill>
+                        <a:srgbClr val="000000"/>
+                      </a:solidFill>
+                      <a:prstDash val="solid"/>
+                      <a:round/>
+                      <a:headEnd type="none" w="med" len="med"/>
+                      <a:tailEnd type="none" w="med" len="med"/>
+                    </a:lnB>
+                    <a:solidFill>
+                      <a:srgbClr val="618197"/>
+                    </a:solidFill>
+                  </a:tcPr>
+                </a:tc>
+                <a:tc>
+                  <a:txBody>
+                    <a:bodyPr/>
+                    <a:lstStyle/>
+                    <a:p>
+                      <a:pPr marL="0" marR="0" indent="0" algn="just" fontAlgn="base" latinLnBrk="1">
+                        <a:lnSpc>
+                          <a:spcPct val="160000"/>
+                        </a:lnSpc>
+                        <a:spcBef>
+                          <a:spcPts val="0"/>
+                        </a:spcBef>
+                        <a:spcAft>
+                          <a:spcPts val="0"/>
+                        </a:spcAft>
+                      </a:pPr>
+                      <a:endParaRPr lang="ko-KR" altLang="en-US" sz="1200" b="1" kern="0" spc="0" dirty="0">
+                        <a:solidFill>
+                          <a:schemeClr val="bg1"/>
+                        </a:solidFill>
+                        <a:latin typeface="+mn-ea"/>
+                        <a:ea typeface="+mn-ea"/>
+                      </a:endParaRPr>
+                    </a:p>
+                  </a:txBody>
+                  <a:tcPr marL="63779" marR="63779" marT="17417" marB="17417" anchor="ctr">
+                    <a:lnL w="3175" cap="flat" cmpd="sng" algn="ctr">
+                      <a:solidFill>
+                        <a:srgbClr val="000000"/>
+                      </a:solidFill>
+                      <a:prstDash val="solid"/>
+                      <a:round/>
+                      <a:headEnd type="none" w="med" len="med"/>
+                      <a:tailEnd type="none" w="med" len="med"/>
+                    </a:lnL>
+                    <a:lnR w="3175" cap="flat" cmpd="sng" algn="ctr">
+                      <a:solidFill>
+                        <a:srgbClr val="000000"/>
+                      </a:solidFill>
+                      <a:prstDash val="solid"/>
+                      <a:round/>
+                      <a:headEnd type="none" w="med" len="med"/>
+                      <a:tailEnd type="none" w="med" len="med"/>
+                    </a:lnR>
+                    <a:lnT w="3175" cap="flat" cmpd="sng" algn="ctr">
+                      <a:solidFill>
+                        <a:srgbClr val="000000"/>
+                      </a:solidFill>
+                      <a:prstDash val="solid"/>
+                      <a:round/>
+                      <a:headEnd type="none" w="med" len="med"/>
+                      <a:tailEnd type="none" w="med" len="med"/>
+                    </a:lnT>
+                    <a:lnB w="3175" cap="flat" cmpd="sng" algn="ctr">
+                      <a:solidFill>
+                        <a:srgbClr val="000000"/>
+                      </a:solidFill>
+                      <a:prstDash val="solid"/>
+                      <a:round/>
+                      <a:headEnd type="none" w="med" len="med"/>
+                      <a:tailEnd type="none" w="med" len="med"/>
+                    </a:lnB>
+                    <a:solidFill>
+                      <a:srgbClr val="618197"/>
+                    </a:solidFill>
+                  </a:tcPr>
+                </a:tc>
+                <a:tc vMerge="1">
+                  <a:txBody>
+                    <a:bodyPr/>
+                    <a:lstStyle/>
+                    <a:p>
+                      <a:pPr latinLnBrk="1"/>
+                      <a:endParaRPr lang="ko-KR" altLang="en-US"/>
+                    </a:p>
+                  </a:txBody>
+                  <a:tcPr/>
+                </a:tc>
+                <a:tc>
+                  <a:txBody>
+                    <a:bodyPr/>
+                    <a:lstStyle/>
+                    <a:p>
+                      <a:pPr latinLnBrk="1"/>
+                      <a:endParaRPr lang="ko-KR" altLang="en-US" dirty="0"/>
+                    </a:p>
+                  </a:txBody>
+                  <a:tcPr marL="63779" marR="63779" marT="17417" marB="17417" anchor="ctr">
+                    <a:lnR w="3175" cap="flat" cmpd="sng" algn="ctr">
+                      <a:solidFill>
+                        <a:srgbClr val="000000"/>
+                      </a:solidFill>
+                      <a:prstDash val="solid"/>
+                      <a:round/>
+                      <a:headEnd type="none" w="med" len="med"/>
+                      <a:tailEnd type="none" w="med" len="med"/>
+                    </a:lnR>
+                    <a:lnT w="3175" cap="flat" cmpd="sng" algn="ctr">
+                      <a:solidFill>
+                        <a:srgbClr val="000000"/>
+                      </a:solidFill>
+                      <a:prstDash val="solid"/>
+                      <a:round/>
+                      <a:headEnd type="none" w="med" len="med"/>
+                      <a:tailEnd type="none" w="med" len="med"/>
+                    </a:lnT>
+                    <a:lnB w="3175" cap="flat" cmpd="sng" algn="ctr">
+                      <a:solidFill>
+                        <a:srgbClr val="000000"/>
+                      </a:solidFill>
+                      <a:prstDash val="solid"/>
+                      <a:round/>
+                      <a:headEnd type="none" w="med" len="med"/>
+                      <a:tailEnd type="none" w="med" len="med"/>
+                    </a:lnB>
+                    <a:solidFill>
+                      <a:srgbClr val="618197"/>
+                    </a:solidFill>
+                  </a:tcPr>
+                </a:tc>
+                <a:tc>
+                  <a:txBody>
+                    <a:bodyPr/>
+                    <a:lstStyle/>
+                    <a:p>
+                      <a:pPr marL="0" marR="0" indent="0" algn="just" fontAlgn="base" latinLnBrk="1">
+                        <a:lnSpc>
+                          <a:spcPct val="160000"/>
+                        </a:lnSpc>
+                        <a:spcBef>
+                          <a:spcPts val="0"/>
+                        </a:spcBef>
+                        <a:spcAft>
+                          <a:spcPts val="0"/>
+                        </a:spcAft>
+                      </a:pPr>
+                      <a:endParaRPr lang="ko-KR" altLang="en-US" sz="1200" b="1" kern="0" spc="0" dirty="0">
+                        <a:solidFill>
+                          <a:schemeClr val="bg1"/>
+                        </a:solidFill>
+                        <a:latin typeface="+mn-ea"/>
+                        <a:ea typeface="+mn-ea"/>
+                      </a:endParaRPr>
+                    </a:p>
+                  </a:txBody>
+                  <a:tcPr marL="63779" marR="63779" marT="17417" marB="17417" anchor="ctr">
+                    <a:lnL w="3175" cap="flat" cmpd="sng" algn="ctr">
+                      <a:solidFill>
+                        <a:srgbClr val="000000"/>
+                      </a:solidFill>
+                      <a:prstDash val="solid"/>
+                      <a:round/>
+                      <a:headEnd type="none" w="med" len="med"/>
+                      <a:tailEnd type="none" w="med" len="med"/>
+                    </a:lnL>
+                    <a:lnR w="3175" cap="flat" cmpd="sng" algn="ctr">
+                      <a:solidFill>
+                        <a:srgbClr val="000000"/>
+                      </a:solidFill>
+                      <a:prstDash val="solid"/>
+                      <a:round/>
+                      <a:headEnd type="none" w="med" len="med"/>
+                      <a:tailEnd type="none" w="med" len="med"/>
+                    </a:lnR>
+                    <a:lnT w="3175" cap="flat" cmpd="sng" algn="ctr">
+                      <a:solidFill>
+                        <a:srgbClr val="000000"/>
+                      </a:solidFill>
+                      <a:prstDash val="solid"/>
+                      <a:round/>
+                      <a:headEnd type="none" w="med" len="med"/>
+                      <a:tailEnd type="none" w="med" len="med"/>
+                    </a:lnT>
+                    <a:lnB w="3175" cap="flat" cmpd="sng" algn="ctr">
+                      <a:solidFill>
+                        <a:srgbClr val="000000"/>
+                      </a:solidFill>
+                      <a:prstDash val="solid"/>
+                      <a:round/>
+                      <a:headEnd type="none" w="med" len="med"/>
+                      <a:tailEnd type="none" w="med" len="med"/>
+                    </a:lnB>
+                    <a:solidFill>
+                      <a:srgbClr val="618197"/>
+                    </a:solidFill>
+                  </a:tcPr>
+                </a:tc>
+                <a:tc>
+                  <a:txBody>
+                    <a:bodyPr/>
+                    <a:lstStyle/>
+                    <a:p>
+                      <a:pPr marL="0" marR="0" indent="0" algn="just" fontAlgn="base" latinLnBrk="1">
+                        <a:lnSpc>
+                          <a:spcPct val="160000"/>
+                        </a:lnSpc>
+                        <a:spcBef>
+                          <a:spcPts val="0"/>
+                        </a:spcBef>
+                        <a:spcAft>
+                          <a:spcPts val="0"/>
+                        </a:spcAft>
+                      </a:pPr>
+                      <a:endParaRPr lang="ko-KR" altLang="en-US" sz="1200" b="1" kern="0" spc="0" dirty="0">
+                        <a:solidFill>
+                          <a:schemeClr val="bg1"/>
+                        </a:solidFill>
+                        <a:latin typeface="+mn-ea"/>
+                        <a:ea typeface="+mn-ea"/>
+                      </a:endParaRPr>
+                    </a:p>
+                  </a:txBody>
+                  <a:tcPr marL="63779" marR="63779" marT="17417" marB="17417" anchor="ctr">
+                    <a:lnL w="3175" cap="flat" cmpd="sng" algn="ctr">
+                      <a:solidFill>
+                        <a:srgbClr val="000000"/>
+                      </a:solidFill>
+                      <a:prstDash val="solid"/>
+                      <a:round/>
+                      <a:headEnd type="none" w="med" len="med"/>
+                      <a:tailEnd type="none" w="med" len="med"/>
+                    </a:lnL>
+                    <a:lnR w="3175" cap="flat" cmpd="sng" algn="ctr">
+                      <a:solidFill>
+                        <a:srgbClr val="000000"/>
+                      </a:solidFill>
+                      <a:prstDash val="solid"/>
+                      <a:round/>
+                      <a:headEnd type="none" w="med" len="med"/>
+                      <a:tailEnd type="none" w="med" len="med"/>
+                    </a:lnR>
+                    <a:lnT w="3175" cap="flat" cmpd="sng" algn="ctr">
+                      <a:solidFill>
+                        <a:srgbClr val="000000"/>
+                      </a:solidFill>
+                      <a:prstDash val="solid"/>
+                      <a:round/>
+                      <a:headEnd type="none" w="med" len="med"/>
+                      <a:tailEnd type="none" w="med" len="med"/>
+                    </a:lnT>
+                    <a:lnB w="3175" cap="flat" cmpd="sng" algn="ctr">
+                      <a:solidFill>
+                        <a:srgbClr val="000000"/>
+                      </a:solidFill>
+                      <a:prstDash val="solid"/>
+                      <a:round/>
+                      <a:headEnd type="none" w="med" len="med"/>
+                      <a:tailEnd type="none" w="med" len="med"/>
+                    </a:lnB>
+                    <a:solidFill>
+                      <a:srgbClr val="618197"/>
+                    </a:solidFill>
+                  </a:tcPr>
+                </a:tc>
+                <a:tc vMerge="1">
+                  <a:txBody>
+                    <a:bodyPr/>
+                    <a:lstStyle/>
+                    <a:p>
+                      <a:pPr latinLnBrk="1"/>
+                      <a:endParaRPr lang="ko-KR" altLang="en-US"/>
+                    </a:p>
+                  </a:txBody>
+                  <a:tcPr/>
+                </a:tc>
+                <a:extLst>
+                  <a:ext uri="{0D108BD9-81ED-4DB2-BD59-A6C34878D82A}">
+                    <a16:rowId xmlns:a16="http://schemas.microsoft.com/office/drawing/2014/main" val="857639471"/>
                   </a:ext>
                 </a:extLst>
               </a:tr>
@@ -13188,6 +14562,271 @@
           </a:graphicData>
         </a:graphic>
       </p:graphicFrame>
+      <p:sp>
+        <p:nvSpPr>
+          <p:cNvPr id="8" name="직사각형 7">
+            <a:extLst>
+              <a:ext uri="{FF2B5EF4-FFF2-40B4-BE49-F238E27FC236}">
+                <a16:creationId xmlns:a16="http://schemas.microsoft.com/office/drawing/2014/main" id="{9FDE53C7-7B76-4B24-BBC9-AFCC0BCA4377}"/>
+              </a:ext>
+            </a:extLst>
+          </p:cNvPr>
+          <p:cNvSpPr/>
+          <p:nvPr/>
+        </p:nvSpPr>
+        <p:spPr>
+          <a:xfrm>
+            <a:off x="2673720" y="1094880"/>
+            <a:ext cx="2079255" cy="500066"/>
+          </a:xfrm>
+          <a:prstGeom prst="rect">
+            <a:avLst/>
+          </a:prstGeom>
+          <a:ln w="38100">
+            <a:solidFill>
+              <a:schemeClr val="tx1">
+                <a:lumMod val="85000"/>
+              </a:schemeClr>
+            </a:solidFill>
+          </a:ln>
+        </p:spPr>
+        <p:style>
+          <a:lnRef idx="2">
+            <a:schemeClr val="accent1">
+              <a:shade val="50000"/>
+            </a:schemeClr>
+          </a:lnRef>
+          <a:fillRef idx="1">
+            <a:schemeClr val="accent1"/>
+          </a:fillRef>
+          <a:effectRef idx="0">
+            <a:schemeClr val="accent1"/>
+          </a:effectRef>
+          <a:fontRef idx="minor">
+            <a:schemeClr val="lt1"/>
+          </a:fontRef>
+        </p:style>
+        <p:txBody>
+          <a:bodyPr rtlCol="0" anchor="ctr"/>
+          <a:lstStyle/>
+          <a:p>
+            <a:r>
+              <a:rPr lang="ko-KR" altLang="en-US" sz="1000" dirty="0">
+                <a:latin typeface="HY헤드라인M" panose="02030600000101010101" pitchFamily="18" charset="-127"/>
+                <a:ea typeface="HY헤드라인M" panose="02030600000101010101" pitchFamily="18" charset="-127"/>
+              </a:rPr>
+              <a:t>메인 클라이언트</a:t>
+            </a:r>
+            <a:endParaRPr lang="en-US" altLang="ko-KR" sz="1000" dirty="0">
+              <a:latin typeface="HY헤드라인M" panose="02030600000101010101" pitchFamily="18" charset="-127"/>
+              <a:ea typeface="HY헤드라인M" panose="02030600000101010101" pitchFamily="18" charset="-127"/>
+            </a:endParaRPr>
+          </a:p>
+          <a:p>
+            <a:r>
+              <a:rPr lang="ko-KR" altLang="en-US" sz="1000" dirty="0" err="1">
+                <a:latin typeface="HY헤드라인M" panose="02030600000101010101" pitchFamily="18" charset="-127"/>
+                <a:ea typeface="HY헤드라인M" panose="02030600000101010101" pitchFamily="18" charset="-127"/>
+              </a:rPr>
+              <a:t>쉐이더</a:t>
+            </a:r>
+            <a:r>
+              <a:rPr lang="ko-KR" altLang="en-US" sz="1000" dirty="0">
+                <a:latin typeface="HY헤드라인M" panose="02030600000101010101" pitchFamily="18" charset="-127"/>
+                <a:ea typeface="HY헤드라인M" panose="02030600000101010101" pitchFamily="18" charset="-127"/>
+              </a:rPr>
+              <a:t> </a:t>
+            </a:r>
+            <a:r>
+              <a:rPr lang="en-US" altLang="ko-KR" sz="1000" dirty="0">
+                <a:latin typeface="HY헤드라인M" panose="02030600000101010101" pitchFamily="18" charset="-127"/>
+                <a:ea typeface="HY헤드라인M" panose="02030600000101010101" pitchFamily="18" charset="-127"/>
+              </a:rPr>
+              <a:t>/ FBX</a:t>
+            </a:r>
+            <a:endParaRPr lang="ko-KR" altLang="en-US" sz="1000" dirty="0">
+              <a:latin typeface="HY헤드라인M" panose="02030600000101010101" pitchFamily="18" charset="-127"/>
+              <a:ea typeface="HY헤드라인M" panose="02030600000101010101" pitchFamily="18" charset="-127"/>
+            </a:endParaRPr>
+          </a:p>
+        </p:txBody>
+      </p:sp>
+      <p:sp>
+        <p:nvSpPr>
+          <p:cNvPr id="14" name="직사각형 13">
+            <a:extLst>
+              <a:ext uri="{FF2B5EF4-FFF2-40B4-BE49-F238E27FC236}">
+                <a16:creationId xmlns:a16="http://schemas.microsoft.com/office/drawing/2014/main" id="{FE34F00A-57FF-4ED4-A4D7-142BBBAEFBF0}"/>
+              </a:ext>
+            </a:extLst>
+          </p:cNvPr>
+          <p:cNvSpPr/>
+          <p:nvPr/>
+        </p:nvSpPr>
+        <p:spPr>
+          <a:xfrm>
+            <a:off x="6003053" y="1094880"/>
+            <a:ext cx="2079255" cy="500066"/>
+          </a:xfrm>
+          <a:prstGeom prst="rect">
+            <a:avLst/>
+          </a:prstGeom>
+          <a:ln w="38100">
+            <a:solidFill>
+              <a:schemeClr val="tx1">
+                <a:lumMod val="85000"/>
+              </a:schemeClr>
+            </a:solidFill>
+          </a:ln>
+        </p:spPr>
+        <p:style>
+          <a:lnRef idx="2">
+            <a:schemeClr val="accent1">
+              <a:shade val="50000"/>
+            </a:schemeClr>
+          </a:lnRef>
+          <a:fillRef idx="1">
+            <a:schemeClr val="accent1"/>
+          </a:fillRef>
+          <a:effectRef idx="0">
+            <a:schemeClr val="accent1"/>
+          </a:effectRef>
+          <a:fontRef idx="minor">
+            <a:schemeClr val="lt1"/>
+          </a:fontRef>
+        </p:style>
+        <p:txBody>
+          <a:bodyPr rtlCol="0" anchor="ctr"/>
+          <a:lstStyle/>
+          <a:p>
+            <a:r>
+              <a:rPr lang="ko-KR" altLang="en-US" sz="1000" dirty="0">
+                <a:latin typeface="HY헤드라인M" panose="02030600000101010101" pitchFamily="18" charset="-127"/>
+                <a:ea typeface="HY헤드라인M" panose="02030600000101010101" pitchFamily="18" charset="-127"/>
+              </a:rPr>
+              <a:t>기획 </a:t>
+            </a:r>
+            <a:endParaRPr lang="en-US" altLang="ko-KR" sz="1000" dirty="0">
+              <a:latin typeface="HY헤드라인M" panose="02030600000101010101" pitchFamily="18" charset="-127"/>
+              <a:ea typeface="HY헤드라인M" panose="02030600000101010101" pitchFamily="18" charset="-127"/>
+            </a:endParaRPr>
+          </a:p>
+          <a:p>
+            <a:r>
+              <a:rPr lang="ko-KR" altLang="en-US" sz="1000" dirty="0">
+                <a:latin typeface="HY헤드라인M" panose="02030600000101010101" pitchFamily="18" charset="-127"/>
+                <a:ea typeface="HY헤드라인M" panose="02030600000101010101" pitchFamily="18" charset="-127"/>
+              </a:rPr>
+              <a:t>서브 클라이언트</a:t>
+            </a:r>
+            <a:endParaRPr lang="en-US" altLang="ko-KR" sz="1000" dirty="0">
+              <a:latin typeface="HY헤드라인M" panose="02030600000101010101" pitchFamily="18" charset="-127"/>
+              <a:ea typeface="HY헤드라인M" panose="02030600000101010101" pitchFamily="18" charset="-127"/>
+            </a:endParaRPr>
+          </a:p>
+          <a:p>
+            <a:r>
+              <a:rPr lang="ko-KR" altLang="en-US" sz="1000" dirty="0" err="1">
+                <a:latin typeface="HY헤드라인M" panose="02030600000101010101" pitchFamily="18" charset="-127"/>
+                <a:ea typeface="HY헤드라인M" panose="02030600000101010101" pitchFamily="18" charset="-127"/>
+              </a:rPr>
+              <a:t>쉐이더</a:t>
+            </a:r>
+            <a:r>
+              <a:rPr lang="ko-KR" altLang="en-US" sz="1000" dirty="0">
+                <a:latin typeface="HY헤드라인M" panose="02030600000101010101" pitchFamily="18" charset="-127"/>
+                <a:ea typeface="HY헤드라인M" panose="02030600000101010101" pitchFamily="18" charset="-127"/>
+              </a:rPr>
+              <a:t> </a:t>
+            </a:r>
+            <a:r>
+              <a:rPr lang="en-US" altLang="ko-KR" sz="1000" dirty="0">
+                <a:latin typeface="HY헤드라인M" panose="02030600000101010101" pitchFamily="18" charset="-127"/>
+                <a:ea typeface="HY헤드라인M" panose="02030600000101010101" pitchFamily="18" charset="-127"/>
+              </a:rPr>
+              <a:t>/ </a:t>
+            </a:r>
+            <a:r>
+              <a:rPr lang="ko-KR" altLang="en-US" sz="1000" dirty="0">
+                <a:latin typeface="HY헤드라인M" panose="02030600000101010101" pitchFamily="18" charset="-127"/>
+                <a:ea typeface="HY헤드라인M" panose="02030600000101010101" pitchFamily="18" charset="-127"/>
+              </a:rPr>
+              <a:t>모델링</a:t>
+            </a:r>
+          </a:p>
+        </p:txBody>
+      </p:sp>
+      <p:sp>
+        <p:nvSpPr>
+          <p:cNvPr id="15" name="직사각형 14">
+            <a:extLst>
+              <a:ext uri="{FF2B5EF4-FFF2-40B4-BE49-F238E27FC236}">
+                <a16:creationId xmlns:a16="http://schemas.microsoft.com/office/drawing/2014/main" id="{62195393-AEB1-4698-A66D-EE32C8487BAB}"/>
+              </a:ext>
+            </a:extLst>
+          </p:cNvPr>
+          <p:cNvSpPr/>
+          <p:nvPr/>
+        </p:nvSpPr>
+        <p:spPr>
+          <a:xfrm>
+            <a:off x="9332386" y="1094880"/>
+            <a:ext cx="2079255" cy="500066"/>
+          </a:xfrm>
+          <a:prstGeom prst="rect">
+            <a:avLst/>
+          </a:prstGeom>
+          <a:ln w="38100">
+            <a:solidFill>
+              <a:schemeClr val="tx1">
+                <a:lumMod val="85000"/>
+              </a:schemeClr>
+            </a:solidFill>
+          </a:ln>
+        </p:spPr>
+        <p:style>
+          <a:lnRef idx="2">
+            <a:schemeClr val="accent1">
+              <a:shade val="50000"/>
+            </a:schemeClr>
+          </a:lnRef>
+          <a:fillRef idx="1">
+            <a:schemeClr val="accent1"/>
+          </a:fillRef>
+          <a:effectRef idx="0">
+            <a:schemeClr val="accent1"/>
+          </a:effectRef>
+          <a:fontRef idx="minor">
+            <a:schemeClr val="lt1"/>
+          </a:fontRef>
+        </p:style>
+        <p:txBody>
+          <a:bodyPr rtlCol="0" anchor="ctr"/>
+          <a:lstStyle/>
+          <a:p>
+            <a:r>
+              <a:rPr lang="ko-KR" altLang="en-US" sz="1100" dirty="0">
+                <a:latin typeface="HY헤드라인M" panose="02030600000101010101" pitchFamily="18" charset="-127"/>
+                <a:ea typeface="HY헤드라인M" panose="02030600000101010101" pitchFamily="18" charset="-127"/>
+              </a:rPr>
+              <a:t>서버</a:t>
+            </a:r>
+            <a:endParaRPr lang="en-US" altLang="ko-KR" sz="1100" dirty="0">
+              <a:latin typeface="HY헤드라인M" panose="02030600000101010101" pitchFamily="18" charset="-127"/>
+              <a:ea typeface="HY헤드라인M" panose="02030600000101010101" pitchFamily="18" charset="-127"/>
+            </a:endParaRPr>
+          </a:p>
+          <a:p>
+            <a:r>
+              <a:rPr lang="ko-KR" altLang="en-US" sz="1100" dirty="0">
+                <a:latin typeface="HY헤드라인M" panose="02030600000101010101" pitchFamily="18" charset="-127"/>
+                <a:ea typeface="HY헤드라인M" panose="02030600000101010101" pitchFamily="18" charset="-127"/>
+              </a:rPr>
+              <a:t>물리 처리</a:t>
+            </a:r>
+          </a:p>
+        </p:txBody>
+      </p:sp>
     </p:spTree>
     <p:extLst>
       <p:ext uri="{BB962C8B-B14F-4D97-AF65-F5344CB8AC3E}">
@@ -13813,10 +15452,10 @@
       </p:sp>
       <p:sp>
         <p:nvSpPr>
-          <p:cNvPr id="12" name="사각형: 둥근 모서리 11">
+          <p:cNvPr id="7" name="직사각형 6">
             <a:extLst>
               <a:ext uri="{FF2B5EF4-FFF2-40B4-BE49-F238E27FC236}">
-                <a16:creationId xmlns:a16="http://schemas.microsoft.com/office/drawing/2014/main" id="{5EA33856-6535-4222-B099-7A66558FA639}"/>
+                <a16:creationId xmlns:a16="http://schemas.microsoft.com/office/drawing/2014/main" id="{EB3F4BF0-110A-4A58-82F2-787F034DEB58}"/>
               </a:ext>
             </a:extLst>
           </p:cNvPr>
@@ -13825,18 +15464,19 @@
         </p:nvSpPr>
         <p:spPr>
           <a:xfrm>
-            <a:off x="1193326" y="1962150"/>
-            <a:ext cx="10084274" cy="4286250"/>
+            <a:off x="1419225" y="2090714"/>
+            <a:ext cx="990600" cy="923330"/>
           </a:xfrm>
-          <a:prstGeom prst="roundRect">
+          <a:prstGeom prst="rect">
             <a:avLst/>
           </a:prstGeom>
-          <a:solidFill>
-            <a:schemeClr val="bg1">
-              <a:lumMod val="65000"/>
-              <a:lumOff val="35000"/>
-            </a:schemeClr>
-          </a:solidFill>
+          <a:ln w="38100">
+            <a:solidFill>
+              <a:schemeClr val="tx1">
+                <a:lumMod val="85000"/>
+              </a:schemeClr>
+            </a:solidFill>
+          </a:ln>
         </p:spPr>
         <p:style>
           <a:lnRef idx="2">
@@ -13855,29 +15495,87 @@
           </a:fontRef>
         </p:style>
         <p:txBody>
-          <a:bodyPr rtlCol="0" anchor="t"/>
+          <a:bodyPr rtlCol="0" anchor="ctr"/>
           <a:lstStyle/>
           <a:p>
-            <a:r>
-              <a:rPr lang="en-US" altLang="ko-KR" sz="4000" dirty="0">
-                <a:solidFill>
-                  <a:schemeClr val="bg1"/>
-                </a:solidFill>
-              </a:rPr>
-              <a:t>-</a:t>
-            </a:r>
-            <a:r>
-              <a:rPr lang="en-US" altLang="ko-KR" sz="4000" dirty="0">
+            <a:pPr algn="ctr"/>
+            <a:r>
+              <a:rPr lang="en-US" altLang="ko-KR" sz="3600" dirty="0">
                 <a:solidFill>
                   <a:schemeClr val="bg1"/>
                 </a:solidFill>
                 <a:latin typeface="HY헤드라인M" panose="02030600000101010101" pitchFamily="18" charset="-127"/>
                 <a:ea typeface="HY헤드라인M" panose="02030600000101010101" pitchFamily="18" charset="-127"/>
               </a:rPr>
-              <a:t> Direct 3D 12</a:t>
-            </a:r>
-            <a:r>
-              <a:rPr lang="ko-KR" altLang="en-US" sz="4000" dirty="0">
+              <a:t>1</a:t>
+            </a:r>
+          </a:p>
+        </p:txBody>
+      </p:sp>
+      <p:sp>
+        <p:nvSpPr>
+          <p:cNvPr id="8" name="직사각형 7">
+            <a:extLst>
+              <a:ext uri="{FF2B5EF4-FFF2-40B4-BE49-F238E27FC236}">
+                <a16:creationId xmlns:a16="http://schemas.microsoft.com/office/drawing/2014/main" id="{89BDA92D-69BF-4E6A-9ACD-C9123FB0D5C3}"/>
+              </a:ext>
+            </a:extLst>
+          </p:cNvPr>
+          <p:cNvSpPr/>
+          <p:nvPr/>
+        </p:nvSpPr>
+        <p:spPr>
+          <a:xfrm>
+            <a:off x="2409824" y="2090714"/>
+            <a:ext cx="9096375" cy="923330"/>
+          </a:xfrm>
+          <a:prstGeom prst="rect">
+            <a:avLst/>
+          </a:prstGeom>
+          <a:solidFill>
+            <a:srgbClr val="595959"/>
+          </a:solidFill>
+          <a:ln w="38100">
+            <a:solidFill>
+              <a:schemeClr val="tx1">
+                <a:lumMod val="85000"/>
+              </a:schemeClr>
+            </a:solidFill>
+          </a:ln>
+        </p:spPr>
+        <p:style>
+          <a:lnRef idx="2">
+            <a:schemeClr val="accent1">
+              <a:shade val="50000"/>
+            </a:schemeClr>
+          </a:lnRef>
+          <a:fillRef idx="1">
+            <a:schemeClr val="accent1"/>
+          </a:fillRef>
+          <a:effectRef idx="0">
+            <a:schemeClr val="accent1"/>
+          </a:effectRef>
+          <a:fontRef idx="minor">
+            <a:schemeClr val="lt1"/>
+          </a:fontRef>
+        </p:style>
+        <p:txBody>
+          <a:bodyPr rtlCol="0" anchor="ctr"/>
+          <a:lstStyle/>
+          <a:p>
+            <a:pPr algn="ctr"/>
+            <a:r>
+              <a:rPr lang="en-US" altLang="ko-KR" sz="3200" dirty="0">
+                <a:solidFill>
+                  <a:schemeClr val="bg1"/>
+                </a:solidFill>
+                <a:latin typeface="HY헤드라인M" panose="02030600000101010101" pitchFamily="18" charset="-127"/>
+                <a:ea typeface="HY헤드라인M" panose="02030600000101010101" pitchFamily="18" charset="-127"/>
+              </a:rPr>
+              <a:t>Direct 3D 12</a:t>
+            </a:r>
+            <a:r>
+              <a:rPr lang="ko-KR" altLang="en-US" sz="3200" dirty="0">
                 <a:solidFill>
                   <a:schemeClr val="bg1"/>
                 </a:solidFill>
@@ -13886,33 +15584,129 @@
               </a:rPr>
               <a:t>를 이용한 게임 제작</a:t>
             </a:r>
-            <a:endParaRPr lang="en-US" altLang="ko-KR" sz="4000" dirty="0">
-              <a:solidFill>
-                <a:schemeClr val="bg1"/>
-              </a:solidFill>
+            <a:endParaRPr lang="en-US" altLang="ko-KR" sz="3200" dirty="0">
+              <a:latin typeface="HY헤드라인M" panose="02030600000101010101" pitchFamily="18" charset="-127"/>
+              <a:ea typeface="HY헤드라인M" panose="02030600000101010101" pitchFamily="18" charset="-127"/>
             </a:endParaRPr>
           </a:p>
-          <a:p>
-            <a:endParaRPr lang="en-US" altLang="ko-KR" sz="4800" dirty="0"/>
-          </a:p>
-          <a:p>
-            <a:r>
-              <a:rPr lang="en-US" altLang="ko-KR" sz="4000" dirty="0">
+        </p:txBody>
+      </p:sp>
+      <p:sp>
+        <p:nvSpPr>
+          <p:cNvPr id="9" name="직사각형 8">
+            <a:extLst>
+              <a:ext uri="{FF2B5EF4-FFF2-40B4-BE49-F238E27FC236}">
+                <a16:creationId xmlns:a16="http://schemas.microsoft.com/office/drawing/2014/main" id="{59A36838-9EE8-4C2A-8880-AA353EF48632}"/>
+              </a:ext>
+            </a:extLst>
+          </p:cNvPr>
+          <p:cNvSpPr/>
+          <p:nvPr/>
+        </p:nvSpPr>
+        <p:spPr>
+          <a:xfrm>
+            <a:off x="1419225" y="3550082"/>
+            <a:ext cx="990600" cy="923330"/>
+          </a:xfrm>
+          <a:prstGeom prst="rect">
+            <a:avLst/>
+          </a:prstGeom>
+          <a:ln w="38100">
+            <a:solidFill>
+              <a:schemeClr val="tx1">
+                <a:lumMod val="85000"/>
+              </a:schemeClr>
+            </a:solidFill>
+          </a:ln>
+        </p:spPr>
+        <p:style>
+          <a:lnRef idx="2">
+            <a:schemeClr val="accent1">
+              <a:shade val="50000"/>
+            </a:schemeClr>
+          </a:lnRef>
+          <a:fillRef idx="1">
+            <a:schemeClr val="accent1"/>
+          </a:fillRef>
+          <a:effectRef idx="0">
+            <a:schemeClr val="accent1"/>
+          </a:effectRef>
+          <a:fontRef idx="minor">
+            <a:schemeClr val="lt1"/>
+          </a:fontRef>
+        </p:style>
+        <p:txBody>
+          <a:bodyPr rtlCol="0" anchor="ctr"/>
+          <a:lstStyle/>
+          <a:p>
+            <a:pPr algn="ctr"/>
+            <a:r>
+              <a:rPr lang="en-US" altLang="ko-KR" sz="3600" dirty="0">
                 <a:solidFill>
                   <a:schemeClr val="bg1"/>
                 </a:solidFill>
-              </a:rPr>
-              <a:t>-</a:t>
-            </a:r>
-            <a:r>
-              <a:rPr lang="en-US" altLang="ko-KR" sz="4000" dirty="0">
                 <a:latin typeface="HY헤드라인M" panose="02030600000101010101" pitchFamily="18" charset="-127"/>
                 <a:ea typeface="HY헤드라인M" panose="02030600000101010101" pitchFamily="18" charset="-127"/>
               </a:rPr>
-              <a:t> </a:t>
-            </a:r>
-            <a:r>
-              <a:rPr lang="en-US" altLang="ko-KR" sz="4000" dirty="0">
+              <a:t>2</a:t>
+            </a:r>
+          </a:p>
+        </p:txBody>
+      </p:sp>
+      <p:sp>
+        <p:nvSpPr>
+          <p:cNvPr id="10" name="직사각형 9">
+            <a:extLst>
+              <a:ext uri="{FF2B5EF4-FFF2-40B4-BE49-F238E27FC236}">
+                <a16:creationId xmlns:a16="http://schemas.microsoft.com/office/drawing/2014/main" id="{807C52CB-BD9B-4673-9049-8796D83FD46E}"/>
+              </a:ext>
+            </a:extLst>
+          </p:cNvPr>
+          <p:cNvSpPr/>
+          <p:nvPr/>
+        </p:nvSpPr>
+        <p:spPr>
+          <a:xfrm>
+            <a:off x="2409824" y="3550082"/>
+            <a:ext cx="9096375" cy="923330"/>
+          </a:xfrm>
+          <a:prstGeom prst="rect">
+            <a:avLst/>
+          </a:prstGeom>
+          <a:solidFill>
+            <a:srgbClr val="595959"/>
+          </a:solidFill>
+          <a:ln w="38100">
+            <a:solidFill>
+              <a:schemeClr val="tx1">
+                <a:lumMod val="85000"/>
+              </a:schemeClr>
+            </a:solidFill>
+          </a:ln>
+        </p:spPr>
+        <p:style>
+          <a:lnRef idx="2">
+            <a:schemeClr val="accent1">
+              <a:shade val="50000"/>
+            </a:schemeClr>
+          </a:lnRef>
+          <a:fillRef idx="1">
+            <a:schemeClr val="accent1"/>
+          </a:fillRef>
+          <a:effectRef idx="0">
+            <a:schemeClr val="accent1"/>
+          </a:effectRef>
+          <a:fontRef idx="minor">
+            <a:schemeClr val="lt1"/>
+          </a:fontRef>
+        </p:style>
+        <p:txBody>
+          <a:bodyPr rtlCol="0" anchor="ctr"/>
+          <a:lstStyle/>
+          <a:p>
+            <a:pPr algn="ctr"/>
+            <a:r>
+              <a:rPr lang="en-US" altLang="ko-KR" sz="3200" dirty="0">
                 <a:solidFill>
                   <a:schemeClr val="bg1"/>
                 </a:solidFill>
@@ -13922,7 +15716,7 @@
               <a:t>IOCP</a:t>
             </a:r>
             <a:r>
-              <a:rPr lang="ko-KR" altLang="en-US" sz="4000" dirty="0">
+              <a:rPr lang="ko-KR" altLang="en-US" sz="3200" dirty="0">
                 <a:solidFill>
                   <a:schemeClr val="bg1"/>
                 </a:solidFill>
@@ -13931,32 +15725,141 @@
               </a:rPr>
               <a:t>를 활용한 게임 서버 구축</a:t>
             </a:r>
-            <a:endParaRPr lang="en-US" altLang="ko-KR" sz="4000" dirty="0">
+            <a:endParaRPr lang="en-US" altLang="ko-KR" sz="3200" dirty="0">
               <a:solidFill>
                 <a:schemeClr val="bg1"/>
               </a:solidFill>
             </a:endParaRPr>
           </a:p>
-          <a:p>
-            <a:endParaRPr lang="en-US" altLang="ko-KR" sz="4000" dirty="0">
-              <a:solidFill>
-                <a:schemeClr val="bg1"/>
-              </a:solidFill>
-            </a:endParaRPr>
-          </a:p>
-          <a:p>
-            <a:r>
-              <a:rPr lang="en-US" altLang="ko-KR" sz="4000" dirty="0">
+        </p:txBody>
+      </p:sp>
+      <p:sp>
+        <p:nvSpPr>
+          <p:cNvPr id="13" name="직사각형 12">
+            <a:extLst>
+              <a:ext uri="{FF2B5EF4-FFF2-40B4-BE49-F238E27FC236}">
+                <a16:creationId xmlns:a16="http://schemas.microsoft.com/office/drawing/2014/main" id="{478440EC-EC24-4929-8913-2756476C1194}"/>
+              </a:ext>
+            </a:extLst>
+          </p:cNvPr>
+          <p:cNvSpPr/>
+          <p:nvPr/>
+        </p:nvSpPr>
+        <p:spPr>
+          <a:xfrm>
+            <a:off x="1419225" y="5009450"/>
+            <a:ext cx="990600" cy="923330"/>
+          </a:xfrm>
+          <a:prstGeom prst="rect">
+            <a:avLst/>
+          </a:prstGeom>
+          <a:ln w="38100">
+            <a:solidFill>
+              <a:schemeClr val="tx1">
+                <a:lumMod val="85000"/>
+              </a:schemeClr>
+            </a:solidFill>
+          </a:ln>
+        </p:spPr>
+        <p:style>
+          <a:lnRef idx="2">
+            <a:schemeClr val="accent1">
+              <a:shade val="50000"/>
+            </a:schemeClr>
+          </a:lnRef>
+          <a:fillRef idx="1">
+            <a:schemeClr val="accent1"/>
+          </a:fillRef>
+          <a:effectRef idx="0">
+            <a:schemeClr val="accent1"/>
+          </a:effectRef>
+          <a:fontRef idx="minor">
+            <a:schemeClr val="lt1"/>
+          </a:fontRef>
+        </p:style>
+        <p:txBody>
+          <a:bodyPr rtlCol="0" anchor="ctr"/>
+          <a:lstStyle/>
+          <a:p>
+            <a:pPr algn="ctr"/>
+            <a:r>
+              <a:rPr lang="en-US" altLang="ko-KR" sz="3600" dirty="0">
                 <a:solidFill>
                   <a:schemeClr val="bg1"/>
                 </a:solidFill>
+                <a:latin typeface="HY헤드라인M" panose="02030600000101010101" pitchFamily="18" charset="-127"/>
+                <a:ea typeface="HY헤드라인M" panose="02030600000101010101" pitchFamily="18" charset="-127"/>
               </a:rPr>
-              <a:t>-</a:t>
-            </a:r>
-            <a:endParaRPr lang="ko-KR" altLang="en-US" sz="4000" dirty="0">
-              <a:solidFill>
-                <a:schemeClr val="bg1"/>
-              </a:solidFill>
+              <a:t>3</a:t>
+            </a:r>
+          </a:p>
+        </p:txBody>
+      </p:sp>
+      <p:sp>
+        <p:nvSpPr>
+          <p:cNvPr id="14" name="직사각형 13">
+            <a:extLst>
+              <a:ext uri="{FF2B5EF4-FFF2-40B4-BE49-F238E27FC236}">
+                <a16:creationId xmlns:a16="http://schemas.microsoft.com/office/drawing/2014/main" id="{2B1DD8E1-E321-4A11-8B31-EC204A25083D}"/>
+              </a:ext>
+            </a:extLst>
+          </p:cNvPr>
+          <p:cNvSpPr/>
+          <p:nvPr/>
+        </p:nvSpPr>
+        <p:spPr>
+          <a:xfrm>
+            <a:off x="2409824" y="5009450"/>
+            <a:ext cx="9096375" cy="923330"/>
+          </a:xfrm>
+          <a:prstGeom prst="rect">
+            <a:avLst/>
+          </a:prstGeom>
+          <a:solidFill>
+            <a:srgbClr val="595959"/>
+          </a:solidFill>
+          <a:ln w="38100">
+            <a:solidFill>
+              <a:schemeClr val="tx1">
+                <a:lumMod val="85000"/>
+              </a:schemeClr>
+            </a:solidFill>
+          </a:ln>
+        </p:spPr>
+        <p:style>
+          <a:lnRef idx="2">
+            <a:schemeClr val="accent1">
+              <a:shade val="50000"/>
+            </a:schemeClr>
+          </a:lnRef>
+          <a:fillRef idx="1">
+            <a:schemeClr val="accent1"/>
+          </a:fillRef>
+          <a:effectRef idx="0">
+            <a:schemeClr val="accent1"/>
+          </a:effectRef>
+          <a:fontRef idx="minor">
+            <a:schemeClr val="lt1"/>
+          </a:fontRef>
+        </p:style>
+        <p:txBody>
+          <a:bodyPr rtlCol="0" anchor="ctr"/>
+          <a:lstStyle/>
+          <a:p>
+            <a:pPr algn="ctr"/>
+            <a:r>
+              <a:rPr lang="ko-KR" altLang="en-US" sz="3200" dirty="0">
+                <a:solidFill>
+                  <a:schemeClr val="bg1"/>
+                </a:solidFill>
+                <a:latin typeface="HY헤드라인M" panose="02030600000101010101" pitchFamily="18" charset="-127"/>
+                <a:ea typeface="HY헤드라인M" panose="02030600000101010101" pitchFamily="18" charset="-127"/>
+              </a:rPr>
+              <a:t>카메라 워킹을 구현하여 몰입도 있는 게임 개발</a:t>
+            </a:r>
+            <a:endParaRPr lang="en-US" altLang="ko-KR" sz="3200" dirty="0">
+              <a:latin typeface="HY헤드라인M" panose="02030600000101010101" pitchFamily="18" charset="-127"/>
+              <a:ea typeface="HY헤드라인M" panose="02030600000101010101" pitchFamily="18" charset="-127"/>
             </a:endParaRPr>
           </a:p>
         </p:txBody>
@@ -13991,36 +15894,6 @@
           <a:chExt cx="0" cy="0"/>
         </a:xfrm>
       </p:grpSpPr>
-      <p:pic>
-        <p:nvPicPr>
-          <p:cNvPr id="7" name="그림 6" descr="개체, 다채로운, 테이블, 그룹이(가) 표시된 사진&#10;&#10;자동 생성된 설명">
-            <a:extLst>
-              <a:ext uri="{FF2B5EF4-FFF2-40B4-BE49-F238E27FC236}">
-                <a16:creationId xmlns:a16="http://schemas.microsoft.com/office/drawing/2014/main" id="{BE9A4D3B-F89D-4800-9F2A-3C70232E821E}"/>
-              </a:ext>
-            </a:extLst>
-          </p:cNvPr>
-          <p:cNvPicPr>
-            <a:picLocks noChangeAspect="1"/>
-          </p:cNvPicPr>
-          <p:nvPr/>
-        </p:nvPicPr>
-        <p:blipFill>
-          <a:blip r:embed="rId2"/>
-          <a:stretch>
-            <a:fillRect/>
-          </a:stretch>
-        </p:blipFill>
-        <p:spPr>
-          <a:xfrm>
-            <a:off x="6619874" y="1571625"/>
-            <a:ext cx="5343524" cy="4210050"/>
-          </a:xfrm>
-          <a:prstGeom prst="rect">
-            <a:avLst/>
-          </a:prstGeom>
-        </p:spPr>
-      </p:pic>
       <p:sp>
         <p:nvSpPr>
           <p:cNvPr id="6" name="직사각형 5">
@@ -14524,7 +16397,12 @@
           <a:prstGeom prst="rect">
             <a:avLst/>
           </a:prstGeom>
-          <a:noFill/>
+          <a:blipFill>
+            <a:blip r:embed="rId2"/>
+            <a:stretch>
+              <a:fillRect/>
+            </a:stretch>
+          </a:blipFill>
           <a:ln w="38100">
             <a:solidFill>
               <a:schemeClr val="tx1">
@@ -14769,6 +16647,12 @@
           <a:prstGeom prst="rect">
             <a:avLst/>
           </a:prstGeom>
+          <a:blipFill>
+            <a:blip r:embed="rId2"/>
+            <a:stretch>
+              <a:fillRect/>
+            </a:stretch>
+          </a:blipFill>
           <a:ln w="38100">
             <a:solidFill>
               <a:schemeClr val="tx1">
@@ -14800,8 +16684,9 @@
             <a:pPr algn="ctr"/>
             <a:r>
               <a:rPr lang="ko-KR" altLang="en-US" dirty="0"/>
-              <a:t>사진 이미지</a:t>
-            </a:r>
+              <a:t>샘플 이미지</a:t>
+            </a:r>
+            <a:endParaRPr lang="en-US" altLang="ko-KR" dirty="0"/>
           </a:p>
         </p:txBody>
       </p:sp>
@@ -14883,6 +16768,12 @@
           <a:prstGeom prst="rect">
             <a:avLst/>
           </a:prstGeom>
+          <a:blipFill>
+            <a:blip r:embed="rId3"/>
+            <a:stretch>
+              <a:fillRect/>
+            </a:stretch>
+          </a:blipFill>
           <a:ln w="38100">
             <a:solidFill>
               <a:schemeClr val="tx1">
@@ -14914,7 +16805,7 @@
             <a:pPr algn="ctr"/>
             <a:r>
               <a:rPr lang="ko-KR" altLang="en-US" dirty="0"/>
-              <a:t>사진 이미지</a:t>
+              <a:t>샘플 이미지</a:t>
             </a:r>
           </a:p>
         </p:txBody>
@@ -14972,7 +16863,7 @@
                 <a:latin typeface="HY헤드라인M" panose="02030600000101010101" pitchFamily="18" charset="-127"/>
                 <a:ea typeface="HY헤드라인M" panose="02030600000101010101" pitchFamily="18" charset="-127"/>
               </a:rPr>
-              <a:t>장애물</a:t>
+              <a:t>맵</a:t>
             </a:r>
           </a:p>
         </p:txBody>
@@ -15031,7 +16922,7 @@
                 <a:latin typeface="HY헤드라인M" panose="02030600000101010101" pitchFamily="18" charset="-127"/>
                 <a:ea typeface="HY헤드라인M" panose="02030600000101010101" pitchFamily="18" charset="-127"/>
               </a:rPr>
-              <a:t>-</a:t>
+              <a:t>5 X 10 X 10 M</a:t>
             </a:r>
             <a:endParaRPr lang="ko-KR" altLang="en-US" dirty="0">
               <a:latin typeface="HY헤드라인M" panose="02030600000101010101" pitchFamily="18" charset="-127"/>
@@ -15107,10 +16998,10 @@
       </p:sp>
       <p:sp>
         <p:nvSpPr>
-          <p:cNvPr id="19" name="직사각형 18">
+          <p:cNvPr id="24" name="직사각형 23">
             <a:extLst>
               <a:ext uri="{FF2B5EF4-FFF2-40B4-BE49-F238E27FC236}">
-                <a16:creationId xmlns:a16="http://schemas.microsoft.com/office/drawing/2014/main" id="{F3337BA9-E817-4561-9D39-60862B7B4598}"/>
+                <a16:creationId xmlns:a16="http://schemas.microsoft.com/office/drawing/2014/main" id="{2798B447-5B3B-4B9E-8896-02FA1F68D6E3}"/>
               </a:ext>
             </a:extLst>
           </p:cNvPr>
@@ -15119,7 +17010,7 @@
         </p:nvSpPr>
         <p:spPr>
           <a:xfrm>
-            <a:off x="6807674" y="5219699"/>
+            <a:off x="3878738" y="6053415"/>
             <a:ext cx="4676775" cy="646330"/>
           </a:xfrm>
           <a:prstGeom prst="rect">
@@ -15159,7 +17050,7 @@
                 <a:latin typeface="HY헤드라인M" panose="02030600000101010101" pitchFamily="18" charset="-127"/>
                 <a:ea typeface="HY헤드라인M" panose="02030600000101010101" pitchFamily="18" charset="-127"/>
               </a:rPr>
-              <a:t>-</a:t>
+              <a:t>200 m/h</a:t>
             </a:r>
             <a:endParaRPr lang="ko-KR" altLang="en-US" dirty="0">
               <a:latin typeface="HY헤드라인M" panose="02030600000101010101" pitchFamily="18" charset="-127"/>
@@ -15170,10 +17061,10 @@
       </p:sp>
       <p:sp>
         <p:nvSpPr>
-          <p:cNvPr id="20" name="화살표: 오각형 19">
+          <p:cNvPr id="25" name="화살표: 오각형 24">
             <a:extLst>
               <a:ext uri="{FF2B5EF4-FFF2-40B4-BE49-F238E27FC236}">
-                <a16:creationId xmlns:a16="http://schemas.microsoft.com/office/drawing/2014/main" id="{65967F84-D7F4-4A1C-9714-D3EDB1B63E78}"/>
+                <a16:creationId xmlns:a16="http://schemas.microsoft.com/office/drawing/2014/main" id="{37B31AA0-E3AD-49EE-9C5E-1622FEEFD01B}"/>
               </a:ext>
             </a:extLst>
           </p:cNvPr>
@@ -15182,7 +17073,7 @@
         </p:nvSpPr>
         <p:spPr>
           <a:xfrm>
-            <a:off x="6217124" y="5219698"/>
+            <a:off x="3288188" y="6053414"/>
             <a:ext cx="1514475" cy="646331"/>
           </a:xfrm>
           <a:prstGeom prst="homePlate">
@@ -15228,17 +17119,17 @@
                 <a:latin typeface="HY헤드라인M" panose="02030600000101010101" pitchFamily="18" charset="-127"/>
                 <a:ea typeface="HY헤드라인M" panose="02030600000101010101" pitchFamily="18" charset="-127"/>
               </a:rPr>
-              <a:t>장애물 크기</a:t>
+              <a:t>속도</a:t>
             </a:r>
           </a:p>
         </p:txBody>
       </p:sp>
       <p:sp>
         <p:nvSpPr>
-          <p:cNvPr id="24" name="직사각형 23">
+          <p:cNvPr id="26" name="직사각형 25">
             <a:extLst>
               <a:ext uri="{FF2B5EF4-FFF2-40B4-BE49-F238E27FC236}">
-                <a16:creationId xmlns:a16="http://schemas.microsoft.com/office/drawing/2014/main" id="{2798B447-5B3B-4B9E-8896-02FA1F68D6E3}"/>
+                <a16:creationId xmlns:a16="http://schemas.microsoft.com/office/drawing/2014/main" id="{54EB958C-F961-4567-A78B-CE66F04945D8}"/>
               </a:ext>
             </a:extLst>
           </p:cNvPr>
@@ -15247,7 +17138,7 @@
         </p:nvSpPr>
         <p:spPr>
           <a:xfrm>
-            <a:off x="1298101" y="6019112"/>
+            <a:off x="6807676" y="5219699"/>
             <a:ext cx="4676775" cy="646330"/>
           </a:xfrm>
           <a:prstGeom prst="rect">
@@ -15287,134 +17178,6 @@
                 <a:latin typeface="HY헤드라인M" panose="02030600000101010101" pitchFamily="18" charset="-127"/>
                 <a:ea typeface="HY헤드라인M" panose="02030600000101010101" pitchFamily="18" charset="-127"/>
               </a:rPr>
-              <a:t>200 m/h</a:t>
-            </a:r>
-            <a:endParaRPr lang="ko-KR" altLang="en-US" dirty="0">
-              <a:latin typeface="HY헤드라인M" panose="02030600000101010101" pitchFamily="18" charset="-127"/>
-              <a:ea typeface="HY헤드라인M" panose="02030600000101010101" pitchFamily="18" charset="-127"/>
-            </a:endParaRPr>
-          </a:p>
-        </p:txBody>
-      </p:sp>
-      <p:sp>
-        <p:nvSpPr>
-          <p:cNvPr id="25" name="화살표: 오각형 24">
-            <a:extLst>
-              <a:ext uri="{FF2B5EF4-FFF2-40B4-BE49-F238E27FC236}">
-                <a16:creationId xmlns:a16="http://schemas.microsoft.com/office/drawing/2014/main" id="{37B31AA0-E3AD-49EE-9C5E-1622FEEFD01B}"/>
-              </a:ext>
-            </a:extLst>
-          </p:cNvPr>
-          <p:cNvSpPr/>
-          <p:nvPr/>
-        </p:nvSpPr>
-        <p:spPr>
-          <a:xfrm>
-            <a:off x="707551" y="6019111"/>
-            <a:ext cx="1514475" cy="646331"/>
-          </a:xfrm>
-          <a:prstGeom prst="homePlate">
-            <a:avLst/>
-          </a:prstGeom>
-          <a:solidFill>
-            <a:schemeClr val="bg1">
-              <a:lumMod val="65000"/>
-              <a:lumOff val="35000"/>
-            </a:schemeClr>
-          </a:solidFill>
-          <a:ln w="38100">
-            <a:solidFill>
-              <a:schemeClr val="tx1">
-                <a:lumMod val="85000"/>
-              </a:schemeClr>
-            </a:solidFill>
-          </a:ln>
-        </p:spPr>
-        <p:style>
-          <a:lnRef idx="2">
-            <a:schemeClr val="accent1">
-              <a:shade val="50000"/>
-            </a:schemeClr>
-          </a:lnRef>
-          <a:fillRef idx="1">
-            <a:schemeClr val="accent1"/>
-          </a:fillRef>
-          <a:effectRef idx="0">
-            <a:schemeClr val="accent1"/>
-          </a:effectRef>
-          <a:fontRef idx="minor">
-            <a:schemeClr val="lt1"/>
-          </a:fontRef>
-        </p:style>
-        <p:txBody>
-          <a:bodyPr rtlCol="0" anchor="ctr"/>
-          <a:lstStyle/>
-          <a:p>
-            <a:pPr algn="ctr"/>
-            <a:r>
-              <a:rPr lang="ko-KR" altLang="en-US" sz="1600" dirty="0">
-                <a:latin typeface="HY헤드라인M" panose="02030600000101010101" pitchFamily="18" charset="-127"/>
-                <a:ea typeface="HY헤드라인M" panose="02030600000101010101" pitchFamily="18" charset="-127"/>
-              </a:rPr>
-              <a:t>속도</a:t>
-            </a:r>
-          </a:p>
-        </p:txBody>
-      </p:sp>
-      <p:sp>
-        <p:nvSpPr>
-          <p:cNvPr id="26" name="직사각형 25">
-            <a:extLst>
-              <a:ext uri="{FF2B5EF4-FFF2-40B4-BE49-F238E27FC236}">
-                <a16:creationId xmlns:a16="http://schemas.microsoft.com/office/drawing/2014/main" id="{54EB958C-F961-4567-A78B-CE66F04945D8}"/>
-              </a:ext>
-            </a:extLst>
-          </p:cNvPr>
-          <p:cNvSpPr/>
-          <p:nvPr/>
-        </p:nvSpPr>
-        <p:spPr>
-          <a:xfrm>
-            <a:off x="6807674" y="6019111"/>
-            <a:ext cx="4676775" cy="646330"/>
-          </a:xfrm>
-          <a:prstGeom prst="rect">
-            <a:avLst/>
-          </a:prstGeom>
-          <a:ln w="38100">
-            <a:solidFill>
-              <a:schemeClr val="tx1">
-                <a:lumMod val="85000"/>
-              </a:schemeClr>
-            </a:solidFill>
-          </a:ln>
-        </p:spPr>
-        <p:style>
-          <a:lnRef idx="2">
-            <a:schemeClr val="accent1">
-              <a:shade val="50000"/>
-            </a:schemeClr>
-          </a:lnRef>
-          <a:fillRef idx="1">
-            <a:schemeClr val="accent1"/>
-          </a:fillRef>
-          <a:effectRef idx="0">
-            <a:schemeClr val="accent1"/>
-          </a:effectRef>
-          <a:fontRef idx="minor">
-            <a:schemeClr val="lt1"/>
-          </a:fontRef>
-        </p:style>
-        <p:txBody>
-          <a:bodyPr rtlCol="0" anchor="ctr"/>
-          <a:lstStyle/>
-          <a:p>
-            <a:pPr algn="ctr"/>
-            <a:r>
-              <a:rPr lang="en-US" altLang="ko-KR" dirty="0">
-                <a:latin typeface="HY헤드라인M" panose="02030600000101010101" pitchFamily="18" charset="-127"/>
-                <a:ea typeface="HY헤드라인M" panose="02030600000101010101" pitchFamily="18" charset="-127"/>
-              </a:rPr>
               <a:t>500 X 1000 X 200 M</a:t>
             </a:r>
             <a:endParaRPr lang="ko-KR" altLang="en-US" dirty="0">
@@ -15438,7 +17201,7 @@
         </p:nvSpPr>
         <p:spPr>
           <a:xfrm>
-            <a:off x="6217124" y="6019110"/>
+            <a:off x="6217126" y="5219698"/>
             <a:ext cx="1514475" cy="646331"/>
           </a:xfrm>
           <a:prstGeom prst="homePlate">
@@ -15782,13 +17545,10 @@
           <a:bodyPr rtlCol="0" anchor="ctr"/>
           <a:lstStyle/>
           <a:p>
-            <a:r>
-              <a:rPr lang="ko-KR" altLang="en-US" dirty="0">
-                <a:latin typeface="HY헤드라인M" panose="02030600000101010101" pitchFamily="18" charset="-127"/>
-                <a:ea typeface="HY헤드라인M" panose="02030600000101010101" pitchFamily="18" charset="-127"/>
-              </a:rPr>
-              <a:t>게임 설명</a:t>
-            </a:r>
+            <a:endParaRPr lang="ko-KR" altLang="en-US" dirty="0">
+              <a:latin typeface="HY헤드라인M" panose="02030600000101010101" pitchFamily="18" charset="-127"/>
+              <a:ea typeface="HY헤드라인M" panose="02030600000101010101" pitchFamily="18" charset="-127"/>
+            </a:endParaRPr>
           </a:p>
         </p:txBody>
       </p:sp>
@@ -17215,10 +18975,10 @@
       </p:sp>
       <p:sp>
         <p:nvSpPr>
-          <p:cNvPr id="12" name="직사각형 11">
+          <p:cNvPr id="7" name="직사각형 6">
             <a:extLst>
               <a:ext uri="{FF2B5EF4-FFF2-40B4-BE49-F238E27FC236}">
-                <a16:creationId xmlns:a16="http://schemas.microsoft.com/office/drawing/2014/main" id="{640F0722-8F30-4096-9ECD-204AC27D67E6}"/>
+                <a16:creationId xmlns:a16="http://schemas.microsoft.com/office/drawing/2014/main" id="{279B02B2-5E4C-4558-BAFE-F64A24F0DBA3}"/>
               </a:ext>
             </a:extLst>
           </p:cNvPr>
@@ -17261,14 +19021,92 @@
           </a:fontRef>
         </p:style>
         <p:txBody>
-          <a:bodyPr rtlCol="0" anchor="ctr"/>
+          <a:bodyPr rtlCol="0" anchor="t"/>
           <a:lstStyle/>
           <a:p>
-            <a:pPr algn="ctr"/>
-            <a:endParaRPr lang="en-US" altLang="ko-KR" sz="2000" dirty="0">
+            <a:endParaRPr lang="en-US" altLang="ko-KR" sz="2400" dirty="0">
               <a:latin typeface="HY헤드라인M" panose="02030600000101010101" pitchFamily="18" charset="-127"/>
               <a:ea typeface="HY헤드라인M" panose="02030600000101010101" pitchFamily="18" charset="-127"/>
             </a:endParaRPr>
+          </a:p>
+          <a:p>
+            <a:r>
+              <a:rPr lang="en-US" altLang="ko-KR" sz="2400" dirty="0">
+                <a:latin typeface="HY헤드라인M" panose="02030600000101010101" pitchFamily="18" charset="-127"/>
+                <a:ea typeface="HY헤드라인M" panose="02030600000101010101" pitchFamily="18" charset="-127"/>
+              </a:rPr>
+              <a:t>	-	</a:t>
+            </a:r>
+            <a:r>
+              <a:rPr lang="ko-KR" altLang="en-US" sz="2400" dirty="0">
+                <a:latin typeface="HY헤드라인M" panose="02030600000101010101" pitchFamily="18" charset="-127"/>
+                <a:ea typeface="HY헤드라인M" panose="02030600000101010101" pitchFamily="18" charset="-127"/>
+              </a:rPr>
+              <a:t>오브젝트들의 업데이트 및 렌더링 최적화</a:t>
+            </a:r>
+            <a:endParaRPr lang="en-US" altLang="ko-KR" sz="2400" dirty="0">
+              <a:latin typeface="HY헤드라인M" panose="02030600000101010101" pitchFamily="18" charset="-127"/>
+              <a:ea typeface="HY헤드라인M" panose="02030600000101010101" pitchFamily="18" charset="-127"/>
+            </a:endParaRPr>
+          </a:p>
+          <a:p>
+            <a:endParaRPr lang="en-US" altLang="ko-KR" sz="2400" dirty="0">
+              <a:latin typeface="HY헤드라인M" panose="02030600000101010101" pitchFamily="18" charset="-127"/>
+              <a:ea typeface="HY헤드라인M" panose="02030600000101010101" pitchFamily="18" charset="-127"/>
+            </a:endParaRPr>
+          </a:p>
+          <a:p>
+            <a:r>
+              <a:rPr lang="en-US" altLang="ko-KR" sz="2400" dirty="0">
+                <a:latin typeface="HY헤드라인M" panose="02030600000101010101" pitchFamily="18" charset="-127"/>
+                <a:ea typeface="HY헤드라인M" panose="02030600000101010101" pitchFamily="18" charset="-127"/>
+              </a:rPr>
+              <a:t>	-	</a:t>
+            </a:r>
+            <a:r>
+              <a:rPr lang="ko-KR" altLang="en-US" sz="2400" dirty="0" err="1">
+                <a:latin typeface="HY헤드라인M" panose="02030600000101010101" pitchFamily="18" charset="-127"/>
+                <a:ea typeface="HY헤드라인M" panose="02030600000101010101" pitchFamily="18" charset="-127"/>
+              </a:rPr>
+              <a:t>쉐이더</a:t>
+            </a:r>
+            <a:r>
+              <a:rPr lang="ko-KR" altLang="en-US" sz="2400" dirty="0">
+                <a:latin typeface="HY헤드라인M" panose="02030600000101010101" pitchFamily="18" charset="-127"/>
+                <a:ea typeface="HY헤드라인M" panose="02030600000101010101" pitchFamily="18" charset="-127"/>
+              </a:rPr>
+              <a:t> 프로그래밍을 이용한 게임 표현</a:t>
+            </a:r>
+            <a:endParaRPr lang="en-US" altLang="ko-KR" sz="2400" dirty="0">
+              <a:latin typeface="HY헤드라인M" panose="02030600000101010101" pitchFamily="18" charset="-127"/>
+              <a:ea typeface="HY헤드라인M" panose="02030600000101010101" pitchFamily="18" charset="-127"/>
+            </a:endParaRPr>
+          </a:p>
+          <a:p>
+            <a:endParaRPr lang="en-US" altLang="ko-KR" sz="2400" dirty="0">
+              <a:latin typeface="HY헤드라인M" panose="02030600000101010101" pitchFamily="18" charset="-127"/>
+              <a:ea typeface="HY헤드라인M" panose="02030600000101010101" pitchFamily="18" charset="-127"/>
+            </a:endParaRPr>
+          </a:p>
+          <a:p>
+            <a:r>
+              <a:rPr lang="en-US" altLang="ko-KR" sz="2400" dirty="0">
+                <a:latin typeface="HY헤드라인M" panose="02030600000101010101" pitchFamily="18" charset="-127"/>
+                <a:ea typeface="HY헤드라인M" panose="02030600000101010101" pitchFamily="18" charset="-127"/>
+              </a:rPr>
+              <a:t>	-	</a:t>
+            </a:r>
+            <a:r>
+              <a:rPr lang="ko-KR" altLang="en-US" sz="2400" dirty="0">
+                <a:latin typeface="HY헤드라인M" panose="02030600000101010101" pitchFamily="18" charset="-127"/>
+                <a:ea typeface="HY헤드라인M" panose="02030600000101010101" pitchFamily="18" charset="-127"/>
+              </a:rPr>
+              <a:t>카메라 워킹을 이용한 게임 표현</a:t>
+            </a:r>
+          </a:p>
+          <a:p>
+            <a:pPr algn="ctr"/>
+            <a:endParaRPr lang="ko-KR" altLang="en-US" sz="2000" dirty="0"/>
           </a:p>
         </p:txBody>
       </p:sp>

--- a/기획단계/졸작 제안서_α.pptx
+++ b/기획단계/졸작 제안서_α.pptx
@@ -12,15 +12,14 @@
     <p:sldId id="267" r:id="rId6"/>
     <p:sldId id="268" r:id="rId7"/>
     <p:sldId id="261" r:id="rId8"/>
-    <p:sldId id="272" r:id="rId9"/>
-    <p:sldId id="262" r:id="rId10"/>
-    <p:sldId id="263" r:id="rId11"/>
-    <p:sldId id="269" r:id="rId12"/>
-    <p:sldId id="264" r:id="rId13"/>
-    <p:sldId id="265" r:id="rId14"/>
-    <p:sldId id="270" r:id="rId15"/>
-    <p:sldId id="271" r:id="rId16"/>
-    <p:sldId id="259" r:id="rId17"/>
+    <p:sldId id="262" r:id="rId9"/>
+    <p:sldId id="263" r:id="rId10"/>
+    <p:sldId id="269" r:id="rId11"/>
+    <p:sldId id="264" r:id="rId12"/>
+    <p:sldId id="265" r:id="rId13"/>
+    <p:sldId id="270" r:id="rId14"/>
+    <p:sldId id="271" r:id="rId15"/>
+    <p:sldId id="259" r:id="rId16"/>
   </p:sldIdLst>
   <p:sldSz cx="12192000" cy="6858000"/>
   <p:notesSz cx="6858000" cy="9144000"/>
@@ -3974,17 +3973,17 @@
                 <a:latin typeface="HY헤드라인M" panose="02030600000101010101" pitchFamily="18" charset="-127"/>
                 <a:ea typeface="HY헤드라인M" panose="02030600000101010101" pitchFamily="18" charset="-127"/>
               </a:rPr>
-              <a:t>클라이언트</a:t>
+              <a:t>서버</a:t>
             </a:r>
           </a:p>
         </p:txBody>
       </p:sp>
       <p:sp>
         <p:nvSpPr>
-          <p:cNvPr id="10" name="직사각형 9">
+          <p:cNvPr id="5" name="직사각형 4">
             <a:extLst>
               <a:ext uri="{FF2B5EF4-FFF2-40B4-BE49-F238E27FC236}">
-                <a16:creationId xmlns:a16="http://schemas.microsoft.com/office/drawing/2014/main" id="{F3625E38-9DD3-4442-BF57-8A052A202C27}"/>
+                <a16:creationId xmlns:a16="http://schemas.microsoft.com/office/drawing/2014/main" id="{711DCDA1-7BF2-4A7D-9799-A995CEF01B7A}"/>
               </a:ext>
             </a:extLst>
           </p:cNvPr>
@@ -4040,10 +4039,10 @@
       </p:sp>
       <p:sp>
         <p:nvSpPr>
-          <p:cNvPr id="7" name="직사각형 6">
+          <p:cNvPr id="8" name="직사각형 7">
             <a:extLst>
               <a:ext uri="{FF2B5EF4-FFF2-40B4-BE49-F238E27FC236}">
-                <a16:creationId xmlns:a16="http://schemas.microsoft.com/office/drawing/2014/main" id="{279B02B2-5E4C-4558-BAFE-F64A24F0DBA3}"/>
+                <a16:creationId xmlns:a16="http://schemas.microsoft.com/office/drawing/2014/main" id="{D7033350-C6F0-4470-B109-7B17703E07B5}"/>
               </a:ext>
             </a:extLst>
           </p:cNvPr>
@@ -4100,14 +4099,14 @@
                 <a:latin typeface="HY헤드라인M" panose="02030600000101010101" pitchFamily="18" charset="-127"/>
                 <a:ea typeface="HY헤드라인M" panose="02030600000101010101" pitchFamily="18" charset="-127"/>
               </a:rPr>
-              <a:t>	-	</a:t>
+              <a:t>	-	IOCP</a:t>
             </a:r>
             <a:r>
               <a:rPr lang="ko-KR" altLang="en-US" sz="2400" dirty="0">
                 <a:latin typeface="HY헤드라인M" panose="02030600000101010101" pitchFamily="18" charset="-127"/>
                 <a:ea typeface="HY헤드라인M" panose="02030600000101010101" pitchFamily="18" charset="-127"/>
               </a:rPr>
-              <a:t>오브젝트들의 업데이트 및 렌더링 최적화</a:t>
+              <a:t>를 이용한 여러 개의 클라이언트 접속 유지</a:t>
             </a:r>
             <a:endParaRPr lang="en-US" altLang="ko-KR" sz="2400" dirty="0">
               <a:latin typeface="HY헤드라인M" panose="02030600000101010101" pitchFamily="18" charset="-127"/>
@@ -4129,44 +4128,11 @@
               <a:t>	-	</a:t>
             </a:r>
             <a:r>
-              <a:rPr lang="ko-KR" altLang="en-US" sz="2400" dirty="0" err="1">
-                <a:latin typeface="HY헤드라인M" panose="02030600000101010101" pitchFamily="18" charset="-127"/>
-                <a:ea typeface="HY헤드라인M" panose="02030600000101010101" pitchFamily="18" charset="-127"/>
-              </a:rPr>
-              <a:t>쉐이더</a:t>
-            </a:r>
-            <a:r>
               <a:rPr lang="ko-KR" altLang="en-US" sz="2400" dirty="0">
                 <a:latin typeface="HY헤드라인M" panose="02030600000101010101" pitchFamily="18" charset="-127"/>
                 <a:ea typeface="HY헤드라인M" panose="02030600000101010101" pitchFamily="18" charset="-127"/>
               </a:rPr>
-              <a:t> 프로그래밍을 이용한 게임 표현</a:t>
-            </a:r>
-            <a:endParaRPr lang="en-US" altLang="ko-KR" sz="2400" dirty="0">
-              <a:latin typeface="HY헤드라인M" panose="02030600000101010101" pitchFamily="18" charset="-127"/>
-              <a:ea typeface="HY헤드라인M" panose="02030600000101010101" pitchFamily="18" charset="-127"/>
-            </a:endParaRPr>
-          </a:p>
-          <a:p>
-            <a:endParaRPr lang="en-US" altLang="ko-KR" sz="2400" dirty="0">
-              <a:latin typeface="HY헤드라인M" panose="02030600000101010101" pitchFamily="18" charset="-127"/>
-              <a:ea typeface="HY헤드라인M" panose="02030600000101010101" pitchFamily="18" charset="-127"/>
-            </a:endParaRPr>
-          </a:p>
-          <a:p>
-            <a:r>
-              <a:rPr lang="en-US" altLang="ko-KR" sz="2400" dirty="0">
-                <a:latin typeface="HY헤드라인M" panose="02030600000101010101" pitchFamily="18" charset="-127"/>
-                <a:ea typeface="HY헤드라인M" panose="02030600000101010101" pitchFamily="18" charset="-127"/>
-              </a:rPr>
-              <a:t>	-	</a:t>
-            </a:r>
-            <a:r>
-              <a:rPr lang="ko-KR" altLang="en-US" sz="2400" dirty="0">
-                <a:latin typeface="HY헤드라인M" panose="02030600000101010101" pitchFamily="18" charset="-127"/>
-                <a:ea typeface="HY헤드라인M" panose="02030600000101010101" pitchFamily="18" charset="-127"/>
-              </a:rPr>
-              <a:t>카메라 워킹을 이용한 게임 표현</a:t>
+              <a:t>물리엔진의 실시간 처리</a:t>
             </a:r>
           </a:p>
           <a:p>
@@ -4178,7 +4144,7 @@
     </p:spTree>
     <p:extLst>
       <p:ext uri="{BB962C8B-B14F-4D97-AF65-F5344CB8AC3E}">
-        <p14:creationId xmlns:p14="http://schemas.microsoft.com/office/powerpoint/2010/main" val="4246745071"/>
+        <p14:creationId xmlns:p14="http://schemas.microsoft.com/office/powerpoint/2010/main" val="2000490652"/>
       </p:ext>
     </p:extLst>
   </p:cSld>
@@ -4260,7 +4226,7 @@
                 <a:latin typeface="HY헤드라인M" panose="02030600000101010101" pitchFamily="18" charset="-127"/>
                 <a:ea typeface="HY헤드라인M" panose="02030600000101010101" pitchFamily="18" charset="-127"/>
               </a:rPr>
-              <a:t>5</a:t>
+              <a:t>6</a:t>
             </a:r>
             <a:endParaRPr lang="ko-KR" altLang="en-US" sz="5400" dirty="0">
               <a:latin typeface="HY헤드라인M" panose="02030600000101010101" pitchFamily="18" charset="-127"/>
@@ -4284,7 +4250,7 @@
         <p:spPr>
           <a:xfrm>
             <a:off x="1419225" y="393221"/>
-            <a:ext cx="7000875" cy="646331"/>
+            <a:ext cx="3895725" cy="646331"/>
           </a:xfrm>
           <a:prstGeom prst="rect">
             <a:avLst/>
@@ -4302,7 +4268,7 @@
                 <a:latin typeface="HY헤드라인M" panose="02030600000101010101" pitchFamily="18" charset="-127"/>
                 <a:ea typeface="HY헤드라인M" panose="02030600000101010101" pitchFamily="18" charset="-127"/>
               </a:rPr>
-              <a:t>기술적 요소</a:t>
+              <a:t>개인별 준비 현황</a:t>
             </a:r>
             <a:endParaRPr lang="ko-KR" altLang="en-US" dirty="0"/>
           </a:p>
@@ -4310,10 +4276,10 @@
       </p:sp>
       <p:sp>
         <p:nvSpPr>
-          <p:cNvPr id="4" name="직사각형 3">
+          <p:cNvPr id="5" name="직사각형 4">
             <a:extLst>
               <a:ext uri="{FF2B5EF4-FFF2-40B4-BE49-F238E27FC236}">
-                <a16:creationId xmlns:a16="http://schemas.microsoft.com/office/drawing/2014/main" id="{C7A9A389-7B45-4FDD-BB1C-85EDD793729F}"/>
+                <a16:creationId xmlns:a16="http://schemas.microsoft.com/office/drawing/2014/main" id="{77B11E97-3DE7-40DA-8FF7-A32B35070F07}"/>
               </a:ext>
             </a:extLst>
           </p:cNvPr>
@@ -4322,8 +4288,8 @@
         </p:nvSpPr>
         <p:spPr>
           <a:xfrm>
-            <a:off x="5101313" y="1298097"/>
-            <a:ext cx="1989374" cy="809625"/>
+            <a:off x="1631476" y="1298100"/>
+            <a:ext cx="3390901" cy="809625"/>
           </a:xfrm>
           <a:prstGeom prst="rect">
             <a:avLst/>
@@ -4358,21 +4324,25 @@
           <a:p>
             <a:pPr algn="ctr"/>
             <a:r>
-              <a:rPr lang="ko-KR" altLang="en-US" sz="2800" dirty="0">
+              <a:rPr lang="ko-KR" altLang="en-US" sz="2800" dirty="0" err="1">
                 <a:latin typeface="HY헤드라인M" panose="02030600000101010101" pitchFamily="18" charset="-127"/>
                 <a:ea typeface="HY헤드라인M" panose="02030600000101010101" pitchFamily="18" charset="-127"/>
               </a:rPr>
-              <a:t>서버</a:t>
-            </a:r>
+              <a:t>김영완</a:t>
+            </a:r>
+            <a:endParaRPr lang="ko-KR" altLang="en-US" sz="2800" dirty="0">
+              <a:latin typeface="HY헤드라인M" panose="02030600000101010101" pitchFamily="18" charset="-127"/>
+              <a:ea typeface="HY헤드라인M" panose="02030600000101010101" pitchFamily="18" charset="-127"/>
+            </a:endParaRPr>
           </a:p>
         </p:txBody>
       </p:sp>
       <p:sp>
         <p:nvSpPr>
-          <p:cNvPr id="5" name="직사각형 4">
+          <p:cNvPr id="7" name="직사각형 6">
             <a:extLst>
               <a:ext uri="{FF2B5EF4-FFF2-40B4-BE49-F238E27FC236}">
-                <a16:creationId xmlns:a16="http://schemas.microsoft.com/office/drawing/2014/main" id="{711DCDA1-7BF2-4A7D-9799-A995CEF01B7A}"/>
+                <a16:creationId xmlns:a16="http://schemas.microsoft.com/office/drawing/2014/main" id="{F339315A-041C-45AC-82AD-9EE2920A232E}"/>
               </a:ext>
             </a:extLst>
           </p:cNvPr>
@@ -4381,67 +4351,8 @@
         </p:nvSpPr>
         <p:spPr>
           <a:xfrm>
-            <a:off x="1924051" y="2366267"/>
-            <a:ext cx="8878420" cy="809625"/>
-          </a:xfrm>
-          <a:prstGeom prst="rect">
-            <a:avLst/>
-          </a:prstGeom>
-          <a:ln w="38100">
-            <a:solidFill>
-              <a:schemeClr val="tx1">
-                <a:lumMod val="85000"/>
-              </a:schemeClr>
-            </a:solidFill>
-          </a:ln>
-        </p:spPr>
-        <p:style>
-          <a:lnRef idx="2">
-            <a:schemeClr val="accent1">
-              <a:shade val="50000"/>
-            </a:schemeClr>
-          </a:lnRef>
-          <a:fillRef idx="1">
-            <a:schemeClr val="accent1"/>
-          </a:fillRef>
-          <a:effectRef idx="0">
-            <a:schemeClr val="accent1"/>
-          </a:effectRef>
-          <a:fontRef idx="minor">
-            <a:schemeClr val="lt1"/>
-          </a:fontRef>
-        </p:style>
-        <p:txBody>
-          <a:bodyPr rtlCol="0" anchor="ctr"/>
-          <a:lstStyle/>
-          <a:p>
-            <a:pPr algn="ctr"/>
-            <a:r>
-              <a:rPr lang="ko-KR" altLang="en-US" sz="2800" dirty="0">
-                <a:latin typeface="HY헤드라인M" panose="02030600000101010101" pitchFamily="18" charset="-127"/>
-                <a:ea typeface="HY헤드라인M" panose="02030600000101010101" pitchFamily="18" charset="-127"/>
-              </a:rPr>
-              <a:t>기술적 요소</a:t>
-            </a:r>
-          </a:p>
-        </p:txBody>
-      </p:sp>
-      <p:sp>
-        <p:nvSpPr>
-          <p:cNvPr id="8" name="직사각형 7">
-            <a:extLst>
-              <a:ext uri="{FF2B5EF4-FFF2-40B4-BE49-F238E27FC236}">
-                <a16:creationId xmlns:a16="http://schemas.microsoft.com/office/drawing/2014/main" id="{D7033350-C6F0-4470-B109-7B17703E07B5}"/>
-              </a:ext>
-            </a:extLst>
-          </p:cNvPr>
-          <p:cNvSpPr/>
-          <p:nvPr/>
-        </p:nvSpPr>
-        <p:spPr>
-          <a:xfrm>
-            <a:off x="1924051" y="3175891"/>
-            <a:ext cx="8878420" cy="2701033"/>
+            <a:off x="1631476" y="2107724"/>
+            <a:ext cx="3390901" cy="3891662"/>
           </a:xfrm>
           <a:prstGeom prst="rect">
             <a:avLst/>
@@ -4477,63 +4388,751 @@
           <a:bodyPr rtlCol="0" anchor="t"/>
           <a:lstStyle/>
           <a:p>
-            <a:endParaRPr lang="en-US" altLang="ko-KR" sz="2400" dirty="0">
+            <a:r>
+              <a:rPr lang="en-US" altLang="ko-KR" sz="1600" dirty="0">
+                <a:latin typeface="HY헤드라인M" panose="02030600000101010101" pitchFamily="18" charset="-127"/>
+                <a:ea typeface="HY헤드라인M" panose="02030600000101010101" pitchFamily="18" charset="-127"/>
+              </a:rPr>
+              <a:t>DirectX 12</a:t>
+            </a:r>
+          </a:p>
+          <a:p>
+            <a:r>
+              <a:rPr lang="en-US" altLang="ko-KR" sz="1600" dirty="0">
+                <a:latin typeface="HY헤드라인M" panose="02030600000101010101" pitchFamily="18" charset="-127"/>
+                <a:ea typeface="HY헤드라인M" panose="02030600000101010101" pitchFamily="18" charset="-127"/>
+              </a:rPr>
+              <a:t>-3DGP</a:t>
+            </a:r>
+            <a:r>
+              <a:rPr lang="ko-KR" altLang="en-US" sz="1600" dirty="0">
+                <a:latin typeface="HY헤드라인M" panose="02030600000101010101" pitchFamily="18" charset="-127"/>
+                <a:ea typeface="HY헤드라인M" panose="02030600000101010101" pitchFamily="18" charset="-127"/>
+              </a:rPr>
+              <a:t> 수강</a:t>
+            </a:r>
+            <a:endParaRPr lang="en-US" altLang="ko-KR" sz="1600" dirty="0">
               <a:latin typeface="HY헤드라인M" panose="02030600000101010101" pitchFamily="18" charset="-127"/>
               <a:ea typeface="HY헤드라인M" panose="02030600000101010101" pitchFamily="18" charset="-127"/>
             </a:endParaRPr>
           </a:p>
           <a:p>
-            <a:r>
-              <a:rPr lang="en-US" altLang="ko-KR" sz="2400" dirty="0">
+            <a:endParaRPr lang="en-US" altLang="ko-KR" sz="1600" dirty="0">
+              <a:latin typeface="HY헤드라인M" panose="02030600000101010101" pitchFamily="18" charset="-127"/>
+              <a:ea typeface="HY헤드라인M" panose="02030600000101010101" pitchFamily="18" charset="-127"/>
+            </a:endParaRPr>
+          </a:p>
+          <a:p>
+            <a:r>
+              <a:rPr lang="ko-KR" altLang="en-US" sz="1600" dirty="0">
                 <a:latin typeface="HY헤드라인M" panose="02030600000101010101" pitchFamily="18" charset="-127"/>
                 <a:ea typeface="HY헤드라인M" panose="02030600000101010101" pitchFamily="18" charset="-127"/>
               </a:rPr>
-              <a:t>	-	IOCP</a:t>
-            </a:r>
-            <a:r>
-              <a:rPr lang="ko-KR" altLang="en-US" sz="2400" dirty="0">
+              <a:t>모델링</a:t>
+            </a:r>
+            <a:endParaRPr lang="en-US" altLang="ko-KR" sz="1600" dirty="0">
+              <a:latin typeface="HY헤드라인M" panose="02030600000101010101" pitchFamily="18" charset="-127"/>
+              <a:ea typeface="HY헤드라인M" panose="02030600000101010101" pitchFamily="18" charset="-127"/>
+            </a:endParaRPr>
+          </a:p>
+          <a:p>
+            <a:r>
+              <a:rPr lang="en-US" altLang="ko-KR" sz="1600" dirty="0">
                 <a:latin typeface="HY헤드라인M" panose="02030600000101010101" pitchFamily="18" charset="-127"/>
                 <a:ea typeface="HY헤드라인M" panose="02030600000101010101" pitchFamily="18" charset="-127"/>
               </a:rPr>
-              <a:t>를 이용한 여러 개의 클라이언트 접속 유지</a:t>
-            </a:r>
-            <a:endParaRPr lang="en-US" altLang="ko-KR" sz="2400" dirty="0">
+              <a:t>-</a:t>
+            </a:r>
+            <a:r>
+              <a:rPr lang="ko-KR" altLang="en-US" sz="1600" dirty="0" err="1">
+                <a:latin typeface="HY헤드라인M" panose="02030600000101010101" pitchFamily="18" charset="-127"/>
+                <a:ea typeface="HY헤드라인M" panose="02030600000101010101" pitchFamily="18" charset="-127"/>
+              </a:rPr>
+              <a:t>셰이더</a:t>
+            </a:r>
+            <a:r>
+              <a:rPr lang="ko-KR" altLang="en-US" sz="1600" dirty="0">
+                <a:latin typeface="HY헤드라인M" panose="02030600000101010101" pitchFamily="18" charset="-127"/>
+                <a:ea typeface="HY헤드라인M" panose="02030600000101010101" pitchFamily="18" charset="-127"/>
+              </a:rPr>
+              <a:t> 프로그래밍 수강</a:t>
+            </a:r>
+            <a:endParaRPr lang="en-US" altLang="ko-KR" sz="1600" dirty="0">
               <a:latin typeface="HY헤드라인M" panose="02030600000101010101" pitchFamily="18" charset="-127"/>
               <a:ea typeface="HY헤드라인M" panose="02030600000101010101" pitchFamily="18" charset="-127"/>
             </a:endParaRPr>
           </a:p>
           <a:p>
-            <a:endParaRPr lang="en-US" altLang="ko-KR" sz="2400" dirty="0">
+            <a:endParaRPr lang="en-US" altLang="ko-KR" sz="1600" dirty="0">
               <a:latin typeface="HY헤드라인M" panose="02030600000101010101" pitchFamily="18" charset="-127"/>
               <a:ea typeface="HY헤드라인M" panose="02030600000101010101" pitchFamily="18" charset="-127"/>
             </a:endParaRPr>
           </a:p>
           <a:p>
             <a:r>
-              <a:rPr lang="en-US" altLang="ko-KR" sz="2400" dirty="0">
+              <a:rPr lang="ko-KR" altLang="en-US" sz="1600" dirty="0">
                 <a:latin typeface="HY헤드라인M" panose="02030600000101010101" pitchFamily="18" charset="-127"/>
                 <a:ea typeface="HY헤드라인M" panose="02030600000101010101" pitchFamily="18" charset="-127"/>
               </a:rPr>
-              <a:t>	-	</a:t>
-            </a:r>
-            <a:r>
-              <a:rPr lang="ko-KR" altLang="en-US" sz="2400" dirty="0">
+              <a:t>애니메이션</a:t>
+            </a:r>
+            <a:endParaRPr lang="en-US" altLang="ko-KR" sz="1600" dirty="0">
+              <a:latin typeface="HY헤드라인M" panose="02030600000101010101" pitchFamily="18" charset="-127"/>
+              <a:ea typeface="HY헤드라인M" panose="02030600000101010101" pitchFamily="18" charset="-127"/>
+            </a:endParaRPr>
+          </a:p>
+          <a:p>
+            <a:r>
+              <a:rPr lang="en-US" altLang="ko-KR" sz="1600" dirty="0">
                 <a:latin typeface="HY헤드라인M" panose="02030600000101010101" pitchFamily="18" charset="-127"/>
                 <a:ea typeface="HY헤드라인M" panose="02030600000101010101" pitchFamily="18" charset="-127"/>
               </a:rPr>
-              <a:t>물리엔진의 실시간 처리</a:t>
-            </a:r>
-          </a:p>
+              <a:t>-FBX SDK </a:t>
+            </a:r>
+          </a:p>
+          <a:p>
+            <a:endParaRPr lang="en-US" altLang="ko-KR" sz="1600" dirty="0">
+              <a:latin typeface="HY헤드라인M" panose="02030600000101010101" pitchFamily="18" charset="-127"/>
+              <a:ea typeface="HY헤드라인M" panose="02030600000101010101" pitchFamily="18" charset="-127"/>
+            </a:endParaRPr>
+          </a:p>
+          <a:p>
+            <a:endParaRPr lang="en-US" altLang="ko-KR" sz="1600" dirty="0">
+              <a:latin typeface="HY헤드라인M" panose="02030600000101010101" pitchFamily="18" charset="-127"/>
+              <a:ea typeface="HY헤드라인M" panose="02030600000101010101" pitchFamily="18" charset="-127"/>
+            </a:endParaRPr>
+          </a:p>
+          <a:p>
+            <a:endParaRPr lang="en-US" altLang="ko-KR" sz="1600" dirty="0">
+              <a:latin typeface="HY헤드라인M" panose="02030600000101010101" pitchFamily="18" charset="-127"/>
+              <a:ea typeface="HY헤드라인M" panose="02030600000101010101" pitchFamily="18" charset="-127"/>
+            </a:endParaRPr>
+          </a:p>
+          <a:p>
+            <a:endParaRPr lang="en-US" altLang="ko-KR" sz="1600" dirty="0">
+              <a:latin typeface="HY헤드라인M" panose="02030600000101010101" pitchFamily="18" charset="-127"/>
+              <a:ea typeface="HY헤드라인M" panose="02030600000101010101" pitchFamily="18" charset="-127"/>
+            </a:endParaRPr>
+          </a:p>
+          <a:p>
+            <a:endParaRPr lang="en-US" altLang="ko-KR" sz="1600" dirty="0">
+              <a:latin typeface="HY헤드라인M" panose="02030600000101010101" pitchFamily="18" charset="-127"/>
+              <a:ea typeface="HY헤드라인M" panose="02030600000101010101" pitchFamily="18" charset="-127"/>
+            </a:endParaRPr>
+          </a:p>
+          <a:p>
+            <a:r>
+              <a:rPr lang="en-US" altLang="ko-KR" sz="1600" dirty="0">
+                <a:latin typeface="HY헤드라인M" panose="02030600000101010101" pitchFamily="18" charset="-127"/>
+                <a:ea typeface="HY헤드라인M" panose="02030600000101010101" pitchFamily="18" charset="-127"/>
+              </a:rPr>
+              <a:t>Git</a:t>
+            </a:r>
+          </a:p>
+          <a:p>
+            <a:r>
+              <a:rPr lang="en-US" altLang="ko-KR" sz="1600" dirty="0">
+                <a:latin typeface="HY헤드라인M" panose="02030600000101010101" pitchFamily="18" charset="-127"/>
+                <a:ea typeface="HY헤드라인M" panose="02030600000101010101" pitchFamily="18" charset="-127"/>
+              </a:rPr>
+              <a:t>-</a:t>
+            </a:r>
+            <a:r>
+              <a:rPr lang="ko-KR" altLang="en-US" sz="1600" dirty="0">
+                <a:latin typeface="HY헤드라인M" panose="02030600000101010101" pitchFamily="18" charset="-127"/>
+                <a:ea typeface="HY헤드라인M" panose="02030600000101010101" pitchFamily="18" charset="-127"/>
+              </a:rPr>
+              <a:t>게임 소프트웨어 공학 수강</a:t>
+            </a:r>
+            <a:endParaRPr lang="en-US" altLang="ko-KR" sz="1600" dirty="0">
+              <a:latin typeface="HY헤드라인M" panose="02030600000101010101" pitchFamily="18" charset="-127"/>
+              <a:ea typeface="HY헤드라인M" panose="02030600000101010101" pitchFamily="18" charset="-127"/>
+            </a:endParaRPr>
+          </a:p>
+          <a:p>
+            <a:endParaRPr lang="en-US" altLang="ko-KR" sz="2000" dirty="0">
+              <a:latin typeface="HY헤드라인M" panose="02030600000101010101" pitchFamily="18" charset="-127"/>
+              <a:ea typeface="HY헤드라인M" panose="02030600000101010101" pitchFamily="18" charset="-127"/>
+            </a:endParaRPr>
+          </a:p>
+        </p:txBody>
+      </p:sp>
+      <p:sp>
+        <p:nvSpPr>
+          <p:cNvPr id="8" name="직사각형 7">
+            <a:extLst>
+              <a:ext uri="{FF2B5EF4-FFF2-40B4-BE49-F238E27FC236}">
+                <a16:creationId xmlns:a16="http://schemas.microsoft.com/office/drawing/2014/main" id="{0598F42B-20BB-4FE1-B916-900EF2CCD5F1}"/>
+              </a:ext>
+            </a:extLst>
+          </p:cNvPr>
+          <p:cNvSpPr/>
+          <p:nvPr/>
+        </p:nvSpPr>
+        <p:spPr>
+          <a:xfrm>
+            <a:off x="5022377" y="1298097"/>
+            <a:ext cx="3390901" cy="809625"/>
+          </a:xfrm>
+          <a:prstGeom prst="rect">
+            <a:avLst/>
+          </a:prstGeom>
+          <a:ln w="38100">
+            <a:solidFill>
+              <a:schemeClr val="tx1">
+                <a:lumMod val="85000"/>
+              </a:schemeClr>
+            </a:solidFill>
+          </a:ln>
+        </p:spPr>
+        <p:style>
+          <a:lnRef idx="2">
+            <a:schemeClr val="accent1">
+              <a:shade val="50000"/>
+            </a:schemeClr>
+          </a:lnRef>
+          <a:fillRef idx="1">
+            <a:schemeClr val="accent1"/>
+          </a:fillRef>
+          <a:effectRef idx="0">
+            <a:schemeClr val="accent1"/>
+          </a:effectRef>
+          <a:fontRef idx="minor">
+            <a:schemeClr val="lt1"/>
+          </a:fontRef>
+        </p:style>
+        <p:txBody>
+          <a:bodyPr rtlCol="0" anchor="ctr"/>
+          <a:lstStyle/>
           <a:p>
             <a:pPr algn="ctr"/>
-            <a:endParaRPr lang="ko-KR" altLang="en-US" sz="2000" dirty="0"/>
+            <a:r>
+              <a:rPr lang="ko-KR" altLang="en-US" sz="2800" dirty="0">
+                <a:latin typeface="HY헤드라인M" panose="02030600000101010101" pitchFamily="18" charset="-127"/>
+                <a:ea typeface="HY헤드라인M" panose="02030600000101010101" pitchFamily="18" charset="-127"/>
+              </a:rPr>
+              <a:t>박건호</a:t>
+            </a:r>
+          </a:p>
+        </p:txBody>
+      </p:sp>
+      <p:sp>
+        <p:nvSpPr>
+          <p:cNvPr id="9" name="직사각형 8">
+            <a:extLst>
+              <a:ext uri="{FF2B5EF4-FFF2-40B4-BE49-F238E27FC236}">
+                <a16:creationId xmlns:a16="http://schemas.microsoft.com/office/drawing/2014/main" id="{B3C4690B-4DFC-4286-B5B4-EA8F7F452F2D}"/>
+              </a:ext>
+            </a:extLst>
+          </p:cNvPr>
+          <p:cNvSpPr/>
+          <p:nvPr/>
+        </p:nvSpPr>
+        <p:spPr>
+          <a:xfrm>
+            <a:off x="5022377" y="2107721"/>
+            <a:ext cx="3390901" cy="3891662"/>
+          </a:xfrm>
+          <a:prstGeom prst="rect">
+            <a:avLst/>
+          </a:prstGeom>
+          <a:solidFill>
+            <a:srgbClr val="595959"/>
+          </a:solidFill>
+          <a:ln w="38100">
+            <a:solidFill>
+              <a:schemeClr val="tx1">
+                <a:lumMod val="85000"/>
+              </a:schemeClr>
+            </a:solidFill>
+          </a:ln>
+        </p:spPr>
+        <p:style>
+          <a:lnRef idx="2">
+            <a:schemeClr val="accent1">
+              <a:shade val="50000"/>
+            </a:schemeClr>
+          </a:lnRef>
+          <a:fillRef idx="1">
+            <a:schemeClr val="accent1"/>
+          </a:fillRef>
+          <a:effectRef idx="0">
+            <a:schemeClr val="accent1"/>
+          </a:effectRef>
+          <a:fontRef idx="minor">
+            <a:schemeClr val="lt1"/>
+          </a:fontRef>
+        </p:style>
+        <p:txBody>
+          <a:bodyPr rtlCol="0" anchor="t"/>
+          <a:lstStyle/>
+          <a:p>
+            <a:r>
+              <a:rPr lang="en-US" altLang="ko-KR" sz="1600" dirty="0">
+                <a:latin typeface="HY헤드라인M" panose="02030600000101010101" pitchFamily="18" charset="-127"/>
+                <a:ea typeface="HY헤드라인M" panose="02030600000101010101" pitchFamily="18" charset="-127"/>
+              </a:rPr>
+              <a:t>DirectX 12</a:t>
+            </a:r>
+          </a:p>
+          <a:p>
+            <a:r>
+              <a:rPr lang="en-US" altLang="ko-KR" sz="1600" dirty="0">
+                <a:latin typeface="HY헤드라인M" panose="02030600000101010101" pitchFamily="18" charset="-127"/>
+                <a:ea typeface="HY헤드라인M" panose="02030600000101010101" pitchFamily="18" charset="-127"/>
+              </a:rPr>
+              <a:t>-3DGP</a:t>
+            </a:r>
+            <a:r>
+              <a:rPr lang="ko-KR" altLang="en-US" sz="1600" dirty="0">
+                <a:latin typeface="HY헤드라인M" panose="02030600000101010101" pitchFamily="18" charset="-127"/>
+                <a:ea typeface="HY헤드라인M" panose="02030600000101010101" pitchFamily="18" charset="-127"/>
+              </a:rPr>
+              <a:t> 수강</a:t>
+            </a:r>
+            <a:endParaRPr lang="en-US" altLang="ko-KR" sz="1600" dirty="0">
+              <a:latin typeface="HY헤드라인M" panose="02030600000101010101" pitchFamily="18" charset="-127"/>
+              <a:ea typeface="HY헤드라인M" panose="02030600000101010101" pitchFamily="18" charset="-127"/>
+            </a:endParaRPr>
+          </a:p>
+          <a:p>
+            <a:endParaRPr lang="en-US" altLang="ko-KR" sz="1600" dirty="0">
+              <a:latin typeface="HY헤드라인M" panose="02030600000101010101" pitchFamily="18" charset="-127"/>
+              <a:ea typeface="HY헤드라인M" panose="02030600000101010101" pitchFamily="18" charset="-127"/>
+            </a:endParaRPr>
+          </a:p>
+          <a:p>
+            <a:r>
+              <a:rPr lang="ko-KR" altLang="en-US" sz="1600" dirty="0">
+                <a:latin typeface="HY헤드라인M" panose="02030600000101010101" pitchFamily="18" charset="-127"/>
+                <a:ea typeface="HY헤드라인M" panose="02030600000101010101" pitchFamily="18" charset="-127"/>
+              </a:rPr>
+              <a:t>모델링</a:t>
+            </a:r>
+            <a:endParaRPr lang="en-US" altLang="ko-KR" sz="1600" dirty="0">
+              <a:latin typeface="HY헤드라인M" panose="02030600000101010101" pitchFamily="18" charset="-127"/>
+              <a:ea typeface="HY헤드라인M" panose="02030600000101010101" pitchFamily="18" charset="-127"/>
+            </a:endParaRPr>
+          </a:p>
+          <a:p>
+            <a:r>
+              <a:rPr lang="en-US" altLang="ko-KR" sz="1600" dirty="0">
+                <a:latin typeface="HY헤드라인M" panose="02030600000101010101" pitchFamily="18" charset="-127"/>
+                <a:ea typeface="HY헤드라인M" panose="02030600000101010101" pitchFamily="18" charset="-127"/>
+              </a:rPr>
+              <a:t>-</a:t>
+            </a:r>
+            <a:r>
+              <a:rPr lang="ko-KR" altLang="en-US" sz="1600" dirty="0" err="1">
+                <a:latin typeface="HY헤드라인M" panose="02030600000101010101" pitchFamily="18" charset="-127"/>
+                <a:ea typeface="HY헤드라인M" panose="02030600000101010101" pitchFamily="18" charset="-127"/>
+              </a:rPr>
+              <a:t>셰이더</a:t>
+            </a:r>
+            <a:r>
+              <a:rPr lang="ko-KR" altLang="en-US" sz="1600" dirty="0">
+                <a:latin typeface="HY헤드라인M" panose="02030600000101010101" pitchFamily="18" charset="-127"/>
+                <a:ea typeface="HY헤드라인M" panose="02030600000101010101" pitchFamily="18" charset="-127"/>
+              </a:rPr>
+              <a:t> 프로그래밍 수강</a:t>
+            </a:r>
+            <a:endParaRPr lang="en-US" altLang="ko-KR" sz="1600" dirty="0">
+              <a:latin typeface="HY헤드라인M" panose="02030600000101010101" pitchFamily="18" charset="-127"/>
+              <a:ea typeface="HY헤드라인M" panose="02030600000101010101" pitchFamily="18" charset="-127"/>
+            </a:endParaRPr>
+          </a:p>
+          <a:p>
+            <a:r>
+              <a:rPr lang="en-US" altLang="ko-KR" sz="1600" dirty="0">
+                <a:latin typeface="HY헤드라인M" panose="02030600000101010101" pitchFamily="18" charset="-127"/>
+                <a:ea typeface="HY헤드라인M" panose="02030600000101010101" pitchFamily="18" charset="-127"/>
+              </a:rPr>
+              <a:t>-3D </a:t>
+            </a:r>
+            <a:r>
+              <a:rPr lang="ko-KR" altLang="en-US" sz="1600" dirty="0">
+                <a:latin typeface="HY헤드라인M" panose="02030600000101010101" pitchFamily="18" charset="-127"/>
+                <a:ea typeface="HY헤드라인M" panose="02030600000101010101" pitchFamily="18" charset="-127"/>
+              </a:rPr>
+              <a:t>모델링</a:t>
+            </a:r>
+            <a:endParaRPr lang="en-US" altLang="ko-KR" sz="1600" dirty="0">
+              <a:latin typeface="HY헤드라인M" panose="02030600000101010101" pitchFamily="18" charset="-127"/>
+              <a:ea typeface="HY헤드라인M" panose="02030600000101010101" pitchFamily="18" charset="-127"/>
+            </a:endParaRPr>
+          </a:p>
+          <a:p>
+            <a:endParaRPr lang="en-US" altLang="ko-KR" sz="1600" dirty="0">
+              <a:latin typeface="HY헤드라인M" panose="02030600000101010101" pitchFamily="18" charset="-127"/>
+              <a:ea typeface="HY헤드라인M" panose="02030600000101010101" pitchFamily="18" charset="-127"/>
+            </a:endParaRPr>
+          </a:p>
+          <a:p>
+            <a:r>
+              <a:rPr lang="en-US" altLang="ko-KR" sz="1600" dirty="0">
+                <a:latin typeface="HY헤드라인M" panose="02030600000101010101" pitchFamily="18" charset="-127"/>
+                <a:ea typeface="HY헤드라인M" panose="02030600000101010101" pitchFamily="18" charset="-127"/>
+              </a:rPr>
+              <a:t>UI &amp; </a:t>
+            </a:r>
+            <a:r>
+              <a:rPr lang="ko-KR" altLang="en-US" sz="1600" dirty="0">
+                <a:latin typeface="HY헤드라인M" panose="02030600000101010101" pitchFamily="18" charset="-127"/>
+                <a:ea typeface="HY헤드라인M" panose="02030600000101010101" pitchFamily="18" charset="-127"/>
+              </a:rPr>
+              <a:t>레벨 디자인</a:t>
+            </a:r>
+            <a:endParaRPr lang="en-US" altLang="ko-KR" sz="1600" dirty="0">
+              <a:latin typeface="HY헤드라인M" panose="02030600000101010101" pitchFamily="18" charset="-127"/>
+              <a:ea typeface="HY헤드라인M" panose="02030600000101010101" pitchFamily="18" charset="-127"/>
+            </a:endParaRPr>
+          </a:p>
+          <a:p>
+            <a:r>
+              <a:rPr lang="en-US" altLang="ko-KR" sz="1600" dirty="0">
+                <a:latin typeface="HY헤드라인M" panose="02030600000101010101" pitchFamily="18" charset="-127"/>
+                <a:ea typeface="HY헤드라인M" panose="02030600000101010101" pitchFamily="18" charset="-127"/>
+              </a:rPr>
+              <a:t>-</a:t>
+            </a:r>
+            <a:r>
+              <a:rPr lang="ko-KR" altLang="en-US" sz="1600" dirty="0">
+                <a:latin typeface="HY헤드라인M" panose="02030600000101010101" pitchFamily="18" charset="-127"/>
+                <a:ea typeface="HY헤드라인M" panose="02030600000101010101" pitchFamily="18" charset="-127"/>
+              </a:rPr>
+              <a:t>게임 기획 수강</a:t>
+            </a:r>
+            <a:endParaRPr lang="en-US" altLang="ko-KR" sz="1600" dirty="0">
+              <a:latin typeface="HY헤드라인M" panose="02030600000101010101" pitchFamily="18" charset="-127"/>
+              <a:ea typeface="HY헤드라인M" panose="02030600000101010101" pitchFamily="18" charset="-127"/>
+            </a:endParaRPr>
+          </a:p>
+          <a:p>
+            <a:r>
+              <a:rPr lang="en-US" altLang="ko-KR" sz="1600" dirty="0">
+                <a:latin typeface="HY헤드라인M" panose="02030600000101010101" pitchFamily="18" charset="-127"/>
+                <a:ea typeface="HY헤드라인M" panose="02030600000101010101" pitchFamily="18" charset="-127"/>
+              </a:rPr>
+              <a:t>-</a:t>
+            </a:r>
+            <a:r>
+              <a:rPr lang="ko-KR" altLang="en-US" sz="1600" dirty="0">
+                <a:latin typeface="HY헤드라인M" panose="02030600000101010101" pitchFamily="18" charset="-127"/>
+                <a:ea typeface="HY헤드라인M" panose="02030600000101010101" pitchFamily="18" charset="-127"/>
+              </a:rPr>
+              <a:t>기획자 </a:t>
+            </a:r>
+            <a:r>
+              <a:rPr lang="ko-KR" altLang="en-US" sz="1600" dirty="0" err="1">
+                <a:latin typeface="HY헤드라인M" panose="02030600000101010101" pitchFamily="18" charset="-127"/>
+                <a:ea typeface="HY헤드라인M" panose="02030600000101010101" pitchFamily="18" charset="-127"/>
+              </a:rPr>
+              <a:t>특훈</a:t>
+            </a:r>
+            <a:r>
+              <a:rPr lang="ko-KR" altLang="en-US" sz="1600" dirty="0">
+                <a:latin typeface="HY헤드라인M" panose="02030600000101010101" pitchFamily="18" charset="-127"/>
+                <a:ea typeface="HY헤드라인M" panose="02030600000101010101" pitchFamily="18" charset="-127"/>
+              </a:rPr>
+              <a:t> 수강</a:t>
+            </a:r>
+            <a:endParaRPr lang="en-US" altLang="ko-KR" sz="1600" dirty="0">
+              <a:latin typeface="HY헤드라인M" panose="02030600000101010101" pitchFamily="18" charset="-127"/>
+              <a:ea typeface="HY헤드라인M" panose="02030600000101010101" pitchFamily="18" charset="-127"/>
+            </a:endParaRPr>
+          </a:p>
+          <a:p>
+            <a:endParaRPr lang="en-US" altLang="ko-KR" sz="1600" dirty="0">
+              <a:latin typeface="HY헤드라인M" panose="02030600000101010101" pitchFamily="18" charset="-127"/>
+              <a:ea typeface="HY헤드라인M" panose="02030600000101010101" pitchFamily="18" charset="-127"/>
+            </a:endParaRPr>
+          </a:p>
+          <a:p>
+            <a:endParaRPr lang="en-US" altLang="ko-KR" sz="1600" dirty="0">
+              <a:latin typeface="HY헤드라인M" panose="02030600000101010101" pitchFamily="18" charset="-127"/>
+              <a:ea typeface="HY헤드라인M" panose="02030600000101010101" pitchFamily="18" charset="-127"/>
+            </a:endParaRPr>
+          </a:p>
+          <a:p>
+            <a:endParaRPr lang="en-US" altLang="ko-KR" sz="1600" dirty="0">
+              <a:latin typeface="HY헤드라인M" panose="02030600000101010101" pitchFamily="18" charset="-127"/>
+              <a:ea typeface="HY헤드라인M" panose="02030600000101010101" pitchFamily="18" charset="-127"/>
+            </a:endParaRPr>
+          </a:p>
+          <a:p>
+            <a:r>
+              <a:rPr lang="en-US" altLang="ko-KR" sz="1600" dirty="0">
+                <a:latin typeface="HY헤드라인M" panose="02030600000101010101" pitchFamily="18" charset="-127"/>
+                <a:ea typeface="HY헤드라인M" panose="02030600000101010101" pitchFamily="18" charset="-127"/>
+              </a:rPr>
+              <a:t>Git</a:t>
+            </a:r>
+          </a:p>
+          <a:p>
+            <a:r>
+              <a:rPr lang="en-US" altLang="ko-KR" sz="1600" dirty="0">
+                <a:latin typeface="HY헤드라인M" panose="02030600000101010101" pitchFamily="18" charset="-127"/>
+                <a:ea typeface="HY헤드라인M" panose="02030600000101010101" pitchFamily="18" charset="-127"/>
+              </a:rPr>
+              <a:t>-</a:t>
+            </a:r>
+            <a:r>
+              <a:rPr lang="ko-KR" altLang="en-US" sz="1600" dirty="0">
+                <a:latin typeface="HY헤드라인M" panose="02030600000101010101" pitchFamily="18" charset="-127"/>
+                <a:ea typeface="HY헤드라인M" panose="02030600000101010101" pitchFamily="18" charset="-127"/>
+              </a:rPr>
+              <a:t> 게임 소프트웨어 공학 수강</a:t>
+            </a:r>
+            <a:endParaRPr lang="en-US" altLang="ko-KR" sz="1600" dirty="0">
+              <a:latin typeface="HY헤드라인M" panose="02030600000101010101" pitchFamily="18" charset="-127"/>
+              <a:ea typeface="HY헤드라인M" panose="02030600000101010101" pitchFamily="18" charset="-127"/>
+            </a:endParaRPr>
+          </a:p>
+        </p:txBody>
+      </p:sp>
+      <p:sp>
+        <p:nvSpPr>
+          <p:cNvPr id="10" name="직사각형 9">
+            <a:extLst>
+              <a:ext uri="{FF2B5EF4-FFF2-40B4-BE49-F238E27FC236}">
+                <a16:creationId xmlns:a16="http://schemas.microsoft.com/office/drawing/2014/main" id="{D3F450E1-C0C0-43EA-965D-6DF7A17A2380}"/>
+              </a:ext>
+            </a:extLst>
+          </p:cNvPr>
+          <p:cNvSpPr/>
+          <p:nvPr/>
+        </p:nvSpPr>
+        <p:spPr>
+          <a:xfrm>
+            <a:off x="8413278" y="1298093"/>
+            <a:ext cx="3390901" cy="809625"/>
+          </a:xfrm>
+          <a:prstGeom prst="rect">
+            <a:avLst/>
+          </a:prstGeom>
+          <a:ln w="38100">
+            <a:solidFill>
+              <a:schemeClr val="tx1">
+                <a:lumMod val="85000"/>
+              </a:schemeClr>
+            </a:solidFill>
+          </a:ln>
+        </p:spPr>
+        <p:style>
+          <a:lnRef idx="2">
+            <a:schemeClr val="accent1">
+              <a:shade val="50000"/>
+            </a:schemeClr>
+          </a:lnRef>
+          <a:fillRef idx="1">
+            <a:schemeClr val="accent1"/>
+          </a:fillRef>
+          <a:effectRef idx="0">
+            <a:schemeClr val="accent1"/>
+          </a:effectRef>
+          <a:fontRef idx="minor">
+            <a:schemeClr val="lt1"/>
+          </a:fontRef>
+        </p:style>
+        <p:txBody>
+          <a:bodyPr rtlCol="0" anchor="ctr"/>
+          <a:lstStyle/>
+          <a:p>
+            <a:pPr algn="ctr"/>
+            <a:r>
+              <a:rPr lang="ko-KR" altLang="en-US" sz="2800" dirty="0">
+                <a:latin typeface="HY헤드라인M" panose="02030600000101010101" pitchFamily="18" charset="-127"/>
+                <a:ea typeface="HY헤드라인M" panose="02030600000101010101" pitchFamily="18" charset="-127"/>
+              </a:rPr>
+              <a:t>박정만</a:t>
+            </a:r>
+          </a:p>
+        </p:txBody>
+      </p:sp>
+      <p:sp>
+        <p:nvSpPr>
+          <p:cNvPr id="12" name="직사각형 11">
+            <a:extLst>
+              <a:ext uri="{FF2B5EF4-FFF2-40B4-BE49-F238E27FC236}">
+                <a16:creationId xmlns:a16="http://schemas.microsoft.com/office/drawing/2014/main" id="{242167CD-F648-4E14-9D37-5731E669137E}"/>
+              </a:ext>
+            </a:extLst>
+          </p:cNvPr>
+          <p:cNvSpPr/>
+          <p:nvPr/>
+        </p:nvSpPr>
+        <p:spPr>
+          <a:xfrm>
+            <a:off x="8413278" y="2107717"/>
+            <a:ext cx="3390901" cy="3891662"/>
+          </a:xfrm>
+          <a:prstGeom prst="rect">
+            <a:avLst/>
+          </a:prstGeom>
+          <a:solidFill>
+            <a:srgbClr val="595959"/>
+          </a:solidFill>
+          <a:ln w="38100">
+            <a:solidFill>
+              <a:schemeClr val="tx1">
+                <a:lumMod val="85000"/>
+              </a:schemeClr>
+            </a:solidFill>
+          </a:ln>
+        </p:spPr>
+        <p:style>
+          <a:lnRef idx="2">
+            <a:schemeClr val="accent1">
+              <a:shade val="50000"/>
+            </a:schemeClr>
+          </a:lnRef>
+          <a:fillRef idx="1">
+            <a:schemeClr val="accent1"/>
+          </a:fillRef>
+          <a:effectRef idx="0">
+            <a:schemeClr val="accent1"/>
+          </a:effectRef>
+          <a:fontRef idx="minor">
+            <a:schemeClr val="lt1"/>
+          </a:fontRef>
+        </p:style>
+        <p:txBody>
+          <a:bodyPr rtlCol="0" anchor="t"/>
+          <a:lstStyle/>
+          <a:p>
+            <a:r>
+              <a:rPr lang="ko-KR" altLang="en-US" sz="1600" dirty="0">
+                <a:latin typeface="HY헤드라인M" panose="02030600000101010101" pitchFamily="18" charset="-127"/>
+                <a:ea typeface="HY헤드라인M" panose="02030600000101010101" pitchFamily="18" charset="-127"/>
+              </a:rPr>
+              <a:t>서버</a:t>
+            </a:r>
+            <a:endParaRPr lang="en-US" altLang="ko-KR" sz="1600" dirty="0">
+              <a:latin typeface="HY헤드라인M" panose="02030600000101010101" pitchFamily="18" charset="-127"/>
+              <a:ea typeface="HY헤드라인M" panose="02030600000101010101" pitchFamily="18" charset="-127"/>
+            </a:endParaRPr>
+          </a:p>
+          <a:p>
+            <a:r>
+              <a:rPr lang="en-US" altLang="ko-KR" sz="1600" dirty="0">
+                <a:latin typeface="HY헤드라인M" panose="02030600000101010101" pitchFamily="18" charset="-127"/>
+                <a:ea typeface="HY헤드라인M" panose="02030600000101010101" pitchFamily="18" charset="-127"/>
+              </a:rPr>
+              <a:t>-</a:t>
+            </a:r>
+            <a:r>
+              <a:rPr lang="ko-KR" altLang="en-US" sz="1600" dirty="0">
+                <a:latin typeface="HY헤드라인M" panose="02030600000101010101" pitchFamily="18" charset="-127"/>
+                <a:ea typeface="HY헤드라인M" panose="02030600000101010101" pitchFamily="18" charset="-127"/>
+              </a:rPr>
+              <a:t>게임 서버 수강</a:t>
+            </a:r>
+            <a:endParaRPr lang="en-US" altLang="ko-KR" sz="1600" dirty="0">
+              <a:latin typeface="HY헤드라인M" panose="02030600000101010101" pitchFamily="18" charset="-127"/>
+              <a:ea typeface="HY헤드라인M" panose="02030600000101010101" pitchFamily="18" charset="-127"/>
+            </a:endParaRPr>
+          </a:p>
+          <a:p>
+            <a:endParaRPr lang="en-US" altLang="ko-KR" sz="1600" dirty="0">
+              <a:latin typeface="HY헤드라인M" panose="02030600000101010101" pitchFamily="18" charset="-127"/>
+              <a:ea typeface="HY헤드라인M" panose="02030600000101010101" pitchFamily="18" charset="-127"/>
+            </a:endParaRPr>
+          </a:p>
+          <a:p>
+            <a:endParaRPr lang="en-US" altLang="ko-KR" sz="1600" dirty="0">
+              <a:latin typeface="HY헤드라인M" panose="02030600000101010101" pitchFamily="18" charset="-127"/>
+              <a:ea typeface="HY헤드라인M" panose="02030600000101010101" pitchFamily="18" charset="-127"/>
+            </a:endParaRPr>
+          </a:p>
+          <a:p>
+            <a:endParaRPr lang="en-US" altLang="ko-KR" sz="1600" dirty="0">
+              <a:latin typeface="HY헤드라인M" panose="02030600000101010101" pitchFamily="18" charset="-127"/>
+              <a:ea typeface="HY헤드라인M" panose="02030600000101010101" pitchFamily="18" charset="-127"/>
+            </a:endParaRPr>
+          </a:p>
+          <a:p>
+            <a:endParaRPr lang="en-US" altLang="ko-KR" sz="1600" dirty="0">
+              <a:latin typeface="HY헤드라인M" panose="02030600000101010101" pitchFamily="18" charset="-127"/>
+              <a:ea typeface="HY헤드라인M" panose="02030600000101010101" pitchFamily="18" charset="-127"/>
+            </a:endParaRPr>
+          </a:p>
+          <a:p>
+            <a:endParaRPr lang="en-US" altLang="ko-KR" sz="1600" dirty="0">
+              <a:latin typeface="HY헤드라인M" panose="02030600000101010101" pitchFamily="18" charset="-127"/>
+              <a:ea typeface="HY헤드라인M" panose="02030600000101010101" pitchFamily="18" charset="-127"/>
+            </a:endParaRPr>
+          </a:p>
+          <a:p>
+            <a:endParaRPr lang="en-US" altLang="ko-KR" sz="1600" dirty="0">
+              <a:latin typeface="HY헤드라인M" panose="02030600000101010101" pitchFamily="18" charset="-127"/>
+              <a:ea typeface="HY헤드라인M" panose="02030600000101010101" pitchFamily="18" charset="-127"/>
+            </a:endParaRPr>
+          </a:p>
+          <a:p>
+            <a:endParaRPr lang="en-US" altLang="ko-KR" sz="1600" dirty="0">
+              <a:latin typeface="HY헤드라인M" panose="02030600000101010101" pitchFamily="18" charset="-127"/>
+              <a:ea typeface="HY헤드라인M" panose="02030600000101010101" pitchFamily="18" charset="-127"/>
+            </a:endParaRPr>
+          </a:p>
+          <a:p>
+            <a:endParaRPr lang="en-US" altLang="ko-KR" sz="1600" dirty="0">
+              <a:latin typeface="HY헤드라인M" panose="02030600000101010101" pitchFamily="18" charset="-127"/>
+              <a:ea typeface="HY헤드라인M" panose="02030600000101010101" pitchFamily="18" charset="-127"/>
+            </a:endParaRPr>
+          </a:p>
+          <a:p>
+            <a:endParaRPr lang="en-US" altLang="ko-KR" sz="1600" dirty="0">
+              <a:latin typeface="HY헤드라인M" panose="02030600000101010101" pitchFamily="18" charset="-127"/>
+              <a:ea typeface="HY헤드라인M" panose="02030600000101010101" pitchFamily="18" charset="-127"/>
+            </a:endParaRPr>
+          </a:p>
+          <a:p>
+            <a:endParaRPr lang="en-US" altLang="ko-KR" sz="1600" dirty="0">
+              <a:latin typeface="HY헤드라인M" panose="02030600000101010101" pitchFamily="18" charset="-127"/>
+              <a:ea typeface="HY헤드라인M" panose="02030600000101010101" pitchFamily="18" charset="-127"/>
+            </a:endParaRPr>
+          </a:p>
+          <a:p>
+            <a:endParaRPr lang="en-US" altLang="ko-KR" sz="1600" dirty="0">
+              <a:latin typeface="HY헤드라인M" panose="02030600000101010101" pitchFamily="18" charset="-127"/>
+              <a:ea typeface="HY헤드라인M" panose="02030600000101010101" pitchFamily="18" charset="-127"/>
+            </a:endParaRPr>
+          </a:p>
+          <a:p>
+            <a:r>
+              <a:rPr lang="en-US" altLang="ko-KR" sz="1600" dirty="0">
+                <a:latin typeface="HY헤드라인M" panose="02030600000101010101" pitchFamily="18" charset="-127"/>
+                <a:ea typeface="HY헤드라인M" panose="02030600000101010101" pitchFamily="18" charset="-127"/>
+              </a:rPr>
+              <a:t>Git</a:t>
+            </a:r>
+          </a:p>
+          <a:p>
+            <a:r>
+              <a:rPr lang="en-US" altLang="ko-KR" sz="1600" dirty="0">
+                <a:latin typeface="HY헤드라인M" panose="02030600000101010101" pitchFamily="18" charset="-127"/>
+                <a:ea typeface="HY헤드라인M" panose="02030600000101010101" pitchFamily="18" charset="-127"/>
+              </a:rPr>
+              <a:t>-</a:t>
+            </a:r>
+            <a:r>
+              <a:rPr lang="ko-KR" altLang="en-US" sz="1600" dirty="0">
+                <a:latin typeface="HY헤드라인M" panose="02030600000101010101" pitchFamily="18" charset="-127"/>
+                <a:ea typeface="HY헤드라인M" panose="02030600000101010101" pitchFamily="18" charset="-127"/>
+              </a:rPr>
+              <a:t> 게임 소프트웨어 공학 수강</a:t>
+            </a:r>
+            <a:endParaRPr lang="en-US" altLang="ko-KR" sz="1600" dirty="0">
+              <a:latin typeface="HY헤드라인M" panose="02030600000101010101" pitchFamily="18" charset="-127"/>
+              <a:ea typeface="HY헤드라인M" panose="02030600000101010101" pitchFamily="18" charset="-127"/>
+            </a:endParaRPr>
           </a:p>
         </p:txBody>
       </p:sp>
     </p:spTree>
     <p:extLst>
       <p:ext uri="{BB962C8B-B14F-4D97-AF65-F5344CB8AC3E}">
-        <p14:creationId xmlns:p14="http://schemas.microsoft.com/office/powerpoint/2010/main" val="2000490652"/>
+        <p14:creationId xmlns:p14="http://schemas.microsoft.com/office/powerpoint/2010/main" val="3117424196"/>
       </p:ext>
     </p:extLst>
   </p:cSld>
@@ -4615,7 +5214,7 @@
                 <a:latin typeface="HY헤드라인M" panose="02030600000101010101" pitchFamily="18" charset="-127"/>
                 <a:ea typeface="HY헤드라인M" panose="02030600000101010101" pitchFamily="18" charset="-127"/>
               </a:rPr>
-              <a:t>6</a:t>
+              <a:t>7</a:t>
             </a:r>
             <a:endParaRPr lang="ko-KR" altLang="en-US" sz="5400" dirty="0">
               <a:latin typeface="HY헤드라인M" panose="02030600000101010101" pitchFamily="18" charset="-127"/>
@@ -4639,7 +5238,7 @@
         <p:spPr>
           <a:xfrm>
             <a:off x="1419225" y="393221"/>
-            <a:ext cx="3895725" cy="646331"/>
+            <a:ext cx="6838950" cy="646331"/>
           </a:xfrm>
           <a:prstGeom prst="rect">
             <a:avLst/>
@@ -4657,7 +5256,7 @@
                 <a:latin typeface="HY헤드라인M" panose="02030600000101010101" pitchFamily="18" charset="-127"/>
                 <a:ea typeface="HY헤드라인M" panose="02030600000101010101" pitchFamily="18" charset="-127"/>
               </a:rPr>
-              <a:t>개인별 준비 현황</a:t>
+              <a:t>중점 연구분야</a:t>
             </a:r>
             <a:endParaRPr lang="ko-KR" altLang="en-US" dirty="0"/>
           </a:p>
@@ -4668,7 +5267,7 @@
           <p:cNvPr id="5" name="직사각형 4">
             <a:extLst>
               <a:ext uri="{FF2B5EF4-FFF2-40B4-BE49-F238E27FC236}">
-                <a16:creationId xmlns:a16="http://schemas.microsoft.com/office/drawing/2014/main" id="{77B11E97-3DE7-40DA-8FF7-A32B35070F07}"/>
+                <a16:creationId xmlns:a16="http://schemas.microsoft.com/office/drawing/2014/main" id="{45C393B8-20D6-4EE7-AAC2-D8AA6F3EA229}"/>
               </a:ext>
             </a:extLst>
           </p:cNvPr>
@@ -4677,8 +5276,8 @@
         </p:nvSpPr>
         <p:spPr>
           <a:xfrm>
-            <a:off x="1631476" y="1298100"/>
-            <a:ext cx="3390901" cy="809625"/>
+            <a:off x="1656790" y="1298097"/>
+            <a:ext cx="8878420" cy="809625"/>
           </a:xfrm>
           <a:prstGeom prst="rect">
             <a:avLst/>
@@ -4713,16 +5312,12 @@
           <a:p>
             <a:pPr algn="ctr"/>
             <a:r>
-              <a:rPr lang="ko-KR" altLang="en-US" sz="2800" dirty="0" err="1">
+              <a:rPr lang="ko-KR" altLang="en-US" sz="2800" dirty="0">
                 <a:latin typeface="HY헤드라인M" panose="02030600000101010101" pitchFamily="18" charset="-127"/>
                 <a:ea typeface="HY헤드라인M" panose="02030600000101010101" pitchFamily="18" charset="-127"/>
               </a:rPr>
-              <a:t>김영완</a:t>
-            </a:r>
-            <a:endParaRPr lang="ko-KR" altLang="en-US" sz="2800" dirty="0">
-              <a:latin typeface="HY헤드라인M" panose="02030600000101010101" pitchFamily="18" charset="-127"/>
-              <a:ea typeface="HY헤드라인M" panose="02030600000101010101" pitchFamily="18" charset="-127"/>
-            </a:endParaRPr>
+              <a:t>클라이언트</a:t>
+            </a:r>
           </a:p>
         </p:txBody>
       </p:sp>
@@ -4731,7 +5326,7 @@
           <p:cNvPr id="7" name="직사각형 6">
             <a:extLst>
               <a:ext uri="{FF2B5EF4-FFF2-40B4-BE49-F238E27FC236}">
-                <a16:creationId xmlns:a16="http://schemas.microsoft.com/office/drawing/2014/main" id="{F339315A-041C-45AC-82AD-9EE2920A232E}"/>
+                <a16:creationId xmlns:a16="http://schemas.microsoft.com/office/drawing/2014/main" id="{B83CE672-44E1-46DB-9B66-CA17CD5C5231}"/>
               </a:ext>
             </a:extLst>
           </p:cNvPr>
@@ -4740,8 +5335,8 @@
         </p:nvSpPr>
         <p:spPr>
           <a:xfrm>
-            <a:off x="1631476" y="2107724"/>
-            <a:ext cx="3390901" cy="3891662"/>
+            <a:off x="1656790" y="2107721"/>
+            <a:ext cx="8878420" cy="1754697"/>
           </a:xfrm>
           <a:prstGeom prst="rect">
             <a:avLst/>
@@ -4777,172 +5372,53 @@
           <a:bodyPr rtlCol="0" anchor="t"/>
           <a:lstStyle/>
           <a:p>
-            <a:r>
-              <a:rPr lang="en-US" altLang="ko-KR" sz="1600" dirty="0">
+            <a:endParaRPr lang="en-US" altLang="ko-KR" sz="2400" dirty="0">
+              <a:latin typeface="HY헤드라인M" panose="02030600000101010101" pitchFamily="18" charset="-127"/>
+              <a:ea typeface="HY헤드라인M" panose="02030600000101010101" pitchFamily="18" charset="-127"/>
+            </a:endParaRPr>
+          </a:p>
+          <a:p>
+            <a:r>
+              <a:rPr lang="en-US" altLang="ko-KR" sz="2400" dirty="0">
                 <a:latin typeface="HY헤드라인M" panose="02030600000101010101" pitchFamily="18" charset="-127"/>
                 <a:ea typeface="HY헤드라인M" panose="02030600000101010101" pitchFamily="18" charset="-127"/>
               </a:rPr>
-              <a:t>DirectX 12</a:t>
-            </a:r>
-          </a:p>
-          <a:p>
-            <a:r>
-              <a:rPr lang="en-US" altLang="ko-KR" sz="1600" dirty="0">
+              <a:t>	-	</a:t>
+            </a:r>
+            <a:r>
+              <a:rPr lang="ko-KR" altLang="en-US" sz="2400" dirty="0">
                 <a:latin typeface="HY헤드라인M" panose="02030600000101010101" pitchFamily="18" charset="-127"/>
                 <a:ea typeface="HY헤드라인M" panose="02030600000101010101" pitchFamily="18" charset="-127"/>
               </a:rPr>
-              <a:t>-3DGP</a:t>
-            </a:r>
-            <a:r>
-              <a:rPr lang="ko-KR" altLang="en-US" sz="1600" dirty="0">
+              <a:t>카메라 워킹</a:t>
+            </a:r>
+            <a:endParaRPr lang="en-US" altLang="ko-KR" sz="2400" dirty="0">
+              <a:latin typeface="HY헤드라인M" panose="02030600000101010101" pitchFamily="18" charset="-127"/>
+              <a:ea typeface="HY헤드라인M" panose="02030600000101010101" pitchFamily="18" charset="-127"/>
+            </a:endParaRPr>
+          </a:p>
+          <a:p>
+            <a:endParaRPr lang="en-US" altLang="ko-KR" sz="2400" dirty="0">
+              <a:latin typeface="HY헤드라인M" panose="02030600000101010101" pitchFamily="18" charset="-127"/>
+              <a:ea typeface="HY헤드라인M" panose="02030600000101010101" pitchFamily="18" charset="-127"/>
+            </a:endParaRPr>
+          </a:p>
+          <a:p>
+            <a:r>
+              <a:rPr lang="en-US" altLang="ko-KR" sz="2400" dirty="0">
                 <a:latin typeface="HY헤드라인M" panose="02030600000101010101" pitchFamily="18" charset="-127"/>
                 <a:ea typeface="HY헤드라인M" panose="02030600000101010101" pitchFamily="18" charset="-127"/>
               </a:rPr>
-              <a:t> 수강</a:t>
-            </a:r>
-            <a:endParaRPr lang="en-US" altLang="ko-KR" sz="1600" dirty="0">
-              <a:latin typeface="HY헤드라인M" panose="02030600000101010101" pitchFamily="18" charset="-127"/>
-              <a:ea typeface="HY헤드라인M" panose="02030600000101010101" pitchFamily="18" charset="-127"/>
-            </a:endParaRPr>
-          </a:p>
-          <a:p>
-            <a:endParaRPr lang="en-US" altLang="ko-KR" sz="1600" dirty="0">
-              <a:latin typeface="HY헤드라인M" panose="02030600000101010101" pitchFamily="18" charset="-127"/>
-              <a:ea typeface="HY헤드라인M" panose="02030600000101010101" pitchFamily="18" charset="-127"/>
-            </a:endParaRPr>
-          </a:p>
-          <a:p>
-            <a:r>
-              <a:rPr lang="ko-KR" altLang="en-US" sz="1600" dirty="0">
+              <a:t>	-	</a:t>
+            </a:r>
+            <a:r>
+              <a:rPr lang="ko-KR" altLang="en-US" sz="2400" dirty="0">
                 <a:latin typeface="HY헤드라인M" panose="02030600000101010101" pitchFamily="18" charset="-127"/>
                 <a:ea typeface="HY헤드라인M" panose="02030600000101010101" pitchFamily="18" charset="-127"/>
               </a:rPr>
-              <a:t>모델링</a:t>
-            </a:r>
-            <a:endParaRPr lang="en-US" altLang="ko-KR" sz="1600" dirty="0">
-              <a:latin typeface="HY헤드라인M" panose="02030600000101010101" pitchFamily="18" charset="-127"/>
-              <a:ea typeface="HY헤드라인M" panose="02030600000101010101" pitchFamily="18" charset="-127"/>
-            </a:endParaRPr>
-          </a:p>
-          <a:p>
-            <a:r>
-              <a:rPr lang="en-US" altLang="ko-KR" sz="1600" dirty="0">
-                <a:latin typeface="HY헤드라인M" panose="02030600000101010101" pitchFamily="18" charset="-127"/>
-                <a:ea typeface="HY헤드라인M" panose="02030600000101010101" pitchFamily="18" charset="-127"/>
-              </a:rPr>
-              <a:t>-</a:t>
-            </a:r>
-            <a:r>
-              <a:rPr lang="ko-KR" altLang="en-US" sz="1600" dirty="0" err="1">
-                <a:latin typeface="HY헤드라인M" panose="02030600000101010101" pitchFamily="18" charset="-127"/>
-                <a:ea typeface="HY헤드라인M" panose="02030600000101010101" pitchFamily="18" charset="-127"/>
-              </a:rPr>
-              <a:t>쉐이더</a:t>
-            </a:r>
-            <a:r>
-              <a:rPr lang="ko-KR" altLang="en-US" sz="1600" dirty="0">
-                <a:latin typeface="HY헤드라인M" panose="02030600000101010101" pitchFamily="18" charset="-127"/>
-                <a:ea typeface="HY헤드라인M" panose="02030600000101010101" pitchFamily="18" charset="-127"/>
-              </a:rPr>
-              <a:t> 프로그래밍 수강</a:t>
-            </a:r>
-            <a:endParaRPr lang="en-US" altLang="ko-KR" sz="1600" dirty="0">
-              <a:latin typeface="HY헤드라인M" panose="02030600000101010101" pitchFamily="18" charset="-127"/>
-              <a:ea typeface="HY헤드라인M" panose="02030600000101010101" pitchFamily="18" charset="-127"/>
-            </a:endParaRPr>
-          </a:p>
-          <a:p>
-            <a:endParaRPr lang="en-US" altLang="ko-KR" sz="1600" dirty="0">
-              <a:latin typeface="HY헤드라인M" panose="02030600000101010101" pitchFamily="18" charset="-127"/>
-              <a:ea typeface="HY헤드라인M" panose="02030600000101010101" pitchFamily="18" charset="-127"/>
-            </a:endParaRPr>
-          </a:p>
-          <a:p>
-            <a:r>
-              <a:rPr lang="ko-KR" altLang="en-US" sz="1600" dirty="0">
-                <a:latin typeface="HY헤드라인M" panose="02030600000101010101" pitchFamily="18" charset="-127"/>
-                <a:ea typeface="HY헤드라인M" panose="02030600000101010101" pitchFamily="18" charset="-127"/>
-              </a:rPr>
-              <a:t>애니메이션</a:t>
-            </a:r>
-            <a:endParaRPr lang="en-US" altLang="ko-KR" sz="1600" dirty="0">
-              <a:latin typeface="HY헤드라인M" panose="02030600000101010101" pitchFamily="18" charset="-127"/>
-              <a:ea typeface="HY헤드라인M" panose="02030600000101010101" pitchFamily="18" charset="-127"/>
-            </a:endParaRPr>
-          </a:p>
-          <a:p>
-            <a:r>
-              <a:rPr lang="en-US" altLang="ko-KR" sz="1600" dirty="0">
-                <a:latin typeface="HY헤드라인M" panose="02030600000101010101" pitchFamily="18" charset="-127"/>
-                <a:ea typeface="HY헤드라인M" panose="02030600000101010101" pitchFamily="18" charset="-127"/>
-              </a:rPr>
-              <a:t>-FBX SDK </a:t>
-            </a:r>
-          </a:p>
-          <a:p>
-            <a:endParaRPr lang="en-US" altLang="ko-KR" sz="1600" dirty="0">
-              <a:latin typeface="HY헤드라인M" panose="02030600000101010101" pitchFamily="18" charset="-127"/>
-              <a:ea typeface="HY헤드라인M" panose="02030600000101010101" pitchFamily="18" charset="-127"/>
-            </a:endParaRPr>
-          </a:p>
-          <a:p>
-            <a:endParaRPr lang="en-US" altLang="ko-KR" sz="1600" dirty="0">
-              <a:latin typeface="HY헤드라인M" panose="02030600000101010101" pitchFamily="18" charset="-127"/>
-              <a:ea typeface="HY헤드라인M" panose="02030600000101010101" pitchFamily="18" charset="-127"/>
-            </a:endParaRPr>
-          </a:p>
-          <a:p>
-            <a:endParaRPr lang="en-US" altLang="ko-KR" sz="1600" dirty="0">
-              <a:latin typeface="HY헤드라인M" panose="02030600000101010101" pitchFamily="18" charset="-127"/>
-              <a:ea typeface="HY헤드라인M" panose="02030600000101010101" pitchFamily="18" charset="-127"/>
-            </a:endParaRPr>
-          </a:p>
-          <a:p>
-            <a:endParaRPr lang="en-US" altLang="ko-KR" sz="1600" dirty="0">
-              <a:latin typeface="HY헤드라인M" panose="02030600000101010101" pitchFamily="18" charset="-127"/>
-              <a:ea typeface="HY헤드라인M" panose="02030600000101010101" pitchFamily="18" charset="-127"/>
-            </a:endParaRPr>
-          </a:p>
-          <a:p>
-            <a:endParaRPr lang="en-US" altLang="ko-KR" sz="1600" dirty="0">
-              <a:latin typeface="HY헤드라인M" panose="02030600000101010101" pitchFamily="18" charset="-127"/>
-              <a:ea typeface="HY헤드라인M" panose="02030600000101010101" pitchFamily="18" charset="-127"/>
-            </a:endParaRPr>
-          </a:p>
-          <a:p>
-            <a:r>
-              <a:rPr lang="en-US" altLang="ko-KR" sz="1600" dirty="0">
-                <a:latin typeface="HY헤드라인M" panose="02030600000101010101" pitchFamily="18" charset="-127"/>
-                <a:ea typeface="HY헤드라인M" panose="02030600000101010101" pitchFamily="18" charset="-127"/>
-              </a:rPr>
-              <a:t>Git</a:t>
-            </a:r>
-          </a:p>
-          <a:p>
-            <a:r>
-              <a:rPr lang="en-US" altLang="ko-KR" sz="1600" dirty="0">
-                <a:latin typeface="HY헤드라인M" panose="02030600000101010101" pitchFamily="18" charset="-127"/>
-                <a:ea typeface="HY헤드라인M" panose="02030600000101010101" pitchFamily="18" charset="-127"/>
-              </a:rPr>
-              <a:t>-</a:t>
-            </a:r>
-            <a:r>
-              <a:rPr lang="ko-KR" altLang="en-US" sz="1600" dirty="0">
-                <a:latin typeface="HY헤드라인M" panose="02030600000101010101" pitchFamily="18" charset="-127"/>
-                <a:ea typeface="HY헤드라인M" panose="02030600000101010101" pitchFamily="18" charset="-127"/>
-              </a:rPr>
-              <a:t>게임 소프트웨어 공학 수강</a:t>
-            </a:r>
-            <a:endParaRPr lang="en-US" altLang="ko-KR" sz="1600" dirty="0">
-              <a:latin typeface="HY헤드라인M" panose="02030600000101010101" pitchFamily="18" charset="-127"/>
-              <a:ea typeface="HY헤드라인M" panose="02030600000101010101" pitchFamily="18" charset="-127"/>
-            </a:endParaRPr>
-          </a:p>
-          <a:p>
-            <a:endParaRPr lang="en-US" altLang="ko-KR" sz="2000" dirty="0">
-              <a:latin typeface="HY헤드라인M" panose="02030600000101010101" pitchFamily="18" charset="-127"/>
-              <a:ea typeface="HY헤드라인M" panose="02030600000101010101" pitchFamily="18" charset="-127"/>
-            </a:endParaRPr>
+              <a:t>렌더링 최적화</a:t>
+            </a:r>
+            <a:endParaRPr lang="ko-KR" altLang="en-US" sz="2000" dirty="0"/>
           </a:p>
         </p:txBody>
       </p:sp>
@@ -4951,7 +5427,7 @@
           <p:cNvPr id="8" name="직사각형 7">
             <a:extLst>
               <a:ext uri="{FF2B5EF4-FFF2-40B4-BE49-F238E27FC236}">
-                <a16:creationId xmlns:a16="http://schemas.microsoft.com/office/drawing/2014/main" id="{0598F42B-20BB-4FE1-B916-900EF2CCD5F1}"/>
+                <a16:creationId xmlns:a16="http://schemas.microsoft.com/office/drawing/2014/main" id="{53DD248C-6401-4F53-B5E2-18681EBF373A}"/>
               </a:ext>
             </a:extLst>
           </p:cNvPr>
@@ -4960,8 +5436,8 @@
         </p:nvSpPr>
         <p:spPr>
           <a:xfrm>
-            <a:off x="5022377" y="1298097"/>
-            <a:ext cx="3390901" cy="809625"/>
+            <a:off x="1656790" y="4115611"/>
+            <a:ext cx="8878420" cy="809625"/>
           </a:xfrm>
           <a:prstGeom prst="rect">
             <a:avLst/>
@@ -5000,7 +5476,7 @@
                 <a:latin typeface="HY헤드라인M" panose="02030600000101010101" pitchFamily="18" charset="-127"/>
                 <a:ea typeface="HY헤드라인M" panose="02030600000101010101" pitchFamily="18" charset="-127"/>
               </a:rPr>
-              <a:t>박건호</a:t>
+              <a:t>서버</a:t>
             </a:r>
           </a:p>
         </p:txBody>
@@ -5010,7 +5486,7 @@
           <p:cNvPr id="9" name="직사각형 8">
             <a:extLst>
               <a:ext uri="{FF2B5EF4-FFF2-40B4-BE49-F238E27FC236}">
-                <a16:creationId xmlns:a16="http://schemas.microsoft.com/office/drawing/2014/main" id="{B3C4690B-4DFC-4286-B5B4-EA8F7F452F2D}"/>
+                <a16:creationId xmlns:a16="http://schemas.microsoft.com/office/drawing/2014/main" id="{45C96417-2876-4133-982E-0CFBDF27C0EB}"/>
               </a:ext>
             </a:extLst>
           </p:cNvPr>
@@ -5019,8 +5495,8 @@
         </p:nvSpPr>
         <p:spPr>
           <a:xfrm>
-            <a:off x="5022377" y="2107721"/>
-            <a:ext cx="3390901" cy="3891662"/>
+            <a:off x="1656790" y="4925235"/>
+            <a:ext cx="8878420" cy="1754697"/>
           </a:xfrm>
           <a:prstGeom prst="rect">
             <a:avLst/>
@@ -5056,458 +5532,63 @@
           <a:bodyPr rtlCol="0" anchor="t"/>
           <a:lstStyle/>
           <a:p>
-            <a:r>
-              <a:rPr lang="en-US" altLang="ko-KR" sz="1600" dirty="0">
+            <a:endParaRPr lang="en-US" altLang="ko-KR" sz="2400" dirty="0">
+              <a:latin typeface="HY헤드라인M" panose="02030600000101010101" pitchFamily="18" charset="-127"/>
+              <a:ea typeface="HY헤드라인M" panose="02030600000101010101" pitchFamily="18" charset="-127"/>
+            </a:endParaRPr>
+          </a:p>
+          <a:p>
+            <a:r>
+              <a:rPr lang="en-US" altLang="ko-KR" sz="2400" dirty="0">
                 <a:latin typeface="HY헤드라인M" panose="02030600000101010101" pitchFamily="18" charset="-127"/>
                 <a:ea typeface="HY헤드라인M" panose="02030600000101010101" pitchFamily="18" charset="-127"/>
               </a:rPr>
-              <a:t>DirectX 12</a:t>
-            </a:r>
-          </a:p>
-          <a:p>
-            <a:r>
-              <a:rPr lang="en-US" altLang="ko-KR" sz="1600" dirty="0">
+              <a:t>	-	</a:t>
+            </a:r>
+            <a:r>
+              <a:rPr lang="ko-KR" altLang="en-US" sz="2400" dirty="0">
                 <a:latin typeface="HY헤드라인M" panose="02030600000101010101" pitchFamily="18" charset="-127"/>
                 <a:ea typeface="HY헤드라인M" panose="02030600000101010101" pitchFamily="18" charset="-127"/>
               </a:rPr>
-              <a:t>-3DGP</a:t>
-            </a:r>
-            <a:r>
-              <a:rPr lang="ko-KR" altLang="en-US" sz="1600" dirty="0">
+              <a:t>서버 내에서 실시간 처리</a:t>
+            </a:r>
+            <a:endParaRPr lang="en-US" altLang="ko-KR" sz="2400" dirty="0">
+              <a:latin typeface="HY헤드라인M" panose="02030600000101010101" pitchFamily="18" charset="-127"/>
+              <a:ea typeface="HY헤드라인M" panose="02030600000101010101" pitchFamily="18" charset="-127"/>
+            </a:endParaRPr>
+          </a:p>
+          <a:p>
+            <a:endParaRPr lang="en-US" altLang="ko-KR" sz="2400" dirty="0">
+              <a:latin typeface="HY헤드라인M" panose="02030600000101010101" pitchFamily="18" charset="-127"/>
+              <a:ea typeface="HY헤드라인M" panose="02030600000101010101" pitchFamily="18" charset="-127"/>
+            </a:endParaRPr>
+          </a:p>
+          <a:p>
+            <a:r>
+              <a:rPr lang="en-US" altLang="ko-KR" sz="2400" dirty="0">
                 <a:latin typeface="HY헤드라인M" panose="02030600000101010101" pitchFamily="18" charset="-127"/>
                 <a:ea typeface="HY헤드라인M" panose="02030600000101010101" pitchFamily="18" charset="-127"/>
               </a:rPr>
-              <a:t> 수강</a:t>
-            </a:r>
-            <a:endParaRPr lang="en-US" altLang="ko-KR" sz="1600" dirty="0">
-              <a:latin typeface="HY헤드라인M" panose="02030600000101010101" pitchFamily="18" charset="-127"/>
-              <a:ea typeface="HY헤드라인M" panose="02030600000101010101" pitchFamily="18" charset="-127"/>
-            </a:endParaRPr>
-          </a:p>
-          <a:p>
-            <a:endParaRPr lang="en-US" altLang="ko-KR" sz="1600" dirty="0">
-              <a:latin typeface="HY헤드라인M" panose="02030600000101010101" pitchFamily="18" charset="-127"/>
-              <a:ea typeface="HY헤드라인M" panose="02030600000101010101" pitchFamily="18" charset="-127"/>
-            </a:endParaRPr>
-          </a:p>
-          <a:p>
-            <a:r>
-              <a:rPr lang="ko-KR" altLang="en-US" sz="1600" dirty="0">
+              <a:t>	-	</a:t>
+            </a:r>
+            <a:r>
+              <a:rPr lang="ko-KR" altLang="en-US" sz="2400" dirty="0">
                 <a:latin typeface="HY헤드라인M" panose="02030600000101010101" pitchFamily="18" charset="-127"/>
                 <a:ea typeface="HY헤드라인M" panose="02030600000101010101" pitchFamily="18" charset="-127"/>
               </a:rPr>
-              <a:t>모델링</a:t>
-            </a:r>
-            <a:endParaRPr lang="en-US" altLang="ko-KR" sz="1600" dirty="0">
-              <a:latin typeface="HY헤드라인M" panose="02030600000101010101" pitchFamily="18" charset="-127"/>
-              <a:ea typeface="HY헤드라인M" panose="02030600000101010101" pitchFamily="18" charset="-127"/>
-            </a:endParaRPr>
-          </a:p>
-          <a:p>
-            <a:r>
-              <a:rPr lang="en-US" altLang="ko-KR" sz="1600" dirty="0">
-                <a:latin typeface="HY헤드라인M" panose="02030600000101010101" pitchFamily="18" charset="-127"/>
-                <a:ea typeface="HY헤드라인M" panose="02030600000101010101" pitchFamily="18" charset="-127"/>
-              </a:rPr>
-              <a:t>-</a:t>
-            </a:r>
-            <a:r>
-              <a:rPr lang="ko-KR" altLang="en-US" sz="1600" dirty="0" err="1">
-                <a:latin typeface="HY헤드라인M" panose="02030600000101010101" pitchFamily="18" charset="-127"/>
-                <a:ea typeface="HY헤드라인M" panose="02030600000101010101" pitchFamily="18" charset="-127"/>
-              </a:rPr>
-              <a:t>쉐이더</a:t>
-            </a:r>
-            <a:r>
-              <a:rPr lang="ko-KR" altLang="en-US" sz="1600" dirty="0">
-                <a:latin typeface="HY헤드라인M" panose="02030600000101010101" pitchFamily="18" charset="-127"/>
-                <a:ea typeface="HY헤드라인M" panose="02030600000101010101" pitchFamily="18" charset="-127"/>
-              </a:rPr>
-              <a:t> 프로그래밍 수강</a:t>
-            </a:r>
-            <a:endParaRPr lang="en-US" altLang="ko-KR" sz="1600" dirty="0">
-              <a:latin typeface="HY헤드라인M" panose="02030600000101010101" pitchFamily="18" charset="-127"/>
-              <a:ea typeface="HY헤드라인M" panose="02030600000101010101" pitchFamily="18" charset="-127"/>
-            </a:endParaRPr>
-          </a:p>
-          <a:p>
-            <a:endParaRPr lang="en-US" altLang="ko-KR" sz="1600" dirty="0">
-              <a:latin typeface="HY헤드라인M" panose="02030600000101010101" pitchFamily="18" charset="-127"/>
-              <a:ea typeface="HY헤드라인M" panose="02030600000101010101" pitchFamily="18" charset="-127"/>
-            </a:endParaRPr>
-          </a:p>
-          <a:p>
-            <a:r>
-              <a:rPr lang="en-US" altLang="ko-KR" sz="1600" dirty="0">
-                <a:latin typeface="HY헤드라인M" panose="02030600000101010101" pitchFamily="18" charset="-127"/>
-                <a:ea typeface="HY헤드라인M" panose="02030600000101010101" pitchFamily="18" charset="-127"/>
-              </a:rPr>
-              <a:t>UI &amp; </a:t>
-            </a:r>
-            <a:r>
-              <a:rPr lang="ko-KR" altLang="en-US" sz="1600" dirty="0">
-                <a:latin typeface="HY헤드라인M" panose="02030600000101010101" pitchFamily="18" charset="-127"/>
-                <a:ea typeface="HY헤드라인M" panose="02030600000101010101" pitchFamily="18" charset="-127"/>
-              </a:rPr>
-              <a:t>레벨 디자인</a:t>
-            </a:r>
-            <a:endParaRPr lang="en-US" altLang="ko-KR" sz="1600" dirty="0">
-              <a:latin typeface="HY헤드라인M" panose="02030600000101010101" pitchFamily="18" charset="-127"/>
-              <a:ea typeface="HY헤드라인M" panose="02030600000101010101" pitchFamily="18" charset="-127"/>
-            </a:endParaRPr>
-          </a:p>
-          <a:p>
-            <a:r>
-              <a:rPr lang="en-US" altLang="ko-KR" sz="1600" dirty="0">
-                <a:latin typeface="HY헤드라인M" panose="02030600000101010101" pitchFamily="18" charset="-127"/>
-                <a:ea typeface="HY헤드라인M" panose="02030600000101010101" pitchFamily="18" charset="-127"/>
-              </a:rPr>
-              <a:t>-</a:t>
-            </a:r>
-            <a:r>
-              <a:rPr lang="ko-KR" altLang="en-US" sz="1600" dirty="0">
-                <a:latin typeface="HY헤드라인M" panose="02030600000101010101" pitchFamily="18" charset="-127"/>
-                <a:ea typeface="HY헤드라인M" panose="02030600000101010101" pitchFamily="18" charset="-127"/>
-              </a:rPr>
-              <a:t>게임 기획 수강</a:t>
-            </a:r>
-            <a:endParaRPr lang="en-US" altLang="ko-KR" sz="1600" dirty="0">
-              <a:latin typeface="HY헤드라인M" panose="02030600000101010101" pitchFamily="18" charset="-127"/>
-              <a:ea typeface="HY헤드라인M" panose="02030600000101010101" pitchFamily="18" charset="-127"/>
-            </a:endParaRPr>
-          </a:p>
-          <a:p>
-            <a:r>
-              <a:rPr lang="en-US" altLang="ko-KR" sz="1600" dirty="0">
-                <a:latin typeface="HY헤드라인M" panose="02030600000101010101" pitchFamily="18" charset="-127"/>
-                <a:ea typeface="HY헤드라인M" panose="02030600000101010101" pitchFamily="18" charset="-127"/>
-              </a:rPr>
-              <a:t>-</a:t>
-            </a:r>
-            <a:r>
-              <a:rPr lang="ko-KR" altLang="en-US" sz="1600" dirty="0">
-                <a:latin typeface="HY헤드라인M" panose="02030600000101010101" pitchFamily="18" charset="-127"/>
-                <a:ea typeface="HY헤드라인M" panose="02030600000101010101" pitchFamily="18" charset="-127"/>
-              </a:rPr>
-              <a:t>기획자 </a:t>
-            </a:r>
-            <a:r>
-              <a:rPr lang="ko-KR" altLang="en-US" sz="1600" dirty="0" err="1">
-                <a:latin typeface="HY헤드라인M" panose="02030600000101010101" pitchFamily="18" charset="-127"/>
-                <a:ea typeface="HY헤드라인M" panose="02030600000101010101" pitchFamily="18" charset="-127"/>
-              </a:rPr>
-              <a:t>특훈</a:t>
-            </a:r>
-            <a:r>
-              <a:rPr lang="ko-KR" altLang="en-US" sz="1600" dirty="0">
-                <a:latin typeface="HY헤드라인M" panose="02030600000101010101" pitchFamily="18" charset="-127"/>
-                <a:ea typeface="HY헤드라인M" panose="02030600000101010101" pitchFamily="18" charset="-127"/>
-              </a:rPr>
-              <a:t> 수강</a:t>
-            </a:r>
-            <a:endParaRPr lang="en-US" altLang="ko-KR" sz="1600" dirty="0">
-              <a:latin typeface="HY헤드라인M" panose="02030600000101010101" pitchFamily="18" charset="-127"/>
-              <a:ea typeface="HY헤드라인M" panose="02030600000101010101" pitchFamily="18" charset="-127"/>
-            </a:endParaRPr>
-          </a:p>
-          <a:p>
-            <a:endParaRPr lang="en-US" altLang="ko-KR" sz="1600" dirty="0">
-              <a:latin typeface="HY헤드라인M" panose="02030600000101010101" pitchFamily="18" charset="-127"/>
-              <a:ea typeface="HY헤드라인M" panose="02030600000101010101" pitchFamily="18" charset="-127"/>
-            </a:endParaRPr>
-          </a:p>
-          <a:p>
-            <a:endParaRPr lang="en-US" altLang="ko-KR" sz="1600" dirty="0">
-              <a:latin typeface="HY헤드라인M" panose="02030600000101010101" pitchFamily="18" charset="-127"/>
-              <a:ea typeface="HY헤드라인M" panose="02030600000101010101" pitchFamily="18" charset="-127"/>
-            </a:endParaRPr>
-          </a:p>
-          <a:p>
-            <a:endParaRPr lang="en-US" altLang="ko-KR" sz="1600" dirty="0">
-              <a:latin typeface="HY헤드라인M" panose="02030600000101010101" pitchFamily="18" charset="-127"/>
-              <a:ea typeface="HY헤드라인M" panose="02030600000101010101" pitchFamily="18" charset="-127"/>
-            </a:endParaRPr>
-          </a:p>
-          <a:p>
-            <a:endParaRPr lang="en-US" altLang="ko-KR" sz="1600" dirty="0">
-              <a:latin typeface="HY헤드라인M" panose="02030600000101010101" pitchFamily="18" charset="-127"/>
-              <a:ea typeface="HY헤드라인M" panose="02030600000101010101" pitchFamily="18" charset="-127"/>
-            </a:endParaRPr>
-          </a:p>
-          <a:p>
-            <a:r>
-              <a:rPr lang="en-US" altLang="ko-KR" sz="1600" dirty="0">
-                <a:latin typeface="HY헤드라인M" panose="02030600000101010101" pitchFamily="18" charset="-127"/>
-                <a:ea typeface="HY헤드라인M" panose="02030600000101010101" pitchFamily="18" charset="-127"/>
-              </a:rPr>
-              <a:t>Git</a:t>
-            </a:r>
-          </a:p>
-          <a:p>
-            <a:r>
-              <a:rPr lang="en-US" altLang="ko-KR" sz="1600" dirty="0">
-                <a:latin typeface="HY헤드라인M" panose="02030600000101010101" pitchFamily="18" charset="-127"/>
-                <a:ea typeface="HY헤드라인M" panose="02030600000101010101" pitchFamily="18" charset="-127"/>
-              </a:rPr>
-              <a:t>-</a:t>
-            </a:r>
-            <a:r>
-              <a:rPr lang="ko-KR" altLang="en-US" sz="1600" dirty="0">
-                <a:latin typeface="HY헤드라인M" panose="02030600000101010101" pitchFamily="18" charset="-127"/>
-                <a:ea typeface="HY헤드라인M" panose="02030600000101010101" pitchFamily="18" charset="-127"/>
-              </a:rPr>
-              <a:t> 게임 소프트웨어 공학 수강</a:t>
-            </a:r>
-            <a:endParaRPr lang="en-US" altLang="ko-KR" sz="1600" dirty="0">
-              <a:latin typeface="HY헤드라인M" panose="02030600000101010101" pitchFamily="18" charset="-127"/>
-              <a:ea typeface="HY헤드라인M" panose="02030600000101010101" pitchFamily="18" charset="-127"/>
-            </a:endParaRPr>
-          </a:p>
-        </p:txBody>
-      </p:sp>
-      <p:sp>
-        <p:nvSpPr>
-          <p:cNvPr id="10" name="직사각형 9">
-            <a:extLst>
-              <a:ext uri="{FF2B5EF4-FFF2-40B4-BE49-F238E27FC236}">
-                <a16:creationId xmlns:a16="http://schemas.microsoft.com/office/drawing/2014/main" id="{D3F450E1-C0C0-43EA-965D-6DF7A17A2380}"/>
-              </a:ext>
-            </a:extLst>
-          </p:cNvPr>
-          <p:cNvSpPr/>
-          <p:nvPr/>
-        </p:nvSpPr>
-        <p:spPr>
-          <a:xfrm>
-            <a:off x="8413278" y="1298093"/>
-            <a:ext cx="3390901" cy="809625"/>
-          </a:xfrm>
-          <a:prstGeom prst="rect">
-            <a:avLst/>
-          </a:prstGeom>
-          <a:ln w="38100">
-            <a:solidFill>
-              <a:schemeClr val="tx1">
-                <a:lumMod val="85000"/>
-              </a:schemeClr>
-            </a:solidFill>
-          </a:ln>
-        </p:spPr>
-        <p:style>
-          <a:lnRef idx="2">
-            <a:schemeClr val="accent1">
-              <a:shade val="50000"/>
-            </a:schemeClr>
-          </a:lnRef>
-          <a:fillRef idx="1">
-            <a:schemeClr val="accent1"/>
-          </a:fillRef>
-          <a:effectRef idx="0">
-            <a:schemeClr val="accent1"/>
-          </a:effectRef>
-          <a:fontRef idx="minor">
-            <a:schemeClr val="lt1"/>
-          </a:fontRef>
-        </p:style>
-        <p:txBody>
-          <a:bodyPr rtlCol="0" anchor="ctr"/>
-          <a:lstStyle/>
+              <a:t>물리 엔진</a:t>
+            </a:r>
+          </a:p>
           <a:p>
             <a:pPr algn="ctr"/>
-            <a:r>
-              <a:rPr lang="ko-KR" altLang="en-US" sz="2800" dirty="0">
-                <a:latin typeface="HY헤드라인M" panose="02030600000101010101" pitchFamily="18" charset="-127"/>
-                <a:ea typeface="HY헤드라인M" panose="02030600000101010101" pitchFamily="18" charset="-127"/>
-              </a:rPr>
-              <a:t>박정만</a:t>
-            </a:r>
-          </a:p>
-        </p:txBody>
-      </p:sp>
-      <p:sp>
-        <p:nvSpPr>
-          <p:cNvPr id="12" name="직사각형 11">
-            <a:extLst>
-              <a:ext uri="{FF2B5EF4-FFF2-40B4-BE49-F238E27FC236}">
-                <a16:creationId xmlns:a16="http://schemas.microsoft.com/office/drawing/2014/main" id="{242167CD-F648-4E14-9D37-5731E669137E}"/>
-              </a:ext>
-            </a:extLst>
-          </p:cNvPr>
-          <p:cNvSpPr/>
-          <p:nvPr/>
-        </p:nvSpPr>
-        <p:spPr>
-          <a:xfrm>
-            <a:off x="8413278" y="2107717"/>
-            <a:ext cx="3390901" cy="3891662"/>
-          </a:xfrm>
-          <a:prstGeom prst="rect">
-            <a:avLst/>
-          </a:prstGeom>
-          <a:solidFill>
-            <a:srgbClr val="595959"/>
-          </a:solidFill>
-          <a:ln w="38100">
-            <a:solidFill>
-              <a:schemeClr val="tx1">
-                <a:lumMod val="85000"/>
-              </a:schemeClr>
-            </a:solidFill>
-          </a:ln>
-        </p:spPr>
-        <p:style>
-          <a:lnRef idx="2">
-            <a:schemeClr val="accent1">
-              <a:shade val="50000"/>
-            </a:schemeClr>
-          </a:lnRef>
-          <a:fillRef idx="1">
-            <a:schemeClr val="accent1"/>
-          </a:fillRef>
-          <a:effectRef idx="0">
-            <a:schemeClr val="accent1"/>
-          </a:effectRef>
-          <a:fontRef idx="minor">
-            <a:schemeClr val="lt1"/>
-          </a:fontRef>
-        </p:style>
-        <p:txBody>
-          <a:bodyPr rtlCol="0" anchor="t"/>
-          <a:lstStyle/>
-          <a:p>
-            <a:r>
-              <a:rPr lang="ko-KR" altLang="en-US" sz="1600" dirty="0">
-                <a:latin typeface="HY헤드라인M" panose="02030600000101010101" pitchFamily="18" charset="-127"/>
-                <a:ea typeface="HY헤드라인M" panose="02030600000101010101" pitchFamily="18" charset="-127"/>
-              </a:rPr>
-              <a:t>서버</a:t>
-            </a:r>
-            <a:endParaRPr lang="en-US" altLang="ko-KR" sz="1600" dirty="0">
-              <a:latin typeface="HY헤드라인M" panose="02030600000101010101" pitchFamily="18" charset="-127"/>
-              <a:ea typeface="HY헤드라인M" panose="02030600000101010101" pitchFamily="18" charset="-127"/>
-            </a:endParaRPr>
-          </a:p>
-          <a:p>
-            <a:r>
-              <a:rPr lang="en-US" altLang="ko-KR" sz="1600" dirty="0">
-                <a:latin typeface="HY헤드라인M" panose="02030600000101010101" pitchFamily="18" charset="-127"/>
-                <a:ea typeface="HY헤드라인M" panose="02030600000101010101" pitchFamily="18" charset="-127"/>
-              </a:rPr>
-              <a:t>-</a:t>
-            </a:r>
-            <a:r>
-              <a:rPr lang="ko-KR" altLang="en-US" sz="1600" dirty="0">
-                <a:latin typeface="HY헤드라인M" panose="02030600000101010101" pitchFamily="18" charset="-127"/>
-                <a:ea typeface="HY헤드라인M" panose="02030600000101010101" pitchFamily="18" charset="-127"/>
-              </a:rPr>
-              <a:t>게임 서버 수강</a:t>
-            </a:r>
-            <a:endParaRPr lang="en-US" altLang="ko-KR" sz="1600" dirty="0">
-              <a:latin typeface="HY헤드라인M" panose="02030600000101010101" pitchFamily="18" charset="-127"/>
-              <a:ea typeface="HY헤드라인M" panose="02030600000101010101" pitchFamily="18" charset="-127"/>
-            </a:endParaRPr>
-          </a:p>
-          <a:p>
-            <a:endParaRPr lang="en-US" altLang="ko-KR" sz="1600" dirty="0">
-              <a:latin typeface="HY헤드라인M" panose="02030600000101010101" pitchFamily="18" charset="-127"/>
-              <a:ea typeface="HY헤드라인M" panose="02030600000101010101" pitchFamily="18" charset="-127"/>
-            </a:endParaRPr>
-          </a:p>
-          <a:p>
-            <a:endParaRPr lang="en-US" altLang="ko-KR" sz="1600" dirty="0">
-              <a:latin typeface="HY헤드라인M" panose="02030600000101010101" pitchFamily="18" charset="-127"/>
-              <a:ea typeface="HY헤드라인M" panose="02030600000101010101" pitchFamily="18" charset="-127"/>
-            </a:endParaRPr>
-          </a:p>
-          <a:p>
-            <a:endParaRPr lang="en-US" altLang="ko-KR" sz="1600" dirty="0">
-              <a:latin typeface="HY헤드라인M" panose="02030600000101010101" pitchFamily="18" charset="-127"/>
-              <a:ea typeface="HY헤드라인M" panose="02030600000101010101" pitchFamily="18" charset="-127"/>
-            </a:endParaRPr>
-          </a:p>
-          <a:p>
-            <a:endParaRPr lang="en-US" altLang="ko-KR" sz="1600" dirty="0">
-              <a:latin typeface="HY헤드라인M" panose="02030600000101010101" pitchFamily="18" charset="-127"/>
-              <a:ea typeface="HY헤드라인M" panose="02030600000101010101" pitchFamily="18" charset="-127"/>
-            </a:endParaRPr>
-          </a:p>
-          <a:p>
-            <a:endParaRPr lang="en-US" altLang="ko-KR" sz="1600" dirty="0">
-              <a:latin typeface="HY헤드라인M" panose="02030600000101010101" pitchFamily="18" charset="-127"/>
-              <a:ea typeface="HY헤드라인M" panose="02030600000101010101" pitchFamily="18" charset="-127"/>
-            </a:endParaRPr>
-          </a:p>
-          <a:p>
-            <a:endParaRPr lang="en-US" altLang="ko-KR" sz="1600" dirty="0">
-              <a:latin typeface="HY헤드라인M" panose="02030600000101010101" pitchFamily="18" charset="-127"/>
-              <a:ea typeface="HY헤드라인M" panose="02030600000101010101" pitchFamily="18" charset="-127"/>
-            </a:endParaRPr>
-          </a:p>
-          <a:p>
-            <a:endParaRPr lang="en-US" altLang="ko-KR" sz="1600" dirty="0">
-              <a:latin typeface="HY헤드라인M" panose="02030600000101010101" pitchFamily="18" charset="-127"/>
-              <a:ea typeface="HY헤드라인M" panose="02030600000101010101" pitchFamily="18" charset="-127"/>
-            </a:endParaRPr>
-          </a:p>
-          <a:p>
-            <a:endParaRPr lang="en-US" altLang="ko-KR" sz="1600" dirty="0">
-              <a:latin typeface="HY헤드라인M" panose="02030600000101010101" pitchFamily="18" charset="-127"/>
-              <a:ea typeface="HY헤드라인M" panose="02030600000101010101" pitchFamily="18" charset="-127"/>
-            </a:endParaRPr>
-          </a:p>
-          <a:p>
-            <a:endParaRPr lang="en-US" altLang="ko-KR" sz="1600" dirty="0">
-              <a:latin typeface="HY헤드라인M" panose="02030600000101010101" pitchFamily="18" charset="-127"/>
-              <a:ea typeface="HY헤드라인M" panose="02030600000101010101" pitchFamily="18" charset="-127"/>
-            </a:endParaRPr>
-          </a:p>
-          <a:p>
-            <a:endParaRPr lang="en-US" altLang="ko-KR" sz="1600" dirty="0">
-              <a:latin typeface="HY헤드라인M" panose="02030600000101010101" pitchFamily="18" charset="-127"/>
-              <a:ea typeface="HY헤드라인M" panose="02030600000101010101" pitchFamily="18" charset="-127"/>
-            </a:endParaRPr>
-          </a:p>
-          <a:p>
-            <a:endParaRPr lang="en-US" altLang="ko-KR" sz="1600" dirty="0">
-              <a:latin typeface="HY헤드라인M" panose="02030600000101010101" pitchFamily="18" charset="-127"/>
-              <a:ea typeface="HY헤드라인M" panose="02030600000101010101" pitchFamily="18" charset="-127"/>
-            </a:endParaRPr>
-          </a:p>
-          <a:p>
-            <a:r>
-              <a:rPr lang="en-US" altLang="ko-KR" sz="1600" dirty="0">
-                <a:latin typeface="HY헤드라인M" panose="02030600000101010101" pitchFamily="18" charset="-127"/>
-                <a:ea typeface="HY헤드라인M" panose="02030600000101010101" pitchFamily="18" charset="-127"/>
-              </a:rPr>
-              <a:t>Git</a:t>
-            </a:r>
-          </a:p>
-          <a:p>
-            <a:r>
-              <a:rPr lang="en-US" altLang="ko-KR" sz="1600" dirty="0">
-                <a:latin typeface="HY헤드라인M" panose="02030600000101010101" pitchFamily="18" charset="-127"/>
-                <a:ea typeface="HY헤드라인M" panose="02030600000101010101" pitchFamily="18" charset="-127"/>
-              </a:rPr>
-              <a:t>-</a:t>
-            </a:r>
-            <a:r>
-              <a:rPr lang="ko-KR" altLang="en-US" sz="1600" dirty="0">
-                <a:latin typeface="HY헤드라인M" panose="02030600000101010101" pitchFamily="18" charset="-127"/>
-                <a:ea typeface="HY헤드라인M" panose="02030600000101010101" pitchFamily="18" charset="-127"/>
-              </a:rPr>
-              <a:t> 게임 소프트웨어 공학 수강</a:t>
-            </a:r>
-            <a:endParaRPr lang="en-US" altLang="ko-KR" sz="1600" dirty="0">
-              <a:latin typeface="HY헤드라인M" panose="02030600000101010101" pitchFamily="18" charset="-127"/>
-              <a:ea typeface="HY헤드라인M" panose="02030600000101010101" pitchFamily="18" charset="-127"/>
-            </a:endParaRPr>
+            <a:endParaRPr lang="ko-KR" altLang="en-US" sz="2000" dirty="0"/>
           </a:p>
         </p:txBody>
       </p:sp>
     </p:spTree>
     <p:extLst>
       <p:ext uri="{BB962C8B-B14F-4D97-AF65-F5344CB8AC3E}">
-        <p14:creationId xmlns:p14="http://schemas.microsoft.com/office/powerpoint/2010/main" val="3117424196"/>
+        <p14:creationId xmlns:p14="http://schemas.microsoft.com/office/powerpoint/2010/main" val="2237484308"/>
       </p:ext>
     </p:extLst>
   </p:cSld>
@@ -5589,7 +5670,7 @@
                 <a:latin typeface="HY헤드라인M" panose="02030600000101010101" pitchFamily="18" charset="-127"/>
                 <a:ea typeface="HY헤드라인M" panose="02030600000101010101" pitchFamily="18" charset="-127"/>
               </a:rPr>
-              <a:t>7</a:t>
+              <a:t>8</a:t>
             </a:r>
             <a:endParaRPr lang="ko-KR" altLang="en-US" sz="5400" dirty="0">
               <a:latin typeface="HY헤드라인M" panose="02030600000101010101" pitchFamily="18" charset="-127"/>
@@ -5631,339 +5712,16 @@
                 <a:latin typeface="HY헤드라인M" panose="02030600000101010101" pitchFamily="18" charset="-127"/>
                 <a:ea typeface="HY헤드라인M" panose="02030600000101010101" pitchFamily="18" charset="-127"/>
               </a:rPr>
-              <a:t>중점 연구분야</a:t>
+              <a:t>타 게임과의 비교</a:t>
             </a:r>
             <a:endParaRPr lang="ko-KR" altLang="en-US" dirty="0"/>
-          </a:p>
-        </p:txBody>
-      </p:sp>
-      <p:sp>
-        <p:nvSpPr>
-          <p:cNvPr id="5" name="직사각형 4">
-            <a:extLst>
-              <a:ext uri="{FF2B5EF4-FFF2-40B4-BE49-F238E27FC236}">
-                <a16:creationId xmlns:a16="http://schemas.microsoft.com/office/drawing/2014/main" id="{45C393B8-20D6-4EE7-AAC2-D8AA6F3EA229}"/>
-              </a:ext>
-            </a:extLst>
-          </p:cNvPr>
-          <p:cNvSpPr/>
-          <p:nvPr/>
-        </p:nvSpPr>
-        <p:spPr>
-          <a:xfrm>
-            <a:off x="1656790" y="1298097"/>
-            <a:ext cx="8878420" cy="809625"/>
-          </a:xfrm>
-          <a:prstGeom prst="rect">
-            <a:avLst/>
-          </a:prstGeom>
-          <a:ln w="38100">
-            <a:solidFill>
-              <a:schemeClr val="tx1">
-                <a:lumMod val="85000"/>
-              </a:schemeClr>
-            </a:solidFill>
-          </a:ln>
-        </p:spPr>
-        <p:style>
-          <a:lnRef idx="2">
-            <a:schemeClr val="accent1">
-              <a:shade val="50000"/>
-            </a:schemeClr>
-          </a:lnRef>
-          <a:fillRef idx="1">
-            <a:schemeClr val="accent1"/>
-          </a:fillRef>
-          <a:effectRef idx="0">
-            <a:schemeClr val="accent1"/>
-          </a:effectRef>
-          <a:fontRef idx="minor">
-            <a:schemeClr val="lt1"/>
-          </a:fontRef>
-        </p:style>
-        <p:txBody>
-          <a:bodyPr rtlCol="0" anchor="ctr"/>
-          <a:lstStyle/>
-          <a:p>
-            <a:pPr algn="ctr"/>
-            <a:r>
-              <a:rPr lang="ko-KR" altLang="en-US" sz="2800" dirty="0">
-                <a:latin typeface="HY헤드라인M" panose="02030600000101010101" pitchFamily="18" charset="-127"/>
-                <a:ea typeface="HY헤드라인M" panose="02030600000101010101" pitchFamily="18" charset="-127"/>
-              </a:rPr>
-              <a:t>클라이언트</a:t>
-            </a:r>
-          </a:p>
-        </p:txBody>
-      </p:sp>
-      <p:sp>
-        <p:nvSpPr>
-          <p:cNvPr id="7" name="직사각형 6">
-            <a:extLst>
-              <a:ext uri="{FF2B5EF4-FFF2-40B4-BE49-F238E27FC236}">
-                <a16:creationId xmlns:a16="http://schemas.microsoft.com/office/drawing/2014/main" id="{B83CE672-44E1-46DB-9B66-CA17CD5C5231}"/>
-              </a:ext>
-            </a:extLst>
-          </p:cNvPr>
-          <p:cNvSpPr/>
-          <p:nvPr/>
-        </p:nvSpPr>
-        <p:spPr>
-          <a:xfrm>
-            <a:off x="1656790" y="2107721"/>
-            <a:ext cx="8878420" cy="1754697"/>
-          </a:xfrm>
-          <a:prstGeom prst="rect">
-            <a:avLst/>
-          </a:prstGeom>
-          <a:solidFill>
-            <a:srgbClr val="595959"/>
-          </a:solidFill>
-          <a:ln w="38100">
-            <a:solidFill>
-              <a:schemeClr val="tx1">
-                <a:lumMod val="85000"/>
-              </a:schemeClr>
-            </a:solidFill>
-          </a:ln>
-        </p:spPr>
-        <p:style>
-          <a:lnRef idx="2">
-            <a:schemeClr val="accent1">
-              <a:shade val="50000"/>
-            </a:schemeClr>
-          </a:lnRef>
-          <a:fillRef idx="1">
-            <a:schemeClr val="accent1"/>
-          </a:fillRef>
-          <a:effectRef idx="0">
-            <a:schemeClr val="accent1"/>
-          </a:effectRef>
-          <a:fontRef idx="minor">
-            <a:schemeClr val="lt1"/>
-          </a:fontRef>
-        </p:style>
-        <p:txBody>
-          <a:bodyPr rtlCol="0" anchor="t"/>
-          <a:lstStyle/>
-          <a:p>
-            <a:endParaRPr lang="en-US" altLang="ko-KR" sz="2400" dirty="0">
-              <a:latin typeface="HY헤드라인M" panose="02030600000101010101" pitchFamily="18" charset="-127"/>
-              <a:ea typeface="HY헤드라인M" panose="02030600000101010101" pitchFamily="18" charset="-127"/>
-            </a:endParaRPr>
-          </a:p>
-          <a:p>
-            <a:r>
-              <a:rPr lang="en-US" altLang="ko-KR" sz="2400" dirty="0">
-                <a:latin typeface="HY헤드라인M" panose="02030600000101010101" pitchFamily="18" charset="-127"/>
-                <a:ea typeface="HY헤드라인M" panose="02030600000101010101" pitchFamily="18" charset="-127"/>
-              </a:rPr>
-              <a:t>	-	</a:t>
-            </a:r>
-            <a:r>
-              <a:rPr lang="ko-KR" altLang="en-US" sz="2400" dirty="0">
-                <a:latin typeface="HY헤드라인M" panose="02030600000101010101" pitchFamily="18" charset="-127"/>
-                <a:ea typeface="HY헤드라인M" panose="02030600000101010101" pitchFamily="18" charset="-127"/>
-              </a:rPr>
-              <a:t>카메라 워킹</a:t>
-            </a:r>
-            <a:endParaRPr lang="en-US" altLang="ko-KR" sz="2400" dirty="0">
-              <a:latin typeface="HY헤드라인M" panose="02030600000101010101" pitchFamily="18" charset="-127"/>
-              <a:ea typeface="HY헤드라인M" panose="02030600000101010101" pitchFamily="18" charset="-127"/>
-            </a:endParaRPr>
-          </a:p>
-          <a:p>
-            <a:endParaRPr lang="en-US" altLang="ko-KR" sz="2400" dirty="0">
-              <a:latin typeface="HY헤드라인M" panose="02030600000101010101" pitchFamily="18" charset="-127"/>
-              <a:ea typeface="HY헤드라인M" panose="02030600000101010101" pitchFamily="18" charset="-127"/>
-            </a:endParaRPr>
-          </a:p>
-          <a:p>
-            <a:r>
-              <a:rPr lang="en-US" altLang="ko-KR" sz="2400" dirty="0">
-                <a:latin typeface="HY헤드라인M" panose="02030600000101010101" pitchFamily="18" charset="-127"/>
-                <a:ea typeface="HY헤드라인M" panose="02030600000101010101" pitchFamily="18" charset="-127"/>
-              </a:rPr>
-              <a:t>	-	</a:t>
-            </a:r>
-            <a:r>
-              <a:rPr lang="ko-KR" altLang="en-US" sz="2400" dirty="0">
-                <a:latin typeface="HY헤드라인M" panose="02030600000101010101" pitchFamily="18" charset="-127"/>
-                <a:ea typeface="HY헤드라인M" panose="02030600000101010101" pitchFamily="18" charset="-127"/>
-              </a:rPr>
-              <a:t>렌더링 최적화</a:t>
-            </a:r>
-            <a:endParaRPr lang="ko-KR" altLang="en-US" sz="2000" dirty="0"/>
-          </a:p>
-        </p:txBody>
-      </p:sp>
-      <p:sp>
-        <p:nvSpPr>
-          <p:cNvPr id="8" name="직사각형 7">
-            <a:extLst>
-              <a:ext uri="{FF2B5EF4-FFF2-40B4-BE49-F238E27FC236}">
-                <a16:creationId xmlns:a16="http://schemas.microsoft.com/office/drawing/2014/main" id="{53DD248C-6401-4F53-B5E2-18681EBF373A}"/>
-              </a:ext>
-            </a:extLst>
-          </p:cNvPr>
-          <p:cNvSpPr/>
-          <p:nvPr/>
-        </p:nvSpPr>
-        <p:spPr>
-          <a:xfrm>
-            <a:off x="1656790" y="4115611"/>
-            <a:ext cx="8878420" cy="809625"/>
-          </a:xfrm>
-          <a:prstGeom prst="rect">
-            <a:avLst/>
-          </a:prstGeom>
-          <a:ln w="38100">
-            <a:solidFill>
-              <a:schemeClr val="tx1">
-                <a:lumMod val="85000"/>
-              </a:schemeClr>
-            </a:solidFill>
-          </a:ln>
-        </p:spPr>
-        <p:style>
-          <a:lnRef idx="2">
-            <a:schemeClr val="accent1">
-              <a:shade val="50000"/>
-            </a:schemeClr>
-          </a:lnRef>
-          <a:fillRef idx="1">
-            <a:schemeClr val="accent1"/>
-          </a:fillRef>
-          <a:effectRef idx="0">
-            <a:schemeClr val="accent1"/>
-          </a:effectRef>
-          <a:fontRef idx="minor">
-            <a:schemeClr val="lt1"/>
-          </a:fontRef>
-        </p:style>
-        <p:txBody>
-          <a:bodyPr rtlCol="0" anchor="ctr"/>
-          <a:lstStyle/>
-          <a:p>
-            <a:pPr algn="ctr"/>
-            <a:r>
-              <a:rPr lang="ko-KR" altLang="en-US" sz="2800" dirty="0">
-                <a:latin typeface="HY헤드라인M" panose="02030600000101010101" pitchFamily="18" charset="-127"/>
-                <a:ea typeface="HY헤드라인M" panose="02030600000101010101" pitchFamily="18" charset="-127"/>
-              </a:rPr>
-              <a:t>서버</a:t>
-            </a:r>
-          </a:p>
-        </p:txBody>
-      </p:sp>
-      <p:sp>
-        <p:nvSpPr>
-          <p:cNvPr id="9" name="직사각형 8">
-            <a:extLst>
-              <a:ext uri="{FF2B5EF4-FFF2-40B4-BE49-F238E27FC236}">
-                <a16:creationId xmlns:a16="http://schemas.microsoft.com/office/drawing/2014/main" id="{45C96417-2876-4133-982E-0CFBDF27C0EB}"/>
-              </a:ext>
-            </a:extLst>
-          </p:cNvPr>
-          <p:cNvSpPr/>
-          <p:nvPr/>
-        </p:nvSpPr>
-        <p:spPr>
-          <a:xfrm>
-            <a:off x="1656790" y="4925235"/>
-            <a:ext cx="8878420" cy="1754697"/>
-          </a:xfrm>
-          <a:prstGeom prst="rect">
-            <a:avLst/>
-          </a:prstGeom>
-          <a:solidFill>
-            <a:srgbClr val="595959"/>
-          </a:solidFill>
-          <a:ln w="38100">
-            <a:solidFill>
-              <a:schemeClr val="tx1">
-                <a:lumMod val="85000"/>
-              </a:schemeClr>
-            </a:solidFill>
-          </a:ln>
-        </p:spPr>
-        <p:style>
-          <a:lnRef idx="2">
-            <a:schemeClr val="accent1">
-              <a:shade val="50000"/>
-            </a:schemeClr>
-          </a:lnRef>
-          <a:fillRef idx="1">
-            <a:schemeClr val="accent1"/>
-          </a:fillRef>
-          <a:effectRef idx="0">
-            <a:schemeClr val="accent1"/>
-          </a:effectRef>
-          <a:fontRef idx="minor">
-            <a:schemeClr val="lt1"/>
-          </a:fontRef>
-        </p:style>
-        <p:txBody>
-          <a:bodyPr rtlCol="0" anchor="t"/>
-          <a:lstStyle/>
-          <a:p>
-            <a:endParaRPr lang="en-US" altLang="ko-KR" sz="2400" dirty="0">
-              <a:latin typeface="HY헤드라인M" panose="02030600000101010101" pitchFamily="18" charset="-127"/>
-              <a:ea typeface="HY헤드라인M" panose="02030600000101010101" pitchFamily="18" charset="-127"/>
-            </a:endParaRPr>
-          </a:p>
-          <a:p>
-            <a:r>
-              <a:rPr lang="en-US" altLang="ko-KR" sz="2400" dirty="0">
-                <a:latin typeface="HY헤드라인M" panose="02030600000101010101" pitchFamily="18" charset="-127"/>
-                <a:ea typeface="HY헤드라인M" panose="02030600000101010101" pitchFamily="18" charset="-127"/>
-              </a:rPr>
-              <a:t>	-	</a:t>
-            </a:r>
-            <a:r>
-              <a:rPr lang="ko-KR" altLang="en-US" sz="2400" dirty="0">
-                <a:latin typeface="HY헤드라인M" panose="02030600000101010101" pitchFamily="18" charset="-127"/>
-                <a:ea typeface="HY헤드라인M" panose="02030600000101010101" pitchFamily="18" charset="-127"/>
-              </a:rPr>
-              <a:t>서버 내에서 실시간 처리</a:t>
-            </a:r>
-            <a:endParaRPr lang="en-US" altLang="ko-KR" sz="2400" dirty="0">
-              <a:latin typeface="HY헤드라인M" panose="02030600000101010101" pitchFamily="18" charset="-127"/>
-              <a:ea typeface="HY헤드라인M" panose="02030600000101010101" pitchFamily="18" charset="-127"/>
-            </a:endParaRPr>
-          </a:p>
-          <a:p>
-            <a:endParaRPr lang="en-US" altLang="ko-KR" sz="2400" dirty="0">
-              <a:latin typeface="HY헤드라인M" panose="02030600000101010101" pitchFamily="18" charset="-127"/>
-              <a:ea typeface="HY헤드라인M" panose="02030600000101010101" pitchFamily="18" charset="-127"/>
-            </a:endParaRPr>
-          </a:p>
-          <a:p>
-            <a:r>
-              <a:rPr lang="en-US" altLang="ko-KR" sz="2400" dirty="0">
-                <a:latin typeface="HY헤드라인M" panose="02030600000101010101" pitchFamily="18" charset="-127"/>
-                <a:ea typeface="HY헤드라인M" panose="02030600000101010101" pitchFamily="18" charset="-127"/>
-              </a:rPr>
-              <a:t>	-	</a:t>
-            </a:r>
-            <a:r>
-              <a:rPr lang="ko-KR" altLang="en-US" sz="2400" dirty="0">
-                <a:latin typeface="HY헤드라인M" panose="02030600000101010101" pitchFamily="18" charset="-127"/>
-                <a:ea typeface="HY헤드라인M" panose="02030600000101010101" pitchFamily="18" charset="-127"/>
-              </a:rPr>
-              <a:t>물리 엔진</a:t>
-            </a:r>
-          </a:p>
-          <a:p>
-            <a:pPr algn="ctr"/>
-            <a:endParaRPr lang="ko-KR" altLang="en-US" sz="2000" dirty="0"/>
           </a:p>
         </p:txBody>
       </p:sp>
     </p:spTree>
     <p:extLst>
       <p:ext uri="{BB962C8B-B14F-4D97-AF65-F5344CB8AC3E}">
-        <p14:creationId xmlns:p14="http://schemas.microsoft.com/office/powerpoint/2010/main" val="2237484308"/>
+        <p14:creationId xmlns:p14="http://schemas.microsoft.com/office/powerpoint/2010/main" val="1375486611"/>
       </p:ext>
     </p:extLst>
   </p:cSld>
@@ -6045,139 +5803,6 @@
                 <a:latin typeface="HY헤드라인M" panose="02030600000101010101" pitchFamily="18" charset="-127"/>
                 <a:ea typeface="HY헤드라인M" panose="02030600000101010101" pitchFamily="18" charset="-127"/>
               </a:rPr>
-              <a:t>8</a:t>
-            </a:r>
-            <a:endParaRPr lang="ko-KR" altLang="en-US" sz="5400" dirty="0">
-              <a:latin typeface="HY헤드라인M" panose="02030600000101010101" pitchFamily="18" charset="-127"/>
-              <a:ea typeface="HY헤드라인M" panose="02030600000101010101" pitchFamily="18" charset="-127"/>
-            </a:endParaRPr>
-          </a:p>
-        </p:txBody>
-      </p:sp>
-      <p:sp>
-        <p:nvSpPr>
-          <p:cNvPr id="11" name="TextBox 10">
-            <a:extLst>
-              <a:ext uri="{FF2B5EF4-FFF2-40B4-BE49-F238E27FC236}">
-                <a16:creationId xmlns:a16="http://schemas.microsoft.com/office/drawing/2014/main" id="{EB6AD26A-4D70-44CF-9FF8-6140CA5F6660}"/>
-              </a:ext>
-            </a:extLst>
-          </p:cNvPr>
-          <p:cNvSpPr txBox="1"/>
-          <p:nvPr/>
-        </p:nvSpPr>
-        <p:spPr>
-          <a:xfrm>
-            <a:off x="1419225" y="393221"/>
-            <a:ext cx="6838950" cy="646331"/>
-          </a:xfrm>
-          <a:prstGeom prst="rect">
-            <a:avLst/>
-          </a:prstGeom>
-          <a:noFill/>
-        </p:spPr>
-        <p:txBody>
-          <a:bodyPr wrap="square" rtlCol="0">
-            <a:spAutoFit/>
-          </a:bodyPr>
-          <a:lstStyle/>
-          <a:p>
-            <a:r>
-              <a:rPr lang="ko-KR" altLang="en-US" sz="3600" dirty="0">
-                <a:latin typeface="HY헤드라인M" panose="02030600000101010101" pitchFamily="18" charset="-127"/>
-                <a:ea typeface="HY헤드라인M" panose="02030600000101010101" pitchFamily="18" charset="-127"/>
-              </a:rPr>
-              <a:t>타 게임과의 비교</a:t>
-            </a:r>
-            <a:endParaRPr lang="ko-KR" altLang="en-US" dirty="0"/>
-          </a:p>
-        </p:txBody>
-      </p:sp>
-    </p:spTree>
-    <p:extLst>
-      <p:ext uri="{BB962C8B-B14F-4D97-AF65-F5344CB8AC3E}">
-        <p14:creationId xmlns:p14="http://schemas.microsoft.com/office/powerpoint/2010/main" val="1375486611"/>
-      </p:ext>
-    </p:extLst>
-  </p:cSld>
-  <p:clrMapOvr>
-    <a:masterClrMapping/>
-  </p:clrMapOvr>
-</p:sld>
-</file>
-
-<file path=ppt/slides/slide15.xml><?xml version="1.0" encoding="utf-8"?>
-<p:sld xmlns:a="http://schemas.openxmlformats.org/drawingml/2006/main" xmlns:r="http://schemas.openxmlformats.org/officeDocument/2006/relationships" xmlns:p="http://schemas.openxmlformats.org/presentationml/2006/main" showMasterSp="0">
-  <p:cSld>
-    <p:spTree>
-      <p:nvGrpSpPr>
-        <p:cNvPr id="1" name=""/>
-        <p:cNvGrpSpPr/>
-        <p:nvPr/>
-      </p:nvGrpSpPr>
-      <p:grpSpPr>
-        <a:xfrm>
-          <a:off x="0" y="0"/>
-          <a:ext cx="0" cy="0"/>
-          <a:chOff x="0" y="0"/>
-          <a:chExt cx="0" cy="0"/>
-        </a:xfrm>
-      </p:grpSpPr>
-      <p:sp>
-        <p:nvSpPr>
-          <p:cNvPr id="6" name="직사각형 5">
-            <a:extLst>
-              <a:ext uri="{FF2B5EF4-FFF2-40B4-BE49-F238E27FC236}">
-                <a16:creationId xmlns:a16="http://schemas.microsoft.com/office/drawing/2014/main" id="{CFF1CAA2-04CC-496D-80EE-A52890558A65}"/>
-              </a:ext>
-            </a:extLst>
-          </p:cNvPr>
-          <p:cNvSpPr/>
-          <p:nvPr/>
-        </p:nvSpPr>
-        <p:spPr>
-          <a:xfrm>
-            <a:off x="38101" y="38097"/>
-            <a:ext cx="1260000" cy="1260000"/>
-          </a:xfrm>
-          <a:prstGeom prst="rect">
-            <a:avLst/>
-          </a:prstGeom>
-          <a:ln w="76200" cap="sq">
-            <a:solidFill>
-              <a:schemeClr val="tx1">
-                <a:lumMod val="85000"/>
-              </a:schemeClr>
-            </a:solidFill>
-            <a:miter lim="800000"/>
-          </a:ln>
-        </p:spPr>
-        <p:style>
-          <a:lnRef idx="2">
-            <a:schemeClr val="accent1">
-              <a:shade val="50000"/>
-            </a:schemeClr>
-          </a:lnRef>
-          <a:fillRef idx="1">
-            <a:schemeClr val="accent1"/>
-          </a:fillRef>
-          <a:effectRef idx="0">
-            <a:schemeClr val="accent1"/>
-          </a:effectRef>
-          <a:fontRef idx="minor">
-            <a:schemeClr val="lt1"/>
-          </a:fontRef>
-        </p:style>
-        <p:txBody>
-          <a:bodyPr rtlCol="0" anchor="ctr"/>
-          <a:lstStyle/>
-          <a:p>
-            <a:pPr algn="ctr"/>
-            <a:r>
-              <a:rPr lang="en-US" altLang="ko-KR" sz="5400" dirty="0">
-                <a:latin typeface="HY헤드라인M" panose="02030600000101010101" pitchFamily="18" charset="-127"/>
-                <a:ea typeface="HY헤드라인M" panose="02030600000101010101" pitchFamily="18" charset="-127"/>
-              </a:rPr>
               <a:t>9</a:t>
             </a:r>
             <a:endParaRPr lang="ko-KR" altLang="en-US" sz="5400" dirty="0">
@@ -6459,7 +6084,7 @@
           <p:nvPr>
             <p:extLst>
               <p:ext uri="{D42A27DB-BD31-4B8C-83A1-F6EECF244321}">
-                <p14:modId xmlns:p14="http://schemas.microsoft.com/office/powerpoint/2010/main" val="2226820445"/>
+                <p14:modId xmlns:p14="http://schemas.microsoft.com/office/powerpoint/2010/main" val="3834115510"/>
               </p:ext>
             </p:extLst>
           </p:nvPr>
@@ -8434,7 +8059,7 @@
                           <a:latin typeface="+mn-ea"/>
                           <a:ea typeface="+mn-ea"/>
                         </a:rPr>
-                        <a:t>쉐이더</a:t>
+                        <a:t>셰이더</a:t>
                       </a:r>
                       <a:endParaRPr lang="ko-KR" altLang="en-US" sz="1200" b="1" kern="0" spc="0" dirty="0">
                         <a:solidFill>
@@ -15326,7 +14951,7 @@
                   </a:ext>
                 </a:extLst>
               </a:tr>
-              <a:tr h="437467">
+              <a:tr h="0">
                 <a:tc>
                   <a:txBody>
                     <a:bodyPr/>
@@ -16090,7 +15715,7 @@
                 <a:latin typeface="HY헤드라인M" panose="02030600000101010101" pitchFamily="18" charset="-127"/>
                 <a:ea typeface="HY헤드라인M" panose="02030600000101010101" pitchFamily="18" charset="-127"/>
               </a:rPr>
-              <a:t>쉐이더</a:t>
+              <a:t>셰이더</a:t>
             </a:r>
             <a:r>
               <a:rPr lang="ko-KR" altLang="en-US" sz="1000" dirty="0">
@@ -16302,7 +15927,7 @@
 </p:sld>
 </file>
 
-<file path=ppt/slides/slide16.xml><?xml version="1.0" encoding="utf-8"?>
+<file path=ppt/slides/slide15.xml><?xml version="1.0" encoding="utf-8"?>
 <p:sld xmlns:a="http://schemas.openxmlformats.org/drawingml/2006/main" xmlns:r="http://schemas.openxmlformats.org/officeDocument/2006/relationships" xmlns:p="http://schemas.openxmlformats.org/presentationml/2006/main" showMasterSp="0">
   <p:cSld>
     <p:spTree>
@@ -18512,7 +18137,7 @@
                 <a:latin typeface="HY헤드라인M" panose="02030600000101010101" pitchFamily="18" charset="-127"/>
                 <a:ea typeface="HY헤드라인M" panose="02030600000101010101" pitchFamily="18" charset="-127"/>
               </a:rPr>
-              <a:t>200 m/h</a:t>
+              <a:t>200 Km/h</a:t>
             </a:r>
             <a:endParaRPr lang="ko-KR" altLang="en-US" dirty="0">
               <a:latin typeface="HY헤드라인M" panose="02030600000101010101" pitchFamily="18" charset="-127"/>
@@ -19173,66 +18798,6 @@
           </a:p>
         </p:txBody>
       </p:sp>
-      <p:pic>
-        <p:nvPicPr>
-          <p:cNvPr id="17" name="그림 16" descr="전자기기, 하얀색, 키보드, 실내이(가) 표시된 사진&#10;&#10;자동 생성된 설명">
-            <a:extLst>
-              <a:ext uri="{FF2B5EF4-FFF2-40B4-BE49-F238E27FC236}">
-                <a16:creationId xmlns:a16="http://schemas.microsoft.com/office/drawing/2014/main" id="{3A82AA5C-0778-4175-A2FD-BA8826952E1F}"/>
-              </a:ext>
-            </a:extLst>
-          </p:cNvPr>
-          <p:cNvPicPr>
-            <a:picLocks noChangeAspect="1"/>
-          </p:cNvPicPr>
-          <p:nvPr/>
-        </p:nvPicPr>
-        <p:blipFill>
-          <a:blip r:embed="rId2"/>
-          <a:stretch>
-            <a:fillRect/>
-          </a:stretch>
-        </p:blipFill>
-        <p:spPr>
-          <a:xfrm>
-            <a:off x="247650" y="1585912"/>
-            <a:ext cx="8724900" cy="3209925"/>
-          </a:xfrm>
-          <a:prstGeom prst="rect">
-            <a:avLst/>
-          </a:prstGeom>
-        </p:spPr>
-      </p:pic>
-      <p:pic>
-        <p:nvPicPr>
-          <p:cNvPr id="19" name="그림 18" descr="실내, 앉아있는, 하얀색, 테이블이(가) 표시된 사진&#10;&#10;자동 생성된 설명">
-            <a:extLst>
-              <a:ext uri="{FF2B5EF4-FFF2-40B4-BE49-F238E27FC236}">
-                <a16:creationId xmlns:a16="http://schemas.microsoft.com/office/drawing/2014/main" id="{79BC4CE8-99AE-4433-9CBA-BEC10FBBE245}"/>
-              </a:ext>
-            </a:extLst>
-          </p:cNvPr>
-          <p:cNvPicPr>
-            <a:picLocks noChangeAspect="1"/>
-          </p:cNvPicPr>
-          <p:nvPr/>
-        </p:nvPicPr>
-        <p:blipFill>
-          <a:blip r:embed="rId3"/>
-          <a:stretch>
-            <a:fillRect/>
-          </a:stretch>
-        </p:blipFill>
-        <p:spPr>
-          <a:xfrm>
-            <a:off x="8982075" y="1585911"/>
-            <a:ext cx="3209925" cy="3209925"/>
-          </a:xfrm>
-          <a:prstGeom prst="rect">
-            <a:avLst/>
-          </a:prstGeom>
-        </p:spPr>
-      </p:pic>
       <p:sp>
         <p:nvSpPr>
           <p:cNvPr id="20" name="직사각형 19">
@@ -19247,8 +18812,8 @@
         </p:nvSpPr>
         <p:spPr>
           <a:xfrm>
-            <a:off x="247650" y="5083651"/>
-            <a:ext cx="11563350" cy="1381128"/>
+            <a:off x="2338107" y="4941057"/>
+            <a:ext cx="7515786" cy="1381128"/>
           </a:xfrm>
           <a:prstGeom prst="rect">
             <a:avLst/>
@@ -19281,6 +18846,7 @@
           <a:bodyPr rtlCol="0" anchor="t"/>
           <a:lstStyle/>
           <a:p>
+            <a:pPr algn="ctr"/>
             <a:r>
               <a:rPr lang="ko-KR" altLang="en-US" dirty="0">
                 <a:latin typeface="HY헤드라인M" panose="02030600000101010101" pitchFamily="18" charset="-127"/>
@@ -19294,12 +18860,14 @@
             </a:endParaRPr>
           </a:p>
           <a:p>
+            <a:pPr algn="ctr"/>
             <a:endParaRPr lang="en-US" altLang="ko-KR" dirty="0">
               <a:latin typeface="HY헤드라인M" panose="02030600000101010101" pitchFamily="18" charset="-127"/>
               <a:ea typeface="HY헤드라인M" panose="02030600000101010101" pitchFamily="18" charset="-127"/>
             </a:endParaRPr>
           </a:p>
           <a:p>
+            <a:pPr algn="ctr"/>
             <a:r>
               <a:rPr lang="ko-KR" altLang="en-US" dirty="0">
                 <a:solidFill>
@@ -19330,9 +18898,136 @@
               </a:rPr>
               <a:t>이동</a:t>
             </a:r>
+            <a:r>
+              <a:rPr lang="en-US" altLang="ko-KR" dirty="0">
+                <a:solidFill>
+                  <a:srgbClr val="B3E5FC"/>
+                </a:solidFill>
+                <a:latin typeface="HY헤드라인M" panose="02030600000101010101" pitchFamily="18" charset="-127"/>
+                <a:ea typeface="HY헤드라인M" panose="02030600000101010101" pitchFamily="18" charset="-127"/>
+              </a:rPr>
+              <a:t>			</a:t>
+            </a:r>
+            <a:r>
+              <a:rPr lang="en-US" altLang="ko-KR" dirty="0">
+                <a:solidFill>
+                  <a:srgbClr val="FE9F5D"/>
+                </a:solidFill>
+                <a:latin typeface="HY헤드라인M" panose="02030600000101010101" pitchFamily="18" charset="-127"/>
+                <a:ea typeface="HY헤드라인M" panose="02030600000101010101" pitchFamily="18" charset="-127"/>
+              </a:rPr>
+              <a:t>A</a:t>
+            </a:r>
+            <a:r>
+              <a:rPr lang="ko-KR" altLang="en-US" dirty="0">
+                <a:solidFill>
+                  <a:srgbClr val="FE9F5D"/>
+                </a:solidFill>
+                <a:latin typeface="HY헤드라인M" panose="02030600000101010101" pitchFamily="18" charset="-127"/>
+                <a:ea typeface="HY헤드라인M" panose="02030600000101010101" pitchFamily="18" charset="-127"/>
+              </a:rPr>
+              <a:t> </a:t>
+            </a:r>
+            <a:r>
+              <a:rPr lang="en-US" altLang="ko-KR" dirty="0">
+                <a:solidFill>
+                  <a:srgbClr val="FE9F5D"/>
+                </a:solidFill>
+                <a:latin typeface="HY헤드라인M" panose="02030600000101010101" pitchFamily="18" charset="-127"/>
+                <a:ea typeface="HY헤드라인M" panose="02030600000101010101" pitchFamily="18" charset="-127"/>
+              </a:rPr>
+              <a:t>:</a:t>
+            </a:r>
+            <a:r>
+              <a:rPr lang="ko-KR" altLang="en-US" dirty="0">
+                <a:solidFill>
+                  <a:srgbClr val="FE9F5D"/>
+                </a:solidFill>
+                <a:latin typeface="HY헤드라인M" panose="02030600000101010101" pitchFamily="18" charset="-127"/>
+                <a:ea typeface="HY헤드라인M" panose="02030600000101010101" pitchFamily="18" charset="-127"/>
+              </a:rPr>
+              <a:t> 아이템 사용 </a:t>
+            </a:r>
+            <a:r>
+              <a:rPr lang="en-US" altLang="ko-KR" dirty="0">
+                <a:solidFill>
+                  <a:srgbClr val="FE9F5D"/>
+                </a:solidFill>
+                <a:latin typeface="HY헤드라인M" panose="02030600000101010101" pitchFamily="18" charset="-127"/>
+                <a:ea typeface="HY헤드라인M" panose="02030600000101010101" pitchFamily="18" charset="-127"/>
+              </a:rPr>
+              <a:t>	</a:t>
+            </a:r>
+            <a:r>
+              <a:rPr lang="en-US" altLang="ko-KR" dirty="0">
+                <a:solidFill>
+                  <a:srgbClr val="B3E5FC"/>
+                </a:solidFill>
+                <a:latin typeface="HY헤드라인M" panose="02030600000101010101" pitchFamily="18" charset="-127"/>
+                <a:ea typeface="HY헤드라인M" panose="02030600000101010101" pitchFamily="18" charset="-127"/>
+              </a:rPr>
+              <a:t>		</a:t>
+            </a:r>
+            <a:r>
+              <a:rPr lang="en-US" altLang="ko-KR" dirty="0">
+                <a:solidFill>
+                  <a:srgbClr val="D3FF4A"/>
+                </a:solidFill>
+                <a:latin typeface="HY헤드라인M" panose="02030600000101010101" pitchFamily="18" charset="-127"/>
+                <a:ea typeface="HY헤드라인M" panose="02030600000101010101" pitchFamily="18" charset="-127"/>
+              </a:rPr>
+              <a:t>Space : </a:t>
+            </a:r>
+            <a:r>
+              <a:rPr lang="ko-KR" altLang="en-US" dirty="0">
+                <a:solidFill>
+                  <a:srgbClr val="D3FF4A"/>
+                </a:solidFill>
+                <a:latin typeface="HY헤드라인M" panose="02030600000101010101" pitchFamily="18" charset="-127"/>
+                <a:ea typeface="HY헤드라인M" panose="02030600000101010101" pitchFamily="18" charset="-127"/>
+              </a:rPr>
+              <a:t>부스터</a:t>
+            </a:r>
+            <a:endParaRPr lang="en-US" altLang="ko-KR" dirty="0">
+              <a:solidFill>
+                <a:srgbClr val="B3E5FC"/>
+              </a:solidFill>
+              <a:latin typeface="HY헤드라인M" panose="02030600000101010101" pitchFamily="18" charset="-127"/>
+              <a:ea typeface="HY헤드라인M" panose="02030600000101010101" pitchFamily="18" charset="-127"/>
+            </a:endParaRPr>
           </a:p>
         </p:txBody>
       </p:sp>
+      <p:pic>
+        <p:nvPicPr>
+          <p:cNvPr id="3" name="그림 2" descr="전자기기, 컴퓨터, 키보드, 하얀색이(가) 표시된 사진&#10;&#10;자동 생성된 설명">
+            <a:extLst>
+              <a:ext uri="{FF2B5EF4-FFF2-40B4-BE49-F238E27FC236}">
+                <a16:creationId xmlns:a16="http://schemas.microsoft.com/office/drawing/2014/main" id="{EF58EEF9-597D-410E-A2BC-5714D6597195}"/>
+              </a:ext>
+            </a:extLst>
+          </p:cNvPr>
+          <p:cNvPicPr>
+            <a:picLocks noChangeAspect="1"/>
+          </p:cNvPicPr>
+          <p:nvPr/>
+        </p:nvPicPr>
+        <p:blipFill>
+          <a:blip r:embed="rId2"/>
+          <a:stretch>
+            <a:fillRect/>
+          </a:stretch>
+        </p:blipFill>
+        <p:spPr>
+          <a:xfrm>
+            <a:off x="1733550" y="1298097"/>
+            <a:ext cx="8724900" cy="3209925"/>
+          </a:xfrm>
+          <a:prstGeom prst="rect">
+            <a:avLst/>
+          </a:prstGeom>
+        </p:spPr>
+      </p:pic>
     </p:spTree>
     <p:extLst>
       <p:ext uri="{BB962C8B-B14F-4D97-AF65-F5344CB8AC3E}">
@@ -19418,7 +19113,7 @@
                 <a:latin typeface="HY헤드라인M" panose="02030600000101010101" pitchFamily="18" charset="-127"/>
                 <a:ea typeface="HY헤드라인M" panose="02030600000101010101" pitchFamily="18" charset="-127"/>
               </a:rPr>
-              <a:t>3</a:t>
+              <a:t>4</a:t>
             </a:r>
             <a:endParaRPr lang="ko-KR" altLang="en-US" sz="5400" dirty="0">
               <a:latin typeface="HY헤드라인M" panose="02030600000101010101" pitchFamily="18" charset="-127"/>
@@ -19460,16 +19155,760 @@
                 <a:latin typeface="HY헤드라인M" panose="02030600000101010101" pitchFamily="18" charset="-127"/>
                 <a:ea typeface="HY헤드라인M" panose="02030600000101010101" pitchFamily="18" charset="-127"/>
               </a:rPr>
-              <a:t>게임 방법</a:t>
+              <a:t>개발 환경</a:t>
             </a:r>
             <a:endParaRPr lang="ko-KR" altLang="en-US" dirty="0"/>
+          </a:p>
+        </p:txBody>
+      </p:sp>
+      <p:sp>
+        <p:nvSpPr>
+          <p:cNvPr id="18" name="직사각형 17">
+            <a:extLst>
+              <a:ext uri="{FF2B5EF4-FFF2-40B4-BE49-F238E27FC236}">
+                <a16:creationId xmlns:a16="http://schemas.microsoft.com/office/drawing/2014/main" id="{5CBE9646-2975-4B2D-88D4-6FA9D1A35E10}"/>
+              </a:ext>
+            </a:extLst>
+          </p:cNvPr>
+          <p:cNvSpPr/>
+          <p:nvPr/>
+        </p:nvSpPr>
+        <p:spPr>
+          <a:xfrm>
+            <a:off x="1419225" y="1852589"/>
+            <a:ext cx="2495550" cy="500066"/>
+          </a:xfrm>
+          <a:prstGeom prst="rect">
+            <a:avLst/>
+          </a:prstGeom>
+          <a:ln w="38100">
+            <a:solidFill>
+              <a:schemeClr val="tx1">
+                <a:lumMod val="85000"/>
+              </a:schemeClr>
+            </a:solidFill>
+          </a:ln>
+        </p:spPr>
+        <p:style>
+          <a:lnRef idx="2">
+            <a:schemeClr val="accent1">
+              <a:shade val="50000"/>
+            </a:schemeClr>
+          </a:lnRef>
+          <a:fillRef idx="1">
+            <a:schemeClr val="accent1"/>
+          </a:fillRef>
+          <a:effectRef idx="0">
+            <a:schemeClr val="accent1"/>
+          </a:effectRef>
+          <a:fontRef idx="minor">
+            <a:schemeClr val="lt1"/>
+          </a:fontRef>
+        </p:style>
+        <p:txBody>
+          <a:bodyPr rtlCol="0" anchor="ctr"/>
+          <a:lstStyle/>
+          <a:p>
+            <a:pPr algn="ctr"/>
+            <a:r>
+              <a:rPr lang="en-US" altLang="ko-KR" sz="2000" dirty="0">
+                <a:latin typeface="HY헤드라인M" panose="02030600000101010101" pitchFamily="18" charset="-127"/>
+                <a:ea typeface="HY헤드라인M" panose="02030600000101010101" pitchFamily="18" charset="-127"/>
+              </a:rPr>
+              <a:t>Compiler</a:t>
+            </a:r>
+          </a:p>
+        </p:txBody>
+      </p:sp>
+      <p:sp>
+        <p:nvSpPr>
+          <p:cNvPr id="20" name="직사각형 19">
+            <a:extLst>
+              <a:ext uri="{FF2B5EF4-FFF2-40B4-BE49-F238E27FC236}">
+                <a16:creationId xmlns:a16="http://schemas.microsoft.com/office/drawing/2014/main" id="{14AAF03F-DB56-423C-B407-3C9CB218D40F}"/>
+              </a:ext>
+            </a:extLst>
+          </p:cNvPr>
+          <p:cNvSpPr/>
+          <p:nvPr/>
+        </p:nvSpPr>
+        <p:spPr>
+          <a:xfrm>
+            <a:off x="3914775" y="1852589"/>
+            <a:ext cx="6442312" cy="500066"/>
+          </a:xfrm>
+          <a:prstGeom prst="rect">
+            <a:avLst/>
+          </a:prstGeom>
+          <a:solidFill>
+            <a:srgbClr val="595959"/>
+          </a:solidFill>
+          <a:ln w="38100">
+            <a:solidFill>
+              <a:schemeClr val="tx1">
+                <a:lumMod val="85000"/>
+              </a:schemeClr>
+            </a:solidFill>
+          </a:ln>
+        </p:spPr>
+        <p:style>
+          <a:lnRef idx="2">
+            <a:schemeClr val="accent1">
+              <a:shade val="50000"/>
+            </a:schemeClr>
+          </a:lnRef>
+          <a:fillRef idx="1">
+            <a:schemeClr val="accent1"/>
+          </a:fillRef>
+          <a:effectRef idx="0">
+            <a:schemeClr val="accent1"/>
+          </a:effectRef>
+          <a:fontRef idx="minor">
+            <a:schemeClr val="lt1"/>
+          </a:fontRef>
+        </p:style>
+        <p:txBody>
+          <a:bodyPr rtlCol="0" anchor="ctr"/>
+          <a:lstStyle/>
+          <a:p>
+            <a:pPr algn="ctr"/>
+            <a:r>
+              <a:rPr lang="en-US" altLang="ko-KR" sz="2000" dirty="0">
+                <a:latin typeface="HY헤드라인M" panose="02030600000101010101" pitchFamily="18" charset="-127"/>
+                <a:ea typeface="HY헤드라인M" panose="02030600000101010101" pitchFamily="18" charset="-127"/>
+              </a:rPr>
+              <a:t>Visual Studio 2019</a:t>
+            </a:r>
+          </a:p>
+        </p:txBody>
+      </p:sp>
+      <p:sp>
+        <p:nvSpPr>
+          <p:cNvPr id="21" name="직사각형 20">
+            <a:extLst>
+              <a:ext uri="{FF2B5EF4-FFF2-40B4-BE49-F238E27FC236}">
+                <a16:creationId xmlns:a16="http://schemas.microsoft.com/office/drawing/2014/main" id="{D005A083-5BD4-4B25-8861-CE5DA6F51BA2}"/>
+              </a:ext>
+            </a:extLst>
+          </p:cNvPr>
+          <p:cNvSpPr/>
+          <p:nvPr/>
+        </p:nvSpPr>
+        <p:spPr>
+          <a:xfrm>
+            <a:off x="1419225" y="2545361"/>
+            <a:ext cx="2495550" cy="747716"/>
+          </a:xfrm>
+          <a:prstGeom prst="rect">
+            <a:avLst/>
+          </a:prstGeom>
+          <a:ln w="38100">
+            <a:solidFill>
+              <a:schemeClr val="tx1">
+                <a:lumMod val="85000"/>
+              </a:schemeClr>
+            </a:solidFill>
+          </a:ln>
+        </p:spPr>
+        <p:style>
+          <a:lnRef idx="2">
+            <a:schemeClr val="accent1">
+              <a:shade val="50000"/>
+            </a:schemeClr>
+          </a:lnRef>
+          <a:fillRef idx="1">
+            <a:schemeClr val="accent1"/>
+          </a:fillRef>
+          <a:effectRef idx="0">
+            <a:schemeClr val="accent1"/>
+          </a:effectRef>
+          <a:fontRef idx="minor">
+            <a:schemeClr val="lt1"/>
+          </a:fontRef>
+        </p:style>
+        <p:txBody>
+          <a:bodyPr rtlCol="0" anchor="ctr"/>
+          <a:lstStyle/>
+          <a:p>
+            <a:pPr algn="ctr"/>
+            <a:r>
+              <a:rPr lang="en-US" altLang="ko-KR" sz="2000" dirty="0">
+                <a:latin typeface="HY헤드라인M" panose="02030600000101010101" pitchFamily="18" charset="-127"/>
+                <a:ea typeface="HY헤드라인M" panose="02030600000101010101" pitchFamily="18" charset="-127"/>
+              </a:rPr>
+              <a:t>Graphics </a:t>
+            </a:r>
+          </a:p>
+          <a:p>
+            <a:pPr algn="ctr"/>
+            <a:r>
+              <a:rPr lang="en-US" altLang="ko-KR" sz="2000" dirty="0">
+                <a:latin typeface="HY헤드라인M" panose="02030600000101010101" pitchFamily="18" charset="-127"/>
+                <a:ea typeface="HY헤드라인M" panose="02030600000101010101" pitchFamily="18" charset="-127"/>
+              </a:rPr>
+              <a:t>Library</a:t>
+            </a:r>
+            <a:endParaRPr lang="ko-KR" altLang="en-US" sz="2000" dirty="0">
+              <a:latin typeface="HY헤드라인M" panose="02030600000101010101" pitchFamily="18" charset="-127"/>
+              <a:ea typeface="HY헤드라인M" panose="02030600000101010101" pitchFamily="18" charset="-127"/>
+            </a:endParaRPr>
+          </a:p>
+        </p:txBody>
+      </p:sp>
+      <p:sp>
+        <p:nvSpPr>
+          <p:cNvPr id="22" name="직사각형 21">
+            <a:extLst>
+              <a:ext uri="{FF2B5EF4-FFF2-40B4-BE49-F238E27FC236}">
+                <a16:creationId xmlns:a16="http://schemas.microsoft.com/office/drawing/2014/main" id="{631478C3-089F-4D3A-8915-025AE8575E91}"/>
+              </a:ext>
+            </a:extLst>
+          </p:cNvPr>
+          <p:cNvSpPr/>
+          <p:nvPr/>
+        </p:nvSpPr>
+        <p:spPr>
+          <a:xfrm>
+            <a:off x="3914775" y="2545361"/>
+            <a:ext cx="6442312" cy="752478"/>
+          </a:xfrm>
+          <a:prstGeom prst="rect">
+            <a:avLst/>
+          </a:prstGeom>
+          <a:solidFill>
+            <a:srgbClr val="595959"/>
+          </a:solidFill>
+          <a:ln w="38100">
+            <a:solidFill>
+              <a:schemeClr val="tx1">
+                <a:lumMod val="85000"/>
+              </a:schemeClr>
+            </a:solidFill>
+          </a:ln>
+        </p:spPr>
+        <p:style>
+          <a:lnRef idx="2">
+            <a:schemeClr val="accent1">
+              <a:shade val="50000"/>
+            </a:schemeClr>
+          </a:lnRef>
+          <a:fillRef idx="1">
+            <a:schemeClr val="accent1"/>
+          </a:fillRef>
+          <a:effectRef idx="0">
+            <a:schemeClr val="accent1"/>
+          </a:effectRef>
+          <a:fontRef idx="minor">
+            <a:schemeClr val="lt1"/>
+          </a:fontRef>
+        </p:style>
+        <p:txBody>
+          <a:bodyPr rtlCol="0" anchor="ctr"/>
+          <a:lstStyle/>
+          <a:p>
+            <a:pPr algn="ctr"/>
+            <a:r>
+              <a:rPr lang="en-US" altLang="ko-KR" sz="2000" dirty="0">
+                <a:latin typeface="HY헤드라인M" panose="02030600000101010101" pitchFamily="18" charset="-127"/>
+                <a:ea typeface="HY헤드라인M" panose="02030600000101010101" pitchFamily="18" charset="-127"/>
+              </a:rPr>
+              <a:t>DirectX 12</a:t>
+            </a:r>
+          </a:p>
+        </p:txBody>
+      </p:sp>
+      <p:sp>
+        <p:nvSpPr>
+          <p:cNvPr id="23" name="직사각형 22">
+            <a:extLst>
+              <a:ext uri="{FF2B5EF4-FFF2-40B4-BE49-F238E27FC236}">
+                <a16:creationId xmlns:a16="http://schemas.microsoft.com/office/drawing/2014/main" id="{F90C45E9-58C0-4F51-BDD7-5DE2E4FA8988}"/>
+              </a:ext>
+            </a:extLst>
+          </p:cNvPr>
+          <p:cNvSpPr/>
+          <p:nvPr/>
+        </p:nvSpPr>
+        <p:spPr>
+          <a:xfrm>
+            <a:off x="1419225" y="3485783"/>
+            <a:ext cx="2495550" cy="747716"/>
+          </a:xfrm>
+          <a:prstGeom prst="rect">
+            <a:avLst/>
+          </a:prstGeom>
+          <a:ln w="38100">
+            <a:solidFill>
+              <a:schemeClr val="tx1">
+                <a:lumMod val="85000"/>
+              </a:schemeClr>
+            </a:solidFill>
+          </a:ln>
+        </p:spPr>
+        <p:style>
+          <a:lnRef idx="2">
+            <a:schemeClr val="accent1">
+              <a:shade val="50000"/>
+            </a:schemeClr>
+          </a:lnRef>
+          <a:fillRef idx="1">
+            <a:schemeClr val="accent1"/>
+          </a:fillRef>
+          <a:effectRef idx="0">
+            <a:schemeClr val="accent1"/>
+          </a:effectRef>
+          <a:fontRef idx="minor">
+            <a:schemeClr val="lt1"/>
+          </a:fontRef>
+        </p:style>
+        <p:txBody>
+          <a:bodyPr rtlCol="0" anchor="ctr"/>
+          <a:lstStyle/>
+          <a:p>
+            <a:pPr algn="ctr"/>
+            <a:r>
+              <a:rPr lang="en-US" altLang="ko-KR" sz="2000" dirty="0">
+                <a:latin typeface="HY헤드라인M" panose="02030600000101010101" pitchFamily="18" charset="-127"/>
+                <a:ea typeface="HY헤드라인M" panose="02030600000101010101" pitchFamily="18" charset="-127"/>
+              </a:rPr>
+              <a:t>Version Control System</a:t>
+            </a:r>
+            <a:endParaRPr lang="ko-KR" altLang="en-US" sz="2000" dirty="0">
+              <a:latin typeface="HY헤드라인M" panose="02030600000101010101" pitchFamily="18" charset="-127"/>
+              <a:ea typeface="HY헤드라인M" panose="02030600000101010101" pitchFamily="18" charset="-127"/>
+            </a:endParaRPr>
+          </a:p>
+        </p:txBody>
+      </p:sp>
+      <p:sp>
+        <p:nvSpPr>
+          <p:cNvPr id="24" name="직사각형 23">
+            <a:extLst>
+              <a:ext uri="{FF2B5EF4-FFF2-40B4-BE49-F238E27FC236}">
+                <a16:creationId xmlns:a16="http://schemas.microsoft.com/office/drawing/2014/main" id="{4005B3B2-3A6D-432B-8D1E-E99DC3C9896D}"/>
+              </a:ext>
+            </a:extLst>
+          </p:cNvPr>
+          <p:cNvSpPr/>
+          <p:nvPr/>
+        </p:nvSpPr>
+        <p:spPr>
+          <a:xfrm>
+            <a:off x="3914775" y="3490545"/>
+            <a:ext cx="6442312" cy="738192"/>
+          </a:xfrm>
+          <a:prstGeom prst="rect">
+            <a:avLst/>
+          </a:prstGeom>
+          <a:solidFill>
+            <a:srgbClr val="595959"/>
+          </a:solidFill>
+          <a:ln w="38100">
+            <a:solidFill>
+              <a:schemeClr val="tx1">
+                <a:lumMod val="85000"/>
+              </a:schemeClr>
+            </a:solidFill>
+          </a:ln>
+        </p:spPr>
+        <p:style>
+          <a:lnRef idx="2">
+            <a:schemeClr val="accent1">
+              <a:shade val="50000"/>
+            </a:schemeClr>
+          </a:lnRef>
+          <a:fillRef idx="1">
+            <a:schemeClr val="accent1"/>
+          </a:fillRef>
+          <a:effectRef idx="0">
+            <a:schemeClr val="accent1"/>
+          </a:effectRef>
+          <a:fontRef idx="minor">
+            <a:schemeClr val="lt1"/>
+          </a:fontRef>
+        </p:style>
+        <p:txBody>
+          <a:bodyPr rtlCol="0" anchor="ctr"/>
+          <a:lstStyle/>
+          <a:p>
+            <a:pPr algn="ctr"/>
+            <a:r>
+              <a:rPr lang="en-US" altLang="ko-KR" sz="2000" dirty="0">
+                <a:latin typeface="HY헤드라인M" panose="02030600000101010101" pitchFamily="18" charset="-127"/>
+                <a:ea typeface="HY헤드라인M" panose="02030600000101010101" pitchFamily="18" charset="-127"/>
+              </a:rPr>
+              <a:t>Git hub</a:t>
+            </a:r>
+          </a:p>
+        </p:txBody>
+      </p:sp>
+      <p:sp>
+        <p:nvSpPr>
+          <p:cNvPr id="25" name="직사각형 24">
+            <a:extLst>
+              <a:ext uri="{FF2B5EF4-FFF2-40B4-BE49-F238E27FC236}">
+                <a16:creationId xmlns:a16="http://schemas.microsoft.com/office/drawing/2014/main" id="{73F128A8-F66D-44D8-8FFC-5972337ABD1D}"/>
+              </a:ext>
+            </a:extLst>
+          </p:cNvPr>
+          <p:cNvSpPr/>
+          <p:nvPr/>
+        </p:nvSpPr>
+        <p:spPr>
+          <a:xfrm>
+            <a:off x="1419225" y="4435729"/>
+            <a:ext cx="2495550" cy="500066"/>
+          </a:xfrm>
+          <a:prstGeom prst="rect">
+            <a:avLst/>
+          </a:prstGeom>
+          <a:ln w="38100">
+            <a:solidFill>
+              <a:schemeClr val="tx1">
+                <a:lumMod val="85000"/>
+              </a:schemeClr>
+            </a:solidFill>
+          </a:ln>
+        </p:spPr>
+        <p:style>
+          <a:lnRef idx="2">
+            <a:schemeClr val="accent1">
+              <a:shade val="50000"/>
+            </a:schemeClr>
+          </a:lnRef>
+          <a:fillRef idx="1">
+            <a:schemeClr val="accent1"/>
+          </a:fillRef>
+          <a:effectRef idx="0">
+            <a:schemeClr val="accent1"/>
+          </a:effectRef>
+          <a:fontRef idx="minor">
+            <a:schemeClr val="lt1"/>
+          </a:fontRef>
+        </p:style>
+        <p:txBody>
+          <a:bodyPr rtlCol="0" anchor="ctr"/>
+          <a:lstStyle/>
+          <a:p>
+            <a:pPr algn="ctr"/>
+            <a:r>
+              <a:rPr lang="en-US" altLang="ko-KR" sz="2000" dirty="0">
+                <a:latin typeface="HY헤드라인M" panose="02030600000101010101" pitchFamily="18" charset="-127"/>
+                <a:ea typeface="HY헤드라인M" panose="02030600000101010101" pitchFamily="18" charset="-127"/>
+              </a:rPr>
+              <a:t>OS</a:t>
+            </a:r>
+          </a:p>
+        </p:txBody>
+      </p:sp>
+      <p:sp>
+        <p:nvSpPr>
+          <p:cNvPr id="26" name="직사각형 25">
+            <a:extLst>
+              <a:ext uri="{FF2B5EF4-FFF2-40B4-BE49-F238E27FC236}">
+                <a16:creationId xmlns:a16="http://schemas.microsoft.com/office/drawing/2014/main" id="{3AC0A49F-A9DB-4343-8A77-B167C3DCB5C4}"/>
+              </a:ext>
+            </a:extLst>
+          </p:cNvPr>
+          <p:cNvSpPr/>
+          <p:nvPr/>
+        </p:nvSpPr>
+        <p:spPr>
+          <a:xfrm>
+            <a:off x="3914775" y="4435729"/>
+            <a:ext cx="6442312" cy="500066"/>
+          </a:xfrm>
+          <a:prstGeom prst="rect">
+            <a:avLst/>
+          </a:prstGeom>
+          <a:solidFill>
+            <a:srgbClr val="595959"/>
+          </a:solidFill>
+          <a:ln w="38100">
+            <a:solidFill>
+              <a:schemeClr val="tx1">
+                <a:lumMod val="85000"/>
+              </a:schemeClr>
+            </a:solidFill>
+          </a:ln>
+        </p:spPr>
+        <p:style>
+          <a:lnRef idx="2">
+            <a:schemeClr val="accent1">
+              <a:shade val="50000"/>
+            </a:schemeClr>
+          </a:lnRef>
+          <a:fillRef idx="1">
+            <a:schemeClr val="accent1"/>
+          </a:fillRef>
+          <a:effectRef idx="0">
+            <a:schemeClr val="accent1"/>
+          </a:effectRef>
+          <a:fontRef idx="minor">
+            <a:schemeClr val="lt1"/>
+          </a:fontRef>
+        </p:style>
+        <p:txBody>
+          <a:bodyPr rtlCol="0" anchor="ctr"/>
+          <a:lstStyle/>
+          <a:p>
+            <a:pPr algn="ctr"/>
+            <a:r>
+              <a:rPr lang="en-US" altLang="ko-KR" sz="2000" dirty="0">
+                <a:latin typeface="HY헤드라인M" panose="02030600000101010101" pitchFamily="18" charset="-127"/>
+                <a:ea typeface="HY헤드라인M" panose="02030600000101010101" pitchFamily="18" charset="-127"/>
+              </a:rPr>
+              <a:t>Windows 10</a:t>
+            </a:r>
+          </a:p>
+        </p:txBody>
+      </p:sp>
+      <p:sp>
+        <p:nvSpPr>
+          <p:cNvPr id="27" name="직사각형 26">
+            <a:extLst>
+              <a:ext uri="{FF2B5EF4-FFF2-40B4-BE49-F238E27FC236}">
+                <a16:creationId xmlns:a16="http://schemas.microsoft.com/office/drawing/2014/main" id="{A9A2E645-780B-4733-8C86-5D4513ACDBFE}"/>
+              </a:ext>
+            </a:extLst>
+          </p:cNvPr>
+          <p:cNvSpPr/>
+          <p:nvPr/>
+        </p:nvSpPr>
+        <p:spPr>
+          <a:xfrm>
+            <a:off x="1419225" y="5133263"/>
+            <a:ext cx="2495550" cy="500066"/>
+          </a:xfrm>
+          <a:prstGeom prst="rect">
+            <a:avLst/>
+          </a:prstGeom>
+          <a:ln w="38100">
+            <a:solidFill>
+              <a:schemeClr val="tx1">
+                <a:lumMod val="85000"/>
+              </a:schemeClr>
+            </a:solidFill>
+          </a:ln>
+        </p:spPr>
+        <p:style>
+          <a:lnRef idx="2">
+            <a:schemeClr val="accent1">
+              <a:shade val="50000"/>
+            </a:schemeClr>
+          </a:lnRef>
+          <a:fillRef idx="1">
+            <a:schemeClr val="accent1"/>
+          </a:fillRef>
+          <a:effectRef idx="0">
+            <a:schemeClr val="accent1"/>
+          </a:effectRef>
+          <a:fontRef idx="minor">
+            <a:schemeClr val="lt1"/>
+          </a:fontRef>
+        </p:style>
+        <p:txBody>
+          <a:bodyPr rtlCol="0" anchor="ctr"/>
+          <a:lstStyle/>
+          <a:p>
+            <a:pPr algn="ctr"/>
+            <a:r>
+              <a:rPr lang="en-US" altLang="ko-KR" sz="2000" dirty="0">
+                <a:latin typeface="HY헤드라인M" panose="02030600000101010101" pitchFamily="18" charset="-127"/>
+                <a:ea typeface="HY헤드라인M" panose="02030600000101010101" pitchFamily="18" charset="-127"/>
+              </a:rPr>
+              <a:t>Resource</a:t>
+            </a:r>
+          </a:p>
+        </p:txBody>
+      </p:sp>
+      <p:sp>
+        <p:nvSpPr>
+          <p:cNvPr id="28" name="직사각형 27">
+            <a:extLst>
+              <a:ext uri="{FF2B5EF4-FFF2-40B4-BE49-F238E27FC236}">
+                <a16:creationId xmlns:a16="http://schemas.microsoft.com/office/drawing/2014/main" id="{E3547CD1-8BD7-4E58-AAE3-5F4294E5F4CD}"/>
+              </a:ext>
+            </a:extLst>
+          </p:cNvPr>
+          <p:cNvSpPr/>
+          <p:nvPr/>
+        </p:nvSpPr>
+        <p:spPr>
+          <a:xfrm>
+            <a:off x="3914775" y="5138025"/>
+            <a:ext cx="6442312" cy="495304"/>
+          </a:xfrm>
+          <a:prstGeom prst="rect">
+            <a:avLst/>
+          </a:prstGeom>
+          <a:solidFill>
+            <a:srgbClr val="595959"/>
+          </a:solidFill>
+          <a:ln w="38100">
+            <a:solidFill>
+              <a:schemeClr val="tx1">
+                <a:lumMod val="85000"/>
+              </a:schemeClr>
+            </a:solidFill>
+          </a:ln>
+        </p:spPr>
+        <p:style>
+          <a:lnRef idx="2">
+            <a:schemeClr val="accent1">
+              <a:shade val="50000"/>
+            </a:schemeClr>
+          </a:lnRef>
+          <a:fillRef idx="1">
+            <a:schemeClr val="accent1"/>
+          </a:fillRef>
+          <a:effectRef idx="0">
+            <a:schemeClr val="accent1"/>
+          </a:effectRef>
+          <a:fontRef idx="minor">
+            <a:schemeClr val="lt1"/>
+          </a:fontRef>
+        </p:style>
+        <p:txBody>
+          <a:bodyPr rtlCol="0" anchor="ctr"/>
+          <a:lstStyle/>
+          <a:p>
+            <a:pPr algn="ctr"/>
+            <a:r>
+              <a:rPr lang="en-US" altLang="ko-KR" sz="2000" dirty="0">
+                <a:latin typeface="HY헤드라인M" panose="02030600000101010101" pitchFamily="18" charset="-127"/>
+                <a:ea typeface="HY헤드라인M" panose="02030600000101010101" pitchFamily="18" charset="-127"/>
+              </a:rPr>
+              <a:t>Photo shop	||	Zbrush	||	3DS max </a:t>
+            </a:r>
+          </a:p>
+        </p:txBody>
+      </p:sp>
+      <p:sp>
+        <p:nvSpPr>
+          <p:cNvPr id="29" name="직사각형 28">
+            <a:extLst>
+              <a:ext uri="{FF2B5EF4-FFF2-40B4-BE49-F238E27FC236}">
+                <a16:creationId xmlns:a16="http://schemas.microsoft.com/office/drawing/2014/main" id="{56882EAF-FF49-4879-AB04-DFBFFB00F541}"/>
+              </a:ext>
+            </a:extLst>
+          </p:cNvPr>
+          <p:cNvSpPr/>
+          <p:nvPr/>
+        </p:nvSpPr>
+        <p:spPr>
+          <a:xfrm>
+            <a:off x="1419225" y="5826035"/>
+            <a:ext cx="2495550" cy="500066"/>
+          </a:xfrm>
+          <a:prstGeom prst="rect">
+            <a:avLst/>
+          </a:prstGeom>
+          <a:ln w="38100">
+            <a:solidFill>
+              <a:schemeClr val="tx1">
+                <a:lumMod val="85000"/>
+              </a:schemeClr>
+            </a:solidFill>
+          </a:ln>
+        </p:spPr>
+        <p:style>
+          <a:lnRef idx="2">
+            <a:schemeClr val="accent1">
+              <a:shade val="50000"/>
+            </a:schemeClr>
+          </a:lnRef>
+          <a:fillRef idx="1">
+            <a:schemeClr val="accent1"/>
+          </a:fillRef>
+          <a:effectRef idx="0">
+            <a:schemeClr val="accent1"/>
+          </a:effectRef>
+          <a:fontRef idx="minor">
+            <a:schemeClr val="lt1"/>
+          </a:fontRef>
+        </p:style>
+        <p:txBody>
+          <a:bodyPr rtlCol="0" anchor="ctr"/>
+          <a:lstStyle/>
+          <a:p>
+            <a:pPr algn="ctr"/>
+            <a:r>
+              <a:rPr lang="en-US" altLang="ko-KR" sz="2000" dirty="0">
+                <a:latin typeface="HY헤드라인M" panose="02030600000101010101" pitchFamily="18" charset="-127"/>
+                <a:ea typeface="HY헤드라인M" panose="02030600000101010101" pitchFamily="18" charset="-127"/>
+              </a:rPr>
+              <a:t>Animation</a:t>
+            </a:r>
+          </a:p>
+        </p:txBody>
+      </p:sp>
+      <p:sp>
+        <p:nvSpPr>
+          <p:cNvPr id="30" name="직사각형 29">
+            <a:extLst>
+              <a:ext uri="{FF2B5EF4-FFF2-40B4-BE49-F238E27FC236}">
+                <a16:creationId xmlns:a16="http://schemas.microsoft.com/office/drawing/2014/main" id="{E647CC39-1853-4A91-A740-6C1F2527946C}"/>
+              </a:ext>
+            </a:extLst>
+          </p:cNvPr>
+          <p:cNvSpPr/>
+          <p:nvPr/>
+        </p:nvSpPr>
+        <p:spPr>
+          <a:xfrm>
+            <a:off x="3914775" y="5830797"/>
+            <a:ext cx="6442312" cy="495304"/>
+          </a:xfrm>
+          <a:prstGeom prst="rect">
+            <a:avLst/>
+          </a:prstGeom>
+          <a:solidFill>
+            <a:srgbClr val="595959"/>
+          </a:solidFill>
+          <a:ln w="38100">
+            <a:solidFill>
+              <a:schemeClr val="tx1">
+                <a:lumMod val="85000"/>
+              </a:schemeClr>
+            </a:solidFill>
+          </a:ln>
+        </p:spPr>
+        <p:style>
+          <a:lnRef idx="2">
+            <a:schemeClr val="accent1">
+              <a:shade val="50000"/>
+            </a:schemeClr>
+          </a:lnRef>
+          <a:fillRef idx="1">
+            <a:schemeClr val="accent1"/>
+          </a:fillRef>
+          <a:effectRef idx="0">
+            <a:schemeClr val="accent1"/>
+          </a:effectRef>
+          <a:fontRef idx="minor">
+            <a:schemeClr val="lt1"/>
+          </a:fontRef>
+        </p:style>
+        <p:txBody>
+          <a:bodyPr rtlCol="0" anchor="ctr"/>
+          <a:lstStyle/>
+          <a:p>
+            <a:pPr algn="ctr"/>
+            <a:r>
+              <a:rPr lang="en-US" altLang="ko-KR" sz="2000" dirty="0">
+                <a:latin typeface="HY헤드라인M" panose="02030600000101010101" pitchFamily="18" charset="-127"/>
+                <a:ea typeface="HY헤드라인M" panose="02030600000101010101" pitchFamily="18" charset="-127"/>
+              </a:rPr>
+              <a:t>FBX SDK</a:t>
+            </a:r>
           </a:p>
         </p:txBody>
       </p:sp>
     </p:spTree>
     <p:extLst>
       <p:ext uri="{BB962C8B-B14F-4D97-AF65-F5344CB8AC3E}">
-        <p14:creationId xmlns:p14="http://schemas.microsoft.com/office/powerpoint/2010/main" val="558219373"/>
+        <p14:creationId xmlns:p14="http://schemas.microsoft.com/office/powerpoint/2010/main" val="3151176218"/>
       </p:ext>
     </p:extLst>
   </p:cSld>
@@ -19551,7 +19990,7 @@
                 <a:latin typeface="HY헤드라인M" panose="02030600000101010101" pitchFamily="18" charset="-127"/>
                 <a:ea typeface="HY헤드라인M" panose="02030600000101010101" pitchFamily="18" charset="-127"/>
               </a:rPr>
-              <a:t>4</a:t>
+              <a:t>5</a:t>
             </a:r>
             <a:endParaRPr lang="ko-KR" altLang="en-US" sz="5400" dirty="0">
               <a:latin typeface="HY헤드라인M" panose="02030600000101010101" pitchFamily="18" charset="-127"/>
@@ -19575,7 +20014,7 @@
         <p:spPr>
           <a:xfrm>
             <a:off x="1419225" y="393221"/>
-            <a:ext cx="3895725" cy="646331"/>
+            <a:ext cx="7000875" cy="646331"/>
           </a:xfrm>
           <a:prstGeom prst="rect">
             <a:avLst/>
@@ -19593,7 +20032,7 @@
                 <a:latin typeface="HY헤드라인M" panose="02030600000101010101" pitchFamily="18" charset="-127"/>
                 <a:ea typeface="HY헤드라인M" panose="02030600000101010101" pitchFamily="18" charset="-127"/>
               </a:rPr>
-              <a:t>개발 환경</a:t>
+              <a:t>기술적 요소</a:t>
             </a:r>
             <a:endParaRPr lang="ko-KR" altLang="en-US" dirty="0"/>
           </a:p>
@@ -19601,10 +20040,10 @@
       </p:sp>
       <p:sp>
         <p:nvSpPr>
-          <p:cNvPr id="18" name="직사각형 17">
+          <p:cNvPr id="4" name="직사각형 3">
             <a:extLst>
               <a:ext uri="{FF2B5EF4-FFF2-40B4-BE49-F238E27FC236}">
-                <a16:creationId xmlns:a16="http://schemas.microsoft.com/office/drawing/2014/main" id="{5CBE9646-2975-4B2D-88D4-6FA9D1A35E10}"/>
+                <a16:creationId xmlns:a16="http://schemas.microsoft.com/office/drawing/2014/main" id="{C7A9A389-7B45-4FDD-BB1C-85EDD793729F}"/>
               </a:ext>
             </a:extLst>
           </p:cNvPr>
@@ -19613,8 +20052,8 @@
         </p:nvSpPr>
         <p:spPr>
           <a:xfrm>
-            <a:off x="1419225" y="1852589"/>
-            <a:ext cx="2495550" cy="500066"/>
+            <a:off x="5101313" y="1298097"/>
+            <a:ext cx="1989374" cy="809625"/>
           </a:xfrm>
           <a:prstGeom prst="rect">
             <a:avLst/>
@@ -19649,21 +20088,21 @@
           <a:p>
             <a:pPr algn="ctr"/>
             <a:r>
-              <a:rPr lang="en-US" altLang="ko-KR" sz="2000" dirty="0">
+              <a:rPr lang="ko-KR" altLang="en-US" sz="2800" dirty="0">
                 <a:latin typeface="HY헤드라인M" panose="02030600000101010101" pitchFamily="18" charset="-127"/>
                 <a:ea typeface="HY헤드라인M" panose="02030600000101010101" pitchFamily="18" charset="-127"/>
               </a:rPr>
-              <a:t>Compiler</a:t>
+              <a:t>클라이언트</a:t>
             </a:r>
           </a:p>
         </p:txBody>
       </p:sp>
       <p:sp>
         <p:nvSpPr>
-          <p:cNvPr id="20" name="직사각형 19">
+          <p:cNvPr id="10" name="직사각형 9">
             <a:extLst>
               <a:ext uri="{FF2B5EF4-FFF2-40B4-BE49-F238E27FC236}">
-                <a16:creationId xmlns:a16="http://schemas.microsoft.com/office/drawing/2014/main" id="{14AAF03F-DB56-423C-B407-3C9CB218D40F}"/>
+                <a16:creationId xmlns:a16="http://schemas.microsoft.com/office/drawing/2014/main" id="{F3625E38-9DD3-4442-BF57-8A052A202C27}"/>
               </a:ext>
             </a:extLst>
           </p:cNvPr>
@@ -19672,8 +20111,67 @@
         </p:nvSpPr>
         <p:spPr>
           <a:xfrm>
-            <a:off x="3914775" y="1852589"/>
-            <a:ext cx="6442312" cy="500066"/>
+            <a:off x="1924051" y="2366267"/>
+            <a:ext cx="8878420" cy="809625"/>
+          </a:xfrm>
+          <a:prstGeom prst="rect">
+            <a:avLst/>
+          </a:prstGeom>
+          <a:ln w="38100">
+            <a:solidFill>
+              <a:schemeClr val="tx1">
+                <a:lumMod val="85000"/>
+              </a:schemeClr>
+            </a:solidFill>
+          </a:ln>
+        </p:spPr>
+        <p:style>
+          <a:lnRef idx="2">
+            <a:schemeClr val="accent1">
+              <a:shade val="50000"/>
+            </a:schemeClr>
+          </a:lnRef>
+          <a:fillRef idx="1">
+            <a:schemeClr val="accent1"/>
+          </a:fillRef>
+          <a:effectRef idx="0">
+            <a:schemeClr val="accent1"/>
+          </a:effectRef>
+          <a:fontRef idx="minor">
+            <a:schemeClr val="lt1"/>
+          </a:fontRef>
+        </p:style>
+        <p:txBody>
+          <a:bodyPr rtlCol="0" anchor="ctr"/>
+          <a:lstStyle/>
+          <a:p>
+            <a:pPr algn="ctr"/>
+            <a:r>
+              <a:rPr lang="ko-KR" altLang="en-US" sz="2800" dirty="0">
+                <a:latin typeface="HY헤드라인M" panose="02030600000101010101" pitchFamily="18" charset="-127"/>
+                <a:ea typeface="HY헤드라인M" panose="02030600000101010101" pitchFamily="18" charset="-127"/>
+              </a:rPr>
+              <a:t>기술적 요소</a:t>
+            </a:r>
+          </a:p>
+        </p:txBody>
+      </p:sp>
+      <p:sp>
+        <p:nvSpPr>
+          <p:cNvPr id="7" name="직사각형 6">
+            <a:extLst>
+              <a:ext uri="{FF2B5EF4-FFF2-40B4-BE49-F238E27FC236}">
+                <a16:creationId xmlns:a16="http://schemas.microsoft.com/office/drawing/2014/main" id="{279B02B2-5E4C-4558-BAFE-F64A24F0DBA3}"/>
+              </a:ext>
+            </a:extLst>
+          </p:cNvPr>
+          <p:cNvSpPr/>
+          <p:nvPr/>
+        </p:nvSpPr>
+        <p:spPr>
+          <a:xfrm>
+            <a:off x="1924051" y="3175891"/>
+            <a:ext cx="8878420" cy="2701033"/>
           </a:xfrm>
           <a:prstGeom prst="rect">
             <a:avLst/>
@@ -19706,647 +20204,99 @@
           </a:fontRef>
         </p:style>
         <p:txBody>
-          <a:bodyPr rtlCol="0" anchor="ctr"/>
+          <a:bodyPr rtlCol="0" anchor="t"/>
           <a:lstStyle/>
           <a:p>
-            <a:pPr algn="ctr"/>
-            <a:r>
-              <a:rPr lang="en-US" altLang="ko-KR" sz="2000" dirty="0">
+            <a:endParaRPr lang="en-US" altLang="ko-KR" sz="2400" dirty="0">
+              <a:latin typeface="HY헤드라인M" panose="02030600000101010101" pitchFamily="18" charset="-127"/>
+              <a:ea typeface="HY헤드라인M" panose="02030600000101010101" pitchFamily="18" charset="-127"/>
+            </a:endParaRPr>
+          </a:p>
+          <a:p>
+            <a:r>
+              <a:rPr lang="en-US" altLang="ko-KR" sz="2400" dirty="0">
                 <a:latin typeface="HY헤드라인M" panose="02030600000101010101" pitchFamily="18" charset="-127"/>
                 <a:ea typeface="HY헤드라인M" panose="02030600000101010101" pitchFamily="18" charset="-127"/>
               </a:rPr>
-              <a:t>Visual Studio 2019</a:t>
-            </a:r>
-          </a:p>
-        </p:txBody>
-      </p:sp>
-      <p:sp>
-        <p:nvSpPr>
-          <p:cNvPr id="21" name="직사각형 20">
-            <a:extLst>
-              <a:ext uri="{FF2B5EF4-FFF2-40B4-BE49-F238E27FC236}">
-                <a16:creationId xmlns:a16="http://schemas.microsoft.com/office/drawing/2014/main" id="{D005A083-5BD4-4B25-8861-CE5DA6F51BA2}"/>
-              </a:ext>
-            </a:extLst>
-          </p:cNvPr>
-          <p:cNvSpPr/>
-          <p:nvPr/>
-        </p:nvSpPr>
-        <p:spPr>
-          <a:xfrm>
-            <a:off x="1419225" y="2545361"/>
-            <a:ext cx="2495550" cy="747716"/>
-          </a:xfrm>
-          <a:prstGeom prst="rect">
-            <a:avLst/>
-          </a:prstGeom>
-          <a:ln w="38100">
-            <a:solidFill>
-              <a:schemeClr val="tx1">
-                <a:lumMod val="85000"/>
-              </a:schemeClr>
-            </a:solidFill>
-          </a:ln>
-        </p:spPr>
-        <p:style>
-          <a:lnRef idx="2">
-            <a:schemeClr val="accent1">
-              <a:shade val="50000"/>
-            </a:schemeClr>
-          </a:lnRef>
-          <a:fillRef idx="1">
-            <a:schemeClr val="accent1"/>
-          </a:fillRef>
-          <a:effectRef idx="0">
-            <a:schemeClr val="accent1"/>
-          </a:effectRef>
-          <a:fontRef idx="minor">
-            <a:schemeClr val="lt1"/>
-          </a:fontRef>
-        </p:style>
-        <p:txBody>
-          <a:bodyPr rtlCol="0" anchor="ctr"/>
-          <a:lstStyle/>
-          <a:p>
-            <a:pPr algn="ctr"/>
-            <a:r>
-              <a:rPr lang="en-US" altLang="ko-KR" sz="2000" dirty="0">
+              <a:t>	-	</a:t>
+            </a:r>
+            <a:r>
+              <a:rPr lang="ko-KR" altLang="en-US" sz="2400" dirty="0">
                 <a:latin typeface="HY헤드라인M" panose="02030600000101010101" pitchFamily="18" charset="-127"/>
                 <a:ea typeface="HY헤드라인M" panose="02030600000101010101" pitchFamily="18" charset="-127"/>
               </a:rPr>
-              <a:t>Graphics </a:t>
-            </a:r>
-          </a:p>
-          <a:p>
-            <a:pPr algn="ctr"/>
-            <a:r>
-              <a:rPr lang="en-US" altLang="ko-KR" sz="2000" dirty="0">
+              <a:t>오브젝트들의 업데이트 및 렌더링 최적화</a:t>
+            </a:r>
+            <a:endParaRPr lang="en-US" altLang="ko-KR" sz="2400" dirty="0">
+              <a:latin typeface="HY헤드라인M" panose="02030600000101010101" pitchFamily="18" charset="-127"/>
+              <a:ea typeface="HY헤드라인M" panose="02030600000101010101" pitchFamily="18" charset="-127"/>
+            </a:endParaRPr>
+          </a:p>
+          <a:p>
+            <a:endParaRPr lang="en-US" altLang="ko-KR" sz="2400" dirty="0">
+              <a:latin typeface="HY헤드라인M" panose="02030600000101010101" pitchFamily="18" charset="-127"/>
+              <a:ea typeface="HY헤드라인M" panose="02030600000101010101" pitchFamily="18" charset="-127"/>
+            </a:endParaRPr>
+          </a:p>
+          <a:p>
+            <a:r>
+              <a:rPr lang="en-US" altLang="ko-KR" sz="2400" dirty="0">
                 <a:latin typeface="HY헤드라인M" panose="02030600000101010101" pitchFamily="18" charset="-127"/>
                 <a:ea typeface="HY헤드라인M" panose="02030600000101010101" pitchFamily="18" charset="-127"/>
               </a:rPr>
-              <a:t>Library</a:t>
-            </a:r>
-            <a:endParaRPr lang="ko-KR" altLang="en-US" sz="2000" dirty="0">
+              <a:t>	-	</a:t>
+            </a:r>
+            <a:r>
+              <a:rPr lang="ko-KR" altLang="en-US" sz="2400" dirty="0" err="1">
+                <a:latin typeface="HY헤드라인M" panose="02030600000101010101" pitchFamily="18" charset="-127"/>
+                <a:ea typeface="HY헤드라인M" panose="02030600000101010101" pitchFamily="18" charset="-127"/>
+              </a:rPr>
+              <a:t>셰이더</a:t>
+            </a:r>
+            <a:r>
+              <a:rPr lang="ko-KR" altLang="en-US" sz="2400" dirty="0">
+                <a:latin typeface="HY헤드라인M" panose="02030600000101010101" pitchFamily="18" charset="-127"/>
+                <a:ea typeface="HY헤드라인M" panose="02030600000101010101" pitchFamily="18" charset="-127"/>
+              </a:rPr>
+              <a:t> 프로그래밍을 이용한 게임 표현</a:t>
+            </a:r>
+            <a:endParaRPr lang="en-US" altLang="ko-KR" sz="2400" dirty="0">
               <a:latin typeface="HY헤드라인M" panose="02030600000101010101" pitchFamily="18" charset="-127"/>
               <a:ea typeface="HY헤드라인M" panose="02030600000101010101" pitchFamily="18" charset="-127"/>
             </a:endParaRPr>
           </a:p>
-        </p:txBody>
-      </p:sp>
-      <p:sp>
-        <p:nvSpPr>
-          <p:cNvPr id="22" name="직사각형 21">
-            <a:extLst>
-              <a:ext uri="{FF2B5EF4-FFF2-40B4-BE49-F238E27FC236}">
-                <a16:creationId xmlns:a16="http://schemas.microsoft.com/office/drawing/2014/main" id="{631478C3-089F-4D3A-8915-025AE8575E91}"/>
-              </a:ext>
-            </a:extLst>
-          </p:cNvPr>
-          <p:cNvSpPr/>
-          <p:nvPr/>
-        </p:nvSpPr>
-        <p:spPr>
-          <a:xfrm>
-            <a:off x="3914775" y="2545361"/>
-            <a:ext cx="6442312" cy="752478"/>
-          </a:xfrm>
-          <a:prstGeom prst="rect">
-            <a:avLst/>
-          </a:prstGeom>
-          <a:solidFill>
-            <a:srgbClr val="595959"/>
-          </a:solidFill>
-          <a:ln w="38100">
-            <a:solidFill>
-              <a:schemeClr val="tx1">
-                <a:lumMod val="85000"/>
-              </a:schemeClr>
-            </a:solidFill>
-          </a:ln>
-        </p:spPr>
-        <p:style>
-          <a:lnRef idx="2">
-            <a:schemeClr val="accent1">
-              <a:shade val="50000"/>
-            </a:schemeClr>
-          </a:lnRef>
-          <a:fillRef idx="1">
-            <a:schemeClr val="accent1"/>
-          </a:fillRef>
-          <a:effectRef idx="0">
-            <a:schemeClr val="accent1"/>
-          </a:effectRef>
-          <a:fontRef idx="minor">
-            <a:schemeClr val="lt1"/>
-          </a:fontRef>
-        </p:style>
-        <p:txBody>
-          <a:bodyPr rtlCol="0" anchor="ctr"/>
-          <a:lstStyle/>
-          <a:p>
-            <a:pPr algn="ctr"/>
-            <a:r>
-              <a:rPr lang="en-US" altLang="ko-KR" sz="2000" dirty="0">
+          <a:p>
+            <a:endParaRPr lang="en-US" altLang="ko-KR" sz="2400" dirty="0">
+              <a:latin typeface="HY헤드라인M" panose="02030600000101010101" pitchFamily="18" charset="-127"/>
+              <a:ea typeface="HY헤드라인M" panose="02030600000101010101" pitchFamily="18" charset="-127"/>
+            </a:endParaRPr>
+          </a:p>
+          <a:p>
+            <a:r>
+              <a:rPr lang="en-US" altLang="ko-KR" sz="2400" dirty="0">
                 <a:latin typeface="HY헤드라인M" panose="02030600000101010101" pitchFamily="18" charset="-127"/>
                 <a:ea typeface="HY헤드라인M" panose="02030600000101010101" pitchFamily="18" charset="-127"/>
               </a:rPr>
-              <a:t>DirectX 12</a:t>
-            </a:r>
-          </a:p>
-        </p:txBody>
-      </p:sp>
-      <p:sp>
-        <p:nvSpPr>
-          <p:cNvPr id="23" name="직사각형 22">
-            <a:extLst>
-              <a:ext uri="{FF2B5EF4-FFF2-40B4-BE49-F238E27FC236}">
-                <a16:creationId xmlns:a16="http://schemas.microsoft.com/office/drawing/2014/main" id="{F90C45E9-58C0-4F51-BDD7-5DE2E4FA8988}"/>
-              </a:ext>
-            </a:extLst>
-          </p:cNvPr>
-          <p:cNvSpPr/>
-          <p:nvPr/>
-        </p:nvSpPr>
-        <p:spPr>
-          <a:xfrm>
-            <a:off x="1419225" y="3485783"/>
-            <a:ext cx="2495550" cy="747716"/>
-          </a:xfrm>
-          <a:prstGeom prst="rect">
-            <a:avLst/>
-          </a:prstGeom>
-          <a:ln w="38100">
-            <a:solidFill>
-              <a:schemeClr val="tx1">
-                <a:lumMod val="85000"/>
-              </a:schemeClr>
-            </a:solidFill>
-          </a:ln>
-        </p:spPr>
-        <p:style>
-          <a:lnRef idx="2">
-            <a:schemeClr val="accent1">
-              <a:shade val="50000"/>
-            </a:schemeClr>
-          </a:lnRef>
-          <a:fillRef idx="1">
-            <a:schemeClr val="accent1"/>
-          </a:fillRef>
-          <a:effectRef idx="0">
-            <a:schemeClr val="accent1"/>
-          </a:effectRef>
-          <a:fontRef idx="minor">
-            <a:schemeClr val="lt1"/>
-          </a:fontRef>
-        </p:style>
-        <p:txBody>
-          <a:bodyPr rtlCol="0" anchor="ctr"/>
-          <a:lstStyle/>
-          <a:p>
-            <a:pPr algn="ctr"/>
-            <a:r>
-              <a:rPr lang="en-US" altLang="ko-KR" sz="2000" dirty="0">
+              <a:t>	-	</a:t>
+            </a:r>
+            <a:r>
+              <a:rPr lang="ko-KR" altLang="en-US" sz="2400" dirty="0">
                 <a:latin typeface="HY헤드라인M" panose="02030600000101010101" pitchFamily="18" charset="-127"/>
                 <a:ea typeface="HY헤드라인M" panose="02030600000101010101" pitchFamily="18" charset="-127"/>
               </a:rPr>
-              <a:t>Version Control System</a:t>
-            </a:r>
-            <a:endParaRPr lang="ko-KR" altLang="en-US" sz="2000" dirty="0">
-              <a:latin typeface="HY헤드라인M" panose="02030600000101010101" pitchFamily="18" charset="-127"/>
-              <a:ea typeface="HY헤드라인M" panose="02030600000101010101" pitchFamily="18" charset="-127"/>
-            </a:endParaRPr>
-          </a:p>
-        </p:txBody>
-      </p:sp>
-      <p:sp>
-        <p:nvSpPr>
-          <p:cNvPr id="24" name="직사각형 23">
-            <a:extLst>
-              <a:ext uri="{FF2B5EF4-FFF2-40B4-BE49-F238E27FC236}">
-                <a16:creationId xmlns:a16="http://schemas.microsoft.com/office/drawing/2014/main" id="{4005B3B2-3A6D-432B-8D1E-E99DC3C9896D}"/>
-              </a:ext>
-            </a:extLst>
-          </p:cNvPr>
-          <p:cNvSpPr/>
-          <p:nvPr/>
-        </p:nvSpPr>
-        <p:spPr>
-          <a:xfrm>
-            <a:off x="3914775" y="3490545"/>
-            <a:ext cx="6442312" cy="738192"/>
-          </a:xfrm>
-          <a:prstGeom prst="rect">
-            <a:avLst/>
-          </a:prstGeom>
-          <a:solidFill>
-            <a:srgbClr val="595959"/>
-          </a:solidFill>
-          <a:ln w="38100">
-            <a:solidFill>
-              <a:schemeClr val="tx1">
-                <a:lumMod val="85000"/>
-              </a:schemeClr>
-            </a:solidFill>
-          </a:ln>
-        </p:spPr>
-        <p:style>
-          <a:lnRef idx="2">
-            <a:schemeClr val="accent1">
-              <a:shade val="50000"/>
-            </a:schemeClr>
-          </a:lnRef>
-          <a:fillRef idx="1">
-            <a:schemeClr val="accent1"/>
-          </a:fillRef>
-          <a:effectRef idx="0">
-            <a:schemeClr val="accent1"/>
-          </a:effectRef>
-          <a:fontRef idx="minor">
-            <a:schemeClr val="lt1"/>
-          </a:fontRef>
-        </p:style>
-        <p:txBody>
-          <a:bodyPr rtlCol="0" anchor="ctr"/>
-          <a:lstStyle/>
+              <a:t>카메라 워킹을 이용한 게임 표현</a:t>
+            </a:r>
+          </a:p>
           <a:p>
             <a:pPr algn="ctr"/>
-            <a:r>
-              <a:rPr lang="en-US" altLang="ko-KR" sz="2000" dirty="0">
-                <a:latin typeface="HY헤드라인M" panose="02030600000101010101" pitchFamily="18" charset="-127"/>
-                <a:ea typeface="HY헤드라인M" panose="02030600000101010101" pitchFamily="18" charset="-127"/>
-              </a:rPr>
-              <a:t>Git hub</a:t>
-            </a:r>
-          </a:p>
-        </p:txBody>
-      </p:sp>
-      <p:sp>
-        <p:nvSpPr>
-          <p:cNvPr id="25" name="직사각형 24">
-            <a:extLst>
-              <a:ext uri="{FF2B5EF4-FFF2-40B4-BE49-F238E27FC236}">
-                <a16:creationId xmlns:a16="http://schemas.microsoft.com/office/drawing/2014/main" id="{73F128A8-F66D-44D8-8FFC-5972337ABD1D}"/>
-              </a:ext>
-            </a:extLst>
-          </p:cNvPr>
-          <p:cNvSpPr/>
-          <p:nvPr/>
-        </p:nvSpPr>
-        <p:spPr>
-          <a:xfrm>
-            <a:off x="1419225" y="4435729"/>
-            <a:ext cx="2495550" cy="500066"/>
-          </a:xfrm>
-          <a:prstGeom prst="rect">
-            <a:avLst/>
-          </a:prstGeom>
-          <a:ln w="38100">
-            <a:solidFill>
-              <a:schemeClr val="tx1">
-                <a:lumMod val="85000"/>
-              </a:schemeClr>
-            </a:solidFill>
-          </a:ln>
-        </p:spPr>
-        <p:style>
-          <a:lnRef idx="2">
-            <a:schemeClr val="accent1">
-              <a:shade val="50000"/>
-            </a:schemeClr>
-          </a:lnRef>
-          <a:fillRef idx="1">
-            <a:schemeClr val="accent1"/>
-          </a:fillRef>
-          <a:effectRef idx="0">
-            <a:schemeClr val="accent1"/>
-          </a:effectRef>
-          <a:fontRef idx="minor">
-            <a:schemeClr val="lt1"/>
-          </a:fontRef>
-        </p:style>
-        <p:txBody>
-          <a:bodyPr rtlCol="0" anchor="ctr"/>
-          <a:lstStyle/>
-          <a:p>
-            <a:pPr algn="ctr"/>
-            <a:r>
-              <a:rPr lang="en-US" altLang="ko-KR" sz="2000" dirty="0">
-                <a:latin typeface="HY헤드라인M" panose="02030600000101010101" pitchFamily="18" charset="-127"/>
-                <a:ea typeface="HY헤드라인M" panose="02030600000101010101" pitchFamily="18" charset="-127"/>
-              </a:rPr>
-              <a:t>OS</a:t>
-            </a:r>
-          </a:p>
-        </p:txBody>
-      </p:sp>
-      <p:sp>
-        <p:nvSpPr>
-          <p:cNvPr id="26" name="직사각형 25">
-            <a:extLst>
-              <a:ext uri="{FF2B5EF4-FFF2-40B4-BE49-F238E27FC236}">
-                <a16:creationId xmlns:a16="http://schemas.microsoft.com/office/drawing/2014/main" id="{3AC0A49F-A9DB-4343-8A77-B167C3DCB5C4}"/>
-              </a:ext>
-            </a:extLst>
-          </p:cNvPr>
-          <p:cNvSpPr/>
-          <p:nvPr/>
-        </p:nvSpPr>
-        <p:spPr>
-          <a:xfrm>
-            <a:off x="3914775" y="4435729"/>
-            <a:ext cx="6442312" cy="500066"/>
-          </a:xfrm>
-          <a:prstGeom prst="rect">
-            <a:avLst/>
-          </a:prstGeom>
-          <a:solidFill>
-            <a:srgbClr val="595959"/>
-          </a:solidFill>
-          <a:ln w="38100">
-            <a:solidFill>
-              <a:schemeClr val="tx1">
-                <a:lumMod val="85000"/>
-              </a:schemeClr>
-            </a:solidFill>
-          </a:ln>
-        </p:spPr>
-        <p:style>
-          <a:lnRef idx="2">
-            <a:schemeClr val="accent1">
-              <a:shade val="50000"/>
-            </a:schemeClr>
-          </a:lnRef>
-          <a:fillRef idx="1">
-            <a:schemeClr val="accent1"/>
-          </a:fillRef>
-          <a:effectRef idx="0">
-            <a:schemeClr val="accent1"/>
-          </a:effectRef>
-          <a:fontRef idx="minor">
-            <a:schemeClr val="lt1"/>
-          </a:fontRef>
-        </p:style>
-        <p:txBody>
-          <a:bodyPr rtlCol="0" anchor="ctr"/>
-          <a:lstStyle/>
-          <a:p>
-            <a:pPr algn="ctr"/>
-            <a:r>
-              <a:rPr lang="en-US" altLang="ko-KR" sz="2000" dirty="0">
-                <a:latin typeface="HY헤드라인M" panose="02030600000101010101" pitchFamily="18" charset="-127"/>
-                <a:ea typeface="HY헤드라인M" panose="02030600000101010101" pitchFamily="18" charset="-127"/>
-              </a:rPr>
-              <a:t>Windows 10</a:t>
-            </a:r>
-          </a:p>
-        </p:txBody>
-      </p:sp>
-      <p:sp>
-        <p:nvSpPr>
-          <p:cNvPr id="27" name="직사각형 26">
-            <a:extLst>
-              <a:ext uri="{FF2B5EF4-FFF2-40B4-BE49-F238E27FC236}">
-                <a16:creationId xmlns:a16="http://schemas.microsoft.com/office/drawing/2014/main" id="{A9A2E645-780B-4733-8C86-5D4513ACDBFE}"/>
-              </a:ext>
-            </a:extLst>
-          </p:cNvPr>
-          <p:cNvSpPr/>
-          <p:nvPr/>
-        </p:nvSpPr>
-        <p:spPr>
-          <a:xfrm>
-            <a:off x="1419225" y="5133263"/>
-            <a:ext cx="2495550" cy="500066"/>
-          </a:xfrm>
-          <a:prstGeom prst="rect">
-            <a:avLst/>
-          </a:prstGeom>
-          <a:ln w="38100">
-            <a:solidFill>
-              <a:schemeClr val="tx1">
-                <a:lumMod val="85000"/>
-              </a:schemeClr>
-            </a:solidFill>
-          </a:ln>
-        </p:spPr>
-        <p:style>
-          <a:lnRef idx="2">
-            <a:schemeClr val="accent1">
-              <a:shade val="50000"/>
-            </a:schemeClr>
-          </a:lnRef>
-          <a:fillRef idx="1">
-            <a:schemeClr val="accent1"/>
-          </a:fillRef>
-          <a:effectRef idx="0">
-            <a:schemeClr val="accent1"/>
-          </a:effectRef>
-          <a:fontRef idx="minor">
-            <a:schemeClr val="lt1"/>
-          </a:fontRef>
-        </p:style>
-        <p:txBody>
-          <a:bodyPr rtlCol="0" anchor="ctr"/>
-          <a:lstStyle/>
-          <a:p>
-            <a:pPr algn="ctr"/>
-            <a:r>
-              <a:rPr lang="en-US" altLang="ko-KR" sz="2000" dirty="0">
-                <a:latin typeface="HY헤드라인M" panose="02030600000101010101" pitchFamily="18" charset="-127"/>
-                <a:ea typeface="HY헤드라인M" panose="02030600000101010101" pitchFamily="18" charset="-127"/>
-              </a:rPr>
-              <a:t>Resource</a:t>
-            </a:r>
-          </a:p>
-        </p:txBody>
-      </p:sp>
-      <p:sp>
-        <p:nvSpPr>
-          <p:cNvPr id="28" name="직사각형 27">
-            <a:extLst>
-              <a:ext uri="{FF2B5EF4-FFF2-40B4-BE49-F238E27FC236}">
-                <a16:creationId xmlns:a16="http://schemas.microsoft.com/office/drawing/2014/main" id="{E3547CD1-8BD7-4E58-AAE3-5F4294E5F4CD}"/>
-              </a:ext>
-            </a:extLst>
-          </p:cNvPr>
-          <p:cNvSpPr/>
-          <p:nvPr/>
-        </p:nvSpPr>
-        <p:spPr>
-          <a:xfrm>
-            <a:off x="3914775" y="5138025"/>
-            <a:ext cx="6442312" cy="495304"/>
-          </a:xfrm>
-          <a:prstGeom prst="rect">
-            <a:avLst/>
-          </a:prstGeom>
-          <a:solidFill>
-            <a:srgbClr val="595959"/>
-          </a:solidFill>
-          <a:ln w="38100">
-            <a:solidFill>
-              <a:schemeClr val="tx1">
-                <a:lumMod val="85000"/>
-              </a:schemeClr>
-            </a:solidFill>
-          </a:ln>
-        </p:spPr>
-        <p:style>
-          <a:lnRef idx="2">
-            <a:schemeClr val="accent1">
-              <a:shade val="50000"/>
-            </a:schemeClr>
-          </a:lnRef>
-          <a:fillRef idx="1">
-            <a:schemeClr val="accent1"/>
-          </a:fillRef>
-          <a:effectRef idx="0">
-            <a:schemeClr val="accent1"/>
-          </a:effectRef>
-          <a:fontRef idx="minor">
-            <a:schemeClr val="lt1"/>
-          </a:fontRef>
-        </p:style>
-        <p:txBody>
-          <a:bodyPr rtlCol="0" anchor="ctr"/>
-          <a:lstStyle/>
-          <a:p>
-            <a:pPr algn="ctr"/>
-            <a:r>
-              <a:rPr lang="en-US" altLang="ko-KR" sz="2000" dirty="0">
-                <a:latin typeface="HY헤드라인M" panose="02030600000101010101" pitchFamily="18" charset="-127"/>
-                <a:ea typeface="HY헤드라인M" panose="02030600000101010101" pitchFamily="18" charset="-127"/>
-              </a:rPr>
-              <a:t>Photo shop	||	Zbrush	||	3DS max </a:t>
-            </a:r>
-          </a:p>
-        </p:txBody>
-      </p:sp>
-      <p:sp>
-        <p:nvSpPr>
-          <p:cNvPr id="29" name="직사각형 28">
-            <a:extLst>
-              <a:ext uri="{FF2B5EF4-FFF2-40B4-BE49-F238E27FC236}">
-                <a16:creationId xmlns:a16="http://schemas.microsoft.com/office/drawing/2014/main" id="{56882EAF-FF49-4879-AB04-DFBFFB00F541}"/>
-              </a:ext>
-            </a:extLst>
-          </p:cNvPr>
-          <p:cNvSpPr/>
-          <p:nvPr/>
-        </p:nvSpPr>
-        <p:spPr>
-          <a:xfrm>
-            <a:off x="1419225" y="5826035"/>
-            <a:ext cx="2495550" cy="500066"/>
-          </a:xfrm>
-          <a:prstGeom prst="rect">
-            <a:avLst/>
-          </a:prstGeom>
-          <a:ln w="38100">
-            <a:solidFill>
-              <a:schemeClr val="tx1">
-                <a:lumMod val="85000"/>
-              </a:schemeClr>
-            </a:solidFill>
-          </a:ln>
-        </p:spPr>
-        <p:style>
-          <a:lnRef idx="2">
-            <a:schemeClr val="accent1">
-              <a:shade val="50000"/>
-            </a:schemeClr>
-          </a:lnRef>
-          <a:fillRef idx="1">
-            <a:schemeClr val="accent1"/>
-          </a:fillRef>
-          <a:effectRef idx="0">
-            <a:schemeClr val="accent1"/>
-          </a:effectRef>
-          <a:fontRef idx="minor">
-            <a:schemeClr val="lt1"/>
-          </a:fontRef>
-        </p:style>
-        <p:txBody>
-          <a:bodyPr rtlCol="0" anchor="ctr"/>
-          <a:lstStyle/>
-          <a:p>
-            <a:pPr algn="ctr"/>
-            <a:r>
-              <a:rPr lang="en-US" altLang="ko-KR" sz="2000" dirty="0">
-                <a:latin typeface="HY헤드라인M" panose="02030600000101010101" pitchFamily="18" charset="-127"/>
-                <a:ea typeface="HY헤드라인M" panose="02030600000101010101" pitchFamily="18" charset="-127"/>
-              </a:rPr>
-              <a:t>Animation</a:t>
-            </a:r>
-          </a:p>
-        </p:txBody>
-      </p:sp>
-      <p:sp>
-        <p:nvSpPr>
-          <p:cNvPr id="30" name="직사각형 29">
-            <a:extLst>
-              <a:ext uri="{FF2B5EF4-FFF2-40B4-BE49-F238E27FC236}">
-                <a16:creationId xmlns:a16="http://schemas.microsoft.com/office/drawing/2014/main" id="{E647CC39-1853-4A91-A740-6C1F2527946C}"/>
-              </a:ext>
-            </a:extLst>
-          </p:cNvPr>
-          <p:cNvSpPr/>
-          <p:nvPr/>
-        </p:nvSpPr>
-        <p:spPr>
-          <a:xfrm>
-            <a:off x="3914775" y="5830797"/>
-            <a:ext cx="6442312" cy="495304"/>
-          </a:xfrm>
-          <a:prstGeom prst="rect">
-            <a:avLst/>
-          </a:prstGeom>
-          <a:solidFill>
-            <a:srgbClr val="595959"/>
-          </a:solidFill>
-          <a:ln w="38100">
-            <a:solidFill>
-              <a:schemeClr val="tx1">
-                <a:lumMod val="85000"/>
-              </a:schemeClr>
-            </a:solidFill>
-          </a:ln>
-        </p:spPr>
-        <p:style>
-          <a:lnRef idx="2">
-            <a:schemeClr val="accent1">
-              <a:shade val="50000"/>
-            </a:schemeClr>
-          </a:lnRef>
-          <a:fillRef idx="1">
-            <a:schemeClr val="accent1"/>
-          </a:fillRef>
-          <a:effectRef idx="0">
-            <a:schemeClr val="accent1"/>
-          </a:effectRef>
-          <a:fontRef idx="minor">
-            <a:schemeClr val="lt1"/>
-          </a:fontRef>
-        </p:style>
-        <p:txBody>
-          <a:bodyPr rtlCol="0" anchor="ctr"/>
-          <a:lstStyle/>
-          <a:p>
-            <a:pPr algn="ctr"/>
-            <a:r>
-              <a:rPr lang="en-US" altLang="ko-KR" sz="2000" dirty="0">
-                <a:latin typeface="HY헤드라인M" panose="02030600000101010101" pitchFamily="18" charset="-127"/>
-                <a:ea typeface="HY헤드라인M" panose="02030600000101010101" pitchFamily="18" charset="-127"/>
-              </a:rPr>
-              <a:t>FBX SDK</a:t>
-            </a:r>
+            <a:endParaRPr lang="ko-KR" altLang="en-US" sz="2000" dirty="0"/>
           </a:p>
         </p:txBody>
       </p:sp>
     </p:spTree>
     <p:extLst>
       <p:ext uri="{BB962C8B-B14F-4D97-AF65-F5344CB8AC3E}">
-        <p14:creationId xmlns:p14="http://schemas.microsoft.com/office/powerpoint/2010/main" val="3151176218"/>
+        <p14:creationId xmlns:p14="http://schemas.microsoft.com/office/powerpoint/2010/main" val="4246745071"/>
       </p:ext>
     </p:extLst>
   </p:cSld>

--- a/기획단계/졸작 제안서_α.pptx
+++ b/기획단계/졸작 제안서_α.pptx
@@ -5718,6 +5718,114 @@
           </a:p>
         </p:txBody>
       </p:sp>
+      <p:sp>
+        <p:nvSpPr>
+          <p:cNvPr id="4" name="직사각형 3">
+            <a:extLst>
+              <a:ext uri="{FF2B5EF4-FFF2-40B4-BE49-F238E27FC236}">
+                <a16:creationId xmlns:a16="http://schemas.microsoft.com/office/drawing/2014/main" id="{C0276AD2-1C61-4933-8723-90F7C1D45FAE}"/>
+              </a:ext>
+            </a:extLst>
+          </p:cNvPr>
+          <p:cNvSpPr/>
+          <p:nvPr/>
+        </p:nvSpPr>
+        <p:spPr>
+          <a:xfrm>
+            <a:off x="1656790" y="2107721"/>
+            <a:ext cx="8878420" cy="1754697"/>
+          </a:xfrm>
+          <a:prstGeom prst="rect">
+            <a:avLst/>
+          </a:prstGeom>
+          <a:solidFill>
+            <a:srgbClr val="595959"/>
+          </a:solidFill>
+          <a:ln w="38100">
+            <a:solidFill>
+              <a:schemeClr val="tx1">
+                <a:lumMod val="85000"/>
+              </a:schemeClr>
+            </a:solidFill>
+          </a:ln>
+        </p:spPr>
+        <p:style>
+          <a:lnRef idx="2">
+            <a:schemeClr val="accent1">
+              <a:shade val="50000"/>
+            </a:schemeClr>
+          </a:lnRef>
+          <a:fillRef idx="1">
+            <a:schemeClr val="accent1"/>
+          </a:fillRef>
+          <a:effectRef idx="0">
+            <a:schemeClr val="accent1"/>
+          </a:effectRef>
+          <a:fontRef idx="minor">
+            <a:schemeClr val="lt1"/>
+          </a:fontRef>
+        </p:style>
+        <p:txBody>
+          <a:bodyPr rtlCol="0" anchor="t"/>
+          <a:lstStyle/>
+          <a:p>
+            <a:r>
+              <a:rPr lang="ko-KR" altLang="en-US" sz="2000" dirty="0">
+                <a:latin typeface="HY헤드라인M" panose="02030600000101010101" pitchFamily="18" charset="-127"/>
+                <a:ea typeface="HY헤드라인M" panose="02030600000101010101" pitchFamily="18" charset="-127"/>
+              </a:rPr>
+              <a:t>언제나 같은 자리에 존재하는 장애물</a:t>
+            </a:r>
+            <a:endParaRPr lang="en-US" altLang="ko-KR" sz="2000" dirty="0">
+              <a:latin typeface="HY헤드라인M" panose="02030600000101010101" pitchFamily="18" charset="-127"/>
+              <a:ea typeface="HY헤드라인M" panose="02030600000101010101" pitchFamily="18" charset="-127"/>
+            </a:endParaRPr>
+          </a:p>
+          <a:p>
+            <a:r>
+              <a:rPr lang="en-US" altLang="ko-KR" sz="2000" dirty="0">
+                <a:latin typeface="HY헤드라인M" panose="02030600000101010101" pitchFamily="18" charset="-127"/>
+                <a:ea typeface="HY헤드라인M" panose="02030600000101010101" pitchFamily="18" charset="-127"/>
+              </a:rPr>
+              <a:t>					</a:t>
+            </a:r>
+            <a:r>
+              <a:rPr lang="ko-KR" altLang="en-US" sz="2000" dirty="0">
+                <a:latin typeface="HY헤드라인M" panose="02030600000101010101" pitchFamily="18" charset="-127"/>
+                <a:ea typeface="HY헤드라인M" panose="02030600000101010101" pitchFamily="18" charset="-127"/>
+              </a:rPr>
+              <a:t> </a:t>
+            </a:r>
+            <a:r>
+              <a:rPr lang="en-US" altLang="ko-KR" sz="2000" dirty="0">
+                <a:latin typeface="HY헤드라인M" panose="02030600000101010101" pitchFamily="18" charset="-127"/>
+                <a:ea typeface="HY헤드라인M" panose="02030600000101010101" pitchFamily="18" charset="-127"/>
+              </a:rPr>
+              <a:t>-&gt; </a:t>
+            </a:r>
+          </a:p>
+          <a:p>
+            <a:r>
+              <a:rPr lang="en-US" altLang="ko-KR" sz="2000" dirty="0">
+                <a:latin typeface="HY헤드라인M" panose="02030600000101010101" pitchFamily="18" charset="-127"/>
+                <a:ea typeface="HY헤드라인M" panose="02030600000101010101" pitchFamily="18" charset="-127"/>
+              </a:rPr>
+              <a:t>					</a:t>
+            </a:r>
+            <a:r>
+              <a:rPr lang="ko-KR" altLang="en-US" sz="2000" dirty="0">
+                <a:latin typeface="HY헤드라인M" panose="02030600000101010101" pitchFamily="18" charset="-127"/>
+                <a:ea typeface="HY헤드라인M" panose="02030600000101010101" pitchFamily="18" charset="-127"/>
+              </a:rPr>
+              <a:t>매 게임마다 실시간으로 다른 위치에 존재하는 장애물</a:t>
+            </a:r>
+            <a:endParaRPr lang="en-US" altLang="ko-KR" sz="2400" dirty="0">
+              <a:latin typeface="HY헤드라인M" panose="02030600000101010101" pitchFamily="18" charset="-127"/>
+              <a:ea typeface="HY헤드라인M" panose="02030600000101010101" pitchFamily="18" charset="-127"/>
+            </a:endParaRPr>
+          </a:p>
+        </p:txBody>
+      </p:sp>
     </p:spTree>
     <p:extLst>
       <p:ext uri="{BB962C8B-B14F-4D97-AF65-F5344CB8AC3E}">

--- a/기획단계/졸작 제안서_α.pptx
+++ b/기획단계/졸작 제안서_α.pptx
@@ -307,7 +307,7 @@
             <a:fld id="{B61BEF0D-F0BB-DE4B-95CE-6DB70DBA9567}" type="datetimeFigureOut">
               <a:rPr lang="en-US" smtClean="0"/>
               <a:pPr/>
-              <a:t>11/17/2019</a:t>
+              <a:t>11/18/2019</a:t>
             </a:fld>
             <a:endParaRPr lang="en-US" dirty="0"/>
           </a:p>
@@ -536,7 +536,7 @@
           <a:p>
             <a:fld id="{55C6B4A9-1611-4792-9094-5F34BCA07E0B}" type="datetimeFigureOut">
               <a:rPr lang="en-US" smtClean="0"/>
-              <a:t>11/17/2019</a:t>
+              <a:t>11/18/2019</a:t>
             </a:fld>
             <a:endParaRPr lang="en-US" dirty="0"/>
           </a:p>
@@ -717,7 +717,7 @@
             <a:fld id="{B61BEF0D-F0BB-DE4B-95CE-6DB70DBA9567}" type="datetimeFigureOut">
               <a:rPr lang="en-US" smtClean="0"/>
               <a:pPr/>
-              <a:t>11/17/2019</a:t>
+              <a:t>11/18/2019</a:t>
             </a:fld>
             <a:endParaRPr lang="en-US" dirty="0"/>
           </a:p>
@@ -888,7 +888,7 @@
           <a:p>
             <a:fld id="{42A54C80-263E-416B-A8E0-580EDEADCBDC}" type="datetimeFigureOut">
               <a:rPr lang="en-US" smtClean="0"/>
-              <a:t>11/17/2019</a:t>
+              <a:t>11/18/2019</a:t>
             </a:fld>
             <a:endParaRPr lang="en-US" dirty="0"/>
           </a:p>
@@ -1143,7 +1143,7 @@
             <a:fld id="{B61BEF0D-F0BB-DE4B-95CE-6DB70DBA9567}" type="datetimeFigureOut">
               <a:rPr lang="en-US" smtClean="0"/>
               <a:pPr/>
-              <a:t>11/17/2019</a:t>
+              <a:t>11/18/2019</a:t>
             </a:fld>
             <a:endParaRPr lang="en-US" dirty="0"/>
           </a:p>
@@ -1470,7 +1470,7 @@
           <a:p>
             <a:fld id="{42A54C80-263E-416B-A8E0-580EDEADCBDC}" type="datetimeFigureOut">
               <a:rPr lang="en-US" smtClean="0"/>
-              <a:t>11/17/2019</a:t>
+              <a:t>11/18/2019</a:t>
             </a:fld>
             <a:endParaRPr lang="en-US" dirty="0"/>
           </a:p>
@@ -1922,7 +1922,7 @@
             <a:fld id="{B61BEF0D-F0BB-DE4B-95CE-6DB70DBA9567}" type="datetimeFigureOut">
               <a:rPr lang="en-US" smtClean="0"/>
               <a:pPr/>
-              <a:t>11/17/2019</a:t>
+              <a:t>11/18/2019</a:t>
             </a:fld>
             <a:endParaRPr lang="en-US" dirty="0"/>
           </a:p>
@@ -2042,7 +2042,7 @@
             <a:fld id="{B61BEF0D-F0BB-DE4B-95CE-6DB70DBA9567}" type="datetimeFigureOut">
               <a:rPr lang="en-US" smtClean="0"/>
               <a:pPr/>
-              <a:t>11/17/2019</a:t>
+              <a:t>11/18/2019</a:t>
             </a:fld>
             <a:endParaRPr lang="en-US" dirty="0"/>
           </a:p>
@@ -2139,7 +2139,7 @@
             <a:fld id="{B61BEF0D-F0BB-DE4B-95CE-6DB70DBA9567}" type="datetimeFigureOut">
               <a:rPr lang="en-US" smtClean="0"/>
               <a:pPr/>
-              <a:t>11/17/2019</a:t>
+              <a:t>11/18/2019</a:t>
             </a:fld>
             <a:endParaRPr lang="en-US" dirty="0"/>
           </a:p>
@@ -2427,7 +2427,7 @@
           <a:p>
             <a:fld id="{42A54C80-263E-416B-A8E0-580EDEADCBDC}" type="datetimeFigureOut">
               <a:rPr lang="en-US" smtClean="0"/>
-              <a:t>11/17/2019</a:t>
+              <a:t>11/18/2019</a:t>
             </a:fld>
             <a:endParaRPr lang="en-US" dirty="0"/>
           </a:p>
@@ -2750,7 +2750,7 @@
             <a:fld id="{B61BEF0D-F0BB-DE4B-95CE-6DB70DBA9567}" type="datetimeFigureOut">
               <a:rPr lang="en-US" smtClean="0"/>
               <a:pPr/>
-              <a:t>11/17/2019</a:t>
+              <a:t>11/18/2019</a:t>
             </a:fld>
             <a:endParaRPr lang="en-US" dirty="0"/>
           </a:p>
@@ -3006,7 +3006,7 @@
             <a:fld id="{B61BEF0D-F0BB-DE4B-95CE-6DB70DBA9567}" type="datetimeFigureOut">
               <a:rPr lang="en-US" smtClean="0"/>
               <a:pPr/>
-              <a:t>11/17/2019</a:t>
+              <a:t>11/18/2019</a:t>
             </a:fld>
             <a:endParaRPr lang="en-US" dirty="0"/>
           </a:p>
@@ -18113,11 +18113,11 @@
           <a:p>
             <a:pPr algn="ctr"/>
             <a:r>
-              <a:rPr lang="en-US" altLang="ko-KR" dirty="0">
+              <a:rPr lang="en-US" altLang="ko-KR">
                 <a:latin typeface="HY헤드라인M" panose="02030600000101010101" pitchFamily="18" charset="-127"/>
                 <a:ea typeface="HY헤드라인M" panose="02030600000101010101" pitchFamily="18" charset="-127"/>
               </a:rPr>
-              <a:t>5 X 10 X 10 M</a:t>
+              <a:t>-</a:t>
             </a:r>
             <a:endParaRPr lang="ko-KR" altLang="en-US" dirty="0">
               <a:latin typeface="HY헤드라인M" panose="02030600000101010101" pitchFamily="18" charset="-127"/>

--- a/기획단계/졸작 제안서_α.pptx
+++ b/기획단계/졸작 제안서_α.pptx
@@ -8,18 +8,19 @@
     <p:sldId id="256" r:id="rId2"/>
     <p:sldId id="257" r:id="rId3"/>
     <p:sldId id="258" r:id="rId4"/>
-    <p:sldId id="260" r:id="rId5"/>
-    <p:sldId id="267" r:id="rId6"/>
-    <p:sldId id="268" r:id="rId7"/>
-    <p:sldId id="261" r:id="rId8"/>
-    <p:sldId id="262" r:id="rId9"/>
-    <p:sldId id="263" r:id="rId10"/>
-    <p:sldId id="269" r:id="rId11"/>
-    <p:sldId id="264" r:id="rId12"/>
-    <p:sldId id="265" r:id="rId13"/>
-    <p:sldId id="270" r:id="rId14"/>
-    <p:sldId id="271" r:id="rId15"/>
-    <p:sldId id="259" r:id="rId16"/>
+    <p:sldId id="272" r:id="rId5"/>
+    <p:sldId id="260" r:id="rId6"/>
+    <p:sldId id="267" r:id="rId7"/>
+    <p:sldId id="268" r:id="rId8"/>
+    <p:sldId id="261" r:id="rId9"/>
+    <p:sldId id="262" r:id="rId10"/>
+    <p:sldId id="263" r:id="rId11"/>
+    <p:sldId id="269" r:id="rId12"/>
+    <p:sldId id="264" r:id="rId13"/>
+    <p:sldId id="265" r:id="rId14"/>
+    <p:sldId id="270" r:id="rId15"/>
+    <p:sldId id="271" r:id="rId16"/>
+    <p:sldId id="259" r:id="rId17"/>
   </p:sldIdLst>
   <p:sldSz cx="12192000" cy="6858000"/>
   <p:notesSz cx="6858000" cy="9144000"/>
@@ -3973,17 +3974,17 @@
                 <a:latin typeface="HY헤드라인M" panose="02030600000101010101" pitchFamily="18" charset="-127"/>
                 <a:ea typeface="HY헤드라인M" panose="02030600000101010101" pitchFamily="18" charset="-127"/>
               </a:rPr>
-              <a:t>서버</a:t>
+              <a:t>클라이언트</a:t>
             </a:r>
           </a:p>
         </p:txBody>
       </p:sp>
       <p:sp>
         <p:nvSpPr>
-          <p:cNvPr id="5" name="직사각형 4">
+          <p:cNvPr id="10" name="직사각형 9">
             <a:extLst>
               <a:ext uri="{FF2B5EF4-FFF2-40B4-BE49-F238E27FC236}">
-                <a16:creationId xmlns:a16="http://schemas.microsoft.com/office/drawing/2014/main" id="{711DCDA1-7BF2-4A7D-9799-A995CEF01B7A}"/>
+                <a16:creationId xmlns:a16="http://schemas.microsoft.com/office/drawing/2014/main" id="{F3625E38-9DD3-4442-BF57-8A052A202C27}"/>
               </a:ext>
             </a:extLst>
           </p:cNvPr>
@@ -4039,10 +4040,10 @@
       </p:sp>
       <p:sp>
         <p:nvSpPr>
-          <p:cNvPr id="8" name="직사각형 7">
+          <p:cNvPr id="7" name="직사각형 6">
             <a:extLst>
               <a:ext uri="{FF2B5EF4-FFF2-40B4-BE49-F238E27FC236}">
-                <a16:creationId xmlns:a16="http://schemas.microsoft.com/office/drawing/2014/main" id="{D7033350-C6F0-4470-B109-7B17703E07B5}"/>
+                <a16:creationId xmlns:a16="http://schemas.microsoft.com/office/drawing/2014/main" id="{279B02B2-5E4C-4558-BAFE-F64A24F0DBA3}"/>
               </a:ext>
             </a:extLst>
           </p:cNvPr>
@@ -4099,14 +4100,14 @@
                 <a:latin typeface="HY헤드라인M" panose="02030600000101010101" pitchFamily="18" charset="-127"/>
                 <a:ea typeface="HY헤드라인M" panose="02030600000101010101" pitchFamily="18" charset="-127"/>
               </a:rPr>
-              <a:t>	-	IOCP</a:t>
+              <a:t>	-	</a:t>
             </a:r>
             <a:r>
               <a:rPr lang="ko-KR" altLang="en-US" sz="2400" dirty="0">
                 <a:latin typeface="HY헤드라인M" panose="02030600000101010101" pitchFamily="18" charset="-127"/>
                 <a:ea typeface="HY헤드라인M" panose="02030600000101010101" pitchFamily="18" charset="-127"/>
               </a:rPr>
-              <a:t>를 이용한 여러 개의 클라이언트 접속 유지</a:t>
+              <a:t>오브젝트들의 업데이트 및 렌더링 최적화</a:t>
             </a:r>
             <a:endParaRPr lang="en-US" altLang="ko-KR" sz="2400" dirty="0">
               <a:latin typeface="HY헤드라인M" panose="02030600000101010101" pitchFamily="18" charset="-127"/>
@@ -4128,11 +4129,44 @@
               <a:t>	-	</a:t>
             </a:r>
             <a:r>
+              <a:rPr lang="ko-KR" altLang="en-US" sz="2400" dirty="0" err="1">
+                <a:latin typeface="HY헤드라인M" panose="02030600000101010101" pitchFamily="18" charset="-127"/>
+                <a:ea typeface="HY헤드라인M" panose="02030600000101010101" pitchFamily="18" charset="-127"/>
+              </a:rPr>
+              <a:t>셰이더</a:t>
+            </a:r>
+            <a:r>
               <a:rPr lang="ko-KR" altLang="en-US" sz="2400" dirty="0">
                 <a:latin typeface="HY헤드라인M" panose="02030600000101010101" pitchFamily="18" charset="-127"/>
                 <a:ea typeface="HY헤드라인M" panose="02030600000101010101" pitchFamily="18" charset="-127"/>
               </a:rPr>
-              <a:t>물리엔진의 실시간 처리</a:t>
+              <a:t> 프로그래밍을 이용한 게임 표현</a:t>
+            </a:r>
+            <a:endParaRPr lang="en-US" altLang="ko-KR" sz="2400" dirty="0">
+              <a:latin typeface="HY헤드라인M" panose="02030600000101010101" pitchFamily="18" charset="-127"/>
+              <a:ea typeface="HY헤드라인M" panose="02030600000101010101" pitchFamily="18" charset="-127"/>
+            </a:endParaRPr>
+          </a:p>
+          <a:p>
+            <a:endParaRPr lang="en-US" altLang="ko-KR" sz="2400" dirty="0">
+              <a:latin typeface="HY헤드라인M" panose="02030600000101010101" pitchFamily="18" charset="-127"/>
+              <a:ea typeface="HY헤드라인M" panose="02030600000101010101" pitchFamily="18" charset="-127"/>
+            </a:endParaRPr>
+          </a:p>
+          <a:p>
+            <a:r>
+              <a:rPr lang="en-US" altLang="ko-KR" sz="2400" dirty="0">
+                <a:latin typeface="HY헤드라인M" panose="02030600000101010101" pitchFamily="18" charset="-127"/>
+                <a:ea typeface="HY헤드라인M" panose="02030600000101010101" pitchFamily="18" charset="-127"/>
+              </a:rPr>
+              <a:t>	-	</a:t>
+            </a:r>
+            <a:r>
+              <a:rPr lang="ko-KR" altLang="en-US" sz="2400" dirty="0">
+                <a:latin typeface="HY헤드라인M" panose="02030600000101010101" pitchFamily="18" charset="-127"/>
+                <a:ea typeface="HY헤드라인M" panose="02030600000101010101" pitchFamily="18" charset="-127"/>
+              </a:rPr>
+              <a:t>카메라 워킹을 이용한 게임 표현</a:t>
             </a:r>
           </a:p>
           <a:p>
@@ -4144,7 +4178,7 @@
     </p:spTree>
     <p:extLst>
       <p:ext uri="{BB962C8B-B14F-4D97-AF65-F5344CB8AC3E}">
-        <p14:creationId xmlns:p14="http://schemas.microsoft.com/office/powerpoint/2010/main" val="2000490652"/>
+        <p14:creationId xmlns:p14="http://schemas.microsoft.com/office/powerpoint/2010/main" val="4246745071"/>
       </p:ext>
     </p:extLst>
   </p:cSld>
@@ -4226,7 +4260,7 @@
                 <a:latin typeface="HY헤드라인M" panose="02030600000101010101" pitchFamily="18" charset="-127"/>
                 <a:ea typeface="HY헤드라인M" panose="02030600000101010101" pitchFamily="18" charset="-127"/>
               </a:rPr>
-              <a:t>6</a:t>
+              <a:t>5</a:t>
             </a:r>
             <a:endParaRPr lang="ko-KR" altLang="en-US" sz="5400" dirty="0">
               <a:latin typeface="HY헤드라인M" panose="02030600000101010101" pitchFamily="18" charset="-127"/>
@@ -4250,7 +4284,7 @@
         <p:spPr>
           <a:xfrm>
             <a:off x="1419225" y="393221"/>
-            <a:ext cx="3895725" cy="646331"/>
+            <a:ext cx="7000875" cy="646331"/>
           </a:xfrm>
           <a:prstGeom prst="rect">
             <a:avLst/>
@@ -4268,7 +4302,7 @@
                 <a:latin typeface="HY헤드라인M" panose="02030600000101010101" pitchFamily="18" charset="-127"/>
                 <a:ea typeface="HY헤드라인M" panose="02030600000101010101" pitchFamily="18" charset="-127"/>
               </a:rPr>
-              <a:t>개인별 준비 현황</a:t>
+              <a:t>기술적 요소</a:t>
             </a:r>
             <a:endParaRPr lang="ko-KR" altLang="en-US" dirty="0"/>
           </a:p>
@@ -4276,10 +4310,10 @@
       </p:sp>
       <p:sp>
         <p:nvSpPr>
-          <p:cNvPr id="5" name="직사각형 4">
+          <p:cNvPr id="4" name="직사각형 3">
             <a:extLst>
               <a:ext uri="{FF2B5EF4-FFF2-40B4-BE49-F238E27FC236}">
-                <a16:creationId xmlns:a16="http://schemas.microsoft.com/office/drawing/2014/main" id="{77B11E97-3DE7-40DA-8FF7-A32B35070F07}"/>
+                <a16:creationId xmlns:a16="http://schemas.microsoft.com/office/drawing/2014/main" id="{C7A9A389-7B45-4FDD-BB1C-85EDD793729F}"/>
               </a:ext>
             </a:extLst>
           </p:cNvPr>
@@ -4288,8 +4322,8 @@
         </p:nvSpPr>
         <p:spPr>
           <a:xfrm>
-            <a:off x="1631476" y="1298100"/>
-            <a:ext cx="3390901" cy="809625"/>
+            <a:off x="5101313" y="1298097"/>
+            <a:ext cx="1989374" cy="809625"/>
           </a:xfrm>
           <a:prstGeom prst="rect">
             <a:avLst/>
@@ -4324,25 +4358,21 @@
           <a:p>
             <a:pPr algn="ctr"/>
             <a:r>
-              <a:rPr lang="ko-KR" altLang="en-US" sz="2800" dirty="0" err="1">
+              <a:rPr lang="ko-KR" altLang="en-US" sz="2800" dirty="0">
                 <a:latin typeface="HY헤드라인M" panose="02030600000101010101" pitchFamily="18" charset="-127"/>
                 <a:ea typeface="HY헤드라인M" panose="02030600000101010101" pitchFamily="18" charset="-127"/>
               </a:rPr>
-              <a:t>김영완</a:t>
-            </a:r>
-            <a:endParaRPr lang="ko-KR" altLang="en-US" sz="2800" dirty="0">
-              <a:latin typeface="HY헤드라인M" panose="02030600000101010101" pitchFamily="18" charset="-127"/>
-              <a:ea typeface="HY헤드라인M" panose="02030600000101010101" pitchFamily="18" charset="-127"/>
-            </a:endParaRPr>
+              <a:t>서버</a:t>
+            </a:r>
           </a:p>
         </p:txBody>
       </p:sp>
       <p:sp>
         <p:nvSpPr>
-          <p:cNvPr id="7" name="직사각형 6">
+          <p:cNvPr id="5" name="직사각형 4">
             <a:extLst>
               <a:ext uri="{FF2B5EF4-FFF2-40B4-BE49-F238E27FC236}">
-                <a16:creationId xmlns:a16="http://schemas.microsoft.com/office/drawing/2014/main" id="{F339315A-041C-45AC-82AD-9EE2920A232E}"/>
+                <a16:creationId xmlns:a16="http://schemas.microsoft.com/office/drawing/2014/main" id="{711DCDA1-7BF2-4A7D-9799-A995CEF01B7A}"/>
               </a:ext>
             </a:extLst>
           </p:cNvPr>
@@ -4351,8 +4381,67 @@
         </p:nvSpPr>
         <p:spPr>
           <a:xfrm>
-            <a:off x="1631476" y="2107724"/>
-            <a:ext cx="3390901" cy="3891662"/>
+            <a:off x="1924051" y="2366267"/>
+            <a:ext cx="8878420" cy="809625"/>
+          </a:xfrm>
+          <a:prstGeom prst="rect">
+            <a:avLst/>
+          </a:prstGeom>
+          <a:ln w="38100">
+            <a:solidFill>
+              <a:schemeClr val="tx1">
+                <a:lumMod val="85000"/>
+              </a:schemeClr>
+            </a:solidFill>
+          </a:ln>
+        </p:spPr>
+        <p:style>
+          <a:lnRef idx="2">
+            <a:schemeClr val="accent1">
+              <a:shade val="50000"/>
+            </a:schemeClr>
+          </a:lnRef>
+          <a:fillRef idx="1">
+            <a:schemeClr val="accent1"/>
+          </a:fillRef>
+          <a:effectRef idx="0">
+            <a:schemeClr val="accent1"/>
+          </a:effectRef>
+          <a:fontRef idx="minor">
+            <a:schemeClr val="lt1"/>
+          </a:fontRef>
+        </p:style>
+        <p:txBody>
+          <a:bodyPr rtlCol="0" anchor="ctr"/>
+          <a:lstStyle/>
+          <a:p>
+            <a:pPr algn="ctr"/>
+            <a:r>
+              <a:rPr lang="ko-KR" altLang="en-US" sz="2800" dirty="0">
+                <a:latin typeface="HY헤드라인M" panose="02030600000101010101" pitchFamily="18" charset="-127"/>
+                <a:ea typeface="HY헤드라인M" panose="02030600000101010101" pitchFamily="18" charset="-127"/>
+              </a:rPr>
+              <a:t>기술적 요소</a:t>
+            </a:r>
+          </a:p>
+        </p:txBody>
+      </p:sp>
+      <p:sp>
+        <p:nvSpPr>
+          <p:cNvPr id="8" name="직사각형 7">
+            <a:extLst>
+              <a:ext uri="{FF2B5EF4-FFF2-40B4-BE49-F238E27FC236}">
+                <a16:creationId xmlns:a16="http://schemas.microsoft.com/office/drawing/2014/main" id="{D7033350-C6F0-4470-B109-7B17703E07B5}"/>
+              </a:ext>
+            </a:extLst>
+          </p:cNvPr>
+          <p:cNvSpPr/>
+          <p:nvPr/>
+        </p:nvSpPr>
+        <p:spPr>
+          <a:xfrm>
+            <a:off x="1924051" y="3175891"/>
+            <a:ext cx="8878420" cy="2701033"/>
           </a:xfrm>
           <a:prstGeom prst="rect">
             <a:avLst/>
@@ -4388,751 +4477,63 @@
           <a:bodyPr rtlCol="0" anchor="t"/>
           <a:lstStyle/>
           <a:p>
-            <a:r>
-              <a:rPr lang="en-US" altLang="ko-KR" sz="1600" dirty="0">
+            <a:endParaRPr lang="en-US" altLang="ko-KR" sz="2400" dirty="0">
+              <a:latin typeface="HY헤드라인M" panose="02030600000101010101" pitchFamily="18" charset="-127"/>
+              <a:ea typeface="HY헤드라인M" panose="02030600000101010101" pitchFamily="18" charset="-127"/>
+            </a:endParaRPr>
+          </a:p>
+          <a:p>
+            <a:r>
+              <a:rPr lang="en-US" altLang="ko-KR" sz="2400" dirty="0">
                 <a:latin typeface="HY헤드라인M" panose="02030600000101010101" pitchFamily="18" charset="-127"/>
                 <a:ea typeface="HY헤드라인M" panose="02030600000101010101" pitchFamily="18" charset="-127"/>
               </a:rPr>
-              <a:t>DirectX 12</a:t>
-            </a:r>
-          </a:p>
-          <a:p>
-            <a:r>
-              <a:rPr lang="en-US" altLang="ko-KR" sz="1600" dirty="0">
+              <a:t>	-	IOCP</a:t>
+            </a:r>
+            <a:r>
+              <a:rPr lang="ko-KR" altLang="en-US" sz="2400" dirty="0">
                 <a:latin typeface="HY헤드라인M" panose="02030600000101010101" pitchFamily="18" charset="-127"/>
                 <a:ea typeface="HY헤드라인M" panose="02030600000101010101" pitchFamily="18" charset="-127"/>
               </a:rPr>
-              <a:t>-3DGP</a:t>
-            </a:r>
-            <a:r>
-              <a:rPr lang="ko-KR" altLang="en-US" sz="1600" dirty="0">
+              <a:t>를 이용한 여러 개의 클라이언트 접속 유지</a:t>
+            </a:r>
+            <a:endParaRPr lang="en-US" altLang="ko-KR" sz="2400" dirty="0">
+              <a:latin typeface="HY헤드라인M" panose="02030600000101010101" pitchFamily="18" charset="-127"/>
+              <a:ea typeface="HY헤드라인M" panose="02030600000101010101" pitchFamily="18" charset="-127"/>
+            </a:endParaRPr>
+          </a:p>
+          <a:p>
+            <a:endParaRPr lang="en-US" altLang="ko-KR" sz="2400" dirty="0">
+              <a:latin typeface="HY헤드라인M" panose="02030600000101010101" pitchFamily="18" charset="-127"/>
+              <a:ea typeface="HY헤드라인M" panose="02030600000101010101" pitchFamily="18" charset="-127"/>
+            </a:endParaRPr>
+          </a:p>
+          <a:p>
+            <a:r>
+              <a:rPr lang="en-US" altLang="ko-KR" sz="2400" dirty="0">
                 <a:latin typeface="HY헤드라인M" panose="02030600000101010101" pitchFamily="18" charset="-127"/>
                 <a:ea typeface="HY헤드라인M" panose="02030600000101010101" pitchFamily="18" charset="-127"/>
               </a:rPr>
-              <a:t> 수강</a:t>
-            </a:r>
-            <a:endParaRPr lang="en-US" altLang="ko-KR" sz="1600" dirty="0">
-              <a:latin typeface="HY헤드라인M" panose="02030600000101010101" pitchFamily="18" charset="-127"/>
-              <a:ea typeface="HY헤드라인M" panose="02030600000101010101" pitchFamily="18" charset="-127"/>
-            </a:endParaRPr>
-          </a:p>
-          <a:p>
-            <a:endParaRPr lang="en-US" altLang="ko-KR" sz="1600" dirty="0">
-              <a:latin typeface="HY헤드라인M" panose="02030600000101010101" pitchFamily="18" charset="-127"/>
-              <a:ea typeface="HY헤드라인M" panose="02030600000101010101" pitchFamily="18" charset="-127"/>
-            </a:endParaRPr>
-          </a:p>
-          <a:p>
-            <a:r>
-              <a:rPr lang="ko-KR" altLang="en-US" sz="1600" dirty="0">
+              <a:t>	-	</a:t>
+            </a:r>
+            <a:r>
+              <a:rPr lang="ko-KR" altLang="en-US" sz="2400" dirty="0">
                 <a:latin typeface="HY헤드라인M" panose="02030600000101010101" pitchFamily="18" charset="-127"/>
                 <a:ea typeface="HY헤드라인M" panose="02030600000101010101" pitchFamily="18" charset="-127"/>
               </a:rPr>
-              <a:t>모델링</a:t>
-            </a:r>
-            <a:endParaRPr lang="en-US" altLang="ko-KR" sz="1600" dirty="0">
-              <a:latin typeface="HY헤드라인M" panose="02030600000101010101" pitchFamily="18" charset="-127"/>
-              <a:ea typeface="HY헤드라인M" panose="02030600000101010101" pitchFamily="18" charset="-127"/>
-            </a:endParaRPr>
-          </a:p>
-          <a:p>
-            <a:r>
-              <a:rPr lang="en-US" altLang="ko-KR" sz="1600" dirty="0">
-                <a:latin typeface="HY헤드라인M" panose="02030600000101010101" pitchFamily="18" charset="-127"/>
-                <a:ea typeface="HY헤드라인M" panose="02030600000101010101" pitchFamily="18" charset="-127"/>
-              </a:rPr>
-              <a:t>-</a:t>
-            </a:r>
-            <a:r>
-              <a:rPr lang="ko-KR" altLang="en-US" sz="1600" dirty="0" err="1">
-                <a:latin typeface="HY헤드라인M" panose="02030600000101010101" pitchFamily="18" charset="-127"/>
-                <a:ea typeface="HY헤드라인M" panose="02030600000101010101" pitchFamily="18" charset="-127"/>
-              </a:rPr>
-              <a:t>셰이더</a:t>
-            </a:r>
-            <a:r>
-              <a:rPr lang="ko-KR" altLang="en-US" sz="1600" dirty="0">
-                <a:latin typeface="HY헤드라인M" panose="02030600000101010101" pitchFamily="18" charset="-127"/>
-                <a:ea typeface="HY헤드라인M" panose="02030600000101010101" pitchFamily="18" charset="-127"/>
-              </a:rPr>
-              <a:t> 프로그래밍 수강</a:t>
-            </a:r>
-            <a:endParaRPr lang="en-US" altLang="ko-KR" sz="1600" dirty="0">
-              <a:latin typeface="HY헤드라인M" panose="02030600000101010101" pitchFamily="18" charset="-127"/>
-              <a:ea typeface="HY헤드라인M" panose="02030600000101010101" pitchFamily="18" charset="-127"/>
-            </a:endParaRPr>
-          </a:p>
-          <a:p>
-            <a:endParaRPr lang="en-US" altLang="ko-KR" sz="1600" dirty="0">
-              <a:latin typeface="HY헤드라인M" panose="02030600000101010101" pitchFamily="18" charset="-127"/>
-              <a:ea typeface="HY헤드라인M" panose="02030600000101010101" pitchFamily="18" charset="-127"/>
-            </a:endParaRPr>
-          </a:p>
-          <a:p>
-            <a:r>
-              <a:rPr lang="ko-KR" altLang="en-US" sz="1600" dirty="0">
-                <a:latin typeface="HY헤드라인M" panose="02030600000101010101" pitchFamily="18" charset="-127"/>
-                <a:ea typeface="HY헤드라인M" panose="02030600000101010101" pitchFamily="18" charset="-127"/>
-              </a:rPr>
-              <a:t>애니메이션</a:t>
-            </a:r>
-            <a:endParaRPr lang="en-US" altLang="ko-KR" sz="1600" dirty="0">
-              <a:latin typeface="HY헤드라인M" panose="02030600000101010101" pitchFamily="18" charset="-127"/>
-              <a:ea typeface="HY헤드라인M" panose="02030600000101010101" pitchFamily="18" charset="-127"/>
-            </a:endParaRPr>
-          </a:p>
-          <a:p>
-            <a:r>
-              <a:rPr lang="en-US" altLang="ko-KR" sz="1600" dirty="0">
-                <a:latin typeface="HY헤드라인M" panose="02030600000101010101" pitchFamily="18" charset="-127"/>
-                <a:ea typeface="HY헤드라인M" panose="02030600000101010101" pitchFamily="18" charset="-127"/>
-              </a:rPr>
-              <a:t>-FBX SDK </a:t>
-            </a:r>
-          </a:p>
-          <a:p>
-            <a:endParaRPr lang="en-US" altLang="ko-KR" sz="1600" dirty="0">
-              <a:latin typeface="HY헤드라인M" panose="02030600000101010101" pitchFamily="18" charset="-127"/>
-              <a:ea typeface="HY헤드라인M" panose="02030600000101010101" pitchFamily="18" charset="-127"/>
-            </a:endParaRPr>
-          </a:p>
-          <a:p>
-            <a:endParaRPr lang="en-US" altLang="ko-KR" sz="1600" dirty="0">
-              <a:latin typeface="HY헤드라인M" panose="02030600000101010101" pitchFamily="18" charset="-127"/>
-              <a:ea typeface="HY헤드라인M" panose="02030600000101010101" pitchFamily="18" charset="-127"/>
-            </a:endParaRPr>
-          </a:p>
-          <a:p>
-            <a:endParaRPr lang="en-US" altLang="ko-KR" sz="1600" dirty="0">
-              <a:latin typeface="HY헤드라인M" panose="02030600000101010101" pitchFamily="18" charset="-127"/>
-              <a:ea typeface="HY헤드라인M" panose="02030600000101010101" pitchFamily="18" charset="-127"/>
-            </a:endParaRPr>
-          </a:p>
-          <a:p>
-            <a:endParaRPr lang="en-US" altLang="ko-KR" sz="1600" dirty="0">
-              <a:latin typeface="HY헤드라인M" panose="02030600000101010101" pitchFamily="18" charset="-127"/>
-              <a:ea typeface="HY헤드라인M" panose="02030600000101010101" pitchFamily="18" charset="-127"/>
-            </a:endParaRPr>
-          </a:p>
-          <a:p>
-            <a:endParaRPr lang="en-US" altLang="ko-KR" sz="1600" dirty="0">
-              <a:latin typeface="HY헤드라인M" panose="02030600000101010101" pitchFamily="18" charset="-127"/>
-              <a:ea typeface="HY헤드라인M" panose="02030600000101010101" pitchFamily="18" charset="-127"/>
-            </a:endParaRPr>
-          </a:p>
-          <a:p>
-            <a:r>
-              <a:rPr lang="en-US" altLang="ko-KR" sz="1600" dirty="0">
-                <a:latin typeface="HY헤드라인M" panose="02030600000101010101" pitchFamily="18" charset="-127"/>
-                <a:ea typeface="HY헤드라인M" panose="02030600000101010101" pitchFamily="18" charset="-127"/>
-              </a:rPr>
-              <a:t>Git</a:t>
-            </a:r>
-          </a:p>
-          <a:p>
-            <a:r>
-              <a:rPr lang="en-US" altLang="ko-KR" sz="1600" dirty="0">
-                <a:latin typeface="HY헤드라인M" panose="02030600000101010101" pitchFamily="18" charset="-127"/>
-                <a:ea typeface="HY헤드라인M" panose="02030600000101010101" pitchFamily="18" charset="-127"/>
-              </a:rPr>
-              <a:t>-</a:t>
-            </a:r>
-            <a:r>
-              <a:rPr lang="ko-KR" altLang="en-US" sz="1600" dirty="0">
-                <a:latin typeface="HY헤드라인M" panose="02030600000101010101" pitchFamily="18" charset="-127"/>
-                <a:ea typeface="HY헤드라인M" panose="02030600000101010101" pitchFamily="18" charset="-127"/>
-              </a:rPr>
-              <a:t>게임 소프트웨어 공학 수강</a:t>
-            </a:r>
-            <a:endParaRPr lang="en-US" altLang="ko-KR" sz="1600" dirty="0">
-              <a:latin typeface="HY헤드라인M" panose="02030600000101010101" pitchFamily="18" charset="-127"/>
-              <a:ea typeface="HY헤드라인M" panose="02030600000101010101" pitchFamily="18" charset="-127"/>
-            </a:endParaRPr>
-          </a:p>
-          <a:p>
-            <a:endParaRPr lang="en-US" altLang="ko-KR" sz="2000" dirty="0">
-              <a:latin typeface="HY헤드라인M" panose="02030600000101010101" pitchFamily="18" charset="-127"/>
-              <a:ea typeface="HY헤드라인M" panose="02030600000101010101" pitchFamily="18" charset="-127"/>
-            </a:endParaRPr>
-          </a:p>
-        </p:txBody>
-      </p:sp>
-      <p:sp>
-        <p:nvSpPr>
-          <p:cNvPr id="8" name="직사각형 7">
-            <a:extLst>
-              <a:ext uri="{FF2B5EF4-FFF2-40B4-BE49-F238E27FC236}">
-                <a16:creationId xmlns:a16="http://schemas.microsoft.com/office/drawing/2014/main" id="{0598F42B-20BB-4FE1-B916-900EF2CCD5F1}"/>
-              </a:ext>
-            </a:extLst>
-          </p:cNvPr>
-          <p:cNvSpPr/>
-          <p:nvPr/>
-        </p:nvSpPr>
-        <p:spPr>
-          <a:xfrm>
-            <a:off x="5022377" y="1298097"/>
-            <a:ext cx="3390901" cy="809625"/>
-          </a:xfrm>
-          <a:prstGeom prst="rect">
-            <a:avLst/>
-          </a:prstGeom>
-          <a:ln w="38100">
-            <a:solidFill>
-              <a:schemeClr val="tx1">
-                <a:lumMod val="85000"/>
-              </a:schemeClr>
-            </a:solidFill>
-          </a:ln>
-        </p:spPr>
-        <p:style>
-          <a:lnRef idx="2">
-            <a:schemeClr val="accent1">
-              <a:shade val="50000"/>
-            </a:schemeClr>
-          </a:lnRef>
-          <a:fillRef idx="1">
-            <a:schemeClr val="accent1"/>
-          </a:fillRef>
-          <a:effectRef idx="0">
-            <a:schemeClr val="accent1"/>
-          </a:effectRef>
-          <a:fontRef idx="minor">
-            <a:schemeClr val="lt1"/>
-          </a:fontRef>
-        </p:style>
-        <p:txBody>
-          <a:bodyPr rtlCol="0" anchor="ctr"/>
-          <a:lstStyle/>
+              <a:t>물리엔진의 실시간 처리</a:t>
+            </a:r>
+          </a:p>
           <a:p>
             <a:pPr algn="ctr"/>
-            <a:r>
-              <a:rPr lang="ko-KR" altLang="en-US" sz="2800" dirty="0">
-                <a:latin typeface="HY헤드라인M" panose="02030600000101010101" pitchFamily="18" charset="-127"/>
-                <a:ea typeface="HY헤드라인M" panose="02030600000101010101" pitchFamily="18" charset="-127"/>
-              </a:rPr>
-              <a:t>박건호</a:t>
-            </a:r>
-          </a:p>
-        </p:txBody>
-      </p:sp>
-      <p:sp>
-        <p:nvSpPr>
-          <p:cNvPr id="9" name="직사각형 8">
-            <a:extLst>
-              <a:ext uri="{FF2B5EF4-FFF2-40B4-BE49-F238E27FC236}">
-                <a16:creationId xmlns:a16="http://schemas.microsoft.com/office/drawing/2014/main" id="{B3C4690B-4DFC-4286-B5B4-EA8F7F452F2D}"/>
-              </a:ext>
-            </a:extLst>
-          </p:cNvPr>
-          <p:cNvSpPr/>
-          <p:nvPr/>
-        </p:nvSpPr>
-        <p:spPr>
-          <a:xfrm>
-            <a:off x="5022377" y="2107721"/>
-            <a:ext cx="3390901" cy="3891662"/>
-          </a:xfrm>
-          <a:prstGeom prst="rect">
-            <a:avLst/>
-          </a:prstGeom>
-          <a:solidFill>
-            <a:srgbClr val="595959"/>
-          </a:solidFill>
-          <a:ln w="38100">
-            <a:solidFill>
-              <a:schemeClr val="tx1">
-                <a:lumMod val="85000"/>
-              </a:schemeClr>
-            </a:solidFill>
-          </a:ln>
-        </p:spPr>
-        <p:style>
-          <a:lnRef idx="2">
-            <a:schemeClr val="accent1">
-              <a:shade val="50000"/>
-            </a:schemeClr>
-          </a:lnRef>
-          <a:fillRef idx="1">
-            <a:schemeClr val="accent1"/>
-          </a:fillRef>
-          <a:effectRef idx="0">
-            <a:schemeClr val="accent1"/>
-          </a:effectRef>
-          <a:fontRef idx="minor">
-            <a:schemeClr val="lt1"/>
-          </a:fontRef>
-        </p:style>
-        <p:txBody>
-          <a:bodyPr rtlCol="0" anchor="t"/>
-          <a:lstStyle/>
-          <a:p>
-            <a:r>
-              <a:rPr lang="en-US" altLang="ko-KR" sz="1600" dirty="0">
-                <a:latin typeface="HY헤드라인M" panose="02030600000101010101" pitchFamily="18" charset="-127"/>
-                <a:ea typeface="HY헤드라인M" panose="02030600000101010101" pitchFamily="18" charset="-127"/>
-              </a:rPr>
-              <a:t>DirectX 12</a:t>
-            </a:r>
-          </a:p>
-          <a:p>
-            <a:r>
-              <a:rPr lang="en-US" altLang="ko-KR" sz="1600" dirty="0">
-                <a:latin typeface="HY헤드라인M" panose="02030600000101010101" pitchFamily="18" charset="-127"/>
-                <a:ea typeface="HY헤드라인M" panose="02030600000101010101" pitchFamily="18" charset="-127"/>
-              </a:rPr>
-              <a:t>-3DGP</a:t>
-            </a:r>
-            <a:r>
-              <a:rPr lang="ko-KR" altLang="en-US" sz="1600" dirty="0">
-                <a:latin typeface="HY헤드라인M" panose="02030600000101010101" pitchFamily="18" charset="-127"/>
-                <a:ea typeface="HY헤드라인M" panose="02030600000101010101" pitchFamily="18" charset="-127"/>
-              </a:rPr>
-              <a:t> 수강</a:t>
-            </a:r>
-            <a:endParaRPr lang="en-US" altLang="ko-KR" sz="1600" dirty="0">
-              <a:latin typeface="HY헤드라인M" panose="02030600000101010101" pitchFamily="18" charset="-127"/>
-              <a:ea typeface="HY헤드라인M" panose="02030600000101010101" pitchFamily="18" charset="-127"/>
-            </a:endParaRPr>
-          </a:p>
-          <a:p>
-            <a:endParaRPr lang="en-US" altLang="ko-KR" sz="1600" dirty="0">
-              <a:latin typeface="HY헤드라인M" panose="02030600000101010101" pitchFamily="18" charset="-127"/>
-              <a:ea typeface="HY헤드라인M" panose="02030600000101010101" pitchFamily="18" charset="-127"/>
-            </a:endParaRPr>
-          </a:p>
-          <a:p>
-            <a:r>
-              <a:rPr lang="ko-KR" altLang="en-US" sz="1600" dirty="0">
-                <a:latin typeface="HY헤드라인M" panose="02030600000101010101" pitchFamily="18" charset="-127"/>
-                <a:ea typeface="HY헤드라인M" panose="02030600000101010101" pitchFamily="18" charset="-127"/>
-              </a:rPr>
-              <a:t>모델링</a:t>
-            </a:r>
-            <a:endParaRPr lang="en-US" altLang="ko-KR" sz="1600" dirty="0">
-              <a:latin typeface="HY헤드라인M" panose="02030600000101010101" pitchFamily="18" charset="-127"/>
-              <a:ea typeface="HY헤드라인M" panose="02030600000101010101" pitchFamily="18" charset="-127"/>
-            </a:endParaRPr>
-          </a:p>
-          <a:p>
-            <a:r>
-              <a:rPr lang="en-US" altLang="ko-KR" sz="1600" dirty="0">
-                <a:latin typeface="HY헤드라인M" panose="02030600000101010101" pitchFamily="18" charset="-127"/>
-                <a:ea typeface="HY헤드라인M" panose="02030600000101010101" pitchFamily="18" charset="-127"/>
-              </a:rPr>
-              <a:t>-</a:t>
-            </a:r>
-            <a:r>
-              <a:rPr lang="ko-KR" altLang="en-US" sz="1600" dirty="0" err="1">
-                <a:latin typeface="HY헤드라인M" panose="02030600000101010101" pitchFamily="18" charset="-127"/>
-                <a:ea typeface="HY헤드라인M" panose="02030600000101010101" pitchFamily="18" charset="-127"/>
-              </a:rPr>
-              <a:t>셰이더</a:t>
-            </a:r>
-            <a:r>
-              <a:rPr lang="ko-KR" altLang="en-US" sz="1600" dirty="0">
-                <a:latin typeface="HY헤드라인M" panose="02030600000101010101" pitchFamily="18" charset="-127"/>
-                <a:ea typeface="HY헤드라인M" panose="02030600000101010101" pitchFamily="18" charset="-127"/>
-              </a:rPr>
-              <a:t> 프로그래밍 수강</a:t>
-            </a:r>
-            <a:endParaRPr lang="en-US" altLang="ko-KR" sz="1600" dirty="0">
-              <a:latin typeface="HY헤드라인M" panose="02030600000101010101" pitchFamily="18" charset="-127"/>
-              <a:ea typeface="HY헤드라인M" panose="02030600000101010101" pitchFamily="18" charset="-127"/>
-            </a:endParaRPr>
-          </a:p>
-          <a:p>
-            <a:r>
-              <a:rPr lang="en-US" altLang="ko-KR" sz="1600" dirty="0">
-                <a:latin typeface="HY헤드라인M" panose="02030600000101010101" pitchFamily="18" charset="-127"/>
-                <a:ea typeface="HY헤드라인M" panose="02030600000101010101" pitchFamily="18" charset="-127"/>
-              </a:rPr>
-              <a:t>-3D </a:t>
-            </a:r>
-            <a:r>
-              <a:rPr lang="ko-KR" altLang="en-US" sz="1600" dirty="0">
-                <a:latin typeface="HY헤드라인M" panose="02030600000101010101" pitchFamily="18" charset="-127"/>
-                <a:ea typeface="HY헤드라인M" panose="02030600000101010101" pitchFamily="18" charset="-127"/>
-              </a:rPr>
-              <a:t>모델링</a:t>
-            </a:r>
-            <a:endParaRPr lang="en-US" altLang="ko-KR" sz="1600" dirty="0">
-              <a:latin typeface="HY헤드라인M" panose="02030600000101010101" pitchFamily="18" charset="-127"/>
-              <a:ea typeface="HY헤드라인M" panose="02030600000101010101" pitchFamily="18" charset="-127"/>
-            </a:endParaRPr>
-          </a:p>
-          <a:p>
-            <a:endParaRPr lang="en-US" altLang="ko-KR" sz="1600" dirty="0">
-              <a:latin typeface="HY헤드라인M" panose="02030600000101010101" pitchFamily="18" charset="-127"/>
-              <a:ea typeface="HY헤드라인M" panose="02030600000101010101" pitchFamily="18" charset="-127"/>
-            </a:endParaRPr>
-          </a:p>
-          <a:p>
-            <a:r>
-              <a:rPr lang="en-US" altLang="ko-KR" sz="1600" dirty="0">
-                <a:latin typeface="HY헤드라인M" panose="02030600000101010101" pitchFamily="18" charset="-127"/>
-                <a:ea typeface="HY헤드라인M" panose="02030600000101010101" pitchFamily="18" charset="-127"/>
-              </a:rPr>
-              <a:t>UI &amp; </a:t>
-            </a:r>
-            <a:r>
-              <a:rPr lang="ko-KR" altLang="en-US" sz="1600" dirty="0">
-                <a:latin typeface="HY헤드라인M" panose="02030600000101010101" pitchFamily="18" charset="-127"/>
-                <a:ea typeface="HY헤드라인M" panose="02030600000101010101" pitchFamily="18" charset="-127"/>
-              </a:rPr>
-              <a:t>레벨 디자인</a:t>
-            </a:r>
-            <a:endParaRPr lang="en-US" altLang="ko-KR" sz="1600" dirty="0">
-              <a:latin typeface="HY헤드라인M" panose="02030600000101010101" pitchFamily="18" charset="-127"/>
-              <a:ea typeface="HY헤드라인M" panose="02030600000101010101" pitchFamily="18" charset="-127"/>
-            </a:endParaRPr>
-          </a:p>
-          <a:p>
-            <a:r>
-              <a:rPr lang="en-US" altLang="ko-KR" sz="1600" dirty="0">
-                <a:latin typeface="HY헤드라인M" panose="02030600000101010101" pitchFamily="18" charset="-127"/>
-                <a:ea typeface="HY헤드라인M" panose="02030600000101010101" pitchFamily="18" charset="-127"/>
-              </a:rPr>
-              <a:t>-</a:t>
-            </a:r>
-            <a:r>
-              <a:rPr lang="ko-KR" altLang="en-US" sz="1600" dirty="0">
-                <a:latin typeface="HY헤드라인M" panose="02030600000101010101" pitchFamily="18" charset="-127"/>
-                <a:ea typeface="HY헤드라인M" panose="02030600000101010101" pitchFamily="18" charset="-127"/>
-              </a:rPr>
-              <a:t>게임 기획 수강</a:t>
-            </a:r>
-            <a:endParaRPr lang="en-US" altLang="ko-KR" sz="1600" dirty="0">
-              <a:latin typeface="HY헤드라인M" panose="02030600000101010101" pitchFamily="18" charset="-127"/>
-              <a:ea typeface="HY헤드라인M" panose="02030600000101010101" pitchFamily="18" charset="-127"/>
-            </a:endParaRPr>
-          </a:p>
-          <a:p>
-            <a:r>
-              <a:rPr lang="en-US" altLang="ko-KR" sz="1600" dirty="0">
-                <a:latin typeface="HY헤드라인M" panose="02030600000101010101" pitchFamily="18" charset="-127"/>
-                <a:ea typeface="HY헤드라인M" panose="02030600000101010101" pitchFamily="18" charset="-127"/>
-              </a:rPr>
-              <a:t>-</a:t>
-            </a:r>
-            <a:r>
-              <a:rPr lang="ko-KR" altLang="en-US" sz="1600" dirty="0">
-                <a:latin typeface="HY헤드라인M" panose="02030600000101010101" pitchFamily="18" charset="-127"/>
-                <a:ea typeface="HY헤드라인M" panose="02030600000101010101" pitchFamily="18" charset="-127"/>
-              </a:rPr>
-              <a:t>기획자 </a:t>
-            </a:r>
-            <a:r>
-              <a:rPr lang="ko-KR" altLang="en-US" sz="1600" dirty="0" err="1">
-                <a:latin typeface="HY헤드라인M" panose="02030600000101010101" pitchFamily="18" charset="-127"/>
-                <a:ea typeface="HY헤드라인M" panose="02030600000101010101" pitchFamily="18" charset="-127"/>
-              </a:rPr>
-              <a:t>특훈</a:t>
-            </a:r>
-            <a:r>
-              <a:rPr lang="ko-KR" altLang="en-US" sz="1600" dirty="0">
-                <a:latin typeface="HY헤드라인M" panose="02030600000101010101" pitchFamily="18" charset="-127"/>
-                <a:ea typeface="HY헤드라인M" panose="02030600000101010101" pitchFamily="18" charset="-127"/>
-              </a:rPr>
-              <a:t> 수강</a:t>
-            </a:r>
-            <a:endParaRPr lang="en-US" altLang="ko-KR" sz="1600" dirty="0">
-              <a:latin typeface="HY헤드라인M" panose="02030600000101010101" pitchFamily="18" charset="-127"/>
-              <a:ea typeface="HY헤드라인M" panose="02030600000101010101" pitchFamily="18" charset="-127"/>
-            </a:endParaRPr>
-          </a:p>
-          <a:p>
-            <a:endParaRPr lang="en-US" altLang="ko-KR" sz="1600" dirty="0">
-              <a:latin typeface="HY헤드라인M" panose="02030600000101010101" pitchFamily="18" charset="-127"/>
-              <a:ea typeface="HY헤드라인M" panose="02030600000101010101" pitchFamily="18" charset="-127"/>
-            </a:endParaRPr>
-          </a:p>
-          <a:p>
-            <a:endParaRPr lang="en-US" altLang="ko-KR" sz="1600" dirty="0">
-              <a:latin typeface="HY헤드라인M" panose="02030600000101010101" pitchFamily="18" charset="-127"/>
-              <a:ea typeface="HY헤드라인M" panose="02030600000101010101" pitchFamily="18" charset="-127"/>
-            </a:endParaRPr>
-          </a:p>
-          <a:p>
-            <a:endParaRPr lang="en-US" altLang="ko-KR" sz="1600" dirty="0">
-              <a:latin typeface="HY헤드라인M" panose="02030600000101010101" pitchFamily="18" charset="-127"/>
-              <a:ea typeface="HY헤드라인M" panose="02030600000101010101" pitchFamily="18" charset="-127"/>
-            </a:endParaRPr>
-          </a:p>
-          <a:p>
-            <a:r>
-              <a:rPr lang="en-US" altLang="ko-KR" sz="1600" dirty="0">
-                <a:latin typeface="HY헤드라인M" panose="02030600000101010101" pitchFamily="18" charset="-127"/>
-                <a:ea typeface="HY헤드라인M" panose="02030600000101010101" pitchFamily="18" charset="-127"/>
-              </a:rPr>
-              <a:t>Git</a:t>
-            </a:r>
-          </a:p>
-          <a:p>
-            <a:r>
-              <a:rPr lang="en-US" altLang="ko-KR" sz="1600" dirty="0">
-                <a:latin typeface="HY헤드라인M" panose="02030600000101010101" pitchFamily="18" charset="-127"/>
-                <a:ea typeface="HY헤드라인M" panose="02030600000101010101" pitchFamily="18" charset="-127"/>
-              </a:rPr>
-              <a:t>-</a:t>
-            </a:r>
-            <a:r>
-              <a:rPr lang="ko-KR" altLang="en-US" sz="1600" dirty="0">
-                <a:latin typeface="HY헤드라인M" panose="02030600000101010101" pitchFamily="18" charset="-127"/>
-                <a:ea typeface="HY헤드라인M" panose="02030600000101010101" pitchFamily="18" charset="-127"/>
-              </a:rPr>
-              <a:t> 게임 소프트웨어 공학 수강</a:t>
-            </a:r>
-            <a:endParaRPr lang="en-US" altLang="ko-KR" sz="1600" dirty="0">
-              <a:latin typeface="HY헤드라인M" panose="02030600000101010101" pitchFamily="18" charset="-127"/>
-              <a:ea typeface="HY헤드라인M" panose="02030600000101010101" pitchFamily="18" charset="-127"/>
-            </a:endParaRPr>
-          </a:p>
-        </p:txBody>
-      </p:sp>
-      <p:sp>
-        <p:nvSpPr>
-          <p:cNvPr id="10" name="직사각형 9">
-            <a:extLst>
-              <a:ext uri="{FF2B5EF4-FFF2-40B4-BE49-F238E27FC236}">
-                <a16:creationId xmlns:a16="http://schemas.microsoft.com/office/drawing/2014/main" id="{D3F450E1-C0C0-43EA-965D-6DF7A17A2380}"/>
-              </a:ext>
-            </a:extLst>
-          </p:cNvPr>
-          <p:cNvSpPr/>
-          <p:nvPr/>
-        </p:nvSpPr>
-        <p:spPr>
-          <a:xfrm>
-            <a:off x="8413278" y="1298093"/>
-            <a:ext cx="3390901" cy="809625"/>
-          </a:xfrm>
-          <a:prstGeom prst="rect">
-            <a:avLst/>
-          </a:prstGeom>
-          <a:ln w="38100">
-            <a:solidFill>
-              <a:schemeClr val="tx1">
-                <a:lumMod val="85000"/>
-              </a:schemeClr>
-            </a:solidFill>
-          </a:ln>
-        </p:spPr>
-        <p:style>
-          <a:lnRef idx="2">
-            <a:schemeClr val="accent1">
-              <a:shade val="50000"/>
-            </a:schemeClr>
-          </a:lnRef>
-          <a:fillRef idx="1">
-            <a:schemeClr val="accent1"/>
-          </a:fillRef>
-          <a:effectRef idx="0">
-            <a:schemeClr val="accent1"/>
-          </a:effectRef>
-          <a:fontRef idx="minor">
-            <a:schemeClr val="lt1"/>
-          </a:fontRef>
-        </p:style>
-        <p:txBody>
-          <a:bodyPr rtlCol="0" anchor="ctr"/>
-          <a:lstStyle/>
-          <a:p>
-            <a:pPr algn="ctr"/>
-            <a:r>
-              <a:rPr lang="ko-KR" altLang="en-US" sz="2800" dirty="0">
-                <a:latin typeface="HY헤드라인M" panose="02030600000101010101" pitchFamily="18" charset="-127"/>
-                <a:ea typeface="HY헤드라인M" panose="02030600000101010101" pitchFamily="18" charset="-127"/>
-              </a:rPr>
-              <a:t>박정만</a:t>
-            </a:r>
-          </a:p>
-        </p:txBody>
-      </p:sp>
-      <p:sp>
-        <p:nvSpPr>
-          <p:cNvPr id="12" name="직사각형 11">
-            <a:extLst>
-              <a:ext uri="{FF2B5EF4-FFF2-40B4-BE49-F238E27FC236}">
-                <a16:creationId xmlns:a16="http://schemas.microsoft.com/office/drawing/2014/main" id="{242167CD-F648-4E14-9D37-5731E669137E}"/>
-              </a:ext>
-            </a:extLst>
-          </p:cNvPr>
-          <p:cNvSpPr/>
-          <p:nvPr/>
-        </p:nvSpPr>
-        <p:spPr>
-          <a:xfrm>
-            <a:off x="8413278" y="2107717"/>
-            <a:ext cx="3390901" cy="3891662"/>
-          </a:xfrm>
-          <a:prstGeom prst="rect">
-            <a:avLst/>
-          </a:prstGeom>
-          <a:solidFill>
-            <a:srgbClr val="595959"/>
-          </a:solidFill>
-          <a:ln w="38100">
-            <a:solidFill>
-              <a:schemeClr val="tx1">
-                <a:lumMod val="85000"/>
-              </a:schemeClr>
-            </a:solidFill>
-          </a:ln>
-        </p:spPr>
-        <p:style>
-          <a:lnRef idx="2">
-            <a:schemeClr val="accent1">
-              <a:shade val="50000"/>
-            </a:schemeClr>
-          </a:lnRef>
-          <a:fillRef idx="1">
-            <a:schemeClr val="accent1"/>
-          </a:fillRef>
-          <a:effectRef idx="0">
-            <a:schemeClr val="accent1"/>
-          </a:effectRef>
-          <a:fontRef idx="minor">
-            <a:schemeClr val="lt1"/>
-          </a:fontRef>
-        </p:style>
-        <p:txBody>
-          <a:bodyPr rtlCol="0" anchor="t"/>
-          <a:lstStyle/>
-          <a:p>
-            <a:r>
-              <a:rPr lang="ko-KR" altLang="en-US" sz="1600" dirty="0">
-                <a:latin typeface="HY헤드라인M" panose="02030600000101010101" pitchFamily="18" charset="-127"/>
-                <a:ea typeface="HY헤드라인M" panose="02030600000101010101" pitchFamily="18" charset="-127"/>
-              </a:rPr>
-              <a:t>서버</a:t>
-            </a:r>
-            <a:endParaRPr lang="en-US" altLang="ko-KR" sz="1600" dirty="0">
-              <a:latin typeface="HY헤드라인M" panose="02030600000101010101" pitchFamily="18" charset="-127"/>
-              <a:ea typeface="HY헤드라인M" panose="02030600000101010101" pitchFamily="18" charset="-127"/>
-            </a:endParaRPr>
-          </a:p>
-          <a:p>
-            <a:r>
-              <a:rPr lang="en-US" altLang="ko-KR" sz="1600" dirty="0">
-                <a:latin typeface="HY헤드라인M" panose="02030600000101010101" pitchFamily="18" charset="-127"/>
-                <a:ea typeface="HY헤드라인M" panose="02030600000101010101" pitchFamily="18" charset="-127"/>
-              </a:rPr>
-              <a:t>-</a:t>
-            </a:r>
-            <a:r>
-              <a:rPr lang="ko-KR" altLang="en-US" sz="1600" dirty="0">
-                <a:latin typeface="HY헤드라인M" panose="02030600000101010101" pitchFamily="18" charset="-127"/>
-                <a:ea typeface="HY헤드라인M" panose="02030600000101010101" pitchFamily="18" charset="-127"/>
-              </a:rPr>
-              <a:t>게임 서버 수강</a:t>
-            </a:r>
-            <a:endParaRPr lang="en-US" altLang="ko-KR" sz="1600" dirty="0">
-              <a:latin typeface="HY헤드라인M" panose="02030600000101010101" pitchFamily="18" charset="-127"/>
-              <a:ea typeface="HY헤드라인M" panose="02030600000101010101" pitchFamily="18" charset="-127"/>
-            </a:endParaRPr>
-          </a:p>
-          <a:p>
-            <a:endParaRPr lang="en-US" altLang="ko-KR" sz="1600" dirty="0">
-              <a:latin typeface="HY헤드라인M" panose="02030600000101010101" pitchFamily="18" charset="-127"/>
-              <a:ea typeface="HY헤드라인M" panose="02030600000101010101" pitchFamily="18" charset="-127"/>
-            </a:endParaRPr>
-          </a:p>
-          <a:p>
-            <a:endParaRPr lang="en-US" altLang="ko-KR" sz="1600" dirty="0">
-              <a:latin typeface="HY헤드라인M" panose="02030600000101010101" pitchFamily="18" charset="-127"/>
-              <a:ea typeface="HY헤드라인M" panose="02030600000101010101" pitchFamily="18" charset="-127"/>
-            </a:endParaRPr>
-          </a:p>
-          <a:p>
-            <a:endParaRPr lang="en-US" altLang="ko-KR" sz="1600" dirty="0">
-              <a:latin typeface="HY헤드라인M" panose="02030600000101010101" pitchFamily="18" charset="-127"/>
-              <a:ea typeface="HY헤드라인M" panose="02030600000101010101" pitchFamily="18" charset="-127"/>
-            </a:endParaRPr>
-          </a:p>
-          <a:p>
-            <a:endParaRPr lang="en-US" altLang="ko-KR" sz="1600" dirty="0">
-              <a:latin typeface="HY헤드라인M" panose="02030600000101010101" pitchFamily="18" charset="-127"/>
-              <a:ea typeface="HY헤드라인M" panose="02030600000101010101" pitchFamily="18" charset="-127"/>
-            </a:endParaRPr>
-          </a:p>
-          <a:p>
-            <a:endParaRPr lang="en-US" altLang="ko-KR" sz="1600" dirty="0">
-              <a:latin typeface="HY헤드라인M" panose="02030600000101010101" pitchFamily="18" charset="-127"/>
-              <a:ea typeface="HY헤드라인M" panose="02030600000101010101" pitchFamily="18" charset="-127"/>
-            </a:endParaRPr>
-          </a:p>
-          <a:p>
-            <a:endParaRPr lang="en-US" altLang="ko-KR" sz="1600" dirty="0">
-              <a:latin typeface="HY헤드라인M" panose="02030600000101010101" pitchFamily="18" charset="-127"/>
-              <a:ea typeface="HY헤드라인M" panose="02030600000101010101" pitchFamily="18" charset="-127"/>
-            </a:endParaRPr>
-          </a:p>
-          <a:p>
-            <a:endParaRPr lang="en-US" altLang="ko-KR" sz="1600" dirty="0">
-              <a:latin typeface="HY헤드라인M" panose="02030600000101010101" pitchFamily="18" charset="-127"/>
-              <a:ea typeface="HY헤드라인M" panose="02030600000101010101" pitchFamily="18" charset="-127"/>
-            </a:endParaRPr>
-          </a:p>
-          <a:p>
-            <a:endParaRPr lang="en-US" altLang="ko-KR" sz="1600" dirty="0">
-              <a:latin typeface="HY헤드라인M" panose="02030600000101010101" pitchFamily="18" charset="-127"/>
-              <a:ea typeface="HY헤드라인M" panose="02030600000101010101" pitchFamily="18" charset="-127"/>
-            </a:endParaRPr>
-          </a:p>
-          <a:p>
-            <a:endParaRPr lang="en-US" altLang="ko-KR" sz="1600" dirty="0">
-              <a:latin typeface="HY헤드라인M" panose="02030600000101010101" pitchFamily="18" charset="-127"/>
-              <a:ea typeface="HY헤드라인M" panose="02030600000101010101" pitchFamily="18" charset="-127"/>
-            </a:endParaRPr>
-          </a:p>
-          <a:p>
-            <a:endParaRPr lang="en-US" altLang="ko-KR" sz="1600" dirty="0">
-              <a:latin typeface="HY헤드라인M" panose="02030600000101010101" pitchFamily="18" charset="-127"/>
-              <a:ea typeface="HY헤드라인M" panose="02030600000101010101" pitchFamily="18" charset="-127"/>
-            </a:endParaRPr>
-          </a:p>
-          <a:p>
-            <a:endParaRPr lang="en-US" altLang="ko-KR" sz="1600" dirty="0">
-              <a:latin typeface="HY헤드라인M" panose="02030600000101010101" pitchFamily="18" charset="-127"/>
-              <a:ea typeface="HY헤드라인M" panose="02030600000101010101" pitchFamily="18" charset="-127"/>
-            </a:endParaRPr>
-          </a:p>
-          <a:p>
-            <a:r>
-              <a:rPr lang="en-US" altLang="ko-KR" sz="1600" dirty="0">
-                <a:latin typeface="HY헤드라인M" panose="02030600000101010101" pitchFamily="18" charset="-127"/>
-                <a:ea typeface="HY헤드라인M" panose="02030600000101010101" pitchFamily="18" charset="-127"/>
-              </a:rPr>
-              <a:t>Git</a:t>
-            </a:r>
-          </a:p>
-          <a:p>
-            <a:r>
-              <a:rPr lang="en-US" altLang="ko-KR" sz="1600" dirty="0">
-                <a:latin typeface="HY헤드라인M" panose="02030600000101010101" pitchFamily="18" charset="-127"/>
-                <a:ea typeface="HY헤드라인M" panose="02030600000101010101" pitchFamily="18" charset="-127"/>
-              </a:rPr>
-              <a:t>-</a:t>
-            </a:r>
-            <a:r>
-              <a:rPr lang="ko-KR" altLang="en-US" sz="1600" dirty="0">
-                <a:latin typeface="HY헤드라인M" panose="02030600000101010101" pitchFamily="18" charset="-127"/>
-                <a:ea typeface="HY헤드라인M" panose="02030600000101010101" pitchFamily="18" charset="-127"/>
-              </a:rPr>
-              <a:t> 게임 소프트웨어 공학 수강</a:t>
-            </a:r>
-            <a:endParaRPr lang="en-US" altLang="ko-KR" sz="1600" dirty="0">
-              <a:latin typeface="HY헤드라인M" panose="02030600000101010101" pitchFamily="18" charset="-127"/>
-              <a:ea typeface="HY헤드라인M" panose="02030600000101010101" pitchFamily="18" charset="-127"/>
-            </a:endParaRPr>
+            <a:endParaRPr lang="ko-KR" altLang="en-US" sz="2000" dirty="0"/>
           </a:p>
         </p:txBody>
       </p:sp>
     </p:spTree>
     <p:extLst>
       <p:ext uri="{BB962C8B-B14F-4D97-AF65-F5344CB8AC3E}">
-        <p14:creationId xmlns:p14="http://schemas.microsoft.com/office/powerpoint/2010/main" val="3117424196"/>
+        <p14:creationId xmlns:p14="http://schemas.microsoft.com/office/powerpoint/2010/main" val="2000490652"/>
       </p:ext>
     </p:extLst>
   </p:cSld>
@@ -5214,7 +4615,7 @@
                 <a:latin typeface="HY헤드라인M" panose="02030600000101010101" pitchFamily="18" charset="-127"/>
                 <a:ea typeface="HY헤드라인M" panose="02030600000101010101" pitchFamily="18" charset="-127"/>
               </a:rPr>
-              <a:t>7</a:t>
+              <a:t>6</a:t>
             </a:r>
             <a:endParaRPr lang="ko-KR" altLang="en-US" sz="5400" dirty="0">
               <a:latin typeface="HY헤드라인M" panose="02030600000101010101" pitchFamily="18" charset="-127"/>
@@ -5238,7 +4639,7 @@
         <p:spPr>
           <a:xfrm>
             <a:off x="1419225" y="393221"/>
-            <a:ext cx="6838950" cy="646331"/>
+            <a:ext cx="3895725" cy="646331"/>
           </a:xfrm>
           <a:prstGeom prst="rect">
             <a:avLst/>
@@ -5256,7 +4657,7 @@
                 <a:latin typeface="HY헤드라인M" panose="02030600000101010101" pitchFamily="18" charset="-127"/>
                 <a:ea typeface="HY헤드라인M" panose="02030600000101010101" pitchFamily="18" charset="-127"/>
               </a:rPr>
-              <a:t>중점 연구분야</a:t>
+              <a:t>개인별 준비 현황</a:t>
             </a:r>
             <a:endParaRPr lang="ko-KR" altLang="en-US" dirty="0"/>
           </a:p>
@@ -5267,7 +4668,7 @@
           <p:cNvPr id="5" name="직사각형 4">
             <a:extLst>
               <a:ext uri="{FF2B5EF4-FFF2-40B4-BE49-F238E27FC236}">
-                <a16:creationId xmlns:a16="http://schemas.microsoft.com/office/drawing/2014/main" id="{45C393B8-20D6-4EE7-AAC2-D8AA6F3EA229}"/>
+                <a16:creationId xmlns:a16="http://schemas.microsoft.com/office/drawing/2014/main" id="{77B11E97-3DE7-40DA-8FF7-A32B35070F07}"/>
               </a:ext>
             </a:extLst>
           </p:cNvPr>
@@ -5276,8 +4677,8 @@
         </p:nvSpPr>
         <p:spPr>
           <a:xfrm>
-            <a:off x="1656790" y="1298097"/>
-            <a:ext cx="8878420" cy="809625"/>
+            <a:off x="1631476" y="1298100"/>
+            <a:ext cx="3390901" cy="809625"/>
           </a:xfrm>
           <a:prstGeom prst="rect">
             <a:avLst/>
@@ -5312,12 +4713,16 @@
           <a:p>
             <a:pPr algn="ctr"/>
             <a:r>
-              <a:rPr lang="ko-KR" altLang="en-US" sz="2800" dirty="0">
+              <a:rPr lang="ko-KR" altLang="en-US" sz="2800" dirty="0" err="1">
                 <a:latin typeface="HY헤드라인M" panose="02030600000101010101" pitchFamily="18" charset="-127"/>
                 <a:ea typeface="HY헤드라인M" panose="02030600000101010101" pitchFamily="18" charset="-127"/>
               </a:rPr>
-              <a:t>클라이언트</a:t>
-            </a:r>
+              <a:t>김영완</a:t>
+            </a:r>
+            <a:endParaRPr lang="ko-KR" altLang="en-US" sz="2800" dirty="0">
+              <a:latin typeface="HY헤드라인M" panose="02030600000101010101" pitchFamily="18" charset="-127"/>
+              <a:ea typeface="HY헤드라인M" panose="02030600000101010101" pitchFamily="18" charset="-127"/>
+            </a:endParaRPr>
           </a:p>
         </p:txBody>
       </p:sp>
@@ -5326,7 +4731,7 @@
           <p:cNvPr id="7" name="직사각형 6">
             <a:extLst>
               <a:ext uri="{FF2B5EF4-FFF2-40B4-BE49-F238E27FC236}">
-                <a16:creationId xmlns:a16="http://schemas.microsoft.com/office/drawing/2014/main" id="{B83CE672-44E1-46DB-9B66-CA17CD5C5231}"/>
+                <a16:creationId xmlns:a16="http://schemas.microsoft.com/office/drawing/2014/main" id="{F339315A-041C-45AC-82AD-9EE2920A232E}"/>
               </a:ext>
             </a:extLst>
           </p:cNvPr>
@@ -5335,8 +4740,8 @@
         </p:nvSpPr>
         <p:spPr>
           <a:xfrm>
-            <a:off x="1656790" y="2107721"/>
-            <a:ext cx="8878420" cy="1754697"/>
+            <a:off x="1631476" y="2107724"/>
+            <a:ext cx="3390901" cy="3891662"/>
           </a:xfrm>
           <a:prstGeom prst="rect">
             <a:avLst/>
@@ -5372,53 +4777,172 @@
           <a:bodyPr rtlCol="0" anchor="t"/>
           <a:lstStyle/>
           <a:p>
-            <a:endParaRPr lang="en-US" altLang="ko-KR" sz="2400" dirty="0">
+            <a:r>
+              <a:rPr lang="en-US" altLang="ko-KR" sz="1600" dirty="0">
+                <a:latin typeface="HY헤드라인M" panose="02030600000101010101" pitchFamily="18" charset="-127"/>
+                <a:ea typeface="HY헤드라인M" panose="02030600000101010101" pitchFamily="18" charset="-127"/>
+              </a:rPr>
+              <a:t>DirectX 12</a:t>
+            </a:r>
+          </a:p>
+          <a:p>
+            <a:r>
+              <a:rPr lang="en-US" altLang="ko-KR" sz="1600" dirty="0">
+                <a:latin typeface="HY헤드라인M" panose="02030600000101010101" pitchFamily="18" charset="-127"/>
+                <a:ea typeface="HY헤드라인M" panose="02030600000101010101" pitchFamily="18" charset="-127"/>
+              </a:rPr>
+              <a:t>-3DGP</a:t>
+            </a:r>
+            <a:r>
+              <a:rPr lang="ko-KR" altLang="en-US" sz="1600" dirty="0">
+                <a:latin typeface="HY헤드라인M" panose="02030600000101010101" pitchFamily="18" charset="-127"/>
+                <a:ea typeface="HY헤드라인M" panose="02030600000101010101" pitchFamily="18" charset="-127"/>
+              </a:rPr>
+              <a:t> 수강</a:t>
+            </a:r>
+            <a:endParaRPr lang="en-US" altLang="ko-KR" sz="1600" dirty="0">
               <a:latin typeface="HY헤드라인M" panose="02030600000101010101" pitchFamily="18" charset="-127"/>
               <a:ea typeface="HY헤드라인M" panose="02030600000101010101" pitchFamily="18" charset="-127"/>
             </a:endParaRPr>
           </a:p>
           <a:p>
-            <a:r>
-              <a:rPr lang="en-US" altLang="ko-KR" sz="2400" dirty="0">
+            <a:endParaRPr lang="en-US" altLang="ko-KR" sz="1600" dirty="0">
+              <a:latin typeface="HY헤드라인M" panose="02030600000101010101" pitchFamily="18" charset="-127"/>
+              <a:ea typeface="HY헤드라인M" panose="02030600000101010101" pitchFamily="18" charset="-127"/>
+            </a:endParaRPr>
+          </a:p>
+          <a:p>
+            <a:r>
+              <a:rPr lang="ko-KR" altLang="en-US" sz="1600" dirty="0">
                 <a:latin typeface="HY헤드라인M" panose="02030600000101010101" pitchFamily="18" charset="-127"/>
                 <a:ea typeface="HY헤드라인M" panose="02030600000101010101" pitchFamily="18" charset="-127"/>
               </a:rPr>
-              <a:t>	-	</a:t>
-            </a:r>
-            <a:r>
-              <a:rPr lang="ko-KR" altLang="en-US" sz="2400" dirty="0">
+              <a:t>모델링</a:t>
+            </a:r>
+            <a:endParaRPr lang="en-US" altLang="ko-KR" sz="1600" dirty="0">
+              <a:latin typeface="HY헤드라인M" panose="02030600000101010101" pitchFamily="18" charset="-127"/>
+              <a:ea typeface="HY헤드라인M" panose="02030600000101010101" pitchFamily="18" charset="-127"/>
+            </a:endParaRPr>
+          </a:p>
+          <a:p>
+            <a:r>
+              <a:rPr lang="en-US" altLang="ko-KR" sz="1600" dirty="0">
                 <a:latin typeface="HY헤드라인M" panose="02030600000101010101" pitchFamily="18" charset="-127"/>
                 <a:ea typeface="HY헤드라인M" panose="02030600000101010101" pitchFamily="18" charset="-127"/>
               </a:rPr>
-              <a:t>카메라 워킹</a:t>
-            </a:r>
-            <a:endParaRPr lang="en-US" altLang="ko-KR" sz="2400" dirty="0">
+              <a:t>-</a:t>
+            </a:r>
+            <a:r>
+              <a:rPr lang="ko-KR" altLang="en-US" sz="1600" dirty="0" err="1">
+                <a:latin typeface="HY헤드라인M" panose="02030600000101010101" pitchFamily="18" charset="-127"/>
+                <a:ea typeface="HY헤드라인M" panose="02030600000101010101" pitchFamily="18" charset="-127"/>
+              </a:rPr>
+              <a:t>셰이더</a:t>
+            </a:r>
+            <a:r>
+              <a:rPr lang="ko-KR" altLang="en-US" sz="1600" dirty="0">
+                <a:latin typeface="HY헤드라인M" panose="02030600000101010101" pitchFamily="18" charset="-127"/>
+                <a:ea typeface="HY헤드라인M" panose="02030600000101010101" pitchFamily="18" charset="-127"/>
+              </a:rPr>
+              <a:t> 프로그래밍 수강</a:t>
+            </a:r>
+            <a:endParaRPr lang="en-US" altLang="ko-KR" sz="1600" dirty="0">
               <a:latin typeface="HY헤드라인M" panose="02030600000101010101" pitchFamily="18" charset="-127"/>
               <a:ea typeface="HY헤드라인M" panose="02030600000101010101" pitchFamily="18" charset="-127"/>
             </a:endParaRPr>
           </a:p>
           <a:p>
-            <a:endParaRPr lang="en-US" altLang="ko-KR" sz="2400" dirty="0">
+            <a:endParaRPr lang="en-US" altLang="ko-KR" sz="1600" dirty="0">
               <a:latin typeface="HY헤드라인M" panose="02030600000101010101" pitchFamily="18" charset="-127"/>
               <a:ea typeface="HY헤드라인M" panose="02030600000101010101" pitchFamily="18" charset="-127"/>
             </a:endParaRPr>
           </a:p>
           <a:p>
             <a:r>
-              <a:rPr lang="en-US" altLang="ko-KR" sz="2400" dirty="0">
+              <a:rPr lang="ko-KR" altLang="en-US" sz="1600" dirty="0">
                 <a:latin typeface="HY헤드라인M" panose="02030600000101010101" pitchFamily="18" charset="-127"/>
                 <a:ea typeface="HY헤드라인M" panose="02030600000101010101" pitchFamily="18" charset="-127"/>
               </a:rPr>
-              <a:t>	-	</a:t>
-            </a:r>
-            <a:r>
-              <a:rPr lang="ko-KR" altLang="en-US" sz="2400" dirty="0">
+              <a:t>애니메이션</a:t>
+            </a:r>
+            <a:endParaRPr lang="en-US" altLang="ko-KR" sz="1600" dirty="0">
+              <a:latin typeface="HY헤드라인M" panose="02030600000101010101" pitchFamily="18" charset="-127"/>
+              <a:ea typeface="HY헤드라인M" panose="02030600000101010101" pitchFamily="18" charset="-127"/>
+            </a:endParaRPr>
+          </a:p>
+          <a:p>
+            <a:r>
+              <a:rPr lang="en-US" altLang="ko-KR" sz="1600" dirty="0">
                 <a:latin typeface="HY헤드라인M" panose="02030600000101010101" pitchFamily="18" charset="-127"/>
                 <a:ea typeface="HY헤드라인M" panose="02030600000101010101" pitchFamily="18" charset="-127"/>
               </a:rPr>
-              <a:t>렌더링 최적화</a:t>
-            </a:r>
-            <a:endParaRPr lang="ko-KR" altLang="en-US" sz="2000" dirty="0"/>
+              <a:t>-FBX SDK </a:t>
+            </a:r>
+          </a:p>
+          <a:p>
+            <a:endParaRPr lang="en-US" altLang="ko-KR" sz="1600" dirty="0">
+              <a:latin typeface="HY헤드라인M" panose="02030600000101010101" pitchFamily="18" charset="-127"/>
+              <a:ea typeface="HY헤드라인M" panose="02030600000101010101" pitchFamily="18" charset="-127"/>
+            </a:endParaRPr>
+          </a:p>
+          <a:p>
+            <a:endParaRPr lang="en-US" altLang="ko-KR" sz="1600" dirty="0">
+              <a:latin typeface="HY헤드라인M" panose="02030600000101010101" pitchFamily="18" charset="-127"/>
+              <a:ea typeface="HY헤드라인M" panose="02030600000101010101" pitchFamily="18" charset="-127"/>
+            </a:endParaRPr>
+          </a:p>
+          <a:p>
+            <a:endParaRPr lang="en-US" altLang="ko-KR" sz="1600" dirty="0">
+              <a:latin typeface="HY헤드라인M" panose="02030600000101010101" pitchFamily="18" charset="-127"/>
+              <a:ea typeface="HY헤드라인M" panose="02030600000101010101" pitchFamily="18" charset="-127"/>
+            </a:endParaRPr>
+          </a:p>
+          <a:p>
+            <a:endParaRPr lang="en-US" altLang="ko-KR" sz="1600" dirty="0">
+              <a:latin typeface="HY헤드라인M" panose="02030600000101010101" pitchFamily="18" charset="-127"/>
+              <a:ea typeface="HY헤드라인M" panose="02030600000101010101" pitchFamily="18" charset="-127"/>
+            </a:endParaRPr>
+          </a:p>
+          <a:p>
+            <a:endParaRPr lang="en-US" altLang="ko-KR" sz="1600" dirty="0">
+              <a:latin typeface="HY헤드라인M" panose="02030600000101010101" pitchFamily="18" charset="-127"/>
+              <a:ea typeface="HY헤드라인M" panose="02030600000101010101" pitchFamily="18" charset="-127"/>
+            </a:endParaRPr>
+          </a:p>
+          <a:p>
+            <a:r>
+              <a:rPr lang="en-US" altLang="ko-KR" sz="1600" dirty="0">
+                <a:latin typeface="HY헤드라인M" panose="02030600000101010101" pitchFamily="18" charset="-127"/>
+                <a:ea typeface="HY헤드라인M" panose="02030600000101010101" pitchFamily="18" charset="-127"/>
+              </a:rPr>
+              <a:t>Git</a:t>
+            </a:r>
+          </a:p>
+          <a:p>
+            <a:r>
+              <a:rPr lang="en-US" altLang="ko-KR" sz="1600" dirty="0">
+                <a:latin typeface="HY헤드라인M" panose="02030600000101010101" pitchFamily="18" charset="-127"/>
+                <a:ea typeface="HY헤드라인M" panose="02030600000101010101" pitchFamily="18" charset="-127"/>
+              </a:rPr>
+              <a:t>-</a:t>
+            </a:r>
+            <a:r>
+              <a:rPr lang="ko-KR" altLang="en-US" sz="1600" dirty="0">
+                <a:latin typeface="HY헤드라인M" panose="02030600000101010101" pitchFamily="18" charset="-127"/>
+                <a:ea typeface="HY헤드라인M" panose="02030600000101010101" pitchFamily="18" charset="-127"/>
+              </a:rPr>
+              <a:t>게임 소프트웨어 공학 수강</a:t>
+            </a:r>
+            <a:endParaRPr lang="en-US" altLang="ko-KR" sz="1600" dirty="0">
+              <a:latin typeface="HY헤드라인M" panose="02030600000101010101" pitchFamily="18" charset="-127"/>
+              <a:ea typeface="HY헤드라인M" panose="02030600000101010101" pitchFamily="18" charset="-127"/>
+            </a:endParaRPr>
+          </a:p>
+          <a:p>
+            <a:endParaRPr lang="en-US" altLang="ko-KR" sz="2000" dirty="0">
+              <a:latin typeface="HY헤드라인M" panose="02030600000101010101" pitchFamily="18" charset="-127"/>
+              <a:ea typeface="HY헤드라인M" panose="02030600000101010101" pitchFamily="18" charset="-127"/>
+            </a:endParaRPr>
           </a:p>
         </p:txBody>
       </p:sp>
@@ -5427,7 +4951,7 @@
           <p:cNvPr id="8" name="직사각형 7">
             <a:extLst>
               <a:ext uri="{FF2B5EF4-FFF2-40B4-BE49-F238E27FC236}">
-                <a16:creationId xmlns:a16="http://schemas.microsoft.com/office/drawing/2014/main" id="{53DD248C-6401-4F53-B5E2-18681EBF373A}"/>
+                <a16:creationId xmlns:a16="http://schemas.microsoft.com/office/drawing/2014/main" id="{0598F42B-20BB-4FE1-B916-900EF2CCD5F1}"/>
               </a:ext>
             </a:extLst>
           </p:cNvPr>
@@ -5436,8 +4960,8 @@
         </p:nvSpPr>
         <p:spPr>
           <a:xfrm>
-            <a:off x="1656790" y="4115611"/>
-            <a:ext cx="8878420" cy="809625"/>
+            <a:off x="5022377" y="1298097"/>
+            <a:ext cx="3390901" cy="809625"/>
           </a:xfrm>
           <a:prstGeom prst="rect">
             <a:avLst/>
@@ -5476,7 +5000,7 @@
                 <a:latin typeface="HY헤드라인M" panose="02030600000101010101" pitchFamily="18" charset="-127"/>
                 <a:ea typeface="HY헤드라인M" panose="02030600000101010101" pitchFamily="18" charset="-127"/>
               </a:rPr>
-              <a:t>서버</a:t>
+              <a:t>박건호</a:t>
             </a:r>
           </a:p>
         </p:txBody>
@@ -5486,7 +5010,7 @@
           <p:cNvPr id="9" name="직사각형 8">
             <a:extLst>
               <a:ext uri="{FF2B5EF4-FFF2-40B4-BE49-F238E27FC236}">
-                <a16:creationId xmlns:a16="http://schemas.microsoft.com/office/drawing/2014/main" id="{45C96417-2876-4133-982E-0CFBDF27C0EB}"/>
+                <a16:creationId xmlns:a16="http://schemas.microsoft.com/office/drawing/2014/main" id="{B3C4690B-4DFC-4286-B5B4-EA8F7F452F2D}"/>
               </a:ext>
             </a:extLst>
           </p:cNvPr>
@@ -5495,8 +5019,8 @@
         </p:nvSpPr>
         <p:spPr>
           <a:xfrm>
-            <a:off x="1656790" y="4925235"/>
-            <a:ext cx="8878420" cy="1754697"/>
+            <a:off x="5022377" y="2107721"/>
+            <a:ext cx="3390901" cy="3891662"/>
           </a:xfrm>
           <a:prstGeom prst="rect">
             <a:avLst/>
@@ -5532,63 +5056,472 @@
           <a:bodyPr rtlCol="0" anchor="t"/>
           <a:lstStyle/>
           <a:p>
-            <a:endParaRPr lang="en-US" altLang="ko-KR" sz="2400" dirty="0">
+            <a:r>
+              <a:rPr lang="en-US" altLang="ko-KR" sz="1600" dirty="0">
+                <a:latin typeface="HY헤드라인M" panose="02030600000101010101" pitchFamily="18" charset="-127"/>
+                <a:ea typeface="HY헤드라인M" panose="02030600000101010101" pitchFamily="18" charset="-127"/>
+              </a:rPr>
+              <a:t>DirectX 12</a:t>
+            </a:r>
+          </a:p>
+          <a:p>
+            <a:r>
+              <a:rPr lang="en-US" altLang="ko-KR" sz="1600" dirty="0">
+                <a:latin typeface="HY헤드라인M" panose="02030600000101010101" pitchFamily="18" charset="-127"/>
+                <a:ea typeface="HY헤드라인M" panose="02030600000101010101" pitchFamily="18" charset="-127"/>
+              </a:rPr>
+              <a:t>-3DGP</a:t>
+            </a:r>
+            <a:r>
+              <a:rPr lang="ko-KR" altLang="en-US" sz="1600" dirty="0">
+                <a:latin typeface="HY헤드라인M" panose="02030600000101010101" pitchFamily="18" charset="-127"/>
+                <a:ea typeface="HY헤드라인M" panose="02030600000101010101" pitchFamily="18" charset="-127"/>
+              </a:rPr>
+              <a:t> 수강</a:t>
+            </a:r>
+            <a:endParaRPr lang="en-US" altLang="ko-KR" sz="1600" dirty="0">
               <a:latin typeface="HY헤드라인M" panose="02030600000101010101" pitchFamily="18" charset="-127"/>
               <a:ea typeface="HY헤드라인M" panose="02030600000101010101" pitchFamily="18" charset="-127"/>
             </a:endParaRPr>
           </a:p>
           <a:p>
-            <a:r>
-              <a:rPr lang="en-US" altLang="ko-KR" sz="2400" dirty="0">
+            <a:endParaRPr lang="en-US" altLang="ko-KR" sz="1600" dirty="0">
+              <a:latin typeface="HY헤드라인M" panose="02030600000101010101" pitchFamily="18" charset="-127"/>
+              <a:ea typeface="HY헤드라인M" panose="02030600000101010101" pitchFamily="18" charset="-127"/>
+            </a:endParaRPr>
+          </a:p>
+          <a:p>
+            <a:r>
+              <a:rPr lang="ko-KR" altLang="en-US" sz="1600" dirty="0">
                 <a:latin typeface="HY헤드라인M" panose="02030600000101010101" pitchFamily="18" charset="-127"/>
                 <a:ea typeface="HY헤드라인M" panose="02030600000101010101" pitchFamily="18" charset="-127"/>
               </a:rPr>
-              <a:t>	-	</a:t>
-            </a:r>
-            <a:r>
-              <a:rPr lang="ko-KR" altLang="en-US" sz="2400" dirty="0">
+              <a:t>모델링</a:t>
+            </a:r>
+            <a:endParaRPr lang="en-US" altLang="ko-KR" sz="1600" dirty="0">
+              <a:latin typeface="HY헤드라인M" panose="02030600000101010101" pitchFamily="18" charset="-127"/>
+              <a:ea typeface="HY헤드라인M" panose="02030600000101010101" pitchFamily="18" charset="-127"/>
+            </a:endParaRPr>
+          </a:p>
+          <a:p>
+            <a:r>
+              <a:rPr lang="en-US" altLang="ko-KR" sz="1600" dirty="0">
                 <a:latin typeface="HY헤드라인M" panose="02030600000101010101" pitchFamily="18" charset="-127"/>
                 <a:ea typeface="HY헤드라인M" panose="02030600000101010101" pitchFamily="18" charset="-127"/>
               </a:rPr>
-              <a:t>서버 내에서 실시간 처리</a:t>
-            </a:r>
-            <a:endParaRPr lang="en-US" altLang="ko-KR" sz="2400" dirty="0">
+              <a:t>-</a:t>
+            </a:r>
+            <a:r>
+              <a:rPr lang="ko-KR" altLang="en-US" sz="1600" dirty="0" err="1">
+                <a:latin typeface="HY헤드라인M" panose="02030600000101010101" pitchFamily="18" charset="-127"/>
+                <a:ea typeface="HY헤드라인M" panose="02030600000101010101" pitchFamily="18" charset="-127"/>
+              </a:rPr>
+              <a:t>셰이더</a:t>
+            </a:r>
+            <a:r>
+              <a:rPr lang="ko-KR" altLang="en-US" sz="1600" dirty="0">
+                <a:latin typeface="HY헤드라인M" panose="02030600000101010101" pitchFamily="18" charset="-127"/>
+                <a:ea typeface="HY헤드라인M" panose="02030600000101010101" pitchFamily="18" charset="-127"/>
+              </a:rPr>
+              <a:t> 프로그래밍 수강</a:t>
+            </a:r>
+            <a:endParaRPr lang="en-US" altLang="ko-KR" sz="1600" dirty="0">
               <a:latin typeface="HY헤드라인M" panose="02030600000101010101" pitchFamily="18" charset="-127"/>
               <a:ea typeface="HY헤드라인M" panose="02030600000101010101" pitchFamily="18" charset="-127"/>
             </a:endParaRPr>
           </a:p>
           <a:p>
-            <a:endParaRPr lang="en-US" altLang="ko-KR" sz="2400" dirty="0">
+            <a:r>
+              <a:rPr lang="en-US" altLang="ko-KR" sz="1600" dirty="0">
+                <a:latin typeface="HY헤드라인M" panose="02030600000101010101" pitchFamily="18" charset="-127"/>
+                <a:ea typeface="HY헤드라인M" panose="02030600000101010101" pitchFamily="18" charset="-127"/>
+              </a:rPr>
+              <a:t>-3D </a:t>
+            </a:r>
+            <a:r>
+              <a:rPr lang="ko-KR" altLang="en-US" sz="1600" dirty="0">
+                <a:latin typeface="HY헤드라인M" panose="02030600000101010101" pitchFamily="18" charset="-127"/>
+                <a:ea typeface="HY헤드라인M" panose="02030600000101010101" pitchFamily="18" charset="-127"/>
+              </a:rPr>
+              <a:t>모델링</a:t>
+            </a:r>
+            <a:endParaRPr lang="en-US" altLang="ko-KR" sz="1600" dirty="0">
               <a:latin typeface="HY헤드라인M" panose="02030600000101010101" pitchFamily="18" charset="-127"/>
               <a:ea typeface="HY헤드라인M" panose="02030600000101010101" pitchFamily="18" charset="-127"/>
             </a:endParaRPr>
           </a:p>
           <a:p>
-            <a:r>
-              <a:rPr lang="en-US" altLang="ko-KR" sz="2400" dirty="0">
+            <a:endParaRPr lang="en-US" altLang="ko-KR" sz="1600" dirty="0">
+              <a:latin typeface="HY헤드라인M" panose="02030600000101010101" pitchFamily="18" charset="-127"/>
+              <a:ea typeface="HY헤드라인M" panose="02030600000101010101" pitchFamily="18" charset="-127"/>
+            </a:endParaRPr>
+          </a:p>
+          <a:p>
+            <a:r>
+              <a:rPr lang="en-US" altLang="ko-KR" sz="1600" dirty="0">
                 <a:latin typeface="HY헤드라인M" panose="02030600000101010101" pitchFamily="18" charset="-127"/>
                 <a:ea typeface="HY헤드라인M" panose="02030600000101010101" pitchFamily="18" charset="-127"/>
               </a:rPr>
-              <a:t>	-	</a:t>
-            </a:r>
-            <a:r>
-              <a:rPr lang="ko-KR" altLang="en-US" sz="2400" dirty="0">
+              <a:t>UI &amp; </a:t>
+            </a:r>
+            <a:r>
+              <a:rPr lang="ko-KR" altLang="en-US" sz="1600" dirty="0">
                 <a:latin typeface="HY헤드라인M" panose="02030600000101010101" pitchFamily="18" charset="-127"/>
                 <a:ea typeface="HY헤드라인M" panose="02030600000101010101" pitchFamily="18" charset="-127"/>
               </a:rPr>
-              <a:t>물리 엔진</a:t>
-            </a:r>
-          </a:p>
+              <a:t>레벨 디자인</a:t>
+            </a:r>
+            <a:endParaRPr lang="en-US" altLang="ko-KR" sz="1600" dirty="0">
+              <a:latin typeface="HY헤드라인M" panose="02030600000101010101" pitchFamily="18" charset="-127"/>
+              <a:ea typeface="HY헤드라인M" panose="02030600000101010101" pitchFamily="18" charset="-127"/>
+            </a:endParaRPr>
+          </a:p>
+          <a:p>
+            <a:r>
+              <a:rPr lang="en-US" altLang="ko-KR" sz="1600" dirty="0">
+                <a:latin typeface="HY헤드라인M" panose="02030600000101010101" pitchFamily="18" charset="-127"/>
+                <a:ea typeface="HY헤드라인M" panose="02030600000101010101" pitchFamily="18" charset="-127"/>
+              </a:rPr>
+              <a:t>-</a:t>
+            </a:r>
+            <a:r>
+              <a:rPr lang="ko-KR" altLang="en-US" sz="1600" dirty="0">
+                <a:latin typeface="HY헤드라인M" panose="02030600000101010101" pitchFamily="18" charset="-127"/>
+                <a:ea typeface="HY헤드라인M" panose="02030600000101010101" pitchFamily="18" charset="-127"/>
+              </a:rPr>
+              <a:t>게임 기획 수강</a:t>
+            </a:r>
+            <a:endParaRPr lang="en-US" altLang="ko-KR" sz="1600" dirty="0">
+              <a:latin typeface="HY헤드라인M" panose="02030600000101010101" pitchFamily="18" charset="-127"/>
+              <a:ea typeface="HY헤드라인M" panose="02030600000101010101" pitchFamily="18" charset="-127"/>
+            </a:endParaRPr>
+          </a:p>
+          <a:p>
+            <a:r>
+              <a:rPr lang="en-US" altLang="ko-KR" sz="1600" dirty="0">
+                <a:latin typeface="HY헤드라인M" panose="02030600000101010101" pitchFamily="18" charset="-127"/>
+                <a:ea typeface="HY헤드라인M" panose="02030600000101010101" pitchFamily="18" charset="-127"/>
+              </a:rPr>
+              <a:t>-</a:t>
+            </a:r>
+            <a:r>
+              <a:rPr lang="ko-KR" altLang="en-US" sz="1600" dirty="0">
+                <a:latin typeface="HY헤드라인M" panose="02030600000101010101" pitchFamily="18" charset="-127"/>
+                <a:ea typeface="HY헤드라인M" panose="02030600000101010101" pitchFamily="18" charset="-127"/>
+              </a:rPr>
+              <a:t>기획자 </a:t>
+            </a:r>
+            <a:r>
+              <a:rPr lang="ko-KR" altLang="en-US" sz="1600" dirty="0" err="1">
+                <a:latin typeface="HY헤드라인M" panose="02030600000101010101" pitchFamily="18" charset="-127"/>
+                <a:ea typeface="HY헤드라인M" panose="02030600000101010101" pitchFamily="18" charset="-127"/>
+              </a:rPr>
+              <a:t>특훈</a:t>
+            </a:r>
+            <a:r>
+              <a:rPr lang="ko-KR" altLang="en-US" sz="1600" dirty="0">
+                <a:latin typeface="HY헤드라인M" panose="02030600000101010101" pitchFamily="18" charset="-127"/>
+                <a:ea typeface="HY헤드라인M" panose="02030600000101010101" pitchFamily="18" charset="-127"/>
+              </a:rPr>
+              <a:t> 수강</a:t>
+            </a:r>
+            <a:endParaRPr lang="en-US" altLang="ko-KR" sz="1600" dirty="0">
+              <a:latin typeface="HY헤드라인M" panose="02030600000101010101" pitchFamily="18" charset="-127"/>
+              <a:ea typeface="HY헤드라인M" panose="02030600000101010101" pitchFamily="18" charset="-127"/>
+            </a:endParaRPr>
+          </a:p>
+          <a:p>
+            <a:endParaRPr lang="en-US" altLang="ko-KR" sz="1600" dirty="0">
+              <a:latin typeface="HY헤드라인M" panose="02030600000101010101" pitchFamily="18" charset="-127"/>
+              <a:ea typeface="HY헤드라인M" panose="02030600000101010101" pitchFamily="18" charset="-127"/>
+            </a:endParaRPr>
+          </a:p>
+          <a:p>
+            <a:endParaRPr lang="en-US" altLang="ko-KR" sz="1600" dirty="0">
+              <a:latin typeface="HY헤드라인M" panose="02030600000101010101" pitchFamily="18" charset="-127"/>
+              <a:ea typeface="HY헤드라인M" panose="02030600000101010101" pitchFamily="18" charset="-127"/>
+            </a:endParaRPr>
+          </a:p>
+          <a:p>
+            <a:endParaRPr lang="en-US" altLang="ko-KR" sz="1600" dirty="0">
+              <a:latin typeface="HY헤드라인M" panose="02030600000101010101" pitchFamily="18" charset="-127"/>
+              <a:ea typeface="HY헤드라인M" panose="02030600000101010101" pitchFamily="18" charset="-127"/>
+            </a:endParaRPr>
+          </a:p>
+          <a:p>
+            <a:r>
+              <a:rPr lang="en-US" altLang="ko-KR" sz="1600" dirty="0">
+                <a:latin typeface="HY헤드라인M" panose="02030600000101010101" pitchFamily="18" charset="-127"/>
+                <a:ea typeface="HY헤드라인M" panose="02030600000101010101" pitchFamily="18" charset="-127"/>
+              </a:rPr>
+              <a:t>Git</a:t>
+            </a:r>
+          </a:p>
+          <a:p>
+            <a:r>
+              <a:rPr lang="en-US" altLang="ko-KR" sz="1600" dirty="0">
+                <a:latin typeface="HY헤드라인M" panose="02030600000101010101" pitchFamily="18" charset="-127"/>
+                <a:ea typeface="HY헤드라인M" panose="02030600000101010101" pitchFamily="18" charset="-127"/>
+              </a:rPr>
+              <a:t>-</a:t>
+            </a:r>
+            <a:r>
+              <a:rPr lang="ko-KR" altLang="en-US" sz="1600" dirty="0">
+                <a:latin typeface="HY헤드라인M" panose="02030600000101010101" pitchFamily="18" charset="-127"/>
+                <a:ea typeface="HY헤드라인M" panose="02030600000101010101" pitchFamily="18" charset="-127"/>
+              </a:rPr>
+              <a:t> 게임 소프트웨어 공학 수강</a:t>
+            </a:r>
+            <a:endParaRPr lang="en-US" altLang="ko-KR" sz="1600" dirty="0">
+              <a:latin typeface="HY헤드라인M" panose="02030600000101010101" pitchFamily="18" charset="-127"/>
+              <a:ea typeface="HY헤드라인M" panose="02030600000101010101" pitchFamily="18" charset="-127"/>
+            </a:endParaRPr>
+          </a:p>
+        </p:txBody>
+      </p:sp>
+      <p:sp>
+        <p:nvSpPr>
+          <p:cNvPr id="10" name="직사각형 9">
+            <a:extLst>
+              <a:ext uri="{FF2B5EF4-FFF2-40B4-BE49-F238E27FC236}">
+                <a16:creationId xmlns:a16="http://schemas.microsoft.com/office/drawing/2014/main" id="{D3F450E1-C0C0-43EA-965D-6DF7A17A2380}"/>
+              </a:ext>
+            </a:extLst>
+          </p:cNvPr>
+          <p:cNvSpPr/>
+          <p:nvPr/>
+        </p:nvSpPr>
+        <p:spPr>
+          <a:xfrm>
+            <a:off x="8413278" y="1298093"/>
+            <a:ext cx="3390901" cy="809625"/>
+          </a:xfrm>
+          <a:prstGeom prst="rect">
+            <a:avLst/>
+          </a:prstGeom>
+          <a:ln w="38100">
+            <a:solidFill>
+              <a:schemeClr val="tx1">
+                <a:lumMod val="85000"/>
+              </a:schemeClr>
+            </a:solidFill>
+          </a:ln>
+        </p:spPr>
+        <p:style>
+          <a:lnRef idx="2">
+            <a:schemeClr val="accent1">
+              <a:shade val="50000"/>
+            </a:schemeClr>
+          </a:lnRef>
+          <a:fillRef idx="1">
+            <a:schemeClr val="accent1"/>
+          </a:fillRef>
+          <a:effectRef idx="0">
+            <a:schemeClr val="accent1"/>
+          </a:effectRef>
+          <a:fontRef idx="minor">
+            <a:schemeClr val="lt1"/>
+          </a:fontRef>
+        </p:style>
+        <p:txBody>
+          <a:bodyPr rtlCol="0" anchor="ctr"/>
+          <a:lstStyle/>
           <a:p>
             <a:pPr algn="ctr"/>
-            <a:endParaRPr lang="ko-KR" altLang="en-US" sz="2000" dirty="0"/>
+            <a:r>
+              <a:rPr lang="ko-KR" altLang="en-US" sz="2800" dirty="0">
+                <a:latin typeface="HY헤드라인M" panose="02030600000101010101" pitchFamily="18" charset="-127"/>
+                <a:ea typeface="HY헤드라인M" panose="02030600000101010101" pitchFamily="18" charset="-127"/>
+              </a:rPr>
+              <a:t>박정만</a:t>
+            </a:r>
+          </a:p>
+        </p:txBody>
+      </p:sp>
+      <p:sp>
+        <p:nvSpPr>
+          <p:cNvPr id="12" name="직사각형 11">
+            <a:extLst>
+              <a:ext uri="{FF2B5EF4-FFF2-40B4-BE49-F238E27FC236}">
+                <a16:creationId xmlns:a16="http://schemas.microsoft.com/office/drawing/2014/main" id="{242167CD-F648-4E14-9D37-5731E669137E}"/>
+              </a:ext>
+            </a:extLst>
+          </p:cNvPr>
+          <p:cNvSpPr/>
+          <p:nvPr/>
+        </p:nvSpPr>
+        <p:spPr>
+          <a:xfrm>
+            <a:off x="8413278" y="2107717"/>
+            <a:ext cx="3390901" cy="3891662"/>
+          </a:xfrm>
+          <a:prstGeom prst="rect">
+            <a:avLst/>
+          </a:prstGeom>
+          <a:solidFill>
+            <a:srgbClr val="595959"/>
+          </a:solidFill>
+          <a:ln w="38100">
+            <a:solidFill>
+              <a:schemeClr val="tx1">
+                <a:lumMod val="85000"/>
+              </a:schemeClr>
+            </a:solidFill>
+          </a:ln>
+        </p:spPr>
+        <p:style>
+          <a:lnRef idx="2">
+            <a:schemeClr val="accent1">
+              <a:shade val="50000"/>
+            </a:schemeClr>
+          </a:lnRef>
+          <a:fillRef idx="1">
+            <a:schemeClr val="accent1"/>
+          </a:fillRef>
+          <a:effectRef idx="0">
+            <a:schemeClr val="accent1"/>
+          </a:effectRef>
+          <a:fontRef idx="minor">
+            <a:schemeClr val="lt1"/>
+          </a:fontRef>
+        </p:style>
+        <p:txBody>
+          <a:bodyPr rtlCol="0" anchor="t"/>
+          <a:lstStyle/>
+          <a:p>
+            <a:r>
+              <a:rPr lang="ko-KR" altLang="en-US" sz="1600" dirty="0">
+                <a:latin typeface="HY헤드라인M" panose="02030600000101010101" pitchFamily="18" charset="-127"/>
+                <a:ea typeface="HY헤드라인M" panose="02030600000101010101" pitchFamily="18" charset="-127"/>
+              </a:rPr>
+              <a:t>서버</a:t>
+            </a:r>
+            <a:endParaRPr lang="en-US" altLang="ko-KR" sz="1600" dirty="0">
+              <a:latin typeface="HY헤드라인M" panose="02030600000101010101" pitchFamily="18" charset="-127"/>
+              <a:ea typeface="HY헤드라인M" panose="02030600000101010101" pitchFamily="18" charset="-127"/>
+            </a:endParaRPr>
+          </a:p>
+          <a:p>
+            <a:r>
+              <a:rPr lang="en-US" altLang="ko-KR" sz="1600" dirty="0">
+                <a:latin typeface="HY헤드라인M" panose="02030600000101010101" pitchFamily="18" charset="-127"/>
+                <a:ea typeface="HY헤드라인M" panose="02030600000101010101" pitchFamily="18" charset="-127"/>
+              </a:rPr>
+              <a:t>-</a:t>
+            </a:r>
+            <a:r>
+              <a:rPr lang="ko-KR" altLang="en-US" sz="1600" dirty="0">
+                <a:latin typeface="HY헤드라인M" panose="02030600000101010101" pitchFamily="18" charset="-127"/>
+                <a:ea typeface="HY헤드라인M" panose="02030600000101010101" pitchFamily="18" charset="-127"/>
+              </a:rPr>
+              <a:t>게임 서버 수강</a:t>
+            </a:r>
+            <a:endParaRPr lang="en-US" altLang="ko-KR" sz="1600" dirty="0">
+              <a:latin typeface="HY헤드라인M" panose="02030600000101010101" pitchFamily="18" charset="-127"/>
+              <a:ea typeface="HY헤드라인M" panose="02030600000101010101" pitchFamily="18" charset="-127"/>
+            </a:endParaRPr>
+          </a:p>
+          <a:p>
+            <a:endParaRPr lang="en-US" altLang="ko-KR" sz="1600" dirty="0">
+              <a:latin typeface="HY헤드라인M" panose="02030600000101010101" pitchFamily="18" charset="-127"/>
+              <a:ea typeface="HY헤드라인M" panose="02030600000101010101" pitchFamily="18" charset="-127"/>
+            </a:endParaRPr>
+          </a:p>
+          <a:p>
+            <a:endParaRPr lang="en-US" altLang="ko-KR" sz="1600" dirty="0">
+              <a:latin typeface="HY헤드라인M" panose="02030600000101010101" pitchFamily="18" charset="-127"/>
+              <a:ea typeface="HY헤드라인M" panose="02030600000101010101" pitchFamily="18" charset="-127"/>
+            </a:endParaRPr>
+          </a:p>
+          <a:p>
+            <a:endParaRPr lang="en-US" altLang="ko-KR" sz="1600" dirty="0">
+              <a:latin typeface="HY헤드라인M" panose="02030600000101010101" pitchFamily="18" charset="-127"/>
+              <a:ea typeface="HY헤드라인M" panose="02030600000101010101" pitchFamily="18" charset="-127"/>
+            </a:endParaRPr>
+          </a:p>
+          <a:p>
+            <a:endParaRPr lang="en-US" altLang="ko-KR" sz="1600" dirty="0">
+              <a:latin typeface="HY헤드라인M" panose="02030600000101010101" pitchFamily="18" charset="-127"/>
+              <a:ea typeface="HY헤드라인M" panose="02030600000101010101" pitchFamily="18" charset="-127"/>
+            </a:endParaRPr>
+          </a:p>
+          <a:p>
+            <a:endParaRPr lang="en-US" altLang="ko-KR" sz="1600" dirty="0">
+              <a:latin typeface="HY헤드라인M" panose="02030600000101010101" pitchFamily="18" charset="-127"/>
+              <a:ea typeface="HY헤드라인M" panose="02030600000101010101" pitchFamily="18" charset="-127"/>
+            </a:endParaRPr>
+          </a:p>
+          <a:p>
+            <a:endParaRPr lang="en-US" altLang="ko-KR" sz="1600" dirty="0">
+              <a:latin typeface="HY헤드라인M" panose="02030600000101010101" pitchFamily="18" charset="-127"/>
+              <a:ea typeface="HY헤드라인M" panose="02030600000101010101" pitchFamily="18" charset="-127"/>
+            </a:endParaRPr>
+          </a:p>
+          <a:p>
+            <a:endParaRPr lang="en-US" altLang="ko-KR" sz="1600" dirty="0">
+              <a:latin typeface="HY헤드라인M" panose="02030600000101010101" pitchFamily="18" charset="-127"/>
+              <a:ea typeface="HY헤드라인M" panose="02030600000101010101" pitchFamily="18" charset="-127"/>
+            </a:endParaRPr>
+          </a:p>
+          <a:p>
+            <a:endParaRPr lang="en-US" altLang="ko-KR" sz="1600" dirty="0">
+              <a:latin typeface="HY헤드라인M" panose="02030600000101010101" pitchFamily="18" charset="-127"/>
+              <a:ea typeface="HY헤드라인M" panose="02030600000101010101" pitchFamily="18" charset="-127"/>
+            </a:endParaRPr>
+          </a:p>
+          <a:p>
+            <a:endParaRPr lang="en-US" altLang="ko-KR" sz="1600" dirty="0">
+              <a:latin typeface="HY헤드라인M" panose="02030600000101010101" pitchFamily="18" charset="-127"/>
+              <a:ea typeface="HY헤드라인M" panose="02030600000101010101" pitchFamily="18" charset="-127"/>
+            </a:endParaRPr>
+          </a:p>
+          <a:p>
+            <a:endParaRPr lang="en-US" altLang="ko-KR" sz="1600" dirty="0">
+              <a:latin typeface="HY헤드라인M" panose="02030600000101010101" pitchFamily="18" charset="-127"/>
+              <a:ea typeface="HY헤드라인M" panose="02030600000101010101" pitchFamily="18" charset="-127"/>
+            </a:endParaRPr>
+          </a:p>
+          <a:p>
+            <a:endParaRPr lang="en-US" altLang="ko-KR" sz="1600" dirty="0">
+              <a:latin typeface="HY헤드라인M" panose="02030600000101010101" pitchFamily="18" charset="-127"/>
+              <a:ea typeface="HY헤드라인M" panose="02030600000101010101" pitchFamily="18" charset="-127"/>
+            </a:endParaRPr>
+          </a:p>
+          <a:p>
+            <a:r>
+              <a:rPr lang="en-US" altLang="ko-KR" sz="1600" dirty="0">
+                <a:latin typeface="HY헤드라인M" panose="02030600000101010101" pitchFamily="18" charset="-127"/>
+                <a:ea typeface="HY헤드라인M" panose="02030600000101010101" pitchFamily="18" charset="-127"/>
+              </a:rPr>
+              <a:t>Git</a:t>
+            </a:r>
+          </a:p>
+          <a:p>
+            <a:r>
+              <a:rPr lang="en-US" altLang="ko-KR" sz="1600" dirty="0">
+                <a:latin typeface="HY헤드라인M" panose="02030600000101010101" pitchFamily="18" charset="-127"/>
+                <a:ea typeface="HY헤드라인M" panose="02030600000101010101" pitchFamily="18" charset="-127"/>
+              </a:rPr>
+              <a:t>-</a:t>
+            </a:r>
+            <a:r>
+              <a:rPr lang="ko-KR" altLang="en-US" sz="1600" dirty="0">
+                <a:latin typeface="HY헤드라인M" panose="02030600000101010101" pitchFamily="18" charset="-127"/>
+                <a:ea typeface="HY헤드라인M" panose="02030600000101010101" pitchFamily="18" charset="-127"/>
+              </a:rPr>
+              <a:t> 게임 소프트웨어 공학 수강</a:t>
+            </a:r>
+            <a:endParaRPr lang="en-US" altLang="ko-KR" sz="1600" dirty="0">
+              <a:latin typeface="HY헤드라인M" panose="02030600000101010101" pitchFamily="18" charset="-127"/>
+              <a:ea typeface="HY헤드라인M" panose="02030600000101010101" pitchFamily="18" charset="-127"/>
+            </a:endParaRPr>
           </a:p>
         </p:txBody>
       </p:sp>
     </p:spTree>
     <p:extLst>
       <p:ext uri="{BB962C8B-B14F-4D97-AF65-F5344CB8AC3E}">
-        <p14:creationId xmlns:p14="http://schemas.microsoft.com/office/powerpoint/2010/main" val="2237484308"/>
+        <p14:creationId xmlns:p14="http://schemas.microsoft.com/office/powerpoint/2010/main" val="3117424196"/>
       </p:ext>
     </p:extLst>
   </p:cSld>
@@ -5670,7 +5603,7 @@
                 <a:latin typeface="HY헤드라인M" panose="02030600000101010101" pitchFamily="18" charset="-127"/>
                 <a:ea typeface="HY헤드라인M" panose="02030600000101010101" pitchFamily="18" charset="-127"/>
               </a:rPr>
-              <a:t>8</a:t>
+              <a:t>7</a:t>
             </a:r>
             <a:endParaRPr lang="ko-KR" altLang="en-US" sz="5400" dirty="0">
               <a:latin typeface="HY헤드라인M" panose="02030600000101010101" pitchFamily="18" charset="-127"/>
@@ -5712,7 +5645,7 @@
                 <a:latin typeface="HY헤드라인M" panose="02030600000101010101" pitchFamily="18" charset="-127"/>
                 <a:ea typeface="HY헤드라인M" panose="02030600000101010101" pitchFamily="18" charset="-127"/>
               </a:rPr>
-              <a:t>타 게임과의 비교</a:t>
+              <a:t>중점 연구분야</a:t>
             </a:r>
             <a:endParaRPr lang="ko-KR" altLang="en-US" dirty="0"/>
           </a:p>
@@ -5720,10 +5653,69 @@
       </p:sp>
       <p:sp>
         <p:nvSpPr>
-          <p:cNvPr id="4" name="직사각형 3">
+          <p:cNvPr id="5" name="직사각형 4">
             <a:extLst>
               <a:ext uri="{FF2B5EF4-FFF2-40B4-BE49-F238E27FC236}">
-                <a16:creationId xmlns:a16="http://schemas.microsoft.com/office/drawing/2014/main" id="{C0276AD2-1C61-4933-8723-90F7C1D45FAE}"/>
+                <a16:creationId xmlns:a16="http://schemas.microsoft.com/office/drawing/2014/main" id="{45C393B8-20D6-4EE7-AAC2-D8AA6F3EA229}"/>
+              </a:ext>
+            </a:extLst>
+          </p:cNvPr>
+          <p:cNvSpPr/>
+          <p:nvPr/>
+        </p:nvSpPr>
+        <p:spPr>
+          <a:xfrm>
+            <a:off x="1656790" y="1298097"/>
+            <a:ext cx="8878420" cy="809625"/>
+          </a:xfrm>
+          <a:prstGeom prst="rect">
+            <a:avLst/>
+          </a:prstGeom>
+          <a:ln w="38100">
+            <a:solidFill>
+              <a:schemeClr val="tx1">
+                <a:lumMod val="85000"/>
+              </a:schemeClr>
+            </a:solidFill>
+          </a:ln>
+        </p:spPr>
+        <p:style>
+          <a:lnRef idx="2">
+            <a:schemeClr val="accent1">
+              <a:shade val="50000"/>
+            </a:schemeClr>
+          </a:lnRef>
+          <a:fillRef idx="1">
+            <a:schemeClr val="accent1"/>
+          </a:fillRef>
+          <a:effectRef idx="0">
+            <a:schemeClr val="accent1"/>
+          </a:effectRef>
+          <a:fontRef idx="minor">
+            <a:schemeClr val="lt1"/>
+          </a:fontRef>
+        </p:style>
+        <p:txBody>
+          <a:bodyPr rtlCol="0" anchor="ctr"/>
+          <a:lstStyle/>
+          <a:p>
+            <a:pPr algn="ctr"/>
+            <a:r>
+              <a:rPr lang="ko-KR" altLang="en-US" sz="2800" dirty="0">
+                <a:latin typeface="HY헤드라인M" panose="02030600000101010101" pitchFamily="18" charset="-127"/>
+                <a:ea typeface="HY헤드라인M" panose="02030600000101010101" pitchFamily="18" charset="-127"/>
+              </a:rPr>
+              <a:t>클라이언트</a:t>
+            </a:r>
+          </a:p>
+        </p:txBody>
+      </p:sp>
+      <p:sp>
+        <p:nvSpPr>
+          <p:cNvPr id="7" name="직사각형 6">
+            <a:extLst>
+              <a:ext uri="{FF2B5EF4-FFF2-40B4-BE49-F238E27FC236}">
+                <a16:creationId xmlns:a16="http://schemas.microsoft.com/office/drawing/2014/main" id="{B83CE672-44E1-46DB-9B66-CA17CD5C5231}"/>
               </a:ext>
             </a:extLst>
           </p:cNvPr>
@@ -5769,6 +5761,403 @@
           <a:bodyPr rtlCol="0" anchor="t"/>
           <a:lstStyle/>
           <a:p>
+            <a:endParaRPr lang="en-US" altLang="ko-KR" sz="2400" dirty="0">
+              <a:latin typeface="HY헤드라인M" panose="02030600000101010101" pitchFamily="18" charset="-127"/>
+              <a:ea typeface="HY헤드라인M" panose="02030600000101010101" pitchFamily="18" charset="-127"/>
+            </a:endParaRPr>
+          </a:p>
+          <a:p>
+            <a:r>
+              <a:rPr lang="en-US" altLang="ko-KR" sz="2400" dirty="0">
+                <a:latin typeface="HY헤드라인M" panose="02030600000101010101" pitchFamily="18" charset="-127"/>
+                <a:ea typeface="HY헤드라인M" panose="02030600000101010101" pitchFamily="18" charset="-127"/>
+              </a:rPr>
+              <a:t>	-	</a:t>
+            </a:r>
+            <a:r>
+              <a:rPr lang="ko-KR" altLang="en-US" sz="2400" dirty="0">
+                <a:latin typeface="HY헤드라인M" panose="02030600000101010101" pitchFamily="18" charset="-127"/>
+                <a:ea typeface="HY헤드라인M" panose="02030600000101010101" pitchFamily="18" charset="-127"/>
+              </a:rPr>
+              <a:t>카메라 워킹</a:t>
+            </a:r>
+            <a:endParaRPr lang="en-US" altLang="ko-KR" sz="2400" dirty="0">
+              <a:latin typeface="HY헤드라인M" panose="02030600000101010101" pitchFamily="18" charset="-127"/>
+              <a:ea typeface="HY헤드라인M" panose="02030600000101010101" pitchFamily="18" charset="-127"/>
+            </a:endParaRPr>
+          </a:p>
+          <a:p>
+            <a:endParaRPr lang="en-US" altLang="ko-KR" sz="2400" dirty="0">
+              <a:latin typeface="HY헤드라인M" panose="02030600000101010101" pitchFamily="18" charset="-127"/>
+              <a:ea typeface="HY헤드라인M" panose="02030600000101010101" pitchFamily="18" charset="-127"/>
+            </a:endParaRPr>
+          </a:p>
+          <a:p>
+            <a:r>
+              <a:rPr lang="en-US" altLang="ko-KR" sz="2400" dirty="0">
+                <a:latin typeface="HY헤드라인M" panose="02030600000101010101" pitchFamily="18" charset="-127"/>
+                <a:ea typeface="HY헤드라인M" panose="02030600000101010101" pitchFamily="18" charset="-127"/>
+              </a:rPr>
+              <a:t>	-	</a:t>
+            </a:r>
+            <a:r>
+              <a:rPr lang="ko-KR" altLang="en-US" sz="2400" dirty="0">
+                <a:latin typeface="HY헤드라인M" panose="02030600000101010101" pitchFamily="18" charset="-127"/>
+                <a:ea typeface="HY헤드라인M" panose="02030600000101010101" pitchFamily="18" charset="-127"/>
+              </a:rPr>
+              <a:t>렌더링 최적화</a:t>
+            </a:r>
+            <a:endParaRPr lang="ko-KR" altLang="en-US" sz="2000" dirty="0"/>
+          </a:p>
+        </p:txBody>
+      </p:sp>
+      <p:sp>
+        <p:nvSpPr>
+          <p:cNvPr id="8" name="직사각형 7">
+            <a:extLst>
+              <a:ext uri="{FF2B5EF4-FFF2-40B4-BE49-F238E27FC236}">
+                <a16:creationId xmlns:a16="http://schemas.microsoft.com/office/drawing/2014/main" id="{53DD248C-6401-4F53-B5E2-18681EBF373A}"/>
+              </a:ext>
+            </a:extLst>
+          </p:cNvPr>
+          <p:cNvSpPr/>
+          <p:nvPr/>
+        </p:nvSpPr>
+        <p:spPr>
+          <a:xfrm>
+            <a:off x="1656790" y="4115611"/>
+            <a:ext cx="8878420" cy="809625"/>
+          </a:xfrm>
+          <a:prstGeom prst="rect">
+            <a:avLst/>
+          </a:prstGeom>
+          <a:ln w="38100">
+            <a:solidFill>
+              <a:schemeClr val="tx1">
+                <a:lumMod val="85000"/>
+              </a:schemeClr>
+            </a:solidFill>
+          </a:ln>
+        </p:spPr>
+        <p:style>
+          <a:lnRef idx="2">
+            <a:schemeClr val="accent1">
+              <a:shade val="50000"/>
+            </a:schemeClr>
+          </a:lnRef>
+          <a:fillRef idx="1">
+            <a:schemeClr val="accent1"/>
+          </a:fillRef>
+          <a:effectRef idx="0">
+            <a:schemeClr val="accent1"/>
+          </a:effectRef>
+          <a:fontRef idx="minor">
+            <a:schemeClr val="lt1"/>
+          </a:fontRef>
+        </p:style>
+        <p:txBody>
+          <a:bodyPr rtlCol="0" anchor="ctr"/>
+          <a:lstStyle/>
+          <a:p>
+            <a:pPr algn="ctr"/>
+            <a:r>
+              <a:rPr lang="ko-KR" altLang="en-US" sz="2800" dirty="0">
+                <a:latin typeface="HY헤드라인M" panose="02030600000101010101" pitchFamily="18" charset="-127"/>
+                <a:ea typeface="HY헤드라인M" panose="02030600000101010101" pitchFamily="18" charset="-127"/>
+              </a:rPr>
+              <a:t>서버</a:t>
+            </a:r>
+          </a:p>
+        </p:txBody>
+      </p:sp>
+      <p:sp>
+        <p:nvSpPr>
+          <p:cNvPr id="9" name="직사각형 8">
+            <a:extLst>
+              <a:ext uri="{FF2B5EF4-FFF2-40B4-BE49-F238E27FC236}">
+                <a16:creationId xmlns:a16="http://schemas.microsoft.com/office/drawing/2014/main" id="{45C96417-2876-4133-982E-0CFBDF27C0EB}"/>
+              </a:ext>
+            </a:extLst>
+          </p:cNvPr>
+          <p:cNvSpPr/>
+          <p:nvPr/>
+        </p:nvSpPr>
+        <p:spPr>
+          <a:xfrm>
+            <a:off x="1656790" y="4925235"/>
+            <a:ext cx="8878420" cy="1754697"/>
+          </a:xfrm>
+          <a:prstGeom prst="rect">
+            <a:avLst/>
+          </a:prstGeom>
+          <a:solidFill>
+            <a:srgbClr val="595959"/>
+          </a:solidFill>
+          <a:ln w="38100">
+            <a:solidFill>
+              <a:schemeClr val="tx1">
+                <a:lumMod val="85000"/>
+              </a:schemeClr>
+            </a:solidFill>
+          </a:ln>
+        </p:spPr>
+        <p:style>
+          <a:lnRef idx="2">
+            <a:schemeClr val="accent1">
+              <a:shade val="50000"/>
+            </a:schemeClr>
+          </a:lnRef>
+          <a:fillRef idx="1">
+            <a:schemeClr val="accent1"/>
+          </a:fillRef>
+          <a:effectRef idx="0">
+            <a:schemeClr val="accent1"/>
+          </a:effectRef>
+          <a:fontRef idx="minor">
+            <a:schemeClr val="lt1"/>
+          </a:fontRef>
+        </p:style>
+        <p:txBody>
+          <a:bodyPr rtlCol="0" anchor="t"/>
+          <a:lstStyle/>
+          <a:p>
+            <a:endParaRPr lang="en-US" altLang="ko-KR" sz="2400" dirty="0">
+              <a:latin typeface="HY헤드라인M" panose="02030600000101010101" pitchFamily="18" charset="-127"/>
+              <a:ea typeface="HY헤드라인M" panose="02030600000101010101" pitchFamily="18" charset="-127"/>
+            </a:endParaRPr>
+          </a:p>
+          <a:p>
+            <a:r>
+              <a:rPr lang="en-US" altLang="ko-KR" sz="2400" dirty="0">
+                <a:latin typeface="HY헤드라인M" panose="02030600000101010101" pitchFamily="18" charset="-127"/>
+                <a:ea typeface="HY헤드라인M" panose="02030600000101010101" pitchFamily="18" charset="-127"/>
+              </a:rPr>
+              <a:t>	-	</a:t>
+            </a:r>
+            <a:r>
+              <a:rPr lang="ko-KR" altLang="en-US" sz="2400" dirty="0">
+                <a:latin typeface="HY헤드라인M" panose="02030600000101010101" pitchFamily="18" charset="-127"/>
+                <a:ea typeface="HY헤드라인M" panose="02030600000101010101" pitchFamily="18" charset="-127"/>
+              </a:rPr>
+              <a:t>서버 내에서 실시간 처리</a:t>
+            </a:r>
+            <a:endParaRPr lang="en-US" altLang="ko-KR" sz="2400" dirty="0">
+              <a:latin typeface="HY헤드라인M" panose="02030600000101010101" pitchFamily="18" charset="-127"/>
+              <a:ea typeface="HY헤드라인M" panose="02030600000101010101" pitchFamily="18" charset="-127"/>
+            </a:endParaRPr>
+          </a:p>
+          <a:p>
+            <a:endParaRPr lang="en-US" altLang="ko-KR" sz="2400" dirty="0">
+              <a:latin typeface="HY헤드라인M" panose="02030600000101010101" pitchFamily="18" charset="-127"/>
+              <a:ea typeface="HY헤드라인M" panose="02030600000101010101" pitchFamily="18" charset="-127"/>
+            </a:endParaRPr>
+          </a:p>
+          <a:p>
+            <a:r>
+              <a:rPr lang="en-US" altLang="ko-KR" sz="2400" dirty="0">
+                <a:latin typeface="HY헤드라인M" panose="02030600000101010101" pitchFamily="18" charset="-127"/>
+                <a:ea typeface="HY헤드라인M" panose="02030600000101010101" pitchFamily="18" charset="-127"/>
+              </a:rPr>
+              <a:t>	-	</a:t>
+            </a:r>
+            <a:r>
+              <a:rPr lang="ko-KR" altLang="en-US" sz="2400" dirty="0">
+                <a:latin typeface="HY헤드라인M" panose="02030600000101010101" pitchFamily="18" charset="-127"/>
+                <a:ea typeface="HY헤드라인M" panose="02030600000101010101" pitchFamily="18" charset="-127"/>
+              </a:rPr>
+              <a:t>물리 엔진</a:t>
+            </a:r>
+          </a:p>
+          <a:p>
+            <a:pPr algn="ctr"/>
+            <a:endParaRPr lang="ko-KR" altLang="en-US" sz="2000" dirty="0"/>
+          </a:p>
+        </p:txBody>
+      </p:sp>
+    </p:spTree>
+    <p:extLst>
+      <p:ext uri="{BB962C8B-B14F-4D97-AF65-F5344CB8AC3E}">
+        <p14:creationId xmlns:p14="http://schemas.microsoft.com/office/powerpoint/2010/main" val="2237484308"/>
+      </p:ext>
+    </p:extLst>
+  </p:cSld>
+  <p:clrMapOvr>
+    <a:masterClrMapping/>
+  </p:clrMapOvr>
+</p:sld>
+</file>
+
+<file path=ppt/slides/slide14.xml><?xml version="1.0" encoding="utf-8"?>
+<p:sld xmlns:a="http://schemas.openxmlformats.org/drawingml/2006/main" xmlns:r="http://schemas.openxmlformats.org/officeDocument/2006/relationships" xmlns:p="http://schemas.openxmlformats.org/presentationml/2006/main" showMasterSp="0">
+  <p:cSld>
+    <p:spTree>
+      <p:nvGrpSpPr>
+        <p:cNvPr id="1" name=""/>
+        <p:cNvGrpSpPr/>
+        <p:nvPr/>
+      </p:nvGrpSpPr>
+      <p:grpSpPr>
+        <a:xfrm>
+          <a:off x="0" y="0"/>
+          <a:ext cx="0" cy="0"/>
+          <a:chOff x="0" y="0"/>
+          <a:chExt cx="0" cy="0"/>
+        </a:xfrm>
+      </p:grpSpPr>
+      <p:sp>
+        <p:nvSpPr>
+          <p:cNvPr id="6" name="직사각형 5">
+            <a:extLst>
+              <a:ext uri="{FF2B5EF4-FFF2-40B4-BE49-F238E27FC236}">
+                <a16:creationId xmlns:a16="http://schemas.microsoft.com/office/drawing/2014/main" id="{CFF1CAA2-04CC-496D-80EE-A52890558A65}"/>
+              </a:ext>
+            </a:extLst>
+          </p:cNvPr>
+          <p:cNvSpPr/>
+          <p:nvPr/>
+        </p:nvSpPr>
+        <p:spPr>
+          <a:xfrm>
+            <a:off x="38101" y="38097"/>
+            <a:ext cx="1260000" cy="1260000"/>
+          </a:xfrm>
+          <a:prstGeom prst="rect">
+            <a:avLst/>
+          </a:prstGeom>
+          <a:ln w="76200" cap="sq">
+            <a:solidFill>
+              <a:schemeClr val="tx1">
+                <a:lumMod val="85000"/>
+              </a:schemeClr>
+            </a:solidFill>
+            <a:miter lim="800000"/>
+          </a:ln>
+        </p:spPr>
+        <p:style>
+          <a:lnRef idx="2">
+            <a:schemeClr val="accent1">
+              <a:shade val="50000"/>
+            </a:schemeClr>
+          </a:lnRef>
+          <a:fillRef idx="1">
+            <a:schemeClr val="accent1"/>
+          </a:fillRef>
+          <a:effectRef idx="0">
+            <a:schemeClr val="accent1"/>
+          </a:effectRef>
+          <a:fontRef idx="minor">
+            <a:schemeClr val="lt1"/>
+          </a:fontRef>
+        </p:style>
+        <p:txBody>
+          <a:bodyPr rtlCol="0" anchor="ctr"/>
+          <a:lstStyle/>
+          <a:p>
+            <a:pPr algn="ctr"/>
+            <a:r>
+              <a:rPr lang="en-US" altLang="ko-KR" sz="5400" dirty="0">
+                <a:latin typeface="HY헤드라인M" panose="02030600000101010101" pitchFamily="18" charset="-127"/>
+                <a:ea typeface="HY헤드라인M" panose="02030600000101010101" pitchFamily="18" charset="-127"/>
+              </a:rPr>
+              <a:t>8</a:t>
+            </a:r>
+            <a:endParaRPr lang="ko-KR" altLang="en-US" sz="5400" dirty="0">
+              <a:latin typeface="HY헤드라인M" panose="02030600000101010101" pitchFamily="18" charset="-127"/>
+              <a:ea typeface="HY헤드라인M" panose="02030600000101010101" pitchFamily="18" charset="-127"/>
+            </a:endParaRPr>
+          </a:p>
+        </p:txBody>
+      </p:sp>
+      <p:sp>
+        <p:nvSpPr>
+          <p:cNvPr id="11" name="TextBox 10">
+            <a:extLst>
+              <a:ext uri="{FF2B5EF4-FFF2-40B4-BE49-F238E27FC236}">
+                <a16:creationId xmlns:a16="http://schemas.microsoft.com/office/drawing/2014/main" id="{EB6AD26A-4D70-44CF-9FF8-6140CA5F6660}"/>
+              </a:ext>
+            </a:extLst>
+          </p:cNvPr>
+          <p:cNvSpPr txBox="1"/>
+          <p:nvPr/>
+        </p:nvSpPr>
+        <p:spPr>
+          <a:xfrm>
+            <a:off x="1419225" y="393221"/>
+            <a:ext cx="6838950" cy="646331"/>
+          </a:xfrm>
+          <a:prstGeom prst="rect">
+            <a:avLst/>
+          </a:prstGeom>
+          <a:noFill/>
+        </p:spPr>
+        <p:txBody>
+          <a:bodyPr wrap="square" rtlCol="0">
+            <a:spAutoFit/>
+          </a:bodyPr>
+          <a:lstStyle/>
+          <a:p>
+            <a:r>
+              <a:rPr lang="ko-KR" altLang="en-US" sz="3600" dirty="0">
+                <a:latin typeface="HY헤드라인M" panose="02030600000101010101" pitchFamily="18" charset="-127"/>
+                <a:ea typeface="HY헤드라인M" panose="02030600000101010101" pitchFamily="18" charset="-127"/>
+              </a:rPr>
+              <a:t>타 게임과의 비교</a:t>
+            </a:r>
+            <a:endParaRPr lang="ko-KR" altLang="en-US" dirty="0"/>
+          </a:p>
+        </p:txBody>
+      </p:sp>
+      <p:sp>
+        <p:nvSpPr>
+          <p:cNvPr id="4" name="직사각형 3">
+            <a:extLst>
+              <a:ext uri="{FF2B5EF4-FFF2-40B4-BE49-F238E27FC236}">
+                <a16:creationId xmlns:a16="http://schemas.microsoft.com/office/drawing/2014/main" id="{C0276AD2-1C61-4933-8723-90F7C1D45FAE}"/>
+              </a:ext>
+            </a:extLst>
+          </p:cNvPr>
+          <p:cNvSpPr/>
+          <p:nvPr/>
+        </p:nvSpPr>
+        <p:spPr>
+          <a:xfrm>
+            <a:off x="1656790" y="2366682"/>
+            <a:ext cx="8878420" cy="1062318"/>
+          </a:xfrm>
+          <a:prstGeom prst="rect">
+            <a:avLst/>
+          </a:prstGeom>
+          <a:solidFill>
+            <a:srgbClr val="595959"/>
+          </a:solidFill>
+          <a:ln w="38100">
+            <a:solidFill>
+              <a:schemeClr val="tx1">
+                <a:lumMod val="85000"/>
+              </a:schemeClr>
+            </a:solidFill>
+          </a:ln>
+        </p:spPr>
+        <p:style>
+          <a:lnRef idx="2">
+            <a:schemeClr val="accent1">
+              <a:shade val="50000"/>
+            </a:schemeClr>
+          </a:lnRef>
+          <a:fillRef idx="1">
+            <a:schemeClr val="accent1"/>
+          </a:fillRef>
+          <a:effectRef idx="0">
+            <a:schemeClr val="accent1"/>
+          </a:effectRef>
+          <a:fontRef idx="minor">
+            <a:schemeClr val="lt1"/>
+          </a:fontRef>
+        </p:style>
+        <p:txBody>
+          <a:bodyPr rtlCol="0" anchor="t"/>
+          <a:lstStyle/>
+          <a:p>
             <a:r>
               <a:rPr lang="ko-KR" altLang="en-US" sz="2000" dirty="0">
                 <a:latin typeface="HY헤드라인M" panose="02030600000101010101" pitchFamily="18" charset="-127"/>
@@ -5839,7 +6228,7 @@
 </p:sld>
 </file>
 
-<file path=ppt/slides/slide14.xml><?xml version="1.0" encoding="utf-8"?>
+<file path=ppt/slides/slide15.xml><?xml version="1.0" encoding="utf-8"?>
 <p:sld xmlns:a="http://schemas.openxmlformats.org/drawingml/2006/main" xmlns:r="http://schemas.openxmlformats.org/officeDocument/2006/relationships" xmlns:p="http://schemas.openxmlformats.org/presentationml/2006/main" showMasterSp="0">
   <p:cSld>
     <p:spTree>
@@ -16035,7 +16424,7 @@
 </p:sld>
 </file>
 
-<file path=ppt/slides/slide15.xml><?xml version="1.0" encoding="utf-8"?>
+<file path=ppt/slides/slide16.xml><?xml version="1.0" encoding="utf-8"?>
 <p:sld xmlns:a="http://schemas.openxmlformats.org/drawingml/2006/main" xmlns:r="http://schemas.openxmlformats.org/officeDocument/2006/relationships" xmlns:p="http://schemas.openxmlformats.org/presentationml/2006/main" showMasterSp="0">
   <p:cSld>
     <p:spTree>
@@ -16538,70 +16927,6 @@
       </p:grpSpPr>
       <p:sp>
         <p:nvSpPr>
-          <p:cNvPr id="6" name="직사각형 5">
-            <a:extLst>
-              <a:ext uri="{FF2B5EF4-FFF2-40B4-BE49-F238E27FC236}">
-                <a16:creationId xmlns:a16="http://schemas.microsoft.com/office/drawing/2014/main" id="{CFF1CAA2-04CC-496D-80EE-A52890558A65}"/>
-              </a:ext>
-            </a:extLst>
-          </p:cNvPr>
-          <p:cNvSpPr/>
-          <p:nvPr/>
-        </p:nvSpPr>
-        <p:spPr>
-          <a:xfrm>
-            <a:off x="38101" y="38097"/>
-            <a:ext cx="1260000" cy="1260000"/>
-          </a:xfrm>
-          <a:prstGeom prst="rect">
-            <a:avLst/>
-          </a:prstGeom>
-          <a:ln w="76200" cap="sq">
-            <a:solidFill>
-              <a:schemeClr val="tx1">
-                <a:lumMod val="85000"/>
-              </a:schemeClr>
-            </a:solidFill>
-            <a:miter lim="800000"/>
-          </a:ln>
-        </p:spPr>
-        <p:style>
-          <a:lnRef idx="2">
-            <a:schemeClr val="accent1">
-              <a:shade val="50000"/>
-            </a:schemeClr>
-          </a:lnRef>
-          <a:fillRef idx="1">
-            <a:schemeClr val="accent1"/>
-          </a:fillRef>
-          <a:effectRef idx="0">
-            <a:schemeClr val="accent1"/>
-          </a:effectRef>
-          <a:fontRef idx="minor">
-            <a:schemeClr val="lt1"/>
-          </a:fontRef>
-        </p:style>
-        <p:txBody>
-          <a:bodyPr rtlCol="0" anchor="ctr"/>
-          <a:lstStyle/>
-          <a:p>
-            <a:pPr algn="ctr"/>
-            <a:r>
-              <a:rPr lang="en-US" altLang="ko-KR" sz="5400" dirty="0">
-                <a:latin typeface="HY헤드라인M" panose="02030600000101010101" pitchFamily="18" charset="-127"/>
-                <a:ea typeface="HY헤드라인M" panose="02030600000101010101" pitchFamily="18" charset="-127"/>
-              </a:rPr>
-              <a:t>1</a:t>
-            </a:r>
-            <a:endParaRPr lang="ko-KR" altLang="en-US" sz="5400" dirty="0">
-              <a:latin typeface="HY헤드라인M" panose="02030600000101010101" pitchFamily="18" charset="-127"/>
-              <a:ea typeface="HY헤드라인M" panose="02030600000101010101" pitchFamily="18" charset="-127"/>
-            </a:endParaRPr>
-          </a:p>
-        </p:txBody>
-      </p:sp>
-      <p:sp>
-        <p:nvSpPr>
           <p:cNvPr id="11" name="TextBox 10">
             <a:extLst>
               <a:ext uri="{FF2B5EF4-FFF2-40B4-BE49-F238E27FC236}">
@@ -16615,7 +16940,7 @@
         <p:spPr>
           <a:xfrm>
             <a:off x="1419225" y="393221"/>
-            <a:ext cx="3895725" cy="923330"/>
+            <a:ext cx="3895725" cy="646331"/>
           </a:xfrm>
           <a:prstGeom prst="rect">
             <a:avLst/>
@@ -16633,429 +16958,9 @@
                 <a:latin typeface="HY헤드라인M" panose="02030600000101010101" pitchFamily="18" charset="-127"/>
                 <a:ea typeface="HY헤드라인M" panose="02030600000101010101" pitchFamily="18" charset="-127"/>
               </a:rPr>
-              <a:t>연구목적</a:t>
-            </a:r>
-            <a:endParaRPr lang="en-US" altLang="ko-KR" sz="3600" dirty="0">
-              <a:latin typeface="HY헤드라인M" panose="02030600000101010101" pitchFamily="18" charset="-127"/>
-              <a:ea typeface="HY헤드라인M" panose="02030600000101010101" pitchFamily="18" charset="-127"/>
-            </a:endParaRPr>
-          </a:p>
-          <a:p>
+              <a:t>요약</a:t>
+            </a:r>
             <a:endParaRPr lang="ko-KR" altLang="en-US" dirty="0"/>
-          </a:p>
-        </p:txBody>
-      </p:sp>
-      <p:sp>
-        <p:nvSpPr>
-          <p:cNvPr id="7" name="직사각형 6">
-            <a:extLst>
-              <a:ext uri="{FF2B5EF4-FFF2-40B4-BE49-F238E27FC236}">
-                <a16:creationId xmlns:a16="http://schemas.microsoft.com/office/drawing/2014/main" id="{EB3F4BF0-110A-4A58-82F2-787F034DEB58}"/>
-              </a:ext>
-            </a:extLst>
-          </p:cNvPr>
-          <p:cNvSpPr/>
-          <p:nvPr/>
-        </p:nvSpPr>
-        <p:spPr>
-          <a:xfrm>
-            <a:off x="1419225" y="2090714"/>
-            <a:ext cx="990600" cy="923330"/>
-          </a:xfrm>
-          <a:prstGeom prst="rect">
-            <a:avLst/>
-          </a:prstGeom>
-          <a:ln w="38100">
-            <a:solidFill>
-              <a:schemeClr val="tx1">
-                <a:lumMod val="85000"/>
-              </a:schemeClr>
-            </a:solidFill>
-          </a:ln>
-        </p:spPr>
-        <p:style>
-          <a:lnRef idx="2">
-            <a:schemeClr val="accent1">
-              <a:shade val="50000"/>
-            </a:schemeClr>
-          </a:lnRef>
-          <a:fillRef idx="1">
-            <a:schemeClr val="accent1"/>
-          </a:fillRef>
-          <a:effectRef idx="0">
-            <a:schemeClr val="accent1"/>
-          </a:effectRef>
-          <a:fontRef idx="minor">
-            <a:schemeClr val="lt1"/>
-          </a:fontRef>
-        </p:style>
-        <p:txBody>
-          <a:bodyPr rtlCol="0" anchor="ctr"/>
-          <a:lstStyle/>
-          <a:p>
-            <a:pPr algn="ctr"/>
-            <a:r>
-              <a:rPr lang="en-US" altLang="ko-KR" sz="3600" dirty="0">
-                <a:solidFill>
-                  <a:schemeClr val="bg1"/>
-                </a:solidFill>
-                <a:latin typeface="HY헤드라인M" panose="02030600000101010101" pitchFamily="18" charset="-127"/>
-                <a:ea typeface="HY헤드라인M" panose="02030600000101010101" pitchFamily="18" charset="-127"/>
-              </a:rPr>
-              <a:t>1</a:t>
-            </a:r>
-          </a:p>
-        </p:txBody>
-      </p:sp>
-      <p:sp>
-        <p:nvSpPr>
-          <p:cNvPr id="8" name="직사각형 7">
-            <a:extLst>
-              <a:ext uri="{FF2B5EF4-FFF2-40B4-BE49-F238E27FC236}">
-                <a16:creationId xmlns:a16="http://schemas.microsoft.com/office/drawing/2014/main" id="{89BDA92D-69BF-4E6A-9ACD-C9123FB0D5C3}"/>
-              </a:ext>
-            </a:extLst>
-          </p:cNvPr>
-          <p:cNvSpPr/>
-          <p:nvPr/>
-        </p:nvSpPr>
-        <p:spPr>
-          <a:xfrm>
-            <a:off x="2409824" y="2090714"/>
-            <a:ext cx="9096375" cy="923330"/>
-          </a:xfrm>
-          <a:prstGeom prst="rect">
-            <a:avLst/>
-          </a:prstGeom>
-          <a:solidFill>
-            <a:srgbClr val="595959"/>
-          </a:solidFill>
-          <a:ln w="38100">
-            <a:solidFill>
-              <a:schemeClr val="tx1">
-                <a:lumMod val="85000"/>
-              </a:schemeClr>
-            </a:solidFill>
-          </a:ln>
-        </p:spPr>
-        <p:style>
-          <a:lnRef idx="2">
-            <a:schemeClr val="accent1">
-              <a:shade val="50000"/>
-            </a:schemeClr>
-          </a:lnRef>
-          <a:fillRef idx="1">
-            <a:schemeClr val="accent1"/>
-          </a:fillRef>
-          <a:effectRef idx="0">
-            <a:schemeClr val="accent1"/>
-          </a:effectRef>
-          <a:fontRef idx="minor">
-            <a:schemeClr val="lt1"/>
-          </a:fontRef>
-        </p:style>
-        <p:txBody>
-          <a:bodyPr rtlCol="0" anchor="ctr"/>
-          <a:lstStyle/>
-          <a:p>
-            <a:pPr algn="ctr"/>
-            <a:r>
-              <a:rPr lang="en-US" altLang="ko-KR" sz="3200" dirty="0">
-                <a:solidFill>
-                  <a:schemeClr val="bg1"/>
-                </a:solidFill>
-                <a:latin typeface="HY헤드라인M" panose="02030600000101010101" pitchFamily="18" charset="-127"/>
-                <a:ea typeface="HY헤드라인M" panose="02030600000101010101" pitchFamily="18" charset="-127"/>
-              </a:rPr>
-              <a:t>Direct 3D 12</a:t>
-            </a:r>
-            <a:r>
-              <a:rPr lang="ko-KR" altLang="en-US" sz="3200" dirty="0">
-                <a:solidFill>
-                  <a:schemeClr val="bg1"/>
-                </a:solidFill>
-                <a:latin typeface="HY헤드라인M" panose="02030600000101010101" pitchFamily="18" charset="-127"/>
-                <a:ea typeface="HY헤드라인M" panose="02030600000101010101" pitchFamily="18" charset="-127"/>
-              </a:rPr>
-              <a:t>를 이용한 게임 제작</a:t>
-            </a:r>
-            <a:endParaRPr lang="en-US" altLang="ko-KR" sz="3200" dirty="0">
-              <a:latin typeface="HY헤드라인M" panose="02030600000101010101" pitchFamily="18" charset="-127"/>
-              <a:ea typeface="HY헤드라인M" panose="02030600000101010101" pitchFamily="18" charset="-127"/>
-            </a:endParaRPr>
-          </a:p>
-        </p:txBody>
-      </p:sp>
-      <p:sp>
-        <p:nvSpPr>
-          <p:cNvPr id="9" name="직사각형 8">
-            <a:extLst>
-              <a:ext uri="{FF2B5EF4-FFF2-40B4-BE49-F238E27FC236}">
-                <a16:creationId xmlns:a16="http://schemas.microsoft.com/office/drawing/2014/main" id="{59A36838-9EE8-4C2A-8880-AA353EF48632}"/>
-              </a:ext>
-            </a:extLst>
-          </p:cNvPr>
-          <p:cNvSpPr/>
-          <p:nvPr/>
-        </p:nvSpPr>
-        <p:spPr>
-          <a:xfrm>
-            <a:off x="1419225" y="3550082"/>
-            <a:ext cx="990600" cy="923330"/>
-          </a:xfrm>
-          <a:prstGeom prst="rect">
-            <a:avLst/>
-          </a:prstGeom>
-          <a:ln w="38100">
-            <a:solidFill>
-              <a:schemeClr val="tx1">
-                <a:lumMod val="85000"/>
-              </a:schemeClr>
-            </a:solidFill>
-          </a:ln>
-        </p:spPr>
-        <p:style>
-          <a:lnRef idx="2">
-            <a:schemeClr val="accent1">
-              <a:shade val="50000"/>
-            </a:schemeClr>
-          </a:lnRef>
-          <a:fillRef idx="1">
-            <a:schemeClr val="accent1"/>
-          </a:fillRef>
-          <a:effectRef idx="0">
-            <a:schemeClr val="accent1"/>
-          </a:effectRef>
-          <a:fontRef idx="minor">
-            <a:schemeClr val="lt1"/>
-          </a:fontRef>
-        </p:style>
-        <p:txBody>
-          <a:bodyPr rtlCol="0" anchor="ctr"/>
-          <a:lstStyle/>
-          <a:p>
-            <a:pPr algn="ctr"/>
-            <a:r>
-              <a:rPr lang="en-US" altLang="ko-KR" sz="3600" dirty="0">
-                <a:solidFill>
-                  <a:schemeClr val="bg1"/>
-                </a:solidFill>
-                <a:latin typeface="HY헤드라인M" panose="02030600000101010101" pitchFamily="18" charset="-127"/>
-                <a:ea typeface="HY헤드라인M" panose="02030600000101010101" pitchFamily="18" charset="-127"/>
-              </a:rPr>
-              <a:t>2</a:t>
-            </a:r>
-          </a:p>
-        </p:txBody>
-      </p:sp>
-      <p:sp>
-        <p:nvSpPr>
-          <p:cNvPr id="10" name="직사각형 9">
-            <a:extLst>
-              <a:ext uri="{FF2B5EF4-FFF2-40B4-BE49-F238E27FC236}">
-                <a16:creationId xmlns:a16="http://schemas.microsoft.com/office/drawing/2014/main" id="{807C52CB-BD9B-4673-9049-8796D83FD46E}"/>
-              </a:ext>
-            </a:extLst>
-          </p:cNvPr>
-          <p:cNvSpPr/>
-          <p:nvPr/>
-        </p:nvSpPr>
-        <p:spPr>
-          <a:xfrm>
-            <a:off x="2409824" y="3550082"/>
-            <a:ext cx="9096375" cy="923330"/>
-          </a:xfrm>
-          <a:prstGeom prst="rect">
-            <a:avLst/>
-          </a:prstGeom>
-          <a:solidFill>
-            <a:srgbClr val="595959"/>
-          </a:solidFill>
-          <a:ln w="38100">
-            <a:solidFill>
-              <a:schemeClr val="tx1">
-                <a:lumMod val="85000"/>
-              </a:schemeClr>
-            </a:solidFill>
-          </a:ln>
-        </p:spPr>
-        <p:style>
-          <a:lnRef idx="2">
-            <a:schemeClr val="accent1">
-              <a:shade val="50000"/>
-            </a:schemeClr>
-          </a:lnRef>
-          <a:fillRef idx="1">
-            <a:schemeClr val="accent1"/>
-          </a:fillRef>
-          <a:effectRef idx="0">
-            <a:schemeClr val="accent1"/>
-          </a:effectRef>
-          <a:fontRef idx="minor">
-            <a:schemeClr val="lt1"/>
-          </a:fontRef>
-        </p:style>
-        <p:txBody>
-          <a:bodyPr rtlCol="0" anchor="ctr"/>
-          <a:lstStyle/>
-          <a:p>
-            <a:pPr algn="ctr"/>
-            <a:r>
-              <a:rPr lang="en-US" altLang="ko-KR" sz="3200" dirty="0">
-                <a:solidFill>
-                  <a:schemeClr val="bg1"/>
-                </a:solidFill>
-                <a:latin typeface="HY헤드라인M" panose="02030600000101010101" pitchFamily="18" charset="-127"/>
-                <a:ea typeface="HY헤드라인M" panose="02030600000101010101" pitchFamily="18" charset="-127"/>
-              </a:rPr>
-              <a:t>IOCP</a:t>
-            </a:r>
-            <a:r>
-              <a:rPr lang="ko-KR" altLang="en-US" sz="3200" dirty="0">
-                <a:solidFill>
-                  <a:schemeClr val="bg1"/>
-                </a:solidFill>
-                <a:latin typeface="HY헤드라인M" panose="02030600000101010101" pitchFamily="18" charset="-127"/>
-                <a:ea typeface="HY헤드라인M" panose="02030600000101010101" pitchFamily="18" charset="-127"/>
-              </a:rPr>
-              <a:t>를 활용한 게임 서버 구축</a:t>
-            </a:r>
-            <a:endParaRPr lang="en-US" altLang="ko-KR" sz="3200" dirty="0">
-              <a:solidFill>
-                <a:schemeClr val="bg1"/>
-              </a:solidFill>
-            </a:endParaRPr>
-          </a:p>
-        </p:txBody>
-      </p:sp>
-      <p:sp>
-        <p:nvSpPr>
-          <p:cNvPr id="13" name="직사각형 12">
-            <a:extLst>
-              <a:ext uri="{FF2B5EF4-FFF2-40B4-BE49-F238E27FC236}">
-                <a16:creationId xmlns:a16="http://schemas.microsoft.com/office/drawing/2014/main" id="{478440EC-EC24-4929-8913-2756476C1194}"/>
-              </a:ext>
-            </a:extLst>
-          </p:cNvPr>
-          <p:cNvSpPr/>
-          <p:nvPr/>
-        </p:nvSpPr>
-        <p:spPr>
-          <a:xfrm>
-            <a:off x="1419225" y="5009450"/>
-            <a:ext cx="990600" cy="923330"/>
-          </a:xfrm>
-          <a:prstGeom prst="rect">
-            <a:avLst/>
-          </a:prstGeom>
-          <a:ln w="38100">
-            <a:solidFill>
-              <a:schemeClr val="tx1">
-                <a:lumMod val="85000"/>
-              </a:schemeClr>
-            </a:solidFill>
-          </a:ln>
-        </p:spPr>
-        <p:style>
-          <a:lnRef idx="2">
-            <a:schemeClr val="accent1">
-              <a:shade val="50000"/>
-            </a:schemeClr>
-          </a:lnRef>
-          <a:fillRef idx="1">
-            <a:schemeClr val="accent1"/>
-          </a:fillRef>
-          <a:effectRef idx="0">
-            <a:schemeClr val="accent1"/>
-          </a:effectRef>
-          <a:fontRef idx="minor">
-            <a:schemeClr val="lt1"/>
-          </a:fontRef>
-        </p:style>
-        <p:txBody>
-          <a:bodyPr rtlCol="0" anchor="ctr"/>
-          <a:lstStyle/>
-          <a:p>
-            <a:pPr algn="ctr"/>
-            <a:r>
-              <a:rPr lang="en-US" altLang="ko-KR" sz="3600" dirty="0">
-                <a:solidFill>
-                  <a:schemeClr val="bg1"/>
-                </a:solidFill>
-                <a:latin typeface="HY헤드라인M" panose="02030600000101010101" pitchFamily="18" charset="-127"/>
-                <a:ea typeface="HY헤드라인M" panose="02030600000101010101" pitchFamily="18" charset="-127"/>
-              </a:rPr>
-              <a:t>3</a:t>
-            </a:r>
-          </a:p>
-        </p:txBody>
-      </p:sp>
-      <p:sp>
-        <p:nvSpPr>
-          <p:cNvPr id="14" name="직사각형 13">
-            <a:extLst>
-              <a:ext uri="{FF2B5EF4-FFF2-40B4-BE49-F238E27FC236}">
-                <a16:creationId xmlns:a16="http://schemas.microsoft.com/office/drawing/2014/main" id="{2B1DD8E1-E321-4A11-8B31-EC204A25083D}"/>
-              </a:ext>
-            </a:extLst>
-          </p:cNvPr>
-          <p:cNvSpPr/>
-          <p:nvPr/>
-        </p:nvSpPr>
-        <p:spPr>
-          <a:xfrm>
-            <a:off x="2409824" y="5009450"/>
-            <a:ext cx="9096375" cy="923330"/>
-          </a:xfrm>
-          <a:prstGeom prst="rect">
-            <a:avLst/>
-          </a:prstGeom>
-          <a:solidFill>
-            <a:srgbClr val="595959"/>
-          </a:solidFill>
-          <a:ln w="38100">
-            <a:solidFill>
-              <a:schemeClr val="tx1">
-                <a:lumMod val="85000"/>
-              </a:schemeClr>
-            </a:solidFill>
-          </a:ln>
-        </p:spPr>
-        <p:style>
-          <a:lnRef idx="2">
-            <a:schemeClr val="accent1">
-              <a:shade val="50000"/>
-            </a:schemeClr>
-          </a:lnRef>
-          <a:fillRef idx="1">
-            <a:schemeClr val="accent1"/>
-          </a:fillRef>
-          <a:effectRef idx="0">
-            <a:schemeClr val="accent1"/>
-          </a:effectRef>
-          <a:fontRef idx="minor">
-            <a:schemeClr val="lt1"/>
-          </a:fontRef>
-        </p:style>
-        <p:txBody>
-          <a:bodyPr rtlCol="0" anchor="ctr"/>
-          <a:lstStyle/>
-          <a:p>
-            <a:pPr algn="ctr"/>
-            <a:r>
-              <a:rPr lang="ko-KR" altLang="en-US" sz="3200" dirty="0">
-                <a:solidFill>
-                  <a:schemeClr val="bg1"/>
-                </a:solidFill>
-                <a:latin typeface="HY헤드라인M" panose="02030600000101010101" pitchFamily="18" charset="-127"/>
-                <a:ea typeface="HY헤드라인M" panose="02030600000101010101" pitchFamily="18" charset="-127"/>
-              </a:rPr>
-              <a:t>카메라 워킹을 구현하여 몰입도 있는 게임 개발</a:t>
-            </a:r>
-            <a:endParaRPr lang="en-US" altLang="ko-KR" sz="3200" dirty="0">
-              <a:latin typeface="HY헤드라인M" panose="02030600000101010101" pitchFamily="18" charset="-127"/>
-              <a:ea typeface="HY헤드라인M" panose="02030600000101010101" pitchFamily="18" charset="-127"/>
-            </a:endParaRPr>
           </a:p>
         </p:txBody>
       </p:sp>
@@ -17144,7 +17049,7 @@
                 <a:latin typeface="HY헤드라인M" panose="02030600000101010101" pitchFamily="18" charset="-127"/>
                 <a:ea typeface="HY헤드라인M" panose="02030600000101010101" pitchFamily="18" charset="-127"/>
               </a:rPr>
-              <a:t>2</a:t>
+              <a:t>1</a:t>
             </a:r>
             <a:endParaRPr lang="ko-KR" altLang="en-US" sz="5400" dirty="0">
               <a:latin typeface="HY헤드라인M" panose="02030600000101010101" pitchFamily="18" charset="-127"/>
@@ -17168,7 +17073,7 @@
         <p:spPr>
           <a:xfrm>
             <a:off x="1419225" y="393221"/>
-            <a:ext cx="3895725" cy="646331"/>
+            <a:ext cx="3895725" cy="923330"/>
           </a:xfrm>
           <a:prstGeom prst="rect">
             <a:avLst/>
@@ -17186,18 +17091,24 @@
                 <a:latin typeface="HY헤드라인M" panose="02030600000101010101" pitchFamily="18" charset="-127"/>
                 <a:ea typeface="HY헤드라인M" panose="02030600000101010101" pitchFamily="18" charset="-127"/>
               </a:rPr>
-              <a:t>게임 소개 및 특징</a:t>
-            </a:r>
+              <a:t>연구목적</a:t>
+            </a:r>
+            <a:endParaRPr lang="en-US" altLang="ko-KR" sz="3600" dirty="0">
+              <a:latin typeface="HY헤드라인M" panose="02030600000101010101" pitchFamily="18" charset="-127"/>
+              <a:ea typeface="HY헤드라인M" panose="02030600000101010101" pitchFamily="18" charset="-127"/>
+            </a:endParaRPr>
+          </a:p>
+          <a:p>
             <a:endParaRPr lang="ko-KR" altLang="en-US" dirty="0"/>
           </a:p>
         </p:txBody>
       </p:sp>
       <p:sp>
         <p:nvSpPr>
-          <p:cNvPr id="3" name="직사각형 2">
+          <p:cNvPr id="7" name="직사각형 6">
             <a:extLst>
               <a:ext uri="{FF2B5EF4-FFF2-40B4-BE49-F238E27FC236}">
-                <a16:creationId xmlns:a16="http://schemas.microsoft.com/office/drawing/2014/main" id="{371211F3-BF7F-4CA5-ABE6-2910FE343D35}"/>
+                <a16:creationId xmlns:a16="http://schemas.microsoft.com/office/drawing/2014/main" id="{EB3F4BF0-110A-4A58-82F2-787F034DEB58}"/>
               </a:ext>
             </a:extLst>
           </p:cNvPr>
@@ -17206,8 +17117,8 @@
         </p:nvSpPr>
         <p:spPr>
           <a:xfrm>
-            <a:off x="1419225" y="2171701"/>
-            <a:ext cx="4676775" cy="646330"/>
+            <a:off x="1419225" y="2090714"/>
+            <a:ext cx="990600" cy="733168"/>
           </a:xfrm>
           <a:prstGeom prst="rect">
             <a:avLst/>
@@ -17242,25 +17153,24 @@
           <a:p>
             <a:pPr algn="ctr"/>
             <a:r>
-              <a:rPr lang="en-US" altLang="ko-KR" dirty="0">
+              <a:rPr lang="en-US" altLang="ko-KR" sz="2400" dirty="0">
+                <a:solidFill>
+                  <a:schemeClr val="bg1"/>
+                </a:solidFill>
                 <a:latin typeface="HY헤드라인M" panose="02030600000101010101" pitchFamily="18" charset="-127"/>
                 <a:ea typeface="HY헤드라인M" panose="02030600000101010101" pitchFamily="18" charset="-127"/>
               </a:rPr>
-              <a:t>-</a:t>
-            </a:r>
-            <a:endParaRPr lang="ko-KR" altLang="en-US" dirty="0">
-              <a:latin typeface="HY헤드라인M" panose="02030600000101010101" pitchFamily="18" charset="-127"/>
-              <a:ea typeface="HY헤드라인M" panose="02030600000101010101" pitchFamily="18" charset="-127"/>
-            </a:endParaRPr>
+              <a:t>1</a:t>
+            </a:r>
           </a:p>
         </p:txBody>
       </p:sp>
       <p:sp>
         <p:nvSpPr>
-          <p:cNvPr id="4" name="화살표: 오각형 3">
+          <p:cNvPr id="8" name="직사각형 7">
             <a:extLst>
               <a:ext uri="{FF2B5EF4-FFF2-40B4-BE49-F238E27FC236}">
-                <a16:creationId xmlns:a16="http://schemas.microsoft.com/office/drawing/2014/main" id="{308CED75-E07F-424D-88A7-9C7FCB3C386D}"/>
+                <a16:creationId xmlns:a16="http://schemas.microsoft.com/office/drawing/2014/main" id="{89BDA92D-69BF-4E6A-9ACD-C9123FB0D5C3}"/>
               </a:ext>
             </a:extLst>
           </p:cNvPr>
@@ -17269,17 +17179,14 @@
         </p:nvSpPr>
         <p:spPr>
           <a:xfrm>
-            <a:off x="828675" y="2171700"/>
-            <a:ext cx="1514475" cy="646331"/>
+            <a:off x="2409824" y="2090714"/>
+            <a:ext cx="9096375" cy="733168"/>
           </a:xfrm>
-          <a:prstGeom prst="homePlate">
+          <a:prstGeom prst="rect">
             <a:avLst/>
           </a:prstGeom>
           <a:solidFill>
-            <a:schemeClr val="bg1">
-              <a:lumMod val="65000"/>
-              <a:lumOff val="35000"/>
-            </a:schemeClr>
+            <a:srgbClr val="595959"/>
           </a:solidFill>
           <a:ln w="38100">
             <a:solidFill>
@@ -17311,12 +17218,29 @@
           <a:p>
             <a:pPr algn="ctr"/>
             <a:r>
-              <a:rPr lang="ko-KR" altLang="en-US" dirty="0">
+              <a:rPr lang="en-US" altLang="ko-KR" sz="2400" dirty="0">
+                <a:solidFill>
+                  <a:schemeClr val="bg1"/>
+                </a:solidFill>
                 <a:latin typeface="HY헤드라인M" panose="02030600000101010101" pitchFamily="18" charset="-127"/>
                 <a:ea typeface="HY헤드라인M" panose="02030600000101010101" pitchFamily="18" charset="-127"/>
               </a:rPr>
-              <a:t>게임 제목</a:t>
-            </a:r>
+              <a:t>Direct 3D 12</a:t>
+            </a:r>
+            <a:r>
+              <a:rPr lang="ko-KR" altLang="en-US" sz="2400" dirty="0">
+                <a:solidFill>
+                  <a:schemeClr val="bg1"/>
+                </a:solidFill>
+                <a:latin typeface="HY헤드라인M" panose="02030600000101010101" pitchFamily="18" charset="-127"/>
+                <a:ea typeface="HY헤드라인M" panose="02030600000101010101" pitchFamily="18" charset="-127"/>
+              </a:rPr>
+              <a:t>를 이용한 게임 제작</a:t>
+            </a:r>
+            <a:endParaRPr lang="en-US" altLang="ko-KR" sz="2400" dirty="0">
+              <a:latin typeface="HY헤드라인M" panose="02030600000101010101" pitchFamily="18" charset="-127"/>
+              <a:ea typeface="HY헤드라인M" panose="02030600000101010101" pitchFamily="18" charset="-127"/>
+            </a:endParaRPr>
           </a:p>
         </p:txBody>
       </p:sp>
@@ -17325,7 +17249,7 @@
           <p:cNvPr id="9" name="직사각형 8">
             <a:extLst>
               <a:ext uri="{FF2B5EF4-FFF2-40B4-BE49-F238E27FC236}">
-                <a16:creationId xmlns:a16="http://schemas.microsoft.com/office/drawing/2014/main" id="{94EB0450-8766-4AF2-8E2C-52F043015292}"/>
+                <a16:creationId xmlns:a16="http://schemas.microsoft.com/office/drawing/2014/main" id="{59A36838-9EE8-4C2A-8880-AA353EF48632}"/>
               </a:ext>
             </a:extLst>
           </p:cNvPr>
@@ -17334,8 +17258,8 @@
         </p:nvSpPr>
         <p:spPr>
           <a:xfrm>
-            <a:off x="1419225" y="3045304"/>
-            <a:ext cx="4676775" cy="646330"/>
+            <a:off x="1419225" y="3231461"/>
+            <a:ext cx="990600" cy="733168"/>
           </a:xfrm>
           <a:prstGeom prst="rect">
             <a:avLst/>
@@ -17370,21 +17294,24 @@
           <a:p>
             <a:pPr algn="ctr"/>
             <a:r>
-              <a:rPr lang="ko-KR" altLang="en-US" dirty="0">
+              <a:rPr lang="en-US" altLang="ko-KR" sz="2400" dirty="0">
+                <a:solidFill>
+                  <a:schemeClr val="bg1"/>
+                </a:solidFill>
                 <a:latin typeface="HY헤드라인M" panose="02030600000101010101" pitchFamily="18" charset="-127"/>
                 <a:ea typeface="HY헤드라인M" panose="02030600000101010101" pitchFamily="18" charset="-127"/>
               </a:rPr>
-              <a:t>캐주얼 레이싱 게임</a:t>
+              <a:t>2</a:t>
             </a:r>
           </a:p>
         </p:txBody>
       </p:sp>
       <p:sp>
         <p:nvSpPr>
-          <p:cNvPr id="10" name="화살표: 오각형 9">
+          <p:cNvPr id="10" name="직사각형 9">
             <a:extLst>
               <a:ext uri="{FF2B5EF4-FFF2-40B4-BE49-F238E27FC236}">
-                <a16:creationId xmlns:a16="http://schemas.microsoft.com/office/drawing/2014/main" id="{216BC9BA-B9F8-4487-A8A8-83823483412F}"/>
+                <a16:creationId xmlns:a16="http://schemas.microsoft.com/office/drawing/2014/main" id="{807C52CB-BD9B-4673-9049-8796D83FD46E}"/>
               </a:ext>
             </a:extLst>
           </p:cNvPr>
@@ -17393,17 +17320,14 @@
         </p:nvSpPr>
         <p:spPr>
           <a:xfrm>
-            <a:off x="828675" y="3045303"/>
-            <a:ext cx="1514475" cy="646331"/>
+            <a:off x="2409824" y="3231461"/>
+            <a:ext cx="9096375" cy="733168"/>
           </a:xfrm>
-          <a:prstGeom prst="homePlate">
+          <a:prstGeom prst="rect">
             <a:avLst/>
           </a:prstGeom>
           <a:solidFill>
-            <a:schemeClr val="bg1">
-              <a:lumMod val="65000"/>
-              <a:lumOff val="35000"/>
-            </a:schemeClr>
+            <a:srgbClr val="595959"/>
           </a:solidFill>
           <a:ln w="38100">
             <a:solidFill>
@@ -17435,12 +17359,30 @@
           <a:p>
             <a:pPr algn="ctr"/>
             <a:r>
-              <a:rPr lang="ko-KR" altLang="en-US" dirty="0">
+              <a:rPr lang="en-US" altLang="ko-KR" sz="2400" dirty="0">
+                <a:solidFill>
+                  <a:schemeClr val="bg1"/>
+                </a:solidFill>
                 <a:latin typeface="HY헤드라인M" panose="02030600000101010101" pitchFamily="18" charset="-127"/>
                 <a:ea typeface="HY헤드라인M" panose="02030600000101010101" pitchFamily="18" charset="-127"/>
               </a:rPr>
-              <a:t>게임 장르</a:t>
-            </a:r>
+              <a:t>IOCP</a:t>
+            </a:r>
+            <a:r>
+              <a:rPr lang="ko-KR" altLang="en-US" sz="2400" dirty="0">
+                <a:solidFill>
+                  <a:schemeClr val="bg1"/>
+                </a:solidFill>
+                <a:latin typeface="HY헤드라인M" panose="02030600000101010101" pitchFamily="18" charset="-127"/>
+                <a:ea typeface="HY헤드라인M" panose="02030600000101010101" pitchFamily="18" charset="-127"/>
+              </a:rPr>
+              <a:t>를 활용한 게임 서버 구축</a:t>
+            </a:r>
+            <a:endParaRPr lang="en-US" altLang="ko-KR" sz="2400" dirty="0">
+              <a:solidFill>
+                <a:schemeClr val="bg1"/>
+              </a:solidFill>
+            </a:endParaRPr>
           </a:p>
         </p:txBody>
       </p:sp>
@@ -17449,7 +17391,7 @@
           <p:cNvPr id="13" name="직사각형 12">
             <a:extLst>
               <a:ext uri="{FF2B5EF4-FFF2-40B4-BE49-F238E27FC236}">
-                <a16:creationId xmlns:a16="http://schemas.microsoft.com/office/drawing/2014/main" id="{942580F5-3AFF-4EA6-B39F-9AE8FF448988}"/>
+                <a16:creationId xmlns:a16="http://schemas.microsoft.com/office/drawing/2014/main" id="{478440EC-EC24-4929-8913-2756476C1194}"/>
               </a:ext>
             </a:extLst>
           </p:cNvPr>
@@ -17458,8 +17400,8 @@
         </p:nvSpPr>
         <p:spPr>
           <a:xfrm>
-            <a:off x="1419225" y="3918906"/>
-            <a:ext cx="4676775" cy="646330"/>
+            <a:off x="1419225" y="4372208"/>
+            <a:ext cx="990600" cy="733168"/>
           </a:xfrm>
           <a:prstGeom prst="rect">
             <a:avLst/>
@@ -17494,25 +17436,24 @@
           <a:p>
             <a:pPr algn="ctr"/>
             <a:r>
-              <a:rPr lang="en-US" altLang="ko-KR" dirty="0">
+              <a:rPr lang="en-US" altLang="ko-KR" sz="2400" dirty="0">
+                <a:solidFill>
+                  <a:schemeClr val="bg1"/>
+                </a:solidFill>
                 <a:latin typeface="HY헤드라인M" panose="02030600000101010101" pitchFamily="18" charset="-127"/>
                 <a:ea typeface="HY헤드라인M" panose="02030600000101010101" pitchFamily="18" charset="-127"/>
               </a:rPr>
-              <a:t>PC</a:t>
-            </a:r>
-            <a:endParaRPr lang="ko-KR" altLang="en-US" dirty="0">
-              <a:latin typeface="HY헤드라인M" panose="02030600000101010101" pitchFamily="18" charset="-127"/>
-              <a:ea typeface="HY헤드라인M" panose="02030600000101010101" pitchFamily="18" charset="-127"/>
-            </a:endParaRPr>
+              <a:t>3</a:t>
+            </a:r>
           </a:p>
         </p:txBody>
       </p:sp>
       <p:sp>
         <p:nvSpPr>
-          <p:cNvPr id="14" name="화살표: 오각형 13">
+          <p:cNvPr id="14" name="직사각형 13">
             <a:extLst>
               <a:ext uri="{FF2B5EF4-FFF2-40B4-BE49-F238E27FC236}">
-                <a16:creationId xmlns:a16="http://schemas.microsoft.com/office/drawing/2014/main" id="{99300FDC-EEF8-4E55-807C-733FE3611490}"/>
+                <a16:creationId xmlns:a16="http://schemas.microsoft.com/office/drawing/2014/main" id="{2B1DD8E1-E321-4A11-8B31-EC204A25083D}"/>
               </a:ext>
             </a:extLst>
           </p:cNvPr>
@@ -17521,17 +17462,14 @@
         </p:nvSpPr>
         <p:spPr>
           <a:xfrm>
-            <a:off x="828675" y="3918905"/>
-            <a:ext cx="1514475" cy="646331"/>
+            <a:off x="2409824" y="4372208"/>
+            <a:ext cx="9096375" cy="733168"/>
           </a:xfrm>
-          <a:prstGeom prst="homePlate">
+          <a:prstGeom prst="rect">
             <a:avLst/>
           </a:prstGeom>
           <a:solidFill>
-            <a:schemeClr val="bg1">
-              <a:lumMod val="65000"/>
-              <a:lumOff val="35000"/>
-            </a:schemeClr>
+            <a:srgbClr val="595959"/>
           </a:solidFill>
           <a:ln w="38100">
             <a:solidFill>
@@ -17563,21 +17501,28 @@
           <a:p>
             <a:pPr algn="ctr"/>
             <a:r>
-              <a:rPr lang="ko-KR" altLang="en-US" dirty="0">
+              <a:rPr lang="ko-KR" altLang="en-US" sz="2400" dirty="0">
+                <a:solidFill>
+                  <a:schemeClr val="bg1"/>
+                </a:solidFill>
                 <a:latin typeface="HY헤드라인M" panose="02030600000101010101" pitchFamily="18" charset="-127"/>
                 <a:ea typeface="HY헤드라인M" panose="02030600000101010101" pitchFamily="18" charset="-127"/>
               </a:rPr>
-              <a:t>플랫폼</a:t>
-            </a:r>
+              <a:t>카메라 워킹을 구현하여 몰입도 있는 게임 개발</a:t>
+            </a:r>
+            <a:endParaRPr lang="en-US" altLang="ko-KR" sz="2400" dirty="0">
+              <a:latin typeface="HY헤드라인M" panose="02030600000101010101" pitchFamily="18" charset="-127"/>
+              <a:ea typeface="HY헤드라인M" panose="02030600000101010101" pitchFamily="18" charset="-127"/>
+            </a:endParaRPr>
           </a:p>
         </p:txBody>
       </p:sp>
       <p:sp>
         <p:nvSpPr>
-          <p:cNvPr id="5" name="직사각형 4">
+          <p:cNvPr id="12" name="직사각형 11">
             <a:extLst>
               <a:ext uri="{FF2B5EF4-FFF2-40B4-BE49-F238E27FC236}">
-                <a16:creationId xmlns:a16="http://schemas.microsoft.com/office/drawing/2014/main" id="{D99CAFC8-5D70-4B56-B14E-9243AFFFDE22}"/>
+                <a16:creationId xmlns:a16="http://schemas.microsoft.com/office/drawing/2014/main" id="{86D9A914-90F6-4C3C-BAF0-EAAD02E49400}"/>
               </a:ext>
             </a:extLst>
           </p:cNvPr>
@@ -17586,18 +17531,15 @@
         </p:nvSpPr>
         <p:spPr>
           <a:xfrm>
-            <a:off x="6619874" y="1571625"/>
-            <a:ext cx="5343525" cy="4210050"/>
+            <a:off x="1419225" y="5318007"/>
+            <a:ext cx="10086974" cy="1378627"/>
           </a:xfrm>
           <a:prstGeom prst="rect">
             <a:avLst/>
           </a:prstGeom>
-          <a:blipFill>
-            <a:blip r:embed="rId2"/>
-            <a:stretch>
-              <a:fillRect/>
-            </a:stretch>
-          </a:blipFill>
+          <a:solidFill>
+            <a:srgbClr val="595959"/>
+          </a:solidFill>
           <a:ln w="38100">
             <a:solidFill>
               <a:schemeClr val="tx1">
@@ -17623,68 +17565,29 @@
           </a:fontRef>
         </p:style>
         <p:txBody>
-          <a:bodyPr rtlCol="0" anchor="ctr"/>
+          <a:bodyPr rtlCol="0" anchor="t"/>
           <a:lstStyle/>
           <a:p>
-            <a:pPr algn="ctr"/>
-            <a:endParaRPr lang="ko-KR" altLang="en-US" dirty="0"/>
-          </a:p>
-        </p:txBody>
-      </p:sp>
-      <p:sp>
-        <p:nvSpPr>
-          <p:cNvPr id="15" name="직사각형 14">
-            <a:extLst>
-              <a:ext uri="{FF2B5EF4-FFF2-40B4-BE49-F238E27FC236}">
-                <a16:creationId xmlns:a16="http://schemas.microsoft.com/office/drawing/2014/main" id="{2E6EA2DA-BF0D-4060-857B-299EBB620988}"/>
-              </a:ext>
-            </a:extLst>
-          </p:cNvPr>
-          <p:cNvSpPr/>
-          <p:nvPr/>
-        </p:nvSpPr>
-        <p:spPr>
-          <a:xfrm>
-            <a:off x="6619874" y="1076325"/>
-            <a:ext cx="5343525" cy="495300"/>
-          </a:xfrm>
-          <a:prstGeom prst="rect">
-            <a:avLst/>
-          </a:prstGeom>
-          <a:ln w="38100">
-            <a:solidFill>
-              <a:schemeClr val="tx1">
-                <a:lumMod val="85000"/>
-              </a:schemeClr>
-            </a:solidFill>
-          </a:ln>
-        </p:spPr>
-        <p:style>
-          <a:lnRef idx="2">
-            <a:schemeClr val="accent1">
-              <a:shade val="50000"/>
-            </a:schemeClr>
-          </a:lnRef>
-          <a:fillRef idx="1">
-            <a:schemeClr val="accent1"/>
-          </a:fillRef>
-          <a:effectRef idx="0">
-            <a:schemeClr val="accent1"/>
-          </a:effectRef>
-          <a:fontRef idx="minor">
-            <a:schemeClr val="lt1"/>
-          </a:fontRef>
-        </p:style>
-        <p:txBody>
-          <a:bodyPr rtlCol="0" anchor="ctr"/>
-          <a:lstStyle/>
-          <a:p>
-            <a:r>
-              <a:rPr lang="ko-KR" altLang="en-US" dirty="0">
+            <a:r>
+              <a:rPr lang="en-US" altLang="ko-KR" sz="2400" dirty="0">
                 <a:latin typeface="HY헤드라인M" panose="02030600000101010101" pitchFamily="18" charset="-127"/>
                 <a:ea typeface="HY헤드라인M" panose="02030600000101010101" pitchFamily="18" charset="-127"/>
               </a:rPr>
-              <a:t>컨셉 아트</a:t>
+              <a:t>Need 	-	</a:t>
+            </a:r>
+            <a:r>
+              <a:rPr lang="ko-KR" altLang="en-US" sz="2400" dirty="0">
+                <a:latin typeface="HY헤드라인M" panose="02030600000101010101" pitchFamily="18" charset="-127"/>
+                <a:ea typeface="HY헤드라인M" panose="02030600000101010101" pitchFamily="18" charset="-127"/>
+              </a:rPr>
+              <a:t>왜 만드는가</a:t>
+            </a:r>
+            <a:r>
+              <a:rPr lang="en-US" altLang="ko-KR" sz="2400" dirty="0">
+                <a:latin typeface="HY헤드라인M" panose="02030600000101010101" pitchFamily="18" charset="-127"/>
+                <a:ea typeface="HY헤드라인M" panose="02030600000101010101" pitchFamily="18" charset="-127"/>
+              </a:rPr>
+              <a:t>?</a:t>
             </a:r>
           </a:p>
         </p:txBody>
@@ -17692,7 +17595,7 @@
     </p:spTree>
     <p:extLst>
       <p:ext uri="{BB962C8B-B14F-4D97-AF65-F5344CB8AC3E}">
-        <p14:creationId xmlns:p14="http://schemas.microsoft.com/office/powerpoint/2010/main" val="286028117"/>
+        <p14:creationId xmlns:p14="http://schemas.microsoft.com/office/powerpoint/2010/main" val="2684313704"/>
       </p:ext>
     </p:extLst>
   </p:cSld>
@@ -17824,10 +17727,10 @@
       </p:sp>
       <p:sp>
         <p:nvSpPr>
-          <p:cNvPr id="5" name="직사각형 4">
+          <p:cNvPr id="3" name="직사각형 2">
             <a:extLst>
               <a:ext uri="{FF2B5EF4-FFF2-40B4-BE49-F238E27FC236}">
-                <a16:creationId xmlns:a16="http://schemas.microsoft.com/office/drawing/2014/main" id="{D99CAFC8-5D70-4B56-B14E-9243AFFFDE22}"/>
+                <a16:creationId xmlns:a16="http://schemas.microsoft.com/office/drawing/2014/main" id="{371211F3-BF7F-4CA5-ABE6-2910FE343D35}"/>
               </a:ext>
             </a:extLst>
           </p:cNvPr>
@@ -17836,248 +17739,7 @@
         </p:nvSpPr>
         <p:spPr>
           <a:xfrm>
-            <a:off x="1419225" y="1552575"/>
-            <a:ext cx="3895725" cy="2905125"/>
-          </a:xfrm>
-          <a:prstGeom prst="rect">
-            <a:avLst/>
-          </a:prstGeom>
-          <a:blipFill>
-            <a:blip r:embed="rId2"/>
-            <a:stretch>
-              <a:fillRect/>
-            </a:stretch>
-          </a:blipFill>
-          <a:ln w="38100">
-            <a:solidFill>
-              <a:schemeClr val="tx1">
-                <a:lumMod val="85000"/>
-              </a:schemeClr>
-            </a:solidFill>
-          </a:ln>
-        </p:spPr>
-        <p:style>
-          <a:lnRef idx="2">
-            <a:schemeClr val="accent1">
-              <a:shade val="50000"/>
-            </a:schemeClr>
-          </a:lnRef>
-          <a:fillRef idx="1">
-            <a:schemeClr val="accent1"/>
-          </a:fillRef>
-          <a:effectRef idx="0">
-            <a:schemeClr val="accent1"/>
-          </a:effectRef>
-          <a:fontRef idx="minor">
-            <a:schemeClr val="lt1"/>
-          </a:fontRef>
-        </p:style>
-        <p:txBody>
-          <a:bodyPr rtlCol="0" anchor="ctr"/>
-          <a:lstStyle/>
-          <a:p>
-            <a:pPr algn="ctr"/>
-            <a:r>
-              <a:rPr lang="ko-KR" altLang="en-US" dirty="0"/>
-              <a:t>샘플 이미지</a:t>
-            </a:r>
-            <a:endParaRPr lang="en-US" altLang="ko-KR" dirty="0"/>
-          </a:p>
-        </p:txBody>
-      </p:sp>
-      <p:sp>
-        <p:nvSpPr>
-          <p:cNvPr id="15" name="직사각형 14">
-            <a:extLst>
-              <a:ext uri="{FF2B5EF4-FFF2-40B4-BE49-F238E27FC236}">
-                <a16:creationId xmlns:a16="http://schemas.microsoft.com/office/drawing/2014/main" id="{2E6EA2DA-BF0D-4060-857B-299EBB620988}"/>
-              </a:ext>
-            </a:extLst>
-          </p:cNvPr>
-          <p:cNvSpPr/>
-          <p:nvPr/>
-        </p:nvSpPr>
-        <p:spPr>
-          <a:xfrm>
-            <a:off x="1419225" y="4457700"/>
-            <a:ext cx="3895725" cy="495300"/>
-          </a:xfrm>
-          <a:prstGeom prst="rect">
-            <a:avLst/>
-          </a:prstGeom>
-          <a:ln w="38100">
-            <a:solidFill>
-              <a:schemeClr val="tx1">
-                <a:lumMod val="85000"/>
-              </a:schemeClr>
-            </a:solidFill>
-          </a:ln>
-        </p:spPr>
-        <p:style>
-          <a:lnRef idx="2">
-            <a:schemeClr val="accent1">
-              <a:shade val="50000"/>
-            </a:schemeClr>
-          </a:lnRef>
-          <a:fillRef idx="1">
-            <a:schemeClr val="accent1"/>
-          </a:fillRef>
-          <a:effectRef idx="0">
-            <a:schemeClr val="accent1"/>
-          </a:effectRef>
-          <a:fontRef idx="minor">
-            <a:schemeClr val="lt1"/>
-          </a:fontRef>
-        </p:style>
-        <p:txBody>
-          <a:bodyPr rtlCol="0" anchor="ctr"/>
-          <a:lstStyle/>
-          <a:p>
-            <a:r>
-              <a:rPr lang="ko-KR" altLang="en-US" dirty="0">
-                <a:latin typeface="HY헤드라인M" panose="02030600000101010101" pitchFamily="18" charset="-127"/>
-                <a:ea typeface="HY헤드라인M" panose="02030600000101010101" pitchFamily="18" charset="-127"/>
-              </a:rPr>
-              <a:t>캐릭터</a:t>
-            </a:r>
-          </a:p>
-        </p:txBody>
-      </p:sp>
-      <p:sp>
-        <p:nvSpPr>
-          <p:cNvPr id="12" name="직사각형 11">
-            <a:extLst>
-              <a:ext uri="{FF2B5EF4-FFF2-40B4-BE49-F238E27FC236}">
-                <a16:creationId xmlns:a16="http://schemas.microsoft.com/office/drawing/2014/main" id="{8C563521-58BA-4079-87B9-36BB1B924B56}"/>
-              </a:ext>
-            </a:extLst>
-          </p:cNvPr>
-          <p:cNvSpPr/>
-          <p:nvPr/>
-        </p:nvSpPr>
-        <p:spPr>
-          <a:xfrm>
-            <a:off x="6877050" y="1552575"/>
-            <a:ext cx="3895725" cy="2905125"/>
-          </a:xfrm>
-          <a:prstGeom prst="rect">
-            <a:avLst/>
-          </a:prstGeom>
-          <a:blipFill>
-            <a:blip r:embed="rId3"/>
-            <a:stretch>
-              <a:fillRect/>
-            </a:stretch>
-          </a:blipFill>
-          <a:ln w="38100">
-            <a:solidFill>
-              <a:schemeClr val="tx1">
-                <a:lumMod val="85000"/>
-              </a:schemeClr>
-            </a:solidFill>
-          </a:ln>
-        </p:spPr>
-        <p:style>
-          <a:lnRef idx="2">
-            <a:schemeClr val="accent1">
-              <a:shade val="50000"/>
-            </a:schemeClr>
-          </a:lnRef>
-          <a:fillRef idx="1">
-            <a:schemeClr val="accent1"/>
-          </a:fillRef>
-          <a:effectRef idx="0">
-            <a:schemeClr val="accent1"/>
-          </a:effectRef>
-          <a:fontRef idx="minor">
-            <a:schemeClr val="lt1"/>
-          </a:fontRef>
-        </p:style>
-        <p:txBody>
-          <a:bodyPr rtlCol="0" anchor="ctr"/>
-          <a:lstStyle/>
-          <a:p>
-            <a:pPr algn="ctr"/>
-            <a:r>
-              <a:rPr lang="ko-KR" altLang="en-US" dirty="0"/>
-              <a:t>샘플 이미지</a:t>
-            </a:r>
-          </a:p>
-        </p:txBody>
-      </p:sp>
-      <p:sp>
-        <p:nvSpPr>
-          <p:cNvPr id="16" name="직사각형 15">
-            <a:extLst>
-              <a:ext uri="{FF2B5EF4-FFF2-40B4-BE49-F238E27FC236}">
-                <a16:creationId xmlns:a16="http://schemas.microsoft.com/office/drawing/2014/main" id="{754BF95F-5503-43EA-83B4-EB16E3EABDCA}"/>
-              </a:ext>
-            </a:extLst>
-          </p:cNvPr>
-          <p:cNvSpPr/>
-          <p:nvPr/>
-        </p:nvSpPr>
-        <p:spPr>
-          <a:xfrm>
-            <a:off x="6877050" y="4457700"/>
-            <a:ext cx="3895725" cy="495300"/>
-          </a:xfrm>
-          <a:prstGeom prst="rect">
-            <a:avLst/>
-          </a:prstGeom>
-          <a:ln w="38100">
-            <a:solidFill>
-              <a:schemeClr val="tx1">
-                <a:lumMod val="85000"/>
-              </a:schemeClr>
-            </a:solidFill>
-          </a:ln>
-        </p:spPr>
-        <p:style>
-          <a:lnRef idx="2">
-            <a:schemeClr val="accent1">
-              <a:shade val="50000"/>
-            </a:schemeClr>
-          </a:lnRef>
-          <a:fillRef idx="1">
-            <a:schemeClr val="accent1"/>
-          </a:fillRef>
-          <a:effectRef idx="0">
-            <a:schemeClr val="accent1"/>
-          </a:effectRef>
-          <a:fontRef idx="minor">
-            <a:schemeClr val="lt1"/>
-          </a:fontRef>
-        </p:style>
-        <p:txBody>
-          <a:bodyPr rtlCol="0" anchor="ctr"/>
-          <a:lstStyle/>
-          <a:p>
-            <a:r>
-              <a:rPr lang="ko-KR" altLang="en-US" dirty="0">
-                <a:latin typeface="HY헤드라인M" panose="02030600000101010101" pitchFamily="18" charset="-127"/>
-                <a:ea typeface="HY헤드라인M" panose="02030600000101010101" pitchFamily="18" charset="-127"/>
-              </a:rPr>
-              <a:t>맵</a:t>
-            </a:r>
-          </a:p>
-        </p:txBody>
-      </p:sp>
-      <p:sp>
-        <p:nvSpPr>
-          <p:cNvPr id="17" name="직사각형 16">
-            <a:extLst>
-              <a:ext uri="{FF2B5EF4-FFF2-40B4-BE49-F238E27FC236}">
-                <a16:creationId xmlns:a16="http://schemas.microsoft.com/office/drawing/2014/main" id="{65A7E255-6BDD-453F-9B8B-99D3F51AE62B}"/>
-              </a:ext>
-            </a:extLst>
-          </p:cNvPr>
-          <p:cNvSpPr/>
-          <p:nvPr/>
-        </p:nvSpPr>
-        <p:spPr>
-          <a:xfrm>
-            <a:off x="1298101" y="5219700"/>
+            <a:off x="1419225" y="2171701"/>
             <a:ext cx="4676775" cy="646330"/>
           </a:xfrm>
           <a:prstGeom prst="rect">
@@ -18113,7 +17775,7 @@
           <a:p>
             <a:pPr algn="ctr"/>
             <a:r>
-              <a:rPr lang="en-US" altLang="ko-KR">
+              <a:rPr lang="en-US" altLang="ko-KR" dirty="0">
                 <a:latin typeface="HY헤드라인M" panose="02030600000101010101" pitchFamily="18" charset="-127"/>
                 <a:ea typeface="HY헤드라인M" panose="02030600000101010101" pitchFamily="18" charset="-127"/>
               </a:rPr>
@@ -18128,10 +17790,10 @@
       </p:sp>
       <p:sp>
         <p:nvSpPr>
-          <p:cNvPr id="18" name="화살표: 오각형 17">
+          <p:cNvPr id="4" name="화살표: 오각형 3">
             <a:extLst>
               <a:ext uri="{FF2B5EF4-FFF2-40B4-BE49-F238E27FC236}">
-                <a16:creationId xmlns:a16="http://schemas.microsoft.com/office/drawing/2014/main" id="{88436C62-CFC1-4D42-AE58-9E1B00A85B6A}"/>
+                <a16:creationId xmlns:a16="http://schemas.microsoft.com/office/drawing/2014/main" id="{308CED75-E07F-424D-88A7-9C7FCB3C386D}"/>
               </a:ext>
             </a:extLst>
           </p:cNvPr>
@@ -18140,7 +17802,7 @@
         </p:nvSpPr>
         <p:spPr>
           <a:xfrm>
-            <a:off x="707551" y="5219699"/>
+            <a:off x="828675" y="2171700"/>
             <a:ext cx="1514475" cy="646331"/>
           </a:xfrm>
           <a:prstGeom prst="homePlate">
@@ -18182,21 +17844,21 @@
           <a:p>
             <a:pPr algn="ctr"/>
             <a:r>
-              <a:rPr lang="ko-KR" altLang="en-US" sz="1600" dirty="0">
+              <a:rPr lang="ko-KR" altLang="en-US" dirty="0">
                 <a:latin typeface="HY헤드라인M" panose="02030600000101010101" pitchFamily="18" charset="-127"/>
                 <a:ea typeface="HY헤드라인M" panose="02030600000101010101" pitchFamily="18" charset="-127"/>
               </a:rPr>
-              <a:t>캐릭터 크기</a:t>
+              <a:t>게임 제목</a:t>
             </a:r>
           </a:p>
         </p:txBody>
       </p:sp>
       <p:sp>
         <p:nvSpPr>
-          <p:cNvPr id="24" name="직사각형 23">
+          <p:cNvPr id="9" name="직사각형 8">
             <a:extLst>
               <a:ext uri="{FF2B5EF4-FFF2-40B4-BE49-F238E27FC236}">
-                <a16:creationId xmlns:a16="http://schemas.microsoft.com/office/drawing/2014/main" id="{2798B447-5B3B-4B9E-8896-02FA1F68D6E3}"/>
+                <a16:creationId xmlns:a16="http://schemas.microsoft.com/office/drawing/2014/main" id="{94EB0450-8766-4AF2-8E2C-52F043015292}"/>
               </a:ext>
             </a:extLst>
           </p:cNvPr>
@@ -18205,7 +17867,7 @@
         </p:nvSpPr>
         <p:spPr>
           <a:xfrm>
-            <a:off x="3878738" y="6053415"/>
+            <a:off x="1419225" y="3045304"/>
             <a:ext cx="4676775" cy="646330"/>
           </a:xfrm>
           <a:prstGeom prst="rect">
@@ -18241,25 +17903,21 @@
           <a:p>
             <a:pPr algn="ctr"/>
             <a:r>
-              <a:rPr lang="en-US" altLang="ko-KR" dirty="0">
+              <a:rPr lang="ko-KR" altLang="en-US" dirty="0">
                 <a:latin typeface="HY헤드라인M" panose="02030600000101010101" pitchFamily="18" charset="-127"/>
                 <a:ea typeface="HY헤드라인M" panose="02030600000101010101" pitchFamily="18" charset="-127"/>
               </a:rPr>
-              <a:t>200 Km/h</a:t>
-            </a:r>
-            <a:endParaRPr lang="ko-KR" altLang="en-US" dirty="0">
-              <a:latin typeface="HY헤드라인M" panose="02030600000101010101" pitchFamily="18" charset="-127"/>
-              <a:ea typeface="HY헤드라인M" panose="02030600000101010101" pitchFamily="18" charset="-127"/>
-            </a:endParaRPr>
+              <a:t>캐주얼 레이싱 게임</a:t>
+            </a:r>
           </a:p>
         </p:txBody>
       </p:sp>
       <p:sp>
         <p:nvSpPr>
-          <p:cNvPr id="25" name="화살표: 오각형 24">
+          <p:cNvPr id="10" name="화살표: 오각형 9">
             <a:extLst>
               <a:ext uri="{FF2B5EF4-FFF2-40B4-BE49-F238E27FC236}">
-                <a16:creationId xmlns:a16="http://schemas.microsoft.com/office/drawing/2014/main" id="{37B31AA0-E3AD-49EE-9C5E-1622FEEFD01B}"/>
+                <a16:creationId xmlns:a16="http://schemas.microsoft.com/office/drawing/2014/main" id="{216BC9BA-B9F8-4487-A8A8-83823483412F}"/>
               </a:ext>
             </a:extLst>
           </p:cNvPr>
@@ -18268,7 +17926,7 @@
         </p:nvSpPr>
         <p:spPr>
           <a:xfrm>
-            <a:off x="3288188" y="6053414"/>
+            <a:off x="828675" y="3045303"/>
             <a:ext cx="1514475" cy="646331"/>
           </a:xfrm>
           <a:prstGeom prst="homePlate">
@@ -18310,21 +17968,21 @@
           <a:p>
             <a:pPr algn="ctr"/>
             <a:r>
-              <a:rPr lang="ko-KR" altLang="en-US" sz="1600" dirty="0">
+              <a:rPr lang="ko-KR" altLang="en-US" dirty="0">
                 <a:latin typeface="HY헤드라인M" panose="02030600000101010101" pitchFamily="18" charset="-127"/>
                 <a:ea typeface="HY헤드라인M" panose="02030600000101010101" pitchFamily="18" charset="-127"/>
               </a:rPr>
-              <a:t>속도</a:t>
+              <a:t>게임 장르</a:t>
             </a:r>
           </a:p>
         </p:txBody>
       </p:sp>
       <p:sp>
         <p:nvSpPr>
-          <p:cNvPr id="26" name="직사각형 25">
+          <p:cNvPr id="13" name="직사각형 12">
             <a:extLst>
               <a:ext uri="{FF2B5EF4-FFF2-40B4-BE49-F238E27FC236}">
-                <a16:creationId xmlns:a16="http://schemas.microsoft.com/office/drawing/2014/main" id="{54EB958C-F961-4567-A78B-CE66F04945D8}"/>
+                <a16:creationId xmlns:a16="http://schemas.microsoft.com/office/drawing/2014/main" id="{942580F5-3AFF-4EA6-B39F-9AE8FF448988}"/>
               </a:ext>
             </a:extLst>
           </p:cNvPr>
@@ -18333,7 +17991,7 @@
         </p:nvSpPr>
         <p:spPr>
           <a:xfrm>
-            <a:off x="6807676" y="5219699"/>
+            <a:off x="1419225" y="3918906"/>
             <a:ext cx="4676775" cy="646330"/>
           </a:xfrm>
           <a:prstGeom prst="rect">
@@ -18373,7 +18031,7 @@
                 <a:latin typeface="HY헤드라인M" panose="02030600000101010101" pitchFamily="18" charset="-127"/>
                 <a:ea typeface="HY헤드라인M" panose="02030600000101010101" pitchFamily="18" charset="-127"/>
               </a:rPr>
-              <a:t>500 X 1000 X 200 M</a:t>
+              <a:t>PC</a:t>
             </a:r>
             <a:endParaRPr lang="ko-KR" altLang="en-US" dirty="0">
               <a:latin typeface="HY헤드라인M" panose="02030600000101010101" pitchFamily="18" charset="-127"/>
@@ -18384,10 +18042,10 @@
       </p:sp>
       <p:sp>
         <p:nvSpPr>
-          <p:cNvPr id="27" name="화살표: 오각형 26">
+          <p:cNvPr id="14" name="화살표: 오각형 13">
             <a:extLst>
               <a:ext uri="{FF2B5EF4-FFF2-40B4-BE49-F238E27FC236}">
-                <a16:creationId xmlns:a16="http://schemas.microsoft.com/office/drawing/2014/main" id="{ABF90545-76CC-4468-B9E6-EA77ABC43A48}"/>
+                <a16:creationId xmlns:a16="http://schemas.microsoft.com/office/drawing/2014/main" id="{99300FDC-EEF8-4E55-807C-733FE3611490}"/>
               </a:ext>
             </a:extLst>
           </p:cNvPr>
@@ -18396,7 +18054,7 @@
         </p:nvSpPr>
         <p:spPr>
           <a:xfrm>
-            <a:off x="6217126" y="5219698"/>
+            <a:off x="828675" y="3918905"/>
             <a:ext cx="1514475" cy="646331"/>
           </a:xfrm>
           <a:prstGeom prst="homePlate">
@@ -18438,11 +18096,128 @@
           <a:p>
             <a:pPr algn="ctr"/>
             <a:r>
-              <a:rPr lang="ko-KR" altLang="en-US" sz="1600" dirty="0">
+              <a:rPr lang="ko-KR" altLang="en-US" dirty="0">
                 <a:latin typeface="HY헤드라인M" panose="02030600000101010101" pitchFamily="18" charset="-127"/>
                 <a:ea typeface="HY헤드라인M" panose="02030600000101010101" pitchFamily="18" charset="-127"/>
               </a:rPr>
-              <a:t>맵 크기</a:t>
+              <a:t>플랫폼</a:t>
+            </a:r>
+          </a:p>
+        </p:txBody>
+      </p:sp>
+      <p:sp>
+        <p:nvSpPr>
+          <p:cNvPr id="5" name="직사각형 4">
+            <a:extLst>
+              <a:ext uri="{FF2B5EF4-FFF2-40B4-BE49-F238E27FC236}">
+                <a16:creationId xmlns:a16="http://schemas.microsoft.com/office/drawing/2014/main" id="{D99CAFC8-5D70-4B56-B14E-9243AFFFDE22}"/>
+              </a:ext>
+            </a:extLst>
+          </p:cNvPr>
+          <p:cNvSpPr/>
+          <p:nvPr/>
+        </p:nvSpPr>
+        <p:spPr>
+          <a:xfrm>
+            <a:off x="6619874" y="1571625"/>
+            <a:ext cx="5343525" cy="4210050"/>
+          </a:xfrm>
+          <a:prstGeom prst="rect">
+            <a:avLst/>
+          </a:prstGeom>
+          <a:blipFill>
+            <a:blip r:embed="rId2"/>
+            <a:stretch>
+              <a:fillRect/>
+            </a:stretch>
+          </a:blipFill>
+          <a:ln w="38100">
+            <a:solidFill>
+              <a:schemeClr val="tx1">
+                <a:lumMod val="85000"/>
+              </a:schemeClr>
+            </a:solidFill>
+          </a:ln>
+        </p:spPr>
+        <p:style>
+          <a:lnRef idx="2">
+            <a:schemeClr val="accent1">
+              <a:shade val="50000"/>
+            </a:schemeClr>
+          </a:lnRef>
+          <a:fillRef idx="1">
+            <a:schemeClr val="accent1"/>
+          </a:fillRef>
+          <a:effectRef idx="0">
+            <a:schemeClr val="accent1"/>
+          </a:effectRef>
+          <a:fontRef idx="minor">
+            <a:schemeClr val="lt1"/>
+          </a:fontRef>
+        </p:style>
+        <p:txBody>
+          <a:bodyPr rtlCol="0" anchor="ctr"/>
+          <a:lstStyle/>
+          <a:p>
+            <a:pPr algn="ctr"/>
+            <a:endParaRPr lang="ko-KR" altLang="en-US" dirty="0"/>
+          </a:p>
+        </p:txBody>
+      </p:sp>
+      <p:sp>
+        <p:nvSpPr>
+          <p:cNvPr id="15" name="직사각형 14">
+            <a:extLst>
+              <a:ext uri="{FF2B5EF4-FFF2-40B4-BE49-F238E27FC236}">
+                <a16:creationId xmlns:a16="http://schemas.microsoft.com/office/drawing/2014/main" id="{2E6EA2DA-BF0D-4060-857B-299EBB620988}"/>
+              </a:ext>
+            </a:extLst>
+          </p:cNvPr>
+          <p:cNvSpPr/>
+          <p:nvPr/>
+        </p:nvSpPr>
+        <p:spPr>
+          <a:xfrm>
+            <a:off x="6619874" y="1076325"/>
+            <a:ext cx="5343525" cy="495300"/>
+          </a:xfrm>
+          <a:prstGeom prst="rect">
+            <a:avLst/>
+          </a:prstGeom>
+          <a:ln w="38100">
+            <a:solidFill>
+              <a:schemeClr val="tx1">
+                <a:lumMod val="85000"/>
+              </a:schemeClr>
+            </a:solidFill>
+          </a:ln>
+        </p:spPr>
+        <p:style>
+          <a:lnRef idx="2">
+            <a:schemeClr val="accent1">
+              <a:shade val="50000"/>
+            </a:schemeClr>
+          </a:lnRef>
+          <a:fillRef idx="1">
+            <a:schemeClr val="accent1"/>
+          </a:fillRef>
+          <a:effectRef idx="0">
+            <a:schemeClr val="accent1"/>
+          </a:effectRef>
+          <a:fontRef idx="minor">
+            <a:schemeClr val="lt1"/>
+          </a:fontRef>
+        </p:style>
+        <p:txBody>
+          <a:bodyPr rtlCol="0" anchor="ctr"/>
+          <a:lstStyle/>
+          <a:p>
+            <a:r>
+              <a:rPr lang="ko-KR" altLang="en-US" dirty="0">
+                <a:latin typeface="HY헤드라인M" panose="02030600000101010101" pitchFamily="18" charset="-127"/>
+                <a:ea typeface="HY헤드라인M" panose="02030600000101010101" pitchFamily="18" charset="-127"/>
+              </a:rPr>
+              <a:t>컨셉 아트</a:t>
             </a:r>
           </a:p>
         </p:txBody>
@@ -18450,7 +18225,7 @@
     </p:spTree>
     <p:extLst>
       <p:ext uri="{BB962C8B-B14F-4D97-AF65-F5344CB8AC3E}">
-        <p14:creationId xmlns:p14="http://schemas.microsoft.com/office/powerpoint/2010/main" val="2830915761"/>
+        <p14:creationId xmlns:p14="http://schemas.microsoft.com/office/powerpoint/2010/main" val="286028117"/>
       </p:ext>
     </p:extLst>
   </p:cSld>
@@ -18600,6 +18375,12 @@
           <a:prstGeom prst="rect">
             <a:avLst/>
           </a:prstGeom>
+          <a:blipFill>
+            <a:blip r:embed="rId2"/>
+            <a:stretch>
+              <a:fillRect/>
+            </a:stretch>
+          </a:blipFill>
           <a:ln w="38100">
             <a:solidFill>
               <a:schemeClr val="tx1">
@@ -18631,17 +18412,18 @@
             <a:pPr algn="ctr"/>
             <a:r>
               <a:rPr lang="ko-KR" altLang="en-US" dirty="0"/>
-              <a:t>게임 플레이를 나타낼 수 있는 이미지</a:t>
-            </a:r>
+              <a:t>샘플 이미지</a:t>
+            </a:r>
+            <a:endParaRPr lang="en-US" altLang="ko-KR" dirty="0"/>
           </a:p>
         </p:txBody>
       </p:sp>
       <p:sp>
         <p:nvSpPr>
-          <p:cNvPr id="12" name="직사각형 11">
+          <p:cNvPr id="15" name="직사각형 14">
             <a:extLst>
               <a:ext uri="{FF2B5EF4-FFF2-40B4-BE49-F238E27FC236}">
-                <a16:creationId xmlns:a16="http://schemas.microsoft.com/office/drawing/2014/main" id="{8C563521-58BA-4079-87B9-36BB1B924B56}"/>
+                <a16:creationId xmlns:a16="http://schemas.microsoft.com/office/drawing/2014/main" id="{2E6EA2DA-BF0D-4060-857B-299EBB620988}"/>
               </a:ext>
             </a:extLst>
           </p:cNvPr>
@@ -18650,8 +18432,8 @@
         </p:nvSpPr>
         <p:spPr>
           <a:xfrm>
-            <a:off x="6877050" y="1552575"/>
-            <a:ext cx="3895725" cy="2905125"/>
+            <a:off x="1419225" y="4457700"/>
+            <a:ext cx="3895725" cy="495300"/>
           </a:xfrm>
           <a:prstGeom prst="rect">
             <a:avLst/>
@@ -18684,20 +18466,22 @@
           <a:bodyPr rtlCol="0" anchor="ctr"/>
           <a:lstStyle/>
           <a:p>
-            <a:pPr algn="ctr"/>
-            <a:r>
-              <a:rPr lang="ko-KR" altLang="en-US" dirty="0"/>
-              <a:t>게임 플레이를 나타낼 수 있는 이미지</a:t>
+            <a:r>
+              <a:rPr lang="ko-KR" altLang="en-US" dirty="0">
+                <a:latin typeface="HY헤드라인M" panose="02030600000101010101" pitchFamily="18" charset="-127"/>
+                <a:ea typeface="HY헤드라인M" panose="02030600000101010101" pitchFamily="18" charset="-127"/>
+              </a:rPr>
+              <a:t>캐릭터</a:t>
             </a:r>
           </a:p>
         </p:txBody>
       </p:sp>
       <p:sp>
         <p:nvSpPr>
-          <p:cNvPr id="21" name="직사각형 20">
+          <p:cNvPr id="12" name="직사각형 11">
             <a:extLst>
               <a:ext uri="{FF2B5EF4-FFF2-40B4-BE49-F238E27FC236}">
-                <a16:creationId xmlns:a16="http://schemas.microsoft.com/office/drawing/2014/main" id="{10E13A6B-C745-4F93-973A-1C6A56E91B0F}"/>
+                <a16:creationId xmlns:a16="http://schemas.microsoft.com/office/drawing/2014/main" id="{8C563521-58BA-4079-87B9-36BB1B924B56}"/>
               </a:ext>
             </a:extLst>
           </p:cNvPr>
@@ -18706,8 +18490,70 @@
         </p:nvSpPr>
         <p:spPr>
           <a:xfrm>
-            <a:off x="668101" y="4830855"/>
-            <a:ext cx="9353551" cy="1260000"/>
+            <a:off x="6877050" y="1552575"/>
+            <a:ext cx="3895725" cy="2905125"/>
+          </a:xfrm>
+          <a:prstGeom prst="rect">
+            <a:avLst/>
+          </a:prstGeom>
+          <a:blipFill>
+            <a:blip r:embed="rId3"/>
+            <a:stretch>
+              <a:fillRect/>
+            </a:stretch>
+          </a:blipFill>
+          <a:ln w="38100">
+            <a:solidFill>
+              <a:schemeClr val="tx1">
+                <a:lumMod val="85000"/>
+              </a:schemeClr>
+            </a:solidFill>
+          </a:ln>
+        </p:spPr>
+        <p:style>
+          <a:lnRef idx="2">
+            <a:schemeClr val="accent1">
+              <a:shade val="50000"/>
+            </a:schemeClr>
+          </a:lnRef>
+          <a:fillRef idx="1">
+            <a:schemeClr val="accent1"/>
+          </a:fillRef>
+          <a:effectRef idx="0">
+            <a:schemeClr val="accent1"/>
+          </a:effectRef>
+          <a:fontRef idx="minor">
+            <a:schemeClr val="lt1"/>
+          </a:fontRef>
+        </p:style>
+        <p:txBody>
+          <a:bodyPr rtlCol="0" anchor="ctr"/>
+          <a:lstStyle/>
+          <a:p>
+            <a:pPr algn="ctr"/>
+            <a:r>
+              <a:rPr lang="ko-KR" altLang="en-US" dirty="0"/>
+              <a:t>샘플 이미지</a:t>
+            </a:r>
+          </a:p>
+        </p:txBody>
+      </p:sp>
+      <p:sp>
+        <p:nvSpPr>
+          <p:cNvPr id="16" name="직사각형 15">
+            <a:extLst>
+              <a:ext uri="{FF2B5EF4-FFF2-40B4-BE49-F238E27FC236}">
+                <a16:creationId xmlns:a16="http://schemas.microsoft.com/office/drawing/2014/main" id="{754BF95F-5503-43EA-83B4-EB16E3EABDCA}"/>
+              </a:ext>
+            </a:extLst>
+          </p:cNvPr>
+          <p:cNvSpPr/>
+          <p:nvPr/>
+        </p:nvSpPr>
+        <p:spPr>
+          <a:xfrm>
+            <a:off x="6877050" y="4457700"/>
+            <a:ext cx="3895725" cy="495300"/>
           </a:xfrm>
           <a:prstGeom prst="rect">
             <a:avLst/>
@@ -18745,38 +18591,399 @@
                 <a:latin typeface="HY헤드라인M" panose="02030600000101010101" pitchFamily="18" charset="-127"/>
                 <a:ea typeface="HY헤드라인M" panose="02030600000101010101" pitchFamily="18" charset="-127"/>
               </a:rPr>
-              <a:t>아이템 사용과 맵 환경에 따른 실시간 능력치의 변동으로 인한 속도감의 변화</a:t>
-            </a:r>
-            <a:endParaRPr lang="en-US" altLang="ko-KR" dirty="0">
+              <a:t>맵</a:t>
+            </a:r>
+          </a:p>
+        </p:txBody>
+      </p:sp>
+      <p:sp>
+        <p:nvSpPr>
+          <p:cNvPr id="17" name="직사각형 16">
+            <a:extLst>
+              <a:ext uri="{FF2B5EF4-FFF2-40B4-BE49-F238E27FC236}">
+                <a16:creationId xmlns:a16="http://schemas.microsoft.com/office/drawing/2014/main" id="{65A7E255-6BDD-453F-9B8B-99D3F51AE62B}"/>
+              </a:ext>
+            </a:extLst>
+          </p:cNvPr>
+          <p:cNvSpPr/>
+          <p:nvPr/>
+        </p:nvSpPr>
+        <p:spPr>
+          <a:xfrm>
+            <a:off x="1298101" y="5219700"/>
+            <a:ext cx="4676775" cy="646330"/>
+          </a:xfrm>
+          <a:prstGeom prst="rect">
+            <a:avLst/>
+          </a:prstGeom>
+          <a:ln w="38100">
+            <a:solidFill>
+              <a:schemeClr val="tx1">
+                <a:lumMod val="85000"/>
+              </a:schemeClr>
+            </a:solidFill>
+          </a:ln>
+        </p:spPr>
+        <p:style>
+          <a:lnRef idx="2">
+            <a:schemeClr val="accent1">
+              <a:shade val="50000"/>
+            </a:schemeClr>
+          </a:lnRef>
+          <a:fillRef idx="1">
+            <a:schemeClr val="accent1"/>
+          </a:fillRef>
+          <a:effectRef idx="0">
+            <a:schemeClr val="accent1"/>
+          </a:effectRef>
+          <a:fontRef idx="minor">
+            <a:schemeClr val="lt1"/>
+          </a:fontRef>
+        </p:style>
+        <p:txBody>
+          <a:bodyPr rtlCol="0" anchor="ctr"/>
+          <a:lstStyle/>
+          <a:p>
+            <a:pPr algn="ctr"/>
+            <a:r>
+              <a:rPr lang="en-US" altLang="ko-KR">
+                <a:latin typeface="HY헤드라인M" panose="02030600000101010101" pitchFamily="18" charset="-127"/>
+                <a:ea typeface="HY헤드라인M" panose="02030600000101010101" pitchFamily="18" charset="-127"/>
+              </a:rPr>
+              <a:t>-</a:t>
+            </a:r>
+            <a:endParaRPr lang="ko-KR" altLang="en-US" dirty="0">
               <a:latin typeface="HY헤드라인M" panose="02030600000101010101" pitchFamily="18" charset="-127"/>
               <a:ea typeface="HY헤드라인M" panose="02030600000101010101" pitchFamily="18" charset="-127"/>
             </a:endParaRPr>
           </a:p>
-          <a:p>
-            <a:endParaRPr lang="en-US" altLang="ko-KR" dirty="0">
+        </p:txBody>
+      </p:sp>
+      <p:sp>
+        <p:nvSpPr>
+          <p:cNvPr id="18" name="화살표: 오각형 17">
+            <a:extLst>
+              <a:ext uri="{FF2B5EF4-FFF2-40B4-BE49-F238E27FC236}">
+                <a16:creationId xmlns:a16="http://schemas.microsoft.com/office/drawing/2014/main" id="{88436C62-CFC1-4D42-AE58-9E1B00A85B6A}"/>
+              </a:ext>
+            </a:extLst>
+          </p:cNvPr>
+          <p:cNvSpPr/>
+          <p:nvPr/>
+        </p:nvSpPr>
+        <p:spPr>
+          <a:xfrm>
+            <a:off x="707551" y="5219699"/>
+            <a:ext cx="1514475" cy="646331"/>
+          </a:xfrm>
+          <a:prstGeom prst="homePlate">
+            <a:avLst/>
+          </a:prstGeom>
+          <a:solidFill>
+            <a:schemeClr val="bg1">
+              <a:lumMod val="65000"/>
+              <a:lumOff val="35000"/>
+            </a:schemeClr>
+          </a:solidFill>
+          <a:ln w="38100">
+            <a:solidFill>
+              <a:schemeClr val="tx1">
+                <a:lumMod val="85000"/>
+              </a:schemeClr>
+            </a:solidFill>
+          </a:ln>
+        </p:spPr>
+        <p:style>
+          <a:lnRef idx="2">
+            <a:schemeClr val="accent1">
+              <a:shade val="50000"/>
+            </a:schemeClr>
+          </a:lnRef>
+          <a:fillRef idx="1">
+            <a:schemeClr val="accent1"/>
+          </a:fillRef>
+          <a:effectRef idx="0">
+            <a:schemeClr val="accent1"/>
+          </a:effectRef>
+          <a:fontRef idx="minor">
+            <a:schemeClr val="lt1"/>
+          </a:fontRef>
+        </p:style>
+        <p:txBody>
+          <a:bodyPr rtlCol="0" anchor="ctr"/>
+          <a:lstStyle/>
+          <a:p>
+            <a:pPr algn="ctr"/>
+            <a:r>
+              <a:rPr lang="ko-KR" altLang="en-US" sz="1600" dirty="0">
+                <a:latin typeface="HY헤드라인M" panose="02030600000101010101" pitchFamily="18" charset="-127"/>
+                <a:ea typeface="HY헤드라인M" panose="02030600000101010101" pitchFamily="18" charset="-127"/>
+              </a:rPr>
+              <a:t>캐릭터 크기</a:t>
+            </a:r>
+          </a:p>
+        </p:txBody>
+      </p:sp>
+      <p:sp>
+        <p:nvSpPr>
+          <p:cNvPr id="24" name="직사각형 23">
+            <a:extLst>
+              <a:ext uri="{FF2B5EF4-FFF2-40B4-BE49-F238E27FC236}">
+                <a16:creationId xmlns:a16="http://schemas.microsoft.com/office/drawing/2014/main" id="{2798B447-5B3B-4B9E-8896-02FA1F68D6E3}"/>
+              </a:ext>
+            </a:extLst>
+          </p:cNvPr>
+          <p:cNvSpPr/>
+          <p:nvPr/>
+        </p:nvSpPr>
+        <p:spPr>
+          <a:xfrm>
+            <a:off x="3878738" y="6053415"/>
+            <a:ext cx="4676775" cy="646330"/>
+          </a:xfrm>
+          <a:prstGeom prst="rect">
+            <a:avLst/>
+          </a:prstGeom>
+          <a:ln w="38100">
+            <a:solidFill>
+              <a:schemeClr val="tx1">
+                <a:lumMod val="85000"/>
+              </a:schemeClr>
+            </a:solidFill>
+          </a:ln>
+        </p:spPr>
+        <p:style>
+          <a:lnRef idx="2">
+            <a:schemeClr val="accent1">
+              <a:shade val="50000"/>
+            </a:schemeClr>
+          </a:lnRef>
+          <a:fillRef idx="1">
+            <a:schemeClr val="accent1"/>
+          </a:fillRef>
+          <a:effectRef idx="0">
+            <a:schemeClr val="accent1"/>
+          </a:effectRef>
+          <a:fontRef idx="minor">
+            <a:schemeClr val="lt1"/>
+          </a:fontRef>
+        </p:style>
+        <p:txBody>
+          <a:bodyPr rtlCol="0" anchor="ctr"/>
+          <a:lstStyle/>
+          <a:p>
+            <a:pPr algn="ctr"/>
+            <a:r>
+              <a:rPr lang="en-US" altLang="ko-KR" dirty="0">
+                <a:latin typeface="HY헤드라인M" panose="02030600000101010101" pitchFamily="18" charset="-127"/>
+                <a:ea typeface="HY헤드라인M" panose="02030600000101010101" pitchFamily="18" charset="-127"/>
+              </a:rPr>
+              <a:t>200 Km/h</a:t>
+            </a:r>
+            <a:endParaRPr lang="ko-KR" altLang="en-US" dirty="0">
               <a:latin typeface="HY헤드라인M" panose="02030600000101010101" pitchFamily="18" charset="-127"/>
               <a:ea typeface="HY헤드라인M" panose="02030600000101010101" pitchFamily="18" charset="-127"/>
             </a:endParaRPr>
           </a:p>
-          <a:p>
-            <a:r>
-              <a:rPr lang="ko-KR" altLang="en-US" dirty="0">
+        </p:txBody>
+      </p:sp>
+      <p:sp>
+        <p:nvSpPr>
+          <p:cNvPr id="25" name="화살표: 오각형 24">
+            <a:extLst>
+              <a:ext uri="{FF2B5EF4-FFF2-40B4-BE49-F238E27FC236}">
+                <a16:creationId xmlns:a16="http://schemas.microsoft.com/office/drawing/2014/main" id="{37B31AA0-E3AD-49EE-9C5E-1622FEEFD01B}"/>
+              </a:ext>
+            </a:extLst>
+          </p:cNvPr>
+          <p:cNvSpPr/>
+          <p:nvPr/>
+        </p:nvSpPr>
+        <p:spPr>
+          <a:xfrm>
+            <a:off x="3288188" y="6053414"/>
+            <a:ext cx="1514475" cy="646331"/>
+          </a:xfrm>
+          <a:prstGeom prst="homePlate">
+            <a:avLst/>
+          </a:prstGeom>
+          <a:solidFill>
+            <a:schemeClr val="bg1">
+              <a:lumMod val="65000"/>
+              <a:lumOff val="35000"/>
+            </a:schemeClr>
+          </a:solidFill>
+          <a:ln w="38100">
+            <a:solidFill>
+              <a:schemeClr val="tx1">
+                <a:lumMod val="85000"/>
+              </a:schemeClr>
+            </a:solidFill>
+          </a:ln>
+        </p:spPr>
+        <p:style>
+          <a:lnRef idx="2">
+            <a:schemeClr val="accent1">
+              <a:shade val="50000"/>
+            </a:schemeClr>
+          </a:lnRef>
+          <a:fillRef idx="1">
+            <a:schemeClr val="accent1"/>
+          </a:fillRef>
+          <a:effectRef idx="0">
+            <a:schemeClr val="accent1"/>
+          </a:effectRef>
+          <a:fontRef idx="minor">
+            <a:schemeClr val="lt1"/>
+          </a:fontRef>
+        </p:style>
+        <p:txBody>
+          <a:bodyPr rtlCol="0" anchor="ctr"/>
+          <a:lstStyle/>
+          <a:p>
+            <a:pPr algn="ctr"/>
+            <a:r>
+              <a:rPr lang="ko-KR" altLang="en-US" sz="1600" dirty="0">
                 <a:latin typeface="HY헤드라인M" panose="02030600000101010101" pitchFamily="18" charset="-127"/>
                 <a:ea typeface="HY헤드라인M" panose="02030600000101010101" pitchFamily="18" charset="-127"/>
               </a:rPr>
-              <a:t>방해물에 의한 실시간 오브젝트 생성으로 긴장감 생성</a:t>
-            </a:r>
-            <a:endParaRPr lang="en-US" altLang="ko-KR" dirty="0">
+              <a:t>속도</a:t>
+            </a:r>
+          </a:p>
+        </p:txBody>
+      </p:sp>
+      <p:sp>
+        <p:nvSpPr>
+          <p:cNvPr id="26" name="직사각형 25">
+            <a:extLst>
+              <a:ext uri="{FF2B5EF4-FFF2-40B4-BE49-F238E27FC236}">
+                <a16:creationId xmlns:a16="http://schemas.microsoft.com/office/drawing/2014/main" id="{54EB958C-F961-4567-A78B-CE66F04945D8}"/>
+              </a:ext>
+            </a:extLst>
+          </p:cNvPr>
+          <p:cNvSpPr/>
+          <p:nvPr/>
+        </p:nvSpPr>
+        <p:spPr>
+          <a:xfrm>
+            <a:off x="6807676" y="5219699"/>
+            <a:ext cx="4676775" cy="646330"/>
+          </a:xfrm>
+          <a:prstGeom prst="rect">
+            <a:avLst/>
+          </a:prstGeom>
+          <a:ln w="38100">
+            <a:solidFill>
+              <a:schemeClr val="tx1">
+                <a:lumMod val="85000"/>
+              </a:schemeClr>
+            </a:solidFill>
+          </a:ln>
+        </p:spPr>
+        <p:style>
+          <a:lnRef idx="2">
+            <a:schemeClr val="accent1">
+              <a:shade val="50000"/>
+            </a:schemeClr>
+          </a:lnRef>
+          <a:fillRef idx="1">
+            <a:schemeClr val="accent1"/>
+          </a:fillRef>
+          <a:effectRef idx="0">
+            <a:schemeClr val="accent1"/>
+          </a:effectRef>
+          <a:fontRef idx="minor">
+            <a:schemeClr val="lt1"/>
+          </a:fontRef>
+        </p:style>
+        <p:txBody>
+          <a:bodyPr rtlCol="0" anchor="ctr"/>
+          <a:lstStyle/>
+          <a:p>
+            <a:pPr algn="ctr"/>
+            <a:r>
+              <a:rPr lang="en-US" altLang="ko-KR" dirty="0">
+                <a:latin typeface="HY헤드라인M" panose="02030600000101010101" pitchFamily="18" charset="-127"/>
+                <a:ea typeface="HY헤드라인M" panose="02030600000101010101" pitchFamily="18" charset="-127"/>
+              </a:rPr>
+              <a:t>500 X 1000 X 200 M</a:t>
+            </a:r>
+            <a:endParaRPr lang="ko-KR" altLang="en-US" dirty="0">
               <a:latin typeface="HY헤드라인M" panose="02030600000101010101" pitchFamily="18" charset="-127"/>
               <a:ea typeface="HY헤드라인M" panose="02030600000101010101" pitchFamily="18" charset="-127"/>
             </a:endParaRPr>
+          </a:p>
+        </p:txBody>
+      </p:sp>
+      <p:sp>
+        <p:nvSpPr>
+          <p:cNvPr id="27" name="화살표: 오각형 26">
+            <a:extLst>
+              <a:ext uri="{FF2B5EF4-FFF2-40B4-BE49-F238E27FC236}">
+                <a16:creationId xmlns:a16="http://schemas.microsoft.com/office/drawing/2014/main" id="{ABF90545-76CC-4468-B9E6-EA77ABC43A48}"/>
+              </a:ext>
+            </a:extLst>
+          </p:cNvPr>
+          <p:cNvSpPr/>
+          <p:nvPr/>
+        </p:nvSpPr>
+        <p:spPr>
+          <a:xfrm>
+            <a:off x="6217126" y="5219698"/>
+            <a:ext cx="1514475" cy="646331"/>
+          </a:xfrm>
+          <a:prstGeom prst="homePlate">
+            <a:avLst/>
+          </a:prstGeom>
+          <a:solidFill>
+            <a:schemeClr val="bg1">
+              <a:lumMod val="65000"/>
+              <a:lumOff val="35000"/>
+            </a:schemeClr>
+          </a:solidFill>
+          <a:ln w="38100">
+            <a:solidFill>
+              <a:schemeClr val="tx1">
+                <a:lumMod val="85000"/>
+              </a:schemeClr>
+            </a:solidFill>
+          </a:ln>
+        </p:spPr>
+        <p:style>
+          <a:lnRef idx="2">
+            <a:schemeClr val="accent1">
+              <a:shade val="50000"/>
+            </a:schemeClr>
+          </a:lnRef>
+          <a:fillRef idx="1">
+            <a:schemeClr val="accent1"/>
+          </a:fillRef>
+          <a:effectRef idx="0">
+            <a:schemeClr val="accent1"/>
+          </a:effectRef>
+          <a:fontRef idx="minor">
+            <a:schemeClr val="lt1"/>
+          </a:fontRef>
+        </p:style>
+        <p:txBody>
+          <a:bodyPr rtlCol="0" anchor="ctr"/>
+          <a:lstStyle/>
+          <a:p>
+            <a:pPr algn="ctr"/>
+            <a:r>
+              <a:rPr lang="ko-KR" altLang="en-US" sz="1600" dirty="0">
+                <a:latin typeface="HY헤드라인M" panose="02030600000101010101" pitchFamily="18" charset="-127"/>
+                <a:ea typeface="HY헤드라인M" panose="02030600000101010101" pitchFamily="18" charset="-127"/>
+              </a:rPr>
+              <a:t>맵 크기</a:t>
+            </a:r>
           </a:p>
         </p:txBody>
       </p:sp>
     </p:spTree>
     <p:extLst>
       <p:ext uri="{BB962C8B-B14F-4D97-AF65-F5344CB8AC3E}">
-        <p14:creationId xmlns:p14="http://schemas.microsoft.com/office/powerpoint/2010/main" val="671007507"/>
+        <p14:creationId xmlns:p14="http://schemas.microsoft.com/office/powerpoint/2010/main" val="2830915761"/>
       </p:ext>
     </p:extLst>
   </p:cSld>
@@ -18858,7 +19065,7 @@
                 <a:latin typeface="HY헤드라인M" panose="02030600000101010101" pitchFamily="18" charset="-127"/>
                 <a:ea typeface="HY헤드라인M" panose="02030600000101010101" pitchFamily="18" charset="-127"/>
               </a:rPr>
-              <a:t>3</a:t>
+              <a:t>2</a:t>
             </a:r>
             <a:endParaRPr lang="ko-KR" altLang="en-US" sz="5400" dirty="0">
               <a:latin typeface="HY헤드라인M" panose="02030600000101010101" pitchFamily="18" charset="-127"/>
@@ -18900,7 +19107,7 @@
                 <a:latin typeface="HY헤드라인M" panose="02030600000101010101" pitchFamily="18" charset="-127"/>
                 <a:ea typeface="HY헤드라인M" panose="02030600000101010101" pitchFamily="18" charset="-127"/>
               </a:rPr>
-              <a:t>게임 방법</a:t>
+              <a:t>게임 소개 및 특징</a:t>
             </a:r>
             <a:endParaRPr lang="ko-KR" altLang="en-US" dirty="0"/>
           </a:p>
@@ -18908,10 +19115,10 @@
       </p:sp>
       <p:sp>
         <p:nvSpPr>
-          <p:cNvPr id="20" name="직사각형 19">
+          <p:cNvPr id="5" name="직사각형 4">
             <a:extLst>
               <a:ext uri="{FF2B5EF4-FFF2-40B4-BE49-F238E27FC236}">
-                <a16:creationId xmlns:a16="http://schemas.microsoft.com/office/drawing/2014/main" id="{2E98EA4F-6B60-47EC-90E2-EE6F36422915}"/>
+                <a16:creationId xmlns:a16="http://schemas.microsoft.com/office/drawing/2014/main" id="{D99CAFC8-5D70-4B56-B14E-9243AFFFDE22}"/>
               </a:ext>
             </a:extLst>
           </p:cNvPr>
@@ -18920,8 +19127,8 @@
         </p:nvSpPr>
         <p:spPr>
           <a:xfrm>
-            <a:off x="2338107" y="4941057"/>
-            <a:ext cx="7515786" cy="1381128"/>
+            <a:off x="1419225" y="1552575"/>
+            <a:ext cx="3895725" cy="2905125"/>
           </a:xfrm>
           <a:prstGeom prst="rect">
             <a:avLst/>
@@ -18951,16 +19158,127 @@
           </a:fontRef>
         </p:style>
         <p:txBody>
-          <a:bodyPr rtlCol="0" anchor="t"/>
+          <a:bodyPr rtlCol="0" anchor="ctr"/>
           <a:lstStyle/>
           <a:p>
             <a:pPr algn="ctr"/>
+            <a:r>
+              <a:rPr lang="ko-KR" altLang="en-US" dirty="0"/>
+              <a:t>게임 플레이를 나타낼 수 있는 이미지</a:t>
+            </a:r>
+          </a:p>
+        </p:txBody>
+      </p:sp>
+      <p:sp>
+        <p:nvSpPr>
+          <p:cNvPr id="12" name="직사각형 11">
+            <a:extLst>
+              <a:ext uri="{FF2B5EF4-FFF2-40B4-BE49-F238E27FC236}">
+                <a16:creationId xmlns:a16="http://schemas.microsoft.com/office/drawing/2014/main" id="{8C563521-58BA-4079-87B9-36BB1B924B56}"/>
+              </a:ext>
+            </a:extLst>
+          </p:cNvPr>
+          <p:cNvSpPr/>
+          <p:nvPr/>
+        </p:nvSpPr>
+        <p:spPr>
+          <a:xfrm>
+            <a:off x="6877050" y="1552575"/>
+            <a:ext cx="3895725" cy="2905125"/>
+          </a:xfrm>
+          <a:prstGeom prst="rect">
+            <a:avLst/>
+          </a:prstGeom>
+          <a:ln w="38100">
+            <a:solidFill>
+              <a:schemeClr val="tx1">
+                <a:lumMod val="85000"/>
+              </a:schemeClr>
+            </a:solidFill>
+          </a:ln>
+        </p:spPr>
+        <p:style>
+          <a:lnRef idx="2">
+            <a:schemeClr val="accent1">
+              <a:shade val="50000"/>
+            </a:schemeClr>
+          </a:lnRef>
+          <a:fillRef idx="1">
+            <a:schemeClr val="accent1"/>
+          </a:fillRef>
+          <a:effectRef idx="0">
+            <a:schemeClr val="accent1"/>
+          </a:effectRef>
+          <a:fontRef idx="minor">
+            <a:schemeClr val="lt1"/>
+          </a:fontRef>
+        </p:style>
+        <p:txBody>
+          <a:bodyPr rtlCol="0" anchor="ctr"/>
+          <a:lstStyle/>
+          <a:p>
+            <a:pPr algn="ctr"/>
+            <a:r>
+              <a:rPr lang="ko-KR" altLang="en-US" dirty="0"/>
+              <a:t>게임 플레이를 나타낼 수 있는 이미지</a:t>
+            </a:r>
+          </a:p>
+        </p:txBody>
+      </p:sp>
+      <p:sp>
+        <p:nvSpPr>
+          <p:cNvPr id="21" name="직사각형 20">
+            <a:extLst>
+              <a:ext uri="{FF2B5EF4-FFF2-40B4-BE49-F238E27FC236}">
+                <a16:creationId xmlns:a16="http://schemas.microsoft.com/office/drawing/2014/main" id="{10E13A6B-C745-4F93-973A-1C6A56E91B0F}"/>
+              </a:ext>
+            </a:extLst>
+          </p:cNvPr>
+          <p:cNvSpPr/>
+          <p:nvPr/>
+        </p:nvSpPr>
+        <p:spPr>
+          <a:xfrm>
+            <a:off x="668101" y="4830855"/>
+            <a:ext cx="9353551" cy="1260000"/>
+          </a:xfrm>
+          <a:prstGeom prst="rect">
+            <a:avLst/>
+          </a:prstGeom>
+          <a:ln w="38100">
+            <a:solidFill>
+              <a:schemeClr val="tx1">
+                <a:lumMod val="85000"/>
+              </a:schemeClr>
+            </a:solidFill>
+          </a:ln>
+        </p:spPr>
+        <p:style>
+          <a:lnRef idx="2">
+            <a:schemeClr val="accent1">
+              <a:shade val="50000"/>
+            </a:schemeClr>
+          </a:lnRef>
+          <a:fillRef idx="1">
+            <a:schemeClr val="accent1"/>
+          </a:fillRef>
+          <a:effectRef idx="0">
+            <a:schemeClr val="accent1"/>
+          </a:effectRef>
+          <a:fontRef idx="minor">
+            <a:schemeClr val="lt1"/>
+          </a:fontRef>
+        </p:style>
+        <p:txBody>
+          <a:bodyPr rtlCol="0" anchor="ctr"/>
+          <a:lstStyle/>
+          <a:p>
             <a:r>
               <a:rPr lang="ko-KR" altLang="en-US" dirty="0">
                 <a:latin typeface="HY헤드라인M" panose="02030600000101010101" pitchFamily="18" charset="-127"/>
                 <a:ea typeface="HY헤드라인M" panose="02030600000101010101" pitchFamily="18" charset="-127"/>
               </a:rPr>
-              <a:t>조작법 설명</a:t>
+              <a:t>아이템 사용과 맵 환경에 따른 실시간 능력치의 변동으로 인한 속도감의 변화</a:t>
             </a:r>
             <a:endParaRPr lang="en-US" altLang="ko-KR" dirty="0">
               <a:latin typeface="HY헤드라인M" panose="02030600000101010101" pitchFamily="18" charset="-127"/>
@@ -18968,178 +19286,30 @@
             </a:endParaRPr>
           </a:p>
           <a:p>
-            <a:pPr algn="ctr"/>
             <a:endParaRPr lang="en-US" altLang="ko-KR" dirty="0">
               <a:latin typeface="HY헤드라인M" panose="02030600000101010101" pitchFamily="18" charset="-127"/>
               <a:ea typeface="HY헤드라인M" panose="02030600000101010101" pitchFamily="18" charset="-127"/>
             </a:endParaRPr>
           </a:p>
           <a:p>
-            <a:pPr algn="ctr"/>
             <a:r>
               <a:rPr lang="ko-KR" altLang="en-US" dirty="0">
-                <a:solidFill>
-                  <a:srgbClr val="B3E5FC"/>
-                </a:solidFill>
                 <a:latin typeface="HY헤드라인M" panose="02030600000101010101" pitchFamily="18" charset="-127"/>
                 <a:ea typeface="HY헤드라인M" panose="02030600000101010101" pitchFamily="18" charset="-127"/>
               </a:rPr>
-              <a:t>←→↑↓ </a:t>
-            </a:r>
-            <a:r>
-              <a:rPr lang="en-US" altLang="ko-KR" dirty="0">
-                <a:solidFill>
-                  <a:srgbClr val="B3E5FC"/>
-                </a:solidFill>
-                <a:latin typeface="HY헤드라인M" panose="02030600000101010101" pitchFamily="18" charset="-127"/>
-                <a:ea typeface="HY헤드라인M" panose="02030600000101010101" pitchFamily="18" charset="-127"/>
-              </a:rPr>
-              <a:t>:  </a:t>
-            </a:r>
-            <a:r>
-              <a:rPr lang="ko-KR" altLang="en-US" dirty="0">
-                <a:solidFill>
-                  <a:srgbClr val="B3E5FC"/>
-                </a:solidFill>
-                <a:latin typeface="HY헤드라인M" panose="02030600000101010101" pitchFamily="18" charset="-127"/>
-                <a:ea typeface="HY헤드라인M" panose="02030600000101010101" pitchFamily="18" charset="-127"/>
-              </a:rPr>
-              <a:t>이동</a:t>
-            </a:r>
-            <a:r>
-              <a:rPr lang="en-US" altLang="ko-KR" dirty="0">
-                <a:solidFill>
-                  <a:srgbClr val="B3E5FC"/>
-                </a:solidFill>
-                <a:latin typeface="HY헤드라인M" panose="02030600000101010101" pitchFamily="18" charset="-127"/>
-                <a:ea typeface="HY헤드라인M" panose="02030600000101010101" pitchFamily="18" charset="-127"/>
-              </a:rPr>
-              <a:t>			</a:t>
-            </a:r>
-            <a:r>
-              <a:rPr lang="en-US" altLang="ko-KR" dirty="0">
-                <a:solidFill>
-                  <a:srgbClr val="FE9F5D"/>
-                </a:solidFill>
-                <a:latin typeface="HY헤드라인M" panose="02030600000101010101" pitchFamily="18" charset="-127"/>
-                <a:ea typeface="HY헤드라인M" panose="02030600000101010101" pitchFamily="18" charset="-127"/>
-              </a:rPr>
-              <a:t>A</a:t>
-            </a:r>
-            <a:r>
-              <a:rPr lang="ko-KR" altLang="en-US" dirty="0">
-                <a:solidFill>
-                  <a:srgbClr val="FE9F5D"/>
-                </a:solidFill>
-                <a:latin typeface="HY헤드라인M" panose="02030600000101010101" pitchFamily="18" charset="-127"/>
-                <a:ea typeface="HY헤드라인M" panose="02030600000101010101" pitchFamily="18" charset="-127"/>
-              </a:rPr>
-              <a:t> </a:t>
-            </a:r>
-            <a:r>
-              <a:rPr lang="en-US" altLang="ko-KR" dirty="0">
-                <a:solidFill>
-                  <a:srgbClr val="FE9F5D"/>
-                </a:solidFill>
-                <a:latin typeface="HY헤드라인M" panose="02030600000101010101" pitchFamily="18" charset="-127"/>
-                <a:ea typeface="HY헤드라인M" panose="02030600000101010101" pitchFamily="18" charset="-127"/>
-              </a:rPr>
-              <a:t>:</a:t>
-            </a:r>
-            <a:r>
-              <a:rPr lang="ko-KR" altLang="en-US" dirty="0">
-                <a:solidFill>
-                  <a:srgbClr val="FE9F5D"/>
-                </a:solidFill>
-                <a:latin typeface="HY헤드라인M" panose="02030600000101010101" pitchFamily="18" charset="-127"/>
-                <a:ea typeface="HY헤드라인M" panose="02030600000101010101" pitchFamily="18" charset="-127"/>
-              </a:rPr>
-              <a:t> 아이템 사용 </a:t>
-            </a:r>
-            <a:r>
-              <a:rPr lang="en-US" altLang="ko-KR" dirty="0">
-                <a:solidFill>
-                  <a:srgbClr val="FE9F5D"/>
-                </a:solidFill>
-                <a:latin typeface="HY헤드라인M" panose="02030600000101010101" pitchFamily="18" charset="-127"/>
-                <a:ea typeface="HY헤드라인M" panose="02030600000101010101" pitchFamily="18" charset="-127"/>
-              </a:rPr>
-              <a:t>	</a:t>
-            </a:r>
-            <a:r>
-              <a:rPr lang="en-US" altLang="ko-KR" dirty="0">
-                <a:solidFill>
-                  <a:srgbClr val="B3E5FC"/>
-                </a:solidFill>
-                <a:latin typeface="HY헤드라인M" panose="02030600000101010101" pitchFamily="18" charset="-127"/>
-                <a:ea typeface="HY헤드라인M" panose="02030600000101010101" pitchFamily="18" charset="-127"/>
-              </a:rPr>
-              <a:t>		</a:t>
-            </a:r>
-            <a:r>
-              <a:rPr lang="en-US" altLang="ko-KR" dirty="0">
-                <a:solidFill>
-                  <a:srgbClr val="D3FF4A"/>
-                </a:solidFill>
-                <a:latin typeface="HY헤드라인M" panose="02030600000101010101" pitchFamily="18" charset="-127"/>
-                <a:ea typeface="HY헤드라인M" panose="02030600000101010101" pitchFamily="18" charset="-127"/>
-              </a:rPr>
-              <a:t>Space : </a:t>
-            </a:r>
-            <a:r>
-              <a:rPr lang="ko-KR" altLang="en-US" dirty="0">
-                <a:solidFill>
-                  <a:srgbClr val="D3FF4A"/>
-                </a:solidFill>
-                <a:latin typeface="HY헤드라인M" panose="02030600000101010101" pitchFamily="18" charset="-127"/>
-                <a:ea typeface="HY헤드라인M" panose="02030600000101010101" pitchFamily="18" charset="-127"/>
-              </a:rPr>
-              <a:t>부스터</a:t>
+              <a:t>방해물에 의한 실시간 오브젝트 생성으로 긴장감 생성</a:t>
             </a:r>
             <a:endParaRPr lang="en-US" altLang="ko-KR" dirty="0">
-              <a:solidFill>
-                <a:srgbClr val="B3E5FC"/>
-              </a:solidFill>
               <a:latin typeface="HY헤드라인M" panose="02030600000101010101" pitchFamily="18" charset="-127"/>
               <a:ea typeface="HY헤드라인M" panose="02030600000101010101" pitchFamily="18" charset="-127"/>
             </a:endParaRPr>
           </a:p>
         </p:txBody>
       </p:sp>
-      <p:pic>
-        <p:nvPicPr>
-          <p:cNvPr id="3" name="그림 2" descr="전자기기, 컴퓨터, 키보드, 하얀색이(가) 표시된 사진&#10;&#10;자동 생성된 설명">
-            <a:extLst>
-              <a:ext uri="{FF2B5EF4-FFF2-40B4-BE49-F238E27FC236}">
-                <a16:creationId xmlns:a16="http://schemas.microsoft.com/office/drawing/2014/main" id="{EF58EEF9-597D-410E-A2BC-5714D6597195}"/>
-              </a:ext>
-            </a:extLst>
-          </p:cNvPr>
-          <p:cNvPicPr>
-            <a:picLocks noChangeAspect="1"/>
-          </p:cNvPicPr>
-          <p:nvPr/>
-        </p:nvPicPr>
-        <p:blipFill>
-          <a:blip r:embed="rId2"/>
-          <a:stretch>
-            <a:fillRect/>
-          </a:stretch>
-        </p:blipFill>
-        <p:spPr>
-          <a:xfrm>
-            <a:off x="1733550" y="1298097"/>
-            <a:ext cx="8724900" cy="3209925"/>
-          </a:xfrm>
-          <a:prstGeom prst="rect">
-            <a:avLst/>
-          </a:prstGeom>
-        </p:spPr>
-      </p:pic>
     </p:spTree>
     <p:extLst>
       <p:ext uri="{BB962C8B-B14F-4D97-AF65-F5344CB8AC3E}">
-        <p14:creationId xmlns:p14="http://schemas.microsoft.com/office/powerpoint/2010/main" val="4181529946"/>
+        <p14:creationId xmlns:p14="http://schemas.microsoft.com/office/powerpoint/2010/main" val="671007507"/>
       </p:ext>
     </p:extLst>
   </p:cSld>
@@ -19221,7 +19391,7 @@
                 <a:latin typeface="HY헤드라인M" panose="02030600000101010101" pitchFamily="18" charset="-127"/>
                 <a:ea typeface="HY헤드라인M" panose="02030600000101010101" pitchFamily="18" charset="-127"/>
               </a:rPr>
-              <a:t>4</a:t>
+              <a:t>3</a:t>
             </a:r>
             <a:endParaRPr lang="ko-KR" altLang="en-US" sz="5400" dirty="0">
               <a:latin typeface="HY헤드라인M" panose="02030600000101010101" pitchFamily="18" charset="-127"/>
@@ -19263,7 +19433,7 @@
                 <a:latin typeface="HY헤드라인M" panose="02030600000101010101" pitchFamily="18" charset="-127"/>
                 <a:ea typeface="HY헤드라인M" panose="02030600000101010101" pitchFamily="18" charset="-127"/>
               </a:rPr>
-              <a:t>개발 환경</a:t>
+              <a:t>게임 방법</a:t>
             </a:r>
             <a:endParaRPr lang="ko-KR" altLang="en-US" dirty="0"/>
           </a:p>
@@ -19271,10 +19441,10 @@
       </p:sp>
       <p:sp>
         <p:nvSpPr>
-          <p:cNvPr id="18" name="직사각형 17">
+          <p:cNvPr id="20" name="직사각형 19">
             <a:extLst>
               <a:ext uri="{FF2B5EF4-FFF2-40B4-BE49-F238E27FC236}">
-                <a16:creationId xmlns:a16="http://schemas.microsoft.com/office/drawing/2014/main" id="{5CBE9646-2975-4B2D-88D4-6FA9D1A35E10}"/>
+                <a16:creationId xmlns:a16="http://schemas.microsoft.com/office/drawing/2014/main" id="{2E98EA4F-6B60-47EC-90E2-EE6F36422915}"/>
               </a:ext>
             </a:extLst>
           </p:cNvPr>
@@ -19283,8 +19453,8 @@
         </p:nvSpPr>
         <p:spPr>
           <a:xfrm>
-            <a:off x="1419225" y="1852589"/>
-            <a:ext cx="2495550" cy="500066"/>
+            <a:off x="2338107" y="4941057"/>
+            <a:ext cx="7515786" cy="1381128"/>
           </a:xfrm>
           <a:prstGeom prst="rect">
             <a:avLst/>
@@ -19314,709 +19484,195 @@
           </a:fontRef>
         </p:style>
         <p:txBody>
-          <a:bodyPr rtlCol="0" anchor="ctr"/>
+          <a:bodyPr rtlCol="0" anchor="t"/>
           <a:lstStyle/>
           <a:p>
             <a:pPr algn="ctr"/>
             <a:r>
-              <a:rPr lang="en-US" altLang="ko-KR" sz="2000" dirty="0">
+              <a:rPr lang="ko-KR" altLang="en-US" dirty="0">
                 <a:latin typeface="HY헤드라인M" panose="02030600000101010101" pitchFamily="18" charset="-127"/>
                 <a:ea typeface="HY헤드라인M" panose="02030600000101010101" pitchFamily="18" charset="-127"/>
               </a:rPr>
-              <a:t>Compiler</a:t>
-            </a:r>
+              <a:t>조작법 설명</a:t>
+            </a:r>
+            <a:endParaRPr lang="en-US" altLang="ko-KR" dirty="0">
+              <a:latin typeface="HY헤드라인M" panose="02030600000101010101" pitchFamily="18" charset="-127"/>
+              <a:ea typeface="HY헤드라인M" panose="02030600000101010101" pitchFamily="18" charset="-127"/>
+            </a:endParaRPr>
+          </a:p>
+          <a:p>
+            <a:pPr algn="ctr"/>
+            <a:endParaRPr lang="en-US" altLang="ko-KR" dirty="0">
+              <a:latin typeface="HY헤드라인M" panose="02030600000101010101" pitchFamily="18" charset="-127"/>
+              <a:ea typeface="HY헤드라인M" panose="02030600000101010101" pitchFamily="18" charset="-127"/>
+            </a:endParaRPr>
+          </a:p>
+          <a:p>
+            <a:pPr algn="ctr"/>
+            <a:r>
+              <a:rPr lang="ko-KR" altLang="en-US" dirty="0">
+                <a:solidFill>
+                  <a:srgbClr val="B3E5FC"/>
+                </a:solidFill>
+                <a:latin typeface="HY헤드라인M" panose="02030600000101010101" pitchFamily="18" charset="-127"/>
+                <a:ea typeface="HY헤드라인M" panose="02030600000101010101" pitchFamily="18" charset="-127"/>
+              </a:rPr>
+              <a:t>←→↑↓ </a:t>
+            </a:r>
+            <a:r>
+              <a:rPr lang="en-US" altLang="ko-KR" dirty="0">
+                <a:solidFill>
+                  <a:srgbClr val="B3E5FC"/>
+                </a:solidFill>
+                <a:latin typeface="HY헤드라인M" panose="02030600000101010101" pitchFamily="18" charset="-127"/>
+                <a:ea typeface="HY헤드라인M" panose="02030600000101010101" pitchFamily="18" charset="-127"/>
+              </a:rPr>
+              <a:t>:  </a:t>
+            </a:r>
+            <a:r>
+              <a:rPr lang="ko-KR" altLang="en-US" dirty="0">
+                <a:solidFill>
+                  <a:srgbClr val="B3E5FC"/>
+                </a:solidFill>
+                <a:latin typeface="HY헤드라인M" panose="02030600000101010101" pitchFamily="18" charset="-127"/>
+                <a:ea typeface="HY헤드라인M" panose="02030600000101010101" pitchFamily="18" charset="-127"/>
+              </a:rPr>
+              <a:t>이동</a:t>
+            </a:r>
+            <a:r>
+              <a:rPr lang="en-US" altLang="ko-KR" dirty="0">
+                <a:solidFill>
+                  <a:srgbClr val="B3E5FC"/>
+                </a:solidFill>
+                <a:latin typeface="HY헤드라인M" panose="02030600000101010101" pitchFamily="18" charset="-127"/>
+                <a:ea typeface="HY헤드라인M" panose="02030600000101010101" pitchFamily="18" charset="-127"/>
+              </a:rPr>
+              <a:t>			</a:t>
+            </a:r>
+            <a:r>
+              <a:rPr lang="en-US" altLang="ko-KR" dirty="0">
+                <a:solidFill>
+                  <a:srgbClr val="FE9F5D"/>
+                </a:solidFill>
+                <a:latin typeface="HY헤드라인M" panose="02030600000101010101" pitchFamily="18" charset="-127"/>
+                <a:ea typeface="HY헤드라인M" panose="02030600000101010101" pitchFamily="18" charset="-127"/>
+              </a:rPr>
+              <a:t>A</a:t>
+            </a:r>
+            <a:r>
+              <a:rPr lang="ko-KR" altLang="en-US" dirty="0">
+                <a:solidFill>
+                  <a:srgbClr val="FE9F5D"/>
+                </a:solidFill>
+                <a:latin typeface="HY헤드라인M" panose="02030600000101010101" pitchFamily="18" charset="-127"/>
+                <a:ea typeface="HY헤드라인M" panose="02030600000101010101" pitchFamily="18" charset="-127"/>
+              </a:rPr>
+              <a:t> </a:t>
+            </a:r>
+            <a:r>
+              <a:rPr lang="en-US" altLang="ko-KR" dirty="0">
+                <a:solidFill>
+                  <a:srgbClr val="FE9F5D"/>
+                </a:solidFill>
+                <a:latin typeface="HY헤드라인M" panose="02030600000101010101" pitchFamily="18" charset="-127"/>
+                <a:ea typeface="HY헤드라인M" panose="02030600000101010101" pitchFamily="18" charset="-127"/>
+              </a:rPr>
+              <a:t>:</a:t>
+            </a:r>
+            <a:r>
+              <a:rPr lang="ko-KR" altLang="en-US" dirty="0">
+                <a:solidFill>
+                  <a:srgbClr val="FE9F5D"/>
+                </a:solidFill>
+                <a:latin typeface="HY헤드라인M" panose="02030600000101010101" pitchFamily="18" charset="-127"/>
+                <a:ea typeface="HY헤드라인M" panose="02030600000101010101" pitchFamily="18" charset="-127"/>
+              </a:rPr>
+              <a:t> 아이템 사용 </a:t>
+            </a:r>
+            <a:r>
+              <a:rPr lang="en-US" altLang="ko-KR" dirty="0">
+                <a:solidFill>
+                  <a:srgbClr val="FE9F5D"/>
+                </a:solidFill>
+                <a:latin typeface="HY헤드라인M" panose="02030600000101010101" pitchFamily="18" charset="-127"/>
+                <a:ea typeface="HY헤드라인M" panose="02030600000101010101" pitchFamily="18" charset="-127"/>
+              </a:rPr>
+              <a:t>	</a:t>
+            </a:r>
+            <a:r>
+              <a:rPr lang="en-US" altLang="ko-KR" dirty="0">
+                <a:solidFill>
+                  <a:srgbClr val="B3E5FC"/>
+                </a:solidFill>
+                <a:latin typeface="HY헤드라인M" panose="02030600000101010101" pitchFamily="18" charset="-127"/>
+                <a:ea typeface="HY헤드라인M" panose="02030600000101010101" pitchFamily="18" charset="-127"/>
+              </a:rPr>
+              <a:t>		</a:t>
+            </a:r>
+            <a:r>
+              <a:rPr lang="en-US" altLang="ko-KR" dirty="0">
+                <a:solidFill>
+                  <a:srgbClr val="D3FF4A"/>
+                </a:solidFill>
+                <a:latin typeface="HY헤드라인M" panose="02030600000101010101" pitchFamily="18" charset="-127"/>
+                <a:ea typeface="HY헤드라인M" panose="02030600000101010101" pitchFamily="18" charset="-127"/>
+              </a:rPr>
+              <a:t>Space : </a:t>
+            </a:r>
+            <a:r>
+              <a:rPr lang="ko-KR" altLang="en-US" dirty="0">
+                <a:solidFill>
+                  <a:srgbClr val="D3FF4A"/>
+                </a:solidFill>
+                <a:latin typeface="HY헤드라인M" panose="02030600000101010101" pitchFamily="18" charset="-127"/>
+                <a:ea typeface="HY헤드라인M" panose="02030600000101010101" pitchFamily="18" charset="-127"/>
+              </a:rPr>
+              <a:t>부스터</a:t>
+            </a:r>
+            <a:endParaRPr lang="en-US" altLang="ko-KR" dirty="0">
+              <a:solidFill>
+                <a:srgbClr val="B3E5FC"/>
+              </a:solidFill>
+              <a:latin typeface="HY헤드라인M" panose="02030600000101010101" pitchFamily="18" charset="-127"/>
+              <a:ea typeface="HY헤드라인M" panose="02030600000101010101" pitchFamily="18" charset="-127"/>
+            </a:endParaRPr>
           </a:p>
         </p:txBody>
       </p:sp>
-      <p:sp>
-        <p:nvSpPr>
-          <p:cNvPr id="20" name="직사각형 19">
+      <p:pic>
+        <p:nvPicPr>
+          <p:cNvPr id="3" name="그림 2" descr="전자기기, 컴퓨터, 키보드, 하얀색이(가) 표시된 사진&#10;&#10;자동 생성된 설명">
             <a:extLst>
               <a:ext uri="{FF2B5EF4-FFF2-40B4-BE49-F238E27FC236}">
-                <a16:creationId xmlns:a16="http://schemas.microsoft.com/office/drawing/2014/main" id="{14AAF03F-DB56-423C-B407-3C9CB218D40F}"/>
+                <a16:creationId xmlns:a16="http://schemas.microsoft.com/office/drawing/2014/main" id="{EF58EEF9-597D-410E-A2BC-5714D6597195}"/>
               </a:ext>
             </a:extLst>
           </p:cNvPr>
-          <p:cNvSpPr/>
+          <p:cNvPicPr>
+            <a:picLocks noChangeAspect="1"/>
+          </p:cNvPicPr>
           <p:nvPr/>
-        </p:nvSpPr>
+        </p:nvPicPr>
+        <p:blipFill>
+          <a:blip r:embed="rId2"/>
+          <a:stretch>
+            <a:fillRect/>
+          </a:stretch>
+        </p:blipFill>
         <p:spPr>
           <a:xfrm>
-            <a:off x="3914775" y="1852589"/>
-            <a:ext cx="6442312" cy="500066"/>
+            <a:off x="1733550" y="1298097"/>
+            <a:ext cx="8724900" cy="3209925"/>
           </a:xfrm>
           <a:prstGeom prst="rect">
             <a:avLst/>
           </a:prstGeom>
-          <a:solidFill>
-            <a:srgbClr val="595959"/>
-          </a:solidFill>
-          <a:ln w="38100">
-            <a:solidFill>
-              <a:schemeClr val="tx1">
-                <a:lumMod val="85000"/>
-              </a:schemeClr>
-            </a:solidFill>
-          </a:ln>
         </p:spPr>
-        <p:style>
-          <a:lnRef idx="2">
-            <a:schemeClr val="accent1">
-              <a:shade val="50000"/>
-            </a:schemeClr>
-          </a:lnRef>
-          <a:fillRef idx="1">
-            <a:schemeClr val="accent1"/>
-          </a:fillRef>
-          <a:effectRef idx="0">
-            <a:schemeClr val="accent1"/>
-          </a:effectRef>
-          <a:fontRef idx="minor">
-            <a:schemeClr val="lt1"/>
-          </a:fontRef>
-        </p:style>
-        <p:txBody>
-          <a:bodyPr rtlCol="0" anchor="ctr"/>
-          <a:lstStyle/>
-          <a:p>
-            <a:pPr algn="ctr"/>
-            <a:r>
-              <a:rPr lang="en-US" altLang="ko-KR" sz="2000" dirty="0">
-                <a:latin typeface="HY헤드라인M" panose="02030600000101010101" pitchFamily="18" charset="-127"/>
-                <a:ea typeface="HY헤드라인M" panose="02030600000101010101" pitchFamily="18" charset="-127"/>
-              </a:rPr>
-              <a:t>Visual Studio 2019</a:t>
-            </a:r>
-          </a:p>
-        </p:txBody>
-      </p:sp>
-      <p:sp>
-        <p:nvSpPr>
-          <p:cNvPr id="21" name="직사각형 20">
-            <a:extLst>
-              <a:ext uri="{FF2B5EF4-FFF2-40B4-BE49-F238E27FC236}">
-                <a16:creationId xmlns:a16="http://schemas.microsoft.com/office/drawing/2014/main" id="{D005A083-5BD4-4B25-8861-CE5DA6F51BA2}"/>
-              </a:ext>
-            </a:extLst>
-          </p:cNvPr>
-          <p:cNvSpPr/>
-          <p:nvPr/>
-        </p:nvSpPr>
-        <p:spPr>
-          <a:xfrm>
-            <a:off x="1419225" y="2545361"/>
-            <a:ext cx="2495550" cy="747716"/>
-          </a:xfrm>
-          <a:prstGeom prst="rect">
-            <a:avLst/>
-          </a:prstGeom>
-          <a:ln w="38100">
-            <a:solidFill>
-              <a:schemeClr val="tx1">
-                <a:lumMod val="85000"/>
-              </a:schemeClr>
-            </a:solidFill>
-          </a:ln>
-        </p:spPr>
-        <p:style>
-          <a:lnRef idx="2">
-            <a:schemeClr val="accent1">
-              <a:shade val="50000"/>
-            </a:schemeClr>
-          </a:lnRef>
-          <a:fillRef idx="1">
-            <a:schemeClr val="accent1"/>
-          </a:fillRef>
-          <a:effectRef idx="0">
-            <a:schemeClr val="accent1"/>
-          </a:effectRef>
-          <a:fontRef idx="minor">
-            <a:schemeClr val="lt1"/>
-          </a:fontRef>
-        </p:style>
-        <p:txBody>
-          <a:bodyPr rtlCol="0" anchor="ctr"/>
-          <a:lstStyle/>
-          <a:p>
-            <a:pPr algn="ctr"/>
-            <a:r>
-              <a:rPr lang="en-US" altLang="ko-KR" sz="2000" dirty="0">
-                <a:latin typeface="HY헤드라인M" panose="02030600000101010101" pitchFamily="18" charset="-127"/>
-                <a:ea typeface="HY헤드라인M" panose="02030600000101010101" pitchFamily="18" charset="-127"/>
-              </a:rPr>
-              <a:t>Graphics </a:t>
-            </a:r>
-          </a:p>
-          <a:p>
-            <a:pPr algn="ctr"/>
-            <a:r>
-              <a:rPr lang="en-US" altLang="ko-KR" sz="2000" dirty="0">
-                <a:latin typeface="HY헤드라인M" panose="02030600000101010101" pitchFamily="18" charset="-127"/>
-                <a:ea typeface="HY헤드라인M" panose="02030600000101010101" pitchFamily="18" charset="-127"/>
-              </a:rPr>
-              <a:t>Library</a:t>
-            </a:r>
-            <a:endParaRPr lang="ko-KR" altLang="en-US" sz="2000" dirty="0">
-              <a:latin typeface="HY헤드라인M" panose="02030600000101010101" pitchFamily="18" charset="-127"/>
-              <a:ea typeface="HY헤드라인M" panose="02030600000101010101" pitchFamily="18" charset="-127"/>
-            </a:endParaRPr>
-          </a:p>
-        </p:txBody>
-      </p:sp>
-      <p:sp>
-        <p:nvSpPr>
-          <p:cNvPr id="22" name="직사각형 21">
-            <a:extLst>
-              <a:ext uri="{FF2B5EF4-FFF2-40B4-BE49-F238E27FC236}">
-                <a16:creationId xmlns:a16="http://schemas.microsoft.com/office/drawing/2014/main" id="{631478C3-089F-4D3A-8915-025AE8575E91}"/>
-              </a:ext>
-            </a:extLst>
-          </p:cNvPr>
-          <p:cNvSpPr/>
-          <p:nvPr/>
-        </p:nvSpPr>
-        <p:spPr>
-          <a:xfrm>
-            <a:off x="3914775" y="2545361"/>
-            <a:ext cx="6442312" cy="752478"/>
-          </a:xfrm>
-          <a:prstGeom prst="rect">
-            <a:avLst/>
-          </a:prstGeom>
-          <a:solidFill>
-            <a:srgbClr val="595959"/>
-          </a:solidFill>
-          <a:ln w="38100">
-            <a:solidFill>
-              <a:schemeClr val="tx1">
-                <a:lumMod val="85000"/>
-              </a:schemeClr>
-            </a:solidFill>
-          </a:ln>
-        </p:spPr>
-        <p:style>
-          <a:lnRef idx="2">
-            <a:schemeClr val="accent1">
-              <a:shade val="50000"/>
-            </a:schemeClr>
-          </a:lnRef>
-          <a:fillRef idx="1">
-            <a:schemeClr val="accent1"/>
-          </a:fillRef>
-          <a:effectRef idx="0">
-            <a:schemeClr val="accent1"/>
-          </a:effectRef>
-          <a:fontRef idx="minor">
-            <a:schemeClr val="lt1"/>
-          </a:fontRef>
-        </p:style>
-        <p:txBody>
-          <a:bodyPr rtlCol="0" anchor="ctr"/>
-          <a:lstStyle/>
-          <a:p>
-            <a:pPr algn="ctr"/>
-            <a:r>
-              <a:rPr lang="en-US" altLang="ko-KR" sz="2000" dirty="0">
-                <a:latin typeface="HY헤드라인M" panose="02030600000101010101" pitchFamily="18" charset="-127"/>
-                <a:ea typeface="HY헤드라인M" panose="02030600000101010101" pitchFamily="18" charset="-127"/>
-              </a:rPr>
-              <a:t>DirectX 12</a:t>
-            </a:r>
-          </a:p>
-        </p:txBody>
-      </p:sp>
-      <p:sp>
-        <p:nvSpPr>
-          <p:cNvPr id="23" name="직사각형 22">
-            <a:extLst>
-              <a:ext uri="{FF2B5EF4-FFF2-40B4-BE49-F238E27FC236}">
-                <a16:creationId xmlns:a16="http://schemas.microsoft.com/office/drawing/2014/main" id="{F90C45E9-58C0-4F51-BDD7-5DE2E4FA8988}"/>
-              </a:ext>
-            </a:extLst>
-          </p:cNvPr>
-          <p:cNvSpPr/>
-          <p:nvPr/>
-        </p:nvSpPr>
-        <p:spPr>
-          <a:xfrm>
-            <a:off x="1419225" y="3485783"/>
-            <a:ext cx="2495550" cy="747716"/>
-          </a:xfrm>
-          <a:prstGeom prst="rect">
-            <a:avLst/>
-          </a:prstGeom>
-          <a:ln w="38100">
-            <a:solidFill>
-              <a:schemeClr val="tx1">
-                <a:lumMod val="85000"/>
-              </a:schemeClr>
-            </a:solidFill>
-          </a:ln>
-        </p:spPr>
-        <p:style>
-          <a:lnRef idx="2">
-            <a:schemeClr val="accent1">
-              <a:shade val="50000"/>
-            </a:schemeClr>
-          </a:lnRef>
-          <a:fillRef idx="1">
-            <a:schemeClr val="accent1"/>
-          </a:fillRef>
-          <a:effectRef idx="0">
-            <a:schemeClr val="accent1"/>
-          </a:effectRef>
-          <a:fontRef idx="minor">
-            <a:schemeClr val="lt1"/>
-          </a:fontRef>
-        </p:style>
-        <p:txBody>
-          <a:bodyPr rtlCol="0" anchor="ctr"/>
-          <a:lstStyle/>
-          <a:p>
-            <a:pPr algn="ctr"/>
-            <a:r>
-              <a:rPr lang="en-US" altLang="ko-KR" sz="2000" dirty="0">
-                <a:latin typeface="HY헤드라인M" panose="02030600000101010101" pitchFamily="18" charset="-127"/>
-                <a:ea typeface="HY헤드라인M" panose="02030600000101010101" pitchFamily="18" charset="-127"/>
-              </a:rPr>
-              <a:t>Version Control System</a:t>
-            </a:r>
-            <a:endParaRPr lang="ko-KR" altLang="en-US" sz="2000" dirty="0">
-              <a:latin typeface="HY헤드라인M" panose="02030600000101010101" pitchFamily="18" charset="-127"/>
-              <a:ea typeface="HY헤드라인M" panose="02030600000101010101" pitchFamily="18" charset="-127"/>
-            </a:endParaRPr>
-          </a:p>
-        </p:txBody>
-      </p:sp>
-      <p:sp>
-        <p:nvSpPr>
-          <p:cNvPr id="24" name="직사각형 23">
-            <a:extLst>
-              <a:ext uri="{FF2B5EF4-FFF2-40B4-BE49-F238E27FC236}">
-                <a16:creationId xmlns:a16="http://schemas.microsoft.com/office/drawing/2014/main" id="{4005B3B2-3A6D-432B-8D1E-E99DC3C9896D}"/>
-              </a:ext>
-            </a:extLst>
-          </p:cNvPr>
-          <p:cNvSpPr/>
-          <p:nvPr/>
-        </p:nvSpPr>
-        <p:spPr>
-          <a:xfrm>
-            <a:off x="3914775" y="3490545"/>
-            <a:ext cx="6442312" cy="738192"/>
-          </a:xfrm>
-          <a:prstGeom prst="rect">
-            <a:avLst/>
-          </a:prstGeom>
-          <a:solidFill>
-            <a:srgbClr val="595959"/>
-          </a:solidFill>
-          <a:ln w="38100">
-            <a:solidFill>
-              <a:schemeClr val="tx1">
-                <a:lumMod val="85000"/>
-              </a:schemeClr>
-            </a:solidFill>
-          </a:ln>
-        </p:spPr>
-        <p:style>
-          <a:lnRef idx="2">
-            <a:schemeClr val="accent1">
-              <a:shade val="50000"/>
-            </a:schemeClr>
-          </a:lnRef>
-          <a:fillRef idx="1">
-            <a:schemeClr val="accent1"/>
-          </a:fillRef>
-          <a:effectRef idx="0">
-            <a:schemeClr val="accent1"/>
-          </a:effectRef>
-          <a:fontRef idx="minor">
-            <a:schemeClr val="lt1"/>
-          </a:fontRef>
-        </p:style>
-        <p:txBody>
-          <a:bodyPr rtlCol="0" anchor="ctr"/>
-          <a:lstStyle/>
-          <a:p>
-            <a:pPr algn="ctr"/>
-            <a:r>
-              <a:rPr lang="en-US" altLang="ko-KR" sz="2000" dirty="0">
-                <a:latin typeface="HY헤드라인M" panose="02030600000101010101" pitchFamily="18" charset="-127"/>
-                <a:ea typeface="HY헤드라인M" panose="02030600000101010101" pitchFamily="18" charset="-127"/>
-              </a:rPr>
-              <a:t>Git hub</a:t>
-            </a:r>
-          </a:p>
-        </p:txBody>
-      </p:sp>
-      <p:sp>
-        <p:nvSpPr>
-          <p:cNvPr id="25" name="직사각형 24">
-            <a:extLst>
-              <a:ext uri="{FF2B5EF4-FFF2-40B4-BE49-F238E27FC236}">
-                <a16:creationId xmlns:a16="http://schemas.microsoft.com/office/drawing/2014/main" id="{73F128A8-F66D-44D8-8FFC-5972337ABD1D}"/>
-              </a:ext>
-            </a:extLst>
-          </p:cNvPr>
-          <p:cNvSpPr/>
-          <p:nvPr/>
-        </p:nvSpPr>
-        <p:spPr>
-          <a:xfrm>
-            <a:off x="1419225" y="4435729"/>
-            <a:ext cx="2495550" cy="500066"/>
-          </a:xfrm>
-          <a:prstGeom prst="rect">
-            <a:avLst/>
-          </a:prstGeom>
-          <a:ln w="38100">
-            <a:solidFill>
-              <a:schemeClr val="tx1">
-                <a:lumMod val="85000"/>
-              </a:schemeClr>
-            </a:solidFill>
-          </a:ln>
-        </p:spPr>
-        <p:style>
-          <a:lnRef idx="2">
-            <a:schemeClr val="accent1">
-              <a:shade val="50000"/>
-            </a:schemeClr>
-          </a:lnRef>
-          <a:fillRef idx="1">
-            <a:schemeClr val="accent1"/>
-          </a:fillRef>
-          <a:effectRef idx="0">
-            <a:schemeClr val="accent1"/>
-          </a:effectRef>
-          <a:fontRef idx="minor">
-            <a:schemeClr val="lt1"/>
-          </a:fontRef>
-        </p:style>
-        <p:txBody>
-          <a:bodyPr rtlCol="0" anchor="ctr"/>
-          <a:lstStyle/>
-          <a:p>
-            <a:pPr algn="ctr"/>
-            <a:r>
-              <a:rPr lang="en-US" altLang="ko-KR" sz="2000" dirty="0">
-                <a:latin typeface="HY헤드라인M" panose="02030600000101010101" pitchFamily="18" charset="-127"/>
-                <a:ea typeface="HY헤드라인M" panose="02030600000101010101" pitchFamily="18" charset="-127"/>
-              </a:rPr>
-              <a:t>OS</a:t>
-            </a:r>
-          </a:p>
-        </p:txBody>
-      </p:sp>
-      <p:sp>
-        <p:nvSpPr>
-          <p:cNvPr id="26" name="직사각형 25">
-            <a:extLst>
-              <a:ext uri="{FF2B5EF4-FFF2-40B4-BE49-F238E27FC236}">
-                <a16:creationId xmlns:a16="http://schemas.microsoft.com/office/drawing/2014/main" id="{3AC0A49F-A9DB-4343-8A77-B167C3DCB5C4}"/>
-              </a:ext>
-            </a:extLst>
-          </p:cNvPr>
-          <p:cNvSpPr/>
-          <p:nvPr/>
-        </p:nvSpPr>
-        <p:spPr>
-          <a:xfrm>
-            <a:off x="3914775" y="4435729"/>
-            <a:ext cx="6442312" cy="500066"/>
-          </a:xfrm>
-          <a:prstGeom prst="rect">
-            <a:avLst/>
-          </a:prstGeom>
-          <a:solidFill>
-            <a:srgbClr val="595959"/>
-          </a:solidFill>
-          <a:ln w="38100">
-            <a:solidFill>
-              <a:schemeClr val="tx1">
-                <a:lumMod val="85000"/>
-              </a:schemeClr>
-            </a:solidFill>
-          </a:ln>
-        </p:spPr>
-        <p:style>
-          <a:lnRef idx="2">
-            <a:schemeClr val="accent1">
-              <a:shade val="50000"/>
-            </a:schemeClr>
-          </a:lnRef>
-          <a:fillRef idx="1">
-            <a:schemeClr val="accent1"/>
-          </a:fillRef>
-          <a:effectRef idx="0">
-            <a:schemeClr val="accent1"/>
-          </a:effectRef>
-          <a:fontRef idx="minor">
-            <a:schemeClr val="lt1"/>
-          </a:fontRef>
-        </p:style>
-        <p:txBody>
-          <a:bodyPr rtlCol="0" anchor="ctr"/>
-          <a:lstStyle/>
-          <a:p>
-            <a:pPr algn="ctr"/>
-            <a:r>
-              <a:rPr lang="en-US" altLang="ko-KR" sz="2000" dirty="0">
-                <a:latin typeface="HY헤드라인M" panose="02030600000101010101" pitchFamily="18" charset="-127"/>
-                <a:ea typeface="HY헤드라인M" panose="02030600000101010101" pitchFamily="18" charset="-127"/>
-              </a:rPr>
-              <a:t>Windows 10</a:t>
-            </a:r>
-          </a:p>
-        </p:txBody>
-      </p:sp>
-      <p:sp>
-        <p:nvSpPr>
-          <p:cNvPr id="27" name="직사각형 26">
-            <a:extLst>
-              <a:ext uri="{FF2B5EF4-FFF2-40B4-BE49-F238E27FC236}">
-                <a16:creationId xmlns:a16="http://schemas.microsoft.com/office/drawing/2014/main" id="{A9A2E645-780B-4733-8C86-5D4513ACDBFE}"/>
-              </a:ext>
-            </a:extLst>
-          </p:cNvPr>
-          <p:cNvSpPr/>
-          <p:nvPr/>
-        </p:nvSpPr>
-        <p:spPr>
-          <a:xfrm>
-            <a:off x="1419225" y="5133263"/>
-            <a:ext cx="2495550" cy="500066"/>
-          </a:xfrm>
-          <a:prstGeom prst="rect">
-            <a:avLst/>
-          </a:prstGeom>
-          <a:ln w="38100">
-            <a:solidFill>
-              <a:schemeClr val="tx1">
-                <a:lumMod val="85000"/>
-              </a:schemeClr>
-            </a:solidFill>
-          </a:ln>
-        </p:spPr>
-        <p:style>
-          <a:lnRef idx="2">
-            <a:schemeClr val="accent1">
-              <a:shade val="50000"/>
-            </a:schemeClr>
-          </a:lnRef>
-          <a:fillRef idx="1">
-            <a:schemeClr val="accent1"/>
-          </a:fillRef>
-          <a:effectRef idx="0">
-            <a:schemeClr val="accent1"/>
-          </a:effectRef>
-          <a:fontRef idx="minor">
-            <a:schemeClr val="lt1"/>
-          </a:fontRef>
-        </p:style>
-        <p:txBody>
-          <a:bodyPr rtlCol="0" anchor="ctr"/>
-          <a:lstStyle/>
-          <a:p>
-            <a:pPr algn="ctr"/>
-            <a:r>
-              <a:rPr lang="en-US" altLang="ko-KR" sz="2000" dirty="0">
-                <a:latin typeface="HY헤드라인M" panose="02030600000101010101" pitchFamily="18" charset="-127"/>
-                <a:ea typeface="HY헤드라인M" panose="02030600000101010101" pitchFamily="18" charset="-127"/>
-              </a:rPr>
-              <a:t>Resource</a:t>
-            </a:r>
-          </a:p>
-        </p:txBody>
-      </p:sp>
-      <p:sp>
-        <p:nvSpPr>
-          <p:cNvPr id="28" name="직사각형 27">
-            <a:extLst>
-              <a:ext uri="{FF2B5EF4-FFF2-40B4-BE49-F238E27FC236}">
-                <a16:creationId xmlns:a16="http://schemas.microsoft.com/office/drawing/2014/main" id="{E3547CD1-8BD7-4E58-AAE3-5F4294E5F4CD}"/>
-              </a:ext>
-            </a:extLst>
-          </p:cNvPr>
-          <p:cNvSpPr/>
-          <p:nvPr/>
-        </p:nvSpPr>
-        <p:spPr>
-          <a:xfrm>
-            <a:off x="3914775" y="5138025"/>
-            <a:ext cx="6442312" cy="495304"/>
-          </a:xfrm>
-          <a:prstGeom prst="rect">
-            <a:avLst/>
-          </a:prstGeom>
-          <a:solidFill>
-            <a:srgbClr val="595959"/>
-          </a:solidFill>
-          <a:ln w="38100">
-            <a:solidFill>
-              <a:schemeClr val="tx1">
-                <a:lumMod val="85000"/>
-              </a:schemeClr>
-            </a:solidFill>
-          </a:ln>
-        </p:spPr>
-        <p:style>
-          <a:lnRef idx="2">
-            <a:schemeClr val="accent1">
-              <a:shade val="50000"/>
-            </a:schemeClr>
-          </a:lnRef>
-          <a:fillRef idx="1">
-            <a:schemeClr val="accent1"/>
-          </a:fillRef>
-          <a:effectRef idx="0">
-            <a:schemeClr val="accent1"/>
-          </a:effectRef>
-          <a:fontRef idx="minor">
-            <a:schemeClr val="lt1"/>
-          </a:fontRef>
-        </p:style>
-        <p:txBody>
-          <a:bodyPr rtlCol="0" anchor="ctr"/>
-          <a:lstStyle/>
-          <a:p>
-            <a:pPr algn="ctr"/>
-            <a:r>
-              <a:rPr lang="en-US" altLang="ko-KR" sz="2000" dirty="0">
-                <a:latin typeface="HY헤드라인M" panose="02030600000101010101" pitchFamily="18" charset="-127"/>
-                <a:ea typeface="HY헤드라인M" panose="02030600000101010101" pitchFamily="18" charset="-127"/>
-              </a:rPr>
-              <a:t>Photo shop	||	Zbrush	||	3DS max </a:t>
-            </a:r>
-          </a:p>
-        </p:txBody>
-      </p:sp>
-      <p:sp>
-        <p:nvSpPr>
-          <p:cNvPr id="29" name="직사각형 28">
-            <a:extLst>
-              <a:ext uri="{FF2B5EF4-FFF2-40B4-BE49-F238E27FC236}">
-                <a16:creationId xmlns:a16="http://schemas.microsoft.com/office/drawing/2014/main" id="{56882EAF-FF49-4879-AB04-DFBFFB00F541}"/>
-              </a:ext>
-            </a:extLst>
-          </p:cNvPr>
-          <p:cNvSpPr/>
-          <p:nvPr/>
-        </p:nvSpPr>
-        <p:spPr>
-          <a:xfrm>
-            <a:off x="1419225" y="5826035"/>
-            <a:ext cx="2495550" cy="500066"/>
-          </a:xfrm>
-          <a:prstGeom prst="rect">
-            <a:avLst/>
-          </a:prstGeom>
-          <a:ln w="38100">
-            <a:solidFill>
-              <a:schemeClr val="tx1">
-                <a:lumMod val="85000"/>
-              </a:schemeClr>
-            </a:solidFill>
-          </a:ln>
-        </p:spPr>
-        <p:style>
-          <a:lnRef idx="2">
-            <a:schemeClr val="accent1">
-              <a:shade val="50000"/>
-            </a:schemeClr>
-          </a:lnRef>
-          <a:fillRef idx="1">
-            <a:schemeClr val="accent1"/>
-          </a:fillRef>
-          <a:effectRef idx="0">
-            <a:schemeClr val="accent1"/>
-          </a:effectRef>
-          <a:fontRef idx="minor">
-            <a:schemeClr val="lt1"/>
-          </a:fontRef>
-        </p:style>
-        <p:txBody>
-          <a:bodyPr rtlCol="0" anchor="ctr"/>
-          <a:lstStyle/>
-          <a:p>
-            <a:pPr algn="ctr"/>
-            <a:r>
-              <a:rPr lang="en-US" altLang="ko-KR" sz="2000" dirty="0">
-                <a:latin typeface="HY헤드라인M" panose="02030600000101010101" pitchFamily="18" charset="-127"/>
-                <a:ea typeface="HY헤드라인M" panose="02030600000101010101" pitchFamily="18" charset="-127"/>
-              </a:rPr>
-              <a:t>Animation</a:t>
-            </a:r>
-          </a:p>
-        </p:txBody>
-      </p:sp>
-      <p:sp>
-        <p:nvSpPr>
-          <p:cNvPr id="30" name="직사각형 29">
-            <a:extLst>
-              <a:ext uri="{FF2B5EF4-FFF2-40B4-BE49-F238E27FC236}">
-                <a16:creationId xmlns:a16="http://schemas.microsoft.com/office/drawing/2014/main" id="{E647CC39-1853-4A91-A740-6C1F2527946C}"/>
-              </a:ext>
-            </a:extLst>
-          </p:cNvPr>
-          <p:cNvSpPr/>
-          <p:nvPr/>
-        </p:nvSpPr>
-        <p:spPr>
-          <a:xfrm>
-            <a:off x="3914775" y="5830797"/>
-            <a:ext cx="6442312" cy="495304"/>
-          </a:xfrm>
-          <a:prstGeom prst="rect">
-            <a:avLst/>
-          </a:prstGeom>
-          <a:solidFill>
-            <a:srgbClr val="595959"/>
-          </a:solidFill>
-          <a:ln w="38100">
-            <a:solidFill>
-              <a:schemeClr val="tx1">
-                <a:lumMod val="85000"/>
-              </a:schemeClr>
-            </a:solidFill>
-          </a:ln>
-        </p:spPr>
-        <p:style>
-          <a:lnRef idx="2">
-            <a:schemeClr val="accent1">
-              <a:shade val="50000"/>
-            </a:schemeClr>
-          </a:lnRef>
-          <a:fillRef idx="1">
-            <a:schemeClr val="accent1"/>
-          </a:fillRef>
-          <a:effectRef idx="0">
-            <a:schemeClr val="accent1"/>
-          </a:effectRef>
-          <a:fontRef idx="minor">
-            <a:schemeClr val="lt1"/>
-          </a:fontRef>
-        </p:style>
-        <p:txBody>
-          <a:bodyPr rtlCol="0" anchor="ctr"/>
-          <a:lstStyle/>
-          <a:p>
-            <a:pPr algn="ctr"/>
-            <a:r>
-              <a:rPr lang="en-US" altLang="ko-KR" sz="2000" dirty="0">
-                <a:latin typeface="HY헤드라인M" panose="02030600000101010101" pitchFamily="18" charset="-127"/>
-                <a:ea typeface="HY헤드라인M" panose="02030600000101010101" pitchFamily="18" charset="-127"/>
-              </a:rPr>
-              <a:t>FBX SDK</a:t>
-            </a:r>
-          </a:p>
-        </p:txBody>
-      </p:sp>
+      </p:pic>
     </p:spTree>
     <p:extLst>
       <p:ext uri="{BB962C8B-B14F-4D97-AF65-F5344CB8AC3E}">
-        <p14:creationId xmlns:p14="http://schemas.microsoft.com/office/powerpoint/2010/main" val="3151176218"/>
+        <p14:creationId xmlns:p14="http://schemas.microsoft.com/office/powerpoint/2010/main" val="4181529946"/>
       </p:ext>
     </p:extLst>
   </p:cSld>
@@ -20098,7 +19754,7 @@
                 <a:latin typeface="HY헤드라인M" panose="02030600000101010101" pitchFamily="18" charset="-127"/>
                 <a:ea typeface="HY헤드라인M" panose="02030600000101010101" pitchFamily="18" charset="-127"/>
               </a:rPr>
-              <a:t>5</a:t>
+              <a:t>4</a:t>
             </a:r>
             <a:endParaRPr lang="ko-KR" altLang="en-US" sz="5400" dirty="0">
               <a:latin typeface="HY헤드라인M" panose="02030600000101010101" pitchFamily="18" charset="-127"/>
@@ -20122,7 +19778,7 @@
         <p:spPr>
           <a:xfrm>
             <a:off x="1419225" y="393221"/>
-            <a:ext cx="7000875" cy="646331"/>
+            <a:ext cx="3895725" cy="646331"/>
           </a:xfrm>
           <a:prstGeom prst="rect">
             <a:avLst/>
@@ -20140,7 +19796,7 @@
                 <a:latin typeface="HY헤드라인M" panose="02030600000101010101" pitchFamily="18" charset="-127"/>
                 <a:ea typeface="HY헤드라인M" panose="02030600000101010101" pitchFamily="18" charset="-127"/>
               </a:rPr>
-              <a:t>기술적 요소</a:t>
+              <a:t>개발 환경</a:t>
             </a:r>
             <a:endParaRPr lang="ko-KR" altLang="en-US" dirty="0"/>
           </a:p>
@@ -20148,10 +19804,10 @@
       </p:sp>
       <p:sp>
         <p:nvSpPr>
-          <p:cNvPr id="4" name="직사각형 3">
+          <p:cNvPr id="18" name="직사각형 17">
             <a:extLst>
               <a:ext uri="{FF2B5EF4-FFF2-40B4-BE49-F238E27FC236}">
-                <a16:creationId xmlns:a16="http://schemas.microsoft.com/office/drawing/2014/main" id="{C7A9A389-7B45-4FDD-BB1C-85EDD793729F}"/>
+                <a16:creationId xmlns:a16="http://schemas.microsoft.com/office/drawing/2014/main" id="{5CBE9646-2975-4B2D-88D4-6FA9D1A35E10}"/>
               </a:ext>
             </a:extLst>
           </p:cNvPr>
@@ -20160,8 +19816,8 @@
         </p:nvSpPr>
         <p:spPr>
           <a:xfrm>
-            <a:off x="5101313" y="1298097"/>
-            <a:ext cx="1989374" cy="809625"/>
+            <a:off x="1419225" y="1852589"/>
+            <a:ext cx="2495550" cy="500066"/>
           </a:xfrm>
           <a:prstGeom prst="rect">
             <a:avLst/>
@@ -20196,21 +19852,21 @@
           <a:p>
             <a:pPr algn="ctr"/>
             <a:r>
-              <a:rPr lang="ko-KR" altLang="en-US" sz="2800" dirty="0">
+              <a:rPr lang="en-US" altLang="ko-KR" sz="2000" dirty="0">
                 <a:latin typeface="HY헤드라인M" panose="02030600000101010101" pitchFamily="18" charset="-127"/>
                 <a:ea typeface="HY헤드라인M" panose="02030600000101010101" pitchFamily="18" charset="-127"/>
               </a:rPr>
-              <a:t>클라이언트</a:t>
+              <a:t>Compiler</a:t>
             </a:r>
           </a:p>
         </p:txBody>
       </p:sp>
       <p:sp>
         <p:nvSpPr>
-          <p:cNvPr id="10" name="직사각형 9">
+          <p:cNvPr id="20" name="직사각형 19">
             <a:extLst>
               <a:ext uri="{FF2B5EF4-FFF2-40B4-BE49-F238E27FC236}">
-                <a16:creationId xmlns:a16="http://schemas.microsoft.com/office/drawing/2014/main" id="{F3625E38-9DD3-4442-BF57-8A052A202C27}"/>
+                <a16:creationId xmlns:a16="http://schemas.microsoft.com/office/drawing/2014/main" id="{14AAF03F-DB56-423C-B407-3C9CB218D40F}"/>
               </a:ext>
             </a:extLst>
           </p:cNvPr>
@@ -20219,67 +19875,8 @@
         </p:nvSpPr>
         <p:spPr>
           <a:xfrm>
-            <a:off x="1924051" y="2366267"/>
-            <a:ext cx="8878420" cy="809625"/>
-          </a:xfrm>
-          <a:prstGeom prst="rect">
-            <a:avLst/>
-          </a:prstGeom>
-          <a:ln w="38100">
-            <a:solidFill>
-              <a:schemeClr val="tx1">
-                <a:lumMod val="85000"/>
-              </a:schemeClr>
-            </a:solidFill>
-          </a:ln>
-        </p:spPr>
-        <p:style>
-          <a:lnRef idx="2">
-            <a:schemeClr val="accent1">
-              <a:shade val="50000"/>
-            </a:schemeClr>
-          </a:lnRef>
-          <a:fillRef idx="1">
-            <a:schemeClr val="accent1"/>
-          </a:fillRef>
-          <a:effectRef idx="0">
-            <a:schemeClr val="accent1"/>
-          </a:effectRef>
-          <a:fontRef idx="minor">
-            <a:schemeClr val="lt1"/>
-          </a:fontRef>
-        </p:style>
-        <p:txBody>
-          <a:bodyPr rtlCol="0" anchor="ctr"/>
-          <a:lstStyle/>
-          <a:p>
-            <a:pPr algn="ctr"/>
-            <a:r>
-              <a:rPr lang="ko-KR" altLang="en-US" sz="2800" dirty="0">
-                <a:latin typeface="HY헤드라인M" panose="02030600000101010101" pitchFamily="18" charset="-127"/>
-                <a:ea typeface="HY헤드라인M" panose="02030600000101010101" pitchFamily="18" charset="-127"/>
-              </a:rPr>
-              <a:t>기술적 요소</a:t>
-            </a:r>
-          </a:p>
-        </p:txBody>
-      </p:sp>
-      <p:sp>
-        <p:nvSpPr>
-          <p:cNvPr id="7" name="직사각형 6">
-            <a:extLst>
-              <a:ext uri="{FF2B5EF4-FFF2-40B4-BE49-F238E27FC236}">
-                <a16:creationId xmlns:a16="http://schemas.microsoft.com/office/drawing/2014/main" id="{279B02B2-5E4C-4558-BAFE-F64A24F0DBA3}"/>
-              </a:ext>
-            </a:extLst>
-          </p:cNvPr>
-          <p:cNvSpPr/>
-          <p:nvPr/>
-        </p:nvSpPr>
-        <p:spPr>
-          <a:xfrm>
-            <a:off x="1924051" y="3175891"/>
-            <a:ext cx="8878420" cy="2701033"/>
+            <a:off x="3914775" y="1852589"/>
+            <a:ext cx="6442312" cy="500066"/>
           </a:xfrm>
           <a:prstGeom prst="rect">
             <a:avLst/>
@@ -20312,99 +19909,647 @@
           </a:fontRef>
         </p:style>
         <p:txBody>
-          <a:bodyPr rtlCol="0" anchor="t"/>
+          <a:bodyPr rtlCol="0" anchor="ctr"/>
           <a:lstStyle/>
           <a:p>
-            <a:endParaRPr lang="en-US" altLang="ko-KR" sz="2400" dirty="0">
+            <a:pPr algn="ctr"/>
+            <a:r>
+              <a:rPr lang="en-US" altLang="ko-KR" sz="2000" dirty="0">
+                <a:latin typeface="HY헤드라인M" panose="02030600000101010101" pitchFamily="18" charset="-127"/>
+                <a:ea typeface="HY헤드라인M" panose="02030600000101010101" pitchFamily="18" charset="-127"/>
+              </a:rPr>
+              <a:t>Visual Studio 2019</a:t>
+            </a:r>
+          </a:p>
+        </p:txBody>
+      </p:sp>
+      <p:sp>
+        <p:nvSpPr>
+          <p:cNvPr id="21" name="직사각형 20">
+            <a:extLst>
+              <a:ext uri="{FF2B5EF4-FFF2-40B4-BE49-F238E27FC236}">
+                <a16:creationId xmlns:a16="http://schemas.microsoft.com/office/drawing/2014/main" id="{D005A083-5BD4-4B25-8861-CE5DA6F51BA2}"/>
+              </a:ext>
+            </a:extLst>
+          </p:cNvPr>
+          <p:cNvSpPr/>
+          <p:nvPr/>
+        </p:nvSpPr>
+        <p:spPr>
+          <a:xfrm>
+            <a:off x="1419225" y="2545361"/>
+            <a:ext cx="2495550" cy="747716"/>
+          </a:xfrm>
+          <a:prstGeom prst="rect">
+            <a:avLst/>
+          </a:prstGeom>
+          <a:ln w="38100">
+            <a:solidFill>
+              <a:schemeClr val="tx1">
+                <a:lumMod val="85000"/>
+              </a:schemeClr>
+            </a:solidFill>
+          </a:ln>
+        </p:spPr>
+        <p:style>
+          <a:lnRef idx="2">
+            <a:schemeClr val="accent1">
+              <a:shade val="50000"/>
+            </a:schemeClr>
+          </a:lnRef>
+          <a:fillRef idx="1">
+            <a:schemeClr val="accent1"/>
+          </a:fillRef>
+          <a:effectRef idx="0">
+            <a:schemeClr val="accent1"/>
+          </a:effectRef>
+          <a:fontRef idx="minor">
+            <a:schemeClr val="lt1"/>
+          </a:fontRef>
+        </p:style>
+        <p:txBody>
+          <a:bodyPr rtlCol="0" anchor="ctr"/>
+          <a:lstStyle/>
+          <a:p>
+            <a:pPr algn="ctr"/>
+            <a:r>
+              <a:rPr lang="en-US" altLang="ko-KR" sz="2000" dirty="0">
+                <a:latin typeface="HY헤드라인M" panose="02030600000101010101" pitchFamily="18" charset="-127"/>
+                <a:ea typeface="HY헤드라인M" panose="02030600000101010101" pitchFamily="18" charset="-127"/>
+              </a:rPr>
+              <a:t>Graphics </a:t>
+            </a:r>
+          </a:p>
+          <a:p>
+            <a:pPr algn="ctr"/>
+            <a:r>
+              <a:rPr lang="en-US" altLang="ko-KR" sz="2000" dirty="0">
+                <a:latin typeface="HY헤드라인M" panose="02030600000101010101" pitchFamily="18" charset="-127"/>
+                <a:ea typeface="HY헤드라인M" panose="02030600000101010101" pitchFamily="18" charset="-127"/>
+              </a:rPr>
+              <a:t>Library</a:t>
+            </a:r>
+            <a:endParaRPr lang="ko-KR" altLang="en-US" sz="2000" dirty="0">
               <a:latin typeface="HY헤드라인M" panose="02030600000101010101" pitchFamily="18" charset="-127"/>
               <a:ea typeface="HY헤드라인M" panose="02030600000101010101" pitchFamily="18" charset="-127"/>
             </a:endParaRPr>
           </a:p>
-          <a:p>
-            <a:r>
-              <a:rPr lang="en-US" altLang="ko-KR" sz="2400" dirty="0">
+        </p:txBody>
+      </p:sp>
+      <p:sp>
+        <p:nvSpPr>
+          <p:cNvPr id="22" name="직사각형 21">
+            <a:extLst>
+              <a:ext uri="{FF2B5EF4-FFF2-40B4-BE49-F238E27FC236}">
+                <a16:creationId xmlns:a16="http://schemas.microsoft.com/office/drawing/2014/main" id="{631478C3-089F-4D3A-8915-025AE8575E91}"/>
+              </a:ext>
+            </a:extLst>
+          </p:cNvPr>
+          <p:cNvSpPr/>
+          <p:nvPr/>
+        </p:nvSpPr>
+        <p:spPr>
+          <a:xfrm>
+            <a:off x="3914775" y="2545361"/>
+            <a:ext cx="6442312" cy="752478"/>
+          </a:xfrm>
+          <a:prstGeom prst="rect">
+            <a:avLst/>
+          </a:prstGeom>
+          <a:solidFill>
+            <a:srgbClr val="595959"/>
+          </a:solidFill>
+          <a:ln w="38100">
+            <a:solidFill>
+              <a:schemeClr val="tx1">
+                <a:lumMod val="85000"/>
+              </a:schemeClr>
+            </a:solidFill>
+          </a:ln>
+        </p:spPr>
+        <p:style>
+          <a:lnRef idx="2">
+            <a:schemeClr val="accent1">
+              <a:shade val="50000"/>
+            </a:schemeClr>
+          </a:lnRef>
+          <a:fillRef idx="1">
+            <a:schemeClr val="accent1"/>
+          </a:fillRef>
+          <a:effectRef idx="0">
+            <a:schemeClr val="accent1"/>
+          </a:effectRef>
+          <a:fontRef idx="minor">
+            <a:schemeClr val="lt1"/>
+          </a:fontRef>
+        </p:style>
+        <p:txBody>
+          <a:bodyPr rtlCol="0" anchor="ctr"/>
+          <a:lstStyle/>
+          <a:p>
+            <a:pPr algn="ctr"/>
+            <a:r>
+              <a:rPr lang="en-US" altLang="ko-KR" sz="2000" dirty="0">
                 <a:latin typeface="HY헤드라인M" panose="02030600000101010101" pitchFamily="18" charset="-127"/>
                 <a:ea typeface="HY헤드라인M" panose="02030600000101010101" pitchFamily="18" charset="-127"/>
               </a:rPr>
-              <a:t>	-	</a:t>
-            </a:r>
-            <a:r>
-              <a:rPr lang="ko-KR" altLang="en-US" sz="2400" dirty="0">
+              <a:t>DirectX 12</a:t>
+            </a:r>
+          </a:p>
+        </p:txBody>
+      </p:sp>
+      <p:sp>
+        <p:nvSpPr>
+          <p:cNvPr id="23" name="직사각형 22">
+            <a:extLst>
+              <a:ext uri="{FF2B5EF4-FFF2-40B4-BE49-F238E27FC236}">
+                <a16:creationId xmlns:a16="http://schemas.microsoft.com/office/drawing/2014/main" id="{F90C45E9-58C0-4F51-BDD7-5DE2E4FA8988}"/>
+              </a:ext>
+            </a:extLst>
+          </p:cNvPr>
+          <p:cNvSpPr/>
+          <p:nvPr/>
+        </p:nvSpPr>
+        <p:spPr>
+          <a:xfrm>
+            <a:off x="1419225" y="3485783"/>
+            <a:ext cx="2495550" cy="747716"/>
+          </a:xfrm>
+          <a:prstGeom prst="rect">
+            <a:avLst/>
+          </a:prstGeom>
+          <a:ln w="38100">
+            <a:solidFill>
+              <a:schemeClr val="tx1">
+                <a:lumMod val="85000"/>
+              </a:schemeClr>
+            </a:solidFill>
+          </a:ln>
+        </p:spPr>
+        <p:style>
+          <a:lnRef idx="2">
+            <a:schemeClr val="accent1">
+              <a:shade val="50000"/>
+            </a:schemeClr>
+          </a:lnRef>
+          <a:fillRef idx="1">
+            <a:schemeClr val="accent1"/>
+          </a:fillRef>
+          <a:effectRef idx="0">
+            <a:schemeClr val="accent1"/>
+          </a:effectRef>
+          <a:fontRef idx="minor">
+            <a:schemeClr val="lt1"/>
+          </a:fontRef>
+        </p:style>
+        <p:txBody>
+          <a:bodyPr rtlCol="0" anchor="ctr"/>
+          <a:lstStyle/>
+          <a:p>
+            <a:pPr algn="ctr"/>
+            <a:r>
+              <a:rPr lang="en-US" altLang="ko-KR" sz="2000" dirty="0">
                 <a:latin typeface="HY헤드라인M" panose="02030600000101010101" pitchFamily="18" charset="-127"/>
                 <a:ea typeface="HY헤드라인M" panose="02030600000101010101" pitchFamily="18" charset="-127"/>
               </a:rPr>
-              <a:t>오브젝트들의 업데이트 및 렌더링 최적화</a:t>
-            </a:r>
-            <a:endParaRPr lang="en-US" altLang="ko-KR" sz="2400" dirty="0">
+              <a:t>Version Control System</a:t>
+            </a:r>
+            <a:endParaRPr lang="ko-KR" altLang="en-US" sz="2000" dirty="0">
               <a:latin typeface="HY헤드라인M" panose="02030600000101010101" pitchFamily="18" charset="-127"/>
               <a:ea typeface="HY헤드라인M" panose="02030600000101010101" pitchFamily="18" charset="-127"/>
             </a:endParaRPr>
           </a:p>
-          <a:p>
-            <a:endParaRPr lang="en-US" altLang="ko-KR" sz="2400" dirty="0">
-              <a:latin typeface="HY헤드라인M" panose="02030600000101010101" pitchFamily="18" charset="-127"/>
-              <a:ea typeface="HY헤드라인M" panose="02030600000101010101" pitchFamily="18" charset="-127"/>
-            </a:endParaRPr>
-          </a:p>
-          <a:p>
-            <a:r>
-              <a:rPr lang="en-US" altLang="ko-KR" sz="2400" dirty="0">
+        </p:txBody>
+      </p:sp>
+      <p:sp>
+        <p:nvSpPr>
+          <p:cNvPr id="24" name="직사각형 23">
+            <a:extLst>
+              <a:ext uri="{FF2B5EF4-FFF2-40B4-BE49-F238E27FC236}">
+                <a16:creationId xmlns:a16="http://schemas.microsoft.com/office/drawing/2014/main" id="{4005B3B2-3A6D-432B-8D1E-E99DC3C9896D}"/>
+              </a:ext>
+            </a:extLst>
+          </p:cNvPr>
+          <p:cNvSpPr/>
+          <p:nvPr/>
+        </p:nvSpPr>
+        <p:spPr>
+          <a:xfrm>
+            <a:off x="3914775" y="3490545"/>
+            <a:ext cx="6442312" cy="738192"/>
+          </a:xfrm>
+          <a:prstGeom prst="rect">
+            <a:avLst/>
+          </a:prstGeom>
+          <a:solidFill>
+            <a:srgbClr val="595959"/>
+          </a:solidFill>
+          <a:ln w="38100">
+            <a:solidFill>
+              <a:schemeClr val="tx1">
+                <a:lumMod val="85000"/>
+              </a:schemeClr>
+            </a:solidFill>
+          </a:ln>
+        </p:spPr>
+        <p:style>
+          <a:lnRef idx="2">
+            <a:schemeClr val="accent1">
+              <a:shade val="50000"/>
+            </a:schemeClr>
+          </a:lnRef>
+          <a:fillRef idx="1">
+            <a:schemeClr val="accent1"/>
+          </a:fillRef>
+          <a:effectRef idx="0">
+            <a:schemeClr val="accent1"/>
+          </a:effectRef>
+          <a:fontRef idx="minor">
+            <a:schemeClr val="lt1"/>
+          </a:fontRef>
+        </p:style>
+        <p:txBody>
+          <a:bodyPr rtlCol="0" anchor="ctr"/>
+          <a:lstStyle/>
+          <a:p>
+            <a:pPr algn="ctr"/>
+            <a:r>
+              <a:rPr lang="en-US" altLang="ko-KR" sz="2000" dirty="0">
                 <a:latin typeface="HY헤드라인M" panose="02030600000101010101" pitchFamily="18" charset="-127"/>
                 <a:ea typeface="HY헤드라인M" panose="02030600000101010101" pitchFamily="18" charset="-127"/>
               </a:rPr>
-              <a:t>	-	</a:t>
-            </a:r>
-            <a:r>
-              <a:rPr lang="ko-KR" altLang="en-US" sz="2400" dirty="0" err="1">
+              <a:t>Git hub</a:t>
+            </a:r>
+          </a:p>
+        </p:txBody>
+      </p:sp>
+      <p:sp>
+        <p:nvSpPr>
+          <p:cNvPr id="25" name="직사각형 24">
+            <a:extLst>
+              <a:ext uri="{FF2B5EF4-FFF2-40B4-BE49-F238E27FC236}">
+                <a16:creationId xmlns:a16="http://schemas.microsoft.com/office/drawing/2014/main" id="{73F128A8-F66D-44D8-8FFC-5972337ABD1D}"/>
+              </a:ext>
+            </a:extLst>
+          </p:cNvPr>
+          <p:cNvSpPr/>
+          <p:nvPr/>
+        </p:nvSpPr>
+        <p:spPr>
+          <a:xfrm>
+            <a:off x="1419225" y="4435729"/>
+            <a:ext cx="2495550" cy="500066"/>
+          </a:xfrm>
+          <a:prstGeom prst="rect">
+            <a:avLst/>
+          </a:prstGeom>
+          <a:ln w="38100">
+            <a:solidFill>
+              <a:schemeClr val="tx1">
+                <a:lumMod val="85000"/>
+              </a:schemeClr>
+            </a:solidFill>
+          </a:ln>
+        </p:spPr>
+        <p:style>
+          <a:lnRef idx="2">
+            <a:schemeClr val="accent1">
+              <a:shade val="50000"/>
+            </a:schemeClr>
+          </a:lnRef>
+          <a:fillRef idx="1">
+            <a:schemeClr val="accent1"/>
+          </a:fillRef>
+          <a:effectRef idx="0">
+            <a:schemeClr val="accent1"/>
+          </a:effectRef>
+          <a:fontRef idx="minor">
+            <a:schemeClr val="lt1"/>
+          </a:fontRef>
+        </p:style>
+        <p:txBody>
+          <a:bodyPr rtlCol="0" anchor="ctr"/>
+          <a:lstStyle/>
+          <a:p>
+            <a:pPr algn="ctr"/>
+            <a:r>
+              <a:rPr lang="en-US" altLang="ko-KR" sz="2000" dirty="0">
                 <a:latin typeface="HY헤드라인M" panose="02030600000101010101" pitchFamily="18" charset="-127"/>
                 <a:ea typeface="HY헤드라인M" panose="02030600000101010101" pitchFamily="18" charset="-127"/>
               </a:rPr>
-              <a:t>셰이더</a:t>
-            </a:r>
-            <a:r>
-              <a:rPr lang="ko-KR" altLang="en-US" sz="2400" dirty="0">
+              <a:t>OS</a:t>
+            </a:r>
+          </a:p>
+        </p:txBody>
+      </p:sp>
+      <p:sp>
+        <p:nvSpPr>
+          <p:cNvPr id="26" name="직사각형 25">
+            <a:extLst>
+              <a:ext uri="{FF2B5EF4-FFF2-40B4-BE49-F238E27FC236}">
+                <a16:creationId xmlns:a16="http://schemas.microsoft.com/office/drawing/2014/main" id="{3AC0A49F-A9DB-4343-8A77-B167C3DCB5C4}"/>
+              </a:ext>
+            </a:extLst>
+          </p:cNvPr>
+          <p:cNvSpPr/>
+          <p:nvPr/>
+        </p:nvSpPr>
+        <p:spPr>
+          <a:xfrm>
+            <a:off x="3914775" y="4435729"/>
+            <a:ext cx="6442312" cy="500066"/>
+          </a:xfrm>
+          <a:prstGeom prst="rect">
+            <a:avLst/>
+          </a:prstGeom>
+          <a:solidFill>
+            <a:srgbClr val="595959"/>
+          </a:solidFill>
+          <a:ln w="38100">
+            <a:solidFill>
+              <a:schemeClr val="tx1">
+                <a:lumMod val="85000"/>
+              </a:schemeClr>
+            </a:solidFill>
+          </a:ln>
+        </p:spPr>
+        <p:style>
+          <a:lnRef idx="2">
+            <a:schemeClr val="accent1">
+              <a:shade val="50000"/>
+            </a:schemeClr>
+          </a:lnRef>
+          <a:fillRef idx="1">
+            <a:schemeClr val="accent1"/>
+          </a:fillRef>
+          <a:effectRef idx="0">
+            <a:schemeClr val="accent1"/>
+          </a:effectRef>
+          <a:fontRef idx="minor">
+            <a:schemeClr val="lt1"/>
+          </a:fontRef>
+        </p:style>
+        <p:txBody>
+          <a:bodyPr rtlCol="0" anchor="ctr"/>
+          <a:lstStyle/>
+          <a:p>
+            <a:pPr algn="ctr"/>
+            <a:r>
+              <a:rPr lang="en-US" altLang="ko-KR" sz="2000" dirty="0">
                 <a:latin typeface="HY헤드라인M" panose="02030600000101010101" pitchFamily="18" charset="-127"/>
                 <a:ea typeface="HY헤드라인M" panose="02030600000101010101" pitchFamily="18" charset="-127"/>
               </a:rPr>
-              <a:t> 프로그래밍을 이용한 게임 표현</a:t>
-            </a:r>
-            <a:endParaRPr lang="en-US" altLang="ko-KR" sz="2400" dirty="0">
-              <a:latin typeface="HY헤드라인M" panose="02030600000101010101" pitchFamily="18" charset="-127"/>
-              <a:ea typeface="HY헤드라인M" panose="02030600000101010101" pitchFamily="18" charset="-127"/>
-            </a:endParaRPr>
-          </a:p>
-          <a:p>
-            <a:endParaRPr lang="en-US" altLang="ko-KR" sz="2400" dirty="0">
-              <a:latin typeface="HY헤드라인M" panose="02030600000101010101" pitchFamily="18" charset="-127"/>
-              <a:ea typeface="HY헤드라인M" panose="02030600000101010101" pitchFamily="18" charset="-127"/>
-            </a:endParaRPr>
-          </a:p>
-          <a:p>
-            <a:r>
-              <a:rPr lang="en-US" altLang="ko-KR" sz="2400" dirty="0">
+              <a:t>Windows 10</a:t>
+            </a:r>
+          </a:p>
+        </p:txBody>
+      </p:sp>
+      <p:sp>
+        <p:nvSpPr>
+          <p:cNvPr id="27" name="직사각형 26">
+            <a:extLst>
+              <a:ext uri="{FF2B5EF4-FFF2-40B4-BE49-F238E27FC236}">
+                <a16:creationId xmlns:a16="http://schemas.microsoft.com/office/drawing/2014/main" id="{A9A2E645-780B-4733-8C86-5D4513ACDBFE}"/>
+              </a:ext>
+            </a:extLst>
+          </p:cNvPr>
+          <p:cNvSpPr/>
+          <p:nvPr/>
+        </p:nvSpPr>
+        <p:spPr>
+          <a:xfrm>
+            <a:off x="1419225" y="5133263"/>
+            <a:ext cx="2495550" cy="500066"/>
+          </a:xfrm>
+          <a:prstGeom prst="rect">
+            <a:avLst/>
+          </a:prstGeom>
+          <a:ln w="38100">
+            <a:solidFill>
+              <a:schemeClr val="tx1">
+                <a:lumMod val="85000"/>
+              </a:schemeClr>
+            </a:solidFill>
+          </a:ln>
+        </p:spPr>
+        <p:style>
+          <a:lnRef idx="2">
+            <a:schemeClr val="accent1">
+              <a:shade val="50000"/>
+            </a:schemeClr>
+          </a:lnRef>
+          <a:fillRef idx="1">
+            <a:schemeClr val="accent1"/>
+          </a:fillRef>
+          <a:effectRef idx="0">
+            <a:schemeClr val="accent1"/>
+          </a:effectRef>
+          <a:fontRef idx="minor">
+            <a:schemeClr val="lt1"/>
+          </a:fontRef>
+        </p:style>
+        <p:txBody>
+          <a:bodyPr rtlCol="0" anchor="ctr"/>
+          <a:lstStyle/>
+          <a:p>
+            <a:pPr algn="ctr"/>
+            <a:r>
+              <a:rPr lang="en-US" altLang="ko-KR" sz="2000" dirty="0">
                 <a:latin typeface="HY헤드라인M" panose="02030600000101010101" pitchFamily="18" charset="-127"/>
                 <a:ea typeface="HY헤드라인M" panose="02030600000101010101" pitchFamily="18" charset="-127"/>
               </a:rPr>
-              <a:t>	-	</a:t>
-            </a:r>
-            <a:r>
-              <a:rPr lang="ko-KR" altLang="en-US" sz="2400" dirty="0">
+              <a:t>Resource</a:t>
+            </a:r>
+          </a:p>
+        </p:txBody>
+      </p:sp>
+      <p:sp>
+        <p:nvSpPr>
+          <p:cNvPr id="28" name="직사각형 27">
+            <a:extLst>
+              <a:ext uri="{FF2B5EF4-FFF2-40B4-BE49-F238E27FC236}">
+                <a16:creationId xmlns:a16="http://schemas.microsoft.com/office/drawing/2014/main" id="{E3547CD1-8BD7-4E58-AAE3-5F4294E5F4CD}"/>
+              </a:ext>
+            </a:extLst>
+          </p:cNvPr>
+          <p:cNvSpPr/>
+          <p:nvPr/>
+        </p:nvSpPr>
+        <p:spPr>
+          <a:xfrm>
+            <a:off x="3914775" y="5138025"/>
+            <a:ext cx="6442312" cy="495304"/>
+          </a:xfrm>
+          <a:prstGeom prst="rect">
+            <a:avLst/>
+          </a:prstGeom>
+          <a:solidFill>
+            <a:srgbClr val="595959"/>
+          </a:solidFill>
+          <a:ln w="38100">
+            <a:solidFill>
+              <a:schemeClr val="tx1">
+                <a:lumMod val="85000"/>
+              </a:schemeClr>
+            </a:solidFill>
+          </a:ln>
+        </p:spPr>
+        <p:style>
+          <a:lnRef idx="2">
+            <a:schemeClr val="accent1">
+              <a:shade val="50000"/>
+            </a:schemeClr>
+          </a:lnRef>
+          <a:fillRef idx="1">
+            <a:schemeClr val="accent1"/>
+          </a:fillRef>
+          <a:effectRef idx="0">
+            <a:schemeClr val="accent1"/>
+          </a:effectRef>
+          <a:fontRef idx="minor">
+            <a:schemeClr val="lt1"/>
+          </a:fontRef>
+        </p:style>
+        <p:txBody>
+          <a:bodyPr rtlCol="0" anchor="ctr"/>
+          <a:lstStyle/>
+          <a:p>
+            <a:pPr algn="ctr"/>
+            <a:r>
+              <a:rPr lang="en-US" altLang="ko-KR" sz="2000" dirty="0">
                 <a:latin typeface="HY헤드라인M" panose="02030600000101010101" pitchFamily="18" charset="-127"/>
                 <a:ea typeface="HY헤드라인M" panose="02030600000101010101" pitchFamily="18" charset="-127"/>
               </a:rPr>
-              <a:t>카메라 워킹을 이용한 게임 표현</a:t>
-            </a:r>
-          </a:p>
+              <a:t>Photo shop	||	Zbrush	||	3DS max </a:t>
+            </a:r>
+          </a:p>
+        </p:txBody>
+      </p:sp>
+      <p:sp>
+        <p:nvSpPr>
+          <p:cNvPr id="29" name="직사각형 28">
+            <a:extLst>
+              <a:ext uri="{FF2B5EF4-FFF2-40B4-BE49-F238E27FC236}">
+                <a16:creationId xmlns:a16="http://schemas.microsoft.com/office/drawing/2014/main" id="{56882EAF-FF49-4879-AB04-DFBFFB00F541}"/>
+              </a:ext>
+            </a:extLst>
+          </p:cNvPr>
+          <p:cNvSpPr/>
+          <p:nvPr/>
+        </p:nvSpPr>
+        <p:spPr>
+          <a:xfrm>
+            <a:off x="1419225" y="5826035"/>
+            <a:ext cx="2495550" cy="500066"/>
+          </a:xfrm>
+          <a:prstGeom prst="rect">
+            <a:avLst/>
+          </a:prstGeom>
+          <a:ln w="38100">
+            <a:solidFill>
+              <a:schemeClr val="tx1">
+                <a:lumMod val="85000"/>
+              </a:schemeClr>
+            </a:solidFill>
+          </a:ln>
+        </p:spPr>
+        <p:style>
+          <a:lnRef idx="2">
+            <a:schemeClr val="accent1">
+              <a:shade val="50000"/>
+            </a:schemeClr>
+          </a:lnRef>
+          <a:fillRef idx="1">
+            <a:schemeClr val="accent1"/>
+          </a:fillRef>
+          <a:effectRef idx="0">
+            <a:schemeClr val="accent1"/>
+          </a:effectRef>
+          <a:fontRef idx="minor">
+            <a:schemeClr val="lt1"/>
+          </a:fontRef>
+        </p:style>
+        <p:txBody>
+          <a:bodyPr rtlCol="0" anchor="ctr"/>
+          <a:lstStyle/>
           <a:p>
             <a:pPr algn="ctr"/>
-            <a:endParaRPr lang="ko-KR" altLang="en-US" sz="2000" dirty="0"/>
+            <a:r>
+              <a:rPr lang="en-US" altLang="ko-KR" sz="2000" dirty="0">
+                <a:latin typeface="HY헤드라인M" panose="02030600000101010101" pitchFamily="18" charset="-127"/>
+                <a:ea typeface="HY헤드라인M" panose="02030600000101010101" pitchFamily="18" charset="-127"/>
+              </a:rPr>
+              <a:t>Animation</a:t>
+            </a:r>
+          </a:p>
+        </p:txBody>
+      </p:sp>
+      <p:sp>
+        <p:nvSpPr>
+          <p:cNvPr id="30" name="직사각형 29">
+            <a:extLst>
+              <a:ext uri="{FF2B5EF4-FFF2-40B4-BE49-F238E27FC236}">
+                <a16:creationId xmlns:a16="http://schemas.microsoft.com/office/drawing/2014/main" id="{E647CC39-1853-4A91-A740-6C1F2527946C}"/>
+              </a:ext>
+            </a:extLst>
+          </p:cNvPr>
+          <p:cNvSpPr/>
+          <p:nvPr/>
+        </p:nvSpPr>
+        <p:spPr>
+          <a:xfrm>
+            <a:off x="3914775" y="5830797"/>
+            <a:ext cx="6442312" cy="495304"/>
+          </a:xfrm>
+          <a:prstGeom prst="rect">
+            <a:avLst/>
+          </a:prstGeom>
+          <a:solidFill>
+            <a:srgbClr val="595959"/>
+          </a:solidFill>
+          <a:ln w="38100">
+            <a:solidFill>
+              <a:schemeClr val="tx1">
+                <a:lumMod val="85000"/>
+              </a:schemeClr>
+            </a:solidFill>
+          </a:ln>
+        </p:spPr>
+        <p:style>
+          <a:lnRef idx="2">
+            <a:schemeClr val="accent1">
+              <a:shade val="50000"/>
+            </a:schemeClr>
+          </a:lnRef>
+          <a:fillRef idx="1">
+            <a:schemeClr val="accent1"/>
+          </a:fillRef>
+          <a:effectRef idx="0">
+            <a:schemeClr val="accent1"/>
+          </a:effectRef>
+          <a:fontRef idx="minor">
+            <a:schemeClr val="lt1"/>
+          </a:fontRef>
+        </p:style>
+        <p:txBody>
+          <a:bodyPr rtlCol="0" anchor="ctr"/>
+          <a:lstStyle/>
+          <a:p>
+            <a:pPr algn="ctr"/>
+            <a:r>
+              <a:rPr lang="en-US" altLang="ko-KR" sz="2000" dirty="0">
+                <a:latin typeface="HY헤드라인M" panose="02030600000101010101" pitchFamily="18" charset="-127"/>
+                <a:ea typeface="HY헤드라인M" panose="02030600000101010101" pitchFamily="18" charset="-127"/>
+              </a:rPr>
+              <a:t>FBX SDK</a:t>
+            </a:r>
           </a:p>
         </p:txBody>
       </p:sp>
     </p:spTree>
     <p:extLst>
       <p:ext uri="{BB962C8B-B14F-4D97-AF65-F5344CB8AC3E}">
-        <p14:creationId xmlns:p14="http://schemas.microsoft.com/office/powerpoint/2010/main" val="4246745071"/>
+        <p14:creationId xmlns:p14="http://schemas.microsoft.com/office/powerpoint/2010/main" val="3151176218"/>
       </p:ext>
     </p:extLst>
   </p:cSld>

--- a/기획단계/졸작 제안서_α.pptx
+++ b/기획단계/졸작 제안서_α.pptx
@@ -308,7 +308,7 @@
             <a:fld id="{B61BEF0D-F0BB-DE4B-95CE-6DB70DBA9567}" type="datetimeFigureOut">
               <a:rPr lang="en-US" smtClean="0"/>
               <a:pPr/>
-              <a:t>11/18/2019</a:t>
+              <a:t>11/19/2019</a:t>
             </a:fld>
             <a:endParaRPr lang="en-US" dirty="0"/>
           </a:p>
@@ -537,7 +537,7 @@
           <a:p>
             <a:fld id="{55C6B4A9-1611-4792-9094-5F34BCA07E0B}" type="datetimeFigureOut">
               <a:rPr lang="en-US" smtClean="0"/>
-              <a:t>11/18/2019</a:t>
+              <a:t>11/19/2019</a:t>
             </a:fld>
             <a:endParaRPr lang="en-US" dirty="0"/>
           </a:p>
@@ -718,7 +718,7 @@
             <a:fld id="{B61BEF0D-F0BB-DE4B-95CE-6DB70DBA9567}" type="datetimeFigureOut">
               <a:rPr lang="en-US" smtClean="0"/>
               <a:pPr/>
-              <a:t>11/18/2019</a:t>
+              <a:t>11/19/2019</a:t>
             </a:fld>
             <a:endParaRPr lang="en-US" dirty="0"/>
           </a:p>
@@ -889,7 +889,7 @@
           <a:p>
             <a:fld id="{42A54C80-263E-416B-A8E0-580EDEADCBDC}" type="datetimeFigureOut">
               <a:rPr lang="en-US" smtClean="0"/>
-              <a:t>11/18/2019</a:t>
+              <a:t>11/19/2019</a:t>
             </a:fld>
             <a:endParaRPr lang="en-US" dirty="0"/>
           </a:p>
@@ -1144,7 +1144,7 @@
             <a:fld id="{B61BEF0D-F0BB-DE4B-95CE-6DB70DBA9567}" type="datetimeFigureOut">
               <a:rPr lang="en-US" smtClean="0"/>
               <a:pPr/>
-              <a:t>11/18/2019</a:t>
+              <a:t>11/19/2019</a:t>
             </a:fld>
             <a:endParaRPr lang="en-US" dirty="0"/>
           </a:p>
@@ -1471,7 +1471,7 @@
           <a:p>
             <a:fld id="{42A54C80-263E-416B-A8E0-580EDEADCBDC}" type="datetimeFigureOut">
               <a:rPr lang="en-US" smtClean="0"/>
-              <a:t>11/18/2019</a:t>
+              <a:t>11/19/2019</a:t>
             </a:fld>
             <a:endParaRPr lang="en-US" dirty="0"/>
           </a:p>
@@ -1923,7 +1923,7 @@
             <a:fld id="{B61BEF0D-F0BB-DE4B-95CE-6DB70DBA9567}" type="datetimeFigureOut">
               <a:rPr lang="en-US" smtClean="0"/>
               <a:pPr/>
-              <a:t>11/18/2019</a:t>
+              <a:t>11/19/2019</a:t>
             </a:fld>
             <a:endParaRPr lang="en-US" dirty="0"/>
           </a:p>
@@ -2043,7 +2043,7 @@
             <a:fld id="{B61BEF0D-F0BB-DE4B-95CE-6DB70DBA9567}" type="datetimeFigureOut">
               <a:rPr lang="en-US" smtClean="0"/>
               <a:pPr/>
-              <a:t>11/18/2019</a:t>
+              <a:t>11/19/2019</a:t>
             </a:fld>
             <a:endParaRPr lang="en-US" dirty="0"/>
           </a:p>
@@ -2140,7 +2140,7 @@
             <a:fld id="{B61BEF0D-F0BB-DE4B-95CE-6DB70DBA9567}" type="datetimeFigureOut">
               <a:rPr lang="en-US" smtClean="0"/>
               <a:pPr/>
-              <a:t>11/18/2019</a:t>
+              <a:t>11/19/2019</a:t>
             </a:fld>
             <a:endParaRPr lang="en-US" dirty="0"/>
           </a:p>
@@ -2428,7 +2428,7 @@
           <a:p>
             <a:fld id="{42A54C80-263E-416B-A8E0-580EDEADCBDC}" type="datetimeFigureOut">
               <a:rPr lang="en-US" smtClean="0"/>
-              <a:t>11/18/2019</a:t>
+              <a:t>11/19/2019</a:t>
             </a:fld>
             <a:endParaRPr lang="en-US" dirty="0"/>
           </a:p>
@@ -2751,7 +2751,7 @@
             <a:fld id="{B61BEF0D-F0BB-DE4B-95CE-6DB70DBA9567}" type="datetimeFigureOut">
               <a:rPr lang="en-US" smtClean="0"/>
               <a:pPr/>
-              <a:t>11/18/2019</a:t>
+              <a:t>11/19/2019</a:t>
             </a:fld>
             <a:endParaRPr lang="en-US" dirty="0"/>
           </a:p>
@@ -3007,7 +3007,7 @@
             <a:fld id="{B61BEF0D-F0BB-DE4B-95CE-6DB70DBA9567}" type="datetimeFigureOut">
               <a:rPr lang="en-US" smtClean="0"/>
               <a:pPr/>
-              <a:t>11/18/2019</a:t>
+              <a:t>11/19/2019</a:t>
             </a:fld>
             <a:endParaRPr lang="en-US" dirty="0"/>
           </a:p>
@@ -5414,7 +5414,7 @@
                 <a:latin typeface="HY헤드라인M" panose="02030600000101010101" pitchFamily="18" charset="-127"/>
                 <a:ea typeface="HY헤드라인M" panose="02030600000101010101" pitchFamily="18" charset="-127"/>
               </a:rPr>
-              <a:t>게임 서버 수강</a:t>
+              <a:t>네트워크 기초 수강</a:t>
             </a:r>
             <a:endParaRPr lang="en-US" altLang="ko-KR" sz="1600" dirty="0">
               <a:latin typeface="HY헤드라인M" panose="02030600000101010101" pitchFamily="18" charset="-127"/>
@@ -5422,12 +5422,40 @@
             </a:endParaRPr>
           </a:p>
           <a:p>
+            <a:r>
+              <a:rPr lang="en-US" altLang="ko-KR" sz="1600" dirty="0">
+                <a:latin typeface="HY헤드라인M" panose="02030600000101010101" pitchFamily="18" charset="-127"/>
+                <a:ea typeface="HY헤드라인M" panose="02030600000101010101" pitchFamily="18" charset="-127"/>
+              </a:rPr>
+              <a:t>-</a:t>
+            </a:r>
+            <a:r>
+              <a:rPr lang="ko-KR" altLang="en-US" sz="1600" dirty="0">
+                <a:latin typeface="HY헤드라인M" panose="02030600000101010101" pitchFamily="18" charset="-127"/>
+                <a:ea typeface="HY헤드라인M" panose="02030600000101010101" pitchFamily="18" charset="-127"/>
+              </a:rPr>
+              <a:t>네트워크 게임 프로그래밍 수강</a:t>
+            </a:r>
             <a:endParaRPr lang="en-US" altLang="ko-KR" sz="1600" dirty="0">
               <a:latin typeface="HY헤드라인M" panose="02030600000101010101" pitchFamily="18" charset="-127"/>
               <a:ea typeface="HY헤드라인M" panose="02030600000101010101" pitchFamily="18" charset="-127"/>
             </a:endParaRPr>
           </a:p>
           <a:p>
+            <a:r>
+              <a:rPr lang="en-US" altLang="ko-KR" sz="1600" dirty="0">
+                <a:latin typeface="HY헤드라인M" panose="02030600000101010101" pitchFamily="18" charset="-127"/>
+                <a:ea typeface="HY헤드라인M" panose="02030600000101010101" pitchFamily="18" charset="-127"/>
+              </a:rPr>
+              <a:t>-</a:t>
+            </a:r>
+            <a:r>
+              <a:rPr lang="ko-KR" altLang="en-US" sz="1600" dirty="0">
+                <a:latin typeface="HY헤드라인M" panose="02030600000101010101" pitchFamily="18" charset="-127"/>
+                <a:ea typeface="HY헤드라인M" panose="02030600000101010101" pitchFamily="18" charset="-127"/>
+              </a:rPr>
+              <a:t>게임 서버 수강</a:t>
+            </a:r>
             <a:endParaRPr lang="en-US" altLang="ko-KR" sz="1600" dirty="0">
               <a:latin typeface="HY헤드라인M" panose="02030600000101010101" pitchFamily="18" charset="-127"/>
               <a:ea typeface="HY헤드라인M" panose="02030600000101010101" pitchFamily="18" charset="-127"/>
@@ -6121,7 +6149,7 @@
         </p:nvSpPr>
         <p:spPr>
           <a:xfrm>
-            <a:off x="1656790" y="2366682"/>
+            <a:off x="1656790" y="2052918"/>
             <a:ext cx="8878420" cy="1062318"/>
           </a:xfrm>
           <a:prstGeom prst="rect">
@@ -6207,6 +6235,114 @@
                 <a:ea typeface="HY헤드라인M" panose="02030600000101010101" pitchFamily="18" charset="-127"/>
               </a:rPr>
               <a:t>매 게임마다 실시간으로 다른 위치에 존재하는 장애물</a:t>
+            </a:r>
+            <a:endParaRPr lang="en-US" altLang="ko-KR" sz="2400" dirty="0">
+              <a:latin typeface="HY헤드라인M" panose="02030600000101010101" pitchFamily="18" charset="-127"/>
+              <a:ea typeface="HY헤드라인M" panose="02030600000101010101" pitchFamily="18" charset="-127"/>
+            </a:endParaRPr>
+          </a:p>
+        </p:txBody>
+      </p:sp>
+      <p:sp>
+        <p:nvSpPr>
+          <p:cNvPr id="5" name="직사각형 4">
+            <a:extLst>
+              <a:ext uri="{FF2B5EF4-FFF2-40B4-BE49-F238E27FC236}">
+                <a16:creationId xmlns:a16="http://schemas.microsoft.com/office/drawing/2014/main" id="{4B69FDC5-C5E3-44AF-ACF8-6EE7E38D3D18}"/>
+              </a:ext>
+            </a:extLst>
+          </p:cNvPr>
+          <p:cNvSpPr/>
+          <p:nvPr/>
+        </p:nvSpPr>
+        <p:spPr>
+          <a:xfrm>
+            <a:off x="1656790" y="4128602"/>
+            <a:ext cx="8878420" cy="1062318"/>
+          </a:xfrm>
+          <a:prstGeom prst="rect">
+            <a:avLst/>
+          </a:prstGeom>
+          <a:solidFill>
+            <a:srgbClr val="595959"/>
+          </a:solidFill>
+          <a:ln w="38100">
+            <a:solidFill>
+              <a:schemeClr val="tx1">
+                <a:lumMod val="85000"/>
+              </a:schemeClr>
+            </a:solidFill>
+          </a:ln>
+        </p:spPr>
+        <p:style>
+          <a:lnRef idx="2">
+            <a:schemeClr val="accent1">
+              <a:shade val="50000"/>
+            </a:schemeClr>
+          </a:lnRef>
+          <a:fillRef idx="1">
+            <a:schemeClr val="accent1"/>
+          </a:fillRef>
+          <a:effectRef idx="0">
+            <a:schemeClr val="accent1"/>
+          </a:effectRef>
+          <a:fontRef idx="minor">
+            <a:schemeClr val="lt1"/>
+          </a:fontRef>
+        </p:style>
+        <p:txBody>
+          <a:bodyPr rtlCol="0" anchor="t"/>
+          <a:lstStyle/>
+          <a:p>
+            <a:r>
+              <a:rPr lang="ko-KR" altLang="en-US" sz="2000" dirty="0">
+                <a:latin typeface="HY헤드라인M" panose="02030600000101010101" pitchFamily="18" charset="-127"/>
+                <a:ea typeface="HY헤드라인M" panose="02030600000101010101" pitchFamily="18" charset="-127"/>
+              </a:rPr>
+              <a:t>진입 장벽이 높은 기존 레이싱 게임</a:t>
+            </a:r>
+            <a:endParaRPr lang="en-US" altLang="ko-KR" sz="2000" dirty="0">
+              <a:latin typeface="HY헤드라인M" panose="02030600000101010101" pitchFamily="18" charset="-127"/>
+              <a:ea typeface="HY헤드라인M" panose="02030600000101010101" pitchFamily="18" charset="-127"/>
+            </a:endParaRPr>
+          </a:p>
+          <a:p>
+            <a:r>
+              <a:rPr lang="en-US" altLang="ko-KR" sz="2000" dirty="0">
+                <a:latin typeface="HY헤드라인M" panose="02030600000101010101" pitchFamily="18" charset="-127"/>
+                <a:ea typeface="HY헤드라인M" panose="02030600000101010101" pitchFamily="18" charset="-127"/>
+              </a:rPr>
+              <a:t>					</a:t>
+            </a:r>
+            <a:r>
+              <a:rPr lang="ko-KR" altLang="en-US" sz="2000" dirty="0">
+                <a:latin typeface="HY헤드라인M" panose="02030600000101010101" pitchFamily="18" charset="-127"/>
+                <a:ea typeface="HY헤드라인M" panose="02030600000101010101" pitchFamily="18" charset="-127"/>
+              </a:rPr>
+              <a:t> </a:t>
+            </a:r>
+            <a:r>
+              <a:rPr lang="en-US" altLang="ko-KR" sz="2000" dirty="0">
+                <a:latin typeface="HY헤드라인M" panose="02030600000101010101" pitchFamily="18" charset="-127"/>
+                <a:ea typeface="HY헤드라인M" panose="02030600000101010101" pitchFamily="18" charset="-127"/>
+              </a:rPr>
+              <a:t>-&gt; </a:t>
+            </a:r>
+          </a:p>
+          <a:p>
+            <a:r>
+              <a:rPr lang="en-US" altLang="ko-KR" sz="2000" dirty="0">
+                <a:latin typeface="HY헤드라인M" panose="02030600000101010101" pitchFamily="18" charset="-127"/>
+                <a:ea typeface="HY헤드라인M" panose="02030600000101010101" pitchFamily="18" charset="-127"/>
+              </a:rPr>
+              <a:t>					</a:t>
+            </a:r>
+            <a:r>
+              <a:rPr lang="ko-KR" altLang="en-US" sz="2000" dirty="0">
+                <a:latin typeface="HY헤드라인M" panose="02030600000101010101" pitchFamily="18" charset="-127"/>
+                <a:ea typeface="HY헤드라인M" panose="02030600000101010101" pitchFamily="18" charset="-127"/>
+              </a:rPr>
+              <a:t>친숙하고 간단한 조작방식으로 낮아지는 진입 장벽</a:t>
             </a:r>
             <a:endParaRPr lang="en-US" altLang="ko-KR" sz="2400" dirty="0">
               <a:latin typeface="HY헤드라인M" panose="02030600000101010101" pitchFamily="18" charset="-127"/>
@@ -17117,7 +17253,7 @@
         </p:nvSpPr>
         <p:spPr>
           <a:xfrm>
-            <a:off x="1419225" y="2090714"/>
+            <a:off x="1419225" y="1663911"/>
             <a:ext cx="990600" cy="733168"/>
           </a:xfrm>
           <a:prstGeom prst="rect">
@@ -17179,7 +17315,7 @@
         </p:nvSpPr>
         <p:spPr>
           <a:xfrm>
-            <a:off x="2409824" y="2090714"/>
+            <a:off x="2409824" y="1663911"/>
             <a:ext cx="9096375" cy="733168"/>
           </a:xfrm>
           <a:prstGeom prst="rect">
@@ -17258,7 +17394,7 @@
         </p:nvSpPr>
         <p:spPr>
           <a:xfrm>
-            <a:off x="1419225" y="3231461"/>
+            <a:off x="1419225" y="2804658"/>
             <a:ext cx="990600" cy="733168"/>
           </a:xfrm>
           <a:prstGeom prst="rect">
@@ -17320,7 +17456,7 @@
         </p:nvSpPr>
         <p:spPr>
           <a:xfrm>
-            <a:off x="2409824" y="3231461"/>
+            <a:off x="2409824" y="2804658"/>
             <a:ext cx="9096375" cy="733168"/>
           </a:xfrm>
           <a:prstGeom prst="rect">
@@ -17400,7 +17536,7 @@
         </p:nvSpPr>
         <p:spPr>
           <a:xfrm>
-            <a:off x="1419225" y="4372208"/>
+            <a:off x="1419225" y="3945405"/>
             <a:ext cx="990600" cy="733168"/>
           </a:xfrm>
           <a:prstGeom prst="rect">
@@ -17462,7 +17598,7 @@
         </p:nvSpPr>
         <p:spPr>
           <a:xfrm>
-            <a:off x="2409824" y="4372208"/>
+            <a:off x="2409824" y="3945405"/>
             <a:ext cx="9096375" cy="733168"/>
           </a:xfrm>
           <a:prstGeom prst="rect">
@@ -17514,81 +17650,6 @@
               <a:latin typeface="HY헤드라인M" panose="02030600000101010101" pitchFamily="18" charset="-127"/>
               <a:ea typeface="HY헤드라인M" panose="02030600000101010101" pitchFamily="18" charset="-127"/>
             </a:endParaRPr>
-          </a:p>
-        </p:txBody>
-      </p:sp>
-      <p:sp>
-        <p:nvSpPr>
-          <p:cNvPr id="12" name="직사각형 11">
-            <a:extLst>
-              <a:ext uri="{FF2B5EF4-FFF2-40B4-BE49-F238E27FC236}">
-                <a16:creationId xmlns:a16="http://schemas.microsoft.com/office/drawing/2014/main" id="{86D9A914-90F6-4C3C-BAF0-EAAD02E49400}"/>
-              </a:ext>
-            </a:extLst>
-          </p:cNvPr>
-          <p:cNvSpPr/>
-          <p:nvPr/>
-        </p:nvSpPr>
-        <p:spPr>
-          <a:xfrm>
-            <a:off x="1419225" y="5318007"/>
-            <a:ext cx="10086974" cy="1378627"/>
-          </a:xfrm>
-          <a:prstGeom prst="rect">
-            <a:avLst/>
-          </a:prstGeom>
-          <a:solidFill>
-            <a:srgbClr val="595959"/>
-          </a:solidFill>
-          <a:ln w="38100">
-            <a:solidFill>
-              <a:schemeClr val="tx1">
-                <a:lumMod val="85000"/>
-              </a:schemeClr>
-            </a:solidFill>
-          </a:ln>
-        </p:spPr>
-        <p:style>
-          <a:lnRef idx="2">
-            <a:schemeClr val="accent1">
-              <a:shade val="50000"/>
-            </a:schemeClr>
-          </a:lnRef>
-          <a:fillRef idx="1">
-            <a:schemeClr val="accent1"/>
-          </a:fillRef>
-          <a:effectRef idx="0">
-            <a:schemeClr val="accent1"/>
-          </a:effectRef>
-          <a:fontRef idx="minor">
-            <a:schemeClr val="lt1"/>
-          </a:fontRef>
-        </p:style>
-        <p:txBody>
-          <a:bodyPr rtlCol="0" anchor="t"/>
-          <a:lstStyle/>
-          <a:p>
-            <a:r>
-              <a:rPr lang="en-US" altLang="ko-KR" sz="2400" dirty="0">
-                <a:latin typeface="HY헤드라인M" panose="02030600000101010101" pitchFamily="18" charset="-127"/>
-                <a:ea typeface="HY헤드라인M" panose="02030600000101010101" pitchFamily="18" charset="-127"/>
-              </a:rPr>
-              <a:t>Need 	-	</a:t>
-            </a:r>
-            <a:r>
-              <a:rPr lang="ko-KR" altLang="en-US" sz="2400" dirty="0">
-                <a:latin typeface="HY헤드라인M" panose="02030600000101010101" pitchFamily="18" charset="-127"/>
-                <a:ea typeface="HY헤드라인M" panose="02030600000101010101" pitchFamily="18" charset="-127"/>
-              </a:rPr>
-              <a:t>왜 만드는가</a:t>
-            </a:r>
-            <a:r>
-              <a:rPr lang="en-US" altLang="ko-KR" sz="2400" dirty="0">
-                <a:latin typeface="HY헤드라인M" panose="02030600000101010101" pitchFamily="18" charset="-127"/>
-                <a:ea typeface="HY헤드라인M" panose="02030600000101010101" pitchFamily="18" charset="-127"/>
-              </a:rPr>
-              <a:t>?</a:t>
-            </a:r>
           </a:p>
         </p:txBody>
       </p:sp>
@@ -17739,7 +17800,7 @@
         </p:nvSpPr>
         <p:spPr>
           <a:xfrm>
-            <a:off x="1419225" y="2171701"/>
+            <a:off x="1419225" y="1571625"/>
             <a:ext cx="4676775" cy="646330"/>
           </a:xfrm>
           <a:prstGeom prst="rect">
@@ -17802,7 +17863,7 @@
         </p:nvSpPr>
         <p:spPr>
           <a:xfrm>
-            <a:off x="828675" y="2171700"/>
+            <a:off x="828675" y="1571624"/>
             <a:ext cx="1514475" cy="646331"/>
           </a:xfrm>
           <a:prstGeom prst="homePlate">
@@ -17867,7 +17928,7 @@
         </p:nvSpPr>
         <p:spPr>
           <a:xfrm>
-            <a:off x="1419225" y="3045304"/>
+            <a:off x="1419225" y="2445228"/>
             <a:ext cx="4676775" cy="646330"/>
           </a:xfrm>
           <a:prstGeom prst="rect">
@@ -17926,7 +17987,7 @@
         </p:nvSpPr>
         <p:spPr>
           <a:xfrm>
-            <a:off x="828675" y="3045303"/>
+            <a:off x="828675" y="2445227"/>
             <a:ext cx="1514475" cy="646331"/>
           </a:xfrm>
           <a:prstGeom prst="homePlate">
@@ -17991,7 +18052,7 @@
         </p:nvSpPr>
         <p:spPr>
           <a:xfrm>
-            <a:off x="1419225" y="3918906"/>
+            <a:off x="1419225" y="3318830"/>
             <a:ext cx="4676775" cy="646330"/>
           </a:xfrm>
           <a:prstGeom prst="rect">
@@ -18054,7 +18115,7 @@
         </p:nvSpPr>
         <p:spPr>
           <a:xfrm>
-            <a:off x="828675" y="3918905"/>
+            <a:off x="828675" y="3318829"/>
             <a:ext cx="1514475" cy="646331"/>
           </a:xfrm>
           <a:prstGeom prst="homePlate">
@@ -18119,7 +18180,7 @@
         </p:nvSpPr>
         <p:spPr>
           <a:xfrm>
-            <a:off x="6619874" y="1571625"/>
+            <a:off x="6686550" y="1793397"/>
             <a:ext cx="5343525" cy="4210050"/>
           </a:xfrm>
           <a:prstGeom prst="rect">
@@ -18178,7 +18239,7 @@
         </p:nvSpPr>
         <p:spPr>
           <a:xfrm>
-            <a:off x="6619874" y="1076325"/>
+            <a:off x="6686550" y="1298097"/>
             <a:ext cx="5343525" cy="495300"/>
           </a:xfrm>
           <a:prstGeom prst="rect">
@@ -18219,6 +18280,154 @@
               </a:rPr>
               <a:t>컨셉 아트</a:t>
             </a:r>
+          </a:p>
+        </p:txBody>
+      </p:sp>
+      <p:sp>
+        <p:nvSpPr>
+          <p:cNvPr id="12" name="직사각형 11">
+            <a:extLst>
+              <a:ext uri="{FF2B5EF4-FFF2-40B4-BE49-F238E27FC236}">
+                <a16:creationId xmlns:a16="http://schemas.microsoft.com/office/drawing/2014/main" id="{4D4B521B-4AFD-4591-B702-5A4D0C5106C3}"/>
+              </a:ext>
+            </a:extLst>
+          </p:cNvPr>
+          <p:cNvSpPr/>
+          <p:nvPr/>
+        </p:nvSpPr>
+        <p:spPr>
+          <a:xfrm>
+            <a:off x="668101" y="4192431"/>
+            <a:ext cx="5686299" cy="1518087"/>
+          </a:xfrm>
+          <a:prstGeom prst="rect">
+            <a:avLst/>
+          </a:prstGeom>
+          <a:solidFill>
+            <a:srgbClr val="595959"/>
+          </a:solidFill>
+          <a:ln w="38100">
+            <a:solidFill>
+              <a:schemeClr val="tx1">
+                <a:lumMod val="85000"/>
+              </a:schemeClr>
+            </a:solidFill>
+          </a:ln>
+        </p:spPr>
+        <p:style>
+          <a:lnRef idx="2">
+            <a:schemeClr val="accent1">
+              <a:shade val="50000"/>
+            </a:schemeClr>
+          </a:lnRef>
+          <a:fillRef idx="1">
+            <a:schemeClr val="accent1"/>
+          </a:fillRef>
+          <a:effectRef idx="0">
+            <a:schemeClr val="accent1"/>
+          </a:effectRef>
+          <a:fontRef idx="minor">
+            <a:schemeClr val="lt1"/>
+          </a:fontRef>
+        </p:style>
+        <p:txBody>
+          <a:bodyPr rtlCol="0" anchor="t"/>
+          <a:lstStyle/>
+          <a:p>
+            <a:r>
+              <a:rPr lang="en-US" altLang="ko-KR" sz="2400" dirty="0">
+                <a:latin typeface="HY헤드라인M" panose="02030600000101010101" pitchFamily="18" charset="-127"/>
+                <a:ea typeface="HY헤드라인M" panose="02030600000101010101" pitchFamily="18" charset="-127"/>
+              </a:rPr>
+              <a:t>Need 	-	</a:t>
+            </a:r>
+            <a:r>
+              <a:rPr lang="ko-KR" altLang="en-US" sz="2400" dirty="0">
+                <a:latin typeface="HY헤드라인M" panose="02030600000101010101" pitchFamily="18" charset="-127"/>
+                <a:ea typeface="HY헤드라인M" panose="02030600000101010101" pitchFamily="18" charset="-127"/>
+              </a:rPr>
+              <a:t>왜 만드는가</a:t>
+            </a:r>
+            <a:r>
+              <a:rPr lang="en-US" altLang="ko-KR" sz="2400" dirty="0">
+                <a:latin typeface="HY헤드라인M" panose="02030600000101010101" pitchFamily="18" charset="-127"/>
+                <a:ea typeface="HY헤드라인M" panose="02030600000101010101" pitchFamily="18" charset="-127"/>
+              </a:rPr>
+              <a:t>?</a:t>
+            </a:r>
+          </a:p>
+          <a:p>
+            <a:r>
+              <a:rPr lang="ko-KR" altLang="en-US" sz="1600" dirty="0">
+                <a:latin typeface="HY헤드라인M" panose="02030600000101010101" pitchFamily="18" charset="-127"/>
+                <a:ea typeface="HY헤드라인M" panose="02030600000101010101" pitchFamily="18" charset="-127"/>
+              </a:rPr>
+              <a:t>캐주얼 하게 즐길 수 있는 레이싱 게임을 만들어서</a:t>
+            </a:r>
+            <a:endParaRPr lang="en-US" altLang="ko-KR" sz="1600" dirty="0">
+              <a:latin typeface="HY헤드라인M" panose="02030600000101010101" pitchFamily="18" charset="-127"/>
+              <a:ea typeface="HY헤드라인M" panose="02030600000101010101" pitchFamily="18" charset="-127"/>
+            </a:endParaRPr>
+          </a:p>
+          <a:p>
+            <a:r>
+              <a:rPr lang="ko-KR" altLang="en-US" sz="1600" dirty="0">
+                <a:latin typeface="HY헤드라인M" panose="02030600000101010101" pitchFamily="18" charset="-127"/>
+                <a:ea typeface="HY헤드라인M" panose="02030600000101010101" pitchFamily="18" charset="-127"/>
+              </a:rPr>
+              <a:t>사람들이 레이싱에 흥미를 가지도록 하며</a:t>
+            </a:r>
+            <a:endParaRPr lang="en-US" altLang="ko-KR" sz="1600" dirty="0">
+              <a:latin typeface="HY헤드라인M" panose="02030600000101010101" pitchFamily="18" charset="-127"/>
+              <a:ea typeface="HY헤드라인M" panose="02030600000101010101" pitchFamily="18" charset="-127"/>
+            </a:endParaRPr>
+          </a:p>
+          <a:p>
+            <a:r>
+              <a:rPr lang="en-US" altLang="ko-KR" sz="1600" dirty="0">
+                <a:latin typeface="HY헤드라인M" panose="02030600000101010101" pitchFamily="18" charset="-127"/>
+                <a:ea typeface="HY헤드라인M" panose="02030600000101010101" pitchFamily="18" charset="-127"/>
+              </a:rPr>
+              <a:t>TPS</a:t>
+            </a:r>
+            <a:r>
+              <a:rPr lang="ko-KR" altLang="en-US" sz="1600" dirty="0">
+                <a:latin typeface="HY헤드라인M" panose="02030600000101010101" pitchFamily="18" charset="-127"/>
+                <a:ea typeface="HY헤드라인M" panose="02030600000101010101" pitchFamily="18" charset="-127"/>
+              </a:rPr>
+              <a:t>카메라와 카메라 워킹을 연구하여 게임에 몰입도를 증가</a:t>
+            </a:r>
+            <a:endParaRPr lang="en-US" altLang="ko-KR" sz="1600" dirty="0">
+              <a:latin typeface="HY헤드라인M" panose="02030600000101010101" pitchFamily="18" charset="-127"/>
+              <a:ea typeface="HY헤드라인M" panose="02030600000101010101" pitchFamily="18" charset="-127"/>
+            </a:endParaRPr>
+          </a:p>
+          <a:p>
+            <a:r>
+              <a:rPr lang="ko-KR" altLang="en-US" sz="1600" dirty="0">
+                <a:latin typeface="HY헤드라인M" panose="02030600000101010101" pitchFamily="18" charset="-127"/>
+                <a:ea typeface="HY헤드라인M" panose="02030600000101010101" pitchFamily="18" charset="-127"/>
+              </a:rPr>
+              <a:t>수요가 늘어나는 </a:t>
+            </a:r>
+            <a:r>
+              <a:rPr lang="en-US" altLang="ko-KR" sz="1600" dirty="0">
+                <a:latin typeface="HY헤드라인M" panose="02030600000101010101" pitchFamily="18" charset="-127"/>
+                <a:ea typeface="HY헤드라인M" panose="02030600000101010101" pitchFamily="18" charset="-127"/>
+              </a:rPr>
+              <a:t>TPS</a:t>
+            </a:r>
+            <a:r>
+              <a:rPr lang="ko-KR" altLang="en-US" sz="1600" dirty="0">
+                <a:latin typeface="HY헤드라인M" panose="02030600000101010101" pitchFamily="18" charset="-127"/>
+                <a:ea typeface="HY헤드라인M" panose="02030600000101010101" pitchFamily="18" charset="-127"/>
+              </a:rPr>
+              <a:t>게임에 대해 향후 도움이 되리라 판단함</a:t>
+            </a:r>
+            <a:endParaRPr lang="en-US" altLang="ko-KR" sz="1600" dirty="0">
+              <a:latin typeface="HY헤드라인M" panose="02030600000101010101" pitchFamily="18" charset="-127"/>
+              <a:ea typeface="HY헤드라인M" panose="02030600000101010101" pitchFamily="18" charset="-127"/>
+            </a:endParaRPr>
           </a:p>
         </p:txBody>
       </p:sp>

--- a/기획단계/졸작 제안서_α.pptx
+++ b/기획단계/졸작 제안서_α.pptx
@@ -308,7 +308,7 @@
             <a:fld id="{B61BEF0D-F0BB-DE4B-95CE-6DB70DBA9567}" type="datetimeFigureOut">
               <a:rPr lang="en-US" smtClean="0"/>
               <a:pPr/>
-              <a:t>11/19/2019</a:t>
+              <a:t>11/21/2019</a:t>
             </a:fld>
             <a:endParaRPr lang="en-US" dirty="0"/>
           </a:p>
@@ -537,7 +537,7 @@
           <a:p>
             <a:fld id="{55C6B4A9-1611-4792-9094-5F34BCA07E0B}" type="datetimeFigureOut">
               <a:rPr lang="en-US" smtClean="0"/>
-              <a:t>11/19/2019</a:t>
+              <a:t>11/21/2019</a:t>
             </a:fld>
             <a:endParaRPr lang="en-US" dirty="0"/>
           </a:p>
@@ -718,7 +718,7 @@
             <a:fld id="{B61BEF0D-F0BB-DE4B-95CE-6DB70DBA9567}" type="datetimeFigureOut">
               <a:rPr lang="en-US" smtClean="0"/>
               <a:pPr/>
-              <a:t>11/19/2019</a:t>
+              <a:t>11/21/2019</a:t>
             </a:fld>
             <a:endParaRPr lang="en-US" dirty="0"/>
           </a:p>
@@ -889,7 +889,7 @@
           <a:p>
             <a:fld id="{42A54C80-263E-416B-A8E0-580EDEADCBDC}" type="datetimeFigureOut">
               <a:rPr lang="en-US" smtClean="0"/>
-              <a:t>11/19/2019</a:t>
+              <a:t>11/21/2019</a:t>
             </a:fld>
             <a:endParaRPr lang="en-US" dirty="0"/>
           </a:p>
@@ -1144,7 +1144,7 @@
             <a:fld id="{B61BEF0D-F0BB-DE4B-95CE-6DB70DBA9567}" type="datetimeFigureOut">
               <a:rPr lang="en-US" smtClean="0"/>
               <a:pPr/>
-              <a:t>11/19/2019</a:t>
+              <a:t>11/21/2019</a:t>
             </a:fld>
             <a:endParaRPr lang="en-US" dirty="0"/>
           </a:p>
@@ -1471,7 +1471,7 @@
           <a:p>
             <a:fld id="{42A54C80-263E-416B-A8E0-580EDEADCBDC}" type="datetimeFigureOut">
               <a:rPr lang="en-US" smtClean="0"/>
-              <a:t>11/19/2019</a:t>
+              <a:t>11/21/2019</a:t>
             </a:fld>
             <a:endParaRPr lang="en-US" dirty="0"/>
           </a:p>
@@ -1923,7 +1923,7 @@
             <a:fld id="{B61BEF0D-F0BB-DE4B-95CE-6DB70DBA9567}" type="datetimeFigureOut">
               <a:rPr lang="en-US" smtClean="0"/>
               <a:pPr/>
-              <a:t>11/19/2019</a:t>
+              <a:t>11/21/2019</a:t>
             </a:fld>
             <a:endParaRPr lang="en-US" dirty="0"/>
           </a:p>
@@ -2043,7 +2043,7 @@
             <a:fld id="{B61BEF0D-F0BB-DE4B-95CE-6DB70DBA9567}" type="datetimeFigureOut">
               <a:rPr lang="en-US" smtClean="0"/>
               <a:pPr/>
-              <a:t>11/19/2019</a:t>
+              <a:t>11/21/2019</a:t>
             </a:fld>
             <a:endParaRPr lang="en-US" dirty="0"/>
           </a:p>
@@ -2140,7 +2140,7 @@
             <a:fld id="{B61BEF0D-F0BB-DE4B-95CE-6DB70DBA9567}" type="datetimeFigureOut">
               <a:rPr lang="en-US" smtClean="0"/>
               <a:pPr/>
-              <a:t>11/19/2019</a:t>
+              <a:t>11/21/2019</a:t>
             </a:fld>
             <a:endParaRPr lang="en-US" dirty="0"/>
           </a:p>
@@ -2428,7 +2428,7 @@
           <a:p>
             <a:fld id="{42A54C80-263E-416B-A8E0-580EDEADCBDC}" type="datetimeFigureOut">
               <a:rPr lang="en-US" smtClean="0"/>
-              <a:t>11/19/2019</a:t>
+              <a:t>11/21/2019</a:t>
             </a:fld>
             <a:endParaRPr lang="en-US" dirty="0"/>
           </a:p>
@@ -2751,7 +2751,7 @@
             <a:fld id="{B61BEF0D-F0BB-DE4B-95CE-6DB70DBA9567}" type="datetimeFigureOut">
               <a:rPr lang="en-US" smtClean="0"/>
               <a:pPr/>
-              <a:t>11/19/2019</a:t>
+              <a:t>11/21/2019</a:t>
             </a:fld>
             <a:endParaRPr lang="en-US" dirty="0"/>
           </a:p>
@@ -3007,7 +3007,7 @@
             <a:fld id="{B61BEF0D-F0BB-DE4B-95CE-6DB70DBA9567}" type="datetimeFigureOut">
               <a:rPr lang="en-US" smtClean="0"/>
               <a:pPr/>
-              <a:t>11/19/2019</a:t>
+              <a:t>11/21/2019</a:t>
             </a:fld>
             <a:endParaRPr lang="en-US" dirty="0"/>
           </a:p>
@@ -6717,7 +6717,7 @@
           <p:nvPr>
             <p:extLst>
               <p:ext uri="{D42A27DB-BD31-4B8C-83A1-F6EECF244321}">
-                <p14:modId xmlns:p14="http://schemas.microsoft.com/office/powerpoint/2010/main" val="3834115510"/>
+                <p14:modId xmlns:p14="http://schemas.microsoft.com/office/powerpoint/2010/main" val="680397397"/>
               </p:ext>
             </p:extLst>
           </p:nvPr>
@@ -14574,7 +14574,9 @@
                       <a:prstDash val="solid"/>
                     </a:lnBlToTr>
                     <a:solidFill>
-                      <a:srgbClr val="C00000"/>
+                      <a:schemeClr val="accent1">
+                        <a:lumMod val="75000"/>
+                      </a:schemeClr>
                     </a:solidFill>
                   </a:tcPr>
                 </a:tc>
@@ -14649,7 +14651,9 @@
                       <a:prstDash val="solid"/>
                     </a:lnBlToTr>
                     <a:solidFill>
-                      <a:srgbClr val="C00000"/>
+                      <a:schemeClr val="accent1">
+                        <a:lumMod val="75000"/>
+                      </a:schemeClr>
                     </a:solidFill>
                   </a:tcPr>
                 </a:tc>
@@ -14719,7 +14723,9 @@
                       <a:prstDash val="solid"/>
                     </a:lnBlToTr>
                     <a:solidFill>
-                      <a:srgbClr val="C00000"/>
+                      <a:schemeClr val="accent1">
+                        <a:lumMod val="75000"/>
+                      </a:schemeClr>
                     </a:solidFill>
                   </a:tcPr>
                 </a:tc>
@@ -14741,7 +14747,7 @@
                       </a:pPr>
                       <a:endParaRPr lang="ko-KR" altLang="en-US" sz="1200" b="1" kern="0" spc="0" dirty="0">
                         <a:solidFill>
-                          <a:schemeClr val="bg1"/>
+                          <a:srgbClr val="FF0000"/>
                         </a:solidFill>
                         <a:latin typeface="+mn-ea"/>
                         <a:ea typeface="+mn-ea"/>
@@ -14794,7 +14800,9 @@
                       <a:prstDash val="solid"/>
                     </a:lnBlToTr>
                     <a:solidFill>
-                      <a:srgbClr val="C00000"/>
+                      <a:schemeClr val="accent1">
+                        <a:lumMod val="75000"/>
+                      </a:schemeClr>
                     </a:solidFill>
                   </a:tcPr>
                 </a:tc>
@@ -14869,7 +14877,9 @@
                       <a:prstDash val="solid"/>
                     </a:lnBlToTr>
                     <a:solidFill>
-                      <a:srgbClr val="C00000"/>
+                      <a:schemeClr val="accent1">
+                        <a:lumMod val="75000"/>
+                      </a:schemeClr>
                     </a:solidFill>
                   </a:tcPr>
                 </a:tc>
@@ -15488,7 +15498,7 @@
                       <a:prstDash val="solid"/>
                     </a:lnBlToTr>
                     <a:solidFill>
-                      <a:srgbClr val="C00000"/>
+                      <a:srgbClr val="545455"/>
                     </a:solidFill>
                   </a:tcPr>
                 </a:tc>
@@ -16182,7 +16192,7 @@
                       <a:prstDash val="solid"/>
                     </a:lnBlToTr>
                     <a:solidFill>
-                      <a:srgbClr val="545455"/>
+                      <a:srgbClr val="C00000"/>
                     </a:solidFill>
                   </a:tcPr>
                 </a:tc>
@@ -16257,7 +16267,7 @@
                       <a:prstDash val="solid"/>
                     </a:lnBlToTr>
                     <a:solidFill>
-                      <a:srgbClr val="545455"/>
+                      <a:srgbClr val="C00000"/>
                     </a:solidFill>
                   </a:tcPr>
                 </a:tc>

--- a/기획단계/졸작 제안서_α.pptx
+++ b/기획단계/졸작 제안서_α.pptx
@@ -308,7 +308,7 @@
             <a:fld id="{B61BEF0D-F0BB-DE4B-95CE-6DB70DBA9567}" type="datetimeFigureOut">
               <a:rPr lang="en-US" smtClean="0"/>
               <a:pPr/>
-              <a:t>11/21/2019</a:t>
+              <a:t>11/25/2019</a:t>
             </a:fld>
             <a:endParaRPr lang="en-US" dirty="0"/>
           </a:p>
@@ -537,7 +537,7 @@
           <a:p>
             <a:fld id="{55C6B4A9-1611-4792-9094-5F34BCA07E0B}" type="datetimeFigureOut">
               <a:rPr lang="en-US" smtClean="0"/>
-              <a:t>11/21/2019</a:t>
+              <a:t>11/25/2019</a:t>
             </a:fld>
             <a:endParaRPr lang="en-US" dirty="0"/>
           </a:p>
@@ -718,7 +718,7 @@
             <a:fld id="{B61BEF0D-F0BB-DE4B-95CE-6DB70DBA9567}" type="datetimeFigureOut">
               <a:rPr lang="en-US" smtClean="0"/>
               <a:pPr/>
-              <a:t>11/21/2019</a:t>
+              <a:t>11/25/2019</a:t>
             </a:fld>
             <a:endParaRPr lang="en-US" dirty="0"/>
           </a:p>
@@ -889,7 +889,7 @@
           <a:p>
             <a:fld id="{42A54C80-263E-416B-A8E0-580EDEADCBDC}" type="datetimeFigureOut">
               <a:rPr lang="en-US" smtClean="0"/>
-              <a:t>11/21/2019</a:t>
+              <a:t>11/25/2019</a:t>
             </a:fld>
             <a:endParaRPr lang="en-US" dirty="0"/>
           </a:p>
@@ -1144,7 +1144,7 @@
             <a:fld id="{B61BEF0D-F0BB-DE4B-95CE-6DB70DBA9567}" type="datetimeFigureOut">
               <a:rPr lang="en-US" smtClean="0"/>
               <a:pPr/>
-              <a:t>11/21/2019</a:t>
+              <a:t>11/25/2019</a:t>
             </a:fld>
             <a:endParaRPr lang="en-US" dirty="0"/>
           </a:p>
@@ -1471,7 +1471,7 @@
           <a:p>
             <a:fld id="{42A54C80-263E-416B-A8E0-580EDEADCBDC}" type="datetimeFigureOut">
               <a:rPr lang="en-US" smtClean="0"/>
-              <a:t>11/21/2019</a:t>
+              <a:t>11/25/2019</a:t>
             </a:fld>
             <a:endParaRPr lang="en-US" dirty="0"/>
           </a:p>
@@ -1923,7 +1923,7 @@
             <a:fld id="{B61BEF0D-F0BB-DE4B-95CE-6DB70DBA9567}" type="datetimeFigureOut">
               <a:rPr lang="en-US" smtClean="0"/>
               <a:pPr/>
-              <a:t>11/21/2019</a:t>
+              <a:t>11/25/2019</a:t>
             </a:fld>
             <a:endParaRPr lang="en-US" dirty="0"/>
           </a:p>
@@ -2043,7 +2043,7 @@
             <a:fld id="{B61BEF0D-F0BB-DE4B-95CE-6DB70DBA9567}" type="datetimeFigureOut">
               <a:rPr lang="en-US" smtClean="0"/>
               <a:pPr/>
-              <a:t>11/21/2019</a:t>
+              <a:t>11/25/2019</a:t>
             </a:fld>
             <a:endParaRPr lang="en-US" dirty="0"/>
           </a:p>
@@ -2140,7 +2140,7 @@
             <a:fld id="{B61BEF0D-F0BB-DE4B-95CE-6DB70DBA9567}" type="datetimeFigureOut">
               <a:rPr lang="en-US" smtClean="0"/>
               <a:pPr/>
-              <a:t>11/21/2019</a:t>
+              <a:t>11/25/2019</a:t>
             </a:fld>
             <a:endParaRPr lang="en-US" dirty="0"/>
           </a:p>
@@ -2428,7 +2428,7 @@
           <a:p>
             <a:fld id="{42A54C80-263E-416B-A8E0-580EDEADCBDC}" type="datetimeFigureOut">
               <a:rPr lang="en-US" smtClean="0"/>
-              <a:t>11/21/2019</a:t>
+              <a:t>11/25/2019</a:t>
             </a:fld>
             <a:endParaRPr lang="en-US" dirty="0"/>
           </a:p>
@@ -2751,7 +2751,7 @@
             <a:fld id="{B61BEF0D-F0BB-DE4B-95CE-6DB70DBA9567}" type="datetimeFigureOut">
               <a:rPr lang="en-US" smtClean="0"/>
               <a:pPr/>
-              <a:t>11/21/2019</a:t>
+              <a:t>11/25/2019</a:t>
             </a:fld>
             <a:endParaRPr lang="en-US" dirty="0"/>
           </a:p>
@@ -3007,7 +3007,7 @@
             <a:fld id="{B61BEF0D-F0BB-DE4B-95CE-6DB70DBA9567}" type="datetimeFigureOut">
               <a:rPr lang="en-US" smtClean="0"/>
               <a:pPr/>
-              <a:t>11/21/2019</a:t>
+              <a:t>11/25/2019</a:t>
             </a:fld>
             <a:endParaRPr lang="en-US" dirty="0"/>
           </a:p>
@@ -4166,11 +4166,8 @@
                 <a:latin typeface="HY헤드라인M" panose="02030600000101010101" pitchFamily="18" charset="-127"/>
                 <a:ea typeface="HY헤드라인M" panose="02030600000101010101" pitchFamily="18" charset="-127"/>
               </a:rPr>
-              <a:t>카메라 워킹을 이용한 게임 표현</a:t>
-            </a:r>
-          </a:p>
-          <a:p>
-            <a:pPr algn="ctr"/>
+              <a:t>조화진동을 이용한 카메라</a:t>
+            </a:r>
             <a:endParaRPr lang="ko-KR" altLang="en-US" sz="2000" dirty="0"/>
           </a:p>
         </p:txBody>
@@ -5807,7 +5804,7 @@
                 <a:latin typeface="HY헤드라인M" panose="02030600000101010101" pitchFamily="18" charset="-127"/>
                 <a:ea typeface="HY헤드라인M" panose="02030600000101010101" pitchFamily="18" charset="-127"/>
               </a:rPr>
-              <a:t>카메라 워킹</a:t>
+              <a:t>조화진동을 이용한 카메라</a:t>
             </a:r>
             <a:endParaRPr lang="en-US" altLang="ko-KR" sz="2400" dirty="0">
               <a:latin typeface="HY헤드라인M" panose="02030600000101010101" pitchFamily="18" charset="-127"/>
@@ -17110,6 +17107,74 @@
           </a:p>
         </p:txBody>
       </p:sp>
+      <p:sp>
+        <p:nvSpPr>
+          <p:cNvPr id="2" name="TextBox 1">
+            <a:extLst>
+              <a:ext uri="{FF2B5EF4-FFF2-40B4-BE49-F238E27FC236}">
+                <a16:creationId xmlns:a16="http://schemas.microsoft.com/office/drawing/2014/main" id="{B1A115EC-CA9A-4F23-BC30-BAB8A48F650E}"/>
+              </a:ext>
+            </a:extLst>
+          </p:cNvPr>
+          <p:cNvSpPr txBox="1"/>
+          <p:nvPr/>
+        </p:nvSpPr>
+        <p:spPr>
+          <a:xfrm>
+            <a:off x="534801" y="2052917"/>
+            <a:ext cx="11122398" cy="1661993"/>
+          </a:xfrm>
+          <a:prstGeom prst="rect">
+            <a:avLst/>
+          </a:prstGeom>
+          <a:noFill/>
+        </p:spPr>
+        <p:txBody>
+          <a:bodyPr wrap="square" rtlCol="0">
+            <a:spAutoFit/>
+          </a:bodyPr>
+          <a:lstStyle/>
+          <a:p>
+            <a:r>
+              <a:rPr lang="en-US" altLang="ko-KR" sz="2800" dirty="0"/>
+              <a:t>2</a:t>
+            </a:r>
+            <a:r>
+              <a:rPr lang="ko-KR" altLang="en-US" sz="2800" dirty="0"/>
+              <a:t>계 미분방적식의 조화진동을 사용해 만든 카메라를 </a:t>
+            </a:r>
+            <a:endParaRPr lang="en-US" altLang="ko-KR" sz="2800" dirty="0"/>
+          </a:p>
+          <a:p>
+            <a:endParaRPr lang="en-US" altLang="ko-KR" sz="2800" dirty="0"/>
+          </a:p>
+          <a:p>
+            <a:r>
+              <a:rPr lang="en-US" altLang="ko-KR" sz="2800" dirty="0"/>
+              <a:t>							</a:t>
+            </a:r>
+            <a:r>
+              <a:rPr lang="ko-KR" altLang="en-US" sz="2800" dirty="0"/>
+              <a:t>이용하여</a:t>
+            </a:r>
+            <a:r>
+              <a:rPr lang="en-US" altLang="ko-KR" sz="2800" dirty="0"/>
+              <a:t> </a:t>
+            </a:r>
+            <a:r>
+              <a:rPr lang="ko-KR" altLang="en-US" sz="2800" dirty="0"/>
+              <a:t>간단한 캐주얼 레이싱 게임을 만든다</a:t>
+            </a:r>
+            <a:r>
+              <a:rPr lang="en-US" altLang="ko-KR" sz="2800" dirty="0"/>
+              <a:t>.</a:t>
+            </a:r>
+          </a:p>
+          <a:p>
+            <a:endParaRPr lang="ko-KR" altLang="en-US" dirty="0"/>
+          </a:p>
+        </p:txBody>
+      </p:sp>
     </p:spTree>
     <p:extLst>
       <p:ext uri="{BB962C8B-B14F-4D97-AF65-F5344CB8AC3E}">
@@ -17654,7 +17719,7 @@
                 <a:latin typeface="HY헤드라인M" panose="02030600000101010101" pitchFamily="18" charset="-127"/>
                 <a:ea typeface="HY헤드라인M" panose="02030600000101010101" pitchFamily="18" charset="-127"/>
               </a:rPr>
-              <a:t>카메라 워킹을 구현하여 몰입도 있는 게임 개발</a:t>
+              <a:t>조화진동을 이용한 카메라 워킹을 구현</a:t>
             </a:r>
             <a:endParaRPr lang="en-US" altLang="ko-KR" sz="2400" dirty="0">
               <a:latin typeface="HY헤드라인M" panose="02030600000101010101" pitchFamily="18" charset="-127"/>

--- a/기획단계/졸작 제안서_α.pptx
+++ b/기획단계/졸작 제안서_α.pptx
@@ -308,7 +308,7 @@
             <a:fld id="{B61BEF0D-F0BB-DE4B-95CE-6DB70DBA9567}" type="datetimeFigureOut">
               <a:rPr lang="en-US" smtClean="0"/>
               <a:pPr/>
-              <a:t>11/25/2019</a:t>
+              <a:t>11/26/2019</a:t>
             </a:fld>
             <a:endParaRPr lang="en-US" dirty="0"/>
           </a:p>
@@ -537,7 +537,7 @@
           <a:p>
             <a:fld id="{55C6B4A9-1611-4792-9094-5F34BCA07E0B}" type="datetimeFigureOut">
               <a:rPr lang="en-US" smtClean="0"/>
-              <a:t>11/25/2019</a:t>
+              <a:t>11/26/2019</a:t>
             </a:fld>
             <a:endParaRPr lang="en-US" dirty="0"/>
           </a:p>
@@ -718,7 +718,7 @@
             <a:fld id="{B61BEF0D-F0BB-DE4B-95CE-6DB70DBA9567}" type="datetimeFigureOut">
               <a:rPr lang="en-US" smtClean="0"/>
               <a:pPr/>
-              <a:t>11/25/2019</a:t>
+              <a:t>11/26/2019</a:t>
             </a:fld>
             <a:endParaRPr lang="en-US" dirty="0"/>
           </a:p>
@@ -889,7 +889,7 @@
           <a:p>
             <a:fld id="{42A54C80-263E-416B-A8E0-580EDEADCBDC}" type="datetimeFigureOut">
               <a:rPr lang="en-US" smtClean="0"/>
-              <a:t>11/25/2019</a:t>
+              <a:t>11/26/2019</a:t>
             </a:fld>
             <a:endParaRPr lang="en-US" dirty="0"/>
           </a:p>
@@ -1144,7 +1144,7 @@
             <a:fld id="{B61BEF0D-F0BB-DE4B-95CE-6DB70DBA9567}" type="datetimeFigureOut">
               <a:rPr lang="en-US" smtClean="0"/>
               <a:pPr/>
-              <a:t>11/25/2019</a:t>
+              <a:t>11/26/2019</a:t>
             </a:fld>
             <a:endParaRPr lang="en-US" dirty="0"/>
           </a:p>
@@ -1471,7 +1471,7 @@
           <a:p>
             <a:fld id="{42A54C80-263E-416B-A8E0-580EDEADCBDC}" type="datetimeFigureOut">
               <a:rPr lang="en-US" smtClean="0"/>
-              <a:t>11/25/2019</a:t>
+              <a:t>11/26/2019</a:t>
             </a:fld>
             <a:endParaRPr lang="en-US" dirty="0"/>
           </a:p>
@@ -1923,7 +1923,7 @@
             <a:fld id="{B61BEF0D-F0BB-DE4B-95CE-6DB70DBA9567}" type="datetimeFigureOut">
               <a:rPr lang="en-US" smtClean="0"/>
               <a:pPr/>
-              <a:t>11/25/2019</a:t>
+              <a:t>11/26/2019</a:t>
             </a:fld>
             <a:endParaRPr lang="en-US" dirty="0"/>
           </a:p>
@@ -2043,7 +2043,7 @@
             <a:fld id="{B61BEF0D-F0BB-DE4B-95CE-6DB70DBA9567}" type="datetimeFigureOut">
               <a:rPr lang="en-US" smtClean="0"/>
               <a:pPr/>
-              <a:t>11/25/2019</a:t>
+              <a:t>11/26/2019</a:t>
             </a:fld>
             <a:endParaRPr lang="en-US" dirty="0"/>
           </a:p>
@@ -2140,7 +2140,7 @@
             <a:fld id="{B61BEF0D-F0BB-DE4B-95CE-6DB70DBA9567}" type="datetimeFigureOut">
               <a:rPr lang="en-US" smtClean="0"/>
               <a:pPr/>
-              <a:t>11/25/2019</a:t>
+              <a:t>11/26/2019</a:t>
             </a:fld>
             <a:endParaRPr lang="en-US" dirty="0"/>
           </a:p>
@@ -2428,7 +2428,7 @@
           <a:p>
             <a:fld id="{42A54C80-263E-416B-A8E0-580EDEADCBDC}" type="datetimeFigureOut">
               <a:rPr lang="en-US" smtClean="0"/>
-              <a:t>11/25/2019</a:t>
+              <a:t>11/26/2019</a:t>
             </a:fld>
             <a:endParaRPr lang="en-US" dirty="0"/>
           </a:p>
@@ -2751,7 +2751,7 @@
             <a:fld id="{B61BEF0D-F0BB-DE4B-95CE-6DB70DBA9567}" type="datetimeFigureOut">
               <a:rPr lang="en-US" smtClean="0"/>
               <a:pPr/>
-              <a:t>11/25/2019</a:t>
+              <a:t>11/26/2019</a:t>
             </a:fld>
             <a:endParaRPr lang="en-US" dirty="0"/>
           </a:p>
@@ -3007,7 +3007,7 @@
             <a:fld id="{B61BEF0D-F0BB-DE4B-95CE-6DB70DBA9567}" type="datetimeFigureOut">
               <a:rPr lang="en-US" smtClean="0"/>
               <a:pPr/>
-              <a:t>11/25/2019</a:t>
+              <a:t>11/26/2019</a:t>
             </a:fld>
             <a:endParaRPr lang="en-US" dirty="0"/>
           </a:p>
@@ -6714,14 +6714,14 @@
           <p:nvPr>
             <p:extLst>
               <p:ext uri="{D42A27DB-BD31-4B8C-83A1-F6EECF244321}">
-                <p14:modId xmlns:p14="http://schemas.microsoft.com/office/powerpoint/2010/main" val="680397397"/>
+                <p14:modId xmlns:p14="http://schemas.microsoft.com/office/powerpoint/2010/main" val="231538572"/>
               </p:ext>
             </p:extLst>
           </p:nvPr>
         </p:nvGraphicFramePr>
         <p:xfrm>
           <a:off x="501445" y="1889170"/>
-          <a:ext cx="11185930" cy="4673937"/>
+          <a:ext cx="11185930" cy="4712136"/>
         </p:xfrm>
         <a:graphic>
           <a:graphicData uri="http://schemas.openxmlformats.org/drawingml/2006/table">
@@ -8092,7 +8092,7 @@
                     </a:solidFill>
                   </a:tcPr>
                 </a:tc>
-                <a:tc rowSpan="12">
+                <a:tc rowSpan="13">
                   <a:txBody>
                     <a:bodyPr/>
                     <a:lstStyle/>
@@ -8487,7 +8487,7 @@
                     </a:solidFill>
                   </a:tcPr>
                 </a:tc>
-                <a:tc rowSpan="12">
+                <a:tc rowSpan="13">
                   <a:txBody>
                     <a:bodyPr/>
                     <a:lstStyle/>
@@ -15591,8 +15591,8 @@
                   </a:ext>
                 </a:extLst>
               </a:tr>
-              <a:tr h="0">
-                <a:tc>
+              <a:tr h="290055">
+                <a:tc rowSpan="2">
                   <a:txBody>
                     <a:bodyPr/>
                     <a:lstStyle/>
@@ -15673,7 +15673,157 @@
                     </a:solidFill>
                   </a:tcPr>
                 </a:tc>
-                <a:tc>
+                <a:tc rowSpan="2">
+                  <a:txBody>
+                    <a:bodyPr/>
+                    <a:lstStyle/>
+                    <a:p>
+                      <a:pPr marL="0" marR="0" indent="0" algn="just" fontAlgn="base" latinLnBrk="1">
+                        <a:lnSpc>
+                          <a:spcPct val="160000"/>
+                        </a:lnSpc>
+                        <a:spcBef>
+                          <a:spcPts val="0"/>
+                        </a:spcBef>
+                        <a:spcAft>
+                          <a:spcPts val="0"/>
+                        </a:spcAft>
+                      </a:pPr>
+                      <a:endParaRPr lang="ko-KR" altLang="en-US" sz="1200" b="1" kern="0" spc="0" dirty="0">
+                        <a:solidFill>
+                          <a:schemeClr val="bg1"/>
+                        </a:solidFill>
+                        <a:latin typeface="+mn-ea"/>
+                        <a:ea typeface="+mn-ea"/>
+                      </a:endParaRPr>
+                    </a:p>
+                  </a:txBody>
+                  <a:tcPr marL="63779" marR="63779" marT="17417" marB="17417" anchor="ctr">
+                    <a:lnL w="12700" cap="flat" cmpd="sng" algn="ctr">
+                      <a:solidFill>
+                        <a:schemeClr val="tx1"/>
+                      </a:solidFill>
+                      <a:prstDash val="solid"/>
+                      <a:round/>
+                      <a:headEnd type="none" w="med" len="med"/>
+                      <a:tailEnd type="none" w="med" len="med"/>
+                    </a:lnL>
+                    <a:lnR w="12700" cap="flat" cmpd="sng" algn="ctr">
+                      <a:solidFill>
+                        <a:schemeClr val="tx1"/>
+                      </a:solidFill>
+                      <a:prstDash val="solid"/>
+                      <a:round/>
+                      <a:headEnd type="none" w="med" len="med"/>
+                      <a:tailEnd type="none" w="med" len="med"/>
+                    </a:lnR>
+                    <a:lnT w="12700" cap="flat" cmpd="sng" algn="ctr">
+                      <a:solidFill>
+                        <a:schemeClr val="tx1"/>
+                      </a:solidFill>
+                      <a:prstDash val="solid"/>
+                      <a:round/>
+                      <a:headEnd type="none" w="med" len="med"/>
+                      <a:tailEnd type="none" w="med" len="med"/>
+                    </a:lnT>
+                    <a:lnB w="12700" cap="flat" cmpd="sng" algn="ctr">
+                      <a:solidFill>
+                        <a:schemeClr val="tx1"/>
+                      </a:solidFill>
+                      <a:prstDash val="solid"/>
+                      <a:round/>
+                      <a:headEnd type="none" w="med" len="med"/>
+                      <a:tailEnd type="none" w="med" len="med"/>
+                    </a:lnB>
+                    <a:lnTlToBr w="12700" cmpd="sng">
+                      <a:noFill/>
+                      <a:prstDash val="solid"/>
+                    </a:lnTlToBr>
+                    <a:lnBlToTr w="12700" cmpd="sng">
+                      <a:noFill/>
+                      <a:prstDash val="solid"/>
+                    </a:lnBlToTr>
+                    <a:solidFill>
+                      <a:srgbClr val="545455"/>
+                    </a:solidFill>
+                  </a:tcPr>
+                </a:tc>
+                <a:tc rowSpan="2">
+                  <a:txBody>
+                    <a:bodyPr/>
+                    <a:lstStyle/>
+                    <a:p>
+                      <a:pPr marL="0" marR="0" indent="0" algn="just" fontAlgn="base" latinLnBrk="1">
+                        <a:lnSpc>
+                          <a:spcPct val="160000"/>
+                        </a:lnSpc>
+                        <a:spcBef>
+                          <a:spcPts val="0"/>
+                        </a:spcBef>
+                        <a:spcAft>
+                          <a:spcPts val="0"/>
+                        </a:spcAft>
+                      </a:pPr>
+                      <a:endParaRPr lang="ko-KR" altLang="en-US" sz="1200" b="1" kern="0" spc="0" dirty="0">
+                        <a:solidFill>
+                          <a:schemeClr val="bg1"/>
+                        </a:solidFill>
+                        <a:latin typeface="+mn-ea"/>
+                        <a:ea typeface="+mn-ea"/>
+                      </a:endParaRPr>
+                    </a:p>
+                  </a:txBody>
+                  <a:tcPr marL="63779" marR="63779" marT="17417" marB="17417" anchor="ctr">
+                    <a:lnL w="12700" cap="flat" cmpd="sng" algn="ctr">
+                      <a:solidFill>
+                        <a:schemeClr val="tx1"/>
+                      </a:solidFill>
+                      <a:prstDash val="solid"/>
+                      <a:round/>
+                      <a:headEnd type="none" w="med" len="med"/>
+                      <a:tailEnd type="none" w="med" len="med"/>
+                    </a:lnL>
+                    <a:lnR w="12700" cap="flat" cmpd="sng" algn="ctr">
+                      <a:solidFill>
+                        <a:schemeClr val="tx1"/>
+                      </a:solidFill>
+                      <a:prstDash val="solid"/>
+                      <a:round/>
+                      <a:headEnd type="none" w="med" len="med"/>
+                      <a:tailEnd type="none" w="med" len="med"/>
+                    </a:lnR>
+                    <a:lnT w="12700" cap="flat" cmpd="sng" algn="ctr">
+                      <a:solidFill>
+                        <a:schemeClr val="tx1"/>
+                      </a:solidFill>
+                      <a:prstDash val="solid"/>
+                      <a:round/>
+                      <a:headEnd type="none" w="med" len="med"/>
+                      <a:tailEnd type="none" w="med" len="med"/>
+                    </a:lnT>
+                    <a:lnB w="12700" cap="flat" cmpd="sng" algn="ctr">
+                      <a:solidFill>
+                        <a:schemeClr val="tx1"/>
+                      </a:solidFill>
+                      <a:prstDash val="solid"/>
+                      <a:round/>
+                      <a:headEnd type="none" w="med" len="med"/>
+                      <a:tailEnd type="none" w="med" len="med"/>
+                    </a:lnB>
+                    <a:lnTlToBr w="12700" cmpd="sng">
+                      <a:noFill/>
+                      <a:prstDash val="solid"/>
+                    </a:lnTlToBr>
+                    <a:lnBlToTr w="12700" cmpd="sng">
+                      <a:noFill/>
+                      <a:prstDash val="solid"/>
+                    </a:lnBlToTr>
+                    <a:solidFill>
+                      <a:srgbClr val="545455"/>
+                    </a:solidFill>
+                  </a:tcPr>
+                </a:tc>
+                <a:tc rowSpan="2">
                   <a:txBody>
                     <a:bodyPr/>
                     <a:lstStyle/>
@@ -15819,7 +15969,7 @@
                       <a:prstDash val="solid"/>
                     </a:lnBlToTr>
                     <a:solidFill>
-                      <a:srgbClr val="545455"/>
+                      <a:srgbClr val="92D050"/>
                     </a:solidFill>
                   </a:tcPr>
                 </a:tc>
@@ -15894,9 +16044,291 @@
                       <a:prstDash val="solid"/>
                     </a:lnBlToTr>
                     <a:solidFill>
-                      <a:srgbClr val="545455"/>
+                      <a:srgbClr val="92D050"/>
                     </a:solidFill>
                   </a:tcPr>
+                </a:tc>
+                <a:tc vMerge="1">
+                  <a:txBody>
+                    <a:bodyPr/>
+                    <a:lstStyle/>
+                    <a:p>
+                      <a:pPr latinLnBrk="1"/>
+                      <a:endParaRPr lang="ko-KR" altLang="en-US"/>
+                    </a:p>
+                  </a:txBody>
+                  <a:tcPr/>
+                </a:tc>
+                <a:tc>
+                  <a:txBody>
+                    <a:bodyPr/>
+                    <a:lstStyle/>
+                    <a:p>
+                      <a:pPr latinLnBrk="1"/>
+                      <a:endParaRPr lang="ko-KR" altLang="en-US" dirty="0"/>
+                    </a:p>
+                  </a:txBody>
+                  <a:tcPr marL="63779" marR="63779" marT="17417" marB="17417" anchor="ctr">
+                    <a:lnL w="12700" cap="flat" cmpd="sng" algn="ctr">
+                      <a:solidFill>
+                        <a:schemeClr val="tx1"/>
+                      </a:solidFill>
+                      <a:prstDash val="solid"/>
+                      <a:round/>
+                      <a:headEnd type="none" w="med" len="med"/>
+                      <a:tailEnd type="none" w="med" len="med"/>
+                    </a:lnL>
+                    <a:lnR w="12700" cap="flat" cmpd="sng" algn="ctr">
+                      <a:solidFill>
+                        <a:schemeClr val="tx1"/>
+                      </a:solidFill>
+                      <a:prstDash val="solid"/>
+                      <a:round/>
+                      <a:headEnd type="none" w="med" len="med"/>
+                      <a:tailEnd type="none" w="med" len="med"/>
+                    </a:lnR>
+                    <a:lnT w="12700" cap="flat" cmpd="sng" algn="ctr">
+                      <a:solidFill>
+                        <a:schemeClr val="tx1"/>
+                      </a:solidFill>
+                      <a:prstDash val="solid"/>
+                      <a:round/>
+                      <a:headEnd type="none" w="med" len="med"/>
+                      <a:tailEnd type="none" w="med" len="med"/>
+                    </a:lnT>
+                    <a:lnB w="12700" cap="flat" cmpd="sng" algn="ctr">
+                      <a:solidFill>
+                        <a:schemeClr val="tx1"/>
+                      </a:solidFill>
+                      <a:prstDash val="solid"/>
+                      <a:round/>
+                      <a:headEnd type="none" w="med" len="med"/>
+                      <a:tailEnd type="none" w="med" len="med"/>
+                    </a:lnB>
+                    <a:lnTlToBr w="12700" cmpd="sng">
+                      <a:noFill/>
+                      <a:prstDash val="solid"/>
+                    </a:lnTlToBr>
+                    <a:lnBlToTr w="12700" cmpd="sng">
+                      <a:noFill/>
+                      <a:prstDash val="solid"/>
+                    </a:lnBlToTr>
+                    <a:solidFill>
+                      <a:srgbClr val="92D050"/>
+                    </a:solidFill>
+                  </a:tcPr>
+                </a:tc>
+                <a:tc>
+                  <a:txBody>
+                    <a:bodyPr/>
+                    <a:lstStyle/>
+                    <a:p>
+                      <a:pPr marL="0" marR="0" indent="0" algn="just" fontAlgn="base" latinLnBrk="1">
+                        <a:lnSpc>
+                          <a:spcPct val="160000"/>
+                        </a:lnSpc>
+                        <a:spcBef>
+                          <a:spcPts val="0"/>
+                        </a:spcBef>
+                        <a:spcAft>
+                          <a:spcPts val="0"/>
+                        </a:spcAft>
+                      </a:pPr>
+                      <a:endParaRPr lang="ko-KR" altLang="en-US" sz="1200" b="1" kern="0" spc="0" dirty="0">
+                        <a:solidFill>
+                          <a:schemeClr val="bg1"/>
+                        </a:solidFill>
+                        <a:latin typeface="+mn-ea"/>
+                        <a:ea typeface="+mn-ea"/>
+                      </a:endParaRPr>
+                    </a:p>
+                  </a:txBody>
+                  <a:tcPr marL="63779" marR="63779" marT="17417" marB="17417" anchor="ctr">
+                    <a:lnL w="12700" cap="flat" cmpd="sng" algn="ctr">
+                      <a:solidFill>
+                        <a:schemeClr val="tx1"/>
+                      </a:solidFill>
+                      <a:prstDash val="solid"/>
+                      <a:round/>
+                      <a:headEnd type="none" w="med" len="med"/>
+                      <a:tailEnd type="none" w="med" len="med"/>
+                    </a:lnL>
+                    <a:lnR w="12700" cap="flat" cmpd="sng" algn="ctr">
+                      <a:solidFill>
+                        <a:schemeClr val="tx1"/>
+                      </a:solidFill>
+                      <a:prstDash val="solid"/>
+                      <a:round/>
+                      <a:headEnd type="none" w="med" len="med"/>
+                      <a:tailEnd type="none" w="med" len="med"/>
+                    </a:lnR>
+                    <a:lnT w="12700" cap="flat" cmpd="sng" algn="ctr">
+                      <a:solidFill>
+                        <a:schemeClr val="tx1"/>
+                      </a:solidFill>
+                      <a:prstDash val="solid"/>
+                      <a:round/>
+                      <a:headEnd type="none" w="med" len="med"/>
+                      <a:tailEnd type="none" w="med" len="med"/>
+                    </a:lnT>
+                    <a:lnB w="12700" cap="flat" cmpd="sng" algn="ctr">
+                      <a:solidFill>
+                        <a:schemeClr val="tx1"/>
+                      </a:solidFill>
+                      <a:prstDash val="solid"/>
+                      <a:round/>
+                      <a:headEnd type="none" w="med" len="med"/>
+                      <a:tailEnd type="none" w="med" len="med"/>
+                    </a:lnB>
+                    <a:lnTlToBr w="12700" cmpd="sng">
+                      <a:noFill/>
+                      <a:prstDash val="solid"/>
+                    </a:lnTlToBr>
+                    <a:lnBlToTr w="12700" cmpd="sng">
+                      <a:noFill/>
+                      <a:prstDash val="solid"/>
+                    </a:lnBlToTr>
+                    <a:solidFill>
+                      <a:srgbClr val="92D050"/>
+                    </a:solidFill>
+                  </a:tcPr>
+                </a:tc>
+                <a:tc>
+                  <a:txBody>
+                    <a:bodyPr/>
+                    <a:lstStyle/>
+                    <a:p>
+                      <a:pPr marL="0" marR="0" indent="0" algn="just" fontAlgn="base" latinLnBrk="1">
+                        <a:lnSpc>
+                          <a:spcPct val="160000"/>
+                        </a:lnSpc>
+                        <a:spcBef>
+                          <a:spcPts val="0"/>
+                        </a:spcBef>
+                        <a:spcAft>
+                          <a:spcPts val="0"/>
+                        </a:spcAft>
+                      </a:pPr>
+                      <a:endParaRPr lang="ko-KR" altLang="en-US" sz="1200" b="1" kern="0" spc="0" dirty="0">
+                        <a:solidFill>
+                          <a:schemeClr val="bg1"/>
+                        </a:solidFill>
+                        <a:latin typeface="+mn-ea"/>
+                        <a:ea typeface="+mn-ea"/>
+                      </a:endParaRPr>
+                    </a:p>
+                  </a:txBody>
+                  <a:tcPr marL="63779" marR="63779" marT="17417" marB="17417" anchor="ctr">
+                    <a:lnL w="12700" cap="flat" cmpd="sng" algn="ctr">
+                      <a:solidFill>
+                        <a:schemeClr val="tx1"/>
+                      </a:solidFill>
+                      <a:prstDash val="solid"/>
+                      <a:round/>
+                      <a:headEnd type="none" w="med" len="med"/>
+                      <a:tailEnd type="none" w="med" len="med"/>
+                    </a:lnL>
+                    <a:lnR w="12700" cap="flat" cmpd="sng" algn="ctr">
+                      <a:solidFill>
+                        <a:schemeClr val="tx1"/>
+                      </a:solidFill>
+                      <a:prstDash val="solid"/>
+                      <a:round/>
+                      <a:headEnd type="none" w="med" len="med"/>
+                      <a:tailEnd type="none" w="med" len="med"/>
+                    </a:lnR>
+                    <a:lnT w="12700" cap="flat" cmpd="sng" algn="ctr">
+                      <a:solidFill>
+                        <a:schemeClr val="tx1"/>
+                      </a:solidFill>
+                      <a:prstDash val="solid"/>
+                      <a:round/>
+                      <a:headEnd type="none" w="med" len="med"/>
+                      <a:tailEnd type="none" w="med" len="med"/>
+                    </a:lnT>
+                    <a:lnB w="12700" cap="flat" cmpd="sng" algn="ctr">
+                      <a:solidFill>
+                        <a:schemeClr val="tx1"/>
+                      </a:solidFill>
+                      <a:prstDash val="solid"/>
+                      <a:round/>
+                      <a:headEnd type="none" w="med" len="med"/>
+                      <a:tailEnd type="none" w="med" len="med"/>
+                    </a:lnB>
+                    <a:lnTlToBr w="12700" cmpd="sng">
+                      <a:noFill/>
+                      <a:prstDash val="solid"/>
+                    </a:lnTlToBr>
+                    <a:lnBlToTr w="12700" cmpd="sng">
+                      <a:noFill/>
+                      <a:prstDash val="solid"/>
+                    </a:lnBlToTr>
+                    <a:solidFill>
+                      <a:srgbClr val="92D050"/>
+                    </a:solidFill>
+                  </a:tcPr>
+                </a:tc>
+                <a:tc vMerge="1">
+                  <a:txBody>
+                    <a:bodyPr/>
+                    <a:lstStyle/>
+                    <a:p>
+                      <a:pPr latinLnBrk="1"/>
+                      <a:endParaRPr lang="ko-KR" altLang="en-US"/>
+                    </a:p>
+                  </a:txBody>
+                  <a:tcPr/>
+                </a:tc>
+                <a:extLst>
+                  <a:ext uri="{0D108BD9-81ED-4DB2-BD59-A6C34878D82A}">
+                    <a16:rowId xmlns:a16="http://schemas.microsoft.com/office/drawing/2014/main" val="3751503083"/>
+                  </a:ext>
+                </a:extLst>
+              </a:tr>
+              <a:tr h="290055">
+                <a:tc vMerge="1">
+                  <a:txBody>
+                    <a:bodyPr/>
+                    <a:lstStyle/>
+                    <a:p>
+                      <a:pPr latinLnBrk="1"/>
+                      <a:endParaRPr lang="ko-KR" altLang="en-US"/>
+                    </a:p>
+                  </a:txBody>
+                  <a:tcPr/>
+                </a:tc>
+                <a:tc vMerge="1">
+                  <a:txBody>
+                    <a:bodyPr/>
+                    <a:lstStyle/>
+                    <a:p>
+                      <a:pPr latinLnBrk="1"/>
+                      <a:endParaRPr lang="ko-KR" altLang="en-US"/>
+                    </a:p>
+                  </a:txBody>
+                  <a:tcPr/>
+                </a:tc>
+                <a:tc vMerge="1">
+                  <a:txBody>
+                    <a:bodyPr/>
+                    <a:lstStyle/>
+                    <a:p>
+                      <a:pPr latinLnBrk="1"/>
+                      <a:endParaRPr lang="ko-KR" altLang="en-US"/>
+                    </a:p>
+                  </a:txBody>
+                  <a:tcPr/>
+                </a:tc>
+                <a:tc vMerge="1">
+                  <a:txBody>
+                    <a:bodyPr/>
+                    <a:lstStyle/>
+                    <a:p>
+                      <a:pPr latinLnBrk="1"/>
+                      <a:endParaRPr lang="ko-KR" altLang="en-US"/>
+                    </a:p>
+                  </a:txBody>
+                  <a:tcPr/>
                 </a:tc>
                 <a:tc>
                   <a:txBody>
@@ -16281,7 +16713,7 @@
                 </a:tc>
                 <a:extLst>
                   <a:ext uri="{0D108BD9-81ED-4DB2-BD59-A6C34878D82A}">
-                    <a16:rowId xmlns:a16="http://schemas.microsoft.com/office/drawing/2014/main" val="3751503083"/>
+                    <a16:rowId xmlns:a16="http://schemas.microsoft.com/office/drawing/2014/main" val="3839897733"/>
                   </a:ext>
                 </a:extLst>
               </a:tr>

--- a/기획단계/졸작 제안서_α.pptx
+++ b/기획단계/졸작 제안서_α.pptx
@@ -4053,7 +4053,7 @@
         <p:spPr>
           <a:xfrm>
             <a:off x="1924051" y="3175891"/>
-            <a:ext cx="8878420" cy="2701033"/>
+            <a:ext cx="8878420" cy="3288888"/>
           </a:xfrm>
           <a:prstGeom prst="rect">
             <a:avLst/>
@@ -4168,6 +4168,34 @@
               </a:rPr>
               <a:t>조화진동을 이용한 카메라</a:t>
             </a:r>
+            <a:endParaRPr lang="en-US" altLang="ko-KR" sz="2400" dirty="0">
+              <a:latin typeface="HY헤드라인M" panose="02030600000101010101" pitchFamily="18" charset="-127"/>
+              <a:ea typeface="HY헤드라인M" panose="02030600000101010101" pitchFamily="18" charset="-127"/>
+            </a:endParaRPr>
+          </a:p>
+          <a:p>
+            <a:endParaRPr lang="en-US" altLang="ko-KR" sz="2400" dirty="0">
+              <a:latin typeface="HY헤드라인M" panose="02030600000101010101" pitchFamily="18" charset="-127"/>
+              <a:ea typeface="HY헤드라인M" panose="02030600000101010101" pitchFamily="18" charset="-127"/>
+            </a:endParaRPr>
+          </a:p>
+          <a:p>
+            <a:r>
+              <a:rPr lang="en-US" altLang="ko-KR" sz="2400" dirty="0">
+                <a:latin typeface="HY헤드라인M" panose="02030600000101010101" pitchFamily="18" charset="-127"/>
+                <a:ea typeface="HY헤드라인M" panose="02030600000101010101" pitchFamily="18" charset="-127"/>
+              </a:rPr>
+              <a:t>	-	</a:t>
+            </a:r>
+            <a:r>
+              <a:rPr lang="ko-KR" altLang="en-US" sz="2400" dirty="0">
+                <a:latin typeface="HY헤드라인M" panose="02030600000101010101" pitchFamily="18" charset="-127"/>
+                <a:ea typeface="HY헤드라인M" panose="02030600000101010101" pitchFamily="18" charset="-127"/>
+              </a:rPr>
+              <a:t>물리엔진의 실시간 처리</a:t>
+            </a:r>
+          </a:p>
+          <a:p>
             <a:endParaRPr lang="ko-KR" altLang="en-US" sz="2000" dirty="0"/>
           </a:p>
         </p:txBody>
@@ -4438,7 +4466,7 @@
         <p:spPr>
           <a:xfrm>
             <a:off x="1924051" y="3175891"/>
-            <a:ext cx="8878420" cy="2701033"/>
+            <a:ext cx="8878420" cy="2032603"/>
           </a:xfrm>
           <a:prstGeom prst="rect">
             <a:avLst/>
@@ -4511,15 +4539,23 @@
                 <a:latin typeface="HY헤드라인M" panose="02030600000101010101" pitchFamily="18" charset="-127"/>
                 <a:ea typeface="HY헤드라인M" panose="02030600000101010101" pitchFamily="18" charset="-127"/>
               </a:rPr>
-              <a:t>	-	</a:t>
+              <a:t>	-	DB</a:t>
             </a:r>
             <a:r>
               <a:rPr lang="ko-KR" altLang="en-US" sz="2400" dirty="0">
                 <a:latin typeface="HY헤드라인M" panose="02030600000101010101" pitchFamily="18" charset="-127"/>
                 <a:ea typeface="HY헤드라인M" panose="02030600000101010101" pitchFamily="18" charset="-127"/>
               </a:rPr>
-              <a:t>물리엔진의 실시간 처리</a:t>
-            </a:r>
+              <a:t>를 이용한 계정 및 아이템 관리</a:t>
+            </a:r>
+            <a:endParaRPr lang="en-US" altLang="ko-KR" sz="2400" dirty="0">
+              <a:latin typeface="HY헤드라인M" panose="02030600000101010101" pitchFamily="18" charset="-127"/>
+              <a:ea typeface="HY헤드라인M" panose="02030600000101010101" pitchFamily="18" charset="-127"/>
+            </a:endParaRPr>
+          </a:p>
+          <a:p>
+            <a:pPr algn="ctr"/>
+            <a:endParaRPr lang="en-US" altLang="ko-KR" sz="2000" dirty="0"/>
           </a:p>
           <a:p>
             <a:pPr algn="ctr"/>
@@ -4883,12 +4919,33 @@
             </a:endParaRPr>
           </a:p>
           <a:p>
+            <a:r>
+              <a:rPr lang="ko-KR" altLang="en-US" sz="1600" dirty="0">
+                <a:latin typeface="HY헤드라인M" panose="02030600000101010101" pitchFamily="18" charset="-127"/>
+                <a:ea typeface="HY헤드라인M" panose="02030600000101010101" pitchFamily="18" charset="-127"/>
+              </a:rPr>
+              <a:t>물리엔진</a:t>
+            </a:r>
             <a:endParaRPr lang="en-US" altLang="ko-KR" sz="1600" dirty="0">
               <a:latin typeface="HY헤드라인M" panose="02030600000101010101" pitchFamily="18" charset="-127"/>
               <a:ea typeface="HY헤드라인M" panose="02030600000101010101" pitchFamily="18" charset="-127"/>
             </a:endParaRPr>
           </a:p>
           <a:p>
+            <a:r>
+              <a:rPr lang="en-US" altLang="ko-KR" sz="1600" dirty="0">
+                <a:latin typeface="HY헤드라인M" panose="02030600000101010101" pitchFamily="18" charset="-127"/>
+                <a:ea typeface="HY헤드라인M" panose="02030600000101010101" pitchFamily="18" charset="-127"/>
+              </a:rPr>
+              <a:t>-2</a:t>
+            </a:r>
+            <a:r>
+              <a:rPr lang="ko-KR" altLang="en-US" sz="1600" dirty="0">
+                <a:latin typeface="HY헤드라인M" panose="02030600000101010101" pitchFamily="18" charset="-127"/>
+                <a:ea typeface="HY헤드라인M" panose="02030600000101010101" pitchFamily="18" charset="-127"/>
+              </a:rPr>
+              <a:t>계 미분 방정식 공부</a:t>
+            </a:r>
             <a:endParaRPr lang="en-US" altLang="ko-KR" sz="1600" dirty="0">
               <a:latin typeface="HY헤드라인M" panose="02030600000101010101" pitchFamily="18" charset="-127"/>
               <a:ea typeface="HY헤드라인M" panose="02030600000101010101" pitchFamily="18" charset="-127"/>
@@ -5465,12 +5522,33 @@
             </a:endParaRPr>
           </a:p>
           <a:p>
+            <a:r>
+              <a:rPr lang="ko-KR" altLang="en-US" sz="1600" dirty="0">
+                <a:latin typeface="HY헤드라인M" panose="02030600000101010101" pitchFamily="18" charset="-127"/>
+                <a:ea typeface="HY헤드라인M" panose="02030600000101010101" pitchFamily="18" charset="-127"/>
+              </a:rPr>
+              <a:t>물리엔진</a:t>
+            </a:r>
             <a:endParaRPr lang="en-US" altLang="ko-KR" sz="1600" dirty="0">
               <a:latin typeface="HY헤드라인M" panose="02030600000101010101" pitchFamily="18" charset="-127"/>
               <a:ea typeface="HY헤드라인M" panose="02030600000101010101" pitchFamily="18" charset="-127"/>
             </a:endParaRPr>
           </a:p>
           <a:p>
+            <a:r>
+              <a:rPr lang="en-US" altLang="ko-KR" sz="1600" dirty="0">
+                <a:latin typeface="HY헤드라인M" panose="02030600000101010101" pitchFamily="18" charset="-127"/>
+                <a:ea typeface="HY헤드라인M" panose="02030600000101010101" pitchFamily="18" charset="-127"/>
+              </a:rPr>
+              <a:t>-2</a:t>
+            </a:r>
+            <a:r>
+              <a:rPr lang="ko-KR" altLang="en-US" sz="1600" dirty="0">
+                <a:latin typeface="HY헤드라인M" panose="02030600000101010101" pitchFamily="18" charset="-127"/>
+                <a:ea typeface="HY헤드라인M" panose="02030600000101010101" pitchFamily="18" charset="-127"/>
+              </a:rPr>
+              <a:t>계 미분 방정식 공부</a:t>
+            </a:r>
             <a:endParaRPr lang="en-US" altLang="ko-KR" sz="1600" dirty="0">
               <a:latin typeface="HY헤드라인M" panose="02030600000101010101" pitchFamily="18" charset="-127"/>
               <a:ea typeface="HY헤드라인M" panose="02030600000101010101" pitchFamily="18" charset="-127"/>
@@ -5483,12 +5561,29 @@
             </a:endParaRPr>
           </a:p>
           <a:p>
-            <a:endParaRPr lang="en-US" altLang="ko-KR" sz="1600" dirty="0">
-              <a:latin typeface="HY헤드라인M" panose="02030600000101010101" pitchFamily="18" charset="-127"/>
-              <a:ea typeface="HY헤드라인M" panose="02030600000101010101" pitchFamily="18" charset="-127"/>
-            </a:endParaRPr>
-          </a:p>
-          <a:p>
+            <a:r>
+              <a:rPr lang="en-US" altLang="ko-KR" sz="1600" dirty="0">
+                <a:latin typeface="HY헤드라인M" panose="02030600000101010101" pitchFamily="18" charset="-127"/>
+                <a:ea typeface="HY헤드라인M" panose="02030600000101010101" pitchFamily="18" charset="-127"/>
+              </a:rPr>
+              <a:t>DB</a:t>
+            </a:r>
+          </a:p>
+          <a:p>
+            <a:r>
+              <a:rPr lang="en-US" altLang="ko-KR" sz="1600" dirty="0">
+                <a:latin typeface="HY헤드라인M" panose="02030600000101010101" pitchFamily="18" charset="-127"/>
+                <a:ea typeface="HY헤드라인M" panose="02030600000101010101" pitchFamily="18" charset="-127"/>
+              </a:rPr>
+              <a:t>-</a:t>
+            </a:r>
+            <a:r>
+              <a:rPr lang="ko-KR" altLang="en-US" sz="1600" dirty="0">
+                <a:latin typeface="HY헤드라인M" panose="02030600000101010101" pitchFamily="18" charset="-127"/>
+                <a:ea typeface="HY헤드라인M" panose="02030600000101010101" pitchFamily="18" charset="-127"/>
+              </a:rPr>
+              <a:t>데이터 베이스 수강</a:t>
+            </a:r>
             <a:endParaRPr lang="en-US" altLang="ko-KR" sz="1600" dirty="0">
               <a:latin typeface="HY헤드라인M" panose="02030600000101010101" pitchFamily="18" charset="-127"/>
               <a:ea typeface="HY헤드라인M" panose="02030600000101010101" pitchFamily="18" charset="-127"/>
@@ -5690,7 +5785,7 @@
         </p:nvSpPr>
         <p:spPr>
           <a:xfrm>
-            <a:off x="1656790" y="1298097"/>
+            <a:off x="1656790" y="1405677"/>
             <a:ext cx="8878420" cy="809625"/>
           </a:xfrm>
           <a:prstGeom prst="rect">
@@ -5749,8 +5844,8 @@
         </p:nvSpPr>
         <p:spPr>
           <a:xfrm>
-            <a:off x="1656790" y="2107721"/>
-            <a:ext cx="8878420" cy="1754697"/>
+            <a:off x="1656790" y="2215302"/>
+            <a:ext cx="8878420" cy="1836749"/>
           </a:xfrm>
           <a:prstGeom prst="rect">
             <a:avLst/>
@@ -5786,52 +5881,74 @@
           <a:bodyPr rtlCol="0" anchor="t"/>
           <a:lstStyle/>
           <a:p>
-            <a:endParaRPr lang="en-US" altLang="ko-KR" sz="2400" dirty="0">
-              <a:latin typeface="HY헤드라인M" panose="02030600000101010101" pitchFamily="18" charset="-127"/>
-              <a:ea typeface="HY헤드라인M" panose="02030600000101010101" pitchFamily="18" charset="-127"/>
-            </a:endParaRPr>
-          </a:p>
-          <a:p>
-            <a:r>
-              <a:rPr lang="en-US" altLang="ko-KR" sz="2400" dirty="0">
+            <a:r>
+              <a:rPr lang="en-US" altLang="ko-KR" sz="2000" dirty="0">
                 <a:latin typeface="HY헤드라인M" panose="02030600000101010101" pitchFamily="18" charset="-127"/>
                 <a:ea typeface="HY헤드라인M" panose="02030600000101010101" pitchFamily="18" charset="-127"/>
               </a:rPr>
               <a:t>	-	</a:t>
             </a:r>
             <a:r>
-              <a:rPr lang="ko-KR" altLang="en-US" sz="2400" dirty="0">
+              <a:rPr lang="ko-KR" altLang="en-US" sz="2000" dirty="0">
                 <a:latin typeface="HY헤드라인M" panose="02030600000101010101" pitchFamily="18" charset="-127"/>
                 <a:ea typeface="HY헤드라인M" panose="02030600000101010101" pitchFamily="18" charset="-127"/>
               </a:rPr>
               <a:t>조화진동을 이용한 카메라</a:t>
             </a:r>
-            <a:endParaRPr lang="en-US" altLang="ko-KR" sz="2400" dirty="0">
+            <a:endParaRPr lang="en-US" altLang="ko-KR" sz="2000" dirty="0">
               <a:latin typeface="HY헤드라인M" panose="02030600000101010101" pitchFamily="18" charset="-127"/>
               <a:ea typeface="HY헤드라인M" panose="02030600000101010101" pitchFamily="18" charset="-127"/>
             </a:endParaRPr>
           </a:p>
           <a:p>
-            <a:endParaRPr lang="en-US" altLang="ko-KR" sz="2400" dirty="0">
+            <a:endParaRPr lang="en-US" altLang="ko-KR" sz="2000" dirty="0">
               <a:latin typeface="HY헤드라인M" panose="02030600000101010101" pitchFamily="18" charset="-127"/>
               <a:ea typeface="HY헤드라인M" panose="02030600000101010101" pitchFamily="18" charset="-127"/>
             </a:endParaRPr>
           </a:p>
           <a:p>
             <a:r>
-              <a:rPr lang="en-US" altLang="ko-KR" sz="2400" dirty="0">
+              <a:rPr lang="en-US" altLang="ko-KR" sz="2000" dirty="0">
                 <a:latin typeface="HY헤드라인M" panose="02030600000101010101" pitchFamily="18" charset="-127"/>
                 <a:ea typeface="HY헤드라인M" panose="02030600000101010101" pitchFamily="18" charset="-127"/>
               </a:rPr>
               <a:t>	-	</a:t>
             </a:r>
             <a:r>
-              <a:rPr lang="ko-KR" altLang="en-US" sz="2400" dirty="0">
+              <a:rPr lang="ko-KR" altLang="en-US" sz="2000" dirty="0">
                 <a:latin typeface="HY헤드라인M" panose="02030600000101010101" pitchFamily="18" charset="-127"/>
                 <a:ea typeface="HY헤드라인M" panose="02030600000101010101" pitchFamily="18" charset="-127"/>
               </a:rPr>
               <a:t>렌더링 최적화</a:t>
             </a:r>
+            <a:endParaRPr lang="en-US" altLang="ko-KR" sz="2000" dirty="0">
+              <a:latin typeface="HY헤드라인M" panose="02030600000101010101" pitchFamily="18" charset="-127"/>
+              <a:ea typeface="HY헤드라인M" panose="02030600000101010101" pitchFamily="18" charset="-127"/>
+            </a:endParaRPr>
+          </a:p>
+          <a:p>
+            <a:endParaRPr lang="en-US" altLang="ko-KR" sz="2000" dirty="0">
+              <a:latin typeface="HY헤드라인M" panose="02030600000101010101" pitchFamily="18" charset="-127"/>
+              <a:ea typeface="HY헤드라인M" panose="02030600000101010101" pitchFamily="18" charset="-127"/>
+            </a:endParaRPr>
+          </a:p>
+          <a:p>
+            <a:r>
+              <a:rPr lang="en-US" altLang="ko-KR" sz="2000" dirty="0">
+                <a:latin typeface="HY헤드라인M" panose="02030600000101010101" pitchFamily="18" charset="-127"/>
+                <a:ea typeface="HY헤드라인M" panose="02030600000101010101" pitchFamily="18" charset="-127"/>
+              </a:rPr>
+              <a:t>	-	</a:t>
+            </a:r>
+            <a:r>
+              <a:rPr lang="ko-KR" altLang="en-US" sz="2000" dirty="0">
+                <a:latin typeface="HY헤드라인M" panose="02030600000101010101" pitchFamily="18" charset="-127"/>
+                <a:ea typeface="HY헤드라인M" panose="02030600000101010101" pitchFamily="18" charset="-127"/>
+              </a:rPr>
+              <a:t>물리 엔진</a:t>
+            </a:r>
+          </a:p>
+          <a:p>
             <a:endParaRPr lang="ko-KR" altLang="en-US" sz="2000" dirty="0"/>
           </a:p>
         </p:txBody>
@@ -5850,7 +5967,7 @@
         </p:nvSpPr>
         <p:spPr>
           <a:xfrm>
-            <a:off x="1656790" y="4115611"/>
+            <a:off x="1656790" y="4330797"/>
             <a:ext cx="8878420" cy="809625"/>
           </a:xfrm>
           <a:prstGeom prst="rect">
@@ -5909,8 +6026,8 @@
         </p:nvSpPr>
         <p:spPr>
           <a:xfrm>
-            <a:off x="1656790" y="4925235"/>
-            <a:ext cx="8878420" cy="1754697"/>
+            <a:off x="1656790" y="5140422"/>
+            <a:ext cx="8878420" cy="1206593"/>
           </a:xfrm>
           <a:prstGeom prst="rect">
             <a:avLst/>
@@ -5946,56 +6063,50 @@
           <a:bodyPr rtlCol="0" anchor="t"/>
           <a:lstStyle/>
           <a:p>
-            <a:endParaRPr lang="en-US" altLang="ko-KR" sz="2400" dirty="0">
-              <a:latin typeface="HY헤드라인M" panose="02030600000101010101" pitchFamily="18" charset="-127"/>
-              <a:ea typeface="HY헤드라인M" panose="02030600000101010101" pitchFamily="18" charset="-127"/>
-            </a:endParaRPr>
-          </a:p>
-          <a:p>
-            <a:r>
-              <a:rPr lang="en-US" altLang="ko-KR" sz="2400" dirty="0">
+            <a:r>
+              <a:rPr lang="en-US" altLang="ko-KR" sz="2000" dirty="0">
                 <a:latin typeface="HY헤드라인M" panose="02030600000101010101" pitchFamily="18" charset="-127"/>
                 <a:ea typeface="HY헤드라인M" panose="02030600000101010101" pitchFamily="18" charset="-127"/>
               </a:rPr>
               <a:t>	-	</a:t>
             </a:r>
             <a:r>
-              <a:rPr lang="ko-KR" altLang="en-US" sz="2400" dirty="0">
+              <a:rPr lang="ko-KR" altLang="en-US" sz="2000" dirty="0">
                 <a:latin typeface="HY헤드라인M" panose="02030600000101010101" pitchFamily="18" charset="-127"/>
                 <a:ea typeface="HY헤드라인M" panose="02030600000101010101" pitchFamily="18" charset="-127"/>
               </a:rPr>
               <a:t>서버 내에서 실시간 처리</a:t>
             </a:r>
-            <a:endParaRPr lang="en-US" altLang="ko-KR" sz="2400" dirty="0">
+            <a:endParaRPr lang="en-US" altLang="ko-KR" sz="2000" dirty="0">
               <a:latin typeface="HY헤드라인M" panose="02030600000101010101" pitchFamily="18" charset="-127"/>
               <a:ea typeface="HY헤드라인M" panose="02030600000101010101" pitchFamily="18" charset="-127"/>
             </a:endParaRPr>
           </a:p>
           <a:p>
-            <a:endParaRPr lang="en-US" altLang="ko-KR" sz="2400" dirty="0">
+            <a:endParaRPr lang="en-US" altLang="ko-KR" sz="2000" dirty="0">
               <a:latin typeface="HY헤드라인M" panose="02030600000101010101" pitchFamily="18" charset="-127"/>
               <a:ea typeface="HY헤드라인M" panose="02030600000101010101" pitchFamily="18" charset="-127"/>
             </a:endParaRPr>
           </a:p>
           <a:p>
             <a:r>
-              <a:rPr lang="en-US" altLang="ko-KR" sz="2400" dirty="0">
+              <a:rPr lang="en-US" altLang="ko-KR" sz="2000" dirty="0">
                 <a:latin typeface="HY헤드라인M" panose="02030600000101010101" pitchFamily="18" charset="-127"/>
                 <a:ea typeface="HY헤드라인M" panose="02030600000101010101" pitchFamily="18" charset="-127"/>
               </a:rPr>
               <a:t>	-	</a:t>
             </a:r>
             <a:r>
-              <a:rPr lang="ko-KR" altLang="en-US" sz="2400" dirty="0">
+              <a:rPr lang="ko-KR" altLang="en-US" sz="2000" dirty="0">
                 <a:latin typeface="HY헤드라인M" panose="02030600000101010101" pitchFamily="18" charset="-127"/>
                 <a:ea typeface="HY헤드라인M" panose="02030600000101010101" pitchFamily="18" charset="-127"/>
               </a:rPr>
-              <a:t>물리 엔진</a:t>
-            </a:r>
-          </a:p>
-          <a:p>
-            <a:pPr algn="ctr"/>
-            <a:endParaRPr lang="ko-KR" altLang="en-US" sz="2000" dirty="0"/>
+              <a:t>서버와 데이터베이스를 이용하여 클라이언트 다중접속 처리 및 관리</a:t>
+            </a:r>
+            <a:endParaRPr lang="en-US" altLang="ko-KR" sz="2000" dirty="0">
+              <a:latin typeface="HY헤드라인M" panose="02030600000101010101" pitchFamily="18" charset="-127"/>
+              <a:ea typeface="HY헤드라인M" panose="02030600000101010101" pitchFamily="18" charset="-127"/>
+            </a:endParaRPr>
           </a:p>
         </p:txBody>
       </p:sp>
@@ -6188,7 +6299,7 @@
                 <a:latin typeface="HY헤드라인M" panose="02030600000101010101" pitchFamily="18" charset="-127"/>
                 <a:ea typeface="HY헤드라인M" panose="02030600000101010101" pitchFamily="18" charset="-127"/>
               </a:rPr>
-              <a:t>언제나 같은 자리에 존재하는 장애물</a:t>
+              <a:t>언제나 같은 능력치를 가진 탈 것들</a:t>
             </a:r>
             <a:endParaRPr lang="en-US" altLang="ko-KR" sz="2000" dirty="0">
               <a:latin typeface="HY헤드라인M" panose="02030600000101010101" pitchFamily="18" charset="-127"/>
@@ -6231,7 +6342,7 @@
                 <a:latin typeface="HY헤드라인M" panose="02030600000101010101" pitchFamily="18" charset="-127"/>
                 <a:ea typeface="HY헤드라인M" panose="02030600000101010101" pitchFamily="18" charset="-127"/>
               </a:rPr>
-              <a:t>매 게임마다 실시간으로 다른 위치에 존재하는 장애물</a:t>
+              <a:t>매 게임마다 실시간으로 능력치가 변하는 탈 것</a:t>
             </a:r>
             <a:endParaRPr lang="en-US" altLang="ko-KR" sz="2400" dirty="0">
               <a:latin typeface="HY헤드라인M" panose="02030600000101010101" pitchFamily="18" charset="-127"/>
@@ -16801,12 +16912,15 @@
                 <a:latin typeface="HY헤드라인M" panose="02030600000101010101" pitchFamily="18" charset="-127"/>
                 <a:ea typeface="HY헤드라인M" panose="02030600000101010101" pitchFamily="18" charset="-127"/>
               </a:rPr>
-              <a:t>/ FBX</a:t>
-            </a:r>
-            <a:endParaRPr lang="ko-KR" altLang="en-US" sz="1000" dirty="0">
-              <a:latin typeface="HY헤드라인M" panose="02030600000101010101" pitchFamily="18" charset="-127"/>
-              <a:ea typeface="HY헤드라인M" panose="02030600000101010101" pitchFamily="18" charset="-127"/>
-            </a:endParaRPr>
+              <a:t>/ FBX / </a:t>
+            </a:r>
+            <a:r>
+              <a:rPr lang="ko-KR" altLang="en-US" sz="1000" dirty="0">
+                <a:latin typeface="HY헤드라인M" panose="02030600000101010101" pitchFamily="18" charset="-127"/>
+                <a:ea typeface="HY헤드라인M" panose="02030600000101010101" pitchFamily="18" charset="-127"/>
+              </a:rPr>
+              <a:t>물리 처리</a:t>
+            </a:r>
           </a:p>
         </p:txBody>
       </p:sp>
@@ -17309,7 +17423,7 @@
                 <a:latin typeface="HY헤드라인M" panose="02030600000101010101" pitchFamily="18" charset="-127"/>
                 <a:ea typeface="HY헤드라인M" panose="02030600000101010101" pitchFamily="18" charset="-127"/>
               </a:rPr>
-              <a:t>게임 방법</a:t>
+              <a:t>게임 진행</a:t>
             </a:r>
             <a:endParaRPr lang="en-US" altLang="ko-KR" sz="2400" dirty="0">
               <a:latin typeface="HY헤드라인M" panose="02030600000101010101" pitchFamily="18" charset="-127"/>
@@ -17567,38 +17681,61 @@
           </a:bodyPr>
           <a:lstStyle/>
           <a:p>
-            <a:r>
-              <a:rPr lang="en-US" altLang="ko-KR" sz="2800" dirty="0"/>
+            <a:pPr algn="ctr"/>
+            <a:r>
+              <a:rPr lang="en-US" altLang="ko-KR" sz="2800" dirty="0">
+                <a:latin typeface="HY헤드라인M" panose="02030600000101010101" pitchFamily="18" charset="-127"/>
+                <a:ea typeface="HY헤드라인M" panose="02030600000101010101" pitchFamily="18" charset="-127"/>
+              </a:rPr>
               <a:t>2</a:t>
             </a:r>
             <a:r>
-              <a:rPr lang="ko-KR" altLang="en-US" sz="2800" dirty="0"/>
-              <a:t>계 미분방적식의 조화진동을 사용해 만든 카메라를 </a:t>
-            </a:r>
-            <a:endParaRPr lang="en-US" altLang="ko-KR" sz="2800" dirty="0"/>
-          </a:p>
-          <a:p>
-            <a:endParaRPr lang="en-US" altLang="ko-KR" sz="2800" dirty="0"/>
-          </a:p>
-          <a:p>
-            <a:r>
-              <a:rPr lang="en-US" altLang="ko-KR" sz="2800" dirty="0"/>
-              <a:t>							</a:t>
-            </a:r>
-            <a:r>
-              <a:rPr lang="ko-KR" altLang="en-US" sz="2800" dirty="0"/>
+              <a:rPr lang="ko-KR" altLang="en-US" sz="2800" dirty="0">
+                <a:latin typeface="HY헤드라인M" panose="02030600000101010101" pitchFamily="18" charset="-127"/>
+                <a:ea typeface="HY헤드라인M" panose="02030600000101010101" pitchFamily="18" charset="-127"/>
+              </a:rPr>
+              <a:t>계 미분방정식의 조화진동을 사용해 만든 카메라를 </a:t>
+            </a:r>
+            <a:endParaRPr lang="en-US" altLang="ko-KR" sz="2800" dirty="0">
+              <a:latin typeface="HY헤드라인M" panose="02030600000101010101" pitchFamily="18" charset="-127"/>
+              <a:ea typeface="HY헤드라인M" panose="02030600000101010101" pitchFamily="18" charset="-127"/>
+            </a:endParaRPr>
+          </a:p>
+          <a:p>
+            <a:pPr algn="ctr"/>
+            <a:endParaRPr lang="en-US" altLang="ko-KR" sz="2800" dirty="0">
+              <a:latin typeface="HY헤드라인M" panose="02030600000101010101" pitchFamily="18" charset="-127"/>
+              <a:ea typeface="HY헤드라인M" panose="02030600000101010101" pitchFamily="18" charset="-127"/>
+            </a:endParaRPr>
+          </a:p>
+          <a:p>
+            <a:pPr algn="ctr"/>
+            <a:r>
+              <a:rPr lang="ko-KR" altLang="en-US" sz="2800" dirty="0">
+                <a:latin typeface="HY헤드라인M" panose="02030600000101010101" pitchFamily="18" charset="-127"/>
+                <a:ea typeface="HY헤드라인M" panose="02030600000101010101" pitchFamily="18" charset="-127"/>
+              </a:rPr>
               <a:t>이용하여</a:t>
             </a:r>
             <a:r>
-              <a:rPr lang="en-US" altLang="ko-KR" sz="2800" dirty="0"/>
+              <a:rPr lang="en-US" altLang="ko-KR" sz="2800" dirty="0">
+                <a:latin typeface="HY헤드라인M" panose="02030600000101010101" pitchFamily="18" charset="-127"/>
+                <a:ea typeface="HY헤드라인M" panose="02030600000101010101" pitchFamily="18" charset="-127"/>
+              </a:rPr>
               <a:t> </a:t>
             </a:r>
             <a:r>
-              <a:rPr lang="ko-KR" altLang="en-US" sz="2800" dirty="0"/>
+              <a:rPr lang="ko-KR" altLang="en-US" sz="2800" dirty="0">
+                <a:latin typeface="HY헤드라인M" panose="02030600000101010101" pitchFamily="18" charset="-127"/>
+                <a:ea typeface="HY헤드라인M" panose="02030600000101010101" pitchFamily="18" charset="-127"/>
+              </a:rPr>
               <a:t>간단한 캐주얼 레이싱 게임을 만든다</a:t>
             </a:r>
             <a:r>
-              <a:rPr lang="en-US" altLang="ko-KR" sz="2800" dirty="0"/>
+              <a:rPr lang="en-US" altLang="ko-KR" sz="2800" dirty="0">
+                <a:latin typeface="HY헤드라인M" panose="02030600000101010101" pitchFamily="18" charset="-127"/>
+                <a:ea typeface="HY헤드라인M" panose="02030600000101010101" pitchFamily="18" charset="-127"/>
+              </a:rPr>
               <a:t>.</a:t>
             </a:r>
           </a:p>
@@ -17901,7 +18038,7 @@
         </p:nvSpPr>
         <p:spPr>
           <a:xfrm>
-            <a:off x="1419225" y="2804658"/>
+            <a:off x="1419225" y="3136352"/>
             <a:ext cx="990600" cy="733168"/>
           </a:xfrm>
           <a:prstGeom prst="rect">
@@ -17963,7 +18100,7 @@
         </p:nvSpPr>
         <p:spPr>
           <a:xfrm>
-            <a:off x="2409824" y="2804658"/>
+            <a:off x="2409824" y="3136352"/>
             <a:ext cx="9096375" cy="733168"/>
           </a:xfrm>
           <a:prstGeom prst="rect">
@@ -18043,7 +18180,7 @@
         </p:nvSpPr>
         <p:spPr>
           <a:xfrm>
-            <a:off x="1419225" y="3945405"/>
+            <a:off x="1419225" y="4608793"/>
             <a:ext cx="990600" cy="733168"/>
           </a:xfrm>
           <a:prstGeom prst="rect">
@@ -18105,7 +18242,7 @@
         </p:nvSpPr>
         <p:spPr>
           <a:xfrm>
-            <a:off x="2409824" y="3945405"/>
+            <a:off x="2409824" y="4608793"/>
             <a:ext cx="9096375" cy="733168"/>
           </a:xfrm>
           <a:prstGeom prst="rect">
@@ -18805,7 +18942,7 @@
         <p:spPr>
           <a:xfrm>
             <a:off x="668101" y="4192431"/>
-            <a:ext cx="5686299" cy="1518087"/>
+            <a:ext cx="5686299" cy="1811015"/>
           </a:xfrm>
           <a:prstGeom prst="rect">
             <a:avLst/>
@@ -18864,12 +19001,32 @@
             </a:r>
           </a:p>
           <a:p>
+            <a:endParaRPr lang="en-US" altLang="ko-KR" sz="2400" dirty="0">
+              <a:latin typeface="HY헤드라인M" panose="02030600000101010101" pitchFamily="18" charset="-127"/>
+              <a:ea typeface="HY헤드라인M" panose="02030600000101010101" pitchFamily="18" charset="-127"/>
+            </a:endParaRPr>
+          </a:p>
+          <a:p>
+            <a:r>
+              <a:rPr lang="ko-KR" altLang="en-US" sz="1600" dirty="0" err="1">
+                <a:latin typeface="HY헤드라인M" panose="02030600000101010101" pitchFamily="18" charset="-127"/>
+                <a:ea typeface="HY헤드라인M" panose="02030600000101010101" pitchFamily="18" charset="-127"/>
+              </a:rPr>
+              <a:t>트위치</a:t>
+            </a:r>
+            <a:r>
+              <a:rPr lang="en-US" altLang="ko-KR" sz="1600" dirty="0">
+                <a:latin typeface="HY헤드라인M" panose="02030600000101010101" pitchFamily="18" charset="-127"/>
+                <a:ea typeface="HY헤드라인M" panose="02030600000101010101" pitchFamily="18" charset="-127"/>
+              </a:rPr>
+              <a:t>(Twitch)</a:t>
+            </a:r>
             <a:r>
               <a:rPr lang="ko-KR" altLang="en-US" sz="1600" dirty="0">
                 <a:latin typeface="HY헤드라인M" panose="02030600000101010101" pitchFamily="18" charset="-127"/>
                 <a:ea typeface="HY헤드라인M" panose="02030600000101010101" pitchFamily="18" charset="-127"/>
               </a:rPr>
-              <a:t>캐주얼 하게 즐길 수 있는 레이싱 게임을 만들어서</a:t>
+              <a:t> 스트리밍 서비스가 발달함에 따라 </a:t>
             </a:r>
             <a:endParaRPr lang="en-US" altLang="ko-KR" sz="1600" dirty="0">
               <a:latin typeface="HY헤드라인M" panose="02030600000101010101" pitchFamily="18" charset="-127"/>
@@ -18882,59 +19039,15 @@
                 <a:latin typeface="HY헤드라인M" panose="02030600000101010101" pitchFamily="18" charset="-127"/>
                 <a:ea typeface="HY헤드라인M" panose="02030600000101010101" pitchFamily="18" charset="-127"/>
               </a:rPr>
-              <a:t>사람들이 레이싱에 흥미를 가지도록 하며</a:t>
-            </a:r>
-            <a:endParaRPr lang="en-US" altLang="ko-KR" sz="1600" dirty="0">
-              <a:latin typeface="HY헤드라인M" panose="02030600000101010101" pitchFamily="18" charset="-127"/>
-              <a:ea typeface="HY헤드라인M" panose="02030600000101010101" pitchFamily="18" charset="-127"/>
-            </a:endParaRPr>
-          </a:p>
-          <a:p>
+              <a:t>시청자와 간단하게 즐길 수 있는 게임이 인기를 얻고 있어서 짧은 시간 여러 사람이 즐길 수 있는 레이싱 게임을 만든다</a:t>
+            </a:r>
             <a:r>
               <a:rPr lang="en-US" altLang="ko-KR" sz="1600" dirty="0">
                 <a:latin typeface="HY헤드라인M" panose="02030600000101010101" pitchFamily="18" charset="-127"/>
                 <a:ea typeface="HY헤드라인M" panose="02030600000101010101" pitchFamily="18" charset="-127"/>
               </a:rPr>
-              <a:t>TPS</a:t>
-            </a:r>
-            <a:r>
-              <a:rPr lang="ko-KR" altLang="en-US" sz="1600" dirty="0">
-                <a:latin typeface="HY헤드라인M" panose="02030600000101010101" pitchFamily="18" charset="-127"/>
-                <a:ea typeface="HY헤드라인M" panose="02030600000101010101" pitchFamily="18" charset="-127"/>
-              </a:rPr>
-              <a:t>카메라와 카메라 워킹을 연구하여 게임에 몰입도를 증가</a:t>
-            </a:r>
-            <a:endParaRPr lang="en-US" altLang="ko-KR" sz="1600" dirty="0">
-              <a:latin typeface="HY헤드라인M" panose="02030600000101010101" pitchFamily="18" charset="-127"/>
-              <a:ea typeface="HY헤드라인M" panose="02030600000101010101" pitchFamily="18" charset="-127"/>
-            </a:endParaRPr>
-          </a:p>
-          <a:p>
-            <a:r>
-              <a:rPr lang="ko-KR" altLang="en-US" sz="1600" dirty="0">
-                <a:latin typeface="HY헤드라인M" panose="02030600000101010101" pitchFamily="18" charset="-127"/>
-                <a:ea typeface="HY헤드라인M" panose="02030600000101010101" pitchFamily="18" charset="-127"/>
-              </a:rPr>
-              <a:t>수요가 늘어나는 </a:t>
-            </a:r>
-            <a:r>
-              <a:rPr lang="en-US" altLang="ko-KR" sz="1600" dirty="0">
-                <a:latin typeface="HY헤드라인M" panose="02030600000101010101" pitchFamily="18" charset="-127"/>
-                <a:ea typeface="HY헤드라인M" panose="02030600000101010101" pitchFamily="18" charset="-127"/>
-              </a:rPr>
-              <a:t>TPS</a:t>
-            </a:r>
-            <a:r>
-              <a:rPr lang="ko-KR" altLang="en-US" sz="1600" dirty="0">
-                <a:latin typeface="HY헤드라인M" panose="02030600000101010101" pitchFamily="18" charset="-127"/>
-                <a:ea typeface="HY헤드라인M" panose="02030600000101010101" pitchFamily="18" charset="-127"/>
-              </a:rPr>
-              <a:t>게임에 대해 향후 도움이 되리라 판단함</a:t>
-            </a:r>
-            <a:endParaRPr lang="en-US" altLang="ko-KR" sz="1600" dirty="0">
-              <a:latin typeface="HY헤드라인M" panose="02030600000101010101" pitchFamily="18" charset="-127"/>
-              <a:ea typeface="HY헤드라인M" panose="02030600000101010101" pitchFamily="18" charset="-127"/>
-            </a:endParaRPr>
+              <a:t>.</a:t>
+            </a:r>
           </a:p>
         </p:txBody>
       </p:sp>
@@ -19622,7 +19735,21 @@
                 <a:latin typeface="HY헤드라인M" panose="02030600000101010101" pitchFamily="18" charset="-127"/>
                 <a:ea typeface="HY헤드라인M" panose="02030600000101010101" pitchFamily="18" charset="-127"/>
               </a:rPr>
-              <a:t>500 X 1000 X 200 M</a:t>
+              <a:t>           500 X 1000 X 200 M (</a:t>
+            </a:r>
+            <a:r>
+              <a:rPr lang="ko-KR" altLang="en-US" dirty="0">
+                <a:latin typeface="HY헤드라인M" panose="02030600000101010101" pitchFamily="18" charset="-127"/>
+                <a:ea typeface="HY헤드라인M" panose="02030600000101010101" pitchFamily="18" charset="-127"/>
+              </a:rPr>
+              <a:t>트랙 크기</a:t>
+            </a:r>
+            <a:r>
+              <a:rPr lang="en-US" altLang="ko-KR" dirty="0">
+                <a:latin typeface="HY헤드라인M" panose="02030600000101010101" pitchFamily="18" charset="-127"/>
+                <a:ea typeface="HY헤드라인M" panose="02030600000101010101" pitchFamily="18" charset="-127"/>
+              </a:rPr>
+              <a:t>x)</a:t>
             </a:r>
             <a:endParaRPr lang="ko-KR" altLang="en-US" dirty="0">
               <a:latin typeface="HY헤드라인M" panose="02030600000101010101" pitchFamily="18" charset="-127"/>
@@ -19955,7 +20082,7 @@
         </p:nvSpPr>
         <p:spPr>
           <a:xfrm>
-            <a:off x="668101" y="4830855"/>
+            <a:off x="1298101" y="4902572"/>
             <a:ext cx="9353551" cy="1260000"/>
           </a:xfrm>
           <a:prstGeom prst="rect">
@@ -19995,25 +20122,6 @@
                 <a:ea typeface="HY헤드라인M" panose="02030600000101010101" pitchFamily="18" charset="-127"/>
               </a:rPr>
               <a:t>아이템 사용과 맵 환경에 따른 실시간 능력치의 변동으로 인한 속도감의 변화</a:t>
-            </a:r>
-            <a:endParaRPr lang="en-US" altLang="ko-KR" dirty="0">
-              <a:latin typeface="HY헤드라인M" panose="02030600000101010101" pitchFamily="18" charset="-127"/>
-              <a:ea typeface="HY헤드라인M" panose="02030600000101010101" pitchFamily="18" charset="-127"/>
-            </a:endParaRPr>
-          </a:p>
-          <a:p>
-            <a:endParaRPr lang="en-US" altLang="ko-KR" dirty="0">
-              <a:latin typeface="HY헤드라인M" panose="02030600000101010101" pitchFamily="18" charset="-127"/>
-              <a:ea typeface="HY헤드라인M" panose="02030600000101010101" pitchFamily="18" charset="-127"/>
-            </a:endParaRPr>
-          </a:p>
-          <a:p>
-            <a:r>
-              <a:rPr lang="ko-KR" altLang="en-US" dirty="0">
-                <a:latin typeface="HY헤드라인M" panose="02030600000101010101" pitchFamily="18" charset="-127"/>
-                <a:ea typeface="HY헤드라인M" panose="02030600000101010101" pitchFamily="18" charset="-127"/>
-              </a:rPr>
-              <a:t>방해물에 의한 실시간 오브젝트 생성으로 긴장감 생성</a:t>
             </a:r>
             <a:endParaRPr lang="en-US" altLang="ko-KR" dirty="0">
               <a:latin typeface="HY헤드라인M" panose="02030600000101010101" pitchFamily="18" charset="-127"/>
@@ -20052,6 +20160,98 @@
           <a:chExt cx="0" cy="0"/>
         </a:xfrm>
       </p:grpSpPr>
+      <p:cxnSp>
+        <p:nvCxnSpPr>
+          <p:cNvPr id="73" name="연결선: 꺾임 72">
+            <a:extLst>
+              <a:ext uri="{FF2B5EF4-FFF2-40B4-BE49-F238E27FC236}">
+                <a16:creationId xmlns:a16="http://schemas.microsoft.com/office/drawing/2014/main" id="{00AA4975-2D8C-4D59-97C7-406539283550}"/>
+              </a:ext>
+            </a:extLst>
+          </p:cNvPr>
+          <p:cNvCxnSpPr>
+            <a:cxnSpLocks/>
+            <a:endCxn id="9" idx="3"/>
+          </p:cNvCxnSpPr>
+          <p:nvPr/>
+        </p:nvCxnSpPr>
+        <p:spPr>
+          <a:xfrm rot="5400000">
+            <a:off x="4812381" y="2620942"/>
+            <a:ext cx="1418633" cy="444878"/>
+          </a:xfrm>
+          <a:prstGeom prst="bentConnector2">
+            <a:avLst/>
+          </a:prstGeom>
+          <a:ln w="38100">
+            <a:solidFill>
+              <a:srgbClr val="7030A0"/>
+            </a:solidFill>
+            <a:tailEnd type="triangle"/>
+          </a:ln>
+        </p:spPr>
+        <p:style>
+          <a:lnRef idx="1">
+            <a:schemeClr val="accent1"/>
+          </a:lnRef>
+          <a:fillRef idx="0">
+            <a:schemeClr val="accent1"/>
+          </a:fillRef>
+          <a:effectRef idx="0">
+            <a:schemeClr val="accent1"/>
+          </a:effectRef>
+          <a:fontRef idx="minor">
+            <a:schemeClr val="tx1"/>
+          </a:fontRef>
+        </p:style>
+      </p:cxnSp>
+      <p:cxnSp>
+        <p:nvCxnSpPr>
+          <p:cNvPr id="103" name="연결선: 꺾임 102">
+            <a:extLst>
+              <a:ext uri="{FF2B5EF4-FFF2-40B4-BE49-F238E27FC236}">
+                <a16:creationId xmlns:a16="http://schemas.microsoft.com/office/drawing/2014/main" id="{9AF661CE-1E66-4C73-AFD5-DBE8D634AB2B}"/>
+              </a:ext>
+            </a:extLst>
+          </p:cNvPr>
+          <p:cNvCxnSpPr>
+            <a:cxnSpLocks/>
+            <a:stCxn id="102" idx="2"/>
+          </p:cNvCxnSpPr>
+          <p:nvPr/>
+        </p:nvCxnSpPr>
+        <p:spPr>
+          <a:xfrm rot="5400000" flipH="1">
+            <a:off x="5997906" y="3014208"/>
+            <a:ext cx="877223" cy="1952348"/>
+          </a:xfrm>
+          <a:prstGeom prst="bentConnector4">
+            <a:avLst>
+              <a:gd name="adj1" fmla="val -26060"/>
+              <a:gd name="adj2" fmla="val 85815"/>
+            </a:avLst>
+          </a:prstGeom>
+          <a:ln w="38100">
+            <a:solidFill>
+              <a:srgbClr val="7030A0"/>
+            </a:solidFill>
+          </a:ln>
+        </p:spPr>
+        <p:style>
+          <a:lnRef idx="1">
+            <a:schemeClr val="accent1"/>
+          </a:lnRef>
+          <a:fillRef idx="0">
+            <a:schemeClr val="accent1"/>
+          </a:fillRef>
+          <a:effectRef idx="0">
+            <a:schemeClr val="accent1"/>
+          </a:effectRef>
+          <a:fontRef idx="minor">
+            <a:schemeClr val="tx1"/>
+          </a:fontRef>
+        </p:style>
+      </p:cxnSp>
       <p:sp>
         <p:nvSpPr>
           <p:cNvPr id="6" name="직사각형 5">
@@ -20149,7 +20349,7 @@
                 <a:latin typeface="HY헤드라인M" panose="02030600000101010101" pitchFamily="18" charset="-127"/>
                 <a:ea typeface="HY헤드라인M" panose="02030600000101010101" pitchFamily="18" charset="-127"/>
               </a:rPr>
-              <a:t>게임 방법</a:t>
+              <a:t>게임 진행</a:t>
             </a:r>
             <a:endParaRPr lang="ko-KR" altLang="en-US" dirty="0"/>
           </a:p>
@@ -20157,10 +20357,10 @@
       </p:sp>
       <p:sp>
         <p:nvSpPr>
-          <p:cNvPr id="20" name="직사각형 19">
+          <p:cNvPr id="2" name="직사각형 1">
             <a:extLst>
               <a:ext uri="{FF2B5EF4-FFF2-40B4-BE49-F238E27FC236}">
-                <a16:creationId xmlns:a16="http://schemas.microsoft.com/office/drawing/2014/main" id="{2E98EA4F-6B60-47EC-90E2-EE6F36422915}"/>
+                <a16:creationId xmlns:a16="http://schemas.microsoft.com/office/drawing/2014/main" id="{D84614F5-F88D-455A-A938-5611AF85CF9C}"/>
               </a:ext>
             </a:extLst>
           </p:cNvPr>
@@ -20169,19 +20369,12 @@
         </p:nvSpPr>
         <p:spPr>
           <a:xfrm>
-            <a:off x="2338107" y="4941057"/>
-            <a:ext cx="7515786" cy="1381128"/>
+            <a:off x="2178420" y="2979392"/>
+            <a:ext cx="968188" cy="646331"/>
           </a:xfrm>
           <a:prstGeom prst="rect">
             <a:avLst/>
           </a:prstGeom>
-          <a:ln w="38100">
-            <a:solidFill>
-              <a:schemeClr val="tx1">
-                <a:lumMod val="85000"/>
-              </a:schemeClr>
-            </a:solidFill>
-          </a:ln>
         </p:spPr>
         <p:style>
           <a:lnRef idx="2">
@@ -20200,191 +20393,1213 @@
           </a:fontRef>
         </p:style>
         <p:txBody>
-          <a:bodyPr rtlCol="0" anchor="t"/>
+          <a:bodyPr rtlCol="0" anchor="ctr"/>
           <a:lstStyle/>
           <a:p>
             <a:pPr algn="ctr"/>
             <a:r>
-              <a:rPr lang="ko-KR" altLang="en-US" dirty="0">
-                <a:latin typeface="HY헤드라인M" panose="02030600000101010101" pitchFamily="18" charset="-127"/>
-                <a:ea typeface="HY헤드라인M" panose="02030600000101010101" pitchFamily="18" charset="-127"/>
-              </a:rPr>
-              <a:t>조작법 설명</a:t>
-            </a:r>
-            <a:endParaRPr lang="en-US" altLang="ko-KR" dirty="0">
-              <a:latin typeface="HY헤드라인M" panose="02030600000101010101" pitchFamily="18" charset="-127"/>
-              <a:ea typeface="HY헤드라인M" panose="02030600000101010101" pitchFamily="18" charset="-127"/>
-            </a:endParaRPr>
-          </a:p>
-          <a:p>
-            <a:pPr algn="ctr"/>
-            <a:endParaRPr lang="en-US" altLang="ko-KR" dirty="0">
-              <a:latin typeface="HY헤드라인M" panose="02030600000101010101" pitchFamily="18" charset="-127"/>
-              <a:ea typeface="HY헤드라인M" panose="02030600000101010101" pitchFamily="18" charset="-127"/>
-            </a:endParaRPr>
-          </a:p>
-          <a:p>
-            <a:pPr algn="ctr"/>
-            <a:r>
-              <a:rPr lang="ko-KR" altLang="en-US" dirty="0">
-                <a:solidFill>
-                  <a:srgbClr val="B3E5FC"/>
-                </a:solidFill>
-                <a:latin typeface="HY헤드라인M" panose="02030600000101010101" pitchFamily="18" charset="-127"/>
-                <a:ea typeface="HY헤드라인M" panose="02030600000101010101" pitchFamily="18" charset="-127"/>
-              </a:rPr>
-              <a:t>←→↑↓ </a:t>
-            </a:r>
-            <a:r>
-              <a:rPr lang="en-US" altLang="ko-KR" dirty="0">
-                <a:solidFill>
-                  <a:srgbClr val="B3E5FC"/>
-                </a:solidFill>
-                <a:latin typeface="HY헤드라인M" panose="02030600000101010101" pitchFamily="18" charset="-127"/>
-                <a:ea typeface="HY헤드라인M" panose="02030600000101010101" pitchFamily="18" charset="-127"/>
-              </a:rPr>
-              <a:t>:  </a:t>
-            </a:r>
-            <a:r>
-              <a:rPr lang="ko-KR" altLang="en-US" dirty="0">
-                <a:solidFill>
-                  <a:srgbClr val="B3E5FC"/>
-                </a:solidFill>
-                <a:latin typeface="HY헤드라인M" panose="02030600000101010101" pitchFamily="18" charset="-127"/>
-                <a:ea typeface="HY헤드라인M" panose="02030600000101010101" pitchFamily="18" charset="-127"/>
-              </a:rPr>
-              <a:t>이동</a:t>
-            </a:r>
-            <a:r>
-              <a:rPr lang="en-US" altLang="ko-KR" dirty="0">
-                <a:solidFill>
-                  <a:srgbClr val="B3E5FC"/>
-                </a:solidFill>
-                <a:latin typeface="HY헤드라인M" panose="02030600000101010101" pitchFamily="18" charset="-127"/>
-                <a:ea typeface="HY헤드라인M" panose="02030600000101010101" pitchFamily="18" charset="-127"/>
-              </a:rPr>
-              <a:t>			</a:t>
-            </a:r>
-            <a:r>
-              <a:rPr lang="en-US" altLang="ko-KR" dirty="0">
-                <a:solidFill>
-                  <a:srgbClr val="FE9F5D"/>
-                </a:solidFill>
-                <a:latin typeface="HY헤드라인M" panose="02030600000101010101" pitchFamily="18" charset="-127"/>
-                <a:ea typeface="HY헤드라인M" panose="02030600000101010101" pitchFamily="18" charset="-127"/>
-              </a:rPr>
-              <a:t>A</a:t>
-            </a:r>
-            <a:r>
-              <a:rPr lang="ko-KR" altLang="en-US" dirty="0">
-                <a:solidFill>
-                  <a:srgbClr val="FE9F5D"/>
-                </a:solidFill>
-                <a:latin typeface="HY헤드라인M" panose="02030600000101010101" pitchFamily="18" charset="-127"/>
-                <a:ea typeface="HY헤드라인M" panose="02030600000101010101" pitchFamily="18" charset="-127"/>
-              </a:rPr>
-              <a:t> </a:t>
-            </a:r>
-            <a:r>
-              <a:rPr lang="en-US" altLang="ko-KR" dirty="0">
-                <a:solidFill>
-                  <a:srgbClr val="FE9F5D"/>
-                </a:solidFill>
-                <a:latin typeface="HY헤드라인M" panose="02030600000101010101" pitchFamily="18" charset="-127"/>
-                <a:ea typeface="HY헤드라인M" panose="02030600000101010101" pitchFamily="18" charset="-127"/>
-              </a:rPr>
-              <a:t>:</a:t>
-            </a:r>
-            <a:r>
-              <a:rPr lang="ko-KR" altLang="en-US" dirty="0">
-                <a:solidFill>
-                  <a:srgbClr val="FE9F5D"/>
-                </a:solidFill>
-                <a:latin typeface="HY헤드라인M" panose="02030600000101010101" pitchFamily="18" charset="-127"/>
-                <a:ea typeface="HY헤드라인M" panose="02030600000101010101" pitchFamily="18" charset="-127"/>
-              </a:rPr>
-              <a:t> 아이템 사용 </a:t>
-            </a:r>
-            <a:r>
-              <a:rPr lang="en-US" altLang="ko-KR" dirty="0">
-                <a:solidFill>
-                  <a:srgbClr val="FE9F5D"/>
-                </a:solidFill>
-                <a:latin typeface="HY헤드라인M" panose="02030600000101010101" pitchFamily="18" charset="-127"/>
-                <a:ea typeface="HY헤드라인M" panose="02030600000101010101" pitchFamily="18" charset="-127"/>
-              </a:rPr>
-              <a:t>	</a:t>
-            </a:r>
-            <a:r>
-              <a:rPr lang="en-US" altLang="ko-KR" dirty="0">
-                <a:solidFill>
-                  <a:srgbClr val="B3E5FC"/>
-                </a:solidFill>
-                <a:latin typeface="HY헤드라인M" panose="02030600000101010101" pitchFamily="18" charset="-127"/>
-                <a:ea typeface="HY헤드라인M" panose="02030600000101010101" pitchFamily="18" charset="-127"/>
-              </a:rPr>
-              <a:t>		</a:t>
-            </a:r>
-            <a:r>
-              <a:rPr lang="en-US" altLang="ko-KR" dirty="0">
-                <a:solidFill>
-                  <a:srgbClr val="D3FF4A"/>
-                </a:solidFill>
-                <a:latin typeface="HY헤드라인M" panose="02030600000101010101" pitchFamily="18" charset="-127"/>
-                <a:ea typeface="HY헤드라인M" panose="02030600000101010101" pitchFamily="18" charset="-127"/>
-              </a:rPr>
-              <a:t>Space : </a:t>
-            </a:r>
-            <a:r>
-              <a:rPr lang="ko-KR" altLang="en-US" dirty="0">
-                <a:solidFill>
-                  <a:srgbClr val="D3FF4A"/>
-                </a:solidFill>
-                <a:latin typeface="HY헤드라인M" panose="02030600000101010101" pitchFamily="18" charset="-127"/>
-                <a:ea typeface="HY헤드라인M" panose="02030600000101010101" pitchFamily="18" charset="-127"/>
-              </a:rPr>
-              <a:t>부스터</a:t>
-            </a:r>
-            <a:endParaRPr lang="en-US" altLang="ko-KR" dirty="0">
-              <a:solidFill>
-                <a:srgbClr val="B3E5FC"/>
-              </a:solidFill>
-              <a:latin typeface="HY헤드라인M" panose="02030600000101010101" pitchFamily="18" charset="-127"/>
-              <a:ea typeface="HY헤드라인M" panose="02030600000101010101" pitchFamily="18" charset="-127"/>
-            </a:endParaRPr>
+              <a:rPr lang="ko-KR" altLang="en-US" dirty="0"/>
+              <a:t>타이틀</a:t>
+            </a:r>
           </a:p>
         </p:txBody>
       </p:sp>
-      <p:pic>
-        <p:nvPicPr>
-          <p:cNvPr id="3" name="그림 2" descr="전자기기, 컴퓨터, 키보드, 하얀색이(가) 표시된 사진&#10;&#10;자동 생성된 설명">
+      <p:sp>
+        <p:nvSpPr>
+          <p:cNvPr id="4" name="직사각형 3">
             <a:extLst>
               <a:ext uri="{FF2B5EF4-FFF2-40B4-BE49-F238E27FC236}">
-                <a16:creationId xmlns:a16="http://schemas.microsoft.com/office/drawing/2014/main" id="{EF58EEF9-597D-410E-A2BC-5714D6597195}"/>
+                <a16:creationId xmlns:a16="http://schemas.microsoft.com/office/drawing/2014/main" id="{F938F74F-999A-470D-87E3-9B70F49F26C1}"/>
               </a:ext>
             </a:extLst>
           </p:cNvPr>
-          <p:cNvPicPr>
-            <a:picLocks noChangeAspect="1"/>
-          </p:cNvPicPr>
+          <p:cNvSpPr/>
           <p:nvPr/>
-        </p:nvPicPr>
-        <p:blipFill>
-          <a:blip r:embed="rId2"/>
-          <a:stretch>
-            <a:fillRect/>
-          </a:stretch>
-        </p:blipFill>
+        </p:nvSpPr>
         <p:spPr>
           <a:xfrm>
-            <a:off x="1733550" y="1298097"/>
-            <a:ext cx="8724900" cy="3209925"/>
+            <a:off x="2178421" y="3625723"/>
+            <a:ext cx="968188" cy="236694"/>
+          </a:xfrm>
+          <a:prstGeom prst="rect">
+            <a:avLst/>
+          </a:prstGeom>
+          <a:solidFill>
+            <a:schemeClr val="tx1">
+              <a:lumMod val="85000"/>
+            </a:schemeClr>
+          </a:solidFill>
+        </p:spPr>
+        <p:style>
+          <a:lnRef idx="2">
+            <a:schemeClr val="accent1">
+              <a:shade val="50000"/>
+            </a:schemeClr>
+          </a:lnRef>
+          <a:fillRef idx="1">
+            <a:schemeClr val="accent1"/>
+          </a:fillRef>
+          <a:effectRef idx="0">
+            <a:schemeClr val="accent1"/>
+          </a:effectRef>
+          <a:fontRef idx="minor">
+            <a:schemeClr val="lt1"/>
+          </a:fontRef>
+        </p:style>
+        <p:txBody>
+          <a:bodyPr rtlCol="0" anchor="ctr"/>
+          <a:lstStyle/>
+          <a:p>
+            <a:pPr algn="ctr"/>
+            <a:r>
+              <a:rPr lang="ko-KR" altLang="en-US" dirty="0">
+                <a:solidFill>
+                  <a:sysClr val="windowText" lastClr="000000"/>
+                </a:solidFill>
+              </a:rPr>
+              <a:t>로그인</a:t>
+            </a:r>
+          </a:p>
+        </p:txBody>
+      </p:sp>
+      <p:sp>
+        <p:nvSpPr>
+          <p:cNvPr id="8" name="직사각형 7">
+            <a:extLst>
+              <a:ext uri="{FF2B5EF4-FFF2-40B4-BE49-F238E27FC236}">
+                <a16:creationId xmlns:a16="http://schemas.microsoft.com/office/drawing/2014/main" id="{5247BBEB-6016-4D40-91FE-176C76C64B64}"/>
+              </a:ext>
+            </a:extLst>
+          </p:cNvPr>
+          <p:cNvSpPr/>
+          <p:nvPr/>
+        </p:nvSpPr>
+        <p:spPr>
+          <a:xfrm>
+            <a:off x="2178420" y="3875863"/>
+            <a:ext cx="968188" cy="236694"/>
+          </a:xfrm>
+          <a:prstGeom prst="rect">
+            <a:avLst/>
+          </a:prstGeom>
+          <a:solidFill>
+            <a:schemeClr val="tx1">
+              <a:lumMod val="85000"/>
+            </a:schemeClr>
+          </a:solidFill>
+        </p:spPr>
+        <p:style>
+          <a:lnRef idx="2">
+            <a:schemeClr val="accent1">
+              <a:shade val="50000"/>
+            </a:schemeClr>
+          </a:lnRef>
+          <a:fillRef idx="1">
+            <a:schemeClr val="accent1"/>
+          </a:fillRef>
+          <a:effectRef idx="0">
+            <a:schemeClr val="accent1"/>
+          </a:effectRef>
+          <a:fontRef idx="minor">
+            <a:schemeClr val="lt1"/>
+          </a:fontRef>
+        </p:style>
+        <p:txBody>
+          <a:bodyPr rtlCol="0" anchor="ctr"/>
+          <a:lstStyle/>
+          <a:p>
+            <a:pPr algn="ctr"/>
+            <a:r>
+              <a:rPr lang="ko-KR" altLang="en-US" dirty="0">
+                <a:solidFill>
+                  <a:sysClr val="windowText" lastClr="000000"/>
+                </a:solidFill>
+              </a:rPr>
+              <a:t>종료</a:t>
+            </a:r>
+          </a:p>
+        </p:txBody>
+      </p:sp>
+      <p:sp>
+        <p:nvSpPr>
+          <p:cNvPr id="9" name="직사각형 8">
+            <a:extLst>
+              <a:ext uri="{FF2B5EF4-FFF2-40B4-BE49-F238E27FC236}">
+                <a16:creationId xmlns:a16="http://schemas.microsoft.com/office/drawing/2014/main" id="{00FFA73E-1FE6-4DCE-BC28-DE815A462507}"/>
+              </a:ext>
+            </a:extLst>
+          </p:cNvPr>
+          <p:cNvSpPr/>
+          <p:nvPr/>
+        </p:nvSpPr>
+        <p:spPr>
+          <a:xfrm>
+            <a:off x="4331070" y="3229532"/>
+            <a:ext cx="968188" cy="646331"/>
           </a:xfrm>
           <a:prstGeom prst="rect">
             <a:avLst/>
           </a:prstGeom>
         </p:spPr>
-      </p:pic>
+        <p:style>
+          <a:lnRef idx="2">
+            <a:schemeClr val="accent1">
+              <a:shade val="50000"/>
+            </a:schemeClr>
+          </a:lnRef>
+          <a:fillRef idx="1">
+            <a:schemeClr val="accent1"/>
+          </a:fillRef>
+          <a:effectRef idx="0">
+            <a:schemeClr val="accent1"/>
+          </a:effectRef>
+          <a:fontRef idx="minor">
+            <a:schemeClr val="lt1"/>
+          </a:fontRef>
+        </p:style>
+        <p:txBody>
+          <a:bodyPr rtlCol="0" anchor="ctr"/>
+          <a:lstStyle/>
+          <a:p>
+            <a:pPr algn="ctr"/>
+            <a:r>
+              <a:rPr lang="ko-KR" altLang="en-US" dirty="0"/>
+              <a:t>로비</a:t>
+            </a:r>
+          </a:p>
+        </p:txBody>
+      </p:sp>
+      <p:sp>
+        <p:nvSpPr>
+          <p:cNvPr id="10" name="직사각형 9">
+            <a:extLst>
+              <a:ext uri="{FF2B5EF4-FFF2-40B4-BE49-F238E27FC236}">
+                <a16:creationId xmlns:a16="http://schemas.microsoft.com/office/drawing/2014/main" id="{6CB981B6-8664-43EC-9ADE-9945A5A53E4A}"/>
+              </a:ext>
+            </a:extLst>
+          </p:cNvPr>
+          <p:cNvSpPr/>
+          <p:nvPr/>
+        </p:nvSpPr>
+        <p:spPr>
+          <a:xfrm>
+            <a:off x="4331070" y="3891542"/>
+            <a:ext cx="968188" cy="263587"/>
+          </a:xfrm>
+          <a:prstGeom prst="rect">
+            <a:avLst/>
+          </a:prstGeom>
+          <a:solidFill>
+            <a:schemeClr val="tx1">
+              <a:lumMod val="85000"/>
+            </a:schemeClr>
+          </a:solidFill>
+        </p:spPr>
+        <p:style>
+          <a:lnRef idx="2">
+            <a:schemeClr val="accent1">
+              <a:shade val="50000"/>
+            </a:schemeClr>
+          </a:lnRef>
+          <a:fillRef idx="1">
+            <a:schemeClr val="accent1"/>
+          </a:fillRef>
+          <a:effectRef idx="0">
+            <a:schemeClr val="accent1"/>
+          </a:effectRef>
+          <a:fontRef idx="minor">
+            <a:schemeClr val="lt1"/>
+          </a:fontRef>
+        </p:style>
+        <p:txBody>
+          <a:bodyPr rtlCol="0" anchor="ctr"/>
+          <a:lstStyle/>
+          <a:p>
+            <a:pPr algn="ctr"/>
+            <a:r>
+              <a:rPr lang="ko-KR" altLang="en-US" dirty="0">
+                <a:solidFill>
+                  <a:sysClr val="windowText" lastClr="000000"/>
+                </a:solidFill>
+              </a:rPr>
+              <a:t>방 생성</a:t>
+            </a:r>
+          </a:p>
+        </p:txBody>
+      </p:sp>
+      <p:sp>
+        <p:nvSpPr>
+          <p:cNvPr id="12" name="직사각형 11">
+            <a:extLst>
+              <a:ext uri="{FF2B5EF4-FFF2-40B4-BE49-F238E27FC236}">
+                <a16:creationId xmlns:a16="http://schemas.microsoft.com/office/drawing/2014/main" id="{901A0001-2E0B-42E1-BD7F-842DBFCD1754}"/>
+              </a:ext>
+            </a:extLst>
+          </p:cNvPr>
+          <p:cNvSpPr/>
+          <p:nvPr/>
+        </p:nvSpPr>
+        <p:spPr>
+          <a:xfrm>
+            <a:off x="4331070" y="2952497"/>
+            <a:ext cx="968188" cy="277035"/>
+          </a:xfrm>
+          <a:prstGeom prst="rect">
+            <a:avLst/>
+          </a:prstGeom>
+          <a:solidFill>
+            <a:schemeClr val="tx1">
+              <a:lumMod val="85000"/>
+            </a:schemeClr>
+          </a:solidFill>
+        </p:spPr>
+        <p:style>
+          <a:lnRef idx="2">
+            <a:schemeClr val="accent1">
+              <a:shade val="50000"/>
+            </a:schemeClr>
+          </a:lnRef>
+          <a:fillRef idx="1">
+            <a:schemeClr val="accent1"/>
+          </a:fillRef>
+          <a:effectRef idx="0">
+            <a:schemeClr val="accent1"/>
+          </a:effectRef>
+          <a:fontRef idx="minor">
+            <a:schemeClr val="lt1"/>
+          </a:fontRef>
+        </p:style>
+        <p:txBody>
+          <a:bodyPr rtlCol="0" anchor="ctr"/>
+          <a:lstStyle/>
+          <a:p>
+            <a:pPr algn="ctr"/>
+            <a:r>
+              <a:rPr lang="ko-KR" altLang="en-US" dirty="0">
+                <a:solidFill>
+                  <a:sysClr val="windowText" lastClr="000000"/>
+                </a:solidFill>
+              </a:rPr>
+              <a:t>방 선택</a:t>
+            </a:r>
+          </a:p>
+        </p:txBody>
+      </p:sp>
+      <p:sp>
+        <p:nvSpPr>
+          <p:cNvPr id="13" name="직사각형 12">
+            <a:extLst>
+              <a:ext uri="{FF2B5EF4-FFF2-40B4-BE49-F238E27FC236}">
+                <a16:creationId xmlns:a16="http://schemas.microsoft.com/office/drawing/2014/main" id="{C959FF58-0AC7-42C8-87AA-64353733BA71}"/>
+              </a:ext>
+            </a:extLst>
+          </p:cNvPr>
+          <p:cNvSpPr/>
+          <p:nvPr/>
+        </p:nvSpPr>
+        <p:spPr>
+          <a:xfrm>
+            <a:off x="6928598" y="3216083"/>
+            <a:ext cx="968188" cy="646331"/>
+          </a:xfrm>
+          <a:prstGeom prst="rect">
+            <a:avLst/>
+          </a:prstGeom>
+        </p:spPr>
+        <p:style>
+          <a:lnRef idx="2">
+            <a:schemeClr val="accent1">
+              <a:shade val="50000"/>
+            </a:schemeClr>
+          </a:lnRef>
+          <a:fillRef idx="1">
+            <a:schemeClr val="accent1"/>
+          </a:fillRef>
+          <a:effectRef idx="0">
+            <a:schemeClr val="accent1"/>
+          </a:effectRef>
+          <a:fontRef idx="minor">
+            <a:schemeClr val="lt1"/>
+          </a:fontRef>
+        </p:style>
+        <p:txBody>
+          <a:bodyPr rtlCol="0" anchor="ctr"/>
+          <a:lstStyle/>
+          <a:p>
+            <a:pPr algn="ctr"/>
+            <a:r>
+              <a:rPr lang="ko-KR" altLang="en-US" dirty="0"/>
+              <a:t>대기 방</a:t>
+            </a:r>
+          </a:p>
+        </p:txBody>
+      </p:sp>
+      <p:sp>
+        <p:nvSpPr>
+          <p:cNvPr id="16" name="직사각형 15">
+            <a:extLst>
+              <a:ext uri="{FF2B5EF4-FFF2-40B4-BE49-F238E27FC236}">
+                <a16:creationId xmlns:a16="http://schemas.microsoft.com/office/drawing/2014/main" id="{1D74CADB-1E05-4222-95BA-364D4719A1CC}"/>
+              </a:ext>
+            </a:extLst>
+          </p:cNvPr>
+          <p:cNvSpPr/>
+          <p:nvPr/>
+        </p:nvSpPr>
+        <p:spPr>
+          <a:xfrm>
+            <a:off x="9081248" y="3216085"/>
+            <a:ext cx="1550892" cy="646331"/>
+          </a:xfrm>
+          <a:prstGeom prst="rect">
+            <a:avLst/>
+          </a:prstGeom>
+        </p:spPr>
+        <p:style>
+          <a:lnRef idx="2">
+            <a:schemeClr val="accent1">
+              <a:shade val="50000"/>
+            </a:schemeClr>
+          </a:lnRef>
+          <a:fillRef idx="1">
+            <a:schemeClr val="accent1"/>
+          </a:fillRef>
+          <a:effectRef idx="0">
+            <a:schemeClr val="accent1"/>
+          </a:effectRef>
+          <a:fontRef idx="minor">
+            <a:schemeClr val="lt1"/>
+          </a:fontRef>
+        </p:style>
+        <p:txBody>
+          <a:bodyPr rtlCol="0" anchor="ctr"/>
+          <a:lstStyle/>
+          <a:p>
+            <a:pPr algn="ctr"/>
+            <a:r>
+              <a:rPr lang="ko-KR" altLang="en-US" dirty="0"/>
+              <a:t>게임 화면</a:t>
+            </a:r>
+          </a:p>
+        </p:txBody>
+      </p:sp>
+      <p:sp>
+        <p:nvSpPr>
+          <p:cNvPr id="19" name="직사각형 18">
+            <a:extLst>
+              <a:ext uri="{FF2B5EF4-FFF2-40B4-BE49-F238E27FC236}">
+                <a16:creationId xmlns:a16="http://schemas.microsoft.com/office/drawing/2014/main" id="{DD67C9F4-CEAD-4730-9E8A-93E7B8DC72CB}"/>
+              </a:ext>
+            </a:extLst>
+          </p:cNvPr>
+          <p:cNvSpPr/>
+          <p:nvPr/>
+        </p:nvSpPr>
+        <p:spPr>
+          <a:xfrm>
+            <a:off x="6928598" y="3889307"/>
+            <a:ext cx="968188" cy="263587"/>
+          </a:xfrm>
+          <a:prstGeom prst="rect">
+            <a:avLst/>
+          </a:prstGeom>
+          <a:solidFill>
+            <a:schemeClr val="tx1">
+              <a:lumMod val="85000"/>
+            </a:schemeClr>
+          </a:solidFill>
+        </p:spPr>
+        <p:style>
+          <a:lnRef idx="2">
+            <a:schemeClr val="accent1">
+              <a:shade val="50000"/>
+            </a:schemeClr>
+          </a:lnRef>
+          <a:fillRef idx="1">
+            <a:schemeClr val="accent1"/>
+          </a:fillRef>
+          <a:effectRef idx="0">
+            <a:schemeClr val="accent1"/>
+          </a:effectRef>
+          <a:fontRef idx="minor">
+            <a:schemeClr val="lt1"/>
+          </a:fontRef>
+        </p:style>
+        <p:txBody>
+          <a:bodyPr rtlCol="0" anchor="ctr"/>
+          <a:lstStyle/>
+          <a:p>
+            <a:pPr algn="ctr"/>
+            <a:r>
+              <a:rPr lang="ko-KR" altLang="en-US" dirty="0">
+                <a:solidFill>
+                  <a:sysClr val="windowText" lastClr="000000"/>
+                </a:solidFill>
+              </a:rPr>
+              <a:t>맵 선택</a:t>
+            </a:r>
+          </a:p>
+        </p:txBody>
+      </p:sp>
+      <p:cxnSp>
+        <p:nvCxnSpPr>
+          <p:cNvPr id="27" name="직선 화살표 연결선 26">
+            <a:extLst>
+              <a:ext uri="{FF2B5EF4-FFF2-40B4-BE49-F238E27FC236}">
+                <a16:creationId xmlns:a16="http://schemas.microsoft.com/office/drawing/2014/main" id="{C38311B0-C846-4DCB-88D9-DE4867BAB52E}"/>
+              </a:ext>
+            </a:extLst>
+          </p:cNvPr>
+          <p:cNvCxnSpPr>
+            <a:cxnSpLocks/>
+            <a:endCxn id="19" idx="1"/>
+          </p:cNvCxnSpPr>
+          <p:nvPr/>
+        </p:nvCxnSpPr>
+        <p:spPr>
+          <a:xfrm>
+            <a:off x="6051175" y="4021101"/>
+            <a:ext cx="877423" cy="0"/>
+          </a:xfrm>
+          <a:prstGeom prst="straightConnector1">
+            <a:avLst/>
+          </a:prstGeom>
+          <a:ln w="38100">
+            <a:solidFill>
+              <a:srgbClr val="FFFF00"/>
+            </a:solidFill>
+            <a:tailEnd type="triangle"/>
+          </a:ln>
+        </p:spPr>
+        <p:style>
+          <a:lnRef idx="1">
+            <a:schemeClr val="accent1"/>
+          </a:lnRef>
+          <a:fillRef idx="0">
+            <a:schemeClr val="accent1"/>
+          </a:fillRef>
+          <a:effectRef idx="0">
+            <a:schemeClr val="accent1"/>
+          </a:effectRef>
+          <a:fontRef idx="minor">
+            <a:schemeClr val="tx1"/>
+          </a:fontRef>
+        </p:style>
+      </p:cxnSp>
+      <p:cxnSp>
+        <p:nvCxnSpPr>
+          <p:cNvPr id="40" name="연결선: 꺾임 39">
+            <a:extLst>
+              <a:ext uri="{FF2B5EF4-FFF2-40B4-BE49-F238E27FC236}">
+                <a16:creationId xmlns:a16="http://schemas.microsoft.com/office/drawing/2014/main" id="{F7A9509C-B353-4ED4-824A-7024A98CADBD}"/>
+              </a:ext>
+            </a:extLst>
+          </p:cNvPr>
+          <p:cNvCxnSpPr>
+            <a:cxnSpLocks/>
+            <a:stCxn id="4" idx="3"/>
+            <a:endCxn id="9" idx="1"/>
+          </p:cNvCxnSpPr>
+          <p:nvPr/>
+        </p:nvCxnSpPr>
+        <p:spPr>
+          <a:xfrm flipV="1">
+            <a:off x="3146609" y="3552698"/>
+            <a:ext cx="1184461" cy="191372"/>
+          </a:xfrm>
+          <a:prstGeom prst="bentConnector3">
+            <a:avLst>
+              <a:gd name="adj1" fmla="val 50000"/>
+            </a:avLst>
+          </a:prstGeom>
+          <a:ln w="38100">
+            <a:solidFill>
+              <a:srgbClr val="FFFF00"/>
+            </a:solidFill>
+            <a:tailEnd type="triangle"/>
+          </a:ln>
+        </p:spPr>
+        <p:style>
+          <a:lnRef idx="1">
+            <a:schemeClr val="accent1"/>
+          </a:lnRef>
+          <a:fillRef idx="0">
+            <a:schemeClr val="accent1"/>
+          </a:fillRef>
+          <a:effectRef idx="0">
+            <a:schemeClr val="accent1"/>
+          </a:effectRef>
+          <a:fontRef idx="minor">
+            <a:schemeClr val="tx1"/>
+          </a:fontRef>
+        </p:style>
+      </p:cxnSp>
+      <p:sp>
+        <p:nvSpPr>
+          <p:cNvPr id="43" name="직사각형 42">
+            <a:extLst>
+              <a:ext uri="{FF2B5EF4-FFF2-40B4-BE49-F238E27FC236}">
+                <a16:creationId xmlns:a16="http://schemas.microsoft.com/office/drawing/2014/main" id="{7E271A6B-DBF2-48D1-951D-654E93F893AA}"/>
+              </a:ext>
+            </a:extLst>
+          </p:cNvPr>
+          <p:cNvSpPr/>
+          <p:nvPr/>
+        </p:nvSpPr>
+        <p:spPr>
+          <a:xfrm>
+            <a:off x="4331070" y="4165406"/>
+            <a:ext cx="968188" cy="236694"/>
+          </a:xfrm>
+          <a:prstGeom prst="rect">
+            <a:avLst/>
+          </a:prstGeom>
+          <a:solidFill>
+            <a:schemeClr val="tx1">
+              <a:lumMod val="85000"/>
+            </a:schemeClr>
+          </a:solidFill>
+        </p:spPr>
+        <p:style>
+          <a:lnRef idx="2">
+            <a:schemeClr val="accent1">
+              <a:shade val="50000"/>
+            </a:schemeClr>
+          </a:lnRef>
+          <a:fillRef idx="1">
+            <a:schemeClr val="accent1"/>
+          </a:fillRef>
+          <a:effectRef idx="0">
+            <a:schemeClr val="accent1"/>
+          </a:effectRef>
+          <a:fontRef idx="minor">
+            <a:schemeClr val="lt1"/>
+          </a:fontRef>
+        </p:style>
+        <p:txBody>
+          <a:bodyPr rtlCol="0" anchor="ctr"/>
+          <a:lstStyle/>
+          <a:p>
+            <a:pPr algn="ctr"/>
+            <a:r>
+              <a:rPr lang="ko-KR" altLang="en-US" dirty="0">
+                <a:solidFill>
+                  <a:sysClr val="windowText" lastClr="000000"/>
+                </a:solidFill>
+              </a:rPr>
+              <a:t>종료</a:t>
+            </a:r>
+          </a:p>
+        </p:txBody>
+      </p:sp>
+      <p:sp>
+        <p:nvSpPr>
+          <p:cNvPr id="44" name="직사각형 43">
+            <a:extLst>
+              <a:ext uri="{FF2B5EF4-FFF2-40B4-BE49-F238E27FC236}">
+                <a16:creationId xmlns:a16="http://schemas.microsoft.com/office/drawing/2014/main" id="{564B1A15-71DD-49CE-9572-5310E304AC0E}"/>
+              </a:ext>
+            </a:extLst>
+          </p:cNvPr>
+          <p:cNvSpPr/>
+          <p:nvPr/>
+        </p:nvSpPr>
+        <p:spPr>
+          <a:xfrm>
+            <a:off x="2178420" y="5478594"/>
+            <a:ext cx="968188" cy="646331"/>
+          </a:xfrm>
+          <a:prstGeom prst="rect">
+            <a:avLst/>
+          </a:prstGeom>
+        </p:spPr>
+        <p:style>
+          <a:lnRef idx="2">
+            <a:schemeClr val="accent1">
+              <a:shade val="50000"/>
+            </a:schemeClr>
+          </a:lnRef>
+          <a:fillRef idx="1">
+            <a:schemeClr val="accent1"/>
+          </a:fillRef>
+          <a:effectRef idx="0">
+            <a:schemeClr val="accent1"/>
+          </a:effectRef>
+          <a:fontRef idx="minor">
+            <a:schemeClr val="lt1"/>
+          </a:fontRef>
+        </p:style>
+        <p:txBody>
+          <a:bodyPr rtlCol="0" anchor="ctr"/>
+          <a:lstStyle/>
+          <a:p>
+            <a:pPr algn="ctr"/>
+            <a:r>
+              <a:rPr lang="ko-KR" altLang="en-US" dirty="0"/>
+              <a:t>종료</a:t>
+            </a:r>
+          </a:p>
+        </p:txBody>
+      </p:sp>
+      <p:cxnSp>
+        <p:nvCxnSpPr>
+          <p:cNvPr id="45" name="연결선: 꺾임 44">
+            <a:extLst>
+              <a:ext uri="{FF2B5EF4-FFF2-40B4-BE49-F238E27FC236}">
+                <a16:creationId xmlns:a16="http://schemas.microsoft.com/office/drawing/2014/main" id="{1812F883-751F-4159-BD05-2B715514FC10}"/>
+              </a:ext>
+            </a:extLst>
+          </p:cNvPr>
+          <p:cNvCxnSpPr>
+            <a:cxnSpLocks/>
+            <a:stCxn id="8" idx="3"/>
+            <a:endCxn id="44" idx="3"/>
+          </p:cNvCxnSpPr>
+          <p:nvPr/>
+        </p:nvCxnSpPr>
+        <p:spPr>
+          <a:xfrm>
+            <a:off x="3146608" y="3994210"/>
+            <a:ext cx="12700" cy="1807550"/>
+          </a:xfrm>
+          <a:prstGeom prst="bentConnector3">
+            <a:avLst>
+              <a:gd name="adj1" fmla="val 4623520"/>
+            </a:avLst>
+          </a:prstGeom>
+          <a:ln w="38100">
+            <a:solidFill>
+              <a:srgbClr val="7030A0"/>
+            </a:solidFill>
+            <a:tailEnd type="triangle"/>
+          </a:ln>
+        </p:spPr>
+        <p:style>
+          <a:lnRef idx="1">
+            <a:schemeClr val="accent1"/>
+          </a:lnRef>
+          <a:fillRef idx="0">
+            <a:schemeClr val="accent1"/>
+          </a:fillRef>
+          <a:effectRef idx="0">
+            <a:schemeClr val="accent1"/>
+          </a:effectRef>
+          <a:fontRef idx="minor">
+            <a:schemeClr val="tx1"/>
+          </a:fontRef>
+        </p:style>
+      </p:cxnSp>
+      <p:cxnSp>
+        <p:nvCxnSpPr>
+          <p:cNvPr id="53" name="직선 연결선 52">
+            <a:extLst>
+              <a:ext uri="{FF2B5EF4-FFF2-40B4-BE49-F238E27FC236}">
+                <a16:creationId xmlns:a16="http://schemas.microsoft.com/office/drawing/2014/main" id="{2FDB7714-2E1F-427D-ABA5-CBC55F9106CC}"/>
+              </a:ext>
+            </a:extLst>
+          </p:cNvPr>
+          <p:cNvCxnSpPr>
+            <a:cxnSpLocks/>
+            <a:stCxn id="43" idx="1"/>
+          </p:cNvCxnSpPr>
+          <p:nvPr/>
+        </p:nvCxnSpPr>
+        <p:spPr>
+          <a:xfrm flipH="1">
+            <a:off x="3738839" y="4283753"/>
+            <a:ext cx="592231" cy="0"/>
+          </a:xfrm>
+          <a:prstGeom prst="line">
+            <a:avLst/>
+          </a:prstGeom>
+          <a:ln w="38100">
+            <a:solidFill>
+              <a:srgbClr val="7030A0"/>
+            </a:solidFill>
+          </a:ln>
+        </p:spPr>
+        <p:style>
+          <a:lnRef idx="1">
+            <a:schemeClr val="accent1"/>
+          </a:lnRef>
+          <a:fillRef idx="0">
+            <a:schemeClr val="accent1"/>
+          </a:fillRef>
+          <a:effectRef idx="0">
+            <a:schemeClr val="accent1"/>
+          </a:effectRef>
+          <a:fontRef idx="minor">
+            <a:schemeClr val="tx1"/>
+          </a:fontRef>
+        </p:style>
+      </p:cxnSp>
+      <p:sp>
+        <p:nvSpPr>
+          <p:cNvPr id="61" name="직사각형 60">
+            <a:extLst>
+              <a:ext uri="{FF2B5EF4-FFF2-40B4-BE49-F238E27FC236}">
+                <a16:creationId xmlns:a16="http://schemas.microsoft.com/office/drawing/2014/main" id="{60F5BBB7-7357-411C-99CD-008ACCAF182A}"/>
+              </a:ext>
+            </a:extLst>
+          </p:cNvPr>
+          <p:cNvSpPr/>
+          <p:nvPr/>
+        </p:nvSpPr>
+        <p:spPr>
+          <a:xfrm>
+            <a:off x="6928598" y="2934136"/>
+            <a:ext cx="968188" cy="277035"/>
+          </a:xfrm>
+          <a:prstGeom prst="rect">
+            <a:avLst/>
+          </a:prstGeom>
+          <a:solidFill>
+            <a:schemeClr val="tx1">
+              <a:lumMod val="85000"/>
+            </a:schemeClr>
+          </a:solidFill>
+        </p:spPr>
+        <p:style>
+          <a:lnRef idx="2">
+            <a:schemeClr val="accent1">
+              <a:shade val="50000"/>
+            </a:schemeClr>
+          </a:lnRef>
+          <a:fillRef idx="1">
+            <a:schemeClr val="accent1"/>
+          </a:fillRef>
+          <a:effectRef idx="0">
+            <a:schemeClr val="accent1"/>
+          </a:effectRef>
+          <a:fontRef idx="minor">
+            <a:schemeClr val="lt1"/>
+          </a:fontRef>
+        </p:style>
+        <p:txBody>
+          <a:bodyPr rtlCol="0" anchor="ctr"/>
+          <a:lstStyle/>
+          <a:p>
+            <a:pPr algn="ctr"/>
+            <a:r>
+              <a:rPr lang="ko-KR" altLang="en-US" dirty="0">
+                <a:solidFill>
+                  <a:sysClr val="windowText" lastClr="000000"/>
+                </a:solidFill>
+              </a:rPr>
+              <a:t>준비</a:t>
+            </a:r>
+          </a:p>
+        </p:txBody>
+      </p:sp>
+      <p:cxnSp>
+        <p:nvCxnSpPr>
+          <p:cNvPr id="63" name="연결선: 꺾임 62">
+            <a:extLst>
+              <a:ext uri="{FF2B5EF4-FFF2-40B4-BE49-F238E27FC236}">
+                <a16:creationId xmlns:a16="http://schemas.microsoft.com/office/drawing/2014/main" id="{8DA2254A-ACFC-4476-BBF6-8583B104903F}"/>
+              </a:ext>
+            </a:extLst>
+          </p:cNvPr>
+          <p:cNvCxnSpPr>
+            <a:cxnSpLocks/>
+            <a:stCxn id="61" idx="3"/>
+            <a:endCxn id="16" idx="1"/>
+          </p:cNvCxnSpPr>
+          <p:nvPr/>
+        </p:nvCxnSpPr>
+        <p:spPr>
+          <a:xfrm>
+            <a:off x="7896786" y="3072654"/>
+            <a:ext cx="1184462" cy="466597"/>
+          </a:xfrm>
+          <a:prstGeom prst="bentConnector3">
+            <a:avLst>
+              <a:gd name="adj1" fmla="val 50000"/>
+            </a:avLst>
+          </a:prstGeom>
+          <a:ln w="38100">
+            <a:solidFill>
+              <a:srgbClr val="FFFF00"/>
+            </a:solidFill>
+            <a:tailEnd type="triangle"/>
+          </a:ln>
+        </p:spPr>
+        <p:style>
+          <a:lnRef idx="1">
+            <a:schemeClr val="accent1"/>
+          </a:lnRef>
+          <a:fillRef idx="0">
+            <a:schemeClr val="accent1"/>
+          </a:fillRef>
+          <a:effectRef idx="0">
+            <a:schemeClr val="accent1"/>
+          </a:effectRef>
+          <a:fontRef idx="minor">
+            <a:schemeClr val="tx1"/>
+          </a:fontRef>
+        </p:style>
+      </p:cxnSp>
+      <p:sp>
+        <p:nvSpPr>
+          <p:cNvPr id="67" name="TextBox 66">
+            <a:extLst>
+              <a:ext uri="{FF2B5EF4-FFF2-40B4-BE49-F238E27FC236}">
+                <a16:creationId xmlns:a16="http://schemas.microsoft.com/office/drawing/2014/main" id="{F39A3DBB-2E7B-4414-8E3D-0B58671B1344}"/>
+              </a:ext>
+            </a:extLst>
+          </p:cNvPr>
+          <p:cNvSpPr txBox="1"/>
+          <p:nvPr/>
+        </p:nvSpPr>
+        <p:spPr>
+          <a:xfrm>
+            <a:off x="6829707" y="2474491"/>
+            <a:ext cx="1165970" cy="461665"/>
+          </a:xfrm>
+          <a:prstGeom prst="rect">
+            <a:avLst/>
+          </a:prstGeom>
+          <a:noFill/>
+        </p:spPr>
+        <p:txBody>
+          <a:bodyPr wrap="square" rtlCol="0">
+            <a:spAutoFit/>
+          </a:bodyPr>
+          <a:lstStyle/>
+          <a:p>
+            <a:r>
+              <a:rPr lang="ko-KR" altLang="en-US" sz="1200" dirty="0"/>
+              <a:t>모든 참가자가 </a:t>
+            </a:r>
+            <a:endParaRPr lang="en-US" altLang="ko-KR" sz="1200" dirty="0"/>
+          </a:p>
+          <a:p>
+            <a:r>
+              <a:rPr lang="ko-KR" altLang="en-US" sz="1200" dirty="0"/>
+              <a:t>준비하면 시작</a:t>
+            </a:r>
+          </a:p>
+        </p:txBody>
+      </p:sp>
+      <p:cxnSp>
+        <p:nvCxnSpPr>
+          <p:cNvPr id="72" name="연결선: 꺾임 71">
+            <a:extLst>
+              <a:ext uri="{FF2B5EF4-FFF2-40B4-BE49-F238E27FC236}">
+                <a16:creationId xmlns:a16="http://schemas.microsoft.com/office/drawing/2014/main" id="{C18131A6-0C36-44EF-A06D-22F74AC214F6}"/>
+              </a:ext>
+            </a:extLst>
+          </p:cNvPr>
+          <p:cNvCxnSpPr>
+            <a:cxnSpLocks/>
+            <a:stCxn id="16" idx="0"/>
+          </p:cNvCxnSpPr>
+          <p:nvPr/>
+        </p:nvCxnSpPr>
+        <p:spPr>
+          <a:xfrm rot="16200000" flipV="1">
+            <a:off x="7267246" y="626636"/>
+            <a:ext cx="1066341" cy="4112557"/>
+          </a:xfrm>
+          <a:prstGeom prst="bentConnector2">
+            <a:avLst/>
+          </a:prstGeom>
+          <a:ln w="38100">
+            <a:solidFill>
+              <a:srgbClr val="7030A0"/>
+            </a:solidFill>
+          </a:ln>
+        </p:spPr>
+        <p:style>
+          <a:lnRef idx="1">
+            <a:schemeClr val="accent1"/>
+          </a:lnRef>
+          <a:fillRef idx="0">
+            <a:schemeClr val="accent1"/>
+          </a:fillRef>
+          <a:effectRef idx="0">
+            <a:schemeClr val="accent1"/>
+          </a:effectRef>
+          <a:fontRef idx="minor">
+            <a:schemeClr val="tx1"/>
+          </a:fontRef>
+        </p:style>
+      </p:cxnSp>
+      <p:cxnSp>
+        <p:nvCxnSpPr>
+          <p:cNvPr id="90" name="직선 연결선 89">
+            <a:extLst>
+              <a:ext uri="{FF2B5EF4-FFF2-40B4-BE49-F238E27FC236}">
+                <a16:creationId xmlns:a16="http://schemas.microsoft.com/office/drawing/2014/main" id="{B25D4C9A-76C4-4A93-B429-3F08CC157A23}"/>
+              </a:ext>
+            </a:extLst>
+          </p:cNvPr>
+          <p:cNvCxnSpPr>
+            <a:stCxn id="10" idx="3"/>
+          </p:cNvCxnSpPr>
+          <p:nvPr/>
+        </p:nvCxnSpPr>
+        <p:spPr>
+          <a:xfrm flipV="1">
+            <a:off x="5299258" y="4021101"/>
+            <a:ext cx="751917" cy="2235"/>
+          </a:xfrm>
+          <a:prstGeom prst="line">
+            <a:avLst/>
+          </a:prstGeom>
+          <a:ln w="38100">
+            <a:solidFill>
+              <a:srgbClr val="FFFF00"/>
+            </a:solidFill>
+          </a:ln>
+        </p:spPr>
+        <p:style>
+          <a:lnRef idx="1">
+            <a:schemeClr val="accent1"/>
+          </a:lnRef>
+          <a:fillRef idx="0">
+            <a:schemeClr val="accent1"/>
+          </a:fillRef>
+          <a:effectRef idx="0">
+            <a:schemeClr val="accent1"/>
+          </a:effectRef>
+          <a:fontRef idx="minor">
+            <a:schemeClr val="tx1"/>
+          </a:fontRef>
+        </p:style>
+      </p:cxnSp>
+      <p:cxnSp>
+        <p:nvCxnSpPr>
+          <p:cNvPr id="91" name="직선 연결선 90">
+            <a:extLst>
+              <a:ext uri="{FF2B5EF4-FFF2-40B4-BE49-F238E27FC236}">
+                <a16:creationId xmlns:a16="http://schemas.microsoft.com/office/drawing/2014/main" id="{71807899-FF82-479F-B8B9-E8336B905ED9}"/>
+              </a:ext>
+            </a:extLst>
+          </p:cNvPr>
+          <p:cNvCxnSpPr>
+            <a:cxnSpLocks/>
+          </p:cNvCxnSpPr>
+          <p:nvPr/>
+        </p:nvCxnSpPr>
+        <p:spPr>
+          <a:xfrm>
+            <a:off x="6130880" y="3533217"/>
+            <a:ext cx="9947" cy="504000"/>
+          </a:xfrm>
+          <a:prstGeom prst="line">
+            <a:avLst/>
+          </a:prstGeom>
+          <a:ln w="38100">
+            <a:solidFill>
+              <a:srgbClr val="FFFF00"/>
+            </a:solidFill>
+          </a:ln>
+        </p:spPr>
+        <p:style>
+          <a:lnRef idx="1">
+            <a:schemeClr val="accent1"/>
+          </a:lnRef>
+          <a:fillRef idx="0">
+            <a:schemeClr val="accent1"/>
+          </a:fillRef>
+          <a:effectRef idx="0">
+            <a:schemeClr val="accent1"/>
+          </a:effectRef>
+          <a:fontRef idx="minor">
+            <a:schemeClr val="tx1"/>
+          </a:fontRef>
+        </p:style>
+      </p:cxnSp>
+      <p:cxnSp>
+        <p:nvCxnSpPr>
+          <p:cNvPr id="97" name="직선 연결선 96">
+            <a:extLst>
+              <a:ext uri="{FF2B5EF4-FFF2-40B4-BE49-F238E27FC236}">
+                <a16:creationId xmlns:a16="http://schemas.microsoft.com/office/drawing/2014/main" id="{5BF80517-6D1E-40A3-9E86-9E705BE7DF14}"/>
+              </a:ext>
+            </a:extLst>
+          </p:cNvPr>
+          <p:cNvCxnSpPr>
+            <a:cxnSpLocks/>
+            <a:stCxn id="12" idx="3"/>
+          </p:cNvCxnSpPr>
+          <p:nvPr/>
+        </p:nvCxnSpPr>
+        <p:spPr>
+          <a:xfrm flipV="1">
+            <a:off x="5299258" y="3087462"/>
+            <a:ext cx="831622" cy="3553"/>
+          </a:xfrm>
+          <a:prstGeom prst="line">
+            <a:avLst/>
+          </a:prstGeom>
+          <a:ln w="38100">
+            <a:solidFill>
+              <a:srgbClr val="00B050"/>
+            </a:solidFill>
+          </a:ln>
+        </p:spPr>
+        <p:style>
+          <a:lnRef idx="1">
+            <a:schemeClr val="accent1"/>
+          </a:lnRef>
+          <a:fillRef idx="0">
+            <a:schemeClr val="accent1"/>
+          </a:fillRef>
+          <a:effectRef idx="0">
+            <a:schemeClr val="accent1"/>
+          </a:effectRef>
+          <a:fontRef idx="minor">
+            <a:schemeClr val="tx1"/>
+          </a:fontRef>
+        </p:style>
+      </p:cxnSp>
+      <p:cxnSp>
+        <p:nvCxnSpPr>
+          <p:cNvPr id="100" name="직선 연결선 99">
+            <a:extLst>
+              <a:ext uri="{FF2B5EF4-FFF2-40B4-BE49-F238E27FC236}">
+                <a16:creationId xmlns:a16="http://schemas.microsoft.com/office/drawing/2014/main" id="{F7BC9513-CED9-4EDC-AE22-0B7BE0CB439B}"/>
+              </a:ext>
+            </a:extLst>
+          </p:cNvPr>
+          <p:cNvCxnSpPr>
+            <a:cxnSpLocks/>
+          </p:cNvCxnSpPr>
+          <p:nvPr/>
+        </p:nvCxnSpPr>
+        <p:spPr>
+          <a:xfrm>
+            <a:off x="6121354" y="3063128"/>
+            <a:ext cx="9947" cy="468000"/>
+          </a:xfrm>
+          <a:prstGeom prst="line">
+            <a:avLst/>
+          </a:prstGeom>
+          <a:ln w="38100">
+            <a:solidFill>
+              <a:srgbClr val="00B050"/>
+            </a:solidFill>
+          </a:ln>
+        </p:spPr>
+        <p:style>
+          <a:lnRef idx="1">
+            <a:schemeClr val="accent1"/>
+          </a:lnRef>
+          <a:fillRef idx="0">
+            <a:schemeClr val="accent1"/>
+          </a:fillRef>
+          <a:effectRef idx="0">
+            <a:schemeClr val="accent1"/>
+          </a:effectRef>
+          <a:fontRef idx="minor">
+            <a:schemeClr val="tx1"/>
+          </a:fontRef>
+        </p:style>
+      </p:cxnSp>
+      <p:cxnSp>
+        <p:nvCxnSpPr>
+          <p:cNvPr id="59" name="직선 화살표 연결선 58">
+            <a:extLst>
+              <a:ext uri="{FF2B5EF4-FFF2-40B4-BE49-F238E27FC236}">
+                <a16:creationId xmlns:a16="http://schemas.microsoft.com/office/drawing/2014/main" id="{FBEF38DB-F402-4A5E-B344-620C2CB57A72}"/>
+              </a:ext>
+            </a:extLst>
+          </p:cNvPr>
+          <p:cNvCxnSpPr>
+            <a:cxnSpLocks/>
+          </p:cNvCxnSpPr>
+          <p:nvPr/>
+        </p:nvCxnSpPr>
+        <p:spPr>
+          <a:xfrm flipV="1">
+            <a:off x="6105525" y="3539249"/>
+            <a:ext cx="828000" cy="4400"/>
+          </a:xfrm>
+          <a:prstGeom prst="straightConnector1">
+            <a:avLst/>
+          </a:prstGeom>
+          <a:ln w="38100">
+            <a:solidFill>
+              <a:srgbClr val="0070C0"/>
+            </a:solidFill>
+            <a:tailEnd type="triangle"/>
+          </a:ln>
+        </p:spPr>
+        <p:style>
+          <a:lnRef idx="1">
+            <a:schemeClr val="accent1"/>
+          </a:lnRef>
+          <a:fillRef idx="0">
+            <a:schemeClr val="accent1"/>
+          </a:fillRef>
+          <a:effectRef idx="0">
+            <a:schemeClr val="accent1"/>
+          </a:effectRef>
+          <a:fontRef idx="minor">
+            <a:schemeClr val="tx1"/>
+          </a:fontRef>
+        </p:style>
+      </p:cxnSp>
+      <p:sp>
+        <p:nvSpPr>
+          <p:cNvPr id="102" name="직사각형 101">
+            <a:extLst>
+              <a:ext uri="{FF2B5EF4-FFF2-40B4-BE49-F238E27FC236}">
+                <a16:creationId xmlns:a16="http://schemas.microsoft.com/office/drawing/2014/main" id="{C4260689-D879-4EC4-A059-0240EB0227F3}"/>
+              </a:ext>
+            </a:extLst>
+          </p:cNvPr>
+          <p:cNvSpPr/>
+          <p:nvPr/>
+        </p:nvSpPr>
+        <p:spPr>
+          <a:xfrm>
+            <a:off x="6928598" y="4165406"/>
+            <a:ext cx="968188" cy="263587"/>
+          </a:xfrm>
+          <a:prstGeom prst="rect">
+            <a:avLst/>
+          </a:prstGeom>
+          <a:solidFill>
+            <a:schemeClr val="tx1">
+              <a:lumMod val="85000"/>
+            </a:schemeClr>
+          </a:solidFill>
+        </p:spPr>
+        <p:style>
+          <a:lnRef idx="2">
+            <a:schemeClr val="accent1">
+              <a:shade val="50000"/>
+            </a:schemeClr>
+          </a:lnRef>
+          <a:fillRef idx="1">
+            <a:schemeClr val="accent1"/>
+          </a:fillRef>
+          <a:effectRef idx="0">
+            <a:schemeClr val="accent1"/>
+          </a:effectRef>
+          <a:fontRef idx="minor">
+            <a:schemeClr val="lt1"/>
+          </a:fontRef>
+        </p:style>
+        <p:txBody>
+          <a:bodyPr rtlCol="0" anchor="ctr"/>
+          <a:lstStyle/>
+          <a:p>
+            <a:pPr algn="ctr"/>
+            <a:r>
+              <a:rPr lang="ko-KR" altLang="en-US" dirty="0">
+                <a:solidFill>
+                  <a:sysClr val="windowText" lastClr="000000"/>
+                </a:solidFill>
+              </a:rPr>
+              <a:t>나가기</a:t>
+            </a:r>
+          </a:p>
+        </p:txBody>
+      </p:sp>
     </p:spTree>
     <p:extLst>
       <p:ext uri="{BB962C8B-B14F-4D97-AF65-F5344CB8AC3E}">

--- a/기획단계/졸작 제안서_α.pptx
+++ b/기획단계/졸작 제안서_α.pptx
@@ -6450,7 +6450,7 @@
                 <a:latin typeface="HY헤드라인M" panose="02030600000101010101" pitchFamily="18" charset="-127"/>
                 <a:ea typeface="HY헤드라인M" panose="02030600000101010101" pitchFamily="18" charset="-127"/>
               </a:rPr>
-              <a:t>친숙하고 간단한 조작방식으로 낮아지는 진입 장벽</a:t>
+              <a:t>간단한 조작과 통일된 탈 것으로 진입장벽을 낮춤</a:t>
             </a:r>
             <a:endParaRPr lang="en-US" altLang="ko-KR" sz="2400" dirty="0">
               <a:latin typeface="HY헤드라인M" panose="02030600000101010101" pitchFamily="18" charset="-127"/>
@@ -6825,14 +6825,14 @@
           <p:nvPr>
             <p:extLst>
               <p:ext uri="{D42A27DB-BD31-4B8C-83A1-F6EECF244321}">
-                <p14:modId xmlns:p14="http://schemas.microsoft.com/office/powerpoint/2010/main" val="231538572"/>
+                <p14:modId xmlns:p14="http://schemas.microsoft.com/office/powerpoint/2010/main" val="662057820"/>
               </p:ext>
             </p:extLst>
           </p:nvPr>
         </p:nvGraphicFramePr>
         <p:xfrm>
-          <a:off x="501445" y="1889170"/>
-          <a:ext cx="11185930" cy="4712136"/>
+          <a:off x="503035" y="1790558"/>
+          <a:ext cx="11185930" cy="4889123"/>
         </p:xfrm>
         <a:graphic>
           <a:graphicData uri="http://schemas.openxmlformats.org/drawingml/2006/table">
@@ -15035,6 +15035,43 @@
                         </a:rPr>
                         <a:t>네트워크 동기화</a:t>
                       </a:r>
+                      <a:endParaRPr lang="en-US" altLang="ko-KR" sz="1200" b="1" kern="0" spc="0" dirty="0">
+                        <a:solidFill>
+                          <a:schemeClr val="bg1"/>
+                        </a:solidFill>
+                        <a:latin typeface="+mn-ea"/>
+                        <a:ea typeface="+mn-ea"/>
+                      </a:endParaRPr>
+                    </a:p>
+                    <a:p>
+                      <a:pPr marL="0" marR="0" indent="0" algn="ctr" fontAlgn="base" latinLnBrk="0">
+                        <a:lnSpc>
+                          <a:spcPct val="160000"/>
+                        </a:lnSpc>
+                        <a:spcBef>
+                          <a:spcPts val="0"/>
+                        </a:spcBef>
+                        <a:spcAft>
+                          <a:spcPts val="0"/>
+                        </a:spcAft>
+                      </a:pPr>
+                      <a:r>
+                        <a:rPr lang="en-US" altLang="ko-KR" sz="1200" b="1" kern="0" spc="0" dirty="0">
+                          <a:solidFill>
+                            <a:schemeClr val="bg1"/>
+                          </a:solidFill>
+                          <a:latin typeface="+mn-ea"/>
+                          <a:ea typeface="+mn-ea"/>
+                        </a:rPr>
+                        <a:t>DB</a:t>
+                      </a:r>
+                      <a:endParaRPr lang="ko-KR" altLang="en-US" sz="1200" b="1" kern="0" spc="0" dirty="0">
+                        <a:solidFill>
+                          <a:schemeClr val="bg1"/>
+                        </a:solidFill>
+                        <a:latin typeface="+mn-ea"/>
+                        <a:ea typeface="+mn-ea"/>
+                      </a:endParaRPr>
                     </a:p>
                   </a:txBody>
                   <a:tcPr marL="63779" marR="63779" marT="17417" marB="17417" anchor="ctr">
@@ -17084,10 +17121,13 @@
               </a:rPr>
               <a:t>서버</a:t>
             </a:r>
-            <a:endParaRPr lang="en-US" altLang="ko-KR" sz="1100" dirty="0">
-              <a:latin typeface="HY헤드라인M" panose="02030600000101010101" pitchFamily="18" charset="-127"/>
-              <a:ea typeface="HY헤드라인M" panose="02030600000101010101" pitchFamily="18" charset="-127"/>
-            </a:endParaRPr>
+            <a:r>
+              <a:rPr lang="en-US" altLang="ko-KR" sz="1100" dirty="0">
+                <a:latin typeface="HY헤드라인M" panose="02030600000101010101" pitchFamily="18" charset="-127"/>
+                <a:ea typeface="HY헤드라인M" panose="02030600000101010101" pitchFamily="18" charset="-127"/>
+              </a:rPr>
+              <a:t>, DB</a:t>
+            </a:r>
           </a:p>
           <a:p>
             <a:r>
@@ -19976,6 +20016,12 @@
           <a:prstGeom prst="rect">
             <a:avLst/>
           </a:prstGeom>
+          <a:blipFill>
+            <a:blip r:embed="rId2"/>
+            <a:stretch>
+              <a:fillRect/>
+            </a:stretch>
+          </a:blipFill>
           <a:ln w="38100">
             <a:solidFill>
               <a:schemeClr val="tx1">
@@ -20005,10 +20051,7 @@
           <a:lstStyle/>
           <a:p>
             <a:pPr algn="ctr"/>
-            <a:r>
-              <a:rPr lang="ko-KR" altLang="en-US" dirty="0"/>
-              <a:t>게임 플레이를 나타낼 수 있는 이미지</a:t>
-            </a:r>
+            <a:endParaRPr lang="ko-KR" altLang="en-US" dirty="0"/>
           </a:p>
         </p:txBody>
       </p:sp>
@@ -20032,6 +20075,12 @@
           <a:prstGeom prst="rect">
             <a:avLst/>
           </a:prstGeom>
+          <a:blipFill>
+            <a:blip r:embed="rId3"/>
+            <a:stretch>
+              <a:fillRect/>
+            </a:stretch>
+          </a:blipFill>
           <a:ln w="38100">
             <a:solidFill>
               <a:schemeClr val="tx1">
@@ -20061,10 +20110,7 @@
           <a:lstStyle/>
           <a:p>
             <a:pPr algn="ctr"/>
-            <a:r>
-              <a:rPr lang="ko-KR" altLang="en-US" dirty="0"/>
-              <a:t>게임 플레이를 나타낼 수 있는 이미지</a:t>
-            </a:r>
+            <a:endParaRPr lang="ko-KR" altLang="en-US" dirty="0"/>
           </a:p>
         </p:txBody>
       </p:sp>

--- a/기획단계/졸작 제안서_α.pptx
+++ b/기획단계/졸작 제안서_α.pptx
@@ -308,7 +308,7 @@
             <a:fld id="{B61BEF0D-F0BB-DE4B-95CE-6DB70DBA9567}" type="datetimeFigureOut">
               <a:rPr lang="en-US" smtClean="0"/>
               <a:pPr/>
-              <a:t>11/26/2019</a:t>
+              <a:t>12/2/2019</a:t>
             </a:fld>
             <a:endParaRPr lang="en-US" dirty="0"/>
           </a:p>
@@ -537,7 +537,7 @@
           <a:p>
             <a:fld id="{55C6B4A9-1611-4792-9094-5F34BCA07E0B}" type="datetimeFigureOut">
               <a:rPr lang="en-US" smtClean="0"/>
-              <a:t>11/26/2019</a:t>
+              <a:t>12/2/2019</a:t>
             </a:fld>
             <a:endParaRPr lang="en-US" dirty="0"/>
           </a:p>
@@ -718,7 +718,7 @@
             <a:fld id="{B61BEF0D-F0BB-DE4B-95CE-6DB70DBA9567}" type="datetimeFigureOut">
               <a:rPr lang="en-US" smtClean="0"/>
               <a:pPr/>
-              <a:t>11/26/2019</a:t>
+              <a:t>12/2/2019</a:t>
             </a:fld>
             <a:endParaRPr lang="en-US" dirty="0"/>
           </a:p>
@@ -889,7 +889,7 @@
           <a:p>
             <a:fld id="{42A54C80-263E-416B-A8E0-580EDEADCBDC}" type="datetimeFigureOut">
               <a:rPr lang="en-US" smtClean="0"/>
-              <a:t>11/26/2019</a:t>
+              <a:t>12/2/2019</a:t>
             </a:fld>
             <a:endParaRPr lang="en-US" dirty="0"/>
           </a:p>
@@ -1144,7 +1144,7 @@
             <a:fld id="{B61BEF0D-F0BB-DE4B-95CE-6DB70DBA9567}" type="datetimeFigureOut">
               <a:rPr lang="en-US" smtClean="0"/>
               <a:pPr/>
-              <a:t>11/26/2019</a:t>
+              <a:t>12/2/2019</a:t>
             </a:fld>
             <a:endParaRPr lang="en-US" dirty="0"/>
           </a:p>
@@ -1471,7 +1471,7 @@
           <a:p>
             <a:fld id="{42A54C80-263E-416B-A8E0-580EDEADCBDC}" type="datetimeFigureOut">
               <a:rPr lang="en-US" smtClean="0"/>
-              <a:t>11/26/2019</a:t>
+              <a:t>12/2/2019</a:t>
             </a:fld>
             <a:endParaRPr lang="en-US" dirty="0"/>
           </a:p>
@@ -1923,7 +1923,7 @@
             <a:fld id="{B61BEF0D-F0BB-DE4B-95CE-6DB70DBA9567}" type="datetimeFigureOut">
               <a:rPr lang="en-US" smtClean="0"/>
               <a:pPr/>
-              <a:t>11/26/2019</a:t>
+              <a:t>12/2/2019</a:t>
             </a:fld>
             <a:endParaRPr lang="en-US" dirty="0"/>
           </a:p>
@@ -2043,7 +2043,7 @@
             <a:fld id="{B61BEF0D-F0BB-DE4B-95CE-6DB70DBA9567}" type="datetimeFigureOut">
               <a:rPr lang="en-US" smtClean="0"/>
               <a:pPr/>
-              <a:t>11/26/2019</a:t>
+              <a:t>12/2/2019</a:t>
             </a:fld>
             <a:endParaRPr lang="en-US" dirty="0"/>
           </a:p>
@@ -2140,7 +2140,7 @@
             <a:fld id="{B61BEF0D-F0BB-DE4B-95CE-6DB70DBA9567}" type="datetimeFigureOut">
               <a:rPr lang="en-US" smtClean="0"/>
               <a:pPr/>
-              <a:t>11/26/2019</a:t>
+              <a:t>12/2/2019</a:t>
             </a:fld>
             <a:endParaRPr lang="en-US" dirty="0"/>
           </a:p>
@@ -2428,7 +2428,7 @@
           <a:p>
             <a:fld id="{42A54C80-263E-416B-A8E0-580EDEADCBDC}" type="datetimeFigureOut">
               <a:rPr lang="en-US" smtClean="0"/>
-              <a:t>11/26/2019</a:t>
+              <a:t>12/2/2019</a:t>
             </a:fld>
             <a:endParaRPr lang="en-US" dirty="0"/>
           </a:p>
@@ -2751,7 +2751,7 @@
             <a:fld id="{B61BEF0D-F0BB-DE4B-95CE-6DB70DBA9567}" type="datetimeFigureOut">
               <a:rPr lang="en-US" smtClean="0"/>
               <a:pPr/>
-              <a:t>11/26/2019</a:t>
+              <a:t>12/2/2019</a:t>
             </a:fld>
             <a:endParaRPr lang="en-US" dirty="0"/>
           </a:p>
@@ -3007,7 +3007,7 @@
             <a:fld id="{B61BEF0D-F0BB-DE4B-95CE-6DB70DBA9567}" type="datetimeFigureOut">
               <a:rPr lang="en-US" smtClean="0"/>
               <a:pPr/>
-              <a:t>11/26/2019</a:t>
+              <a:t>12/2/2019</a:t>
             </a:fld>
             <a:endParaRPr lang="en-US" dirty="0"/>
           </a:p>
@@ -4166,7 +4166,7 @@
                 <a:latin typeface="HY헤드라인M" panose="02030600000101010101" pitchFamily="18" charset="-127"/>
                 <a:ea typeface="HY헤드라인M" panose="02030600000101010101" pitchFamily="18" charset="-127"/>
               </a:rPr>
-              <a:t>조화진동을 이용한 카메라</a:t>
+              <a:t>물리엔진을 사용한 카메라</a:t>
             </a:r>
             <a:endParaRPr lang="en-US" altLang="ko-KR" sz="2400" dirty="0">
               <a:latin typeface="HY헤드라인M" panose="02030600000101010101" pitchFamily="18" charset="-127"/>
@@ -5893,7 +5893,7 @@
                 <a:latin typeface="HY헤드라인M" panose="02030600000101010101" pitchFamily="18" charset="-127"/>
                 <a:ea typeface="HY헤드라인M" panose="02030600000101010101" pitchFamily="18" charset="-127"/>
               </a:rPr>
-              <a:t>조화진동을 이용한 카메라</a:t>
+              <a:t>반동을 구현한 카메라</a:t>
             </a:r>
             <a:endParaRPr lang="en-US" altLang="ko-KR" sz="2000" dirty="0">
               <a:latin typeface="HY헤드라인M" panose="02030600000101010101" pitchFamily="18" charset="-127"/>
@@ -6825,7 +6825,7 @@
           <p:nvPr>
             <p:extLst>
               <p:ext uri="{D42A27DB-BD31-4B8C-83A1-F6EECF244321}">
-                <p14:modId xmlns:p14="http://schemas.microsoft.com/office/powerpoint/2010/main" val="662057820"/>
+                <p14:modId xmlns:p14="http://schemas.microsoft.com/office/powerpoint/2010/main" val="1963172972"/>
               </p:ext>
             </p:extLst>
           </p:nvPr>
@@ -8203,7 +8203,7 @@
                     </a:solidFill>
                   </a:tcPr>
                 </a:tc>
-                <a:tc rowSpan="13">
+                <a:tc rowSpan="12">
                   <a:txBody>
                     <a:bodyPr/>
                     <a:lstStyle/>
@@ -8598,7 +8598,7 @@
                     </a:solidFill>
                   </a:tcPr>
                 </a:tc>
-                <a:tc rowSpan="13">
+                <a:tc rowSpan="12">
                   <a:txBody>
                     <a:bodyPr/>
                     <a:lstStyle/>
@@ -8775,8 +8775,8 @@
                   </a:ext>
                 </a:extLst>
               </a:tr>
-              <a:tr h="330739">
-                <a:tc rowSpan="2">
+              <a:tr h="336655">
+                <a:tc>
                   <a:txBody>
                     <a:bodyPr/>
                     <a:lstStyle/>
@@ -8865,6 +8865,811 @@
                   </a:tcPr>
                 </a:tc>
                 <a:tc>
+                  <a:txBody>
+                    <a:bodyPr/>
+                    <a:lstStyle/>
+                    <a:p>
+                      <a:pPr marL="0" marR="0" indent="0" algn="just" fontAlgn="base" latinLnBrk="1">
+                        <a:lnSpc>
+                          <a:spcPct val="160000"/>
+                        </a:lnSpc>
+                        <a:spcBef>
+                          <a:spcPts val="0"/>
+                        </a:spcBef>
+                        <a:spcAft>
+                          <a:spcPts val="0"/>
+                        </a:spcAft>
+                      </a:pPr>
+                      <a:endParaRPr lang="ko-KR" altLang="en-US" sz="1200" b="1" kern="0" spc="0" dirty="0">
+                        <a:solidFill>
+                          <a:schemeClr val="bg1"/>
+                        </a:solidFill>
+                        <a:latin typeface="+mn-ea"/>
+                        <a:ea typeface="+mn-ea"/>
+                      </a:endParaRPr>
+                    </a:p>
+                  </a:txBody>
+                  <a:tcPr marL="63779" marR="63779" marT="17417" marB="17417" anchor="ctr">
+                    <a:lnL w="12700" cap="flat" cmpd="sng" algn="ctr">
+                      <a:solidFill>
+                        <a:schemeClr val="tx1"/>
+                      </a:solidFill>
+                      <a:prstDash val="solid"/>
+                      <a:round/>
+                      <a:headEnd type="none" w="med" len="med"/>
+                      <a:tailEnd type="none" w="med" len="med"/>
+                    </a:lnL>
+                    <a:lnR w="12700" cap="flat" cmpd="sng" algn="ctr">
+                      <a:solidFill>
+                        <a:schemeClr val="tx1"/>
+                      </a:solidFill>
+                      <a:prstDash val="solid"/>
+                      <a:round/>
+                      <a:headEnd type="none" w="med" len="med"/>
+                      <a:tailEnd type="none" w="med" len="med"/>
+                    </a:lnR>
+                    <a:lnT w="12700" cap="flat" cmpd="sng" algn="ctr">
+                      <a:solidFill>
+                        <a:schemeClr val="tx1"/>
+                      </a:solidFill>
+                      <a:prstDash val="solid"/>
+                      <a:round/>
+                      <a:headEnd type="none" w="med" len="med"/>
+                      <a:tailEnd type="none" w="med" len="med"/>
+                    </a:lnT>
+                    <a:lnB w="12700" cap="flat" cmpd="sng" algn="ctr">
+                      <a:solidFill>
+                        <a:schemeClr val="tx1"/>
+                      </a:solidFill>
+                      <a:prstDash val="solid"/>
+                      <a:round/>
+                      <a:headEnd type="none" w="med" len="med"/>
+                      <a:tailEnd type="none" w="med" len="med"/>
+                    </a:lnB>
+                    <a:lnTlToBr w="12700" cmpd="sng">
+                      <a:noFill/>
+                      <a:prstDash val="solid"/>
+                    </a:lnTlToBr>
+                    <a:lnBlToTr w="12700" cmpd="sng">
+                      <a:noFill/>
+                      <a:prstDash val="solid"/>
+                    </a:lnBlToTr>
+                    <a:solidFill>
+                      <a:srgbClr val="545455"/>
+                    </a:solidFill>
+                  </a:tcPr>
+                </a:tc>
+                <a:tc>
+                  <a:txBody>
+                    <a:bodyPr/>
+                    <a:lstStyle/>
+                    <a:p>
+                      <a:pPr marL="0" marR="0" indent="0" algn="just" fontAlgn="base" latinLnBrk="1">
+                        <a:lnSpc>
+                          <a:spcPct val="160000"/>
+                        </a:lnSpc>
+                        <a:spcBef>
+                          <a:spcPts val="0"/>
+                        </a:spcBef>
+                        <a:spcAft>
+                          <a:spcPts val="0"/>
+                        </a:spcAft>
+                      </a:pPr>
+                      <a:endParaRPr lang="ko-KR" altLang="en-US" sz="1200" b="1" kern="0" spc="0" dirty="0">
+                        <a:solidFill>
+                          <a:schemeClr val="bg1"/>
+                        </a:solidFill>
+                        <a:latin typeface="+mn-ea"/>
+                        <a:ea typeface="+mn-ea"/>
+                      </a:endParaRPr>
+                    </a:p>
+                  </a:txBody>
+                  <a:tcPr marL="63779" marR="63779" marT="17417" marB="17417" anchor="ctr">
+                    <a:lnL w="12700" cap="flat" cmpd="sng" algn="ctr">
+                      <a:solidFill>
+                        <a:schemeClr val="tx1"/>
+                      </a:solidFill>
+                      <a:prstDash val="solid"/>
+                      <a:round/>
+                      <a:headEnd type="none" w="med" len="med"/>
+                      <a:tailEnd type="none" w="med" len="med"/>
+                    </a:lnL>
+                    <a:lnR w="12700" cap="flat" cmpd="sng" algn="ctr">
+                      <a:solidFill>
+                        <a:schemeClr val="tx1"/>
+                      </a:solidFill>
+                      <a:prstDash val="solid"/>
+                      <a:round/>
+                      <a:headEnd type="none" w="med" len="med"/>
+                      <a:tailEnd type="none" w="med" len="med"/>
+                    </a:lnR>
+                    <a:lnT w="12700" cap="flat" cmpd="sng" algn="ctr">
+                      <a:solidFill>
+                        <a:schemeClr val="tx1"/>
+                      </a:solidFill>
+                      <a:prstDash val="solid"/>
+                      <a:round/>
+                      <a:headEnd type="none" w="med" len="med"/>
+                      <a:tailEnd type="none" w="med" len="med"/>
+                    </a:lnT>
+                    <a:lnB w="12700" cap="flat" cmpd="sng" algn="ctr">
+                      <a:solidFill>
+                        <a:schemeClr val="tx1"/>
+                      </a:solidFill>
+                      <a:prstDash val="solid"/>
+                      <a:round/>
+                      <a:headEnd type="none" w="med" len="med"/>
+                      <a:tailEnd type="none" w="med" len="med"/>
+                    </a:lnB>
+                    <a:lnTlToBr w="12700" cmpd="sng">
+                      <a:noFill/>
+                      <a:prstDash val="solid"/>
+                    </a:lnTlToBr>
+                    <a:lnBlToTr w="12700" cmpd="sng">
+                      <a:noFill/>
+                      <a:prstDash val="solid"/>
+                    </a:lnBlToTr>
+                    <a:solidFill>
+                      <a:srgbClr val="618197"/>
+                    </a:solidFill>
+                  </a:tcPr>
+                </a:tc>
+                <a:tc>
+                  <a:txBody>
+                    <a:bodyPr/>
+                    <a:lstStyle/>
+                    <a:p>
+                      <a:pPr marL="0" marR="0" indent="0" algn="just" fontAlgn="base" latinLnBrk="1">
+                        <a:lnSpc>
+                          <a:spcPct val="160000"/>
+                        </a:lnSpc>
+                        <a:spcBef>
+                          <a:spcPts val="0"/>
+                        </a:spcBef>
+                        <a:spcAft>
+                          <a:spcPts val="0"/>
+                        </a:spcAft>
+                      </a:pPr>
+                      <a:endParaRPr lang="ko-KR" altLang="en-US" sz="1200" b="1" kern="0" spc="0" dirty="0">
+                        <a:solidFill>
+                          <a:schemeClr val="bg1"/>
+                        </a:solidFill>
+                        <a:latin typeface="+mn-ea"/>
+                        <a:ea typeface="+mn-ea"/>
+                      </a:endParaRPr>
+                    </a:p>
+                  </a:txBody>
+                  <a:tcPr marL="63779" marR="63779" marT="17417" marB="17417" anchor="ctr">
+                    <a:lnL w="12700" cap="flat" cmpd="sng" algn="ctr">
+                      <a:solidFill>
+                        <a:schemeClr val="tx1"/>
+                      </a:solidFill>
+                      <a:prstDash val="solid"/>
+                      <a:round/>
+                      <a:headEnd type="none" w="med" len="med"/>
+                      <a:tailEnd type="none" w="med" len="med"/>
+                    </a:lnL>
+                    <a:lnR w="12700" cap="flat" cmpd="sng" algn="ctr">
+                      <a:solidFill>
+                        <a:schemeClr val="tx1"/>
+                      </a:solidFill>
+                      <a:prstDash val="solid"/>
+                      <a:round/>
+                      <a:headEnd type="none" w="med" len="med"/>
+                      <a:tailEnd type="none" w="med" len="med"/>
+                    </a:lnR>
+                    <a:lnT w="12700" cap="flat" cmpd="sng" algn="ctr">
+                      <a:solidFill>
+                        <a:schemeClr val="tx1"/>
+                      </a:solidFill>
+                      <a:prstDash val="solid"/>
+                      <a:round/>
+                      <a:headEnd type="none" w="med" len="med"/>
+                      <a:tailEnd type="none" w="med" len="med"/>
+                    </a:lnT>
+                    <a:lnB w="12700" cap="flat" cmpd="sng" algn="ctr">
+                      <a:solidFill>
+                        <a:schemeClr val="tx1"/>
+                      </a:solidFill>
+                      <a:prstDash val="solid"/>
+                      <a:round/>
+                      <a:headEnd type="none" w="med" len="med"/>
+                      <a:tailEnd type="none" w="med" len="med"/>
+                    </a:lnB>
+                    <a:lnTlToBr w="12700" cmpd="sng">
+                      <a:noFill/>
+                      <a:prstDash val="solid"/>
+                    </a:lnTlToBr>
+                    <a:lnBlToTr w="12700" cmpd="sng">
+                      <a:noFill/>
+                      <a:prstDash val="solid"/>
+                    </a:lnBlToTr>
+                    <a:solidFill>
+                      <a:srgbClr val="618197"/>
+                    </a:solidFill>
+                  </a:tcPr>
+                </a:tc>
+                <a:tc>
+                  <a:txBody>
+                    <a:bodyPr/>
+                    <a:lstStyle/>
+                    <a:p>
+                      <a:pPr marL="0" marR="0" indent="0" algn="just" fontAlgn="base" latinLnBrk="1">
+                        <a:lnSpc>
+                          <a:spcPct val="160000"/>
+                        </a:lnSpc>
+                        <a:spcBef>
+                          <a:spcPts val="0"/>
+                        </a:spcBef>
+                        <a:spcAft>
+                          <a:spcPts val="0"/>
+                        </a:spcAft>
+                      </a:pPr>
+                      <a:endParaRPr lang="ko-KR" altLang="en-US" sz="1200" b="1" kern="0" spc="0" dirty="0">
+                        <a:solidFill>
+                          <a:schemeClr val="bg1"/>
+                        </a:solidFill>
+                        <a:latin typeface="+mn-ea"/>
+                        <a:ea typeface="+mn-ea"/>
+                      </a:endParaRPr>
+                    </a:p>
+                  </a:txBody>
+                  <a:tcPr marL="63779" marR="63779" marT="17417" marB="17417" anchor="ctr">
+                    <a:lnL w="12700" cap="flat" cmpd="sng" algn="ctr">
+                      <a:solidFill>
+                        <a:schemeClr val="tx1"/>
+                      </a:solidFill>
+                      <a:prstDash val="solid"/>
+                      <a:round/>
+                      <a:headEnd type="none" w="med" len="med"/>
+                      <a:tailEnd type="none" w="med" len="med"/>
+                    </a:lnL>
+                    <a:lnR w="12700" cap="flat" cmpd="sng" algn="ctr">
+                      <a:solidFill>
+                        <a:schemeClr val="tx1"/>
+                      </a:solidFill>
+                      <a:prstDash val="solid"/>
+                      <a:round/>
+                      <a:headEnd type="none" w="med" len="med"/>
+                      <a:tailEnd type="none" w="med" len="med"/>
+                    </a:lnR>
+                    <a:lnT w="12700" cap="flat" cmpd="sng" algn="ctr">
+                      <a:solidFill>
+                        <a:schemeClr val="tx1"/>
+                      </a:solidFill>
+                      <a:prstDash val="solid"/>
+                      <a:round/>
+                      <a:headEnd type="none" w="med" len="med"/>
+                      <a:tailEnd type="none" w="med" len="med"/>
+                    </a:lnT>
+                    <a:lnB w="12700" cap="flat" cmpd="sng" algn="ctr">
+                      <a:solidFill>
+                        <a:schemeClr val="tx1"/>
+                      </a:solidFill>
+                      <a:prstDash val="solid"/>
+                      <a:round/>
+                      <a:headEnd type="none" w="med" len="med"/>
+                      <a:tailEnd type="none" w="med" len="med"/>
+                    </a:lnB>
+                    <a:lnTlToBr w="12700" cmpd="sng">
+                      <a:noFill/>
+                      <a:prstDash val="solid"/>
+                    </a:lnTlToBr>
+                    <a:lnBlToTr w="12700" cmpd="sng">
+                      <a:noFill/>
+                      <a:prstDash val="solid"/>
+                    </a:lnBlToTr>
+                    <a:solidFill>
+                      <a:srgbClr val="618197"/>
+                    </a:solidFill>
+                  </a:tcPr>
+                </a:tc>
+                <a:tc>
+                  <a:txBody>
+                    <a:bodyPr/>
+                    <a:lstStyle/>
+                    <a:p>
+                      <a:pPr marL="0" marR="0" indent="0" algn="just" fontAlgn="base" latinLnBrk="1">
+                        <a:lnSpc>
+                          <a:spcPct val="160000"/>
+                        </a:lnSpc>
+                        <a:spcBef>
+                          <a:spcPts val="0"/>
+                        </a:spcBef>
+                        <a:spcAft>
+                          <a:spcPts val="0"/>
+                        </a:spcAft>
+                      </a:pPr>
+                      <a:endParaRPr lang="ko-KR" altLang="en-US" sz="1200" b="1" kern="0" spc="0" dirty="0">
+                        <a:solidFill>
+                          <a:schemeClr val="bg1"/>
+                        </a:solidFill>
+                        <a:latin typeface="+mn-ea"/>
+                        <a:ea typeface="+mn-ea"/>
+                      </a:endParaRPr>
+                    </a:p>
+                  </a:txBody>
+                  <a:tcPr marL="63779" marR="63779" marT="17417" marB="17417" anchor="ctr">
+                    <a:lnL w="12700" cap="flat" cmpd="sng" algn="ctr">
+                      <a:solidFill>
+                        <a:schemeClr val="tx1"/>
+                      </a:solidFill>
+                      <a:prstDash val="solid"/>
+                      <a:round/>
+                      <a:headEnd type="none" w="med" len="med"/>
+                      <a:tailEnd type="none" w="med" len="med"/>
+                    </a:lnL>
+                    <a:lnR w="12700" cap="flat" cmpd="sng" algn="ctr">
+                      <a:solidFill>
+                        <a:schemeClr val="tx1"/>
+                      </a:solidFill>
+                      <a:prstDash val="solid"/>
+                      <a:round/>
+                      <a:headEnd type="none" w="med" len="med"/>
+                      <a:tailEnd type="none" w="med" len="med"/>
+                    </a:lnR>
+                    <a:lnT w="12700" cap="flat" cmpd="sng" algn="ctr">
+                      <a:solidFill>
+                        <a:schemeClr val="tx1"/>
+                      </a:solidFill>
+                      <a:prstDash val="solid"/>
+                      <a:round/>
+                      <a:headEnd type="none" w="med" len="med"/>
+                      <a:tailEnd type="none" w="med" len="med"/>
+                    </a:lnT>
+                    <a:lnB w="12700" cap="flat" cmpd="sng" algn="ctr">
+                      <a:solidFill>
+                        <a:schemeClr val="tx1"/>
+                      </a:solidFill>
+                      <a:prstDash val="solid"/>
+                      <a:round/>
+                      <a:headEnd type="none" w="med" len="med"/>
+                      <a:tailEnd type="none" w="med" len="med"/>
+                    </a:lnB>
+                    <a:lnTlToBr w="12700" cmpd="sng">
+                      <a:noFill/>
+                      <a:prstDash val="solid"/>
+                    </a:lnTlToBr>
+                    <a:lnBlToTr w="12700" cmpd="sng">
+                      <a:noFill/>
+                      <a:prstDash val="solid"/>
+                    </a:lnBlToTr>
+                    <a:solidFill>
+                      <a:srgbClr val="618197"/>
+                    </a:solidFill>
+                  </a:tcPr>
+                </a:tc>
+                <a:tc vMerge="1">
+                  <a:txBody>
+                    <a:bodyPr/>
+                    <a:lstStyle/>
+                    <a:p>
+                      <a:pPr latinLnBrk="1"/>
+                      <a:endParaRPr lang="ko-KR" altLang="en-US"/>
+                    </a:p>
+                  </a:txBody>
+                  <a:tcPr>
+                    <a:lnL w="12700" cap="flat" cmpd="sng" algn="ctr">
+                      <a:solidFill>
+                        <a:schemeClr val="tx1"/>
+                      </a:solidFill>
+                      <a:prstDash val="solid"/>
+                      <a:round/>
+                      <a:headEnd type="none" w="med" len="med"/>
+                      <a:tailEnd type="none" w="med" len="med"/>
+                    </a:lnL>
+                  </a:tcPr>
+                </a:tc>
+                <a:tc>
+                  <a:txBody>
+                    <a:bodyPr/>
+                    <a:lstStyle/>
+                    <a:p>
+                      <a:pPr latinLnBrk="1"/>
+                      <a:endParaRPr lang="ko-KR" altLang="en-US" dirty="0"/>
+                    </a:p>
+                  </a:txBody>
+                  <a:tcPr marL="63779" marR="63779" marT="17417" marB="17417" anchor="ctr">
+                    <a:lnR w="12700" cap="flat" cmpd="sng" algn="ctr">
+                      <a:solidFill>
+                        <a:schemeClr val="tx1"/>
+                      </a:solidFill>
+                      <a:prstDash val="solid"/>
+                      <a:round/>
+                      <a:headEnd type="none" w="med" len="med"/>
+                      <a:tailEnd type="none" w="med" len="med"/>
+                    </a:lnR>
+                    <a:lnT w="12700" cap="flat" cmpd="sng" algn="ctr">
+                      <a:solidFill>
+                        <a:schemeClr val="tx1"/>
+                      </a:solidFill>
+                      <a:prstDash val="solid"/>
+                      <a:round/>
+                      <a:headEnd type="none" w="med" len="med"/>
+                      <a:tailEnd type="none" w="med" len="med"/>
+                    </a:lnT>
+                    <a:lnB w="12700" cap="flat" cmpd="sng" algn="ctr">
+                      <a:solidFill>
+                        <a:schemeClr val="tx1"/>
+                      </a:solidFill>
+                      <a:prstDash val="solid"/>
+                      <a:round/>
+                      <a:headEnd type="none" w="med" len="med"/>
+                      <a:tailEnd type="none" w="med" len="med"/>
+                    </a:lnB>
+                    <a:lnTlToBr w="12700" cmpd="sng">
+                      <a:noFill/>
+                      <a:prstDash val="solid"/>
+                    </a:lnTlToBr>
+                    <a:lnBlToTr w="12700" cmpd="sng">
+                      <a:noFill/>
+                      <a:prstDash val="solid"/>
+                    </a:lnBlToTr>
+                    <a:solidFill>
+                      <a:srgbClr val="618197"/>
+                    </a:solidFill>
+                  </a:tcPr>
+                </a:tc>
+                <a:tc>
+                  <a:txBody>
+                    <a:bodyPr/>
+                    <a:lstStyle/>
+                    <a:p>
+                      <a:pPr marL="0" marR="0" indent="0" algn="just" fontAlgn="base" latinLnBrk="1">
+                        <a:lnSpc>
+                          <a:spcPct val="160000"/>
+                        </a:lnSpc>
+                        <a:spcBef>
+                          <a:spcPts val="0"/>
+                        </a:spcBef>
+                        <a:spcAft>
+                          <a:spcPts val="0"/>
+                        </a:spcAft>
+                      </a:pPr>
+                      <a:endParaRPr lang="ko-KR" altLang="en-US" sz="1200" b="1" kern="0" spc="0" dirty="0">
+                        <a:solidFill>
+                          <a:schemeClr val="bg1"/>
+                        </a:solidFill>
+                        <a:latin typeface="+mn-ea"/>
+                        <a:ea typeface="+mn-ea"/>
+                      </a:endParaRPr>
+                    </a:p>
+                  </a:txBody>
+                  <a:tcPr marL="63779" marR="63779" marT="17417" marB="17417" anchor="ctr">
+                    <a:lnL w="12700" cap="flat" cmpd="sng" algn="ctr">
+                      <a:solidFill>
+                        <a:schemeClr val="tx1"/>
+                      </a:solidFill>
+                      <a:prstDash val="solid"/>
+                      <a:round/>
+                      <a:headEnd type="none" w="med" len="med"/>
+                      <a:tailEnd type="none" w="med" len="med"/>
+                    </a:lnL>
+                    <a:lnR w="12700" cap="flat" cmpd="sng" algn="ctr">
+                      <a:solidFill>
+                        <a:schemeClr val="tx1"/>
+                      </a:solidFill>
+                      <a:prstDash val="solid"/>
+                      <a:round/>
+                      <a:headEnd type="none" w="med" len="med"/>
+                      <a:tailEnd type="none" w="med" len="med"/>
+                    </a:lnR>
+                    <a:lnT w="12700" cap="flat" cmpd="sng" algn="ctr">
+                      <a:solidFill>
+                        <a:schemeClr val="tx1"/>
+                      </a:solidFill>
+                      <a:prstDash val="solid"/>
+                      <a:round/>
+                      <a:headEnd type="none" w="med" len="med"/>
+                      <a:tailEnd type="none" w="med" len="med"/>
+                    </a:lnT>
+                    <a:lnB w="12700" cap="flat" cmpd="sng" algn="ctr">
+                      <a:solidFill>
+                        <a:schemeClr val="tx1"/>
+                      </a:solidFill>
+                      <a:prstDash val="solid"/>
+                      <a:round/>
+                      <a:headEnd type="none" w="med" len="med"/>
+                      <a:tailEnd type="none" w="med" len="med"/>
+                    </a:lnB>
+                    <a:lnTlToBr w="12700" cmpd="sng">
+                      <a:noFill/>
+                      <a:prstDash val="solid"/>
+                    </a:lnTlToBr>
+                    <a:lnBlToTr w="12700" cmpd="sng">
+                      <a:noFill/>
+                      <a:prstDash val="solid"/>
+                    </a:lnBlToTr>
+                    <a:solidFill>
+                      <a:srgbClr val="545455"/>
+                    </a:solidFill>
+                  </a:tcPr>
+                </a:tc>
+                <a:tc>
+                  <a:txBody>
+                    <a:bodyPr/>
+                    <a:lstStyle/>
+                    <a:p>
+                      <a:pPr marL="0" marR="0" indent="0" algn="just" fontAlgn="base" latinLnBrk="1">
+                        <a:lnSpc>
+                          <a:spcPct val="160000"/>
+                        </a:lnSpc>
+                        <a:spcBef>
+                          <a:spcPts val="0"/>
+                        </a:spcBef>
+                        <a:spcAft>
+                          <a:spcPts val="0"/>
+                        </a:spcAft>
+                      </a:pPr>
+                      <a:endParaRPr lang="ko-KR" altLang="en-US" sz="1200" b="1" kern="0" spc="0" dirty="0">
+                        <a:solidFill>
+                          <a:schemeClr val="bg1"/>
+                        </a:solidFill>
+                        <a:latin typeface="+mn-ea"/>
+                        <a:ea typeface="+mn-ea"/>
+                      </a:endParaRPr>
+                    </a:p>
+                  </a:txBody>
+                  <a:tcPr marL="63779" marR="63779" marT="17417" marB="17417" anchor="ctr">
+                    <a:lnL w="12700" cap="flat" cmpd="sng" algn="ctr">
+                      <a:solidFill>
+                        <a:schemeClr val="tx1"/>
+                      </a:solidFill>
+                      <a:prstDash val="solid"/>
+                      <a:round/>
+                      <a:headEnd type="none" w="med" len="med"/>
+                      <a:tailEnd type="none" w="med" len="med"/>
+                    </a:lnL>
+                    <a:lnR w="12700" cap="flat" cmpd="sng" algn="ctr">
+                      <a:solidFill>
+                        <a:schemeClr val="tx1"/>
+                      </a:solidFill>
+                      <a:prstDash val="solid"/>
+                      <a:round/>
+                      <a:headEnd type="none" w="med" len="med"/>
+                      <a:tailEnd type="none" w="med" len="med"/>
+                    </a:lnR>
+                    <a:lnT w="12700" cap="flat" cmpd="sng" algn="ctr">
+                      <a:solidFill>
+                        <a:schemeClr val="tx1"/>
+                      </a:solidFill>
+                      <a:prstDash val="solid"/>
+                      <a:round/>
+                      <a:headEnd type="none" w="med" len="med"/>
+                      <a:tailEnd type="none" w="med" len="med"/>
+                    </a:lnT>
+                    <a:lnB w="12700" cap="flat" cmpd="sng" algn="ctr">
+                      <a:solidFill>
+                        <a:schemeClr val="tx1"/>
+                      </a:solidFill>
+                      <a:prstDash val="solid"/>
+                      <a:round/>
+                      <a:headEnd type="none" w="med" len="med"/>
+                      <a:tailEnd type="none" w="med" len="med"/>
+                    </a:lnB>
+                    <a:lnTlToBr w="12700" cmpd="sng">
+                      <a:noFill/>
+                      <a:prstDash val="solid"/>
+                    </a:lnTlToBr>
+                    <a:lnBlToTr w="12700" cmpd="sng">
+                      <a:noFill/>
+                      <a:prstDash val="solid"/>
+                    </a:lnBlToTr>
+                    <a:solidFill>
+                      <a:srgbClr val="545455"/>
+                    </a:solidFill>
+                  </a:tcPr>
+                </a:tc>
+                <a:tc vMerge="1">
+                  <a:txBody>
+                    <a:bodyPr/>
+                    <a:lstStyle/>
+                    <a:p>
+                      <a:pPr marL="0" marR="0" indent="0" algn="just" fontAlgn="base" latinLnBrk="1">
+                        <a:lnSpc>
+                          <a:spcPct val="160000"/>
+                        </a:lnSpc>
+                        <a:spcBef>
+                          <a:spcPts val="0"/>
+                        </a:spcBef>
+                        <a:spcAft>
+                          <a:spcPts val="0"/>
+                        </a:spcAft>
+                      </a:pPr>
+                      <a:endParaRPr lang="ko-KR" altLang="en-US" sz="1200" b="1" kern="0" spc="0" dirty="0">
+                        <a:solidFill>
+                          <a:schemeClr val="bg1"/>
+                        </a:solidFill>
+                        <a:latin typeface="+mn-ea"/>
+                        <a:ea typeface="+mn-ea"/>
+                      </a:endParaRPr>
+                    </a:p>
+                  </a:txBody>
+                  <a:tcPr marL="63779" marR="63779" marT="17417" marB="17417" anchor="ctr">
+                    <a:lnL w="12700" cap="flat" cmpd="sng" algn="ctr">
+                      <a:solidFill>
+                        <a:schemeClr val="tx1"/>
+                      </a:solidFill>
+                      <a:prstDash val="solid"/>
+                      <a:round/>
+                      <a:headEnd type="none" w="med" len="med"/>
+                      <a:tailEnd type="none" w="med" len="med"/>
+                    </a:lnL>
+                    <a:lnR w="3175" cap="flat" cmpd="sng" algn="ctr">
+                      <a:solidFill>
+                        <a:srgbClr val="000000"/>
+                      </a:solidFill>
+                      <a:prstDash val="solid"/>
+                      <a:round/>
+                      <a:headEnd type="none" w="med" len="med"/>
+                      <a:tailEnd type="none" w="med" len="med"/>
+                    </a:lnR>
+                    <a:lnT w="3175" cap="flat" cmpd="sng" algn="ctr">
+                      <a:solidFill>
+                        <a:srgbClr val="000000"/>
+                      </a:solidFill>
+                      <a:prstDash val="solid"/>
+                      <a:round/>
+                      <a:headEnd type="none" w="med" len="med"/>
+                      <a:tailEnd type="none" w="med" len="med"/>
+                    </a:lnT>
+                    <a:lnB w="3175" cap="flat" cmpd="sng" algn="ctr">
+                      <a:solidFill>
+                        <a:srgbClr val="000000"/>
+                      </a:solidFill>
+                      <a:prstDash val="solid"/>
+                      <a:round/>
+                      <a:headEnd type="none" w="med" len="med"/>
+                      <a:tailEnd type="none" w="med" len="med"/>
+                    </a:lnB>
+                  </a:tcPr>
+                </a:tc>
+                <a:extLst>
+                  <a:ext uri="{0D108BD9-81ED-4DB2-BD59-A6C34878D82A}">
+                    <a16:rowId xmlns:a16="http://schemas.microsoft.com/office/drawing/2014/main" val="10002"/>
+                  </a:ext>
+                </a:extLst>
+              </a:tr>
+              <a:tr h="633977">
+                <a:tc rowSpan="2">
+                  <a:txBody>
+                    <a:bodyPr/>
+                    <a:lstStyle/>
+                    <a:p>
+                      <a:pPr marL="0" marR="0" indent="0" algn="ctr" fontAlgn="base" latinLnBrk="0">
+                        <a:lnSpc>
+                          <a:spcPct val="160000"/>
+                        </a:lnSpc>
+                        <a:spcBef>
+                          <a:spcPts val="0"/>
+                        </a:spcBef>
+                        <a:spcAft>
+                          <a:spcPts val="0"/>
+                        </a:spcAft>
+                      </a:pPr>
+                      <a:r>
+                        <a:rPr lang="ko-KR" altLang="en-US" sz="1200" b="1" kern="0" spc="0" dirty="0">
+                          <a:solidFill>
+                            <a:schemeClr val="bg1"/>
+                          </a:solidFill>
+                          <a:latin typeface="+mn-ea"/>
+                          <a:ea typeface="+mn-ea"/>
+                        </a:rPr>
+                        <a:t>게임 로직</a:t>
+                      </a:r>
+                      <a:endParaRPr lang="en-US" altLang="ko-KR" sz="1200" b="1" kern="0" spc="0" dirty="0">
+                        <a:solidFill>
+                          <a:schemeClr val="bg1"/>
+                        </a:solidFill>
+                        <a:latin typeface="+mn-ea"/>
+                        <a:ea typeface="+mn-ea"/>
+                      </a:endParaRPr>
+                    </a:p>
+                    <a:p>
+                      <a:pPr marL="0" marR="0" indent="0" algn="ctr" fontAlgn="base" latinLnBrk="0">
+                        <a:lnSpc>
+                          <a:spcPct val="160000"/>
+                        </a:lnSpc>
+                        <a:spcBef>
+                          <a:spcPts val="0"/>
+                        </a:spcBef>
+                        <a:spcAft>
+                          <a:spcPts val="0"/>
+                        </a:spcAft>
+                      </a:pPr>
+                      <a:r>
+                        <a:rPr lang="en-US" altLang="ko-KR" sz="1200" b="1" kern="0" spc="0" dirty="0">
+                          <a:solidFill>
+                            <a:schemeClr val="bg1"/>
+                          </a:solidFill>
+                          <a:latin typeface="+mn-ea"/>
+                          <a:ea typeface="+mn-ea"/>
+                        </a:rPr>
+                        <a:t>[</a:t>
+                      </a:r>
+                      <a:r>
+                        <a:rPr lang="ko-KR" altLang="en-US" sz="1200" b="1" kern="0" spc="0" dirty="0" err="1">
+                          <a:solidFill>
+                            <a:schemeClr val="bg1"/>
+                          </a:solidFill>
+                          <a:latin typeface="+mn-ea"/>
+                          <a:ea typeface="+mn-ea"/>
+                        </a:rPr>
+                        <a:t>세분화해야함</a:t>
+                      </a:r>
+                      <a:r>
+                        <a:rPr lang="en-US" altLang="ko-KR" sz="1200" b="1" kern="0" spc="0" dirty="0">
+                          <a:solidFill>
+                            <a:schemeClr val="bg1"/>
+                          </a:solidFill>
+                          <a:latin typeface="+mn-ea"/>
+                          <a:ea typeface="+mn-ea"/>
+                        </a:rPr>
+                        <a:t>]</a:t>
+                      </a:r>
+                      <a:endParaRPr lang="ko-KR" altLang="en-US" sz="1200" b="1" kern="0" spc="0" dirty="0">
+                        <a:solidFill>
+                          <a:schemeClr val="bg1"/>
+                        </a:solidFill>
+                        <a:latin typeface="+mn-ea"/>
+                        <a:ea typeface="+mn-ea"/>
+                      </a:endParaRPr>
+                    </a:p>
+                  </a:txBody>
+                  <a:tcPr marL="63779" marR="63779" marT="17417" marB="17417" anchor="ctr">
+                    <a:lnL w="12700" cap="flat" cmpd="sng" algn="ctr">
+                      <a:solidFill>
+                        <a:schemeClr val="tx1"/>
+                      </a:solidFill>
+                      <a:prstDash val="solid"/>
+                      <a:round/>
+                      <a:headEnd type="none" w="med" len="med"/>
+                      <a:tailEnd type="none" w="med" len="med"/>
+                    </a:lnL>
+                    <a:lnR w="12700" cap="flat" cmpd="sng" algn="ctr">
+                      <a:solidFill>
+                        <a:schemeClr val="tx1"/>
+                      </a:solidFill>
+                      <a:prstDash val="solid"/>
+                      <a:round/>
+                      <a:headEnd type="none" w="med" len="med"/>
+                      <a:tailEnd type="none" w="med" len="med"/>
+                    </a:lnR>
+                    <a:lnT w="12700" cap="flat" cmpd="sng" algn="ctr">
+                      <a:solidFill>
+                        <a:schemeClr val="tx1"/>
+                      </a:solidFill>
+                      <a:prstDash val="solid"/>
+                      <a:round/>
+                      <a:headEnd type="none" w="med" len="med"/>
+                      <a:tailEnd type="none" w="med" len="med"/>
+                    </a:lnT>
+                    <a:lnB w="12700" cap="flat" cmpd="sng" algn="ctr">
+                      <a:solidFill>
+                        <a:schemeClr val="tx1"/>
+                      </a:solidFill>
+                      <a:prstDash val="solid"/>
+                      <a:round/>
+                      <a:headEnd type="none" w="med" len="med"/>
+                      <a:tailEnd type="none" w="med" len="med"/>
+                    </a:lnB>
+                    <a:lnTlToBr w="12700" cmpd="sng">
+                      <a:noFill/>
+                      <a:prstDash val="solid"/>
+                    </a:lnTlToBr>
+                    <a:lnBlToTr w="12700" cmpd="sng">
+                      <a:noFill/>
+                      <a:prstDash val="solid"/>
+                    </a:lnBlToTr>
+                    <a:solidFill>
+                      <a:schemeClr val="bg2">
+                        <a:lumMod val="40000"/>
+                        <a:lumOff val="60000"/>
+                      </a:schemeClr>
+                    </a:solidFill>
+                  </a:tcPr>
+                </a:tc>
+                <a:tc rowSpan="2">
                   <a:txBody>
                     <a:bodyPr/>
                     <a:lstStyle/>
@@ -9380,7 +10185,7 @@
                       <a:prstDash val="solid"/>
                     </a:lnBlToTr>
                     <a:solidFill>
-                      <a:srgbClr val="545455"/>
+                      <a:srgbClr val="92D050"/>
                     </a:solidFill>
                   </a:tcPr>
                 </a:tc>
@@ -9455,11 +10260,71 @@
                       <a:prstDash val="solid"/>
                     </a:lnBlToTr>
                     <a:solidFill>
-                      <a:srgbClr val="545455"/>
+                      <a:srgbClr val="92D050"/>
                     </a:solidFill>
                   </a:tcPr>
                 </a:tc>
                 <a:tc vMerge="1">
+                  <a:txBody>
+                    <a:bodyPr/>
+                    <a:lstStyle/>
+                    <a:p>
+                      <a:pPr latinLnBrk="1"/>
+                      <a:endParaRPr lang="ko-KR" altLang="en-US"/>
+                    </a:p>
+                  </a:txBody>
+                  <a:tcPr/>
+                </a:tc>
+                <a:extLst>
+                  <a:ext uri="{0D108BD9-81ED-4DB2-BD59-A6C34878D82A}">
+                    <a16:rowId xmlns:a16="http://schemas.microsoft.com/office/drawing/2014/main" val="1843171779"/>
+                  </a:ext>
+                </a:extLst>
+              </a:tr>
+              <a:tr h="210671">
+                <a:tc vMerge="1">
+                  <a:txBody>
+                    <a:bodyPr/>
+                    <a:lstStyle/>
+                    <a:p>
+                      <a:pPr latinLnBrk="1"/>
+                      <a:endParaRPr lang="ko-KR" altLang="en-US"/>
+                    </a:p>
+                  </a:txBody>
+                  <a:tcPr>
+                    <a:lnT w="12700" cap="flat" cmpd="sng" algn="ctr">
+                      <a:solidFill>
+                        <a:schemeClr val="tx1"/>
+                      </a:solidFill>
+                      <a:prstDash val="solid"/>
+                      <a:round/>
+                      <a:headEnd type="none" w="med" len="med"/>
+                      <a:tailEnd type="none" w="med" len="med"/>
+                    </a:lnT>
+                  </a:tcPr>
+                </a:tc>
+                <a:tc vMerge="1">
+                  <a:txBody>
+                    <a:bodyPr/>
+                    <a:lstStyle/>
+                    <a:p>
+                      <a:pPr latinLnBrk="1"/>
+                      <a:endParaRPr lang="ko-KR" altLang="en-US"/>
+                    </a:p>
+                  </a:txBody>
+                  <a:tcPr>
+                    <a:lnT w="12700" cap="flat" cmpd="sng" algn="ctr">
+                      <a:solidFill>
+                        <a:schemeClr val="tx1"/>
+                      </a:solidFill>
+                      <a:prstDash val="solid"/>
+                      <a:round/>
+                      <a:headEnd type="none" w="med" len="med"/>
+                      <a:tailEnd type="none" w="med" len="med"/>
+                    </a:lnT>
+                  </a:tcPr>
+                </a:tc>
+                <a:tc>
                   <a:txBody>
                     <a:bodyPr/>
                     <a:lstStyle/>
@@ -9485,172 +10350,6 @@
                     </a:p>
                   </a:txBody>
                   <a:tcPr marL="63779" marR="63779" marT="17417" marB="17417" anchor="ctr">
-                    <a:lnL w="3175" cap="flat" cmpd="sng" algn="ctr">
-                      <a:solidFill>
-                        <a:srgbClr val="000000"/>
-                      </a:solidFill>
-                      <a:prstDash val="solid"/>
-                      <a:round/>
-                      <a:headEnd type="none" w="med" len="med"/>
-                      <a:tailEnd type="none" w="med" len="med"/>
-                    </a:lnL>
-                    <a:lnR w="3175" cap="flat" cmpd="sng" algn="ctr">
-                      <a:solidFill>
-                        <a:srgbClr val="000000"/>
-                      </a:solidFill>
-                      <a:prstDash val="solid"/>
-                      <a:round/>
-                      <a:headEnd type="none" w="med" len="med"/>
-                      <a:tailEnd type="none" w="med" len="med"/>
-                    </a:lnR>
-                    <a:lnT w="3175" cap="flat" cmpd="sng" algn="ctr">
-                      <a:solidFill>
-                        <a:srgbClr val="000000"/>
-                      </a:solidFill>
-                      <a:prstDash val="solid"/>
-                      <a:round/>
-                      <a:headEnd type="none" w="med" len="med"/>
-                      <a:tailEnd type="none" w="med" len="med"/>
-                    </a:lnT>
-                    <a:lnB w="3175" cap="flat" cmpd="sng" algn="ctr">
-                      <a:solidFill>
-                        <a:srgbClr val="000000"/>
-                      </a:solidFill>
-                      <a:prstDash val="solid"/>
-                      <a:round/>
-                      <a:headEnd type="none" w="med" len="med"/>
-                      <a:tailEnd type="none" w="med" len="med"/>
-                    </a:lnB>
-                  </a:tcPr>
-                </a:tc>
-                <a:extLst>
-                  <a:ext uri="{0D108BD9-81ED-4DB2-BD59-A6C34878D82A}">
-                    <a16:rowId xmlns:a16="http://schemas.microsoft.com/office/drawing/2014/main" val="10002"/>
-                  </a:ext>
-                </a:extLst>
-              </a:tr>
-              <a:tr h="330739">
-                <a:tc vMerge="1">
-                  <a:txBody>
-                    <a:bodyPr/>
-                    <a:lstStyle/>
-                    <a:p>
-                      <a:pPr latinLnBrk="1"/>
-                      <a:endParaRPr lang="ko-KR" altLang="en-US"/>
-                    </a:p>
-                  </a:txBody>
-                  <a:tcPr/>
-                </a:tc>
-                <a:tc>
-                  <a:txBody>
-                    <a:bodyPr/>
-                    <a:lstStyle/>
-                    <a:p>
-                      <a:pPr marL="0" marR="0" indent="0" algn="just" fontAlgn="base" latinLnBrk="1">
-                        <a:lnSpc>
-                          <a:spcPct val="160000"/>
-                        </a:lnSpc>
-                        <a:spcBef>
-                          <a:spcPts val="0"/>
-                        </a:spcBef>
-                        <a:spcAft>
-                          <a:spcPts val="0"/>
-                        </a:spcAft>
-                      </a:pPr>
-                      <a:endParaRPr lang="ko-KR" altLang="en-US" sz="1200" b="1" kern="0" spc="0" dirty="0">
-                        <a:solidFill>
-                          <a:schemeClr val="bg1"/>
-                        </a:solidFill>
-                        <a:latin typeface="+mn-ea"/>
-                        <a:ea typeface="+mn-ea"/>
-                      </a:endParaRPr>
-                    </a:p>
-                  </a:txBody>
-                  <a:tcPr marL="63779" marR="63779" marT="17417" marB="17417" anchor="ctr">
-                    <a:lnL w="12700" cap="flat" cmpd="sng" algn="ctr">
-                      <a:solidFill>
-                        <a:schemeClr val="tx1"/>
-                      </a:solidFill>
-                      <a:prstDash val="solid"/>
-                      <a:round/>
-                      <a:headEnd type="none" w="med" len="med"/>
-                      <a:tailEnd type="none" w="med" len="med"/>
-                    </a:lnL>
-                    <a:lnR w="12700" cap="flat" cmpd="sng" algn="ctr">
-                      <a:solidFill>
-                        <a:schemeClr val="tx1"/>
-                      </a:solidFill>
-                      <a:prstDash val="solid"/>
-                      <a:round/>
-                      <a:headEnd type="none" w="med" len="med"/>
-                      <a:tailEnd type="none" w="med" len="med"/>
-                    </a:lnR>
-                    <a:lnT w="12700" cap="flat" cmpd="sng" algn="ctr">
-                      <a:solidFill>
-                        <a:schemeClr val="tx1"/>
-                      </a:solidFill>
-                      <a:prstDash val="solid"/>
-                      <a:round/>
-                      <a:headEnd type="none" w="med" len="med"/>
-                      <a:tailEnd type="none" w="med" len="med"/>
-                    </a:lnT>
-                    <a:lnB w="12700" cap="flat" cmpd="sng" algn="ctr">
-                      <a:solidFill>
-                        <a:schemeClr val="tx1"/>
-                      </a:solidFill>
-                      <a:prstDash val="solid"/>
-                      <a:round/>
-                      <a:headEnd type="none" w="med" len="med"/>
-                      <a:tailEnd type="none" w="med" len="med"/>
-                    </a:lnB>
-                    <a:lnTlToBr w="12700" cmpd="sng">
-                      <a:noFill/>
-                      <a:prstDash val="solid"/>
-                    </a:lnTlToBr>
-                    <a:lnBlToTr w="12700" cmpd="sng">
-                      <a:noFill/>
-                      <a:prstDash val="solid"/>
-                    </a:lnBlToTr>
-                    <a:solidFill>
-                      <a:srgbClr val="545455"/>
-                    </a:solidFill>
-                  </a:tcPr>
-                </a:tc>
-                <a:tc>
-                  <a:txBody>
-                    <a:bodyPr/>
-                    <a:lstStyle/>
-                    <a:p>
-                      <a:pPr marL="0" marR="0" indent="0" algn="just" fontAlgn="base" latinLnBrk="1">
-                        <a:lnSpc>
-                          <a:spcPct val="160000"/>
-                        </a:lnSpc>
-                        <a:spcBef>
-                          <a:spcPts val="0"/>
-                        </a:spcBef>
-                        <a:spcAft>
-                          <a:spcPts val="0"/>
-                        </a:spcAft>
-                      </a:pPr>
-                      <a:endParaRPr lang="ko-KR" altLang="en-US" sz="1200" b="1" kern="0" spc="0" dirty="0">
-                        <a:solidFill>
-                          <a:schemeClr val="bg1"/>
-                        </a:solidFill>
-                        <a:latin typeface="+mn-ea"/>
-                        <a:ea typeface="+mn-ea"/>
-                      </a:endParaRPr>
-                    </a:p>
-                  </a:txBody>
-                  <a:tcPr marL="63779" marR="63779" marT="17417" marB="17417" anchor="ctr">
-                    <a:lnL w="12700" cap="flat" cmpd="sng" algn="ctr">
-                      <a:solidFill>
-                        <a:schemeClr val="tx1"/>
-                      </a:solidFill>
-                      <a:prstDash val="solid"/>
-                      <a:round/>
-                      <a:headEnd type="none" w="med" len="med"/>
-                      <a:tailEnd type="none" w="med" len="med"/>
-                    </a:lnL>
                     <a:lnR w="12700" cap="flat" cmpd="sng" algn="ctr">
                       <a:solidFill>
                         <a:schemeClr val="tx1"/>
@@ -9925,7 +10624,26 @@
                       <a:endParaRPr lang="ko-KR" altLang="en-US"/>
                     </a:p>
                   </a:txBody>
-                  <a:tcPr/>
+                  <a:tcPr>
+                    <a:lnL w="12700" cap="flat" cmpd="sng" algn="ctr">
+                      <a:solidFill>
+                        <a:schemeClr val="tx1"/>
+                      </a:solidFill>
+                      <a:prstDash val="solid"/>
+                      <a:round/>
+                      <a:headEnd type="none" w="med" len="med"/>
+                      <a:tailEnd type="none" w="med" len="med"/>
+                    </a:lnL>
+                    <a:lnT w="12700" cap="flat" cmpd="sng" algn="ctr">
+                      <a:solidFill>
+                        <a:schemeClr val="tx1"/>
+                      </a:solidFill>
+                      <a:prstDash val="solid"/>
+                      <a:round/>
+                      <a:headEnd type="none" w="med" len="med"/>
+                      <a:tailEnd type="none" w="med" len="med"/>
+                    </a:lnT>
+                  </a:tcPr>
                 </a:tc>
                 <a:tc>
                   <a:txBody>
@@ -9937,15 +10655,6 @@
                     </a:p>
                   </a:txBody>
                   <a:tcPr marL="63779" marR="63779" marT="17417" marB="17417" anchor="ctr">
-                    <a:lnL w="12700" cap="flat" cmpd="sng" algn="ctr">
-                      <a:solidFill>
-                        <a:schemeClr val="tx1"/>
-                      </a:solidFill>
-                      <a:prstDash val="solid"/>
-                      <a:round/>
-                      <a:headEnd type="none" w="med" len="med"/>
-                      <a:tailEnd type="none" w="med" len="med"/>
-                    </a:lnL>
                     <a:lnR w="12700" cap="flat" cmpd="sng" algn="ctr">
                       <a:solidFill>
                         <a:schemeClr val="tx1"/>
@@ -10057,1078 +10766,6 @@
                       <a:prstDash val="solid"/>
                     </a:lnBlToTr>
                     <a:solidFill>
-                      <a:srgbClr val="545455"/>
-                    </a:solidFill>
-                  </a:tcPr>
-                </a:tc>
-                <a:tc>
-                  <a:txBody>
-                    <a:bodyPr/>
-                    <a:lstStyle/>
-                    <a:p>
-                      <a:pPr marL="0" marR="0" indent="0" algn="just" fontAlgn="base" latinLnBrk="1">
-                        <a:lnSpc>
-                          <a:spcPct val="160000"/>
-                        </a:lnSpc>
-                        <a:spcBef>
-                          <a:spcPts val="0"/>
-                        </a:spcBef>
-                        <a:spcAft>
-                          <a:spcPts val="0"/>
-                        </a:spcAft>
-                      </a:pPr>
-                      <a:endParaRPr lang="ko-KR" altLang="en-US" sz="1200" b="1" kern="0" spc="0" dirty="0">
-                        <a:solidFill>
-                          <a:schemeClr val="bg1"/>
-                        </a:solidFill>
-                        <a:latin typeface="+mn-ea"/>
-                        <a:ea typeface="+mn-ea"/>
-                      </a:endParaRPr>
-                    </a:p>
-                  </a:txBody>
-                  <a:tcPr marL="63779" marR="63779" marT="17417" marB="17417" anchor="ctr">
-                    <a:lnL w="12700" cap="flat" cmpd="sng" algn="ctr">
-                      <a:solidFill>
-                        <a:schemeClr val="tx1"/>
-                      </a:solidFill>
-                      <a:prstDash val="solid"/>
-                      <a:round/>
-                      <a:headEnd type="none" w="med" len="med"/>
-                      <a:tailEnd type="none" w="med" len="med"/>
-                    </a:lnL>
-                    <a:lnR w="12700" cap="flat" cmpd="sng" algn="ctr">
-                      <a:solidFill>
-                        <a:schemeClr val="tx1"/>
-                      </a:solidFill>
-                      <a:prstDash val="solid"/>
-                      <a:round/>
-                      <a:headEnd type="none" w="med" len="med"/>
-                      <a:tailEnd type="none" w="med" len="med"/>
-                    </a:lnR>
-                    <a:lnT w="12700" cap="flat" cmpd="sng" algn="ctr">
-                      <a:solidFill>
-                        <a:schemeClr val="tx1"/>
-                      </a:solidFill>
-                      <a:prstDash val="solid"/>
-                      <a:round/>
-                      <a:headEnd type="none" w="med" len="med"/>
-                      <a:tailEnd type="none" w="med" len="med"/>
-                    </a:lnT>
-                    <a:lnB w="12700" cap="flat" cmpd="sng" algn="ctr">
-                      <a:solidFill>
-                        <a:schemeClr val="tx1"/>
-                      </a:solidFill>
-                      <a:prstDash val="solid"/>
-                      <a:round/>
-                      <a:headEnd type="none" w="med" len="med"/>
-                      <a:tailEnd type="none" w="med" len="med"/>
-                    </a:lnB>
-                    <a:lnTlToBr w="12700" cmpd="sng">
-                      <a:noFill/>
-                      <a:prstDash val="solid"/>
-                    </a:lnTlToBr>
-                    <a:lnBlToTr w="12700" cmpd="sng">
-                      <a:noFill/>
-                      <a:prstDash val="solid"/>
-                    </a:lnBlToTr>
-                    <a:solidFill>
-                      <a:srgbClr val="545455"/>
-                    </a:solidFill>
-                  </a:tcPr>
-                </a:tc>
-                <a:tc vMerge="1">
-                  <a:txBody>
-                    <a:bodyPr/>
-                    <a:lstStyle/>
-                    <a:p>
-                      <a:pPr latinLnBrk="1"/>
-                      <a:endParaRPr lang="ko-KR" altLang="en-US"/>
-                    </a:p>
-                  </a:txBody>
-                  <a:tcPr/>
-                </a:tc>
-                <a:extLst>
-                  <a:ext uri="{0D108BD9-81ED-4DB2-BD59-A6C34878D82A}">
-                    <a16:rowId xmlns:a16="http://schemas.microsoft.com/office/drawing/2014/main" val="3132021439"/>
-                  </a:ext>
-                </a:extLst>
-              </a:tr>
-              <a:tr h="210671">
-                <a:tc rowSpan="2">
-                  <a:txBody>
-                    <a:bodyPr/>
-                    <a:lstStyle/>
-                    <a:p>
-                      <a:pPr marL="0" marR="0" indent="0" algn="ctr" fontAlgn="base" latinLnBrk="0">
-                        <a:lnSpc>
-                          <a:spcPct val="160000"/>
-                        </a:lnSpc>
-                        <a:spcBef>
-                          <a:spcPts val="0"/>
-                        </a:spcBef>
-                        <a:spcAft>
-                          <a:spcPts val="0"/>
-                        </a:spcAft>
-                      </a:pPr>
-                      <a:r>
-                        <a:rPr lang="ko-KR" altLang="en-US" sz="1200" b="1" kern="0" spc="0" dirty="0">
-                          <a:solidFill>
-                            <a:schemeClr val="bg1"/>
-                          </a:solidFill>
-                          <a:latin typeface="+mn-ea"/>
-                          <a:ea typeface="+mn-ea"/>
-                        </a:rPr>
-                        <a:t>게임 로직</a:t>
-                      </a:r>
-                    </a:p>
-                  </a:txBody>
-                  <a:tcPr marL="63779" marR="63779" marT="17417" marB="17417" anchor="ctr">
-                    <a:lnL w="12700" cap="flat" cmpd="sng" algn="ctr">
-                      <a:solidFill>
-                        <a:schemeClr val="tx1"/>
-                      </a:solidFill>
-                      <a:prstDash val="solid"/>
-                      <a:round/>
-                      <a:headEnd type="none" w="med" len="med"/>
-                      <a:tailEnd type="none" w="med" len="med"/>
-                    </a:lnL>
-                    <a:lnR w="12700" cap="flat" cmpd="sng" algn="ctr">
-                      <a:solidFill>
-                        <a:schemeClr val="tx1"/>
-                      </a:solidFill>
-                      <a:prstDash val="solid"/>
-                      <a:round/>
-                      <a:headEnd type="none" w="med" len="med"/>
-                      <a:tailEnd type="none" w="med" len="med"/>
-                    </a:lnR>
-                    <a:lnT w="12700" cap="flat" cmpd="sng" algn="ctr">
-                      <a:solidFill>
-                        <a:schemeClr val="tx1"/>
-                      </a:solidFill>
-                      <a:prstDash val="solid"/>
-                      <a:round/>
-                      <a:headEnd type="none" w="med" len="med"/>
-                      <a:tailEnd type="none" w="med" len="med"/>
-                    </a:lnT>
-                    <a:lnB w="12700" cap="flat" cmpd="sng" algn="ctr">
-                      <a:solidFill>
-                        <a:schemeClr val="tx1"/>
-                      </a:solidFill>
-                      <a:prstDash val="solid"/>
-                      <a:round/>
-                      <a:headEnd type="none" w="med" len="med"/>
-                      <a:tailEnd type="none" w="med" len="med"/>
-                    </a:lnB>
-                    <a:lnTlToBr w="12700" cmpd="sng">
-                      <a:noFill/>
-                      <a:prstDash val="solid"/>
-                    </a:lnTlToBr>
-                    <a:lnBlToTr w="12700" cmpd="sng">
-                      <a:noFill/>
-                      <a:prstDash val="solid"/>
-                    </a:lnBlToTr>
-                    <a:solidFill>
-                      <a:schemeClr val="bg2">
-                        <a:lumMod val="40000"/>
-                        <a:lumOff val="60000"/>
-                      </a:schemeClr>
-                    </a:solidFill>
-                  </a:tcPr>
-                </a:tc>
-                <a:tc rowSpan="2">
-                  <a:txBody>
-                    <a:bodyPr/>
-                    <a:lstStyle/>
-                    <a:p>
-                      <a:pPr marL="0" marR="0" indent="0" algn="just" fontAlgn="base" latinLnBrk="1">
-                        <a:lnSpc>
-                          <a:spcPct val="160000"/>
-                        </a:lnSpc>
-                        <a:spcBef>
-                          <a:spcPts val="0"/>
-                        </a:spcBef>
-                        <a:spcAft>
-                          <a:spcPts val="0"/>
-                        </a:spcAft>
-                      </a:pPr>
-                      <a:endParaRPr lang="ko-KR" altLang="en-US" sz="1200" b="1" kern="0" spc="0" dirty="0">
-                        <a:solidFill>
-                          <a:schemeClr val="bg1"/>
-                        </a:solidFill>
-                        <a:latin typeface="+mn-ea"/>
-                        <a:ea typeface="+mn-ea"/>
-                      </a:endParaRPr>
-                    </a:p>
-                  </a:txBody>
-                  <a:tcPr marL="63779" marR="63779" marT="17417" marB="17417" anchor="ctr">
-                    <a:lnL w="12700" cap="flat" cmpd="sng" algn="ctr">
-                      <a:solidFill>
-                        <a:schemeClr val="tx1"/>
-                      </a:solidFill>
-                      <a:prstDash val="solid"/>
-                      <a:round/>
-                      <a:headEnd type="none" w="med" len="med"/>
-                      <a:tailEnd type="none" w="med" len="med"/>
-                    </a:lnL>
-                    <a:lnR w="12700" cap="flat" cmpd="sng" algn="ctr">
-                      <a:solidFill>
-                        <a:schemeClr val="tx1"/>
-                      </a:solidFill>
-                      <a:prstDash val="solid"/>
-                      <a:round/>
-                      <a:headEnd type="none" w="med" len="med"/>
-                      <a:tailEnd type="none" w="med" len="med"/>
-                    </a:lnR>
-                    <a:lnT w="12700" cap="flat" cmpd="sng" algn="ctr">
-                      <a:solidFill>
-                        <a:schemeClr val="tx1"/>
-                      </a:solidFill>
-                      <a:prstDash val="solid"/>
-                      <a:round/>
-                      <a:headEnd type="none" w="med" len="med"/>
-                      <a:tailEnd type="none" w="med" len="med"/>
-                    </a:lnT>
-                    <a:lnB w="12700" cap="flat" cmpd="sng" algn="ctr">
-                      <a:solidFill>
-                        <a:schemeClr val="tx1"/>
-                      </a:solidFill>
-                      <a:prstDash val="solid"/>
-                      <a:round/>
-                      <a:headEnd type="none" w="med" len="med"/>
-                      <a:tailEnd type="none" w="med" len="med"/>
-                    </a:lnB>
-                    <a:lnTlToBr w="12700" cmpd="sng">
-                      <a:noFill/>
-                      <a:prstDash val="solid"/>
-                    </a:lnTlToBr>
-                    <a:lnBlToTr w="12700" cmpd="sng">
-                      <a:noFill/>
-                      <a:prstDash val="solid"/>
-                    </a:lnBlToTr>
-                    <a:solidFill>
-                      <a:srgbClr val="545455"/>
-                    </a:solidFill>
-                  </a:tcPr>
-                </a:tc>
-                <a:tc>
-                  <a:txBody>
-                    <a:bodyPr/>
-                    <a:lstStyle/>
-                    <a:p>
-                      <a:pPr marL="0" marR="0" indent="0" algn="just" fontAlgn="base" latinLnBrk="1">
-                        <a:lnSpc>
-                          <a:spcPct val="160000"/>
-                        </a:lnSpc>
-                        <a:spcBef>
-                          <a:spcPts val="0"/>
-                        </a:spcBef>
-                        <a:spcAft>
-                          <a:spcPts val="0"/>
-                        </a:spcAft>
-                      </a:pPr>
-                      <a:endParaRPr lang="ko-KR" altLang="en-US" sz="1200" b="1" kern="0" spc="0" dirty="0">
-                        <a:solidFill>
-                          <a:schemeClr val="bg1"/>
-                        </a:solidFill>
-                        <a:latin typeface="+mn-ea"/>
-                        <a:ea typeface="+mn-ea"/>
-                      </a:endParaRPr>
-                    </a:p>
-                  </a:txBody>
-                  <a:tcPr marL="63779" marR="63779" marT="17417" marB="17417" anchor="ctr">
-                    <a:lnL w="12700" cap="flat" cmpd="sng" algn="ctr">
-                      <a:solidFill>
-                        <a:schemeClr val="tx1"/>
-                      </a:solidFill>
-                      <a:prstDash val="solid"/>
-                      <a:round/>
-                      <a:headEnd type="none" w="med" len="med"/>
-                      <a:tailEnd type="none" w="med" len="med"/>
-                    </a:lnL>
-                    <a:lnR w="12700" cap="flat" cmpd="sng" algn="ctr">
-                      <a:solidFill>
-                        <a:schemeClr val="tx1"/>
-                      </a:solidFill>
-                      <a:prstDash val="solid"/>
-                      <a:round/>
-                      <a:headEnd type="none" w="med" len="med"/>
-                      <a:tailEnd type="none" w="med" len="med"/>
-                    </a:lnR>
-                    <a:lnT w="12700" cap="flat" cmpd="sng" algn="ctr">
-                      <a:solidFill>
-                        <a:schemeClr val="tx1"/>
-                      </a:solidFill>
-                      <a:prstDash val="solid"/>
-                      <a:round/>
-                      <a:headEnd type="none" w="med" len="med"/>
-                      <a:tailEnd type="none" w="med" len="med"/>
-                    </a:lnT>
-                    <a:lnB w="12700" cap="flat" cmpd="sng" algn="ctr">
-                      <a:solidFill>
-                        <a:schemeClr val="tx1"/>
-                      </a:solidFill>
-                      <a:prstDash val="solid"/>
-                      <a:round/>
-                      <a:headEnd type="none" w="med" len="med"/>
-                      <a:tailEnd type="none" w="med" len="med"/>
-                    </a:lnB>
-                    <a:lnTlToBr w="12700" cmpd="sng">
-                      <a:noFill/>
-                      <a:prstDash val="solid"/>
-                    </a:lnTlToBr>
-                    <a:lnBlToTr w="12700" cmpd="sng">
-                      <a:noFill/>
-                      <a:prstDash val="solid"/>
-                    </a:lnBlToTr>
-                    <a:solidFill>
-                      <a:srgbClr val="92D050"/>
-                    </a:solidFill>
-                  </a:tcPr>
-                </a:tc>
-                <a:tc>
-                  <a:txBody>
-                    <a:bodyPr/>
-                    <a:lstStyle/>
-                    <a:p>
-                      <a:pPr marL="0" marR="0" indent="0" algn="just" fontAlgn="base" latinLnBrk="1">
-                        <a:lnSpc>
-                          <a:spcPct val="160000"/>
-                        </a:lnSpc>
-                        <a:spcBef>
-                          <a:spcPts val="0"/>
-                        </a:spcBef>
-                        <a:spcAft>
-                          <a:spcPts val="0"/>
-                        </a:spcAft>
-                      </a:pPr>
-                      <a:endParaRPr lang="ko-KR" altLang="en-US" sz="1200" b="1" kern="0" spc="0" dirty="0">
-                        <a:solidFill>
-                          <a:schemeClr val="bg1"/>
-                        </a:solidFill>
-                        <a:latin typeface="+mn-ea"/>
-                        <a:ea typeface="+mn-ea"/>
-                      </a:endParaRPr>
-                    </a:p>
-                  </a:txBody>
-                  <a:tcPr marL="63779" marR="63779" marT="17417" marB="17417" anchor="ctr">
-                    <a:lnL w="12700" cap="flat" cmpd="sng" algn="ctr">
-                      <a:solidFill>
-                        <a:schemeClr val="tx1"/>
-                      </a:solidFill>
-                      <a:prstDash val="solid"/>
-                      <a:round/>
-                      <a:headEnd type="none" w="med" len="med"/>
-                      <a:tailEnd type="none" w="med" len="med"/>
-                    </a:lnL>
-                    <a:lnR w="12700" cap="flat" cmpd="sng" algn="ctr">
-                      <a:solidFill>
-                        <a:schemeClr val="tx1"/>
-                      </a:solidFill>
-                      <a:prstDash val="solid"/>
-                      <a:round/>
-                      <a:headEnd type="none" w="med" len="med"/>
-                      <a:tailEnd type="none" w="med" len="med"/>
-                    </a:lnR>
-                    <a:lnT w="12700" cap="flat" cmpd="sng" algn="ctr">
-                      <a:solidFill>
-                        <a:schemeClr val="tx1"/>
-                      </a:solidFill>
-                      <a:prstDash val="solid"/>
-                      <a:round/>
-                      <a:headEnd type="none" w="med" len="med"/>
-                      <a:tailEnd type="none" w="med" len="med"/>
-                    </a:lnT>
-                    <a:lnB w="12700" cap="flat" cmpd="sng" algn="ctr">
-                      <a:solidFill>
-                        <a:schemeClr val="tx1"/>
-                      </a:solidFill>
-                      <a:prstDash val="solid"/>
-                      <a:round/>
-                      <a:headEnd type="none" w="med" len="med"/>
-                      <a:tailEnd type="none" w="med" len="med"/>
-                    </a:lnB>
-                    <a:lnTlToBr w="12700" cmpd="sng">
-                      <a:noFill/>
-                      <a:prstDash val="solid"/>
-                    </a:lnTlToBr>
-                    <a:lnBlToTr w="12700" cmpd="sng">
-                      <a:noFill/>
-                      <a:prstDash val="solid"/>
-                    </a:lnBlToTr>
-                    <a:solidFill>
-                      <a:srgbClr val="92D050"/>
-                    </a:solidFill>
-                  </a:tcPr>
-                </a:tc>
-                <a:tc>
-                  <a:txBody>
-                    <a:bodyPr/>
-                    <a:lstStyle/>
-                    <a:p>
-                      <a:pPr marL="0" marR="0" indent="0" algn="just" fontAlgn="base" latinLnBrk="1">
-                        <a:lnSpc>
-                          <a:spcPct val="160000"/>
-                        </a:lnSpc>
-                        <a:spcBef>
-                          <a:spcPts val="0"/>
-                        </a:spcBef>
-                        <a:spcAft>
-                          <a:spcPts val="0"/>
-                        </a:spcAft>
-                      </a:pPr>
-                      <a:endParaRPr lang="ko-KR" altLang="en-US" sz="1200" b="1" kern="0" spc="0" dirty="0">
-                        <a:solidFill>
-                          <a:schemeClr val="bg1"/>
-                        </a:solidFill>
-                        <a:latin typeface="+mn-ea"/>
-                        <a:ea typeface="+mn-ea"/>
-                      </a:endParaRPr>
-                    </a:p>
-                  </a:txBody>
-                  <a:tcPr marL="63779" marR="63779" marT="17417" marB="17417" anchor="ctr">
-                    <a:lnL w="12700" cap="flat" cmpd="sng" algn="ctr">
-                      <a:solidFill>
-                        <a:schemeClr val="tx1"/>
-                      </a:solidFill>
-                      <a:prstDash val="solid"/>
-                      <a:round/>
-                      <a:headEnd type="none" w="med" len="med"/>
-                      <a:tailEnd type="none" w="med" len="med"/>
-                    </a:lnL>
-                    <a:lnR w="12700" cap="flat" cmpd="sng" algn="ctr">
-                      <a:solidFill>
-                        <a:schemeClr val="tx1"/>
-                      </a:solidFill>
-                      <a:prstDash val="solid"/>
-                      <a:round/>
-                      <a:headEnd type="none" w="med" len="med"/>
-                      <a:tailEnd type="none" w="med" len="med"/>
-                    </a:lnR>
-                    <a:lnT w="12700" cap="flat" cmpd="sng" algn="ctr">
-                      <a:solidFill>
-                        <a:schemeClr val="tx1"/>
-                      </a:solidFill>
-                      <a:prstDash val="solid"/>
-                      <a:round/>
-                      <a:headEnd type="none" w="med" len="med"/>
-                      <a:tailEnd type="none" w="med" len="med"/>
-                    </a:lnT>
-                    <a:lnB w="12700" cap="flat" cmpd="sng" algn="ctr">
-                      <a:solidFill>
-                        <a:schemeClr val="tx1"/>
-                      </a:solidFill>
-                      <a:prstDash val="solid"/>
-                      <a:round/>
-                      <a:headEnd type="none" w="med" len="med"/>
-                      <a:tailEnd type="none" w="med" len="med"/>
-                    </a:lnB>
-                    <a:lnTlToBr w="12700" cmpd="sng">
-                      <a:noFill/>
-                      <a:prstDash val="solid"/>
-                    </a:lnTlToBr>
-                    <a:lnBlToTr w="12700" cmpd="sng">
-                      <a:noFill/>
-                      <a:prstDash val="solid"/>
-                    </a:lnBlToTr>
-                    <a:solidFill>
-                      <a:srgbClr val="92D050"/>
-                    </a:solidFill>
-                  </a:tcPr>
-                </a:tc>
-                <a:tc>
-                  <a:txBody>
-                    <a:bodyPr/>
-                    <a:lstStyle/>
-                    <a:p>
-                      <a:pPr marL="0" marR="0" indent="0" algn="just" fontAlgn="base" latinLnBrk="1">
-                        <a:lnSpc>
-                          <a:spcPct val="160000"/>
-                        </a:lnSpc>
-                        <a:spcBef>
-                          <a:spcPts val="0"/>
-                        </a:spcBef>
-                        <a:spcAft>
-                          <a:spcPts val="0"/>
-                        </a:spcAft>
-                      </a:pPr>
-                      <a:endParaRPr lang="ko-KR" altLang="en-US" sz="1200" b="1" kern="0" spc="0" dirty="0">
-                        <a:solidFill>
-                          <a:schemeClr val="bg1"/>
-                        </a:solidFill>
-                        <a:latin typeface="+mn-ea"/>
-                        <a:ea typeface="+mn-ea"/>
-                      </a:endParaRPr>
-                    </a:p>
-                  </a:txBody>
-                  <a:tcPr marL="63779" marR="63779" marT="17417" marB="17417" anchor="ctr">
-                    <a:lnL w="12700" cap="flat" cmpd="sng" algn="ctr">
-                      <a:solidFill>
-                        <a:schemeClr val="tx1"/>
-                      </a:solidFill>
-                      <a:prstDash val="solid"/>
-                      <a:round/>
-                      <a:headEnd type="none" w="med" len="med"/>
-                      <a:tailEnd type="none" w="med" len="med"/>
-                    </a:lnL>
-                    <a:lnR w="12700" cap="flat" cmpd="sng" algn="ctr">
-                      <a:solidFill>
-                        <a:schemeClr val="tx1"/>
-                      </a:solidFill>
-                      <a:prstDash val="solid"/>
-                      <a:round/>
-                      <a:headEnd type="none" w="med" len="med"/>
-                      <a:tailEnd type="none" w="med" len="med"/>
-                    </a:lnR>
-                    <a:lnT w="12700" cap="flat" cmpd="sng" algn="ctr">
-                      <a:solidFill>
-                        <a:schemeClr val="tx1"/>
-                      </a:solidFill>
-                      <a:prstDash val="solid"/>
-                      <a:round/>
-                      <a:headEnd type="none" w="med" len="med"/>
-                      <a:tailEnd type="none" w="med" len="med"/>
-                    </a:lnT>
-                    <a:lnB w="12700" cap="flat" cmpd="sng" algn="ctr">
-                      <a:solidFill>
-                        <a:schemeClr val="tx1"/>
-                      </a:solidFill>
-                      <a:prstDash val="solid"/>
-                      <a:round/>
-                      <a:headEnd type="none" w="med" len="med"/>
-                      <a:tailEnd type="none" w="med" len="med"/>
-                    </a:lnB>
-                    <a:lnTlToBr w="12700" cmpd="sng">
-                      <a:noFill/>
-                      <a:prstDash val="solid"/>
-                    </a:lnTlToBr>
-                    <a:lnBlToTr w="12700" cmpd="sng">
-                      <a:noFill/>
-                      <a:prstDash val="solid"/>
-                    </a:lnBlToTr>
-                    <a:solidFill>
-                      <a:srgbClr val="92D050"/>
-                    </a:solidFill>
-                  </a:tcPr>
-                </a:tc>
-                <a:tc vMerge="1">
-                  <a:txBody>
-                    <a:bodyPr/>
-                    <a:lstStyle/>
-                    <a:p>
-                      <a:pPr latinLnBrk="1"/>
-                      <a:endParaRPr lang="ko-KR" altLang="en-US"/>
-                    </a:p>
-                  </a:txBody>
-                  <a:tcPr>
-                    <a:lnL w="3175" cap="flat" cmpd="sng" algn="ctr">
-                      <a:solidFill>
-                        <a:srgbClr val="000000"/>
-                      </a:solidFill>
-                      <a:prstDash val="solid"/>
-                      <a:round/>
-                      <a:headEnd type="none" w="med" len="med"/>
-                      <a:tailEnd type="none" w="med" len="med"/>
-                    </a:lnL>
-                    <a:lnT w="3175" cap="flat" cmpd="sng" algn="ctr">
-                      <a:solidFill>
-                        <a:srgbClr val="000000"/>
-                      </a:solidFill>
-                      <a:prstDash val="solid"/>
-                      <a:round/>
-                      <a:headEnd type="none" w="med" len="med"/>
-                      <a:tailEnd type="none" w="med" len="med"/>
-                    </a:lnT>
-                  </a:tcPr>
-                </a:tc>
-                <a:tc>
-                  <a:txBody>
-                    <a:bodyPr/>
-                    <a:lstStyle/>
-                    <a:p>
-                      <a:pPr latinLnBrk="1"/>
-                      <a:endParaRPr lang="ko-KR" altLang="en-US" dirty="0"/>
-                    </a:p>
-                  </a:txBody>
-                  <a:tcPr marL="63779" marR="63779" marT="17417" marB="17417" anchor="ctr">
-                    <a:lnL w="12700" cap="flat" cmpd="sng" algn="ctr">
-                      <a:solidFill>
-                        <a:schemeClr val="tx1"/>
-                      </a:solidFill>
-                      <a:prstDash val="solid"/>
-                      <a:round/>
-                      <a:headEnd type="none" w="med" len="med"/>
-                      <a:tailEnd type="none" w="med" len="med"/>
-                    </a:lnL>
-                    <a:lnR w="12700" cap="flat" cmpd="sng" algn="ctr">
-                      <a:solidFill>
-                        <a:schemeClr val="tx1"/>
-                      </a:solidFill>
-                      <a:prstDash val="solid"/>
-                      <a:round/>
-                      <a:headEnd type="none" w="med" len="med"/>
-                      <a:tailEnd type="none" w="med" len="med"/>
-                    </a:lnR>
-                    <a:lnT w="12700" cap="flat" cmpd="sng" algn="ctr">
-                      <a:solidFill>
-                        <a:schemeClr val="tx1"/>
-                      </a:solidFill>
-                      <a:prstDash val="solid"/>
-                      <a:round/>
-                      <a:headEnd type="none" w="med" len="med"/>
-                      <a:tailEnd type="none" w="med" len="med"/>
-                    </a:lnT>
-                    <a:lnB w="12700" cap="flat" cmpd="sng" algn="ctr">
-                      <a:solidFill>
-                        <a:schemeClr val="tx1"/>
-                      </a:solidFill>
-                      <a:prstDash val="solid"/>
-                      <a:round/>
-                      <a:headEnd type="none" w="med" len="med"/>
-                      <a:tailEnd type="none" w="med" len="med"/>
-                    </a:lnB>
-                    <a:lnTlToBr w="12700" cmpd="sng">
-                      <a:noFill/>
-                      <a:prstDash val="solid"/>
-                    </a:lnTlToBr>
-                    <a:lnBlToTr w="12700" cmpd="sng">
-                      <a:noFill/>
-                      <a:prstDash val="solid"/>
-                    </a:lnBlToTr>
-                    <a:solidFill>
-                      <a:srgbClr val="92D050"/>
-                    </a:solidFill>
-                  </a:tcPr>
-                </a:tc>
-                <a:tc>
-                  <a:txBody>
-                    <a:bodyPr/>
-                    <a:lstStyle/>
-                    <a:p>
-                      <a:pPr marL="0" marR="0" indent="0" algn="just" fontAlgn="base" latinLnBrk="1">
-                        <a:lnSpc>
-                          <a:spcPct val="160000"/>
-                        </a:lnSpc>
-                        <a:spcBef>
-                          <a:spcPts val="0"/>
-                        </a:spcBef>
-                        <a:spcAft>
-                          <a:spcPts val="0"/>
-                        </a:spcAft>
-                      </a:pPr>
-                      <a:endParaRPr lang="ko-KR" altLang="en-US" sz="1200" b="1" kern="0" spc="0" dirty="0">
-                        <a:solidFill>
-                          <a:schemeClr val="bg1"/>
-                        </a:solidFill>
-                        <a:latin typeface="+mn-ea"/>
-                        <a:ea typeface="+mn-ea"/>
-                      </a:endParaRPr>
-                    </a:p>
-                  </a:txBody>
-                  <a:tcPr marL="63779" marR="63779" marT="17417" marB="17417" anchor="ctr">
-                    <a:lnL w="12700" cap="flat" cmpd="sng" algn="ctr">
-                      <a:solidFill>
-                        <a:schemeClr val="tx1"/>
-                      </a:solidFill>
-                      <a:prstDash val="solid"/>
-                      <a:round/>
-                      <a:headEnd type="none" w="med" len="med"/>
-                      <a:tailEnd type="none" w="med" len="med"/>
-                    </a:lnL>
-                    <a:lnR w="12700" cap="flat" cmpd="sng" algn="ctr">
-                      <a:solidFill>
-                        <a:schemeClr val="tx1"/>
-                      </a:solidFill>
-                      <a:prstDash val="solid"/>
-                      <a:round/>
-                      <a:headEnd type="none" w="med" len="med"/>
-                      <a:tailEnd type="none" w="med" len="med"/>
-                    </a:lnR>
-                    <a:lnT w="12700" cap="flat" cmpd="sng" algn="ctr">
-                      <a:solidFill>
-                        <a:schemeClr val="tx1"/>
-                      </a:solidFill>
-                      <a:prstDash val="solid"/>
-                      <a:round/>
-                      <a:headEnd type="none" w="med" len="med"/>
-                      <a:tailEnd type="none" w="med" len="med"/>
-                    </a:lnT>
-                    <a:lnB w="12700" cap="flat" cmpd="sng" algn="ctr">
-                      <a:solidFill>
-                        <a:schemeClr val="tx1"/>
-                      </a:solidFill>
-                      <a:prstDash val="solid"/>
-                      <a:round/>
-                      <a:headEnd type="none" w="med" len="med"/>
-                      <a:tailEnd type="none" w="med" len="med"/>
-                    </a:lnB>
-                    <a:lnTlToBr w="12700" cmpd="sng">
-                      <a:noFill/>
-                      <a:prstDash val="solid"/>
-                    </a:lnTlToBr>
-                    <a:lnBlToTr w="12700" cmpd="sng">
-                      <a:noFill/>
-                      <a:prstDash val="solid"/>
-                    </a:lnBlToTr>
-                    <a:solidFill>
-                      <a:srgbClr val="92D050"/>
-                    </a:solidFill>
-                  </a:tcPr>
-                </a:tc>
-                <a:tc>
-                  <a:txBody>
-                    <a:bodyPr/>
-                    <a:lstStyle/>
-                    <a:p>
-                      <a:pPr marL="0" marR="0" indent="0" algn="just" fontAlgn="base" latinLnBrk="1">
-                        <a:lnSpc>
-                          <a:spcPct val="160000"/>
-                        </a:lnSpc>
-                        <a:spcBef>
-                          <a:spcPts val="0"/>
-                        </a:spcBef>
-                        <a:spcAft>
-                          <a:spcPts val="0"/>
-                        </a:spcAft>
-                      </a:pPr>
-                      <a:endParaRPr lang="ko-KR" altLang="en-US" sz="1200" b="1" kern="0" spc="0" dirty="0">
-                        <a:solidFill>
-                          <a:schemeClr val="bg1"/>
-                        </a:solidFill>
-                        <a:latin typeface="+mn-ea"/>
-                        <a:ea typeface="+mn-ea"/>
-                      </a:endParaRPr>
-                    </a:p>
-                  </a:txBody>
-                  <a:tcPr marL="63779" marR="63779" marT="17417" marB="17417" anchor="ctr">
-                    <a:lnL w="12700" cap="flat" cmpd="sng" algn="ctr">
-                      <a:solidFill>
-                        <a:schemeClr val="tx1"/>
-                      </a:solidFill>
-                      <a:prstDash val="solid"/>
-                      <a:round/>
-                      <a:headEnd type="none" w="med" len="med"/>
-                      <a:tailEnd type="none" w="med" len="med"/>
-                    </a:lnL>
-                    <a:lnR w="12700" cap="flat" cmpd="sng" algn="ctr">
-                      <a:solidFill>
-                        <a:schemeClr val="tx1"/>
-                      </a:solidFill>
-                      <a:prstDash val="solid"/>
-                      <a:round/>
-                      <a:headEnd type="none" w="med" len="med"/>
-                      <a:tailEnd type="none" w="med" len="med"/>
-                    </a:lnR>
-                    <a:lnT w="12700" cap="flat" cmpd="sng" algn="ctr">
-                      <a:solidFill>
-                        <a:schemeClr val="tx1"/>
-                      </a:solidFill>
-                      <a:prstDash val="solid"/>
-                      <a:round/>
-                      <a:headEnd type="none" w="med" len="med"/>
-                      <a:tailEnd type="none" w="med" len="med"/>
-                    </a:lnT>
-                    <a:lnB w="12700" cap="flat" cmpd="sng" algn="ctr">
-                      <a:solidFill>
-                        <a:schemeClr val="tx1"/>
-                      </a:solidFill>
-                      <a:prstDash val="solid"/>
-                      <a:round/>
-                      <a:headEnd type="none" w="med" len="med"/>
-                      <a:tailEnd type="none" w="med" len="med"/>
-                    </a:lnB>
-                    <a:lnTlToBr w="12700" cmpd="sng">
-                      <a:noFill/>
-                      <a:prstDash val="solid"/>
-                    </a:lnTlToBr>
-                    <a:lnBlToTr w="12700" cmpd="sng">
-                      <a:noFill/>
-                      <a:prstDash val="solid"/>
-                    </a:lnBlToTr>
-                    <a:solidFill>
-                      <a:srgbClr val="92D050"/>
-                    </a:solidFill>
-                  </a:tcPr>
-                </a:tc>
-                <a:tc vMerge="1">
-                  <a:txBody>
-                    <a:bodyPr/>
-                    <a:lstStyle/>
-                    <a:p>
-                      <a:pPr latinLnBrk="1"/>
-                      <a:endParaRPr lang="ko-KR" altLang="en-US"/>
-                    </a:p>
-                  </a:txBody>
-                  <a:tcPr>
-                    <a:lnL w="3175" cap="flat" cmpd="sng" algn="ctr">
-                      <a:solidFill>
-                        <a:srgbClr val="000000"/>
-                      </a:solidFill>
-                      <a:prstDash val="solid"/>
-                      <a:round/>
-                      <a:headEnd type="none" w="med" len="med"/>
-                      <a:tailEnd type="none" w="med" len="med"/>
-                    </a:lnL>
-                    <a:lnT w="3175" cap="flat" cmpd="sng" algn="ctr">
-                      <a:solidFill>
-                        <a:srgbClr val="000000"/>
-                      </a:solidFill>
-                      <a:prstDash val="solid"/>
-                      <a:round/>
-                      <a:headEnd type="none" w="med" len="med"/>
-                      <a:tailEnd type="none" w="med" len="med"/>
-                    </a:lnT>
-                  </a:tcPr>
-                </a:tc>
-                <a:extLst>
-                  <a:ext uri="{0D108BD9-81ED-4DB2-BD59-A6C34878D82A}">
-                    <a16:rowId xmlns:a16="http://schemas.microsoft.com/office/drawing/2014/main" val="300897329"/>
-                  </a:ext>
-                </a:extLst>
-              </a:tr>
-              <a:tr h="210671">
-                <a:tc vMerge="1">
-                  <a:txBody>
-                    <a:bodyPr/>
-                    <a:lstStyle/>
-                    <a:p>
-                      <a:pPr latinLnBrk="1"/>
-                      <a:endParaRPr lang="ko-KR" altLang="en-US"/>
-                    </a:p>
-                  </a:txBody>
-                  <a:tcPr/>
-                </a:tc>
-                <a:tc vMerge="1">
-                  <a:txBody>
-                    <a:bodyPr/>
-                    <a:lstStyle/>
-                    <a:p>
-                      <a:pPr latinLnBrk="1"/>
-                      <a:endParaRPr lang="ko-KR" altLang="en-US"/>
-                    </a:p>
-                  </a:txBody>
-                  <a:tcPr/>
-                </a:tc>
-                <a:tc>
-                  <a:txBody>
-                    <a:bodyPr/>
-                    <a:lstStyle/>
-                    <a:p>
-                      <a:pPr marL="0" marR="0" indent="0" algn="just" fontAlgn="base" latinLnBrk="1">
-                        <a:lnSpc>
-                          <a:spcPct val="160000"/>
-                        </a:lnSpc>
-                        <a:spcBef>
-                          <a:spcPts val="0"/>
-                        </a:spcBef>
-                        <a:spcAft>
-                          <a:spcPts val="0"/>
-                        </a:spcAft>
-                      </a:pPr>
-                      <a:endParaRPr lang="ko-KR" altLang="en-US" sz="1200" b="1" kern="0" spc="0" dirty="0">
-                        <a:solidFill>
-                          <a:schemeClr val="bg1"/>
-                        </a:solidFill>
-                        <a:latin typeface="+mn-ea"/>
-                        <a:ea typeface="+mn-ea"/>
-                      </a:endParaRPr>
-                    </a:p>
-                  </a:txBody>
-                  <a:tcPr marL="63779" marR="63779" marT="17417" marB="17417" anchor="ctr">
-                    <a:lnL w="12700" cap="flat" cmpd="sng" algn="ctr">
-                      <a:solidFill>
-                        <a:schemeClr val="tx1"/>
-                      </a:solidFill>
-                      <a:prstDash val="solid"/>
-                      <a:round/>
-                      <a:headEnd type="none" w="med" len="med"/>
-                      <a:tailEnd type="none" w="med" len="med"/>
-                    </a:lnL>
-                    <a:lnR w="12700" cap="flat" cmpd="sng" algn="ctr">
-                      <a:solidFill>
-                        <a:schemeClr val="tx1"/>
-                      </a:solidFill>
-                      <a:prstDash val="solid"/>
-                      <a:round/>
-                      <a:headEnd type="none" w="med" len="med"/>
-                      <a:tailEnd type="none" w="med" len="med"/>
-                    </a:lnR>
-                    <a:lnT w="12700" cap="flat" cmpd="sng" algn="ctr">
-                      <a:solidFill>
-                        <a:schemeClr val="tx1"/>
-                      </a:solidFill>
-                      <a:prstDash val="solid"/>
-                      <a:round/>
-                      <a:headEnd type="none" w="med" len="med"/>
-                      <a:tailEnd type="none" w="med" len="med"/>
-                    </a:lnT>
-                    <a:lnB w="12700" cap="flat" cmpd="sng" algn="ctr">
-                      <a:solidFill>
-                        <a:schemeClr val="tx1"/>
-                      </a:solidFill>
-                      <a:prstDash val="solid"/>
-                      <a:round/>
-                      <a:headEnd type="none" w="med" len="med"/>
-                      <a:tailEnd type="none" w="med" len="med"/>
-                    </a:lnB>
-                    <a:lnTlToBr w="12700" cmpd="sng">
-                      <a:noFill/>
-                      <a:prstDash val="solid"/>
-                    </a:lnTlToBr>
-                    <a:lnBlToTr w="12700" cmpd="sng">
-                      <a:noFill/>
-                      <a:prstDash val="solid"/>
-                    </a:lnBlToTr>
-                    <a:solidFill>
-                      <a:srgbClr val="618197"/>
-                    </a:solidFill>
-                  </a:tcPr>
-                </a:tc>
-                <a:tc>
-                  <a:txBody>
-                    <a:bodyPr/>
-                    <a:lstStyle/>
-                    <a:p>
-                      <a:pPr marL="0" marR="0" indent="0" algn="just" fontAlgn="base" latinLnBrk="1">
-                        <a:lnSpc>
-                          <a:spcPct val="160000"/>
-                        </a:lnSpc>
-                        <a:spcBef>
-                          <a:spcPts val="0"/>
-                        </a:spcBef>
-                        <a:spcAft>
-                          <a:spcPts val="0"/>
-                        </a:spcAft>
-                      </a:pPr>
-                      <a:endParaRPr lang="ko-KR" altLang="en-US" sz="1200" b="1" kern="0" spc="0" dirty="0">
-                        <a:solidFill>
-                          <a:schemeClr val="bg1"/>
-                        </a:solidFill>
-                        <a:latin typeface="+mn-ea"/>
-                        <a:ea typeface="+mn-ea"/>
-                      </a:endParaRPr>
-                    </a:p>
-                  </a:txBody>
-                  <a:tcPr marL="63779" marR="63779" marT="17417" marB="17417" anchor="ctr">
-                    <a:lnL w="12700" cap="flat" cmpd="sng" algn="ctr">
-                      <a:solidFill>
-                        <a:schemeClr val="tx1"/>
-                      </a:solidFill>
-                      <a:prstDash val="solid"/>
-                      <a:round/>
-                      <a:headEnd type="none" w="med" len="med"/>
-                      <a:tailEnd type="none" w="med" len="med"/>
-                    </a:lnL>
-                    <a:lnR w="12700" cap="flat" cmpd="sng" algn="ctr">
-                      <a:solidFill>
-                        <a:schemeClr val="tx1"/>
-                      </a:solidFill>
-                      <a:prstDash val="solid"/>
-                      <a:round/>
-                      <a:headEnd type="none" w="med" len="med"/>
-                      <a:tailEnd type="none" w="med" len="med"/>
-                    </a:lnR>
-                    <a:lnT w="12700" cap="flat" cmpd="sng" algn="ctr">
-                      <a:solidFill>
-                        <a:schemeClr val="tx1"/>
-                      </a:solidFill>
-                      <a:prstDash val="solid"/>
-                      <a:round/>
-                      <a:headEnd type="none" w="med" len="med"/>
-                      <a:tailEnd type="none" w="med" len="med"/>
-                    </a:lnT>
-                    <a:lnB w="12700" cap="flat" cmpd="sng" algn="ctr">
-                      <a:solidFill>
-                        <a:schemeClr val="tx1"/>
-                      </a:solidFill>
-                      <a:prstDash val="solid"/>
-                      <a:round/>
-                      <a:headEnd type="none" w="med" len="med"/>
-                      <a:tailEnd type="none" w="med" len="med"/>
-                    </a:lnB>
-                    <a:lnTlToBr w="12700" cmpd="sng">
-                      <a:noFill/>
-                      <a:prstDash val="solid"/>
-                    </a:lnTlToBr>
-                    <a:lnBlToTr w="12700" cmpd="sng">
-                      <a:noFill/>
-                      <a:prstDash val="solid"/>
-                    </a:lnBlToTr>
-                    <a:solidFill>
-                      <a:srgbClr val="618197"/>
-                    </a:solidFill>
-                  </a:tcPr>
-                </a:tc>
-                <a:tc>
-                  <a:txBody>
-                    <a:bodyPr/>
-                    <a:lstStyle/>
-                    <a:p>
-                      <a:pPr marL="0" marR="0" indent="0" algn="just" fontAlgn="base" latinLnBrk="1">
-                        <a:lnSpc>
-                          <a:spcPct val="160000"/>
-                        </a:lnSpc>
-                        <a:spcBef>
-                          <a:spcPts val="0"/>
-                        </a:spcBef>
-                        <a:spcAft>
-                          <a:spcPts val="0"/>
-                        </a:spcAft>
-                      </a:pPr>
-                      <a:endParaRPr lang="ko-KR" altLang="en-US" sz="1200" b="1" kern="0" spc="0" dirty="0">
-                        <a:solidFill>
-                          <a:schemeClr val="bg1"/>
-                        </a:solidFill>
-                        <a:latin typeface="+mn-ea"/>
-                        <a:ea typeface="+mn-ea"/>
-                      </a:endParaRPr>
-                    </a:p>
-                  </a:txBody>
-                  <a:tcPr marL="63779" marR="63779" marT="17417" marB="17417" anchor="ctr">
-                    <a:lnL w="12700" cap="flat" cmpd="sng" algn="ctr">
-                      <a:solidFill>
-                        <a:schemeClr val="tx1"/>
-                      </a:solidFill>
-                      <a:prstDash val="solid"/>
-                      <a:round/>
-                      <a:headEnd type="none" w="med" len="med"/>
-                      <a:tailEnd type="none" w="med" len="med"/>
-                    </a:lnL>
-                    <a:lnR w="12700" cap="flat" cmpd="sng" algn="ctr">
-                      <a:solidFill>
-                        <a:schemeClr val="tx1"/>
-                      </a:solidFill>
-                      <a:prstDash val="solid"/>
-                      <a:round/>
-                      <a:headEnd type="none" w="med" len="med"/>
-                      <a:tailEnd type="none" w="med" len="med"/>
-                    </a:lnR>
-                    <a:lnT w="12700" cap="flat" cmpd="sng" algn="ctr">
-                      <a:solidFill>
-                        <a:schemeClr val="tx1"/>
-                      </a:solidFill>
-                      <a:prstDash val="solid"/>
-                      <a:round/>
-                      <a:headEnd type="none" w="med" len="med"/>
-                      <a:tailEnd type="none" w="med" len="med"/>
-                    </a:lnT>
-                    <a:lnB w="12700" cap="flat" cmpd="sng" algn="ctr">
-                      <a:solidFill>
-                        <a:schemeClr val="tx1"/>
-                      </a:solidFill>
-                      <a:prstDash val="solid"/>
-                      <a:round/>
-                      <a:headEnd type="none" w="med" len="med"/>
-                      <a:tailEnd type="none" w="med" len="med"/>
-                    </a:lnB>
-                    <a:lnTlToBr w="12700" cmpd="sng">
-                      <a:noFill/>
-                      <a:prstDash val="solid"/>
-                    </a:lnTlToBr>
-                    <a:lnBlToTr w="12700" cmpd="sng">
-                      <a:noFill/>
-                      <a:prstDash val="solid"/>
-                    </a:lnBlToTr>
-                    <a:solidFill>
                       <a:srgbClr val="618197"/>
                     </a:solidFill>
                   </a:tcPr>
@@ -11217,18 +10854,7 @@
                       <a:endParaRPr lang="ko-KR" altLang="en-US"/>
                     </a:p>
                   </a:txBody>
-                  <a:tcPr/>
-                </a:tc>
-                <a:tc>
-                  <a:txBody>
-                    <a:bodyPr/>
-                    <a:lstStyle/>
-                    <a:p>
-                      <a:pPr latinLnBrk="1"/>
-                      <a:endParaRPr lang="ko-KR" altLang="en-US" dirty="0"/>
-                    </a:p>
-                  </a:txBody>
-                  <a:tcPr marL="63779" marR="63779" marT="17417" marB="17417" anchor="ctr">
+                  <a:tcPr>
                     <a:lnL w="12700" cap="flat" cmpd="sng" algn="ctr">
                       <a:solidFill>
                         <a:schemeClr val="tx1"/>
@@ -11238,15 +10864,6 @@
                       <a:headEnd type="none" w="med" len="med"/>
                       <a:tailEnd type="none" w="med" len="med"/>
                     </a:lnL>
-                    <a:lnR w="12700" cap="flat" cmpd="sng" algn="ctr">
-                      <a:solidFill>
-                        <a:schemeClr val="tx1"/>
-                      </a:solidFill>
-                      <a:prstDash val="solid"/>
-                      <a:round/>
-                      <a:headEnd type="none" w="med" len="med"/>
-                      <a:tailEnd type="none" w="med" len="med"/>
-                    </a:lnR>
                     <a:lnT w="12700" cap="flat" cmpd="sng" algn="ctr">
                       <a:solidFill>
                         <a:schemeClr val="tx1"/>
@@ -11256,188 +10873,7 @@
                       <a:headEnd type="none" w="med" len="med"/>
                       <a:tailEnd type="none" w="med" len="med"/>
                     </a:lnT>
-                    <a:lnB w="12700" cap="flat" cmpd="sng" algn="ctr">
-                      <a:solidFill>
-                        <a:schemeClr val="tx1"/>
-                      </a:solidFill>
-                      <a:prstDash val="solid"/>
-                      <a:round/>
-                      <a:headEnd type="none" w="med" len="med"/>
-                      <a:tailEnd type="none" w="med" len="med"/>
-                    </a:lnB>
-                    <a:lnTlToBr w="12700" cmpd="sng">
-                      <a:noFill/>
-                      <a:prstDash val="solid"/>
-                    </a:lnTlToBr>
-                    <a:lnBlToTr w="12700" cmpd="sng">
-                      <a:noFill/>
-                      <a:prstDash val="solid"/>
-                    </a:lnBlToTr>
-                    <a:solidFill>
-                      <a:srgbClr val="618197"/>
-                    </a:solidFill>
                   </a:tcPr>
-                </a:tc>
-                <a:tc>
-                  <a:txBody>
-                    <a:bodyPr/>
-                    <a:lstStyle/>
-                    <a:p>
-                      <a:pPr marL="0" marR="0" indent="0" algn="just" fontAlgn="base" latinLnBrk="1">
-                        <a:lnSpc>
-                          <a:spcPct val="160000"/>
-                        </a:lnSpc>
-                        <a:spcBef>
-                          <a:spcPts val="0"/>
-                        </a:spcBef>
-                        <a:spcAft>
-                          <a:spcPts val="0"/>
-                        </a:spcAft>
-                      </a:pPr>
-                      <a:endParaRPr lang="ko-KR" altLang="en-US" sz="1200" b="1" kern="0" spc="0" dirty="0">
-                        <a:solidFill>
-                          <a:schemeClr val="bg1"/>
-                        </a:solidFill>
-                        <a:latin typeface="+mn-ea"/>
-                        <a:ea typeface="+mn-ea"/>
-                      </a:endParaRPr>
-                    </a:p>
-                  </a:txBody>
-                  <a:tcPr marL="63779" marR="63779" marT="17417" marB="17417" anchor="ctr">
-                    <a:lnL w="12700" cap="flat" cmpd="sng" algn="ctr">
-                      <a:solidFill>
-                        <a:schemeClr val="tx1"/>
-                      </a:solidFill>
-                      <a:prstDash val="solid"/>
-                      <a:round/>
-                      <a:headEnd type="none" w="med" len="med"/>
-                      <a:tailEnd type="none" w="med" len="med"/>
-                    </a:lnL>
-                    <a:lnR w="12700" cap="flat" cmpd="sng" algn="ctr">
-                      <a:solidFill>
-                        <a:schemeClr val="tx1"/>
-                      </a:solidFill>
-                      <a:prstDash val="solid"/>
-                      <a:round/>
-                      <a:headEnd type="none" w="med" len="med"/>
-                      <a:tailEnd type="none" w="med" len="med"/>
-                    </a:lnR>
-                    <a:lnT w="12700" cap="flat" cmpd="sng" algn="ctr">
-                      <a:solidFill>
-                        <a:schemeClr val="tx1"/>
-                      </a:solidFill>
-                      <a:prstDash val="solid"/>
-                      <a:round/>
-                      <a:headEnd type="none" w="med" len="med"/>
-                      <a:tailEnd type="none" w="med" len="med"/>
-                    </a:lnT>
-                    <a:lnB w="12700" cap="flat" cmpd="sng" algn="ctr">
-                      <a:solidFill>
-                        <a:schemeClr val="tx1"/>
-                      </a:solidFill>
-                      <a:prstDash val="solid"/>
-                      <a:round/>
-                      <a:headEnd type="none" w="med" len="med"/>
-                      <a:tailEnd type="none" w="med" len="med"/>
-                    </a:lnB>
-                    <a:lnTlToBr w="12700" cmpd="sng">
-                      <a:noFill/>
-                      <a:prstDash val="solid"/>
-                    </a:lnTlToBr>
-                    <a:lnBlToTr w="12700" cmpd="sng">
-                      <a:noFill/>
-                      <a:prstDash val="solid"/>
-                    </a:lnBlToTr>
-                    <a:solidFill>
-                      <a:srgbClr val="618197"/>
-                    </a:solidFill>
-                  </a:tcPr>
-                </a:tc>
-                <a:tc>
-                  <a:txBody>
-                    <a:bodyPr/>
-                    <a:lstStyle/>
-                    <a:p>
-                      <a:pPr marL="0" marR="0" indent="0" algn="just" fontAlgn="base" latinLnBrk="1">
-                        <a:lnSpc>
-                          <a:spcPct val="160000"/>
-                        </a:lnSpc>
-                        <a:spcBef>
-                          <a:spcPts val="0"/>
-                        </a:spcBef>
-                        <a:spcAft>
-                          <a:spcPts val="0"/>
-                        </a:spcAft>
-                      </a:pPr>
-                      <a:endParaRPr lang="ko-KR" altLang="en-US" sz="1200" b="1" kern="0" spc="0" dirty="0">
-                        <a:solidFill>
-                          <a:schemeClr val="bg1"/>
-                        </a:solidFill>
-                        <a:latin typeface="+mn-ea"/>
-                        <a:ea typeface="+mn-ea"/>
-                      </a:endParaRPr>
-                    </a:p>
-                  </a:txBody>
-                  <a:tcPr marL="63779" marR="63779" marT="17417" marB="17417" anchor="ctr">
-                    <a:lnL w="12700" cap="flat" cmpd="sng" algn="ctr">
-                      <a:solidFill>
-                        <a:schemeClr val="tx1"/>
-                      </a:solidFill>
-                      <a:prstDash val="solid"/>
-                      <a:round/>
-                      <a:headEnd type="none" w="med" len="med"/>
-                      <a:tailEnd type="none" w="med" len="med"/>
-                    </a:lnL>
-                    <a:lnR w="12700" cap="flat" cmpd="sng" algn="ctr">
-                      <a:solidFill>
-                        <a:schemeClr val="tx1"/>
-                      </a:solidFill>
-                      <a:prstDash val="solid"/>
-                      <a:round/>
-                      <a:headEnd type="none" w="med" len="med"/>
-                      <a:tailEnd type="none" w="med" len="med"/>
-                    </a:lnR>
-                    <a:lnT w="12700" cap="flat" cmpd="sng" algn="ctr">
-                      <a:solidFill>
-                        <a:schemeClr val="tx1"/>
-                      </a:solidFill>
-                      <a:prstDash val="solid"/>
-                      <a:round/>
-                      <a:headEnd type="none" w="med" len="med"/>
-                      <a:tailEnd type="none" w="med" len="med"/>
-                    </a:lnT>
-                    <a:lnB w="12700" cap="flat" cmpd="sng" algn="ctr">
-                      <a:solidFill>
-                        <a:schemeClr val="tx1"/>
-                      </a:solidFill>
-                      <a:prstDash val="solid"/>
-                      <a:round/>
-                      <a:headEnd type="none" w="med" len="med"/>
-                      <a:tailEnd type="none" w="med" len="med"/>
-                    </a:lnB>
-                    <a:lnTlToBr w="12700" cmpd="sng">
-                      <a:noFill/>
-                      <a:prstDash val="solid"/>
-                    </a:lnTlToBr>
-                    <a:lnBlToTr w="12700" cmpd="sng">
-                      <a:noFill/>
-                      <a:prstDash val="solid"/>
-                    </a:lnBlToTr>
-                    <a:solidFill>
-                      <a:srgbClr val="618197"/>
-                    </a:solidFill>
-                  </a:tcPr>
-                </a:tc>
-                <a:tc vMerge="1">
-                  <a:txBody>
-                    <a:bodyPr/>
-                    <a:lstStyle/>
-                    <a:p>
-                      <a:pPr latinLnBrk="1"/>
-                      <a:endParaRPr lang="ko-KR" altLang="en-US"/>
-                    </a:p>
-                  </a:txBody>
-                  <a:tcPr/>
                 </a:tc>
                 <a:extLst>
                   <a:ext uri="{0D108BD9-81ED-4DB2-BD59-A6C34878D82A}">
@@ -17708,7 +17144,7 @@
         <p:spPr>
           <a:xfrm>
             <a:off x="534801" y="2052917"/>
-            <a:ext cx="11122398" cy="1661993"/>
+            <a:ext cx="11122398" cy="1231106"/>
           </a:xfrm>
           <a:prstGeom prst="rect">
             <a:avLst/>
@@ -17723,39 +17159,11 @@
           <a:p>
             <a:pPr algn="ctr"/>
             <a:r>
-              <a:rPr lang="en-US" altLang="ko-KR" sz="2800" dirty="0">
-                <a:latin typeface="HY헤드라인M" panose="02030600000101010101" pitchFamily="18" charset="-127"/>
-                <a:ea typeface="HY헤드라인M" panose="02030600000101010101" pitchFamily="18" charset="-127"/>
-              </a:rPr>
-              <a:t>2</a:t>
-            </a:r>
-            <a:r>
               <a:rPr lang="ko-KR" altLang="en-US" sz="2800" dirty="0">
                 <a:latin typeface="HY헤드라인M" panose="02030600000101010101" pitchFamily="18" charset="-127"/>
                 <a:ea typeface="HY헤드라인M" panose="02030600000101010101" pitchFamily="18" charset="-127"/>
               </a:rPr>
-              <a:t>계 미분방정식의 조화진동을 사용해 만든 카메라를 </a:t>
-            </a:r>
-            <a:endParaRPr lang="en-US" altLang="ko-KR" sz="2800" dirty="0">
-              <a:latin typeface="HY헤드라인M" panose="02030600000101010101" pitchFamily="18" charset="-127"/>
-              <a:ea typeface="HY헤드라인M" panose="02030600000101010101" pitchFamily="18" charset="-127"/>
-            </a:endParaRPr>
-          </a:p>
-          <a:p>
-            <a:pPr algn="ctr"/>
-            <a:endParaRPr lang="en-US" altLang="ko-KR" sz="2800" dirty="0">
-              <a:latin typeface="HY헤드라인M" panose="02030600000101010101" pitchFamily="18" charset="-127"/>
-              <a:ea typeface="HY헤드라인M" panose="02030600000101010101" pitchFamily="18" charset="-127"/>
-            </a:endParaRPr>
-          </a:p>
-          <a:p>
-            <a:pPr algn="ctr"/>
-            <a:r>
-              <a:rPr lang="ko-KR" altLang="en-US" sz="2800" dirty="0">
-                <a:latin typeface="HY헤드라인M" panose="02030600000101010101" pitchFamily="18" charset="-127"/>
-                <a:ea typeface="HY헤드라인M" panose="02030600000101010101" pitchFamily="18" charset="-127"/>
-              </a:rPr>
-              <a:t>이용하여</a:t>
+              <a:t>카메라 워킹에 반동을 주어 스프링처럼 휘어지는 카메라 워킹을 구현하고 이를 활용하여</a:t>
             </a:r>
             <a:r>
               <a:rPr lang="en-US" altLang="ko-KR" sz="2800" dirty="0">
@@ -18328,7 +17736,7 @@
                 <a:latin typeface="HY헤드라인M" panose="02030600000101010101" pitchFamily="18" charset="-127"/>
                 <a:ea typeface="HY헤드라인M" panose="02030600000101010101" pitchFamily="18" charset="-127"/>
               </a:rPr>
-              <a:t>조화진동을 이용한 카메라 워킹을 구현</a:t>
+              <a:t>물리엔진을 사용한 카메라 워킹을 구현</a:t>
             </a:r>
             <a:endParaRPr lang="en-US" altLang="ko-KR" sz="2400" dirty="0">
               <a:latin typeface="HY헤드라인M" panose="02030600000101010101" pitchFamily="18" charset="-127"/>
@@ -19048,38 +18456,11 @@
           </a:p>
           <a:p>
             <a:r>
-              <a:rPr lang="ko-KR" altLang="en-US" sz="1600" dirty="0" err="1">
-                <a:latin typeface="HY헤드라인M" panose="02030600000101010101" pitchFamily="18" charset="-127"/>
-                <a:ea typeface="HY헤드라인M" panose="02030600000101010101" pitchFamily="18" charset="-127"/>
-              </a:rPr>
-              <a:t>트위치</a:t>
-            </a:r>
-            <a:r>
-              <a:rPr lang="en-US" altLang="ko-KR" sz="1600" dirty="0">
-                <a:latin typeface="HY헤드라인M" panose="02030600000101010101" pitchFamily="18" charset="-127"/>
-                <a:ea typeface="HY헤드라인M" panose="02030600000101010101" pitchFamily="18" charset="-127"/>
-              </a:rPr>
-              <a:t>(Twitch)</a:t>
-            </a:r>
-            <a:r>
               <a:rPr lang="ko-KR" altLang="en-US" sz="1600" dirty="0">
                 <a:latin typeface="HY헤드라인M" panose="02030600000101010101" pitchFamily="18" charset="-127"/>
                 <a:ea typeface="HY헤드라인M" panose="02030600000101010101" pitchFamily="18" charset="-127"/>
               </a:rPr>
-              <a:t> 스트리밍 서비스가 발달함에 따라 </a:t>
-            </a:r>
-            <a:endParaRPr lang="en-US" altLang="ko-KR" sz="1600" dirty="0">
-              <a:latin typeface="HY헤드라인M" panose="02030600000101010101" pitchFamily="18" charset="-127"/>
-              <a:ea typeface="HY헤드라인M" panose="02030600000101010101" pitchFamily="18" charset="-127"/>
-            </a:endParaRPr>
-          </a:p>
-          <a:p>
-            <a:r>
-              <a:rPr lang="ko-KR" altLang="en-US" sz="1600" dirty="0">
-                <a:latin typeface="HY헤드라인M" panose="02030600000101010101" pitchFamily="18" charset="-127"/>
-                <a:ea typeface="HY헤드라인M" panose="02030600000101010101" pitchFamily="18" charset="-127"/>
-              </a:rPr>
-              <a:t>시청자와 간단하게 즐길 수 있는 게임이 인기를 얻고 있어서 짧은 시간 여러 사람이 즐길 수 있는 레이싱 게임을 만든다</a:t>
+              <a:t>간단하게 즐길 수 있는 게임이 인기를 얻고 있어서 짧은 시간 여러 사람이 즐길 수 있는 레이싱 게임을 만든다</a:t>
             </a:r>
             <a:r>
               <a:rPr lang="en-US" altLang="ko-KR" sz="1600" dirty="0">
@@ -19087,6 +18468,29 @@
                 <a:ea typeface="HY헤드라인M" panose="02030600000101010101" pitchFamily="18" charset="-127"/>
               </a:rPr>
               <a:t>.</a:t>
+            </a:r>
+          </a:p>
+          <a:p>
+            <a:r>
+              <a:rPr lang="en-US" altLang="ko-KR" sz="1600" dirty="0">
+                <a:latin typeface="HY헤드라인M" panose="02030600000101010101" pitchFamily="18" charset="-127"/>
+                <a:ea typeface="HY헤드라인M" panose="02030600000101010101" pitchFamily="18" charset="-127"/>
+              </a:rPr>
+              <a:t>[</a:t>
+            </a:r>
+            <a:r>
+              <a:rPr lang="ko-KR" altLang="en-US" sz="1600" dirty="0">
+                <a:latin typeface="HY헤드라인M" panose="02030600000101010101" pitchFamily="18" charset="-127"/>
+                <a:ea typeface="HY헤드라인M" panose="02030600000101010101" pitchFamily="18" charset="-127"/>
+              </a:rPr>
+              <a:t>부록으로 간단한게임들이 흥하는 자료들 넣기</a:t>
+            </a:r>
+            <a:r>
+              <a:rPr lang="en-US" altLang="ko-KR" sz="1600" dirty="0">
+                <a:latin typeface="HY헤드라인M" panose="02030600000101010101" pitchFamily="18" charset="-127"/>
+                <a:ea typeface="HY헤드라인M" panose="02030600000101010101" pitchFamily="18" charset="-127"/>
+              </a:rPr>
+              <a:t>]</a:t>
             </a:r>
           </a:p>
         </p:txBody>

--- a/기획단계/졸작 제안서_α.pptx
+++ b/기획단계/졸작 제안서_α.pptx
@@ -19012,7 +19012,7 @@
         <p:spPr>
           <a:xfrm>
             <a:off x="3878738" y="6053415"/>
-            <a:ext cx="4676775" cy="646330"/>
+            <a:ext cx="5238368" cy="646330"/>
           </a:xfrm>
           <a:prstGeom prst="rect">
             <a:avLst/>
@@ -19047,11 +19047,32 @@
           <a:p>
             <a:pPr algn="ctr"/>
             <a:r>
+              <a:rPr lang="ko-KR" altLang="en-US" dirty="0">
+                <a:latin typeface="HY헤드라인M" panose="02030600000101010101" pitchFamily="18" charset="-127"/>
+                <a:ea typeface="HY헤드라인M" panose="02030600000101010101" pitchFamily="18" charset="-127"/>
+              </a:rPr>
+              <a:t>     평균</a:t>
+            </a:r>
+            <a:r>
               <a:rPr lang="en-US" altLang="ko-KR" dirty="0">
                 <a:latin typeface="HY헤드라인M" panose="02030600000101010101" pitchFamily="18" charset="-127"/>
                 <a:ea typeface="HY헤드라인M" panose="02030600000101010101" pitchFamily="18" charset="-127"/>
               </a:rPr>
-              <a:t>200 Km/h</a:t>
+              <a:t>:220~250 ,</a:t>
+            </a:r>
+            <a:r>
+              <a:rPr lang="ko-KR" altLang="en-US" dirty="0">
+                <a:latin typeface="HY헤드라인M" panose="02030600000101010101" pitchFamily="18" charset="-127"/>
+                <a:ea typeface="HY헤드라인M" panose="02030600000101010101" pitchFamily="18" charset="-127"/>
+              </a:rPr>
+              <a:t>최대</a:t>
+            </a:r>
+            <a:r>
+              <a:rPr lang="en-US" altLang="ko-KR" dirty="0">
+                <a:latin typeface="HY헤드라인M" panose="02030600000101010101" pitchFamily="18" charset="-127"/>
+                <a:ea typeface="HY헤드라인M" panose="02030600000101010101" pitchFamily="18" charset="-127"/>
+              </a:rPr>
+              <a:t>: 320~350 Km/h</a:t>
             </a:r>
             <a:endParaRPr lang="ko-KR" altLang="en-US" dirty="0">
               <a:latin typeface="HY헤드라인M" panose="02030600000101010101" pitchFamily="18" charset="-127"/>
@@ -19179,7 +19200,21 @@
                 <a:latin typeface="HY헤드라인M" panose="02030600000101010101" pitchFamily="18" charset="-127"/>
                 <a:ea typeface="HY헤드라인M" panose="02030600000101010101" pitchFamily="18" charset="-127"/>
               </a:rPr>
-              <a:t>           500 X 1000 X 200 M (</a:t>
+              <a:t>           500 X 1000 </a:t>
+            </a:r>
+            <a:r>
+              <a:rPr lang="en-US" altLang="ko-KR">
+                <a:latin typeface="HY헤드라인M" panose="02030600000101010101" pitchFamily="18" charset="-127"/>
+                <a:ea typeface="HY헤드라인M" panose="02030600000101010101" pitchFamily="18" charset="-127"/>
+              </a:rPr>
+              <a:t>X 5 </a:t>
+            </a:r>
+            <a:r>
+              <a:rPr lang="en-US" altLang="ko-KR" dirty="0">
+                <a:latin typeface="HY헤드라인M" panose="02030600000101010101" pitchFamily="18" charset="-127"/>
+                <a:ea typeface="HY헤드라인M" panose="02030600000101010101" pitchFamily="18" charset="-127"/>
+              </a:rPr>
+              <a:t>M (</a:t>
             </a:r>
             <a:r>
               <a:rPr lang="ko-KR" altLang="en-US" dirty="0">

--- a/기획단계/졸작 제안서_α.pptx
+++ b/기획단계/졸작 제안서_α.pptx
@@ -308,7 +308,7 @@
             <a:fld id="{B61BEF0D-F0BB-DE4B-95CE-6DB70DBA9567}" type="datetimeFigureOut">
               <a:rPr lang="en-US" smtClean="0"/>
               <a:pPr/>
-              <a:t>12/2/2019</a:t>
+              <a:t>12/3/2019</a:t>
             </a:fld>
             <a:endParaRPr lang="en-US" dirty="0"/>
           </a:p>
@@ -537,7 +537,7 @@
           <a:p>
             <a:fld id="{55C6B4A9-1611-4792-9094-5F34BCA07E0B}" type="datetimeFigureOut">
               <a:rPr lang="en-US" smtClean="0"/>
-              <a:t>12/2/2019</a:t>
+              <a:t>12/3/2019</a:t>
             </a:fld>
             <a:endParaRPr lang="en-US" dirty="0"/>
           </a:p>
@@ -718,7 +718,7 @@
             <a:fld id="{B61BEF0D-F0BB-DE4B-95CE-6DB70DBA9567}" type="datetimeFigureOut">
               <a:rPr lang="en-US" smtClean="0"/>
               <a:pPr/>
-              <a:t>12/2/2019</a:t>
+              <a:t>12/3/2019</a:t>
             </a:fld>
             <a:endParaRPr lang="en-US" dirty="0"/>
           </a:p>
@@ -889,7 +889,7 @@
           <a:p>
             <a:fld id="{42A54C80-263E-416B-A8E0-580EDEADCBDC}" type="datetimeFigureOut">
               <a:rPr lang="en-US" smtClean="0"/>
-              <a:t>12/2/2019</a:t>
+              <a:t>12/3/2019</a:t>
             </a:fld>
             <a:endParaRPr lang="en-US" dirty="0"/>
           </a:p>
@@ -1144,7 +1144,7 @@
             <a:fld id="{B61BEF0D-F0BB-DE4B-95CE-6DB70DBA9567}" type="datetimeFigureOut">
               <a:rPr lang="en-US" smtClean="0"/>
               <a:pPr/>
-              <a:t>12/2/2019</a:t>
+              <a:t>12/3/2019</a:t>
             </a:fld>
             <a:endParaRPr lang="en-US" dirty="0"/>
           </a:p>
@@ -1471,7 +1471,7 @@
           <a:p>
             <a:fld id="{42A54C80-263E-416B-A8E0-580EDEADCBDC}" type="datetimeFigureOut">
               <a:rPr lang="en-US" smtClean="0"/>
-              <a:t>12/2/2019</a:t>
+              <a:t>12/3/2019</a:t>
             </a:fld>
             <a:endParaRPr lang="en-US" dirty="0"/>
           </a:p>
@@ -1923,7 +1923,7 @@
             <a:fld id="{B61BEF0D-F0BB-DE4B-95CE-6DB70DBA9567}" type="datetimeFigureOut">
               <a:rPr lang="en-US" smtClean="0"/>
               <a:pPr/>
-              <a:t>12/2/2019</a:t>
+              <a:t>12/3/2019</a:t>
             </a:fld>
             <a:endParaRPr lang="en-US" dirty="0"/>
           </a:p>
@@ -2043,7 +2043,7 @@
             <a:fld id="{B61BEF0D-F0BB-DE4B-95CE-6DB70DBA9567}" type="datetimeFigureOut">
               <a:rPr lang="en-US" smtClean="0"/>
               <a:pPr/>
-              <a:t>12/2/2019</a:t>
+              <a:t>12/3/2019</a:t>
             </a:fld>
             <a:endParaRPr lang="en-US" dirty="0"/>
           </a:p>
@@ -2140,7 +2140,7 @@
             <a:fld id="{B61BEF0D-F0BB-DE4B-95CE-6DB70DBA9567}" type="datetimeFigureOut">
               <a:rPr lang="en-US" smtClean="0"/>
               <a:pPr/>
-              <a:t>12/2/2019</a:t>
+              <a:t>12/3/2019</a:t>
             </a:fld>
             <a:endParaRPr lang="en-US" dirty="0"/>
           </a:p>
@@ -2428,7 +2428,7 @@
           <a:p>
             <a:fld id="{42A54C80-263E-416B-A8E0-580EDEADCBDC}" type="datetimeFigureOut">
               <a:rPr lang="en-US" smtClean="0"/>
-              <a:t>12/2/2019</a:t>
+              <a:t>12/3/2019</a:t>
             </a:fld>
             <a:endParaRPr lang="en-US" dirty="0"/>
           </a:p>
@@ -2751,7 +2751,7 @@
             <a:fld id="{B61BEF0D-F0BB-DE4B-95CE-6DB70DBA9567}" type="datetimeFigureOut">
               <a:rPr lang="en-US" smtClean="0"/>
               <a:pPr/>
-              <a:t>12/2/2019</a:t>
+              <a:t>12/3/2019</a:t>
             </a:fld>
             <a:endParaRPr lang="en-US" dirty="0"/>
           </a:p>
@@ -3007,7 +3007,7 @@
             <a:fld id="{B61BEF0D-F0BB-DE4B-95CE-6DB70DBA9567}" type="datetimeFigureOut">
               <a:rPr lang="en-US" smtClean="0"/>
               <a:pPr/>
-              <a:t>12/2/2019</a:t>
+              <a:t>12/3/2019</a:t>
             </a:fld>
             <a:endParaRPr lang="en-US" dirty="0"/>
           </a:p>
@@ -18883,7 +18883,7 @@
         </p:nvSpPr>
         <p:spPr>
           <a:xfrm>
-            <a:off x="1298101" y="5219700"/>
+            <a:off x="1298101" y="5219699"/>
             <a:ext cx="4676775" cy="646330"/>
           </a:xfrm>
           <a:prstGeom prst="rect">
@@ -18919,11 +18919,25 @@
           <a:p>
             <a:pPr algn="ctr"/>
             <a:r>
+              <a:rPr lang="en-US" altLang="ko-KR" dirty="0">
+                <a:latin typeface="HY헤드라인M" panose="02030600000101010101" pitchFamily="18" charset="-127"/>
+                <a:ea typeface="HY헤드라인M" panose="02030600000101010101" pitchFamily="18" charset="-127"/>
+              </a:rPr>
+              <a:t>0.5X 2 </a:t>
+            </a:r>
+            <a:r>
               <a:rPr lang="en-US" altLang="ko-KR">
                 <a:latin typeface="HY헤드라인M" panose="02030600000101010101" pitchFamily="18" charset="-127"/>
                 <a:ea typeface="HY헤드라인M" panose="02030600000101010101" pitchFamily="18" charset="-127"/>
               </a:rPr>
-              <a:t>-</a:t>
+              <a:t>X 3 </a:t>
+            </a:r>
+            <a:r>
+              <a:rPr lang="en-US" altLang="ko-KR" dirty="0">
+                <a:latin typeface="HY헤드라인M" panose="02030600000101010101" pitchFamily="18" charset="-127"/>
+                <a:ea typeface="HY헤드라인M" panose="02030600000101010101" pitchFamily="18" charset="-127"/>
+              </a:rPr>
+              <a:t>m</a:t>
             </a:r>
             <a:endParaRPr lang="ko-KR" altLang="en-US" dirty="0">
               <a:latin typeface="HY헤드라인M" panose="02030600000101010101" pitchFamily="18" charset="-127"/>
@@ -19200,35 +19214,7 @@
                 <a:latin typeface="HY헤드라인M" panose="02030600000101010101" pitchFamily="18" charset="-127"/>
                 <a:ea typeface="HY헤드라인M" panose="02030600000101010101" pitchFamily="18" charset="-127"/>
               </a:rPr>
-              <a:t>           500 X 1000 </a:t>
-            </a:r>
-            <a:r>
-              <a:rPr lang="en-US" altLang="ko-KR">
-                <a:latin typeface="HY헤드라인M" panose="02030600000101010101" pitchFamily="18" charset="-127"/>
-                <a:ea typeface="HY헤드라인M" panose="02030600000101010101" pitchFamily="18" charset="-127"/>
-              </a:rPr>
-              <a:t>X 5 </a:t>
-            </a:r>
-            <a:r>
-              <a:rPr lang="en-US" altLang="ko-KR" dirty="0">
-                <a:latin typeface="HY헤드라인M" panose="02030600000101010101" pitchFamily="18" charset="-127"/>
-                <a:ea typeface="HY헤드라인M" panose="02030600000101010101" pitchFamily="18" charset="-127"/>
-              </a:rPr>
-              <a:t>M (</a:t>
-            </a:r>
-            <a:r>
-              <a:rPr lang="ko-KR" altLang="en-US" dirty="0">
-                <a:latin typeface="HY헤드라인M" panose="02030600000101010101" pitchFamily="18" charset="-127"/>
-                <a:ea typeface="HY헤드라인M" panose="02030600000101010101" pitchFamily="18" charset="-127"/>
-              </a:rPr>
-              <a:t>트랙 크기</a:t>
-            </a:r>
-            <a:r>
-              <a:rPr lang="en-US" altLang="ko-KR" dirty="0">
-                <a:latin typeface="HY헤드라인M" panose="02030600000101010101" pitchFamily="18" charset="-127"/>
-                <a:ea typeface="HY헤드라인M" panose="02030600000101010101" pitchFamily="18" charset="-127"/>
-              </a:rPr>
-              <a:t>x)</a:t>
+              <a:t>           500 X 5 X1000 M</a:t>
             </a:r>
             <a:endParaRPr lang="ko-KR" altLang="en-US" dirty="0">
               <a:latin typeface="HY헤드라인M" panose="02030600000101010101" pitchFamily="18" charset="-127"/>

--- a/기획단계/졸작 제안서_α.pptx
+++ b/기획단계/졸작 제안서_α.pptx
@@ -19347,7 +19347,7 @@
                 <a:latin typeface="HY헤드라인M" panose="02030600000101010101" pitchFamily="18" charset="-127"/>
                 <a:ea typeface="HY헤드라인M" panose="02030600000101010101" pitchFamily="18" charset="-127"/>
               </a:rPr>
-              <a:t>간단한 게임이 인기를 끌고있고 아이들도 게임에 쉽게 </a:t>
+              <a:t>간단한 게임이 인기를 끌고있고 누구나 쉽게 게임을 </a:t>
             </a:r>
             <a:endParaRPr lang="en-US" altLang="ko-KR" sz="1600" dirty="0">
               <a:latin typeface="HY헤드라인M" panose="02030600000101010101" pitchFamily="18" charset="-127"/>
@@ -19360,20 +19360,21 @@
                 <a:latin typeface="HY헤드라인M" panose="02030600000101010101" pitchFamily="18" charset="-127"/>
                 <a:ea typeface="HY헤드라인M" panose="02030600000101010101" pitchFamily="18" charset="-127"/>
               </a:rPr>
-              <a:t>접할 수 있게 된 현재 아이들이 좋아하는 공룡을 이용해서</a:t>
-            </a:r>
-            <a:endParaRPr lang="en-US" altLang="ko-KR" sz="1600" dirty="0">
-              <a:latin typeface="HY헤드라인M" panose="02030600000101010101" pitchFamily="18" charset="-127"/>
-              <a:ea typeface="HY헤드라인M" panose="02030600000101010101" pitchFamily="18" charset="-127"/>
-            </a:endParaRPr>
-          </a:p>
-          <a:p>
+              <a:t>접할 수 있게 된 현재</a:t>
+            </a:r>
+            <a:r>
+              <a:rPr lang="en-US" altLang="ko-KR" sz="1600" dirty="0">
+                <a:latin typeface="HY헤드라인M" panose="02030600000101010101" pitchFamily="18" charset="-127"/>
+                <a:ea typeface="HY헤드라인M" panose="02030600000101010101" pitchFamily="18" charset="-127"/>
+              </a:rPr>
+              <a:t>,</a:t>
+            </a:r>
             <a:r>
               <a:rPr lang="ko-KR" altLang="en-US" sz="1600" dirty="0">
                 <a:latin typeface="HY헤드라인M" panose="02030600000101010101" pitchFamily="18" charset="-127"/>
                 <a:ea typeface="HY헤드라인M" panose="02030600000101010101" pitchFamily="18" charset="-127"/>
               </a:rPr>
-              <a:t>누구나 쉽고 간단하게 즐길 수 있는 캐주얼 레이싱을 만든다</a:t>
+              <a:t> 아이들이 좋아하는 공룡을 이용해서 쉽고 간단하게 즐길 수 있는 캐주얼 레이싱을 만든다</a:t>
             </a:r>
             <a:r>
               <a:rPr lang="en-US" altLang="ko-KR" sz="1600" dirty="0">

--- a/기획단계/졸작 제안서_α.pptx
+++ b/기획단계/졸작 제안서_α.pptx
@@ -6257,8 +6257,8 @@
         </p:nvSpPr>
         <p:spPr>
           <a:xfrm>
-            <a:off x="1656790" y="2052918"/>
-            <a:ext cx="8878420" cy="1062318"/>
+            <a:off x="1214718" y="2052918"/>
+            <a:ext cx="9762564" cy="864739"/>
           </a:xfrm>
           <a:prstGeom prst="rect">
             <a:avLst/>
@@ -6295,34 +6295,34 @@
           <a:lstStyle/>
           <a:p>
             <a:r>
-              <a:rPr lang="ko-KR" altLang="en-US" sz="2000" dirty="0">
+              <a:rPr lang="ko-KR" altLang="en-US" sz="1600" dirty="0">
                 <a:latin typeface="HY헤드라인M" panose="02030600000101010101" pitchFamily="18" charset="-127"/>
                 <a:ea typeface="HY헤드라인M" panose="02030600000101010101" pitchFamily="18" charset="-127"/>
               </a:rPr>
               <a:t>언제나 같은 능력치를 가진 탈 것들</a:t>
             </a:r>
-            <a:endParaRPr lang="en-US" altLang="ko-KR" sz="2000" dirty="0">
+            <a:endParaRPr lang="en-US" altLang="ko-KR" sz="1600" dirty="0">
               <a:latin typeface="HY헤드라인M" panose="02030600000101010101" pitchFamily="18" charset="-127"/>
               <a:ea typeface="HY헤드라인M" panose="02030600000101010101" pitchFamily="18" charset="-127"/>
             </a:endParaRPr>
           </a:p>
           <a:p>
             <a:r>
-              <a:rPr lang="en-US" altLang="ko-KR" sz="2000" dirty="0">
+              <a:rPr lang="en-US" altLang="ko-KR" sz="1600" dirty="0">
                 <a:latin typeface="HY헤드라인M" panose="02030600000101010101" pitchFamily="18" charset="-127"/>
                 <a:ea typeface="HY헤드라인M" panose="02030600000101010101" pitchFamily="18" charset="-127"/>
               </a:rPr>
               <a:t>					</a:t>
             </a:r>
             <a:r>
-              <a:rPr lang="ko-KR" altLang="en-US" sz="2000" dirty="0">
+              <a:rPr lang="ko-KR" altLang="en-US" sz="1600" dirty="0">
                 <a:latin typeface="HY헤드라인M" panose="02030600000101010101" pitchFamily="18" charset="-127"/>
                 <a:ea typeface="HY헤드라인M" panose="02030600000101010101" pitchFamily="18" charset="-127"/>
               </a:rPr>
               <a:t> </a:t>
             </a:r>
             <a:r>
-              <a:rPr lang="en-US" altLang="ko-KR" sz="2000" dirty="0">
+              <a:rPr lang="en-US" altLang="ko-KR" sz="1600" dirty="0">
                 <a:latin typeface="HY헤드라인M" panose="02030600000101010101" pitchFamily="18" charset="-127"/>
                 <a:ea typeface="HY헤드라인M" panose="02030600000101010101" pitchFamily="18" charset="-127"/>
               </a:rPr>
@@ -6331,20 +6331,20 @@
           </a:p>
           <a:p>
             <a:r>
-              <a:rPr lang="en-US" altLang="ko-KR" sz="2000" dirty="0">
+              <a:rPr lang="en-US" altLang="ko-KR" sz="1600" dirty="0">
                 <a:latin typeface="HY헤드라인M" panose="02030600000101010101" pitchFamily="18" charset="-127"/>
                 <a:ea typeface="HY헤드라인M" panose="02030600000101010101" pitchFamily="18" charset="-127"/>
               </a:rPr>
               <a:t>					</a:t>
             </a:r>
             <a:r>
-              <a:rPr lang="ko-KR" altLang="en-US" sz="2000" dirty="0">
+              <a:rPr lang="ko-KR" altLang="en-US" sz="1600" dirty="0">
                 <a:latin typeface="HY헤드라인M" panose="02030600000101010101" pitchFamily="18" charset="-127"/>
                 <a:ea typeface="HY헤드라인M" panose="02030600000101010101" pitchFamily="18" charset="-127"/>
               </a:rPr>
               <a:t>매 게임마다 실시간으로 능력치가 변하는 탈 것</a:t>
             </a:r>
-            <a:endParaRPr lang="en-US" altLang="ko-KR" sz="2400" dirty="0">
+            <a:endParaRPr lang="en-US" altLang="ko-KR" sz="1600" dirty="0">
               <a:latin typeface="HY헤드라인M" panose="02030600000101010101" pitchFamily="18" charset="-127"/>
               <a:ea typeface="HY헤드라인M" panose="02030600000101010101" pitchFamily="18" charset="-127"/>
             </a:endParaRPr>
@@ -6365,8 +6365,8 @@
         </p:nvSpPr>
         <p:spPr>
           <a:xfrm>
-            <a:off x="1656790" y="4128602"/>
-            <a:ext cx="8878420" cy="1062318"/>
+            <a:off x="1214718" y="4200320"/>
+            <a:ext cx="9762564" cy="864739"/>
           </a:xfrm>
           <a:prstGeom prst="rect">
             <a:avLst/>
@@ -6402,60 +6402,130 @@
           <a:bodyPr rtlCol="0" anchor="t"/>
           <a:lstStyle/>
           <a:p>
-            <a:r>
-              <a:rPr lang="ko-KR" altLang="en-US" sz="2000" dirty="0">
+            <a:pPr algn="ctr"/>
+            <a:r>
+              <a:rPr lang="ko-KR" altLang="en-US" sz="1600" dirty="0">
                 <a:latin typeface="HY헤드라인M" panose="02030600000101010101" pitchFamily="18" charset="-127"/>
                 <a:ea typeface="HY헤드라인M" panose="02030600000101010101" pitchFamily="18" charset="-127"/>
               </a:rPr>
-              <a:t>진입 장벽이 높은 기존 레이싱 게임</a:t>
-            </a:r>
-            <a:endParaRPr lang="en-US" altLang="ko-KR" sz="2000" dirty="0">
+              <a:t>여러가지 레이싱 게임이 존재했지만 아이들이 좋아하는 공룡을 주체로 하는 레이싱 게임이 존재하지 않음</a:t>
+            </a:r>
+            <a:endParaRPr lang="en-US" altLang="ko-KR" sz="1600" dirty="0">
               <a:latin typeface="HY헤드라인M" panose="02030600000101010101" pitchFamily="18" charset="-127"/>
               <a:ea typeface="HY헤드라인M" panose="02030600000101010101" pitchFamily="18" charset="-127"/>
             </a:endParaRPr>
           </a:p>
           <a:p>
-            <a:r>
-              <a:rPr lang="en-US" altLang="ko-KR" sz="2000" dirty="0">
+            <a:pPr algn="ctr"/>
+            <a:r>
+              <a:rPr lang="ko-KR" altLang="en-US" sz="1600" dirty="0">
                 <a:latin typeface="HY헤드라인M" panose="02030600000101010101" pitchFamily="18" charset="-127"/>
                 <a:ea typeface="HY헤드라인M" panose="02030600000101010101" pitchFamily="18" charset="-127"/>
               </a:rPr>
-              <a:t>					</a:t>
-            </a:r>
-            <a:r>
-              <a:rPr lang="ko-KR" altLang="en-US" sz="2000" dirty="0">
+              <a:t>↓</a:t>
+            </a:r>
+            <a:r>
+              <a:rPr lang="en-US" altLang="ko-KR" sz="1600" dirty="0">
                 <a:latin typeface="HY헤드라인M" panose="02030600000101010101" pitchFamily="18" charset="-127"/>
                 <a:ea typeface="HY헤드라인M" panose="02030600000101010101" pitchFamily="18" charset="-127"/>
               </a:rPr>
-              <a:t> </a:t>
-            </a:r>
-            <a:r>
-              <a:rPr lang="en-US" altLang="ko-KR" sz="2000" dirty="0">
+              <a:t>	</a:t>
+            </a:r>
+          </a:p>
+          <a:p>
+            <a:pPr algn="ctr"/>
+            <a:r>
+              <a:rPr lang="ko-KR" altLang="en-US" sz="1600" dirty="0">
                 <a:latin typeface="HY헤드라인M" panose="02030600000101010101" pitchFamily="18" charset="-127"/>
                 <a:ea typeface="HY헤드라인M" panose="02030600000101010101" pitchFamily="18" charset="-127"/>
               </a:rPr>
-              <a:t>-&gt; </a:t>
-            </a:r>
-          </a:p>
-          <a:p>
-            <a:r>
-              <a:rPr lang="en-US" altLang="ko-KR" sz="2000" dirty="0">
+              <a:t>공룡을 주체로 레이싱을 만들어 아이들의 관심을 얻을 수 있다</a:t>
+            </a:r>
+            <a:r>
+              <a:rPr lang="en-US" altLang="ko-KR" sz="1600" dirty="0">
                 <a:latin typeface="HY헤드라인M" panose="02030600000101010101" pitchFamily="18" charset="-127"/>
                 <a:ea typeface="HY헤드라인M" panose="02030600000101010101" pitchFamily="18" charset="-127"/>
               </a:rPr>
-              <a:t>					</a:t>
-            </a:r>
-            <a:r>
-              <a:rPr lang="ko-KR" altLang="en-US" sz="2000" dirty="0">
+              <a:t>.</a:t>
+            </a:r>
+          </a:p>
+        </p:txBody>
+      </p:sp>
+      <p:sp>
+        <p:nvSpPr>
+          <p:cNvPr id="7" name="TextBox 6">
+            <a:extLst>
+              <a:ext uri="{FF2B5EF4-FFF2-40B4-BE49-F238E27FC236}">
+                <a16:creationId xmlns:a16="http://schemas.microsoft.com/office/drawing/2014/main" id="{08AA237F-F944-4834-AD59-A9BB6D807A8A}"/>
+              </a:ext>
+            </a:extLst>
+          </p:cNvPr>
+          <p:cNvSpPr txBox="1"/>
+          <p:nvPr/>
+        </p:nvSpPr>
+        <p:spPr>
+          <a:xfrm>
+            <a:off x="668101" y="3864338"/>
+            <a:ext cx="2317146" cy="307777"/>
+          </a:xfrm>
+          <a:prstGeom prst="rect">
+            <a:avLst/>
+          </a:prstGeom>
+          <a:noFill/>
+        </p:spPr>
+        <p:txBody>
+          <a:bodyPr wrap="square" rtlCol="0">
+            <a:spAutoFit/>
+          </a:bodyPr>
+          <a:lstStyle/>
+          <a:p>
+            <a:r>
+              <a:rPr lang="ko-KR" altLang="en-US" sz="1400" dirty="0">
                 <a:latin typeface="HY헤드라인M" panose="02030600000101010101" pitchFamily="18" charset="-127"/>
                 <a:ea typeface="HY헤드라인M" panose="02030600000101010101" pitchFamily="18" charset="-127"/>
               </a:rPr>
-              <a:t>간단한 조작과 통일된 탈 것으로 진입장벽을 낮춤</a:t>
-            </a:r>
-            <a:endParaRPr lang="en-US" altLang="ko-KR" sz="2400" dirty="0">
-              <a:latin typeface="HY헤드라인M" panose="02030600000101010101" pitchFamily="18" charset="-127"/>
-              <a:ea typeface="HY헤드라인M" panose="02030600000101010101" pitchFamily="18" charset="-127"/>
-            </a:endParaRPr>
+              <a:t>여러가지 레이싱 게임 비교</a:t>
+            </a:r>
+            <a:endParaRPr lang="ko-KR" altLang="en-US" sz="1400" dirty="0"/>
+          </a:p>
+        </p:txBody>
+      </p:sp>
+      <p:sp>
+        <p:nvSpPr>
+          <p:cNvPr id="8" name="TextBox 7">
+            <a:extLst>
+              <a:ext uri="{FF2B5EF4-FFF2-40B4-BE49-F238E27FC236}">
+                <a16:creationId xmlns:a16="http://schemas.microsoft.com/office/drawing/2014/main" id="{7732BE12-04EB-440F-BDC3-B718E56046B8}"/>
+              </a:ext>
+            </a:extLst>
+          </p:cNvPr>
+          <p:cNvSpPr txBox="1"/>
+          <p:nvPr/>
+        </p:nvSpPr>
+        <p:spPr>
+          <a:xfrm>
+            <a:off x="668100" y="1731038"/>
+            <a:ext cx="3321193" cy="307777"/>
+          </a:xfrm>
+          <a:prstGeom prst="rect">
+            <a:avLst/>
+          </a:prstGeom>
+          <a:noFill/>
+        </p:spPr>
+        <p:txBody>
+          <a:bodyPr wrap="square" rtlCol="0">
+            <a:spAutoFit/>
+          </a:bodyPr>
+          <a:lstStyle/>
+          <a:p>
+            <a:r>
+              <a:rPr lang="ko-KR" altLang="en-US" sz="1400">
+                <a:latin typeface="HY헤드라인M" panose="02030600000101010101" pitchFamily="18" charset="-127"/>
+                <a:ea typeface="HY헤드라인M" panose="02030600000101010101" pitchFamily="18" charset="-127"/>
+              </a:rPr>
+              <a:t>대표적 캐주얼 게임 카트라이더와 비교</a:t>
+            </a:r>
+            <a:endParaRPr lang="ko-KR" altLang="en-US" sz="1400" dirty="0"/>
           </a:p>
         </p:txBody>
       </p:sp>

--- a/기획단계/졸작 제안서_α.pptx
+++ b/기획단계/졸작 제안서_α.pptx
@@ -21,6 +21,7 @@
     <p:sldId id="270" r:id="rId15"/>
     <p:sldId id="271" r:id="rId16"/>
     <p:sldId id="259" r:id="rId17"/>
+    <p:sldId id="273" r:id="rId18"/>
   </p:sldIdLst>
   <p:sldSz cx="12192000" cy="6858000"/>
   <p:notesSz cx="6858000" cy="9144000"/>
@@ -4053,7 +4054,7 @@
         <p:spPr>
           <a:xfrm>
             <a:off x="1924051" y="3175891"/>
-            <a:ext cx="8878420" cy="3288888"/>
+            <a:ext cx="8878420" cy="2821497"/>
           </a:xfrm>
           <a:prstGeom prst="rect">
             <a:avLst/>
@@ -4166,37 +4167,12 @@
                 <a:latin typeface="HY헤드라인M" panose="02030600000101010101" pitchFamily="18" charset="-127"/>
                 <a:ea typeface="HY헤드라인M" panose="02030600000101010101" pitchFamily="18" charset="-127"/>
               </a:rPr>
-              <a:t>물리엔진을 사용한 카메라</a:t>
+              <a:t>물리현상을 사용하여 구현한 카메라</a:t>
             </a:r>
             <a:endParaRPr lang="en-US" altLang="ko-KR" sz="2400" dirty="0">
               <a:latin typeface="HY헤드라인M" panose="02030600000101010101" pitchFamily="18" charset="-127"/>
               <a:ea typeface="HY헤드라인M" panose="02030600000101010101" pitchFamily="18" charset="-127"/>
             </a:endParaRPr>
-          </a:p>
-          <a:p>
-            <a:endParaRPr lang="en-US" altLang="ko-KR" sz="2400" dirty="0">
-              <a:latin typeface="HY헤드라인M" panose="02030600000101010101" pitchFamily="18" charset="-127"/>
-              <a:ea typeface="HY헤드라인M" panose="02030600000101010101" pitchFamily="18" charset="-127"/>
-            </a:endParaRPr>
-          </a:p>
-          <a:p>
-            <a:r>
-              <a:rPr lang="en-US" altLang="ko-KR" sz="2400" dirty="0">
-                <a:latin typeface="HY헤드라인M" panose="02030600000101010101" pitchFamily="18" charset="-127"/>
-                <a:ea typeface="HY헤드라인M" panose="02030600000101010101" pitchFamily="18" charset="-127"/>
-              </a:rPr>
-              <a:t>	-	</a:t>
-            </a:r>
-            <a:r>
-              <a:rPr lang="ko-KR" altLang="en-US" sz="2400" dirty="0">
-                <a:latin typeface="HY헤드라인M" panose="02030600000101010101" pitchFamily="18" charset="-127"/>
-                <a:ea typeface="HY헤드라인M" panose="02030600000101010101" pitchFamily="18" charset="-127"/>
-              </a:rPr>
-              <a:t>물리엔진의 실시간 처리</a:t>
-            </a:r>
-          </a:p>
-          <a:p>
-            <a:endParaRPr lang="ko-KR" altLang="en-US" sz="2000" dirty="0"/>
           </a:p>
         </p:txBody>
       </p:sp>
@@ -5844,8 +5820,8 @@
         </p:nvSpPr>
         <p:spPr>
           <a:xfrm>
-            <a:off x="1656790" y="2215302"/>
-            <a:ext cx="8878420" cy="1836749"/>
+            <a:off x="1656790" y="2215303"/>
+            <a:ext cx="8878420" cy="1370580"/>
           </a:xfrm>
           <a:prstGeom prst="rect">
             <a:avLst/>
@@ -5931,25 +5907,6 @@
               <a:latin typeface="HY헤드라인M" panose="02030600000101010101" pitchFamily="18" charset="-127"/>
               <a:ea typeface="HY헤드라인M" panose="02030600000101010101" pitchFamily="18" charset="-127"/>
             </a:endParaRPr>
-          </a:p>
-          <a:p>
-            <a:r>
-              <a:rPr lang="en-US" altLang="ko-KR" sz="2000" dirty="0">
-                <a:latin typeface="HY헤드라인M" panose="02030600000101010101" pitchFamily="18" charset="-127"/>
-                <a:ea typeface="HY헤드라인M" panose="02030600000101010101" pitchFamily="18" charset="-127"/>
-              </a:rPr>
-              <a:t>	-	</a:t>
-            </a:r>
-            <a:r>
-              <a:rPr lang="ko-KR" altLang="en-US" sz="2000" dirty="0">
-                <a:latin typeface="HY헤드라인M" panose="02030600000101010101" pitchFamily="18" charset="-127"/>
-                <a:ea typeface="HY헤드라인M" panose="02030600000101010101" pitchFamily="18" charset="-127"/>
-              </a:rPr>
-              <a:t>물리 엔진</a:t>
-            </a:r>
-          </a:p>
-          <a:p>
-            <a:endParaRPr lang="ko-KR" altLang="en-US" sz="2000" dirty="0"/>
           </a:p>
         </p:txBody>
       </p:sp>
@@ -6294,12 +6251,27 @@
           <a:bodyPr rtlCol="0" anchor="t"/>
           <a:lstStyle/>
           <a:p>
+            <a:pPr algn="ctr"/>
             <a:r>
               <a:rPr lang="ko-KR" altLang="en-US" sz="1600" dirty="0">
                 <a:latin typeface="HY헤드라인M" panose="02030600000101010101" pitchFamily="18" charset="-127"/>
                 <a:ea typeface="HY헤드라인M" panose="02030600000101010101" pitchFamily="18" charset="-127"/>
               </a:rPr>
-              <a:t>언제나 같은 능력치를 가진 탈 것들</a:t>
+              <a:t>한 게임에서 같은 공간을 </a:t>
+            </a:r>
+            <a:r>
+              <a:rPr lang="en-US" altLang="ko-KR" sz="1600" dirty="0">
+                <a:latin typeface="HY헤드라인M" panose="02030600000101010101" pitchFamily="18" charset="-127"/>
+                <a:ea typeface="HY헤드라인M" panose="02030600000101010101" pitchFamily="18" charset="-127"/>
+              </a:rPr>
+              <a:t>2~3</a:t>
+            </a:r>
+            <a:r>
+              <a:rPr lang="ko-KR" altLang="en-US" sz="1600" dirty="0">
+                <a:latin typeface="HY헤드라인M" panose="02030600000101010101" pitchFamily="18" charset="-127"/>
+                <a:ea typeface="HY헤드라인M" panose="02030600000101010101" pitchFamily="18" charset="-127"/>
+              </a:rPr>
+              <a:t>번 지나가는 반복 구조</a:t>
             </a:r>
             <a:endParaRPr lang="en-US" altLang="ko-KR" sz="1600" dirty="0">
               <a:latin typeface="HY헤드라인M" panose="02030600000101010101" pitchFamily="18" charset="-127"/>
@@ -6307,42 +6279,30 @@
             </a:endParaRPr>
           </a:p>
           <a:p>
+            <a:pPr algn="ctr"/>
+            <a:r>
+              <a:rPr lang="ko-KR" altLang="en-US" sz="1600" dirty="0">
+                <a:latin typeface="HY헤드라인M" panose="02030600000101010101" pitchFamily="18" charset="-127"/>
+                <a:ea typeface="HY헤드라인M" panose="02030600000101010101" pitchFamily="18" charset="-127"/>
+              </a:rPr>
+              <a:t>↓ </a:t>
+            </a:r>
             <a:r>
               <a:rPr lang="en-US" altLang="ko-KR" sz="1600" dirty="0">
                 <a:latin typeface="HY헤드라인M" panose="02030600000101010101" pitchFamily="18" charset="-127"/>
                 <a:ea typeface="HY헤드라인M" panose="02030600000101010101" pitchFamily="18" charset="-127"/>
               </a:rPr>
-              <a:t>					</a:t>
-            </a:r>
+              <a:t>	</a:t>
+            </a:r>
+          </a:p>
+          <a:p>
+            <a:pPr algn="ctr"/>
             <a:r>
               <a:rPr lang="ko-KR" altLang="en-US" sz="1600" dirty="0">
                 <a:latin typeface="HY헤드라인M" panose="02030600000101010101" pitchFamily="18" charset="-127"/>
                 <a:ea typeface="HY헤드라인M" panose="02030600000101010101" pitchFamily="18" charset="-127"/>
               </a:rPr>
-              <a:t> </a:t>
-            </a:r>
-            <a:r>
-              <a:rPr lang="en-US" altLang="ko-KR" sz="1600" dirty="0">
-                <a:latin typeface="HY헤드라인M" panose="02030600000101010101" pitchFamily="18" charset="-127"/>
-                <a:ea typeface="HY헤드라인M" panose="02030600000101010101" pitchFamily="18" charset="-127"/>
-              </a:rPr>
-              <a:t>-&gt; </a:t>
-            </a:r>
-          </a:p>
-          <a:p>
-            <a:r>
-              <a:rPr lang="en-US" altLang="ko-KR" sz="1600" dirty="0">
-                <a:latin typeface="HY헤드라인M" panose="02030600000101010101" pitchFamily="18" charset="-127"/>
-                <a:ea typeface="HY헤드라인M" panose="02030600000101010101" pitchFamily="18" charset="-127"/>
-              </a:rPr>
-              <a:t>					</a:t>
-            </a:r>
-            <a:r>
-              <a:rPr lang="ko-KR" altLang="en-US" sz="1600" dirty="0">
-                <a:latin typeface="HY헤드라인M" panose="02030600000101010101" pitchFamily="18" charset="-127"/>
-                <a:ea typeface="HY헤드라인M" panose="02030600000101010101" pitchFamily="18" charset="-127"/>
-              </a:rPr>
-              <a:t>매 게임마다 실시간으로 능력치가 변하는 탈 것</a:t>
+              <a:t>한 게임마다 트랙 한번만 완주하면 끝나는 구조 </a:t>
             </a:r>
             <a:endParaRPr lang="en-US" altLang="ko-KR" sz="1600" dirty="0">
               <a:latin typeface="HY헤드라인M" panose="02030600000101010101" pitchFamily="18" charset="-127"/>
@@ -6408,7 +6368,7 @@
                 <a:latin typeface="HY헤드라인M" panose="02030600000101010101" pitchFamily="18" charset="-127"/>
                 <a:ea typeface="HY헤드라인M" panose="02030600000101010101" pitchFamily="18" charset="-127"/>
               </a:rPr>
-              <a:t>여러가지 레이싱 게임이 존재했지만 아이들이 좋아하는 공룡을 주체로 하는 레이싱 게임이 존재하지 않음</a:t>
+              <a:t>여러가지 레이싱 게임이 존재하지만 아이들이 좋아하는 공룡을 주체로 하는 레이싱 게임이 존재하지 않음</a:t>
             </a:r>
             <a:endParaRPr lang="en-US" altLang="ko-KR" sz="1600" dirty="0">
               <a:latin typeface="HY헤드라인M" panose="02030600000101010101" pitchFamily="18" charset="-127"/>
@@ -17563,10 +17523,318 @@
           <a:chExt cx="0" cy="0"/>
         </a:xfrm>
       </p:grpSpPr>
+      <p:sp>
+        <p:nvSpPr>
+          <p:cNvPr id="2" name="TextBox 1">
+            <a:extLst>
+              <a:ext uri="{FF2B5EF4-FFF2-40B4-BE49-F238E27FC236}">
+                <a16:creationId xmlns:a16="http://schemas.microsoft.com/office/drawing/2014/main" id="{9302C9CF-2794-4786-867D-5E42ABCFD462}"/>
+              </a:ext>
+            </a:extLst>
+          </p:cNvPr>
+          <p:cNvSpPr txBox="1"/>
+          <p:nvPr/>
+        </p:nvSpPr>
+        <p:spPr>
+          <a:xfrm>
+            <a:off x="1419225" y="393221"/>
+            <a:ext cx="6838950" cy="646331"/>
+          </a:xfrm>
+          <a:prstGeom prst="rect">
+            <a:avLst/>
+          </a:prstGeom>
+          <a:noFill/>
+        </p:spPr>
+        <p:txBody>
+          <a:bodyPr wrap="square" rtlCol="0">
+            <a:spAutoFit/>
+          </a:bodyPr>
+          <a:lstStyle/>
+          <a:p>
+            <a:r>
+              <a:rPr lang="ko-KR" altLang="en-US" sz="3600" dirty="0">
+                <a:latin typeface="HY헤드라인M" panose="02030600000101010101" pitchFamily="18" charset="-127"/>
+                <a:ea typeface="HY헤드라인M" panose="02030600000101010101" pitchFamily="18" charset="-127"/>
+              </a:rPr>
+              <a:t>부록</a:t>
+            </a:r>
+            <a:endParaRPr lang="ko-KR" altLang="en-US" dirty="0"/>
+          </a:p>
+        </p:txBody>
+      </p:sp>
+      <p:pic>
+        <p:nvPicPr>
+          <p:cNvPr id="4" name="그림 3" descr="스크린샷이(가) 표시된 사진&#10;&#10;자동 생성된 설명">
+            <a:extLst>
+              <a:ext uri="{FF2B5EF4-FFF2-40B4-BE49-F238E27FC236}">
+                <a16:creationId xmlns:a16="http://schemas.microsoft.com/office/drawing/2014/main" id="{8D645102-F6B8-4181-AD93-FA2F05D9D754}"/>
+              </a:ext>
+            </a:extLst>
+          </p:cNvPr>
+          <p:cNvPicPr>
+            <a:picLocks noChangeAspect="1"/>
+          </p:cNvPicPr>
+          <p:nvPr/>
+        </p:nvPicPr>
+        <p:blipFill>
+          <a:blip r:embed="rId2"/>
+          <a:stretch>
+            <a:fillRect/>
+          </a:stretch>
+        </p:blipFill>
+        <p:spPr>
+          <a:xfrm>
+            <a:off x="4359018" y="393221"/>
+            <a:ext cx="6838950" cy="6235773"/>
+          </a:xfrm>
+          <a:prstGeom prst="rect">
+            <a:avLst/>
+          </a:prstGeom>
+        </p:spPr>
+      </p:pic>
+      <p:sp>
+        <p:nvSpPr>
+          <p:cNvPr id="9" name="TextBox 8">
+            <a:extLst>
+              <a:ext uri="{FF2B5EF4-FFF2-40B4-BE49-F238E27FC236}">
+                <a16:creationId xmlns:a16="http://schemas.microsoft.com/office/drawing/2014/main" id="{13EBEA47-6549-4B1E-AD17-6C6E4821C4D1}"/>
+              </a:ext>
+            </a:extLst>
+          </p:cNvPr>
+          <p:cNvSpPr txBox="1"/>
+          <p:nvPr/>
+        </p:nvSpPr>
+        <p:spPr>
+          <a:xfrm>
+            <a:off x="180975" y="2171700"/>
+            <a:ext cx="4038600" cy="1200329"/>
+          </a:xfrm>
+          <a:prstGeom prst="rect">
+            <a:avLst/>
+          </a:prstGeom>
+          <a:noFill/>
+        </p:spPr>
+        <p:txBody>
+          <a:bodyPr wrap="square" rtlCol="0">
+            <a:spAutoFit/>
+          </a:bodyPr>
+          <a:lstStyle/>
+          <a:p>
+            <a:r>
+              <a:rPr lang="ko-KR" altLang="en-US" dirty="0"/>
+              <a:t>아이들 쪽으로 잡은 이유</a:t>
+            </a:r>
+            <a:endParaRPr lang="en-US" altLang="ko-KR" dirty="0"/>
+          </a:p>
+          <a:p>
+            <a:r>
+              <a:rPr lang="en-US" altLang="ko-KR" dirty="0"/>
+              <a:t>-</a:t>
+            </a:r>
+          </a:p>
+          <a:p>
+            <a:r>
+              <a:rPr lang="ko-KR" altLang="en-US" dirty="0"/>
+              <a:t>게임 시작 연령이 </a:t>
+            </a:r>
+            <a:r>
+              <a:rPr lang="en-US" altLang="ko-KR" dirty="0"/>
+              <a:t>10</a:t>
+            </a:r>
+            <a:r>
+              <a:rPr lang="ko-KR" altLang="en-US" dirty="0"/>
+              <a:t>대부터 시작되기때문에 </a:t>
+            </a:r>
+          </a:p>
+        </p:txBody>
+      </p:sp>
     </p:spTree>
     <p:extLst>
       <p:ext uri="{BB962C8B-B14F-4D97-AF65-F5344CB8AC3E}">
         <p14:creationId xmlns:p14="http://schemas.microsoft.com/office/powerpoint/2010/main" val="849268608"/>
+      </p:ext>
+    </p:extLst>
+  </p:cSld>
+  <p:clrMapOvr>
+    <a:masterClrMapping/>
+  </p:clrMapOvr>
+</p:sld>
+</file>
+
+<file path=ppt/slides/slide17.xml><?xml version="1.0" encoding="utf-8"?>
+<p:sld xmlns:a="http://schemas.openxmlformats.org/drawingml/2006/main" xmlns:r="http://schemas.openxmlformats.org/officeDocument/2006/relationships" xmlns:p="http://schemas.openxmlformats.org/presentationml/2006/main" showMasterSp="0">
+  <p:cSld>
+    <p:spTree>
+      <p:nvGrpSpPr>
+        <p:cNvPr id="1" name=""/>
+        <p:cNvGrpSpPr/>
+        <p:nvPr/>
+      </p:nvGrpSpPr>
+      <p:grpSpPr>
+        <a:xfrm>
+          <a:off x="0" y="0"/>
+          <a:ext cx="0" cy="0"/>
+          <a:chOff x="0" y="0"/>
+          <a:chExt cx="0" cy="0"/>
+        </a:xfrm>
+      </p:grpSpPr>
+      <p:sp>
+        <p:nvSpPr>
+          <p:cNvPr id="2" name="TextBox 1">
+            <a:extLst>
+              <a:ext uri="{FF2B5EF4-FFF2-40B4-BE49-F238E27FC236}">
+                <a16:creationId xmlns:a16="http://schemas.microsoft.com/office/drawing/2014/main" id="{9302C9CF-2794-4786-867D-5E42ABCFD462}"/>
+              </a:ext>
+            </a:extLst>
+          </p:cNvPr>
+          <p:cNvSpPr txBox="1"/>
+          <p:nvPr/>
+        </p:nvSpPr>
+        <p:spPr>
+          <a:xfrm>
+            <a:off x="1419225" y="393221"/>
+            <a:ext cx="6838950" cy="646331"/>
+          </a:xfrm>
+          <a:prstGeom prst="rect">
+            <a:avLst/>
+          </a:prstGeom>
+          <a:noFill/>
+        </p:spPr>
+        <p:txBody>
+          <a:bodyPr wrap="square" rtlCol="0">
+            <a:spAutoFit/>
+          </a:bodyPr>
+          <a:lstStyle/>
+          <a:p>
+            <a:r>
+              <a:rPr lang="ko-KR" altLang="en-US" sz="3600" dirty="0">
+                <a:latin typeface="HY헤드라인M" panose="02030600000101010101" pitchFamily="18" charset="-127"/>
+                <a:ea typeface="HY헤드라인M" panose="02030600000101010101" pitchFamily="18" charset="-127"/>
+              </a:rPr>
+              <a:t>부록</a:t>
+            </a:r>
+            <a:endParaRPr lang="ko-KR" altLang="en-US" dirty="0"/>
+          </a:p>
+        </p:txBody>
+      </p:sp>
+      <p:pic>
+        <p:nvPicPr>
+          <p:cNvPr id="6" name="그림 5" descr="대형, 하얀색이(가) 표시된 사진&#10;&#10;자동 생성된 설명">
+            <a:extLst>
+              <a:ext uri="{FF2B5EF4-FFF2-40B4-BE49-F238E27FC236}">
+                <a16:creationId xmlns:a16="http://schemas.microsoft.com/office/drawing/2014/main" id="{C7EA7C98-3A0D-4E4B-B4C2-255DD2956BD9}"/>
+              </a:ext>
+            </a:extLst>
+          </p:cNvPr>
+          <p:cNvPicPr>
+            <a:picLocks noChangeAspect="1"/>
+          </p:cNvPicPr>
+          <p:nvPr/>
+        </p:nvPicPr>
+        <p:blipFill>
+          <a:blip r:embed="rId2"/>
+          <a:stretch>
+            <a:fillRect/>
+          </a:stretch>
+        </p:blipFill>
+        <p:spPr>
+          <a:xfrm>
+            <a:off x="362214" y="1253631"/>
+            <a:ext cx="5651976" cy="4030808"/>
+          </a:xfrm>
+          <a:prstGeom prst="rect">
+            <a:avLst/>
+          </a:prstGeom>
+        </p:spPr>
+      </p:pic>
+      <p:pic>
+        <p:nvPicPr>
+          <p:cNvPr id="8" name="그림 7" descr="스크린샷이(가) 표시된 사진&#10;&#10;자동 생성된 설명">
+            <a:extLst>
+              <a:ext uri="{FF2B5EF4-FFF2-40B4-BE49-F238E27FC236}">
+                <a16:creationId xmlns:a16="http://schemas.microsoft.com/office/drawing/2014/main" id="{9680001A-5089-4F2A-84F0-BF3D9716F4A4}"/>
+              </a:ext>
+            </a:extLst>
+          </p:cNvPr>
+          <p:cNvPicPr>
+            <a:picLocks noChangeAspect="1"/>
+          </p:cNvPicPr>
+          <p:nvPr/>
+        </p:nvPicPr>
+        <p:blipFill>
+          <a:blip r:embed="rId3"/>
+          <a:stretch>
+            <a:fillRect/>
+          </a:stretch>
+        </p:blipFill>
+        <p:spPr>
+          <a:xfrm>
+            <a:off x="6325744" y="632487"/>
+            <a:ext cx="5674083" cy="5593025"/>
+          </a:xfrm>
+          <a:prstGeom prst="rect">
+            <a:avLst/>
+          </a:prstGeom>
+        </p:spPr>
+      </p:pic>
+      <p:sp>
+        <p:nvSpPr>
+          <p:cNvPr id="7" name="TextBox 6">
+            <a:extLst>
+              <a:ext uri="{FF2B5EF4-FFF2-40B4-BE49-F238E27FC236}">
+                <a16:creationId xmlns:a16="http://schemas.microsoft.com/office/drawing/2014/main" id="{D2F62940-4FA6-48E6-9F19-FCD216E47608}"/>
+              </a:ext>
+            </a:extLst>
+          </p:cNvPr>
+          <p:cNvSpPr txBox="1"/>
+          <p:nvPr/>
+        </p:nvSpPr>
+        <p:spPr>
+          <a:xfrm>
+            <a:off x="800100" y="5353050"/>
+            <a:ext cx="4038600" cy="923330"/>
+          </a:xfrm>
+          <a:prstGeom prst="rect">
+            <a:avLst/>
+          </a:prstGeom>
+          <a:noFill/>
+        </p:spPr>
+        <p:txBody>
+          <a:bodyPr wrap="square" rtlCol="0">
+            <a:spAutoFit/>
+          </a:bodyPr>
+          <a:lstStyle/>
+          <a:p>
+            <a:r>
+              <a:rPr lang="ko-KR" altLang="en-US" dirty="0"/>
+              <a:t>간단한 게임이 인기있는 이유</a:t>
+            </a:r>
+            <a:endParaRPr lang="en-US" altLang="ko-KR" dirty="0"/>
+          </a:p>
+          <a:p>
+            <a:r>
+              <a:rPr lang="ko-KR" altLang="en-US" dirty="0"/>
+              <a:t>하루에 짧은 시간을 하기때문에</a:t>
+            </a:r>
+            <a:endParaRPr lang="en-US" altLang="ko-KR" dirty="0"/>
+          </a:p>
+          <a:p>
+            <a:r>
+              <a:rPr lang="ko-KR" altLang="en-US" dirty="0"/>
+              <a:t>금방 끝나는 게임을 </a:t>
+            </a:r>
+            <a:r>
+              <a:rPr lang="ko-KR" altLang="en-US" dirty="0" err="1"/>
+              <a:t>주로하기때문</a:t>
+            </a:r>
+            <a:endParaRPr lang="en-US" altLang="ko-KR" dirty="0"/>
+          </a:p>
+        </p:txBody>
+      </p:sp>
+    </p:spTree>
+    <p:extLst>
+      <p:ext uri="{BB962C8B-B14F-4D97-AF65-F5344CB8AC3E}">
+        <p14:creationId xmlns:p14="http://schemas.microsoft.com/office/powerpoint/2010/main" val="1903659666"/>
       </p:ext>
     </p:extLst>
   </p:cSld>
@@ -18120,7 +18388,7 @@
                 <a:latin typeface="HY헤드라인M" panose="02030600000101010101" pitchFamily="18" charset="-127"/>
                 <a:ea typeface="HY헤드라인M" panose="02030600000101010101" pitchFamily="18" charset="-127"/>
               </a:rPr>
-              <a:t>카메라 워킹에 반동을 주어 스프링처럼 휘어지는 카메라 워킹을 구현하고 이를 활용하여</a:t>
+              <a:t>카메라에 반동을 주어 스프링처럼 휘어지는 카메라 워킹을 구현하고 이를 활용하여</a:t>
             </a:r>
             <a:r>
               <a:rPr lang="en-US" altLang="ko-KR" sz="2800" dirty="0">
@@ -19454,29 +19722,6 @@
               <a:t>.</a:t>
             </a:r>
           </a:p>
-          <a:p>
-            <a:r>
-              <a:rPr lang="en-US" altLang="ko-KR" sz="1600" dirty="0">
-                <a:latin typeface="HY헤드라인M" panose="02030600000101010101" pitchFamily="18" charset="-127"/>
-                <a:ea typeface="HY헤드라인M" panose="02030600000101010101" pitchFamily="18" charset="-127"/>
-              </a:rPr>
-              <a:t>[</a:t>
-            </a:r>
-            <a:r>
-              <a:rPr lang="ko-KR" altLang="en-US" sz="1600" dirty="0">
-                <a:latin typeface="HY헤드라인M" panose="02030600000101010101" pitchFamily="18" charset="-127"/>
-                <a:ea typeface="HY헤드라인M" panose="02030600000101010101" pitchFamily="18" charset="-127"/>
-              </a:rPr>
-              <a:t>부록으로 간단한게임들이 흥하는 자료들 넣기</a:t>
-            </a:r>
-            <a:r>
-              <a:rPr lang="en-US" altLang="ko-KR" sz="1600" dirty="0">
-                <a:latin typeface="HY헤드라인M" panose="02030600000101010101" pitchFamily="18" charset="-127"/>
-                <a:ea typeface="HY헤드라인M" panose="02030600000101010101" pitchFamily="18" charset="-127"/>
-              </a:rPr>
-              <a:t>]</a:t>
-            </a:r>
-          </a:p>
         </p:txBody>
       </p:sp>
     </p:spTree>
@@ -19669,7 +19914,7 @@
             <a:pPr algn="ctr"/>
             <a:r>
               <a:rPr lang="ko-KR" altLang="en-US" dirty="0"/>
-              <a:t>샘플 이미지</a:t>
+              <a:t>예시 이미지</a:t>
             </a:r>
             <a:endParaRPr lang="en-US" altLang="ko-KR" dirty="0"/>
           </a:p>
@@ -19790,7 +20035,7 @@
             <a:pPr algn="ctr"/>
             <a:r>
               <a:rPr lang="ko-KR" altLang="en-US" dirty="0"/>
-              <a:t>샘플 이미지</a:t>
+              <a:t>예시 이미지</a:t>
             </a:r>
           </a:p>
         </p:txBody>
@@ -20524,7 +20769,7 @@
         <p:spPr>
           <a:xfrm>
             <a:off x="1298101" y="4902572"/>
-            <a:ext cx="9353551" cy="1260000"/>
+            <a:ext cx="9353551" cy="646331"/>
           </a:xfrm>
           <a:prstGeom prst="rect">
             <a:avLst/>
@@ -20562,7 +20807,72 @@
                 <a:latin typeface="HY헤드라인M" panose="02030600000101010101" pitchFamily="18" charset="-127"/>
                 <a:ea typeface="HY헤드라인M" panose="02030600000101010101" pitchFamily="18" charset="-127"/>
               </a:rPr>
-              <a:t>아이템 사용과 맵 환경에 따른 실시간 능력치의 변동으로 인한 속도감의 변화</a:t>
+              <a:t>아이템 사용으로 다른 플레이어와 상호작용이 가능하다</a:t>
+            </a:r>
+            <a:r>
+              <a:rPr lang="en-US" altLang="ko-KR" dirty="0">
+                <a:latin typeface="HY헤드라인M" panose="02030600000101010101" pitchFamily="18" charset="-127"/>
+                <a:ea typeface="HY헤드라인M" panose="02030600000101010101" pitchFamily="18" charset="-127"/>
+              </a:rPr>
+              <a:t>.</a:t>
+            </a:r>
+          </a:p>
+        </p:txBody>
+      </p:sp>
+      <p:sp>
+        <p:nvSpPr>
+          <p:cNvPr id="7" name="직사각형 6">
+            <a:extLst>
+              <a:ext uri="{FF2B5EF4-FFF2-40B4-BE49-F238E27FC236}">
+                <a16:creationId xmlns:a16="http://schemas.microsoft.com/office/drawing/2014/main" id="{FD5B09AE-DC59-46D5-8D39-CEDA2D8BCE6A}"/>
+              </a:ext>
+            </a:extLst>
+          </p:cNvPr>
+          <p:cNvSpPr/>
+          <p:nvPr/>
+        </p:nvSpPr>
+        <p:spPr>
+          <a:xfrm>
+            <a:off x="1298101" y="5818448"/>
+            <a:ext cx="9353551" cy="646331"/>
+          </a:xfrm>
+          <a:prstGeom prst="rect">
+            <a:avLst/>
+          </a:prstGeom>
+          <a:ln w="38100">
+            <a:solidFill>
+              <a:schemeClr val="tx1">
+                <a:lumMod val="85000"/>
+              </a:schemeClr>
+            </a:solidFill>
+          </a:ln>
+        </p:spPr>
+        <p:style>
+          <a:lnRef idx="2">
+            <a:schemeClr val="accent1">
+              <a:shade val="50000"/>
+            </a:schemeClr>
+          </a:lnRef>
+          <a:fillRef idx="1">
+            <a:schemeClr val="accent1"/>
+          </a:fillRef>
+          <a:effectRef idx="0">
+            <a:schemeClr val="accent1"/>
+          </a:effectRef>
+          <a:fontRef idx="minor">
+            <a:schemeClr val="lt1"/>
+          </a:fontRef>
+        </p:style>
+        <p:txBody>
+          <a:bodyPr rtlCol="0" anchor="ctr"/>
+          <a:lstStyle/>
+          <a:p>
+            <a:r>
+              <a:rPr lang="ko-KR" altLang="en-US" dirty="0">
+                <a:latin typeface="HY헤드라인M" panose="02030600000101010101" pitchFamily="18" charset="-127"/>
+                <a:ea typeface="HY헤드라인M" panose="02030600000101010101" pitchFamily="18" charset="-127"/>
+              </a:rPr>
+              <a:t>카메라 반동으로 인한 몰입도 </a:t>
             </a:r>
             <a:endParaRPr lang="en-US" altLang="ko-KR" dirty="0">
               <a:latin typeface="HY헤드라인M" panose="02030600000101010101" pitchFamily="18" charset="-127"/>

--- a/기획단계/졸작 제안서_α.pptx
+++ b/기획단계/졸작 제안서_α.pptx
@@ -6257,21 +6257,7 @@
                 <a:latin typeface="HY헤드라인M" panose="02030600000101010101" pitchFamily="18" charset="-127"/>
                 <a:ea typeface="HY헤드라인M" panose="02030600000101010101" pitchFamily="18" charset="-127"/>
               </a:rPr>
-              <a:t>한 게임에서 같은 공간을 </a:t>
-            </a:r>
-            <a:r>
-              <a:rPr lang="en-US" altLang="ko-KR" sz="1600" dirty="0">
-                <a:latin typeface="HY헤드라인M" panose="02030600000101010101" pitchFamily="18" charset="-127"/>
-                <a:ea typeface="HY헤드라인M" panose="02030600000101010101" pitchFamily="18" charset="-127"/>
-              </a:rPr>
-              <a:t>2~3</a:t>
-            </a:r>
-            <a:r>
-              <a:rPr lang="ko-KR" altLang="en-US" sz="1600" dirty="0">
-                <a:latin typeface="HY헤드라인M" panose="02030600000101010101" pitchFamily="18" charset="-127"/>
-                <a:ea typeface="HY헤드라인M" panose="02030600000101010101" pitchFamily="18" charset="-127"/>
-              </a:rPr>
-              <a:t>번 지나가는 반복 구조</a:t>
+              <a:t>카트마다 다른 능력치로 실력이 아닌 카트에 의한 승부가 결정됨 </a:t>
             </a:r>
             <a:endParaRPr lang="en-US" altLang="ko-KR" sz="1600" dirty="0">
               <a:latin typeface="HY헤드라인M" panose="02030600000101010101" pitchFamily="18" charset="-127"/>
@@ -6302,7 +6288,14 @@
                 <a:latin typeface="HY헤드라인M" panose="02030600000101010101" pitchFamily="18" charset="-127"/>
                 <a:ea typeface="HY헤드라인M" panose="02030600000101010101" pitchFamily="18" charset="-127"/>
               </a:rPr>
-              <a:t>한 게임마다 트랙 한번만 완주하면 끝나는 구조 </a:t>
+              <a:t>공룡은 다르지만 같은 능력치를 부여하여 실력에 의해 승부를 결정하도록 한다</a:t>
+            </a:r>
+            <a:r>
+              <a:rPr lang="en-US" altLang="ko-KR" sz="1600">
+                <a:latin typeface="HY헤드라인M" panose="02030600000101010101" pitchFamily="18" charset="-127"/>
+                <a:ea typeface="HY헤드라인M" panose="02030600000101010101" pitchFamily="18" charset="-127"/>
+              </a:rPr>
+              <a:t>.</a:t>
             </a:r>
             <a:endParaRPr lang="en-US" altLang="ko-KR" sz="1600" dirty="0">
               <a:latin typeface="HY헤드라인M" panose="02030600000101010101" pitchFamily="18" charset="-127"/>

--- a/기획단계/졸작 제안서_α.pptx
+++ b/기획단계/졸작 제안서_α.pptx
@@ -309,7 +309,7 @@
             <a:fld id="{B61BEF0D-F0BB-DE4B-95CE-6DB70DBA9567}" type="datetimeFigureOut">
               <a:rPr lang="en-US" smtClean="0"/>
               <a:pPr/>
-              <a:t>12/3/2019</a:t>
+              <a:t>12/4/2019</a:t>
             </a:fld>
             <a:endParaRPr lang="en-US" dirty="0"/>
           </a:p>
@@ -538,7 +538,7 @@
           <a:p>
             <a:fld id="{55C6B4A9-1611-4792-9094-5F34BCA07E0B}" type="datetimeFigureOut">
               <a:rPr lang="en-US" smtClean="0"/>
-              <a:t>12/3/2019</a:t>
+              <a:t>12/4/2019</a:t>
             </a:fld>
             <a:endParaRPr lang="en-US" dirty="0"/>
           </a:p>
@@ -719,7 +719,7 @@
             <a:fld id="{B61BEF0D-F0BB-DE4B-95CE-6DB70DBA9567}" type="datetimeFigureOut">
               <a:rPr lang="en-US" smtClean="0"/>
               <a:pPr/>
-              <a:t>12/3/2019</a:t>
+              <a:t>12/4/2019</a:t>
             </a:fld>
             <a:endParaRPr lang="en-US" dirty="0"/>
           </a:p>
@@ -890,7 +890,7 @@
           <a:p>
             <a:fld id="{42A54C80-263E-416B-A8E0-580EDEADCBDC}" type="datetimeFigureOut">
               <a:rPr lang="en-US" smtClean="0"/>
-              <a:t>12/3/2019</a:t>
+              <a:t>12/4/2019</a:t>
             </a:fld>
             <a:endParaRPr lang="en-US" dirty="0"/>
           </a:p>
@@ -1145,7 +1145,7 @@
             <a:fld id="{B61BEF0D-F0BB-DE4B-95CE-6DB70DBA9567}" type="datetimeFigureOut">
               <a:rPr lang="en-US" smtClean="0"/>
               <a:pPr/>
-              <a:t>12/3/2019</a:t>
+              <a:t>12/4/2019</a:t>
             </a:fld>
             <a:endParaRPr lang="en-US" dirty="0"/>
           </a:p>
@@ -1472,7 +1472,7 @@
           <a:p>
             <a:fld id="{42A54C80-263E-416B-A8E0-580EDEADCBDC}" type="datetimeFigureOut">
               <a:rPr lang="en-US" smtClean="0"/>
-              <a:t>12/3/2019</a:t>
+              <a:t>12/4/2019</a:t>
             </a:fld>
             <a:endParaRPr lang="en-US" dirty="0"/>
           </a:p>
@@ -1924,7 +1924,7 @@
             <a:fld id="{B61BEF0D-F0BB-DE4B-95CE-6DB70DBA9567}" type="datetimeFigureOut">
               <a:rPr lang="en-US" smtClean="0"/>
               <a:pPr/>
-              <a:t>12/3/2019</a:t>
+              <a:t>12/4/2019</a:t>
             </a:fld>
             <a:endParaRPr lang="en-US" dirty="0"/>
           </a:p>
@@ -2044,7 +2044,7 @@
             <a:fld id="{B61BEF0D-F0BB-DE4B-95CE-6DB70DBA9567}" type="datetimeFigureOut">
               <a:rPr lang="en-US" smtClean="0"/>
               <a:pPr/>
-              <a:t>12/3/2019</a:t>
+              <a:t>12/4/2019</a:t>
             </a:fld>
             <a:endParaRPr lang="en-US" dirty="0"/>
           </a:p>
@@ -2141,7 +2141,7 @@
             <a:fld id="{B61BEF0D-F0BB-DE4B-95CE-6DB70DBA9567}" type="datetimeFigureOut">
               <a:rPr lang="en-US" smtClean="0"/>
               <a:pPr/>
-              <a:t>12/3/2019</a:t>
+              <a:t>12/4/2019</a:t>
             </a:fld>
             <a:endParaRPr lang="en-US" dirty="0"/>
           </a:p>
@@ -2429,7 +2429,7 @@
           <a:p>
             <a:fld id="{42A54C80-263E-416B-A8E0-580EDEADCBDC}" type="datetimeFigureOut">
               <a:rPr lang="en-US" smtClean="0"/>
-              <a:t>12/3/2019</a:t>
+              <a:t>12/4/2019</a:t>
             </a:fld>
             <a:endParaRPr lang="en-US" dirty="0"/>
           </a:p>
@@ -2752,7 +2752,7 @@
             <a:fld id="{B61BEF0D-F0BB-DE4B-95CE-6DB70DBA9567}" type="datetimeFigureOut">
               <a:rPr lang="en-US" smtClean="0"/>
               <a:pPr/>
-              <a:t>12/3/2019</a:t>
+              <a:t>12/4/2019</a:t>
             </a:fld>
             <a:endParaRPr lang="en-US" dirty="0"/>
           </a:p>
@@ -3008,7 +3008,7 @@
             <a:fld id="{B61BEF0D-F0BB-DE4B-95CE-6DB70DBA9567}" type="datetimeFigureOut">
               <a:rPr lang="en-US" smtClean="0"/>
               <a:pPr/>
-              <a:t>12/3/2019</a:t>
+              <a:t>12/4/2019</a:t>
             </a:fld>
             <a:endParaRPr lang="en-US" dirty="0"/>
           </a:p>
@@ -3523,10 +3523,12 @@
           <a:bodyPr/>
           <a:lstStyle/>
           <a:p>
-            <a:r>
-              <a:rPr lang="ko-KR" altLang="en-US" dirty="0"/>
-              <a:t>게임이름</a:t>
-            </a:r>
+            <a:pPr algn="ctr"/>
+            <a:r>
+              <a:rPr lang="ko-KR" altLang="en-US" dirty="0" err="1"/>
+              <a:t>디노런</a:t>
+            </a:r>
+            <a:endParaRPr lang="ko-KR" altLang="en-US" dirty="0"/>
           </a:p>
         </p:txBody>
       </p:sp>
@@ -3788,6 +3790,62 @@
           </a:p>
         </p:txBody>
       </p:sp>
+      <p:sp>
+        <p:nvSpPr>
+          <p:cNvPr id="4" name="제목 1">
+            <a:extLst>
+              <a:ext uri="{FF2B5EF4-FFF2-40B4-BE49-F238E27FC236}">
+                <a16:creationId xmlns:a16="http://schemas.microsoft.com/office/drawing/2014/main" id="{C40C2313-3086-4B48-8989-BA292A7F72CC}"/>
+              </a:ext>
+            </a:extLst>
+          </p:cNvPr>
+          <p:cNvSpPr txBox="1">
+            <a:spLocks/>
+          </p:cNvSpPr>
+          <p:nvPr/>
+        </p:nvSpPr>
+        <p:spPr>
+          <a:xfrm>
+            <a:off x="4100277" y="3299011"/>
+            <a:ext cx="3991445" cy="425824"/>
+          </a:xfrm>
+          <a:prstGeom prst="rect">
+            <a:avLst/>
+          </a:prstGeom>
+        </p:spPr>
+        <p:txBody>
+          <a:bodyPr vert="horz" lIns="91440" tIns="45720" rIns="91440" bIns="45720" rtlCol="0" anchor="b">
+            <a:normAutofit/>
+          </a:bodyPr>
+          <a:lstStyle>
+            <a:lvl1pPr algn="l" defTabSz="914400" rtl="0" eaLnBrk="1" latinLnBrk="1" hangingPunct="1">
+              <a:lnSpc>
+                <a:spcPct val="85000"/>
+              </a:lnSpc>
+              <a:spcBef>
+                <a:spcPct val="0"/>
+              </a:spcBef>
+              <a:buNone/>
+              <a:defRPr sz="7200" kern="1200" spc="-50" baseline="0">
+                <a:solidFill>
+                  <a:schemeClr val="tx1"/>
+                </a:solidFill>
+                <a:latin typeface="+mj-lt"/>
+                <a:ea typeface="+mj-ea"/>
+                <a:cs typeface="+mj-cs"/>
+              </a:defRPr>
+            </a:lvl1pPr>
+          </a:lstStyle>
+          <a:p>
+            <a:pPr algn="ctr"/>
+            <a:r>
+              <a:rPr lang="en-US" altLang="ko-KR" sz="2400" dirty="0"/>
+              <a:t>(Dino Run)</a:t>
+            </a:r>
+            <a:endParaRPr lang="ko-KR" altLang="en-US" sz="2400" dirty="0"/>
+          </a:p>
+        </p:txBody>
+      </p:sp>
     </p:spTree>
     <p:extLst>
       <p:ext uri="{BB962C8B-B14F-4D97-AF65-F5344CB8AC3E}">
@@ -4090,12 +4148,6 @@
           <a:bodyPr rtlCol="0" anchor="t"/>
           <a:lstStyle/>
           <a:p>
-            <a:endParaRPr lang="en-US" altLang="ko-KR" sz="2400" dirty="0">
-              <a:latin typeface="HY헤드라인M" panose="02030600000101010101" pitchFamily="18" charset="-127"/>
-              <a:ea typeface="HY헤드라인M" panose="02030600000101010101" pitchFamily="18" charset="-127"/>
-            </a:endParaRPr>
-          </a:p>
-          <a:p>
             <a:r>
               <a:rPr lang="en-US" altLang="ko-KR" sz="2400" dirty="0">
                 <a:latin typeface="HY헤드라인M" panose="02030600000101010101" pitchFamily="18" charset="-127"/>
@@ -4142,6 +4194,35 @@
                 <a:ea typeface="HY헤드라인M" panose="02030600000101010101" pitchFamily="18" charset="-127"/>
               </a:rPr>
               <a:t> 프로그래밍을 이용한 게임 표현</a:t>
+            </a:r>
+            <a:endParaRPr lang="en-US" altLang="ko-KR" sz="2400" dirty="0">
+              <a:latin typeface="HY헤드라인M" panose="02030600000101010101" pitchFamily="18" charset="-127"/>
+              <a:ea typeface="HY헤드라인M" panose="02030600000101010101" pitchFamily="18" charset="-127"/>
+            </a:endParaRPr>
+          </a:p>
+          <a:p>
+            <a:r>
+              <a:rPr lang="en-US" altLang="ko-KR" sz="2400" dirty="0">
+                <a:latin typeface="HY헤드라인M" panose="02030600000101010101" pitchFamily="18" charset="-127"/>
+                <a:ea typeface="HY헤드라인M" panose="02030600000101010101" pitchFamily="18" charset="-127"/>
+              </a:rPr>
+              <a:t>	</a:t>
+            </a:r>
+          </a:p>
+          <a:p>
+            <a:r>
+              <a:rPr lang="en-US" altLang="ko-KR" sz="2400" dirty="0">
+                <a:latin typeface="HY헤드라인M" panose="02030600000101010101" pitchFamily="18" charset="-127"/>
+                <a:ea typeface="HY헤드라인M" panose="02030600000101010101" pitchFamily="18" charset="-127"/>
+              </a:rPr>
+              <a:t>	- 	</a:t>
+            </a:r>
+            <a:r>
+              <a:rPr lang="ko-KR" altLang="en-US" sz="2400" dirty="0" err="1">
+                <a:latin typeface="HY헤드라인M" panose="02030600000101010101" pitchFamily="18" charset="-127"/>
+                <a:ea typeface="HY헤드라인M" panose="02030600000101010101" pitchFamily="18" charset="-127"/>
+              </a:rPr>
+              <a:t>블러링</a:t>
             </a:r>
             <a:endParaRPr lang="en-US" altLang="ko-KR" sz="2400" dirty="0">
               <a:latin typeface="HY헤드라인M" panose="02030600000101010101" pitchFamily="18" charset="-127"/>
@@ -4895,33 +4976,12 @@
             </a:endParaRPr>
           </a:p>
           <a:p>
-            <a:r>
-              <a:rPr lang="ko-KR" altLang="en-US" sz="1600" dirty="0">
-                <a:latin typeface="HY헤드라인M" panose="02030600000101010101" pitchFamily="18" charset="-127"/>
-                <a:ea typeface="HY헤드라인M" panose="02030600000101010101" pitchFamily="18" charset="-127"/>
-              </a:rPr>
-              <a:t>물리엔진</a:t>
-            </a:r>
             <a:endParaRPr lang="en-US" altLang="ko-KR" sz="1600" dirty="0">
               <a:latin typeface="HY헤드라인M" panose="02030600000101010101" pitchFamily="18" charset="-127"/>
               <a:ea typeface="HY헤드라인M" panose="02030600000101010101" pitchFamily="18" charset="-127"/>
             </a:endParaRPr>
           </a:p>
           <a:p>
-            <a:r>
-              <a:rPr lang="en-US" altLang="ko-KR" sz="1600" dirty="0">
-                <a:latin typeface="HY헤드라인M" panose="02030600000101010101" pitchFamily="18" charset="-127"/>
-                <a:ea typeface="HY헤드라인M" panose="02030600000101010101" pitchFamily="18" charset="-127"/>
-              </a:rPr>
-              <a:t>-2</a:t>
-            </a:r>
-            <a:r>
-              <a:rPr lang="ko-KR" altLang="en-US" sz="1600" dirty="0">
-                <a:latin typeface="HY헤드라인M" panose="02030600000101010101" pitchFamily="18" charset="-127"/>
-                <a:ea typeface="HY헤드라인M" panose="02030600000101010101" pitchFamily="18" charset="-127"/>
-              </a:rPr>
-              <a:t>계 미분 방정식 공부</a:t>
-            </a:r>
             <a:endParaRPr lang="en-US" altLang="ko-KR" sz="1600" dirty="0">
               <a:latin typeface="HY헤드라인M" panose="02030600000101010101" pitchFamily="18" charset="-127"/>
               <a:ea typeface="HY헤드라인M" panose="02030600000101010101" pitchFamily="18" charset="-127"/>
@@ -5498,39 +5558,6 @@
             </a:endParaRPr>
           </a:p>
           <a:p>
-            <a:r>
-              <a:rPr lang="ko-KR" altLang="en-US" sz="1600" dirty="0">
-                <a:latin typeface="HY헤드라인M" panose="02030600000101010101" pitchFamily="18" charset="-127"/>
-                <a:ea typeface="HY헤드라인M" panose="02030600000101010101" pitchFamily="18" charset="-127"/>
-              </a:rPr>
-              <a:t>물리엔진</a:t>
-            </a:r>
-            <a:endParaRPr lang="en-US" altLang="ko-KR" sz="1600" dirty="0">
-              <a:latin typeface="HY헤드라인M" panose="02030600000101010101" pitchFamily="18" charset="-127"/>
-              <a:ea typeface="HY헤드라인M" panose="02030600000101010101" pitchFamily="18" charset="-127"/>
-            </a:endParaRPr>
-          </a:p>
-          <a:p>
-            <a:r>
-              <a:rPr lang="en-US" altLang="ko-KR" sz="1600" dirty="0">
-                <a:latin typeface="HY헤드라인M" panose="02030600000101010101" pitchFamily="18" charset="-127"/>
-                <a:ea typeface="HY헤드라인M" panose="02030600000101010101" pitchFamily="18" charset="-127"/>
-              </a:rPr>
-              <a:t>-2</a:t>
-            </a:r>
-            <a:r>
-              <a:rPr lang="ko-KR" altLang="en-US" sz="1600" dirty="0">
-                <a:latin typeface="HY헤드라인M" panose="02030600000101010101" pitchFamily="18" charset="-127"/>
-                <a:ea typeface="HY헤드라인M" panose="02030600000101010101" pitchFamily="18" charset="-127"/>
-              </a:rPr>
-              <a:t>계 미분 방정식 공부</a:t>
-            </a:r>
-            <a:endParaRPr lang="en-US" altLang="ko-KR" sz="1600" dirty="0">
-              <a:latin typeface="HY헤드라인M" panose="02030600000101010101" pitchFamily="18" charset="-127"/>
-              <a:ea typeface="HY헤드라인M" panose="02030600000101010101" pitchFamily="18" charset="-127"/>
-            </a:endParaRPr>
-          </a:p>
-          <a:p>
             <a:endParaRPr lang="en-US" altLang="ko-KR" sz="1600" dirty="0">
               <a:latin typeface="HY헤드라인M" panose="02030600000101010101" pitchFamily="18" charset="-127"/>
               <a:ea typeface="HY헤드라인M" panose="02030600000101010101" pitchFamily="18" charset="-127"/>
@@ -5560,6 +5587,18 @@
               </a:rPr>
               <a:t>데이터 베이스 수강</a:t>
             </a:r>
+            <a:endParaRPr lang="en-US" altLang="ko-KR" sz="1600" dirty="0">
+              <a:latin typeface="HY헤드라인M" panose="02030600000101010101" pitchFamily="18" charset="-127"/>
+              <a:ea typeface="HY헤드라인M" panose="02030600000101010101" pitchFamily="18" charset="-127"/>
+            </a:endParaRPr>
+          </a:p>
+          <a:p>
+            <a:endParaRPr lang="en-US" altLang="ko-KR" sz="1600" dirty="0">
+              <a:latin typeface="HY헤드라인M" panose="02030600000101010101" pitchFamily="18" charset="-127"/>
+              <a:ea typeface="HY헤드라인M" panose="02030600000101010101" pitchFamily="18" charset="-127"/>
+            </a:endParaRPr>
+          </a:p>
+          <a:p>
             <a:endParaRPr lang="en-US" altLang="ko-KR" sz="1600" dirty="0">
               <a:latin typeface="HY헤드라인M" panose="02030600000101010101" pitchFamily="18" charset="-127"/>
               <a:ea typeface="HY헤드라인M" panose="02030600000101010101" pitchFamily="18" charset="-127"/>
@@ -6848,7 +6887,7 @@
           <p:nvPr>
             <p:extLst>
               <p:ext uri="{D42A27DB-BD31-4B8C-83A1-F6EECF244321}">
-                <p14:modId xmlns:p14="http://schemas.microsoft.com/office/powerpoint/2010/main" val="398665045"/>
+                <p14:modId xmlns:p14="http://schemas.microsoft.com/office/powerpoint/2010/main" val="1207002115"/>
               </p:ext>
             </p:extLst>
           </p:nvPr>
@@ -9763,7 +9802,7 @@
                       <a:prstDash val="solid"/>
                     </a:lnBlToTr>
                     <a:solidFill>
-                      <a:srgbClr val="545455"/>
+                      <a:srgbClr val="92D050"/>
                     </a:solidFill>
                   </a:tcPr>
                 </a:tc>
@@ -9913,7 +9952,7 @@
                       <a:prstDash val="solid"/>
                     </a:lnBlToTr>
                     <a:solidFill>
-                      <a:srgbClr val="92D050"/>
+                      <a:srgbClr val="545455"/>
                     </a:solidFill>
                   </a:tcPr>
                 </a:tc>
@@ -10558,7 +10597,7 @@
                       <a:prstDash val="solid"/>
                     </a:lnBlToTr>
                     <a:solidFill>
-                      <a:srgbClr val="545455"/>
+                      <a:srgbClr val="92D050"/>
                     </a:solidFill>
                   </a:tcPr>
                 </a:tc>
@@ -10568,7 +10607,7 @@
                     <a:lstStyle/>
                     <a:p>
                       <a:pPr latinLnBrk="1"/>
-                      <a:endParaRPr lang="ko-KR" altLang="en-US"/>
+                      <a:endParaRPr lang="ko-KR" altLang="en-US" dirty="0"/>
                     </a:p>
                   </a:txBody>
                   <a:tcPr marL="63779" marR="63779" marT="17417" marB="17417" anchor="ctr">
@@ -10676,7 +10715,7 @@
                       <a:prstDash val="solid"/>
                     </a:lnBlToTr>
                     <a:solidFill>
-                      <a:srgbClr val="92D050"/>
+                      <a:srgbClr val="545455"/>
                     </a:solidFill>
                   </a:tcPr>
                 </a:tc>
@@ -10756,7 +10795,7 @@
                       <a:prstDash val="solid"/>
                     </a:lnBlToTr>
                     <a:solidFill>
-                      <a:srgbClr val="92D050"/>
+                      <a:srgbClr val="545455"/>
                     </a:solidFill>
                   </a:tcPr>
                 </a:tc>
@@ -16110,7 +16149,7 @@
                           <a:latin typeface="+mn-ea"/>
                           <a:ea typeface="+mn-ea"/>
                         </a:rPr>
-                        <a:t>물리 엔진 등 상호작용</a:t>
+                        <a:t>물리 처리</a:t>
                       </a:r>
                     </a:p>
                   </a:txBody>
@@ -18410,6 +18449,132 @@
           </a:p>
         </p:txBody>
       </p:sp>
+      <p:sp>
+        <p:nvSpPr>
+          <p:cNvPr id="4" name="TextBox 3">
+            <a:extLst>
+              <a:ext uri="{FF2B5EF4-FFF2-40B4-BE49-F238E27FC236}">
+                <a16:creationId xmlns:a16="http://schemas.microsoft.com/office/drawing/2014/main" id="{47397AF1-39BD-4EC6-951C-8D31529EC635}"/>
+              </a:ext>
+            </a:extLst>
+          </p:cNvPr>
+          <p:cNvSpPr txBox="1"/>
+          <p:nvPr/>
+        </p:nvSpPr>
+        <p:spPr>
+          <a:xfrm>
+            <a:off x="534801" y="3765176"/>
+            <a:ext cx="11122398" cy="1231106"/>
+          </a:xfrm>
+          <a:prstGeom prst="rect">
+            <a:avLst/>
+          </a:prstGeom>
+          <a:noFill/>
+        </p:spPr>
+        <p:txBody>
+          <a:bodyPr wrap="square" rtlCol="0">
+            <a:spAutoFit/>
+          </a:bodyPr>
+          <a:lstStyle/>
+          <a:p>
+            <a:pPr algn="ctr"/>
+            <a:r>
+              <a:rPr lang="ko-KR" altLang="en-US" sz="2800" dirty="0">
+                <a:latin typeface="HY헤드라인M" panose="02030600000101010101" pitchFamily="18" charset="-127"/>
+                <a:ea typeface="HY헤드라인M" panose="02030600000101010101" pitchFamily="18" charset="-127"/>
+              </a:rPr>
+              <a:t>공룡이라는 친숙한 소재를 이용하여</a:t>
+            </a:r>
+            <a:r>
+              <a:rPr lang="en-US" altLang="ko-KR" sz="2800" dirty="0">
+                <a:latin typeface="HY헤드라인M" panose="02030600000101010101" pitchFamily="18" charset="-127"/>
+                <a:ea typeface="HY헤드라인M" panose="02030600000101010101" pitchFamily="18" charset="-127"/>
+              </a:rPr>
+              <a:t> </a:t>
+            </a:r>
+            <a:r>
+              <a:rPr lang="ko-KR" altLang="en-US" sz="2800" dirty="0">
+                <a:latin typeface="HY헤드라인M" panose="02030600000101010101" pitchFamily="18" charset="-127"/>
+                <a:ea typeface="HY헤드라인M" panose="02030600000101010101" pitchFamily="18" charset="-127"/>
+              </a:rPr>
+              <a:t>간단한 캐주얼 레이싱 게임을 만든다</a:t>
+            </a:r>
+            <a:r>
+              <a:rPr lang="en-US" altLang="ko-KR" sz="2800" dirty="0">
+                <a:latin typeface="HY헤드라인M" panose="02030600000101010101" pitchFamily="18" charset="-127"/>
+                <a:ea typeface="HY헤드라인M" panose="02030600000101010101" pitchFamily="18" charset="-127"/>
+              </a:rPr>
+              <a:t>.</a:t>
+            </a:r>
+          </a:p>
+          <a:p>
+            <a:endParaRPr lang="ko-KR" altLang="en-US" dirty="0"/>
+          </a:p>
+        </p:txBody>
+      </p:sp>
+      <p:sp>
+        <p:nvSpPr>
+          <p:cNvPr id="5" name="TextBox 4">
+            <a:extLst>
+              <a:ext uri="{FF2B5EF4-FFF2-40B4-BE49-F238E27FC236}">
+                <a16:creationId xmlns:a16="http://schemas.microsoft.com/office/drawing/2014/main" id="{9AC054D6-87D8-4E94-8262-7F3A2B6459A7}"/>
+              </a:ext>
+            </a:extLst>
+          </p:cNvPr>
+          <p:cNvSpPr txBox="1"/>
+          <p:nvPr/>
+        </p:nvSpPr>
+        <p:spPr>
+          <a:xfrm>
+            <a:off x="534801" y="4996282"/>
+            <a:ext cx="11122398" cy="1231106"/>
+          </a:xfrm>
+          <a:prstGeom prst="rect">
+            <a:avLst/>
+          </a:prstGeom>
+          <a:noFill/>
+        </p:spPr>
+        <p:txBody>
+          <a:bodyPr wrap="square" rtlCol="0">
+            <a:spAutoFit/>
+          </a:bodyPr>
+          <a:lstStyle/>
+          <a:p>
+            <a:pPr algn="ctr"/>
+            <a:r>
+              <a:rPr lang="ko-KR" altLang="en-US" sz="2800" dirty="0">
+                <a:latin typeface="HY헤드라인M" panose="02030600000101010101" pitchFamily="18" charset="-127"/>
+                <a:ea typeface="HY헤드라인M" panose="02030600000101010101" pitchFamily="18" charset="-127"/>
+              </a:rPr>
+              <a:t>공룡이라는 친숙한 소재를 이용하여</a:t>
+            </a:r>
+            <a:r>
+              <a:rPr lang="en-US" altLang="ko-KR" sz="2800" dirty="0">
+                <a:latin typeface="HY헤드라인M" panose="02030600000101010101" pitchFamily="18" charset="-127"/>
+                <a:ea typeface="HY헤드라인M" panose="02030600000101010101" pitchFamily="18" charset="-127"/>
+              </a:rPr>
+              <a:t> </a:t>
+            </a:r>
+            <a:r>
+              <a:rPr lang="ko-KR" altLang="en-US" sz="2800" dirty="0">
+                <a:latin typeface="HY헤드라인M" panose="02030600000101010101" pitchFamily="18" charset="-127"/>
+                <a:ea typeface="HY헤드라인M" panose="02030600000101010101" pitchFamily="18" charset="-127"/>
+              </a:rPr>
+              <a:t>간단한 캐주얼 레이싱 게임을 만든다</a:t>
+            </a:r>
+            <a:r>
+              <a:rPr lang="en-US" altLang="ko-KR" sz="2800" dirty="0">
+                <a:latin typeface="HY헤드라인M" panose="02030600000101010101" pitchFamily="18" charset="-127"/>
+                <a:ea typeface="HY헤드라인M" panose="02030600000101010101" pitchFamily="18" charset="-127"/>
+              </a:rPr>
+              <a:t>.</a:t>
+            </a:r>
+          </a:p>
+          <a:p>
+            <a:endParaRPr lang="ko-KR" altLang="en-US" dirty="0"/>
+          </a:p>
+        </p:txBody>
+      </p:sp>
     </p:spTree>
     <p:extLst>
       <p:ext uri="{BB962C8B-B14F-4D97-AF65-F5344CB8AC3E}">
@@ -18666,7 +18831,7 @@
             <a:r>
               <a:rPr lang="en-US" altLang="ko-KR" sz="2400" dirty="0">
                 <a:solidFill>
-                  <a:schemeClr val="bg1"/>
+                  <a:schemeClr val="tx1"/>
                 </a:solidFill>
                 <a:latin typeface="HY헤드라인M" panose="02030600000101010101" pitchFamily="18" charset="-127"/>
                 <a:ea typeface="HY헤드라인M" panose="02030600000101010101" pitchFamily="18" charset="-127"/>
@@ -18676,7 +18841,7 @@
             <a:r>
               <a:rPr lang="ko-KR" altLang="en-US" sz="2400" dirty="0">
                 <a:solidFill>
-                  <a:schemeClr val="bg1"/>
+                  <a:schemeClr val="tx1"/>
                 </a:solidFill>
                 <a:latin typeface="HY헤드라인M" panose="02030600000101010101" pitchFamily="18" charset="-127"/>
                 <a:ea typeface="HY헤드라인M" panose="02030600000101010101" pitchFamily="18" charset="-127"/>
@@ -18684,6 +18849,9 @@
               <a:t>를 이용한 게임 제작</a:t>
             </a:r>
             <a:endParaRPr lang="en-US" altLang="ko-KR" sz="2400" dirty="0">
+              <a:solidFill>
+                <a:schemeClr val="tx1"/>
+              </a:solidFill>
               <a:latin typeface="HY헤드라인M" panose="02030600000101010101" pitchFamily="18" charset="-127"/>
               <a:ea typeface="HY헤드라인M" panose="02030600000101010101" pitchFamily="18" charset="-127"/>
             </a:endParaRPr>
@@ -18807,7 +18975,7 @@
             <a:r>
               <a:rPr lang="en-US" altLang="ko-KR" sz="2400" dirty="0">
                 <a:solidFill>
-                  <a:schemeClr val="bg1"/>
+                  <a:schemeClr val="tx1"/>
                 </a:solidFill>
                 <a:latin typeface="HY헤드라인M" panose="02030600000101010101" pitchFamily="18" charset="-127"/>
                 <a:ea typeface="HY헤드라인M" panose="02030600000101010101" pitchFamily="18" charset="-127"/>
@@ -18817,7 +18985,7 @@
             <a:r>
               <a:rPr lang="ko-KR" altLang="en-US" sz="2400" dirty="0">
                 <a:solidFill>
-                  <a:schemeClr val="bg1"/>
+                  <a:schemeClr val="tx1"/>
                 </a:solidFill>
                 <a:latin typeface="HY헤드라인M" panose="02030600000101010101" pitchFamily="18" charset="-127"/>
                 <a:ea typeface="HY헤드라인M" panose="02030600000101010101" pitchFamily="18" charset="-127"/>
@@ -18826,7 +18994,7 @@
             </a:r>
             <a:endParaRPr lang="en-US" altLang="ko-KR" sz="2400" dirty="0">
               <a:solidFill>
-                <a:schemeClr val="bg1"/>
+                <a:schemeClr val="tx1"/>
               </a:solidFill>
             </a:endParaRPr>
           </a:p>
@@ -18947,14 +19115,18 @@
           <a:p>
             <a:pPr algn="ctr"/>
             <a:r>
-              <a:rPr lang="ko-KR" altLang="en-US" sz="2400" dirty="0">
-                <a:solidFill>
-                  <a:schemeClr val="bg1"/>
-                </a:solidFill>
+              <a:rPr lang="en-US" altLang="ko-KR" sz="2400" dirty="0">
                 <a:latin typeface="HY헤드라인M" panose="02030600000101010101" pitchFamily="18" charset="-127"/>
                 <a:ea typeface="HY헤드라인M" panose="02030600000101010101" pitchFamily="18" charset="-127"/>
               </a:rPr>
-              <a:t>물리엔진을 사용한 카메라 워킹을 구현</a:t>
+              <a:t>Git</a:t>
+            </a:r>
+            <a:r>
+              <a:rPr lang="ko-KR" altLang="en-US" sz="2400" dirty="0">
+                <a:latin typeface="HY헤드라인M" panose="02030600000101010101" pitchFamily="18" charset="-127"/>
+                <a:ea typeface="HY헤드라인M" panose="02030600000101010101" pitchFamily="18" charset="-127"/>
+              </a:rPr>
+              <a:t>을 사용하여 팀 프로젝트 경험</a:t>
             </a:r>
             <a:endParaRPr lang="en-US" altLang="ko-KR" sz="2400" dirty="0">
               <a:latin typeface="HY헤드라인M" panose="02030600000101010101" pitchFamily="18" charset="-127"/>
@@ -19146,11 +19318,25 @@
           <a:p>
             <a:pPr algn="ctr"/>
             <a:r>
+              <a:rPr lang="ko-KR" altLang="en-US" dirty="0" err="1">
+                <a:latin typeface="HY헤드라인M" panose="02030600000101010101" pitchFamily="18" charset="-127"/>
+                <a:ea typeface="HY헤드라인M" panose="02030600000101010101" pitchFamily="18" charset="-127"/>
+              </a:rPr>
+              <a:t>디노런</a:t>
+            </a:r>
+            <a:r>
+              <a:rPr lang="ko-KR" altLang="en-US" dirty="0">
+                <a:latin typeface="HY헤드라인M" panose="02030600000101010101" pitchFamily="18" charset="-127"/>
+                <a:ea typeface="HY헤드라인M" panose="02030600000101010101" pitchFamily="18" charset="-127"/>
+              </a:rPr>
+              <a:t> </a:t>
+            </a:r>
+            <a:r>
               <a:rPr lang="en-US" altLang="ko-KR" dirty="0">
                 <a:latin typeface="HY헤드라인M" panose="02030600000101010101" pitchFamily="18" charset="-127"/>
                 <a:ea typeface="HY헤드라인M" panose="02030600000101010101" pitchFamily="18" charset="-127"/>
               </a:rPr>
-              <a:t>-</a:t>
+              <a:t>(Dino Run)</a:t>
             </a:r>
             <a:endParaRPr lang="ko-KR" altLang="en-US" dirty="0">
               <a:latin typeface="HY헤드라인M" panose="02030600000101010101" pitchFamily="18" charset="-127"/>
@@ -19678,7 +19864,7 @@
                 <a:latin typeface="HY헤드라인M" panose="02030600000101010101" pitchFamily="18" charset="-127"/>
                 <a:ea typeface="HY헤드라인M" panose="02030600000101010101" pitchFamily="18" charset="-127"/>
               </a:rPr>
-              <a:t>간단한 게임이 인기를 끌고있고 누구나 쉽게 게임을 </a:t>
+              <a:t>간단한 게임이 인기를 끌고있으며 누구나 쉽게 게임을 </a:t>
             </a:r>
             <a:endParaRPr lang="en-US" altLang="ko-KR" sz="1600" dirty="0">
               <a:latin typeface="HY헤드라인M" panose="02030600000101010101" pitchFamily="18" charset="-127"/>
@@ -19705,7 +19891,7 @@
                 <a:latin typeface="HY헤드라인M" panose="02030600000101010101" pitchFamily="18" charset="-127"/>
                 <a:ea typeface="HY헤드라인M" panose="02030600000101010101" pitchFamily="18" charset="-127"/>
               </a:rPr>
-              <a:t> 아이들이 좋아하는 공룡을 이용해서 쉽고 간단하게 즐길 수 있는 캐주얼 레이싱을 만든다</a:t>
+              <a:t> 아이들도 좋아하는 공룡을 이용해서 쉽고 간단하게 즐길 수 있는 게임이라 판단한다</a:t>
             </a:r>
             <a:r>
               <a:rPr lang="en-US" altLang="ko-KR" sz="1600" dirty="0">

--- a/기획단계/졸작 제안서_α.pptx
+++ b/기획단계/졸작 제안서_α.pptx
@@ -12,16 +12,17 @@
     <p:sldId id="260" r:id="rId6"/>
     <p:sldId id="267" r:id="rId7"/>
     <p:sldId id="268" r:id="rId8"/>
-    <p:sldId id="261" r:id="rId9"/>
-    <p:sldId id="262" r:id="rId10"/>
-    <p:sldId id="263" r:id="rId11"/>
-    <p:sldId id="269" r:id="rId12"/>
-    <p:sldId id="264" r:id="rId13"/>
-    <p:sldId id="265" r:id="rId14"/>
-    <p:sldId id="270" r:id="rId15"/>
-    <p:sldId id="271" r:id="rId16"/>
-    <p:sldId id="259" r:id="rId17"/>
-    <p:sldId id="273" r:id="rId18"/>
+    <p:sldId id="274" r:id="rId9"/>
+    <p:sldId id="261" r:id="rId10"/>
+    <p:sldId id="262" r:id="rId11"/>
+    <p:sldId id="263" r:id="rId12"/>
+    <p:sldId id="269" r:id="rId13"/>
+    <p:sldId id="264" r:id="rId14"/>
+    <p:sldId id="265" r:id="rId15"/>
+    <p:sldId id="270" r:id="rId16"/>
+    <p:sldId id="271" r:id="rId17"/>
+    <p:sldId id="259" r:id="rId18"/>
+    <p:sldId id="273" r:id="rId19"/>
   </p:sldIdLst>
   <p:sldSz cx="12192000" cy="6858000"/>
   <p:notesSz cx="6858000" cy="9144000"/>
@@ -3931,7 +3932,7 @@
                 <a:latin typeface="HY헤드라인M" panose="02030600000101010101" pitchFamily="18" charset="-127"/>
                 <a:ea typeface="HY헤드라인M" panose="02030600000101010101" pitchFamily="18" charset="-127"/>
               </a:rPr>
-              <a:t>5</a:t>
+              <a:t>4</a:t>
             </a:r>
             <a:endParaRPr lang="ko-KR" altLang="en-US" sz="5400" dirty="0">
               <a:latin typeface="HY헤드라인M" panose="02030600000101010101" pitchFamily="18" charset="-127"/>
@@ -3955,7 +3956,7 @@
         <p:spPr>
           <a:xfrm>
             <a:off x="1419225" y="393221"/>
-            <a:ext cx="7000875" cy="646331"/>
+            <a:ext cx="3895725" cy="646331"/>
           </a:xfrm>
           <a:prstGeom prst="rect">
             <a:avLst/>
@@ -3973,7 +3974,7 @@
                 <a:latin typeface="HY헤드라인M" panose="02030600000101010101" pitchFamily="18" charset="-127"/>
                 <a:ea typeface="HY헤드라인M" panose="02030600000101010101" pitchFamily="18" charset="-127"/>
               </a:rPr>
-              <a:t>기술적 요소</a:t>
+              <a:t>개발 환경</a:t>
             </a:r>
             <a:endParaRPr lang="ko-KR" altLang="en-US" dirty="0"/>
           </a:p>
@@ -3981,10 +3982,10 @@
       </p:sp>
       <p:sp>
         <p:nvSpPr>
-          <p:cNvPr id="4" name="직사각형 3">
+          <p:cNvPr id="18" name="직사각형 17">
             <a:extLst>
               <a:ext uri="{FF2B5EF4-FFF2-40B4-BE49-F238E27FC236}">
-                <a16:creationId xmlns:a16="http://schemas.microsoft.com/office/drawing/2014/main" id="{C7A9A389-7B45-4FDD-BB1C-85EDD793729F}"/>
+                <a16:creationId xmlns:a16="http://schemas.microsoft.com/office/drawing/2014/main" id="{5CBE9646-2975-4B2D-88D4-6FA9D1A35E10}"/>
               </a:ext>
             </a:extLst>
           </p:cNvPr>
@@ -3993,8 +3994,8 @@
         </p:nvSpPr>
         <p:spPr>
           <a:xfrm>
-            <a:off x="5101313" y="1298097"/>
-            <a:ext cx="1989374" cy="809625"/>
+            <a:off x="1419225" y="1852589"/>
+            <a:ext cx="2495550" cy="500066"/>
           </a:xfrm>
           <a:prstGeom prst="rect">
             <a:avLst/>
@@ -4029,21 +4030,21 @@
           <a:p>
             <a:pPr algn="ctr"/>
             <a:r>
-              <a:rPr lang="ko-KR" altLang="en-US" sz="2800" dirty="0">
+              <a:rPr lang="en-US" altLang="ko-KR" sz="2000" dirty="0">
                 <a:latin typeface="HY헤드라인M" panose="02030600000101010101" pitchFamily="18" charset="-127"/>
                 <a:ea typeface="HY헤드라인M" panose="02030600000101010101" pitchFamily="18" charset="-127"/>
               </a:rPr>
-              <a:t>클라이언트</a:t>
+              <a:t>Compiler</a:t>
             </a:r>
           </a:p>
         </p:txBody>
       </p:sp>
       <p:sp>
         <p:nvSpPr>
-          <p:cNvPr id="10" name="직사각형 9">
+          <p:cNvPr id="20" name="직사각형 19">
             <a:extLst>
               <a:ext uri="{FF2B5EF4-FFF2-40B4-BE49-F238E27FC236}">
-                <a16:creationId xmlns:a16="http://schemas.microsoft.com/office/drawing/2014/main" id="{F3625E38-9DD3-4442-BF57-8A052A202C27}"/>
+                <a16:creationId xmlns:a16="http://schemas.microsoft.com/office/drawing/2014/main" id="{14AAF03F-DB56-423C-B407-3C9CB218D40F}"/>
               </a:ext>
             </a:extLst>
           </p:cNvPr>
@@ -4052,67 +4053,8 @@
         </p:nvSpPr>
         <p:spPr>
           <a:xfrm>
-            <a:off x="1924051" y="2366267"/>
-            <a:ext cx="8878420" cy="809625"/>
-          </a:xfrm>
-          <a:prstGeom prst="rect">
-            <a:avLst/>
-          </a:prstGeom>
-          <a:ln w="38100">
-            <a:solidFill>
-              <a:schemeClr val="tx1">
-                <a:lumMod val="85000"/>
-              </a:schemeClr>
-            </a:solidFill>
-          </a:ln>
-        </p:spPr>
-        <p:style>
-          <a:lnRef idx="2">
-            <a:schemeClr val="accent1">
-              <a:shade val="50000"/>
-            </a:schemeClr>
-          </a:lnRef>
-          <a:fillRef idx="1">
-            <a:schemeClr val="accent1"/>
-          </a:fillRef>
-          <a:effectRef idx="0">
-            <a:schemeClr val="accent1"/>
-          </a:effectRef>
-          <a:fontRef idx="minor">
-            <a:schemeClr val="lt1"/>
-          </a:fontRef>
-        </p:style>
-        <p:txBody>
-          <a:bodyPr rtlCol="0" anchor="ctr"/>
-          <a:lstStyle/>
-          <a:p>
-            <a:pPr algn="ctr"/>
-            <a:r>
-              <a:rPr lang="ko-KR" altLang="en-US" sz="2800" dirty="0">
-                <a:latin typeface="HY헤드라인M" panose="02030600000101010101" pitchFamily="18" charset="-127"/>
-                <a:ea typeface="HY헤드라인M" panose="02030600000101010101" pitchFamily="18" charset="-127"/>
-              </a:rPr>
-              <a:t>기술적 요소</a:t>
-            </a:r>
-          </a:p>
-        </p:txBody>
-      </p:sp>
-      <p:sp>
-        <p:nvSpPr>
-          <p:cNvPr id="7" name="직사각형 6">
-            <a:extLst>
-              <a:ext uri="{FF2B5EF4-FFF2-40B4-BE49-F238E27FC236}">
-                <a16:creationId xmlns:a16="http://schemas.microsoft.com/office/drawing/2014/main" id="{279B02B2-5E4C-4558-BAFE-F64A24F0DBA3}"/>
-              </a:ext>
-            </a:extLst>
-          </p:cNvPr>
-          <p:cNvSpPr/>
-          <p:nvPr/>
-        </p:nvSpPr>
-        <p:spPr>
-          <a:xfrm>
-            <a:off x="1924051" y="3175891"/>
-            <a:ext cx="8878420" cy="2821497"/>
+            <a:off x="3914775" y="1852589"/>
+            <a:ext cx="6442312" cy="500066"/>
           </a:xfrm>
           <a:prstGeom prst="rect">
             <a:avLst/>
@@ -4145,122 +4087,647 @@
           </a:fontRef>
         </p:style>
         <p:txBody>
-          <a:bodyPr rtlCol="0" anchor="t"/>
+          <a:bodyPr rtlCol="0" anchor="ctr"/>
           <a:lstStyle/>
           <a:p>
-            <a:r>
-              <a:rPr lang="en-US" altLang="ko-KR" sz="2400" dirty="0">
+            <a:pPr algn="ctr"/>
+            <a:r>
+              <a:rPr lang="en-US" altLang="ko-KR" sz="2000" dirty="0">
                 <a:latin typeface="HY헤드라인M" panose="02030600000101010101" pitchFamily="18" charset="-127"/>
                 <a:ea typeface="HY헤드라인M" panose="02030600000101010101" pitchFamily="18" charset="-127"/>
               </a:rPr>
-              <a:t>	-	</a:t>
-            </a:r>
-            <a:r>
-              <a:rPr lang="ko-KR" altLang="en-US" sz="2400" dirty="0">
+              <a:t>Visual Studio 2019</a:t>
+            </a:r>
+          </a:p>
+        </p:txBody>
+      </p:sp>
+      <p:sp>
+        <p:nvSpPr>
+          <p:cNvPr id="21" name="직사각형 20">
+            <a:extLst>
+              <a:ext uri="{FF2B5EF4-FFF2-40B4-BE49-F238E27FC236}">
+                <a16:creationId xmlns:a16="http://schemas.microsoft.com/office/drawing/2014/main" id="{D005A083-5BD4-4B25-8861-CE5DA6F51BA2}"/>
+              </a:ext>
+            </a:extLst>
+          </p:cNvPr>
+          <p:cNvSpPr/>
+          <p:nvPr/>
+        </p:nvSpPr>
+        <p:spPr>
+          <a:xfrm>
+            <a:off x="1419225" y="2545361"/>
+            <a:ext cx="2495550" cy="747716"/>
+          </a:xfrm>
+          <a:prstGeom prst="rect">
+            <a:avLst/>
+          </a:prstGeom>
+          <a:ln w="38100">
+            <a:solidFill>
+              <a:schemeClr val="tx1">
+                <a:lumMod val="85000"/>
+              </a:schemeClr>
+            </a:solidFill>
+          </a:ln>
+        </p:spPr>
+        <p:style>
+          <a:lnRef idx="2">
+            <a:schemeClr val="accent1">
+              <a:shade val="50000"/>
+            </a:schemeClr>
+          </a:lnRef>
+          <a:fillRef idx="1">
+            <a:schemeClr val="accent1"/>
+          </a:fillRef>
+          <a:effectRef idx="0">
+            <a:schemeClr val="accent1"/>
+          </a:effectRef>
+          <a:fontRef idx="minor">
+            <a:schemeClr val="lt1"/>
+          </a:fontRef>
+        </p:style>
+        <p:txBody>
+          <a:bodyPr rtlCol="0" anchor="ctr"/>
+          <a:lstStyle/>
+          <a:p>
+            <a:pPr algn="ctr"/>
+            <a:r>
+              <a:rPr lang="en-US" altLang="ko-KR" sz="2000" dirty="0">
                 <a:latin typeface="HY헤드라인M" panose="02030600000101010101" pitchFamily="18" charset="-127"/>
                 <a:ea typeface="HY헤드라인M" panose="02030600000101010101" pitchFamily="18" charset="-127"/>
               </a:rPr>
-              <a:t>오브젝트들의 업데이트 및 렌더링 최적화</a:t>
-            </a:r>
-            <a:endParaRPr lang="en-US" altLang="ko-KR" sz="2400" dirty="0">
+              <a:t>Graphics </a:t>
+            </a:r>
+          </a:p>
+          <a:p>
+            <a:pPr algn="ctr"/>
+            <a:r>
+              <a:rPr lang="en-US" altLang="ko-KR" sz="2000" dirty="0">
+                <a:latin typeface="HY헤드라인M" panose="02030600000101010101" pitchFamily="18" charset="-127"/>
+                <a:ea typeface="HY헤드라인M" panose="02030600000101010101" pitchFamily="18" charset="-127"/>
+              </a:rPr>
+              <a:t>Library</a:t>
+            </a:r>
+            <a:endParaRPr lang="ko-KR" altLang="en-US" sz="2000" dirty="0">
               <a:latin typeface="HY헤드라인M" panose="02030600000101010101" pitchFamily="18" charset="-127"/>
               <a:ea typeface="HY헤드라인M" panose="02030600000101010101" pitchFamily="18" charset="-127"/>
             </a:endParaRPr>
           </a:p>
-          <a:p>
-            <a:endParaRPr lang="en-US" altLang="ko-KR" sz="2400" dirty="0">
+        </p:txBody>
+      </p:sp>
+      <p:sp>
+        <p:nvSpPr>
+          <p:cNvPr id="22" name="직사각형 21">
+            <a:extLst>
+              <a:ext uri="{FF2B5EF4-FFF2-40B4-BE49-F238E27FC236}">
+                <a16:creationId xmlns:a16="http://schemas.microsoft.com/office/drawing/2014/main" id="{631478C3-089F-4D3A-8915-025AE8575E91}"/>
+              </a:ext>
+            </a:extLst>
+          </p:cNvPr>
+          <p:cNvSpPr/>
+          <p:nvPr/>
+        </p:nvSpPr>
+        <p:spPr>
+          <a:xfrm>
+            <a:off x="3914775" y="2545361"/>
+            <a:ext cx="6442312" cy="752478"/>
+          </a:xfrm>
+          <a:prstGeom prst="rect">
+            <a:avLst/>
+          </a:prstGeom>
+          <a:solidFill>
+            <a:srgbClr val="595959"/>
+          </a:solidFill>
+          <a:ln w="38100">
+            <a:solidFill>
+              <a:schemeClr val="tx1">
+                <a:lumMod val="85000"/>
+              </a:schemeClr>
+            </a:solidFill>
+          </a:ln>
+        </p:spPr>
+        <p:style>
+          <a:lnRef idx="2">
+            <a:schemeClr val="accent1">
+              <a:shade val="50000"/>
+            </a:schemeClr>
+          </a:lnRef>
+          <a:fillRef idx="1">
+            <a:schemeClr val="accent1"/>
+          </a:fillRef>
+          <a:effectRef idx="0">
+            <a:schemeClr val="accent1"/>
+          </a:effectRef>
+          <a:fontRef idx="minor">
+            <a:schemeClr val="lt1"/>
+          </a:fontRef>
+        </p:style>
+        <p:txBody>
+          <a:bodyPr rtlCol="0" anchor="ctr"/>
+          <a:lstStyle/>
+          <a:p>
+            <a:pPr algn="ctr"/>
+            <a:r>
+              <a:rPr lang="en-US" altLang="ko-KR" sz="2000" dirty="0">
+                <a:latin typeface="HY헤드라인M" panose="02030600000101010101" pitchFamily="18" charset="-127"/>
+                <a:ea typeface="HY헤드라인M" panose="02030600000101010101" pitchFamily="18" charset="-127"/>
+              </a:rPr>
+              <a:t>DirectX 12</a:t>
+            </a:r>
+          </a:p>
+        </p:txBody>
+      </p:sp>
+      <p:sp>
+        <p:nvSpPr>
+          <p:cNvPr id="23" name="직사각형 22">
+            <a:extLst>
+              <a:ext uri="{FF2B5EF4-FFF2-40B4-BE49-F238E27FC236}">
+                <a16:creationId xmlns:a16="http://schemas.microsoft.com/office/drawing/2014/main" id="{F90C45E9-58C0-4F51-BDD7-5DE2E4FA8988}"/>
+              </a:ext>
+            </a:extLst>
+          </p:cNvPr>
+          <p:cNvSpPr/>
+          <p:nvPr/>
+        </p:nvSpPr>
+        <p:spPr>
+          <a:xfrm>
+            <a:off x="1419225" y="3485783"/>
+            <a:ext cx="2495550" cy="747716"/>
+          </a:xfrm>
+          <a:prstGeom prst="rect">
+            <a:avLst/>
+          </a:prstGeom>
+          <a:ln w="38100">
+            <a:solidFill>
+              <a:schemeClr val="tx1">
+                <a:lumMod val="85000"/>
+              </a:schemeClr>
+            </a:solidFill>
+          </a:ln>
+        </p:spPr>
+        <p:style>
+          <a:lnRef idx="2">
+            <a:schemeClr val="accent1">
+              <a:shade val="50000"/>
+            </a:schemeClr>
+          </a:lnRef>
+          <a:fillRef idx="1">
+            <a:schemeClr val="accent1"/>
+          </a:fillRef>
+          <a:effectRef idx="0">
+            <a:schemeClr val="accent1"/>
+          </a:effectRef>
+          <a:fontRef idx="minor">
+            <a:schemeClr val="lt1"/>
+          </a:fontRef>
+        </p:style>
+        <p:txBody>
+          <a:bodyPr rtlCol="0" anchor="ctr"/>
+          <a:lstStyle/>
+          <a:p>
+            <a:pPr algn="ctr"/>
+            <a:r>
+              <a:rPr lang="en-US" altLang="ko-KR" sz="2000" dirty="0">
+                <a:latin typeface="HY헤드라인M" panose="02030600000101010101" pitchFamily="18" charset="-127"/>
+                <a:ea typeface="HY헤드라인M" panose="02030600000101010101" pitchFamily="18" charset="-127"/>
+              </a:rPr>
+              <a:t>Version Control System</a:t>
+            </a:r>
+            <a:endParaRPr lang="ko-KR" altLang="en-US" sz="2000" dirty="0">
               <a:latin typeface="HY헤드라인M" panose="02030600000101010101" pitchFamily="18" charset="-127"/>
               <a:ea typeface="HY헤드라인M" panose="02030600000101010101" pitchFamily="18" charset="-127"/>
             </a:endParaRPr>
           </a:p>
-          <a:p>
-            <a:r>
-              <a:rPr lang="en-US" altLang="ko-KR" sz="2400" dirty="0">
+        </p:txBody>
+      </p:sp>
+      <p:sp>
+        <p:nvSpPr>
+          <p:cNvPr id="24" name="직사각형 23">
+            <a:extLst>
+              <a:ext uri="{FF2B5EF4-FFF2-40B4-BE49-F238E27FC236}">
+                <a16:creationId xmlns:a16="http://schemas.microsoft.com/office/drawing/2014/main" id="{4005B3B2-3A6D-432B-8D1E-E99DC3C9896D}"/>
+              </a:ext>
+            </a:extLst>
+          </p:cNvPr>
+          <p:cNvSpPr/>
+          <p:nvPr/>
+        </p:nvSpPr>
+        <p:spPr>
+          <a:xfrm>
+            <a:off x="3914775" y="3490545"/>
+            <a:ext cx="6442312" cy="738192"/>
+          </a:xfrm>
+          <a:prstGeom prst="rect">
+            <a:avLst/>
+          </a:prstGeom>
+          <a:solidFill>
+            <a:srgbClr val="595959"/>
+          </a:solidFill>
+          <a:ln w="38100">
+            <a:solidFill>
+              <a:schemeClr val="tx1">
+                <a:lumMod val="85000"/>
+              </a:schemeClr>
+            </a:solidFill>
+          </a:ln>
+        </p:spPr>
+        <p:style>
+          <a:lnRef idx="2">
+            <a:schemeClr val="accent1">
+              <a:shade val="50000"/>
+            </a:schemeClr>
+          </a:lnRef>
+          <a:fillRef idx="1">
+            <a:schemeClr val="accent1"/>
+          </a:fillRef>
+          <a:effectRef idx="0">
+            <a:schemeClr val="accent1"/>
+          </a:effectRef>
+          <a:fontRef idx="minor">
+            <a:schemeClr val="lt1"/>
+          </a:fontRef>
+        </p:style>
+        <p:txBody>
+          <a:bodyPr rtlCol="0" anchor="ctr"/>
+          <a:lstStyle/>
+          <a:p>
+            <a:pPr algn="ctr"/>
+            <a:r>
+              <a:rPr lang="en-US" altLang="ko-KR" sz="2000" dirty="0">
                 <a:latin typeface="HY헤드라인M" panose="02030600000101010101" pitchFamily="18" charset="-127"/>
                 <a:ea typeface="HY헤드라인M" panose="02030600000101010101" pitchFamily="18" charset="-127"/>
               </a:rPr>
-              <a:t>	-	</a:t>
-            </a:r>
-            <a:r>
-              <a:rPr lang="ko-KR" altLang="en-US" sz="2400" dirty="0" err="1">
+              <a:t>Git hub</a:t>
+            </a:r>
+          </a:p>
+        </p:txBody>
+      </p:sp>
+      <p:sp>
+        <p:nvSpPr>
+          <p:cNvPr id="25" name="직사각형 24">
+            <a:extLst>
+              <a:ext uri="{FF2B5EF4-FFF2-40B4-BE49-F238E27FC236}">
+                <a16:creationId xmlns:a16="http://schemas.microsoft.com/office/drawing/2014/main" id="{73F128A8-F66D-44D8-8FFC-5972337ABD1D}"/>
+              </a:ext>
+            </a:extLst>
+          </p:cNvPr>
+          <p:cNvSpPr/>
+          <p:nvPr/>
+        </p:nvSpPr>
+        <p:spPr>
+          <a:xfrm>
+            <a:off x="1419225" y="4435729"/>
+            <a:ext cx="2495550" cy="500066"/>
+          </a:xfrm>
+          <a:prstGeom prst="rect">
+            <a:avLst/>
+          </a:prstGeom>
+          <a:ln w="38100">
+            <a:solidFill>
+              <a:schemeClr val="tx1">
+                <a:lumMod val="85000"/>
+              </a:schemeClr>
+            </a:solidFill>
+          </a:ln>
+        </p:spPr>
+        <p:style>
+          <a:lnRef idx="2">
+            <a:schemeClr val="accent1">
+              <a:shade val="50000"/>
+            </a:schemeClr>
+          </a:lnRef>
+          <a:fillRef idx="1">
+            <a:schemeClr val="accent1"/>
+          </a:fillRef>
+          <a:effectRef idx="0">
+            <a:schemeClr val="accent1"/>
+          </a:effectRef>
+          <a:fontRef idx="minor">
+            <a:schemeClr val="lt1"/>
+          </a:fontRef>
+        </p:style>
+        <p:txBody>
+          <a:bodyPr rtlCol="0" anchor="ctr"/>
+          <a:lstStyle/>
+          <a:p>
+            <a:pPr algn="ctr"/>
+            <a:r>
+              <a:rPr lang="en-US" altLang="ko-KR" sz="2000" dirty="0">
                 <a:latin typeface="HY헤드라인M" panose="02030600000101010101" pitchFamily="18" charset="-127"/>
                 <a:ea typeface="HY헤드라인M" panose="02030600000101010101" pitchFamily="18" charset="-127"/>
               </a:rPr>
-              <a:t>셰이더</a:t>
-            </a:r>
-            <a:r>
-              <a:rPr lang="ko-KR" altLang="en-US" sz="2400" dirty="0">
+              <a:t>OS</a:t>
+            </a:r>
+          </a:p>
+        </p:txBody>
+      </p:sp>
+      <p:sp>
+        <p:nvSpPr>
+          <p:cNvPr id="26" name="직사각형 25">
+            <a:extLst>
+              <a:ext uri="{FF2B5EF4-FFF2-40B4-BE49-F238E27FC236}">
+                <a16:creationId xmlns:a16="http://schemas.microsoft.com/office/drawing/2014/main" id="{3AC0A49F-A9DB-4343-8A77-B167C3DCB5C4}"/>
+              </a:ext>
+            </a:extLst>
+          </p:cNvPr>
+          <p:cNvSpPr/>
+          <p:nvPr/>
+        </p:nvSpPr>
+        <p:spPr>
+          <a:xfrm>
+            <a:off x="3914775" y="4435729"/>
+            <a:ext cx="6442312" cy="500066"/>
+          </a:xfrm>
+          <a:prstGeom prst="rect">
+            <a:avLst/>
+          </a:prstGeom>
+          <a:solidFill>
+            <a:srgbClr val="595959"/>
+          </a:solidFill>
+          <a:ln w="38100">
+            <a:solidFill>
+              <a:schemeClr val="tx1">
+                <a:lumMod val="85000"/>
+              </a:schemeClr>
+            </a:solidFill>
+          </a:ln>
+        </p:spPr>
+        <p:style>
+          <a:lnRef idx="2">
+            <a:schemeClr val="accent1">
+              <a:shade val="50000"/>
+            </a:schemeClr>
+          </a:lnRef>
+          <a:fillRef idx="1">
+            <a:schemeClr val="accent1"/>
+          </a:fillRef>
+          <a:effectRef idx="0">
+            <a:schemeClr val="accent1"/>
+          </a:effectRef>
+          <a:fontRef idx="minor">
+            <a:schemeClr val="lt1"/>
+          </a:fontRef>
+        </p:style>
+        <p:txBody>
+          <a:bodyPr rtlCol="0" anchor="ctr"/>
+          <a:lstStyle/>
+          <a:p>
+            <a:pPr algn="ctr"/>
+            <a:r>
+              <a:rPr lang="en-US" altLang="ko-KR" sz="2000" dirty="0">
                 <a:latin typeface="HY헤드라인M" panose="02030600000101010101" pitchFamily="18" charset="-127"/>
                 <a:ea typeface="HY헤드라인M" panose="02030600000101010101" pitchFamily="18" charset="-127"/>
               </a:rPr>
-              <a:t> 프로그래밍을 이용한 게임 표현</a:t>
-            </a:r>
-            <a:endParaRPr lang="en-US" altLang="ko-KR" sz="2400" dirty="0">
-              <a:latin typeface="HY헤드라인M" panose="02030600000101010101" pitchFamily="18" charset="-127"/>
-              <a:ea typeface="HY헤드라인M" panose="02030600000101010101" pitchFamily="18" charset="-127"/>
-            </a:endParaRPr>
-          </a:p>
-          <a:p>
-            <a:r>
-              <a:rPr lang="en-US" altLang="ko-KR" sz="2400" dirty="0">
+              <a:t>Windows 10</a:t>
+            </a:r>
+          </a:p>
+        </p:txBody>
+      </p:sp>
+      <p:sp>
+        <p:nvSpPr>
+          <p:cNvPr id="27" name="직사각형 26">
+            <a:extLst>
+              <a:ext uri="{FF2B5EF4-FFF2-40B4-BE49-F238E27FC236}">
+                <a16:creationId xmlns:a16="http://schemas.microsoft.com/office/drawing/2014/main" id="{A9A2E645-780B-4733-8C86-5D4513ACDBFE}"/>
+              </a:ext>
+            </a:extLst>
+          </p:cNvPr>
+          <p:cNvSpPr/>
+          <p:nvPr/>
+        </p:nvSpPr>
+        <p:spPr>
+          <a:xfrm>
+            <a:off x="1419225" y="5133263"/>
+            <a:ext cx="2495550" cy="500066"/>
+          </a:xfrm>
+          <a:prstGeom prst="rect">
+            <a:avLst/>
+          </a:prstGeom>
+          <a:ln w="38100">
+            <a:solidFill>
+              <a:schemeClr val="tx1">
+                <a:lumMod val="85000"/>
+              </a:schemeClr>
+            </a:solidFill>
+          </a:ln>
+        </p:spPr>
+        <p:style>
+          <a:lnRef idx="2">
+            <a:schemeClr val="accent1">
+              <a:shade val="50000"/>
+            </a:schemeClr>
+          </a:lnRef>
+          <a:fillRef idx="1">
+            <a:schemeClr val="accent1"/>
+          </a:fillRef>
+          <a:effectRef idx="0">
+            <a:schemeClr val="accent1"/>
+          </a:effectRef>
+          <a:fontRef idx="minor">
+            <a:schemeClr val="lt1"/>
+          </a:fontRef>
+        </p:style>
+        <p:txBody>
+          <a:bodyPr rtlCol="0" anchor="ctr"/>
+          <a:lstStyle/>
+          <a:p>
+            <a:pPr algn="ctr"/>
+            <a:r>
+              <a:rPr lang="en-US" altLang="ko-KR" sz="2000" dirty="0">
                 <a:latin typeface="HY헤드라인M" panose="02030600000101010101" pitchFamily="18" charset="-127"/>
                 <a:ea typeface="HY헤드라인M" panose="02030600000101010101" pitchFamily="18" charset="-127"/>
               </a:rPr>
-              <a:t>	</a:t>
-            </a:r>
-          </a:p>
-          <a:p>
-            <a:r>
-              <a:rPr lang="en-US" altLang="ko-KR" sz="2400" dirty="0">
+              <a:t>Resource</a:t>
+            </a:r>
+          </a:p>
+        </p:txBody>
+      </p:sp>
+      <p:sp>
+        <p:nvSpPr>
+          <p:cNvPr id="28" name="직사각형 27">
+            <a:extLst>
+              <a:ext uri="{FF2B5EF4-FFF2-40B4-BE49-F238E27FC236}">
+                <a16:creationId xmlns:a16="http://schemas.microsoft.com/office/drawing/2014/main" id="{E3547CD1-8BD7-4E58-AAE3-5F4294E5F4CD}"/>
+              </a:ext>
+            </a:extLst>
+          </p:cNvPr>
+          <p:cNvSpPr/>
+          <p:nvPr/>
+        </p:nvSpPr>
+        <p:spPr>
+          <a:xfrm>
+            <a:off x="3914775" y="5138025"/>
+            <a:ext cx="6442312" cy="495304"/>
+          </a:xfrm>
+          <a:prstGeom prst="rect">
+            <a:avLst/>
+          </a:prstGeom>
+          <a:solidFill>
+            <a:srgbClr val="595959"/>
+          </a:solidFill>
+          <a:ln w="38100">
+            <a:solidFill>
+              <a:schemeClr val="tx1">
+                <a:lumMod val="85000"/>
+              </a:schemeClr>
+            </a:solidFill>
+          </a:ln>
+        </p:spPr>
+        <p:style>
+          <a:lnRef idx="2">
+            <a:schemeClr val="accent1">
+              <a:shade val="50000"/>
+            </a:schemeClr>
+          </a:lnRef>
+          <a:fillRef idx="1">
+            <a:schemeClr val="accent1"/>
+          </a:fillRef>
+          <a:effectRef idx="0">
+            <a:schemeClr val="accent1"/>
+          </a:effectRef>
+          <a:fontRef idx="minor">
+            <a:schemeClr val="lt1"/>
+          </a:fontRef>
+        </p:style>
+        <p:txBody>
+          <a:bodyPr rtlCol="0" anchor="ctr"/>
+          <a:lstStyle/>
+          <a:p>
+            <a:pPr algn="ctr"/>
+            <a:r>
+              <a:rPr lang="en-US" altLang="ko-KR" sz="2000" dirty="0">
                 <a:latin typeface="HY헤드라인M" panose="02030600000101010101" pitchFamily="18" charset="-127"/>
                 <a:ea typeface="HY헤드라인M" panose="02030600000101010101" pitchFamily="18" charset="-127"/>
               </a:rPr>
-              <a:t>	- 	</a:t>
-            </a:r>
-            <a:r>
-              <a:rPr lang="ko-KR" altLang="en-US" sz="2400" dirty="0" err="1">
+              <a:t>Photo shop	||	Zbrush	||	3DS max </a:t>
+            </a:r>
+          </a:p>
+        </p:txBody>
+      </p:sp>
+      <p:sp>
+        <p:nvSpPr>
+          <p:cNvPr id="29" name="직사각형 28">
+            <a:extLst>
+              <a:ext uri="{FF2B5EF4-FFF2-40B4-BE49-F238E27FC236}">
+                <a16:creationId xmlns:a16="http://schemas.microsoft.com/office/drawing/2014/main" id="{56882EAF-FF49-4879-AB04-DFBFFB00F541}"/>
+              </a:ext>
+            </a:extLst>
+          </p:cNvPr>
+          <p:cNvSpPr/>
+          <p:nvPr/>
+        </p:nvSpPr>
+        <p:spPr>
+          <a:xfrm>
+            <a:off x="1419225" y="5826035"/>
+            <a:ext cx="2495550" cy="500066"/>
+          </a:xfrm>
+          <a:prstGeom prst="rect">
+            <a:avLst/>
+          </a:prstGeom>
+          <a:ln w="38100">
+            <a:solidFill>
+              <a:schemeClr val="tx1">
+                <a:lumMod val="85000"/>
+              </a:schemeClr>
+            </a:solidFill>
+          </a:ln>
+        </p:spPr>
+        <p:style>
+          <a:lnRef idx="2">
+            <a:schemeClr val="accent1">
+              <a:shade val="50000"/>
+            </a:schemeClr>
+          </a:lnRef>
+          <a:fillRef idx="1">
+            <a:schemeClr val="accent1"/>
+          </a:fillRef>
+          <a:effectRef idx="0">
+            <a:schemeClr val="accent1"/>
+          </a:effectRef>
+          <a:fontRef idx="minor">
+            <a:schemeClr val="lt1"/>
+          </a:fontRef>
+        </p:style>
+        <p:txBody>
+          <a:bodyPr rtlCol="0" anchor="ctr"/>
+          <a:lstStyle/>
+          <a:p>
+            <a:pPr algn="ctr"/>
+            <a:r>
+              <a:rPr lang="en-US" altLang="ko-KR" sz="2000" dirty="0">
                 <a:latin typeface="HY헤드라인M" panose="02030600000101010101" pitchFamily="18" charset="-127"/>
                 <a:ea typeface="HY헤드라인M" panose="02030600000101010101" pitchFamily="18" charset="-127"/>
               </a:rPr>
-              <a:t>블러링</a:t>
-            </a:r>
-            <a:endParaRPr lang="en-US" altLang="ko-KR" sz="2400" dirty="0">
-              <a:latin typeface="HY헤드라인M" panose="02030600000101010101" pitchFamily="18" charset="-127"/>
-              <a:ea typeface="HY헤드라인M" panose="02030600000101010101" pitchFamily="18" charset="-127"/>
-            </a:endParaRPr>
-          </a:p>
-          <a:p>
-            <a:endParaRPr lang="en-US" altLang="ko-KR" sz="2400" dirty="0">
-              <a:latin typeface="HY헤드라인M" panose="02030600000101010101" pitchFamily="18" charset="-127"/>
-              <a:ea typeface="HY헤드라인M" panose="02030600000101010101" pitchFamily="18" charset="-127"/>
-            </a:endParaRPr>
-          </a:p>
-          <a:p>
-            <a:r>
-              <a:rPr lang="en-US" altLang="ko-KR" sz="2400" dirty="0">
+              <a:t>Animation</a:t>
+            </a:r>
+          </a:p>
+        </p:txBody>
+      </p:sp>
+      <p:sp>
+        <p:nvSpPr>
+          <p:cNvPr id="30" name="직사각형 29">
+            <a:extLst>
+              <a:ext uri="{FF2B5EF4-FFF2-40B4-BE49-F238E27FC236}">
+                <a16:creationId xmlns:a16="http://schemas.microsoft.com/office/drawing/2014/main" id="{E647CC39-1853-4A91-A740-6C1F2527946C}"/>
+              </a:ext>
+            </a:extLst>
+          </p:cNvPr>
+          <p:cNvSpPr/>
+          <p:nvPr/>
+        </p:nvSpPr>
+        <p:spPr>
+          <a:xfrm>
+            <a:off x="3914775" y="5830797"/>
+            <a:ext cx="6442312" cy="495304"/>
+          </a:xfrm>
+          <a:prstGeom prst="rect">
+            <a:avLst/>
+          </a:prstGeom>
+          <a:solidFill>
+            <a:srgbClr val="595959"/>
+          </a:solidFill>
+          <a:ln w="38100">
+            <a:solidFill>
+              <a:schemeClr val="tx1">
+                <a:lumMod val="85000"/>
+              </a:schemeClr>
+            </a:solidFill>
+          </a:ln>
+        </p:spPr>
+        <p:style>
+          <a:lnRef idx="2">
+            <a:schemeClr val="accent1">
+              <a:shade val="50000"/>
+            </a:schemeClr>
+          </a:lnRef>
+          <a:fillRef idx="1">
+            <a:schemeClr val="accent1"/>
+          </a:fillRef>
+          <a:effectRef idx="0">
+            <a:schemeClr val="accent1"/>
+          </a:effectRef>
+          <a:fontRef idx="minor">
+            <a:schemeClr val="lt1"/>
+          </a:fontRef>
+        </p:style>
+        <p:txBody>
+          <a:bodyPr rtlCol="0" anchor="ctr"/>
+          <a:lstStyle/>
+          <a:p>
+            <a:pPr algn="ctr"/>
+            <a:r>
+              <a:rPr lang="en-US" altLang="ko-KR" sz="2000" dirty="0">
                 <a:latin typeface="HY헤드라인M" panose="02030600000101010101" pitchFamily="18" charset="-127"/>
                 <a:ea typeface="HY헤드라인M" panose="02030600000101010101" pitchFamily="18" charset="-127"/>
               </a:rPr>
-              <a:t>	-	</a:t>
-            </a:r>
-            <a:r>
-              <a:rPr lang="ko-KR" altLang="en-US" sz="2400" dirty="0">
-                <a:latin typeface="HY헤드라인M" panose="02030600000101010101" pitchFamily="18" charset="-127"/>
-                <a:ea typeface="HY헤드라인M" panose="02030600000101010101" pitchFamily="18" charset="-127"/>
-              </a:rPr>
-              <a:t>물리현상을 사용하여 구현한 카메라</a:t>
-            </a:r>
-            <a:endParaRPr lang="en-US" altLang="ko-KR" sz="2400" dirty="0">
-              <a:latin typeface="HY헤드라인M" panose="02030600000101010101" pitchFamily="18" charset="-127"/>
-              <a:ea typeface="HY헤드라인M" panose="02030600000101010101" pitchFamily="18" charset="-127"/>
-            </a:endParaRPr>
+              <a:t>FBX SDK</a:t>
+            </a:r>
           </a:p>
         </p:txBody>
       </p:sp>
     </p:spTree>
     <p:extLst>
       <p:ext uri="{BB962C8B-B14F-4D97-AF65-F5344CB8AC3E}">
-        <p14:creationId xmlns:p14="http://schemas.microsoft.com/office/powerpoint/2010/main" val="4246745071"/>
+        <p14:creationId xmlns:p14="http://schemas.microsoft.com/office/powerpoint/2010/main" val="3151176218"/>
       </p:ext>
     </p:extLst>
   </p:cSld>
@@ -4444,17 +4911,17 @@
                 <a:latin typeface="HY헤드라인M" panose="02030600000101010101" pitchFamily="18" charset="-127"/>
                 <a:ea typeface="HY헤드라인M" panose="02030600000101010101" pitchFamily="18" charset="-127"/>
               </a:rPr>
-              <a:t>서버</a:t>
+              <a:t>클라이언트</a:t>
             </a:r>
           </a:p>
         </p:txBody>
       </p:sp>
       <p:sp>
         <p:nvSpPr>
-          <p:cNvPr id="5" name="직사각형 4">
+          <p:cNvPr id="10" name="직사각형 9">
             <a:extLst>
               <a:ext uri="{FF2B5EF4-FFF2-40B4-BE49-F238E27FC236}">
-                <a16:creationId xmlns:a16="http://schemas.microsoft.com/office/drawing/2014/main" id="{711DCDA1-7BF2-4A7D-9799-A995CEF01B7A}"/>
+                <a16:creationId xmlns:a16="http://schemas.microsoft.com/office/drawing/2014/main" id="{F3625E38-9DD3-4442-BF57-8A052A202C27}"/>
               </a:ext>
             </a:extLst>
           </p:cNvPr>
@@ -4510,10 +4977,10 @@
       </p:sp>
       <p:sp>
         <p:nvSpPr>
-          <p:cNvPr id="8" name="직사각형 7">
+          <p:cNvPr id="7" name="직사각형 6">
             <a:extLst>
               <a:ext uri="{FF2B5EF4-FFF2-40B4-BE49-F238E27FC236}">
-                <a16:creationId xmlns:a16="http://schemas.microsoft.com/office/drawing/2014/main" id="{D7033350-C6F0-4470-B109-7B17703E07B5}"/>
+                <a16:creationId xmlns:a16="http://schemas.microsoft.com/office/drawing/2014/main" id="{279B02B2-5E4C-4558-BAFE-F64A24F0DBA3}"/>
               </a:ext>
             </a:extLst>
           </p:cNvPr>
@@ -4523,7 +4990,7 @@
         <p:spPr>
           <a:xfrm>
             <a:off x="1924051" y="3175891"/>
-            <a:ext cx="8878420" cy="2032603"/>
+            <a:ext cx="8878420" cy="2821497"/>
           </a:xfrm>
           <a:prstGeom prst="rect">
             <a:avLst/>
@@ -4559,25 +5026,52 @@
           <a:bodyPr rtlCol="0" anchor="t"/>
           <a:lstStyle/>
           <a:p>
+            <a:r>
+              <a:rPr lang="en-US" altLang="ko-KR" sz="2400" dirty="0">
+                <a:latin typeface="HY헤드라인M" panose="02030600000101010101" pitchFamily="18" charset="-127"/>
+                <a:ea typeface="HY헤드라인M" panose="02030600000101010101" pitchFamily="18" charset="-127"/>
+              </a:rPr>
+              <a:t>	-	</a:t>
+            </a:r>
+            <a:r>
+              <a:rPr lang="ko-KR" altLang="en-US" sz="2400" dirty="0">
+                <a:latin typeface="HY헤드라인M" panose="02030600000101010101" pitchFamily="18" charset="-127"/>
+                <a:ea typeface="HY헤드라인M" panose="02030600000101010101" pitchFamily="18" charset="-127"/>
+              </a:rPr>
+              <a:t>오브젝트들의 업데이트 및 렌더링 최적화</a:t>
+            </a:r>
             <a:endParaRPr lang="en-US" altLang="ko-KR" sz="2400" dirty="0">
               <a:latin typeface="HY헤드라인M" panose="02030600000101010101" pitchFamily="18" charset="-127"/>
               <a:ea typeface="HY헤드라인M" panose="02030600000101010101" pitchFamily="18" charset="-127"/>
             </a:endParaRPr>
           </a:p>
           <a:p>
+            <a:endParaRPr lang="en-US" altLang="ko-KR" sz="2400" dirty="0">
+              <a:latin typeface="HY헤드라인M" panose="02030600000101010101" pitchFamily="18" charset="-127"/>
+              <a:ea typeface="HY헤드라인M" panose="02030600000101010101" pitchFamily="18" charset="-127"/>
+            </a:endParaRPr>
+          </a:p>
+          <a:p>
             <a:r>
               <a:rPr lang="en-US" altLang="ko-KR" sz="2400" dirty="0">
                 <a:latin typeface="HY헤드라인M" panose="02030600000101010101" pitchFamily="18" charset="-127"/>
                 <a:ea typeface="HY헤드라인M" panose="02030600000101010101" pitchFamily="18" charset="-127"/>
               </a:rPr>
-              <a:t>	-	IOCP</a:t>
+              <a:t>	-	</a:t>
+            </a:r>
+            <a:r>
+              <a:rPr lang="ko-KR" altLang="en-US" sz="2400" dirty="0" err="1">
+                <a:latin typeface="HY헤드라인M" panose="02030600000101010101" pitchFamily="18" charset="-127"/>
+                <a:ea typeface="HY헤드라인M" panose="02030600000101010101" pitchFamily="18" charset="-127"/>
+              </a:rPr>
+              <a:t>셰이더</a:t>
             </a:r>
             <a:r>
               <a:rPr lang="ko-KR" altLang="en-US" sz="2400" dirty="0">
                 <a:latin typeface="HY헤드라인M" panose="02030600000101010101" pitchFamily="18" charset="-127"/>
                 <a:ea typeface="HY헤드라인M" panose="02030600000101010101" pitchFamily="18" charset="-127"/>
               </a:rPr>
-              <a:t>를 이용한 여러 개의 클라이언트 접속 유지</a:t>
+              <a:t> 프로그래밍을 이용한 게임 표현</a:t>
             </a:r>
             <a:endParaRPr lang="en-US" altLang="ko-KR" sz="2400" dirty="0">
               <a:latin typeface="HY헤드라인M" panose="02030600000101010101" pitchFamily="18" charset="-127"/>
@@ -4585,45 +5079,66 @@
             </a:endParaRPr>
           </a:p>
           <a:p>
+            <a:r>
+              <a:rPr lang="en-US" altLang="ko-KR" sz="2400" dirty="0">
+                <a:latin typeface="HY헤드라인M" panose="02030600000101010101" pitchFamily="18" charset="-127"/>
+                <a:ea typeface="HY헤드라인M" panose="02030600000101010101" pitchFamily="18" charset="-127"/>
+              </a:rPr>
+              <a:t>	</a:t>
+            </a:r>
+          </a:p>
+          <a:p>
+            <a:r>
+              <a:rPr lang="en-US" altLang="ko-KR" sz="2400" dirty="0">
+                <a:latin typeface="HY헤드라인M" panose="02030600000101010101" pitchFamily="18" charset="-127"/>
+                <a:ea typeface="HY헤드라인M" panose="02030600000101010101" pitchFamily="18" charset="-127"/>
+              </a:rPr>
+              <a:t>	- 	</a:t>
+            </a:r>
+            <a:r>
+              <a:rPr lang="ko-KR" altLang="en-US" sz="2400" dirty="0" err="1">
+                <a:latin typeface="HY헤드라인M" panose="02030600000101010101" pitchFamily="18" charset="-127"/>
+                <a:ea typeface="HY헤드라인M" panose="02030600000101010101" pitchFamily="18" charset="-127"/>
+              </a:rPr>
+              <a:t>블러링</a:t>
+            </a:r>
             <a:endParaRPr lang="en-US" altLang="ko-KR" sz="2400" dirty="0">
               <a:latin typeface="HY헤드라인M" panose="02030600000101010101" pitchFamily="18" charset="-127"/>
               <a:ea typeface="HY헤드라인M" panose="02030600000101010101" pitchFamily="18" charset="-127"/>
             </a:endParaRPr>
           </a:p>
           <a:p>
+            <a:endParaRPr lang="en-US" altLang="ko-KR" sz="2400" dirty="0">
+              <a:latin typeface="HY헤드라인M" panose="02030600000101010101" pitchFamily="18" charset="-127"/>
+              <a:ea typeface="HY헤드라인M" panose="02030600000101010101" pitchFamily="18" charset="-127"/>
+            </a:endParaRPr>
+          </a:p>
+          <a:p>
             <a:r>
               <a:rPr lang="en-US" altLang="ko-KR" sz="2400" dirty="0">
                 <a:latin typeface="HY헤드라인M" panose="02030600000101010101" pitchFamily="18" charset="-127"/>
                 <a:ea typeface="HY헤드라인M" panose="02030600000101010101" pitchFamily="18" charset="-127"/>
               </a:rPr>
-              <a:t>	-	DB</a:t>
+              <a:t>	-	</a:t>
             </a:r>
             <a:r>
               <a:rPr lang="ko-KR" altLang="en-US" sz="2400" dirty="0">
                 <a:latin typeface="HY헤드라인M" panose="02030600000101010101" pitchFamily="18" charset="-127"/>
                 <a:ea typeface="HY헤드라인M" panose="02030600000101010101" pitchFamily="18" charset="-127"/>
               </a:rPr>
-              <a:t>를 이용한 계정 및 아이템 관리</a:t>
+              <a:t>물리현상을 사용하여 구현한 카메라</a:t>
             </a:r>
             <a:endParaRPr lang="en-US" altLang="ko-KR" sz="2400" dirty="0">
               <a:latin typeface="HY헤드라인M" panose="02030600000101010101" pitchFamily="18" charset="-127"/>
               <a:ea typeface="HY헤드라인M" panose="02030600000101010101" pitchFamily="18" charset="-127"/>
             </a:endParaRPr>
-          </a:p>
-          <a:p>
-            <a:pPr algn="ctr"/>
-            <a:endParaRPr lang="en-US" altLang="ko-KR" sz="2000" dirty="0"/>
-          </a:p>
-          <a:p>
-            <a:pPr algn="ctr"/>
-            <a:endParaRPr lang="ko-KR" altLang="en-US" sz="2000" dirty="0"/>
           </a:p>
         </p:txBody>
       </p:sp>
     </p:spTree>
     <p:extLst>
       <p:ext uri="{BB962C8B-B14F-4D97-AF65-F5344CB8AC3E}">
-        <p14:creationId xmlns:p14="http://schemas.microsoft.com/office/powerpoint/2010/main" val="2000490652"/>
+        <p14:creationId xmlns:p14="http://schemas.microsoft.com/office/powerpoint/2010/main" val="4246745071"/>
       </p:ext>
     </p:extLst>
   </p:cSld>
@@ -4705,7 +5220,7 @@
                 <a:latin typeface="HY헤드라인M" panose="02030600000101010101" pitchFamily="18" charset="-127"/>
                 <a:ea typeface="HY헤드라인M" panose="02030600000101010101" pitchFamily="18" charset="-127"/>
               </a:rPr>
-              <a:t>6</a:t>
+              <a:t>5</a:t>
             </a:r>
             <a:endParaRPr lang="ko-KR" altLang="en-US" sz="5400" dirty="0">
               <a:latin typeface="HY헤드라인M" panose="02030600000101010101" pitchFamily="18" charset="-127"/>
@@ -4729,7 +5244,7 @@
         <p:spPr>
           <a:xfrm>
             <a:off x="1419225" y="393221"/>
-            <a:ext cx="3895725" cy="646331"/>
+            <a:ext cx="7000875" cy="646331"/>
           </a:xfrm>
           <a:prstGeom prst="rect">
             <a:avLst/>
@@ -4747,7 +5262,7 @@
                 <a:latin typeface="HY헤드라인M" panose="02030600000101010101" pitchFamily="18" charset="-127"/>
                 <a:ea typeface="HY헤드라인M" panose="02030600000101010101" pitchFamily="18" charset="-127"/>
               </a:rPr>
-              <a:t>개인별 준비 현황</a:t>
+              <a:t>기술적 요소</a:t>
             </a:r>
             <a:endParaRPr lang="ko-KR" altLang="en-US" dirty="0"/>
           </a:p>
@@ -4755,10 +5270,10 @@
       </p:sp>
       <p:sp>
         <p:nvSpPr>
-          <p:cNvPr id="5" name="직사각형 4">
+          <p:cNvPr id="4" name="직사각형 3">
             <a:extLst>
               <a:ext uri="{FF2B5EF4-FFF2-40B4-BE49-F238E27FC236}">
-                <a16:creationId xmlns:a16="http://schemas.microsoft.com/office/drawing/2014/main" id="{77B11E97-3DE7-40DA-8FF7-A32B35070F07}"/>
+                <a16:creationId xmlns:a16="http://schemas.microsoft.com/office/drawing/2014/main" id="{C7A9A389-7B45-4FDD-BB1C-85EDD793729F}"/>
               </a:ext>
             </a:extLst>
           </p:cNvPr>
@@ -4767,8 +5282,8 @@
         </p:nvSpPr>
         <p:spPr>
           <a:xfrm>
-            <a:off x="1631476" y="1298100"/>
-            <a:ext cx="3390901" cy="809625"/>
+            <a:off x="5101313" y="1298097"/>
+            <a:ext cx="1989374" cy="809625"/>
           </a:xfrm>
           <a:prstGeom prst="rect">
             <a:avLst/>
@@ -4803,25 +5318,21 @@
           <a:p>
             <a:pPr algn="ctr"/>
             <a:r>
-              <a:rPr lang="ko-KR" altLang="en-US" sz="2800" dirty="0" err="1">
+              <a:rPr lang="ko-KR" altLang="en-US" sz="2800" dirty="0">
                 <a:latin typeface="HY헤드라인M" panose="02030600000101010101" pitchFamily="18" charset="-127"/>
                 <a:ea typeface="HY헤드라인M" panose="02030600000101010101" pitchFamily="18" charset="-127"/>
               </a:rPr>
-              <a:t>김영완</a:t>
-            </a:r>
-            <a:endParaRPr lang="ko-KR" altLang="en-US" sz="2800" dirty="0">
-              <a:latin typeface="HY헤드라인M" panose="02030600000101010101" pitchFamily="18" charset="-127"/>
-              <a:ea typeface="HY헤드라인M" panose="02030600000101010101" pitchFamily="18" charset="-127"/>
-            </a:endParaRPr>
+              <a:t>서버</a:t>
+            </a:r>
           </a:p>
         </p:txBody>
       </p:sp>
       <p:sp>
         <p:nvSpPr>
-          <p:cNvPr id="7" name="직사각형 6">
+          <p:cNvPr id="5" name="직사각형 4">
             <a:extLst>
               <a:ext uri="{FF2B5EF4-FFF2-40B4-BE49-F238E27FC236}">
-                <a16:creationId xmlns:a16="http://schemas.microsoft.com/office/drawing/2014/main" id="{F339315A-041C-45AC-82AD-9EE2920A232E}"/>
+                <a16:creationId xmlns:a16="http://schemas.microsoft.com/office/drawing/2014/main" id="{711DCDA1-7BF2-4A7D-9799-A995CEF01B7A}"/>
               </a:ext>
             </a:extLst>
           </p:cNvPr>
@@ -4830,8 +5341,67 @@
         </p:nvSpPr>
         <p:spPr>
           <a:xfrm>
-            <a:off x="1631476" y="2107724"/>
-            <a:ext cx="3390901" cy="3891662"/>
+            <a:off x="1924051" y="2366267"/>
+            <a:ext cx="8878420" cy="809625"/>
+          </a:xfrm>
+          <a:prstGeom prst="rect">
+            <a:avLst/>
+          </a:prstGeom>
+          <a:ln w="38100">
+            <a:solidFill>
+              <a:schemeClr val="tx1">
+                <a:lumMod val="85000"/>
+              </a:schemeClr>
+            </a:solidFill>
+          </a:ln>
+        </p:spPr>
+        <p:style>
+          <a:lnRef idx="2">
+            <a:schemeClr val="accent1">
+              <a:shade val="50000"/>
+            </a:schemeClr>
+          </a:lnRef>
+          <a:fillRef idx="1">
+            <a:schemeClr val="accent1"/>
+          </a:fillRef>
+          <a:effectRef idx="0">
+            <a:schemeClr val="accent1"/>
+          </a:effectRef>
+          <a:fontRef idx="minor">
+            <a:schemeClr val="lt1"/>
+          </a:fontRef>
+        </p:style>
+        <p:txBody>
+          <a:bodyPr rtlCol="0" anchor="ctr"/>
+          <a:lstStyle/>
+          <a:p>
+            <a:pPr algn="ctr"/>
+            <a:r>
+              <a:rPr lang="ko-KR" altLang="en-US" sz="2800" dirty="0">
+                <a:latin typeface="HY헤드라인M" panose="02030600000101010101" pitchFamily="18" charset="-127"/>
+                <a:ea typeface="HY헤드라인M" panose="02030600000101010101" pitchFamily="18" charset="-127"/>
+              </a:rPr>
+              <a:t>기술적 요소</a:t>
+            </a:r>
+          </a:p>
+        </p:txBody>
+      </p:sp>
+      <p:sp>
+        <p:nvSpPr>
+          <p:cNvPr id="8" name="직사각형 7">
+            <a:extLst>
+              <a:ext uri="{FF2B5EF4-FFF2-40B4-BE49-F238E27FC236}">
+                <a16:creationId xmlns:a16="http://schemas.microsoft.com/office/drawing/2014/main" id="{D7033350-C6F0-4470-B109-7B17703E07B5}"/>
+              </a:ext>
+            </a:extLst>
+          </p:cNvPr>
+          <p:cNvSpPr/>
+          <p:nvPr/>
+        </p:nvSpPr>
+        <p:spPr>
+          <a:xfrm>
+            <a:off x="1924051" y="3175891"/>
+            <a:ext cx="8878420" cy="2032603"/>
           </a:xfrm>
           <a:prstGeom prst="rect">
             <a:avLst/>
@@ -4867,796 +5437,71 @@
           <a:bodyPr rtlCol="0" anchor="t"/>
           <a:lstStyle/>
           <a:p>
-            <a:r>
-              <a:rPr lang="en-US" altLang="ko-KR" sz="1600" dirty="0">
+            <a:endParaRPr lang="en-US" altLang="ko-KR" sz="2400" dirty="0">
+              <a:latin typeface="HY헤드라인M" panose="02030600000101010101" pitchFamily="18" charset="-127"/>
+              <a:ea typeface="HY헤드라인M" panose="02030600000101010101" pitchFamily="18" charset="-127"/>
+            </a:endParaRPr>
+          </a:p>
+          <a:p>
+            <a:r>
+              <a:rPr lang="en-US" altLang="ko-KR" sz="2400" dirty="0">
                 <a:latin typeface="HY헤드라인M" panose="02030600000101010101" pitchFamily="18" charset="-127"/>
                 <a:ea typeface="HY헤드라인M" panose="02030600000101010101" pitchFamily="18" charset="-127"/>
               </a:rPr>
-              <a:t>DirectX 12</a:t>
-            </a:r>
-          </a:p>
-          <a:p>
-            <a:r>
-              <a:rPr lang="en-US" altLang="ko-KR" sz="1600" dirty="0">
+              <a:t>	-	IOCP</a:t>
+            </a:r>
+            <a:r>
+              <a:rPr lang="ko-KR" altLang="en-US" sz="2400" dirty="0">
                 <a:latin typeface="HY헤드라인M" panose="02030600000101010101" pitchFamily="18" charset="-127"/>
                 <a:ea typeface="HY헤드라인M" panose="02030600000101010101" pitchFamily="18" charset="-127"/>
               </a:rPr>
-              <a:t>-3DGP</a:t>
-            </a:r>
-            <a:r>
-              <a:rPr lang="ko-KR" altLang="en-US" sz="1600" dirty="0">
+              <a:t>를 이용한 여러 개의 클라이언트 접속 유지</a:t>
+            </a:r>
+            <a:endParaRPr lang="en-US" altLang="ko-KR" sz="2400" dirty="0">
+              <a:latin typeface="HY헤드라인M" panose="02030600000101010101" pitchFamily="18" charset="-127"/>
+              <a:ea typeface="HY헤드라인M" panose="02030600000101010101" pitchFamily="18" charset="-127"/>
+            </a:endParaRPr>
+          </a:p>
+          <a:p>
+            <a:endParaRPr lang="en-US" altLang="ko-KR" sz="2400" dirty="0">
+              <a:latin typeface="HY헤드라인M" panose="02030600000101010101" pitchFamily="18" charset="-127"/>
+              <a:ea typeface="HY헤드라인M" panose="02030600000101010101" pitchFamily="18" charset="-127"/>
+            </a:endParaRPr>
+          </a:p>
+          <a:p>
+            <a:r>
+              <a:rPr lang="en-US" altLang="ko-KR" sz="2400" dirty="0">
                 <a:latin typeface="HY헤드라인M" panose="02030600000101010101" pitchFamily="18" charset="-127"/>
                 <a:ea typeface="HY헤드라인M" panose="02030600000101010101" pitchFamily="18" charset="-127"/>
               </a:rPr>
-              <a:t> 수강</a:t>
-            </a:r>
-            <a:endParaRPr lang="en-US" altLang="ko-KR" sz="1600" dirty="0">
+              <a:t>	-	DB</a:t>
+            </a:r>
+            <a:r>
+              <a:rPr lang="ko-KR" altLang="en-US" sz="2400" dirty="0">
+                <a:latin typeface="HY헤드라인M" panose="02030600000101010101" pitchFamily="18" charset="-127"/>
+                <a:ea typeface="HY헤드라인M" panose="02030600000101010101" pitchFamily="18" charset="-127"/>
+              </a:rPr>
+              <a:t>를 이용한 계정 및 아이템 관리</a:t>
+            </a:r>
+            <a:endParaRPr lang="en-US" altLang="ko-KR" sz="2400" dirty="0">
               <a:latin typeface="HY헤드라인M" panose="02030600000101010101" pitchFamily="18" charset="-127"/>
               <a:ea typeface="HY헤드라인M" panose="02030600000101010101" pitchFamily="18" charset="-127"/>
             </a:endParaRPr>
           </a:p>
           <a:p>
-            <a:endParaRPr lang="en-US" altLang="ko-KR" sz="1600" dirty="0">
-              <a:latin typeface="HY헤드라인M" panose="02030600000101010101" pitchFamily="18" charset="-127"/>
-              <a:ea typeface="HY헤드라인M" panose="02030600000101010101" pitchFamily="18" charset="-127"/>
-            </a:endParaRPr>
-          </a:p>
-          <a:p>
-            <a:r>
-              <a:rPr lang="ko-KR" altLang="en-US" sz="1600" dirty="0">
-                <a:latin typeface="HY헤드라인M" panose="02030600000101010101" pitchFamily="18" charset="-127"/>
-                <a:ea typeface="HY헤드라인M" panose="02030600000101010101" pitchFamily="18" charset="-127"/>
-              </a:rPr>
-              <a:t>모델링</a:t>
-            </a:r>
-            <a:endParaRPr lang="en-US" altLang="ko-KR" sz="1600" dirty="0">
-              <a:latin typeface="HY헤드라인M" panose="02030600000101010101" pitchFamily="18" charset="-127"/>
-              <a:ea typeface="HY헤드라인M" panose="02030600000101010101" pitchFamily="18" charset="-127"/>
-            </a:endParaRPr>
-          </a:p>
-          <a:p>
-            <a:r>
-              <a:rPr lang="en-US" altLang="ko-KR" sz="1600" dirty="0">
-                <a:latin typeface="HY헤드라인M" panose="02030600000101010101" pitchFamily="18" charset="-127"/>
-                <a:ea typeface="HY헤드라인M" panose="02030600000101010101" pitchFamily="18" charset="-127"/>
-              </a:rPr>
-              <a:t>-</a:t>
-            </a:r>
-            <a:r>
-              <a:rPr lang="ko-KR" altLang="en-US" sz="1600" dirty="0" err="1">
-                <a:latin typeface="HY헤드라인M" panose="02030600000101010101" pitchFamily="18" charset="-127"/>
-                <a:ea typeface="HY헤드라인M" panose="02030600000101010101" pitchFamily="18" charset="-127"/>
-              </a:rPr>
-              <a:t>셰이더</a:t>
-            </a:r>
-            <a:r>
-              <a:rPr lang="ko-KR" altLang="en-US" sz="1600" dirty="0">
-                <a:latin typeface="HY헤드라인M" panose="02030600000101010101" pitchFamily="18" charset="-127"/>
-                <a:ea typeface="HY헤드라인M" panose="02030600000101010101" pitchFamily="18" charset="-127"/>
-              </a:rPr>
-              <a:t> 프로그래밍 수강</a:t>
-            </a:r>
-            <a:endParaRPr lang="en-US" altLang="ko-KR" sz="1600" dirty="0">
-              <a:latin typeface="HY헤드라인M" panose="02030600000101010101" pitchFamily="18" charset="-127"/>
-              <a:ea typeface="HY헤드라인M" panose="02030600000101010101" pitchFamily="18" charset="-127"/>
-            </a:endParaRPr>
-          </a:p>
-          <a:p>
-            <a:endParaRPr lang="en-US" altLang="ko-KR" sz="1600" dirty="0">
-              <a:latin typeface="HY헤드라인M" panose="02030600000101010101" pitchFamily="18" charset="-127"/>
-              <a:ea typeface="HY헤드라인M" panose="02030600000101010101" pitchFamily="18" charset="-127"/>
-            </a:endParaRPr>
-          </a:p>
-          <a:p>
-            <a:r>
-              <a:rPr lang="ko-KR" altLang="en-US" sz="1600" dirty="0">
-                <a:latin typeface="HY헤드라인M" panose="02030600000101010101" pitchFamily="18" charset="-127"/>
-                <a:ea typeface="HY헤드라인M" panose="02030600000101010101" pitchFamily="18" charset="-127"/>
-              </a:rPr>
-              <a:t>애니메이션</a:t>
-            </a:r>
-            <a:endParaRPr lang="en-US" altLang="ko-KR" sz="1600" dirty="0">
-              <a:latin typeface="HY헤드라인M" panose="02030600000101010101" pitchFamily="18" charset="-127"/>
-              <a:ea typeface="HY헤드라인M" panose="02030600000101010101" pitchFamily="18" charset="-127"/>
-            </a:endParaRPr>
-          </a:p>
-          <a:p>
-            <a:r>
-              <a:rPr lang="en-US" altLang="ko-KR" sz="1600" dirty="0">
-                <a:latin typeface="HY헤드라인M" panose="02030600000101010101" pitchFamily="18" charset="-127"/>
-                <a:ea typeface="HY헤드라인M" panose="02030600000101010101" pitchFamily="18" charset="-127"/>
-              </a:rPr>
-              <a:t>-FBX SDK </a:t>
-            </a:r>
-          </a:p>
-          <a:p>
-            <a:endParaRPr lang="en-US" altLang="ko-KR" sz="1600" dirty="0">
-              <a:latin typeface="HY헤드라인M" panose="02030600000101010101" pitchFamily="18" charset="-127"/>
-              <a:ea typeface="HY헤드라인M" panose="02030600000101010101" pitchFamily="18" charset="-127"/>
-            </a:endParaRPr>
-          </a:p>
-          <a:p>
-            <a:endParaRPr lang="en-US" altLang="ko-KR" sz="1600" dirty="0">
-              <a:latin typeface="HY헤드라인M" panose="02030600000101010101" pitchFamily="18" charset="-127"/>
-              <a:ea typeface="HY헤드라인M" panose="02030600000101010101" pitchFamily="18" charset="-127"/>
-            </a:endParaRPr>
-          </a:p>
-          <a:p>
-            <a:endParaRPr lang="en-US" altLang="ko-KR" sz="1600" dirty="0">
-              <a:latin typeface="HY헤드라인M" panose="02030600000101010101" pitchFamily="18" charset="-127"/>
-              <a:ea typeface="HY헤드라인M" panose="02030600000101010101" pitchFamily="18" charset="-127"/>
-            </a:endParaRPr>
-          </a:p>
-          <a:p>
-            <a:endParaRPr lang="en-US" altLang="ko-KR" sz="1600" dirty="0">
-              <a:latin typeface="HY헤드라인M" panose="02030600000101010101" pitchFamily="18" charset="-127"/>
-              <a:ea typeface="HY헤드라인M" panose="02030600000101010101" pitchFamily="18" charset="-127"/>
-            </a:endParaRPr>
-          </a:p>
-          <a:p>
-            <a:endParaRPr lang="en-US" altLang="ko-KR" sz="1600" dirty="0">
-              <a:latin typeface="HY헤드라인M" panose="02030600000101010101" pitchFamily="18" charset="-127"/>
-              <a:ea typeface="HY헤드라인M" panose="02030600000101010101" pitchFamily="18" charset="-127"/>
-            </a:endParaRPr>
-          </a:p>
-          <a:p>
-            <a:r>
-              <a:rPr lang="en-US" altLang="ko-KR" sz="1600" dirty="0">
-                <a:latin typeface="HY헤드라인M" panose="02030600000101010101" pitchFamily="18" charset="-127"/>
-                <a:ea typeface="HY헤드라인M" panose="02030600000101010101" pitchFamily="18" charset="-127"/>
-              </a:rPr>
-              <a:t>Git</a:t>
-            </a:r>
-          </a:p>
-          <a:p>
-            <a:r>
-              <a:rPr lang="en-US" altLang="ko-KR" sz="1600" dirty="0">
-                <a:latin typeface="HY헤드라인M" panose="02030600000101010101" pitchFamily="18" charset="-127"/>
-                <a:ea typeface="HY헤드라인M" panose="02030600000101010101" pitchFamily="18" charset="-127"/>
-              </a:rPr>
-              <a:t>-</a:t>
-            </a:r>
-            <a:r>
-              <a:rPr lang="ko-KR" altLang="en-US" sz="1600" dirty="0">
-                <a:latin typeface="HY헤드라인M" panose="02030600000101010101" pitchFamily="18" charset="-127"/>
-                <a:ea typeface="HY헤드라인M" panose="02030600000101010101" pitchFamily="18" charset="-127"/>
-              </a:rPr>
-              <a:t>게임 소프트웨어 공학 수강</a:t>
-            </a:r>
-            <a:endParaRPr lang="en-US" altLang="ko-KR" sz="1600" dirty="0">
-              <a:latin typeface="HY헤드라인M" panose="02030600000101010101" pitchFamily="18" charset="-127"/>
-              <a:ea typeface="HY헤드라인M" panose="02030600000101010101" pitchFamily="18" charset="-127"/>
-            </a:endParaRPr>
-          </a:p>
-          <a:p>
-            <a:endParaRPr lang="en-US" altLang="ko-KR" sz="2000" dirty="0">
-              <a:latin typeface="HY헤드라인M" panose="02030600000101010101" pitchFamily="18" charset="-127"/>
-              <a:ea typeface="HY헤드라인M" panose="02030600000101010101" pitchFamily="18" charset="-127"/>
-            </a:endParaRPr>
-          </a:p>
-        </p:txBody>
-      </p:sp>
-      <p:sp>
-        <p:nvSpPr>
-          <p:cNvPr id="8" name="직사각형 7">
-            <a:extLst>
-              <a:ext uri="{FF2B5EF4-FFF2-40B4-BE49-F238E27FC236}">
-                <a16:creationId xmlns:a16="http://schemas.microsoft.com/office/drawing/2014/main" id="{0598F42B-20BB-4FE1-B916-900EF2CCD5F1}"/>
-              </a:ext>
-            </a:extLst>
-          </p:cNvPr>
-          <p:cNvSpPr/>
-          <p:nvPr/>
-        </p:nvSpPr>
-        <p:spPr>
-          <a:xfrm>
-            <a:off x="5022377" y="1298097"/>
-            <a:ext cx="3390901" cy="809625"/>
-          </a:xfrm>
-          <a:prstGeom prst="rect">
-            <a:avLst/>
-          </a:prstGeom>
-          <a:ln w="38100">
-            <a:solidFill>
-              <a:schemeClr val="tx1">
-                <a:lumMod val="85000"/>
-              </a:schemeClr>
-            </a:solidFill>
-          </a:ln>
-        </p:spPr>
-        <p:style>
-          <a:lnRef idx="2">
-            <a:schemeClr val="accent1">
-              <a:shade val="50000"/>
-            </a:schemeClr>
-          </a:lnRef>
-          <a:fillRef idx="1">
-            <a:schemeClr val="accent1"/>
-          </a:fillRef>
-          <a:effectRef idx="0">
-            <a:schemeClr val="accent1"/>
-          </a:effectRef>
-          <a:fontRef idx="minor">
-            <a:schemeClr val="lt1"/>
-          </a:fontRef>
-        </p:style>
-        <p:txBody>
-          <a:bodyPr rtlCol="0" anchor="ctr"/>
-          <a:lstStyle/>
-          <a:p>
             <a:pPr algn="ctr"/>
-            <a:r>
-              <a:rPr lang="ko-KR" altLang="en-US" sz="2800" dirty="0">
-                <a:latin typeface="HY헤드라인M" panose="02030600000101010101" pitchFamily="18" charset="-127"/>
-                <a:ea typeface="HY헤드라인M" panose="02030600000101010101" pitchFamily="18" charset="-127"/>
-              </a:rPr>
-              <a:t>박건호</a:t>
-            </a:r>
-          </a:p>
-        </p:txBody>
-      </p:sp>
-      <p:sp>
-        <p:nvSpPr>
-          <p:cNvPr id="9" name="직사각형 8">
-            <a:extLst>
-              <a:ext uri="{FF2B5EF4-FFF2-40B4-BE49-F238E27FC236}">
-                <a16:creationId xmlns:a16="http://schemas.microsoft.com/office/drawing/2014/main" id="{B3C4690B-4DFC-4286-B5B4-EA8F7F452F2D}"/>
-              </a:ext>
-            </a:extLst>
-          </p:cNvPr>
-          <p:cNvSpPr/>
-          <p:nvPr/>
-        </p:nvSpPr>
-        <p:spPr>
-          <a:xfrm>
-            <a:off x="5022377" y="2107721"/>
-            <a:ext cx="3390901" cy="3891662"/>
-          </a:xfrm>
-          <a:prstGeom prst="rect">
-            <a:avLst/>
-          </a:prstGeom>
-          <a:solidFill>
-            <a:srgbClr val="595959"/>
-          </a:solidFill>
-          <a:ln w="38100">
-            <a:solidFill>
-              <a:schemeClr val="tx1">
-                <a:lumMod val="85000"/>
-              </a:schemeClr>
-            </a:solidFill>
-          </a:ln>
-        </p:spPr>
-        <p:style>
-          <a:lnRef idx="2">
-            <a:schemeClr val="accent1">
-              <a:shade val="50000"/>
-            </a:schemeClr>
-          </a:lnRef>
-          <a:fillRef idx="1">
-            <a:schemeClr val="accent1"/>
-          </a:fillRef>
-          <a:effectRef idx="0">
-            <a:schemeClr val="accent1"/>
-          </a:effectRef>
-          <a:fontRef idx="minor">
-            <a:schemeClr val="lt1"/>
-          </a:fontRef>
-        </p:style>
-        <p:txBody>
-          <a:bodyPr rtlCol="0" anchor="t"/>
-          <a:lstStyle/>
-          <a:p>
-            <a:r>
-              <a:rPr lang="en-US" altLang="ko-KR" sz="1600" dirty="0">
-                <a:latin typeface="HY헤드라인M" panose="02030600000101010101" pitchFamily="18" charset="-127"/>
-                <a:ea typeface="HY헤드라인M" panose="02030600000101010101" pitchFamily="18" charset="-127"/>
-              </a:rPr>
-              <a:t>DirectX 12</a:t>
-            </a:r>
-          </a:p>
-          <a:p>
-            <a:r>
-              <a:rPr lang="en-US" altLang="ko-KR" sz="1600" dirty="0">
-                <a:latin typeface="HY헤드라인M" panose="02030600000101010101" pitchFamily="18" charset="-127"/>
-                <a:ea typeface="HY헤드라인M" panose="02030600000101010101" pitchFamily="18" charset="-127"/>
-              </a:rPr>
-              <a:t>-3DGP</a:t>
-            </a:r>
-            <a:r>
-              <a:rPr lang="ko-KR" altLang="en-US" sz="1600" dirty="0">
-                <a:latin typeface="HY헤드라인M" panose="02030600000101010101" pitchFamily="18" charset="-127"/>
-                <a:ea typeface="HY헤드라인M" panose="02030600000101010101" pitchFamily="18" charset="-127"/>
-              </a:rPr>
-              <a:t> 수강</a:t>
-            </a:r>
-            <a:endParaRPr lang="en-US" altLang="ko-KR" sz="1600" dirty="0">
-              <a:latin typeface="HY헤드라인M" panose="02030600000101010101" pitchFamily="18" charset="-127"/>
-              <a:ea typeface="HY헤드라인M" panose="02030600000101010101" pitchFamily="18" charset="-127"/>
-            </a:endParaRPr>
-          </a:p>
-          <a:p>
-            <a:endParaRPr lang="en-US" altLang="ko-KR" sz="1600" dirty="0">
-              <a:latin typeface="HY헤드라인M" panose="02030600000101010101" pitchFamily="18" charset="-127"/>
-              <a:ea typeface="HY헤드라인M" panose="02030600000101010101" pitchFamily="18" charset="-127"/>
-            </a:endParaRPr>
-          </a:p>
-          <a:p>
-            <a:r>
-              <a:rPr lang="ko-KR" altLang="en-US" sz="1600" dirty="0">
-                <a:latin typeface="HY헤드라인M" panose="02030600000101010101" pitchFamily="18" charset="-127"/>
-                <a:ea typeface="HY헤드라인M" panose="02030600000101010101" pitchFamily="18" charset="-127"/>
-              </a:rPr>
-              <a:t>모델링</a:t>
-            </a:r>
-            <a:endParaRPr lang="en-US" altLang="ko-KR" sz="1600" dirty="0">
-              <a:latin typeface="HY헤드라인M" panose="02030600000101010101" pitchFamily="18" charset="-127"/>
-              <a:ea typeface="HY헤드라인M" panose="02030600000101010101" pitchFamily="18" charset="-127"/>
-            </a:endParaRPr>
-          </a:p>
-          <a:p>
-            <a:r>
-              <a:rPr lang="en-US" altLang="ko-KR" sz="1600" dirty="0">
-                <a:latin typeface="HY헤드라인M" panose="02030600000101010101" pitchFamily="18" charset="-127"/>
-                <a:ea typeface="HY헤드라인M" panose="02030600000101010101" pitchFamily="18" charset="-127"/>
-              </a:rPr>
-              <a:t>-</a:t>
-            </a:r>
-            <a:r>
-              <a:rPr lang="ko-KR" altLang="en-US" sz="1600" dirty="0" err="1">
-                <a:latin typeface="HY헤드라인M" panose="02030600000101010101" pitchFamily="18" charset="-127"/>
-                <a:ea typeface="HY헤드라인M" panose="02030600000101010101" pitchFamily="18" charset="-127"/>
-              </a:rPr>
-              <a:t>셰이더</a:t>
-            </a:r>
-            <a:r>
-              <a:rPr lang="ko-KR" altLang="en-US" sz="1600" dirty="0">
-                <a:latin typeface="HY헤드라인M" panose="02030600000101010101" pitchFamily="18" charset="-127"/>
-                <a:ea typeface="HY헤드라인M" panose="02030600000101010101" pitchFamily="18" charset="-127"/>
-              </a:rPr>
-              <a:t> 프로그래밍 수강</a:t>
-            </a:r>
-            <a:endParaRPr lang="en-US" altLang="ko-KR" sz="1600" dirty="0">
-              <a:latin typeface="HY헤드라인M" panose="02030600000101010101" pitchFamily="18" charset="-127"/>
-              <a:ea typeface="HY헤드라인M" panose="02030600000101010101" pitchFamily="18" charset="-127"/>
-            </a:endParaRPr>
-          </a:p>
-          <a:p>
-            <a:r>
-              <a:rPr lang="en-US" altLang="ko-KR" sz="1600" dirty="0">
-                <a:latin typeface="HY헤드라인M" panose="02030600000101010101" pitchFamily="18" charset="-127"/>
-                <a:ea typeface="HY헤드라인M" panose="02030600000101010101" pitchFamily="18" charset="-127"/>
-              </a:rPr>
-              <a:t>-3D </a:t>
-            </a:r>
-            <a:r>
-              <a:rPr lang="ko-KR" altLang="en-US" sz="1600" dirty="0">
-                <a:latin typeface="HY헤드라인M" panose="02030600000101010101" pitchFamily="18" charset="-127"/>
-                <a:ea typeface="HY헤드라인M" panose="02030600000101010101" pitchFamily="18" charset="-127"/>
-              </a:rPr>
-              <a:t>모델링</a:t>
-            </a:r>
-            <a:endParaRPr lang="en-US" altLang="ko-KR" sz="1600" dirty="0">
-              <a:latin typeface="HY헤드라인M" panose="02030600000101010101" pitchFamily="18" charset="-127"/>
-              <a:ea typeface="HY헤드라인M" panose="02030600000101010101" pitchFamily="18" charset="-127"/>
-            </a:endParaRPr>
-          </a:p>
-          <a:p>
-            <a:endParaRPr lang="en-US" altLang="ko-KR" sz="1600" dirty="0">
-              <a:latin typeface="HY헤드라인M" panose="02030600000101010101" pitchFamily="18" charset="-127"/>
-              <a:ea typeface="HY헤드라인M" panose="02030600000101010101" pitchFamily="18" charset="-127"/>
-            </a:endParaRPr>
-          </a:p>
-          <a:p>
-            <a:r>
-              <a:rPr lang="en-US" altLang="ko-KR" sz="1600" dirty="0">
-                <a:latin typeface="HY헤드라인M" panose="02030600000101010101" pitchFamily="18" charset="-127"/>
-                <a:ea typeface="HY헤드라인M" panose="02030600000101010101" pitchFamily="18" charset="-127"/>
-              </a:rPr>
-              <a:t>UI &amp; </a:t>
-            </a:r>
-            <a:r>
-              <a:rPr lang="ko-KR" altLang="en-US" sz="1600" dirty="0">
-                <a:latin typeface="HY헤드라인M" panose="02030600000101010101" pitchFamily="18" charset="-127"/>
-                <a:ea typeface="HY헤드라인M" panose="02030600000101010101" pitchFamily="18" charset="-127"/>
-              </a:rPr>
-              <a:t>레벨 디자인</a:t>
-            </a:r>
-            <a:endParaRPr lang="en-US" altLang="ko-KR" sz="1600" dirty="0">
-              <a:latin typeface="HY헤드라인M" panose="02030600000101010101" pitchFamily="18" charset="-127"/>
-              <a:ea typeface="HY헤드라인M" panose="02030600000101010101" pitchFamily="18" charset="-127"/>
-            </a:endParaRPr>
-          </a:p>
-          <a:p>
-            <a:r>
-              <a:rPr lang="en-US" altLang="ko-KR" sz="1600" dirty="0">
-                <a:latin typeface="HY헤드라인M" panose="02030600000101010101" pitchFamily="18" charset="-127"/>
-                <a:ea typeface="HY헤드라인M" panose="02030600000101010101" pitchFamily="18" charset="-127"/>
-              </a:rPr>
-              <a:t>-</a:t>
-            </a:r>
-            <a:r>
-              <a:rPr lang="ko-KR" altLang="en-US" sz="1600" dirty="0">
-                <a:latin typeface="HY헤드라인M" panose="02030600000101010101" pitchFamily="18" charset="-127"/>
-                <a:ea typeface="HY헤드라인M" panose="02030600000101010101" pitchFamily="18" charset="-127"/>
-              </a:rPr>
-              <a:t>게임 기획 수강</a:t>
-            </a:r>
-            <a:endParaRPr lang="en-US" altLang="ko-KR" sz="1600" dirty="0">
-              <a:latin typeface="HY헤드라인M" panose="02030600000101010101" pitchFamily="18" charset="-127"/>
-              <a:ea typeface="HY헤드라인M" panose="02030600000101010101" pitchFamily="18" charset="-127"/>
-            </a:endParaRPr>
-          </a:p>
-          <a:p>
-            <a:r>
-              <a:rPr lang="en-US" altLang="ko-KR" sz="1600" dirty="0">
-                <a:latin typeface="HY헤드라인M" panose="02030600000101010101" pitchFamily="18" charset="-127"/>
-                <a:ea typeface="HY헤드라인M" panose="02030600000101010101" pitchFamily="18" charset="-127"/>
-              </a:rPr>
-              <a:t>-</a:t>
-            </a:r>
-            <a:r>
-              <a:rPr lang="ko-KR" altLang="en-US" sz="1600" dirty="0">
-                <a:latin typeface="HY헤드라인M" panose="02030600000101010101" pitchFamily="18" charset="-127"/>
-                <a:ea typeface="HY헤드라인M" panose="02030600000101010101" pitchFamily="18" charset="-127"/>
-              </a:rPr>
-              <a:t>기획자 </a:t>
-            </a:r>
-            <a:r>
-              <a:rPr lang="ko-KR" altLang="en-US" sz="1600" dirty="0" err="1">
-                <a:latin typeface="HY헤드라인M" panose="02030600000101010101" pitchFamily="18" charset="-127"/>
-                <a:ea typeface="HY헤드라인M" panose="02030600000101010101" pitchFamily="18" charset="-127"/>
-              </a:rPr>
-              <a:t>특훈</a:t>
-            </a:r>
-            <a:r>
-              <a:rPr lang="ko-KR" altLang="en-US" sz="1600" dirty="0">
-                <a:latin typeface="HY헤드라인M" panose="02030600000101010101" pitchFamily="18" charset="-127"/>
-                <a:ea typeface="HY헤드라인M" panose="02030600000101010101" pitchFamily="18" charset="-127"/>
-              </a:rPr>
-              <a:t> 수강</a:t>
-            </a:r>
-            <a:endParaRPr lang="en-US" altLang="ko-KR" sz="1600" dirty="0">
-              <a:latin typeface="HY헤드라인M" panose="02030600000101010101" pitchFamily="18" charset="-127"/>
-              <a:ea typeface="HY헤드라인M" panose="02030600000101010101" pitchFamily="18" charset="-127"/>
-            </a:endParaRPr>
-          </a:p>
-          <a:p>
-            <a:endParaRPr lang="en-US" altLang="ko-KR" sz="1600" dirty="0">
-              <a:latin typeface="HY헤드라인M" panose="02030600000101010101" pitchFamily="18" charset="-127"/>
-              <a:ea typeface="HY헤드라인M" panose="02030600000101010101" pitchFamily="18" charset="-127"/>
-            </a:endParaRPr>
-          </a:p>
-          <a:p>
-            <a:endParaRPr lang="en-US" altLang="ko-KR" sz="1600" dirty="0">
-              <a:latin typeface="HY헤드라인M" panose="02030600000101010101" pitchFamily="18" charset="-127"/>
-              <a:ea typeface="HY헤드라인M" panose="02030600000101010101" pitchFamily="18" charset="-127"/>
-            </a:endParaRPr>
-          </a:p>
-          <a:p>
-            <a:endParaRPr lang="en-US" altLang="ko-KR" sz="1600" dirty="0">
-              <a:latin typeface="HY헤드라인M" panose="02030600000101010101" pitchFamily="18" charset="-127"/>
-              <a:ea typeface="HY헤드라인M" panose="02030600000101010101" pitchFamily="18" charset="-127"/>
-            </a:endParaRPr>
-          </a:p>
-          <a:p>
-            <a:r>
-              <a:rPr lang="en-US" altLang="ko-KR" sz="1600" dirty="0">
-                <a:latin typeface="HY헤드라인M" panose="02030600000101010101" pitchFamily="18" charset="-127"/>
-                <a:ea typeface="HY헤드라인M" panose="02030600000101010101" pitchFamily="18" charset="-127"/>
-              </a:rPr>
-              <a:t>Git</a:t>
-            </a:r>
-          </a:p>
-          <a:p>
-            <a:r>
-              <a:rPr lang="en-US" altLang="ko-KR" sz="1600" dirty="0">
-                <a:latin typeface="HY헤드라인M" panose="02030600000101010101" pitchFamily="18" charset="-127"/>
-                <a:ea typeface="HY헤드라인M" panose="02030600000101010101" pitchFamily="18" charset="-127"/>
-              </a:rPr>
-              <a:t>-</a:t>
-            </a:r>
-            <a:r>
-              <a:rPr lang="ko-KR" altLang="en-US" sz="1600" dirty="0">
-                <a:latin typeface="HY헤드라인M" panose="02030600000101010101" pitchFamily="18" charset="-127"/>
-                <a:ea typeface="HY헤드라인M" panose="02030600000101010101" pitchFamily="18" charset="-127"/>
-              </a:rPr>
-              <a:t> 게임 소프트웨어 공학 수강</a:t>
-            </a:r>
-            <a:endParaRPr lang="en-US" altLang="ko-KR" sz="1600" dirty="0">
-              <a:latin typeface="HY헤드라인M" panose="02030600000101010101" pitchFamily="18" charset="-127"/>
-              <a:ea typeface="HY헤드라인M" panose="02030600000101010101" pitchFamily="18" charset="-127"/>
-            </a:endParaRPr>
-          </a:p>
-        </p:txBody>
-      </p:sp>
-      <p:sp>
-        <p:nvSpPr>
-          <p:cNvPr id="10" name="직사각형 9">
-            <a:extLst>
-              <a:ext uri="{FF2B5EF4-FFF2-40B4-BE49-F238E27FC236}">
-                <a16:creationId xmlns:a16="http://schemas.microsoft.com/office/drawing/2014/main" id="{D3F450E1-C0C0-43EA-965D-6DF7A17A2380}"/>
-              </a:ext>
-            </a:extLst>
-          </p:cNvPr>
-          <p:cNvSpPr/>
-          <p:nvPr/>
-        </p:nvSpPr>
-        <p:spPr>
-          <a:xfrm>
-            <a:off x="8413278" y="1298093"/>
-            <a:ext cx="3390901" cy="809625"/>
-          </a:xfrm>
-          <a:prstGeom prst="rect">
-            <a:avLst/>
-          </a:prstGeom>
-          <a:ln w="38100">
-            <a:solidFill>
-              <a:schemeClr val="tx1">
-                <a:lumMod val="85000"/>
-              </a:schemeClr>
-            </a:solidFill>
-          </a:ln>
-        </p:spPr>
-        <p:style>
-          <a:lnRef idx="2">
-            <a:schemeClr val="accent1">
-              <a:shade val="50000"/>
-            </a:schemeClr>
-          </a:lnRef>
-          <a:fillRef idx="1">
-            <a:schemeClr val="accent1"/>
-          </a:fillRef>
-          <a:effectRef idx="0">
-            <a:schemeClr val="accent1"/>
-          </a:effectRef>
-          <a:fontRef idx="minor">
-            <a:schemeClr val="lt1"/>
-          </a:fontRef>
-        </p:style>
-        <p:txBody>
-          <a:bodyPr rtlCol="0" anchor="ctr"/>
-          <a:lstStyle/>
+            <a:endParaRPr lang="en-US" altLang="ko-KR" sz="2000" dirty="0"/>
+          </a:p>
           <a:p>
             <a:pPr algn="ctr"/>
-            <a:r>
-              <a:rPr lang="ko-KR" altLang="en-US" sz="2800" dirty="0">
-                <a:latin typeface="HY헤드라인M" panose="02030600000101010101" pitchFamily="18" charset="-127"/>
-                <a:ea typeface="HY헤드라인M" panose="02030600000101010101" pitchFamily="18" charset="-127"/>
-              </a:rPr>
-              <a:t>박정만</a:t>
-            </a:r>
-          </a:p>
-        </p:txBody>
-      </p:sp>
-      <p:sp>
-        <p:nvSpPr>
-          <p:cNvPr id="12" name="직사각형 11">
-            <a:extLst>
-              <a:ext uri="{FF2B5EF4-FFF2-40B4-BE49-F238E27FC236}">
-                <a16:creationId xmlns:a16="http://schemas.microsoft.com/office/drawing/2014/main" id="{242167CD-F648-4E14-9D37-5731E669137E}"/>
-              </a:ext>
-            </a:extLst>
-          </p:cNvPr>
-          <p:cNvSpPr/>
-          <p:nvPr/>
-        </p:nvSpPr>
-        <p:spPr>
-          <a:xfrm>
-            <a:off x="8413278" y="2107717"/>
-            <a:ext cx="3390901" cy="3891662"/>
-          </a:xfrm>
-          <a:prstGeom prst="rect">
-            <a:avLst/>
-          </a:prstGeom>
-          <a:solidFill>
-            <a:srgbClr val="595959"/>
-          </a:solidFill>
-          <a:ln w="38100">
-            <a:solidFill>
-              <a:schemeClr val="tx1">
-                <a:lumMod val="85000"/>
-              </a:schemeClr>
-            </a:solidFill>
-          </a:ln>
-        </p:spPr>
-        <p:style>
-          <a:lnRef idx="2">
-            <a:schemeClr val="accent1">
-              <a:shade val="50000"/>
-            </a:schemeClr>
-          </a:lnRef>
-          <a:fillRef idx="1">
-            <a:schemeClr val="accent1"/>
-          </a:fillRef>
-          <a:effectRef idx="0">
-            <a:schemeClr val="accent1"/>
-          </a:effectRef>
-          <a:fontRef idx="minor">
-            <a:schemeClr val="lt1"/>
-          </a:fontRef>
-        </p:style>
-        <p:txBody>
-          <a:bodyPr rtlCol="0" anchor="t"/>
-          <a:lstStyle/>
-          <a:p>
-            <a:r>
-              <a:rPr lang="ko-KR" altLang="en-US" sz="1600" dirty="0">
-                <a:latin typeface="HY헤드라인M" panose="02030600000101010101" pitchFamily="18" charset="-127"/>
-                <a:ea typeface="HY헤드라인M" panose="02030600000101010101" pitchFamily="18" charset="-127"/>
-              </a:rPr>
-              <a:t>서버</a:t>
-            </a:r>
-            <a:endParaRPr lang="en-US" altLang="ko-KR" sz="1600" dirty="0">
-              <a:latin typeface="HY헤드라인M" panose="02030600000101010101" pitchFamily="18" charset="-127"/>
-              <a:ea typeface="HY헤드라인M" panose="02030600000101010101" pitchFamily="18" charset="-127"/>
-            </a:endParaRPr>
-          </a:p>
-          <a:p>
-            <a:r>
-              <a:rPr lang="en-US" altLang="ko-KR" sz="1600" dirty="0">
-                <a:latin typeface="HY헤드라인M" panose="02030600000101010101" pitchFamily="18" charset="-127"/>
-                <a:ea typeface="HY헤드라인M" panose="02030600000101010101" pitchFamily="18" charset="-127"/>
-              </a:rPr>
-              <a:t>-</a:t>
-            </a:r>
-            <a:r>
-              <a:rPr lang="ko-KR" altLang="en-US" sz="1600" dirty="0">
-                <a:latin typeface="HY헤드라인M" panose="02030600000101010101" pitchFamily="18" charset="-127"/>
-                <a:ea typeface="HY헤드라인M" panose="02030600000101010101" pitchFamily="18" charset="-127"/>
-              </a:rPr>
-              <a:t>네트워크 기초 수강</a:t>
-            </a:r>
-            <a:endParaRPr lang="en-US" altLang="ko-KR" sz="1600" dirty="0">
-              <a:latin typeface="HY헤드라인M" panose="02030600000101010101" pitchFamily="18" charset="-127"/>
-              <a:ea typeface="HY헤드라인M" panose="02030600000101010101" pitchFamily="18" charset="-127"/>
-            </a:endParaRPr>
-          </a:p>
-          <a:p>
-            <a:r>
-              <a:rPr lang="en-US" altLang="ko-KR" sz="1600" dirty="0">
-                <a:latin typeface="HY헤드라인M" panose="02030600000101010101" pitchFamily="18" charset="-127"/>
-                <a:ea typeface="HY헤드라인M" panose="02030600000101010101" pitchFamily="18" charset="-127"/>
-              </a:rPr>
-              <a:t>-</a:t>
-            </a:r>
-            <a:r>
-              <a:rPr lang="ko-KR" altLang="en-US" sz="1600" dirty="0">
-                <a:latin typeface="HY헤드라인M" panose="02030600000101010101" pitchFamily="18" charset="-127"/>
-                <a:ea typeface="HY헤드라인M" panose="02030600000101010101" pitchFamily="18" charset="-127"/>
-              </a:rPr>
-              <a:t>네트워크 게임 프로그래밍 수강</a:t>
-            </a:r>
-            <a:endParaRPr lang="en-US" altLang="ko-KR" sz="1600" dirty="0">
-              <a:latin typeface="HY헤드라인M" panose="02030600000101010101" pitchFamily="18" charset="-127"/>
-              <a:ea typeface="HY헤드라인M" panose="02030600000101010101" pitchFamily="18" charset="-127"/>
-            </a:endParaRPr>
-          </a:p>
-          <a:p>
-            <a:r>
-              <a:rPr lang="en-US" altLang="ko-KR" sz="1600" dirty="0">
-                <a:latin typeface="HY헤드라인M" panose="02030600000101010101" pitchFamily="18" charset="-127"/>
-                <a:ea typeface="HY헤드라인M" panose="02030600000101010101" pitchFamily="18" charset="-127"/>
-              </a:rPr>
-              <a:t>-</a:t>
-            </a:r>
-            <a:r>
-              <a:rPr lang="ko-KR" altLang="en-US" sz="1600" dirty="0">
-                <a:latin typeface="HY헤드라인M" panose="02030600000101010101" pitchFamily="18" charset="-127"/>
-                <a:ea typeface="HY헤드라인M" panose="02030600000101010101" pitchFamily="18" charset="-127"/>
-              </a:rPr>
-              <a:t>게임 서버 수강</a:t>
-            </a:r>
-            <a:endParaRPr lang="en-US" altLang="ko-KR" sz="1600" dirty="0">
-              <a:latin typeface="HY헤드라인M" panose="02030600000101010101" pitchFamily="18" charset="-127"/>
-              <a:ea typeface="HY헤드라인M" panose="02030600000101010101" pitchFamily="18" charset="-127"/>
-            </a:endParaRPr>
-          </a:p>
-          <a:p>
-            <a:endParaRPr lang="en-US" altLang="ko-KR" sz="1600" dirty="0">
-              <a:latin typeface="HY헤드라인M" panose="02030600000101010101" pitchFamily="18" charset="-127"/>
-              <a:ea typeface="HY헤드라인M" panose="02030600000101010101" pitchFamily="18" charset="-127"/>
-            </a:endParaRPr>
-          </a:p>
-          <a:p>
-            <a:endParaRPr lang="en-US" altLang="ko-KR" sz="1600" dirty="0">
-              <a:latin typeface="HY헤드라인M" panose="02030600000101010101" pitchFamily="18" charset="-127"/>
-              <a:ea typeface="HY헤드라인M" panose="02030600000101010101" pitchFamily="18" charset="-127"/>
-            </a:endParaRPr>
-          </a:p>
-          <a:p>
-            <a:r>
-              <a:rPr lang="en-US" altLang="ko-KR" sz="1600" dirty="0">
-                <a:latin typeface="HY헤드라인M" panose="02030600000101010101" pitchFamily="18" charset="-127"/>
-                <a:ea typeface="HY헤드라인M" panose="02030600000101010101" pitchFamily="18" charset="-127"/>
-              </a:rPr>
-              <a:t>DB</a:t>
-            </a:r>
-          </a:p>
-          <a:p>
-            <a:r>
-              <a:rPr lang="en-US" altLang="ko-KR" sz="1600" dirty="0">
-                <a:latin typeface="HY헤드라인M" panose="02030600000101010101" pitchFamily="18" charset="-127"/>
-                <a:ea typeface="HY헤드라인M" panose="02030600000101010101" pitchFamily="18" charset="-127"/>
-              </a:rPr>
-              <a:t>-</a:t>
-            </a:r>
-            <a:r>
-              <a:rPr lang="ko-KR" altLang="en-US" sz="1600" dirty="0">
-                <a:latin typeface="HY헤드라인M" panose="02030600000101010101" pitchFamily="18" charset="-127"/>
-                <a:ea typeface="HY헤드라인M" panose="02030600000101010101" pitchFamily="18" charset="-127"/>
-              </a:rPr>
-              <a:t>데이터 베이스 수강</a:t>
-            </a:r>
-            <a:endParaRPr lang="en-US" altLang="ko-KR" sz="1600" dirty="0">
-              <a:latin typeface="HY헤드라인M" panose="02030600000101010101" pitchFamily="18" charset="-127"/>
-              <a:ea typeface="HY헤드라인M" panose="02030600000101010101" pitchFamily="18" charset="-127"/>
-            </a:endParaRPr>
-          </a:p>
-          <a:p>
-            <a:endParaRPr lang="en-US" altLang="ko-KR" sz="1600" dirty="0">
-              <a:latin typeface="HY헤드라인M" panose="02030600000101010101" pitchFamily="18" charset="-127"/>
-              <a:ea typeface="HY헤드라인M" panose="02030600000101010101" pitchFamily="18" charset="-127"/>
-            </a:endParaRPr>
-          </a:p>
-          <a:p>
-            <a:endParaRPr lang="en-US" altLang="ko-KR" sz="1600" dirty="0">
-              <a:latin typeface="HY헤드라인M" panose="02030600000101010101" pitchFamily="18" charset="-127"/>
-              <a:ea typeface="HY헤드라인M" panose="02030600000101010101" pitchFamily="18" charset="-127"/>
-            </a:endParaRPr>
-          </a:p>
-          <a:p>
-            <a:endParaRPr lang="en-US" altLang="ko-KR" sz="1600" dirty="0">
-              <a:latin typeface="HY헤드라인M" panose="02030600000101010101" pitchFamily="18" charset="-127"/>
-              <a:ea typeface="HY헤드라인M" panose="02030600000101010101" pitchFamily="18" charset="-127"/>
-            </a:endParaRPr>
-          </a:p>
-          <a:p>
-            <a:endParaRPr lang="en-US" altLang="ko-KR" sz="1600" dirty="0">
-              <a:latin typeface="HY헤드라인M" panose="02030600000101010101" pitchFamily="18" charset="-127"/>
-              <a:ea typeface="HY헤드라인M" panose="02030600000101010101" pitchFamily="18" charset="-127"/>
-            </a:endParaRPr>
-          </a:p>
-          <a:p>
-            <a:endParaRPr lang="en-US" altLang="ko-KR" sz="1600" dirty="0">
-              <a:latin typeface="HY헤드라인M" panose="02030600000101010101" pitchFamily="18" charset="-127"/>
-              <a:ea typeface="HY헤드라인M" panose="02030600000101010101" pitchFamily="18" charset="-127"/>
-            </a:endParaRPr>
-          </a:p>
-          <a:p>
-            <a:r>
-              <a:rPr lang="en-US" altLang="ko-KR" sz="1600" dirty="0">
-                <a:latin typeface="HY헤드라인M" panose="02030600000101010101" pitchFamily="18" charset="-127"/>
-                <a:ea typeface="HY헤드라인M" panose="02030600000101010101" pitchFamily="18" charset="-127"/>
-              </a:rPr>
-              <a:t>Git</a:t>
-            </a:r>
-          </a:p>
-          <a:p>
-            <a:r>
-              <a:rPr lang="en-US" altLang="ko-KR" sz="1600" dirty="0">
-                <a:latin typeface="HY헤드라인M" panose="02030600000101010101" pitchFamily="18" charset="-127"/>
-                <a:ea typeface="HY헤드라인M" panose="02030600000101010101" pitchFamily="18" charset="-127"/>
-              </a:rPr>
-              <a:t>-</a:t>
-            </a:r>
-            <a:r>
-              <a:rPr lang="ko-KR" altLang="en-US" sz="1600" dirty="0">
-                <a:latin typeface="HY헤드라인M" panose="02030600000101010101" pitchFamily="18" charset="-127"/>
-                <a:ea typeface="HY헤드라인M" panose="02030600000101010101" pitchFamily="18" charset="-127"/>
-              </a:rPr>
-              <a:t> 게임 소프트웨어 공학 수강</a:t>
-            </a:r>
-            <a:endParaRPr lang="en-US" altLang="ko-KR" sz="1600" dirty="0">
-              <a:latin typeface="HY헤드라인M" panose="02030600000101010101" pitchFamily="18" charset="-127"/>
-              <a:ea typeface="HY헤드라인M" panose="02030600000101010101" pitchFamily="18" charset="-127"/>
-            </a:endParaRPr>
+            <a:endParaRPr lang="ko-KR" altLang="en-US" sz="2000" dirty="0"/>
           </a:p>
         </p:txBody>
       </p:sp>
     </p:spTree>
     <p:extLst>
       <p:ext uri="{BB962C8B-B14F-4D97-AF65-F5344CB8AC3E}">
-        <p14:creationId xmlns:p14="http://schemas.microsoft.com/office/powerpoint/2010/main" val="3117424196"/>
+        <p14:creationId xmlns:p14="http://schemas.microsoft.com/office/powerpoint/2010/main" val="2000490652"/>
       </p:ext>
     </p:extLst>
   </p:cSld>
@@ -5738,7 +5583,7 @@
                 <a:latin typeface="HY헤드라인M" panose="02030600000101010101" pitchFamily="18" charset="-127"/>
                 <a:ea typeface="HY헤드라인M" panose="02030600000101010101" pitchFamily="18" charset="-127"/>
               </a:rPr>
-              <a:t>7</a:t>
+              <a:t>6</a:t>
             </a:r>
             <a:endParaRPr lang="ko-KR" altLang="en-US" sz="5400" dirty="0">
               <a:latin typeface="HY헤드라인M" panose="02030600000101010101" pitchFamily="18" charset="-127"/>
@@ -5762,7 +5607,7 @@
         <p:spPr>
           <a:xfrm>
             <a:off x="1419225" y="393221"/>
-            <a:ext cx="6838950" cy="646331"/>
+            <a:ext cx="3895725" cy="646331"/>
           </a:xfrm>
           <a:prstGeom prst="rect">
             <a:avLst/>
@@ -5780,7 +5625,7 @@
                 <a:latin typeface="HY헤드라인M" panose="02030600000101010101" pitchFamily="18" charset="-127"/>
                 <a:ea typeface="HY헤드라인M" panose="02030600000101010101" pitchFamily="18" charset="-127"/>
               </a:rPr>
-              <a:t>중점 연구분야</a:t>
+              <a:t>개인별 준비 현황</a:t>
             </a:r>
             <a:endParaRPr lang="ko-KR" altLang="en-US" dirty="0"/>
           </a:p>
@@ -5791,7 +5636,7 @@
           <p:cNvPr id="5" name="직사각형 4">
             <a:extLst>
               <a:ext uri="{FF2B5EF4-FFF2-40B4-BE49-F238E27FC236}">
-                <a16:creationId xmlns:a16="http://schemas.microsoft.com/office/drawing/2014/main" id="{45C393B8-20D6-4EE7-AAC2-D8AA6F3EA229}"/>
+                <a16:creationId xmlns:a16="http://schemas.microsoft.com/office/drawing/2014/main" id="{77B11E97-3DE7-40DA-8FF7-A32B35070F07}"/>
               </a:ext>
             </a:extLst>
           </p:cNvPr>
@@ -5800,8 +5645,8 @@
         </p:nvSpPr>
         <p:spPr>
           <a:xfrm>
-            <a:off x="1656790" y="1405677"/>
-            <a:ext cx="8878420" cy="809625"/>
+            <a:off x="1631476" y="1298100"/>
+            <a:ext cx="3390901" cy="809625"/>
           </a:xfrm>
           <a:prstGeom prst="rect">
             <a:avLst/>
@@ -5836,12 +5681,16 @@
           <a:p>
             <a:pPr algn="ctr"/>
             <a:r>
-              <a:rPr lang="ko-KR" altLang="en-US" sz="2800" dirty="0">
+              <a:rPr lang="ko-KR" altLang="en-US" sz="2800" dirty="0" err="1">
                 <a:latin typeface="HY헤드라인M" panose="02030600000101010101" pitchFamily="18" charset="-127"/>
                 <a:ea typeface="HY헤드라인M" panose="02030600000101010101" pitchFamily="18" charset="-127"/>
               </a:rPr>
-              <a:t>클라이언트</a:t>
-            </a:r>
+              <a:t>김영완</a:t>
+            </a:r>
+            <a:endParaRPr lang="ko-KR" altLang="en-US" sz="2800" dirty="0">
+              <a:latin typeface="HY헤드라인M" panose="02030600000101010101" pitchFamily="18" charset="-127"/>
+              <a:ea typeface="HY헤드라인M" panose="02030600000101010101" pitchFamily="18" charset="-127"/>
+            </a:endParaRPr>
           </a:p>
         </p:txBody>
       </p:sp>
@@ -5850,7 +5699,7 @@
           <p:cNvPr id="7" name="직사각형 6">
             <a:extLst>
               <a:ext uri="{FF2B5EF4-FFF2-40B4-BE49-F238E27FC236}">
-                <a16:creationId xmlns:a16="http://schemas.microsoft.com/office/drawing/2014/main" id="{B83CE672-44E1-46DB-9B66-CA17CD5C5231}"/>
+                <a16:creationId xmlns:a16="http://schemas.microsoft.com/office/drawing/2014/main" id="{F339315A-041C-45AC-82AD-9EE2920A232E}"/>
               </a:ext>
             </a:extLst>
           </p:cNvPr>
@@ -5859,8 +5708,8 @@
         </p:nvSpPr>
         <p:spPr>
           <a:xfrm>
-            <a:off x="1656790" y="2215303"/>
-            <a:ext cx="8878420" cy="1370580"/>
+            <a:off x="1631476" y="2107724"/>
+            <a:ext cx="3390901" cy="3891662"/>
           </a:xfrm>
           <a:prstGeom prst="rect">
             <a:avLst/>
@@ -5897,46 +5746,162 @@
           <a:lstStyle/>
           <a:p>
             <a:r>
-              <a:rPr lang="en-US" altLang="ko-KR" sz="2000" dirty="0">
+              <a:rPr lang="en-US" altLang="ko-KR" sz="1600" dirty="0">
                 <a:latin typeface="HY헤드라인M" panose="02030600000101010101" pitchFamily="18" charset="-127"/>
                 <a:ea typeface="HY헤드라인M" panose="02030600000101010101" pitchFamily="18" charset="-127"/>
               </a:rPr>
-              <a:t>	-	</a:t>
-            </a:r>
-            <a:r>
-              <a:rPr lang="ko-KR" altLang="en-US" sz="2000" dirty="0">
+              <a:t>DirectX 12</a:t>
+            </a:r>
+          </a:p>
+          <a:p>
+            <a:r>
+              <a:rPr lang="en-US" altLang="ko-KR" sz="1600" dirty="0">
                 <a:latin typeface="HY헤드라인M" panose="02030600000101010101" pitchFamily="18" charset="-127"/>
                 <a:ea typeface="HY헤드라인M" panose="02030600000101010101" pitchFamily="18" charset="-127"/>
               </a:rPr>
-              <a:t>반동을 구현한 카메라</a:t>
-            </a:r>
-            <a:endParaRPr lang="en-US" altLang="ko-KR" sz="2000" dirty="0">
+              <a:t>-3DGP</a:t>
+            </a:r>
+            <a:r>
+              <a:rPr lang="ko-KR" altLang="en-US" sz="1600" dirty="0">
+                <a:latin typeface="HY헤드라인M" panose="02030600000101010101" pitchFamily="18" charset="-127"/>
+                <a:ea typeface="HY헤드라인M" panose="02030600000101010101" pitchFamily="18" charset="-127"/>
+              </a:rPr>
+              <a:t> 수강</a:t>
+            </a:r>
+            <a:endParaRPr lang="en-US" altLang="ko-KR" sz="1600" dirty="0">
               <a:latin typeface="HY헤드라인M" panose="02030600000101010101" pitchFamily="18" charset="-127"/>
               <a:ea typeface="HY헤드라인M" panose="02030600000101010101" pitchFamily="18" charset="-127"/>
             </a:endParaRPr>
           </a:p>
           <a:p>
-            <a:endParaRPr lang="en-US" altLang="ko-KR" sz="2000" dirty="0">
+            <a:endParaRPr lang="en-US" altLang="ko-KR" sz="1600" dirty="0">
               <a:latin typeface="HY헤드라인M" panose="02030600000101010101" pitchFamily="18" charset="-127"/>
               <a:ea typeface="HY헤드라인M" panose="02030600000101010101" pitchFamily="18" charset="-127"/>
             </a:endParaRPr>
           </a:p>
           <a:p>
             <a:r>
-              <a:rPr lang="en-US" altLang="ko-KR" sz="2000" dirty="0">
+              <a:rPr lang="ko-KR" altLang="en-US" sz="1600" dirty="0">
                 <a:latin typeface="HY헤드라인M" panose="02030600000101010101" pitchFamily="18" charset="-127"/>
                 <a:ea typeface="HY헤드라인M" panose="02030600000101010101" pitchFamily="18" charset="-127"/>
               </a:rPr>
-              <a:t>	-	</a:t>
-            </a:r>
-            <a:r>
-              <a:rPr lang="ko-KR" altLang="en-US" sz="2000" dirty="0">
+              <a:t>모델링</a:t>
+            </a:r>
+            <a:endParaRPr lang="en-US" altLang="ko-KR" sz="1600" dirty="0">
+              <a:latin typeface="HY헤드라인M" panose="02030600000101010101" pitchFamily="18" charset="-127"/>
+              <a:ea typeface="HY헤드라인M" panose="02030600000101010101" pitchFamily="18" charset="-127"/>
+            </a:endParaRPr>
+          </a:p>
+          <a:p>
+            <a:r>
+              <a:rPr lang="en-US" altLang="ko-KR" sz="1600" dirty="0">
                 <a:latin typeface="HY헤드라인M" panose="02030600000101010101" pitchFamily="18" charset="-127"/>
                 <a:ea typeface="HY헤드라인M" panose="02030600000101010101" pitchFamily="18" charset="-127"/>
               </a:rPr>
-              <a:t>렌더링 최적화</a:t>
-            </a:r>
-            <a:endParaRPr lang="en-US" altLang="ko-KR" sz="2000" dirty="0">
+              <a:t>-</a:t>
+            </a:r>
+            <a:r>
+              <a:rPr lang="ko-KR" altLang="en-US" sz="1600" dirty="0" err="1">
+                <a:latin typeface="HY헤드라인M" panose="02030600000101010101" pitchFamily="18" charset="-127"/>
+                <a:ea typeface="HY헤드라인M" panose="02030600000101010101" pitchFamily="18" charset="-127"/>
+              </a:rPr>
+              <a:t>셰이더</a:t>
+            </a:r>
+            <a:r>
+              <a:rPr lang="ko-KR" altLang="en-US" sz="1600" dirty="0">
+                <a:latin typeface="HY헤드라인M" panose="02030600000101010101" pitchFamily="18" charset="-127"/>
+                <a:ea typeface="HY헤드라인M" panose="02030600000101010101" pitchFamily="18" charset="-127"/>
+              </a:rPr>
+              <a:t> 프로그래밍 수강</a:t>
+            </a:r>
+            <a:endParaRPr lang="en-US" altLang="ko-KR" sz="1600" dirty="0">
+              <a:latin typeface="HY헤드라인M" panose="02030600000101010101" pitchFamily="18" charset="-127"/>
+              <a:ea typeface="HY헤드라인M" panose="02030600000101010101" pitchFamily="18" charset="-127"/>
+            </a:endParaRPr>
+          </a:p>
+          <a:p>
+            <a:endParaRPr lang="en-US" altLang="ko-KR" sz="1600" dirty="0">
+              <a:latin typeface="HY헤드라인M" panose="02030600000101010101" pitchFamily="18" charset="-127"/>
+              <a:ea typeface="HY헤드라인M" panose="02030600000101010101" pitchFamily="18" charset="-127"/>
+            </a:endParaRPr>
+          </a:p>
+          <a:p>
+            <a:r>
+              <a:rPr lang="ko-KR" altLang="en-US" sz="1600" dirty="0">
+                <a:latin typeface="HY헤드라인M" panose="02030600000101010101" pitchFamily="18" charset="-127"/>
+                <a:ea typeface="HY헤드라인M" panose="02030600000101010101" pitchFamily="18" charset="-127"/>
+              </a:rPr>
+              <a:t>애니메이션</a:t>
+            </a:r>
+            <a:endParaRPr lang="en-US" altLang="ko-KR" sz="1600" dirty="0">
+              <a:latin typeface="HY헤드라인M" panose="02030600000101010101" pitchFamily="18" charset="-127"/>
+              <a:ea typeface="HY헤드라인M" panose="02030600000101010101" pitchFamily="18" charset="-127"/>
+            </a:endParaRPr>
+          </a:p>
+          <a:p>
+            <a:r>
+              <a:rPr lang="en-US" altLang="ko-KR" sz="1600" dirty="0">
+                <a:latin typeface="HY헤드라인M" panose="02030600000101010101" pitchFamily="18" charset="-127"/>
+                <a:ea typeface="HY헤드라인M" panose="02030600000101010101" pitchFamily="18" charset="-127"/>
+              </a:rPr>
+              <a:t>-FBX SDK </a:t>
+            </a:r>
+          </a:p>
+          <a:p>
+            <a:endParaRPr lang="en-US" altLang="ko-KR" sz="1600" dirty="0">
+              <a:latin typeface="HY헤드라인M" panose="02030600000101010101" pitchFamily="18" charset="-127"/>
+              <a:ea typeface="HY헤드라인M" panose="02030600000101010101" pitchFamily="18" charset="-127"/>
+            </a:endParaRPr>
+          </a:p>
+          <a:p>
+            <a:endParaRPr lang="en-US" altLang="ko-KR" sz="1600" dirty="0">
+              <a:latin typeface="HY헤드라인M" panose="02030600000101010101" pitchFamily="18" charset="-127"/>
+              <a:ea typeface="HY헤드라인M" panose="02030600000101010101" pitchFamily="18" charset="-127"/>
+            </a:endParaRPr>
+          </a:p>
+          <a:p>
+            <a:endParaRPr lang="en-US" altLang="ko-KR" sz="1600" dirty="0">
+              <a:latin typeface="HY헤드라인M" panose="02030600000101010101" pitchFamily="18" charset="-127"/>
+              <a:ea typeface="HY헤드라인M" panose="02030600000101010101" pitchFamily="18" charset="-127"/>
+            </a:endParaRPr>
+          </a:p>
+          <a:p>
+            <a:endParaRPr lang="en-US" altLang="ko-KR" sz="1600" dirty="0">
+              <a:latin typeface="HY헤드라인M" panose="02030600000101010101" pitchFamily="18" charset="-127"/>
+              <a:ea typeface="HY헤드라인M" panose="02030600000101010101" pitchFamily="18" charset="-127"/>
+            </a:endParaRPr>
+          </a:p>
+          <a:p>
+            <a:endParaRPr lang="en-US" altLang="ko-KR" sz="1600" dirty="0">
+              <a:latin typeface="HY헤드라인M" panose="02030600000101010101" pitchFamily="18" charset="-127"/>
+              <a:ea typeface="HY헤드라인M" panose="02030600000101010101" pitchFamily="18" charset="-127"/>
+            </a:endParaRPr>
+          </a:p>
+          <a:p>
+            <a:r>
+              <a:rPr lang="en-US" altLang="ko-KR" sz="1600" dirty="0">
+                <a:latin typeface="HY헤드라인M" panose="02030600000101010101" pitchFamily="18" charset="-127"/>
+                <a:ea typeface="HY헤드라인M" panose="02030600000101010101" pitchFamily="18" charset="-127"/>
+              </a:rPr>
+              <a:t>Git</a:t>
+            </a:r>
+          </a:p>
+          <a:p>
+            <a:r>
+              <a:rPr lang="en-US" altLang="ko-KR" sz="1600" dirty="0">
+                <a:latin typeface="HY헤드라인M" panose="02030600000101010101" pitchFamily="18" charset="-127"/>
+                <a:ea typeface="HY헤드라인M" panose="02030600000101010101" pitchFamily="18" charset="-127"/>
+              </a:rPr>
+              <a:t>-</a:t>
+            </a:r>
+            <a:r>
+              <a:rPr lang="ko-KR" altLang="en-US" sz="1600" dirty="0">
+                <a:latin typeface="HY헤드라인M" panose="02030600000101010101" pitchFamily="18" charset="-127"/>
+                <a:ea typeface="HY헤드라인M" panose="02030600000101010101" pitchFamily="18" charset="-127"/>
+              </a:rPr>
+              <a:t>게임 소프트웨어 공학 수강</a:t>
+            </a:r>
+            <a:endParaRPr lang="en-US" altLang="ko-KR" sz="1600" dirty="0">
               <a:latin typeface="HY헤드라인M" panose="02030600000101010101" pitchFamily="18" charset="-127"/>
               <a:ea typeface="HY헤드라인M" panose="02030600000101010101" pitchFamily="18" charset="-127"/>
             </a:endParaRPr>
@@ -5954,7 +5919,7 @@
           <p:cNvPr id="8" name="직사각형 7">
             <a:extLst>
               <a:ext uri="{FF2B5EF4-FFF2-40B4-BE49-F238E27FC236}">
-                <a16:creationId xmlns:a16="http://schemas.microsoft.com/office/drawing/2014/main" id="{53DD248C-6401-4F53-B5E2-18681EBF373A}"/>
+                <a16:creationId xmlns:a16="http://schemas.microsoft.com/office/drawing/2014/main" id="{0598F42B-20BB-4FE1-B916-900EF2CCD5F1}"/>
               </a:ext>
             </a:extLst>
           </p:cNvPr>
@@ -5963,8 +5928,8 @@
         </p:nvSpPr>
         <p:spPr>
           <a:xfrm>
-            <a:off x="1656790" y="4330797"/>
-            <a:ext cx="8878420" cy="809625"/>
+            <a:off x="5022377" y="1298097"/>
+            <a:ext cx="3390901" cy="809625"/>
           </a:xfrm>
           <a:prstGeom prst="rect">
             <a:avLst/>
@@ -6003,7 +5968,7 @@
                 <a:latin typeface="HY헤드라인M" panose="02030600000101010101" pitchFamily="18" charset="-127"/>
                 <a:ea typeface="HY헤드라인M" panose="02030600000101010101" pitchFamily="18" charset="-127"/>
               </a:rPr>
-              <a:t>서버</a:t>
+              <a:t>박건호</a:t>
             </a:r>
           </a:p>
         </p:txBody>
@@ -6013,7 +5978,7 @@
           <p:cNvPr id="9" name="직사각형 8">
             <a:extLst>
               <a:ext uri="{FF2B5EF4-FFF2-40B4-BE49-F238E27FC236}">
-                <a16:creationId xmlns:a16="http://schemas.microsoft.com/office/drawing/2014/main" id="{45C96417-2876-4133-982E-0CFBDF27C0EB}"/>
+                <a16:creationId xmlns:a16="http://schemas.microsoft.com/office/drawing/2014/main" id="{B3C4690B-4DFC-4286-B5B4-EA8F7F452F2D}"/>
               </a:ext>
             </a:extLst>
           </p:cNvPr>
@@ -6022,8 +5987,8 @@
         </p:nvSpPr>
         <p:spPr>
           <a:xfrm>
-            <a:off x="1656790" y="5140422"/>
-            <a:ext cx="8878420" cy="1206593"/>
+            <a:off x="5022377" y="2107721"/>
+            <a:ext cx="3390901" cy="3891662"/>
           </a:xfrm>
           <a:prstGeom prst="rect">
             <a:avLst/>
@@ -6060,46 +6025,506 @@
           <a:lstStyle/>
           <a:p>
             <a:r>
-              <a:rPr lang="en-US" altLang="ko-KR" sz="2000" dirty="0">
+              <a:rPr lang="en-US" altLang="ko-KR" sz="1600" dirty="0">
                 <a:latin typeface="HY헤드라인M" panose="02030600000101010101" pitchFamily="18" charset="-127"/>
                 <a:ea typeface="HY헤드라인M" panose="02030600000101010101" pitchFamily="18" charset="-127"/>
               </a:rPr>
-              <a:t>	-	</a:t>
-            </a:r>
-            <a:r>
-              <a:rPr lang="ko-KR" altLang="en-US" sz="2000" dirty="0">
+              <a:t>DirectX 12</a:t>
+            </a:r>
+          </a:p>
+          <a:p>
+            <a:r>
+              <a:rPr lang="en-US" altLang="ko-KR" sz="1600" dirty="0">
                 <a:latin typeface="HY헤드라인M" panose="02030600000101010101" pitchFamily="18" charset="-127"/>
                 <a:ea typeface="HY헤드라인M" panose="02030600000101010101" pitchFamily="18" charset="-127"/>
               </a:rPr>
-              <a:t>서버 내에서 실시간 처리</a:t>
-            </a:r>
-            <a:endParaRPr lang="en-US" altLang="ko-KR" sz="2000" dirty="0">
+              <a:t>-3DGP</a:t>
+            </a:r>
+            <a:r>
+              <a:rPr lang="ko-KR" altLang="en-US" sz="1600" dirty="0">
+                <a:latin typeface="HY헤드라인M" panose="02030600000101010101" pitchFamily="18" charset="-127"/>
+                <a:ea typeface="HY헤드라인M" panose="02030600000101010101" pitchFamily="18" charset="-127"/>
+              </a:rPr>
+              <a:t> 수강</a:t>
+            </a:r>
+            <a:endParaRPr lang="en-US" altLang="ko-KR" sz="1600" dirty="0">
               <a:latin typeface="HY헤드라인M" panose="02030600000101010101" pitchFamily="18" charset="-127"/>
               <a:ea typeface="HY헤드라인M" panose="02030600000101010101" pitchFamily="18" charset="-127"/>
             </a:endParaRPr>
           </a:p>
           <a:p>
-            <a:endParaRPr lang="en-US" altLang="ko-KR" sz="2000" dirty="0">
+            <a:endParaRPr lang="en-US" altLang="ko-KR" sz="1600" dirty="0">
               <a:latin typeface="HY헤드라인M" panose="02030600000101010101" pitchFamily="18" charset="-127"/>
               <a:ea typeface="HY헤드라인M" panose="02030600000101010101" pitchFamily="18" charset="-127"/>
             </a:endParaRPr>
           </a:p>
           <a:p>
             <a:r>
-              <a:rPr lang="en-US" altLang="ko-KR" sz="2000" dirty="0">
+              <a:rPr lang="ko-KR" altLang="en-US" sz="1600" dirty="0">
                 <a:latin typeface="HY헤드라인M" panose="02030600000101010101" pitchFamily="18" charset="-127"/>
                 <a:ea typeface="HY헤드라인M" panose="02030600000101010101" pitchFamily="18" charset="-127"/>
               </a:rPr>
-              <a:t>	-	</a:t>
-            </a:r>
-            <a:r>
-              <a:rPr lang="ko-KR" altLang="en-US" sz="2000" dirty="0">
+              <a:t>모델링</a:t>
+            </a:r>
+            <a:endParaRPr lang="en-US" altLang="ko-KR" sz="1600" dirty="0">
+              <a:latin typeface="HY헤드라인M" panose="02030600000101010101" pitchFamily="18" charset="-127"/>
+              <a:ea typeface="HY헤드라인M" panose="02030600000101010101" pitchFamily="18" charset="-127"/>
+            </a:endParaRPr>
+          </a:p>
+          <a:p>
+            <a:r>
+              <a:rPr lang="en-US" altLang="ko-KR" sz="1600" dirty="0">
                 <a:latin typeface="HY헤드라인M" panose="02030600000101010101" pitchFamily="18" charset="-127"/>
                 <a:ea typeface="HY헤드라인M" panose="02030600000101010101" pitchFamily="18" charset="-127"/>
               </a:rPr>
-              <a:t>서버와 데이터베이스를 이용하여 클라이언트 다중접속 처리 및 관리</a:t>
-            </a:r>
-            <a:endParaRPr lang="en-US" altLang="ko-KR" sz="2000" dirty="0">
+              <a:t>-</a:t>
+            </a:r>
+            <a:r>
+              <a:rPr lang="ko-KR" altLang="en-US" sz="1600" dirty="0" err="1">
+                <a:latin typeface="HY헤드라인M" panose="02030600000101010101" pitchFamily="18" charset="-127"/>
+                <a:ea typeface="HY헤드라인M" panose="02030600000101010101" pitchFamily="18" charset="-127"/>
+              </a:rPr>
+              <a:t>셰이더</a:t>
+            </a:r>
+            <a:r>
+              <a:rPr lang="ko-KR" altLang="en-US" sz="1600" dirty="0">
+                <a:latin typeface="HY헤드라인M" panose="02030600000101010101" pitchFamily="18" charset="-127"/>
+                <a:ea typeface="HY헤드라인M" panose="02030600000101010101" pitchFamily="18" charset="-127"/>
+              </a:rPr>
+              <a:t> 프로그래밍 수강</a:t>
+            </a:r>
+            <a:endParaRPr lang="en-US" altLang="ko-KR" sz="1600" dirty="0">
+              <a:latin typeface="HY헤드라인M" panose="02030600000101010101" pitchFamily="18" charset="-127"/>
+              <a:ea typeface="HY헤드라인M" panose="02030600000101010101" pitchFamily="18" charset="-127"/>
+            </a:endParaRPr>
+          </a:p>
+          <a:p>
+            <a:r>
+              <a:rPr lang="en-US" altLang="ko-KR" sz="1600" dirty="0">
+                <a:latin typeface="HY헤드라인M" panose="02030600000101010101" pitchFamily="18" charset="-127"/>
+                <a:ea typeface="HY헤드라인M" panose="02030600000101010101" pitchFamily="18" charset="-127"/>
+              </a:rPr>
+              <a:t>-3D </a:t>
+            </a:r>
+            <a:r>
+              <a:rPr lang="ko-KR" altLang="en-US" sz="1600" dirty="0">
+                <a:latin typeface="HY헤드라인M" panose="02030600000101010101" pitchFamily="18" charset="-127"/>
+                <a:ea typeface="HY헤드라인M" panose="02030600000101010101" pitchFamily="18" charset="-127"/>
+              </a:rPr>
+              <a:t>모델링</a:t>
+            </a:r>
+            <a:endParaRPr lang="en-US" altLang="ko-KR" sz="1600" dirty="0">
+              <a:latin typeface="HY헤드라인M" panose="02030600000101010101" pitchFamily="18" charset="-127"/>
+              <a:ea typeface="HY헤드라인M" panose="02030600000101010101" pitchFamily="18" charset="-127"/>
+            </a:endParaRPr>
+          </a:p>
+          <a:p>
+            <a:endParaRPr lang="en-US" altLang="ko-KR" sz="1600" dirty="0">
+              <a:latin typeface="HY헤드라인M" panose="02030600000101010101" pitchFamily="18" charset="-127"/>
+              <a:ea typeface="HY헤드라인M" panose="02030600000101010101" pitchFamily="18" charset="-127"/>
+            </a:endParaRPr>
+          </a:p>
+          <a:p>
+            <a:r>
+              <a:rPr lang="en-US" altLang="ko-KR" sz="1600" dirty="0">
+                <a:latin typeface="HY헤드라인M" panose="02030600000101010101" pitchFamily="18" charset="-127"/>
+                <a:ea typeface="HY헤드라인M" panose="02030600000101010101" pitchFamily="18" charset="-127"/>
+              </a:rPr>
+              <a:t>UI &amp; </a:t>
+            </a:r>
+            <a:r>
+              <a:rPr lang="ko-KR" altLang="en-US" sz="1600" dirty="0">
+                <a:latin typeface="HY헤드라인M" panose="02030600000101010101" pitchFamily="18" charset="-127"/>
+                <a:ea typeface="HY헤드라인M" panose="02030600000101010101" pitchFamily="18" charset="-127"/>
+              </a:rPr>
+              <a:t>레벨 디자인</a:t>
+            </a:r>
+            <a:endParaRPr lang="en-US" altLang="ko-KR" sz="1600" dirty="0">
+              <a:latin typeface="HY헤드라인M" panose="02030600000101010101" pitchFamily="18" charset="-127"/>
+              <a:ea typeface="HY헤드라인M" panose="02030600000101010101" pitchFamily="18" charset="-127"/>
+            </a:endParaRPr>
+          </a:p>
+          <a:p>
+            <a:r>
+              <a:rPr lang="en-US" altLang="ko-KR" sz="1600" dirty="0">
+                <a:latin typeface="HY헤드라인M" panose="02030600000101010101" pitchFamily="18" charset="-127"/>
+                <a:ea typeface="HY헤드라인M" panose="02030600000101010101" pitchFamily="18" charset="-127"/>
+              </a:rPr>
+              <a:t>-</a:t>
+            </a:r>
+            <a:r>
+              <a:rPr lang="ko-KR" altLang="en-US" sz="1600" dirty="0">
+                <a:latin typeface="HY헤드라인M" panose="02030600000101010101" pitchFamily="18" charset="-127"/>
+                <a:ea typeface="HY헤드라인M" panose="02030600000101010101" pitchFamily="18" charset="-127"/>
+              </a:rPr>
+              <a:t>게임 기획 수강</a:t>
+            </a:r>
+            <a:endParaRPr lang="en-US" altLang="ko-KR" sz="1600" dirty="0">
+              <a:latin typeface="HY헤드라인M" panose="02030600000101010101" pitchFamily="18" charset="-127"/>
+              <a:ea typeface="HY헤드라인M" panose="02030600000101010101" pitchFamily="18" charset="-127"/>
+            </a:endParaRPr>
+          </a:p>
+          <a:p>
+            <a:r>
+              <a:rPr lang="en-US" altLang="ko-KR" sz="1600" dirty="0">
+                <a:latin typeface="HY헤드라인M" panose="02030600000101010101" pitchFamily="18" charset="-127"/>
+                <a:ea typeface="HY헤드라인M" panose="02030600000101010101" pitchFamily="18" charset="-127"/>
+              </a:rPr>
+              <a:t>-</a:t>
+            </a:r>
+            <a:r>
+              <a:rPr lang="ko-KR" altLang="en-US" sz="1600" dirty="0">
+                <a:latin typeface="HY헤드라인M" panose="02030600000101010101" pitchFamily="18" charset="-127"/>
+                <a:ea typeface="HY헤드라인M" panose="02030600000101010101" pitchFamily="18" charset="-127"/>
+              </a:rPr>
+              <a:t>기획자 </a:t>
+            </a:r>
+            <a:r>
+              <a:rPr lang="ko-KR" altLang="en-US" sz="1600" dirty="0" err="1">
+                <a:latin typeface="HY헤드라인M" panose="02030600000101010101" pitchFamily="18" charset="-127"/>
+                <a:ea typeface="HY헤드라인M" panose="02030600000101010101" pitchFamily="18" charset="-127"/>
+              </a:rPr>
+              <a:t>특훈</a:t>
+            </a:r>
+            <a:r>
+              <a:rPr lang="ko-KR" altLang="en-US" sz="1600" dirty="0">
+                <a:latin typeface="HY헤드라인M" panose="02030600000101010101" pitchFamily="18" charset="-127"/>
+                <a:ea typeface="HY헤드라인M" panose="02030600000101010101" pitchFamily="18" charset="-127"/>
+              </a:rPr>
+              <a:t> 수강</a:t>
+            </a:r>
+            <a:endParaRPr lang="en-US" altLang="ko-KR" sz="1600" dirty="0">
+              <a:latin typeface="HY헤드라인M" panose="02030600000101010101" pitchFamily="18" charset="-127"/>
+              <a:ea typeface="HY헤드라인M" panose="02030600000101010101" pitchFamily="18" charset="-127"/>
+            </a:endParaRPr>
+          </a:p>
+          <a:p>
+            <a:endParaRPr lang="en-US" altLang="ko-KR" sz="1600" dirty="0">
+              <a:latin typeface="HY헤드라인M" panose="02030600000101010101" pitchFamily="18" charset="-127"/>
+              <a:ea typeface="HY헤드라인M" panose="02030600000101010101" pitchFamily="18" charset="-127"/>
+            </a:endParaRPr>
+          </a:p>
+          <a:p>
+            <a:endParaRPr lang="en-US" altLang="ko-KR" sz="1600" dirty="0">
+              <a:latin typeface="HY헤드라인M" panose="02030600000101010101" pitchFamily="18" charset="-127"/>
+              <a:ea typeface="HY헤드라인M" panose="02030600000101010101" pitchFamily="18" charset="-127"/>
+            </a:endParaRPr>
+          </a:p>
+          <a:p>
+            <a:endParaRPr lang="en-US" altLang="ko-KR" sz="1600" dirty="0">
+              <a:latin typeface="HY헤드라인M" panose="02030600000101010101" pitchFamily="18" charset="-127"/>
+              <a:ea typeface="HY헤드라인M" panose="02030600000101010101" pitchFamily="18" charset="-127"/>
+            </a:endParaRPr>
+          </a:p>
+          <a:p>
+            <a:r>
+              <a:rPr lang="en-US" altLang="ko-KR" sz="1600" dirty="0">
+                <a:latin typeface="HY헤드라인M" panose="02030600000101010101" pitchFamily="18" charset="-127"/>
+                <a:ea typeface="HY헤드라인M" panose="02030600000101010101" pitchFamily="18" charset="-127"/>
+              </a:rPr>
+              <a:t>Git</a:t>
+            </a:r>
+          </a:p>
+          <a:p>
+            <a:r>
+              <a:rPr lang="en-US" altLang="ko-KR" sz="1600" dirty="0">
+                <a:latin typeface="HY헤드라인M" panose="02030600000101010101" pitchFamily="18" charset="-127"/>
+                <a:ea typeface="HY헤드라인M" panose="02030600000101010101" pitchFamily="18" charset="-127"/>
+              </a:rPr>
+              <a:t>-</a:t>
+            </a:r>
+            <a:r>
+              <a:rPr lang="ko-KR" altLang="en-US" sz="1600" dirty="0">
+                <a:latin typeface="HY헤드라인M" panose="02030600000101010101" pitchFamily="18" charset="-127"/>
+                <a:ea typeface="HY헤드라인M" panose="02030600000101010101" pitchFamily="18" charset="-127"/>
+              </a:rPr>
+              <a:t> 게임 소프트웨어 공학 수강</a:t>
+            </a:r>
+            <a:endParaRPr lang="en-US" altLang="ko-KR" sz="1600" dirty="0">
+              <a:latin typeface="HY헤드라인M" panose="02030600000101010101" pitchFamily="18" charset="-127"/>
+              <a:ea typeface="HY헤드라인M" panose="02030600000101010101" pitchFamily="18" charset="-127"/>
+            </a:endParaRPr>
+          </a:p>
+        </p:txBody>
+      </p:sp>
+      <p:sp>
+        <p:nvSpPr>
+          <p:cNvPr id="10" name="직사각형 9">
+            <a:extLst>
+              <a:ext uri="{FF2B5EF4-FFF2-40B4-BE49-F238E27FC236}">
+                <a16:creationId xmlns:a16="http://schemas.microsoft.com/office/drawing/2014/main" id="{D3F450E1-C0C0-43EA-965D-6DF7A17A2380}"/>
+              </a:ext>
+            </a:extLst>
+          </p:cNvPr>
+          <p:cNvSpPr/>
+          <p:nvPr/>
+        </p:nvSpPr>
+        <p:spPr>
+          <a:xfrm>
+            <a:off x="8413278" y="1298093"/>
+            <a:ext cx="3390901" cy="809625"/>
+          </a:xfrm>
+          <a:prstGeom prst="rect">
+            <a:avLst/>
+          </a:prstGeom>
+          <a:ln w="38100">
+            <a:solidFill>
+              <a:schemeClr val="tx1">
+                <a:lumMod val="85000"/>
+              </a:schemeClr>
+            </a:solidFill>
+          </a:ln>
+        </p:spPr>
+        <p:style>
+          <a:lnRef idx="2">
+            <a:schemeClr val="accent1">
+              <a:shade val="50000"/>
+            </a:schemeClr>
+          </a:lnRef>
+          <a:fillRef idx="1">
+            <a:schemeClr val="accent1"/>
+          </a:fillRef>
+          <a:effectRef idx="0">
+            <a:schemeClr val="accent1"/>
+          </a:effectRef>
+          <a:fontRef idx="minor">
+            <a:schemeClr val="lt1"/>
+          </a:fontRef>
+        </p:style>
+        <p:txBody>
+          <a:bodyPr rtlCol="0" anchor="ctr"/>
+          <a:lstStyle/>
+          <a:p>
+            <a:pPr algn="ctr"/>
+            <a:r>
+              <a:rPr lang="ko-KR" altLang="en-US" sz="2800" dirty="0">
+                <a:latin typeface="HY헤드라인M" panose="02030600000101010101" pitchFamily="18" charset="-127"/>
+                <a:ea typeface="HY헤드라인M" panose="02030600000101010101" pitchFamily="18" charset="-127"/>
+              </a:rPr>
+              <a:t>박정만</a:t>
+            </a:r>
+          </a:p>
+        </p:txBody>
+      </p:sp>
+      <p:sp>
+        <p:nvSpPr>
+          <p:cNvPr id="12" name="직사각형 11">
+            <a:extLst>
+              <a:ext uri="{FF2B5EF4-FFF2-40B4-BE49-F238E27FC236}">
+                <a16:creationId xmlns:a16="http://schemas.microsoft.com/office/drawing/2014/main" id="{242167CD-F648-4E14-9D37-5731E669137E}"/>
+              </a:ext>
+            </a:extLst>
+          </p:cNvPr>
+          <p:cNvSpPr/>
+          <p:nvPr/>
+        </p:nvSpPr>
+        <p:spPr>
+          <a:xfrm>
+            <a:off x="8413278" y="2107717"/>
+            <a:ext cx="3390901" cy="3891662"/>
+          </a:xfrm>
+          <a:prstGeom prst="rect">
+            <a:avLst/>
+          </a:prstGeom>
+          <a:solidFill>
+            <a:srgbClr val="595959"/>
+          </a:solidFill>
+          <a:ln w="38100">
+            <a:solidFill>
+              <a:schemeClr val="tx1">
+                <a:lumMod val="85000"/>
+              </a:schemeClr>
+            </a:solidFill>
+          </a:ln>
+        </p:spPr>
+        <p:style>
+          <a:lnRef idx="2">
+            <a:schemeClr val="accent1">
+              <a:shade val="50000"/>
+            </a:schemeClr>
+          </a:lnRef>
+          <a:fillRef idx="1">
+            <a:schemeClr val="accent1"/>
+          </a:fillRef>
+          <a:effectRef idx="0">
+            <a:schemeClr val="accent1"/>
+          </a:effectRef>
+          <a:fontRef idx="minor">
+            <a:schemeClr val="lt1"/>
+          </a:fontRef>
+        </p:style>
+        <p:txBody>
+          <a:bodyPr rtlCol="0" anchor="t"/>
+          <a:lstStyle/>
+          <a:p>
+            <a:r>
+              <a:rPr lang="ko-KR" altLang="en-US" sz="1600" dirty="0">
+                <a:latin typeface="HY헤드라인M" panose="02030600000101010101" pitchFamily="18" charset="-127"/>
+                <a:ea typeface="HY헤드라인M" panose="02030600000101010101" pitchFamily="18" charset="-127"/>
+              </a:rPr>
+              <a:t>서버</a:t>
+            </a:r>
+            <a:endParaRPr lang="en-US" altLang="ko-KR" sz="1600" dirty="0">
+              <a:latin typeface="HY헤드라인M" panose="02030600000101010101" pitchFamily="18" charset="-127"/>
+              <a:ea typeface="HY헤드라인M" panose="02030600000101010101" pitchFamily="18" charset="-127"/>
+            </a:endParaRPr>
+          </a:p>
+          <a:p>
+            <a:r>
+              <a:rPr lang="en-US" altLang="ko-KR" sz="1600" dirty="0">
+                <a:latin typeface="HY헤드라인M" panose="02030600000101010101" pitchFamily="18" charset="-127"/>
+                <a:ea typeface="HY헤드라인M" panose="02030600000101010101" pitchFamily="18" charset="-127"/>
+              </a:rPr>
+              <a:t>-</a:t>
+            </a:r>
+            <a:r>
+              <a:rPr lang="ko-KR" altLang="en-US" sz="1600" dirty="0">
+                <a:latin typeface="HY헤드라인M" panose="02030600000101010101" pitchFamily="18" charset="-127"/>
+                <a:ea typeface="HY헤드라인M" panose="02030600000101010101" pitchFamily="18" charset="-127"/>
+              </a:rPr>
+              <a:t>네트워크 기초 수강</a:t>
+            </a:r>
+            <a:endParaRPr lang="en-US" altLang="ko-KR" sz="1600" dirty="0">
+              <a:latin typeface="HY헤드라인M" panose="02030600000101010101" pitchFamily="18" charset="-127"/>
+              <a:ea typeface="HY헤드라인M" panose="02030600000101010101" pitchFamily="18" charset="-127"/>
+            </a:endParaRPr>
+          </a:p>
+          <a:p>
+            <a:r>
+              <a:rPr lang="en-US" altLang="ko-KR" sz="1600" dirty="0">
+                <a:latin typeface="HY헤드라인M" panose="02030600000101010101" pitchFamily="18" charset="-127"/>
+                <a:ea typeface="HY헤드라인M" panose="02030600000101010101" pitchFamily="18" charset="-127"/>
+              </a:rPr>
+              <a:t>-</a:t>
+            </a:r>
+            <a:r>
+              <a:rPr lang="ko-KR" altLang="en-US" sz="1600" dirty="0">
+                <a:latin typeface="HY헤드라인M" panose="02030600000101010101" pitchFamily="18" charset="-127"/>
+                <a:ea typeface="HY헤드라인M" panose="02030600000101010101" pitchFamily="18" charset="-127"/>
+              </a:rPr>
+              <a:t>네트워크 게임 프로그래밍 수강</a:t>
+            </a:r>
+            <a:endParaRPr lang="en-US" altLang="ko-KR" sz="1600" dirty="0">
+              <a:latin typeface="HY헤드라인M" panose="02030600000101010101" pitchFamily="18" charset="-127"/>
+              <a:ea typeface="HY헤드라인M" panose="02030600000101010101" pitchFamily="18" charset="-127"/>
+            </a:endParaRPr>
+          </a:p>
+          <a:p>
+            <a:r>
+              <a:rPr lang="en-US" altLang="ko-KR" sz="1600" dirty="0">
+                <a:latin typeface="HY헤드라인M" panose="02030600000101010101" pitchFamily="18" charset="-127"/>
+                <a:ea typeface="HY헤드라인M" panose="02030600000101010101" pitchFamily="18" charset="-127"/>
+              </a:rPr>
+              <a:t>-</a:t>
+            </a:r>
+            <a:r>
+              <a:rPr lang="ko-KR" altLang="en-US" sz="1600" dirty="0">
+                <a:latin typeface="HY헤드라인M" panose="02030600000101010101" pitchFamily="18" charset="-127"/>
+                <a:ea typeface="HY헤드라인M" panose="02030600000101010101" pitchFamily="18" charset="-127"/>
+              </a:rPr>
+              <a:t>게임 서버 수강</a:t>
+            </a:r>
+            <a:endParaRPr lang="en-US" altLang="ko-KR" sz="1600" dirty="0">
+              <a:latin typeface="HY헤드라인M" panose="02030600000101010101" pitchFamily="18" charset="-127"/>
+              <a:ea typeface="HY헤드라인M" panose="02030600000101010101" pitchFamily="18" charset="-127"/>
+            </a:endParaRPr>
+          </a:p>
+          <a:p>
+            <a:endParaRPr lang="en-US" altLang="ko-KR" sz="1600" dirty="0">
+              <a:latin typeface="HY헤드라인M" panose="02030600000101010101" pitchFamily="18" charset="-127"/>
+              <a:ea typeface="HY헤드라인M" panose="02030600000101010101" pitchFamily="18" charset="-127"/>
+            </a:endParaRPr>
+          </a:p>
+          <a:p>
+            <a:endParaRPr lang="en-US" altLang="ko-KR" sz="1600" dirty="0">
+              <a:latin typeface="HY헤드라인M" panose="02030600000101010101" pitchFamily="18" charset="-127"/>
+              <a:ea typeface="HY헤드라인M" panose="02030600000101010101" pitchFamily="18" charset="-127"/>
+            </a:endParaRPr>
+          </a:p>
+          <a:p>
+            <a:r>
+              <a:rPr lang="en-US" altLang="ko-KR" sz="1600" dirty="0">
+                <a:latin typeface="HY헤드라인M" panose="02030600000101010101" pitchFamily="18" charset="-127"/>
+                <a:ea typeface="HY헤드라인M" panose="02030600000101010101" pitchFamily="18" charset="-127"/>
+              </a:rPr>
+              <a:t>DB</a:t>
+            </a:r>
+          </a:p>
+          <a:p>
+            <a:r>
+              <a:rPr lang="en-US" altLang="ko-KR" sz="1600" dirty="0">
+                <a:latin typeface="HY헤드라인M" panose="02030600000101010101" pitchFamily="18" charset="-127"/>
+                <a:ea typeface="HY헤드라인M" panose="02030600000101010101" pitchFamily="18" charset="-127"/>
+              </a:rPr>
+              <a:t>-</a:t>
+            </a:r>
+            <a:r>
+              <a:rPr lang="ko-KR" altLang="en-US" sz="1600" dirty="0">
+                <a:latin typeface="HY헤드라인M" panose="02030600000101010101" pitchFamily="18" charset="-127"/>
+                <a:ea typeface="HY헤드라인M" panose="02030600000101010101" pitchFamily="18" charset="-127"/>
+              </a:rPr>
+              <a:t>데이터 베이스 수강</a:t>
+            </a:r>
+            <a:endParaRPr lang="en-US" altLang="ko-KR" sz="1600" dirty="0">
+              <a:latin typeface="HY헤드라인M" panose="02030600000101010101" pitchFamily="18" charset="-127"/>
+              <a:ea typeface="HY헤드라인M" panose="02030600000101010101" pitchFamily="18" charset="-127"/>
+            </a:endParaRPr>
+          </a:p>
+          <a:p>
+            <a:endParaRPr lang="en-US" altLang="ko-KR" sz="1600" dirty="0">
+              <a:latin typeface="HY헤드라인M" panose="02030600000101010101" pitchFamily="18" charset="-127"/>
+              <a:ea typeface="HY헤드라인M" panose="02030600000101010101" pitchFamily="18" charset="-127"/>
+            </a:endParaRPr>
+          </a:p>
+          <a:p>
+            <a:endParaRPr lang="en-US" altLang="ko-KR" sz="1600" dirty="0">
+              <a:latin typeface="HY헤드라인M" panose="02030600000101010101" pitchFamily="18" charset="-127"/>
+              <a:ea typeface="HY헤드라인M" panose="02030600000101010101" pitchFamily="18" charset="-127"/>
+            </a:endParaRPr>
+          </a:p>
+          <a:p>
+            <a:endParaRPr lang="en-US" altLang="ko-KR" sz="1600" dirty="0">
+              <a:latin typeface="HY헤드라인M" panose="02030600000101010101" pitchFamily="18" charset="-127"/>
+              <a:ea typeface="HY헤드라인M" panose="02030600000101010101" pitchFamily="18" charset="-127"/>
+            </a:endParaRPr>
+          </a:p>
+          <a:p>
+            <a:endParaRPr lang="en-US" altLang="ko-KR" sz="1600" dirty="0">
+              <a:latin typeface="HY헤드라인M" panose="02030600000101010101" pitchFamily="18" charset="-127"/>
+              <a:ea typeface="HY헤드라인M" panose="02030600000101010101" pitchFamily="18" charset="-127"/>
+            </a:endParaRPr>
+          </a:p>
+          <a:p>
+            <a:endParaRPr lang="en-US" altLang="ko-KR" sz="1600" dirty="0">
+              <a:latin typeface="HY헤드라인M" panose="02030600000101010101" pitchFamily="18" charset="-127"/>
+              <a:ea typeface="HY헤드라인M" panose="02030600000101010101" pitchFamily="18" charset="-127"/>
+            </a:endParaRPr>
+          </a:p>
+          <a:p>
+            <a:r>
+              <a:rPr lang="en-US" altLang="ko-KR" sz="1600" dirty="0">
+                <a:latin typeface="HY헤드라인M" panose="02030600000101010101" pitchFamily="18" charset="-127"/>
+                <a:ea typeface="HY헤드라인M" panose="02030600000101010101" pitchFamily="18" charset="-127"/>
+              </a:rPr>
+              <a:t>Git</a:t>
+            </a:r>
+          </a:p>
+          <a:p>
+            <a:r>
+              <a:rPr lang="en-US" altLang="ko-KR" sz="1600" dirty="0">
+                <a:latin typeface="HY헤드라인M" panose="02030600000101010101" pitchFamily="18" charset="-127"/>
+                <a:ea typeface="HY헤드라인M" panose="02030600000101010101" pitchFamily="18" charset="-127"/>
+              </a:rPr>
+              <a:t>-</a:t>
+            </a:r>
+            <a:r>
+              <a:rPr lang="ko-KR" altLang="en-US" sz="1600" dirty="0">
+                <a:latin typeface="HY헤드라인M" panose="02030600000101010101" pitchFamily="18" charset="-127"/>
+                <a:ea typeface="HY헤드라인M" panose="02030600000101010101" pitchFamily="18" charset="-127"/>
+              </a:rPr>
+              <a:t> 게임 소프트웨어 공학 수강</a:t>
+            </a:r>
+            <a:endParaRPr lang="en-US" altLang="ko-KR" sz="1600" dirty="0">
               <a:latin typeface="HY헤드라인M" panose="02030600000101010101" pitchFamily="18" charset="-127"/>
               <a:ea typeface="HY헤드라인M" panose="02030600000101010101" pitchFamily="18" charset="-127"/>
             </a:endParaRPr>
@@ -6109,7 +6534,7 @@
     </p:spTree>
     <p:extLst>
       <p:ext uri="{BB962C8B-B14F-4D97-AF65-F5344CB8AC3E}">
-        <p14:creationId xmlns:p14="http://schemas.microsoft.com/office/powerpoint/2010/main" val="2237484308"/>
+        <p14:creationId xmlns:p14="http://schemas.microsoft.com/office/powerpoint/2010/main" val="3117424196"/>
       </p:ext>
     </p:extLst>
   </p:cSld>
@@ -6191,6 +6616,459 @@
                 <a:latin typeface="HY헤드라인M" panose="02030600000101010101" pitchFamily="18" charset="-127"/>
                 <a:ea typeface="HY헤드라인M" panose="02030600000101010101" pitchFamily="18" charset="-127"/>
               </a:rPr>
+              <a:t>7</a:t>
+            </a:r>
+            <a:endParaRPr lang="ko-KR" altLang="en-US" sz="5400" dirty="0">
+              <a:latin typeface="HY헤드라인M" panose="02030600000101010101" pitchFamily="18" charset="-127"/>
+              <a:ea typeface="HY헤드라인M" panose="02030600000101010101" pitchFamily="18" charset="-127"/>
+            </a:endParaRPr>
+          </a:p>
+        </p:txBody>
+      </p:sp>
+      <p:sp>
+        <p:nvSpPr>
+          <p:cNvPr id="11" name="TextBox 10">
+            <a:extLst>
+              <a:ext uri="{FF2B5EF4-FFF2-40B4-BE49-F238E27FC236}">
+                <a16:creationId xmlns:a16="http://schemas.microsoft.com/office/drawing/2014/main" id="{EB6AD26A-4D70-44CF-9FF8-6140CA5F6660}"/>
+              </a:ext>
+            </a:extLst>
+          </p:cNvPr>
+          <p:cNvSpPr txBox="1"/>
+          <p:nvPr/>
+        </p:nvSpPr>
+        <p:spPr>
+          <a:xfrm>
+            <a:off x="1419225" y="393221"/>
+            <a:ext cx="6838950" cy="646331"/>
+          </a:xfrm>
+          <a:prstGeom prst="rect">
+            <a:avLst/>
+          </a:prstGeom>
+          <a:noFill/>
+        </p:spPr>
+        <p:txBody>
+          <a:bodyPr wrap="square" rtlCol="0">
+            <a:spAutoFit/>
+          </a:bodyPr>
+          <a:lstStyle/>
+          <a:p>
+            <a:r>
+              <a:rPr lang="ko-KR" altLang="en-US" sz="3600" dirty="0">
+                <a:latin typeface="HY헤드라인M" panose="02030600000101010101" pitchFamily="18" charset="-127"/>
+                <a:ea typeface="HY헤드라인M" panose="02030600000101010101" pitchFamily="18" charset="-127"/>
+              </a:rPr>
+              <a:t>중점 연구분야</a:t>
+            </a:r>
+            <a:endParaRPr lang="ko-KR" altLang="en-US" dirty="0"/>
+          </a:p>
+        </p:txBody>
+      </p:sp>
+      <p:sp>
+        <p:nvSpPr>
+          <p:cNvPr id="5" name="직사각형 4">
+            <a:extLst>
+              <a:ext uri="{FF2B5EF4-FFF2-40B4-BE49-F238E27FC236}">
+                <a16:creationId xmlns:a16="http://schemas.microsoft.com/office/drawing/2014/main" id="{45C393B8-20D6-4EE7-AAC2-D8AA6F3EA229}"/>
+              </a:ext>
+            </a:extLst>
+          </p:cNvPr>
+          <p:cNvSpPr/>
+          <p:nvPr/>
+        </p:nvSpPr>
+        <p:spPr>
+          <a:xfrm>
+            <a:off x="1656790" y="1405677"/>
+            <a:ext cx="8878420" cy="809625"/>
+          </a:xfrm>
+          <a:prstGeom prst="rect">
+            <a:avLst/>
+          </a:prstGeom>
+          <a:ln w="38100">
+            <a:solidFill>
+              <a:schemeClr val="tx1">
+                <a:lumMod val="85000"/>
+              </a:schemeClr>
+            </a:solidFill>
+          </a:ln>
+        </p:spPr>
+        <p:style>
+          <a:lnRef idx="2">
+            <a:schemeClr val="accent1">
+              <a:shade val="50000"/>
+            </a:schemeClr>
+          </a:lnRef>
+          <a:fillRef idx="1">
+            <a:schemeClr val="accent1"/>
+          </a:fillRef>
+          <a:effectRef idx="0">
+            <a:schemeClr val="accent1"/>
+          </a:effectRef>
+          <a:fontRef idx="minor">
+            <a:schemeClr val="lt1"/>
+          </a:fontRef>
+        </p:style>
+        <p:txBody>
+          <a:bodyPr rtlCol="0" anchor="ctr"/>
+          <a:lstStyle/>
+          <a:p>
+            <a:pPr algn="ctr"/>
+            <a:r>
+              <a:rPr lang="ko-KR" altLang="en-US" sz="2800" dirty="0">
+                <a:latin typeface="HY헤드라인M" panose="02030600000101010101" pitchFamily="18" charset="-127"/>
+                <a:ea typeface="HY헤드라인M" panose="02030600000101010101" pitchFamily="18" charset="-127"/>
+              </a:rPr>
+              <a:t>클라이언트</a:t>
+            </a:r>
+          </a:p>
+        </p:txBody>
+      </p:sp>
+      <p:sp>
+        <p:nvSpPr>
+          <p:cNvPr id="7" name="직사각형 6">
+            <a:extLst>
+              <a:ext uri="{FF2B5EF4-FFF2-40B4-BE49-F238E27FC236}">
+                <a16:creationId xmlns:a16="http://schemas.microsoft.com/office/drawing/2014/main" id="{B83CE672-44E1-46DB-9B66-CA17CD5C5231}"/>
+              </a:ext>
+            </a:extLst>
+          </p:cNvPr>
+          <p:cNvSpPr/>
+          <p:nvPr/>
+        </p:nvSpPr>
+        <p:spPr>
+          <a:xfrm>
+            <a:off x="1656790" y="2215303"/>
+            <a:ext cx="8878420" cy="1370580"/>
+          </a:xfrm>
+          <a:prstGeom prst="rect">
+            <a:avLst/>
+          </a:prstGeom>
+          <a:solidFill>
+            <a:srgbClr val="595959"/>
+          </a:solidFill>
+          <a:ln w="38100">
+            <a:solidFill>
+              <a:schemeClr val="tx1">
+                <a:lumMod val="85000"/>
+              </a:schemeClr>
+            </a:solidFill>
+          </a:ln>
+        </p:spPr>
+        <p:style>
+          <a:lnRef idx="2">
+            <a:schemeClr val="accent1">
+              <a:shade val="50000"/>
+            </a:schemeClr>
+          </a:lnRef>
+          <a:fillRef idx="1">
+            <a:schemeClr val="accent1"/>
+          </a:fillRef>
+          <a:effectRef idx="0">
+            <a:schemeClr val="accent1"/>
+          </a:effectRef>
+          <a:fontRef idx="minor">
+            <a:schemeClr val="lt1"/>
+          </a:fontRef>
+        </p:style>
+        <p:txBody>
+          <a:bodyPr rtlCol="0" anchor="t"/>
+          <a:lstStyle/>
+          <a:p>
+            <a:r>
+              <a:rPr lang="en-US" altLang="ko-KR" sz="2000" dirty="0">
+                <a:latin typeface="HY헤드라인M" panose="02030600000101010101" pitchFamily="18" charset="-127"/>
+                <a:ea typeface="HY헤드라인M" panose="02030600000101010101" pitchFamily="18" charset="-127"/>
+              </a:rPr>
+              <a:t>	-	</a:t>
+            </a:r>
+            <a:r>
+              <a:rPr lang="ko-KR" altLang="en-US" sz="2000" dirty="0">
+                <a:latin typeface="HY헤드라인M" panose="02030600000101010101" pitchFamily="18" charset="-127"/>
+                <a:ea typeface="HY헤드라인M" panose="02030600000101010101" pitchFamily="18" charset="-127"/>
+              </a:rPr>
+              <a:t>반동을 구현한 카메라</a:t>
+            </a:r>
+            <a:endParaRPr lang="en-US" altLang="ko-KR" sz="2000" dirty="0">
+              <a:latin typeface="HY헤드라인M" panose="02030600000101010101" pitchFamily="18" charset="-127"/>
+              <a:ea typeface="HY헤드라인M" panose="02030600000101010101" pitchFamily="18" charset="-127"/>
+            </a:endParaRPr>
+          </a:p>
+          <a:p>
+            <a:endParaRPr lang="en-US" altLang="ko-KR" sz="2000" dirty="0">
+              <a:latin typeface="HY헤드라인M" panose="02030600000101010101" pitchFamily="18" charset="-127"/>
+              <a:ea typeface="HY헤드라인M" panose="02030600000101010101" pitchFamily="18" charset="-127"/>
+            </a:endParaRPr>
+          </a:p>
+          <a:p>
+            <a:r>
+              <a:rPr lang="en-US" altLang="ko-KR" sz="2000" dirty="0">
+                <a:latin typeface="HY헤드라인M" panose="02030600000101010101" pitchFamily="18" charset="-127"/>
+                <a:ea typeface="HY헤드라인M" panose="02030600000101010101" pitchFamily="18" charset="-127"/>
+              </a:rPr>
+              <a:t>	-	</a:t>
+            </a:r>
+            <a:r>
+              <a:rPr lang="ko-KR" altLang="en-US" sz="2000" dirty="0">
+                <a:latin typeface="HY헤드라인M" panose="02030600000101010101" pitchFamily="18" charset="-127"/>
+                <a:ea typeface="HY헤드라인M" panose="02030600000101010101" pitchFamily="18" charset="-127"/>
+              </a:rPr>
+              <a:t>렌더링 최적화</a:t>
+            </a:r>
+            <a:endParaRPr lang="en-US" altLang="ko-KR" sz="2000" dirty="0">
+              <a:latin typeface="HY헤드라인M" panose="02030600000101010101" pitchFamily="18" charset="-127"/>
+              <a:ea typeface="HY헤드라인M" panose="02030600000101010101" pitchFamily="18" charset="-127"/>
+            </a:endParaRPr>
+          </a:p>
+          <a:p>
+            <a:endParaRPr lang="en-US" altLang="ko-KR" sz="2000" dirty="0">
+              <a:latin typeface="HY헤드라인M" panose="02030600000101010101" pitchFamily="18" charset="-127"/>
+              <a:ea typeface="HY헤드라인M" panose="02030600000101010101" pitchFamily="18" charset="-127"/>
+            </a:endParaRPr>
+          </a:p>
+        </p:txBody>
+      </p:sp>
+      <p:sp>
+        <p:nvSpPr>
+          <p:cNvPr id="8" name="직사각형 7">
+            <a:extLst>
+              <a:ext uri="{FF2B5EF4-FFF2-40B4-BE49-F238E27FC236}">
+                <a16:creationId xmlns:a16="http://schemas.microsoft.com/office/drawing/2014/main" id="{53DD248C-6401-4F53-B5E2-18681EBF373A}"/>
+              </a:ext>
+            </a:extLst>
+          </p:cNvPr>
+          <p:cNvSpPr/>
+          <p:nvPr/>
+        </p:nvSpPr>
+        <p:spPr>
+          <a:xfrm>
+            <a:off x="1656790" y="4330797"/>
+            <a:ext cx="8878420" cy="809625"/>
+          </a:xfrm>
+          <a:prstGeom prst="rect">
+            <a:avLst/>
+          </a:prstGeom>
+          <a:ln w="38100">
+            <a:solidFill>
+              <a:schemeClr val="tx1">
+                <a:lumMod val="85000"/>
+              </a:schemeClr>
+            </a:solidFill>
+          </a:ln>
+        </p:spPr>
+        <p:style>
+          <a:lnRef idx="2">
+            <a:schemeClr val="accent1">
+              <a:shade val="50000"/>
+            </a:schemeClr>
+          </a:lnRef>
+          <a:fillRef idx="1">
+            <a:schemeClr val="accent1"/>
+          </a:fillRef>
+          <a:effectRef idx="0">
+            <a:schemeClr val="accent1"/>
+          </a:effectRef>
+          <a:fontRef idx="minor">
+            <a:schemeClr val="lt1"/>
+          </a:fontRef>
+        </p:style>
+        <p:txBody>
+          <a:bodyPr rtlCol="0" anchor="ctr"/>
+          <a:lstStyle/>
+          <a:p>
+            <a:pPr algn="ctr"/>
+            <a:r>
+              <a:rPr lang="ko-KR" altLang="en-US" sz="2800" dirty="0">
+                <a:latin typeface="HY헤드라인M" panose="02030600000101010101" pitchFamily="18" charset="-127"/>
+                <a:ea typeface="HY헤드라인M" panose="02030600000101010101" pitchFamily="18" charset="-127"/>
+              </a:rPr>
+              <a:t>서버</a:t>
+            </a:r>
+          </a:p>
+        </p:txBody>
+      </p:sp>
+      <p:sp>
+        <p:nvSpPr>
+          <p:cNvPr id="9" name="직사각형 8">
+            <a:extLst>
+              <a:ext uri="{FF2B5EF4-FFF2-40B4-BE49-F238E27FC236}">
+                <a16:creationId xmlns:a16="http://schemas.microsoft.com/office/drawing/2014/main" id="{45C96417-2876-4133-982E-0CFBDF27C0EB}"/>
+              </a:ext>
+            </a:extLst>
+          </p:cNvPr>
+          <p:cNvSpPr/>
+          <p:nvPr/>
+        </p:nvSpPr>
+        <p:spPr>
+          <a:xfrm>
+            <a:off x="1656790" y="5140422"/>
+            <a:ext cx="8878420" cy="1206593"/>
+          </a:xfrm>
+          <a:prstGeom prst="rect">
+            <a:avLst/>
+          </a:prstGeom>
+          <a:solidFill>
+            <a:srgbClr val="595959"/>
+          </a:solidFill>
+          <a:ln w="38100">
+            <a:solidFill>
+              <a:schemeClr val="tx1">
+                <a:lumMod val="85000"/>
+              </a:schemeClr>
+            </a:solidFill>
+          </a:ln>
+        </p:spPr>
+        <p:style>
+          <a:lnRef idx="2">
+            <a:schemeClr val="accent1">
+              <a:shade val="50000"/>
+            </a:schemeClr>
+          </a:lnRef>
+          <a:fillRef idx="1">
+            <a:schemeClr val="accent1"/>
+          </a:fillRef>
+          <a:effectRef idx="0">
+            <a:schemeClr val="accent1"/>
+          </a:effectRef>
+          <a:fontRef idx="minor">
+            <a:schemeClr val="lt1"/>
+          </a:fontRef>
+        </p:style>
+        <p:txBody>
+          <a:bodyPr rtlCol="0" anchor="t"/>
+          <a:lstStyle/>
+          <a:p>
+            <a:r>
+              <a:rPr lang="en-US" altLang="ko-KR" sz="2000" dirty="0">
+                <a:latin typeface="HY헤드라인M" panose="02030600000101010101" pitchFamily="18" charset="-127"/>
+                <a:ea typeface="HY헤드라인M" panose="02030600000101010101" pitchFamily="18" charset="-127"/>
+              </a:rPr>
+              <a:t>	-	</a:t>
+            </a:r>
+            <a:r>
+              <a:rPr lang="ko-KR" altLang="en-US" sz="2000" dirty="0">
+                <a:latin typeface="HY헤드라인M" panose="02030600000101010101" pitchFamily="18" charset="-127"/>
+                <a:ea typeface="HY헤드라인M" panose="02030600000101010101" pitchFamily="18" charset="-127"/>
+              </a:rPr>
+              <a:t>서버 내에서 실시간 처리</a:t>
+            </a:r>
+            <a:endParaRPr lang="en-US" altLang="ko-KR" sz="2000" dirty="0">
+              <a:latin typeface="HY헤드라인M" panose="02030600000101010101" pitchFamily="18" charset="-127"/>
+              <a:ea typeface="HY헤드라인M" panose="02030600000101010101" pitchFamily="18" charset="-127"/>
+            </a:endParaRPr>
+          </a:p>
+          <a:p>
+            <a:endParaRPr lang="en-US" altLang="ko-KR" sz="2000" dirty="0">
+              <a:latin typeface="HY헤드라인M" panose="02030600000101010101" pitchFamily="18" charset="-127"/>
+              <a:ea typeface="HY헤드라인M" panose="02030600000101010101" pitchFamily="18" charset="-127"/>
+            </a:endParaRPr>
+          </a:p>
+          <a:p>
+            <a:r>
+              <a:rPr lang="en-US" altLang="ko-KR" sz="2000" dirty="0">
+                <a:latin typeface="HY헤드라인M" panose="02030600000101010101" pitchFamily="18" charset="-127"/>
+                <a:ea typeface="HY헤드라인M" panose="02030600000101010101" pitchFamily="18" charset="-127"/>
+              </a:rPr>
+              <a:t>	-	</a:t>
+            </a:r>
+            <a:r>
+              <a:rPr lang="ko-KR" altLang="en-US" sz="2000" dirty="0">
+                <a:latin typeface="HY헤드라인M" panose="02030600000101010101" pitchFamily="18" charset="-127"/>
+                <a:ea typeface="HY헤드라인M" panose="02030600000101010101" pitchFamily="18" charset="-127"/>
+              </a:rPr>
+              <a:t>서버와 데이터베이스를 이용하여 클라이언트 다중접속 처리 및 관리</a:t>
+            </a:r>
+            <a:endParaRPr lang="en-US" altLang="ko-KR" sz="2000" dirty="0">
+              <a:latin typeface="HY헤드라인M" panose="02030600000101010101" pitchFamily="18" charset="-127"/>
+              <a:ea typeface="HY헤드라인M" panose="02030600000101010101" pitchFamily="18" charset="-127"/>
+            </a:endParaRPr>
+          </a:p>
+        </p:txBody>
+      </p:sp>
+    </p:spTree>
+    <p:extLst>
+      <p:ext uri="{BB962C8B-B14F-4D97-AF65-F5344CB8AC3E}">
+        <p14:creationId xmlns:p14="http://schemas.microsoft.com/office/powerpoint/2010/main" val="2237484308"/>
+      </p:ext>
+    </p:extLst>
+  </p:cSld>
+  <p:clrMapOvr>
+    <a:masterClrMapping/>
+  </p:clrMapOvr>
+</p:sld>
+</file>
+
+<file path=ppt/slides/slide15.xml><?xml version="1.0" encoding="utf-8"?>
+<p:sld xmlns:a="http://schemas.openxmlformats.org/drawingml/2006/main" xmlns:r="http://schemas.openxmlformats.org/officeDocument/2006/relationships" xmlns:p="http://schemas.openxmlformats.org/presentationml/2006/main" showMasterSp="0">
+  <p:cSld>
+    <p:spTree>
+      <p:nvGrpSpPr>
+        <p:cNvPr id="1" name=""/>
+        <p:cNvGrpSpPr/>
+        <p:nvPr/>
+      </p:nvGrpSpPr>
+      <p:grpSpPr>
+        <a:xfrm>
+          <a:off x="0" y="0"/>
+          <a:ext cx="0" cy="0"/>
+          <a:chOff x="0" y="0"/>
+          <a:chExt cx="0" cy="0"/>
+        </a:xfrm>
+      </p:grpSpPr>
+      <p:sp>
+        <p:nvSpPr>
+          <p:cNvPr id="6" name="직사각형 5">
+            <a:extLst>
+              <a:ext uri="{FF2B5EF4-FFF2-40B4-BE49-F238E27FC236}">
+                <a16:creationId xmlns:a16="http://schemas.microsoft.com/office/drawing/2014/main" id="{CFF1CAA2-04CC-496D-80EE-A52890558A65}"/>
+              </a:ext>
+            </a:extLst>
+          </p:cNvPr>
+          <p:cNvSpPr/>
+          <p:nvPr/>
+        </p:nvSpPr>
+        <p:spPr>
+          <a:xfrm>
+            <a:off x="38101" y="38097"/>
+            <a:ext cx="1260000" cy="1260000"/>
+          </a:xfrm>
+          <a:prstGeom prst="rect">
+            <a:avLst/>
+          </a:prstGeom>
+          <a:ln w="76200" cap="sq">
+            <a:solidFill>
+              <a:schemeClr val="tx1">
+                <a:lumMod val="85000"/>
+              </a:schemeClr>
+            </a:solidFill>
+            <a:miter lim="800000"/>
+          </a:ln>
+        </p:spPr>
+        <p:style>
+          <a:lnRef idx="2">
+            <a:schemeClr val="accent1">
+              <a:shade val="50000"/>
+            </a:schemeClr>
+          </a:lnRef>
+          <a:fillRef idx="1">
+            <a:schemeClr val="accent1"/>
+          </a:fillRef>
+          <a:effectRef idx="0">
+            <a:schemeClr val="accent1"/>
+          </a:effectRef>
+          <a:fontRef idx="minor">
+            <a:schemeClr val="lt1"/>
+          </a:fontRef>
+        </p:style>
+        <p:txBody>
+          <a:bodyPr rtlCol="0" anchor="ctr"/>
+          <a:lstStyle/>
+          <a:p>
+            <a:pPr algn="ctr"/>
+            <a:r>
+              <a:rPr lang="en-US" altLang="ko-KR" sz="5400" dirty="0">
+                <a:latin typeface="HY헤드라인M" panose="02030600000101010101" pitchFamily="18" charset="-127"/>
+                <a:ea typeface="HY헤드라인M" panose="02030600000101010101" pitchFamily="18" charset="-127"/>
+              </a:rPr>
               <a:t>8</a:t>
             </a:r>
             <a:endParaRPr lang="ko-KR" altLang="en-US" sz="5400" dirty="0">
@@ -6534,7 +7412,7 @@
 </p:sld>
 </file>
 
-<file path=ppt/slides/slide15.xml><?xml version="1.0" encoding="utf-8"?>
+<file path=ppt/slides/slide16.xml><?xml version="1.0" encoding="utf-8"?>
 <p:sld xmlns:a="http://schemas.openxmlformats.org/drawingml/2006/main" xmlns:r="http://schemas.openxmlformats.org/officeDocument/2006/relationships" xmlns:p="http://schemas.openxmlformats.org/presentationml/2006/main" showMasterSp="0">
   <p:cSld>
     <p:spTree>
@@ -17538,7 +18416,7 @@
 </p:sld>
 </file>
 
-<file path=ppt/slides/slide16.xml><?xml version="1.0" encoding="utf-8"?>
+<file path=ppt/slides/slide17.xml><?xml version="1.0" encoding="utf-8"?>
 <p:sld xmlns:a="http://schemas.openxmlformats.org/drawingml/2006/main" xmlns:r="http://schemas.openxmlformats.org/officeDocument/2006/relationships" xmlns:p="http://schemas.openxmlformats.org/presentationml/2006/main" showMasterSp="0">
   <p:cSld>
     <p:spTree>
@@ -17693,7 +18571,7 @@
 </p:sld>
 </file>
 
-<file path=ppt/slides/slide17.xml><?xml version="1.0" encoding="utf-8"?>
+<file path=ppt/slides/slide18.xml><?xml version="1.0" encoding="utf-8"?>
 <p:sld xmlns:a="http://schemas.openxmlformats.org/drawingml/2006/main" xmlns:r="http://schemas.openxmlformats.org/officeDocument/2006/relationships" xmlns:p="http://schemas.openxmlformats.org/presentationml/2006/main" showMasterSp="0">
   <p:cSld>
     <p:spTree>
@@ -18071,8 +18949,8 @@
         </p:nvSpPr>
         <p:spPr>
           <a:xfrm>
-            <a:off x="3568372" y="212735"/>
-            <a:ext cx="7366328" cy="6432530"/>
+            <a:off x="3568372" y="18490"/>
+            <a:ext cx="7366328" cy="6894195"/>
           </a:xfrm>
           <a:prstGeom prst="rect">
             <a:avLst/>
@@ -18093,226 +18971,255 @@
               <a:t> </a:t>
             </a:r>
             <a:r>
-              <a:rPr lang="en-US" altLang="ko-KR" sz="2400" dirty="0">
+              <a:rPr lang="en-US" altLang="ko-KR" sz="2300" dirty="0">
                 <a:latin typeface="HY헤드라인M" panose="02030600000101010101" pitchFamily="18" charset="-127"/>
                 <a:ea typeface="HY헤드라인M" panose="02030600000101010101" pitchFamily="18" charset="-127"/>
               </a:rPr>
               <a:t>1  		</a:t>
             </a:r>
             <a:r>
-              <a:rPr lang="ko-KR" altLang="en-US" sz="2400" dirty="0">
+              <a:rPr lang="ko-KR" altLang="en-US" sz="2300" dirty="0">
                 <a:latin typeface="HY헤드라인M" panose="02030600000101010101" pitchFamily="18" charset="-127"/>
                 <a:ea typeface="HY헤드라인M" panose="02030600000101010101" pitchFamily="18" charset="-127"/>
               </a:rPr>
               <a:t>연구목적</a:t>
             </a:r>
-            <a:endParaRPr lang="en-US" altLang="ko-KR" sz="2400" dirty="0">
+            <a:endParaRPr lang="en-US" altLang="ko-KR" sz="2300" dirty="0">
               <a:latin typeface="HY헤드라인M" panose="02030600000101010101" pitchFamily="18" charset="-127"/>
               <a:ea typeface="HY헤드라인M" panose="02030600000101010101" pitchFamily="18" charset="-127"/>
             </a:endParaRPr>
           </a:p>
           <a:p>
-            <a:endParaRPr lang="en-US" altLang="ko-KR" sz="2400" dirty="0">
+            <a:endParaRPr lang="en-US" altLang="ko-KR" sz="2300" dirty="0">
               <a:latin typeface="HY헤드라인M" panose="02030600000101010101" pitchFamily="18" charset="-127"/>
               <a:ea typeface="HY헤드라인M" panose="02030600000101010101" pitchFamily="18" charset="-127"/>
             </a:endParaRPr>
           </a:p>
           <a:p>
             <a:r>
-              <a:rPr lang="en-US" altLang="ko-KR" sz="2400" dirty="0">
+              <a:rPr lang="en-US" altLang="ko-KR" sz="2300" dirty="0">
                 <a:latin typeface="HY헤드라인M" panose="02030600000101010101" pitchFamily="18" charset="-127"/>
                 <a:ea typeface="HY헤드라인M" panose="02030600000101010101" pitchFamily="18" charset="-127"/>
               </a:rPr>
               <a:t> 2 			</a:t>
             </a:r>
             <a:r>
-              <a:rPr lang="ko-KR" altLang="en-US" sz="2400" dirty="0">
+              <a:rPr lang="ko-KR" altLang="en-US" sz="2300" dirty="0">
                 <a:latin typeface="HY헤드라인M" panose="02030600000101010101" pitchFamily="18" charset="-127"/>
                 <a:ea typeface="HY헤드라인M" panose="02030600000101010101" pitchFamily="18" charset="-127"/>
               </a:rPr>
               <a:t>게임 소개 및 특징</a:t>
             </a:r>
-            <a:endParaRPr lang="en-US" altLang="ko-KR" sz="2400" dirty="0">
+            <a:endParaRPr lang="en-US" altLang="ko-KR" sz="2300" dirty="0">
               <a:latin typeface="HY헤드라인M" panose="02030600000101010101" pitchFamily="18" charset="-127"/>
               <a:ea typeface="HY헤드라인M" panose="02030600000101010101" pitchFamily="18" charset="-127"/>
             </a:endParaRPr>
           </a:p>
           <a:p>
-            <a:endParaRPr lang="en-US" altLang="ko-KR" sz="2400" dirty="0">
+            <a:endParaRPr lang="en-US" altLang="ko-KR" sz="2300" dirty="0">
               <a:latin typeface="HY헤드라인M" panose="02030600000101010101" pitchFamily="18" charset="-127"/>
               <a:ea typeface="HY헤드라인M" panose="02030600000101010101" pitchFamily="18" charset="-127"/>
             </a:endParaRPr>
           </a:p>
           <a:p>
             <a:r>
-              <a:rPr lang="en-US" altLang="ko-KR" sz="2400" dirty="0">
+              <a:rPr lang="en-US" altLang="ko-KR" sz="2300" dirty="0">
                 <a:latin typeface="HY헤드라인M" panose="02030600000101010101" pitchFamily="18" charset="-127"/>
                 <a:ea typeface="HY헤드라인M" panose="02030600000101010101" pitchFamily="18" charset="-127"/>
               </a:rPr>
               <a:t> 3  		</a:t>
             </a:r>
             <a:r>
-              <a:rPr lang="ko-KR" altLang="en-US" sz="2400" dirty="0">
+              <a:rPr lang="ko-KR" altLang="en-US" sz="2300" dirty="0">
+                <a:latin typeface="HY헤드라인M" panose="02030600000101010101" pitchFamily="18" charset="-127"/>
+                <a:ea typeface="HY헤드라인M" panose="02030600000101010101" pitchFamily="18" charset="-127"/>
+              </a:rPr>
+              <a:t>왜 만드는가</a:t>
+            </a:r>
+            <a:r>
+              <a:rPr lang="en-US" altLang="ko-KR" sz="2300" dirty="0">
+                <a:latin typeface="HY헤드라인M" panose="02030600000101010101" pitchFamily="18" charset="-127"/>
+                <a:ea typeface="HY헤드라인M" panose="02030600000101010101" pitchFamily="18" charset="-127"/>
+              </a:rPr>
+              <a:t>?</a:t>
+            </a:r>
+          </a:p>
+          <a:p>
+            <a:endParaRPr lang="en-US" altLang="ko-KR" sz="2300" dirty="0">
+              <a:latin typeface="HY헤드라인M" panose="02030600000101010101" pitchFamily="18" charset="-127"/>
+              <a:ea typeface="HY헤드라인M" panose="02030600000101010101" pitchFamily="18" charset="-127"/>
+            </a:endParaRPr>
+          </a:p>
+          <a:p>
+            <a:r>
+              <a:rPr lang="en-US" altLang="ko-KR" sz="2300" dirty="0">
+                <a:latin typeface="HY헤드라인M" panose="02030600000101010101" pitchFamily="18" charset="-127"/>
+                <a:ea typeface="HY헤드라인M" panose="02030600000101010101" pitchFamily="18" charset="-127"/>
+              </a:rPr>
+              <a:t> 4  		</a:t>
+            </a:r>
+            <a:r>
+              <a:rPr lang="ko-KR" altLang="en-US" sz="2300" dirty="0">
                 <a:latin typeface="HY헤드라인M" panose="02030600000101010101" pitchFamily="18" charset="-127"/>
                 <a:ea typeface="HY헤드라인M" panose="02030600000101010101" pitchFamily="18" charset="-127"/>
               </a:rPr>
               <a:t>게임 진행</a:t>
             </a:r>
-            <a:endParaRPr lang="en-US" altLang="ko-KR" sz="2400" dirty="0">
+            <a:endParaRPr lang="en-US" altLang="ko-KR" sz="2300" dirty="0">
               <a:latin typeface="HY헤드라인M" panose="02030600000101010101" pitchFamily="18" charset="-127"/>
               <a:ea typeface="HY헤드라인M" panose="02030600000101010101" pitchFamily="18" charset="-127"/>
             </a:endParaRPr>
           </a:p>
           <a:p>
-            <a:endParaRPr lang="en-US" altLang="ko-KR" sz="2400" dirty="0">
+            <a:endParaRPr lang="en-US" altLang="ko-KR" sz="2300" dirty="0">
               <a:latin typeface="HY헤드라인M" panose="02030600000101010101" pitchFamily="18" charset="-127"/>
               <a:ea typeface="HY헤드라인M" panose="02030600000101010101" pitchFamily="18" charset="-127"/>
             </a:endParaRPr>
           </a:p>
           <a:p>
             <a:r>
-              <a:rPr lang="en-US" altLang="ko-KR" sz="2400" dirty="0">
-                <a:latin typeface="HY헤드라인M" panose="02030600000101010101" pitchFamily="18" charset="-127"/>
-                <a:ea typeface="HY헤드라인M" panose="02030600000101010101" pitchFamily="18" charset="-127"/>
-              </a:rPr>
-              <a:t> 4  		</a:t>
-            </a:r>
-            <a:r>
-              <a:rPr lang="ko-KR" altLang="en-US" sz="2400" dirty="0">
-                <a:latin typeface="HY헤드라인M" panose="02030600000101010101" pitchFamily="18" charset="-127"/>
-                <a:ea typeface="HY헤드라인M" panose="02030600000101010101" pitchFamily="18" charset="-127"/>
-              </a:rPr>
-              <a:t>개발 환경</a:t>
-            </a:r>
-            <a:endParaRPr lang="en-US" altLang="ko-KR" sz="2400" dirty="0">
-              <a:latin typeface="HY헤드라인M" panose="02030600000101010101" pitchFamily="18" charset="-127"/>
-              <a:ea typeface="HY헤드라인M" panose="02030600000101010101" pitchFamily="18" charset="-127"/>
-            </a:endParaRPr>
-          </a:p>
-          <a:p>
-            <a:endParaRPr lang="en-US" altLang="ko-KR" sz="2400" dirty="0">
-              <a:latin typeface="HY헤드라인M" panose="02030600000101010101" pitchFamily="18" charset="-127"/>
-              <a:ea typeface="HY헤드라인M" panose="02030600000101010101" pitchFamily="18" charset="-127"/>
-            </a:endParaRPr>
-          </a:p>
-          <a:p>
-            <a:r>
-              <a:rPr lang="en-US" altLang="ko-KR" sz="2400" dirty="0">
+              <a:rPr lang="en-US" altLang="ko-KR" sz="2300" dirty="0">
                 <a:latin typeface="HY헤드라인M" panose="02030600000101010101" pitchFamily="18" charset="-127"/>
                 <a:ea typeface="HY헤드라인M" panose="02030600000101010101" pitchFamily="18" charset="-127"/>
               </a:rPr>
               <a:t> 5  		</a:t>
             </a:r>
             <a:r>
-              <a:rPr lang="ko-KR" altLang="en-US" sz="2400" dirty="0">
+              <a:rPr lang="ko-KR" altLang="en-US" sz="2300" dirty="0">
+                <a:latin typeface="HY헤드라인M" panose="02030600000101010101" pitchFamily="18" charset="-127"/>
+                <a:ea typeface="HY헤드라인M" panose="02030600000101010101" pitchFamily="18" charset="-127"/>
+              </a:rPr>
+              <a:t>게임 환경</a:t>
+            </a:r>
+            <a:endParaRPr lang="en-US" altLang="ko-KR" sz="2300" dirty="0">
+              <a:latin typeface="HY헤드라인M" panose="02030600000101010101" pitchFamily="18" charset="-127"/>
+              <a:ea typeface="HY헤드라인M" panose="02030600000101010101" pitchFamily="18" charset="-127"/>
+            </a:endParaRPr>
+          </a:p>
+          <a:p>
+            <a:endParaRPr lang="en-US" altLang="ko-KR" sz="2300" dirty="0">
+              <a:latin typeface="HY헤드라인M" panose="02030600000101010101" pitchFamily="18" charset="-127"/>
+              <a:ea typeface="HY헤드라인M" panose="02030600000101010101" pitchFamily="18" charset="-127"/>
+            </a:endParaRPr>
+          </a:p>
+          <a:p>
+            <a:r>
+              <a:rPr lang="en-US" altLang="ko-KR" sz="2300" dirty="0">
+                <a:latin typeface="HY헤드라인M" panose="02030600000101010101" pitchFamily="18" charset="-127"/>
+                <a:ea typeface="HY헤드라인M" panose="02030600000101010101" pitchFamily="18" charset="-127"/>
+              </a:rPr>
+              <a:t> 6  		</a:t>
+            </a:r>
+            <a:r>
+              <a:rPr lang="ko-KR" altLang="en-US" sz="2300" dirty="0">
                 <a:latin typeface="HY헤드라인M" panose="02030600000101010101" pitchFamily="18" charset="-127"/>
                 <a:ea typeface="HY헤드라인M" panose="02030600000101010101" pitchFamily="18" charset="-127"/>
               </a:rPr>
               <a:t>기술적 요소</a:t>
             </a:r>
-            <a:endParaRPr lang="en-US" altLang="ko-KR" sz="2400" dirty="0">
+            <a:endParaRPr lang="en-US" altLang="ko-KR" sz="2300" dirty="0">
               <a:latin typeface="HY헤드라인M" panose="02030600000101010101" pitchFamily="18" charset="-127"/>
               <a:ea typeface="HY헤드라인M" panose="02030600000101010101" pitchFamily="18" charset="-127"/>
             </a:endParaRPr>
           </a:p>
           <a:p>
-            <a:endParaRPr lang="en-US" altLang="ko-KR" sz="2400" dirty="0">
+            <a:endParaRPr lang="en-US" altLang="ko-KR" sz="2300" dirty="0">
               <a:latin typeface="HY헤드라인M" panose="02030600000101010101" pitchFamily="18" charset="-127"/>
               <a:ea typeface="HY헤드라인M" panose="02030600000101010101" pitchFamily="18" charset="-127"/>
             </a:endParaRPr>
           </a:p>
           <a:p>
             <a:r>
-              <a:rPr lang="en-US" altLang="ko-KR" sz="2400" dirty="0">
+              <a:rPr lang="en-US" altLang="ko-KR" sz="2300" dirty="0">
                 <a:latin typeface="HY헤드라인M" panose="02030600000101010101" pitchFamily="18" charset="-127"/>
                 <a:ea typeface="HY헤드라인M" panose="02030600000101010101" pitchFamily="18" charset="-127"/>
               </a:rPr>
-              <a:t> 6  		</a:t>
-            </a:r>
-            <a:r>
-              <a:rPr lang="ko-KR" altLang="en-US" sz="2400" dirty="0">
+              <a:t> 7  		</a:t>
+            </a:r>
+            <a:r>
+              <a:rPr lang="ko-KR" altLang="en-US" sz="2300" dirty="0">
                 <a:latin typeface="HY헤드라인M" panose="02030600000101010101" pitchFamily="18" charset="-127"/>
                 <a:ea typeface="HY헤드라인M" panose="02030600000101010101" pitchFamily="18" charset="-127"/>
               </a:rPr>
               <a:t>개인별 준비 현황</a:t>
             </a:r>
-            <a:endParaRPr lang="en-US" altLang="ko-KR" sz="2400" dirty="0">
+            <a:endParaRPr lang="en-US" altLang="ko-KR" sz="2300" dirty="0">
               <a:latin typeface="HY헤드라인M" panose="02030600000101010101" pitchFamily="18" charset="-127"/>
               <a:ea typeface="HY헤드라인M" panose="02030600000101010101" pitchFamily="18" charset="-127"/>
             </a:endParaRPr>
           </a:p>
           <a:p>
-            <a:endParaRPr lang="en-US" altLang="ko-KR" sz="2400" dirty="0">
+            <a:endParaRPr lang="en-US" altLang="ko-KR" sz="2300" dirty="0">
               <a:latin typeface="HY헤드라인M" panose="02030600000101010101" pitchFamily="18" charset="-127"/>
               <a:ea typeface="HY헤드라인M" panose="02030600000101010101" pitchFamily="18" charset="-127"/>
             </a:endParaRPr>
           </a:p>
           <a:p>
             <a:r>
-              <a:rPr lang="en-US" altLang="ko-KR" sz="2400" dirty="0">
+              <a:rPr lang="en-US" altLang="ko-KR" sz="2300" dirty="0">
                 <a:latin typeface="HY헤드라인M" panose="02030600000101010101" pitchFamily="18" charset="-127"/>
                 <a:ea typeface="HY헤드라인M" panose="02030600000101010101" pitchFamily="18" charset="-127"/>
               </a:rPr>
-              <a:t> 7  		</a:t>
-            </a:r>
-            <a:r>
-              <a:rPr lang="ko-KR" altLang="en-US" sz="2400" dirty="0">
+              <a:t> 8 			</a:t>
+            </a:r>
+            <a:r>
+              <a:rPr lang="ko-KR" altLang="en-US" sz="2300" dirty="0">
                 <a:latin typeface="HY헤드라인M" panose="02030600000101010101" pitchFamily="18" charset="-127"/>
                 <a:ea typeface="HY헤드라인M" panose="02030600000101010101" pitchFamily="18" charset="-127"/>
               </a:rPr>
               <a:t>중점 연구분야</a:t>
             </a:r>
-            <a:endParaRPr lang="en-US" altLang="ko-KR" sz="2400" dirty="0">
+            <a:endParaRPr lang="en-US" altLang="ko-KR" sz="2300" dirty="0">
               <a:latin typeface="HY헤드라인M" panose="02030600000101010101" pitchFamily="18" charset="-127"/>
               <a:ea typeface="HY헤드라인M" panose="02030600000101010101" pitchFamily="18" charset="-127"/>
             </a:endParaRPr>
           </a:p>
           <a:p>
-            <a:endParaRPr lang="en-US" altLang="ko-KR" sz="2400" dirty="0">
+            <a:endParaRPr lang="en-US" altLang="ko-KR" sz="2300" dirty="0">
               <a:latin typeface="HY헤드라인M" panose="02030600000101010101" pitchFamily="18" charset="-127"/>
               <a:ea typeface="HY헤드라인M" panose="02030600000101010101" pitchFamily="18" charset="-127"/>
             </a:endParaRPr>
           </a:p>
           <a:p>
             <a:r>
-              <a:rPr lang="en-US" altLang="ko-KR" sz="2400" dirty="0">
-                <a:latin typeface="HY헤드라인M" panose="02030600000101010101" pitchFamily="18" charset="-127"/>
-                <a:ea typeface="HY헤드라인M" panose="02030600000101010101" pitchFamily="18" charset="-127"/>
-              </a:rPr>
-              <a:t> 8 			</a:t>
-            </a:r>
-            <a:r>
-              <a:rPr lang="ko-KR" altLang="en-US" sz="2400" dirty="0">
-                <a:latin typeface="HY헤드라인M" panose="02030600000101010101" pitchFamily="18" charset="-127"/>
-                <a:ea typeface="HY헤드라인M" panose="02030600000101010101" pitchFamily="18" charset="-127"/>
-              </a:rPr>
-              <a:t>타 게임과의 비교 </a:t>
-            </a:r>
-            <a:endParaRPr lang="en-US" altLang="ko-KR" sz="2400" dirty="0">
-              <a:latin typeface="HY헤드라인M" panose="02030600000101010101" pitchFamily="18" charset="-127"/>
-              <a:ea typeface="HY헤드라인M" panose="02030600000101010101" pitchFamily="18" charset="-127"/>
-            </a:endParaRPr>
-          </a:p>
-          <a:p>
-            <a:endParaRPr lang="en-US" altLang="ko-KR" sz="2400" dirty="0">
-              <a:latin typeface="HY헤드라인M" panose="02030600000101010101" pitchFamily="18" charset="-127"/>
-              <a:ea typeface="HY헤드라인M" panose="02030600000101010101" pitchFamily="18" charset="-127"/>
-            </a:endParaRPr>
-          </a:p>
-          <a:p>
-            <a:r>
-              <a:rPr lang="en-US" altLang="ko-KR" sz="2400" dirty="0">
+              <a:rPr lang="en-US" altLang="ko-KR" sz="2300" dirty="0">
                 <a:latin typeface="HY헤드라인M" panose="02030600000101010101" pitchFamily="18" charset="-127"/>
                 <a:ea typeface="HY헤드라인M" panose="02030600000101010101" pitchFamily="18" charset="-127"/>
               </a:rPr>
               <a:t> 9   		</a:t>
             </a:r>
             <a:r>
-              <a:rPr lang="ko-KR" altLang="en-US" sz="2400" dirty="0">
+              <a:rPr lang="ko-KR" altLang="en-US" sz="2300" dirty="0">
                 <a:latin typeface="HY헤드라인M" panose="02030600000101010101" pitchFamily="18" charset="-127"/>
                 <a:ea typeface="HY헤드라인M" panose="02030600000101010101" pitchFamily="18" charset="-127"/>
               </a:rPr>
-              <a:t>개발일정 및 구성원 역할분담</a:t>
+              <a:t>타 게임과의 비교</a:t>
+            </a:r>
+            <a:endParaRPr lang="en-US" altLang="ko-KR" sz="2300" dirty="0">
+              <a:latin typeface="HY헤드라인M" panose="02030600000101010101" pitchFamily="18" charset="-127"/>
+              <a:ea typeface="HY헤드라인M" panose="02030600000101010101" pitchFamily="18" charset="-127"/>
+            </a:endParaRPr>
+          </a:p>
+          <a:p>
+            <a:endParaRPr lang="en-US" altLang="ko-KR" sz="2300" dirty="0">
+              <a:latin typeface="HY헤드라인M" panose="02030600000101010101" pitchFamily="18" charset="-127"/>
+              <a:ea typeface="HY헤드라인M" panose="02030600000101010101" pitchFamily="18" charset="-127"/>
+            </a:endParaRPr>
+          </a:p>
+          <a:p>
+            <a:r>
+              <a:rPr lang="en-US" altLang="ko-KR" sz="2300" dirty="0">
+                <a:latin typeface="HY헤드라인M" panose="02030600000101010101" pitchFamily="18" charset="-127"/>
+                <a:ea typeface="HY헤드라인M" panose="02030600000101010101" pitchFamily="18" charset="-127"/>
+              </a:rPr>
+              <a:t>10			</a:t>
+            </a:r>
+            <a:r>
+              <a:rPr lang="ko-KR" altLang="en-US" sz="2300" dirty="0">
+                <a:latin typeface="HY헤드라인M" panose="02030600000101010101" pitchFamily="18" charset="-127"/>
+                <a:ea typeface="HY헤드라인M" panose="02030600000101010101" pitchFamily="18" charset="-127"/>
+              </a:rPr>
+              <a:t>개발 일정 및 구성원 역할 분담</a:t>
             </a:r>
           </a:p>
         </p:txBody>
@@ -19283,7 +20190,7 @@
         <p:spPr>
           <a:xfrm>
             <a:off x="1419225" y="1571625"/>
-            <a:ext cx="4676775" cy="646330"/>
+            <a:ext cx="4676775" cy="711612"/>
           </a:xfrm>
           <a:prstGeom prst="rect">
             <a:avLst/>
@@ -19360,7 +20267,7 @@
         <p:spPr>
           <a:xfrm>
             <a:off x="828675" y="1571624"/>
-            <a:ext cx="1514475" cy="646331"/>
+            <a:ext cx="1514475" cy="711613"/>
           </a:xfrm>
           <a:prstGeom prst="homePlate">
             <a:avLst/>
@@ -19424,8 +20331,8 @@
         </p:nvSpPr>
         <p:spPr>
           <a:xfrm>
-            <a:off x="1419225" y="2445228"/>
-            <a:ext cx="4676775" cy="646330"/>
+            <a:off x="1419225" y="3396358"/>
+            <a:ext cx="4676775" cy="711613"/>
           </a:xfrm>
           <a:prstGeom prst="rect">
             <a:avLst/>
@@ -19483,8 +20390,8 @@
         </p:nvSpPr>
         <p:spPr>
           <a:xfrm>
-            <a:off x="828675" y="2445227"/>
-            <a:ext cx="1514475" cy="646331"/>
+            <a:off x="828675" y="3396358"/>
+            <a:ext cx="1514475" cy="711614"/>
           </a:xfrm>
           <a:prstGeom prst="homePlate">
             <a:avLst/>
@@ -19548,7 +20455,7 @@
         </p:nvSpPr>
         <p:spPr>
           <a:xfrm>
-            <a:off x="1419225" y="3318830"/>
+            <a:off x="1419225" y="5286375"/>
             <a:ext cx="4676775" cy="646330"/>
           </a:xfrm>
           <a:prstGeom prst="rect">
@@ -19611,7 +20518,7 @@
         </p:nvSpPr>
         <p:spPr>
           <a:xfrm>
-            <a:off x="828675" y="3318829"/>
+            <a:off x="828675" y="5286374"/>
             <a:ext cx="1514475" cy="646331"/>
           </a:xfrm>
           <a:prstGeom prst="homePlate">
@@ -19775,130 +20682,6 @@
                 <a:ea typeface="HY헤드라인M" panose="02030600000101010101" pitchFamily="18" charset="-127"/>
               </a:rPr>
               <a:t>컨셉 아트</a:t>
-            </a:r>
-          </a:p>
-        </p:txBody>
-      </p:sp>
-      <p:sp>
-        <p:nvSpPr>
-          <p:cNvPr id="12" name="직사각형 11">
-            <a:extLst>
-              <a:ext uri="{FF2B5EF4-FFF2-40B4-BE49-F238E27FC236}">
-                <a16:creationId xmlns:a16="http://schemas.microsoft.com/office/drawing/2014/main" id="{4D4B521B-4AFD-4591-B702-5A4D0C5106C3}"/>
-              </a:ext>
-            </a:extLst>
-          </p:cNvPr>
-          <p:cNvSpPr/>
-          <p:nvPr/>
-        </p:nvSpPr>
-        <p:spPr>
-          <a:xfrm>
-            <a:off x="668101" y="4192431"/>
-            <a:ext cx="5686299" cy="1811015"/>
-          </a:xfrm>
-          <a:prstGeom prst="rect">
-            <a:avLst/>
-          </a:prstGeom>
-          <a:solidFill>
-            <a:srgbClr val="595959"/>
-          </a:solidFill>
-          <a:ln w="38100">
-            <a:solidFill>
-              <a:schemeClr val="tx1">
-                <a:lumMod val="85000"/>
-              </a:schemeClr>
-            </a:solidFill>
-          </a:ln>
-        </p:spPr>
-        <p:style>
-          <a:lnRef idx="2">
-            <a:schemeClr val="accent1">
-              <a:shade val="50000"/>
-            </a:schemeClr>
-          </a:lnRef>
-          <a:fillRef idx="1">
-            <a:schemeClr val="accent1"/>
-          </a:fillRef>
-          <a:effectRef idx="0">
-            <a:schemeClr val="accent1"/>
-          </a:effectRef>
-          <a:fontRef idx="minor">
-            <a:schemeClr val="lt1"/>
-          </a:fontRef>
-        </p:style>
-        <p:txBody>
-          <a:bodyPr rtlCol="0" anchor="t"/>
-          <a:lstStyle/>
-          <a:p>
-            <a:r>
-              <a:rPr lang="en-US" altLang="ko-KR" sz="2400" dirty="0">
-                <a:latin typeface="HY헤드라인M" panose="02030600000101010101" pitchFamily="18" charset="-127"/>
-                <a:ea typeface="HY헤드라인M" panose="02030600000101010101" pitchFamily="18" charset="-127"/>
-              </a:rPr>
-              <a:t>Need 	-	</a:t>
-            </a:r>
-            <a:r>
-              <a:rPr lang="ko-KR" altLang="en-US" sz="2400" dirty="0">
-                <a:latin typeface="HY헤드라인M" panose="02030600000101010101" pitchFamily="18" charset="-127"/>
-                <a:ea typeface="HY헤드라인M" panose="02030600000101010101" pitchFamily="18" charset="-127"/>
-              </a:rPr>
-              <a:t>왜 만드는가</a:t>
-            </a:r>
-            <a:r>
-              <a:rPr lang="en-US" altLang="ko-KR" sz="2400" dirty="0">
-                <a:latin typeface="HY헤드라인M" panose="02030600000101010101" pitchFamily="18" charset="-127"/>
-                <a:ea typeface="HY헤드라인M" panose="02030600000101010101" pitchFamily="18" charset="-127"/>
-              </a:rPr>
-              <a:t>?</a:t>
-            </a:r>
-          </a:p>
-          <a:p>
-            <a:endParaRPr lang="en-US" altLang="ko-KR" sz="2400" dirty="0">
-              <a:latin typeface="HY헤드라인M" panose="02030600000101010101" pitchFamily="18" charset="-127"/>
-              <a:ea typeface="HY헤드라인M" panose="02030600000101010101" pitchFamily="18" charset="-127"/>
-            </a:endParaRPr>
-          </a:p>
-          <a:p>
-            <a:r>
-              <a:rPr lang="ko-KR" altLang="en-US" sz="1600" dirty="0">
-                <a:latin typeface="HY헤드라인M" panose="02030600000101010101" pitchFamily="18" charset="-127"/>
-                <a:ea typeface="HY헤드라인M" panose="02030600000101010101" pitchFamily="18" charset="-127"/>
-              </a:rPr>
-              <a:t>간단한 게임이 인기를 끌고있으며 누구나 쉽게 게임을 </a:t>
-            </a:r>
-            <a:endParaRPr lang="en-US" altLang="ko-KR" sz="1600" dirty="0">
-              <a:latin typeface="HY헤드라인M" panose="02030600000101010101" pitchFamily="18" charset="-127"/>
-              <a:ea typeface="HY헤드라인M" panose="02030600000101010101" pitchFamily="18" charset="-127"/>
-            </a:endParaRPr>
-          </a:p>
-          <a:p>
-            <a:r>
-              <a:rPr lang="ko-KR" altLang="en-US" sz="1600" dirty="0">
-                <a:latin typeface="HY헤드라인M" panose="02030600000101010101" pitchFamily="18" charset="-127"/>
-                <a:ea typeface="HY헤드라인M" panose="02030600000101010101" pitchFamily="18" charset="-127"/>
-              </a:rPr>
-              <a:t>접할 수 있게 된 현재</a:t>
-            </a:r>
-            <a:r>
-              <a:rPr lang="en-US" altLang="ko-KR" sz="1600" dirty="0">
-                <a:latin typeface="HY헤드라인M" panose="02030600000101010101" pitchFamily="18" charset="-127"/>
-                <a:ea typeface="HY헤드라인M" panose="02030600000101010101" pitchFamily="18" charset="-127"/>
-              </a:rPr>
-              <a:t>,</a:t>
-            </a:r>
-            <a:r>
-              <a:rPr lang="ko-KR" altLang="en-US" sz="1600" dirty="0">
-                <a:latin typeface="HY헤드라인M" panose="02030600000101010101" pitchFamily="18" charset="-127"/>
-                <a:ea typeface="HY헤드라인M" panose="02030600000101010101" pitchFamily="18" charset="-127"/>
-              </a:rPr>
-              <a:t> 아이들도 좋아하는 공룡을 이용해서 쉽고 간단하게 즐길 수 있는 게임이라 판단한다</a:t>
-            </a:r>
-            <a:r>
-              <a:rPr lang="en-US" altLang="ko-KR" sz="1600" dirty="0">
-                <a:latin typeface="HY헤드라인M" panose="02030600000101010101" pitchFamily="18" charset="-127"/>
-                <a:ea typeface="HY헤드라인M" panose="02030600000101010101" pitchFamily="18" charset="-127"/>
-              </a:rPr>
-              <a:t>.</a:t>
             </a:r>
           </a:p>
         </p:txBody>
@@ -21074,6 +21857,432 @@
 </file>
 
 <file path=ppt/slides/slide8.xml><?xml version="1.0" encoding="utf-8"?>
+<p:sld xmlns:a="http://schemas.openxmlformats.org/drawingml/2006/main" xmlns:r="http://schemas.openxmlformats.org/officeDocument/2006/relationships" xmlns:p="http://schemas.openxmlformats.org/presentationml/2006/main" showMasterSp="0">
+  <p:cSld>
+    <p:spTree>
+      <p:nvGrpSpPr>
+        <p:cNvPr id="1" name=""/>
+        <p:cNvGrpSpPr/>
+        <p:nvPr/>
+      </p:nvGrpSpPr>
+      <p:grpSpPr>
+        <a:xfrm>
+          <a:off x="0" y="0"/>
+          <a:ext cx="0" cy="0"/>
+          <a:chOff x="0" y="0"/>
+          <a:chExt cx="0" cy="0"/>
+        </a:xfrm>
+      </p:grpSpPr>
+      <p:sp>
+        <p:nvSpPr>
+          <p:cNvPr id="6" name="직사각형 5">
+            <a:extLst>
+              <a:ext uri="{FF2B5EF4-FFF2-40B4-BE49-F238E27FC236}">
+                <a16:creationId xmlns:a16="http://schemas.microsoft.com/office/drawing/2014/main" id="{CFF1CAA2-04CC-496D-80EE-A52890558A65}"/>
+              </a:ext>
+            </a:extLst>
+          </p:cNvPr>
+          <p:cNvSpPr/>
+          <p:nvPr/>
+        </p:nvSpPr>
+        <p:spPr>
+          <a:xfrm>
+            <a:off x="38101" y="38097"/>
+            <a:ext cx="1260000" cy="1260000"/>
+          </a:xfrm>
+          <a:prstGeom prst="rect">
+            <a:avLst/>
+          </a:prstGeom>
+          <a:ln w="76200" cap="sq">
+            <a:solidFill>
+              <a:schemeClr val="tx1">
+                <a:lumMod val="85000"/>
+              </a:schemeClr>
+            </a:solidFill>
+            <a:miter lim="800000"/>
+          </a:ln>
+        </p:spPr>
+        <p:style>
+          <a:lnRef idx="2">
+            <a:schemeClr val="accent1">
+              <a:shade val="50000"/>
+            </a:schemeClr>
+          </a:lnRef>
+          <a:fillRef idx="1">
+            <a:schemeClr val="accent1"/>
+          </a:fillRef>
+          <a:effectRef idx="0">
+            <a:schemeClr val="accent1"/>
+          </a:effectRef>
+          <a:fontRef idx="minor">
+            <a:schemeClr val="lt1"/>
+          </a:fontRef>
+        </p:style>
+        <p:txBody>
+          <a:bodyPr rtlCol="0" anchor="ctr"/>
+          <a:lstStyle/>
+          <a:p>
+            <a:pPr marL="0" marR="0" lvl="0" indent="0" algn="ctr" defTabSz="457200" rtl="0" eaLnBrk="1" fontAlgn="auto" latinLnBrk="0" hangingPunct="1">
+              <a:lnSpc>
+                <a:spcPct val="100000"/>
+              </a:lnSpc>
+              <a:spcBef>
+                <a:spcPts val="0"/>
+              </a:spcBef>
+              <a:spcAft>
+                <a:spcPts val="0"/>
+              </a:spcAft>
+              <a:buClrTx/>
+              <a:buSzTx/>
+              <a:buFontTx/>
+              <a:buNone/>
+              <a:tabLst/>
+              <a:defRPr/>
+            </a:pPr>
+            <a:r>
+              <a:rPr lang="en-US" altLang="ko-KR" sz="5400" dirty="0">
+                <a:solidFill>
+                  <a:srgbClr val="FFFFFF"/>
+                </a:solidFill>
+                <a:latin typeface="HY헤드라인M" panose="02030600000101010101" pitchFamily="18" charset="-127"/>
+                <a:ea typeface="HY헤드라인M" panose="02030600000101010101" pitchFamily="18" charset="-127"/>
+              </a:rPr>
+              <a:t>3</a:t>
+            </a:r>
+            <a:endParaRPr kumimoji="0" lang="ko-KR" altLang="en-US" sz="5400" b="0" i="0" u="none" strike="noStrike" kern="1200" cap="none" spc="0" normalizeH="0" baseline="0" noProof="0" dirty="0">
+              <a:ln>
+                <a:noFill/>
+              </a:ln>
+              <a:solidFill>
+                <a:srgbClr val="FFFFFF"/>
+              </a:solidFill>
+              <a:effectLst/>
+              <a:uLnTx/>
+              <a:uFillTx/>
+              <a:latin typeface="HY헤드라인M" panose="02030600000101010101" pitchFamily="18" charset="-127"/>
+              <a:ea typeface="HY헤드라인M" panose="02030600000101010101" pitchFamily="18" charset="-127"/>
+              <a:cs typeface="+mn-cs"/>
+            </a:endParaRPr>
+          </a:p>
+        </p:txBody>
+      </p:sp>
+      <p:sp>
+        <p:nvSpPr>
+          <p:cNvPr id="11" name="TextBox 10">
+            <a:extLst>
+              <a:ext uri="{FF2B5EF4-FFF2-40B4-BE49-F238E27FC236}">
+                <a16:creationId xmlns:a16="http://schemas.microsoft.com/office/drawing/2014/main" id="{EB6AD26A-4D70-44CF-9FF8-6140CA5F6660}"/>
+              </a:ext>
+            </a:extLst>
+          </p:cNvPr>
+          <p:cNvSpPr txBox="1"/>
+          <p:nvPr/>
+        </p:nvSpPr>
+        <p:spPr>
+          <a:xfrm>
+            <a:off x="1419225" y="393221"/>
+            <a:ext cx="3895725" cy="646331"/>
+          </a:xfrm>
+          <a:prstGeom prst="rect">
+            <a:avLst/>
+          </a:prstGeom>
+          <a:noFill/>
+        </p:spPr>
+        <p:txBody>
+          <a:bodyPr wrap="square" rtlCol="0">
+            <a:spAutoFit/>
+          </a:bodyPr>
+          <a:lstStyle/>
+          <a:p>
+            <a:pPr marL="0" marR="0" lvl="0" indent="0" algn="l" defTabSz="457200" rtl="0" eaLnBrk="1" fontAlgn="auto" latinLnBrk="0" hangingPunct="1">
+              <a:lnSpc>
+                <a:spcPct val="100000"/>
+              </a:lnSpc>
+              <a:spcBef>
+                <a:spcPts val="0"/>
+              </a:spcBef>
+              <a:spcAft>
+                <a:spcPts val="0"/>
+              </a:spcAft>
+              <a:buClrTx/>
+              <a:buSzTx/>
+              <a:buFontTx/>
+              <a:buNone/>
+              <a:tabLst/>
+              <a:defRPr/>
+            </a:pPr>
+            <a:r>
+              <a:rPr lang="ko-KR" altLang="en-US" sz="3600" dirty="0">
+                <a:solidFill>
+                  <a:srgbClr val="FFFFFF"/>
+                </a:solidFill>
+                <a:latin typeface="HY헤드라인M" panose="02030600000101010101" pitchFamily="18" charset="-127"/>
+                <a:ea typeface="HY헤드라인M" panose="02030600000101010101" pitchFamily="18" charset="-127"/>
+              </a:rPr>
+              <a:t>왜 만드는가</a:t>
+            </a:r>
+            <a:r>
+              <a:rPr lang="en-US" altLang="ko-KR" sz="3600" dirty="0">
+                <a:solidFill>
+                  <a:srgbClr val="FFFFFF"/>
+                </a:solidFill>
+                <a:latin typeface="HY헤드라인M" panose="02030600000101010101" pitchFamily="18" charset="-127"/>
+                <a:ea typeface="HY헤드라인M" panose="02030600000101010101" pitchFamily="18" charset="-127"/>
+              </a:rPr>
+              <a:t>?</a:t>
+            </a:r>
+            <a:endParaRPr kumimoji="0" lang="ko-KR" altLang="en-US" sz="1800" b="0" i="0" u="none" strike="noStrike" kern="1200" cap="none" spc="0" normalizeH="0" baseline="0" noProof="0" dirty="0">
+              <a:ln>
+                <a:noFill/>
+              </a:ln>
+              <a:solidFill>
+                <a:srgbClr val="FFFFFF"/>
+              </a:solidFill>
+              <a:effectLst/>
+              <a:uLnTx/>
+              <a:uFillTx/>
+              <a:latin typeface="Century Schoolbook" panose="02040604050505020304"/>
+              <a:ea typeface="맑은 고딕" panose="020B0503020000020004" pitchFamily="50" charset="-127"/>
+              <a:cs typeface="+mn-cs"/>
+            </a:endParaRPr>
+          </a:p>
+        </p:txBody>
+      </p:sp>
+      <p:sp>
+        <p:nvSpPr>
+          <p:cNvPr id="14" name="직사각형 13">
+            <a:extLst>
+              <a:ext uri="{FF2B5EF4-FFF2-40B4-BE49-F238E27FC236}">
+                <a16:creationId xmlns:a16="http://schemas.microsoft.com/office/drawing/2014/main" id="{930D3077-7530-422D-954B-79CD38D2238D}"/>
+              </a:ext>
+            </a:extLst>
+          </p:cNvPr>
+          <p:cNvSpPr/>
+          <p:nvPr/>
+        </p:nvSpPr>
+        <p:spPr>
+          <a:xfrm>
+            <a:off x="668101" y="1524000"/>
+            <a:ext cx="11106804" cy="1026695"/>
+          </a:xfrm>
+          <a:prstGeom prst="rect">
+            <a:avLst/>
+          </a:prstGeom>
+          <a:solidFill>
+            <a:srgbClr val="595959"/>
+          </a:solidFill>
+          <a:ln w="38100">
+            <a:solidFill>
+              <a:schemeClr val="tx1">
+                <a:lumMod val="85000"/>
+              </a:schemeClr>
+            </a:solidFill>
+          </a:ln>
+        </p:spPr>
+        <p:style>
+          <a:lnRef idx="2">
+            <a:schemeClr val="accent1">
+              <a:shade val="50000"/>
+            </a:schemeClr>
+          </a:lnRef>
+          <a:fillRef idx="1">
+            <a:schemeClr val="accent1"/>
+          </a:fillRef>
+          <a:effectRef idx="0">
+            <a:schemeClr val="accent1"/>
+          </a:effectRef>
+          <a:fontRef idx="minor">
+            <a:schemeClr val="lt1"/>
+          </a:fontRef>
+        </p:style>
+        <p:txBody>
+          <a:bodyPr rtlCol="0" anchor="t"/>
+          <a:lstStyle/>
+          <a:p>
+            <a:endParaRPr lang="en-US" altLang="ko-KR" sz="1500" dirty="0">
+              <a:latin typeface="HY헤드라인M" panose="02030600000101010101" pitchFamily="18" charset="-127"/>
+              <a:ea typeface="HY헤드라인M" panose="02030600000101010101" pitchFamily="18" charset="-127"/>
+            </a:endParaRPr>
+          </a:p>
+          <a:p>
+            <a:r>
+              <a:rPr lang="ko-KR" altLang="en-US" sz="1600" dirty="0">
+                <a:latin typeface="HY헤드라인M" panose="02030600000101010101" pitchFamily="18" charset="-127"/>
+                <a:ea typeface="HY헤드라인M" panose="02030600000101010101" pitchFamily="18" charset="-127"/>
+              </a:rPr>
+              <a:t>간단한 게임이 인기를 끌고있으며 누구나 쉽게 게임을 </a:t>
+            </a:r>
+            <a:endParaRPr lang="en-US" altLang="ko-KR" sz="1600" dirty="0">
+              <a:latin typeface="HY헤드라인M" panose="02030600000101010101" pitchFamily="18" charset="-127"/>
+              <a:ea typeface="HY헤드라인M" panose="02030600000101010101" pitchFamily="18" charset="-127"/>
+            </a:endParaRPr>
+          </a:p>
+          <a:p>
+            <a:r>
+              <a:rPr lang="ko-KR" altLang="en-US" sz="1600" dirty="0">
+                <a:latin typeface="HY헤드라인M" panose="02030600000101010101" pitchFamily="18" charset="-127"/>
+                <a:ea typeface="HY헤드라인M" panose="02030600000101010101" pitchFamily="18" charset="-127"/>
+              </a:rPr>
+              <a:t>접할 수 있게 된 현재</a:t>
+            </a:r>
+            <a:r>
+              <a:rPr lang="en-US" altLang="ko-KR" sz="1600" dirty="0">
+                <a:latin typeface="HY헤드라인M" panose="02030600000101010101" pitchFamily="18" charset="-127"/>
+                <a:ea typeface="HY헤드라인M" panose="02030600000101010101" pitchFamily="18" charset="-127"/>
+              </a:rPr>
+              <a:t>,</a:t>
+            </a:r>
+            <a:r>
+              <a:rPr lang="ko-KR" altLang="en-US" sz="1600" dirty="0">
+                <a:latin typeface="HY헤드라인M" panose="02030600000101010101" pitchFamily="18" charset="-127"/>
+                <a:ea typeface="HY헤드라인M" panose="02030600000101010101" pitchFamily="18" charset="-127"/>
+              </a:rPr>
+              <a:t> 아이들도 좋아하는 공룡을 이용해서 쉽고 간단하게 즐길 수 있는 게임이라 판단한다</a:t>
+            </a:r>
+            <a:r>
+              <a:rPr lang="en-US" altLang="ko-KR" sz="1600" dirty="0">
+                <a:latin typeface="HY헤드라인M" panose="02030600000101010101" pitchFamily="18" charset="-127"/>
+                <a:ea typeface="HY헤드라인M" panose="02030600000101010101" pitchFamily="18" charset="-127"/>
+              </a:rPr>
+              <a:t>.</a:t>
+            </a:r>
+          </a:p>
+        </p:txBody>
+      </p:sp>
+      <p:pic>
+        <p:nvPicPr>
+          <p:cNvPr id="28" name="그림 27" descr="대형, 하얀색이(가) 표시된 사진&#10;&#10;자동 생성된 설명">
+            <a:extLst>
+              <a:ext uri="{FF2B5EF4-FFF2-40B4-BE49-F238E27FC236}">
+                <a16:creationId xmlns:a16="http://schemas.microsoft.com/office/drawing/2014/main" id="{D1C47597-1E01-425E-B908-E8169D14EAAF}"/>
+              </a:ext>
+            </a:extLst>
+          </p:cNvPr>
+          <p:cNvPicPr>
+            <a:picLocks noChangeAspect="1"/>
+          </p:cNvPicPr>
+          <p:nvPr/>
+        </p:nvPicPr>
+        <p:blipFill>
+          <a:blip r:embed="rId2"/>
+          <a:stretch>
+            <a:fillRect/>
+          </a:stretch>
+        </p:blipFill>
+        <p:spPr>
+          <a:xfrm>
+            <a:off x="242397" y="3085329"/>
+            <a:ext cx="4007851" cy="2858271"/>
+          </a:xfrm>
+          <a:prstGeom prst="rect">
+            <a:avLst/>
+          </a:prstGeom>
+        </p:spPr>
+      </p:pic>
+      <p:pic>
+        <p:nvPicPr>
+          <p:cNvPr id="2" name="그림 1">
+            <a:extLst>
+              <a:ext uri="{FF2B5EF4-FFF2-40B4-BE49-F238E27FC236}">
+                <a16:creationId xmlns:a16="http://schemas.microsoft.com/office/drawing/2014/main" id="{365B2311-BF1E-4B83-A22F-9B1A29FEC9E3}"/>
+              </a:ext>
+            </a:extLst>
+          </p:cNvPr>
+          <p:cNvPicPr>
+            <a:picLocks noChangeAspect="1"/>
+          </p:cNvPicPr>
+          <p:nvPr/>
+        </p:nvPicPr>
+        <p:blipFill>
+          <a:blip r:embed="rId3"/>
+          <a:stretch>
+            <a:fillRect/>
+          </a:stretch>
+        </p:blipFill>
+        <p:spPr>
+          <a:xfrm>
+            <a:off x="4562013" y="3098541"/>
+            <a:ext cx="3318980" cy="3272586"/>
+          </a:xfrm>
+          <a:prstGeom prst="rect">
+            <a:avLst/>
+          </a:prstGeom>
+        </p:spPr>
+      </p:pic>
+      <p:pic>
+        <p:nvPicPr>
+          <p:cNvPr id="4" name="그림 3" descr="잔디, 실외, 그룹, 개이(가) 표시된 사진&#10;&#10;자동 생성된 설명">
+            <a:extLst>
+              <a:ext uri="{FF2B5EF4-FFF2-40B4-BE49-F238E27FC236}">
+                <a16:creationId xmlns:a16="http://schemas.microsoft.com/office/drawing/2014/main" id="{31CBBEB2-047C-423D-B48A-018FD348EDFF}"/>
+              </a:ext>
+            </a:extLst>
+          </p:cNvPr>
+          <p:cNvPicPr>
+            <a:picLocks noChangeAspect="1"/>
+          </p:cNvPicPr>
+          <p:nvPr/>
+        </p:nvPicPr>
+        <p:blipFill>
+          <a:blip r:embed="rId4"/>
+          <a:stretch>
+            <a:fillRect/>
+          </a:stretch>
+        </p:blipFill>
+        <p:spPr>
+          <a:xfrm>
+            <a:off x="8192758" y="3085329"/>
+            <a:ext cx="3053229" cy="1709808"/>
+          </a:xfrm>
+          <a:prstGeom prst="rect">
+            <a:avLst/>
+          </a:prstGeom>
+        </p:spPr>
+      </p:pic>
+      <p:pic>
+        <p:nvPicPr>
+          <p:cNvPr id="10" name="그림 9" descr="스크린샷이(가) 표시된 사진&#10;&#10;자동 생성된 설명">
+            <a:extLst>
+              <a:ext uri="{FF2B5EF4-FFF2-40B4-BE49-F238E27FC236}">
+                <a16:creationId xmlns:a16="http://schemas.microsoft.com/office/drawing/2014/main" id="{E3C6A9C3-4426-4BF7-951A-CAFF5439BDF4}"/>
+              </a:ext>
+            </a:extLst>
+          </p:cNvPr>
+          <p:cNvPicPr>
+            <a:picLocks noChangeAspect="1"/>
+          </p:cNvPicPr>
+          <p:nvPr/>
+        </p:nvPicPr>
+        <p:blipFill>
+          <a:blip r:embed="rId5"/>
+          <a:stretch>
+            <a:fillRect/>
+          </a:stretch>
+        </p:blipFill>
+        <p:spPr>
+          <a:xfrm>
+            <a:off x="8192758" y="4972020"/>
+            <a:ext cx="2643059" cy="1539409"/>
+          </a:xfrm>
+          <a:prstGeom prst="rect">
+            <a:avLst/>
+          </a:prstGeom>
+        </p:spPr>
+      </p:pic>
+    </p:spTree>
+    <p:extLst>
+      <p:ext uri="{BB962C8B-B14F-4D97-AF65-F5344CB8AC3E}">
+        <p14:creationId xmlns:p14="http://schemas.microsoft.com/office/powerpoint/2010/main" val="3480095608"/>
+      </p:ext>
+    </p:extLst>
+  </p:cSld>
+  <p:clrMapOvr>
+    <a:masterClrMapping/>
+  </p:clrMapOvr>
+</p:sld>
+</file>
+
+<file path=ppt/slides/slide9.xml><?xml version="1.0" encoding="utf-8"?>
 <p:sld xmlns:a="http://schemas.openxmlformats.org/drawingml/2006/main" xmlns:r="http://schemas.openxmlformats.org/officeDocument/2006/relationships" xmlns:p="http://schemas.openxmlformats.org/presentationml/2006/main" showMasterSp="0">
   <p:cSld>
     <p:spTree>
@@ -22557,883 +23766,6 @@
 </p:sld>
 </file>
 
-<file path=ppt/slides/slide9.xml><?xml version="1.0" encoding="utf-8"?>
-<p:sld xmlns:a="http://schemas.openxmlformats.org/drawingml/2006/main" xmlns:r="http://schemas.openxmlformats.org/officeDocument/2006/relationships" xmlns:p="http://schemas.openxmlformats.org/presentationml/2006/main" showMasterSp="0">
-  <p:cSld>
-    <p:spTree>
-      <p:nvGrpSpPr>
-        <p:cNvPr id="1" name=""/>
-        <p:cNvGrpSpPr/>
-        <p:nvPr/>
-      </p:nvGrpSpPr>
-      <p:grpSpPr>
-        <a:xfrm>
-          <a:off x="0" y="0"/>
-          <a:ext cx="0" cy="0"/>
-          <a:chOff x="0" y="0"/>
-          <a:chExt cx="0" cy="0"/>
-        </a:xfrm>
-      </p:grpSpPr>
-      <p:sp>
-        <p:nvSpPr>
-          <p:cNvPr id="6" name="직사각형 5">
-            <a:extLst>
-              <a:ext uri="{FF2B5EF4-FFF2-40B4-BE49-F238E27FC236}">
-                <a16:creationId xmlns:a16="http://schemas.microsoft.com/office/drawing/2014/main" id="{CFF1CAA2-04CC-496D-80EE-A52890558A65}"/>
-              </a:ext>
-            </a:extLst>
-          </p:cNvPr>
-          <p:cNvSpPr/>
-          <p:nvPr/>
-        </p:nvSpPr>
-        <p:spPr>
-          <a:xfrm>
-            <a:off x="38101" y="38097"/>
-            <a:ext cx="1260000" cy="1260000"/>
-          </a:xfrm>
-          <a:prstGeom prst="rect">
-            <a:avLst/>
-          </a:prstGeom>
-          <a:ln w="76200" cap="sq">
-            <a:solidFill>
-              <a:schemeClr val="tx1">
-                <a:lumMod val="85000"/>
-              </a:schemeClr>
-            </a:solidFill>
-            <a:miter lim="800000"/>
-          </a:ln>
-        </p:spPr>
-        <p:style>
-          <a:lnRef idx="2">
-            <a:schemeClr val="accent1">
-              <a:shade val="50000"/>
-            </a:schemeClr>
-          </a:lnRef>
-          <a:fillRef idx="1">
-            <a:schemeClr val="accent1"/>
-          </a:fillRef>
-          <a:effectRef idx="0">
-            <a:schemeClr val="accent1"/>
-          </a:effectRef>
-          <a:fontRef idx="minor">
-            <a:schemeClr val="lt1"/>
-          </a:fontRef>
-        </p:style>
-        <p:txBody>
-          <a:bodyPr rtlCol="0" anchor="ctr"/>
-          <a:lstStyle/>
-          <a:p>
-            <a:pPr algn="ctr"/>
-            <a:r>
-              <a:rPr lang="en-US" altLang="ko-KR" sz="5400" dirty="0">
-                <a:latin typeface="HY헤드라인M" panose="02030600000101010101" pitchFamily="18" charset="-127"/>
-                <a:ea typeface="HY헤드라인M" panose="02030600000101010101" pitchFamily="18" charset="-127"/>
-              </a:rPr>
-              <a:t>4</a:t>
-            </a:r>
-            <a:endParaRPr lang="ko-KR" altLang="en-US" sz="5400" dirty="0">
-              <a:latin typeface="HY헤드라인M" panose="02030600000101010101" pitchFamily="18" charset="-127"/>
-              <a:ea typeface="HY헤드라인M" panose="02030600000101010101" pitchFamily="18" charset="-127"/>
-            </a:endParaRPr>
-          </a:p>
-        </p:txBody>
-      </p:sp>
-      <p:sp>
-        <p:nvSpPr>
-          <p:cNvPr id="11" name="TextBox 10">
-            <a:extLst>
-              <a:ext uri="{FF2B5EF4-FFF2-40B4-BE49-F238E27FC236}">
-                <a16:creationId xmlns:a16="http://schemas.microsoft.com/office/drawing/2014/main" id="{EB6AD26A-4D70-44CF-9FF8-6140CA5F6660}"/>
-              </a:ext>
-            </a:extLst>
-          </p:cNvPr>
-          <p:cNvSpPr txBox="1"/>
-          <p:nvPr/>
-        </p:nvSpPr>
-        <p:spPr>
-          <a:xfrm>
-            <a:off x="1419225" y="393221"/>
-            <a:ext cx="3895725" cy="646331"/>
-          </a:xfrm>
-          <a:prstGeom prst="rect">
-            <a:avLst/>
-          </a:prstGeom>
-          <a:noFill/>
-        </p:spPr>
-        <p:txBody>
-          <a:bodyPr wrap="square" rtlCol="0">
-            <a:spAutoFit/>
-          </a:bodyPr>
-          <a:lstStyle/>
-          <a:p>
-            <a:r>
-              <a:rPr lang="ko-KR" altLang="en-US" sz="3600" dirty="0">
-                <a:latin typeface="HY헤드라인M" panose="02030600000101010101" pitchFamily="18" charset="-127"/>
-                <a:ea typeface="HY헤드라인M" panose="02030600000101010101" pitchFamily="18" charset="-127"/>
-              </a:rPr>
-              <a:t>개발 환경</a:t>
-            </a:r>
-            <a:endParaRPr lang="ko-KR" altLang="en-US" dirty="0"/>
-          </a:p>
-        </p:txBody>
-      </p:sp>
-      <p:sp>
-        <p:nvSpPr>
-          <p:cNvPr id="18" name="직사각형 17">
-            <a:extLst>
-              <a:ext uri="{FF2B5EF4-FFF2-40B4-BE49-F238E27FC236}">
-                <a16:creationId xmlns:a16="http://schemas.microsoft.com/office/drawing/2014/main" id="{5CBE9646-2975-4B2D-88D4-6FA9D1A35E10}"/>
-              </a:ext>
-            </a:extLst>
-          </p:cNvPr>
-          <p:cNvSpPr/>
-          <p:nvPr/>
-        </p:nvSpPr>
-        <p:spPr>
-          <a:xfrm>
-            <a:off x="1419225" y="1852589"/>
-            <a:ext cx="2495550" cy="500066"/>
-          </a:xfrm>
-          <a:prstGeom prst="rect">
-            <a:avLst/>
-          </a:prstGeom>
-          <a:ln w="38100">
-            <a:solidFill>
-              <a:schemeClr val="tx1">
-                <a:lumMod val="85000"/>
-              </a:schemeClr>
-            </a:solidFill>
-          </a:ln>
-        </p:spPr>
-        <p:style>
-          <a:lnRef idx="2">
-            <a:schemeClr val="accent1">
-              <a:shade val="50000"/>
-            </a:schemeClr>
-          </a:lnRef>
-          <a:fillRef idx="1">
-            <a:schemeClr val="accent1"/>
-          </a:fillRef>
-          <a:effectRef idx="0">
-            <a:schemeClr val="accent1"/>
-          </a:effectRef>
-          <a:fontRef idx="minor">
-            <a:schemeClr val="lt1"/>
-          </a:fontRef>
-        </p:style>
-        <p:txBody>
-          <a:bodyPr rtlCol="0" anchor="ctr"/>
-          <a:lstStyle/>
-          <a:p>
-            <a:pPr algn="ctr"/>
-            <a:r>
-              <a:rPr lang="en-US" altLang="ko-KR" sz="2000" dirty="0">
-                <a:latin typeface="HY헤드라인M" panose="02030600000101010101" pitchFamily="18" charset="-127"/>
-                <a:ea typeface="HY헤드라인M" panose="02030600000101010101" pitchFamily="18" charset="-127"/>
-              </a:rPr>
-              <a:t>Compiler</a:t>
-            </a:r>
-          </a:p>
-        </p:txBody>
-      </p:sp>
-      <p:sp>
-        <p:nvSpPr>
-          <p:cNvPr id="20" name="직사각형 19">
-            <a:extLst>
-              <a:ext uri="{FF2B5EF4-FFF2-40B4-BE49-F238E27FC236}">
-                <a16:creationId xmlns:a16="http://schemas.microsoft.com/office/drawing/2014/main" id="{14AAF03F-DB56-423C-B407-3C9CB218D40F}"/>
-              </a:ext>
-            </a:extLst>
-          </p:cNvPr>
-          <p:cNvSpPr/>
-          <p:nvPr/>
-        </p:nvSpPr>
-        <p:spPr>
-          <a:xfrm>
-            <a:off x="3914775" y="1852589"/>
-            <a:ext cx="6442312" cy="500066"/>
-          </a:xfrm>
-          <a:prstGeom prst="rect">
-            <a:avLst/>
-          </a:prstGeom>
-          <a:solidFill>
-            <a:srgbClr val="595959"/>
-          </a:solidFill>
-          <a:ln w="38100">
-            <a:solidFill>
-              <a:schemeClr val="tx1">
-                <a:lumMod val="85000"/>
-              </a:schemeClr>
-            </a:solidFill>
-          </a:ln>
-        </p:spPr>
-        <p:style>
-          <a:lnRef idx="2">
-            <a:schemeClr val="accent1">
-              <a:shade val="50000"/>
-            </a:schemeClr>
-          </a:lnRef>
-          <a:fillRef idx="1">
-            <a:schemeClr val="accent1"/>
-          </a:fillRef>
-          <a:effectRef idx="0">
-            <a:schemeClr val="accent1"/>
-          </a:effectRef>
-          <a:fontRef idx="minor">
-            <a:schemeClr val="lt1"/>
-          </a:fontRef>
-        </p:style>
-        <p:txBody>
-          <a:bodyPr rtlCol="0" anchor="ctr"/>
-          <a:lstStyle/>
-          <a:p>
-            <a:pPr algn="ctr"/>
-            <a:r>
-              <a:rPr lang="en-US" altLang="ko-KR" sz="2000" dirty="0">
-                <a:latin typeface="HY헤드라인M" panose="02030600000101010101" pitchFamily="18" charset="-127"/>
-                <a:ea typeface="HY헤드라인M" panose="02030600000101010101" pitchFamily="18" charset="-127"/>
-              </a:rPr>
-              <a:t>Visual Studio 2019</a:t>
-            </a:r>
-          </a:p>
-        </p:txBody>
-      </p:sp>
-      <p:sp>
-        <p:nvSpPr>
-          <p:cNvPr id="21" name="직사각형 20">
-            <a:extLst>
-              <a:ext uri="{FF2B5EF4-FFF2-40B4-BE49-F238E27FC236}">
-                <a16:creationId xmlns:a16="http://schemas.microsoft.com/office/drawing/2014/main" id="{D005A083-5BD4-4B25-8861-CE5DA6F51BA2}"/>
-              </a:ext>
-            </a:extLst>
-          </p:cNvPr>
-          <p:cNvSpPr/>
-          <p:nvPr/>
-        </p:nvSpPr>
-        <p:spPr>
-          <a:xfrm>
-            <a:off x="1419225" y="2545361"/>
-            <a:ext cx="2495550" cy="747716"/>
-          </a:xfrm>
-          <a:prstGeom prst="rect">
-            <a:avLst/>
-          </a:prstGeom>
-          <a:ln w="38100">
-            <a:solidFill>
-              <a:schemeClr val="tx1">
-                <a:lumMod val="85000"/>
-              </a:schemeClr>
-            </a:solidFill>
-          </a:ln>
-        </p:spPr>
-        <p:style>
-          <a:lnRef idx="2">
-            <a:schemeClr val="accent1">
-              <a:shade val="50000"/>
-            </a:schemeClr>
-          </a:lnRef>
-          <a:fillRef idx="1">
-            <a:schemeClr val="accent1"/>
-          </a:fillRef>
-          <a:effectRef idx="0">
-            <a:schemeClr val="accent1"/>
-          </a:effectRef>
-          <a:fontRef idx="minor">
-            <a:schemeClr val="lt1"/>
-          </a:fontRef>
-        </p:style>
-        <p:txBody>
-          <a:bodyPr rtlCol="0" anchor="ctr"/>
-          <a:lstStyle/>
-          <a:p>
-            <a:pPr algn="ctr"/>
-            <a:r>
-              <a:rPr lang="en-US" altLang="ko-KR" sz="2000" dirty="0">
-                <a:latin typeface="HY헤드라인M" panose="02030600000101010101" pitchFamily="18" charset="-127"/>
-                <a:ea typeface="HY헤드라인M" panose="02030600000101010101" pitchFamily="18" charset="-127"/>
-              </a:rPr>
-              <a:t>Graphics </a:t>
-            </a:r>
-          </a:p>
-          <a:p>
-            <a:pPr algn="ctr"/>
-            <a:r>
-              <a:rPr lang="en-US" altLang="ko-KR" sz="2000" dirty="0">
-                <a:latin typeface="HY헤드라인M" panose="02030600000101010101" pitchFamily="18" charset="-127"/>
-                <a:ea typeface="HY헤드라인M" panose="02030600000101010101" pitchFamily="18" charset="-127"/>
-              </a:rPr>
-              <a:t>Library</a:t>
-            </a:r>
-            <a:endParaRPr lang="ko-KR" altLang="en-US" sz="2000" dirty="0">
-              <a:latin typeface="HY헤드라인M" panose="02030600000101010101" pitchFamily="18" charset="-127"/>
-              <a:ea typeface="HY헤드라인M" panose="02030600000101010101" pitchFamily="18" charset="-127"/>
-            </a:endParaRPr>
-          </a:p>
-        </p:txBody>
-      </p:sp>
-      <p:sp>
-        <p:nvSpPr>
-          <p:cNvPr id="22" name="직사각형 21">
-            <a:extLst>
-              <a:ext uri="{FF2B5EF4-FFF2-40B4-BE49-F238E27FC236}">
-                <a16:creationId xmlns:a16="http://schemas.microsoft.com/office/drawing/2014/main" id="{631478C3-089F-4D3A-8915-025AE8575E91}"/>
-              </a:ext>
-            </a:extLst>
-          </p:cNvPr>
-          <p:cNvSpPr/>
-          <p:nvPr/>
-        </p:nvSpPr>
-        <p:spPr>
-          <a:xfrm>
-            <a:off x="3914775" y="2545361"/>
-            <a:ext cx="6442312" cy="752478"/>
-          </a:xfrm>
-          <a:prstGeom prst="rect">
-            <a:avLst/>
-          </a:prstGeom>
-          <a:solidFill>
-            <a:srgbClr val="595959"/>
-          </a:solidFill>
-          <a:ln w="38100">
-            <a:solidFill>
-              <a:schemeClr val="tx1">
-                <a:lumMod val="85000"/>
-              </a:schemeClr>
-            </a:solidFill>
-          </a:ln>
-        </p:spPr>
-        <p:style>
-          <a:lnRef idx="2">
-            <a:schemeClr val="accent1">
-              <a:shade val="50000"/>
-            </a:schemeClr>
-          </a:lnRef>
-          <a:fillRef idx="1">
-            <a:schemeClr val="accent1"/>
-          </a:fillRef>
-          <a:effectRef idx="0">
-            <a:schemeClr val="accent1"/>
-          </a:effectRef>
-          <a:fontRef idx="minor">
-            <a:schemeClr val="lt1"/>
-          </a:fontRef>
-        </p:style>
-        <p:txBody>
-          <a:bodyPr rtlCol="0" anchor="ctr"/>
-          <a:lstStyle/>
-          <a:p>
-            <a:pPr algn="ctr"/>
-            <a:r>
-              <a:rPr lang="en-US" altLang="ko-KR" sz="2000" dirty="0">
-                <a:latin typeface="HY헤드라인M" panose="02030600000101010101" pitchFamily="18" charset="-127"/>
-                <a:ea typeface="HY헤드라인M" panose="02030600000101010101" pitchFamily="18" charset="-127"/>
-              </a:rPr>
-              <a:t>DirectX 12</a:t>
-            </a:r>
-          </a:p>
-        </p:txBody>
-      </p:sp>
-      <p:sp>
-        <p:nvSpPr>
-          <p:cNvPr id="23" name="직사각형 22">
-            <a:extLst>
-              <a:ext uri="{FF2B5EF4-FFF2-40B4-BE49-F238E27FC236}">
-                <a16:creationId xmlns:a16="http://schemas.microsoft.com/office/drawing/2014/main" id="{F90C45E9-58C0-4F51-BDD7-5DE2E4FA8988}"/>
-              </a:ext>
-            </a:extLst>
-          </p:cNvPr>
-          <p:cNvSpPr/>
-          <p:nvPr/>
-        </p:nvSpPr>
-        <p:spPr>
-          <a:xfrm>
-            <a:off x="1419225" y="3485783"/>
-            <a:ext cx="2495550" cy="747716"/>
-          </a:xfrm>
-          <a:prstGeom prst="rect">
-            <a:avLst/>
-          </a:prstGeom>
-          <a:ln w="38100">
-            <a:solidFill>
-              <a:schemeClr val="tx1">
-                <a:lumMod val="85000"/>
-              </a:schemeClr>
-            </a:solidFill>
-          </a:ln>
-        </p:spPr>
-        <p:style>
-          <a:lnRef idx="2">
-            <a:schemeClr val="accent1">
-              <a:shade val="50000"/>
-            </a:schemeClr>
-          </a:lnRef>
-          <a:fillRef idx="1">
-            <a:schemeClr val="accent1"/>
-          </a:fillRef>
-          <a:effectRef idx="0">
-            <a:schemeClr val="accent1"/>
-          </a:effectRef>
-          <a:fontRef idx="minor">
-            <a:schemeClr val="lt1"/>
-          </a:fontRef>
-        </p:style>
-        <p:txBody>
-          <a:bodyPr rtlCol="0" anchor="ctr"/>
-          <a:lstStyle/>
-          <a:p>
-            <a:pPr algn="ctr"/>
-            <a:r>
-              <a:rPr lang="en-US" altLang="ko-KR" sz="2000" dirty="0">
-                <a:latin typeface="HY헤드라인M" panose="02030600000101010101" pitchFamily="18" charset="-127"/>
-                <a:ea typeface="HY헤드라인M" panose="02030600000101010101" pitchFamily="18" charset="-127"/>
-              </a:rPr>
-              <a:t>Version Control System</a:t>
-            </a:r>
-            <a:endParaRPr lang="ko-KR" altLang="en-US" sz="2000" dirty="0">
-              <a:latin typeface="HY헤드라인M" panose="02030600000101010101" pitchFamily="18" charset="-127"/>
-              <a:ea typeface="HY헤드라인M" panose="02030600000101010101" pitchFamily="18" charset="-127"/>
-            </a:endParaRPr>
-          </a:p>
-        </p:txBody>
-      </p:sp>
-      <p:sp>
-        <p:nvSpPr>
-          <p:cNvPr id="24" name="직사각형 23">
-            <a:extLst>
-              <a:ext uri="{FF2B5EF4-FFF2-40B4-BE49-F238E27FC236}">
-                <a16:creationId xmlns:a16="http://schemas.microsoft.com/office/drawing/2014/main" id="{4005B3B2-3A6D-432B-8D1E-E99DC3C9896D}"/>
-              </a:ext>
-            </a:extLst>
-          </p:cNvPr>
-          <p:cNvSpPr/>
-          <p:nvPr/>
-        </p:nvSpPr>
-        <p:spPr>
-          <a:xfrm>
-            <a:off x="3914775" y="3490545"/>
-            <a:ext cx="6442312" cy="738192"/>
-          </a:xfrm>
-          <a:prstGeom prst="rect">
-            <a:avLst/>
-          </a:prstGeom>
-          <a:solidFill>
-            <a:srgbClr val="595959"/>
-          </a:solidFill>
-          <a:ln w="38100">
-            <a:solidFill>
-              <a:schemeClr val="tx1">
-                <a:lumMod val="85000"/>
-              </a:schemeClr>
-            </a:solidFill>
-          </a:ln>
-        </p:spPr>
-        <p:style>
-          <a:lnRef idx="2">
-            <a:schemeClr val="accent1">
-              <a:shade val="50000"/>
-            </a:schemeClr>
-          </a:lnRef>
-          <a:fillRef idx="1">
-            <a:schemeClr val="accent1"/>
-          </a:fillRef>
-          <a:effectRef idx="0">
-            <a:schemeClr val="accent1"/>
-          </a:effectRef>
-          <a:fontRef idx="minor">
-            <a:schemeClr val="lt1"/>
-          </a:fontRef>
-        </p:style>
-        <p:txBody>
-          <a:bodyPr rtlCol="0" anchor="ctr"/>
-          <a:lstStyle/>
-          <a:p>
-            <a:pPr algn="ctr"/>
-            <a:r>
-              <a:rPr lang="en-US" altLang="ko-KR" sz="2000" dirty="0">
-                <a:latin typeface="HY헤드라인M" panose="02030600000101010101" pitchFamily="18" charset="-127"/>
-                <a:ea typeface="HY헤드라인M" panose="02030600000101010101" pitchFamily="18" charset="-127"/>
-              </a:rPr>
-              <a:t>Git hub</a:t>
-            </a:r>
-          </a:p>
-        </p:txBody>
-      </p:sp>
-      <p:sp>
-        <p:nvSpPr>
-          <p:cNvPr id="25" name="직사각형 24">
-            <a:extLst>
-              <a:ext uri="{FF2B5EF4-FFF2-40B4-BE49-F238E27FC236}">
-                <a16:creationId xmlns:a16="http://schemas.microsoft.com/office/drawing/2014/main" id="{73F128A8-F66D-44D8-8FFC-5972337ABD1D}"/>
-              </a:ext>
-            </a:extLst>
-          </p:cNvPr>
-          <p:cNvSpPr/>
-          <p:nvPr/>
-        </p:nvSpPr>
-        <p:spPr>
-          <a:xfrm>
-            <a:off x="1419225" y="4435729"/>
-            <a:ext cx="2495550" cy="500066"/>
-          </a:xfrm>
-          <a:prstGeom prst="rect">
-            <a:avLst/>
-          </a:prstGeom>
-          <a:ln w="38100">
-            <a:solidFill>
-              <a:schemeClr val="tx1">
-                <a:lumMod val="85000"/>
-              </a:schemeClr>
-            </a:solidFill>
-          </a:ln>
-        </p:spPr>
-        <p:style>
-          <a:lnRef idx="2">
-            <a:schemeClr val="accent1">
-              <a:shade val="50000"/>
-            </a:schemeClr>
-          </a:lnRef>
-          <a:fillRef idx="1">
-            <a:schemeClr val="accent1"/>
-          </a:fillRef>
-          <a:effectRef idx="0">
-            <a:schemeClr val="accent1"/>
-          </a:effectRef>
-          <a:fontRef idx="minor">
-            <a:schemeClr val="lt1"/>
-          </a:fontRef>
-        </p:style>
-        <p:txBody>
-          <a:bodyPr rtlCol="0" anchor="ctr"/>
-          <a:lstStyle/>
-          <a:p>
-            <a:pPr algn="ctr"/>
-            <a:r>
-              <a:rPr lang="en-US" altLang="ko-KR" sz="2000" dirty="0">
-                <a:latin typeface="HY헤드라인M" panose="02030600000101010101" pitchFamily="18" charset="-127"/>
-                <a:ea typeface="HY헤드라인M" panose="02030600000101010101" pitchFamily="18" charset="-127"/>
-              </a:rPr>
-              <a:t>OS</a:t>
-            </a:r>
-          </a:p>
-        </p:txBody>
-      </p:sp>
-      <p:sp>
-        <p:nvSpPr>
-          <p:cNvPr id="26" name="직사각형 25">
-            <a:extLst>
-              <a:ext uri="{FF2B5EF4-FFF2-40B4-BE49-F238E27FC236}">
-                <a16:creationId xmlns:a16="http://schemas.microsoft.com/office/drawing/2014/main" id="{3AC0A49F-A9DB-4343-8A77-B167C3DCB5C4}"/>
-              </a:ext>
-            </a:extLst>
-          </p:cNvPr>
-          <p:cNvSpPr/>
-          <p:nvPr/>
-        </p:nvSpPr>
-        <p:spPr>
-          <a:xfrm>
-            <a:off x="3914775" y="4435729"/>
-            <a:ext cx="6442312" cy="500066"/>
-          </a:xfrm>
-          <a:prstGeom prst="rect">
-            <a:avLst/>
-          </a:prstGeom>
-          <a:solidFill>
-            <a:srgbClr val="595959"/>
-          </a:solidFill>
-          <a:ln w="38100">
-            <a:solidFill>
-              <a:schemeClr val="tx1">
-                <a:lumMod val="85000"/>
-              </a:schemeClr>
-            </a:solidFill>
-          </a:ln>
-        </p:spPr>
-        <p:style>
-          <a:lnRef idx="2">
-            <a:schemeClr val="accent1">
-              <a:shade val="50000"/>
-            </a:schemeClr>
-          </a:lnRef>
-          <a:fillRef idx="1">
-            <a:schemeClr val="accent1"/>
-          </a:fillRef>
-          <a:effectRef idx="0">
-            <a:schemeClr val="accent1"/>
-          </a:effectRef>
-          <a:fontRef idx="minor">
-            <a:schemeClr val="lt1"/>
-          </a:fontRef>
-        </p:style>
-        <p:txBody>
-          <a:bodyPr rtlCol="0" anchor="ctr"/>
-          <a:lstStyle/>
-          <a:p>
-            <a:pPr algn="ctr"/>
-            <a:r>
-              <a:rPr lang="en-US" altLang="ko-KR" sz="2000" dirty="0">
-                <a:latin typeface="HY헤드라인M" panose="02030600000101010101" pitchFamily="18" charset="-127"/>
-                <a:ea typeface="HY헤드라인M" panose="02030600000101010101" pitchFamily="18" charset="-127"/>
-              </a:rPr>
-              <a:t>Windows 10</a:t>
-            </a:r>
-          </a:p>
-        </p:txBody>
-      </p:sp>
-      <p:sp>
-        <p:nvSpPr>
-          <p:cNvPr id="27" name="직사각형 26">
-            <a:extLst>
-              <a:ext uri="{FF2B5EF4-FFF2-40B4-BE49-F238E27FC236}">
-                <a16:creationId xmlns:a16="http://schemas.microsoft.com/office/drawing/2014/main" id="{A9A2E645-780B-4733-8C86-5D4513ACDBFE}"/>
-              </a:ext>
-            </a:extLst>
-          </p:cNvPr>
-          <p:cNvSpPr/>
-          <p:nvPr/>
-        </p:nvSpPr>
-        <p:spPr>
-          <a:xfrm>
-            <a:off x="1419225" y="5133263"/>
-            <a:ext cx="2495550" cy="500066"/>
-          </a:xfrm>
-          <a:prstGeom prst="rect">
-            <a:avLst/>
-          </a:prstGeom>
-          <a:ln w="38100">
-            <a:solidFill>
-              <a:schemeClr val="tx1">
-                <a:lumMod val="85000"/>
-              </a:schemeClr>
-            </a:solidFill>
-          </a:ln>
-        </p:spPr>
-        <p:style>
-          <a:lnRef idx="2">
-            <a:schemeClr val="accent1">
-              <a:shade val="50000"/>
-            </a:schemeClr>
-          </a:lnRef>
-          <a:fillRef idx="1">
-            <a:schemeClr val="accent1"/>
-          </a:fillRef>
-          <a:effectRef idx="0">
-            <a:schemeClr val="accent1"/>
-          </a:effectRef>
-          <a:fontRef idx="minor">
-            <a:schemeClr val="lt1"/>
-          </a:fontRef>
-        </p:style>
-        <p:txBody>
-          <a:bodyPr rtlCol="0" anchor="ctr"/>
-          <a:lstStyle/>
-          <a:p>
-            <a:pPr algn="ctr"/>
-            <a:r>
-              <a:rPr lang="en-US" altLang="ko-KR" sz="2000" dirty="0">
-                <a:latin typeface="HY헤드라인M" panose="02030600000101010101" pitchFamily="18" charset="-127"/>
-                <a:ea typeface="HY헤드라인M" panose="02030600000101010101" pitchFamily="18" charset="-127"/>
-              </a:rPr>
-              <a:t>Resource</a:t>
-            </a:r>
-          </a:p>
-        </p:txBody>
-      </p:sp>
-      <p:sp>
-        <p:nvSpPr>
-          <p:cNvPr id="28" name="직사각형 27">
-            <a:extLst>
-              <a:ext uri="{FF2B5EF4-FFF2-40B4-BE49-F238E27FC236}">
-                <a16:creationId xmlns:a16="http://schemas.microsoft.com/office/drawing/2014/main" id="{E3547CD1-8BD7-4E58-AAE3-5F4294E5F4CD}"/>
-              </a:ext>
-            </a:extLst>
-          </p:cNvPr>
-          <p:cNvSpPr/>
-          <p:nvPr/>
-        </p:nvSpPr>
-        <p:spPr>
-          <a:xfrm>
-            <a:off x="3914775" y="5138025"/>
-            <a:ext cx="6442312" cy="495304"/>
-          </a:xfrm>
-          <a:prstGeom prst="rect">
-            <a:avLst/>
-          </a:prstGeom>
-          <a:solidFill>
-            <a:srgbClr val="595959"/>
-          </a:solidFill>
-          <a:ln w="38100">
-            <a:solidFill>
-              <a:schemeClr val="tx1">
-                <a:lumMod val="85000"/>
-              </a:schemeClr>
-            </a:solidFill>
-          </a:ln>
-        </p:spPr>
-        <p:style>
-          <a:lnRef idx="2">
-            <a:schemeClr val="accent1">
-              <a:shade val="50000"/>
-            </a:schemeClr>
-          </a:lnRef>
-          <a:fillRef idx="1">
-            <a:schemeClr val="accent1"/>
-          </a:fillRef>
-          <a:effectRef idx="0">
-            <a:schemeClr val="accent1"/>
-          </a:effectRef>
-          <a:fontRef idx="minor">
-            <a:schemeClr val="lt1"/>
-          </a:fontRef>
-        </p:style>
-        <p:txBody>
-          <a:bodyPr rtlCol="0" anchor="ctr"/>
-          <a:lstStyle/>
-          <a:p>
-            <a:pPr algn="ctr"/>
-            <a:r>
-              <a:rPr lang="en-US" altLang="ko-KR" sz="2000" dirty="0">
-                <a:latin typeface="HY헤드라인M" panose="02030600000101010101" pitchFamily="18" charset="-127"/>
-                <a:ea typeface="HY헤드라인M" panose="02030600000101010101" pitchFamily="18" charset="-127"/>
-              </a:rPr>
-              <a:t>Photo shop	||	Zbrush	||	3DS max </a:t>
-            </a:r>
-          </a:p>
-        </p:txBody>
-      </p:sp>
-      <p:sp>
-        <p:nvSpPr>
-          <p:cNvPr id="29" name="직사각형 28">
-            <a:extLst>
-              <a:ext uri="{FF2B5EF4-FFF2-40B4-BE49-F238E27FC236}">
-                <a16:creationId xmlns:a16="http://schemas.microsoft.com/office/drawing/2014/main" id="{56882EAF-FF49-4879-AB04-DFBFFB00F541}"/>
-              </a:ext>
-            </a:extLst>
-          </p:cNvPr>
-          <p:cNvSpPr/>
-          <p:nvPr/>
-        </p:nvSpPr>
-        <p:spPr>
-          <a:xfrm>
-            <a:off x="1419225" y="5826035"/>
-            <a:ext cx="2495550" cy="500066"/>
-          </a:xfrm>
-          <a:prstGeom prst="rect">
-            <a:avLst/>
-          </a:prstGeom>
-          <a:ln w="38100">
-            <a:solidFill>
-              <a:schemeClr val="tx1">
-                <a:lumMod val="85000"/>
-              </a:schemeClr>
-            </a:solidFill>
-          </a:ln>
-        </p:spPr>
-        <p:style>
-          <a:lnRef idx="2">
-            <a:schemeClr val="accent1">
-              <a:shade val="50000"/>
-            </a:schemeClr>
-          </a:lnRef>
-          <a:fillRef idx="1">
-            <a:schemeClr val="accent1"/>
-          </a:fillRef>
-          <a:effectRef idx="0">
-            <a:schemeClr val="accent1"/>
-          </a:effectRef>
-          <a:fontRef idx="minor">
-            <a:schemeClr val="lt1"/>
-          </a:fontRef>
-        </p:style>
-        <p:txBody>
-          <a:bodyPr rtlCol="0" anchor="ctr"/>
-          <a:lstStyle/>
-          <a:p>
-            <a:pPr algn="ctr"/>
-            <a:r>
-              <a:rPr lang="en-US" altLang="ko-KR" sz="2000" dirty="0">
-                <a:latin typeface="HY헤드라인M" panose="02030600000101010101" pitchFamily="18" charset="-127"/>
-                <a:ea typeface="HY헤드라인M" panose="02030600000101010101" pitchFamily="18" charset="-127"/>
-              </a:rPr>
-              <a:t>Animation</a:t>
-            </a:r>
-          </a:p>
-        </p:txBody>
-      </p:sp>
-      <p:sp>
-        <p:nvSpPr>
-          <p:cNvPr id="30" name="직사각형 29">
-            <a:extLst>
-              <a:ext uri="{FF2B5EF4-FFF2-40B4-BE49-F238E27FC236}">
-                <a16:creationId xmlns:a16="http://schemas.microsoft.com/office/drawing/2014/main" id="{E647CC39-1853-4A91-A740-6C1F2527946C}"/>
-              </a:ext>
-            </a:extLst>
-          </p:cNvPr>
-          <p:cNvSpPr/>
-          <p:nvPr/>
-        </p:nvSpPr>
-        <p:spPr>
-          <a:xfrm>
-            <a:off x="3914775" y="5830797"/>
-            <a:ext cx="6442312" cy="495304"/>
-          </a:xfrm>
-          <a:prstGeom prst="rect">
-            <a:avLst/>
-          </a:prstGeom>
-          <a:solidFill>
-            <a:srgbClr val="595959"/>
-          </a:solidFill>
-          <a:ln w="38100">
-            <a:solidFill>
-              <a:schemeClr val="tx1">
-                <a:lumMod val="85000"/>
-              </a:schemeClr>
-            </a:solidFill>
-          </a:ln>
-        </p:spPr>
-        <p:style>
-          <a:lnRef idx="2">
-            <a:schemeClr val="accent1">
-              <a:shade val="50000"/>
-            </a:schemeClr>
-          </a:lnRef>
-          <a:fillRef idx="1">
-            <a:schemeClr val="accent1"/>
-          </a:fillRef>
-          <a:effectRef idx="0">
-            <a:schemeClr val="accent1"/>
-          </a:effectRef>
-          <a:fontRef idx="minor">
-            <a:schemeClr val="lt1"/>
-          </a:fontRef>
-        </p:style>
-        <p:txBody>
-          <a:bodyPr rtlCol="0" anchor="ctr"/>
-          <a:lstStyle/>
-          <a:p>
-            <a:pPr algn="ctr"/>
-            <a:r>
-              <a:rPr lang="en-US" altLang="ko-KR" sz="2000" dirty="0">
-                <a:latin typeface="HY헤드라인M" panose="02030600000101010101" pitchFamily="18" charset="-127"/>
-                <a:ea typeface="HY헤드라인M" panose="02030600000101010101" pitchFamily="18" charset="-127"/>
-              </a:rPr>
-              <a:t>FBX SDK</a:t>
-            </a:r>
-          </a:p>
-        </p:txBody>
-      </p:sp>
-    </p:spTree>
-    <p:extLst>
-      <p:ext uri="{BB962C8B-B14F-4D97-AF65-F5344CB8AC3E}">
-        <p14:creationId xmlns:p14="http://schemas.microsoft.com/office/powerpoint/2010/main" val="3151176218"/>
-      </p:ext>
-    </p:extLst>
-  </p:cSld>
-  <p:clrMapOvr>
-    <a:masterClrMapping/>
-  </p:clrMapOvr>
-</p:sld>
-</file>
-
 <file path=ppt/theme/theme1.xml><?xml version="1.0" encoding="utf-8"?>
 <a:theme xmlns:a="http://schemas.openxmlformats.org/drawingml/2006/main" name="보기">
   <a:themeElements>

--- a/기획단계/졸작 제안서_α.pptx
+++ b/기획단계/졸작 제안서_α.pptx
@@ -310,7 +310,7 @@
             <a:fld id="{B61BEF0D-F0BB-DE4B-95CE-6DB70DBA9567}" type="datetimeFigureOut">
               <a:rPr lang="en-US" smtClean="0"/>
               <a:pPr/>
-              <a:t>12/4/2019</a:t>
+              <a:t>12/6/2019</a:t>
             </a:fld>
             <a:endParaRPr lang="en-US" dirty="0"/>
           </a:p>
@@ -539,7 +539,7 @@
           <a:p>
             <a:fld id="{55C6B4A9-1611-4792-9094-5F34BCA07E0B}" type="datetimeFigureOut">
               <a:rPr lang="en-US" smtClean="0"/>
-              <a:t>12/4/2019</a:t>
+              <a:t>12/6/2019</a:t>
             </a:fld>
             <a:endParaRPr lang="en-US" dirty="0"/>
           </a:p>
@@ -720,7 +720,7 @@
             <a:fld id="{B61BEF0D-F0BB-DE4B-95CE-6DB70DBA9567}" type="datetimeFigureOut">
               <a:rPr lang="en-US" smtClean="0"/>
               <a:pPr/>
-              <a:t>12/4/2019</a:t>
+              <a:t>12/6/2019</a:t>
             </a:fld>
             <a:endParaRPr lang="en-US" dirty="0"/>
           </a:p>
@@ -891,7 +891,7 @@
           <a:p>
             <a:fld id="{42A54C80-263E-416B-A8E0-580EDEADCBDC}" type="datetimeFigureOut">
               <a:rPr lang="en-US" smtClean="0"/>
-              <a:t>12/4/2019</a:t>
+              <a:t>12/6/2019</a:t>
             </a:fld>
             <a:endParaRPr lang="en-US" dirty="0"/>
           </a:p>
@@ -1146,7 +1146,7 @@
             <a:fld id="{B61BEF0D-F0BB-DE4B-95CE-6DB70DBA9567}" type="datetimeFigureOut">
               <a:rPr lang="en-US" smtClean="0"/>
               <a:pPr/>
-              <a:t>12/4/2019</a:t>
+              <a:t>12/6/2019</a:t>
             </a:fld>
             <a:endParaRPr lang="en-US" dirty="0"/>
           </a:p>
@@ -1473,7 +1473,7 @@
           <a:p>
             <a:fld id="{42A54C80-263E-416B-A8E0-580EDEADCBDC}" type="datetimeFigureOut">
               <a:rPr lang="en-US" smtClean="0"/>
-              <a:t>12/4/2019</a:t>
+              <a:t>12/6/2019</a:t>
             </a:fld>
             <a:endParaRPr lang="en-US" dirty="0"/>
           </a:p>
@@ -1925,7 +1925,7 @@
             <a:fld id="{B61BEF0D-F0BB-DE4B-95CE-6DB70DBA9567}" type="datetimeFigureOut">
               <a:rPr lang="en-US" smtClean="0"/>
               <a:pPr/>
-              <a:t>12/4/2019</a:t>
+              <a:t>12/6/2019</a:t>
             </a:fld>
             <a:endParaRPr lang="en-US" dirty="0"/>
           </a:p>
@@ -2045,7 +2045,7 @@
             <a:fld id="{B61BEF0D-F0BB-DE4B-95CE-6DB70DBA9567}" type="datetimeFigureOut">
               <a:rPr lang="en-US" smtClean="0"/>
               <a:pPr/>
-              <a:t>12/4/2019</a:t>
+              <a:t>12/6/2019</a:t>
             </a:fld>
             <a:endParaRPr lang="en-US" dirty="0"/>
           </a:p>
@@ -2142,7 +2142,7 @@
             <a:fld id="{B61BEF0D-F0BB-DE4B-95CE-6DB70DBA9567}" type="datetimeFigureOut">
               <a:rPr lang="en-US" smtClean="0"/>
               <a:pPr/>
-              <a:t>12/4/2019</a:t>
+              <a:t>12/6/2019</a:t>
             </a:fld>
             <a:endParaRPr lang="en-US" dirty="0"/>
           </a:p>
@@ -2430,7 +2430,7 @@
           <a:p>
             <a:fld id="{42A54C80-263E-416B-A8E0-580EDEADCBDC}" type="datetimeFigureOut">
               <a:rPr lang="en-US" smtClean="0"/>
-              <a:t>12/4/2019</a:t>
+              <a:t>12/6/2019</a:t>
             </a:fld>
             <a:endParaRPr lang="en-US" dirty="0"/>
           </a:p>
@@ -2753,7 +2753,7 @@
             <a:fld id="{B61BEF0D-F0BB-DE4B-95CE-6DB70DBA9567}" type="datetimeFigureOut">
               <a:rPr lang="en-US" smtClean="0"/>
               <a:pPr/>
-              <a:t>12/4/2019</a:t>
+              <a:t>12/6/2019</a:t>
             </a:fld>
             <a:endParaRPr lang="en-US" dirty="0"/>
           </a:p>
@@ -3009,7 +3009,7 @@
             <a:fld id="{B61BEF0D-F0BB-DE4B-95CE-6DB70DBA9567}" type="datetimeFigureOut">
               <a:rPr lang="en-US" smtClean="0"/>
               <a:pPr/>
-              <a:t>12/4/2019</a:t>
+              <a:t>12/6/2019</a:t>
             </a:fld>
             <a:endParaRPr lang="en-US" dirty="0"/>
           </a:p>
@@ -18950,7 +18950,7 @@
         <p:spPr>
           <a:xfrm>
             <a:off x="3568372" y="18490"/>
-            <a:ext cx="7366328" cy="6894195"/>
+            <a:ext cx="7366328" cy="6186309"/>
           </a:xfrm>
           <a:prstGeom prst="rect">
             <a:avLst/>
@@ -19034,15 +19034,12 @@
                 <a:latin typeface="HY헤드라인M" panose="02030600000101010101" pitchFamily="18" charset="-127"/>
                 <a:ea typeface="HY헤드라인M" panose="02030600000101010101" pitchFamily="18" charset="-127"/>
               </a:rPr>
-              <a:t>왜 만드는가</a:t>
-            </a:r>
-            <a:r>
-              <a:rPr lang="en-US" altLang="ko-KR" sz="2300" dirty="0">
-                <a:latin typeface="HY헤드라인M" panose="02030600000101010101" pitchFamily="18" charset="-127"/>
-                <a:ea typeface="HY헤드라인M" panose="02030600000101010101" pitchFamily="18" charset="-127"/>
-              </a:rPr>
-              <a:t>?</a:t>
-            </a:r>
+              <a:t>게임 진행</a:t>
+            </a:r>
+            <a:endParaRPr lang="en-US" altLang="ko-KR" sz="2300" dirty="0">
+              <a:latin typeface="HY헤드라인M" panose="02030600000101010101" pitchFamily="18" charset="-127"/>
+              <a:ea typeface="HY헤드라인M" panose="02030600000101010101" pitchFamily="18" charset="-127"/>
+            </a:endParaRPr>
           </a:p>
           <a:p>
             <a:endParaRPr lang="en-US" altLang="ko-KR" sz="2300" dirty="0">
@@ -19063,7 +19060,7 @@
                 <a:latin typeface="HY헤드라인M" panose="02030600000101010101" pitchFamily="18" charset="-127"/>
                 <a:ea typeface="HY헤드라인M" panose="02030600000101010101" pitchFamily="18" charset="-127"/>
               </a:rPr>
-              <a:t>게임 진행</a:t>
+              <a:t>게임 환경</a:t>
             </a:r>
             <a:endParaRPr lang="en-US" altLang="ko-KR" sz="2300" dirty="0">
               <a:latin typeface="HY헤드라인M" panose="02030600000101010101" pitchFamily="18" charset="-127"/>
@@ -19089,7 +19086,7 @@
                 <a:latin typeface="HY헤드라인M" panose="02030600000101010101" pitchFamily="18" charset="-127"/>
                 <a:ea typeface="HY헤드라인M" panose="02030600000101010101" pitchFamily="18" charset="-127"/>
               </a:rPr>
-              <a:t>게임 환경</a:t>
+              <a:t>기술적 요소</a:t>
             </a:r>
             <a:endParaRPr lang="en-US" altLang="ko-KR" sz="2300" dirty="0">
               <a:latin typeface="HY헤드라인M" panose="02030600000101010101" pitchFamily="18" charset="-127"/>
@@ -19115,7 +19112,7 @@
                 <a:latin typeface="HY헤드라인M" panose="02030600000101010101" pitchFamily="18" charset="-127"/>
                 <a:ea typeface="HY헤드라인M" panose="02030600000101010101" pitchFamily="18" charset="-127"/>
               </a:rPr>
-              <a:t>기술적 요소</a:t>
+              <a:t>개인별 준비 현황</a:t>
             </a:r>
             <a:endParaRPr lang="en-US" altLang="ko-KR" sz="2300" dirty="0">
               <a:latin typeface="HY헤드라인M" panose="02030600000101010101" pitchFamily="18" charset="-127"/>
@@ -19134,33 +19131,7 @@
                 <a:latin typeface="HY헤드라인M" panose="02030600000101010101" pitchFamily="18" charset="-127"/>
                 <a:ea typeface="HY헤드라인M" panose="02030600000101010101" pitchFamily="18" charset="-127"/>
               </a:rPr>
-              <a:t> 7  		</a:t>
-            </a:r>
-            <a:r>
-              <a:rPr lang="ko-KR" altLang="en-US" sz="2300" dirty="0">
-                <a:latin typeface="HY헤드라인M" panose="02030600000101010101" pitchFamily="18" charset="-127"/>
-                <a:ea typeface="HY헤드라인M" panose="02030600000101010101" pitchFamily="18" charset="-127"/>
-              </a:rPr>
-              <a:t>개인별 준비 현황</a:t>
-            </a:r>
-            <a:endParaRPr lang="en-US" altLang="ko-KR" sz="2300" dirty="0">
-              <a:latin typeface="HY헤드라인M" panose="02030600000101010101" pitchFamily="18" charset="-127"/>
-              <a:ea typeface="HY헤드라인M" panose="02030600000101010101" pitchFamily="18" charset="-127"/>
-            </a:endParaRPr>
-          </a:p>
-          <a:p>
-            <a:endParaRPr lang="en-US" altLang="ko-KR" sz="2300" dirty="0">
-              <a:latin typeface="HY헤드라인M" panose="02030600000101010101" pitchFamily="18" charset="-127"/>
-              <a:ea typeface="HY헤드라인M" panose="02030600000101010101" pitchFamily="18" charset="-127"/>
-            </a:endParaRPr>
-          </a:p>
-          <a:p>
-            <a:r>
-              <a:rPr lang="en-US" altLang="ko-KR" sz="2300" dirty="0">
-                <a:latin typeface="HY헤드라인M" panose="02030600000101010101" pitchFamily="18" charset="-127"/>
-                <a:ea typeface="HY헤드라인M" panose="02030600000101010101" pitchFamily="18" charset="-127"/>
-              </a:rPr>
-              <a:t> 8 			</a:t>
+              <a:t> 7 			</a:t>
             </a:r>
             <a:r>
               <a:rPr lang="ko-KR" altLang="en-US" sz="2300" dirty="0">
@@ -19186,7 +19157,7 @@
                 <a:latin typeface="HY헤드라인M" panose="02030600000101010101" pitchFamily="18" charset="-127"/>
                 <a:ea typeface="HY헤드라인M" panose="02030600000101010101" pitchFamily="18" charset="-127"/>
               </a:rPr>
-              <a:t> 9   		</a:t>
+              <a:t> 8   		</a:t>
             </a:r>
             <a:r>
               <a:rPr lang="ko-KR" altLang="en-US" sz="2300" dirty="0">
@@ -19212,7 +19183,7 @@
                 <a:latin typeface="HY헤드라인M" panose="02030600000101010101" pitchFamily="18" charset="-127"/>
                 <a:ea typeface="HY헤드라인M" panose="02030600000101010101" pitchFamily="18" charset="-127"/>
               </a:rPr>
-              <a:t>10			</a:t>
+              <a:t> 9			</a:t>
             </a:r>
             <a:r>
               <a:rPr lang="ko-KR" altLang="en-US" sz="2300" dirty="0">
@@ -19307,7 +19278,7 @@
         </p:nvSpPr>
         <p:spPr>
           <a:xfrm>
-            <a:off x="534801" y="2052917"/>
+            <a:off x="534801" y="3765176"/>
             <a:ext cx="11122398" cy="1231106"/>
           </a:xfrm>
           <a:prstGeom prst="rect">
@@ -19370,8 +19341,8 @@
         </p:nvSpPr>
         <p:spPr>
           <a:xfrm>
-            <a:off x="534801" y="3765176"/>
-            <a:ext cx="11122398" cy="1231106"/>
+            <a:off x="454119" y="1634071"/>
+            <a:ext cx="11122398" cy="830997"/>
           </a:xfrm>
           <a:prstGeom prst="rect">
             <a:avLst/>
@@ -19386,36 +19357,27 @@
           <a:p>
             <a:pPr algn="ctr"/>
             <a:r>
-              <a:rPr lang="ko-KR" altLang="en-US" sz="2800" dirty="0">
+              <a:rPr lang="en-US" altLang="ko-KR" sz="4800" dirty="0">
                 <a:latin typeface="HY헤드라인M" panose="02030600000101010101" pitchFamily="18" charset="-127"/>
                 <a:ea typeface="HY헤드라인M" panose="02030600000101010101" pitchFamily="18" charset="-127"/>
               </a:rPr>
-              <a:t>공룡이라는 친숙한 소재를 이용하여</a:t>
-            </a:r>
-            <a:r>
-              <a:rPr lang="en-US" altLang="ko-KR" sz="2800" dirty="0">
+              <a:t>"</a:t>
+            </a:r>
+            <a:r>
+              <a:rPr lang="ko-KR" altLang="en-US" sz="4800" dirty="0">
                 <a:latin typeface="HY헤드라인M" panose="02030600000101010101" pitchFamily="18" charset="-127"/>
                 <a:ea typeface="HY헤드라인M" panose="02030600000101010101" pitchFamily="18" charset="-127"/>
               </a:rPr>
-              <a:t> </a:t>
-            </a:r>
-            <a:r>
-              <a:rPr lang="ko-KR" altLang="en-US" sz="2800" dirty="0">
+              <a:t>질주 쾌감 공룡들의 한판승부</a:t>
+            </a:r>
+            <a:r>
+              <a:rPr lang="en-US" altLang="ko-KR" sz="4800" dirty="0">
                 <a:latin typeface="HY헤드라인M" panose="02030600000101010101" pitchFamily="18" charset="-127"/>
                 <a:ea typeface="HY헤드라인M" panose="02030600000101010101" pitchFamily="18" charset="-127"/>
               </a:rPr>
-              <a:t>간단한 캐주얼 레이싱 게임을 만든다</a:t>
-            </a:r>
-            <a:r>
-              <a:rPr lang="en-US" altLang="ko-KR" sz="2800" dirty="0">
-                <a:latin typeface="HY헤드라인M" panose="02030600000101010101" pitchFamily="18" charset="-127"/>
-                <a:ea typeface="HY헤드라인M" panose="02030600000101010101" pitchFamily="18" charset="-127"/>
-              </a:rPr>
-              <a:t>.</a:t>
-            </a:r>
-          </a:p>
-          <a:p>
-            <a:endParaRPr lang="ko-KR" altLang="en-US" dirty="0"/>
+              <a:t>!"</a:t>
+            </a:r>
+            <a:endParaRPr lang="ko-KR" altLang="en-US" sz="4800" dirty="0"/>
           </a:p>
         </p:txBody>
       </p:sp>
@@ -21940,14 +21902,21 @@
               <a:defRPr/>
             </a:pPr>
             <a:r>
-              <a:rPr lang="en-US" altLang="ko-KR" sz="5400" dirty="0">
+              <a:rPr kumimoji="0" lang="en-US" altLang="ko-KR" sz="5400" b="0" i="0" u="none" strike="noStrike" kern="1200" cap="none" spc="0" normalizeH="0" baseline="0" noProof="0" dirty="0">
+                <a:ln>
+                  <a:noFill/>
+                </a:ln>
                 <a:solidFill>
                   <a:srgbClr val="FFFFFF"/>
                 </a:solidFill>
+                <a:effectLst/>
+                <a:uLnTx/>
+                <a:uFillTx/>
                 <a:latin typeface="HY헤드라인M" panose="02030600000101010101" pitchFamily="18" charset="-127"/>
                 <a:ea typeface="HY헤드라인M" panose="02030600000101010101" pitchFamily="18" charset="-127"/>
+                <a:cs typeface="+mn-cs"/>
               </a:rPr>
-              <a:t>3</a:t>
+              <a:t>2</a:t>
             </a:r>
             <a:endParaRPr kumimoji="0" lang="ko-KR" altLang="en-US" sz="5400" b="0" i="0" u="none" strike="noStrike" kern="1200" cap="none" spc="0" normalizeH="0" baseline="0" noProof="0" dirty="0">
               <a:ln>

--- a/기획단계/졸작 제안서_α.pptx
+++ b/기획단계/졸작 제안서_α.pptx
@@ -24194,21 +24194,28 @@
           </a:p>
           <a:p>
             <a:r>
+              <a:rPr lang="ko-KR" altLang="en-US" sz="1600" dirty="0"/>
+              <a:t>플레이 </a:t>
+            </a:r>
+            <a:r>
               <a:rPr lang="ko-KR" altLang="en-US" sz="1600"/>
-              <a:t>플레이 타임이 짧으며  비교적 </a:t>
+              <a:t>타임이 짧고  </a:t>
             </a:r>
             <a:r>
               <a:rPr lang="ko-KR" altLang="en-US" sz="1600" dirty="0"/>
-              <a:t>난이도가 </a:t>
+              <a:t>비교적 </a:t>
             </a:r>
             <a:r>
               <a:rPr lang="ko-KR" altLang="en-US" sz="1600"/>
-              <a:t>낮고 접근이 </a:t>
+              <a:t>난이도가 낮아 </a:t>
             </a:r>
             <a:r>
               <a:rPr lang="ko-KR" altLang="en-US" sz="1600" dirty="0"/>
-              <a:t>용이한 캐주얼 게임이 이후에도 인기를 유지할 거라고 판단</a:t>
-            </a:r>
+              <a:t>접근이 용이한 캐주얼 게임이 이후에도 인기를 유지할 거라고 판단</a:t>
+            </a:r>
+            <a:endParaRPr lang="en-US" altLang="ko-KR" sz="1600" dirty="0"/>
+          </a:p>
+          <a:p>
             <a:endParaRPr lang="en-US" altLang="ko-KR" sz="1600" dirty="0"/>
           </a:p>
           <a:p>

--- a/기획단계/졸작 제안서_α.pptx
+++ b/기획단계/졸작 제안서_α.pptx
@@ -22,8 +22,6 @@
     <p:sldId id="265" r:id="rId16"/>
     <p:sldId id="270" r:id="rId17"/>
     <p:sldId id="271" r:id="rId18"/>
-    <p:sldId id="259" r:id="rId19"/>
-    <p:sldId id="273" r:id="rId20"/>
   </p:sldIdLst>
   <p:sldSz cx="12192000" cy="6858000"/>
   <p:notesSz cx="6858000" cy="9144000"/>
@@ -19901,344 +19899,6 @@
 </p:sld>
 </file>
 
-<file path=ppt/slides/slide18.xml><?xml version="1.0" encoding="utf-8"?>
-<p:sld xmlns:a="http://schemas.openxmlformats.org/drawingml/2006/main" xmlns:r="http://schemas.openxmlformats.org/officeDocument/2006/relationships" xmlns:p="http://schemas.openxmlformats.org/presentationml/2006/main" showMasterSp="0">
-  <p:cSld>
-    <p:spTree>
-      <p:nvGrpSpPr>
-        <p:cNvPr id="1" name=""/>
-        <p:cNvGrpSpPr/>
-        <p:nvPr/>
-      </p:nvGrpSpPr>
-      <p:grpSpPr>
-        <a:xfrm>
-          <a:off x="0" y="0"/>
-          <a:ext cx="0" cy="0"/>
-          <a:chOff x="0" y="0"/>
-          <a:chExt cx="0" cy="0"/>
-        </a:xfrm>
-      </p:grpSpPr>
-      <p:sp>
-        <p:nvSpPr>
-          <p:cNvPr id="2" name="TextBox 1">
-            <a:extLst>
-              <a:ext uri="{FF2B5EF4-FFF2-40B4-BE49-F238E27FC236}">
-                <a16:creationId xmlns:a16="http://schemas.microsoft.com/office/drawing/2014/main" id="{9302C9CF-2794-4786-867D-5E42ABCFD462}"/>
-              </a:ext>
-            </a:extLst>
-          </p:cNvPr>
-          <p:cNvSpPr txBox="1"/>
-          <p:nvPr/>
-        </p:nvSpPr>
-        <p:spPr>
-          <a:xfrm>
-            <a:off x="1419225" y="393221"/>
-            <a:ext cx="6838950" cy="646331"/>
-          </a:xfrm>
-          <a:prstGeom prst="rect">
-            <a:avLst/>
-          </a:prstGeom>
-          <a:noFill/>
-        </p:spPr>
-        <p:txBody>
-          <a:bodyPr wrap="square" rtlCol="0">
-            <a:spAutoFit/>
-          </a:bodyPr>
-          <a:lstStyle/>
-          <a:p>
-            <a:r>
-              <a:rPr lang="ko-KR" altLang="en-US" sz="3600" dirty="0">
-                <a:latin typeface="HY헤드라인M" panose="02030600000101010101" pitchFamily="18" charset="-127"/>
-                <a:ea typeface="HY헤드라인M" panose="02030600000101010101" pitchFamily="18" charset="-127"/>
-              </a:rPr>
-              <a:t>부록</a:t>
-            </a:r>
-            <a:endParaRPr lang="ko-KR" altLang="en-US" dirty="0"/>
-          </a:p>
-        </p:txBody>
-      </p:sp>
-      <p:pic>
-        <p:nvPicPr>
-          <p:cNvPr id="4" name="그림 3" descr="스크린샷이(가) 표시된 사진&#10;&#10;자동 생성된 설명">
-            <a:extLst>
-              <a:ext uri="{FF2B5EF4-FFF2-40B4-BE49-F238E27FC236}">
-                <a16:creationId xmlns:a16="http://schemas.microsoft.com/office/drawing/2014/main" id="{8D645102-F6B8-4181-AD93-FA2F05D9D754}"/>
-              </a:ext>
-            </a:extLst>
-          </p:cNvPr>
-          <p:cNvPicPr>
-            <a:picLocks noChangeAspect="1"/>
-          </p:cNvPicPr>
-          <p:nvPr/>
-        </p:nvPicPr>
-        <p:blipFill>
-          <a:blip r:embed="rId2"/>
-          <a:stretch>
-            <a:fillRect/>
-          </a:stretch>
-        </p:blipFill>
-        <p:spPr>
-          <a:xfrm>
-            <a:off x="4359018" y="393221"/>
-            <a:ext cx="6838950" cy="6235773"/>
-          </a:xfrm>
-          <a:prstGeom prst="rect">
-            <a:avLst/>
-          </a:prstGeom>
-        </p:spPr>
-      </p:pic>
-      <p:sp>
-        <p:nvSpPr>
-          <p:cNvPr id="9" name="TextBox 8">
-            <a:extLst>
-              <a:ext uri="{FF2B5EF4-FFF2-40B4-BE49-F238E27FC236}">
-                <a16:creationId xmlns:a16="http://schemas.microsoft.com/office/drawing/2014/main" id="{13EBEA47-6549-4B1E-AD17-6C6E4821C4D1}"/>
-              </a:ext>
-            </a:extLst>
-          </p:cNvPr>
-          <p:cNvSpPr txBox="1"/>
-          <p:nvPr/>
-        </p:nvSpPr>
-        <p:spPr>
-          <a:xfrm>
-            <a:off x="180975" y="2171700"/>
-            <a:ext cx="4038600" cy="1200329"/>
-          </a:xfrm>
-          <a:prstGeom prst="rect">
-            <a:avLst/>
-          </a:prstGeom>
-          <a:noFill/>
-        </p:spPr>
-        <p:txBody>
-          <a:bodyPr wrap="square" rtlCol="0">
-            <a:spAutoFit/>
-          </a:bodyPr>
-          <a:lstStyle/>
-          <a:p>
-            <a:r>
-              <a:rPr lang="ko-KR" altLang="en-US" dirty="0"/>
-              <a:t>아이들 쪽으로 잡은 이유</a:t>
-            </a:r>
-            <a:endParaRPr lang="en-US" altLang="ko-KR" dirty="0"/>
-          </a:p>
-          <a:p>
-            <a:r>
-              <a:rPr lang="en-US" altLang="ko-KR" dirty="0"/>
-              <a:t>-</a:t>
-            </a:r>
-          </a:p>
-          <a:p>
-            <a:r>
-              <a:rPr lang="ko-KR" altLang="en-US" dirty="0"/>
-              <a:t>게임 시작 연령이 </a:t>
-            </a:r>
-            <a:r>
-              <a:rPr lang="en-US" altLang="ko-KR" dirty="0"/>
-              <a:t>10</a:t>
-            </a:r>
-            <a:r>
-              <a:rPr lang="ko-KR" altLang="en-US" dirty="0"/>
-              <a:t>대부터 시작되기때문에 </a:t>
-            </a:r>
-          </a:p>
-        </p:txBody>
-      </p:sp>
-    </p:spTree>
-    <p:extLst>
-      <p:ext uri="{BB962C8B-B14F-4D97-AF65-F5344CB8AC3E}">
-        <p14:creationId xmlns:p14="http://schemas.microsoft.com/office/powerpoint/2010/main" val="849268608"/>
-      </p:ext>
-    </p:extLst>
-  </p:cSld>
-  <p:clrMapOvr>
-    <a:masterClrMapping/>
-  </p:clrMapOvr>
-</p:sld>
-</file>
-
-<file path=ppt/slides/slide19.xml><?xml version="1.0" encoding="utf-8"?>
-<p:sld xmlns:a="http://schemas.openxmlformats.org/drawingml/2006/main" xmlns:r="http://schemas.openxmlformats.org/officeDocument/2006/relationships" xmlns:p="http://schemas.openxmlformats.org/presentationml/2006/main" showMasterSp="0">
-  <p:cSld>
-    <p:spTree>
-      <p:nvGrpSpPr>
-        <p:cNvPr id="1" name=""/>
-        <p:cNvGrpSpPr/>
-        <p:nvPr/>
-      </p:nvGrpSpPr>
-      <p:grpSpPr>
-        <a:xfrm>
-          <a:off x="0" y="0"/>
-          <a:ext cx="0" cy="0"/>
-          <a:chOff x="0" y="0"/>
-          <a:chExt cx="0" cy="0"/>
-        </a:xfrm>
-      </p:grpSpPr>
-      <p:sp>
-        <p:nvSpPr>
-          <p:cNvPr id="2" name="TextBox 1">
-            <a:extLst>
-              <a:ext uri="{FF2B5EF4-FFF2-40B4-BE49-F238E27FC236}">
-                <a16:creationId xmlns:a16="http://schemas.microsoft.com/office/drawing/2014/main" id="{9302C9CF-2794-4786-867D-5E42ABCFD462}"/>
-              </a:ext>
-            </a:extLst>
-          </p:cNvPr>
-          <p:cNvSpPr txBox="1"/>
-          <p:nvPr/>
-        </p:nvSpPr>
-        <p:spPr>
-          <a:xfrm>
-            <a:off x="1419225" y="393221"/>
-            <a:ext cx="6838950" cy="646331"/>
-          </a:xfrm>
-          <a:prstGeom prst="rect">
-            <a:avLst/>
-          </a:prstGeom>
-          <a:noFill/>
-        </p:spPr>
-        <p:txBody>
-          <a:bodyPr wrap="square" rtlCol="0">
-            <a:spAutoFit/>
-          </a:bodyPr>
-          <a:lstStyle/>
-          <a:p>
-            <a:r>
-              <a:rPr lang="ko-KR" altLang="en-US" sz="3600" dirty="0">
-                <a:latin typeface="HY헤드라인M" panose="02030600000101010101" pitchFamily="18" charset="-127"/>
-                <a:ea typeface="HY헤드라인M" panose="02030600000101010101" pitchFamily="18" charset="-127"/>
-              </a:rPr>
-              <a:t>부록</a:t>
-            </a:r>
-            <a:endParaRPr lang="ko-KR" altLang="en-US" dirty="0"/>
-          </a:p>
-        </p:txBody>
-      </p:sp>
-      <p:pic>
-        <p:nvPicPr>
-          <p:cNvPr id="6" name="그림 5" descr="대형, 하얀색이(가) 표시된 사진&#10;&#10;자동 생성된 설명">
-            <a:extLst>
-              <a:ext uri="{FF2B5EF4-FFF2-40B4-BE49-F238E27FC236}">
-                <a16:creationId xmlns:a16="http://schemas.microsoft.com/office/drawing/2014/main" id="{C7EA7C98-3A0D-4E4B-B4C2-255DD2956BD9}"/>
-              </a:ext>
-            </a:extLst>
-          </p:cNvPr>
-          <p:cNvPicPr>
-            <a:picLocks noChangeAspect="1"/>
-          </p:cNvPicPr>
-          <p:nvPr/>
-        </p:nvPicPr>
-        <p:blipFill>
-          <a:blip r:embed="rId2"/>
-          <a:stretch>
-            <a:fillRect/>
-          </a:stretch>
-        </p:blipFill>
-        <p:spPr>
-          <a:xfrm>
-            <a:off x="362214" y="1253631"/>
-            <a:ext cx="5651976" cy="4030808"/>
-          </a:xfrm>
-          <a:prstGeom prst="rect">
-            <a:avLst/>
-          </a:prstGeom>
-        </p:spPr>
-      </p:pic>
-      <p:pic>
-        <p:nvPicPr>
-          <p:cNvPr id="8" name="그림 7" descr="스크린샷이(가) 표시된 사진&#10;&#10;자동 생성된 설명">
-            <a:extLst>
-              <a:ext uri="{FF2B5EF4-FFF2-40B4-BE49-F238E27FC236}">
-                <a16:creationId xmlns:a16="http://schemas.microsoft.com/office/drawing/2014/main" id="{9680001A-5089-4F2A-84F0-BF3D9716F4A4}"/>
-              </a:ext>
-            </a:extLst>
-          </p:cNvPr>
-          <p:cNvPicPr>
-            <a:picLocks noChangeAspect="1"/>
-          </p:cNvPicPr>
-          <p:nvPr/>
-        </p:nvPicPr>
-        <p:blipFill>
-          <a:blip r:embed="rId3"/>
-          <a:stretch>
-            <a:fillRect/>
-          </a:stretch>
-        </p:blipFill>
-        <p:spPr>
-          <a:xfrm>
-            <a:off x="6325744" y="632487"/>
-            <a:ext cx="5674083" cy="5593025"/>
-          </a:xfrm>
-          <a:prstGeom prst="rect">
-            <a:avLst/>
-          </a:prstGeom>
-        </p:spPr>
-      </p:pic>
-      <p:sp>
-        <p:nvSpPr>
-          <p:cNvPr id="7" name="TextBox 6">
-            <a:extLst>
-              <a:ext uri="{FF2B5EF4-FFF2-40B4-BE49-F238E27FC236}">
-                <a16:creationId xmlns:a16="http://schemas.microsoft.com/office/drawing/2014/main" id="{D2F62940-4FA6-48E6-9F19-FCD216E47608}"/>
-              </a:ext>
-            </a:extLst>
-          </p:cNvPr>
-          <p:cNvSpPr txBox="1"/>
-          <p:nvPr/>
-        </p:nvSpPr>
-        <p:spPr>
-          <a:xfrm>
-            <a:off x="800100" y="5353050"/>
-            <a:ext cx="4038600" cy="923330"/>
-          </a:xfrm>
-          <a:prstGeom prst="rect">
-            <a:avLst/>
-          </a:prstGeom>
-          <a:noFill/>
-        </p:spPr>
-        <p:txBody>
-          <a:bodyPr wrap="square" rtlCol="0">
-            <a:spAutoFit/>
-          </a:bodyPr>
-          <a:lstStyle/>
-          <a:p>
-            <a:r>
-              <a:rPr lang="ko-KR" altLang="en-US" dirty="0"/>
-              <a:t>간단한 게임이 인기있는 이유</a:t>
-            </a:r>
-            <a:endParaRPr lang="en-US" altLang="ko-KR" dirty="0"/>
-          </a:p>
-          <a:p>
-            <a:r>
-              <a:rPr lang="ko-KR" altLang="en-US" dirty="0"/>
-              <a:t>하루에 짧은 시간을 하기때문에</a:t>
-            </a:r>
-            <a:endParaRPr lang="en-US" altLang="ko-KR" dirty="0"/>
-          </a:p>
-          <a:p>
-            <a:r>
-              <a:rPr lang="ko-KR" altLang="en-US" dirty="0"/>
-              <a:t>금방 끝나는 게임을 </a:t>
-            </a:r>
-            <a:r>
-              <a:rPr lang="ko-KR" altLang="en-US" dirty="0" err="1"/>
-              <a:t>주로하기때문</a:t>
-            </a:r>
-            <a:endParaRPr lang="en-US" altLang="ko-KR" dirty="0"/>
-          </a:p>
-        </p:txBody>
-      </p:sp>
-    </p:spTree>
-    <p:extLst>
-      <p:ext uri="{BB962C8B-B14F-4D97-AF65-F5344CB8AC3E}">
-        <p14:creationId xmlns:p14="http://schemas.microsoft.com/office/powerpoint/2010/main" val="1903659666"/>
-      </p:ext>
-    </p:extLst>
-  </p:cSld>
-  <p:clrMapOvr>
-    <a:masterClrMapping/>
-  </p:clrMapOvr>
-</p:sld>
-</file>
-
 <file path=ppt/slides/slide2.xml><?xml version="1.0" encoding="utf-8"?>
 <p:sld xmlns:a="http://schemas.openxmlformats.org/drawingml/2006/main" xmlns:r="http://schemas.openxmlformats.org/officeDocument/2006/relationships" xmlns:p="http://schemas.openxmlformats.org/presentationml/2006/main">
   <p:cSld>
@@ -20751,69 +20411,6 @@
       </p:sp>
       <p:sp>
         <p:nvSpPr>
-          <p:cNvPr id="2" name="TextBox 1">
-            <a:extLst>
-              <a:ext uri="{FF2B5EF4-FFF2-40B4-BE49-F238E27FC236}">
-                <a16:creationId xmlns:a16="http://schemas.microsoft.com/office/drawing/2014/main" id="{B1A115EC-CA9A-4F23-BC30-BAB8A48F650E}"/>
-              </a:ext>
-            </a:extLst>
-          </p:cNvPr>
-          <p:cNvSpPr txBox="1"/>
-          <p:nvPr/>
-        </p:nvSpPr>
-        <p:spPr>
-          <a:xfrm>
-            <a:off x="534801" y="3765176"/>
-            <a:ext cx="11122398" cy="1231106"/>
-          </a:xfrm>
-          <a:prstGeom prst="rect">
-            <a:avLst/>
-          </a:prstGeom>
-          <a:noFill/>
-        </p:spPr>
-        <p:txBody>
-          <a:bodyPr wrap="square" rtlCol="0">
-            <a:spAutoFit/>
-          </a:bodyPr>
-          <a:lstStyle/>
-          <a:p>
-            <a:pPr algn="ctr"/>
-            <a:r>
-              <a:rPr lang="ko-KR" altLang="en-US" sz="2800" dirty="0">
-                <a:latin typeface="HY헤드라인M" panose="02030600000101010101" pitchFamily="18" charset="-127"/>
-                <a:ea typeface="HY헤드라인M" panose="02030600000101010101" pitchFamily="18" charset="-127"/>
-              </a:rPr>
-              <a:t>카메라에 반동을 주어 스프링처럼 휘어지는 카메라 워킹을 구현하고 이를 활용하여</a:t>
-            </a:r>
-            <a:r>
-              <a:rPr lang="en-US" altLang="ko-KR" sz="2800" dirty="0">
-                <a:latin typeface="HY헤드라인M" panose="02030600000101010101" pitchFamily="18" charset="-127"/>
-                <a:ea typeface="HY헤드라인M" panose="02030600000101010101" pitchFamily="18" charset="-127"/>
-              </a:rPr>
-              <a:t> </a:t>
-            </a:r>
-            <a:r>
-              <a:rPr lang="ko-KR" altLang="en-US" sz="2800" dirty="0">
-                <a:latin typeface="HY헤드라인M" panose="02030600000101010101" pitchFamily="18" charset="-127"/>
-                <a:ea typeface="HY헤드라인M" panose="02030600000101010101" pitchFamily="18" charset="-127"/>
-              </a:rPr>
-              <a:t>간단한 캐주얼 레이싱 게임을 만든다</a:t>
-            </a:r>
-            <a:r>
-              <a:rPr lang="en-US" altLang="ko-KR" sz="2800" dirty="0">
-                <a:latin typeface="HY헤드라인M" panose="02030600000101010101" pitchFamily="18" charset="-127"/>
-                <a:ea typeface="HY헤드라인M" panose="02030600000101010101" pitchFamily="18" charset="-127"/>
-              </a:rPr>
-              <a:t>.</a:t>
-            </a:r>
-          </a:p>
-          <a:p>
-            <a:endParaRPr lang="ko-KR" altLang="en-US" dirty="0"/>
-          </a:p>
-        </p:txBody>
-      </p:sp>
-      <p:sp>
-        <p:nvSpPr>
           <p:cNvPr id="4" name="TextBox 3">
             <a:extLst>
               <a:ext uri="{FF2B5EF4-FFF2-40B4-BE49-F238E27FC236}">
@@ -20826,7 +20423,7 @@
         </p:nvSpPr>
         <p:spPr>
           <a:xfrm>
-            <a:off x="454119" y="1634071"/>
+            <a:off x="642377" y="3149106"/>
             <a:ext cx="11122398" cy="830997"/>
           </a:xfrm>
           <a:prstGeom prst="rect">
@@ -20863,69 +20460,6 @@
               <a:t>!"</a:t>
             </a:r>
             <a:endParaRPr lang="ko-KR" altLang="en-US" sz="4800" dirty="0"/>
-          </a:p>
-        </p:txBody>
-      </p:sp>
-      <p:sp>
-        <p:nvSpPr>
-          <p:cNvPr id="5" name="TextBox 4">
-            <a:extLst>
-              <a:ext uri="{FF2B5EF4-FFF2-40B4-BE49-F238E27FC236}">
-                <a16:creationId xmlns:a16="http://schemas.microsoft.com/office/drawing/2014/main" id="{9AC054D6-87D8-4E94-8262-7F3A2B6459A7}"/>
-              </a:ext>
-            </a:extLst>
-          </p:cNvPr>
-          <p:cNvSpPr txBox="1"/>
-          <p:nvPr/>
-        </p:nvSpPr>
-        <p:spPr>
-          <a:xfrm>
-            <a:off x="534801" y="4996282"/>
-            <a:ext cx="11122398" cy="1231106"/>
-          </a:xfrm>
-          <a:prstGeom prst="rect">
-            <a:avLst/>
-          </a:prstGeom>
-          <a:noFill/>
-        </p:spPr>
-        <p:txBody>
-          <a:bodyPr wrap="square" rtlCol="0">
-            <a:spAutoFit/>
-          </a:bodyPr>
-          <a:lstStyle/>
-          <a:p>
-            <a:pPr algn="ctr"/>
-            <a:r>
-              <a:rPr lang="ko-KR" altLang="en-US" sz="2800" dirty="0">
-                <a:latin typeface="HY헤드라인M" panose="02030600000101010101" pitchFamily="18" charset="-127"/>
-                <a:ea typeface="HY헤드라인M" panose="02030600000101010101" pitchFamily="18" charset="-127"/>
-              </a:rPr>
-              <a:t>공룡이라는 친숙한 소재를 이용하여</a:t>
-            </a:r>
-            <a:r>
-              <a:rPr lang="en-US" altLang="ko-KR" sz="2800" dirty="0">
-                <a:latin typeface="HY헤드라인M" panose="02030600000101010101" pitchFamily="18" charset="-127"/>
-                <a:ea typeface="HY헤드라인M" panose="02030600000101010101" pitchFamily="18" charset="-127"/>
-              </a:rPr>
-              <a:t> </a:t>
-            </a:r>
-            <a:r>
-              <a:rPr lang="ko-KR" altLang="en-US" sz="2800" dirty="0">
-                <a:latin typeface="HY헤드라인M" panose="02030600000101010101" pitchFamily="18" charset="-127"/>
-                <a:ea typeface="HY헤드라인M" panose="02030600000101010101" pitchFamily="18" charset="-127"/>
-              </a:rPr>
-              <a:t>간단한 캐주얼 레이싱 게임을 만든다</a:t>
-            </a:r>
-            <a:r>
-              <a:rPr lang="en-US" altLang="ko-KR" sz="2800" dirty="0">
-                <a:latin typeface="HY헤드라인M" panose="02030600000101010101" pitchFamily="18" charset="-127"/>
-                <a:ea typeface="HY헤드라인M" panose="02030600000101010101" pitchFamily="18" charset="-127"/>
-              </a:rPr>
-              <a:t>.</a:t>
-            </a:r>
-          </a:p>
-          <a:p>
-            <a:endParaRPr lang="ko-KR" altLang="en-US" dirty="0"/>
           </a:p>
         </p:txBody>
       </p:sp>
@@ -24284,7 +23818,7 @@
         </p:blipFill>
         <p:spPr>
           <a:xfrm>
-            <a:off x="8192758" y="3085329"/>
+            <a:off x="8435646" y="3085329"/>
             <a:ext cx="3053229" cy="1709808"/>
           </a:xfrm>
           <a:prstGeom prst="rect">
@@ -24314,7 +23848,7 @@
         </p:blipFill>
         <p:spPr>
           <a:xfrm>
-            <a:off x="8192758" y="4972020"/>
+            <a:off x="8712711" y="4998914"/>
             <a:ext cx="2643059" cy="1539409"/>
           </a:xfrm>
           <a:prstGeom prst="rect">
@@ -24344,7 +23878,7 @@
         </p:blipFill>
         <p:spPr>
           <a:xfrm>
-            <a:off x="0" y="3307976"/>
+            <a:off x="86476" y="3283907"/>
             <a:ext cx="3756356" cy="3180872"/>
           </a:xfrm>
           <a:prstGeom prst="rect">
@@ -24374,7 +23908,7 @@
         </p:blipFill>
         <p:spPr>
           <a:xfrm>
-            <a:off x="3798902" y="3307976"/>
+            <a:off x="3929310" y="3283907"/>
             <a:ext cx="4333380" cy="3180872"/>
           </a:xfrm>
           <a:prstGeom prst="rect">

--- a/기획단계/졸작 제안서_α.pptx
+++ b/기획단계/졸작 제안서_α.pptx
@@ -20,9 +20,10 @@
     <p:sldId id="264" r:id="rId14"/>
     <p:sldId id="265" r:id="rId15"/>
     <p:sldId id="270" r:id="rId16"/>
-    <p:sldId id="271" r:id="rId17"/>
-    <p:sldId id="276" r:id="rId18"/>
-    <p:sldId id="274" r:id="rId19"/>
+    <p:sldId id="277" r:id="rId17"/>
+    <p:sldId id="271" r:id="rId18"/>
+    <p:sldId id="276" r:id="rId19"/>
+    <p:sldId id="274" r:id="rId20"/>
   </p:sldIdLst>
   <p:sldSz cx="12192000" cy="6858000"/>
   <p:notesSz cx="6858000" cy="9144000"/>
@@ -310,7 +311,7 @@
             <a:fld id="{B61BEF0D-F0BB-DE4B-95CE-6DB70DBA9567}" type="datetimeFigureOut">
               <a:rPr lang="en-US" smtClean="0"/>
               <a:pPr/>
-              <a:t>12/6/2019</a:t>
+              <a:t>12/7/2019</a:t>
             </a:fld>
             <a:endParaRPr lang="en-US" dirty="0"/>
           </a:p>
@@ -539,7 +540,7 @@
           <a:p>
             <a:fld id="{55C6B4A9-1611-4792-9094-5F34BCA07E0B}" type="datetimeFigureOut">
               <a:rPr lang="en-US" smtClean="0"/>
-              <a:t>12/6/2019</a:t>
+              <a:t>12/7/2019</a:t>
             </a:fld>
             <a:endParaRPr lang="en-US" dirty="0"/>
           </a:p>
@@ -720,7 +721,7 @@
             <a:fld id="{B61BEF0D-F0BB-DE4B-95CE-6DB70DBA9567}" type="datetimeFigureOut">
               <a:rPr lang="en-US" smtClean="0"/>
               <a:pPr/>
-              <a:t>12/6/2019</a:t>
+              <a:t>12/7/2019</a:t>
             </a:fld>
             <a:endParaRPr lang="en-US" dirty="0"/>
           </a:p>
@@ -891,7 +892,7 @@
           <a:p>
             <a:fld id="{42A54C80-263E-416B-A8E0-580EDEADCBDC}" type="datetimeFigureOut">
               <a:rPr lang="en-US" smtClean="0"/>
-              <a:t>12/6/2019</a:t>
+              <a:t>12/7/2019</a:t>
             </a:fld>
             <a:endParaRPr lang="en-US" dirty="0"/>
           </a:p>
@@ -1146,7 +1147,7 @@
             <a:fld id="{B61BEF0D-F0BB-DE4B-95CE-6DB70DBA9567}" type="datetimeFigureOut">
               <a:rPr lang="en-US" smtClean="0"/>
               <a:pPr/>
-              <a:t>12/6/2019</a:t>
+              <a:t>12/7/2019</a:t>
             </a:fld>
             <a:endParaRPr lang="en-US" dirty="0"/>
           </a:p>
@@ -1473,7 +1474,7 @@
           <a:p>
             <a:fld id="{42A54C80-263E-416B-A8E0-580EDEADCBDC}" type="datetimeFigureOut">
               <a:rPr lang="en-US" smtClean="0"/>
-              <a:t>12/6/2019</a:t>
+              <a:t>12/7/2019</a:t>
             </a:fld>
             <a:endParaRPr lang="en-US" dirty="0"/>
           </a:p>
@@ -1925,7 +1926,7 @@
             <a:fld id="{B61BEF0D-F0BB-DE4B-95CE-6DB70DBA9567}" type="datetimeFigureOut">
               <a:rPr lang="en-US" smtClean="0"/>
               <a:pPr/>
-              <a:t>12/6/2019</a:t>
+              <a:t>12/7/2019</a:t>
             </a:fld>
             <a:endParaRPr lang="en-US" dirty="0"/>
           </a:p>
@@ -2045,7 +2046,7 @@
             <a:fld id="{B61BEF0D-F0BB-DE4B-95CE-6DB70DBA9567}" type="datetimeFigureOut">
               <a:rPr lang="en-US" smtClean="0"/>
               <a:pPr/>
-              <a:t>12/6/2019</a:t>
+              <a:t>12/7/2019</a:t>
             </a:fld>
             <a:endParaRPr lang="en-US" dirty="0"/>
           </a:p>
@@ -2142,7 +2143,7 @@
             <a:fld id="{B61BEF0D-F0BB-DE4B-95CE-6DB70DBA9567}" type="datetimeFigureOut">
               <a:rPr lang="en-US" smtClean="0"/>
               <a:pPr/>
-              <a:t>12/6/2019</a:t>
+              <a:t>12/7/2019</a:t>
             </a:fld>
             <a:endParaRPr lang="en-US" dirty="0"/>
           </a:p>
@@ -2430,7 +2431,7 @@
           <a:p>
             <a:fld id="{42A54C80-263E-416B-A8E0-580EDEADCBDC}" type="datetimeFigureOut">
               <a:rPr lang="en-US" smtClean="0"/>
-              <a:t>12/6/2019</a:t>
+              <a:t>12/7/2019</a:t>
             </a:fld>
             <a:endParaRPr lang="en-US" dirty="0"/>
           </a:p>
@@ -2753,7 +2754,7 @@
             <a:fld id="{B61BEF0D-F0BB-DE4B-95CE-6DB70DBA9567}" type="datetimeFigureOut">
               <a:rPr lang="en-US" smtClean="0"/>
               <a:pPr/>
-              <a:t>12/6/2019</a:t>
+              <a:t>12/7/2019</a:t>
             </a:fld>
             <a:endParaRPr lang="en-US" dirty="0"/>
           </a:p>
@@ -3009,7 +3010,7 @@
             <a:fld id="{B61BEF0D-F0BB-DE4B-95CE-6DB70DBA9567}" type="datetimeFigureOut">
               <a:rPr lang="en-US" smtClean="0"/>
               <a:pPr/>
-              <a:t>12/6/2019</a:t>
+              <a:t>12/7/2019</a:t>
             </a:fld>
             <a:endParaRPr lang="en-US" dirty="0"/>
           </a:p>
@@ -7399,6 +7400,100 @@
           </a:p>
         </p:txBody>
       </p:sp>
+      <p:sp>
+        <p:nvSpPr>
+          <p:cNvPr id="9" name="직사각형 8">
+            <a:extLst>
+              <a:ext uri="{FF2B5EF4-FFF2-40B4-BE49-F238E27FC236}">
+                <a16:creationId xmlns:a16="http://schemas.microsoft.com/office/drawing/2014/main" id="{AF5CF296-CDE4-4EC0-B890-671C119143B2}"/>
+              </a:ext>
+            </a:extLst>
+          </p:cNvPr>
+          <p:cNvSpPr/>
+          <p:nvPr/>
+        </p:nvSpPr>
+        <p:spPr>
+          <a:xfrm>
+            <a:off x="1214718" y="5304827"/>
+            <a:ext cx="9762564" cy="864739"/>
+          </a:xfrm>
+          <a:prstGeom prst="rect">
+            <a:avLst/>
+          </a:prstGeom>
+          <a:solidFill>
+            <a:srgbClr val="595959"/>
+          </a:solidFill>
+          <a:ln w="38100">
+            <a:solidFill>
+              <a:schemeClr val="tx1">
+                <a:lumMod val="85000"/>
+              </a:schemeClr>
+            </a:solidFill>
+          </a:ln>
+        </p:spPr>
+        <p:style>
+          <a:lnRef idx="2">
+            <a:schemeClr val="accent1">
+              <a:shade val="50000"/>
+            </a:schemeClr>
+          </a:lnRef>
+          <a:fillRef idx="1">
+            <a:schemeClr val="accent1"/>
+          </a:fillRef>
+          <a:effectRef idx="0">
+            <a:schemeClr val="accent1"/>
+          </a:effectRef>
+          <a:fontRef idx="minor">
+            <a:schemeClr val="lt1"/>
+          </a:fontRef>
+        </p:style>
+        <p:txBody>
+          <a:bodyPr rtlCol="0" anchor="t"/>
+          <a:lstStyle/>
+          <a:p>
+            <a:pPr algn="ctr"/>
+            <a:r>
+              <a:rPr lang="ko-KR" altLang="en-US" sz="1600" dirty="0">
+                <a:latin typeface="HY헤드라인M" panose="02030600000101010101" pitchFamily="18" charset="-127"/>
+                <a:ea typeface="HY헤드라인M" panose="02030600000101010101" pitchFamily="18" charset="-127"/>
+              </a:rPr>
+              <a:t>다른 레이싱 게임과 달리 연료라는 개념의 배고픔 수치를 만들어서 고기를 먹지못하면 계속 달리지 못하는</a:t>
+            </a:r>
+            <a:r>
+              <a:rPr lang="en-US" altLang="ko-KR" sz="1600" dirty="0">
+                <a:latin typeface="HY헤드라인M" panose="02030600000101010101" pitchFamily="18" charset="-127"/>
+                <a:ea typeface="HY헤드라인M" panose="02030600000101010101" pitchFamily="18" charset="-127"/>
+              </a:rPr>
+              <a:t>“</a:t>
+            </a:r>
+            <a:r>
+              <a:rPr lang="ko-KR" altLang="en-US" sz="1600" dirty="0">
+                <a:latin typeface="HY헤드라인M" panose="02030600000101010101" pitchFamily="18" charset="-127"/>
+                <a:ea typeface="HY헤드라인M" panose="02030600000101010101" pitchFamily="18" charset="-127"/>
+              </a:rPr>
+              <a:t>생존 전</a:t>
+            </a:r>
+            <a:r>
+              <a:rPr lang="en-US" altLang="ko-KR" sz="1600" dirty="0">
+                <a:latin typeface="HY헤드라인M" panose="02030600000101010101" pitchFamily="18" charset="-127"/>
+                <a:ea typeface="HY헤드라인M" panose="02030600000101010101" pitchFamily="18" charset="-127"/>
+              </a:rPr>
+              <a:t>”</a:t>
+            </a:r>
+            <a:r>
+              <a:rPr lang="ko-KR" altLang="en-US" sz="1600" dirty="0">
+                <a:latin typeface="HY헤드라인M" panose="02030600000101010101" pitchFamily="18" charset="-127"/>
+                <a:ea typeface="HY헤드라인M" panose="02030600000101010101" pitchFamily="18" charset="-127"/>
+              </a:rPr>
+              <a:t>이라는 새로운 </a:t>
+            </a:r>
+            <a:endParaRPr lang="en-US" altLang="ko-KR" sz="1600" dirty="0">
+              <a:latin typeface="HY헤드라인M" panose="02030600000101010101" pitchFamily="18" charset="-127"/>
+              <a:ea typeface="HY헤드라인M" panose="02030600000101010101" pitchFamily="18" charset="-127"/>
+            </a:endParaRPr>
+          </a:p>
+        </p:txBody>
+      </p:sp>
     </p:spTree>
     <p:extLst>
       <p:ext uri="{BB962C8B-B14F-4D97-AF65-F5344CB8AC3E}">
@@ -7413,6 +7508,380 @@
 </file>
 
 <file path=ppt/slides/slide16.xml><?xml version="1.0" encoding="utf-8"?>
+<p:sld xmlns:a="http://schemas.openxmlformats.org/drawingml/2006/main" xmlns:r="http://schemas.openxmlformats.org/officeDocument/2006/relationships" xmlns:p="http://schemas.openxmlformats.org/presentationml/2006/main" showMasterSp="0">
+  <p:cSld>
+    <p:spTree>
+      <p:nvGrpSpPr>
+        <p:cNvPr id="1" name=""/>
+        <p:cNvGrpSpPr/>
+        <p:nvPr/>
+      </p:nvGrpSpPr>
+      <p:grpSpPr>
+        <a:xfrm>
+          <a:off x="0" y="0"/>
+          <a:ext cx="0" cy="0"/>
+          <a:chOff x="0" y="0"/>
+          <a:chExt cx="0" cy="0"/>
+        </a:xfrm>
+      </p:grpSpPr>
+      <p:sp>
+        <p:nvSpPr>
+          <p:cNvPr id="6" name="직사각형 5">
+            <a:extLst>
+              <a:ext uri="{FF2B5EF4-FFF2-40B4-BE49-F238E27FC236}">
+                <a16:creationId xmlns:a16="http://schemas.microsoft.com/office/drawing/2014/main" id="{CFF1CAA2-04CC-496D-80EE-A52890558A65}"/>
+              </a:ext>
+            </a:extLst>
+          </p:cNvPr>
+          <p:cNvSpPr/>
+          <p:nvPr/>
+        </p:nvSpPr>
+        <p:spPr>
+          <a:xfrm>
+            <a:off x="38101" y="38097"/>
+            <a:ext cx="1260000" cy="1260000"/>
+          </a:xfrm>
+          <a:prstGeom prst="rect">
+            <a:avLst/>
+          </a:prstGeom>
+          <a:ln w="76200" cap="sq">
+            <a:solidFill>
+              <a:schemeClr val="tx1">
+                <a:lumMod val="85000"/>
+              </a:schemeClr>
+            </a:solidFill>
+            <a:miter lim="800000"/>
+          </a:ln>
+        </p:spPr>
+        <p:style>
+          <a:lnRef idx="2">
+            <a:schemeClr val="accent1">
+              <a:shade val="50000"/>
+            </a:schemeClr>
+          </a:lnRef>
+          <a:fillRef idx="1">
+            <a:schemeClr val="accent1"/>
+          </a:fillRef>
+          <a:effectRef idx="0">
+            <a:schemeClr val="accent1"/>
+          </a:effectRef>
+          <a:fontRef idx="minor">
+            <a:schemeClr val="lt1"/>
+          </a:fontRef>
+        </p:style>
+        <p:txBody>
+          <a:bodyPr rtlCol="0" anchor="ctr"/>
+          <a:lstStyle/>
+          <a:p>
+            <a:pPr algn="ctr"/>
+            <a:r>
+              <a:rPr lang="en-US" altLang="ko-KR" sz="5400" dirty="0">
+                <a:latin typeface="HY헤드라인M" panose="02030600000101010101" pitchFamily="18" charset="-127"/>
+                <a:ea typeface="HY헤드라인M" panose="02030600000101010101" pitchFamily="18" charset="-127"/>
+              </a:rPr>
+              <a:t>8</a:t>
+            </a:r>
+            <a:endParaRPr lang="ko-KR" altLang="en-US" sz="5400" dirty="0">
+              <a:latin typeface="HY헤드라인M" panose="02030600000101010101" pitchFamily="18" charset="-127"/>
+              <a:ea typeface="HY헤드라인M" panose="02030600000101010101" pitchFamily="18" charset="-127"/>
+            </a:endParaRPr>
+          </a:p>
+        </p:txBody>
+      </p:sp>
+      <p:sp>
+        <p:nvSpPr>
+          <p:cNvPr id="11" name="TextBox 10">
+            <a:extLst>
+              <a:ext uri="{FF2B5EF4-FFF2-40B4-BE49-F238E27FC236}">
+                <a16:creationId xmlns:a16="http://schemas.microsoft.com/office/drawing/2014/main" id="{EB6AD26A-4D70-44CF-9FF8-6140CA5F6660}"/>
+              </a:ext>
+            </a:extLst>
+          </p:cNvPr>
+          <p:cNvSpPr txBox="1"/>
+          <p:nvPr/>
+        </p:nvSpPr>
+        <p:spPr>
+          <a:xfrm>
+            <a:off x="1419225" y="393221"/>
+            <a:ext cx="6838950" cy="646331"/>
+          </a:xfrm>
+          <a:prstGeom prst="rect">
+            <a:avLst/>
+          </a:prstGeom>
+          <a:noFill/>
+        </p:spPr>
+        <p:txBody>
+          <a:bodyPr wrap="square" rtlCol="0">
+            <a:spAutoFit/>
+          </a:bodyPr>
+          <a:lstStyle/>
+          <a:p>
+            <a:r>
+              <a:rPr lang="ko-KR" altLang="en-US" sz="3600" dirty="0">
+                <a:latin typeface="HY헤드라인M" panose="02030600000101010101" pitchFamily="18" charset="-127"/>
+                <a:ea typeface="HY헤드라인M" panose="02030600000101010101" pitchFamily="18" charset="-127"/>
+              </a:rPr>
+              <a:t>타 게임과의 비교</a:t>
+            </a:r>
+            <a:endParaRPr lang="ko-KR" altLang="en-US" dirty="0"/>
+          </a:p>
+        </p:txBody>
+      </p:sp>
+      <p:sp>
+        <p:nvSpPr>
+          <p:cNvPr id="7" name="TextBox 6">
+            <a:extLst>
+              <a:ext uri="{FF2B5EF4-FFF2-40B4-BE49-F238E27FC236}">
+                <a16:creationId xmlns:a16="http://schemas.microsoft.com/office/drawing/2014/main" id="{08AA237F-F944-4834-AD59-A9BB6D807A8A}"/>
+              </a:ext>
+            </a:extLst>
+          </p:cNvPr>
+          <p:cNvSpPr txBox="1"/>
+          <p:nvPr/>
+        </p:nvSpPr>
+        <p:spPr>
+          <a:xfrm>
+            <a:off x="875491" y="1298097"/>
+            <a:ext cx="2317146" cy="307777"/>
+          </a:xfrm>
+          <a:prstGeom prst="rect">
+            <a:avLst/>
+          </a:prstGeom>
+          <a:noFill/>
+        </p:spPr>
+        <p:txBody>
+          <a:bodyPr wrap="square" rtlCol="0">
+            <a:spAutoFit/>
+          </a:bodyPr>
+          <a:lstStyle/>
+          <a:p>
+            <a:r>
+              <a:rPr lang="ko-KR" altLang="en-US" sz="1400" dirty="0">
+                <a:latin typeface="HY헤드라인M" panose="02030600000101010101" pitchFamily="18" charset="-127"/>
+                <a:ea typeface="HY헤드라인M" panose="02030600000101010101" pitchFamily="18" charset="-127"/>
+              </a:rPr>
+              <a:t>여러가지 레이싱 게임 비교</a:t>
+            </a:r>
+            <a:endParaRPr lang="ko-KR" altLang="en-US" sz="1400" dirty="0"/>
+          </a:p>
+        </p:txBody>
+      </p:sp>
+      <p:sp>
+        <p:nvSpPr>
+          <p:cNvPr id="9" name="직사각형 8">
+            <a:extLst>
+              <a:ext uri="{FF2B5EF4-FFF2-40B4-BE49-F238E27FC236}">
+                <a16:creationId xmlns:a16="http://schemas.microsoft.com/office/drawing/2014/main" id="{AF5CF296-CDE4-4EC0-B890-671C119143B2}"/>
+              </a:ext>
+            </a:extLst>
+          </p:cNvPr>
+          <p:cNvSpPr/>
+          <p:nvPr/>
+        </p:nvSpPr>
+        <p:spPr>
+          <a:xfrm>
+            <a:off x="1111023" y="1867182"/>
+            <a:ext cx="8909670" cy="1941247"/>
+          </a:xfrm>
+          <a:prstGeom prst="rect">
+            <a:avLst/>
+          </a:prstGeom>
+          <a:solidFill>
+            <a:srgbClr val="595959"/>
+          </a:solidFill>
+          <a:ln w="38100">
+            <a:solidFill>
+              <a:schemeClr val="tx1">
+                <a:lumMod val="85000"/>
+              </a:schemeClr>
+            </a:solidFill>
+          </a:ln>
+        </p:spPr>
+        <p:style>
+          <a:lnRef idx="2">
+            <a:schemeClr val="accent1">
+              <a:shade val="50000"/>
+            </a:schemeClr>
+          </a:lnRef>
+          <a:fillRef idx="1">
+            <a:schemeClr val="accent1"/>
+          </a:fillRef>
+          <a:effectRef idx="0">
+            <a:schemeClr val="accent1"/>
+          </a:effectRef>
+          <a:fontRef idx="minor">
+            <a:schemeClr val="lt1"/>
+          </a:fontRef>
+        </p:style>
+        <p:txBody>
+          <a:bodyPr rtlCol="0" anchor="t"/>
+          <a:lstStyle/>
+          <a:p>
+            <a:pPr algn="ctr"/>
+            <a:r>
+              <a:rPr lang="ko-KR" altLang="en-US" sz="1600" dirty="0">
+                <a:latin typeface="HY헤드라인M" panose="02030600000101010101" pitchFamily="18" charset="-127"/>
+                <a:ea typeface="HY헤드라인M" panose="02030600000101010101" pitchFamily="18" charset="-127"/>
+              </a:rPr>
+              <a:t>다른 레이싱 게임과 다른 차이점 연료시스템을 도입한 새로운 모드인 </a:t>
+            </a:r>
+            <a:r>
+              <a:rPr lang="en-US" altLang="ko-KR" sz="1600" dirty="0">
+                <a:latin typeface="HY헤드라인M" panose="02030600000101010101" pitchFamily="18" charset="-127"/>
+                <a:ea typeface="HY헤드라인M" panose="02030600000101010101" pitchFamily="18" charset="-127"/>
+              </a:rPr>
+              <a:t>‘</a:t>
+            </a:r>
+            <a:r>
+              <a:rPr lang="ko-KR" altLang="en-US" sz="1600" dirty="0">
+                <a:latin typeface="HY헤드라인M" panose="02030600000101010101" pitchFamily="18" charset="-127"/>
+                <a:ea typeface="HY헤드라인M" panose="02030600000101010101" pitchFamily="18" charset="-127"/>
+              </a:rPr>
+              <a:t>생존 전</a:t>
+            </a:r>
+            <a:r>
+              <a:rPr lang="en-US" altLang="ko-KR" sz="1600" dirty="0">
+                <a:latin typeface="HY헤드라인M" panose="02030600000101010101" pitchFamily="18" charset="-127"/>
+                <a:ea typeface="HY헤드라인M" panose="02030600000101010101" pitchFamily="18" charset="-127"/>
+              </a:rPr>
+              <a:t>’</a:t>
+            </a:r>
+            <a:r>
+              <a:rPr lang="ko-KR" altLang="en-US" sz="1600" dirty="0">
+                <a:latin typeface="HY헤드라인M" panose="02030600000101010101" pitchFamily="18" charset="-127"/>
+                <a:ea typeface="HY헤드라인M" panose="02030600000101010101" pitchFamily="18" charset="-127"/>
+              </a:rPr>
+              <a:t>에 있습니다</a:t>
+            </a:r>
+            <a:r>
+              <a:rPr lang="en-US" altLang="ko-KR" sz="1600" dirty="0">
+                <a:latin typeface="HY헤드라인M" panose="02030600000101010101" pitchFamily="18" charset="-127"/>
+                <a:ea typeface="HY헤드라인M" panose="02030600000101010101" pitchFamily="18" charset="-127"/>
+              </a:rPr>
+              <a:t>.</a:t>
+            </a:r>
+          </a:p>
+          <a:p>
+            <a:pPr algn="ctr"/>
+            <a:r>
+              <a:rPr lang="en-US" altLang="ko-KR" sz="1600" dirty="0">
+                <a:latin typeface="HY헤드라인M" panose="02030600000101010101" pitchFamily="18" charset="-127"/>
+                <a:ea typeface="HY헤드라인M" panose="02030600000101010101" pitchFamily="18" charset="-127"/>
+              </a:rPr>
+              <a:t>‘</a:t>
+            </a:r>
+            <a:r>
+              <a:rPr lang="ko-KR" altLang="en-US" sz="1600" dirty="0">
+                <a:latin typeface="HY헤드라인M" panose="02030600000101010101" pitchFamily="18" charset="-127"/>
+                <a:ea typeface="HY헤드라인M" panose="02030600000101010101" pitchFamily="18" charset="-127"/>
+              </a:rPr>
+              <a:t>생존 전</a:t>
+            </a:r>
+            <a:r>
+              <a:rPr lang="en-US" altLang="ko-KR" sz="1600" dirty="0">
+                <a:latin typeface="HY헤드라인M" panose="02030600000101010101" pitchFamily="18" charset="-127"/>
+                <a:ea typeface="HY헤드라인M" panose="02030600000101010101" pitchFamily="18" charset="-127"/>
+              </a:rPr>
+              <a:t>’</a:t>
+            </a:r>
+            <a:r>
+              <a:rPr lang="ko-KR" altLang="en-US" sz="1600" dirty="0">
+                <a:latin typeface="HY헤드라인M" panose="02030600000101010101" pitchFamily="18" charset="-127"/>
+                <a:ea typeface="HY헤드라인M" panose="02030600000101010101" pitchFamily="18" charset="-127"/>
+              </a:rPr>
+              <a:t>은 공룡들이  배고픔을 느끼는 모드로 트랙에 있는 고기를 먹어서 </a:t>
+            </a:r>
+            <a:endParaRPr lang="en-US" altLang="ko-KR" sz="1600" dirty="0">
+              <a:latin typeface="HY헤드라인M" panose="02030600000101010101" pitchFamily="18" charset="-127"/>
+              <a:ea typeface="HY헤드라인M" panose="02030600000101010101" pitchFamily="18" charset="-127"/>
+            </a:endParaRPr>
+          </a:p>
+          <a:p>
+            <a:pPr algn="ctr"/>
+            <a:r>
+              <a:rPr lang="ko-KR" altLang="en-US" sz="1600" dirty="0">
+                <a:latin typeface="HY헤드라인M" panose="02030600000101010101" pitchFamily="18" charset="-127"/>
+                <a:ea typeface="HY헤드라인M" panose="02030600000101010101" pitchFamily="18" charset="-127"/>
+              </a:rPr>
+              <a:t>배고픔 수치가 적을수록 속도를 최대로 낼 수 있게 되는 모드입니다</a:t>
+            </a:r>
+            <a:r>
+              <a:rPr lang="en-US" altLang="ko-KR" sz="1600" dirty="0">
+                <a:latin typeface="HY헤드라인M" panose="02030600000101010101" pitchFamily="18" charset="-127"/>
+                <a:ea typeface="HY헤드라인M" panose="02030600000101010101" pitchFamily="18" charset="-127"/>
+              </a:rPr>
+              <a:t>.</a:t>
+            </a:r>
+            <a:r>
+              <a:rPr lang="ko-KR" altLang="en-US" sz="1600" dirty="0">
+                <a:latin typeface="HY헤드라인M" panose="02030600000101010101" pitchFamily="18" charset="-127"/>
+                <a:ea typeface="HY헤드라인M" panose="02030600000101010101" pitchFamily="18" charset="-127"/>
+              </a:rPr>
+              <a:t> </a:t>
+            </a:r>
+            <a:endParaRPr lang="en-US" altLang="ko-KR" sz="1600" dirty="0">
+              <a:latin typeface="HY헤드라인M" panose="02030600000101010101" pitchFamily="18" charset="-127"/>
+              <a:ea typeface="HY헤드라인M" panose="02030600000101010101" pitchFamily="18" charset="-127"/>
+            </a:endParaRPr>
+          </a:p>
+          <a:p>
+            <a:pPr algn="ctr"/>
+            <a:r>
+              <a:rPr lang="ko-KR" altLang="en-US" sz="1600" dirty="0">
+                <a:latin typeface="HY헤드라인M" panose="02030600000101010101" pitchFamily="18" charset="-127"/>
+                <a:ea typeface="HY헤드라인M" panose="02030600000101010101" pitchFamily="18" charset="-127"/>
+              </a:rPr>
+              <a:t>트랙에 등장하는 고기의 크기에 따라 줄어드는 배고픔 수치를 다르게 주어서</a:t>
+            </a:r>
+            <a:endParaRPr lang="en-US" altLang="ko-KR" sz="1600" dirty="0">
+              <a:latin typeface="HY헤드라인M" panose="02030600000101010101" pitchFamily="18" charset="-127"/>
+              <a:ea typeface="HY헤드라인M" panose="02030600000101010101" pitchFamily="18" charset="-127"/>
+            </a:endParaRPr>
+          </a:p>
+          <a:p>
+            <a:pPr algn="ctr"/>
+            <a:r>
+              <a:rPr lang="ko-KR" altLang="en-US" sz="1600" dirty="0">
+                <a:latin typeface="HY헤드라인M" panose="02030600000101010101" pitchFamily="18" charset="-127"/>
+                <a:ea typeface="HY헤드라인M" panose="02030600000101010101" pitchFamily="18" charset="-127"/>
+              </a:rPr>
+              <a:t>변수를 만들었습니다</a:t>
+            </a:r>
+            <a:r>
+              <a:rPr lang="en-US" altLang="ko-KR" sz="1600" dirty="0">
+                <a:latin typeface="HY헤드라인M" panose="02030600000101010101" pitchFamily="18" charset="-127"/>
+                <a:ea typeface="HY헤드라인M" panose="02030600000101010101" pitchFamily="18" charset="-127"/>
+              </a:rPr>
+              <a:t>.</a:t>
+            </a:r>
+            <a:r>
+              <a:rPr lang="ko-KR" altLang="en-US" sz="1600" dirty="0">
+                <a:latin typeface="HY헤드라인M" panose="02030600000101010101" pitchFamily="18" charset="-127"/>
+                <a:ea typeface="HY헤드라인M" panose="02030600000101010101" pitchFamily="18" charset="-127"/>
+              </a:rPr>
+              <a:t> </a:t>
+            </a:r>
+            <a:endParaRPr lang="en-US" altLang="ko-KR" sz="1600" dirty="0">
+              <a:latin typeface="HY헤드라인M" panose="02030600000101010101" pitchFamily="18" charset="-127"/>
+              <a:ea typeface="HY헤드라인M" panose="02030600000101010101" pitchFamily="18" charset="-127"/>
+            </a:endParaRPr>
+          </a:p>
+        </p:txBody>
+      </p:sp>
+    </p:spTree>
+    <p:extLst>
+      <p:ext uri="{BB962C8B-B14F-4D97-AF65-F5344CB8AC3E}">
+        <p14:creationId xmlns:p14="http://schemas.microsoft.com/office/powerpoint/2010/main" val="1007898720"/>
+      </p:ext>
+    </p:extLst>
+  </p:cSld>
+  <p:clrMapOvr>
+    <a:masterClrMapping/>
+  </p:clrMapOvr>
+</p:sld>
+</file>
+
+<file path=ppt/slides/slide17.xml><?xml version="1.0" encoding="utf-8"?>
 <p:sld xmlns:a="http://schemas.openxmlformats.org/drawingml/2006/main" xmlns:r="http://schemas.openxmlformats.org/officeDocument/2006/relationships" xmlns:p="http://schemas.openxmlformats.org/presentationml/2006/main" showMasterSp="0">
   <p:cSld>
     <p:spTree>
@@ -18416,7 +18885,7 @@
 </p:sld>
 </file>
 
-<file path=ppt/slides/slide17.xml><?xml version="1.0" encoding="utf-8"?>
+<file path=ppt/slides/slide18.xml><?xml version="1.0" encoding="utf-8"?>
 <p:sld xmlns:a="http://schemas.openxmlformats.org/drawingml/2006/main" xmlns:r="http://schemas.openxmlformats.org/officeDocument/2006/relationships" xmlns:p="http://schemas.openxmlformats.org/presentationml/2006/main" showMasterSp="0">
   <p:cSld>
     <p:spTree>
@@ -18446,7 +18915,7 @@
 </p:sld>
 </file>
 
-<file path=ppt/slides/slide18.xml><?xml version="1.0" encoding="utf-8"?>
+<file path=ppt/slides/slide19.xml><?xml version="1.0" encoding="utf-8"?>
 <p:sld xmlns:a="http://schemas.openxmlformats.org/drawingml/2006/main" xmlns:r="http://schemas.openxmlformats.org/officeDocument/2006/relationships" xmlns:p="http://schemas.openxmlformats.org/presentationml/2006/main" showMasterSp="0">
   <p:cSld>
     <p:spTree>

--- a/기획단계/졸작 제안서_α.pptx
+++ b/기획단계/졸작 제안서_α.pptx
@@ -20,10 +20,9 @@
     <p:sldId id="264" r:id="rId14"/>
     <p:sldId id="265" r:id="rId15"/>
     <p:sldId id="270" r:id="rId16"/>
-    <p:sldId id="277" r:id="rId17"/>
-    <p:sldId id="271" r:id="rId18"/>
-    <p:sldId id="276" r:id="rId19"/>
-    <p:sldId id="274" r:id="rId20"/>
+    <p:sldId id="271" r:id="rId17"/>
+    <p:sldId id="276" r:id="rId18"/>
+    <p:sldId id="274" r:id="rId19"/>
   </p:sldIdLst>
   <p:sldSz cx="12192000" cy="6858000"/>
   <p:notesSz cx="6858000" cy="9144000"/>
@@ -7120,10 +7119,10 @@
       </p:sp>
       <p:sp>
         <p:nvSpPr>
-          <p:cNvPr id="4" name="직사각형 3">
+          <p:cNvPr id="5" name="직사각형 4">
             <a:extLst>
               <a:ext uri="{FF2B5EF4-FFF2-40B4-BE49-F238E27FC236}">
-                <a16:creationId xmlns:a16="http://schemas.microsoft.com/office/drawing/2014/main" id="{C0276AD2-1C61-4933-8723-90F7C1D45FAE}"/>
+                <a16:creationId xmlns:a16="http://schemas.microsoft.com/office/drawing/2014/main" id="{4B69FDC5-C5E3-44AF-ACF8-6EE7E38D3D18}"/>
               </a:ext>
             </a:extLst>
           </p:cNvPr>
@@ -7132,8 +7131,8 @@
         </p:nvSpPr>
         <p:spPr>
           <a:xfrm>
-            <a:off x="1214718" y="2052918"/>
-            <a:ext cx="9762564" cy="864739"/>
+            <a:off x="1214717" y="4389861"/>
+            <a:ext cx="9201901" cy="2074918"/>
           </a:xfrm>
           <a:prstGeom prst="rect">
             <a:avLst/>
@@ -7175,7 +7174,7 @@
                 <a:latin typeface="HY헤드라인M" panose="02030600000101010101" pitchFamily="18" charset="-127"/>
                 <a:ea typeface="HY헤드라인M" panose="02030600000101010101" pitchFamily="18" charset="-127"/>
               </a:rPr>
-              <a:t>카트마다 다른 능력치로 실력이 아닌 카트에 의한 승부가 결정됨 </a:t>
+              <a:t>공룡</a:t>
             </a:r>
             <a:endParaRPr lang="en-US" altLang="ko-KR" sz="1600" dirty="0">
               <a:latin typeface="HY헤드라인M" panose="02030600000101010101" pitchFamily="18" charset="-127"/>
@@ -7189,14 +7188,98 @@
                 <a:latin typeface="HY헤드라인M" panose="02030600000101010101" pitchFamily="18" charset="-127"/>
                 <a:ea typeface="HY헤드라인M" panose="02030600000101010101" pitchFamily="18" charset="-127"/>
               </a:rPr>
-              <a:t>↓ </a:t>
+              <a:t>다른 레이싱 게임에 사용되는 기체로는 자동차</a:t>
             </a:r>
             <a:r>
               <a:rPr lang="en-US" altLang="ko-KR" sz="1600" dirty="0">
                 <a:latin typeface="HY헤드라인M" panose="02030600000101010101" pitchFamily="18" charset="-127"/>
                 <a:ea typeface="HY헤드라인M" panose="02030600000101010101" pitchFamily="18" charset="-127"/>
               </a:rPr>
-              <a:t>	</a:t>
+              <a:t>, </a:t>
+            </a:r>
+            <a:r>
+              <a:rPr lang="ko-KR" altLang="en-US" sz="1600" dirty="0">
+                <a:latin typeface="HY헤드라인M" panose="02030600000101010101" pitchFamily="18" charset="-127"/>
+                <a:ea typeface="HY헤드라인M" panose="02030600000101010101" pitchFamily="18" charset="-127"/>
+              </a:rPr>
+              <a:t>오토바이</a:t>
+            </a:r>
+            <a:r>
+              <a:rPr lang="en-US" altLang="ko-KR" sz="1600" dirty="0">
+                <a:latin typeface="HY헤드라인M" panose="02030600000101010101" pitchFamily="18" charset="-127"/>
+                <a:ea typeface="HY헤드라인M" panose="02030600000101010101" pitchFamily="18" charset="-127"/>
+              </a:rPr>
+              <a:t>, </a:t>
+            </a:r>
+            <a:r>
+              <a:rPr lang="ko-KR" altLang="en-US" sz="1600" dirty="0">
+                <a:latin typeface="HY헤드라인M" panose="02030600000101010101" pitchFamily="18" charset="-127"/>
+                <a:ea typeface="HY헤드라인M" panose="02030600000101010101" pitchFamily="18" charset="-127"/>
+              </a:rPr>
+              <a:t>항공기</a:t>
+            </a:r>
+            <a:r>
+              <a:rPr lang="en-US" altLang="ko-KR" sz="1600" dirty="0">
+                <a:latin typeface="HY헤드라인M" panose="02030600000101010101" pitchFamily="18" charset="-127"/>
+                <a:ea typeface="HY헤드라인M" panose="02030600000101010101" pitchFamily="18" charset="-127"/>
+              </a:rPr>
+              <a:t>, </a:t>
+            </a:r>
+            <a:r>
+              <a:rPr lang="ko-KR" altLang="en-US" sz="1600" dirty="0">
+                <a:latin typeface="HY헤드라인M" panose="02030600000101010101" pitchFamily="18" charset="-127"/>
+                <a:ea typeface="HY헤드라인M" panose="02030600000101010101" pitchFamily="18" charset="-127"/>
+              </a:rPr>
+              <a:t>반 중력 비행체</a:t>
+            </a:r>
+            <a:r>
+              <a:rPr lang="en-US" altLang="ko-KR" sz="1600" dirty="0">
+                <a:latin typeface="HY헤드라인M" panose="02030600000101010101" pitchFamily="18" charset="-127"/>
+                <a:ea typeface="HY헤드라인M" panose="02030600000101010101" pitchFamily="18" charset="-127"/>
+              </a:rPr>
+              <a:t>, </a:t>
+            </a:r>
+            <a:r>
+              <a:rPr lang="ko-KR" altLang="en-US" sz="1600" dirty="0">
+                <a:latin typeface="HY헤드라인M" panose="02030600000101010101" pitchFamily="18" charset="-127"/>
+                <a:ea typeface="HY헤드라인M" panose="02030600000101010101" pitchFamily="18" charset="-127"/>
+              </a:rPr>
+              <a:t>보트</a:t>
+            </a:r>
+            <a:r>
+              <a:rPr lang="en-US" altLang="ko-KR" sz="1600" dirty="0">
+                <a:latin typeface="HY헤드라인M" panose="02030600000101010101" pitchFamily="18" charset="-127"/>
+                <a:ea typeface="HY헤드라인M" panose="02030600000101010101" pitchFamily="18" charset="-127"/>
+              </a:rPr>
+              <a:t>, </a:t>
+            </a:r>
+            <a:r>
+              <a:rPr lang="ko-KR" altLang="en-US" sz="1600" dirty="0">
+                <a:latin typeface="HY헤드라인M" panose="02030600000101010101" pitchFamily="18" charset="-127"/>
+                <a:ea typeface="HY헤드라인M" panose="02030600000101010101" pitchFamily="18" charset="-127"/>
+              </a:rPr>
+              <a:t>말</a:t>
+            </a:r>
+            <a:r>
+              <a:rPr lang="en-US" altLang="ko-KR" sz="1600" dirty="0">
+                <a:latin typeface="HY헤드라인M" panose="02030600000101010101" pitchFamily="18" charset="-127"/>
+                <a:ea typeface="HY헤드라인M" panose="02030600000101010101" pitchFamily="18" charset="-127"/>
+              </a:rPr>
+              <a:t>, </a:t>
+            </a:r>
+            <a:r>
+              <a:rPr lang="ko-KR" altLang="en-US" sz="1600" dirty="0">
+                <a:latin typeface="HY헤드라인M" panose="02030600000101010101" pitchFamily="18" charset="-127"/>
+                <a:ea typeface="HY헤드라인M" panose="02030600000101010101" pitchFamily="18" charset="-127"/>
+              </a:rPr>
+              <a:t>사람</a:t>
+            </a:r>
+            <a:r>
+              <a:rPr lang="en-US" altLang="ko-KR" sz="1600" dirty="0">
+                <a:latin typeface="HY헤드라인M" panose="02030600000101010101" pitchFamily="18" charset="-127"/>
+                <a:ea typeface="HY헤드라인M" panose="02030600000101010101" pitchFamily="18" charset="-127"/>
+              </a:rPr>
+              <a:t>…</a:t>
             </a:r>
           </a:p>
           <a:p>
@@ -7206,28 +7289,126 @@
                 <a:latin typeface="HY헤드라인M" panose="02030600000101010101" pitchFamily="18" charset="-127"/>
                 <a:ea typeface="HY헤드라인M" panose="02030600000101010101" pitchFamily="18" charset="-127"/>
               </a:rPr>
-              <a:t>공룡은 다르지만 같은 능력치를 부여하여 실력에 의해 승부를 결정하도록 한다</a:t>
-            </a:r>
-            <a:r>
-              <a:rPr lang="en-US" altLang="ko-KR" sz="1600">
+              <a:t>여러가지가 사용되었지만 어째서인지 공룡은 아직까지 나오지않았다</a:t>
+            </a:r>
+            <a:r>
+              <a:rPr lang="en-US" altLang="ko-KR" sz="1600" dirty="0">
                 <a:latin typeface="HY헤드라인M" panose="02030600000101010101" pitchFamily="18" charset="-127"/>
                 <a:ea typeface="HY헤드라인M" panose="02030600000101010101" pitchFamily="18" charset="-127"/>
               </a:rPr>
               <a:t>.</a:t>
             </a:r>
+          </a:p>
+          <a:p>
+            <a:pPr algn="ctr"/>
             <a:endParaRPr lang="en-US" altLang="ko-KR" sz="1600" dirty="0">
               <a:latin typeface="HY헤드라인M" panose="02030600000101010101" pitchFamily="18" charset="-127"/>
               <a:ea typeface="HY헤드라인M" panose="02030600000101010101" pitchFamily="18" charset="-127"/>
             </a:endParaRPr>
           </a:p>
+          <a:p>
+            <a:pPr algn="ctr"/>
+            <a:r>
+              <a:rPr lang="ko-KR" altLang="en-US" sz="1600" dirty="0">
+                <a:latin typeface="HY헤드라인M" panose="02030600000101010101" pitchFamily="18" charset="-127"/>
+                <a:ea typeface="HY헤드라인M" panose="02030600000101010101" pitchFamily="18" charset="-127"/>
+              </a:rPr>
+              <a:t>그래서 우리는 어린시절부터 친근하게 다가온 공룡을 기체로 선택하였다</a:t>
+            </a:r>
+            <a:r>
+              <a:rPr lang="en-US" altLang="ko-KR" sz="1600" dirty="0">
+                <a:latin typeface="HY헤드라인M" panose="02030600000101010101" pitchFamily="18" charset="-127"/>
+                <a:ea typeface="HY헤드라인M" panose="02030600000101010101" pitchFamily="18" charset="-127"/>
+              </a:rPr>
+              <a:t>.</a:t>
+            </a:r>
+          </a:p>
         </p:txBody>
       </p:sp>
       <p:sp>
         <p:nvSpPr>
-          <p:cNvPr id="5" name="직사각형 4">
+          <p:cNvPr id="7" name="TextBox 6">
             <a:extLst>
               <a:ext uri="{FF2B5EF4-FFF2-40B4-BE49-F238E27FC236}">
-                <a16:creationId xmlns:a16="http://schemas.microsoft.com/office/drawing/2014/main" id="{4B69FDC5-C5E3-44AF-ACF8-6EE7E38D3D18}"/>
+                <a16:creationId xmlns:a16="http://schemas.microsoft.com/office/drawing/2014/main" id="{08AA237F-F944-4834-AD59-A9BB6D807A8A}"/>
+              </a:ext>
+            </a:extLst>
+          </p:cNvPr>
+          <p:cNvSpPr txBox="1"/>
+          <p:nvPr/>
+        </p:nvSpPr>
+        <p:spPr>
+          <a:xfrm>
+            <a:off x="668101" y="4053879"/>
+            <a:ext cx="2317146" cy="307777"/>
+          </a:xfrm>
+          <a:prstGeom prst="rect">
+            <a:avLst/>
+          </a:prstGeom>
+          <a:noFill/>
+        </p:spPr>
+        <p:txBody>
+          <a:bodyPr wrap="square" rtlCol="0">
+            <a:spAutoFit/>
+          </a:bodyPr>
+          <a:lstStyle/>
+          <a:p>
+            <a:r>
+              <a:rPr lang="ko-KR" altLang="en-US" sz="1400" dirty="0">
+                <a:latin typeface="HY헤드라인M" panose="02030600000101010101" pitchFamily="18" charset="-127"/>
+                <a:ea typeface="HY헤드라인M" panose="02030600000101010101" pitchFamily="18" charset="-127"/>
+              </a:rPr>
+              <a:t>여러가지 레이싱 게임 비교</a:t>
+            </a:r>
+            <a:endParaRPr lang="ko-KR" altLang="en-US" sz="1400" dirty="0"/>
+          </a:p>
+        </p:txBody>
+      </p:sp>
+      <p:sp>
+        <p:nvSpPr>
+          <p:cNvPr id="8" name="TextBox 7">
+            <a:extLst>
+              <a:ext uri="{FF2B5EF4-FFF2-40B4-BE49-F238E27FC236}">
+                <a16:creationId xmlns:a16="http://schemas.microsoft.com/office/drawing/2014/main" id="{7732BE12-04EB-440F-BDC3-B718E56046B8}"/>
+              </a:ext>
+            </a:extLst>
+          </p:cNvPr>
+          <p:cNvSpPr txBox="1"/>
+          <p:nvPr/>
+        </p:nvSpPr>
+        <p:spPr>
+          <a:xfrm>
+            <a:off x="668100" y="1335738"/>
+            <a:ext cx="3321193" cy="307777"/>
+          </a:xfrm>
+          <a:prstGeom prst="rect">
+            <a:avLst/>
+          </a:prstGeom>
+          <a:noFill/>
+        </p:spPr>
+        <p:txBody>
+          <a:bodyPr wrap="square" rtlCol="0">
+            <a:spAutoFit/>
+          </a:bodyPr>
+          <a:lstStyle/>
+          <a:p>
+            <a:r>
+              <a:rPr lang="ko-KR" altLang="en-US" sz="1400" dirty="0">
+                <a:latin typeface="HY헤드라인M" panose="02030600000101010101" pitchFamily="18" charset="-127"/>
+                <a:ea typeface="HY헤드라인M" panose="02030600000101010101" pitchFamily="18" charset="-127"/>
+              </a:rPr>
+              <a:t>대표적 캐주얼 게임 카트라이더와 비교</a:t>
+            </a:r>
+            <a:endParaRPr lang="ko-KR" altLang="en-US" sz="1400" dirty="0"/>
+          </a:p>
+        </p:txBody>
+      </p:sp>
+      <p:sp>
+        <p:nvSpPr>
+          <p:cNvPr id="10" name="직사각형 9">
+            <a:extLst>
+              <a:ext uri="{FF2B5EF4-FFF2-40B4-BE49-F238E27FC236}">
+                <a16:creationId xmlns:a16="http://schemas.microsoft.com/office/drawing/2014/main" id="{E1D76625-EE7A-45D2-AD39-4A4EEBDD362D}"/>
               </a:ext>
             </a:extLst>
           </p:cNvPr>
@@ -7236,8 +7417,8 @@
         </p:nvSpPr>
         <p:spPr>
           <a:xfrm>
-            <a:off x="1214718" y="4200320"/>
-            <a:ext cx="9762564" cy="864739"/>
+            <a:off x="1214718" y="1686614"/>
+            <a:ext cx="9201900" cy="2324166"/>
           </a:xfrm>
           <a:prstGeom prst="rect">
             <a:avLst/>
@@ -7279,7 +7460,7 @@
                 <a:latin typeface="HY헤드라인M" panose="02030600000101010101" pitchFamily="18" charset="-127"/>
                 <a:ea typeface="HY헤드라인M" panose="02030600000101010101" pitchFamily="18" charset="-127"/>
               </a:rPr>
-              <a:t>여러가지 레이싱 게임이 존재하지만 아이들이 좋아하는 공룡을 주체로 하는 레이싱 게임이 존재하지 않음</a:t>
+              <a:t>연료 시스템</a:t>
             </a:r>
             <a:endParaRPr lang="en-US" altLang="ko-KR" sz="1600" dirty="0">
               <a:latin typeface="HY헤드라인M" panose="02030600000101010101" pitchFamily="18" charset="-127"/>
@@ -7293,204 +7474,242 @@
                 <a:latin typeface="HY헤드라인M" panose="02030600000101010101" pitchFamily="18" charset="-127"/>
                 <a:ea typeface="HY헤드라인M" panose="02030600000101010101" pitchFamily="18" charset="-127"/>
               </a:rPr>
-              <a:t>↓</a:t>
+              <a:t>카트라이더 </a:t>
             </a:r>
             <a:r>
               <a:rPr lang="en-US" altLang="ko-KR" sz="1600" dirty="0">
                 <a:latin typeface="HY헤드라인M" panose="02030600000101010101" pitchFamily="18" charset="-127"/>
                 <a:ea typeface="HY헤드라인M" panose="02030600000101010101" pitchFamily="18" charset="-127"/>
               </a:rPr>
-              <a:t>	</a:t>
-            </a:r>
-          </a:p>
-          <a:p>
-            <a:pPr algn="ctr"/>
+              <a:t>‘</a:t>
+            </a:r>
             <a:r>
               <a:rPr lang="ko-KR" altLang="en-US" sz="1600" dirty="0">
                 <a:latin typeface="HY헤드라인M" panose="02030600000101010101" pitchFamily="18" charset="-127"/>
                 <a:ea typeface="HY헤드라인M" panose="02030600000101010101" pitchFamily="18" charset="-127"/>
               </a:rPr>
-              <a:t>공룡을 주체로 레이싱을 만들어 아이들의 관심을 얻을 수 있다</a:t>
+              <a:t>스피드 전</a:t>
             </a:r>
             <a:r>
               <a:rPr lang="en-US" altLang="ko-KR" sz="1600" dirty="0">
                 <a:latin typeface="HY헤드라인M" panose="02030600000101010101" pitchFamily="18" charset="-127"/>
                 <a:ea typeface="HY헤드라인M" panose="02030600000101010101" pitchFamily="18" charset="-127"/>
               </a:rPr>
-              <a:t>.</a:t>
-            </a:r>
-          </a:p>
-        </p:txBody>
-      </p:sp>
-      <p:sp>
-        <p:nvSpPr>
-          <p:cNvPr id="7" name="TextBox 6">
-            <a:extLst>
-              <a:ext uri="{FF2B5EF4-FFF2-40B4-BE49-F238E27FC236}">
-                <a16:creationId xmlns:a16="http://schemas.microsoft.com/office/drawing/2014/main" id="{08AA237F-F944-4834-AD59-A9BB6D807A8A}"/>
-              </a:ext>
-            </a:extLst>
-          </p:cNvPr>
-          <p:cNvSpPr txBox="1"/>
-          <p:nvPr/>
-        </p:nvSpPr>
-        <p:spPr>
-          <a:xfrm>
-            <a:off x="668101" y="3864338"/>
-            <a:ext cx="2317146" cy="307777"/>
-          </a:xfrm>
-          <a:prstGeom prst="rect">
-            <a:avLst/>
-          </a:prstGeom>
-          <a:noFill/>
-        </p:spPr>
-        <p:txBody>
-          <a:bodyPr wrap="square" rtlCol="0">
-            <a:spAutoFit/>
-          </a:bodyPr>
-          <a:lstStyle/>
-          <a:p>
-            <a:r>
-              <a:rPr lang="ko-KR" altLang="en-US" sz="1400" dirty="0">
-                <a:latin typeface="HY헤드라인M" panose="02030600000101010101" pitchFamily="18" charset="-127"/>
-                <a:ea typeface="HY헤드라인M" panose="02030600000101010101" pitchFamily="18" charset="-127"/>
-              </a:rPr>
-              <a:t>여러가지 레이싱 게임 비교</a:t>
-            </a:r>
-            <a:endParaRPr lang="ko-KR" altLang="en-US" sz="1400" dirty="0"/>
-          </a:p>
-        </p:txBody>
-      </p:sp>
-      <p:sp>
-        <p:nvSpPr>
-          <p:cNvPr id="8" name="TextBox 7">
-            <a:extLst>
-              <a:ext uri="{FF2B5EF4-FFF2-40B4-BE49-F238E27FC236}">
-                <a16:creationId xmlns:a16="http://schemas.microsoft.com/office/drawing/2014/main" id="{7732BE12-04EB-440F-BDC3-B718E56046B8}"/>
-              </a:ext>
-            </a:extLst>
-          </p:cNvPr>
-          <p:cNvSpPr txBox="1"/>
-          <p:nvPr/>
-        </p:nvSpPr>
-        <p:spPr>
-          <a:xfrm>
-            <a:off x="668100" y="1731038"/>
-            <a:ext cx="3321193" cy="307777"/>
-          </a:xfrm>
-          <a:prstGeom prst="rect">
-            <a:avLst/>
-          </a:prstGeom>
-          <a:noFill/>
-        </p:spPr>
-        <p:txBody>
-          <a:bodyPr wrap="square" rtlCol="0">
-            <a:spAutoFit/>
-          </a:bodyPr>
-          <a:lstStyle/>
-          <a:p>
-            <a:r>
-              <a:rPr lang="ko-KR" altLang="en-US" sz="1400">
-                <a:latin typeface="HY헤드라인M" panose="02030600000101010101" pitchFamily="18" charset="-127"/>
-                <a:ea typeface="HY헤드라인M" panose="02030600000101010101" pitchFamily="18" charset="-127"/>
-              </a:rPr>
-              <a:t>대표적 캐주얼 게임 카트라이더와 비교</a:t>
-            </a:r>
-            <a:endParaRPr lang="ko-KR" altLang="en-US" sz="1400" dirty="0"/>
-          </a:p>
-        </p:txBody>
-      </p:sp>
-      <p:sp>
-        <p:nvSpPr>
-          <p:cNvPr id="9" name="직사각형 8">
-            <a:extLst>
-              <a:ext uri="{FF2B5EF4-FFF2-40B4-BE49-F238E27FC236}">
-                <a16:creationId xmlns:a16="http://schemas.microsoft.com/office/drawing/2014/main" id="{AF5CF296-CDE4-4EC0-B890-671C119143B2}"/>
-              </a:ext>
-            </a:extLst>
-          </p:cNvPr>
-          <p:cNvSpPr/>
-          <p:nvPr/>
-        </p:nvSpPr>
-        <p:spPr>
-          <a:xfrm>
-            <a:off x="1214718" y="5304827"/>
-            <a:ext cx="9762564" cy="864739"/>
-          </a:xfrm>
-          <a:prstGeom prst="rect">
-            <a:avLst/>
-          </a:prstGeom>
-          <a:solidFill>
-            <a:srgbClr val="595959"/>
-          </a:solidFill>
-          <a:ln w="38100">
-            <a:solidFill>
-              <a:schemeClr val="tx1">
-                <a:lumMod val="85000"/>
-              </a:schemeClr>
-            </a:solidFill>
-          </a:ln>
-        </p:spPr>
-        <p:style>
-          <a:lnRef idx="2">
-            <a:schemeClr val="accent1">
-              <a:shade val="50000"/>
-            </a:schemeClr>
-          </a:lnRef>
-          <a:fillRef idx="1">
-            <a:schemeClr val="accent1"/>
-          </a:fillRef>
-          <a:effectRef idx="0">
-            <a:schemeClr val="accent1"/>
-          </a:effectRef>
-          <a:fontRef idx="minor">
-            <a:schemeClr val="lt1"/>
-          </a:fontRef>
-        </p:style>
-        <p:txBody>
-          <a:bodyPr rtlCol="0" anchor="t"/>
-          <a:lstStyle/>
-          <a:p>
-            <a:pPr algn="ctr"/>
+              <a:t>’</a:t>
+            </a:r>
             <a:r>
               <a:rPr lang="ko-KR" altLang="en-US" sz="1600" dirty="0">
                 <a:latin typeface="HY헤드라인M" panose="02030600000101010101" pitchFamily="18" charset="-127"/>
                 <a:ea typeface="HY헤드라인M" panose="02030600000101010101" pitchFamily="18" charset="-127"/>
               </a:rPr>
-              <a:t>다른 레이싱 게임과 달리 연료라는 개념의 배고픔 수치를 만들어서 고기를 먹지못하면 계속 달리지 못하는</a:t>
+              <a:t>에서 </a:t>
             </a:r>
             <a:r>
               <a:rPr lang="en-US" altLang="ko-KR" sz="1600" dirty="0">
                 <a:latin typeface="HY헤드라인M" panose="02030600000101010101" pitchFamily="18" charset="-127"/>
                 <a:ea typeface="HY헤드라인M" panose="02030600000101010101" pitchFamily="18" charset="-127"/>
               </a:rPr>
-              <a:t>“</a:t>
+              <a:t>10</a:t>
             </a:r>
             <a:r>
               <a:rPr lang="ko-KR" altLang="en-US" sz="1600" dirty="0">
                 <a:latin typeface="HY헤드라인M" panose="02030600000101010101" pitchFamily="18" charset="-127"/>
                 <a:ea typeface="HY헤드라인M" panose="02030600000101010101" pitchFamily="18" charset="-127"/>
               </a:rPr>
-              <a:t>생존 전</a:t>
+              <a:t>가지의 </a:t>
+            </a:r>
+            <a:r>
+              <a:rPr lang="ko-KR" altLang="en-US" sz="1600" dirty="0" err="1">
+                <a:latin typeface="HY헤드라인M" panose="02030600000101010101" pitchFamily="18" charset="-127"/>
+                <a:ea typeface="HY헤드라인M" panose="02030600000101010101" pitchFamily="18" charset="-127"/>
+              </a:rPr>
+              <a:t>드리프트</a:t>
+            </a:r>
+            <a:r>
+              <a:rPr lang="ko-KR" altLang="en-US" sz="1600" dirty="0">
+                <a:latin typeface="HY헤드라인M" panose="02030600000101010101" pitchFamily="18" charset="-127"/>
+                <a:ea typeface="HY헤드라인M" panose="02030600000101010101" pitchFamily="18" charset="-127"/>
+              </a:rPr>
+              <a:t> 기술로 부스터를 모아서</a:t>
             </a:r>
             <a:r>
               <a:rPr lang="en-US" altLang="ko-KR" sz="1600" dirty="0">
                 <a:latin typeface="HY헤드라인M" panose="02030600000101010101" pitchFamily="18" charset="-127"/>
                 <a:ea typeface="HY헤드라인M" panose="02030600000101010101" pitchFamily="18" charset="-127"/>
               </a:rPr>
-              <a:t>”</a:t>
+              <a:t> </a:t>
             </a:r>
             <a:r>
               <a:rPr lang="ko-KR" altLang="en-US" sz="1600" dirty="0">
                 <a:latin typeface="HY헤드라인M" panose="02030600000101010101" pitchFamily="18" charset="-127"/>
                 <a:ea typeface="HY헤드라인M" panose="02030600000101010101" pitchFamily="18" charset="-127"/>
               </a:rPr>
-              <a:t>이라는 새로운 </a:t>
+              <a:t>빠르게 달린다면</a:t>
             </a:r>
             <a:endParaRPr lang="en-US" altLang="ko-KR" sz="1600" dirty="0">
               <a:latin typeface="HY헤드라인M" panose="02030600000101010101" pitchFamily="18" charset="-127"/>
               <a:ea typeface="HY헤드라인M" panose="02030600000101010101" pitchFamily="18" charset="-127"/>
             </a:endParaRPr>
+          </a:p>
+          <a:p>
+            <a:pPr algn="ctr"/>
+            <a:endParaRPr lang="en-US" altLang="ko-KR" sz="1600" dirty="0">
+              <a:latin typeface="HY헤드라인M" panose="02030600000101010101" pitchFamily="18" charset="-127"/>
+              <a:ea typeface="HY헤드라인M" panose="02030600000101010101" pitchFamily="18" charset="-127"/>
+            </a:endParaRPr>
+          </a:p>
+          <a:p>
+            <a:pPr algn="ctr"/>
+            <a:r>
+              <a:rPr lang="ko-KR" altLang="en-US" sz="1600" dirty="0">
+                <a:latin typeface="HY헤드라인M" panose="02030600000101010101" pitchFamily="18" charset="-127"/>
+                <a:ea typeface="HY헤드라인M" panose="02030600000101010101" pitchFamily="18" charset="-127"/>
+              </a:rPr>
+              <a:t>우리 게임 </a:t>
+            </a:r>
+            <a:r>
+              <a:rPr lang="en-US" altLang="ko-KR" sz="1600" dirty="0">
+                <a:latin typeface="HY헤드라인M" panose="02030600000101010101" pitchFamily="18" charset="-127"/>
+                <a:ea typeface="HY헤드라인M" panose="02030600000101010101" pitchFamily="18" charset="-127"/>
+              </a:rPr>
+              <a:t>‘</a:t>
+            </a:r>
+            <a:r>
+              <a:rPr lang="ko-KR" altLang="en-US" sz="1600" dirty="0">
+                <a:latin typeface="HY헤드라인M" panose="02030600000101010101" pitchFamily="18" charset="-127"/>
+                <a:ea typeface="HY헤드라인M" panose="02030600000101010101" pitchFamily="18" charset="-127"/>
+              </a:rPr>
+              <a:t>생존 전</a:t>
+            </a:r>
+            <a:r>
+              <a:rPr lang="en-US" altLang="ko-KR" sz="1600" dirty="0">
+                <a:latin typeface="HY헤드라인M" panose="02030600000101010101" pitchFamily="18" charset="-127"/>
+                <a:ea typeface="HY헤드라인M" panose="02030600000101010101" pitchFamily="18" charset="-127"/>
+              </a:rPr>
+              <a:t>’</a:t>
+            </a:r>
+            <a:r>
+              <a:rPr lang="ko-KR" altLang="en-US" sz="1600" dirty="0">
+                <a:latin typeface="HY헤드라인M" panose="02030600000101010101" pitchFamily="18" charset="-127"/>
+                <a:ea typeface="HY헤드라인M" panose="02030600000101010101" pitchFamily="18" charset="-127"/>
+              </a:rPr>
+              <a:t>에서는 배고픔</a:t>
+            </a:r>
+            <a:r>
+              <a:rPr lang="en-US" altLang="ko-KR" sz="1600" dirty="0">
+                <a:latin typeface="HY헤드라인M" panose="02030600000101010101" pitchFamily="18" charset="-127"/>
+                <a:ea typeface="HY헤드라인M" panose="02030600000101010101" pitchFamily="18" charset="-127"/>
+              </a:rPr>
+              <a:t>(</a:t>
+            </a:r>
+            <a:r>
+              <a:rPr lang="ko-KR" altLang="en-US" sz="1600" dirty="0">
+                <a:latin typeface="HY헤드라인M" panose="02030600000101010101" pitchFamily="18" charset="-127"/>
+                <a:ea typeface="HY헤드라인M" panose="02030600000101010101" pitchFamily="18" charset="-127"/>
+              </a:rPr>
+              <a:t>연료</a:t>
+            </a:r>
+            <a:r>
+              <a:rPr lang="en-US" altLang="ko-KR" sz="1600" dirty="0">
+                <a:latin typeface="HY헤드라인M" panose="02030600000101010101" pitchFamily="18" charset="-127"/>
+                <a:ea typeface="HY헤드라인M" panose="02030600000101010101" pitchFamily="18" charset="-127"/>
+              </a:rPr>
+              <a:t>)</a:t>
+            </a:r>
+            <a:r>
+              <a:rPr lang="ko-KR" altLang="en-US" sz="1600" dirty="0">
+                <a:latin typeface="HY헤드라인M" panose="02030600000101010101" pitchFamily="18" charset="-127"/>
+                <a:ea typeface="HY헤드라인M" panose="02030600000101010101" pitchFamily="18" charset="-127"/>
+              </a:rPr>
+              <a:t>를 주어서 맵에 있는 고기</a:t>
+            </a:r>
+            <a:r>
+              <a:rPr lang="en-US" altLang="ko-KR" sz="1600" dirty="0">
+                <a:latin typeface="HY헤드라인M" panose="02030600000101010101" pitchFamily="18" charset="-127"/>
+                <a:ea typeface="HY헤드라인M" panose="02030600000101010101" pitchFamily="18" charset="-127"/>
+              </a:rPr>
+              <a:t>(</a:t>
+            </a:r>
+            <a:r>
+              <a:rPr lang="ko-KR" altLang="en-US" sz="1600" dirty="0">
+                <a:latin typeface="HY헤드라인M" panose="02030600000101010101" pitchFamily="18" charset="-127"/>
+                <a:ea typeface="HY헤드라인M" panose="02030600000101010101" pitchFamily="18" charset="-127"/>
+              </a:rPr>
+              <a:t>기름</a:t>
+            </a:r>
+            <a:r>
+              <a:rPr lang="en-US" altLang="ko-KR" sz="1600" dirty="0">
+                <a:latin typeface="HY헤드라인M" panose="02030600000101010101" pitchFamily="18" charset="-127"/>
+                <a:ea typeface="HY헤드라인M" panose="02030600000101010101" pitchFamily="18" charset="-127"/>
+              </a:rPr>
+              <a:t>)</a:t>
+            </a:r>
+            <a:r>
+              <a:rPr lang="ko-KR" altLang="en-US" sz="1600" dirty="0">
+                <a:latin typeface="HY헤드라인M" panose="02030600000101010101" pitchFamily="18" charset="-127"/>
+                <a:ea typeface="HY헤드라인M" panose="02030600000101010101" pitchFamily="18" charset="-127"/>
+              </a:rPr>
+              <a:t>을 먹어 배고픔을 채우기만 하면 최고 속도로 달릴 수 있게 하였다</a:t>
+            </a:r>
+            <a:r>
+              <a:rPr lang="en-US" altLang="ko-KR" sz="1600" dirty="0">
+                <a:latin typeface="HY헤드라인M" panose="02030600000101010101" pitchFamily="18" charset="-127"/>
+                <a:ea typeface="HY헤드라인M" panose="02030600000101010101" pitchFamily="18" charset="-127"/>
+              </a:rPr>
+              <a:t>.</a:t>
+            </a:r>
+          </a:p>
+          <a:p>
+            <a:pPr algn="ctr"/>
+            <a:endParaRPr lang="en-US" altLang="ko-KR" sz="1600" dirty="0">
+              <a:latin typeface="HY헤드라인M" panose="02030600000101010101" pitchFamily="18" charset="-127"/>
+              <a:ea typeface="HY헤드라인M" panose="02030600000101010101" pitchFamily="18" charset="-127"/>
+            </a:endParaRPr>
+          </a:p>
+          <a:p>
+            <a:pPr algn="ctr"/>
+            <a:r>
+              <a:rPr lang="ko-KR" altLang="en-US" sz="1600" dirty="0">
+                <a:latin typeface="HY헤드라인M" panose="02030600000101010101" pitchFamily="18" charset="-127"/>
+                <a:ea typeface="HY헤드라인M" panose="02030600000101010101" pitchFamily="18" charset="-127"/>
+              </a:rPr>
+              <a:t>이는 </a:t>
+            </a:r>
+            <a:r>
+              <a:rPr lang="en-US" altLang="ko-KR" sz="1600" dirty="0">
+                <a:latin typeface="HY헤드라인M" panose="02030600000101010101" pitchFamily="18" charset="-127"/>
+                <a:ea typeface="HY헤드라인M" panose="02030600000101010101" pitchFamily="18" charset="-127"/>
+              </a:rPr>
+              <a:t>10</a:t>
+            </a:r>
+            <a:r>
+              <a:rPr lang="ko-KR" altLang="en-US" sz="1600" dirty="0">
+                <a:latin typeface="HY헤드라인M" panose="02030600000101010101" pitchFamily="18" charset="-127"/>
+                <a:ea typeface="HY헤드라인M" panose="02030600000101010101" pitchFamily="18" charset="-127"/>
+              </a:rPr>
+              <a:t>가지 기술을 익혀야 다른 사람과 승부를 볼 수 있는 카트라이더와 다르게 눈앞에 </a:t>
+            </a:r>
+            <a:endParaRPr lang="en-US" altLang="ko-KR" sz="1600" dirty="0">
+              <a:latin typeface="HY헤드라인M" panose="02030600000101010101" pitchFamily="18" charset="-127"/>
+              <a:ea typeface="HY헤드라인M" panose="02030600000101010101" pitchFamily="18" charset="-127"/>
+            </a:endParaRPr>
+          </a:p>
+          <a:p>
+            <a:pPr algn="ctr"/>
+            <a:r>
+              <a:rPr lang="ko-KR" altLang="en-US" sz="1600" dirty="0">
+                <a:latin typeface="HY헤드라인M" panose="02030600000101010101" pitchFamily="18" charset="-127"/>
+                <a:ea typeface="HY헤드라인M" panose="02030600000101010101" pitchFamily="18" charset="-127"/>
+              </a:rPr>
+              <a:t>고기에만 집중할 수 있도록 하여 간단히 즐길 수 있게 하였다</a:t>
+            </a:r>
+            <a:r>
+              <a:rPr lang="en-US" altLang="ko-KR" sz="1600" dirty="0">
+                <a:latin typeface="HY헤드라인M" panose="02030600000101010101" pitchFamily="18" charset="-127"/>
+                <a:ea typeface="HY헤드라인M" panose="02030600000101010101" pitchFamily="18" charset="-127"/>
+              </a:rPr>
+              <a:t>.</a:t>
+            </a:r>
           </a:p>
         </p:txBody>
       </p:sp>
@@ -7508,380 +7727,6 @@
 </file>
 
 <file path=ppt/slides/slide16.xml><?xml version="1.0" encoding="utf-8"?>
-<p:sld xmlns:a="http://schemas.openxmlformats.org/drawingml/2006/main" xmlns:r="http://schemas.openxmlformats.org/officeDocument/2006/relationships" xmlns:p="http://schemas.openxmlformats.org/presentationml/2006/main" showMasterSp="0">
-  <p:cSld>
-    <p:spTree>
-      <p:nvGrpSpPr>
-        <p:cNvPr id="1" name=""/>
-        <p:cNvGrpSpPr/>
-        <p:nvPr/>
-      </p:nvGrpSpPr>
-      <p:grpSpPr>
-        <a:xfrm>
-          <a:off x="0" y="0"/>
-          <a:ext cx="0" cy="0"/>
-          <a:chOff x="0" y="0"/>
-          <a:chExt cx="0" cy="0"/>
-        </a:xfrm>
-      </p:grpSpPr>
-      <p:sp>
-        <p:nvSpPr>
-          <p:cNvPr id="6" name="직사각형 5">
-            <a:extLst>
-              <a:ext uri="{FF2B5EF4-FFF2-40B4-BE49-F238E27FC236}">
-                <a16:creationId xmlns:a16="http://schemas.microsoft.com/office/drawing/2014/main" id="{CFF1CAA2-04CC-496D-80EE-A52890558A65}"/>
-              </a:ext>
-            </a:extLst>
-          </p:cNvPr>
-          <p:cNvSpPr/>
-          <p:nvPr/>
-        </p:nvSpPr>
-        <p:spPr>
-          <a:xfrm>
-            <a:off x="38101" y="38097"/>
-            <a:ext cx="1260000" cy="1260000"/>
-          </a:xfrm>
-          <a:prstGeom prst="rect">
-            <a:avLst/>
-          </a:prstGeom>
-          <a:ln w="76200" cap="sq">
-            <a:solidFill>
-              <a:schemeClr val="tx1">
-                <a:lumMod val="85000"/>
-              </a:schemeClr>
-            </a:solidFill>
-            <a:miter lim="800000"/>
-          </a:ln>
-        </p:spPr>
-        <p:style>
-          <a:lnRef idx="2">
-            <a:schemeClr val="accent1">
-              <a:shade val="50000"/>
-            </a:schemeClr>
-          </a:lnRef>
-          <a:fillRef idx="1">
-            <a:schemeClr val="accent1"/>
-          </a:fillRef>
-          <a:effectRef idx="0">
-            <a:schemeClr val="accent1"/>
-          </a:effectRef>
-          <a:fontRef idx="minor">
-            <a:schemeClr val="lt1"/>
-          </a:fontRef>
-        </p:style>
-        <p:txBody>
-          <a:bodyPr rtlCol="0" anchor="ctr"/>
-          <a:lstStyle/>
-          <a:p>
-            <a:pPr algn="ctr"/>
-            <a:r>
-              <a:rPr lang="en-US" altLang="ko-KR" sz="5400" dirty="0">
-                <a:latin typeface="HY헤드라인M" panose="02030600000101010101" pitchFamily="18" charset="-127"/>
-                <a:ea typeface="HY헤드라인M" panose="02030600000101010101" pitchFamily="18" charset="-127"/>
-              </a:rPr>
-              <a:t>8</a:t>
-            </a:r>
-            <a:endParaRPr lang="ko-KR" altLang="en-US" sz="5400" dirty="0">
-              <a:latin typeface="HY헤드라인M" panose="02030600000101010101" pitchFamily="18" charset="-127"/>
-              <a:ea typeface="HY헤드라인M" panose="02030600000101010101" pitchFamily="18" charset="-127"/>
-            </a:endParaRPr>
-          </a:p>
-        </p:txBody>
-      </p:sp>
-      <p:sp>
-        <p:nvSpPr>
-          <p:cNvPr id="11" name="TextBox 10">
-            <a:extLst>
-              <a:ext uri="{FF2B5EF4-FFF2-40B4-BE49-F238E27FC236}">
-                <a16:creationId xmlns:a16="http://schemas.microsoft.com/office/drawing/2014/main" id="{EB6AD26A-4D70-44CF-9FF8-6140CA5F6660}"/>
-              </a:ext>
-            </a:extLst>
-          </p:cNvPr>
-          <p:cNvSpPr txBox="1"/>
-          <p:nvPr/>
-        </p:nvSpPr>
-        <p:spPr>
-          <a:xfrm>
-            <a:off x="1419225" y="393221"/>
-            <a:ext cx="6838950" cy="646331"/>
-          </a:xfrm>
-          <a:prstGeom prst="rect">
-            <a:avLst/>
-          </a:prstGeom>
-          <a:noFill/>
-        </p:spPr>
-        <p:txBody>
-          <a:bodyPr wrap="square" rtlCol="0">
-            <a:spAutoFit/>
-          </a:bodyPr>
-          <a:lstStyle/>
-          <a:p>
-            <a:r>
-              <a:rPr lang="ko-KR" altLang="en-US" sz="3600" dirty="0">
-                <a:latin typeface="HY헤드라인M" panose="02030600000101010101" pitchFamily="18" charset="-127"/>
-                <a:ea typeface="HY헤드라인M" panose="02030600000101010101" pitchFamily="18" charset="-127"/>
-              </a:rPr>
-              <a:t>타 게임과의 비교</a:t>
-            </a:r>
-            <a:endParaRPr lang="ko-KR" altLang="en-US" dirty="0"/>
-          </a:p>
-        </p:txBody>
-      </p:sp>
-      <p:sp>
-        <p:nvSpPr>
-          <p:cNvPr id="7" name="TextBox 6">
-            <a:extLst>
-              <a:ext uri="{FF2B5EF4-FFF2-40B4-BE49-F238E27FC236}">
-                <a16:creationId xmlns:a16="http://schemas.microsoft.com/office/drawing/2014/main" id="{08AA237F-F944-4834-AD59-A9BB6D807A8A}"/>
-              </a:ext>
-            </a:extLst>
-          </p:cNvPr>
-          <p:cNvSpPr txBox="1"/>
-          <p:nvPr/>
-        </p:nvSpPr>
-        <p:spPr>
-          <a:xfrm>
-            <a:off x="875491" y="1298097"/>
-            <a:ext cx="2317146" cy="307777"/>
-          </a:xfrm>
-          <a:prstGeom prst="rect">
-            <a:avLst/>
-          </a:prstGeom>
-          <a:noFill/>
-        </p:spPr>
-        <p:txBody>
-          <a:bodyPr wrap="square" rtlCol="0">
-            <a:spAutoFit/>
-          </a:bodyPr>
-          <a:lstStyle/>
-          <a:p>
-            <a:r>
-              <a:rPr lang="ko-KR" altLang="en-US" sz="1400" dirty="0">
-                <a:latin typeface="HY헤드라인M" panose="02030600000101010101" pitchFamily="18" charset="-127"/>
-                <a:ea typeface="HY헤드라인M" panose="02030600000101010101" pitchFamily="18" charset="-127"/>
-              </a:rPr>
-              <a:t>여러가지 레이싱 게임 비교</a:t>
-            </a:r>
-            <a:endParaRPr lang="ko-KR" altLang="en-US" sz="1400" dirty="0"/>
-          </a:p>
-        </p:txBody>
-      </p:sp>
-      <p:sp>
-        <p:nvSpPr>
-          <p:cNvPr id="9" name="직사각형 8">
-            <a:extLst>
-              <a:ext uri="{FF2B5EF4-FFF2-40B4-BE49-F238E27FC236}">
-                <a16:creationId xmlns:a16="http://schemas.microsoft.com/office/drawing/2014/main" id="{AF5CF296-CDE4-4EC0-B890-671C119143B2}"/>
-              </a:ext>
-            </a:extLst>
-          </p:cNvPr>
-          <p:cNvSpPr/>
-          <p:nvPr/>
-        </p:nvSpPr>
-        <p:spPr>
-          <a:xfrm>
-            <a:off x="1111023" y="1867182"/>
-            <a:ext cx="8909670" cy="1941247"/>
-          </a:xfrm>
-          <a:prstGeom prst="rect">
-            <a:avLst/>
-          </a:prstGeom>
-          <a:solidFill>
-            <a:srgbClr val="595959"/>
-          </a:solidFill>
-          <a:ln w="38100">
-            <a:solidFill>
-              <a:schemeClr val="tx1">
-                <a:lumMod val="85000"/>
-              </a:schemeClr>
-            </a:solidFill>
-          </a:ln>
-        </p:spPr>
-        <p:style>
-          <a:lnRef idx="2">
-            <a:schemeClr val="accent1">
-              <a:shade val="50000"/>
-            </a:schemeClr>
-          </a:lnRef>
-          <a:fillRef idx="1">
-            <a:schemeClr val="accent1"/>
-          </a:fillRef>
-          <a:effectRef idx="0">
-            <a:schemeClr val="accent1"/>
-          </a:effectRef>
-          <a:fontRef idx="minor">
-            <a:schemeClr val="lt1"/>
-          </a:fontRef>
-        </p:style>
-        <p:txBody>
-          <a:bodyPr rtlCol="0" anchor="t"/>
-          <a:lstStyle/>
-          <a:p>
-            <a:pPr algn="ctr"/>
-            <a:r>
-              <a:rPr lang="ko-KR" altLang="en-US" sz="1600" dirty="0">
-                <a:latin typeface="HY헤드라인M" panose="02030600000101010101" pitchFamily="18" charset="-127"/>
-                <a:ea typeface="HY헤드라인M" panose="02030600000101010101" pitchFamily="18" charset="-127"/>
-              </a:rPr>
-              <a:t>다른 레이싱 게임과 다른 차이점 연료시스템을 도입한 새로운 모드인 </a:t>
-            </a:r>
-            <a:r>
-              <a:rPr lang="en-US" altLang="ko-KR" sz="1600" dirty="0">
-                <a:latin typeface="HY헤드라인M" panose="02030600000101010101" pitchFamily="18" charset="-127"/>
-                <a:ea typeface="HY헤드라인M" panose="02030600000101010101" pitchFamily="18" charset="-127"/>
-              </a:rPr>
-              <a:t>‘</a:t>
-            </a:r>
-            <a:r>
-              <a:rPr lang="ko-KR" altLang="en-US" sz="1600" dirty="0">
-                <a:latin typeface="HY헤드라인M" panose="02030600000101010101" pitchFamily="18" charset="-127"/>
-                <a:ea typeface="HY헤드라인M" panose="02030600000101010101" pitchFamily="18" charset="-127"/>
-              </a:rPr>
-              <a:t>생존 전</a:t>
-            </a:r>
-            <a:r>
-              <a:rPr lang="en-US" altLang="ko-KR" sz="1600" dirty="0">
-                <a:latin typeface="HY헤드라인M" panose="02030600000101010101" pitchFamily="18" charset="-127"/>
-                <a:ea typeface="HY헤드라인M" panose="02030600000101010101" pitchFamily="18" charset="-127"/>
-              </a:rPr>
-              <a:t>’</a:t>
-            </a:r>
-            <a:r>
-              <a:rPr lang="ko-KR" altLang="en-US" sz="1600" dirty="0">
-                <a:latin typeface="HY헤드라인M" panose="02030600000101010101" pitchFamily="18" charset="-127"/>
-                <a:ea typeface="HY헤드라인M" panose="02030600000101010101" pitchFamily="18" charset="-127"/>
-              </a:rPr>
-              <a:t>에 있습니다</a:t>
-            </a:r>
-            <a:r>
-              <a:rPr lang="en-US" altLang="ko-KR" sz="1600" dirty="0">
-                <a:latin typeface="HY헤드라인M" panose="02030600000101010101" pitchFamily="18" charset="-127"/>
-                <a:ea typeface="HY헤드라인M" panose="02030600000101010101" pitchFamily="18" charset="-127"/>
-              </a:rPr>
-              <a:t>.</a:t>
-            </a:r>
-          </a:p>
-          <a:p>
-            <a:pPr algn="ctr"/>
-            <a:r>
-              <a:rPr lang="en-US" altLang="ko-KR" sz="1600" dirty="0">
-                <a:latin typeface="HY헤드라인M" panose="02030600000101010101" pitchFamily="18" charset="-127"/>
-                <a:ea typeface="HY헤드라인M" panose="02030600000101010101" pitchFamily="18" charset="-127"/>
-              </a:rPr>
-              <a:t>‘</a:t>
-            </a:r>
-            <a:r>
-              <a:rPr lang="ko-KR" altLang="en-US" sz="1600" dirty="0">
-                <a:latin typeface="HY헤드라인M" panose="02030600000101010101" pitchFamily="18" charset="-127"/>
-                <a:ea typeface="HY헤드라인M" panose="02030600000101010101" pitchFamily="18" charset="-127"/>
-              </a:rPr>
-              <a:t>생존 전</a:t>
-            </a:r>
-            <a:r>
-              <a:rPr lang="en-US" altLang="ko-KR" sz="1600" dirty="0">
-                <a:latin typeface="HY헤드라인M" panose="02030600000101010101" pitchFamily="18" charset="-127"/>
-                <a:ea typeface="HY헤드라인M" panose="02030600000101010101" pitchFamily="18" charset="-127"/>
-              </a:rPr>
-              <a:t>’</a:t>
-            </a:r>
-            <a:r>
-              <a:rPr lang="ko-KR" altLang="en-US" sz="1600" dirty="0">
-                <a:latin typeface="HY헤드라인M" panose="02030600000101010101" pitchFamily="18" charset="-127"/>
-                <a:ea typeface="HY헤드라인M" panose="02030600000101010101" pitchFamily="18" charset="-127"/>
-              </a:rPr>
-              <a:t>은 공룡들이  배고픔을 느끼는 모드로 트랙에 있는 고기를 먹어서 </a:t>
-            </a:r>
-            <a:endParaRPr lang="en-US" altLang="ko-KR" sz="1600" dirty="0">
-              <a:latin typeface="HY헤드라인M" panose="02030600000101010101" pitchFamily="18" charset="-127"/>
-              <a:ea typeface="HY헤드라인M" panose="02030600000101010101" pitchFamily="18" charset="-127"/>
-            </a:endParaRPr>
-          </a:p>
-          <a:p>
-            <a:pPr algn="ctr"/>
-            <a:r>
-              <a:rPr lang="ko-KR" altLang="en-US" sz="1600" dirty="0">
-                <a:latin typeface="HY헤드라인M" panose="02030600000101010101" pitchFamily="18" charset="-127"/>
-                <a:ea typeface="HY헤드라인M" panose="02030600000101010101" pitchFamily="18" charset="-127"/>
-              </a:rPr>
-              <a:t>배고픔 수치가 적을수록 속도를 최대로 낼 수 있게 되는 모드입니다</a:t>
-            </a:r>
-            <a:r>
-              <a:rPr lang="en-US" altLang="ko-KR" sz="1600" dirty="0">
-                <a:latin typeface="HY헤드라인M" panose="02030600000101010101" pitchFamily="18" charset="-127"/>
-                <a:ea typeface="HY헤드라인M" panose="02030600000101010101" pitchFamily="18" charset="-127"/>
-              </a:rPr>
-              <a:t>.</a:t>
-            </a:r>
-            <a:r>
-              <a:rPr lang="ko-KR" altLang="en-US" sz="1600" dirty="0">
-                <a:latin typeface="HY헤드라인M" panose="02030600000101010101" pitchFamily="18" charset="-127"/>
-                <a:ea typeface="HY헤드라인M" panose="02030600000101010101" pitchFamily="18" charset="-127"/>
-              </a:rPr>
-              <a:t> </a:t>
-            </a:r>
-            <a:endParaRPr lang="en-US" altLang="ko-KR" sz="1600" dirty="0">
-              <a:latin typeface="HY헤드라인M" panose="02030600000101010101" pitchFamily="18" charset="-127"/>
-              <a:ea typeface="HY헤드라인M" panose="02030600000101010101" pitchFamily="18" charset="-127"/>
-            </a:endParaRPr>
-          </a:p>
-          <a:p>
-            <a:pPr algn="ctr"/>
-            <a:r>
-              <a:rPr lang="ko-KR" altLang="en-US" sz="1600" dirty="0">
-                <a:latin typeface="HY헤드라인M" panose="02030600000101010101" pitchFamily="18" charset="-127"/>
-                <a:ea typeface="HY헤드라인M" panose="02030600000101010101" pitchFamily="18" charset="-127"/>
-              </a:rPr>
-              <a:t>트랙에 등장하는 고기의 크기에 따라 줄어드는 배고픔 수치를 다르게 주어서</a:t>
-            </a:r>
-            <a:endParaRPr lang="en-US" altLang="ko-KR" sz="1600" dirty="0">
-              <a:latin typeface="HY헤드라인M" panose="02030600000101010101" pitchFamily="18" charset="-127"/>
-              <a:ea typeface="HY헤드라인M" panose="02030600000101010101" pitchFamily="18" charset="-127"/>
-            </a:endParaRPr>
-          </a:p>
-          <a:p>
-            <a:pPr algn="ctr"/>
-            <a:r>
-              <a:rPr lang="ko-KR" altLang="en-US" sz="1600" dirty="0">
-                <a:latin typeface="HY헤드라인M" panose="02030600000101010101" pitchFamily="18" charset="-127"/>
-                <a:ea typeface="HY헤드라인M" panose="02030600000101010101" pitchFamily="18" charset="-127"/>
-              </a:rPr>
-              <a:t>변수를 만들었습니다</a:t>
-            </a:r>
-            <a:r>
-              <a:rPr lang="en-US" altLang="ko-KR" sz="1600" dirty="0">
-                <a:latin typeface="HY헤드라인M" panose="02030600000101010101" pitchFamily="18" charset="-127"/>
-                <a:ea typeface="HY헤드라인M" panose="02030600000101010101" pitchFamily="18" charset="-127"/>
-              </a:rPr>
-              <a:t>.</a:t>
-            </a:r>
-            <a:r>
-              <a:rPr lang="ko-KR" altLang="en-US" sz="1600" dirty="0">
-                <a:latin typeface="HY헤드라인M" panose="02030600000101010101" pitchFamily="18" charset="-127"/>
-                <a:ea typeface="HY헤드라인M" panose="02030600000101010101" pitchFamily="18" charset="-127"/>
-              </a:rPr>
-              <a:t> </a:t>
-            </a:r>
-            <a:endParaRPr lang="en-US" altLang="ko-KR" sz="1600" dirty="0">
-              <a:latin typeface="HY헤드라인M" panose="02030600000101010101" pitchFamily="18" charset="-127"/>
-              <a:ea typeface="HY헤드라인M" panose="02030600000101010101" pitchFamily="18" charset="-127"/>
-            </a:endParaRPr>
-          </a:p>
-        </p:txBody>
-      </p:sp>
-    </p:spTree>
-    <p:extLst>
-      <p:ext uri="{BB962C8B-B14F-4D97-AF65-F5344CB8AC3E}">
-        <p14:creationId xmlns:p14="http://schemas.microsoft.com/office/powerpoint/2010/main" val="1007898720"/>
-      </p:ext>
-    </p:extLst>
-  </p:cSld>
-  <p:clrMapOvr>
-    <a:masterClrMapping/>
-  </p:clrMapOvr>
-</p:sld>
-</file>
-
-<file path=ppt/slides/slide17.xml><?xml version="1.0" encoding="utf-8"?>
 <p:sld xmlns:a="http://schemas.openxmlformats.org/drawingml/2006/main" xmlns:r="http://schemas.openxmlformats.org/officeDocument/2006/relationships" xmlns:p="http://schemas.openxmlformats.org/presentationml/2006/main" showMasterSp="0">
   <p:cSld>
     <p:spTree>
@@ -18885,7 +18730,7 @@
 </p:sld>
 </file>
 
-<file path=ppt/slides/slide18.xml><?xml version="1.0" encoding="utf-8"?>
+<file path=ppt/slides/slide17.xml><?xml version="1.0" encoding="utf-8"?>
 <p:sld xmlns:a="http://schemas.openxmlformats.org/drawingml/2006/main" xmlns:r="http://schemas.openxmlformats.org/officeDocument/2006/relationships" xmlns:p="http://schemas.openxmlformats.org/presentationml/2006/main" showMasterSp="0">
   <p:cSld>
     <p:spTree>
@@ -18915,7 +18760,7 @@
 </p:sld>
 </file>
 
-<file path=ppt/slides/slide19.xml><?xml version="1.0" encoding="utf-8"?>
+<file path=ppt/slides/slide18.xml><?xml version="1.0" encoding="utf-8"?>
 <p:sld xmlns:a="http://schemas.openxmlformats.org/drawingml/2006/main" xmlns:r="http://schemas.openxmlformats.org/officeDocument/2006/relationships" xmlns:p="http://schemas.openxmlformats.org/presentationml/2006/main" showMasterSp="0">
   <p:cSld>
     <p:spTree>

--- a/기획단계/졸작 제안서_α.pptx
+++ b/기획단계/졸작 제안서_α.pptx
@@ -310,7 +310,7 @@
             <a:fld id="{B61BEF0D-F0BB-DE4B-95CE-6DB70DBA9567}" type="datetimeFigureOut">
               <a:rPr lang="en-US" smtClean="0"/>
               <a:pPr/>
-              <a:t>12/7/2019</a:t>
+              <a:t>12/8/2019</a:t>
             </a:fld>
             <a:endParaRPr lang="en-US" dirty="0"/>
           </a:p>
@@ -539,7 +539,7 @@
           <a:p>
             <a:fld id="{55C6B4A9-1611-4792-9094-5F34BCA07E0B}" type="datetimeFigureOut">
               <a:rPr lang="en-US" smtClean="0"/>
-              <a:t>12/7/2019</a:t>
+              <a:t>12/8/2019</a:t>
             </a:fld>
             <a:endParaRPr lang="en-US" dirty="0"/>
           </a:p>
@@ -720,7 +720,7 @@
             <a:fld id="{B61BEF0D-F0BB-DE4B-95CE-6DB70DBA9567}" type="datetimeFigureOut">
               <a:rPr lang="en-US" smtClean="0"/>
               <a:pPr/>
-              <a:t>12/7/2019</a:t>
+              <a:t>12/8/2019</a:t>
             </a:fld>
             <a:endParaRPr lang="en-US" dirty="0"/>
           </a:p>
@@ -891,7 +891,7 @@
           <a:p>
             <a:fld id="{42A54C80-263E-416B-A8E0-580EDEADCBDC}" type="datetimeFigureOut">
               <a:rPr lang="en-US" smtClean="0"/>
-              <a:t>12/7/2019</a:t>
+              <a:t>12/8/2019</a:t>
             </a:fld>
             <a:endParaRPr lang="en-US" dirty="0"/>
           </a:p>
@@ -1146,7 +1146,7 @@
             <a:fld id="{B61BEF0D-F0BB-DE4B-95CE-6DB70DBA9567}" type="datetimeFigureOut">
               <a:rPr lang="en-US" smtClean="0"/>
               <a:pPr/>
-              <a:t>12/7/2019</a:t>
+              <a:t>12/8/2019</a:t>
             </a:fld>
             <a:endParaRPr lang="en-US" dirty="0"/>
           </a:p>
@@ -1473,7 +1473,7 @@
           <a:p>
             <a:fld id="{42A54C80-263E-416B-A8E0-580EDEADCBDC}" type="datetimeFigureOut">
               <a:rPr lang="en-US" smtClean="0"/>
-              <a:t>12/7/2019</a:t>
+              <a:t>12/8/2019</a:t>
             </a:fld>
             <a:endParaRPr lang="en-US" dirty="0"/>
           </a:p>
@@ -1925,7 +1925,7 @@
             <a:fld id="{B61BEF0D-F0BB-DE4B-95CE-6DB70DBA9567}" type="datetimeFigureOut">
               <a:rPr lang="en-US" smtClean="0"/>
               <a:pPr/>
-              <a:t>12/7/2019</a:t>
+              <a:t>12/8/2019</a:t>
             </a:fld>
             <a:endParaRPr lang="en-US" dirty="0"/>
           </a:p>
@@ -2045,7 +2045,7 @@
             <a:fld id="{B61BEF0D-F0BB-DE4B-95CE-6DB70DBA9567}" type="datetimeFigureOut">
               <a:rPr lang="en-US" smtClean="0"/>
               <a:pPr/>
-              <a:t>12/7/2019</a:t>
+              <a:t>12/8/2019</a:t>
             </a:fld>
             <a:endParaRPr lang="en-US" dirty="0"/>
           </a:p>
@@ -2142,7 +2142,7 @@
             <a:fld id="{B61BEF0D-F0BB-DE4B-95CE-6DB70DBA9567}" type="datetimeFigureOut">
               <a:rPr lang="en-US" smtClean="0"/>
               <a:pPr/>
-              <a:t>12/7/2019</a:t>
+              <a:t>12/8/2019</a:t>
             </a:fld>
             <a:endParaRPr lang="en-US" dirty="0"/>
           </a:p>
@@ -2430,7 +2430,7 @@
           <a:p>
             <a:fld id="{42A54C80-263E-416B-A8E0-580EDEADCBDC}" type="datetimeFigureOut">
               <a:rPr lang="en-US" smtClean="0"/>
-              <a:t>12/7/2019</a:t>
+              <a:t>12/8/2019</a:t>
             </a:fld>
             <a:endParaRPr lang="en-US" dirty="0"/>
           </a:p>
@@ -2753,7 +2753,7 @@
             <a:fld id="{B61BEF0D-F0BB-DE4B-95CE-6DB70DBA9567}" type="datetimeFigureOut">
               <a:rPr lang="en-US" smtClean="0"/>
               <a:pPr/>
-              <a:t>12/7/2019</a:t>
+              <a:t>12/8/2019</a:t>
             </a:fld>
             <a:endParaRPr lang="en-US" dirty="0"/>
           </a:p>
@@ -3009,7 +3009,7 @@
             <a:fld id="{B61BEF0D-F0BB-DE4B-95CE-6DB70DBA9567}" type="datetimeFigureOut">
               <a:rPr lang="en-US" smtClean="0"/>
               <a:pPr/>
-              <a:t>12/7/2019</a:t>
+              <a:t>12/8/2019</a:t>
             </a:fld>
             <a:endParaRPr lang="en-US" dirty="0"/>
           </a:p>
@@ -7132,7 +7132,7 @@
         <p:spPr>
           <a:xfrm>
             <a:off x="1214717" y="4389861"/>
-            <a:ext cx="9201901" cy="2074918"/>
+            <a:ext cx="9201901" cy="1454758"/>
           </a:xfrm>
           <a:prstGeom prst="rect">
             <a:avLst/>
@@ -8079,7 +8079,7 @@
           <p:nvPr>
             <p:extLst>
               <p:ext uri="{D42A27DB-BD31-4B8C-83A1-F6EECF244321}">
-                <p14:modId xmlns:p14="http://schemas.microsoft.com/office/powerpoint/2010/main" val="1207002115"/>
+                <p14:modId xmlns:p14="http://schemas.microsoft.com/office/powerpoint/2010/main" val="1367937846"/>
               </p:ext>
             </p:extLst>
           </p:nvPr>
@@ -9474,7 +9474,7 @@
                         </a:spcAft>
                       </a:pPr>
                       <a:r>
-                        <a:rPr lang="ko-KR" altLang="en-US" sz="800" b="1" kern="0" spc="0" dirty="0">
+                        <a:rPr lang="ko-KR" altLang="en-US" sz="2000" b="1" kern="0" spc="0" dirty="0">
                           <a:solidFill>
                             <a:schemeClr val="bg1"/>
                           </a:solidFill>
@@ -9497,7 +9497,7 @@
                         </a:spcAft>
                       </a:pPr>
                       <a:r>
-                        <a:rPr lang="ko-KR" altLang="en-US" sz="800" b="1" kern="0" spc="0" dirty="0">
+                        <a:rPr lang="ko-KR" altLang="en-US" sz="2000" b="1" kern="0" spc="0" dirty="0">
                           <a:solidFill>
                             <a:schemeClr val="bg1"/>
                           </a:solidFill>
@@ -9520,7 +9520,7 @@
                         </a:spcAft>
                       </a:pPr>
                       <a:r>
-                        <a:rPr lang="ko-KR" altLang="en-US" sz="800" b="1" kern="0" spc="0" dirty="0">
+                        <a:rPr lang="ko-KR" altLang="en-US" sz="2000" b="1" kern="0" spc="0" dirty="0">
                           <a:solidFill>
                             <a:schemeClr val="bg1"/>
                           </a:solidFill>
@@ -9543,7 +9543,7 @@
                         </a:spcAft>
                       </a:pPr>
                       <a:r>
-                        <a:rPr lang="ko-KR" altLang="en-US" sz="800" b="1" kern="0" spc="0" dirty="0">
+                        <a:rPr lang="ko-KR" altLang="en-US" sz="2000" b="1" kern="0" spc="0" dirty="0">
                           <a:solidFill>
                             <a:schemeClr val="bg1"/>
                           </a:solidFill>
@@ -9869,7 +9869,7 @@
                         </a:spcAft>
                       </a:pPr>
                       <a:r>
-                        <a:rPr lang="ko-KR" altLang="en-US" sz="800" b="1" kern="0" spc="0" dirty="0">
+                        <a:rPr lang="ko-KR" altLang="en-US" sz="2000" b="1" kern="0" spc="0" dirty="0">
                           <a:solidFill>
                             <a:schemeClr val="bg1"/>
                           </a:solidFill>
@@ -9878,7 +9878,7 @@
                         </a:rPr>
                         <a:t>최</a:t>
                       </a:r>
-                      <a:endParaRPr lang="en-US" altLang="ko-KR" sz="800" b="1" kern="0" spc="0" dirty="0">
+                      <a:endParaRPr lang="en-US" altLang="ko-KR" sz="2000" b="1" kern="0" spc="0" dirty="0">
                         <a:solidFill>
                           <a:schemeClr val="bg1"/>
                         </a:solidFill>
@@ -9899,7 +9899,7 @@
                         </a:spcAft>
                       </a:pPr>
                       <a:r>
-                        <a:rPr lang="ko-KR" altLang="en-US" sz="800" b="1" kern="0" spc="0" dirty="0">
+                        <a:rPr lang="ko-KR" altLang="en-US" sz="2000" b="1" kern="0" spc="0" dirty="0">
                           <a:solidFill>
                             <a:schemeClr val="bg1"/>
                           </a:solidFill>
@@ -9908,7 +9908,7 @@
                         </a:rPr>
                         <a:t>종</a:t>
                       </a:r>
-                      <a:endParaRPr lang="en-US" altLang="ko-KR" sz="800" b="1" kern="0" spc="0" dirty="0">
+                      <a:endParaRPr lang="en-US" altLang="ko-KR" sz="2000" b="1" kern="0" spc="0" dirty="0">
                         <a:solidFill>
                           <a:schemeClr val="bg1"/>
                         </a:solidFill>
@@ -9929,7 +9929,7 @@
                         </a:spcAft>
                       </a:pPr>
                       <a:r>
-                        <a:rPr lang="ko-KR" altLang="en-US" sz="800" b="1" kern="0" spc="0" dirty="0">
+                        <a:rPr lang="ko-KR" altLang="en-US" sz="2000" b="1" kern="0" spc="0" dirty="0">
                           <a:solidFill>
                             <a:schemeClr val="bg1"/>
                           </a:solidFill>
@@ -9938,7 +9938,7 @@
                         </a:rPr>
                         <a:t>발</a:t>
                       </a:r>
-                      <a:endParaRPr lang="en-US" altLang="ko-KR" sz="800" b="1" kern="0" spc="0" dirty="0">
+                      <a:endParaRPr lang="en-US" altLang="ko-KR" sz="2000" b="1" kern="0" spc="0" dirty="0">
                         <a:solidFill>
                           <a:schemeClr val="bg1"/>
                         </a:solidFill>
@@ -9959,7 +9959,7 @@
                         </a:spcAft>
                       </a:pPr>
                       <a:r>
-                        <a:rPr lang="ko-KR" altLang="en-US" sz="800" b="1" kern="0" spc="0" dirty="0">
+                        <a:rPr lang="ko-KR" altLang="en-US" sz="2000" b="1" kern="0" spc="0" dirty="0">
                           <a:solidFill>
                             <a:schemeClr val="bg1"/>
                           </a:solidFill>
@@ -22615,21 +22615,21 @@
                 <a:latin typeface="+mn-ea"/>
                 <a:cs typeface="Aharoni" panose="02010803020104030203" pitchFamily="2" charset="-79"/>
               </a:rPr>
-              <a:t> 다른 것에 신경 쓰지않고 오로지 </a:t>
+              <a:t> 다른 것에 신경 쓰지않고 </a:t>
             </a:r>
             <a:r>
               <a:rPr lang="ko-KR" altLang="en-US" sz="1600" b="1" dirty="0">
                 <a:latin typeface="+mn-ea"/>
                 <a:cs typeface="Aharoni" panose="02010803020104030203" pitchFamily="2" charset="-79"/>
               </a:rPr>
-              <a:t>속도감</a:t>
+              <a:t>속도감과 레이스를</a:t>
             </a:r>
             <a:r>
               <a:rPr lang="ko-KR" altLang="en-US" sz="1600" dirty="0">
                 <a:latin typeface="+mn-ea"/>
                 <a:cs typeface="Aharoni" panose="02010803020104030203" pitchFamily="2" charset="-79"/>
               </a:rPr>
-              <a:t>만 즐길 수 있는 </a:t>
+              <a:t> 즐길 수 있는 </a:t>
             </a:r>
             <a:r>
               <a:rPr lang="ko-KR" altLang="en-US" sz="1600" b="1" dirty="0">

--- a/기획단계/졸작 제안서_α.pptx
+++ b/기획단계/졸작 제안서_α.pptx
@@ -310,7 +310,7 @@
             <a:fld id="{B61BEF0D-F0BB-DE4B-95CE-6DB70DBA9567}" type="datetimeFigureOut">
               <a:rPr lang="en-US" smtClean="0"/>
               <a:pPr/>
-              <a:t>12/8/2019</a:t>
+              <a:t>12/9/2019</a:t>
             </a:fld>
             <a:endParaRPr lang="en-US" dirty="0"/>
           </a:p>
@@ -539,7 +539,7 @@
           <a:p>
             <a:fld id="{55C6B4A9-1611-4792-9094-5F34BCA07E0B}" type="datetimeFigureOut">
               <a:rPr lang="en-US" smtClean="0"/>
-              <a:t>12/8/2019</a:t>
+              <a:t>12/9/2019</a:t>
             </a:fld>
             <a:endParaRPr lang="en-US" dirty="0"/>
           </a:p>
@@ -720,7 +720,7 @@
             <a:fld id="{B61BEF0D-F0BB-DE4B-95CE-6DB70DBA9567}" type="datetimeFigureOut">
               <a:rPr lang="en-US" smtClean="0"/>
               <a:pPr/>
-              <a:t>12/8/2019</a:t>
+              <a:t>12/9/2019</a:t>
             </a:fld>
             <a:endParaRPr lang="en-US" dirty="0"/>
           </a:p>
@@ -891,7 +891,7 @@
           <a:p>
             <a:fld id="{42A54C80-263E-416B-A8E0-580EDEADCBDC}" type="datetimeFigureOut">
               <a:rPr lang="en-US" smtClean="0"/>
-              <a:t>12/8/2019</a:t>
+              <a:t>12/9/2019</a:t>
             </a:fld>
             <a:endParaRPr lang="en-US" dirty="0"/>
           </a:p>
@@ -1146,7 +1146,7 @@
             <a:fld id="{B61BEF0D-F0BB-DE4B-95CE-6DB70DBA9567}" type="datetimeFigureOut">
               <a:rPr lang="en-US" smtClean="0"/>
               <a:pPr/>
-              <a:t>12/8/2019</a:t>
+              <a:t>12/9/2019</a:t>
             </a:fld>
             <a:endParaRPr lang="en-US" dirty="0"/>
           </a:p>
@@ -1473,7 +1473,7 @@
           <a:p>
             <a:fld id="{42A54C80-263E-416B-A8E0-580EDEADCBDC}" type="datetimeFigureOut">
               <a:rPr lang="en-US" smtClean="0"/>
-              <a:t>12/8/2019</a:t>
+              <a:t>12/9/2019</a:t>
             </a:fld>
             <a:endParaRPr lang="en-US" dirty="0"/>
           </a:p>
@@ -1925,7 +1925,7 @@
             <a:fld id="{B61BEF0D-F0BB-DE4B-95CE-6DB70DBA9567}" type="datetimeFigureOut">
               <a:rPr lang="en-US" smtClean="0"/>
               <a:pPr/>
-              <a:t>12/8/2019</a:t>
+              <a:t>12/9/2019</a:t>
             </a:fld>
             <a:endParaRPr lang="en-US" dirty="0"/>
           </a:p>
@@ -2045,7 +2045,7 @@
             <a:fld id="{B61BEF0D-F0BB-DE4B-95CE-6DB70DBA9567}" type="datetimeFigureOut">
               <a:rPr lang="en-US" smtClean="0"/>
               <a:pPr/>
-              <a:t>12/8/2019</a:t>
+              <a:t>12/9/2019</a:t>
             </a:fld>
             <a:endParaRPr lang="en-US" dirty="0"/>
           </a:p>
@@ -2142,7 +2142,7 @@
             <a:fld id="{B61BEF0D-F0BB-DE4B-95CE-6DB70DBA9567}" type="datetimeFigureOut">
               <a:rPr lang="en-US" smtClean="0"/>
               <a:pPr/>
-              <a:t>12/8/2019</a:t>
+              <a:t>12/9/2019</a:t>
             </a:fld>
             <a:endParaRPr lang="en-US" dirty="0"/>
           </a:p>
@@ -2430,7 +2430,7 @@
           <a:p>
             <a:fld id="{42A54C80-263E-416B-A8E0-580EDEADCBDC}" type="datetimeFigureOut">
               <a:rPr lang="en-US" smtClean="0"/>
-              <a:t>12/8/2019</a:t>
+              <a:t>12/9/2019</a:t>
             </a:fld>
             <a:endParaRPr lang="en-US" dirty="0"/>
           </a:p>
@@ -2753,7 +2753,7 @@
             <a:fld id="{B61BEF0D-F0BB-DE4B-95CE-6DB70DBA9567}" type="datetimeFigureOut">
               <a:rPr lang="en-US" smtClean="0"/>
               <a:pPr/>
-              <a:t>12/8/2019</a:t>
+              <a:t>12/9/2019</a:t>
             </a:fld>
             <a:endParaRPr lang="en-US" dirty="0"/>
           </a:p>
@@ -3009,7 +3009,7 @@
             <a:fld id="{B61BEF0D-F0BB-DE4B-95CE-6DB70DBA9567}" type="datetimeFigureOut">
               <a:rPr lang="en-US" smtClean="0"/>
               <a:pPr/>
-              <a:t>12/8/2019</a:t>
+              <a:t>12/9/2019</a:t>
             </a:fld>
             <a:endParaRPr lang="en-US" dirty="0"/>
           </a:p>
@@ -3847,6 +3847,98 @@
           </a:p>
         </p:txBody>
       </p:sp>
+      <p:sp>
+        <p:nvSpPr>
+          <p:cNvPr id="3" name="직사각형 2">
+            <a:extLst>
+              <a:ext uri="{FF2B5EF4-FFF2-40B4-BE49-F238E27FC236}">
+                <a16:creationId xmlns:a16="http://schemas.microsoft.com/office/drawing/2014/main" id="{AB8C3837-C091-4C84-BE73-8D4C9C17A831}"/>
+              </a:ext>
+            </a:extLst>
+          </p:cNvPr>
+          <p:cNvSpPr/>
+          <p:nvPr/>
+        </p:nvSpPr>
+        <p:spPr>
+          <a:xfrm>
+            <a:off x="1131216" y="5019870"/>
+            <a:ext cx="2262433" cy="1321013"/>
+          </a:xfrm>
+          <a:prstGeom prst="rect">
+            <a:avLst/>
+          </a:prstGeom>
+        </p:spPr>
+        <p:style>
+          <a:lnRef idx="2">
+            <a:schemeClr val="accent1">
+              <a:shade val="50000"/>
+            </a:schemeClr>
+          </a:lnRef>
+          <a:fillRef idx="1">
+            <a:schemeClr val="accent1"/>
+          </a:fillRef>
+          <a:effectRef idx="0">
+            <a:schemeClr val="accent1"/>
+          </a:effectRef>
+          <a:fontRef idx="minor">
+            <a:schemeClr val="lt1"/>
+          </a:fontRef>
+        </p:style>
+        <p:txBody>
+          <a:bodyPr rtlCol="0" anchor="ctr"/>
+          <a:lstStyle/>
+          <a:p>
+            <a:pPr algn="ctr"/>
+            <a:endParaRPr lang="ko-KR" altLang="en-US"/>
+          </a:p>
+        </p:txBody>
+      </p:sp>
+      <p:sp>
+        <p:nvSpPr>
+          <p:cNvPr id="6" name="직사각형 5">
+            <a:extLst>
+              <a:ext uri="{FF2B5EF4-FFF2-40B4-BE49-F238E27FC236}">
+                <a16:creationId xmlns:a16="http://schemas.microsoft.com/office/drawing/2014/main" id="{CABB0757-2641-448D-8A07-D2CB95051C6E}"/>
+              </a:ext>
+            </a:extLst>
+          </p:cNvPr>
+          <p:cNvSpPr/>
+          <p:nvPr/>
+        </p:nvSpPr>
+        <p:spPr>
+          <a:xfrm>
+            <a:off x="1131216" y="3698857"/>
+            <a:ext cx="2262433" cy="1321013"/>
+          </a:xfrm>
+          <a:prstGeom prst="rect">
+            <a:avLst/>
+          </a:prstGeom>
+        </p:spPr>
+        <p:style>
+          <a:lnRef idx="2">
+            <a:schemeClr val="accent1">
+              <a:shade val="50000"/>
+            </a:schemeClr>
+          </a:lnRef>
+          <a:fillRef idx="1">
+            <a:schemeClr val="accent1"/>
+          </a:fillRef>
+          <a:effectRef idx="0">
+            <a:schemeClr val="accent1"/>
+          </a:effectRef>
+          <a:fontRef idx="minor">
+            <a:schemeClr val="lt1"/>
+          </a:fontRef>
+        </p:style>
+        <p:txBody>
+          <a:bodyPr rtlCol="0" anchor="ctr"/>
+          <a:lstStyle/>
+          <a:p>
+            <a:pPr algn="ctr"/>
+            <a:endParaRPr lang="ko-KR" altLang="en-US"/>
+          </a:p>
+        </p:txBody>
+      </p:sp>
     </p:spTree>
     <p:extLst>
       <p:ext uri="{BB962C8B-B14F-4D97-AF65-F5344CB8AC3E}">
@@ -5100,7 +5192,14 @@
                 <a:latin typeface="HY헤드라인M" panose="02030600000101010101" pitchFamily="18" charset="-127"/>
                 <a:ea typeface="HY헤드라인M" panose="02030600000101010101" pitchFamily="18" charset="-127"/>
               </a:rPr>
-              <a:t>블러링</a:t>
+              <a:t>블러링을</a:t>
+            </a:r>
+            <a:r>
+              <a:rPr lang="ko-KR" altLang="en-US" sz="2400" dirty="0">
+                <a:latin typeface="HY헤드라인M" panose="02030600000101010101" pitchFamily="18" charset="-127"/>
+                <a:ea typeface="HY헤드라인M" panose="02030600000101010101" pitchFamily="18" charset="-127"/>
+              </a:rPr>
+              <a:t> 이용한 속도감 표현</a:t>
             </a:r>
             <a:endParaRPr lang="en-US" altLang="ko-KR" sz="2400" dirty="0">
               <a:latin typeface="HY헤드라인M" panose="02030600000101010101" pitchFamily="18" charset="-127"/>
@@ -5781,11 +5880,25 @@
           </a:p>
           <a:p>
             <a:r>
+              <a:rPr lang="en-US" altLang="ko-KR" sz="1600" dirty="0">
+                <a:latin typeface="HY헤드라인M" panose="02030600000101010101" pitchFamily="18" charset="-127"/>
+                <a:ea typeface="HY헤드라인M" panose="02030600000101010101" pitchFamily="18" charset="-127"/>
+              </a:rPr>
+              <a:t>-</a:t>
+            </a:r>
+            <a:r>
+              <a:rPr lang="ko-KR" altLang="en-US" sz="1600" dirty="0" err="1">
+                <a:latin typeface="HY헤드라인M" panose="02030600000101010101" pitchFamily="18" charset="-127"/>
+                <a:ea typeface="HY헤드라인M" panose="02030600000101010101" pitchFamily="18" charset="-127"/>
+              </a:rPr>
+              <a:t>셰이더</a:t>
+            </a:r>
+            <a:r>
               <a:rPr lang="ko-KR" altLang="en-US" sz="1600" dirty="0">
                 <a:latin typeface="HY헤드라인M" panose="02030600000101010101" pitchFamily="18" charset="-127"/>
                 <a:ea typeface="HY헤드라인M" panose="02030600000101010101" pitchFamily="18" charset="-127"/>
               </a:rPr>
-              <a:t>모델링</a:t>
+              <a:t> 프로그래밍 수강</a:t>
             </a:r>
             <a:endParaRPr lang="en-US" altLang="ko-KR" sz="1600" dirty="0">
               <a:latin typeface="HY헤드라인M" panose="02030600000101010101" pitchFamily="18" charset="-127"/>
@@ -5801,18 +5914,11 @@
               <a:t>-</a:t>
             </a:r>
             <a:r>
-              <a:rPr lang="ko-KR" altLang="en-US" sz="1600" dirty="0" err="1">
-                <a:latin typeface="HY헤드라인M" panose="02030600000101010101" pitchFamily="18" charset="-127"/>
-                <a:ea typeface="HY헤드라인M" panose="02030600000101010101" pitchFamily="18" charset="-127"/>
-              </a:rPr>
-              <a:t>셰이더</a:t>
-            </a:r>
-            <a:r>
               <a:rPr lang="ko-KR" altLang="en-US" sz="1600" dirty="0">
                 <a:latin typeface="HY헤드라인M" panose="02030600000101010101" pitchFamily="18" charset="-127"/>
                 <a:ea typeface="HY헤드라인M" panose="02030600000101010101" pitchFamily="18" charset="-127"/>
               </a:rPr>
-              <a:t> 프로그래밍 수강</a:t>
+              <a:t>네트워크 게임 프로그래밍 수강</a:t>
             </a:r>
             <a:endParaRPr lang="en-US" altLang="ko-KR" sz="1600" dirty="0">
               <a:latin typeface="HY헤드라인M" panose="02030600000101010101" pitchFamily="18" charset="-127"/>
@@ -5844,7 +5950,7 @@
                 <a:latin typeface="HY헤드라인M" panose="02030600000101010101" pitchFamily="18" charset="-127"/>
                 <a:ea typeface="HY헤드라인M" panose="02030600000101010101" pitchFamily="18" charset="-127"/>
               </a:rPr>
-              <a:t>-FBX SDK </a:t>
+              <a:t>-FBX SDK</a:t>
             </a:r>
           </a:p>
           <a:p>
@@ -6060,11 +6166,25 @@
           </a:p>
           <a:p>
             <a:r>
+              <a:rPr lang="en-US" altLang="ko-KR" sz="1600" dirty="0">
+                <a:latin typeface="HY헤드라인M" panose="02030600000101010101" pitchFamily="18" charset="-127"/>
+                <a:ea typeface="HY헤드라인M" panose="02030600000101010101" pitchFamily="18" charset="-127"/>
+              </a:rPr>
+              <a:t>-</a:t>
+            </a:r>
+            <a:r>
+              <a:rPr lang="ko-KR" altLang="en-US" sz="1600" dirty="0" err="1">
+                <a:latin typeface="HY헤드라인M" panose="02030600000101010101" pitchFamily="18" charset="-127"/>
+                <a:ea typeface="HY헤드라인M" panose="02030600000101010101" pitchFamily="18" charset="-127"/>
+              </a:rPr>
+              <a:t>셰이더</a:t>
+            </a:r>
+            <a:r>
               <a:rPr lang="ko-KR" altLang="en-US" sz="1600" dirty="0">
                 <a:latin typeface="HY헤드라인M" panose="02030600000101010101" pitchFamily="18" charset="-127"/>
                 <a:ea typeface="HY헤드라인M" panose="02030600000101010101" pitchFamily="18" charset="-127"/>
               </a:rPr>
-              <a:t>모델링</a:t>
+              <a:t> 프로그래밍 수강</a:t>
             </a:r>
             <a:endParaRPr lang="en-US" altLang="ko-KR" sz="1600" dirty="0">
               <a:latin typeface="HY헤드라인M" panose="02030600000101010101" pitchFamily="18" charset="-127"/>
@@ -6072,27 +6192,6 @@
             </a:endParaRPr>
           </a:p>
           <a:p>
-            <a:r>
-              <a:rPr lang="en-US" altLang="ko-KR" sz="1600" dirty="0">
-                <a:latin typeface="HY헤드라인M" panose="02030600000101010101" pitchFamily="18" charset="-127"/>
-                <a:ea typeface="HY헤드라인M" panose="02030600000101010101" pitchFamily="18" charset="-127"/>
-              </a:rPr>
-              <a:t>-</a:t>
-            </a:r>
-            <a:r>
-              <a:rPr lang="ko-KR" altLang="en-US" sz="1600" dirty="0" err="1">
-                <a:latin typeface="HY헤드라인M" panose="02030600000101010101" pitchFamily="18" charset="-127"/>
-                <a:ea typeface="HY헤드라인M" panose="02030600000101010101" pitchFamily="18" charset="-127"/>
-              </a:rPr>
-              <a:t>셰이더</a:t>
-            </a:r>
-            <a:r>
-              <a:rPr lang="ko-KR" altLang="en-US" sz="1600" dirty="0">
-                <a:latin typeface="HY헤드라인M" panose="02030600000101010101" pitchFamily="18" charset="-127"/>
-                <a:ea typeface="HY헤드라인M" panose="02030600000101010101" pitchFamily="18" charset="-127"/>
-              </a:rPr>
-              <a:t> 프로그래밍 수강</a:t>
-            </a:r>
             <a:endParaRPr lang="en-US" altLang="ko-KR" sz="1600" dirty="0">
               <a:latin typeface="HY헤드라인M" panose="02030600000101010101" pitchFamily="18" charset="-127"/>
               <a:ea typeface="HY헤드라인M" panose="02030600000101010101" pitchFamily="18" charset="-127"/>
@@ -6100,13 +6199,6 @@
           </a:p>
           <a:p>
             <a:r>
-              <a:rPr lang="en-US" altLang="ko-KR" sz="1600" dirty="0">
-                <a:latin typeface="HY헤드라인M" panose="02030600000101010101" pitchFamily="18" charset="-127"/>
-                <a:ea typeface="HY헤드라인M" panose="02030600000101010101" pitchFamily="18" charset="-127"/>
-              </a:rPr>
-              <a:t>-3D </a:t>
-            </a:r>
-            <a:r>
               <a:rPr lang="ko-KR" altLang="en-US" sz="1600" dirty="0">
                 <a:latin typeface="HY헤드라인M" panose="02030600000101010101" pitchFamily="18" charset="-127"/>
                 <a:ea typeface="HY헤드라인M" panose="02030600000101010101" pitchFamily="18" charset="-127"/>
@@ -6119,26 +6211,26 @@
             </a:endParaRPr>
           </a:p>
           <a:p>
+            <a:r>
+              <a:rPr lang="en-US" altLang="ko-KR" sz="1600" dirty="0">
+                <a:latin typeface="HY헤드라인M" panose="02030600000101010101" pitchFamily="18" charset="-127"/>
+                <a:ea typeface="HY헤드라인M" panose="02030600000101010101" pitchFamily="18" charset="-127"/>
+              </a:rPr>
+              <a:t>-3D </a:t>
+            </a:r>
+            <a:r>
+              <a:rPr lang="ko-KR" altLang="en-US" sz="1600" dirty="0">
+                <a:latin typeface="HY헤드라인M" panose="02030600000101010101" pitchFamily="18" charset="-127"/>
+                <a:ea typeface="HY헤드라인M" panose="02030600000101010101" pitchFamily="18" charset="-127"/>
+              </a:rPr>
+              <a:t>모델링</a:t>
+            </a:r>
             <a:endParaRPr lang="en-US" altLang="ko-KR" sz="1600" dirty="0">
               <a:latin typeface="HY헤드라인M" panose="02030600000101010101" pitchFamily="18" charset="-127"/>
               <a:ea typeface="HY헤드라인M" panose="02030600000101010101" pitchFamily="18" charset="-127"/>
             </a:endParaRPr>
           </a:p>
           <a:p>
-            <a:r>
-              <a:rPr lang="en-US" altLang="ko-KR" sz="1600" dirty="0">
-                <a:latin typeface="HY헤드라인M" panose="02030600000101010101" pitchFamily="18" charset="-127"/>
-                <a:ea typeface="HY헤드라인M" panose="02030600000101010101" pitchFamily="18" charset="-127"/>
-              </a:rPr>
-              <a:t>UI &amp; </a:t>
-            </a:r>
-            <a:r>
-              <a:rPr lang="ko-KR" altLang="en-US" sz="1600" dirty="0">
-                <a:latin typeface="HY헤드라인M" panose="02030600000101010101" pitchFamily="18" charset="-127"/>
-                <a:ea typeface="HY헤드라인M" panose="02030600000101010101" pitchFamily="18" charset="-127"/>
-              </a:rPr>
-              <a:t>레벨 디자인</a:t>
-            </a:r>
             <a:endParaRPr lang="en-US" altLang="ko-KR" sz="1600" dirty="0">
               <a:latin typeface="HY헤드라인M" panose="02030600000101010101" pitchFamily="18" charset="-127"/>
               <a:ea typeface="HY헤드라인M" panose="02030600000101010101" pitchFamily="18" charset="-127"/>
@@ -6150,14 +6242,14 @@
                 <a:latin typeface="HY헤드라인M" panose="02030600000101010101" pitchFamily="18" charset="-127"/>
                 <a:ea typeface="HY헤드라인M" panose="02030600000101010101" pitchFamily="18" charset="-127"/>
               </a:rPr>
-              <a:t>-</a:t>
+              <a:t>UI &amp; </a:t>
             </a:r>
             <a:r>
               <a:rPr lang="ko-KR" altLang="en-US" sz="1600" dirty="0">
                 <a:latin typeface="HY헤드라인M" panose="02030600000101010101" pitchFamily="18" charset="-127"/>
                 <a:ea typeface="HY헤드라인M" panose="02030600000101010101" pitchFamily="18" charset="-127"/>
               </a:rPr>
-              <a:t>게임 기획 수강</a:t>
+              <a:t>레벨 디자인</a:t>
             </a:r>
             <a:endParaRPr lang="en-US" altLang="ko-KR" sz="1600" dirty="0">
               <a:latin typeface="HY헤드라인M" panose="02030600000101010101" pitchFamily="18" charset="-127"/>
@@ -6177,21 +6269,7 @@
                 <a:latin typeface="HY헤드라인M" panose="02030600000101010101" pitchFamily="18" charset="-127"/>
                 <a:ea typeface="HY헤드라인M" panose="02030600000101010101" pitchFamily="18" charset="-127"/>
               </a:rPr>
-              <a:t>기획자 </a:t>
-            </a:r>
-            <a:r>
-              <a:rPr lang="ko-KR" altLang="en-US" sz="1600" dirty="0" err="1">
-                <a:latin typeface="HY헤드라인M" panose="02030600000101010101" pitchFamily="18" charset="-127"/>
-                <a:ea typeface="HY헤드라인M" panose="02030600000101010101" pitchFamily="18" charset="-127"/>
-              </a:rPr>
-              <a:t>특훈</a:t>
-            </a:r>
-            <a:r>
-              <a:rPr lang="ko-KR" altLang="en-US" sz="1600" dirty="0">
-                <a:latin typeface="HY헤드라인M" panose="02030600000101010101" pitchFamily="18" charset="-127"/>
-                <a:ea typeface="HY헤드라인M" panose="02030600000101010101" pitchFamily="18" charset="-127"/>
-              </a:rPr>
-              <a:t> 수강</a:t>
+              <a:t>게임 기획 수강</a:t>
             </a:r>
             <a:endParaRPr lang="en-US" altLang="ko-KR" sz="1600" dirty="0">
               <a:latin typeface="HY헤드라인M" panose="02030600000101010101" pitchFamily="18" charset="-127"/>
@@ -6199,6 +6277,34 @@
             </a:endParaRPr>
           </a:p>
           <a:p>
+            <a:r>
+              <a:rPr lang="en-US" altLang="ko-KR" sz="1600" dirty="0">
+                <a:latin typeface="HY헤드라인M" panose="02030600000101010101" pitchFamily="18" charset="-127"/>
+                <a:ea typeface="HY헤드라인M" panose="02030600000101010101" pitchFamily="18" charset="-127"/>
+              </a:rPr>
+              <a:t>-</a:t>
+            </a:r>
+            <a:r>
+              <a:rPr lang="ko-KR" altLang="en-US" sz="1600" dirty="0">
+                <a:latin typeface="HY헤드라인M" panose="02030600000101010101" pitchFamily="18" charset="-127"/>
+                <a:ea typeface="HY헤드라인M" panose="02030600000101010101" pitchFamily="18" charset="-127"/>
+              </a:rPr>
+              <a:t>기획자 </a:t>
+            </a:r>
+            <a:r>
+              <a:rPr lang="ko-KR" altLang="en-US" sz="1600" dirty="0" err="1">
+                <a:latin typeface="HY헤드라인M" panose="02030600000101010101" pitchFamily="18" charset="-127"/>
+                <a:ea typeface="HY헤드라인M" panose="02030600000101010101" pitchFamily="18" charset="-127"/>
+              </a:rPr>
+              <a:t>특훈</a:t>
+            </a:r>
+            <a:r>
+              <a:rPr lang="ko-KR" altLang="en-US" sz="1600" dirty="0">
+                <a:latin typeface="HY헤드라인M" panose="02030600000101010101" pitchFamily="18" charset="-127"/>
+                <a:ea typeface="HY헤드라인M" panose="02030600000101010101" pitchFamily="18" charset="-127"/>
+              </a:rPr>
+              <a:t> 수강</a:t>
+            </a:r>
             <a:endParaRPr lang="en-US" altLang="ko-KR" sz="1600" dirty="0">
               <a:latin typeface="HY헤드라인M" panose="02030600000101010101" pitchFamily="18" charset="-127"/>
               <a:ea typeface="HY헤드라인M" panose="02030600000101010101" pitchFamily="18" charset="-127"/>
@@ -6738,7 +6844,7 @@
         <p:spPr>
           <a:xfrm>
             <a:off x="1656790" y="2215303"/>
-            <a:ext cx="8878420" cy="1370580"/>
+            <a:ext cx="8878420" cy="1753382"/>
           </a:xfrm>
           <a:prstGeom prst="rect">
             <a:avLst/>
@@ -6813,6 +6919,32 @@
                 <a:ea typeface="HY헤드라인M" panose="02030600000101010101" pitchFamily="18" charset="-127"/>
               </a:rPr>
               <a:t>렌더링 최적화</a:t>
+            </a:r>
+            <a:endParaRPr lang="en-US" altLang="ko-KR" sz="2000" dirty="0">
+              <a:latin typeface="HY헤드라인M" panose="02030600000101010101" pitchFamily="18" charset="-127"/>
+              <a:ea typeface="HY헤드라인M" panose="02030600000101010101" pitchFamily="18" charset="-127"/>
+            </a:endParaRPr>
+          </a:p>
+          <a:p>
+            <a:endParaRPr lang="en-US" altLang="ko-KR" sz="2000" dirty="0">
+              <a:latin typeface="HY헤드라인M" panose="02030600000101010101" pitchFamily="18" charset="-127"/>
+              <a:ea typeface="HY헤드라인M" panose="02030600000101010101" pitchFamily="18" charset="-127"/>
+            </a:endParaRPr>
+          </a:p>
+          <a:p>
+            <a:r>
+              <a:rPr lang="en-US" altLang="ko-KR" sz="2000" dirty="0">
+                <a:latin typeface="HY헤드라인M" panose="02030600000101010101" pitchFamily="18" charset="-127"/>
+                <a:ea typeface="HY헤드라인M" panose="02030600000101010101" pitchFamily="18" charset="-127"/>
+              </a:rPr>
+              <a:t>	-	</a:t>
+            </a:r>
+            <a:r>
+              <a:rPr lang="ko-KR" altLang="en-US" sz="2000" dirty="0" err="1">
+                <a:latin typeface="HY헤드라인M" panose="02030600000101010101" pitchFamily="18" charset="-127"/>
+                <a:ea typeface="HY헤드라인M" panose="02030600000101010101" pitchFamily="18" charset="-127"/>
+              </a:rPr>
+              <a:t>블러링</a:t>
             </a:r>
             <a:endParaRPr lang="en-US" altLang="ko-KR" sz="2000" dirty="0">
               <a:latin typeface="HY헤드라인M" panose="02030600000101010101" pitchFamily="18" charset="-127"/>
@@ -7313,7 +7445,7 @@
                 <a:latin typeface="HY헤드라인M" panose="02030600000101010101" pitchFamily="18" charset="-127"/>
                 <a:ea typeface="HY헤드라인M" panose="02030600000101010101" pitchFamily="18" charset="-127"/>
               </a:rPr>
-              <a:t>그래서 우리는 어린시절부터 친근하게 다가온 공룡을 기체로 선택하였다</a:t>
+              <a:t>그래서 우리는 어린시절 친근하게 다가왔던 공룡을 기체로 선택하였다</a:t>
             </a:r>
             <a:r>
               <a:rPr lang="en-US" altLang="ko-KR" sz="1600" dirty="0">
@@ -7561,11 +7693,11 @@
           <a:p>
             <a:pPr algn="ctr"/>
             <a:r>
-              <a:rPr lang="ko-KR" altLang="en-US" sz="1600" dirty="0">
-                <a:latin typeface="HY헤드라인M" panose="02030600000101010101" pitchFamily="18" charset="-127"/>
-                <a:ea typeface="HY헤드라인M" panose="02030600000101010101" pitchFamily="18" charset="-127"/>
-              </a:rPr>
-              <a:t>우리 게임 </a:t>
+              <a:rPr lang="ko-KR" altLang="en-US" sz="1600" dirty="0" err="1">
+                <a:latin typeface="HY헤드라인M" panose="02030600000101010101" pitchFamily="18" charset="-127"/>
+                <a:ea typeface="HY헤드라인M" panose="02030600000101010101" pitchFamily="18" charset="-127"/>
+              </a:rPr>
+              <a:t>디노런의</a:t>
             </a:r>
             <a:r>
               <a:rPr lang="en-US" altLang="ko-KR" sz="1600" dirty="0">
@@ -8079,14 +8211,14 @@
           <p:nvPr>
             <p:extLst>
               <p:ext uri="{D42A27DB-BD31-4B8C-83A1-F6EECF244321}">
-                <p14:modId xmlns:p14="http://schemas.microsoft.com/office/powerpoint/2010/main" val="1367937846"/>
+                <p14:modId xmlns:p14="http://schemas.microsoft.com/office/powerpoint/2010/main" val="2898460550"/>
               </p:ext>
             </p:extLst>
           </p:nvPr>
         </p:nvGraphicFramePr>
         <p:xfrm>
           <a:off x="503035" y="1790558"/>
-          <a:ext cx="11185930" cy="4350578"/>
+          <a:ext cx="11185930" cy="4520896"/>
         </p:xfrm>
         <a:graphic>
           <a:graphicData uri="http://schemas.openxmlformats.org/drawingml/2006/table">
@@ -9018,7 +9150,7 @@
                         </a:spcAft>
                       </a:pPr>
                       <a:r>
-                        <a:rPr lang="ko-KR" altLang="en-US" sz="800" b="1" kern="0" spc="0" dirty="0">
+                        <a:rPr lang="ko-KR" altLang="en-US" sz="1000" b="1" kern="0" spc="0" dirty="0">
                           <a:solidFill>
                             <a:schemeClr val="bg1"/>
                           </a:solidFill>
@@ -10047,7 +10179,7 @@
                         </a:spcAft>
                       </a:pPr>
                       <a:r>
-                        <a:rPr lang="ko-KR" altLang="en-US" sz="800" b="1" kern="0" spc="0" dirty="0" err="1">
+                        <a:rPr lang="ko-KR" altLang="en-US" sz="1000" b="1" kern="0" spc="0" dirty="0" err="1">
                           <a:solidFill>
                             <a:schemeClr val="bg1"/>
                           </a:solidFill>
@@ -10056,7 +10188,7 @@
                         </a:rPr>
                         <a:t>셰이더</a:t>
                       </a:r>
-                      <a:endParaRPr lang="ko-KR" altLang="en-US" sz="800" b="1" kern="0" spc="0" dirty="0">
+                      <a:endParaRPr lang="ko-KR" altLang="en-US" sz="1000" b="1" kern="0" spc="0" dirty="0">
                         <a:solidFill>
                           <a:schemeClr val="bg1"/>
                         </a:solidFill>
@@ -10764,7 +10896,7 @@
                         </a:spcAft>
                       </a:pPr>
                       <a:r>
-                        <a:rPr lang="ko-KR" altLang="en-US" sz="800" b="1" kern="0" spc="0" dirty="0">
+                        <a:rPr lang="ko-KR" altLang="en-US" sz="1000" b="1" kern="0" spc="0" dirty="0">
                           <a:solidFill>
                             <a:schemeClr val="bg1"/>
                           </a:solidFill>
@@ -10774,7 +10906,7 @@
                         <a:t>게임 로직 </a:t>
                       </a:r>
                       <a:r>
-                        <a:rPr lang="en-US" altLang="ko-KR" sz="800" b="1" kern="0" spc="0" dirty="0">
+                        <a:rPr lang="en-US" altLang="ko-KR" sz="1000" b="1" kern="0" spc="0" dirty="0">
                           <a:solidFill>
                             <a:schemeClr val="bg1"/>
                           </a:solidFill>
@@ -10784,7 +10916,7 @@
                         <a:t>- </a:t>
                       </a:r>
                       <a:r>
-                        <a:rPr lang="ko-KR" altLang="en-US" sz="800" b="1" kern="0" spc="0" dirty="0">
+                        <a:rPr lang="ko-KR" altLang="en-US" sz="1000" b="1" kern="0" spc="0" dirty="0">
                           <a:solidFill>
                             <a:schemeClr val="bg1"/>
                           </a:solidFill>
@@ -11531,7 +11663,7 @@
                     <a:p>
                       <a:pPr algn="ctr" latinLnBrk="1"/>
                       <a:r>
-                        <a:rPr lang="ko-KR" altLang="en-US" sz="800" b="1" kern="0" spc="0" dirty="0">
+                        <a:rPr lang="ko-KR" altLang="en-US" sz="1000" b="1" kern="0" spc="0" dirty="0">
                           <a:solidFill>
                             <a:schemeClr val="bg1"/>
                           </a:solidFill>
@@ -11541,7 +11673,7 @@
                         <a:t>게임 로직 </a:t>
                       </a:r>
                       <a:r>
-                        <a:rPr lang="en-US" altLang="ko-KR" sz="800" b="1" kern="0" spc="0" dirty="0">
+                        <a:rPr lang="en-US" altLang="ko-KR" sz="1000" b="1" kern="0" spc="0" dirty="0">
                           <a:solidFill>
                             <a:schemeClr val="bg1"/>
                           </a:solidFill>
@@ -11551,7 +11683,7 @@
                         <a:t>– </a:t>
                       </a:r>
                       <a:r>
-                        <a:rPr lang="ko-KR" altLang="en-US" sz="800" b="1" kern="0" spc="0" dirty="0">
+                        <a:rPr lang="ko-KR" altLang="en-US" sz="1000" b="1" kern="0" spc="0" dirty="0">
                           <a:solidFill>
                             <a:schemeClr val="bg1"/>
                           </a:solidFill>
@@ -11560,7 +11692,7 @@
                         </a:rPr>
                         <a:t>대기 방</a:t>
                       </a:r>
-                      <a:endParaRPr lang="ko-KR" altLang="en-US" dirty="0"/>
+                      <a:endParaRPr lang="ko-KR" altLang="en-US" sz="1000" dirty="0"/>
                     </a:p>
                   </a:txBody>
                   <a:tcPr marL="63779" marR="63779" marT="17417" marB="17417" anchor="ctr">
@@ -12185,7 +12317,7 @@
                     <a:p>
                       <a:pPr algn="ctr" latinLnBrk="1"/>
                       <a:r>
-                        <a:rPr lang="ko-KR" altLang="en-US" sz="800" b="1" kern="0" spc="0" dirty="0">
+                        <a:rPr lang="ko-KR" altLang="en-US" sz="1000" b="1" kern="0" spc="0" dirty="0">
                           <a:solidFill>
                             <a:schemeClr val="bg1"/>
                           </a:solidFill>
@@ -12195,7 +12327,7 @@
                         <a:t>게임 로직 </a:t>
                       </a:r>
                       <a:r>
-                        <a:rPr lang="en-US" altLang="ko-KR" sz="800" b="1" kern="0" spc="0" dirty="0">
+                        <a:rPr lang="en-US" altLang="ko-KR" sz="1000" b="1" kern="0" spc="0" dirty="0">
                           <a:solidFill>
                             <a:schemeClr val="bg1"/>
                           </a:solidFill>
@@ -12205,7 +12337,7 @@
                         <a:t>– </a:t>
                       </a:r>
                       <a:r>
-                        <a:rPr lang="ko-KR" altLang="en-US" sz="800" b="1" kern="0" spc="0" dirty="0">
+                        <a:rPr lang="ko-KR" altLang="en-US" sz="1000" b="1" kern="0" spc="0" dirty="0">
                           <a:solidFill>
                             <a:schemeClr val="bg1"/>
                           </a:solidFill>
@@ -12214,7 +12346,7 @@
                         </a:rPr>
                         <a:t>인 게임</a:t>
                       </a:r>
-                      <a:endParaRPr lang="ko-KR" altLang="en-US" dirty="0"/>
+                      <a:endParaRPr lang="ko-KR" altLang="en-US" sz="1000" dirty="0"/>
                     </a:p>
                   </a:txBody>
                   <a:tcPr marL="63779" marR="63779" marT="17417" marB="17417" anchor="ctr">
@@ -12810,7 +12942,7 @@
                     <a:p>
                       <a:pPr algn="ctr" latinLnBrk="1"/>
                       <a:r>
-                        <a:rPr lang="ko-KR" altLang="en-US" sz="800" b="1" kern="0" spc="0">
+                        <a:rPr lang="ko-KR" altLang="en-US" sz="1000" b="1" kern="0" spc="0" dirty="0">
                           <a:solidFill>
                             <a:schemeClr val="bg1"/>
                           </a:solidFill>
@@ -12819,7 +12951,7 @@
                         </a:rPr>
                         <a:t>애니메이션</a:t>
                       </a:r>
-                      <a:endParaRPr lang="ko-KR" altLang="en-US" dirty="0"/>
+                      <a:endParaRPr lang="ko-KR" altLang="en-US" sz="1000" dirty="0"/>
                     </a:p>
                   </a:txBody>
                   <a:tcPr marL="63779" marR="63779" marT="17417" marB="17417" anchor="ctr">
@@ -13415,7 +13547,7 @@
                     <a:p>
                       <a:pPr algn="ctr" latinLnBrk="1"/>
                       <a:r>
-                        <a:rPr lang="en-US" altLang="ko-KR" sz="800" b="1" kern="0" spc="0">
+                        <a:rPr lang="en-US" altLang="ko-KR" sz="1000" b="1" kern="0" spc="0">
                           <a:solidFill>
                             <a:schemeClr val="bg1"/>
                           </a:solidFill>
@@ -13424,7 +13556,7 @@
                         </a:rPr>
                         <a:t>UI</a:t>
                       </a:r>
-                      <a:endParaRPr lang="ko-KR" altLang="en-US" dirty="0"/>
+                      <a:endParaRPr lang="ko-KR" altLang="en-US" sz="1000" dirty="0"/>
                     </a:p>
                   </a:txBody>
                   <a:tcPr marL="63779" marR="63779" marT="17417" marB="17417" anchor="ctr">
@@ -14020,7 +14152,7 @@
                     <a:p>
                       <a:pPr algn="ctr" latinLnBrk="1"/>
                       <a:r>
-                        <a:rPr lang="ko-KR" altLang="en-US" sz="800" b="1" kern="0" spc="0">
+                        <a:rPr lang="ko-KR" altLang="en-US" sz="1000" b="1" kern="0" spc="0" dirty="0">
                           <a:solidFill>
                             <a:schemeClr val="bg1"/>
                           </a:solidFill>
@@ -14029,7 +14161,7 @@
                         </a:rPr>
                         <a:t>그래픽 리소스</a:t>
                       </a:r>
-                      <a:endParaRPr lang="ko-KR" altLang="en-US" dirty="0"/>
+                      <a:endParaRPr lang="ko-KR" altLang="en-US" sz="1000" dirty="0"/>
                     </a:p>
                   </a:txBody>
                   <a:tcPr marL="63779" marR="63779" marT="17417" marB="17417" anchor="ctr">
@@ -14625,7 +14757,7 @@
                     <a:p>
                       <a:pPr algn="ctr" latinLnBrk="1"/>
                       <a:r>
-                        <a:rPr lang="ko-KR" altLang="en-US" sz="800" b="1" kern="0" spc="0">
+                        <a:rPr lang="ko-KR" altLang="en-US" sz="1000" b="1" kern="0" spc="0" dirty="0">
                           <a:solidFill>
                             <a:schemeClr val="bg1"/>
                           </a:solidFill>
@@ -14634,7 +14766,7 @@
                         </a:rPr>
                         <a:t>레벨디자인</a:t>
                       </a:r>
-                      <a:endParaRPr lang="ko-KR" altLang="en-US" dirty="0"/>
+                      <a:endParaRPr lang="ko-KR" altLang="en-US" sz="1000" dirty="0"/>
                     </a:p>
                   </a:txBody>
                   <a:tcPr marL="63779" marR="63779" marT="17417" marB="17417" anchor="ctr">
@@ -15841,7 +15973,7 @@
                         </a:spcAft>
                       </a:pPr>
                       <a:r>
-                        <a:rPr lang="ko-KR" altLang="en-US" sz="800" b="1" kern="0" spc="0" dirty="0">
+                        <a:rPr lang="ko-KR" altLang="en-US" sz="1000" b="1" kern="0" spc="0" dirty="0">
                           <a:solidFill>
                             <a:schemeClr val="bg1"/>
                           </a:solidFill>
@@ -16574,7 +16706,7 @@
                         </a:spcAft>
                       </a:pPr>
                       <a:r>
-                        <a:rPr lang="ko-KR" altLang="en-US" sz="800" b="1" kern="0" spc="0" dirty="0">
+                        <a:rPr lang="ko-KR" altLang="en-US" sz="1000" b="1" kern="0" spc="0" dirty="0">
                           <a:solidFill>
                             <a:schemeClr val="bg1"/>
                           </a:solidFill>
@@ -16583,7 +16715,7 @@
                         </a:rPr>
                         <a:t>네트워크 동기화</a:t>
                       </a:r>
-                      <a:endParaRPr lang="en-US" altLang="ko-KR" sz="800" b="1" kern="0" spc="0" dirty="0">
+                      <a:endParaRPr lang="en-US" altLang="ko-KR" sz="1000" b="1" kern="0" spc="0" dirty="0">
                         <a:solidFill>
                           <a:schemeClr val="bg1"/>
                         </a:solidFill>
@@ -16604,7 +16736,7 @@
                         </a:spcAft>
                       </a:pPr>
                       <a:r>
-                        <a:rPr lang="en-US" altLang="ko-KR" sz="800" b="1" kern="0" spc="0" dirty="0">
+                        <a:rPr lang="en-US" altLang="ko-KR" sz="1000" b="1" kern="0" spc="0" dirty="0">
                           <a:solidFill>
                             <a:schemeClr val="bg1"/>
                           </a:solidFill>
@@ -16613,7 +16745,7 @@
                         </a:rPr>
                         <a:t>DB</a:t>
                       </a:r>
-                      <a:endParaRPr lang="ko-KR" altLang="en-US" sz="800" b="1" kern="0" spc="0" dirty="0">
+                      <a:endParaRPr lang="ko-KR" altLang="en-US" sz="1000" b="1" kern="0" spc="0" dirty="0">
                         <a:solidFill>
                           <a:schemeClr val="bg1"/>
                         </a:solidFill>
@@ -17334,7 +17466,7 @@
                         </a:spcAft>
                       </a:pPr>
                       <a:r>
-                        <a:rPr lang="ko-KR" altLang="en-US" sz="800" b="1" kern="0" spc="0" dirty="0">
+                        <a:rPr lang="ko-KR" altLang="en-US" sz="1000" b="1" kern="0" spc="0" dirty="0">
                           <a:solidFill>
                             <a:schemeClr val="bg1"/>
                           </a:solidFill>
@@ -21524,7 +21656,7 @@
                 <a:latin typeface="HY헤드라인M" panose="02030600000101010101" pitchFamily="18" charset="-127"/>
                 <a:ea typeface="HY헤드라인M" panose="02030600000101010101" pitchFamily="18" charset="-127"/>
               </a:rPr>
-              <a:t>:220~250 ,</a:t>
+              <a:t>:220~250, </a:t>
             </a:r>
             <a:r>
               <a:rPr lang="ko-KR" altLang="en-US" dirty="0">

--- a/기획단계/졸작 제안서_α.pptx
+++ b/기획단계/졸작 제안서_α.pptx
@@ -13,16 +13,15 @@
     <p:sldId id="267" r:id="rId7"/>
     <p:sldId id="268" r:id="rId8"/>
     <p:sldId id="275" r:id="rId9"/>
-    <p:sldId id="261" r:id="rId10"/>
-    <p:sldId id="262" r:id="rId11"/>
-    <p:sldId id="263" r:id="rId12"/>
-    <p:sldId id="269" r:id="rId13"/>
-    <p:sldId id="264" r:id="rId14"/>
-    <p:sldId id="265" r:id="rId15"/>
-    <p:sldId id="270" r:id="rId16"/>
-    <p:sldId id="271" r:id="rId17"/>
-    <p:sldId id="276" r:id="rId18"/>
-    <p:sldId id="274" r:id="rId19"/>
+    <p:sldId id="276" r:id="rId10"/>
+    <p:sldId id="261" r:id="rId11"/>
+    <p:sldId id="262" r:id="rId12"/>
+    <p:sldId id="263" r:id="rId13"/>
+    <p:sldId id="269" r:id="rId14"/>
+    <p:sldId id="264" r:id="rId15"/>
+    <p:sldId id="265" r:id="rId16"/>
+    <p:sldId id="270" r:id="rId17"/>
+    <p:sldId id="271" r:id="rId18"/>
   </p:sldIdLst>
   <p:sldSz cx="12192000" cy="6858000"/>
   <p:notesSz cx="6858000" cy="9144000"/>
@@ -310,7 +309,7 @@
             <a:fld id="{B61BEF0D-F0BB-DE4B-95CE-6DB70DBA9567}" type="datetimeFigureOut">
               <a:rPr lang="en-US" smtClean="0"/>
               <a:pPr/>
-              <a:t>12/9/2019</a:t>
+              <a:t>12/10/2019</a:t>
             </a:fld>
             <a:endParaRPr lang="en-US" dirty="0"/>
           </a:p>
@@ -539,7 +538,7 @@
           <a:p>
             <a:fld id="{55C6B4A9-1611-4792-9094-5F34BCA07E0B}" type="datetimeFigureOut">
               <a:rPr lang="en-US" smtClean="0"/>
-              <a:t>12/9/2019</a:t>
+              <a:t>12/10/2019</a:t>
             </a:fld>
             <a:endParaRPr lang="en-US" dirty="0"/>
           </a:p>
@@ -720,7 +719,7 @@
             <a:fld id="{B61BEF0D-F0BB-DE4B-95CE-6DB70DBA9567}" type="datetimeFigureOut">
               <a:rPr lang="en-US" smtClean="0"/>
               <a:pPr/>
-              <a:t>12/9/2019</a:t>
+              <a:t>12/10/2019</a:t>
             </a:fld>
             <a:endParaRPr lang="en-US" dirty="0"/>
           </a:p>
@@ -891,7 +890,7 @@
           <a:p>
             <a:fld id="{42A54C80-263E-416B-A8E0-580EDEADCBDC}" type="datetimeFigureOut">
               <a:rPr lang="en-US" smtClean="0"/>
-              <a:t>12/9/2019</a:t>
+              <a:t>12/10/2019</a:t>
             </a:fld>
             <a:endParaRPr lang="en-US" dirty="0"/>
           </a:p>
@@ -1146,7 +1145,7 @@
             <a:fld id="{B61BEF0D-F0BB-DE4B-95CE-6DB70DBA9567}" type="datetimeFigureOut">
               <a:rPr lang="en-US" smtClean="0"/>
               <a:pPr/>
-              <a:t>12/9/2019</a:t>
+              <a:t>12/10/2019</a:t>
             </a:fld>
             <a:endParaRPr lang="en-US" dirty="0"/>
           </a:p>
@@ -1473,7 +1472,7 @@
           <a:p>
             <a:fld id="{42A54C80-263E-416B-A8E0-580EDEADCBDC}" type="datetimeFigureOut">
               <a:rPr lang="en-US" smtClean="0"/>
-              <a:t>12/9/2019</a:t>
+              <a:t>12/10/2019</a:t>
             </a:fld>
             <a:endParaRPr lang="en-US" dirty="0"/>
           </a:p>
@@ -1925,7 +1924,7 @@
             <a:fld id="{B61BEF0D-F0BB-DE4B-95CE-6DB70DBA9567}" type="datetimeFigureOut">
               <a:rPr lang="en-US" smtClean="0"/>
               <a:pPr/>
-              <a:t>12/9/2019</a:t>
+              <a:t>12/10/2019</a:t>
             </a:fld>
             <a:endParaRPr lang="en-US" dirty="0"/>
           </a:p>
@@ -2045,7 +2044,7 @@
             <a:fld id="{B61BEF0D-F0BB-DE4B-95CE-6DB70DBA9567}" type="datetimeFigureOut">
               <a:rPr lang="en-US" smtClean="0"/>
               <a:pPr/>
-              <a:t>12/9/2019</a:t>
+              <a:t>12/10/2019</a:t>
             </a:fld>
             <a:endParaRPr lang="en-US" dirty="0"/>
           </a:p>
@@ -2142,7 +2141,7 @@
             <a:fld id="{B61BEF0D-F0BB-DE4B-95CE-6DB70DBA9567}" type="datetimeFigureOut">
               <a:rPr lang="en-US" smtClean="0"/>
               <a:pPr/>
-              <a:t>12/9/2019</a:t>
+              <a:t>12/10/2019</a:t>
             </a:fld>
             <a:endParaRPr lang="en-US" dirty="0"/>
           </a:p>
@@ -2430,7 +2429,7 @@
           <a:p>
             <a:fld id="{42A54C80-263E-416B-A8E0-580EDEADCBDC}" type="datetimeFigureOut">
               <a:rPr lang="en-US" smtClean="0"/>
-              <a:t>12/9/2019</a:t>
+              <a:t>12/10/2019</a:t>
             </a:fld>
             <a:endParaRPr lang="en-US" dirty="0"/>
           </a:p>
@@ -2753,7 +2752,7 @@
             <a:fld id="{B61BEF0D-F0BB-DE4B-95CE-6DB70DBA9567}" type="datetimeFigureOut">
               <a:rPr lang="en-US" smtClean="0"/>
               <a:pPr/>
-              <a:t>12/9/2019</a:t>
+              <a:t>12/10/2019</a:t>
             </a:fld>
             <a:endParaRPr lang="en-US" dirty="0"/>
           </a:p>
@@ -3009,7 +3008,7 @@
             <a:fld id="{B61BEF0D-F0BB-DE4B-95CE-6DB70DBA9567}" type="datetimeFigureOut">
               <a:rPr lang="en-US" smtClean="0"/>
               <a:pPr/>
-              <a:t>12/9/2019</a:t>
+              <a:t>12/10/2019</a:t>
             </a:fld>
             <a:endParaRPr lang="en-US" dirty="0"/>
           </a:p>
@@ -3907,12 +3906,15 @@
         </p:nvSpPr>
         <p:spPr>
           <a:xfrm>
-            <a:off x="1131216" y="3698857"/>
-            <a:ext cx="2262433" cy="1321013"/>
+            <a:off x="1131216" y="4543720"/>
+            <a:ext cx="2262433" cy="476150"/>
           </a:xfrm>
           <a:prstGeom prst="rect">
             <a:avLst/>
           </a:prstGeom>
+          <a:solidFill>
+            <a:srgbClr val="618197"/>
+          </a:solidFill>
         </p:spPr>
         <p:style>
           <a:lnRef idx="2">
@@ -3935,7 +3937,10 @@
           <a:lstStyle/>
           <a:p>
             <a:pPr algn="ctr"/>
-            <a:endParaRPr lang="ko-KR" altLang="en-US"/>
+            <a:r>
+              <a:rPr lang="ko-KR" altLang="en-US" dirty="0"/>
+              <a:t>지도 교수 확인</a:t>
+            </a:r>
           </a:p>
         </p:txBody>
       </p:sp>
@@ -3969,6 +3974,98 @@
           <a:chExt cx="0" cy="0"/>
         </a:xfrm>
       </p:grpSpPr>
+      <p:cxnSp>
+        <p:nvCxnSpPr>
+          <p:cNvPr id="73" name="연결선: 꺾임 72">
+            <a:extLst>
+              <a:ext uri="{FF2B5EF4-FFF2-40B4-BE49-F238E27FC236}">
+                <a16:creationId xmlns:a16="http://schemas.microsoft.com/office/drawing/2014/main" id="{00AA4975-2D8C-4D59-97C7-406539283550}"/>
+              </a:ext>
+            </a:extLst>
+          </p:cNvPr>
+          <p:cNvCxnSpPr>
+            <a:cxnSpLocks/>
+            <a:endCxn id="9" idx="3"/>
+          </p:cNvCxnSpPr>
+          <p:nvPr/>
+        </p:nvCxnSpPr>
+        <p:spPr>
+          <a:xfrm rot="5400000">
+            <a:off x="4812381" y="2620942"/>
+            <a:ext cx="1418633" cy="444878"/>
+          </a:xfrm>
+          <a:prstGeom prst="bentConnector2">
+            <a:avLst/>
+          </a:prstGeom>
+          <a:ln w="38100">
+            <a:solidFill>
+              <a:srgbClr val="7030A0"/>
+            </a:solidFill>
+            <a:tailEnd type="triangle"/>
+          </a:ln>
+        </p:spPr>
+        <p:style>
+          <a:lnRef idx="1">
+            <a:schemeClr val="accent1"/>
+          </a:lnRef>
+          <a:fillRef idx="0">
+            <a:schemeClr val="accent1"/>
+          </a:fillRef>
+          <a:effectRef idx="0">
+            <a:schemeClr val="accent1"/>
+          </a:effectRef>
+          <a:fontRef idx="minor">
+            <a:schemeClr val="tx1"/>
+          </a:fontRef>
+        </p:style>
+      </p:cxnSp>
+      <p:cxnSp>
+        <p:nvCxnSpPr>
+          <p:cNvPr id="103" name="연결선: 꺾임 102">
+            <a:extLst>
+              <a:ext uri="{FF2B5EF4-FFF2-40B4-BE49-F238E27FC236}">
+                <a16:creationId xmlns:a16="http://schemas.microsoft.com/office/drawing/2014/main" id="{9AF661CE-1E66-4C73-AFD5-DBE8D634AB2B}"/>
+              </a:ext>
+            </a:extLst>
+          </p:cNvPr>
+          <p:cNvCxnSpPr>
+            <a:cxnSpLocks/>
+            <a:stCxn id="102" idx="2"/>
+          </p:cNvCxnSpPr>
+          <p:nvPr/>
+        </p:nvCxnSpPr>
+        <p:spPr>
+          <a:xfrm rot="5400000" flipH="1">
+            <a:off x="5997906" y="3014208"/>
+            <a:ext cx="877223" cy="1952348"/>
+          </a:xfrm>
+          <a:prstGeom prst="bentConnector4">
+            <a:avLst>
+              <a:gd name="adj1" fmla="val -26060"/>
+              <a:gd name="adj2" fmla="val 85815"/>
+            </a:avLst>
+          </a:prstGeom>
+          <a:ln w="38100">
+            <a:solidFill>
+              <a:srgbClr val="7030A0"/>
+            </a:solidFill>
+          </a:ln>
+        </p:spPr>
+        <p:style>
+          <a:lnRef idx="1">
+            <a:schemeClr val="accent1"/>
+          </a:lnRef>
+          <a:fillRef idx="0">
+            <a:schemeClr val="accent1"/>
+          </a:fillRef>
+          <a:effectRef idx="0">
+            <a:schemeClr val="accent1"/>
+          </a:effectRef>
+          <a:fontRef idx="minor">
+            <a:schemeClr val="tx1"/>
+          </a:fontRef>
+        </p:style>
+      </p:cxnSp>
       <p:sp>
         <p:nvSpPr>
           <p:cNvPr id="6" name="직사각형 5">
@@ -4024,7 +4121,7 @@
                 <a:latin typeface="HY헤드라인M" panose="02030600000101010101" pitchFamily="18" charset="-127"/>
                 <a:ea typeface="HY헤드라인M" panose="02030600000101010101" pitchFamily="18" charset="-127"/>
               </a:rPr>
-              <a:t>4</a:t>
+              <a:t>3</a:t>
             </a:r>
             <a:endParaRPr lang="ko-KR" altLang="en-US" sz="5400" dirty="0">
               <a:latin typeface="HY헤드라인M" panose="02030600000101010101" pitchFamily="18" charset="-127"/>
@@ -4066,18 +4163,32 @@
                 <a:latin typeface="HY헤드라인M" panose="02030600000101010101" pitchFamily="18" charset="-127"/>
                 <a:ea typeface="HY헤드라인M" panose="02030600000101010101" pitchFamily="18" charset="-127"/>
               </a:rPr>
-              <a:t>개발 환경</a:t>
-            </a:r>
-            <a:endParaRPr lang="ko-KR" altLang="en-US" dirty="0"/>
+              <a:t>게임 진행 </a:t>
+            </a:r>
+            <a:r>
+              <a:rPr lang="en-US" altLang="ko-KR" sz="2400" dirty="0">
+                <a:latin typeface="HY헤드라인M" panose="02030600000101010101" pitchFamily="18" charset="-127"/>
+                <a:ea typeface="HY헤드라인M" panose="02030600000101010101" pitchFamily="18" charset="-127"/>
+              </a:rPr>
+              <a:t>- </a:t>
+            </a:r>
+            <a:r>
+              <a:rPr lang="ko-KR" altLang="en-US" sz="2400" dirty="0">
+                <a:latin typeface="HY헤드라인M" panose="02030600000101010101" pitchFamily="18" charset="-127"/>
+                <a:ea typeface="HY헤드라인M" panose="02030600000101010101" pitchFamily="18" charset="-127"/>
+              </a:rPr>
+              <a:t>로직</a:t>
+            </a:r>
+            <a:endParaRPr lang="ko-KR" altLang="en-US" sz="2400" dirty="0"/>
           </a:p>
         </p:txBody>
       </p:sp>
       <p:sp>
         <p:nvSpPr>
-          <p:cNvPr id="18" name="직사각형 17">
+          <p:cNvPr id="2" name="직사각형 1">
             <a:extLst>
               <a:ext uri="{FF2B5EF4-FFF2-40B4-BE49-F238E27FC236}">
-                <a16:creationId xmlns:a16="http://schemas.microsoft.com/office/drawing/2014/main" id="{5CBE9646-2975-4B2D-88D4-6FA9D1A35E10}"/>
+                <a16:creationId xmlns:a16="http://schemas.microsoft.com/office/drawing/2014/main" id="{D84614F5-F88D-455A-A938-5611AF85CF9C}"/>
               </a:ext>
             </a:extLst>
           </p:cNvPr>
@@ -4086,19 +4197,12 @@
         </p:nvSpPr>
         <p:spPr>
           <a:xfrm>
-            <a:off x="1419225" y="1852589"/>
-            <a:ext cx="2495550" cy="500066"/>
+            <a:off x="2178420" y="2979392"/>
+            <a:ext cx="968188" cy="646331"/>
           </a:xfrm>
           <a:prstGeom prst="rect">
             <a:avLst/>
           </a:prstGeom>
-          <a:ln w="38100">
-            <a:solidFill>
-              <a:schemeClr val="tx1">
-                <a:lumMod val="85000"/>
-              </a:schemeClr>
-            </a:solidFill>
-          </a:ln>
         </p:spPr>
         <p:style>
           <a:lnRef idx="2">
@@ -4122,21 +4226,18 @@
           <a:p>
             <a:pPr algn="ctr"/>
             <a:r>
-              <a:rPr lang="en-US" altLang="ko-KR" sz="2000" dirty="0">
-                <a:latin typeface="HY헤드라인M" panose="02030600000101010101" pitchFamily="18" charset="-127"/>
-                <a:ea typeface="HY헤드라인M" panose="02030600000101010101" pitchFamily="18" charset="-127"/>
-              </a:rPr>
-              <a:t>Compiler</a:t>
+              <a:rPr lang="ko-KR" altLang="en-US" dirty="0"/>
+              <a:t>타이틀</a:t>
             </a:r>
           </a:p>
         </p:txBody>
       </p:sp>
       <p:sp>
         <p:nvSpPr>
-          <p:cNvPr id="20" name="직사각형 19">
+          <p:cNvPr id="4" name="직사각형 3">
             <a:extLst>
               <a:ext uri="{FF2B5EF4-FFF2-40B4-BE49-F238E27FC236}">
-                <a16:creationId xmlns:a16="http://schemas.microsoft.com/office/drawing/2014/main" id="{14AAF03F-DB56-423C-B407-3C9CB218D40F}"/>
+                <a16:creationId xmlns:a16="http://schemas.microsoft.com/office/drawing/2014/main" id="{F938F74F-999A-470D-87E3-9B70F49F26C1}"/>
               </a:ext>
             </a:extLst>
           </p:cNvPr>
@@ -4145,22 +4246,17 @@
         </p:nvSpPr>
         <p:spPr>
           <a:xfrm>
-            <a:off x="3914775" y="1852589"/>
-            <a:ext cx="6442312" cy="500066"/>
+            <a:off x="2178421" y="3625723"/>
+            <a:ext cx="968188" cy="236694"/>
           </a:xfrm>
           <a:prstGeom prst="rect">
             <a:avLst/>
           </a:prstGeom>
           <a:solidFill>
-            <a:srgbClr val="595959"/>
+            <a:schemeClr val="tx1">
+              <a:lumMod val="85000"/>
+            </a:schemeClr>
           </a:solidFill>
-          <a:ln w="38100">
-            <a:solidFill>
-              <a:schemeClr val="tx1">
-                <a:lumMod val="85000"/>
-              </a:schemeClr>
-            </a:solidFill>
-          </a:ln>
         </p:spPr>
         <p:style>
           <a:lnRef idx="2">
@@ -4184,21 +4280,22 @@
           <a:p>
             <a:pPr algn="ctr"/>
             <a:r>
-              <a:rPr lang="en-US" altLang="ko-KR" sz="2000" dirty="0">
-                <a:latin typeface="HY헤드라인M" panose="02030600000101010101" pitchFamily="18" charset="-127"/>
-                <a:ea typeface="HY헤드라인M" panose="02030600000101010101" pitchFamily="18" charset="-127"/>
-              </a:rPr>
-              <a:t>Visual Studio 2019</a:t>
+              <a:rPr lang="ko-KR" altLang="en-US" dirty="0">
+                <a:solidFill>
+                  <a:sysClr val="windowText" lastClr="000000"/>
+                </a:solidFill>
+              </a:rPr>
+              <a:t>로그인</a:t>
             </a:r>
           </a:p>
         </p:txBody>
       </p:sp>
       <p:sp>
         <p:nvSpPr>
-          <p:cNvPr id="21" name="직사각형 20">
+          <p:cNvPr id="8" name="직사각형 7">
             <a:extLst>
               <a:ext uri="{FF2B5EF4-FFF2-40B4-BE49-F238E27FC236}">
-                <a16:creationId xmlns:a16="http://schemas.microsoft.com/office/drawing/2014/main" id="{D005A083-5BD4-4B25-8861-CE5DA6F51BA2}"/>
+                <a16:creationId xmlns:a16="http://schemas.microsoft.com/office/drawing/2014/main" id="{5247BBEB-6016-4D40-91FE-176C76C64B64}"/>
               </a:ext>
             </a:extLst>
           </p:cNvPr>
@@ -4207,19 +4304,17 @@
         </p:nvSpPr>
         <p:spPr>
           <a:xfrm>
-            <a:off x="1419225" y="2545361"/>
-            <a:ext cx="2495550" cy="747716"/>
+            <a:off x="2178420" y="3875863"/>
+            <a:ext cx="968188" cy="236694"/>
           </a:xfrm>
           <a:prstGeom prst="rect">
             <a:avLst/>
           </a:prstGeom>
-          <a:ln w="38100">
-            <a:solidFill>
-              <a:schemeClr val="tx1">
-                <a:lumMod val="85000"/>
-              </a:schemeClr>
-            </a:solidFill>
-          </a:ln>
+          <a:solidFill>
+            <a:schemeClr val="tx1">
+              <a:lumMod val="85000"/>
+            </a:schemeClr>
+          </a:solidFill>
         </p:spPr>
         <p:style>
           <a:lnRef idx="2">
@@ -4243,35 +4338,22 @@
           <a:p>
             <a:pPr algn="ctr"/>
             <a:r>
-              <a:rPr lang="en-US" altLang="ko-KR" sz="2000" dirty="0">
-                <a:latin typeface="HY헤드라인M" panose="02030600000101010101" pitchFamily="18" charset="-127"/>
-                <a:ea typeface="HY헤드라인M" panose="02030600000101010101" pitchFamily="18" charset="-127"/>
-              </a:rPr>
-              <a:t>Graphics </a:t>
-            </a:r>
-          </a:p>
-          <a:p>
-            <a:pPr algn="ctr"/>
-            <a:r>
-              <a:rPr lang="en-US" altLang="ko-KR" sz="2000" dirty="0">
-                <a:latin typeface="HY헤드라인M" panose="02030600000101010101" pitchFamily="18" charset="-127"/>
-                <a:ea typeface="HY헤드라인M" panose="02030600000101010101" pitchFamily="18" charset="-127"/>
-              </a:rPr>
-              <a:t>Library</a:t>
-            </a:r>
-            <a:endParaRPr lang="ko-KR" altLang="en-US" sz="2000" dirty="0">
-              <a:latin typeface="HY헤드라인M" panose="02030600000101010101" pitchFamily="18" charset="-127"/>
-              <a:ea typeface="HY헤드라인M" panose="02030600000101010101" pitchFamily="18" charset="-127"/>
-            </a:endParaRPr>
+              <a:rPr lang="ko-KR" altLang="en-US" dirty="0">
+                <a:solidFill>
+                  <a:sysClr val="windowText" lastClr="000000"/>
+                </a:solidFill>
+              </a:rPr>
+              <a:t>종료</a:t>
+            </a:r>
           </a:p>
         </p:txBody>
       </p:sp>
       <p:sp>
         <p:nvSpPr>
-          <p:cNvPr id="22" name="직사각형 21">
+          <p:cNvPr id="9" name="직사각형 8">
             <a:extLst>
               <a:ext uri="{FF2B5EF4-FFF2-40B4-BE49-F238E27FC236}">
-                <a16:creationId xmlns:a16="http://schemas.microsoft.com/office/drawing/2014/main" id="{631478C3-089F-4D3A-8915-025AE8575E91}"/>
+                <a16:creationId xmlns:a16="http://schemas.microsoft.com/office/drawing/2014/main" id="{00FFA73E-1FE6-4DCE-BC28-DE815A462507}"/>
               </a:ext>
             </a:extLst>
           </p:cNvPr>
@@ -4280,22 +4362,12 @@
         </p:nvSpPr>
         <p:spPr>
           <a:xfrm>
-            <a:off x="3914775" y="2545361"/>
-            <a:ext cx="6442312" cy="752478"/>
+            <a:off x="4331070" y="3229532"/>
+            <a:ext cx="968188" cy="646331"/>
           </a:xfrm>
           <a:prstGeom prst="rect">
             <a:avLst/>
           </a:prstGeom>
-          <a:solidFill>
-            <a:srgbClr val="595959"/>
-          </a:solidFill>
-          <a:ln w="38100">
-            <a:solidFill>
-              <a:schemeClr val="tx1">
-                <a:lumMod val="85000"/>
-              </a:schemeClr>
-            </a:solidFill>
-          </a:ln>
         </p:spPr>
         <p:style>
           <a:lnRef idx="2">
@@ -4319,21 +4391,18 @@
           <a:p>
             <a:pPr algn="ctr"/>
             <a:r>
-              <a:rPr lang="en-US" altLang="ko-KR" sz="2000" dirty="0">
-                <a:latin typeface="HY헤드라인M" panose="02030600000101010101" pitchFamily="18" charset="-127"/>
-                <a:ea typeface="HY헤드라인M" panose="02030600000101010101" pitchFamily="18" charset="-127"/>
-              </a:rPr>
-              <a:t>DirectX 12</a:t>
+              <a:rPr lang="ko-KR" altLang="en-US" dirty="0"/>
+              <a:t>로비</a:t>
             </a:r>
           </a:p>
         </p:txBody>
       </p:sp>
       <p:sp>
         <p:nvSpPr>
-          <p:cNvPr id="23" name="직사각형 22">
+          <p:cNvPr id="10" name="직사각형 9">
             <a:extLst>
               <a:ext uri="{FF2B5EF4-FFF2-40B4-BE49-F238E27FC236}">
-                <a16:creationId xmlns:a16="http://schemas.microsoft.com/office/drawing/2014/main" id="{F90C45E9-58C0-4F51-BDD7-5DE2E4FA8988}"/>
+                <a16:creationId xmlns:a16="http://schemas.microsoft.com/office/drawing/2014/main" id="{6CB981B6-8664-43EC-9ADE-9945A5A53E4A}"/>
               </a:ext>
             </a:extLst>
           </p:cNvPr>
@@ -4342,19 +4411,17 @@
         </p:nvSpPr>
         <p:spPr>
           <a:xfrm>
-            <a:off x="1419225" y="3485783"/>
-            <a:ext cx="2495550" cy="747716"/>
+            <a:off x="4331070" y="3891542"/>
+            <a:ext cx="968188" cy="263587"/>
           </a:xfrm>
           <a:prstGeom prst="rect">
             <a:avLst/>
           </a:prstGeom>
-          <a:ln w="38100">
-            <a:solidFill>
-              <a:schemeClr val="tx1">
-                <a:lumMod val="85000"/>
-              </a:schemeClr>
-            </a:solidFill>
-          </a:ln>
+          <a:solidFill>
+            <a:schemeClr val="tx1">
+              <a:lumMod val="85000"/>
+            </a:schemeClr>
+          </a:solidFill>
         </p:spPr>
         <p:style>
           <a:lnRef idx="2">
@@ -4378,25 +4445,22 @@
           <a:p>
             <a:pPr algn="ctr"/>
             <a:r>
-              <a:rPr lang="en-US" altLang="ko-KR" sz="2000" dirty="0">
-                <a:latin typeface="HY헤드라인M" panose="02030600000101010101" pitchFamily="18" charset="-127"/>
-                <a:ea typeface="HY헤드라인M" panose="02030600000101010101" pitchFamily="18" charset="-127"/>
-              </a:rPr>
-              <a:t>Version Control System</a:t>
-            </a:r>
-            <a:endParaRPr lang="ko-KR" altLang="en-US" sz="2000" dirty="0">
-              <a:latin typeface="HY헤드라인M" panose="02030600000101010101" pitchFamily="18" charset="-127"/>
-              <a:ea typeface="HY헤드라인M" panose="02030600000101010101" pitchFamily="18" charset="-127"/>
-            </a:endParaRPr>
+              <a:rPr lang="ko-KR" altLang="en-US" dirty="0">
+                <a:solidFill>
+                  <a:sysClr val="windowText" lastClr="000000"/>
+                </a:solidFill>
+              </a:rPr>
+              <a:t>방 생성</a:t>
+            </a:r>
           </a:p>
         </p:txBody>
       </p:sp>
       <p:sp>
         <p:nvSpPr>
-          <p:cNvPr id="24" name="직사각형 23">
+          <p:cNvPr id="12" name="직사각형 11">
             <a:extLst>
               <a:ext uri="{FF2B5EF4-FFF2-40B4-BE49-F238E27FC236}">
-                <a16:creationId xmlns:a16="http://schemas.microsoft.com/office/drawing/2014/main" id="{4005B3B2-3A6D-432B-8D1E-E99DC3C9896D}"/>
+                <a16:creationId xmlns:a16="http://schemas.microsoft.com/office/drawing/2014/main" id="{901A0001-2E0B-42E1-BD7F-842DBFCD1754}"/>
               </a:ext>
             </a:extLst>
           </p:cNvPr>
@@ -4405,22 +4469,17 @@
         </p:nvSpPr>
         <p:spPr>
           <a:xfrm>
-            <a:off x="3914775" y="3490545"/>
-            <a:ext cx="6442312" cy="738192"/>
+            <a:off x="4331070" y="2952497"/>
+            <a:ext cx="968188" cy="277035"/>
           </a:xfrm>
           <a:prstGeom prst="rect">
             <a:avLst/>
           </a:prstGeom>
           <a:solidFill>
-            <a:srgbClr val="595959"/>
+            <a:schemeClr val="tx1">
+              <a:lumMod val="85000"/>
+            </a:schemeClr>
           </a:solidFill>
-          <a:ln w="38100">
-            <a:solidFill>
-              <a:schemeClr val="tx1">
-                <a:lumMod val="85000"/>
-              </a:schemeClr>
-            </a:solidFill>
-          </a:ln>
         </p:spPr>
         <p:style>
           <a:lnRef idx="2">
@@ -4444,21 +4503,22 @@
           <a:p>
             <a:pPr algn="ctr"/>
             <a:r>
-              <a:rPr lang="en-US" altLang="ko-KR" sz="2000" dirty="0">
-                <a:latin typeface="HY헤드라인M" panose="02030600000101010101" pitchFamily="18" charset="-127"/>
-                <a:ea typeface="HY헤드라인M" panose="02030600000101010101" pitchFamily="18" charset="-127"/>
-              </a:rPr>
-              <a:t>Git hub</a:t>
+              <a:rPr lang="ko-KR" altLang="en-US" dirty="0">
+                <a:solidFill>
+                  <a:sysClr val="windowText" lastClr="000000"/>
+                </a:solidFill>
+              </a:rPr>
+              <a:t>방 선택</a:t>
             </a:r>
           </a:p>
         </p:txBody>
       </p:sp>
       <p:sp>
         <p:nvSpPr>
-          <p:cNvPr id="25" name="직사각형 24">
+          <p:cNvPr id="13" name="직사각형 12">
             <a:extLst>
               <a:ext uri="{FF2B5EF4-FFF2-40B4-BE49-F238E27FC236}">
-                <a16:creationId xmlns:a16="http://schemas.microsoft.com/office/drawing/2014/main" id="{73F128A8-F66D-44D8-8FFC-5972337ABD1D}"/>
+                <a16:creationId xmlns:a16="http://schemas.microsoft.com/office/drawing/2014/main" id="{C959FF58-0AC7-42C8-87AA-64353733BA71}"/>
               </a:ext>
             </a:extLst>
           </p:cNvPr>
@@ -4467,19 +4527,12 @@
         </p:nvSpPr>
         <p:spPr>
           <a:xfrm>
-            <a:off x="1419225" y="4435729"/>
-            <a:ext cx="2495550" cy="500066"/>
+            <a:off x="6928598" y="3216083"/>
+            <a:ext cx="968188" cy="646331"/>
           </a:xfrm>
           <a:prstGeom prst="rect">
             <a:avLst/>
           </a:prstGeom>
-          <a:ln w="38100">
-            <a:solidFill>
-              <a:schemeClr val="tx1">
-                <a:lumMod val="85000"/>
-              </a:schemeClr>
-            </a:solidFill>
-          </a:ln>
         </p:spPr>
         <p:style>
           <a:lnRef idx="2">
@@ -4503,21 +4556,18 @@
           <a:p>
             <a:pPr algn="ctr"/>
             <a:r>
-              <a:rPr lang="en-US" altLang="ko-KR" sz="2000" dirty="0">
-                <a:latin typeface="HY헤드라인M" panose="02030600000101010101" pitchFamily="18" charset="-127"/>
-                <a:ea typeface="HY헤드라인M" panose="02030600000101010101" pitchFamily="18" charset="-127"/>
-              </a:rPr>
-              <a:t>OS</a:t>
+              <a:rPr lang="ko-KR" altLang="en-US" dirty="0"/>
+              <a:t>대기 방</a:t>
             </a:r>
           </a:p>
         </p:txBody>
       </p:sp>
       <p:sp>
         <p:nvSpPr>
-          <p:cNvPr id="26" name="직사각형 25">
+          <p:cNvPr id="16" name="직사각형 15">
             <a:extLst>
               <a:ext uri="{FF2B5EF4-FFF2-40B4-BE49-F238E27FC236}">
-                <a16:creationId xmlns:a16="http://schemas.microsoft.com/office/drawing/2014/main" id="{3AC0A49F-A9DB-4343-8A77-B167C3DCB5C4}"/>
+                <a16:creationId xmlns:a16="http://schemas.microsoft.com/office/drawing/2014/main" id="{1D74CADB-1E05-4222-95BA-364D4719A1CC}"/>
               </a:ext>
             </a:extLst>
           </p:cNvPr>
@@ -4526,22 +4576,12 @@
         </p:nvSpPr>
         <p:spPr>
           <a:xfrm>
-            <a:off x="3914775" y="4435729"/>
-            <a:ext cx="6442312" cy="500066"/>
+            <a:off x="9081248" y="3216085"/>
+            <a:ext cx="1550892" cy="646331"/>
           </a:xfrm>
           <a:prstGeom prst="rect">
             <a:avLst/>
           </a:prstGeom>
-          <a:solidFill>
-            <a:srgbClr val="595959"/>
-          </a:solidFill>
-          <a:ln w="38100">
-            <a:solidFill>
-              <a:schemeClr val="tx1">
-                <a:lumMod val="85000"/>
-              </a:schemeClr>
-            </a:solidFill>
-          </a:ln>
         </p:spPr>
         <p:style>
           <a:lnRef idx="2">
@@ -4565,21 +4605,18 @@
           <a:p>
             <a:pPr algn="ctr"/>
             <a:r>
-              <a:rPr lang="en-US" altLang="ko-KR" sz="2000" dirty="0">
-                <a:latin typeface="HY헤드라인M" panose="02030600000101010101" pitchFamily="18" charset="-127"/>
-                <a:ea typeface="HY헤드라인M" panose="02030600000101010101" pitchFamily="18" charset="-127"/>
-              </a:rPr>
-              <a:t>Windows 10</a:t>
+              <a:rPr lang="ko-KR" altLang="en-US" dirty="0"/>
+              <a:t>게임 화면</a:t>
             </a:r>
           </a:p>
         </p:txBody>
       </p:sp>
       <p:sp>
         <p:nvSpPr>
-          <p:cNvPr id="27" name="직사각형 26">
+          <p:cNvPr id="19" name="직사각형 18">
             <a:extLst>
               <a:ext uri="{FF2B5EF4-FFF2-40B4-BE49-F238E27FC236}">
-                <a16:creationId xmlns:a16="http://schemas.microsoft.com/office/drawing/2014/main" id="{A9A2E645-780B-4733-8C86-5D4513ACDBFE}"/>
+                <a16:creationId xmlns:a16="http://schemas.microsoft.com/office/drawing/2014/main" id="{DD67C9F4-CEAD-4730-9E8A-93E7B8DC72CB}"/>
               </a:ext>
             </a:extLst>
           </p:cNvPr>
@@ -4588,19 +4625,17 @@
         </p:nvSpPr>
         <p:spPr>
           <a:xfrm>
-            <a:off x="1419225" y="5133263"/>
-            <a:ext cx="2495550" cy="500066"/>
+            <a:off x="6928598" y="3889307"/>
+            <a:ext cx="968188" cy="263587"/>
           </a:xfrm>
           <a:prstGeom prst="rect">
             <a:avLst/>
           </a:prstGeom>
-          <a:ln w="38100">
-            <a:solidFill>
-              <a:schemeClr val="tx1">
-                <a:lumMod val="85000"/>
-              </a:schemeClr>
-            </a:solidFill>
-          </a:ln>
+          <a:solidFill>
+            <a:schemeClr val="tx1">
+              <a:lumMod val="85000"/>
+            </a:schemeClr>
+          </a:solidFill>
         </p:spPr>
         <p:style>
           <a:lnRef idx="2">
@@ -4624,21 +4659,115 @@
           <a:p>
             <a:pPr algn="ctr"/>
             <a:r>
-              <a:rPr lang="en-US" altLang="ko-KR" sz="2000" dirty="0">
-                <a:latin typeface="HY헤드라인M" panose="02030600000101010101" pitchFamily="18" charset="-127"/>
-                <a:ea typeface="HY헤드라인M" panose="02030600000101010101" pitchFamily="18" charset="-127"/>
-              </a:rPr>
-              <a:t>Resource</a:t>
+              <a:rPr lang="ko-KR" altLang="en-US" dirty="0">
+                <a:solidFill>
+                  <a:sysClr val="windowText" lastClr="000000"/>
+                </a:solidFill>
+              </a:rPr>
+              <a:t>맵 선택</a:t>
             </a:r>
           </a:p>
         </p:txBody>
       </p:sp>
+      <p:cxnSp>
+        <p:nvCxnSpPr>
+          <p:cNvPr id="27" name="직선 화살표 연결선 26">
+            <a:extLst>
+              <a:ext uri="{FF2B5EF4-FFF2-40B4-BE49-F238E27FC236}">
+                <a16:creationId xmlns:a16="http://schemas.microsoft.com/office/drawing/2014/main" id="{C38311B0-C846-4DCB-88D9-DE4867BAB52E}"/>
+              </a:ext>
+            </a:extLst>
+          </p:cNvPr>
+          <p:cNvCxnSpPr>
+            <a:cxnSpLocks/>
+            <a:endCxn id="19" idx="1"/>
+          </p:cNvCxnSpPr>
+          <p:nvPr/>
+        </p:nvCxnSpPr>
+        <p:spPr>
+          <a:xfrm>
+            <a:off x="6051175" y="4021101"/>
+            <a:ext cx="877423" cy="0"/>
+          </a:xfrm>
+          <a:prstGeom prst="straightConnector1">
+            <a:avLst/>
+          </a:prstGeom>
+          <a:ln w="38100">
+            <a:solidFill>
+              <a:srgbClr val="FFFF00"/>
+            </a:solidFill>
+            <a:tailEnd type="triangle"/>
+          </a:ln>
+        </p:spPr>
+        <p:style>
+          <a:lnRef idx="1">
+            <a:schemeClr val="accent1"/>
+          </a:lnRef>
+          <a:fillRef idx="0">
+            <a:schemeClr val="accent1"/>
+          </a:fillRef>
+          <a:effectRef idx="0">
+            <a:schemeClr val="accent1"/>
+          </a:effectRef>
+          <a:fontRef idx="minor">
+            <a:schemeClr val="tx1"/>
+          </a:fontRef>
+        </p:style>
+      </p:cxnSp>
+      <p:cxnSp>
+        <p:nvCxnSpPr>
+          <p:cNvPr id="40" name="연결선: 꺾임 39">
+            <a:extLst>
+              <a:ext uri="{FF2B5EF4-FFF2-40B4-BE49-F238E27FC236}">
+                <a16:creationId xmlns:a16="http://schemas.microsoft.com/office/drawing/2014/main" id="{F7A9509C-B353-4ED4-824A-7024A98CADBD}"/>
+              </a:ext>
+            </a:extLst>
+          </p:cNvPr>
+          <p:cNvCxnSpPr>
+            <a:cxnSpLocks/>
+            <a:stCxn id="4" idx="3"/>
+            <a:endCxn id="9" idx="1"/>
+          </p:cNvCxnSpPr>
+          <p:nvPr/>
+        </p:nvCxnSpPr>
+        <p:spPr>
+          <a:xfrm flipV="1">
+            <a:off x="3146609" y="3552698"/>
+            <a:ext cx="1184461" cy="191372"/>
+          </a:xfrm>
+          <a:prstGeom prst="bentConnector3">
+            <a:avLst>
+              <a:gd name="adj1" fmla="val 50000"/>
+            </a:avLst>
+          </a:prstGeom>
+          <a:ln w="38100">
+            <a:solidFill>
+              <a:srgbClr val="FFFF00"/>
+            </a:solidFill>
+            <a:tailEnd type="triangle"/>
+          </a:ln>
+        </p:spPr>
+        <p:style>
+          <a:lnRef idx="1">
+            <a:schemeClr val="accent1"/>
+          </a:lnRef>
+          <a:fillRef idx="0">
+            <a:schemeClr val="accent1"/>
+          </a:fillRef>
+          <a:effectRef idx="0">
+            <a:schemeClr val="accent1"/>
+          </a:effectRef>
+          <a:fontRef idx="minor">
+            <a:schemeClr val="tx1"/>
+          </a:fontRef>
+        </p:style>
+      </p:cxnSp>
       <p:sp>
         <p:nvSpPr>
-          <p:cNvPr id="28" name="직사각형 27">
+          <p:cNvPr id="43" name="직사각형 42">
             <a:extLst>
               <a:ext uri="{FF2B5EF4-FFF2-40B4-BE49-F238E27FC236}">
-                <a16:creationId xmlns:a16="http://schemas.microsoft.com/office/drawing/2014/main" id="{E3547CD1-8BD7-4E58-AAE3-5F4294E5F4CD}"/>
+                <a16:creationId xmlns:a16="http://schemas.microsoft.com/office/drawing/2014/main" id="{7E271A6B-DBF2-48D1-951D-654E93F893AA}"/>
               </a:ext>
             </a:extLst>
           </p:cNvPr>
@@ -4647,22 +4776,17 @@
         </p:nvSpPr>
         <p:spPr>
           <a:xfrm>
-            <a:off x="3914775" y="5138025"/>
-            <a:ext cx="6442312" cy="495304"/>
+            <a:off x="4331070" y="4165406"/>
+            <a:ext cx="968188" cy="236694"/>
           </a:xfrm>
           <a:prstGeom prst="rect">
             <a:avLst/>
           </a:prstGeom>
           <a:solidFill>
-            <a:srgbClr val="595959"/>
+            <a:schemeClr val="tx1">
+              <a:lumMod val="85000"/>
+            </a:schemeClr>
           </a:solidFill>
-          <a:ln w="38100">
-            <a:solidFill>
-              <a:schemeClr val="tx1">
-                <a:lumMod val="85000"/>
-              </a:schemeClr>
-            </a:solidFill>
-          </a:ln>
         </p:spPr>
         <p:style>
           <a:lnRef idx="2">
@@ -4686,21 +4810,22 @@
           <a:p>
             <a:pPr algn="ctr"/>
             <a:r>
-              <a:rPr lang="en-US" altLang="ko-KR" sz="2000" dirty="0">
-                <a:latin typeface="HY헤드라인M" panose="02030600000101010101" pitchFamily="18" charset="-127"/>
-                <a:ea typeface="HY헤드라인M" panose="02030600000101010101" pitchFamily="18" charset="-127"/>
-              </a:rPr>
-              <a:t>Photo shop	||	Zbrush	||	3DS max </a:t>
+              <a:rPr lang="ko-KR" altLang="en-US" dirty="0">
+                <a:solidFill>
+                  <a:sysClr val="windowText" lastClr="000000"/>
+                </a:solidFill>
+              </a:rPr>
+              <a:t>종료</a:t>
             </a:r>
           </a:p>
         </p:txBody>
       </p:sp>
       <p:sp>
         <p:nvSpPr>
-          <p:cNvPr id="29" name="직사각형 28">
+          <p:cNvPr id="44" name="직사각형 43">
             <a:extLst>
               <a:ext uri="{FF2B5EF4-FFF2-40B4-BE49-F238E27FC236}">
-                <a16:creationId xmlns:a16="http://schemas.microsoft.com/office/drawing/2014/main" id="{56882EAF-FF49-4879-AB04-DFBFFB00F541}"/>
+                <a16:creationId xmlns:a16="http://schemas.microsoft.com/office/drawing/2014/main" id="{564B1A15-71DD-49CE-9572-5310E304AC0E}"/>
               </a:ext>
             </a:extLst>
           </p:cNvPr>
@@ -4709,19 +4834,12 @@
         </p:nvSpPr>
         <p:spPr>
           <a:xfrm>
-            <a:off x="1419225" y="5826035"/>
-            <a:ext cx="2495550" cy="500066"/>
+            <a:off x="2178420" y="5478594"/>
+            <a:ext cx="968188" cy="646331"/>
           </a:xfrm>
           <a:prstGeom prst="rect">
             <a:avLst/>
           </a:prstGeom>
-          <a:ln w="38100">
-            <a:solidFill>
-              <a:schemeClr val="tx1">
-                <a:lumMod val="85000"/>
-              </a:schemeClr>
-            </a:solidFill>
-          </a:ln>
         </p:spPr>
         <p:style>
           <a:lnRef idx="2">
@@ -4745,21 +4863,110 @@
           <a:p>
             <a:pPr algn="ctr"/>
             <a:r>
-              <a:rPr lang="en-US" altLang="ko-KR" sz="2000" dirty="0">
-                <a:latin typeface="HY헤드라인M" panose="02030600000101010101" pitchFamily="18" charset="-127"/>
-                <a:ea typeface="HY헤드라인M" panose="02030600000101010101" pitchFamily="18" charset="-127"/>
-              </a:rPr>
-              <a:t>Animation</a:t>
+              <a:rPr lang="ko-KR" altLang="en-US" dirty="0"/>
+              <a:t>종료</a:t>
             </a:r>
           </a:p>
         </p:txBody>
       </p:sp>
+      <p:cxnSp>
+        <p:nvCxnSpPr>
+          <p:cNvPr id="45" name="연결선: 꺾임 44">
+            <a:extLst>
+              <a:ext uri="{FF2B5EF4-FFF2-40B4-BE49-F238E27FC236}">
+                <a16:creationId xmlns:a16="http://schemas.microsoft.com/office/drawing/2014/main" id="{1812F883-751F-4159-BD05-2B715514FC10}"/>
+              </a:ext>
+            </a:extLst>
+          </p:cNvPr>
+          <p:cNvCxnSpPr>
+            <a:cxnSpLocks/>
+            <a:stCxn id="8" idx="3"/>
+            <a:endCxn id="44" idx="3"/>
+          </p:cNvCxnSpPr>
+          <p:nvPr/>
+        </p:nvCxnSpPr>
+        <p:spPr>
+          <a:xfrm>
+            <a:off x="3146608" y="3994210"/>
+            <a:ext cx="12700" cy="1807550"/>
+          </a:xfrm>
+          <a:prstGeom prst="bentConnector3">
+            <a:avLst>
+              <a:gd name="adj1" fmla="val 4623520"/>
+            </a:avLst>
+          </a:prstGeom>
+          <a:ln w="38100">
+            <a:solidFill>
+              <a:srgbClr val="7030A0"/>
+            </a:solidFill>
+            <a:tailEnd type="triangle"/>
+          </a:ln>
+        </p:spPr>
+        <p:style>
+          <a:lnRef idx="1">
+            <a:schemeClr val="accent1"/>
+          </a:lnRef>
+          <a:fillRef idx="0">
+            <a:schemeClr val="accent1"/>
+          </a:fillRef>
+          <a:effectRef idx="0">
+            <a:schemeClr val="accent1"/>
+          </a:effectRef>
+          <a:fontRef idx="minor">
+            <a:schemeClr val="tx1"/>
+          </a:fontRef>
+        </p:style>
+      </p:cxnSp>
+      <p:cxnSp>
+        <p:nvCxnSpPr>
+          <p:cNvPr id="53" name="직선 연결선 52">
+            <a:extLst>
+              <a:ext uri="{FF2B5EF4-FFF2-40B4-BE49-F238E27FC236}">
+                <a16:creationId xmlns:a16="http://schemas.microsoft.com/office/drawing/2014/main" id="{2FDB7714-2E1F-427D-ABA5-CBC55F9106CC}"/>
+              </a:ext>
+            </a:extLst>
+          </p:cNvPr>
+          <p:cNvCxnSpPr>
+            <a:cxnSpLocks/>
+            <a:stCxn id="43" idx="1"/>
+          </p:cNvCxnSpPr>
+          <p:nvPr/>
+        </p:nvCxnSpPr>
+        <p:spPr>
+          <a:xfrm flipH="1">
+            <a:off x="3738839" y="4283753"/>
+            <a:ext cx="592231" cy="0"/>
+          </a:xfrm>
+          <a:prstGeom prst="line">
+            <a:avLst/>
+          </a:prstGeom>
+          <a:ln w="38100">
+            <a:solidFill>
+              <a:srgbClr val="7030A0"/>
+            </a:solidFill>
+          </a:ln>
+        </p:spPr>
+        <p:style>
+          <a:lnRef idx="1">
+            <a:schemeClr val="accent1"/>
+          </a:lnRef>
+          <a:fillRef idx="0">
+            <a:schemeClr val="accent1"/>
+          </a:fillRef>
+          <a:effectRef idx="0">
+            <a:schemeClr val="accent1"/>
+          </a:effectRef>
+          <a:fontRef idx="minor">
+            <a:schemeClr val="tx1"/>
+          </a:fontRef>
+        </p:style>
+      </p:cxnSp>
       <p:sp>
         <p:nvSpPr>
-          <p:cNvPr id="30" name="직사각형 29">
+          <p:cNvPr id="61" name="직사각형 60">
             <a:extLst>
               <a:ext uri="{FF2B5EF4-FFF2-40B4-BE49-F238E27FC236}">
-                <a16:creationId xmlns:a16="http://schemas.microsoft.com/office/drawing/2014/main" id="{E647CC39-1853-4A91-A740-6C1F2527946C}"/>
+                <a16:creationId xmlns:a16="http://schemas.microsoft.com/office/drawing/2014/main" id="{60F5BBB7-7357-411C-99CD-008ACCAF182A}"/>
               </a:ext>
             </a:extLst>
           </p:cNvPr>
@@ -4768,22 +4975,17 @@
         </p:nvSpPr>
         <p:spPr>
           <a:xfrm>
-            <a:off x="3914775" y="5830797"/>
-            <a:ext cx="6442312" cy="495304"/>
+            <a:off x="6928598" y="2934136"/>
+            <a:ext cx="968188" cy="277035"/>
           </a:xfrm>
           <a:prstGeom prst="rect">
             <a:avLst/>
           </a:prstGeom>
           <a:solidFill>
-            <a:srgbClr val="595959"/>
+            <a:schemeClr val="tx1">
+              <a:lumMod val="85000"/>
+            </a:schemeClr>
           </a:solidFill>
-          <a:ln w="38100">
-            <a:solidFill>
-              <a:schemeClr val="tx1">
-                <a:lumMod val="85000"/>
-              </a:schemeClr>
-            </a:solidFill>
-          </a:ln>
         </p:spPr>
         <p:style>
           <a:lnRef idx="2">
@@ -4807,11 +5009,421 @@
           <a:p>
             <a:pPr algn="ctr"/>
             <a:r>
-              <a:rPr lang="en-US" altLang="ko-KR" sz="2000" dirty="0">
-                <a:latin typeface="HY헤드라인M" panose="02030600000101010101" pitchFamily="18" charset="-127"/>
-                <a:ea typeface="HY헤드라인M" panose="02030600000101010101" pitchFamily="18" charset="-127"/>
-              </a:rPr>
-              <a:t>FBX SDK</a:t>
+              <a:rPr lang="ko-KR" altLang="en-US" dirty="0">
+                <a:solidFill>
+                  <a:sysClr val="windowText" lastClr="000000"/>
+                </a:solidFill>
+              </a:rPr>
+              <a:t>준비</a:t>
+            </a:r>
+          </a:p>
+        </p:txBody>
+      </p:sp>
+      <p:cxnSp>
+        <p:nvCxnSpPr>
+          <p:cNvPr id="63" name="연결선: 꺾임 62">
+            <a:extLst>
+              <a:ext uri="{FF2B5EF4-FFF2-40B4-BE49-F238E27FC236}">
+                <a16:creationId xmlns:a16="http://schemas.microsoft.com/office/drawing/2014/main" id="{8DA2254A-ACFC-4476-BBF6-8583B104903F}"/>
+              </a:ext>
+            </a:extLst>
+          </p:cNvPr>
+          <p:cNvCxnSpPr>
+            <a:cxnSpLocks/>
+            <a:stCxn id="61" idx="3"/>
+            <a:endCxn id="16" idx="1"/>
+          </p:cNvCxnSpPr>
+          <p:nvPr/>
+        </p:nvCxnSpPr>
+        <p:spPr>
+          <a:xfrm>
+            <a:off x="7896786" y="3072654"/>
+            <a:ext cx="1184462" cy="466597"/>
+          </a:xfrm>
+          <a:prstGeom prst="bentConnector3">
+            <a:avLst>
+              <a:gd name="adj1" fmla="val 50000"/>
+            </a:avLst>
+          </a:prstGeom>
+          <a:ln w="38100">
+            <a:solidFill>
+              <a:srgbClr val="FFFF00"/>
+            </a:solidFill>
+            <a:tailEnd type="triangle"/>
+          </a:ln>
+        </p:spPr>
+        <p:style>
+          <a:lnRef idx="1">
+            <a:schemeClr val="accent1"/>
+          </a:lnRef>
+          <a:fillRef idx="0">
+            <a:schemeClr val="accent1"/>
+          </a:fillRef>
+          <a:effectRef idx="0">
+            <a:schemeClr val="accent1"/>
+          </a:effectRef>
+          <a:fontRef idx="minor">
+            <a:schemeClr val="tx1"/>
+          </a:fontRef>
+        </p:style>
+      </p:cxnSp>
+      <p:sp>
+        <p:nvSpPr>
+          <p:cNvPr id="67" name="TextBox 66">
+            <a:extLst>
+              <a:ext uri="{FF2B5EF4-FFF2-40B4-BE49-F238E27FC236}">
+                <a16:creationId xmlns:a16="http://schemas.microsoft.com/office/drawing/2014/main" id="{F39A3DBB-2E7B-4414-8E3D-0B58671B1344}"/>
+              </a:ext>
+            </a:extLst>
+          </p:cNvPr>
+          <p:cNvSpPr txBox="1"/>
+          <p:nvPr/>
+        </p:nvSpPr>
+        <p:spPr>
+          <a:xfrm>
+            <a:off x="6829707" y="2474491"/>
+            <a:ext cx="1165970" cy="461665"/>
+          </a:xfrm>
+          <a:prstGeom prst="rect">
+            <a:avLst/>
+          </a:prstGeom>
+          <a:noFill/>
+        </p:spPr>
+        <p:txBody>
+          <a:bodyPr wrap="square" rtlCol="0">
+            <a:spAutoFit/>
+          </a:bodyPr>
+          <a:lstStyle/>
+          <a:p>
+            <a:r>
+              <a:rPr lang="ko-KR" altLang="en-US" sz="1200" dirty="0"/>
+              <a:t>모든 참가자가 </a:t>
+            </a:r>
+            <a:endParaRPr lang="en-US" altLang="ko-KR" sz="1200" dirty="0"/>
+          </a:p>
+          <a:p>
+            <a:r>
+              <a:rPr lang="ko-KR" altLang="en-US" sz="1200" dirty="0"/>
+              <a:t>준비하면 시작</a:t>
+            </a:r>
+          </a:p>
+        </p:txBody>
+      </p:sp>
+      <p:cxnSp>
+        <p:nvCxnSpPr>
+          <p:cNvPr id="72" name="연결선: 꺾임 71">
+            <a:extLst>
+              <a:ext uri="{FF2B5EF4-FFF2-40B4-BE49-F238E27FC236}">
+                <a16:creationId xmlns:a16="http://schemas.microsoft.com/office/drawing/2014/main" id="{C18131A6-0C36-44EF-A06D-22F74AC214F6}"/>
+              </a:ext>
+            </a:extLst>
+          </p:cNvPr>
+          <p:cNvCxnSpPr>
+            <a:cxnSpLocks/>
+            <a:stCxn id="16" idx="0"/>
+          </p:cNvCxnSpPr>
+          <p:nvPr/>
+        </p:nvCxnSpPr>
+        <p:spPr>
+          <a:xfrm rot="16200000" flipV="1">
+            <a:off x="7267246" y="626636"/>
+            <a:ext cx="1066341" cy="4112557"/>
+          </a:xfrm>
+          <a:prstGeom prst="bentConnector2">
+            <a:avLst/>
+          </a:prstGeom>
+          <a:ln w="38100">
+            <a:solidFill>
+              <a:srgbClr val="7030A0"/>
+            </a:solidFill>
+          </a:ln>
+        </p:spPr>
+        <p:style>
+          <a:lnRef idx="1">
+            <a:schemeClr val="accent1"/>
+          </a:lnRef>
+          <a:fillRef idx="0">
+            <a:schemeClr val="accent1"/>
+          </a:fillRef>
+          <a:effectRef idx="0">
+            <a:schemeClr val="accent1"/>
+          </a:effectRef>
+          <a:fontRef idx="minor">
+            <a:schemeClr val="tx1"/>
+          </a:fontRef>
+        </p:style>
+      </p:cxnSp>
+      <p:cxnSp>
+        <p:nvCxnSpPr>
+          <p:cNvPr id="90" name="직선 연결선 89">
+            <a:extLst>
+              <a:ext uri="{FF2B5EF4-FFF2-40B4-BE49-F238E27FC236}">
+                <a16:creationId xmlns:a16="http://schemas.microsoft.com/office/drawing/2014/main" id="{B25D4C9A-76C4-4A93-B429-3F08CC157A23}"/>
+              </a:ext>
+            </a:extLst>
+          </p:cNvPr>
+          <p:cNvCxnSpPr>
+            <a:stCxn id="10" idx="3"/>
+          </p:cNvCxnSpPr>
+          <p:nvPr/>
+        </p:nvCxnSpPr>
+        <p:spPr>
+          <a:xfrm flipV="1">
+            <a:off x="5299258" y="4021101"/>
+            <a:ext cx="751917" cy="2235"/>
+          </a:xfrm>
+          <a:prstGeom prst="line">
+            <a:avLst/>
+          </a:prstGeom>
+          <a:ln w="38100">
+            <a:solidFill>
+              <a:srgbClr val="FFFF00"/>
+            </a:solidFill>
+          </a:ln>
+        </p:spPr>
+        <p:style>
+          <a:lnRef idx="1">
+            <a:schemeClr val="accent1"/>
+          </a:lnRef>
+          <a:fillRef idx="0">
+            <a:schemeClr val="accent1"/>
+          </a:fillRef>
+          <a:effectRef idx="0">
+            <a:schemeClr val="accent1"/>
+          </a:effectRef>
+          <a:fontRef idx="minor">
+            <a:schemeClr val="tx1"/>
+          </a:fontRef>
+        </p:style>
+      </p:cxnSp>
+      <p:cxnSp>
+        <p:nvCxnSpPr>
+          <p:cNvPr id="91" name="직선 연결선 90">
+            <a:extLst>
+              <a:ext uri="{FF2B5EF4-FFF2-40B4-BE49-F238E27FC236}">
+                <a16:creationId xmlns:a16="http://schemas.microsoft.com/office/drawing/2014/main" id="{71807899-FF82-479F-B8B9-E8336B905ED9}"/>
+              </a:ext>
+            </a:extLst>
+          </p:cNvPr>
+          <p:cNvCxnSpPr>
+            <a:cxnSpLocks/>
+          </p:cNvCxnSpPr>
+          <p:nvPr/>
+        </p:nvCxnSpPr>
+        <p:spPr>
+          <a:xfrm>
+            <a:off x="6130880" y="3533217"/>
+            <a:ext cx="9947" cy="504000"/>
+          </a:xfrm>
+          <a:prstGeom prst="line">
+            <a:avLst/>
+          </a:prstGeom>
+          <a:ln w="38100">
+            <a:solidFill>
+              <a:srgbClr val="FFFF00"/>
+            </a:solidFill>
+          </a:ln>
+        </p:spPr>
+        <p:style>
+          <a:lnRef idx="1">
+            <a:schemeClr val="accent1"/>
+          </a:lnRef>
+          <a:fillRef idx="0">
+            <a:schemeClr val="accent1"/>
+          </a:fillRef>
+          <a:effectRef idx="0">
+            <a:schemeClr val="accent1"/>
+          </a:effectRef>
+          <a:fontRef idx="minor">
+            <a:schemeClr val="tx1"/>
+          </a:fontRef>
+        </p:style>
+      </p:cxnSp>
+      <p:cxnSp>
+        <p:nvCxnSpPr>
+          <p:cNvPr id="97" name="직선 연결선 96">
+            <a:extLst>
+              <a:ext uri="{FF2B5EF4-FFF2-40B4-BE49-F238E27FC236}">
+                <a16:creationId xmlns:a16="http://schemas.microsoft.com/office/drawing/2014/main" id="{5BF80517-6D1E-40A3-9E86-9E705BE7DF14}"/>
+              </a:ext>
+            </a:extLst>
+          </p:cNvPr>
+          <p:cNvCxnSpPr>
+            <a:cxnSpLocks/>
+            <a:stCxn id="12" idx="3"/>
+          </p:cNvCxnSpPr>
+          <p:nvPr/>
+        </p:nvCxnSpPr>
+        <p:spPr>
+          <a:xfrm flipV="1">
+            <a:off x="5299258" y="3087462"/>
+            <a:ext cx="831622" cy="3553"/>
+          </a:xfrm>
+          <a:prstGeom prst="line">
+            <a:avLst/>
+          </a:prstGeom>
+          <a:ln w="38100">
+            <a:solidFill>
+              <a:srgbClr val="00B050"/>
+            </a:solidFill>
+          </a:ln>
+        </p:spPr>
+        <p:style>
+          <a:lnRef idx="1">
+            <a:schemeClr val="accent1"/>
+          </a:lnRef>
+          <a:fillRef idx="0">
+            <a:schemeClr val="accent1"/>
+          </a:fillRef>
+          <a:effectRef idx="0">
+            <a:schemeClr val="accent1"/>
+          </a:effectRef>
+          <a:fontRef idx="minor">
+            <a:schemeClr val="tx1"/>
+          </a:fontRef>
+        </p:style>
+      </p:cxnSp>
+      <p:cxnSp>
+        <p:nvCxnSpPr>
+          <p:cNvPr id="100" name="직선 연결선 99">
+            <a:extLst>
+              <a:ext uri="{FF2B5EF4-FFF2-40B4-BE49-F238E27FC236}">
+                <a16:creationId xmlns:a16="http://schemas.microsoft.com/office/drawing/2014/main" id="{F7BC9513-CED9-4EDC-AE22-0B7BE0CB439B}"/>
+              </a:ext>
+            </a:extLst>
+          </p:cNvPr>
+          <p:cNvCxnSpPr>
+            <a:cxnSpLocks/>
+          </p:cNvCxnSpPr>
+          <p:nvPr/>
+        </p:nvCxnSpPr>
+        <p:spPr>
+          <a:xfrm>
+            <a:off x="6121354" y="3063128"/>
+            <a:ext cx="9947" cy="468000"/>
+          </a:xfrm>
+          <a:prstGeom prst="line">
+            <a:avLst/>
+          </a:prstGeom>
+          <a:ln w="38100">
+            <a:solidFill>
+              <a:srgbClr val="00B050"/>
+            </a:solidFill>
+          </a:ln>
+        </p:spPr>
+        <p:style>
+          <a:lnRef idx="1">
+            <a:schemeClr val="accent1"/>
+          </a:lnRef>
+          <a:fillRef idx="0">
+            <a:schemeClr val="accent1"/>
+          </a:fillRef>
+          <a:effectRef idx="0">
+            <a:schemeClr val="accent1"/>
+          </a:effectRef>
+          <a:fontRef idx="minor">
+            <a:schemeClr val="tx1"/>
+          </a:fontRef>
+        </p:style>
+      </p:cxnSp>
+      <p:cxnSp>
+        <p:nvCxnSpPr>
+          <p:cNvPr id="59" name="직선 화살표 연결선 58">
+            <a:extLst>
+              <a:ext uri="{FF2B5EF4-FFF2-40B4-BE49-F238E27FC236}">
+                <a16:creationId xmlns:a16="http://schemas.microsoft.com/office/drawing/2014/main" id="{FBEF38DB-F402-4A5E-B344-620C2CB57A72}"/>
+              </a:ext>
+            </a:extLst>
+          </p:cNvPr>
+          <p:cNvCxnSpPr>
+            <a:cxnSpLocks/>
+          </p:cNvCxnSpPr>
+          <p:nvPr/>
+        </p:nvCxnSpPr>
+        <p:spPr>
+          <a:xfrm flipV="1">
+            <a:off x="6105525" y="3539249"/>
+            <a:ext cx="828000" cy="4400"/>
+          </a:xfrm>
+          <a:prstGeom prst="straightConnector1">
+            <a:avLst/>
+          </a:prstGeom>
+          <a:ln w="38100">
+            <a:solidFill>
+              <a:srgbClr val="0070C0"/>
+            </a:solidFill>
+            <a:tailEnd type="triangle"/>
+          </a:ln>
+        </p:spPr>
+        <p:style>
+          <a:lnRef idx="1">
+            <a:schemeClr val="accent1"/>
+          </a:lnRef>
+          <a:fillRef idx="0">
+            <a:schemeClr val="accent1"/>
+          </a:fillRef>
+          <a:effectRef idx="0">
+            <a:schemeClr val="accent1"/>
+          </a:effectRef>
+          <a:fontRef idx="minor">
+            <a:schemeClr val="tx1"/>
+          </a:fontRef>
+        </p:style>
+      </p:cxnSp>
+      <p:sp>
+        <p:nvSpPr>
+          <p:cNvPr id="102" name="직사각형 101">
+            <a:extLst>
+              <a:ext uri="{FF2B5EF4-FFF2-40B4-BE49-F238E27FC236}">
+                <a16:creationId xmlns:a16="http://schemas.microsoft.com/office/drawing/2014/main" id="{C4260689-D879-4EC4-A059-0240EB0227F3}"/>
+              </a:ext>
+            </a:extLst>
+          </p:cNvPr>
+          <p:cNvSpPr/>
+          <p:nvPr/>
+        </p:nvSpPr>
+        <p:spPr>
+          <a:xfrm>
+            <a:off x="6928598" y="4165406"/>
+            <a:ext cx="968188" cy="263587"/>
+          </a:xfrm>
+          <a:prstGeom prst="rect">
+            <a:avLst/>
+          </a:prstGeom>
+          <a:solidFill>
+            <a:schemeClr val="tx1">
+              <a:lumMod val="85000"/>
+            </a:schemeClr>
+          </a:solidFill>
+        </p:spPr>
+        <p:style>
+          <a:lnRef idx="2">
+            <a:schemeClr val="accent1">
+              <a:shade val="50000"/>
+            </a:schemeClr>
+          </a:lnRef>
+          <a:fillRef idx="1">
+            <a:schemeClr val="accent1"/>
+          </a:fillRef>
+          <a:effectRef idx="0">
+            <a:schemeClr val="accent1"/>
+          </a:effectRef>
+          <a:fontRef idx="minor">
+            <a:schemeClr val="lt1"/>
+          </a:fontRef>
+        </p:style>
+        <p:txBody>
+          <a:bodyPr rtlCol="0" anchor="ctr"/>
+          <a:lstStyle/>
+          <a:p>
+            <a:pPr algn="ctr"/>
+            <a:r>
+              <a:rPr lang="ko-KR" altLang="en-US" dirty="0">
+                <a:solidFill>
+                  <a:sysClr val="windowText" lastClr="000000"/>
+                </a:solidFill>
+              </a:rPr>
+              <a:t>나가기</a:t>
             </a:r>
           </a:p>
         </p:txBody>
@@ -4819,7 +5431,7 @@
     </p:spTree>
     <p:extLst>
       <p:ext uri="{BB962C8B-B14F-4D97-AF65-F5344CB8AC3E}">
-        <p14:creationId xmlns:p14="http://schemas.microsoft.com/office/powerpoint/2010/main" val="3151176218"/>
+        <p14:creationId xmlns:p14="http://schemas.microsoft.com/office/powerpoint/2010/main" val="4181529946"/>
       </p:ext>
     </p:extLst>
   </p:cSld>
@@ -4901,7 +5513,7 @@
                 <a:latin typeface="HY헤드라인M" panose="02030600000101010101" pitchFamily="18" charset="-127"/>
                 <a:ea typeface="HY헤드라인M" panose="02030600000101010101" pitchFamily="18" charset="-127"/>
               </a:rPr>
-              <a:t>5</a:t>
+              <a:t>4</a:t>
             </a:r>
             <a:endParaRPr lang="ko-KR" altLang="en-US" sz="5400" dirty="0">
               <a:latin typeface="HY헤드라인M" panose="02030600000101010101" pitchFamily="18" charset="-127"/>
@@ -4925,7 +5537,7 @@
         <p:spPr>
           <a:xfrm>
             <a:off x="1419225" y="393221"/>
-            <a:ext cx="7000875" cy="646331"/>
+            <a:ext cx="3895725" cy="646331"/>
           </a:xfrm>
           <a:prstGeom prst="rect">
             <a:avLst/>
@@ -4943,7 +5555,7 @@
                 <a:latin typeface="HY헤드라인M" panose="02030600000101010101" pitchFamily="18" charset="-127"/>
                 <a:ea typeface="HY헤드라인M" panose="02030600000101010101" pitchFamily="18" charset="-127"/>
               </a:rPr>
-              <a:t>기술적 요소</a:t>
+              <a:t>개발 환경</a:t>
             </a:r>
             <a:endParaRPr lang="ko-KR" altLang="en-US" dirty="0"/>
           </a:p>
@@ -4951,10 +5563,10 @@
       </p:sp>
       <p:sp>
         <p:nvSpPr>
-          <p:cNvPr id="4" name="직사각형 3">
+          <p:cNvPr id="18" name="직사각형 17">
             <a:extLst>
               <a:ext uri="{FF2B5EF4-FFF2-40B4-BE49-F238E27FC236}">
-                <a16:creationId xmlns:a16="http://schemas.microsoft.com/office/drawing/2014/main" id="{C7A9A389-7B45-4FDD-BB1C-85EDD793729F}"/>
+                <a16:creationId xmlns:a16="http://schemas.microsoft.com/office/drawing/2014/main" id="{5CBE9646-2975-4B2D-88D4-6FA9D1A35E10}"/>
               </a:ext>
             </a:extLst>
           </p:cNvPr>
@@ -4963,8 +5575,8 @@
         </p:nvSpPr>
         <p:spPr>
           <a:xfrm>
-            <a:off x="5101313" y="1298097"/>
-            <a:ext cx="1989374" cy="809625"/>
+            <a:off x="1419225" y="1852589"/>
+            <a:ext cx="2495550" cy="500066"/>
           </a:xfrm>
           <a:prstGeom prst="rect">
             <a:avLst/>
@@ -4999,21 +5611,21 @@
           <a:p>
             <a:pPr algn="ctr"/>
             <a:r>
-              <a:rPr lang="ko-KR" altLang="en-US" sz="2800" dirty="0">
-                <a:latin typeface="HY헤드라인M" panose="02030600000101010101" pitchFamily="18" charset="-127"/>
-                <a:ea typeface="HY헤드라인M" panose="02030600000101010101" pitchFamily="18" charset="-127"/>
-              </a:rPr>
-              <a:t>클라이언트</a:t>
+              <a:rPr lang="en-US" altLang="ko-KR" sz="2000" dirty="0">
+                <a:latin typeface="HY헤드라인M" panose="02030600000101010101" pitchFamily="18" charset="-127"/>
+                <a:ea typeface="HY헤드라인M" panose="02030600000101010101" pitchFamily="18" charset="-127"/>
+              </a:rPr>
+              <a:t>Compiler</a:t>
             </a:r>
           </a:p>
         </p:txBody>
       </p:sp>
       <p:sp>
         <p:nvSpPr>
-          <p:cNvPr id="10" name="직사각형 9">
+          <p:cNvPr id="20" name="직사각형 19">
             <a:extLst>
               <a:ext uri="{FF2B5EF4-FFF2-40B4-BE49-F238E27FC236}">
-                <a16:creationId xmlns:a16="http://schemas.microsoft.com/office/drawing/2014/main" id="{F3625E38-9DD3-4442-BF57-8A052A202C27}"/>
+                <a16:creationId xmlns:a16="http://schemas.microsoft.com/office/drawing/2014/main" id="{14AAF03F-DB56-423C-B407-3C9CB218D40F}"/>
               </a:ext>
             </a:extLst>
           </p:cNvPr>
@@ -5022,67 +5634,8 @@
         </p:nvSpPr>
         <p:spPr>
           <a:xfrm>
-            <a:off x="1924051" y="2366267"/>
-            <a:ext cx="8878420" cy="809625"/>
-          </a:xfrm>
-          <a:prstGeom prst="rect">
-            <a:avLst/>
-          </a:prstGeom>
-          <a:ln w="38100">
-            <a:solidFill>
-              <a:schemeClr val="tx1">
-                <a:lumMod val="85000"/>
-              </a:schemeClr>
-            </a:solidFill>
-          </a:ln>
-        </p:spPr>
-        <p:style>
-          <a:lnRef idx="2">
-            <a:schemeClr val="accent1">
-              <a:shade val="50000"/>
-            </a:schemeClr>
-          </a:lnRef>
-          <a:fillRef idx="1">
-            <a:schemeClr val="accent1"/>
-          </a:fillRef>
-          <a:effectRef idx="0">
-            <a:schemeClr val="accent1"/>
-          </a:effectRef>
-          <a:fontRef idx="minor">
-            <a:schemeClr val="lt1"/>
-          </a:fontRef>
-        </p:style>
-        <p:txBody>
-          <a:bodyPr rtlCol="0" anchor="ctr"/>
-          <a:lstStyle/>
-          <a:p>
-            <a:pPr algn="ctr"/>
-            <a:r>
-              <a:rPr lang="ko-KR" altLang="en-US" sz="2800" dirty="0">
-                <a:latin typeface="HY헤드라인M" panose="02030600000101010101" pitchFamily="18" charset="-127"/>
-                <a:ea typeface="HY헤드라인M" panose="02030600000101010101" pitchFamily="18" charset="-127"/>
-              </a:rPr>
-              <a:t>기술적 요소</a:t>
-            </a:r>
-          </a:p>
-        </p:txBody>
-      </p:sp>
-      <p:sp>
-        <p:nvSpPr>
-          <p:cNvPr id="7" name="직사각형 6">
-            <a:extLst>
-              <a:ext uri="{FF2B5EF4-FFF2-40B4-BE49-F238E27FC236}">
-                <a16:creationId xmlns:a16="http://schemas.microsoft.com/office/drawing/2014/main" id="{279B02B2-5E4C-4558-BAFE-F64A24F0DBA3}"/>
-              </a:ext>
-            </a:extLst>
-          </p:cNvPr>
-          <p:cNvSpPr/>
-          <p:nvPr/>
-        </p:nvSpPr>
-        <p:spPr>
-          <a:xfrm>
-            <a:off x="1924051" y="3175891"/>
-            <a:ext cx="8878420" cy="2821497"/>
+            <a:off x="3914775" y="1852589"/>
+            <a:ext cx="6442312" cy="500066"/>
           </a:xfrm>
           <a:prstGeom prst="rect">
             <a:avLst/>
@@ -5115,129 +5668,647 @@
           </a:fontRef>
         </p:style>
         <p:txBody>
-          <a:bodyPr rtlCol="0" anchor="t"/>
+          <a:bodyPr rtlCol="0" anchor="ctr"/>
           <a:lstStyle/>
           <a:p>
-            <a:r>
-              <a:rPr lang="en-US" altLang="ko-KR" sz="2400" dirty="0">
-                <a:latin typeface="HY헤드라인M" panose="02030600000101010101" pitchFamily="18" charset="-127"/>
-                <a:ea typeface="HY헤드라인M" panose="02030600000101010101" pitchFamily="18" charset="-127"/>
-              </a:rPr>
-              <a:t>	-	</a:t>
-            </a:r>
-            <a:r>
-              <a:rPr lang="ko-KR" altLang="en-US" sz="2400" dirty="0">
-                <a:latin typeface="HY헤드라인M" panose="02030600000101010101" pitchFamily="18" charset="-127"/>
-                <a:ea typeface="HY헤드라인M" panose="02030600000101010101" pitchFamily="18" charset="-127"/>
-              </a:rPr>
-              <a:t>오브젝트들의 업데이트 및 렌더링 최적화</a:t>
-            </a:r>
-            <a:endParaRPr lang="en-US" altLang="ko-KR" sz="2400" dirty="0">
+            <a:pPr algn="ctr"/>
+            <a:r>
+              <a:rPr lang="en-US" altLang="ko-KR" sz="2000" dirty="0">
+                <a:latin typeface="HY헤드라인M" panose="02030600000101010101" pitchFamily="18" charset="-127"/>
+                <a:ea typeface="HY헤드라인M" panose="02030600000101010101" pitchFamily="18" charset="-127"/>
+              </a:rPr>
+              <a:t>Visual Studio 2019</a:t>
+            </a:r>
+          </a:p>
+        </p:txBody>
+      </p:sp>
+      <p:sp>
+        <p:nvSpPr>
+          <p:cNvPr id="21" name="직사각형 20">
+            <a:extLst>
+              <a:ext uri="{FF2B5EF4-FFF2-40B4-BE49-F238E27FC236}">
+                <a16:creationId xmlns:a16="http://schemas.microsoft.com/office/drawing/2014/main" id="{D005A083-5BD4-4B25-8861-CE5DA6F51BA2}"/>
+              </a:ext>
+            </a:extLst>
+          </p:cNvPr>
+          <p:cNvSpPr/>
+          <p:nvPr/>
+        </p:nvSpPr>
+        <p:spPr>
+          <a:xfrm>
+            <a:off x="1419225" y="2545361"/>
+            <a:ext cx="2495550" cy="747716"/>
+          </a:xfrm>
+          <a:prstGeom prst="rect">
+            <a:avLst/>
+          </a:prstGeom>
+          <a:ln w="38100">
+            <a:solidFill>
+              <a:schemeClr val="tx1">
+                <a:lumMod val="85000"/>
+              </a:schemeClr>
+            </a:solidFill>
+          </a:ln>
+        </p:spPr>
+        <p:style>
+          <a:lnRef idx="2">
+            <a:schemeClr val="accent1">
+              <a:shade val="50000"/>
+            </a:schemeClr>
+          </a:lnRef>
+          <a:fillRef idx="1">
+            <a:schemeClr val="accent1"/>
+          </a:fillRef>
+          <a:effectRef idx="0">
+            <a:schemeClr val="accent1"/>
+          </a:effectRef>
+          <a:fontRef idx="minor">
+            <a:schemeClr val="lt1"/>
+          </a:fontRef>
+        </p:style>
+        <p:txBody>
+          <a:bodyPr rtlCol="0" anchor="ctr"/>
+          <a:lstStyle/>
+          <a:p>
+            <a:pPr algn="ctr"/>
+            <a:r>
+              <a:rPr lang="en-US" altLang="ko-KR" sz="2000" dirty="0">
+                <a:latin typeface="HY헤드라인M" panose="02030600000101010101" pitchFamily="18" charset="-127"/>
+                <a:ea typeface="HY헤드라인M" panose="02030600000101010101" pitchFamily="18" charset="-127"/>
+              </a:rPr>
+              <a:t>Graphics </a:t>
+            </a:r>
+          </a:p>
+          <a:p>
+            <a:pPr algn="ctr"/>
+            <a:r>
+              <a:rPr lang="en-US" altLang="ko-KR" sz="2000" dirty="0">
+                <a:latin typeface="HY헤드라인M" panose="02030600000101010101" pitchFamily="18" charset="-127"/>
+                <a:ea typeface="HY헤드라인M" panose="02030600000101010101" pitchFamily="18" charset="-127"/>
+              </a:rPr>
+              <a:t>Library</a:t>
+            </a:r>
+            <a:endParaRPr lang="ko-KR" altLang="en-US" sz="2000" dirty="0">
               <a:latin typeface="HY헤드라인M" panose="02030600000101010101" pitchFamily="18" charset="-127"/>
               <a:ea typeface="HY헤드라인M" panose="02030600000101010101" pitchFamily="18" charset="-127"/>
             </a:endParaRPr>
           </a:p>
-          <a:p>
-            <a:endParaRPr lang="en-US" altLang="ko-KR" sz="2400" dirty="0">
+        </p:txBody>
+      </p:sp>
+      <p:sp>
+        <p:nvSpPr>
+          <p:cNvPr id="22" name="직사각형 21">
+            <a:extLst>
+              <a:ext uri="{FF2B5EF4-FFF2-40B4-BE49-F238E27FC236}">
+                <a16:creationId xmlns:a16="http://schemas.microsoft.com/office/drawing/2014/main" id="{631478C3-089F-4D3A-8915-025AE8575E91}"/>
+              </a:ext>
+            </a:extLst>
+          </p:cNvPr>
+          <p:cNvSpPr/>
+          <p:nvPr/>
+        </p:nvSpPr>
+        <p:spPr>
+          <a:xfrm>
+            <a:off x="3914775" y="2545361"/>
+            <a:ext cx="6442312" cy="752478"/>
+          </a:xfrm>
+          <a:prstGeom prst="rect">
+            <a:avLst/>
+          </a:prstGeom>
+          <a:solidFill>
+            <a:srgbClr val="595959"/>
+          </a:solidFill>
+          <a:ln w="38100">
+            <a:solidFill>
+              <a:schemeClr val="tx1">
+                <a:lumMod val="85000"/>
+              </a:schemeClr>
+            </a:solidFill>
+          </a:ln>
+        </p:spPr>
+        <p:style>
+          <a:lnRef idx="2">
+            <a:schemeClr val="accent1">
+              <a:shade val="50000"/>
+            </a:schemeClr>
+          </a:lnRef>
+          <a:fillRef idx="1">
+            <a:schemeClr val="accent1"/>
+          </a:fillRef>
+          <a:effectRef idx="0">
+            <a:schemeClr val="accent1"/>
+          </a:effectRef>
+          <a:fontRef idx="minor">
+            <a:schemeClr val="lt1"/>
+          </a:fontRef>
+        </p:style>
+        <p:txBody>
+          <a:bodyPr rtlCol="0" anchor="ctr"/>
+          <a:lstStyle/>
+          <a:p>
+            <a:pPr algn="ctr"/>
+            <a:r>
+              <a:rPr lang="en-US" altLang="ko-KR" sz="2000" dirty="0">
+                <a:latin typeface="HY헤드라인M" panose="02030600000101010101" pitchFamily="18" charset="-127"/>
+                <a:ea typeface="HY헤드라인M" panose="02030600000101010101" pitchFamily="18" charset="-127"/>
+              </a:rPr>
+              <a:t>DirectX 12</a:t>
+            </a:r>
+          </a:p>
+        </p:txBody>
+      </p:sp>
+      <p:sp>
+        <p:nvSpPr>
+          <p:cNvPr id="23" name="직사각형 22">
+            <a:extLst>
+              <a:ext uri="{FF2B5EF4-FFF2-40B4-BE49-F238E27FC236}">
+                <a16:creationId xmlns:a16="http://schemas.microsoft.com/office/drawing/2014/main" id="{F90C45E9-58C0-4F51-BDD7-5DE2E4FA8988}"/>
+              </a:ext>
+            </a:extLst>
+          </p:cNvPr>
+          <p:cNvSpPr/>
+          <p:nvPr/>
+        </p:nvSpPr>
+        <p:spPr>
+          <a:xfrm>
+            <a:off x="1419225" y="3485783"/>
+            <a:ext cx="2495550" cy="747716"/>
+          </a:xfrm>
+          <a:prstGeom prst="rect">
+            <a:avLst/>
+          </a:prstGeom>
+          <a:ln w="38100">
+            <a:solidFill>
+              <a:schemeClr val="tx1">
+                <a:lumMod val="85000"/>
+              </a:schemeClr>
+            </a:solidFill>
+          </a:ln>
+        </p:spPr>
+        <p:style>
+          <a:lnRef idx="2">
+            <a:schemeClr val="accent1">
+              <a:shade val="50000"/>
+            </a:schemeClr>
+          </a:lnRef>
+          <a:fillRef idx="1">
+            <a:schemeClr val="accent1"/>
+          </a:fillRef>
+          <a:effectRef idx="0">
+            <a:schemeClr val="accent1"/>
+          </a:effectRef>
+          <a:fontRef idx="minor">
+            <a:schemeClr val="lt1"/>
+          </a:fontRef>
+        </p:style>
+        <p:txBody>
+          <a:bodyPr rtlCol="0" anchor="ctr"/>
+          <a:lstStyle/>
+          <a:p>
+            <a:pPr algn="ctr"/>
+            <a:r>
+              <a:rPr lang="en-US" altLang="ko-KR" sz="2000" dirty="0">
+                <a:latin typeface="HY헤드라인M" panose="02030600000101010101" pitchFamily="18" charset="-127"/>
+                <a:ea typeface="HY헤드라인M" panose="02030600000101010101" pitchFamily="18" charset="-127"/>
+              </a:rPr>
+              <a:t>Version Control System</a:t>
+            </a:r>
+            <a:endParaRPr lang="ko-KR" altLang="en-US" sz="2000" dirty="0">
               <a:latin typeface="HY헤드라인M" panose="02030600000101010101" pitchFamily="18" charset="-127"/>
               <a:ea typeface="HY헤드라인M" panose="02030600000101010101" pitchFamily="18" charset="-127"/>
             </a:endParaRPr>
           </a:p>
-          <a:p>
-            <a:r>
-              <a:rPr lang="en-US" altLang="ko-KR" sz="2400" dirty="0">
-                <a:latin typeface="HY헤드라인M" panose="02030600000101010101" pitchFamily="18" charset="-127"/>
-                <a:ea typeface="HY헤드라인M" panose="02030600000101010101" pitchFamily="18" charset="-127"/>
-              </a:rPr>
-              <a:t>	-	</a:t>
-            </a:r>
-            <a:r>
-              <a:rPr lang="ko-KR" altLang="en-US" sz="2400" dirty="0" err="1">
-                <a:latin typeface="HY헤드라인M" panose="02030600000101010101" pitchFamily="18" charset="-127"/>
-                <a:ea typeface="HY헤드라인M" panose="02030600000101010101" pitchFamily="18" charset="-127"/>
-              </a:rPr>
-              <a:t>셰이더</a:t>
-            </a:r>
-            <a:r>
-              <a:rPr lang="ko-KR" altLang="en-US" sz="2400" dirty="0">
-                <a:latin typeface="HY헤드라인M" panose="02030600000101010101" pitchFamily="18" charset="-127"/>
-                <a:ea typeface="HY헤드라인M" panose="02030600000101010101" pitchFamily="18" charset="-127"/>
-              </a:rPr>
-              <a:t> 프로그래밍을 이용한 게임 표현</a:t>
-            </a:r>
-            <a:endParaRPr lang="en-US" altLang="ko-KR" sz="2400" dirty="0">
-              <a:latin typeface="HY헤드라인M" panose="02030600000101010101" pitchFamily="18" charset="-127"/>
-              <a:ea typeface="HY헤드라인M" panose="02030600000101010101" pitchFamily="18" charset="-127"/>
-            </a:endParaRPr>
-          </a:p>
-          <a:p>
-            <a:r>
-              <a:rPr lang="en-US" altLang="ko-KR" sz="2400" dirty="0">
-                <a:latin typeface="HY헤드라인M" panose="02030600000101010101" pitchFamily="18" charset="-127"/>
-                <a:ea typeface="HY헤드라인M" panose="02030600000101010101" pitchFamily="18" charset="-127"/>
-              </a:rPr>
-              <a:t>	</a:t>
-            </a:r>
-          </a:p>
-          <a:p>
-            <a:r>
-              <a:rPr lang="en-US" altLang="ko-KR" sz="2400" dirty="0">
-                <a:latin typeface="HY헤드라인M" panose="02030600000101010101" pitchFamily="18" charset="-127"/>
-                <a:ea typeface="HY헤드라인M" panose="02030600000101010101" pitchFamily="18" charset="-127"/>
-              </a:rPr>
-              <a:t>	- 	</a:t>
-            </a:r>
-            <a:r>
-              <a:rPr lang="ko-KR" altLang="en-US" sz="2400" dirty="0" err="1">
-                <a:latin typeface="HY헤드라인M" panose="02030600000101010101" pitchFamily="18" charset="-127"/>
-                <a:ea typeface="HY헤드라인M" panose="02030600000101010101" pitchFamily="18" charset="-127"/>
-              </a:rPr>
-              <a:t>블러링을</a:t>
-            </a:r>
-            <a:r>
-              <a:rPr lang="ko-KR" altLang="en-US" sz="2400" dirty="0">
-                <a:latin typeface="HY헤드라인M" panose="02030600000101010101" pitchFamily="18" charset="-127"/>
-                <a:ea typeface="HY헤드라인M" panose="02030600000101010101" pitchFamily="18" charset="-127"/>
-              </a:rPr>
-              <a:t> 이용한 속도감 표현</a:t>
-            </a:r>
-            <a:endParaRPr lang="en-US" altLang="ko-KR" sz="2400" dirty="0">
-              <a:latin typeface="HY헤드라인M" panose="02030600000101010101" pitchFamily="18" charset="-127"/>
-              <a:ea typeface="HY헤드라인M" panose="02030600000101010101" pitchFamily="18" charset="-127"/>
-            </a:endParaRPr>
-          </a:p>
-          <a:p>
-            <a:endParaRPr lang="en-US" altLang="ko-KR" sz="2400" dirty="0">
-              <a:latin typeface="HY헤드라인M" panose="02030600000101010101" pitchFamily="18" charset="-127"/>
-              <a:ea typeface="HY헤드라인M" panose="02030600000101010101" pitchFamily="18" charset="-127"/>
-            </a:endParaRPr>
-          </a:p>
-          <a:p>
-            <a:r>
-              <a:rPr lang="en-US" altLang="ko-KR" sz="2400" dirty="0">
-                <a:latin typeface="HY헤드라인M" panose="02030600000101010101" pitchFamily="18" charset="-127"/>
-                <a:ea typeface="HY헤드라인M" panose="02030600000101010101" pitchFamily="18" charset="-127"/>
-              </a:rPr>
-              <a:t>	-	</a:t>
-            </a:r>
-            <a:r>
-              <a:rPr lang="ko-KR" altLang="en-US" sz="2400" dirty="0">
-                <a:latin typeface="HY헤드라인M" panose="02030600000101010101" pitchFamily="18" charset="-127"/>
-                <a:ea typeface="HY헤드라인M" panose="02030600000101010101" pitchFamily="18" charset="-127"/>
-              </a:rPr>
-              <a:t>물리현상을 사용하여 구현한 카메라</a:t>
-            </a:r>
-            <a:endParaRPr lang="en-US" altLang="ko-KR" sz="2400" dirty="0">
-              <a:latin typeface="HY헤드라인M" panose="02030600000101010101" pitchFamily="18" charset="-127"/>
-              <a:ea typeface="HY헤드라인M" panose="02030600000101010101" pitchFamily="18" charset="-127"/>
-            </a:endParaRPr>
+        </p:txBody>
+      </p:sp>
+      <p:sp>
+        <p:nvSpPr>
+          <p:cNvPr id="24" name="직사각형 23">
+            <a:extLst>
+              <a:ext uri="{FF2B5EF4-FFF2-40B4-BE49-F238E27FC236}">
+                <a16:creationId xmlns:a16="http://schemas.microsoft.com/office/drawing/2014/main" id="{4005B3B2-3A6D-432B-8D1E-E99DC3C9896D}"/>
+              </a:ext>
+            </a:extLst>
+          </p:cNvPr>
+          <p:cNvSpPr/>
+          <p:nvPr/>
+        </p:nvSpPr>
+        <p:spPr>
+          <a:xfrm>
+            <a:off x="3914775" y="3490545"/>
+            <a:ext cx="6442312" cy="738192"/>
+          </a:xfrm>
+          <a:prstGeom prst="rect">
+            <a:avLst/>
+          </a:prstGeom>
+          <a:solidFill>
+            <a:srgbClr val="595959"/>
+          </a:solidFill>
+          <a:ln w="38100">
+            <a:solidFill>
+              <a:schemeClr val="tx1">
+                <a:lumMod val="85000"/>
+              </a:schemeClr>
+            </a:solidFill>
+          </a:ln>
+        </p:spPr>
+        <p:style>
+          <a:lnRef idx="2">
+            <a:schemeClr val="accent1">
+              <a:shade val="50000"/>
+            </a:schemeClr>
+          </a:lnRef>
+          <a:fillRef idx="1">
+            <a:schemeClr val="accent1"/>
+          </a:fillRef>
+          <a:effectRef idx="0">
+            <a:schemeClr val="accent1"/>
+          </a:effectRef>
+          <a:fontRef idx="minor">
+            <a:schemeClr val="lt1"/>
+          </a:fontRef>
+        </p:style>
+        <p:txBody>
+          <a:bodyPr rtlCol="0" anchor="ctr"/>
+          <a:lstStyle/>
+          <a:p>
+            <a:pPr algn="ctr"/>
+            <a:r>
+              <a:rPr lang="en-US" altLang="ko-KR" sz="2000" dirty="0">
+                <a:latin typeface="HY헤드라인M" panose="02030600000101010101" pitchFamily="18" charset="-127"/>
+                <a:ea typeface="HY헤드라인M" panose="02030600000101010101" pitchFamily="18" charset="-127"/>
+              </a:rPr>
+              <a:t>Git hub</a:t>
+            </a:r>
+          </a:p>
+        </p:txBody>
+      </p:sp>
+      <p:sp>
+        <p:nvSpPr>
+          <p:cNvPr id="25" name="직사각형 24">
+            <a:extLst>
+              <a:ext uri="{FF2B5EF4-FFF2-40B4-BE49-F238E27FC236}">
+                <a16:creationId xmlns:a16="http://schemas.microsoft.com/office/drawing/2014/main" id="{73F128A8-F66D-44D8-8FFC-5972337ABD1D}"/>
+              </a:ext>
+            </a:extLst>
+          </p:cNvPr>
+          <p:cNvSpPr/>
+          <p:nvPr/>
+        </p:nvSpPr>
+        <p:spPr>
+          <a:xfrm>
+            <a:off x="1419225" y="4435729"/>
+            <a:ext cx="2495550" cy="500066"/>
+          </a:xfrm>
+          <a:prstGeom prst="rect">
+            <a:avLst/>
+          </a:prstGeom>
+          <a:ln w="38100">
+            <a:solidFill>
+              <a:schemeClr val="tx1">
+                <a:lumMod val="85000"/>
+              </a:schemeClr>
+            </a:solidFill>
+          </a:ln>
+        </p:spPr>
+        <p:style>
+          <a:lnRef idx="2">
+            <a:schemeClr val="accent1">
+              <a:shade val="50000"/>
+            </a:schemeClr>
+          </a:lnRef>
+          <a:fillRef idx="1">
+            <a:schemeClr val="accent1"/>
+          </a:fillRef>
+          <a:effectRef idx="0">
+            <a:schemeClr val="accent1"/>
+          </a:effectRef>
+          <a:fontRef idx="minor">
+            <a:schemeClr val="lt1"/>
+          </a:fontRef>
+        </p:style>
+        <p:txBody>
+          <a:bodyPr rtlCol="0" anchor="ctr"/>
+          <a:lstStyle/>
+          <a:p>
+            <a:pPr algn="ctr"/>
+            <a:r>
+              <a:rPr lang="en-US" altLang="ko-KR" sz="2000" dirty="0">
+                <a:latin typeface="HY헤드라인M" panose="02030600000101010101" pitchFamily="18" charset="-127"/>
+                <a:ea typeface="HY헤드라인M" panose="02030600000101010101" pitchFamily="18" charset="-127"/>
+              </a:rPr>
+              <a:t>OS</a:t>
+            </a:r>
+          </a:p>
+        </p:txBody>
+      </p:sp>
+      <p:sp>
+        <p:nvSpPr>
+          <p:cNvPr id="26" name="직사각형 25">
+            <a:extLst>
+              <a:ext uri="{FF2B5EF4-FFF2-40B4-BE49-F238E27FC236}">
+                <a16:creationId xmlns:a16="http://schemas.microsoft.com/office/drawing/2014/main" id="{3AC0A49F-A9DB-4343-8A77-B167C3DCB5C4}"/>
+              </a:ext>
+            </a:extLst>
+          </p:cNvPr>
+          <p:cNvSpPr/>
+          <p:nvPr/>
+        </p:nvSpPr>
+        <p:spPr>
+          <a:xfrm>
+            <a:off x="3914775" y="4435729"/>
+            <a:ext cx="6442312" cy="500066"/>
+          </a:xfrm>
+          <a:prstGeom prst="rect">
+            <a:avLst/>
+          </a:prstGeom>
+          <a:solidFill>
+            <a:srgbClr val="595959"/>
+          </a:solidFill>
+          <a:ln w="38100">
+            <a:solidFill>
+              <a:schemeClr val="tx1">
+                <a:lumMod val="85000"/>
+              </a:schemeClr>
+            </a:solidFill>
+          </a:ln>
+        </p:spPr>
+        <p:style>
+          <a:lnRef idx="2">
+            <a:schemeClr val="accent1">
+              <a:shade val="50000"/>
+            </a:schemeClr>
+          </a:lnRef>
+          <a:fillRef idx="1">
+            <a:schemeClr val="accent1"/>
+          </a:fillRef>
+          <a:effectRef idx="0">
+            <a:schemeClr val="accent1"/>
+          </a:effectRef>
+          <a:fontRef idx="minor">
+            <a:schemeClr val="lt1"/>
+          </a:fontRef>
+        </p:style>
+        <p:txBody>
+          <a:bodyPr rtlCol="0" anchor="ctr"/>
+          <a:lstStyle/>
+          <a:p>
+            <a:pPr algn="ctr"/>
+            <a:r>
+              <a:rPr lang="en-US" altLang="ko-KR" sz="2000" dirty="0">
+                <a:latin typeface="HY헤드라인M" panose="02030600000101010101" pitchFamily="18" charset="-127"/>
+                <a:ea typeface="HY헤드라인M" panose="02030600000101010101" pitchFamily="18" charset="-127"/>
+              </a:rPr>
+              <a:t>Windows 10</a:t>
+            </a:r>
+          </a:p>
+        </p:txBody>
+      </p:sp>
+      <p:sp>
+        <p:nvSpPr>
+          <p:cNvPr id="27" name="직사각형 26">
+            <a:extLst>
+              <a:ext uri="{FF2B5EF4-FFF2-40B4-BE49-F238E27FC236}">
+                <a16:creationId xmlns:a16="http://schemas.microsoft.com/office/drawing/2014/main" id="{A9A2E645-780B-4733-8C86-5D4513ACDBFE}"/>
+              </a:ext>
+            </a:extLst>
+          </p:cNvPr>
+          <p:cNvSpPr/>
+          <p:nvPr/>
+        </p:nvSpPr>
+        <p:spPr>
+          <a:xfrm>
+            <a:off x="1419225" y="5133263"/>
+            <a:ext cx="2495550" cy="500066"/>
+          </a:xfrm>
+          <a:prstGeom prst="rect">
+            <a:avLst/>
+          </a:prstGeom>
+          <a:ln w="38100">
+            <a:solidFill>
+              <a:schemeClr val="tx1">
+                <a:lumMod val="85000"/>
+              </a:schemeClr>
+            </a:solidFill>
+          </a:ln>
+        </p:spPr>
+        <p:style>
+          <a:lnRef idx="2">
+            <a:schemeClr val="accent1">
+              <a:shade val="50000"/>
+            </a:schemeClr>
+          </a:lnRef>
+          <a:fillRef idx="1">
+            <a:schemeClr val="accent1"/>
+          </a:fillRef>
+          <a:effectRef idx="0">
+            <a:schemeClr val="accent1"/>
+          </a:effectRef>
+          <a:fontRef idx="minor">
+            <a:schemeClr val="lt1"/>
+          </a:fontRef>
+        </p:style>
+        <p:txBody>
+          <a:bodyPr rtlCol="0" anchor="ctr"/>
+          <a:lstStyle/>
+          <a:p>
+            <a:pPr algn="ctr"/>
+            <a:r>
+              <a:rPr lang="en-US" altLang="ko-KR" sz="2000" dirty="0">
+                <a:latin typeface="HY헤드라인M" panose="02030600000101010101" pitchFamily="18" charset="-127"/>
+                <a:ea typeface="HY헤드라인M" panose="02030600000101010101" pitchFamily="18" charset="-127"/>
+              </a:rPr>
+              <a:t>Resource</a:t>
+            </a:r>
+          </a:p>
+        </p:txBody>
+      </p:sp>
+      <p:sp>
+        <p:nvSpPr>
+          <p:cNvPr id="28" name="직사각형 27">
+            <a:extLst>
+              <a:ext uri="{FF2B5EF4-FFF2-40B4-BE49-F238E27FC236}">
+                <a16:creationId xmlns:a16="http://schemas.microsoft.com/office/drawing/2014/main" id="{E3547CD1-8BD7-4E58-AAE3-5F4294E5F4CD}"/>
+              </a:ext>
+            </a:extLst>
+          </p:cNvPr>
+          <p:cNvSpPr/>
+          <p:nvPr/>
+        </p:nvSpPr>
+        <p:spPr>
+          <a:xfrm>
+            <a:off x="3914775" y="5138025"/>
+            <a:ext cx="6442312" cy="495304"/>
+          </a:xfrm>
+          <a:prstGeom prst="rect">
+            <a:avLst/>
+          </a:prstGeom>
+          <a:solidFill>
+            <a:srgbClr val="595959"/>
+          </a:solidFill>
+          <a:ln w="38100">
+            <a:solidFill>
+              <a:schemeClr val="tx1">
+                <a:lumMod val="85000"/>
+              </a:schemeClr>
+            </a:solidFill>
+          </a:ln>
+        </p:spPr>
+        <p:style>
+          <a:lnRef idx="2">
+            <a:schemeClr val="accent1">
+              <a:shade val="50000"/>
+            </a:schemeClr>
+          </a:lnRef>
+          <a:fillRef idx="1">
+            <a:schemeClr val="accent1"/>
+          </a:fillRef>
+          <a:effectRef idx="0">
+            <a:schemeClr val="accent1"/>
+          </a:effectRef>
+          <a:fontRef idx="minor">
+            <a:schemeClr val="lt1"/>
+          </a:fontRef>
+        </p:style>
+        <p:txBody>
+          <a:bodyPr rtlCol="0" anchor="ctr"/>
+          <a:lstStyle/>
+          <a:p>
+            <a:pPr algn="ctr"/>
+            <a:r>
+              <a:rPr lang="en-US" altLang="ko-KR" sz="2000" dirty="0">
+                <a:latin typeface="HY헤드라인M" panose="02030600000101010101" pitchFamily="18" charset="-127"/>
+                <a:ea typeface="HY헤드라인M" panose="02030600000101010101" pitchFamily="18" charset="-127"/>
+              </a:rPr>
+              <a:t>Photo shop	||	Zbrush	||	3DS max </a:t>
+            </a:r>
+          </a:p>
+        </p:txBody>
+      </p:sp>
+      <p:sp>
+        <p:nvSpPr>
+          <p:cNvPr id="29" name="직사각형 28">
+            <a:extLst>
+              <a:ext uri="{FF2B5EF4-FFF2-40B4-BE49-F238E27FC236}">
+                <a16:creationId xmlns:a16="http://schemas.microsoft.com/office/drawing/2014/main" id="{56882EAF-FF49-4879-AB04-DFBFFB00F541}"/>
+              </a:ext>
+            </a:extLst>
+          </p:cNvPr>
+          <p:cNvSpPr/>
+          <p:nvPr/>
+        </p:nvSpPr>
+        <p:spPr>
+          <a:xfrm>
+            <a:off x="1419225" y="5826035"/>
+            <a:ext cx="2495550" cy="500066"/>
+          </a:xfrm>
+          <a:prstGeom prst="rect">
+            <a:avLst/>
+          </a:prstGeom>
+          <a:ln w="38100">
+            <a:solidFill>
+              <a:schemeClr val="tx1">
+                <a:lumMod val="85000"/>
+              </a:schemeClr>
+            </a:solidFill>
+          </a:ln>
+        </p:spPr>
+        <p:style>
+          <a:lnRef idx="2">
+            <a:schemeClr val="accent1">
+              <a:shade val="50000"/>
+            </a:schemeClr>
+          </a:lnRef>
+          <a:fillRef idx="1">
+            <a:schemeClr val="accent1"/>
+          </a:fillRef>
+          <a:effectRef idx="0">
+            <a:schemeClr val="accent1"/>
+          </a:effectRef>
+          <a:fontRef idx="minor">
+            <a:schemeClr val="lt1"/>
+          </a:fontRef>
+        </p:style>
+        <p:txBody>
+          <a:bodyPr rtlCol="0" anchor="ctr"/>
+          <a:lstStyle/>
+          <a:p>
+            <a:pPr algn="ctr"/>
+            <a:r>
+              <a:rPr lang="en-US" altLang="ko-KR" sz="2000" dirty="0">
+                <a:latin typeface="HY헤드라인M" panose="02030600000101010101" pitchFamily="18" charset="-127"/>
+                <a:ea typeface="HY헤드라인M" panose="02030600000101010101" pitchFamily="18" charset="-127"/>
+              </a:rPr>
+              <a:t>Animation</a:t>
+            </a:r>
+          </a:p>
+        </p:txBody>
+      </p:sp>
+      <p:sp>
+        <p:nvSpPr>
+          <p:cNvPr id="30" name="직사각형 29">
+            <a:extLst>
+              <a:ext uri="{FF2B5EF4-FFF2-40B4-BE49-F238E27FC236}">
+                <a16:creationId xmlns:a16="http://schemas.microsoft.com/office/drawing/2014/main" id="{E647CC39-1853-4A91-A740-6C1F2527946C}"/>
+              </a:ext>
+            </a:extLst>
+          </p:cNvPr>
+          <p:cNvSpPr/>
+          <p:nvPr/>
+        </p:nvSpPr>
+        <p:spPr>
+          <a:xfrm>
+            <a:off x="3914775" y="5830797"/>
+            <a:ext cx="6442312" cy="495304"/>
+          </a:xfrm>
+          <a:prstGeom prst="rect">
+            <a:avLst/>
+          </a:prstGeom>
+          <a:solidFill>
+            <a:srgbClr val="595959"/>
+          </a:solidFill>
+          <a:ln w="38100">
+            <a:solidFill>
+              <a:schemeClr val="tx1">
+                <a:lumMod val="85000"/>
+              </a:schemeClr>
+            </a:solidFill>
+          </a:ln>
+        </p:spPr>
+        <p:style>
+          <a:lnRef idx="2">
+            <a:schemeClr val="accent1">
+              <a:shade val="50000"/>
+            </a:schemeClr>
+          </a:lnRef>
+          <a:fillRef idx="1">
+            <a:schemeClr val="accent1"/>
+          </a:fillRef>
+          <a:effectRef idx="0">
+            <a:schemeClr val="accent1"/>
+          </a:effectRef>
+          <a:fontRef idx="minor">
+            <a:schemeClr val="lt1"/>
+          </a:fontRef>
+        </p:style>
+        <p:txBody>
+          <a:bodyPr rtlCol="0" anchor="ctr"/>
+          <a:lstStyle/>
+          <a:p>
+            <a:pPr algn="ctr"/>
+            <a:r>
+              <a:rPr lang="en-US" altLang="ko-KR" sz="2000" dirty="0">
+                <a:latin typeface="HY헤드라인M" panose="02030600000101010101" pitchFamily="18" charset="-127"/>
+                <a:ea typeface="HY헤드라인M" panose="02030600000101010101" pitchFamily="18" charset="-127"/>
+              </a:rPr>
+              <a:t>FBX SDK</a:t>
+            </a:r>
           </a:p>
         </p:txBody>
       </p:sp>
     </p:spTree>
     <p:extLst>
       <p:ext uri="{BB962C8B-B14F-4D97-AF65-F5344CB8AC3E}">
-        <p14:creationId xmlns:p14="http://schemas.microsoft.com/office/powerpoint/2010/main" val="4246745071"/>
+        <p14:creationId xmlns:p14="http://schemas.microsoft.com/office/powerpoint/2010/main" val="3151176218"/>
       </p:ext>
     </p:extLst>
   </p:cSld>
@@ -5421,17 +6492,17 @@
                 <a:latin typeface="HY헤드라인M" panose="02030600000101010101" pitchFamily="18" charset="-127"/>
                 <a:ea typeface="HY헤드라인M" panose="02030600000101010101" pitchFamily="18" charset="-127"/>
               </a:rPr>
-              <a:t>서버</a:t>
+              <a:t>클라이언트</a:t>
             </a:r>
           </a:p>
         </p:txBody>
       </p:sp>
       <p:sp>
         <p:nvSpPr>
-          <p:cNvPr id="5" name="직사각형 4">
+          <p:cNvPr id="10" name="직사각형 9">
             <a:extLst>
               <a:ext uri="{FF2B5EF4-FFF2-40B4-BE49-F238E27FC236}">
-                <a16:creationId xmlns:a16="http://schemas.microsoft.com/office/drawing/2014/main" id="{711DCDA1-7BF2-4A7D-9799-A995CEF01B7A}"/>
+                <a16:creationId xmlns:a16="http://schemas.microsoft.com/office/drawing/2014/main" id="{F3625E38-9DD3-4442-BF57-8A052A202C27}"/>
               </a:ext>
             </a:extLst>
           </p:cNvPr>
@@ -5487,10 +6558,10 @@
       </p:sp>
       <p:sp>
         <p:nvSpPr>
-          <p:cNvPr id="8" name="직사각형 7">
+          <p:cNvPr id="7" name="직사각형 6">
             <a:extLst>
               <a:ext uri="{FF2B5EF4-FFF2-40B4-BE49-F238E27FC236}">
-                <a16:creationId xmlns:a16="http://schemas.microsoft.com/office/drawing/2014/main" id="{D7033350-C6F0-4470-B109-7B17703E07B5}"/>
+                <a16:creationId xmlns:a16="http://schemas.microsoft.com/office/drawing/2014/main" id="{279B02B2-5E4C-4558-BAFE-F64A24F0DBA3}"/>
               </a:ext>
             </a:extLst>
           </p:cNvPr>
@@ -5500,7 +6571,7 @@
         <p:spPr>
           <a:xfrm>
             <a:off x="1924051" y="3175891"/>
-            <a:ext cx="8878420" cy="2032603"/>
+            <a:ext cx="8878420" cy="2821497"/>
           </a:xfrm>
           <a:prstGeom prst="rect">
             <a:avLst/>
@@ -5536,32 +6607,53 @@
           <a:bodyPr rtlCol="0" anchor="t"/>
           <a:lstStyle/>
           <a:p>
+            <a:r>
+              <a:rPr lang="en-US" altLang="ko-KR" sz="2400" dirty="0">
+                <a:latin typeface="HY헤드라인M" panose="02030600000101010101" pitchFamily="18" charset="-127"/>
+                <a:ea typeface="HY헤드라인M" panose="02030600000101010101" pitchFamily="18" charset="-127"/>
+              </a:rPr>
+              <a:t>	-	</a:t>
+            </a:r>
+            <a:r>
+              <a:rPr lang="ko-KR" altLang="en-US" sz="2400" dirty="0">
+                <a:latin typeface="HY헤드라인M" panose="02030600000101010101" pitchFamily="18" charset="-127"/>
+                <a:ea typeface="HY헤드라인M" panose="02030600000101010101" pitchFamily="18" charset="-127"/>
+              </a:rPr>
+              <a:t>오브젝트들의 업데이트 및 렌더링 최적화</a:t>
+            </a:r>
             <a:endParaRPr lang="en-US" altLang="ko-KR" sz="2400" dirty="0">
               <a:latin typeface="HY헤드라인M" panose="02030600000101010101" pitchFamily="18" charset="-127"/>
               <a:ea typeface="HY헤드라인M" panose="02030600000101010101" pitchFamily="18" charset="-127"/>
             </a:endParaRPr>
           </a:p>
           <a:p>
-            <a:r>
-              <a:rPr lang="en-US" altLang="ko-KR" sz="2400" dirty="0">
-                <a:latin typeface="HY헤드라인M" panose="02030600000101010101" pitchFamily="18" charset="-127"/>
-                <a:ea typeface="HY헤드라인M" panose="02030600000101010101" pitchFamily="18" charset="-127"/>
-              </a:rPr>
-              <a:t>	-	IOCP</a:t>
-            </a:r>
-            <a:r>
-              <a:rPr lang="ko-KR" altLang="en-US" sz="2400" dirty="0">
-                <a:latin typeface="HY헤드라인M" panose="02030600000101010101" pitchFamily="18" charset="-127"/>
-                <a:ea typeface="HY헤드라인M" panose="02030600000101010101" pitchFamily="18" charset="-127"/>
-              </a:rPr>
-              <a:t>를 이용한 여러 개의 클라이언트 접속 유지</a:t>
-            </a:r>
             <a:endParaRPr lang="en-US" altLang="ko-KR" sz="2400" dirty="0">
               <a:latin typeface="HY헤드라인M" panose="02030600000101010101" pitchFamily="18" charset="-127"/>
               <a:ea typeface="HY헤드라인M" panose="02030600000101010101" pitchFamily="18" charset="-127"/>
             </a:endParaRPr>
           </a:p>
           <a:p>
+            <a:r>
+              <a:rPr lang="en-US" altLang="ko-KR" sz="2400" dirty="0">
+                <a:latin typeface="HY헤드라인M" panose="02030600000101010101" pitchFamily="18" charset="-127"/>
+                <a:ea typeface="HY헤드라인M" panose="02030600000101010101" pitchFamily="18" charset="-127"/>
+              </a:rPr>
+              <a:t>	-	</a:t>
+            </a:r>
+            <a:r>
+              <a:rPr lang="ko-KR" altLang="en-US" sz="2400" dirty="0" err="1">
+                <a:latin typeface="HY헤드라인M" panose="02030600000101010101" pitchFamily="18" charset="-127"/>
+                <a:ea typeface="HY헤드라인M" panose="02030600000101010101" pitchFamily="18" charset="-127"/>
+              </a:rPr>
+              <a:t>셰이더</a:t>
+            </a:r>
+            <a:r>
+              <a:rPr lang="ko-KR" altLang="en-US" sz="2400" dirty="0">
+                <a:latin typeface="HY헤드라인M" panose="02030600000101010101" pitchFamily="18" charset="-127"/>
+                <a:ea typeface="HY헤드라인M" panose="02030600000101010101" pitchFamily="18" charset="-127"/>
+              </a:rPr>
+              <a:t> 프로그래밍을 이용한 게임 표현</a:t>
+            </a:r>
             <a:endParaRPr lang="en-US" altLang="ko-KR" sz="2400" dirty="0">
               <a:latin typeface="HY헤드라인M" panose="02030600000101010101" pitchFamily="18" charset="-127"/>
               <a:ea typeface="HY헤드라인M" panose="02030600000101010101" pitchFamily="18" charset="-127"/>
@@ -5573,14 +6665,30 @@
                 <a:latin typeface="HY헤드라인M" panose="02030600000101010101" pitchFamily="18" charset="-127"/>
                 <a:ea typeface="HY헤드라인M" panose="02030600000101010101" pitchFamily="18" charset="-127"/>
               </a:rPr>
-              <a:t>	-	DB</a:t>
+              <a:t>	</a:t>
+            </a:r>
+          </a:p>
+          <a:p>
+            <a:r>
+              <a:rPr lang="en-US" altLang="ko-KR" sz="2400" dirty="0">
+                <a:latin typeface="HY헤드라인M" panose="02030600000101010101" pitchFamily="18" charset="-127"/>
+                <a:ea typeface="HY헤드라인M" panose="02030600000101010101" pitchFamily="18" charset="-127"/>
+              </a:rPr>
+              <a:t>	- 	</a:t>
+            </a:r>
+            <a:r>
+              <a:rPr lang="ko-KR" altLang="en-US" sz="2400" dirty="0" err="1">
+                <a:latin typeface="HY헤드라인M" panose="02030600000101010101" pitchFamily="18" charset="-127"/>
+                <a:ea typeface="HY헤드라인M" panose="02030600000101010101" pitchFamily="18" charset="-127"/>
+              </a:rPr>
+              <a:t>블러링을</a:t>
             </a:r>
             <a:r>
               <a:rPr lang="ko-KR" altLang="en-US" sz="2400" dirty="0">
                 <a:latin typeface="HY헤드라인M" panose="02030600000101010101" pitchFamily="18" charset="-127"/>
                 <a:ea typeface="HY헤드라인M" panose="02030600000101010101" pitchFamily="18" charset="-127"/>
               </a:rPr>
-              <a:t>를 이용한 계정 및 아이템 관리</a:t>
+              <a:t> 이용한 속도감 표현</a:t>
             </a:r>
             <a:endParaRPr lang="en-US" altLang="ko-KR" sz="2400" dirty="0">
               <a:latin typeface="HY헤드라인M" panose="02030600000101010101" pitchFamily="18" charset="-127"/>
@@ -5588,19 +6696,37 @@
             </a:endParaRPr>
           </a:p>
           <a:p>
-            <a:pPr algn="ctr"/>
-            <a:endParaRPr lang="en-US" altLang="ko-KR" sz="2000" dirty="0"/>
-          </a:p>
-          <a:p>
-            <a:pPr algn="ctr"/>
-            <a:endParaRPr lang="ko-KR" altLang="en-US" sz="2000" dirty="0"/>
+            <a:endParaRPr lang="en-US" altLang="ko-KR" sz="2400" dirty="0">
+              <a:latin typeface="HY헤드라인M" panose="02030600000101010101" pitchFamily="18" charset="-127"/>
+              <a:ea typeface="HY헤드라인M" panose="02030600000101010101" pitchFamily="18" charset="-127"/>
+            </a:endParaRPr>
+          </a:p>
+          <a:p>
+            <a:r>
+              <a:rPr lang="en-US" altLang="ko-KR" sz="2400" dirty="0">
+                <a:latin typeface="HY헤드라인M" panose="02030600000101010101" pitchFamily="18" charset="-127"/>
+                <a:ea typeface="HY헤드라인M" panose="02030600000101010101" pitchFamily="18" charset="-127"/>
+              </a:rPr>
+              <a:t>	-	</a:t>
+            </a:r>
+            <a:r>
+              <a:rPr lang="ko-KR" altLang="en-US" sz="2400" dirty="0">
+                <a:latin typeface="HY헤드라인M" panose="02030600000101010101" pitchFamily="18" charset="-127"/>
+                <a:ea typeface="HY헤드라인M" panose="02030600000101010101" pitchFamily="18" charset="-127"/>
+              </a:rPr>
+              <a:t>물리현상을 사용하여 구현한 카메라</a:t>
+            </a:r>
+            <a:endParaRPr lang="en-US" altLang="ko-KR" sz="2400" dirty="0">
+              <a:latin typeface="HY헤드라인M" panose="02030600000101010101" pitchFamily="18" charset="-127"/>
+              <a:ea typeface="HY헤드라인M" panose="02030600000101010101" pitchFamily="18" charset="-127"/>
+            </a:endParaRPr>
           </a:p>
         </p:txBody>
       </p:sp>
     </p:spTree>
     <p:extLst>
       <p:ext uri="{BB962C8B-B14F-4D97-AF65-F5344CB8AC3E}">
-        <p14:creationId xmlns:p14="http://schemas.microsoft.com/office/powerpoint/2010/main" val="2000490652"/>
+        <p14:creationId xmlns:p14="http://schemas.microsoft.com/office/powerpoint/2010/main" val="4246745071"/>
       </p:ext>
     </p:extLst>
   </p:cSld>
@@ -5682,7 +6808,7 @@
                 <a:latin typeface="HY헤드라인M" panose="02030600000101010101" pitchFamily="18" charset="-127"/>
                 <a:ea typeface="HY헤드라인M" panose="02030600000101010101" pitchFamily="18" charset="-127"/>
               </a:rPr>
-              <a:t>6</a:t>
+              <a:t>5</a:t>
             </a:r>
             <a:endParaRPr lang="ko-KR" altLang="en-US" sz="5400" dirty="0">
               <a:latin typeface="HY헤드라인M" panose="02030600000101010101" pitchFamily="18" charset="-127"/>
@@ -5706,7 +6832,7 @@
         <p:spPr>
           <a:xfrm>
             <a:off x="1419225" y="393221"/>
-            <a:ext cx="3895725" cy="646331"/>
+            <a:ext cx="7000875" cy="646331"/>
           </a:xfrm>
           <a:prstGeom prst="rect">
             <a:avLst/>
@@ -5724,7 +6850,7 @@
                 <a:latin typeface="HY헤드라인M" panose="02030600000101010101" pitchFamily="18" charset="-127"/>
                 <a:ea typeface="HY헤드라인M" panose="02030600000101010101" pitchFamily="18" charset="-127"/>
               </a:rPr>
-              <a:t>개인별 준비 현황</a:t>
+              <a:t>기술적 요소</a:t>
             </a:r>
             <a:endParaRPr lang="ko-KR" altLang="en-US" dirty="0"/>
           </a:p>
@@ -5732,10 +6858,10 @@
       </p:sp>
       <p:sp>
         <p:nvSpPr>
-          <p:cNvPr id="5" name="직사각형 4">
+          <p:cNvPr id="4" name="직사각형 3">
             <a:extLst>
               <a:ext uri="{FF2B5EF4-FFF2-40B4-BE49-F238E27FC236}">
-                <a16:creationId xmlns:a16="http://schemas.microsoft.com/office/drawing/2014/main" id="{77B11E97-3DE7-40DA-8FF7-A32B35070F07}"/>
+                <a16:creationId xmlns:a16="http://schemas.microsoft.com/office/drawing/2014/main" id="{C7A9A389-7B45-4FDD-BB1C-85EDD793729F}"/>
               </a:ext>
             </a:extLst>
           </p:cNvPr>
@@ -5744,8 +6870,8 @@
         </p:nvSpPr>
         <p:spPr>
           <a:xfrm>
-            <a:off x="1631476" y="1298100"/>
-            <a:ext cx="3390901" cy="809625"/>
+            <a:off x="5101313" y="1298097"/>
+            <a:ext cx="1989374" cy="809625"/>
           </a:xfrm>
           <a:prstGeom prst="rect">
             <a:avLst/>
@@ -5780,25 +6906,21 @@
           <a:p>
             <a:pPr algn="ctr"/>
             <a:r>
-              <a:rPr lang="ko-KR" altLang="en-US" sz="2800" dirty="0" err="1">
-                <a:latin typeface="HY헤드라인M" panose="02030600000101010101" pitchFamily="18" charset="-127"/>
-                <a:ea typeface="HY헤드라인M" panose="02030600000101010101" pitchFamily="18" charset="-127"/>
-              </a:rPr>
-              <a:t>김영완</a:t>
-            </a:r>
-            <a:endParaRPr lang="ko-KR" altLang="en-US" sz="2800" dirty="0">
-              <a:latin typeface="HY헤드라인M" panose="02030600000101010101" pitchFamily="18" charset="-127"/>
-              <a:ea typeface="HY헤드라인M" panose="02030600000101010101" pitchFamily="18" charset="-127"/>
-            </a:endParaRPr>
+              <a:rPr lang="ko-KR" altLang="en-US" sz="2800" dirty="0">
+                <a:latin typeface="HY헤드라인M" panose="02030600000101010101" pitchFamily="18" charset="-127"/>
+                <a:ea typeface="HY헤드라인M" panose="02030600000101010101" pitchFamily="18" charset="-127"/>
+              </a:rPr>
+              <a:t>서버</a:t>
+            </a:r>
           </a:p>
         </p:txBody>
       </p:sp>
       <p:sp>
         <p:nvSpPr>
-          <p:cNvPr id="7" name="직사각형 6">
+          <p:cNvPr id="5" name="직사각형 4">
             <a:extLst>
               <a:ext uri="{FF2B5EF4-FFF2-40B4-BE49-F238E27FC236}">
-                <a16:creationId xmlns:a16="http://schemas.microsoft.com/office/drawing/2014/main" id="{F339315A-041C-45AC-82AD-9EE2920A232E}"/>
+                <a16:creationId xmlns:a16="http://schemas.microsoft.com/office/drawing/2014/main" id="{711DCDA1-7BF2-4A7D-9799-A995CEF01B7A}"/>
               </a:ext>
             </a:extLst>
           </p:cNvPr>
@@ -5807,8 +6929,67 @@
         </p:nvSpPr>
         <p:spPr>
           <a:xfrm>
-            <a:off x="1631476" y="2107724"/>
-            <a:ext cx="3390901" cy="3891662"/>
+            <a:off x="1924051" y="2366267"/>
+            <a:ext cx="8878420" cy="809625"/>
+          </a:xfrm>
+          <a:prstGeom prst="rect">
+            <a:avLst/>
+          </a:prstGeom>
+          <a:ln w="38100">
+            <a:solidFill>
+              <a:schemeClr val="tx1">
+                <a:lumMod val="85000"/>
+              </a:schemeClr>
+            </a:solidFill>
+          </a:ln>
+        </p:spPr>
+        <p:style>
+          <a:lnRef idx="2">
+            <a:schemeClr val="accent1">
+              <a:shade val="50000"/>
+            </a:schemeClr>
+          </a:lnRef>
+          <a:fillRef idx="1">
+            <a:schemeClr val="accent1"/>
+          </a:fillRef>
+          <a:effectRef idx="0">
+            <a:schemeClr val="accent1"/>
+          </a:effectRef>
+          <a:fontRef idx="minor">
+            <a:schemeClr val="lt1"/>
+          </a:fontRef>
+        </p:style>
+        <p:txBody>
+          <a:bodyPr rtlCol="0" anchor="ctr"/>
+          <a:lstStyle/>
+          <a:p>
+            <a:pPr algn="ctr"/>
+            <a:r>
+              <a:rPr lang="ko-KR" altLang="en-US" sz="2800" dirty="0">
+                <a:latin typeface="HY헤드라인M" panose="02030600000101010101" pitchFamily="18" charset="-127"/>
+                <a:ea typeface="HY헤드라인M" panose="02030600000101010101" pitchFamily="18" charset="-127"/>
+              </a:rPr>
+              <a:t>기술적 요소</a:t>
+            </a:r>
+          </a:p>
+        </p:txBody>
+      </p:sp>
+      <p:sp>
+        <p:nvSpPr>
+          <p:cNvPr id="8" name="직사각형 7">
+            <a:extLst>
+              <a:ext uri="{FF2B5EF4-FFF2-40B4-BE49-F238E27FC236}">
+                <a16:creationId xmlns:a16="http://schemas.microsoft.com/office/drawing/2014/main" id="{D7033350-C6F0-4470-B109-7B17703E07B5}"/>
+              </a:ext>
+            </a:extLst>
+          </p:cNvPr>
+          <p:cNvSpPr/>
+          <p:nvPr/>
+        </p:nvSpPr>
+        <p:spPr>
+          <a:xfrm>
+            <a:off x="1924051" y="3175891"/>
+            <a:ext cx="8878420" cy="2032603"/>
           </a:xfrm>
           <a:prstGeom prst="rect">
             <a:avLst/>
@@ -5844,803 +7025,71 @@
           <a:bodyPr rtlCol="0" anchor="t"/>
           <a:lstStyle/>
           <a:p>
-            <a:r>
-              <a:rPr lang="en-US" altLang="ko-KR" sz="1600" dirty="0">
-                <a:latin typeface="HY헤드라인M" panose="02030600000101010101" pitchFamily="18" charset="-127"/>
-                <a:ea typeface="HY헤드라인M" panose="02030600000101010101" pitchFamily="18" charset="-127"/>
-              </a:rPr>
-              <a:t>DirectX 12</a:t>
-            </a:r>
-          </a:p>
-          <a:p>
-            <a:r>
-              <a:rPr lang="en-US" altLang="ko-KR" sz="1600" dirty="0">
-                <a:latin typeface="HY헤드라인M" panose="02030600000101010101" pitchFamily="18" charset="-127"/>
-                <a:ea typeface="HY헤드라인M" panose="02030600000101010101" pitchFamily="18" charset="-127"/>
-              </a:rPr>
-              <a:t>-3DGP</a:t>
-            </a:r>
-            <a:r>
-              <a:rPr lang="ko-KR" altLang="en-US" sz="1600" dirty="0">
-                <a:latin typeface="HY헤드라인M" panose="02030600000101010101" pitchFamily="18" charset="-127"/>
-                <a:ea typeface="HY헤드라인M" panose="02030600000101010101" pitchFamily="18" charset="-127"/>
-              </a:rPr>
-              <a:t> 수강</a:t>
-            </a:r>
-            <a:endParaRPr lang="en-US" altLang="ko-KR" sz="1600" dirty="0">
+            <a:endParaRPr lang="en-US" altLang="ko-KR" sz="2400" dirty="0">
               <a:latin typeface="HY헤드라인M" panose="02030600000101010101" pitchFamily="18" charset="-127"/>
               <a:ea typeface="HY헤드라인M" panose="02030600000101010101" pitchFamily="18" charset="-127"/>
             </a:endParaRPr>
           </a:p>
           <a:p>
-            <a:endParaRPr lang="en-US" altLang="ko-KR" sz="1600" dirty="0">
+            <a:r>
+              <a:rPr lang="en-US" altLang="ko-KR" sz="2400" dirty="0">
+                <a:latin typeface="HY헤드라인M" panose="02030600000101010101" pitchFamily="18" charset="-127"/>
+                <a:ea typeface="HY헤드라인M" panose="02030600000101010101" pitchFamily="18" charset="-127"/>
+              </a:rPr>
+              <a:t>	-	IOCP</a:t>
+            </a:r>
+            <a:r>
+              <a:rPr lang="ko-KR" altLang="en-US" sz="2400" dirty="0">
+                <a:latin typeface="HY헤드라인M" panose="02030600000101010101" pitchFamily="18" charset="-127"/>
+                <a:ea typeface="HY헤드라인M" panose="02030600000101010101" pitchFamily="18" charset="-127"/>
+              </a:rPr>
+              <a:t>를 이용한 여러 개의 클라이언트 접속 유지</a:t>
+            </a:r>
+            <a:endParaRPr lang="en-US" altLang="ko-KR" sz="2400" dirty="0">
               <a:latin typeface="HY헤드라인M" panose="02030600000101010101" pitchFamily="18" charset="-127"/>
               <a:ea typeface="HY헤드라인M" panose="02030600000101010101" pitchFamily="18" charset="-127"/>
             </a:endParaRPr>
           </a:p>
           <a:p>
-            <a:r>
-              <a:rPr lang="en-US" altLang="ko-KR" sz="1600" dirty="0">
-                <a:latin typeface="HY헤드라인M" panose="02030600000101010101" pitchFamily="18" charset="-127"/>
-                <a:ea typeface="HY헤드라인M" panose="02030600000101010101" pitchFamily="18" charset="-127"/>
-              </a:rPr>
-              <a:t>-</a:t>
-            </a:r>
-            <a:r>
-              <a:rPr lang="ko-KR" altLang="en-US" sz="1600" dirty="0" err="1">
-                <a:latin typeface="HY헤드라인M" panose="02030600000101010101" pitchFamily="18" charset="-127"/>
-                <a:ea typeface="HY헤드라인M" panose="02030600000101010101" pitchFamily="18" charset="-127"/>
-              </a:rPr>
-              <a:t>셰이더</a:t>
-            </a:r>
-            <a:r>
-              <a:rPr lang="ko-KR" altLang="en-US" sz="1600" dirty="0">
-                <a:latin typeface="HY헤드라인M" panose="02030600000101010101" pitchFamily="18" charset="-127"/>
-                <a:ea typeface="HY헤드라인M" panose="02030600000101010101" pitchFamily="18" charset="-127"/>
-              </a:rPr>
-              <a:t> 프로그래밍 수강</a:t>
-            </a:r>
-            <a:endParaRPr lang="en-US" altLang="ko-KR" sz="1600" dirty="0">
+            <a:endParaRPr lang="en-US" altLang="ko-KR" sz="2400" dirty="0">
               <a:latin typeface="HY헤드라인M" panose="02030600000101010101" pitchFamily="18" charset="-127"/>
               <a:ea typeface="HY헤드라인M" panose="02030600000101010101" pitchFamily="18" charset="-127"/>
             </a:endParaRPr>
           </a:p>
           <a:p>
             <a:r>
-              <a:rPr lang="en-US" altLang="ko-KR" sz="1600" dirty="0">
-                <a:latin typeface="HY헤드라인M" panose="02030600000101010101" pitchFamily="18" charset="-127"/>
-                <a:ea typeface="HY헤드라인M" panose="02030600000101010101" pitchFamily="18" charset="-127"/>
-              </a:rPr>
-              <a:t>-</a:t>
-            </a:r>
-            <a:r>
-              <a:rPr lang="ko-KR" altLang="en-US" sz="1600" dirty="0">
-                <a:latin typeface="HY헤드라인M" panose="02030600000101010101" pitchFamily="18" charset="-127"/>
-                <a:ea typeface="HY헤드라인M" panose="02030600000101010101" pitchFamily="18" charset="-127"/>
-              </a:rPr>
-              <a:t>네트워크 게임 프로그래밍 수강</a:t>
-            </a:r>
-            <a:endParaRPr lang="en-US" altLang="ko-KR" sz="1600" dirty="0">
+              <a:rPr lang="en-US" altLang="ko-KR" sz="2400" dirty="0">
+                <a:latin typeface="HY헤드라인M" panose="02030600000101010101" pitchFamily="18" charset="-127"/>
+                <a:ea typeface="HY헤드라인M" panose="02030600000101010101" pitchFamily="18" charset="-127"/>
+              </a:rPr>
+              <a:t>	-	DB</a:t>
+            </a:r>
+            <a:r>
+              <a:rPr lang="ko-KR" altLang="en-US" sz="2400" dirty="0">
+                <a:latin typeface="HY헤드라인M" panose="02030600000101010101" pitchFamily="18" charset="-127"/>
+                <a:ea typeface="HY헤드라인M" panose="02030600000101010101" pitchFamily="18" charset="-127"/>
+              </a:rPr>
+              <a:t>를 이용한 계정 및 아이템 관리</a:t>
+            </a:r>
+            <a:endParaRPr lang="en-US" altLang="ko-KR" sz="2400" dirty="0">
               <a:latin typeface="HY헤드라인M" panose="02030600000101010101" pitchFamily="18" charset="-127"/>
               <a:ea typeface="HY헤드라인M" panose="02030600000101010101" pitchFamily="18" charset="-127"/>
             </a:endParaRPr>
           </a:p>
           <a:p>
-            <a:endParaRPr lang="en-US" altLang="ko-KR" sz="1600" dirty="0">
-              <a:latin typeface="HY헤드라인M" panose="02030600000101010101" pitchFamily="18" charset="-127"/>
-              <a:ea typeface="HY헤드라인M" panose="02030600000101010101" pitchFamily="18" charset="-127"/>
-            </a:endParaRPr>
-          </a:p>
-          <a:p>
-            <a:r>
-              <a:rPr lang="ko-KR" altLang="en-US" sz="1600" dirty="0">
-                <a:latin typeface="HY헤드라인M" panose="02030600000101010101" pitchFamily="18" charset="-127"/>
-                <a:ea typeface="HY헤드라인M" panose="02030600000101010101" pitchFamily="18" charset="-127"/>
-              </a:rPr>
-              <a:t>애니메이션</a:t>
-            </a:r>
-            <a:endParaRPr lang="en-US" altLang="ko-KR" sz="1600" dirty="0">
-              <a:latin typeface="HY헤드라인M" panose="02030600000101010101" pitchFamily="18" charset="-127"/>
-              <a:ea typeface="HY헤드라인M" panose="02030600000101010101" pitchFamily="18" charset="-127"/>
-            </a:endParaRPr>
-          </a:p>
-          <a:p>
-            <a:r>
-              <a:rPr lang="en-US" altLang="ko-KR" sz="1600" dirty="0">
-                <a:latin typeface="HY헤드라인M" panose="02030600000101010101" pitchFamily="18" charset="-127"/>
-                <a:ea typeface="HY헤드라인M" panose="02030600000101010101" pitchFamily="18" charset="-127"/>
-              </a:rPr>
-              <a:t>-FBX SDK</a:t>
-            </a:r>
-          </a:p>
-          <a:p>
-            <a:endParaRPr lang="en-US" altLang="ko-KR" sz="1600" dirty="0">
-              <a:latin typeface="HY헤드라인M" panose="02030600000101010101" pitchFamily="18" charset="-127"/>
-              <a:ea typeface="HY헤드라인M" panose="02030600000101010101" pitchFamily="18" charset="-127"/>
-            </a:endParaRPr>
-          </a:p>
-          <a:p>
-            <a:endParaRPr lang="en-US" altLang="ko-KR" sz="1600" dirty="0">
-              <a:latin typeface="HY헤드라인M" panose="02030600000101010101" pitchFamily="18" charset="-127"/>
-              <a:ea typeface="HY헤드라인M" panose="02030600000101010101" pitchFamily="18" charset="-127"/>
-            </a:endParaRPr>
-          </a:p>
-          <a:p>
-            <a:endParaRPr lang="en-US" altLang="ko-KR" sz="1600" dirty="0">
-              <a:latin typeface="HY헤드라인M" panose="02030600000101010101" pitchFamily="18" charset="-127"/>
-              <a:ea typeface="HY헤드라인M" panose="02030600000101010101" pitchFamily="18" charset="-127"/>
-            </a:endParaRPr>
-          </a:p>
-          <a:p>
-            <a:endParaRPr lang="en-US" altLang="ko-KR" sz="1600" dirty="0">
-              <a:latin typeface="HY헤드라인M" panose="02030600000101010101" pitchFamily="18" charset="-127"/>
-              <a:ea typeface="HY헤드라인M" panose="02030600000101010101" pitchFamily="18" charset="-127"/>
-            </a:endParaRPr>
-          </a:p>
-          <a:p>
-            <a:endParaRPr lang="en-US" altLang="ko-KR" sz="1600" dirty="0">
-              <a:latin typeface="HY헤드라인M" panose="02030600000101010101" pitchFamily="18" charset="-127"/>
-              <a:ea typeface="HY헤드라인M" panose="02030600000101010101" pitchFamily="18" charset="-127"/>
-            </a:endParaRPr>
-          </a:p>
-          <a:p>
-            <a:r>
-              <a:rPr lang="en-US" altLang="ko-KR" sz="1600" dirty="0">
-                <a:latin typeface="HY헤드라인M" panose="02030600000101010101" pitchFamily="18" charset="-127"/>
-                <a:ea typeface="HY헤드라인M" panose="02030600000101010101" pitchFamily="18" charset="-127"/>
-              </a:rPr>
-              <a:t>Git</a:t>
-            </a:r>
-          </a:p>
-          <a:p>
-            <a:r>
-              <a:rPr lang="en-US" altLang="ko-KR" sz="1600" dirty="0">
-                <a:latin typeface="HY헤드라인M" panose="02030600000101010101" pitchFamily="18" charset="-127"/>
-                <a:ea typeface="HY헤드라인M" panose="02030600000101010101" pitchFamily="18" charset="-127"/>
-              </a:rPr>
-              <a:t>-</a:t>
-            </a:r>
-            <a:r>
-              <a:rPr lang="ko-KR" altLang="en-US" sz="1600" dirty="0">
-                <a:latin typeface="HY헤드라인M" panose="02030600000101010101" pitchFamily="18" charset="-127"/>
-                <a:ea typeface="HY헤드라인M" panose="02030600000101010101" pitchFamily="18" charset="-127"/>
-              </a:rPr>
-              <a:t>게임 소프트웨어 공학 수강</a:t>
-            </a:r>
-            <a:endParaRPr lang="en-US" altLang="ko-KR" sz="1600" dirty="0">
-              <a:latin typeface="HY헤드라인M" panose="02030600000101010101" pitchFamily="18" charset="-127"/>
-              <a:ea typeface="HY헤드라인M" panose="02030600000101010101" pitchFamily="18" charset="-127"/>
-            </a:endParaRPr>
-          </a:p>
-          <a:p>
-            <a:endParaRPr lang="en-US" altLang="ko-KR" sz="2000" dirty="0">
-              <a:latin typeface="HY헤드라인M" panose="02030600000101010101" pitchFamily="18" charset="-127"/>
-              <a:ea typeface="HY헤드라인M" panose="02030600000101010101" pitchFamily="18" charset="-127"/>
-            </a:endParaRPr>
-          </a:p>
-        </p:txBody>
-      </p:sp>
-      <p:sp>
-        <p:nvSpPr>
-          <p:cNvPr id="8" name="직사각형 7">
-            <a:extLst>
-              <a:ext uri="{FF2B5EF4-FFF2-40B4-BE49-F238E27FC236}">
-                <a16:creationId xmlns:a16="http://schemas.microsoft.com/office/drawing/2014/main" id="{0598F42B-20BB-4FE1-B916-900EF2CCD5F1}"/>
-              </a:ext>
-            </a:extLst>
-          </p:cNvPr>
-          <p:cNvSpPr/>
-          <p:nvPr/>
-        </p:nvSpPr>
-        <p:spPr>
-          <a:xfrm>
-            <a:off x="5022377" y="1298097"/>
-            <a:ext cx="3390901" cy="809625"/>
-          </a:xfrm>
-          <a:prstGeom prst="rect">
-            <a:avLst/>
-          </a:prstGeom>
-          <a:ln w="38100">
-            <a:solidFill>
-              <a:schemeClr val="tx1">
-                <a:lumMod val="85000"/>
-              </a:schemeClr>
-            </a:solidFill>
-          </a:ln>
-        </p:spPr>
-        <p:style>
-          <a:lnRef idx="2">
-            <a:schemeClr val="accent1">
-              <a:shade val="50000"/>
-            </a:schemeClr>
-          </a:lnRef>
-          <a:fillRef idx="1">
-            <a:schemeClr val="accent1"/>
-          </a:fillRef>
-          <a:effectRef idx="0">
-            <a:schemeClr val="accent1"/>
-          </a:effectRef>
-          <a:fontRef idx="minor">
-            <a:schemeClr val="lt1"/>
-          </a:fontRef>
-        </p:style>
-        <p:txBody>
-          <a:bodyPr rtlCol="0" anchor="ctr"/>
-          <a:lstStyle/>
-          <a:p>
             <a:pPr algn="ctr"/>
-            <a:r>
-              <a:rPr lang="ko-KR" altLang="en-US" sz="2800" dirty="0">
-                <a:latin typeface="HY헤드라인M" panose="02030600000101010101" pitchFamily="18" charset="-127"/>
-                <a:ea typeface="HY헤드라인M" panose="02030600000101010101" pitchFamily="18" charset="-127"/>
-              </a:rPr>
-              <a:t>박건호</a:t>
-            </a:r>
-          </a:p>
-        </p:txBody>
-      </p:sp>
-      <p:sp>
-        <p:nvSpPr>
-          <p:cNvPr id="9" name="직사각형 8">
-            <a:extLst>
-              <a:ext uri="{FF2B5EF4-FFF2-40B4-BE49-F238E27FC236}">
-                <a16:creationId xmlns:a16="http://schemas.microsoft.com/office/drawing/2014/main" id="{B3C4690B-4DFC-4286-B5B4-EA8F7F452F2D}"/>
-              </a:ext>
-            </a:extLst>
-          </p:cNvPr>
-          <p:cNvSpPr/>
-          <p:nvPr/>
-        </p:nvSpPr>
-        <p:spPr>
-          <a:xfrm>
-            <a:off x="5022377" y="2107721"/>
-            <a:ext cx="3390901" cy="3891662"/>
-          </a:xfrm>
-          <a:prstGeom prst="rect">
-            <a:avLst/>
-          </a:prstGeom>
-          <a:solidFill>
-            <a:srgbClr val="595959"/>
-          </a:solidFill>
-          <a:ln w="38100">
-            <a:solidFill>
-              <a:schemeClr val="tx1">
-                <a:lumMod val="85000"/>
-              </a:schemeClr>
-            </a:solidFill>
-          </a:ln>
-        </p:spPr>
-        <p:style>
-          <a:lnRef idx="2">
-            <a:schemeClr val="accent1">
-              <a:shade val="50000"/>
-            </a:schemeClr>
-          </a:lnRef>
-          <a:fillRef idx="1">
-            <a:schemeClr val="accent1"/>
-          </a:fillRef>
-          <a:effectRef idx="0">
-            <a:schemeClr val="accent1"/>
-          </a:effectRef>
-          <a:fontRef idx="minor">
-            <a:schemeClr val="lt1"/>
-          </a:fontRef>
-        </p:style>
-        <p:txBody>
-          <a:bodyPr rtlCol="0" anchor="t"/>
-          <a:lstStyle/>
-          <a:p>
-            <a:r>
-              <a:rPr lang="en-US" altLang="ko-KR" sz="1600" dirty="0">
-                <a:latin typeface="HY헤드라인M" panose="02030600000101010101" pitchFamily="18" charset="-127"/>
-                <a:ea typeface="HY헤드라인M" panose="02030600000101010101" pitchFamily="18" charset="-127"/>
-              </a:rPr>
-              <a:t>DirectX 12</a:t>
-            </a:r>
-          </a:p>
-          <a:p>
-            <a:r>
-              <a:rPr lang="en-US" altLang="ko-KR" sz="1600" dirty="0">
-                <a:latin typeface="HY헤드라인M" panose="02030600000101010101" pitchFamily="18" charset="-127"/>
-                <a:ea typeface="HY헤드라인M" panose="02030600000101010101" pitchFamily="18" charset="-127"/>
-              </a:rPr>
-              <a:t>-3DGP</a:t>
-            </a:r>
-            <a:r>
-              <a:rPr lang="ko-KR" altLang="en-US" sz="1600" dirty="0">
-                <a:latin typeface="HY헤드라인M" panose="02030600000101010101" pitchFamily="18" charset="-127"/>
-                <a:ea typeface="HY헤드라인M" panose="02030600000101010101" pitchFamily="18" charset="-127"/>
-              </a:rPr>
-              <a:t> 수강</a:t>
-            </a:r>
-            <a:endParaRPr lang="en-US" altLang="ko-KR" sz="1600" dirty="0">
-              <a:latin typeface="HY헤드라인M" panose="02030600000101010101" pitchFamily="18" charset="-127"/>
-              <a:ea typeface="HY헤드라인M" panose="02030600000101010101" pitchFamily="18" charset="-127"/>
-            </a:endParaRPr>
-          </a:p>
-          <a:p>
-            <a:endParaRPr lang="en-US" altLang="ko-KR" sz="1600" dirty="0">
-              <a:latin typeface="HY헤드라인M" panose="02030600000101010101" pitchFamily="18" charset="-127"/>
-              <a:ea typeface="HY헤드라인M" panose="02030600000101010101" pitchFamily="18" charset="-127"/>
-            </a:endParaRPr>
-          </a:p>
-          <a:p>
-            <a:r>
-              <a:rPr lang="en-US" altLang="ko-KR" sz="1600" dirty="0">
-                <a:latin typeface="HY헤드라인M" panose="02030600000101010101" pitchFamily="18" charset="-127"/>
-                <a:ea typeface="HY헤드라인M" panose="02030600000101010101" pitchFamily="18" charset="-127"/>
-              </a:rPr>
-              <a:t>-</a:t>
-            </a:r>
-            <a:r>
-              <a:rPr lang="ko-KR" altLang="en-US" sz="1600" dirty="0" err="1">
-                <a:latin typeface="HY헤드라인M" panose="02030600000101010101" pitchFamily="18" charset="-127"/>
-                <a:ea typeface="HY헤드라인M" panose="02030600000101010101" pitchFamily="18" charset="-127"/>
-              </a:rPr>
-              <a:t>셰이더</a:t>
-            </a:r>
-            <a:r>
-              <a:rPr lang="ko-KR" altLang="en-US" sz="1600" dirty="0">
-                <a:latin typeface="HY헤드라인M" panose="02030600000101010101" pitchFamily="18" charset="-127"/>
-                <a:ea typeface="HY헤드라인M" panose="02030600000101010101" pitchFamily="18" charset="-127"/>
-              </a:rPr>
-              <a:t> 프로그래밍 수강</a:t>
-            </a:r>
-            <a:endParaRPr lang="en-US" altLang="ko-KR" sz="1600" dirty="0">
-              <a:latin typeface="HY헤드라인M" panose="02030600000101010101" pitchFamily="18" charset="-127"/>
-              <a:ea typeface="HY헤드라인M" panose="02030600000101010101" pitchFamily="18" charset="-127"/>
-            </a:endParaRPr>
-          </a:p>
-          <a:p>
-            <a:endParaRPr lang="en-US" altLang="ko-KR" sz="1600" dirty="0">
-              <a:latin typeface="HY헤드라인M" panose="02030600000101010101" pitchFamily="18" charset="-127"/>
-              <a:ea typeface="HY헤드라인M" panose="02030600000101010101" pitchFamily="18" charset="-127"/>
-            </a:endParaRPr>
-          </a:p>
-          <a:p>
-            <a:r>
-              <a:rPr lang="ko-KR" altLang="en-US" sz="1600" dirty="0">
-                <a:latin typeface="HY헤드라인M" panose="02030600000101010101" pitchFamily="18" charset="-127"/>
-                <a:ea typeface="HY헤드라인M" panose="02030600000101010101" pitchFamily="18" charset="-127"/>
-              </a:rPr>
-              <a:t>모델링</a:t>
-            </a:r>
-            <a:endParaRPr lang="en-US" altLang="ko-KR" sz="1600" dirty="0">
-              <a:latin typeface="HY헤드라인M" panose="02030600000101010101" pitchFamily="18" charset="-127"/>
-              <a:ea typeface="HY헤드라인M" panose="02030600000101010101" pitchFamily="18" charset="-127"/>
-            </a:endParaRPr>
-          </a:p>
-          <a:p>
-            <a:r>
-              <a:rPr lang="en-US" altLang="ko-KR" sz="1600" dirty="0">
-                <a:latin typeface="HY헤드라인M" panose="02030600000101010101" pitchFamily="18" charset="-127"/>
-                <a:ea typeface="HY헤드라인M" panose="02030600000101010101" pitchFamily="18" charset="-127"/>
-              </a:rPr>
-              <a:t>-3D </a:t>
-            </a:r>
-            <a:r>
-              <a:rPr lang="ko-KR" altLang="en-US" sz="1600" dirty="0">
-                <a:latin typeface="HY헤드라인M" panose="02030600000101010101" pitchFamily="18" charset="-127"/>
-                <a:ea typeface="HY헤드라인M" panose="02030600000101010101" pitchFamily="18" charset="-127"/>
-              </a:rPr>
-              <a:t>모델링</a:t>
-            </a:r>
-            <a:endParaRPr lang="en-US" altLang="ko-KR" sz="1600" dirty="0">
-              <a:latin typeface="HY헤드라인M" panose="02030600000101010101" pitchFamily="18" charset="-127"/>
-              <a:ea typeface="HY헤드라인M" panose="02030600000101010101" pitchFamily="18" charset="-127"/>
-            </a:endParaRPr>
-          </a:p>
-          <a:p>
-            <a:endParaRPr lang="en-US" altLang="ko-KR" sz="1600" dirty="0">
-              <a:latin typeface="HY헤드라인M" panose="02030600000101010101" pitchFamily="18" charset="-127"/>
-              <a:ea typeface="HY헤드라인M" panose="02030600000101010101" pitchFamily="18" charset="-127"/>
-            </a:endParaRPr>
-          </a:p>
-          <a:p>
-            <a:r>
-              <a:rPr lang="en-US" altLang="ko-KR" sz="1600" dirty="0">
-                <a:latin typeface="HY헤드라인M" panose="02030600000101010101" pitchFamily="18" charset="-127"/>
-                <a:ea typeface="HY헤드라인M" panose="02030600000101010101" pitchFamily="18" charset="-127"/>
-              </a:rPr>
-              <a:t>UI &amp; </a:t>
-            </a:r>
-            <a:r>
-              <a:rPr lang="ko-KR" altLang="en-US" sz="1600" dirty="0">
-                <a:latin typeface="HY헤드라인M" panose="02030600000101010101" pitchFamily="18" charset="-127"/>
-                <a:ea typeface="HY헤드라인M" panose="02030600000101010101" pitchFamily="18" charset="-127"/>
-              </a:rPr>
-              <a:t>레벨 디자인</a:t>
-            </a:r>
-            <a:endParaRPr lang="en-US" altLang="ko-KR" sz="1600" dirty="0">
-              <a:latin typeface="HY헤드라인M" panose="02030600000101010101" pitchFamily="18" charset="-127"/>
-              <a:ea typeface="HY헤드라인M" panose="02030600000101010101" pitchFamily="18" charset="-127"/>
-            </a:endParaRPr>
-          </a:p>
-          <a:p>
-            <a:r>
-              <a:rPr lang="en-US" altLang="ko-KR" sz="1600" dirty="0">
-                <a:latin typeface="HY헤드라인M" panose="02030600000101010101" pitchFamily="18" charset="-127"/>
-                <a:ea typeface="HY헤드라인M" panose="02030600000101010101" pitchFamily="18" charset="-127"/>
-              </a:rPr>
-              <a:t>-</a:t>
-            </a:r>
-            <a:r>
-              <a:rPr lang="ko-KR" altLang="en-US" sz="1600" dirty="0">
-                <a:latin typeface="HY헤드라인M" panose="02030600000101010101" pitchFamily="18" charset="-127"/>
-                <a:ea typeface="HY헤드라인M" panose="02030600000101010101" pitchFamily="18" charset="-127"/>
-              </a:rPr>
-              <a:t>게임 기획 수강</a:t>
-            </a:r>
-            <a:endParaRPr lang="en-US" altLang="ko-KR" sz="1600" dirty="0">
-              <a:latin typeface="HY헤드라인M" panose="02030600000101010101" pitchFamily="18" charset="-127"/>
-              <a:ea typeface="HY헤드라인M" panose="02030600000101010101" pitchFamily="18" charset="-127"/>
-            </a:endParaRPr>
-          </a:p>
-          <a:p>
-            <a:r>
-              <a:rPr lang="en-US" altLang="ko-KR" sz="1600" dirty="0">
-                <a:latin typeface="HY헤드라인M" panose="02030600000101010101" pitchFamily="18" charset="-127"/>
-                <a:ea typeface="HY헤드라인M" panose="02030600000101010101" pitchFamily="18" charset="-127"/>
-              </a:rPr>
-              <a:t>-</a:t>
-            </a:r>
-            <a:r>
-              <a:rPr lang="ko-KR" altLang="en-US" sz="1600" dirty="0">
-                <a:latin typeface="HY헤드라인M" panose="02030600000101010101" pitchFamily="18" charset="-127"/>
-                <a:ea typeface="HY헤드라인M" panose="02030600000101010101" pitchFamily="18" charset="-127"/>
-              </a:rPr>
-              <a:t>기획자 </a:t>
-            </a:r>
-            <a:r>
-              <a:rPr lang="ko-KR" altLang="en-US" sz="1600" dirty="0" err="1">
-                <a:latin typeface="HY헤드라인M" panose="02030600000101010101" pitchFamily="18" charset="-127"/>
-                <a:ea typeface="HY헤드라인M" panose="02030600000101010101" pitchFamily="18" charset="-127"/>
-              </a:rPr>
-              <a:t>특훈</a:t>
-            </a:r>
-            <a:r>
-              <a:rPr lang="ko-KR" altLang="en-US" sz="1600" dirty="0">
-                <a:latin typeface="HY헤드라인M" panose="02030600000101010101" pitchFamily="18" charset="-127"/>
-                <a:ea typeface="HY헤드라인M" panose="02030600000101010101" pitchFamily="18" charset="-127"/>
-              </a:rPr>
-              <a:t> 수강</a:t>
-            </a:r>
-            <a:endParaRPr lang="en-US" altLang="ko-KR" sz="1600" dirty="0">
-              <a:latin typeface="HY헤드라인M" panose="02030600000101010101" pitchFamily="18" charset="-127"/>
-              <a:ea typeface="HY헤드라인M" panose="02030600000101010101" pitchFamily="18" charset="-127"/>
-            </a:endParaRPr>
-          </a:p>
-          <a:p>
-            <a:endParaRPr lang="en-US" altLang="ko-KR" sz="1600" dirty="0">
-              <a:latin typeface="HY헤드라인M" panose="02030600000101010101" pitchFamily="18" charset="-127"/>
-              <a:ea typeface="HY헤드라인M" panose="02030600000101010101" pitchFamily="18" charset="-127"/>
-            </a:endParaRPr>
-          </a:p>
-          <a:p>
-            <a:endParaRPr lang="en-US" altLang="ko-KR" sz="1600" dirty="0">
-              <a:latin typeface="HY헤드라인M" panose="02030600000101010101" pitchFamily="18" charset="-127"/>
-              <a:ea typeface="HY헤드라인M" panose="02030600000101010101" pitchFamily="18" charset="-127"/>
-            </a:endParaRPr>
-          </a:p>
-          <a:p>
-            <a:r>
-              <a:rPr lang="en-US" altLang="ko-KR" sz="1600" dirty="0">
-                <a:latin typeface="HY헤드라인M" panose="02030600000101010101" pitchFamily="18" charset="-127"/>
-                <a:ea typeface="HY헤드라인M" panose="02030600000101010101" pitchFamily="18" charset="-127"/>
-              </a:rPr>
-              <a:t>Git</a:t>
-            </a:r>
-          </a:p>
-          <a:p>
-            <a:r>
-              <a:rPr lang="en-US" altLang="ko-KR" sz="1600" dirty="0">
-                <a:latin typeface="HY헤드라인M" panose="02030600000101010101" pitchFamily="18" charset="-127"/>
-                <a:ea typeface="HY헤드라인M" panose="02030600000101010101" pitchFamily="18" charset="-127"/>
-              </a:rPr>
-              <a:t>-</a:t>
-            </a:r>
-            <a:r>
-              <a:rPr lang="ko-KR" altLang="en-US" sz="1600" dirty="0">
-                <a:latin typeface="HY헤드라인M" panose="02030600000101010101" pitchFamily="18" charset="-127"/>
-                <a:ea typeface="HY헤드라인M" panose="02030600000101010101" pitchFamily="18" charset="-127"/>
-              </a:rPr>
-              <a:t> 게임 소프트웨어 공학 수강</a:t>
-            </a:r>
-            <a:endParaRPr lang="en-US" altLang="ko-KR" sz="1600" dirty="0">
-              <a:latin typeface="HY헤드라인M" panose="02030600000101010101" pitchFamily="18" charset="-127"/>
-              <a:ea typeface="HY헤드라인M" panose="02030600000101010101" pitchFamily="18" charset="-127"/>
-            </a:endParaRPr>
-          </a:p>
-        </p:txBody>
-      </p:sp>
-      <p:sp>
-        <p:nvSpPr>
-          <p:cNvPr id="10" name="직사각형 9">
-            <a:extLst>
-              <a:ext uri="{FF2B5EF4-FFF2-40B4-BE49-F238E27FC236}">
-                <a16:creationId xmlns:a16="http://schemas.microsoft.com/office/drawing/2014/main" id="{D3F450E1-C0C0-43EA-965D-6DF7A17A2380}"/>
-              </a:ext>
-            </a:extLst>
-          </p:cNvPr>
-          <p:cNvSpPr/>
-          <p:nvPr/>
-        </p:nvSpPr>
-        <p:spPr>
-          <a:xfrm>
-            <a:off x="8413278" y="1298093"/>
-            <a:ext cx="3390901" cy="809625"/>
-          </a:xfrm>
-          <a:prstGeom prst="rect">
-            <a:avLst/>
-          </a:prstGeom>
-          <a:ln w="38100">
-            <a:solidFill>
-              <a:schemeClr val="tx1">
-                <a:lumMod val="85000"/>
-              </a:schemeClr>
-            </a:solidFill>
-          </a:ln>
-        </p:spPr>
-        <p:style>
-          <a:lnRef idx="2">
-            <a:schemeClr val="accent1">
-              <a:shade val="50000"/>
-            </a:schemeClr>
-          </a:lnRef>
-          <a:fillRef idx="1">
-            <a:schemeClr val="accent1"/>
-          </a:fillRef>
-          <a:effectRef idx="0">
-            <a:schemeClr val="accent1"/>
-          </a:effectRef>
-          <a:fontRef idx="minor">
-            <a:schemeClr val="lt1"/>
-          </a:fontRef>
-        </p:style>
-        <p:txBody>
-          <a:bodyPr rtlCol="0" anchor="ctr"/>
-          <a:lstStyle/>
+            <a:endParaRPr lang="en-US" altLang="ko-KR" sz="2000" dirty="0"/>
+          </a:p>
           <a:p>
             <a:pPr algn="ctr"/>
-            <a:r>
-              <a:rPr lang="ko-KR" altLang="en-US" sz="2800" dirty="0">
-                <a:latin typeface="HY헤드라인M" panose="02030600000101010101" pitchFamily="18" charset="-127"/>
-                <a:ea typeface="HY헤드라인M" panose="02030600000101010101" pitchFamily="18" charset="-127"/>
-              </a:rPr>
-              <a:t>박정만</a:t>
-            </a:r>
-          </a:p>
-        </p:txBody>
-      </p:sp>
-      <p:sp>
-        <p:nvSpPr>
-          <p:cNvPr id="12" name="직사각형 11">
-            <a:extLst>
-              <a:ext uri="{FF2B5EF4-FFF2-40B4-BE49-F238E27FC236}">
-                <a16:creationId xmlns:a16="http://schemas.microsoft.com/office/drawing/2014/main" id="{242167CD-F648-4E14-9D37-5731E669137E}"/>
-              </a:ext>
-            </a:extLst>
-          </p:cNvPr>
-          <p:cNvSpPr/>
-          <p:nvPr/>
-        </p:nvSpPr>
-        <p:spPr>
-          <a:xfrm>
-            <a:off x="8413278" y="2107717"/>
-            <a:ext cx="3390901" cy="3891662"/>
-          </a:xfrm>
-          <a:prstGeom prst="rect">
-            <a:avLst/>
-          </a:prstGeom>
-          <a:solidFill>
-            <a:srgbClr val="595959"/>
-          </a:solidFill>
-          <a:ln w="38100">
-            <a:solidFill>
-              <a:schemeClr val="tx1">
-                <a:lumMod val="85000"/>
-              </a:schemeClr>
-            </a:solidFill>
-          </a:ln>
-        </p:spPr>
-        <p:style>
-          <a:lnRef idx="2">
-            <a:schemeClr val="accent1">
-              <a:shade val="50000"/>
-            </a:schemeClr>
-          </a:lnRef>
-          <a:fillRef idx="1">
-            <a:schemeClr val="accent1"/>
-          </a:fillRef>
-          <a:effectRef idx="0">
-            <a:schemeClr val="accent1"/>
-          </a:effectRef>
-          <a:fontRef idx="minor">
-            <a:schemeClr val="lt1"/>
-          </a:fontRef>
-        </p:style>
-        <p:txBody>
-          <a:bodyPr rtlCol="0" anchor="t"/>
-          <a:lstStyle/>
-          <a:p>
-            <a:r>
-              <a:rPr lang="ko-KR" altLang="en-US" sz="1600" dirty="0">
-                <a:latin typeface="HY헤드라인M" panose="02030600000101010101" pitchFamily="18" charset="-127"/>
-                <a:ea typeface="HY헤드라인M" panose="02030600000101010101" pitchFamily="18" charset="-127"/>
-              </a:rPr>
-              <a:t>서버</a:t>
-            </a:r>
-            <a:endParaRPr lang="en-US" altLang="ko-KR" sz="1600" dirty="0">
-              <a:latin typeface="HY헤드라인M" panose="02030600000101010101" pitchFamily="18" charset="-127"/>
-              <a:ea typeface="HY헤드라인M" panose="02030600000101010101" pitchFamily="18" charset="-127"/>
-            </a:endParaRPr>
-          </a:p>
-          <a:p>
-            <a:r>
-              <a:rPr lang="en-US" altLang="ko-KR" sz="1600" dirty="0">
-                <a:latin typeface="HY헤드라인M" panose="02030600000101010101" pitchFamily="18" charset="-127"/>
-                <a:ea typeface="HY헤드라인M" panose="02030600000101010101" pitchFamily="18" charset="-127"/>
-              </a:rPr>
-              <a:t>-</a:t>
-            </a:r>
-            <a:r>
-              <a:rPr lang="ko-KR" altLang="en-US" sz="1600" dirty="0">
-                <a:latin typeface="HY헤드라인M" panose="02030600000101010101" pitchFamily="18" charset="-127"/>
-                <a:ea typeface="HY헤드라인M" panose="02030600000101010101" pitchFamily="18" charset="-127"/>
-              </a:rPr>
-              <a:t>네트워크 기초 수강</a:t>
-            </a:r>
-            <a:endParaRPr lang="en-US" altLang="ko-KR" sz="1600" dirty="0">
-              <a:latin typeface="HY헤드라인M" panose="02030600000101010101" pitchFamily="18" charset="-127"/>
-              <a:ea typeface="HY헤드라인M" panose="02030600000101010101" pitchFamily="18" charset="-127"/>
-            </a:endParaRPr>
-          </a:p>
-          <a:p>
-            <a:r>
-              <a:rPr lang="en-US" altLang="ko-KR" sz="1600" dirty="0">
-                <a:latin typeface="HY헤드라인M" panose="02030600000101010101" pitchFamily="18" charset="-127"/>
-                <a:ea typeface="HY헤드라인M" panose="02030600000101010101" pitchFamily="18" charset="-127"/>
-              </a:rPr>
-              <a:t>-</a:t>
-            </a:r>
-            <a:r>
-              <a:rPr lang="ko-KR" altLang="en-US" sz="1600" dirty="0">
-                <a:latin typeface="HY헤드라인M" panose="02030600000101010101" pitchFamily="18" charset="-127"/>
-                <a:ea typeface="HY헤드라인M" panose="02030600000101010101" pitchFamily="18" charset="-127"/>
-              </a:rPr>
-              <a:t>네트워크 게임 프로그래밍 수강</a:t>
-            </a:r>
-            <a:endParaRPr lang="en-US" altLang="ko-KR" sz="1600" dirty="0">
-              <a:latin typeface="HY헤드라인M" panose="02030600000101010101" pitchFamily="18" charset="-127"/>
-              <a:ea typeface="HY헤드라인M" panose="02030600000101010101" pitchFamily="18" charset="-127"/>
-            </a:endParaRPr>
-          </a:p>
-          <a:p>
-            <a:r>
-              <a:rPr lang="en-US" altLang="ko-KR" sz="1600" dirty="0">
-                <a:latin typeface="HY헤드라인M" panose="02030600000101010101" pitchFamily="18" charset="-127"/>
-                <a:ea typeface="HY헤드라인M" panose="02030600000101010101" pitchFamily="18" charset="-127"/>
-              </a:rPr>
-              <a:t>-</a:t>
-            </a:r>
-            <a:r>
-              <a:rPr lang="ko-KR" altLang="en-US" sz="1600" dirty="0">
-                <a:latin typeface="HY헤드라인M" panose="02030600000101010101" pitchFamily="18" charset="-127"/>
-                <a:ea typeface="HY헤드라인M" panose="02030600000101010101" pitchFamily="18" charset="-127"/>
-              </a:rPr>
-              <a:t>게임 서버 수강</a:t>
-            </a:r>
-            <a:endParaRPr lang="en-US" altLang="ko-KR" sz="1600" dirty="0">
-              <a:latin typeface="HY헤드라인M" panose="02030600000101010101" pitchFamily="18" charset="-127"/>
-              <a:ea typeface="HY헤드라인M" panose="02030600000101010101" pitchFamily="18" charset="-127"/>
-            </a:endParaRPr>
-          </a:p>
-          <a:p>
-            <a:endParaRPr lang="en-US" altLang="ko-KR" sz="1600" dirty="0">
-              <a:latin typeface="HY헤드라인M" panose="02030600000101010101" pitchFamily="18" charset="-127"/>
-              <a:ea typeface="HY헤드라인M" panose="02030600000101010101" pitchFamily="18" charset="-127"/>
-            </a:endParaRPr>
-          </a:p>
-          <a:p>
-            <a:endParaRPr lang="en-US" altLang="ko-KR" sz="1600" dirty="0">
-              <a:latin typeface="HY헤드라인M" panose="02030600000101010101" pitchFamily="18" charset="-127"/>
-              <a:ea typeface="HY헤드라인M" panose="02030600000101010101" pitchFamily="18" charset="-127"/>
-            </a:endParaRPr>
-          </a:p>
-          <a:p>
-            <a:r>
-              <a:rPr lang="en-US" altLang="ko-KR" sz="1600" dirty="0">
-                <a:latin typeface="HY헤드라인M" panose="02030600000101010101" pitchFamily="18" charset="-127"/>
-                <a:ea typeface="HY헤드라인M" panose="02030600000101010101" pitchFamily="18" charset="-127"/>
-              </a:rPr>
-              <a:t>DB</a:t>
-            </a:r>
-          </a:p>
-          <a:p>
-            <a:r>
-              <a:rPr lang="en-US" altLang="ko-KR" sz="1600" dirty="0">
-                <a:latin typeface="HY헤드라인M" panose="02030600000101010101" pitchFamily="18" charset="-127"/>
-                <a:ea typeface="HY헤드라인M" panose="02030600000101010101" pitchFamily="18" charset="-127"/>
-              </a:rPr>
-              <a:t>-</a:t>
-            </a:r>
-            <a:r>
-              <a:rPr lang="ko-KR" altLang="en-US" sz="1600" dirty="0">
-                <a:latin typeface="HY헤드라인M" panose="02030600000101010101" pitchFamily="18" charset="-127"/>
-                <a:ea typeface="HY헤드라인M" panose="02030600000101010101" pitchFamily="18" charset="-127"/>
-              </a:rPr>
-              <a:t>데이터 베이스 수강</a:t>
-            </a:r>
-            <a:endParaRPr lang="en-US" altLang="ko-KR" sz="1600" dirty="0">
-              <a:latin typeface="HY헤드라인M" panose="02030600000101010101" pitchFamily="18" charset="-127"/>
-              <a:ea typeface="HY헤드라인M" panose="02030600000101010101" pitchFamily="18" charset="-127"/>
-            </a:endParaRPr>
-          </a:p>
-          <a:p>
-            <a:endParaRPr lang="en-US" altLang="ko-KR" sz="1600" dirty="0">
-              <a:latin typeface="HY헤드라인M" panose="02030600000101010101" pitchFamily="18" charset="-127"/>
-              <a:ea typeface="HY헤드라인M" panose="02030600000101010101" pitchFamily="18" charset="-127"/>
-            </a:endParaRPr>
-          </a:p>
-          <a:p>
-            <a:endParaRPr lang="en-US" altLang="ko-KR" sz="1600" dirty="0">
-              <a:latin typeface="HY헤드라인M" panose="02030600000101010101" pitchFamily="18" charset="-127"/>
-              <a:ea typeface="HY헤드라인M" panose="02030600000101010101" pitchFamily="18" charset="-127"/>
-            </a:endParaRPr>
-          </a:p>
-          <a:p>
-            <a:endParaRPr lang="en-US" altLang="ko-KR" sz="1600" dirty="0">
-              <a:latin typeface="HY헤드라인M" panose="02030600000101010101" pitchFamily="18" charset="-127"/>
-              <a:ea typeface="HY헤드라인M" panose="02030600000101010101" pitchFamily="18" charset="-127"/>
-            </a:endParaRPr>
-          </a:p>
-          <a:p>
-            <a:endParaRPr lang="en-US" altLang="ko-KR" sz="1600" dirty="0">
-              <a:latin typeface="HY헤드라인M" panose="02030600000101010101" pitchFamily="18" charset="-127"/>
-              <a:ea typeface="HY헤드라인M" panose="02030600000101010101" pitchFamily="18" charset="-127"/>
-            </a:endParaRPr>
-          </a:p>
-          <a:p>
-            <a:endParaRPr lang="en-US" altLang="ko-KR" sz="1600" dirty="0">
-              <a:latin typeface="HY헤드라인M" panose="02030600000101010101" pitchFamily="18" charset="-127"/>
-              <a:ea typeface="HY헤드라인M" panose="02030600000101010101" pitchFamily="18" charset="-127"/>
-            </a:endParaRPr>
-          </a:p>
-          <a:p>
-            <a:r>
-              <a:rPr lang="en-US" altLang="ko-KR" sz="1600" dirty="0">
-                <a:latin typeface="HY헤드라인M" panose="02030600000101010101" pitchFamily="18" charset="-127"/>
-                <a:ea typeface="HY헤드라인M" panose="02030600000101010101" pitchFamily="18" charset="-127"/>
-              </a:rPr>
-              <a:t>Git</a:t>
-            </a:r>
-          </a:p>
-          <a:p>
-            <a:r>
-              <a:rPr lang="en-US" altLang="ko-KR" sz="1600" dirty="0">
-                <a:latin typeface="HY헤드라인M" panose="02030600000101010101" pitchFamily="18" charset="-127"/>
-                <a:ea typeface="HY헤드라인M" panose="02030600000101010101" pitchFamily="18" charset="-127"/>
-              </a:rPr>
-              <a:t>-</a:t>
-            </a:r>
-            <a:r>
-              <a:rPr lang="ko-KR" altLang="en-US" sz="1600" dirty="0">
-                <a:latin typeface="HY헤드라인M" panose="02030600000101010101" pitchFamily="18" charset="-127"/>
-                <a:ea typeface="HY헤드라인M" panose="02030600000101010101" pitchFamily="18" charset="-127"/>
-              </a:rPr>
-              <a:t> 게임 소프트웨어 공학 수강</a:t>
-            </a:r>
-            <a:endParaRPr lang="en-US" altLang="ko-KR" sz="1600" dirty="0">
-              <a:latin typeface="HY헤드라인M" panose="02030600000101010101" pitchFamily="18" charset="-127"/>
-              <a:ea typeface="HY헤드라인M" panose="02030600000101010101" pitchFamily="18" charset="-127"/>
-            </a:endParaRPr>
+            <a:endParaRPr lang="ko-KR" altLang="en-US" sz="2000" dirty="0"/>
           </a:p>
         </p:txBody>
       </p:sp>
     </p:spTree>
     <p:extLst>
       <p:ext uri="{BB962C8B-B14F-4D97-AF65-F5344CB8AC3E}">
-        <p14:creationId xmlns:p14="http://schemas.microsoft.com/office/powerpoint/2010/main" val="3117424196"/>
+        <p14:creationId xmlns:p14="http://schemas.microsoft.com/office/powerpoint/2010/main" val="2000490652"/>
       </p:ext>
     </p:extLst>
   </p:cSld>
@@ -6722,7 +7171,7 @@
                 <a:latin typeface="HY헤드라인M" panose="02030600000101010101" pitchFamily="18" charset="-127"/>
                 <a:ea typeface="HY헤드라인M" panose="02030600000101010101" pitchFamily="18" charset="-127"/>
               </a:rPr>
-              <a:t>7</a:t>
+              <a:t>6</a:t>
             </a:r>
             <a:endParaRPr lang="ko-KR" altLang="en-US" sz="5400" dirty="0">
               <a:latin typeface="HY헤드라인M" panose="02030600000101010101" pitchFamily="18" charset="-127"/>
@@ -6746,7 +7195,7 @@
         <p:spPr>
           <a:xfrm>
             <a:off x="1419225" y="393221"/>
-            <a:ext cx="6838950" cy="646331"/>
+            <a:ext cx="3895725" cy="646331"/>
           </a:xfrm>
           <a:prstGeom prst="rect">
             <a:avLst/>
@@ -6764,7 +7213,7 @@
                 <a:latin typeface="HY헤드라인M" panose="02030600000101010101" pitchFamily="18" charset="-127"/>
                 <a:ea typeface="HY헤드라인M" panose="02030600000101010101" pitchFamily="18" charset="-127"/>
               </a:rPr>
-              <a:t>중점 연구분야</a:t>
+              <a:t>개인별 준비 현황</a:t>
             </a:r>
             <a:endParaRPr lang="ko-KR" altLang="en-US" dirty="0"/>
           </a:p>
@@ -6775,7 +7224,7 @@
           <p:cNvPr id="5" name="직사각형 4">
             <a:extLst>
               <a:ext uri="{FF2B5EF4-FFF2-40B4-BE49-F238E27FC236}">
-                <a16:creationId xmlns:a16="http://schemas.microsoft.com/office/drawing/2014/main" id="{45C393B8-20D6-4EE7-AAC2-D8AA6F3EA229}"/>
+                <a16:creationId xmlns:a16="http://schemas.microsoft.com/office/drawing/2014/main" id="{77B11E97-3DE7-40DA-8FF7-A32B35070F07}"/>
               </a:ext>
             </a:extLst>
           </p:cNvPr>
@@ -6784,8 +7233,8 @@
         </p:nvSpPr>
         <p:spPr>
           <a:xfrm>
-            <a:off x="1656790" y="1405677"/>
-            <a:ext cx="8878420" cy="809625"/>
+            <a:off x="1631476" y="1298100"/>
+            <a:ext cx="3390901" cy="809625"/>
           </a:xfrm>
           <a:prstGeom prst="rect">
             <a:avLst/>
@@ -6820,12 +7269,16 @@
           <a:p>
             <a:pPr algn="ctr"/>
             <a:r>
-              <a:rPr lang="ko-KR" altLang="en-US" sz="2800" dirty="0">
-                <a:latin typeface="HY헤드라인M" panose="02030600000101010101" pitchFamily="18" charset="-127"/>
-                <a:ea typeface="HY헤드라인M" panose="02030600000101010101" pitchFamily="18" charset="-127"/>
-              </a:rPr>
-              <a:t>클라이언트</a:t>
-            </a:r>
+              <a:rPr lang="ko-KR" altLang="en-US" sz="2800" dirty="0" err="1">
+                <a:latin typeface="HY헤드라인M" panose="02030600000101010101" pitchFamily="18" charset="-127"/>
+                <a:ea typeface="HY헤드라인M" panose="02030600000101010101" pitchFamily="18" charset="-127"/>
+              </a:rPr>
+              <a:t>김영완</a:t>
+            </a:r>
+            <a:endParaRPr lang="ko-KR" altLang="en-US" sz="2800" dirty="0">
+              <a:latin typeface="HY헤드라인M" panose="02030600000101010101" pitchFamily="18" charset="-127"/>
+              <a:ea typeface="HY헤드라인M" panose="02030600000101010101" pitchFamily="18" charset="-127"/>
+            </a:endParaRPr>
           </a:p>
         </p:txBody>
       </p:sp>
@@ -6834,7 +7287,7 @@
           <p:cNvPr id="7" name="직사각형 6">
             <a:extLst>
               <a:ext uri="{FF2B5EF4-FFF2-40B4-BE49-F238E27FC236}">
-                <a16:creationId xmlns:a16="http://schemas.microsoft.com/office/drawing/2014/main" id="{B83CE672-44E1-46DB-9B66-CA17CD5C5231}"/>
+                <a16:creationId xmlns:a16="http://schemas.microsoft.com/office/drawing/2014/main" id="{F339315A-041C-45AC-82AD-9EE2920A232E}"/>
               </a:ext>
             </a:extLst>
           </p:cNvPr>
@@ -6843,8 +7296,8 @@
         </p:nvSpPr>
         <p:spPr>
           <a:xfrm>
-            <a:off x="1656790" y="2215303"/>
-            <a:ext cx="8878420" cy="1753382"/>
+            <a:off x="1631476" y="2107724"/>
+            <a:ext cx="3390901" cy="3891662"/>
           </a:xfrm>
           <a:prstGeom prst="rect">
             <a:avLst/>
@@ -6881,72 +7334,169 @@
           <a:lstStyle/>
           <a:p>
             <a:r>
-              <a:rPr lang="en-US" altLang="ko-KR" sz="2000" dirty="0">
-                <a:latin typeface="HY헤드라인M" panose="02030600000101010101" pitchFamily="18" charset="-127"/>
-                <a:ea typeface="HY헤드라인M" panose="02030600000101010101" pitchFamily="18" charset="-127"/>
-              </a:rPr>
-              <a:t>	-	</a:t>
-            </a:r>
-            <a:r>
-              <a:rPr lang="ko-KR" altLang="en-US" sz="2000" dirty="0">
-                <a:latin typeface="HY헤드라인M" panose="02030600000101010101" pitchFamily="18" charset="-127"/>
-                <a:ea typeface="HY헤드라인M" panose="02030600000101010101" pitchFamily="18" charset="-127"/>
-              </a:rPr>
-              <a:t>반동을 구현한 카메라</a:t>
-            </a:r>
-            <a:endParaRPr lang="en-US" altLang="ko-KR" sz="2000" dirty="0">
+              <a:rPr lang="en-US" altLang="ko-KR" sz="1600" dirty="0">
+                <a:latin typeface="HY헤드라인M" panose="02030600000101010101" pitchFamily="18" charset="-127"/>
+                <a:ea typeface="HY헤드라인M" panose="02030600000101010101" pitchFamily="18" charset="-127"/>
+              </a:rPr>
+              <a:t>DirectX 12</a:t>
+            </a:r>
+          </a:p>
+          <a:p>
+            <a:r>
+              <a:rPr lang="en-US" altLang="ko-KR" sz="1600" dirty="0">
+                <a:latin typeface="HY헤드라인M" panose="02030600000101010101" pitchFamily="18" charset="-127"/>
+                <a:ea typeface="HY헤드라인M" panose="02030600000101010101" pitchFamily="18" charset="-127"/>
+              </a:rPr>
+              <a:t>-3DGP</a:t>
+            </a:r>
+            <a:r>
+              <a:rPr lang="ko-KR" altLang="en-US" sz="1600" dirty="0">
+                <a:latin typeface="HY헤드라인M" panose="02030600000101010101" pitchFamily="18" charset="-127"/>
+                <a:ea typeface="HY헤드라인M" panose="02030600000101010101" pitchFamily="18" charset="-127"/>
+              </a:rPr>
+              <a:t> 수강</a:t>
+            </a:r>
+            <a:endParaRPr lang="en-US" altLang="ko-KR" sz="1600" dirty="0">
               <a:latin typeface="HY헤드라인M" panose="02030600000101010101" pitchFamily="18" charset="-127"/>
               <a:ea typeface="HY헤드라인M" panose="02030600000101010101" pitchFamily="18" charset="-127"/>
             </a:endParaRPr>
           </a:p>
           <a:p>
-            <a:endParaRPr lang="en-US" altLang="ko-KR" sz="2000" dirty="0">
+            <a:endParaRPr lang="en-US" altLang="ko-KR" sz="1600" dirty="0">
               <a:latin typeface="HY헤드라인M" panose="02030600000101010101" pitchFamily="18" charset="-127"/>
               <a:ea typeface="HY헤드라인M" panose="02030600000101010101" pitchFamily="18" charset="-127"/>
             </a:endParaRPr>
           </a:p>
           <a:p>
             <a:r>
-              <a:rPr lang="en-US" altLang="ko-KR" sz="2000" dirty="0">
-                <a:latin typeface="HY헤드라인M" panose="02030600000101010101" pitchFamily="18" charset="-127"/>
-                <a:ea typeface="HY헤드라인M" panose="02030600000101010101" pitchFamily="18" charset="-127"/>
-              </a:rPr>
-              <a:t>	-	</a:t>
-            </a:r>
-            <a:r>
-              <a:rPr lang="ko-KR" altLang="en-US" sz="2000" dirty="0">
-                <a:latin typeface="HY헤드라인M" panose="02030600000101010101" pitchFamily="18" charset="-127"/>
-                <a:ea typeface="HY헤드라인M" panose="02030600000101010101" pitchFamily="18" charset="-127"/>
-              </a:rPr>
-              <a:t>렌더링 최적화</a:t>
-            </a:r>
-            <a:endParaRPr lang="en-US" altLang="ko-KR" sz="2000" dirty="0">
+              <a:rPr lang="en-US" altLang="ko-KR" sz="1600" dirty="0">
+                <a:latin typeface="HY헤드라인M" panose="02030600000101010101" pitchFamily="18" charset="-127"/>
+                <a:ea typeface="HY헤드라인M" panose="02030600000101010101" pitchFamily="18" charset="-127"/>
+              </a:rPr>
+              <a:t>-</a:t>
+            </a:r>
+            <a:r>
+              <a:rPr lang="ko-KR" altLang="en-US" sz="1600" dirty="0" err="1">
+                <a:latin typeface="HY헤드라인M" panose="02030600000101010101" pitchFamily="18" charset="-127"/>
+                <a:ea typeface="HY헤드라인M" panose="02030600000101010101" pitchFamily="18" charset="-127"/>
+              </a:rPr>
+              <a:t>셰이더</a:t>
+            </a:r>
+            <a:r>
+              <a:rPr lang="ko-KR" altLang="en-US" sz="1600" dirty="0">
+                <a:latin typeface="HY헤드라인M" panose="02030600000101010101" pitchFamily="18" charset="-127"/>
+                <a:ea typeface="HY헤드라인M" panose="02030600000101010101" pitchFamily="18" charset="-127"/>
+              </a:rPr>
+              <a:t> 프로그래밍 수강</a:t>
+            </a:r>
+            <a:endParaRPr lang="en-US" altLang="ko-KR" sz="1600" dirty="0">
               <a:latin typeface="HY헤드라인M" panose="02030600000101010101" pitchFamily="18" charset="-127"/>
               <a:ea typeface="HY헤드라인M" panose="02030600000101010101" pitchFamily="18" charset="-127"/>
             </a:endParaRPr>
           </a:p>
           <a:p>
-            <a:endParaRPr lang="en-US" altLang="ko-KR" sz="2000" dirty="0">
+            <a:r>
+              <a:rPr lang="en-US" altLang="ko-KR" sz="1600" dirty="0">
+                <a:latin typeface="HY헤드라인M" panose="02030600000101010101" pitchFamily="18" charset="-127"/>
+                <a:ea typeface="HY헤드라인M" panose="02030600000101010101" pitchFamily="18" charset="-127"/>
+              </a:rPr>
+              <a:t>-</a:t>
+            </a:r>
+            <a:r>
+              <a:rPr lang="ko-KR" altLang="en-US" sz="1600" dirty="0">
+                <a:latin typeface="HY헤드라인M" panose="02030600000101010101" pitchFamily="18" charset="-127"/>
+                <a:ea typeface="HY헤드라인M" panose="02030600000101010101" pitchFamily="18" charset="-127"/>
+              </a:rPr>
+              <a:t>네트워크 게임 프로그래밍 수강</a:t>
+            </a:r>
+            <a:endParaRPr lang="en-US" altLang="ko-KR" sz="1600" dirty="0">
               <a:latin typeface="HY헤드라인M" panose="02030600000101010101" pitchFamily="18" charset="-127"/>
               <a:ea typeface="HY헤드라인M" panose="02030600000101010101" pitchFamily="18" charset="-127"/>
             </a:endParaRPr>
           </a:p>
           <a:p>
-            <a:r>
-              <a:rPr lang="en-US" altLang="ko-KR" sz="2000" dirty="0">
-                <a:latin typeface="HY헤드라인M" panose="02030600000101010101" pitchFamily="18" charset="-127"/>
-                <a:ea typeface="HY헤드라인M" panose="02030600000101010101" pitchFamily="18" charset="-127"/>
-              </a:rPr>
-              <a:t>	-	</a:t>
-            </a:r>
-            <a:r>
-              <a:rPr lang="ko-KR" altLang="en-US" sz="2000" dirty="0" err="1">
-                <a:latin typeface="HY헤드라인M" panose="02030600000101010101" pitchFamily="18" charset="-127"/>
-                <a:ea typeface="HY헤드라인M" panose="02030600000101010101" pitchFamily="18" charset="-127"/>
-              </a:rPr>
-              <a:t>블러링</a:t>
-            </a:r>
-            <a:endParaRPr lang="en-US" altLang="ko-KR" sz="2000" dirty="0">
+            <a:endParaRPr lang="en-US" altLang="ko-KR" sz="1600" dirty="0">
+              <a:latin typeface="HY헤드라인M" panose="02030600000101010101" pitchFamily="18" charset="-127"/>
+              <a:ea typeface="HY헤드라인M" panose="02030600000101010101" pitchFamily="18" charset="-127"/>
+            </a:endParaRPr>
+          </a:p>
+          <a:p>
+            <a:r>
+              <a:rPr lang="ko-KR" altLang="en-US" sz="1600" dirty="0">
+                <a:latin typeface="HY헤드라인M" panose="02030600000101010101" pitchFamily="18" charset="-127"/>
+                <a:ea typeface="HY헤드라인M" panose="02030600000101010101" pitchFamily="18" charset="-127"/>
+              </a:rPr>
+              <a:t>애니메이션</a:t>
+            </a:r>
+            <a:endParaRPr lang="en-US" altLang="ko-KR" sz="1600" dirty="0">
+              <a:latin typeface="HY헤드라인M" panose="02030600000101010101" pitchFamily="18" charset="-127"/>
+              <a:ea typeface="HY헤드라인M" panose="02030600000101010101" pitchFamily="18" charset="-127"/>
+            </a:endParaRPr>
+          </a:p>
+          <a:p>
+            <a:r>
+              <a:rPr lang="en-US" altLang="ko-KR" sz="1600" dirty="0">
+                <a:latin typeface="HY헤드라인M" panose="02030600000101010101" pitchFamily="18" charset="-127"/>
+                <a:ea typeface="HY헤드라인M" panose="02030600000101010101" pitchFamily="18" charset="-127"/>
+              </a:rPr>
+              <a:t>-FBX SDK</a:t>
+            </a:r>
+          </a:p>
+          <a:p>
+            <a:endParaRPr lang="en-US" altLang="ko-KR" sz="1600" dirty="0">
+              <a:latin typeface="HY헤드라인M" panose="02030600000101010101" pitchFamily="18" charset="-127"/>
+              <a:ea typeface="HY헤드라인M" panose="02030600000101010101" pitchFamily="18" charset="-127"/>
+            </a:endParaRPr>
+          </a:p>
+          <a:p>
+            <a:endParaRPr lang="en-US" altLang="ko-KR" sz="1600" dirty="0">
+              <a:latin typeface="HY헤드라인M" panose="02030600000101010101" pitchFamily="18" charset="-127"/>
+              <a:ea typeface="HY헤드라인M" panose="02030600000101010101" pitchFamily="18" charset="-127"/>
+            </a:endParaRPr>
+          </a:p>
+          <a:p>
+            <a:endParaRPr lang="en-US" altLang="ko-KR" sz="1600" dirty="0">
+              <a:latin typeface="HY헤드라인M" panose="02030600000101010101" pitchFamily="18" charset="-127"/>
+              <a:ea typeface="HY헤드라인M" panose="02030600000101010101" pitchFamily="18" charset="-127"/>
+            </a:endParaRPr>
+          </a:p>
+          <a:p>
+            <a:endParaRPr lang="en-US" altLang="ko-KR" sz="1600" dirty="0">
+              <a:latin typeface="HY헤드라인M" panose="02030600000101010101" pitchFamily="18" charset="-127"/>
+              <a:ea typeface="HY헤드라인M" panose="02030600000101010101" pitchFamily="18" charset="-127"/>
+            </a:endParaRPr>
+          </a:p>
+          <a:p>
+            <a:endParaRPr lang="en-US" altLang="ko-KR" sz="1600" dirty="0">
+              <a:latin typeface="HY헤드라인M" panose="02030600000101010101" pitchFamily="18" charset="-127"/>
+              <a:ea typeface="HY헤드라인M" panose="02030600000101010101" pitchFamily="18" charset="-127"/>
+            </a:endParaRPr>
+          </a:p>
+          <a:p>
+            <a:r>
+              <a:rPr lang="en-US" altLang="ko-KR" sz="1600" dirty="0">
+                <a:latin typeface="HY헤드라인M" panose="02030600000101010101" pitchFamily="18" charset="-127"/>
+                <a:ea typeface="HY헤드라인M" panose="02030600000101010101" pitchFamily="18" charset="-127"/>
+              </a:rPr>
+              <a:t>Git</a:t>
+            </a:r>
+          </a:p>
+          <a:p>
+            <a:r>
+              <a:rPr lang="en-US" altLang="ko-KR" sz="1600" dirty="0">
+                <a:latin typeface="HY헤드라인M" panose="02030600000101010101" pitchFamily="18" charset="-127"/>
+                <a:ea typeface="HY헤드라인M" panose="02030600000101010101" pitchFamily="18" charset="-127"/>
+              </a:rPr>
+              <a:t>-</a:t>
+            </a:r>
+            <a:r>
+              <a:rPr lang="ko-KR" altLang="en-US" sz="1600" dirty="0">
+                <a:latin typeface="HY헤드라인M" panose="02030600000101010101" pitchFamily="18" charset="-127"/>
+                <a:ea typeface="HY헤드라인M" panose="02030600000101010101" pitchFamily="18" charset="-127"/>
+              </a:rPr>
+              <a:t>게임 소프트웨어 공학 수강</a:t>
+            </a:r>
+            <a:endParaRPr lang="en-US" altLang="ko-KR" sz="1600" dirty="0">
               <a:latin typeface="HY헤드라인M" panose="02030600000101010101" pitchFamily="18" charset="-127"/>
               <a:ea typeface="HY헤드라인M" panose="02030600000101010101" pitchFamily="18" charset="-127"/>
             </a:endParaRPr>
@@ -6964,7 +7514,7 @@
           <p:cNvPr id="8" name="직사각형 7">
             <a:extLst>
               <a:ext uri="{FF2B5EF4-FFF2-40B4-BE49-F238E27FC236}">
-                <a16:creationId xmlns:a16="http://schemas.microsoft.com/office/drawing/2014/main" id="{53DD248C-6401-4F53-B5E2-18681EBF373A}"/>
+                <a16:creationId xmlns:a16="http://schemas.microsoft.com/office/drawing/2014/main" id="{0598F42B-20BB-4FE1-B916-900EF2CCD5F1}"/>
               </a:ext>
             </a:extLst>
           </p:cNvPr>
@@ -6973,8 +7523,8 @@
         </p:nvSpPr>
         <p:spPr>
           <a:xfrm>
-            <a:off x="1656790" y="4330797"/>
-            <a:ext cx="8878420" cy="809625"/>
+            <a:off x="5022377" y="1298097"/>
+            <a:ext cx="3390901" cy="809625"/>
           </a:xfrm>
           <a:prstGeom prst="rect">
             <a:avLst/>
@@ -7013,7 +7563,7 @@
                 <a:latin typeface="HY헤드라인M" panose="02030600000101010101" pitchFamily="18" charset="-127"/>
                 <a:ea typeface="HY헤드라인M" panose="02030600000101010101" pitchFamily="18" charset="-127"/>
               </a:rPr>
-              <a:t>서버</a:t>
+              <a:t>박건호</a:t>
             </a:r>
           </a:p>
         </p:txBody>
@@ -7023,7 +7573,7 @@
           <p:cNvPr id="9" name="직사각형 8">
             <a:extLst>
               <a:ext uri="{FF2B5EF4-FFF2-40B4-BE49-F238E27FC236}">
-                <a16:creationId xmlns:a16="http://schemas.microsoft.com/office/drawing/2014/main" id="{45C96417-2876-4133-982E-0CFBDF27C0EB}"/>
+                <a16:creationId xmlns:a16="http://schemas.microsoft.com/office/drawing/2014/main" id="{B3C4690B-4DFC-4286-B5B4-EA8F7F452F2D}"/>
               </a:ext>
             </a:extLst>
           </p:cNvPr>
@@ -7032,8 +7582,8 @@
         </p:nvSpPr>
         <p:spPr>
           <a:xfrm>
-            <a:off x="1656790" y="5140422"/>
-            <a:ext cx="8878420" cy="1206593"/>
+            <a:off x="5022377" y="2107721"/>
+            <a:ext cx="3390901" cy="3891662"/>
           </a:xfrm>
           <a:prstGeom prst="rect">
             <a:avLst/>
@@ -7070,46 +7620,506 @@
           <a:lstStyle/>
           <a:p>
             <a:r>
-              <a:rPr lang="en-US" altLang="ko-KR" sz="2000" dirty="0">
-                <a:latin typeface="HY헤드라인M" panose="02030600000101010101" pitchFamily="18" charset="-127"/>
-                <a:ea typeface="HY헤드라인M" panose="02030600000101010101" pitchFamily="18" charset="-127"/>
-              </a:rPr>
-              <a:t>	-	</a:t>
-            </a:r>
-            <a:r>
-              <a:rPr lang="ko-KR" altLang="en-US" sz="2000" dirty="0">
-                <a:latin typeface="HY헤드라인M" panose="02030600000101010101" pitchFamily="18" charset="-127"/>
-                <a:ea typeface="HY헤드라인M" panose="02030600000101010101" pitchFamily="18" charset="-127"/>
-              </a:rPr>
-              <a:t>서버 내에서 실시간 처리</a:t>
-            </a:r>
-            <a:endParaRPr lang="en-US" altLang="ko-KR" sz="2000" dirty="0">
+              <a:rPr lang="en-US" altLang="ko-KR" sz="1600" dirty="0">
+                <a:latin typeface="HY헤드라인M" panose="02030600000101010101" pitchFamily="18" charset="-127"/>
+                <a:ea typeface="HY헤드라인M" panose="02030600000101010101" pitchFamily="18" charset="-127"/>
+              </a:rPr>
+              <a:t>DirectX 12</a:t>
+            </a:r>
+          </a:p>
+          <a:p>
+            <a:r>
+              <a:rPr lang="en-US" altLang="ko-KR" sz="1600" dirty="0">
+                <a:latin typeface="HY헤드라인M" panose="02030600000101010101" pitchFamily="18" charset="-127"/>
+                <a:ea typeface="HY헤드라인M" panose="02030600000101010101" pitchFamily="18" charset="-127"/>
+              </a:rPr>
+              <a:t>-3DGP</a:t>
+            </a:r>
+            <a:r>
+              <a:rPr lang="ko-KR" altLang="en-US" sz="1600" dirty="0">
+                <a:latin typeface="HY헤드라인M" panose="02030600000101010101" pitchFamily="18" charset="-127"/>
+                <a:ea typeface="HY헤드라인M" panose="02030600000101010101" pitchFamily="18" charset="-127"/>
+              </a:rPr>
+              <a:t> 수강</a:t>
+            </a:r>
+            <a:endParaRPr lang="en-US" altLang="ko-KR" sz="1600" dirty="0">
               <a:latin typeface="HY헤드라인M" panose="02030600000101010101" pitchFamily="18" charset="-127"/>
               <a:ea typeface="HY헤드라인M" panose="02030600000101010101" pitchFamily="18" charset="-127"/>
             </a:endParaRPr>
           </a:p>
           <a:p>
-            <a:endParaRPr lang="en-US" altLang="ko-KR" sz="2000" dirty="0">
+            <a:endParaRPr lang="en-US" altLang="ko-KR" sz="1600" dirty="0">
               <a:latin typeface="HY헤드라인M" panose="02030600000101010101" pitchFamily="18" charset="-127"/>
               <a:ea typeface="HY헤드라인M" panose="02030600000101010101" pitchFamily="18" charset="-127"/>
             </a:endParaRPr>
           </a:p>
           <a:p>
             <a:r>
-              <a:rPr lang="en-US" altLang="ko-KR" sz="2000" dirty="0">
-                <a:latin typeface="HY헤드라인M" panose="02030600000101010101" pitchFamily="18" charset="-127"/>
-                <a:ea typeface="HY헤드라인M" panose="02030600000101010101" pitchFamily="18" charset="-127"/>
-              </a:rPr>
-              <a:t>	-	</a:t>
-            </a:r>
-            <a:r>
-              <a:rPr lang="ko-KR" altLang="en-US" sz="2000" dirty="0">
-                <a:latin typeface="HY헤드라인M" panose="02030600000101010101" pitchFamily="18" charset="-127"/>
-                <a:ea typeface="HY헤드라인M" panose="02030600000101010101" pitchFamily="18" charset="-127"/>
-              </a:rPr>
-              <a:t>서버와 데이터베이스를 이용하여 클라이언트 다중접속 처리 및 관리</a:t>
-            </a:r>
-            <a:endParaRPr lang="en-US" altLang="ko-KR" sz="2000" dirty="0">
+              <a:rPr lang="en-US" altLang="ko-KR" sz="1600" dirty="0">
+                <a:latin typeface="HY헤드라인M" panose="02030600000101010101" pitchFamily="18" charset="-127"/>
+                <a:ea typeface="HY헤드라인M" panose="02030600000101010101" pitchFamily="18" charset="-127"/>
+              </a:rPr>
+              <a:t>-</a:t>
+            </a:r>
+            <a:r>
+              <a:rPr lang="ko-KR" altLang="en-US" sz="1600" dirty="0" err="1">
+                <a:latin typeface="HY헤드라인M" panose="02030600000101010101" pitchFamily="18" charset="-127"/>
+                <a:ea typeface="HY헤드라인M" panose="02030600000101010101" pitchFamily="18" charset="-127"/>
+              </a:rPr>
+              <a:t>셰이더</a:t>
+            </a:r>
+            <a:r>
+              <a:rPr lang="ko-KR" altLang="en-US" sz="1600" dirty="0">
+                <a:latin typeface="HY헤드라인M" panose="02030600000101010101" pitchFamily="18" charset="-127"/>
+                <a:ea typeface="HY헤드라인M" panose="02030600000101010101" pitchFamily="18" charset="-127"/>
+              </a:rPr>
+              <a:t> 프로그래밍 수강</a:t>
+            </a:r>
+            <a:endParaRPr lang="en-US" altLang="ko-KR" sz="1600" dirty="0">
+              <a:latin typeface="HY헤드라인M" panose="02030600000101010101" pitchFamily="18" charset="-127"/>
+              <a:ea typeface="HY헤드라인M" panose="02030600000101010101" pitchFamily="18" charset="-127"/>
+            </a:endParaRPr>
+          </a:p>
+          <a:p>
+            <a:endParaRPr lang="en-US" altLang="ko-KR" sz="1600" dirty="0">
+              <a:latin typeface="HY헤드라인M" panose="02030600000101010101" pitchFamily="18" charset="-127"/>
+              <a:ea typeface="HY헤드라인M" panose="02030600000101010101" pitchFamily="18" charset="-127"/>
+            </a:endParaRPr>
+          </a:p>
+          <a:p>
+            <a:r>
+              <a:rPr lang="ko-KR" altLang="en-US" sz="1600" dirty="0">
+                <a:latin typeface="HY헤드라인M" panose="02030600000101010101" pitchFamily="18" charset="-127"/>
+                <a:ea typeface="HY헤드라인M" panose="02030600000101010101" pitchFamily="18" charset="-127"/>
+              </a:rPr>
+              <a:t>모델링</a:t>
+            </a:r>
+            <a:endParaRPr lang="en-US" altLang="ko-KR" sz="1600" dirty="0">
+              <a:latin typeface="HY헤드라인M" panose="02030600000101010101" pitchFamily="18" charset="-127"/>
+              <a:ea typeface="HY헤드라인M" panose="02030600000101010101" pitchFamily="18" charset="-127"/>
+            </a:endParaRPr>
+          </a:p>
+          <a:p>
+            <a:r>
+              <a:rPr lang="en-US" altLang="ko-KR" sz="1600" dirty="0">
+                <a:latin typeface="HY헤드라인M" panose="02030600000101010101" pitchFamily="18" charset="-127"/>
+                <a:ea typeface="HY헤드라인M" panose="02030600000101010101" pitchFamily="18" charset="-127"/>
+              </a:rPr>
+              <a:t>-3D </a:t>
+            </a:r>
+            <a:r>
+              <a:rPr lang="ko-KR" altLang="en-US" sz="1600" dirty="0">
+                <a:latin typeface="HY헤드라인M" panose="02030600000101010101" pitchFamily="18" charset="-127"/>
+                <a:ea typeface="HY헤드라인M" panose="02030600000101010101" pitchFamily="18" charset="-127"/>
+              </a:rPr>
+              <a:t>모델링</a:t>
+            </a:r>
+            <a:endParaRPr lang="en-US" altLang="ko-KR" sz="1600" dirty="0">
+              <a:latin typeface="HY헤드라인M" panose="02030600000101010101" pitchFamily="18" charset="-127"/>
+              <a:ea typeface="HY헤드라인M" panose="02030600000101010101" pitchFamily="18" charset="-127"/>
+            </a:endParaRPr>
+          </a:p>
+          <a:p>
+            <a:endParaRPr lang="en-US" altLang="ko-KR" sz="1600" dirty="0">
+              <a:latin typeface="HY헤드라인M" panose="02030600000101010101" pitchFamily="18" charset="-127"/>
+              <a:ea typeface="HY헤드라인M" panose="02030600000101010101" pitchFamily="18" charset="-127"/>
+            </a:endParaRPr>
+          </a:p>
+          <a:p>
+            <a:r>
+              <a:rPr lang="en-US" altLang="ko-KR" sz="1600" dirty="0">
+                <a:latin typeface="HY헤드라인M" panose="02030600000101010101" pitchFamily="18" charset="-127"/>
+                <a:ea typeface="HY헤드라인M" panose="02030600000101010101" pitchFamily="18" charset="-127"/>
+              </a:rPr>
+              <a:t>UI &amp; </a:t>
+            </a:r>
+            <a:r>
+              <a:rPr lang="ko-KR" altLang="en-US" sz="1600" dirty="0">
+                <a:latin typeface="HY헤드라인M" panose="02030600000101010101" pitchFamily="18" charset="-127"/>
+                <a:ea typeface="HY헤드라인M" panose="02030600000101010101" pitchFamily="18" charset="-127"/>
+              </a:rPr>
+              <a:t>레벨 디자인</a:t>
+            </a:r>
+            <a:endParaRPr lang="en-US" altLang="ko-KR" sz="1600" dirty="0">
+              <a:latin typeface="HY헤드라인M" panose="02030600000101010101" pitchFamily="18" charset="-127"/>
+              <a:ea typeface="HY헤드라인M" panose="02030600000101010101" pitchFamily="18" charset="-127"/>
+            </a:endParaRPr>
+          </a:p>
+          <a:p>
+            <a:r>
+              <a:rPr lang="en-US" altLang="ko-KR" sz="1600" dirty="0">
+                <a:latin typeface="HY헤드라인M" panose="02030600000101010101" pitchFamily="18" charset="-127"/>
+                <a:ea typeface="HY헤드라인M" panose="02030600000101010101" pitchFamily="18" charset="-127"/>
+              </a:rPr>
+              <a:t>-</a:t>
+            </a:r>
+            <a:r>
+              <a:rPr lang="ko-KR" altLang="en-US" sz="1600" dirty="0">
+                <a:latin typeface="HY헤드라인M" panose="02030600000101010101" pitchFamily="18" charset="-127"/>
+                <a:ea typeface="HY헤드라인M" panose="02030600000101010101" pitchFamily="18" charset="-127"/>
+              </a:rPr>
+              <a:t>게임 기획 수강</a:t>
+            </a:r>
+            <a:endParaRPr lang="en-US" altLang="ko-KR" sz="1600" dirty="0">
+              <a:latin typeface="HY헤드라인M" panose="02030600000101010101" pitchFamily="18" charset="-127"/>
+              <a:ea typeface="HY헤드라인M" panose="02030600000101010101" pitchFamily="18" charset="-127"/>
+            </a:endParaRPr>
+          </a:p>
+          <a:p>
+            <a:r>
+              <a:rPr lang="en-US" altLang="ko-KR" sz="1600" dirty="0">
+                <a:latin typeface="HY헤드라인M" panose="02030600000101010101" pitchFamily="18" charset="-127"/>
+                <a:ea typeface="HY헤드라인M" panose="02030600000101010101" pitchFamily="18" charset="-127"/>
+              </a:rPr>
+              <a:t>-</a:t>
+            </a:r>
+            <a:r>
+              <a:rPr lang="ko-KR" altLang="en-US" sz="1600" dirty="0">
+                <a:latin typeface="HY헤드라인M" panose="02030600000101010101" pitchFamily="18" charset="-127"/>
+                <a:ea typeface="HY헤드라인M" panose="02030600000101010101" pitchFamily="18" charset="-127"/>
+              </a:rPr>
+              <a:t>기획자 </a:t>
+            </a:r>
+            <a:r>
+              <a:rPr lang="ko-KR" altLang="en-US" sz="1600" dirty="0" err="1">
+                <a:latin typeface="HY헤드라인M" panose="02030600000101010101" pitchFamily="18" charset="-127"/>
+                <a:ea typeface="HY헤드라인M" panose="02030600000101010101" pitchFamily="18" charset="-127"/>
+              </a:rPr>
+              <a:t>특훈</a:t>
+            </a:r>
+            <a:r>
+              <a:rPr lang="ko-KR" altLang="en-US" sz="1600" dirty="0">
+                <a:latin typeface="HY헤드라인M" panose="02030600000101010101" pitchFamily="18" charset="-127"/>
+                <a:ea typeface="HY헤드라인M" panose="02030600000101010101" pitchFamily="18" charset="-127"/>
+              </a:rPr>
+              <a:t> 수강</a:t>
+            </a:r>
+            <a:endParaRPr lang="en-US" altLang="ko-KR" sz="1600" dirty="0">
+              <a:latin typeface="HY헤드라인M" panose="02030600000101010101" pitchFamily="18" charset="-127"/>
+              <a:ea typeface="HY헤드라인M" panose="02030600000101010101" pitchFamily="18" charset="-127"/>
+            </a:endParaRPr>
+          </a:p>
+          <a:p>
+            <a:endParaRPr lang="en-US" altLang="ko-KR" sz="1600" dirty="0">
+              <a:latin typeface="HY헤드라인M" panose="02030600000101010101" pitchFamily="18" charset="-127"/>
+              <a:ea typeface="HY헤드라인M" panose="02030600000101010101" pitchFamily="18" charset="-127"/>
+            </a:endParaRPr>
+          </a:p>
+          <a:p>
+            <a:endParaRPr lang="en-US" altLang="ko-KR" sz="1600" dirty="0">
+              <a:latin typeface="HY헤드라인M" panose="02030600000101010101" pitchFamily="18" charset="-127"/>
+              <a:ea typeface="HY헤드라인M" panose="02030600000101010101" pitchFamily="18" charset="-127"/>
+            </a:endParaRPr>
+          </a:p>
+          <a:p>
+            <a:r>
+              <a:rPr lang="en-US" altLang="ko-KR" sz="1600" dirty="0">
+                <a:latin typeface="HY헤드라인M" panose="02030600000101010101" pitchFamily="18" charset="-127"/>
+                <a:ea typeface="HY헤드라인M" panose="02030600000101010101" pitchFamily="18" charset="-127"/>
+              </a:rPr>
+              <a:t>Git</a:t>
+            </a:r>
+          </a:p>
+          <a:p>
+            <a:r>
+              <a:rPr lang="en-US" altLang="ko-KR" sz="1600" dirty="0">
+                <a:latin typeface="HY헤드라인M" panose="02030600000101010101" pitchFamily="18" charset="-127"/>
+                <a:ea typeface="HY헤드라인M" panose="02030600000101010101" pitchFamily="18" charset="-127"/>
+              </a:rPr>
+              <a:t>-</a:t>
+            </a:r>
+            <a:r>
+              <a:rPr lang="ko-KR" altLang="en-US" sz="1600" dirty="0">
+                <a:latin typeface="HY헤드라인M" panose="02030600000101010101" pitchFamily="18" charset="-127"/>
+                <a:ea typeface="HY헤드라인M" panose="02030600000101010101" pitchFamily="18" charset="-127"/>
+              </a:rPr>
+              <a:t> 게임 소프트웨어 공학 수강</a:t>
+            </a:r>
+            <a:endParaRPr lang="en-US" altLang="ko-KR" sz="1600" dirty="0">
+              <a:latin typeface="HY헤드라인M" panose="02030600000101010101" pitchFamily="18" charset="-127"/>
+              <a:ea typeface="HY헤드라인M" panose="02030600000101010101" pitchFamily="18" charset="-127"/>
+            </a:endParaRPr>
+          </a:p>
+        </p:txBody>
+      </p:sp>
+      <p:sp>
+        <p:nvSpPr>
+          <p:cNvPr id="10" name="직사각형 9">
+            <a:extLst>
+              <a:ext uri="{FF2B5EF4-FFF2-40B4-BE49-F238E27FC236}">
+                <a16:creationId xmlns:a16="http://schemas.microsoft.com/office/drawing/2014/main" id="{D3F450E1-C0C0-43EA-965D-6DF7A17A2380}"/>
+              </a:ext>
+            </a:extLst>
+          </p:cNvPr>
+          <p:cNvSpPr/>
+          <p:nvPr/>
+        </p:nvSpPr>
+        <p:spPr>
+          <a:xfrm>
+            <a:off x="8413278" y="1298093"/>
+            <a:ext cx="3390901" cy="809625"/>
+          </a:xfrm>
+          <a:prstGeom prst="rect">
+            <a:avLst/>
+          </a:prstGeom>
+          <a:ln w="38100">
+            <a:solidFill>
+              <a:schemeClr val="tx1">
+                <a:lumMod val="85000"/>
+              </a:schemeClr>
+            </a:solidFill>
+          </a:ln>
+        </p:spPr>
+        <p:style>
+          <a:lnRef idx="2">
+            <a:schemeClr val="accent1">
+              <a:shade val="50000"/>
+            </a:schemeClr>
+          </a:lnRef>
+          <a:fillRef idx="1">
+            <a:schemeClr val="accent1"/>
+          </a:fillRef>
+          <a:effectRef idx="0">
+            <a:schemeClr val="accent1"/>
+          </a:effectRef>
+          <a:fontRef idx="minor">
+            <a:schemeClr val="lt1"/>
+          </a:fontRef>
+        </p:style>
+        <p:txBody>
+          <a:bodyPr rtlCol="0" anchor="ctr"/>
+          <a:lstStyle/>
+          <a:p>
+            <a:pPr algn="ctr"/>
+            <a:r>
+              <a:rPr lang="ko-KR" altLang="en-US" sz="2800" dirty="0">
+                <a:latin typeface="HY헤드라인M" panose="02030600000101010101" pitchFamily="18" charset="-127"/>
+                <a:ea typeface="HY헤드라인M" panose="02030600000101010101" pitchFamily="18" charset="-127"/>
+              </a:rPr>
+              <a:t>박정만</a:t>
+            </a:r>
+          </a:p>
+        </p:txBody>
+      </p:sp>
+      <p:sp>
+        <p:nvSpPr>
+          <p:cNvPr id="12" name="직사각형 11">
+            <a:extLst>
+              <a:ext uri="{FF2B5EF4-FFF2-40B4-BE49-F238E27FC236}">
+                <a16:creationId xmlns:a16="http://schemas.microsoft.com/office/drawing/2014/main" id="{242167CD-F648-4E14-9D37-5731E669137E}"/>
+              </a:ext>
+            </a:extLst>
+          </p:cNvPr>
+          <p:cNvSpPr/>
+          <p:nvPr/>
+        </p:nvSpPr>
+        <p:spPr>
+          <a:xfrm>
+            <a:off x="8413278" y="2107717"/>
+            <a:ext cx="3390901" cy="3891662"/>
+          </a:xfrm>
+          <a:prstGeom prst="rect">
+            <a:avLst/>
+          </a:prstGeom>
+          <a:solidFill>
+            <a:srgbClr val="595959"/>
+          </a:solidFill>
+          <a:ln w="38100">
+            <a:solidFill>
+              <a:schemeClr val="tx1">
+                <a:lumMod val="85000"/>
+              </a:schemeClr>
+            </a:solidFill>
+          </a:ln>
+        </p:spPr>
+        <p:style>
+          <a:lnRef idx="2">
+            <a:schemeClr val="accent1">
+              <a:shade val="50000"/>
+            </a:schemeClr>
+          </a:lnRef>
+          <a:fillRef idx="1">
+            <a:schemeClr val="accent1"/>
+          </a:fillRef>
+          <a:effectRef idx="0">
+            <a:schemeClr val="accent1"/>
+          </a:effectRef>
+          <a:fontRef idx="minor">
+            <a:schemeClr val="lt1"/>
+          </a:fontRef>
+        </p:style>
+        <p:txBody>
+          <a:bodyPr rtlCol="0" anchor="t"/>
+          <a:lstStyle/>
+          <a:p>
+            <a:r>
+              <a:rPr lang="ko-KR" altLang="en-US" sz="1600" dirty="0">
+                <a:latin typeface="HY헤드라인M" panose="02030600000101010101" pitchFamily="18" charset="-127"/>
+                <a:ea typeface="HY헤드라인M" panose="02030600000101010101" pitchFamily="18" charset="-127"/>
+              </a:rPr>
+              <a:t>서버</a:t>
+            </a:r>
+            <a:endParaRPr lang="en-US" altLang="ko-KR" sz="1600" dirty="0">
+              <a:latin typeface="HY헤드라인M" panose="02030600000101010101" pitchFamily="18" charset="-127"/>
+              <a:ea typeface="HY헤드라인M" panose="02030600000101010101" pitchFamily="18" charset="-127"/>
+            </a:endParaRPr>
+          </a:p>
+          <a:p>
+            <a:r>
+              <a:rPr lang="en-US" altLang="ko-KR" sz="1600" dirty="0">
+                <a:latin typeface="HY헤드라인M" panose="02030600000101010101" pitchFamily="18" charset="-127"/>
+                <a:ea typeface="HY헤드라인M" panose="02030600000101010101" pitchFamily="18" charset="-127"/>
+              </a:rPr>
+              <a:t>-</a:t>
+            </a:r>
+            <a:r>
+              <a:rPr lang="ko-KR" altLang="en-US" sz="1600" dirty="0">
+                <a:latin typeface="HY헤드라인M" panose="02030600000101010101" pitchFamily="18" charset="-127"/>
+                <a:ea typeface="HY헤드라인M" panose="02030600000101010101" pitchFamily="18" charset="-127"/>
+              </a:rPr>
+              <a:t>네트워크 기초 수강</a:t>
+            </a:r>
+            <a:endParaRPr lang="en-US" altLang="ko-KR" sz="1600" dirty="0">
+              <a:latin typeface="HY헤드라인M" panose="02030600000101010101" pitchFamily="18" charset="-127"/>
+              <a:ea typeface="HY헤드라인M" panose="02030600000101010101" pitchFamily="18" charset="-127"/>
+            </a:endParaRPr>
+          </a:p>
+          <a:p>
+            <a:r>
+              <a:rPr lang="en-US" altLang="ko-KR" sz="1600" dirty="0">
+                <a:latin typeface="HY헤드라인M" panose="02030600000101010101" pitchFamily="18" charset="-127"/>
+                <a:ea typeface="HY헤드라인M" panose="02030600000101010101" pitchFamily="18" charset="-127"/>
+              </a:rPr>
+              <a:t>-</a:t>
+            </a:r>
+            <a:r>
+              <a:rPr lang="ko-KR" altLang="en-US" sz="1600" dirty="0">
+                <a:latin typeface="HY헤드라인M" panose="02030600000101010101" pitchFamily="18" charset="-127"/>
+                <a:ea typeface="HY헤드라인M" panose="02030600000101010101" pitchFamily="18" charset="-127"/>
+              </a:rPr>
+              <a:t>네트워크 게임 프로그래밍 수강</a:t>
+            </a:r>
+            <a:endParaRPr lang="en-US" altLang="ko-KR" sz="1600" dirty="0">
+              <a:latin typeface="HY헤드라인M" panose="02030600000101010101" pitchFamily="18" charset="-127"/>
+              <a:ea typeface="HY헤드라인M" panose="02030600000101010101" pitchFamily="18" charset="-127"/>
+            </a:endParaRPr>
+          </a:p>
+          <a:p>
+            <a:r>
+              <a:rPr lang="en-US" altLang="ko-KR" sz="1600" dirty="0">
+                <a:latin typeface="HY헤드라인M" panose="02030600000101010101" pitchFamily="18" charset="-127"/>
+                <a:ea typeface="HY헤드라인M" panose="02030600000101010101" pitchFamily="18" charset="-127"/>
+              </a:rPr>
+              <a:t>-</a:t>
+            </a:r>
+            <a:r>
+              <a:rPr lang="ko-KR" altLang="en-US" sz="1600" dirty="0">
+                <a:latin typeface="HY헤드라인M" panose="02030600000101010101" pitchFamily="18" charset="-127"/>
+                <a:ea typeface="HY헤드라인M" panose="02030600000101010101" pitchFamily="18" charset="-127"/>
+              </a:rPr>
+              <a:t>게임 서버 수강</a:t>
+            </a:r>
+            <a:endParaRPr lang="en-US" altLang="ko-KR" sz="1600" dirty="0">
+              <a:latin typeface="HY헤드라인M" panose="02030600000101010101" pitchFamily="18" charset="-127"/>
+              <a:ea typeface="HY헤드라인M" panose="02030600000101010101" pitchFamily="18" charset="-127"/>
+            </a:endParaRPr>
+          </a:p>
+          <a:p>
+            <a:endParaRPr lang="en-US" altLang="ko-KR" sz="1600" dirty="0">
+              <a:latin typeface="HY헤드라인M" panose="02030600000101010101" pitchFamily="18" charset="-127"/>
+              <a:ea typeface="HY헤드라인M" panose="02030600000101010101" pitchFamily="18" charset="-127"/>
+            </a:endParaRPr>
+          </a:p>
+          <a:p>
+            <a:endParaRPr lang="en-US" altLang="ko-KR" sz="1600" dirty="0">
+              <a:latin typeface="HY헤드라인M" panose="02030600000101010101" pitchFamily="18" charset="-127"/>
+              <a:ea typeface="HY헤드라인M" panose="02030600000101010101" pitchFamily="18" charset="-127"/>
+            </a:endParaRPr>
+          </a:p>
+          <a:p>
+            <a:r>
+              <a:rPr lang="en-US" altLang="ko-KR" sz="1600" dirty="0">
+                <a:latin typeface="HY헤드라인M" panose="02030600000101010101" pitchFamily="18" charset="-127"/>
+                <a:ea typeface="HY헤드라인M" panose="02030600000101010101" pitchFamily="18" charset="-127"/>
+              </a:rPr>
+              <a:t>DB</a:t>
+            </a:r>
+          </a:p>
+          <a:p>
+            <a:r>
+              <a:rPr lang="en-US" altLang="ko-KR" sz="1600" dirty="0">
+                <a:latin typeface="HY헤드라인M" panose="02030600000101010101" pitchFamily="18" charset="-127"/>
+                <a:ea typeface="HY헤드라인M" panose="02030600000101010101" pitchFamily="18" charset="-127"/>
+              </a:rPr>
+              <a:t>-</a:t>
+            </a:r>
+            <a:r>
+              <a:rPr lang="ko-KR" altLang="en-US" sz="1600" dirty="0">
+                <a:latin typeface="HY헤드라인M" panose="02030600000101010101" pitchFamily="18" charset="-127"/>
+                <a:ea typeface="HY헤드라인M" panose="02030600000101010101" pitchFamily="18" charset="-127"/>
+              </a:rPr>
+              <a:t>데이터 베이스 수강</a:t>
+            </a:r>
+            <a:endParaRPr lang="en-US" altLang="ko-KR" sz="1600" dirty="0">
+              <a:latin typeface="HY헤드라인M" panose="02030600000101010101" pitchFamily="18" charset="-127"/>
+              <a:ea typeface="HY헤드라인M" panose="02030600000101010101" pitchFamily="18" charset="-127"/>
+            </a:endParaRPr>
+          </a:p>
+          <a:p>
+            <a:endParaRPr lang="en-US" altLang="ko-KR" sz="1600" dirty="0">
+              <a:latin typeface="HY헤드라인M" panose="02030600000101010101" pitchFamily="18" charset="-127"/>
+              <a:ea typeface="HY헤드라인M" panose="02030600000101010101" pitchFamily="18" charset="-127"/>
+            </a:endParaRPr>
+          </a:p>
+          <a:p>
+            <a:endParaRPr lang="en-US" altLang="ko-KR" sz="1600" dirty="0">
+              <a:latin typeface="HY헤드라인M" panose="02030600000101010101" pitchFamily="18" charset="-127"/>
+              <a:ea typeface="HY헤드라인M" panose="02030600000101010101" pitchFamily="18" charset="-127"/>
+            </a:endParaRPr>
+          </a:p>
+          <a:p>
+            <a:endParaRPr lang="en-US" altLang="ko-KR" sz="1600" dirty="0">
+              <a:latin typeface="HY헤드라인M" panose="02030600000101010101" pitchFamily="18" charset="-127"/>
+              <a:ea typeface="HY헤드라인M" panose="02030600000101010101" pitchFamily="18" charset="-127"/>
+            </a:endParaRPr>
+          </a:p>
+          <a:p>
+            <a:endParaRPr lang="en-US" altLang="ko-KR" sz="1600" dirty="0">
+              <a:latin typeface="HY헤드라인M" panose="02030600000101010101" pitchFamily="18" charset="-127"/>
+              <a:ea typeface="HY헤드라인M" panose="02030600000101010101" pitchFamily="18" charset="-127"/>
+            </a:endParaRPr>
+          </a:p>
+          <a:p>
+            <a:endParaRPr lang="en-US" altLang="ko-KR" sz="1600" dirty="0">
+              <a:latin typeface="HY헤드라인M" panose="02030600000101010101" pitchFamily="18" charset="-127"/>
+              <a:ea typeface="HY헤드라인M" panose="02030600000101010101" pitchFamily="18" charset="-127"/>
+            </a:endParaRPr>
+          </a:p>
+          <a:p>
+            <a:r>
+              <a:rPr lang="en-US" altLang="ko-KR" sz="1600" dirty="0">
+                <a:latin typeface="HY헤드라인M" panose="02030600000101010101" pitchFamily="18" charset="-127"/>
+                <a:ea typeface="HY헤드라인M" panose="02030600000101010101" pitchFamily="18" charset="-127"/>
+              </a:rPr>
+              <a:t>Git</a:t>
+            </a:r>
+          </a:p>
+          <a:p>
+            <a:r>
+              <a:rPr lang="en-US" altLang="ko-KR" sz="1600" dirty="0">
+                <a:latin typeface="HY헤드라인M" panose="02030600000101010101" pitchFamily="18" charset="-127"/>
+                <a:ea typeface="HY헤드라인M" panose="02030600000101010101" pitchFamily="18" charset="-127"/>
+              </a:rPr>
+              <a:t>-</a:t>
+            </a:r>
+            <a:r>
+              <a:rPr lang="ko-KR" altLang="en-US" sz="1600" dirty="0">
+                <a:latin typeface="HY헤드라인M" panose="02030600000101010101" pitchFamily="18" charset="-127"/>
+                <a:ea typeface="HY헤드라인M" panose="02030600000101010101" pitchFamily="18" charset="-127"/>
+              </a:rPr>
+              <a:t> 게임 소프트웨어 공학 수강</a:t>
+            </a:r>
+            <a:endParaRPr lang="en-US" altLang="ko-KR" sz="1600" dirty="0">
               <a:latin typeface="HY헤드라인M" panose="02030600000101010101" pitchFamily="18" charset="-127"/>
               <a:ea typeface="HY헤드라인M" panose="02030600000101010101" pitchFamily="18" charset="-127"/>
             </a:endParaRPr>
@@ -7119,7 +8129,7 @@
     </p:spTree>
     <p:extLst>
       <p:ext uri="{BB962C8B-B14F-4D97-AF65-F5344CB8AC3E}">
-        <p14:creationId xmlns:p14="http://schemas.microsoft.com/office/powerpoint/2010/main" val="2237484308"/>
+        <p14:creationId xmlns:p14="http://schemas.microsoft.com/office/powerpoint/2010/main" val="3117424196"/>
       </p:ext>
     </p:extLst>
   </p:cSld>
@@ -7201,6 +8211,485 @@
                 <a:latin typeface="HY헤드라인M" panose="02030600000101010101" pitchFamily="18" charset="-127"/>
                 <a:ea typeface="HY헤드라인M" panose="02030600000101010101" pitchFamily="18" charset="-127"/>
               </a:rPr>
+              <a:t>7</a:t>
+            </a:r>
+            <a:endParaRPr lang="ko-KR" altLang="en-US" sz="5400" dirty="0">
+              <a:latin typeface="HY헤드라인M" panose="02030600000101010101" pitchFamily="18" charset="-127"/>
+              <a:ea typeface="HY헤드라인M" panose="02030600000101010101" pitchFamily="18" charset="-127"/>
+            </a:endParaRPr>
+          </a:p>
+        </p:txBody>
+      </p:sp>
+      <p:sp>
+        <p:nvSpPr>
+          <p:cNvPr id="11" name="TextBox 10">
+            <a:extLst>
+              <a:ext uri="{FF2B5EF4-FFF2-40B4-BE49-F238E27FC236}">
+                <a16:creationId xmlns:a16="http://schemas.microsoft.com/office/drawing/2014/main" id="{EB6AD26A-4D70-44CF-9FF8-6140CA5F6660}"/>
+              </a:ext>
+            </a:extLst>
+          </p:cNvPr>
+          <p:cNvSpPr txBox="1"/>
+          <p:nvPr/>
+        </p:nvSpPr>
+        <p:spPr>
+          <a:xfrm>
+            <a:off x="1419225" y="393221"/>
+            <a:ext cx="6838950" cy="646331"/>
+          </a:xfrm>
+          <a:prstGeom prst="rect">
+            <a:avLst/>
+          </a:prstGeom>
+          <a:noFill/>
+        </p:spPr>
+        <p:txBody>
+          <a:bodyPr wrap="square" rtlCol="0">
+            <a:spAutoFit/>
+          </a:bodyPr>
+          <a:lstStyle/>
+          <a:p>
+            <a:r>
+              <a:rPr lang="ko-KR" altLang="en-US" sz="3600" dirty="0">
+                <a:latin typeface="HY헤드라인M" panose="02030600000101010101" pitchFamily="18" charset="-127"/>
+                <a:ea typeface="HY헤드라인M" panose="02030600000101010101" pitchFamily="18" charset="-127"/>
+              </a:rPr>
+              <a:t>중점 연구분야</a:t>
+            </a:r>
+            <a:endParaRPr lang="ko-KR" altLang="en-US" dirty="0"/>
+          </a:p>
+        </p:txBody>
+      </p:sp>
+      <p:sp>
+        <p:nvSpPr>
+          <p:cNvPr id="5" name="직사각형 4">
+            <a:extLst>
+              <a:ext uri="{FF2B5EF4-FFF2-40B4-BE49-F238E27FC236}">
+                <a16:creationId xmlns:a16="http://schemas.microsoft.com/office/drawing/2014/main" id="{45C393B8-20D6-4EE7-AAC2-D8AA6F3EA229}"/>
+              </a:ext>
+            </a:extLst>
+          </p:cNvPr>
+          <p:cNvSpPr/>
+          <p:nvPr/>
+        </p:nvSpPr>
+        <p:spPr>
+          <a:xfrm>
+            <a:off x="1656790" y="1405677"/>
+            <a:ext cx="8878420" cy="809625"/>
+          </a:xfrm>
+          <a:prstGeom prst="rect">
+            <a:avLst/>
+          </a:prstGeom>
+          <a:ln w="38100">
+            <a:solidFill>
+              <a:schemeClr val="tx1">
+                <a:lumMod val="85000"/>
+              </a:schemeClr>
+            </a:solidFill>
+          </a:ln>
+        </p:spPr>
+        <p:style>
+          <a:lnRef idx="2">
+            <a:schemeClr val="accent1">
+              <a:shade val="50000"/>
+            </a:schemeClr>
+          </a:lnRef>
+          <a:fillRef idx="1">
+            <a:schemeClr val="accent1"/>
+          </a:fillRef>
+          <a:effectRef idx="0">
+            <a:schemeClr val="accent1"/>
+          </a:effectRef>
+          <a:fontRef idx="minor">
+            <a:schemeClr val="lt1"/>
+          </a:fontRef>
+        </p:style>
+        <p:txBody>
+          <a:bodyPr rtlCol="0" anchor="ctr"/>
+          <a:lstStyle/>
+          <a:p>
+            <a:pPr algn="ctr"/>
+            <a:r>
+              <a:rPr lang="ko-KR" altLang="en-US" sz="2800" dirty="0">
+                <a:latin typeface="HY헤드라인M" panose="02030600000101010101" pitchFamily="18" charset="-127"/>
+                <a:ea typeface="HY헤드라인M" panose="02030600000101010101" pitchFamily="18" charset="-127"/>
+              </a:rPr>
+              <a:t>클라이언트</a:t>
+            </a:r>
+          </a:p>
+        </p:txBody>
+      </p:sp>
+      <p:sp>
+        <p:nvSpPr>
+          <p:cNvPr id="7" name="직사각형 6">
+            <a:extLst>
+              <a:ext uri="{FF2B5EF4-FFF2-40B4-BE49-F238E27FC236}">
+                <a16:creationId xmlns:a16="http://schemas.microsoft.com/office/drawing/2014/main" id="{B83CE672-44E1-46DB-9B66-CA17CD5C5231}"/>
+              </a:ext>
+            </a:extLst>
+          </p:cNvPr>
+          <p:cNvSpPr/>
+          <p:nvPr/>
+        </p:nvSpPr>
+        <p:spPr>
+          <a:xfrm>
+            <a:off x="1656790" y="2215303"/>
+            <a:ext cx="8878420" cy="1753382"/>
+          </a:xfrm>
+          <a:prstGeom prst="rect">
+            <a:avLst/>
+          </a:prstGeom>
+          <a:solidFill>
+            <a:srgbClr val="595959"/>
+          </a:solidFill>
+          <a:ln w="38100">
+            <a:solidFill>
+              <a:schemeClr val="tx1">
+                <a:lumMod val="85000"/>
+              </a:schemeClr>
+            </a:solidFill>
+          </a:ln>
+        </p:spPr>
+        <p:style>
+          <a:lnRef idx="2">
+            <a:schemeClr val="accent1">
+              <a:shade val="50000"/>
+            </a:schemeClr>
+          </a:lnRef>
+          <a:fillRef idx="1">
+            <a:schemeClr val="accent1"/>
+          </a:fillRef>
+          <a:effectRef idx="0">
+            <a:schemeClr val="accent1"/>
+          </a:effectRef>
+          <a:fontRef idx="minor">
+            <a:schemeClr val="lt1"/>
+          </a:fontRef>
+        </p:style>
+        <p:txBody>
+          <a:bodyPr rtlCol="0" anchor="t"/>
+          <a:lstStyle/>
+          <a:p>
+            <a:r>
+              <a:rPr lang="en-US" altLang="ko-KR" sz="2000" dirty="0">
+                <a:latin typeface="HY헤드라인M" panose="02030600000101010101" pitchFamily="18" charset="-127"/>
+                <a:ea typeface="HY헤드라인M" panose="02030600000101010101" pitchFamily="18" charset="-127"/>
+              </a:rPr>
+              <a:t>	-	</a:t>
+            </a:r>
+            <a:r>
+              <a:rPr lang="ko-KR" altLang="en-US" sz="2000" dirty="0">
+                <a:latin typeface="HY헤드라인M" panose="02030600000101010101" pitchFamily="18" charset="-127"/>
+                <a:ea typeface="HY헤드라인M" panose="02030600000101010101" pitchFamily="18" charset="-127"/>
+              </a:rPr>
+              <a:t>반동을 구현한 카메라</a:t>
+            </a:r>
+            <a:endParaRPr lang="en-US" altLang="ko-KR" sz="2000" dirty="0">
+              <a:latin typeface="HY헤드라인M" panose="02030600000101010101" pitchFamily="18" charset="-127"/>
+              <a:ea typeface="HY헤드라인M" panose="02030600000101010101" pitchFamily="18" charset="-127"/>
+            </a:endParaRPr>
+          </a:p>
+          <a:p>
+            <a:endParaRPr lang="en-US" altLang="ko-KR" sz="2000" dirty="0">
+              <a:latin typeface="HY헤드라인M" panose="02030600000101010101" pitchFamily="18" charset="-127"/>
+              <a:ea typeface="HY헤드라인M" panose="02030600000101010101" pitchFamily="18" charset="-127"/>
+            </a:endParaRPr>
+          </a:p>
+          <a:p>
+            <a:r>
+              <a:rPr lang="en-US" altLang="ko-KR" sz="2000" dirty="0">
+                <a:latin typeface="HY헤드라인M" panose="02030600000101010101" pitchFamily="18" charset="-127"/>
+                <a:ea typeface="HY헤드라인M" panose="02030600000101010101" pitchFamily="18" charset="-127"/>
+              </a:rPr>
+              <a:t>	-	</a:t>
+            </a:r>
+            <a:r>
+              <a:rPr lang="ko-KR" altLang="en-US" sz="2000" dirty="0">
+                <a:latin typeface="HY헤드라인M" panose="02030600000101010101" pitchFamily="18" charset="-127"/>
+                <a:ea typeface="HY헤드라인M" panose="02030600000101010101" pitchFamily="18" charset="-127"/>
+              </a:rPr>
+              <a:t>렌더링 최적화</a:t>
+            </a:r>
+            <a:endParaRPr lang="en-US" altLang="ko-KR" sz="2000" dirty="0">
+              <a:latin typeface="HY헤드라인M" panose="02030600000101010101" pitchFamily="18" charset="-127"/>
+              <a:ea typeface="HY헤드라인M" panose="02030600000101010101" pitchFamily="18" charset="-127"/>
+            </a:endParaRPr>
+          </a:p>
+          <a:p>
+            <a:endParaRPr lang="en-US" altLang="ko-KR" sz="2000" dirty="0">
+              <a:latin typeface="HY헤드라인M" panose="02030600000101010101" pitchFamily="18" charset="-127"/>
+              <a:ea typeface="HY헤드라인M" panose="02030600000101010101" pitchFamily="18" charset="-127"/>
+            </a:endParaRPr>
+          </a:p>
+          <a:p>
+            <a:r>
+              <a:rPr lang="en-US" altLang="ko-KR" sz="2000" dirty="0">
+                <a:latin typeface="HY헤드라인M" panose="02030600000101010101" pitchFamily="18" charset="-127"/>
+                <a:ea typeface="HY헤드라인M" panose="02030600000101010101" pitchFamily="18" charset="-127"/>
+              </a:rPr>
+              <a:t>	-	</a:t>
+            </a:r>
+            <a:r>
+              <a:rPr lang="ko-KR" altLang="en-US" sz="2000" dirty="0" err="1">
+                <a:latin typeface="HY헤드라인M" panose="02030600000101010101" pitchFamily="18" charset="-127"/>
+                <a:ea typeface="HY헤드라인M" panose="02030600000101010101" pitchFamily="18" charset="-127"/>
+              </a:rPr>
+              <a:t>블러링</a:t>
+            </a:r>
+            <a:endParaRPr lang="en-US" altLang="ko-KR" sz="2000" dirty="0">
+              <a:latin typeface="HY헤드라인M" panose="02030600000101010101" pitchFamily="18" charset="-127"/>
+              <a:ea typeface="HY헤드라인M" panose="02030600000101010101" pitchFamily="18" charset="-127"/>
+            </a:endParaRPr>
+          </a:p>
+          <a:p>
+            <a:endParaRPr lang="en-US" altLang="ko-KR" sz="2000" dirty="0">
+              <a:latin typeface="HY헤드라인M" panose="02030600000101010101" pitchFamily="18" charset="-127"/>
+              <a:ea typeface="HY헤드라인M" panose="02030600000101010101" pitchFamily="18" charset="-127"/>
+            </a:endParaRPr>
+          </a:p>
+        </p:txBody>
+      </p:sp>
+      <p:sp>
+        <p:nvSpPr>
+          <p:cNvPr id="8" name="직사각형 7">
+            <a:extLst>
+              <a:ext uri="{FF2B5EF4-FFF2-40B4-BE49-F238E27FC236}">
+                <a16:creationId xmlns:a16="http://schemas.microsoft.com/office/drawing/2014/main" id="{53DD248C-6401-4F53-B5E2-18681EBF373A}"/>
+              </a:ext>
+            </a:extLst>
+          </p:cNvPr>
+          <p:cNvSpPr/>
+          <p:nvPr/>
+        </p:nvSpPr>
+        <p:spPr>
+          <a:xfrm>
+            <a:off x="1656790" y="4330797"/>
+            <a:ext cx="8878420" cy="809625"/>
+          </a:xfrm>
+          <a:prstGeom prst="rect">
+            <a:avLst/>
+          </a:prstGeom>
+          <a:ln w="38100">
+            <a:solidFill>
+              <a:schemeClr val="tx1">
+                <a:lumMod val="85000"/>
+              </a:schemeClr>
+            </a:solidFill>
+          </a:ln>
+        </p:spPr>
+        <p:style>
+          <a:lnRef idx="2">
+            <a:schemeClr val="accent1">
+              <a:shade val="50000"/>
+            </a:schemeClr>
+          </a:lnRef>
+          <a:fillRef idx="1">
+            <a:schemeClr val="accent1"/>
+          </a:fillRef>
+          <a:effectRef idx="0">
+            <a:schemeClr val="accent1"/>
+          </a:effectRef>
+          <a:fontRef idx="minor">
+            <a:schemeClr val="lt1"/>
+          </a:fontRef>
+        </p:style>
+        <p:txBody>
+          <a:bodyPr rtlCol="0" anchor="ctr"/>
+          <a:lstStyle/>
+          <a:p>
+            <a:pPr algn="ctr"/>
+            <a:r>
+              <a:rPr lang="ko-KR" altLang="en-US" sz="2800" dirty="0">
+                <a:latin typeface="HY헤드라인M" panose="02030600000101010101" pitchFamily="18" charset="-127"/>
+                <a:ea typeface="HY헤드라인M" panose="02030600000101010101" pitchFamily="18" charset="-127"/>
+              </a:rPr>
+              <a:t>서버</a:t>
+            </a:r>
+          </a:p>
+        </p:txBody>
+      </p:sp>
+      <p:sp>
+        <p:nvSpPr>
+          <p:cNvPr id="9" name="직사각형 8">
+            <a:extLst>
+              <a:ext uri="{FF2B5EF4-FFF2-40B4-BE49-F238E27FC236}">
+                <a16:creationId xmlns:a16="http://schemas.microsoft.com/office/drawing/2014/main" id="{45C96417-2876-4133-982E-0CFBDF27C0EB}"/>
+              </a:ext>
+            </a:extLst>
+          </p:cNvPr>
+          <p:cNvSpPr/>
+          <p:nvPr/>
+        </p:nvSpPr>
+        <p:spPr>
+          <a:xfrm>
+            <a:off x="1656790" y="5140422"/>
+            <a:ext cx="8878420" cy="1206593"/>
+          </a:xfrm>
+          <a:prstGeom prst="rect">
+            <a:avLst/>
+          </a:prstGeom>
+          <a:solidFill>
+            <a:srgbClr val="595959"/>
+          </a:solidFill>
+          <a:ln w="38100">
+            <a:solidFill>
+              <a:schemeClr val="tx1">
+                <a:lumMod val="85000"/>
+              </a:schemeClr>
+            </a:solidFill>
+          </a:ln>
+        </p:spPr>
+        <p:style>
+          <a:lnRef idx="2">
+            <a:schemeClr val="accent1">
+              <a:shade val="50000"/>
+            </a:schemeClr>
+          </a:lnRef>
+          <a:fillRef idx="1">
+            <a:schemeClr val="accent1"/>
+          </a:fillRef>
+          <a:effectRef idx="0">
+            <a:schemeClr val="accent1"/>
+          </a:effectRef>
+          <a:fontRef idx="minor">
+            <a:schemeClr val="lt1"/>
+          </a:fontRef>
+        </p:style>
+        <p:txBody>
+          <a:bodyPr rtlCol="0" anchor="t"/>
+          <a:lstStyle/>
+          <a:p>
+            <a:r>
+              <a:rPr lang="en-US" altLang="ko-KR" sz="2000" dirty="0">
+                <a:latin typeface="HY헤드라인M" panose="02030600000101010101" pitchFamily="18" charset="-127"/>
+                <a:ea typeface="HY헤드라인M" panose="02030600000101010101" pitchFamily="18" charset="-127"/>
+              </a:rPr>
+              <a:t>	-	</a:t>
+            </a:r>
+            <a:r>
+              <a:rPr lang="ko-KR" altLang="en-US" sz="2000" dirty="0">
+                <a:latin typeface="HY헤드라인M" panose="02030600000101010101" pitchFamily="18" charset="-127"/>
+                <a:ea typeface="HY헤드라인M" panose="02030600000101010101" pitchFamily="18" charset="-127"/>
+              </a:rPr>
+              <a:t>서버 내에서 실시간 처리</a:t>
+            </a:r>
+            <a:endParaRPr lang="en-US" altLang="ko-KR" sz="2000" dirty="0">
+              <a:latin typeface="HY헤드라인M" panose="02030600000101010101" pitchFamily="18" charset="-127"/>
+              <a:ea typeface="HY헤드라인M" panose="02030600000101010101" pitchFamily="18" charset="-127"/>
+            </a:endParaRPr>
+          </a:p>
+          <a:p>
+            <a:endParaRPr lang="en-US" altLang="ko-KR" sz="2000" dirty="0">
+              <a:latin typeface="HY헤드라인M" panose="02030600000101010101" pitchFamily="18" charset="-127"/>
+              <a:ea typeface="HY헤드라인M" panose="02030600000101010101" pitchFamily="18" charset="-127"/>
+            </a:endParaRPr>
+          </a:p>
+          <a:p>
+            <a:r>
+              <a:rPr lang="en-US" altLang="ko-KR" sz="2000" dirty="0">
+                <a:latin typeface="HY헤드라인M" panose="02030600000101010101" pitchFamily="18" charset="-127"/>
+                <a:ea typeface="HY헤드라인M" panose="02030600000101010101" pitchFamily="18" charset="-127"/>
+              </a:rPr>
+              <a:t>	-	</a:t>
+            </a:r>
+            <a:r>
+              <a:rPr lang="ko-KR" altLang="en-US" sz="2000" dirty="0">
+                <a:latin typeface="HY헤드라인M" panose="02030600000101010101" pitchFamily="18" charset="-127"/>
+                <a:ea typeface="HY헤드라인M" panose="02030600000101010101" pitchFamily="18" charset="-127"/>
+              </a:rPr>
+              <a:t>서버와 데이터베이스를 이용하여 클라이언트 다중접속 처리 및 관리</a:t>
+            </a:r>
+            <a:endParaRPr lang="en-US" altLang="ko-KR" sz="2000" dirty="0">
+              <a:latin typeface="HY헤드라인M" panose="02030600000101010101" pitchFamily="18" charset="-127"/>
+              <a:ea typeface="HY헤드라인M" panose="02030600000101010101" pitchFamily="18" charset="-127"/>
+            </a:endParaRPr>
+          </a:p>
+        </p:txBody>
+      </p:sp>
+    </p:spTree>
+    <p:extLst>
+      <p:ext uri="{BB962C8B-B14F-4D97-AF65-F5344CB8AC3E}">
+        <p14:creationId xmlns:p14="http://schemas.microsoft.com/office/powerpoint/2010/main" val="2237484308"/>
+      </p:ext>
+    </p:extLst>
+  </p:cSld>
+  <p:clrMapOvr>
+    <a:masterClrMapping/>
+  </p:clrMapOvr>
+</p:sld>
+</file>
+
+<file path=ppt/slides/slide16.xml><?xml version="1.0" encoding="utf-8"?>
+<p:sld xmlns:a="http://schemas.openxmlformats.org/drawingml/2006/main" xmlns:r="http://schemas.openxmlformats.org/officeDocument/2006/relationships" xmlns:p="http://schemas.openxmlformats.org/presentationml/2006/main" showMasterSp="0">
+  <p:cSld>
+    <p:spTree>
+      <p:nvGrpSpPr>
+        <p:cNvPr id="1" name=""/>
+        <p:cNvGrpSpPr/>
+        <p:nvPr/>
+      </p:nvGrpSpPr>
+      <p:grpSpPr>
+        <a:xfrm>
+          <a:off x="0" y="0"/>
+          <a:ext cx="0" cy="0"/>
+          <a:chOff x="0" y="0"/>
+          <a:chExt cx="0" cy="0"/>
+        </a:xfrm>
+      </p:grpSpPr>
+      <p:sp>
+        <p:nvSpPr>
+          <p:cNvPr id="6" name="직사각형 5">
+            <a:extLst>
+              <a:ext uri="{FF2B5EF4-FFF2-40B4-BE49-F238E27FC236}">
+                <a16:creationId xmlns:a16="http://schemas.microsoft.com/office/drawing/2014/main" id="{CFF1CAA2-04CC-496D-80EE-A52890558A65}"/>
+              </a:ext>
+            </a:extLst>
+          </p:cNvPr>
+          <p:cNvSpPr/>
+          <p:nvPr/>
+        </p:nvSpPr>
+        <p:spPr>
+          <a:xfrm>
+            <a:off x="38101" y="38097"/>
+            <a:ext cx="1260000" cy="1260000"/>
+          </a:xfrm>
+          <a:prstGeom prst="rect">
+            <a:avLst/>
+          </a:prstGeom>
+          <a:ln w="76200" cap="sq">
+            <a:solidFill>
+              <a:schemeClr val="tx1">
+                <a:lumMod val="85000"/>
+              </a:schemeClr>
+            </a:solidFill>
+            <a:miter lim="800000"/>
+          </a:ln>
+        </p:spPr>
+        <p:style>
+          <a:lnRef idx="2">
+            <a:schemeClr val="accent1">
+              <a:shade val="50000"/>
+            </a:schemeClr>
+          </a:lnRef>
+          <a:fillRef idx="1">
+            <a:schemeClr val="accent1"/>
+          </a:fillRef>
+          <a:effectRef idx="0">
+            <a:schemeClr val="accent1"/>
+          </a:effectRef>
+          <a:fontRef idx="minor">
+            <a:schemeClr val="lt1"/>
+          </a:fontRef>
+        </p:style>
+        <p:txBody>
+          <a:bodyPr rtlCol="0" anchor="ctr"/>
+          <a:lstStyle/>
+          <a:p>
+            <a:pPr algn="ctr"/>
+            <a:r>
+              <a:rPr lang="en-US" altLang="ko-KR" sz="5400" dirty="0">
+                <a:latin typeface="HY헤드라인M" panose="02030600000101010101" pitchFamily="18" charset="-127"/>
+                <a:ea typeface="HY헤드라인M" panose="02030600000101010101" pitchFamily="18" charset="-127"/>
+              </a:rPr>
               <a:t>8</a:t>
             </a:r>
             <a:endParaRPr lang="ko-KR" altLang="en-US" sz="5400" dirty="0">
@@ -7858,7 +9347,7 @@
 </p:sld>
 </file>
 
-<file path=ppt/slides/slide16.xml><?xml version="1.0" encoding="utf-8"?>
+<file path=ppt/slides/slide17.xml><?xml version="1.0" encoding="utf-8"?>
 <p:sld xmlns:a="http://schemas.openxmlformats.org/drawingml/2006/main" xmlns:r="http://schemas.openxmlformats.org/officeDocument/2006/relationships" xmlns:p="http://schemas.openxmlformats.org/presentationml/2006/main" showMasterSp="0">
   <p:cSld>
     <p:spTree>
@@ -18640,25 +20129,11 @@
           </a:p>
           <a:p>
             <a:r>
-              <a:rPr lang="ko-KR" altLang="en-US" sz="1000" dirty="0" err="1">
-                <a:latin typeface="HY헤드라인M" panose="02030600000101010101" pitchFamily="18" charset="-127"/>
-                <a:ea typeface="HY헤드라인M" panose="02030600000101010101" pitchFamily="18" charset="-127"/>
-              </a:rPr>
-              <a:t>셰이더</a:t>
-            </a:r>
-            <a:r>
-              <a:rPr lang="ko-KR" altLang="en-US" sz="1000" dirty="0">
-                <a:latin typeface="HY헤드라인M" panose="02030600000101010101" pitchFamily="18" charset="-127"/>
-                <a:ea typeface="HY헤드라인M" panose="02030600000101010101" pitchFamily="18" charset="-127"/>
-              </a:rPr>
-              <a:t> </a:t>
-            </a:r>
-            <a:r>
               <a:rPr lang="en-US" altLang="ko-KR" sz="1000" dirty="0">
                 <a:latin typeface="HY헤드라인M" panose="02030600000101010101" pitchFamily="18" charset="-127"/>
                 <a:ea typeface="HY헤드라인M" panose="02030600000101010101" pitchFamily="18" charset="-127"/>
               </a:rPr>
-              <a:t>/ FBX / </a:t>
+              <a:t>FBX / </a:t>
             </a:r>
             <a:r>
               <a:rPr lang="ko-KR" altLang="en-US" sz="1000" dirty="0">
@@ -18723,20 +20198,21 @@
                 <a:latin typeface="HY헤드라인M" panose="02030600000101010101" pitchFamily="18" charset="-127"/>
                 <a:ea typeface="HY헤드라인M" panose="02030600000101010101" pitchFamily="18" charset="-127"/>
               </a:rPr>
-              <a:t>기획 </a:t>
-            </a:r>
-            <a:endParaRPr lang="en-US" altLang="ko-KR" sz="1000" dirty="0">
-              <a:latin typeface="HY헤드라인M" panose="02030600000101010101" pitchFamily="18" charset="-127"/>
-              <a:ea typeface="HY헤드라인M" panose="02030600000101010101" pitchFamily="18" charset="-127"/>
-            </a:endParaRPr>
-          </a:p>
-          <a:p>
+              <a:t>레벨디자인</a:t>
+            </a:r>
+            <a:r>
+              <a:rPr lang="en-US" altLang="ko-KR" sz="1000" dirty="0">
+                <a:latin typeface="HY헤드라인M" panose="02030600000101010101" pitchFamily="18" charset="-127"/>
+                <a:ea typeface="HY헤드라인M" panose="02030600000101010101" pitchFamily="18" charset="-127"/>
+              </a:rPr>
+              <a:t>/ UI / </a:t>
+            </a:r>
             <a:r>
               <a:rPr lang="ko-KR" altLang="en-US" sz="1000" dirty="0">
                 <a:latin typeface="HY헤드라인M" panose="02030600000101010101" pitchFamily="18" charset="-127"/>
                 <a:ea typeface="HY헤드라인M" panose="02030600000101010101" pitchFamily="18" charset="-127"/>
               </a:rPr>
-              <a:t>서브 클라이언트</a:t>
+              <a:t>그래픽 </a:t>
             </a:r>
             <a:endParaRPr lang="en-US" altLang="ko-KR" sz="1000" dirty="0">
               <a:latin typeface="HY헤드라인M" panose="02030600000101010101" pitchFamily="18" charset="-127"/>
@@ -18853,469 +20329,6 @@
     <p:extLst>
       <p:ext uri="{BB962C8B-B14F-4D97-AF65-F5344CB8AC3E}">
         <p14:creationId xmlns:p14="http://schemas.microsoft.com/office/powerpoint/2010/main" val="2726157751"/>
-      </p:ext>
-    </p:extLst>
-  </p:cSld>
-  <p:clrMapOvr>
-    <a:masterClrMapping/>
-  </p:clrMapOvr>
-</p:sld>
-</file>
-
-<file path=ppt/slides/slide17.xml><?xml version="1.0" encoding="utf-8"?>
-<p:sld xmlns:a="http://schemas.openxmlformats.org/drawingml/2006/main" xmlns:r="http://schemas.openxmlformats.org/officeDocument/2006/relationships" xmlns:p="http://schemas.openxmlformats.org/presentationml/2006/main" showMasterSp="0">
-  <p:cSld>
-    <p:spTree>
-      <p:nvGrpSpPr>
-        <p:cNvPr id="1" name=""/>
-        <p:cNvGrpSpPr/>
-        <p:nvPr/>
-      </p:nvGrpSpPr>
-      <p:grpSpPr>
-        <a:xfrm>
-          <a:off x="0" y="0"/>
-          <a:ext cx="0" cy="0"/>
-          <a:chOff x="0" y="0"/>
-          <a:chExt cx="0" cy="0"/>
-        </a:xfrm>
-      </p:grpSpPr>
-    </p:spTree>
-    <p:extLst>
-      <p:ext uri="{BB962C8B-B14F-4D97-AF65-F5344CB8AC3E}">
-        <p14:creationId xmlns:p14="http://schemas.microsoft.com/office/powerpoint/2010/main" val="3446247798"/>
-      </p:ext>
-    </p:extLst>
-  </p:cSld>
-  <p:clrMapOvr>
-    <a:masterClrMapping/>
-  </p:clrMapOvr>
-</p:sld>
-</file>
-
-<file path=ppt/slides/slide18.xml><?xml version="1.0" encoding="utf-8"?>
-<p:sld xmlns:a="http://schemas.openxmlformats.org/drawingml/2006/main" xmlns:r="http://schemas.openxmlformats.org/officeDocument/2006/relationships" xmlns:p="http://schemas.openxmlformats.org/presentationml/2006/main" showMasterSp="0">
-  <p:cSld>
-    <p:spTree>
-      <p:nvGrpSpPr>
-        <p:cNvPr id="1" name=""/>
-        <p:cNvGrpSpPr/>
-        <p:nvPr/>
-      </p:nvGrpSpPr>
-      <p:grpSpPr>
-        <a:xfrm>
-          <a:off x="0" y="0"/>
-          <a:ext cx="0" cy="0"/>
-          <a:chOff x="0" y="0"/>
-          <a:chExt cx="0" cy="0"/>
-        </a:xfrm>
-      </p:grpSpPr>
-      <p:sp>
-        <p:nvSpPr>
-          <p:cNvPr id="6" name="직사각형 5">
-            <a:extLst>
-              <a:ext uri="{FF2B5EF4-FFF2-40B4-BE49-F238E27FC236}">
-                <a16:creationId xmlns:a16="http://schemas.microsoft.com/office/drawing/2014/main" id="{CFF1CAA2-04CC-496D-80EE-A52890558A65}"/>
-              </a:ext>
-            </a:extLst>
-          </p:cNvPr>
-          <p:cNvSpPr/>
-          <p:nvPr/>
-        </p:nvSpPr>
-        <p:spPr>
-          <a:xfrm>
-            <a:off x="38101" y="38097"/>
-            <a:ext cx="1260000" cy="1260000"/>
-          </a:xfrm>
-          <a:prstGeom prst="rect">
-            <a:avLst/>
-          </a:prstGeom>
-          <a:ln w="76200" cap="sq">
-            <a:solidFill>
-              <a:schemeClr val="tx1">
-                <a:lumMod val="85000"/>
-              </a:schemeClr>
-            </a:solidFill>
-            <a:miter lim="800000"/>
-          </a:ln>
-        </p:spPr>
-        <p:style>
-          <a:lnRef idx="2">
-            <a:schemeClr val="accent1">
-              <a:shade val="50000"/>
-            </a:schemeClr>
-          </a:lnRef>
-          <a:fillRef idx="1">
-            <a:schemeClr val="accent1"/>
-          </a:fillRef>
-          <a:effectRef idx="0">
-            <a:schemeClr val="accent1"/>
-          </a:effectRef>
-          <a:fontRef idx="minor">
-            <a:schemeClr val="lt1"/>
-          </a:fontRef>
-        </p:style>
-        <p:txBody>
-          <a:bodyPr rtlCol="0" anchor="ctr"/>
-          <a:lstStyle/>
-          <a:p>
-            <a:pPr marL="0" marR="0" lvl="0" indent="0" algn="ctr" defTabSz="457200" rtl="0" eaLnBrk="1" fontAlgn="auto" latinLnBrk="0" hangingPunct="1">
-              <a:lnSpc>
-                <a:spcPct val="100000"/>
-              </a:lnSpc>
-              <a:spcBef>
-                <a:spcPts val="0"/>
-              </a:spcBef>
-              <a:spcAft>
-                <a:spcPts val="0"/>
-              </a:spcAft>
-              <a:buClrTx/>
-              <a:buSzTx/>
-              <a:buFontTx/>
-              <a:buNone/>
-              <a:tabLst/>
-              <a:defRPr/>
-            </a:pPr>
-            <a:r>
-              <a:rPr kumimoji="0" lang="en-US" altLang="ko-KR" sz="5400" b="0" i="0" u="none" strike="noStrike" kern="1200" cap="none" spc="0" normalizeH="0" baseline="0" noProof="0" dirty="0">
-                <a:ln>
-                  <a:noFill/>
-                </a:ln>
-                <a:solidFill>
-                  <a:srgbClr val="FFFFFF"/>
-                </a:solidFill>
-                <a:effectLst/>
-                <a:uLnTx/>
-                <a:uFillTx/>
-                <a:latin typeface="HY헤드라인M" panose="02030600000101010101" pitchFamily="18" charset="-127"/>
-                <a:ea typeface="HY헤드라인M" panose="02030600000101010101" pitchFamily="18" charset="-127"/>
-                <a:cs typeface="+mn-cs"/>
-              </a:rPr>
-              <a:t>2</a:t>
-            </a:r>
-            <a:endParaRPr kumimoji="0" lang="ko-KR" altLang="en-US" sz="5400" b="0" i="0" u="none" strike="noStrike" kern="1200" cap="none" spc="0" normalizeH="0" baseline="0" noProof="0" dirty="0">
-              <a:ln>
-                <a:noFill/>
-              </a:ln>
-              <a:solidFill>
-                <a:srgbClr val="FFFFFF"/>
-              </a:solidFill>
-              <a:effectLst/>
-              <a:uLnTx/>
-              <a:uFillTx/>
-              <a:latin typeface="HY헤드라인M" panose="02030600000101010101" pitchFamily="18" charset="-127"/>
-              <a:ea typeface="HY헤드라인M" panose="02030600000101010101" pitchFamily="18" charset="-127"/>
-              <a:cs typeface="+mn-cs"/>
-            </a:endParaRPr>
-          </a:p>
-        </p:txBody>
-      </p:sp>
-      <p:sp>
-        <p:nvSpPr>
-          <p:cNvPr id="11" name="TextBox 10">
-            <a:extLst>
-              <a:ext uri="{FF2B5EF4-FFF2-40B4-BE49-F238E27FC236}">
-                <a16:creationId xmlns:a16="http://schemas.microsoft.com/office/drawing/2014/main" id="{EB6AD26A-4D70-44CF-9FF8-6140CA5F6660}"/>
-              </a:ext>
-            </a:extLst>
-          </p:cNvPr>
-          <p:cNvSpPr txBox="1"/>
-          <p:nvPr/>
-        </p:nvSpPr>
-        <p:spPr>
-          <a:xfrm>
-            <a:off x="1419225" y="393221"/>
-            <a:ext cx="3895725" cy="646331"/>
-          </a:xfrm>
-          <a:prstGeom prst="rect">
-            <a:avLst/>
-          </a:prstGeom>
-          <a:noFill/>
-        </p:spPr>
-        <p:txBody>
-          <a:bodyPr wrap="square" rtlCol="0">
-            <a:spAutoFit/>
-          </a:bodyPr>
-          <a:lstStyle/>
-          <a:p>
-            <a:pPr marL="0" marR="0" lvl="0" indent="0" algn="l" defTabSz="457200" rtl="0" eaLnBrk="1" fontAlgn="auto" latinLnBrk="0" hangingPunct="1">
-              <a:lnSpc>
-                <a:spcPct val="100000"/>
-              </a:lnSpc>
-              <a:spcBef>
-                <a:spcPts val="0"/>
-              </a:spcBef>
-              <a:spcAft>
-                <a:spcPts val="0"/>
-              </a:spcAft>
-              <a:buClrTx/>
-              <a:buSzTx/>
-              <a:buFontTx/>
-              <a:buNone/>
-              <a:tabLst/>
-              <a:defRPr/>
-            </a:pPr>
-            <a:r>
-              <a:rPr lang="ko-KR" altLang="en-US" sz="3600" dirty="0">
-                <a:solidFill>
-                  <a:srgbClr val="FFFFFF"/>
-                </a:solidFill>
-                <a:latin typeface="HY헤드라인M" panose="02030600000101010101" pitchFamily="18" charset="-127"/>
-                <a:ea typeface="HY헤드라인M" panose="02030600000101010101" pitchFamily="18" charset="-127"/>
-              </a:rPr>
-              <a:t>왜 만드는가</a:t>
-            </a:r>
-            <a:r>
-              <a:rPr lang="en-US" altLang="ko-KR" sz="3600" dirty="0">
-                <a:solidFill>
-                  <a:srgbClr val="FFFFFF"/>
-                </a:solidFill>
-                <a:latin typeface="HY헤드라인M" panose="02030600000101010101" pitchFamily="18" charset="-127"/>
-                <a:ea typeface="HY헤드라인M" panose="02030600000101010101" pitchFamily="18" charset="-127"/>
-              </a:rPr>
-              <a:t>?</a:t>
-            </a:r>
-            <a:endParaRPr kumimoji="0" lang="ko-KR" altLang="en-US" sz="1800" b="0" i="0" u="none" strike="noStrike" kern="1200" cap="none" spc="0" normalizeH="0" baseline="0" noProof="0" dirty="0">
-              <a:ln>
-                <a:noFill/>
-              </a:ln>
-              <a:solidFill>
-                <a:srgbClr val="FFFFFF"/>
-              </a:solidFill>
-              <a:effectLst/>
-              <a:uLnTx/>
-              <a:uFillTx/>
-              <a:latin typeface="Century Schoolbook" panose="02040604050505020304"/>
-              <a:ea typeface="맑은 고딕" panose="020B0503020000020004" pitchFamily="50" charset="-127"/>
-              <a:cs typeface="+mn-cs"/>
-            </a:endParaRPr>
-          </a:p>
-        </p:txBody>
-      </p:sp>
-      <p:sp>
-        <p:nvSpPr>
-          <p:cNvPr id="14" name="직사각형 13">
-            <a:extLst>
-              <a:ext uri="{FF2B5EF4-FFF2-40B4-BE49-F238E27FC236}">
-                <a16:creationId xmlns:a16="http://schemas.microsoft.com/office/drawing/2014/main" id="{930D3077-7530-422D-954B-79CD38D2238D}"/>
-              </a:ext>
-            </a:extLst>
-          </p:cNvPr>
-          <p:cNvSpPr/>
-          <p:nvPr/>
-        </p:nvSpPr>
-        <p:spPr>
-          <a:xfrm>
-            <a:off x="668101" y="1524000"/>
-            <a:ext cx="11106804" cy="1026695"/>
-          </a:xfrm>
-          <a:prstGeom prst="rect">
-            <a:avLst/>
-          </a:prstGeom>
-          <a:solidFill>
-            <a:srgbClr val="595959"/>
-          </a:solidFill>
-          <a:ln w="38100">
-            <a:solidFill>
-              <a:schemeClr val="tx1">
-                <a:lumMod val="85000"/>
-              </a:schemeClr>
-            </a:solidFill>
-          </a:ln>
-        </p:spPr>
-        <p:style>
-          <a:lnRef idx="2">
-            <a:schemeClr val="accent1">
-              <a:shade val="50000"/>
-            </a:schemeClr>
-          </a:lnRef>
-          <a:fillRef idx="1">
-            <a:schemeClr val="accent1"/>
-          </a:fillRef>
-          <a:effectRef idx="0">
-            <a:schemeClr val="accent1"/>
-          </a:effectRef>
-          <a:fontRef idx="minor">
-            <a:schemeClr val="lt1"/>
-          </a:fontRef>
-        </p:style>
-        <p:txBody>
-          <a:bodyPr rtlCol="0" anchor="t"/>
-          <a:lstStyle/>
-          <a:p>
-            <a:endParaRPr lang="en-US" altLang="ko-KR" sz="1500" dirty="0">
-              <a:latin typeface="HY헤드라인M" panose="02030600000101010101" pitchFamily="18" charset="-127"/>
-              <a:ea typeface="HY헤드라인M" panose="02030600000101010101" pitchFamily="18" charset="-127"/>
-            </a:endParaRPr>
-          </a:p>
-          <a:p>
-            <a:r>
-              <a:rPr lang="ko-KR" altLang="en-US" sz="1600" dirty="0">
-                <a:latin typeface="HY헤드라인M" panose="02030600000101010101" pitchFamily="18" charset="-127"/>
-                <a:ea typeface="HY헤드라인M" panose="02030600000101010101" pitchFamily="18" charset="-127"/>
-              </a:rPr>
-              <a:t>간단한 게임이 인기를 끌고있으며 누구나 쉽게 게임을 </a:t>
-            </a:r>
-            <a:endParaRPr lang="en-US" altLang="ko-KR" sz="1600" dirty="0">
-              <a:latin typeface="HY헤드라인M" panose="02030600000101010101" pitchFamily="18" charset="-127"/>
-              <a:ea typeface="HY헤드라인M" panose="02030600000101010101" pitchFamily="18" charset="-127"/>
-            </a:endParaRPr>
-          </a:p>
-          <a:p>
-            <a:r>
-              <a:rPr lang="ko-KR" altLang="en-US" sz="1600" dirty="0">
-                <a:latin typeface="HY헤드라인M" panose="02030600000101010101" pitchFamily="18" charset="-127"/>
-                <a:ea typeface="HY헤드라인M" panose="02030600000101010101" pitchFamily="18" charset="-127"/>
-              </a:rPr>
-              <a:t>접할 수 있게 된 현재</a:t>
-            </a:r>
-            <a:r>
-              <a:rPr lang="en-US" altLang="ko-KR" sz="1600" dirty="0">
-                <a:latin typeface="HY헤드라인M" panose="02030600000101010101" pitchFamily="18" charset="-127"/>
-                <a:ea typeface="HY헤드라인M" panose="02030600000101010101" pitchFamily="18" charset="-127"/>
-              </a:rPr>
-              <a:t>,</a:t>
-            </a:r>
-            <a:r>
-              <a:rPr lang="ko-KR" altLang="en-US" sz="1600" dirty="0">
-                <a:latin typeface="HY헤드라인M" panose="02030600000101010101" pitchFamily="18" charset="-127"/>
-                <a:ea typeface="HY헤드라인M" panose="02030600000101010101" pitchFamily="18" charset="-127"/>
-              </a:rPr>
-              <a:t> 아이들도 좋아하는 공룡을 이용해서 쉽고 간단하게 즐길 수 있는 게임이라 판단한다</a:t>
-            </a:r>
-            <a:r>
-              <a:rPr lang="en-US" altLang="ko-KR" sz="1600" dirty="0">
-                <a:latin typeface="HY헤드라인M" panose="02030600000101010101" pitchFamily="18" charset="-127"/>
-                <a:ea typeface="HY헤드라인M" panose="02030600000101010101" pitchFamily="18" charset="-127"/>
-              </a:rPr>
-              <a:t>.</a:t>
-            </a:r>
-          </a:p>
-        </p:txBody>
-      </p:sp>
-      <p:pic>
-        <p:nvPicPr>
-          <p:cNvPr id="28" name="그림 27" descr="대형, 하얀색이(가) 표시된 사진&#10;&#10;자동 생성된 설명">
-            <a:extLst>
-              <a:ext uri="{FF2B5EF4-FFF2-40B4-BE49-F238E27FC236}">
-                <a16:creationId xmlns:a16="http://schemas.microsoft.com/office/drawing/2014/main" id="{D1C47597-1E01-425E-B908-E8169D14EAAF}"/>
-              </a:ext>
-            </a:extLst>
-          </p:cNvPr>
-          <p:cNvPicPr>
-            <a:picLocks noChangeAspect="1"/>
-          </p:cNvPicPr>
-          <p:nvPr/>
-        </p:nvPicPr>
-        <p:blipFill>
-          <a:blip r:embed="rId2"/>
-          <a:stretch>
-            <a:fillRect/>
-          </a:stretch>
-        </p:blipFill>
-        <p:spPr>
-          <a:xfrm>
-            <a:off x="242397" y="3085329"/>
-            <a:ext cx="4007851" cy="2858271"/>
-          </a:xfrm>
-          <a:prstGeom prst="rect">
-            <a:avLst/>
-          </a:prstGeom>
-        </p:spPr>
-      </p:pic>
-      <p:pic>
-        <p:nvPicPr>
-          <p:cNvPr id="2" name="그림 1">
-            <a:extLst>
-              <a:ext uri="{FF2B5EF4-FFF2-40B4-BE49-F238E27FC236}">
-                <a16:creationId xmlns:a16="http://schemas.microsoft.com/office/drawing/2014/main" id="{365B2311-BF1E-4B83-A22F-9B1A29FEC9E3}"/>
-              </a:ext>
-            </a:extLst>
-          </p:cNvPr>
-          <p:cNvPicPr>
-            <a:picLocks noChangeAspect="1"/>
-          </p:cNvPicPr>
-          <p:nvPr/>
-        </p:nvPicPr>
-        <p:blipFill>
-          <a:blip r:embed="rId3"/>
-          <a:stretch>
-            <a:fillRect/>
-          </a:stretch>
-        </p:blipFill>
-        <p:spPr>
-          <a:xfrm>
-            <a:off x="4562013" y="3098541"/>
-            <a:ext cx="3318980" cy="3272586"/>
-          </a:xfrm>
-          <a:prstGeom prst="rect">
-            <a:avLst/>
-          </a:prstGeom>
-        </p:spPr>
-      </p:pic>
-      <p:pic>
-        <p:nvPicPr>
-          <p:cNvPr id="4" name="그림 3" descr="잔디, 실외, 그룹, 개이(가) 표시된 사진&#10;&#10;자동 생성된 설명">
-            <a:extLst>
-              <a:ext uri="{FF2B5EF4-FFF2-40B4-BE49-F238E27FC236}">
-                <a16:creationId xmlns:a16="http://schemas.microsoft.com/office/drawing/2014/main" id="{31CBBEB2-047C-423D-B48A-018FD348EDFF}"/>
-              </a:ext>
-            </a:extLst>
-          </p:cNvPr>
-          <p:cNvPicPr>
-            <a:picLocks noChangeAspect="1"/>
-          </p:cNvPicPr>
-          <p:nvPr/>
-        </p:nvPicPr>
-        <p:blipFill>
-          <a:blip r:embed="rId4"/>
-          <a:stretch>
-            <a:fillRect/>
-          </a:stretch>
-        </p:blipFill>
-        <p:spPr>
-          <a:xfrm>
-            <a:off x="8192758" y="3085329"/>
-            <a:ext cx="3053229" cy="1709808"/>
-          </a:xfrm>
-          <a:prstGeom prst="rect">
-            <a:avLst/>
-          </a:prstGeom>
-        </p:spPr>
-      </p:pic>
-      <p:pic>
-        <p:nvPicPr>
-          <p:cNvPr id="10" name="그림 9" descr="스크린샷이(가) 표시된 사진&#10;&#10;자동 생성된 설명">
-            <a:extLst>
-              <a:ext uri="{FF2B5EF4-FFF2-40B4-BE49-F238E27FC236}">
-                <a16:creationId xmlns:a16="http://schemas.microsoft.com/office/drawing/2014/main" id="{E3C6A9C3-4426-4BF7-951A-CAFF5439BDF4}"/>
-              </a:ext>
-            </a:extLst>
-          </p:cNvPr>
-          <p:cNvPicPr>
-            <a:picLocks noChangeAspect="1"/>
-          </p:cNvPicPr>
-          <p:nvPr/>
-        </p:nvPicPr>
-        <p:blipFill>
-          <a:blip r:embed="rId5"/>
-          <a:stretch>
-            <a:fillRect/>
-          </a:stretch>
-        </p:blipFill>
-        <p:spPr>
-          <a:xfrm>
-            <a:off x="8192758" y="4972020"/>
-            <a:ext cx="2643059" cy="1539409"/>
-          </a:xfrm>
-          <a:prstGeom prst="rect">
-            <a:avLst/>
-          </a:prstGeom>
-        </p:spPr>
-      </p:pic>
-    </p:spTree>
-    <p:extLst>
-      <p:ext uri="{BB962C8B-B14F-4D97-AF65-F5344CB8AC3E}">
-        <p14:creationId xmlns:p14="http://schemas.microsoft.com/office/powerpoint/2010/main" val="3480095608"/>
       </p:ext>
     </p:extLst>
   </p:cSld>
@@ -19605,7 +20618,7 @@
                 <a:latin typeface="HY헤드라인M" panose="02030600000101010101" pitchFamily="18" charset="-127"/>
                 <a:ea typeface="HY헤드라인M" panose="02030600000101010101" pitchFamily="18" charset="-127"/>
               </a:rPr>
-              <a:t>게임 진행</a:t>
+              <a:t>게임 방법</a:t>
             </a:r>
             <a:endParaRPr lang="en-US" altLang="ko-KR" sz="2300" dirty="0">
               <a:latin typeface="HY헤드라인M" panose="02030600000101010101" pitchFamily="18" charset="-127"/>
@@ -20596,7 +21609,7 @@
         </p:nvSpPr>
         <p:spPr>
           <a:xfrm>
-            <a:off x="1419225" y="1571625"/>
+            <a:off x="1419225" y="1793397"/>
             <a:ext cx="4676775" cy="711612"/>
           </a:xfrm>
           <a:prstGeom prst="rect">
@@ -20673,7 +21686,7 @@
         </p:nvSpPr>
         <p:spPr>
           <a:xfrm>
-            <a:off x="828675" y="1571624"/>
+            <a:off x="828675" y="1793396"/>
             <a:ext cx="1514475" cy="711613"/>
           </a:xfrm>
           <a:prstGeom prst="homePlate">
@@ -20738,7 +21751,7 @@
         </p:nvSpPr>
         <p:spPr>
           <a:xfrm>
-            <a:off x="1419225" y="3396358"/>
+            <a:off x="1419225" y="3575255"/>
             <a:ext cx="4676775" cy="711613"/>
           </a:xfrm>
           <a:prstGeom prst="rect">
@@ -20797,7 +21810,7 @@
         </p:nvSpPr>
         <p:spPr>
           <a:xfrm>
-            <a:off x="828675" y="3396358"/>
+            <a:off x="828675" y="3575255"/>
             <a:ext cx="1514475" cy="711614"/>
           </a:xfrm>
           <a:prstGeom prst="homePlate">
@@ -20862,7 +21875,7 @@
         </p:nvSpPr>
         <p:spPr>
           <a:xfrm>
-            <a:off x="1419225" y="5286375"/>
+            <a:off x="1419225" y="5357117"/>
             <a:ext cx="4676775" cy="646330"/>
           </a:xfrm>
           <a:prstGeom prst="rect">
@@ -20925,7 +21938,7 @@
         </p:nvSpPr>
         <p:spPr>
           <a:xfrm>
-            <a:off x="828675" y="5286374"/>
+            <a:off x="828675" y="5357116"/>
             <a:ext cx="1514475" cy="646331"/>
           </a:xfrm>
           <a:prstGeom prst="homePlate">
@@ -21904,109 +22917,6 @@
       </p:grpSpPr>
       <p:sp>
         <p:nvSpPr>
-          <p:cNvPr id="6" name="직사각형 5">
-            <a:extLst>
-              <a:ext uri="{FF2B5EF4-FFF2-40B4-BE49-F238E27FC236}">
-                <a16:creationId xmlns:a16="http://schemas.microsoft.com/office/drawing/2014/main" id="{CFF1CAA2-04CC-496D-80EE-A52890558A65}"/>
-              </a:ext>
-            </a:extLst>
-          </p:cNvPr>
-          <p:cNvSpPr/>
-          <p:nvPr/>
-        </p:nvSpPr>
-        <p:spPr>
-          <a:xfrm>
-            <a:off x="38101" y="38097"/>
-            <a:ext cx="1260000" cy="1260000"/>
-          </a:xfrm>
-          <a:prstGeom prst="rect">
-            <a:avLst/>
-          </a:prstGeom>
-          <a:ln w="76200" cap="sq">
-            <a:solidFill>
-              <a:schemeClr val="tx1">
-                <a:lumMod val="85000"/>
-              </a:schemeClr>
-            </a:solidFill>
-            <a:miter lim="800000"/>
-          </a:ln>
-        </p:spPr>
-        <p:style>
-          <a:lnRef idx="2">
-            <a:schemeClr val="accent1">
-              <a:shade val="50000"/>
-            </a:schemeClr>
-          </a:lnRef>
-          <a:fillRef idx="1">
-            <a:schemeClr val="accent1"/>
-          </a:fillRef>
-          <a:effectRef idx="0">
-            <a:schemeClr val="accent1"/>
-          </a:effectRef>
-          <a:fontRef idx="minor">
-            <a:schemeClr val="lt1"/>
-          </a:fontRef>
-        </p:style>
-        <p:txBody>
-          <a:bodyPr rtlCol="0" anchor="ctr"/>
-          <a:lstStyle/>
-          <a:p>
-            <a:pPr algn="ctr"/>
-            <a:r>
-              <a:rPr lang="en-US" altLang="ko-KR" sz="5400" dirty="0">
-                <a:latin typeface="HY헤드라인M" panose="02030600000101010101" pitchFamily="18" charset="-127"/>
-                <a:ea typeface="HY헤드라인M" panose="02030600000101010101" pitchFamily="18" charset="-127"/>
-              </a:rPr>
-              <a:t>2</a:t>
-            </a:r>
-            <a:endParaRPr lang="ko-KR" altLang="en-US" sz="5400" dirty="0">
-              <a:latin typeface="HY헤드라인M" panose="02030600000101010101" pitchFamily="18" charset="-127"/>
-              <a:ea typeface="HY헤드라인M" panose="02030600000101010101" pitchFamily="18" charset="-127"/>
-            </a:endParaRPr>
-          </a:p>
-        </p:txBody>
-      </p:sp>
-      <p:sp>
-        <p:nvSpPr>
-          <p:cNvPr id="11" name="TextBox 10">
-            <a:extLst>
-              <a:ext uri="{FF2B5EF4-FFF2-40B4-BE49-F238E27FC236}">
-                <a16:creationId xmlns:a16="http://schemas.microsoft.com/office/drawing/2014/main" id="{EB6AD26A-4D70-44CF-9FF8-6140CA5F6660}"/>
-              </a:ext>
-            </a:extLst>
-          </p:cNvPr>
-          <p:cNvSpPr txBox="1"/>
-          <p:nvPr/>
-        </p:nvSpPr>
-        <p:spPr>
-          <a:xfrm>
-            <a:off x="1419225" y="393221"/>
-            <a:ext cx="3895725" cy="646331"/>
-          </a:xfrm>
-          <a:prstGeom prst="rect">
-            <a:avLst/>
-          </a:prstGeom>
-          <a:noFill/>
-        </p:spPr>
-        <p:txBody>
-          <a:bodyPr wrap="square" rtlCol="0">
-            <a:spAutoFit/>
-          </a:bodyPr>
-          <a:lstStyle/>
-          <a:p>
-            <a:r>
-              <a:rPr lang="ko-KR" altLang="en-US" sz="3600" dirty="0">
-                <a:latin typeface="HY헤드라인M" panose="02030600000101010101" pitchFamily="18" charset="-127"/>
-                <a:ea typeface="HY헤드라인M" panose="02030600000101010101" pitchFamily="18" charset="-127"/>
-              </a:rPr>
-              <a:t>게임 소개 및 특징</a:t>
-            </a:r>
-            <a:endParaRPr lang="ko-KR" altLang="en-US" dirty="0"/>
-          </a:p>
-        </p:txBody>
-      </p:sp>
-      <p:sp>
-        <p:nvSpPr>
           <p:cNvPr id="5" name="직사각형 4">
             <a:extLst>
               <a:ext uri="{FF2B5EF4-FFF2-40B4-BE49-F238E27FC236}">
@@ -22060,6 +22970,163 @@
           <a:lstStyle/>
           <a:p>
             <a:pPr algn="ctr"/>
+            <a:endParaRPr lang="ko-KR" altLang="en-US" dirty="0"/>
+          </a:p>
+        </p:txBody>
+      </p:sp>
+      <p:sp>
+        <p:nvSpPr>
+          <p:cNvPr id="13" name="직사각형 12">
+            <a:extLst>
+              <a:ext uri="{FF2B5EF4-FFF2-40B4-BE49-F238E27FC236}">
+                <a16:creationId xmlns:a16="http://schemas.microsoft.com/office/drawing/2014/main" id="{A8F51D2D-256A-48AD-87D6-6EC87AED631F}"/>
+              </a:ext>
+            </a:extLst>
+          </p:cNvPr>
+          <p:cNvSpPr/>
+          <p:nvPr/>
+        </p:nvSpPr>
+        <p:spPr>
+          <a:xfrm>
+            <a:off x="2146315" y="4110086"/>
+            <a:ext cx="2441543" cy="207389"/>
+          </a:xfrm>
+          <a:prstGeom prst="rect">
+            <a:avLst/>
+          </a:prstGeom>
+          <a:solidFill>
+            <a:schemeClr val="bg2"/>
+          </a:solidFill>
+          <a:ln>
+            <a:solidFill>
+              <a:srgbClr val="FFC000"/>
+            </a:solidFill>
+          </a:ln>
+        </p:spPr>
+        <p:style>
+          <a:lnRef idx="2">
+            <a:schemeClr val="accent1">
+              <a:shade val="50000"/>
+            </a:schemeClr>
+          </a:lnRef>
+          <a:fillRef idx="1">
+            <a:schemeClr val="accent1"/>
+          </a:fillRef>
+          <a:effectRef idx="0">
+            <a:schemeClr val="accent1"/>
+          </a:effectRef>
+          <a:fontRef idx="minor">
+            <a:schemeClr val="lt1"/>
+          </a:fontRef>
+        </p:style>
+        <p:txBody>
+          <a:bodyPr rtlCol="0" anchor="ctr"/>
+          <a:lstStyle/>
+          <a:p>
+            <a:pPr algn="ctr"/>
+            <a:endParaRPr lang="ko-KR" altLang="en-US"/>
+          </a:p>
+        </p:txBody>
+      </p:sp>
+      <p:sp>
+        <p:nvSpPr>
+          <p:cNvPr id="6" name="직사각형 5">
+            <a:extLst>
+              <a:ext uri="{FF2B5EF4-FFF2-40B4-BE49-F238E27FC236}">
+                <a16:creationId xmlns:a16="http://schemas.microsoft.com/office/drawing/2014/main" id="{CFF1CAA2-04CC-496D-80EE-A52890558A65}"/>
+              </a:ext>
+            </a:extLst>
+          </p:cNvPr>
+          <p:cNvSpPr/>
+          <p:nvPr/>
+        </p:nvSpPr>
+        <p:spPr>
+          <a:xfrm>
+            <a:off x="38101" y="38097"/>
+            <a:ext cx="1260000" cy="1260000"/>
+          </a:xfrm>
+          <a:prstGeom prst="rect">
+            <a:avLst/>
+          </a:prstGeom>
+          <a:ln w="76200" cap="sq">
+            <a:solidFill>
+              <a:schemeClr val="tx1">
+                <a:lumMod val="85000"/>
+              </a:schemeClr>
+            </a:solidFill>
+            <a:miter lim="800000"/>
+          </a:ln>
+        </p:spPr>
+        <p:style>
+          <a:lnRef idx="2">
+            <a:schemeClr val="accent1">
+              <a:shade val="50000"/>
+            </a:schemeClr>
+          </a:lnRef>
+          <a:fillRef idx="1">
+            <a:schemeClr val="accent1"/>
+          </a:fillRef>
+          <a:effectRef idx="0">
+            <a:schemeClr val="accent1"/>
+          </a:effectRef>
+          <a:fontRef idx="minor">
+            <a:schemeClr val="lt1"/>
+          </a:fontRef>
+        </p:style>
+        <p:txBody>
+          <a:bodyPr rtlCol="0" anchor="ctr"/>
+          <a:lstStyle/>
+          <a:p>
+            <a:pPr algn="ctr"/>
+            <a:r>
+              <a:rPr lang="en-US" altLang="ko-KR" sz="5400" dirty="0">
+                <a:latin typeface="HY헤드라인M" panose="02030600000101010101" pitchFamily="18" charset="-127"/>
+                <a:ea typeface="HY헤드라인M" panose="02030600000101010101" pitchFamily="18" charset="-127"/>
+              </a:rPr>
+              <a:t>2</a:t>
+            </a:r>
+            <a:endParaRPr lang="ko-KR" altLang="en-US" sz="5400" dirty="0">
+              <a:latin typeface="HY헤드라인M" panose="02030600000101010101" pitchFamily="18" charset="-127"/>
+              <a:ea typeface="HY헤드라인M" panose="02030600000101010101" pitchFamily="18" charset="-127"/>
+            </a:endParaRPr>
+          </a:p>
+        </p:txBody>
+      </p:sp>
+      <p:sp>
+        <p:nvSpPr>
+          <p:cNvPr id="11" name="TextBox 10">
+            <a:extLst>
+              <a:ext uri="{FF2B5EF4-FFF2-40B4-BE49-F238E27FC236}">
+                <a16:creationId xmlns:a16="http://schemas.microsoft.com/office/drawing/2014/main" id="{EB6AD26A-4D70-44CF-9FF8-6140CA5F6660}"/>
+              </a:ext>
+            </a:extLst>
+          </p:cNvPr>
+          <p:cNvSpPr txBox="1"/>
+          <p:nvPr/>
+        </p:nvSpPr>
+        <p:spPr>
+          <a:xfrm>
+            <a:off x="1419225" y="393221"/>
+            <a:ext cx="3895725" cy="646331"/>
+          </a:xfrm>
+          <a:prstGeom prst="rect">
+            <a:avLst/>
+          </a:prstGeom>
+          <a:noFill/>
+        </p:spPr>
+        <p:txBody>
+          <a:bodyPr wrap="square" rtlCol="0">
+            <a:spAutoFit/>
+          </a:bodyPr>
+          <a:lstStyle/>
+          <a:p>
+            <a:r>
+              <a:rPr lang="ko-KR" altLang="en-US" sz="3600" dirty="0">
+                <a:latin typeface="HY헤드라인M" panose="02030600000101010101" pitchFamily="18" charset="-127"/>
+                <a:ea typeface="HY헤드라인M" panose="02030600000101010101" pitchFamily="18" charset="-127"/>
+              </a:rPr>
+              <a:t>게임 소개 및 특징</a:t>
+            </a:r>
             <a:endParaRPr lang="ko-KR" altLang="en-US" dirty="0"/>
           </a:p>
         </p:txBody>
@@ -22137,7 +23204,7 @@
         </p:nvSpPr>
         <p:spPr>
           <a:xfrm>
-            <a:off x="1298101" y="4902572"/>
+            <a:off x="1298099" y="5818448"/>
             <a:ext cx="9353551" cy="646331"/>
           </a:xfrm>
           <a:prstGeom prst="rect">
@@ -22176,24 +23243,21 @@
                 <a:latin typeface="HY헤드라인M" panose="02030600000101010101" pitchFamily="18" charset="-127"/>
                 <a:ea typeface="HY헤드라인M" panose="02030600000101010101" pitchFamily="18" charset="-127"/>
               </a:rPr>
-              <a:t>아이템 사용으로 다른 플레이어와 상호작용이 가능하다</a:t>
-            </a:r>
-            <a:r>
-              <a:rPr lang="en-US" altLang="ko-KR" dirty="0">
-                <a:latin typeface="HY헤드라인M" panose="02030600000101010101" pitchFamily="18" charset="-127"/>
-                <a:ea typeface="HY헤드라인M" panose="02030600000101010101" pitchFamily="18" charset="-127"/>
-              </a:rPr>
-              <a:t>.</a:t>
-            </a:r>
+              <a:t>아이템 사용으로 다른 플레이어와 상호작용이 가능한 아이템 전</a:t>
+            </a:r>
+            <a:endParaRPr lang="en-US" altLang="ko-KR" dirty="0">
+              <a:latin typeface="HY헤드라인M" panose="02030600000101010101" pitchFamily="18" charset="-127"/>
+              <a:ea typeface="HY헤드라인M" panose="02030600000101010101" pitchFamily="18" charset="-127"/>
+            </a:endParaRPr>
           </a:p>
         </p:txBody>
       </p:sp>
       <p:sp>
         <p:nvSpPr>
-          <p:cNvPr id="7" name="직사각형 6">
+          <p:cNvPr id="8" name="직사각형 7">
             <a:extLst>
               <a:ext uri="{FF2B5EF4-FFF2-40B4-BE49-F238E27FC236}">
-                <a16:creationId xmlns:a16="http://schemas.microsoft.com/office/drawing/2014/main" id="{FD5B09AE-DC59-46D5-8D39-CEDA2D8BCE6A}"/>
+                <a16:creationId xmlns:a16="http://schemas.microsoft.com/office/drawing/2014/main" id="{9113E8F5-3A68-4C3C-A127-EACE2E108B72}"/>
               </a:ext>
             </a:extLst>
           </p:cNvPr>
@@ -22202,7 +23266,7 @@
         </p:nvSpPr>
         <p:spPr>
           <a:xfrm>
-            <a:off x="1298101" y="5818448"/>
+            <a:off x="1298099" y="4925107"/>
             <a:ext cx="9353551" cy="646331"/>
           </a:xfrm>
           <a:prstGeom prst="rect">
@@ -22241,12 +23305,170 @@
                 <a:latin typeface="HY헤드라인M" panose="02030600000101010101" pitchFamily="18" charset="-127"/>
                 <a:ea typeface="HY헤드라인M" panose="02030600000101010101" pitchFamily="18" charset="-127"/>
               </a:rPr>
-              <a:t>카메라 반동으로 인한 몰입도 </a:t>
+              <a:t>배고픔에 따른 공룡의 속도 변화를 이용해 경쟁하는 스피드 전</a:t>
             </a:r>
             <a:endParaRPr lang="en-US" altLang="ko-KR" dirty="0">
               <a:latin typeface="HY헤드라인M" panose="02030600000101010101" pitchFamily="18" charset="-127"/>
               <a:ea typeface="HY헤드라인M" panose="02030600000101010101" pitchFamily="18" charset="-127"/>
             </a:endParaRPr>
+          </a:p>
+        </p:txBody>
+      </p:sp>
+      <p:sp>
+        <p:nvSpPr>
+          <p:cNvPr id="2" name="직사각형 1">
+            <a:extLst>
+              <a:ext uri="{FF2B5EF4-FFF2-40B4-BE49-F238E27FC236}">
+                <a16:creationId xmlns:a16="http://schemas.microsoft.com/office/drawing/2014/main" id="{3342D9BC-6973-49B9-A9F5-5BB481158E13}"/>
+              </a:ext>
+            </a:extLst>
+          </p:cNvPr>
+          <p:cNvSpPr/>
+          <p:nvPr/>
+        </p:nvSpPr>
+        <p:spPr>
+          <a:xfrm>
+            <a:off x="2146315" y="4110086"/>
+            <a:ext cx="2216135" cy="207389"/>
+          </a:xfrm>
+          <a:prstGeom prst="rect">
+            <a:avLst/>
+          </a:prstGeom>
+          <a:solidFill>
+            <a:srgbClr val="FFC000"/>
+          </a:solidFill>
+          <a:ln>
+            <a:solidFill>
+              <a:srgbClr val="FFC000"/>
+            </a:solidFill>
+          </a:ln>
+        </p:spPr>
+        <p:style>
+          <a:lnRef idx="2">
+            <a:schemeClr val="accent1">
+              <a:shade val="50000"/>
+            </a:schemeClr>
+          </a:lnRef>
+          <a:fillRef idx="1">
+            <a:schemeClr val="accent1"/>
+          </a:fillRef>
+          <a:effectRef idx="0">
+            <a:schemeClr val="accent1"/>
+          </a:effectRef>
+          <a:fontRef idx="minor">
+            <a:schemeClr val="lt1"/>
+          </a:fontRef>
+        </p:style>
+        <p:txBody>
+          <a:bodyPr rtlCol="0" anchor="ctr"/>
+          <a:lstStyle/>
+          <a:p>
+            <a:pPr algn="ctr"/>
+            <a:endParaRPr lang="ko-KR" altLang="en-US"/>
+          </a:p>
+        </p:txBody>
+      </p:sp>
+      <p:sp>
+        <p:nvSpPr>
+          <p:cNvPr id="3" name="직사각형 2">
+            <a:extLst>
+              <a:ext uri="{FF2B5EF4-FFF2-40B4-BE49-F238E27FC236}">
+                <a16:creationId xmlns:a16="http://schemas.microsoft.com/office/drawing/2014/main" id="{765F4065-1ECA-4302-A153-B42FA0F81DAE}"/>
+              </a:ext>
+            </a:extLst>
+          </p:cNvPr>
+          <p:cNvSpPr/>
+          <p:nvPr/>
+        </p:nvSpPr>
+        <p:spPr>
+          <a:xfrm>
+            <a:off x="2146315" y="4110086"/>
+            <a:ext cx="238666" cy="207389"/>
+          </a:xfrm>
+          <a:prstGeom prst="rect">
+            <a:avLst/>
+          </a:prstGeom>
+          <a:blipFill>
+            <a:blip r:embed="rId4"/>
+            <a:stretch>
+              <a:fillRect/>
+            </a:stretch>
+          </a:blipFill>
+        </p:spPr>
+        <p:style>
+          <a:lnRef idx="2">
+            <a:schemeClr val="accent1">
+              <a:shade val="50000"/>
+            </a:schemeClr>
+          </a:lnRef>
+          <a:fillRef idx="1">
+            <a:schemeClr val="accent1"/>
+          </a:fillRef>
+          <a:effectRef idx="0">
+            <a:schemeClr val="accent1"/>
+          </a:effectRef>
+          <a:fontRef idx="minor">
+            <a:schemeClr val="lt1"/>
+          </a:fontRef>
+        </p:style>
+        <p:txBody>
+          <a:bodyPr rtlCol="0" anchor="ctr"/>
+          <a:lstStyle/>
+          <a:p>
+            <a:pPr algn="ctr"/>
+            <a:endParaRPr lang="ko-KR" altLang="en-US"/>
+          </a:p>
+        </p:txBody>
+      </p:sp>
+      <p:sp>
+        <p:nvSpPr>
+          <p:cNvPr id="14" name="직사각형 13">
+            <a:extLst>
+              <a:ext uri="{FF2B5EF4-FFF2-40B4-BE49-F238E27FC236}">
+                <a16:creationId xmlns:a16="http://schemas.microsoft.com/office/drawing/2014/main" id="{F4FAFAAE-7C4E-48D5-8EBD-CAABA70601C7}"/>
+              </a:ext>
+            </a:extLst>
+          </p:cNvPr>
+          <p:cNvSpPr/>
+          <p:nvPr/>
+        </p:nvSpPr>
+        <p:spPr>
+          <a:xfrm>
+            <a:off x="7042164" y="3998435"/>
+            <a:ext cx="368285" cy="319040"/>
+          </a:xfrm>
+          <a:prstGeom prst="rect">
+            <a:avLst/>
+          </a:prstGeom>
+          <a:blipFill>
+            <a:blip r:embed="rId5"/>
+            <a:stretch>
+              <a:fillRect/>
+            </a:stretch>
+          </a:blipFill>
+        </p:spPr>
+        <p:style>
+          <a:lnRef idx="2">
+            <a:schemeClr val="accent1">
+              <a:shade val="50000"/>
+            </a:schemeClr>
+          </a:lnRef>
+          <a:fillRef idx="1">
+            <a:schemeClr val="accent1"/>
+          </a:fillRef>
+          <a:effectRef idx="0">
+            <a:schemeClr val="accent1"/>
+          </a:effectRef>
+          <a:fontRef idx="minor">
+            <a:schemeClr val="lt1"/>
+          </a:fontRef>
+        </p:style>
+        <p:txBody>
+          <a:bodyPr rtlCol="0" anchor="ctr"/>
+          <a:lstStyle/>
+          <a:p>
+            <a:pPr algn="ctr"/>
+            <a:endParaRPr lang="ko-KR" altLang="en-US"/>
           </a:p>
         </p:txBody>
       </p:sp>
@@ -22562,7 +23784,7 @@
           <a:p>
             <a:pPr lvl="0"/>
             <a:r>
-              <a:rPr kumimoji="0" lang="en-US" altLang="ko-KR" sz="1600" b="0" i="0" u="none" strike="noStrike" kern="1200" cap="none" spc="0" normalizeH="0" baseline="0" noProof="0" dirty="0">
+              <a:rPr kumimoji="0" lang="en-US" altLang="ko-KR" sz="1600" i="0" u="none" strike="noStrike" kern="1200" cap="none" spc="0" normalizeH="0" baseline="0" noProof="0" dirty="0">
                 <a:ln>
                   <a:noFill/>
                 </a:ln>
@@ -22578,7 +23800,7 @@
               <a:t>2019</a:t>
             </a:r>
             <a:r>
-              <a:rPr kumimoji="0" lang="ko-KR" altLang="en-US" sz="1600" b="0" i="0" u="none" strike="noStrike" kern="1200" cap="none" spc="0" normalizeH="0" baseline="0" noProof="0" dirty="0">
+              <a:rPr kumimoji="0" lang="ko-KR" altLang="en-US" sz="1600" i="0" u="none" strike="noStrike" kern="1200" cap="none" spc="0" normalizeH="0" baseline="0" noProof="0" dirty="0">
                 <a:ln>
                   <a:noFill/>
                 </a:ln>
@@ -22594,7 +23816,7 @@
               <a:t>년 주간 평균 게임시간</a:t>
             </a:r>
             <a:r>
-              <a:rPr kumimoji="0" lang="en-US" altLang="ko-KR" sz="1600" b="0" i="0" u="none" strike="noStrike" kern="1200" cap="none" spc="0" normalizeH="0" baseline="0" noProof="0" dirty="0">
+              <a:rPr kumimoji="0" lang="en-US" altLang="ko-KR" sz="1600" i="0" u="none" strike="noStrike" kern="1200" cap="none" spc="0" normalizeH="0" baseline="0" noProof="0" dirty="0">
                 <a:ln>
                   <a:noFill/>
                 </a:ln>
@@ -22607,10 +23829,10 @@
                 <a:latin typeface="+mn-ea"/>
                 <a:cs typeface="Aharoni" panose="02010803020104030203" pitchFamily="2" charset="-79"/>
               </a:rPr>
-              <a:t>: </a:t>
-            </a:r>
-            <a:r>
-              <a:rPr kumimoji="0" lang="en-US" altLang="ko-KR" sz="1600" b="1" i="0" u="none" strike="noStrike" kern="1200" cap="none" spc="0" normalizeH="0" baseline="0" noProof="0" dirty="0">
+              <a:t>: 6~7</a:t>
+            </a:r>
+            <a:r>
+              <a:rPr kumimoji="0" lang="ko-KR" altLang="en-US" sz="1600" i="0" u="none" strike="noStrike" kern="1200" cap="none" spc="0" normalizeH="0" baseline="0" noProof="0" dirty="0">
                 <a:ln>
                   <a:noFill/>
                 </a:ln>
@@ -22623,10 +23845,10 @@
                 <a:latin typeface="+mn-ea"/>
                 <a:cs typeface="Aharoni" panose="02010803020104030203" pitchFamily="2" charset="-79"/>
               </a:rPr>
-              <a:t>6~7</a:t>
-            </a:r>
-            <a:r>
-              <a:rPr kumimoji="0" lang="ko-KR" altLang="en-US" sz="1600" b="1" i="0" u="none" strike="noStrike" kern="1200" cap="none" spc="0" normalizeH="0" baseline="0" noProof="0" dirty="0">
+              <a:t>시간</a:t>
+            </a:r>
+            <a:r>
+              <a:rPr kumimoji="0" lang="en-US" altLang="ko-KR" sz="1600" i="0" u="none" strike="noStrike" kern="1200" cap="none" spc="0" normalizeH="0" baseline="0" noProof="0" dirty="0">
                 <a:ln>
                   <a:noFill/>
                 </a:ln>
@@ -22639,10 +23861,10 @@
                 <a:latin typeface="+mn-ea"/>
                 <a:cs typeface="Aharoni" panose="02010803020104030203" pitchFamily="2" charset="-79"/>
               </a:rPr>
-              <a:t>시간</a:t>
-            </a:r>
-            <a:r>
-              <a:rPr kumimoji="0" lang="en-US" altLang="ko-KR" sz="1600" b="0" i="0" u="none" strike="noStrike" kern="1200" cap="none" spc="0" normalizeH="0" baseline="0" noProof="0" dirty="0">
+              <a:t>, </a:t>
+            </a:r>
+            <a:r>
+              <a:rPr kumimoji="0" lang="ko-KR" altLang="en-US" sz="1600" i="0" u="none" strike="noStrike" kern="1200" cap="none" spc="0" normalizeH="0" baseline="0" noProof="0" dirty="0">
                 <a:ln>
                   <a:noFill/>
                 </a:ln>
@@ -22655,10 +23877,37 @@
                 <a:latin typeface="+mn-ea"/>
                 <a:cs typeface="Aharoni" panose="02010803020104030203" pitchFamily="2" charset="-79"/>
               </a:rPr>
-              <a:t>, </a:t>
-            </a:r>
-            <a:r>
-              <a:rPr kumimoji="0" lang="ko-KR" altLang="en-US" sz="1600" b="0" i="0" u="none" strike="noStrike" kern="1200" cap="none" spc="0" normalizeH="0" baseline="0" noProof="0" dirty="0">
+              <a:t>게임 장르별 이용현황에선 </a:t>
+            </a:r>
+            <a:r>
+              <a:rPr lang="ko-KR" altLang="en-US" sz="1600" dirty="0">
+                <a:latin typeface="+mn-ea"/>
+                <a:cs typeface="Aharoni" panose="02010803020104030203" pitchFamily="2" charset="-79"/>
+              </a:rPr>
+              <a:t>캐주얼 게임의 이용 비중이 압도적으로 높게 나타남</a:t>
+            </a:r>
+            <a:r>
+              <a:rPr lang="en-US" altLang="ko-KR" sz="1600" dirty="0">
+                <a:latin typeface="+mn-ea"/>
+                <a:cs typeface="Aharoni" panose="02010803020104030203" pitchFamily="2" charset="-79"/>
+              </a:rPr>
+              <a:t>.</a:t>
+            </a:r>
+          </a:p>
+          <a:p>
+            <a:pPr lvl="0"/>
+            <a:r>
+              <a:rPr lang="ko-KR" altLang="en-US" sz="1600" dirty="0">
+                <a:solidFill>
+                  <a:srgbClr val="FFFFFF"/>
+                </a:solidFill>
+                <a:latin typeface="+mn-ea"/>
+                <a:cs typeface="Aharoni" panose="02010803020104030203" pitchFamily="2" charset="-79"/>
+              </a:rPr>
+              <a:t>유저들이 </a:t>
+            </a:r>
+            <a:r>
+              <a:rPr kumimoji="0" lang="ko-KR" altLang="en-US" sz="1600" i="0" u="none" strike="noStrike" kern="1200" cap="none" spc="0" normalizeH="0" baseline="0" noProof="0" dirty="0">
                 <a:ln>
                   <a:noFill/>
                 </a:ln>
@@ -22671,25 +23920,8 @@
                 <a:latin typeface="+mn-ea"/>
                 <a:cs typeface="Aharoni" panose="02010803020104030203" pitchFamily="2" charset="-79"/>
               </a:rPr>
-              <a:t>게임 장르별 이용현황에선 </a:t>
-            </a:r>
-            <a:r>
-              <a:rPr lang="ko-KR" altLang="en-US" sz="1600" b="1" dirty="0">
-                <a:latin typeface="+mn-ea"/>
-                <a:cs typeface="Aharoni" panose="02010803020104030203" pitchFamily="2" charset="-79"/>
-              </a:rPr>
-              <a:t>캐주얼 게임의 이용 비중이 압도적으로 높게 나타남</a:t>
-            </a:r>
-            <a:r>
-              <a:rPr lang="en-US" altLang="ko-KR" sz="1600" dirty="0">
-                <a:latin typeface="+mn-ea"/>
-                <a:cs typeface="Aharoni" panose="02010803020104030203" pitchFamily="2" charset="-79"/>
-              </a:rPr>
-              <a:t>.</a:t>
-            </a:r>
-          </a:p>
-          <a:p>
-            <a:pPr lvl="0"/>
+              <a:t>짧은 </a:t>
+            </a:r>
             <a:r>
               <a:rPr lang="ko-KR" altLang="en-US" sz="1600" dirty="0">
                 <a:solidFill>
@@ -22698,33 +23930,7 @@
                 <a:latin typeface="+mn-ea"/>
                 <a:cs typeface="Aharoni" panose="02010803020104030203" pitchFamily="2" charset="-79"/>
               </a:rPr>
-              <a:t>유저들은 </a:t>
-            </a:r>
-            <a:r>
-              <a:rPr kumimoji="0" lang="ko-KR" altLang="en-US" sz="1600" b="0" i="0" u="none" strike="noStrike" kern="1200" cap="none" spc="0" normalizeH="0" baseline="0" noProof="0" dirty="0">
-                <a:ln>
-                  <a:noFill/>
-                </a:ln>
-                <a:solidFill>
-                  <a:srgbClr val="FFFFFF"/>
-                </a:solidFill>
-                <a:effectLst/>
-                <a:uLnTx/>
-                <a:uFillTx/>
-                <a:latin typeface="+mn-ea"/>
-                <a:cs typeface="Aharoni" panose="02010803020104030203" pitchFamily="2" charset="-79"/>
-              </a:rPr>
-              <a:t>많지 않은</a:t>
-            </a:r>
-            <a:r>
-              <a:rPr lang="ko-KR" altLang="en-US" sz="1600" dirty="0">
-                <a:solidFill>
-                  <a:srgbClr val="FFFFFF"/>
-                </a:solidFill>
-                <a:latin typeface="+mn-ea"/>
-                <a:cs typeface="Aharoni" panose="02010803020104030203" pitchFamily="2" charset="-79"/>
-              </a:rPr>
-              <a:t> 시간동안 조금이라도 더 플레이할 수 있고 접근이 용이한 게임을 원한다고 판단하여</a:t>
+              <a:t>시간동안 조금이라도 더 플레이할 수 있고 쉽게 접근 할 수 있는 캐주얼 게임이 필요하다 판단하여</a:t>
             </a:r>
             <a:endParaRPr lang="en-US" altLang="ko-KR" sz="1600" dirty="0">
               <a:solidFill>
@@ -22736,46 +23942,11 @@
           </a:p>
           <a:p>
             <a:r>
-              <a:rPr lang="ko-KR" altLang="en-US" sz="1600" b="1" dirty="0">
-                <a:latin typeface="+mn-ea"/>
-                <a:cs typeface="Aharoni" panose="02010803020104030203" pitchFamily="2" charset="-79"/>
-              </a:rPr>
-              <a:t>플레이타임이 짧고</a:t>
-            </a:r>
-            <a:r>
               <a:rPr lang="ko-KR" altLang="en-US" sz="1600" dirty="0">
                 <a:latin typeface="+mn-ea"/>
                 <a:cs typeface="Aharoni" panose="02010803020104030203" pitchFamily="2" charset="-79"/>
               </a:rPr>
-              <a:t> 다른 것에 신경 쓰지않고 </a:t>
-            </a:r>
-            <a:r>
-              <a:rPr lang="ko-KR" altLang="en-US" sz="1600" b="1" dirty="0">
-                <a:latin typeface="+mn-ea"/>
-                <a:cs typeface="Aharoni" panose="02010803020104030203" pitchFamily="2" charset="-79"/>
-              </a:rPr>
-              <a:t>속도감과 레이스를</a:t>
-            </a:r>
-            <a:r>
-              <a:rPr lang="ko-KR" altLang="en-US" sz="1600" dirty="0">
-                <a:latin typeface="+mn-ea"/>
-                <a:cs typeface="Aharoni" panose="02010803020104030203" pitchFamily="2" charset="-79"/>
-              </a:rPr>
-              <a:t> 즐길 수 있는 </a:t>
-            </a:r>
-            <a:r>
-              <a:rPr lang="ko-KR" altLang="en-US" sz="1600" b="1" dirty="0">
-                <a:latin typeface="+mn-ea"/>
-                <a:cs typeface="Aharoni" panose="02010803020104030203" pitchFamily="2" charset="-79"/>
-              </a:rPr>
-              <a:t>레이싱 게임</a:t>
-            </a:r>
-            <a:r>
-              <a:rPr lang="ko-KR" altLang="en-US" sz="1600" dirty="0">
-                <a:latin typeface="+mn-ea"/>
-                <a:cs typeface="Aharoni" panose="02010803020104030203" pitchFamily="2" charset="-79"/>
-              </a:rPr>
-              <a:t>으로 정했다</a:t>
+              <a:t>플레이타임이 짧고 다른 것에 신경 쓰지않고 속도감과 레이스를 즐길 수 있는 레이싱 게임으로 정했다</a:t>
             </a:r>
             <a:r>
               <a:rPr lang="en-US" altLang="ko-KR" sz="1600" dirty="0">
@@ -22879,7 +24050,7 @@
         </p:blipFill>
         <p:spPr>
           <a:xfrm>
-            <a:off x="3802788" y="3134349"/>
+            <a:off x="3822880" y="3693680"/>
             <a:ext cx="3969155" cy="2913516"/>
           </a:xfrm>
           <a:prstGeom prst="rect">
@@ -22910,7 +24081,7 @@
         <p:spPr>
           <a:xfrm>
             <a:off x="7969515" y="3693680"/>
-            <a:ext cx="4041510" cy="2882275"/>
+            <a:ext cx="4041510" cy="2913516"/>
           </a:xfrm>
           <a:prstGeom prst="rect">
             <a:avLst/>
@@ -22947,98 +24118,6 @@
           <a:chExt cx="0" cy="0"/>
         </a:xfrm>
       </p:grpSpPr>
-      <p:cxnSp>
-        <p:nvCxnSpPr>
-          <p:cNvPr id="73" name="연결선: 꺾임 72">
-            <a:extLst>
-              <a:ext uri="{FF2B5EF4-FFF2-40B4-BE49-F238E27FC236}">
-                <a16:creationId xmlns:a16="http://schemas.microsoft.com/office/drawing/2014/main" id="{00AA4975-2D8C-4D59-97C7-406539283550}"/>
-              </a:ext>
-            </a:extLst>
-          </p:cNvPr>
-          <p:cNvCxnSpPr>
-            <a:cxnSpLocks/>
-            <a:endCxn id="9" idx="3"/>
-          </p:cNvCxnSpPr>
-          <p:nvPr/>
-        </p:nvCxnSpPr>
-        <p:spPr>
-          <a:xfrm rot="5400000">
-            <a:off x="4812381" y="2620942"/>
-            <a:ext cx="1418633" cy="444878"/>
-          </a:xfrm>
-          <a:prstGeom prst="bentConnector2">
-            <a:avLst/>
-          </a:prstGeom>
-          <a:ln w="38100">
-            <a:solidFill>
-              <a:srgbClr val="7030A0"/>
-            </a:solidFill>
-            <a:tailEnd type="triangle"/>
-          </a:ln>
-        </p:spPr>
-        <p:style>
-          <a:lnRef idx="1">
-            <a:schemeClr val="accent1"/>
-          </a:lnRef>
-          <a:fillRef idx="0">
-            <a:schemeClr val="accent1"/>
-          </a:fillRef>
-          <a:effectRef idx="0">
-            <a:schemeClr val="accent1"/>
-          </a:effectRef>
-          <a:fontRef idx="minor">
-            <a:schemeClr val="tx1"/>
-          </a:fontRef>
-        </p:style>
-      </p:cxnSp>
-      <p:cxnSp>
-        <p:nvCxnSpPr>
-          <p:cNvPr id="103" name="연결선: 꺾임 102">
-            <a:extLst>
-              <a:ext uri="{FF2B5EF4-FFF2-40B4-BE49-F238E27FC236}">
-                <a16:creationId xmlns:a16="http://schemas.microsoft.com/office/drawing/2014/main" id="{9AF661CE-1E66-4C73-AFD5-DBE8D634AB2B}"/>
-              </a:ext>
-            </a:extLst>
-          </p:cNvPr>
-          <p:cNvCxnSpPr>
-            <a:cxnSpLocks/>
-            <a:stCxn id="102" idx="2"/>
-          </p:cNvCxnSpPr>
-          <p:nvPr/>
-        </p:nvCxnSpPr>
-        <p:spPr>
-          <a:xfrm rot="5400000" flipH="1">
-            <a:off x="5997906" y="3014208"/>
-            <a:ext cx="877223" cy="1952348"/>
-          </a:xfrm>
-          <a:prstGeom prst="bentConnector4">
-            <a:avLst>
-              <a:gd name="adj1" fmla="val -26060"/>
-              <a:gd name="adj2" fmla="val 85815"/>
-            </a:avLst>
-          </a:prstGeom>
-          <a:ln w="38100">
-            <a:solidFill>
-              <a:srgbClr val="7030A0"/>
-            </a:solidFill>
-          </a:ln>
-        </p:spPr>
-        <p:style>
-          <a:lnRef idx="1">
-            <a:schemeClr val="accent1"/>
-          </a:lnRef>
-          <a:fillRef idx="0">
-            <a:schemeClr val="accent1"/>
-          </a:fillRef>
-          <a:effectRef idx="0">
-            <a:schemeClr val="accent1"/>
-          </a:effectRef>
-          <a:fontRef idx="minor">
-            <a:schemeClr val="tx1"/>
-          </a:fontRef>
-        </p:style>
-      </p:cxnSp>
       <p:sp>
         <p:nvSpPr>
           <p:cNvPr id="6" name="직사각형 5">
@@ -23136,32 +24215,48 @@
                 <a:latin typeface="HY헤드라인M" panose="02030600000101010101" pitchFamily="18" charset="-127"/>
                 <a:ea typeface="HY헤드라인M" panose="02030600000101010101" pitchFamily="18" charset="-127"/>
               </a:rPr>
-              <a:t>게임 진행 </a:t>
-            </a:r>
-            <a:r>
-              <a:rPr lang="en-US" altLang="ko-KR" sz="2400" dirty="0">
-                <a:latin typeface="HY헤드라인M" panose="02030600000101010101" pitchFamily="18" charset="-127"/>
-                <a:ea typeface="HY헤드라인M" panose="02030600000101010101" pitchFamily="18" charset="-127"/>
-              </a:rPr>
-              <a:t>- </a:t>
-            </a:r>
-            <a:r>
-              <a:rPr lang="ko-KR" altLang="en-US" sz="2400" dirty="0">
-                <a:latin typeface="HY헤드라인M" panose="02030600000101010101" pitchFamily="18" charset="-127"/>
-                <a:ea typeface="HY헤드라인M" panose="02030600000101010101" pitchFamily="18" charset="-127"/>
-              </a:rPr>
-              <a:t>로직</a:t>
+              <a:t>게임 조작법</a:t>
             </a:r>
             <a:endParaRPr lang="ko-KR" altLang="en-US" sz="2400" dirty="0"/>
           </a:p>
         </p:txBody>
       </p:sp>
+      <p:pic>
+        <p:nvPicPr>
+          <p:cNvPr id="5" name="그림 4">
+            <a:extLst>
+              <a:ext uri="{FF2B5EF4-FFF2-40B4-BE49-F238E27FC236}">
+                <a16:creationId xmlns:a16="http://schemas.microsoft.com/office/drawing/2014/main" id="{16C14912-1030-4F59-8469-517741C78738}"/>
+              </a:ext>
+            </a:extLst>
+          </p:cNvPr>
+          <p:cNvPicPr>
+            <a:picLocks noChangeAspect="1"/>
+          </p:cNvPicPr>
+          <p:nvPr/>
+        </p:nvPicPr>
+        <p:blipFill>
+          <a:blip r:embed="rId2"/>
+          <a:stretch>
+            <a:fillRect/>
+          </a:stretch>
+        </p:blipFill>
+        <p:spPr>
+          <a:xfrm>
+            <a:off x="1419225" y="1543148"/>
+            <a:ext cx="8631085" cy="3260632"/>
+          </a:xfrm>
+          <a:prstGeom prst="rect">
+            <a:avLst/>
+          </a:prstGeom>
+        </p:spPr>
+      </p:pic>
       <p:sp>
         <p:nvSpPr>
-          <p:cNvPr id="2" name="직사각형 1">
+          <p:cNvPr id="33" name="직사각형 32">
             <a:extLst>
               <a:ext uri="{FF2B5EF4-FFF2-40B4-BE49-F238E27FC236}">
-                <a16:creationId xmlns:a16="http://schemas.microsoft.com/office/drawing/2014/main" id="{D84614F5-F88D-455A-A938-5611AF85CF9C}"/>
+                <a16:creationId xmlns:a16="http://schemas.microsoft.com/office/drawing/2014/main" id="{19AB2234-2F3D-46AE-B30D-EF7A8FFD7CF3}"/>
               </a:ext>
             </a:extLst>
           </p:cNvPr>
@@ -23170,12 +24265,19 @@
         </p:nvSpPr>
         <p:spPr>
           <a:xfrm>
-            <a:off x="2178420" y="2979392"/>
-            <a:ext cx="968188" cy="646331"/>
+            <a:off x="1419225" y="4925107"/>
+            <a:ext cx="8631085" cy="1155182"/>
           </a:xfrm>
           <a:prstGeom prst="rect">
             <a:avLst/>
           </a:prstGeom>
+          <a:ln w="38100">
+            <a:solidFill>
+              <a:schemeClr val="tx1">
+                <a:lumMod val="85000"/>
+              </a:schemeClr>
+            </a:solidFill>
+          </a:ln>
         </p:spPr>
         <p:style>
           <a:lnRef idx="2">
@@ -23199,1212 +24301,65 @@
           <a:p>
             <a:pPr algn="ctr"/>
             <a:r>
-              <a:rPr lang="ko-KR" altLang="en-US" dirty="0"/>
-              <a:t>타이틀</a:t>
-            </a:r>
-          </a:p>
-        </p:txBody>
-      </p:sp>
-      <p:sp>
-        <p:nvSpPr>
-          <p:cNvPr id="4" name="직사각형 3">
-            <a:extLst>
-              <a:ext uri="{FF2B5EF4-FFF2-40B4-BE49-F238E27FC236}">
-                <a16:creationId xmlns:a16="http://schemas.microsoft.com/office/drawing/2014/main" id="{F938F74F-999A-470D-87E3-9B70F49F26C1}"/>
-              </a:ext>
-            </a:extLst>
-          </p:cNvPr>
-          <p:cNvSpPr/>
-          <p:nvPr/>
-        </p:nvSpPr>
-        <p:spPr>
-          <a:xfrm>
-            <a:off x="2178421" y="3625723"/>
-            <a:ext cx="968188" cy="236694"/>
-          </a:xfrm>
-          <a:prstGeom prst="rect">
-            <a:avLst/>
-          </a:prstGeom>
-          <a:solidFill>
-            <a:schemeClr val="tx1">
-              <a:lumMod val="85000"/>
-            </a:schemeClr>
-          </a:solidFill>
-        </p:spPr>
-        <p:style>
-          <a:lnRef idx="2">
-            <a:schemeClr val="accent1">
-              <a:shade val="50000"/>
-            </a:schemeClr>
-          </a:lnRef>
-          <a:fillRef idx="1">
-            <a:schemeClr val="accent1"/>
-          </a:fillRef>
-          <a:effectRef idx="0">
-            <a:schemeClr val="accent1"/>
-          </a:effectRef>
-          <a:fontRef idx="minor">
-            <a:schemeClr val="lt1"/>
-          </a:fontRef>
-        </p:style>
-        <p:txBody>
-          <a:bodyPr rtlCol="0" anchor="ctr"/>
-          <a:lstStyle/>
+              <a:rPr lang="ko-KR" altLang="en-US" dirty="0">
+                <a:latin typeface="HY헤드라인M" panose="02030600000101010101" pitchFamily="18" charset="-127"/>
+                <a:ea typeface="HY헤드라인M" panose="02030600000101010101" pitchFamily="18" charset="-127"/>
+              </a:rPr>
+              <a:t> 방향키 </a:t>
+            </a:r>
+            <a:r>
+              <a:rPr lang="en-US" altLang="ko-KR" dirty="0">
+                <a:latin typeface="HY헤드라인M" panose="02030600000101010101" pitchFamily="18" charset="-127"/>
+                <a:ea typeface="HY헤드라인M" panose="02030600000101010101" pitchFamily="18" charset="-127"/>
+              </a:rPr>
+              <a:t>– </a:t>
+            </a:r>
+            <a:r>
+              <a:rPr lang="ko-KR" altLang="en-US" dirty="0">
+                <a:latin typeface="HY헤드라인M" panose="02030600000101010101" pitchFamily="18" charset="-127"/>
+                <a:ea typeface="HY헤드라인M" panose="02030600000101010101" pitchFamily="18" charset="-127"/>
+              </a:rPr>
+              <a:t>이동</a:t>
+            </a:r>
+            <a:endParaRPr lang="en-US" altLang="ko-KR" dirty="0">
+              <a:latin typeface="HY헤드라인M" panose="02030600000101010101" pitchFamily="18" charset="-127"/>
+              <a:ea typeface="HY헤드라인M" panose="02030600000101010101" pitchFamily="18" charset="-127"/>
+            </a:endParaRPr>
+          </a:p>
           <a:p>
             <a:pPr algn="ctr"/>
+            <a:endParaRPr lang="en-US" altLang="ko-KR" dirty="0">
+              <a:latin typeface="HY헤드라인M" panose="02030600000101010101" pitchFamily="18" charset="-127"/>
+              <a:ea typeface="HY헤드라인M" panose="02030600000101010101" pitchFamily="18" charset="-127"/>
+            </a:endParaRPr>
+          </a:p>
+          <a:p>
+            <a:pPr algn="ctr"/>
+            <a:r>
+              <a:rPr lang="en-US" altLang="ko-KR" dirty="0">
+                <a:latin typeface="HY헤드라인M" panose="02030600000101010101" pitchFamily="18" charset="-127"/>
+                <a:ea typeface="HY헤드라인M" panose="02030600000101010101" pitchFamily="18" charset="-127"/>
+              </a:rPr>
+              <a:t> A – </a:t>
+            </a:r>
             <a:r>
               <a:rPr lang="ko-KR" altLang="en-US" dirty="0">
-                <a:solidFill>
-                  <a:sysClr val="windowText" lastClr="000000"/>
-                </a:solidFill>
-              </a:rPr>
-              <a:t>로그인</a:t>
-            </a:r>
-          </a:p>
-        </p:txBody>
-      </p:sp>
-      <p:sp>
-        <p:nvSpPr>
-          <p:cNvPr id="8" name="직사각형 7">
-            <a:extLst>
-              <a:ext uri="{FF2B5EF4-FFF2-40B4-BE49-F238E27FC236}">
-                <a16:creationId xmlns:a16="http://schemas.microsoft.com/office/drawing/2014/main" id="{5247BBEB-6016-4D40-91FE-176C76C64B64}"/>
-              </a:ext>
-            </a:extLst>
-          </p:cNvPr>
-          <p:cNvSpPr/>
-          <p:nvPr/>
-        </p:nvSpPr>
-        <p:spPr>
-          <a:xfrm>
-            <a:off x="2178420" y="3875863"/>
-            <a:ext cx="968188" cy="236694"/>
-          </a:xfrm>
-          <a:prstGeom prst="rect">
-            <a:avLst/>
-          </a:prstGeom>
-          <a:solidFill>
-            <a:schemeClr val="tx1">
-              <a:lumMod val="85000"/>
-            </a:schemeClr>
-          </a:solidFill>
-        </p:spPr>
-        <p:style>
-          <a:lnRef idx="2">
-            <a:schemeClr val="accent1">
-              <a:shade val="50000"/>
-            </a:schemeClr>
-          </a:lnRef>
-          <a:fillRef idx="1">
-            <a:schemeClr val="accent1"/>
-          </a:fillRef>
-          <a:effectRef idx="0">
-            <a:schemeClr val="accent1"/>
-          </a:effectRef>
-          <a:fontRef idx="minor">
-            <a:schemeClr val="lt1"/>
-          </a:fontRef>
-        </p:style>
-        <p:txBody>
-          <a:bodyPr rtlCol="0" anchor="ctr"/>
-          <a:lstStyle/>
-          <a:p>
-            <a:pPr algn="ctr"/>
-            <a:r>
-              <a:rPr lang="ko-KR" altLang="en-US" dirty="0">
-                <a:solidFill>
-                  <a:sysClr val="windowText" lastClr="000000"/>
-                </a:solidFill>
-              </a:rPr>
-              <a:t>종료</a:t>
-            </a:r>
-          </a:p>
-        </p:txBody>
-      </p:sp>
-      <p:sp>
-        <p:nvSpPr>
-          <p:cNvPr id="9" name="직사각형 8">
-            <a:extLst>
-              <a:ext uri="{FF2B5EF4-FFF2-40B4-BE49-F238E27FC236}">
-                <a16:creationId xmlns:a16="http://schemas.microsoft.com/office/drawing/2014/main" id="{00FFA73E-1FE6-4DCE-BC28-DE815A462507}"/>
-              </a:ext>
-            </a:extLst>
-          </p:cNvPr>
-          <p:cNvSpPr/>
-          <p:nvPr/>
-        </p:nvSpPr>
-        <p:spPr>
-          <a:xfrm>
-            <a:off x="4331070" y="3229532"/>
-            <a:ext cx="968188" cy="646331"/>
-          </a:xfrm>
-          <a:prstGeom prst="rect">
-            <a:avLst/>
-          </a:prstGeom>
-        </p:spPr>
-        <p:style>
-          <a:lnRef idx="2">
-            <a:schemeClr val="accent1">
-              <a:shade val="50000"/>
-            </a:schemeClr>
-          </a:lnRef>
-          <a:fillRef idx="1">
-            <a:schemeClr val="accent1"/>
-          </a:fillRef>
-          <a:effectRef idx="0">
-            <a:schemeClr val="accent1"/>
-          </a:effectRef>
-          <a:fontRef idx="minor">
-            <a:schemeClr val="lt1"/>
-          </a:fontRef>
-        </p:style>
-        <p:txBody>
-          <a:bodyPr rtlCol="0" anchor="ctr"/>
-          <a:lstStyle/>
-          <a:p>
-            <a:pPr algn="ctr"/>
-            <a:r>
-              <a:rPr lang="ko-KR" altLang="en-US" dirty="0"/>
-              <a:t>로비</a:t>
-            </a:r>
-          </a:p>
-        </p:txBody>
-      </p:sp>
-      <p:sp>
-        <p:nvSpPr>
-          <p:cNvPr id="10" name="직사각형 9">
-            <a:extLst>
-              <a:ext uri="{FF2B5EF4-FFF2-40B4-BE49-F238E27FC236}">
-                <a16:creationId xmlns:a16="http://schemas.microsoft.com/office/drawing/2014/main" id="{6CB981B6-8664-43EC-9ADE-9945A5A53E4A}"/>
-              </a:ext>
-            </a:extLst>
-          </p:cNvPr>
-          <p:cNvSpPr/>
-          <p:nvPr/>
-        </p:nvSpPr>
-        <p:spPr>
-          <a:xfrm>
-            <a:off x="4331070" y="3891542"/>
-            <a:ext cx="968188" cy="263587"/>
-          </a:xfrm>
-          <a:prstGeom prst="rect">
-            <a:avLst/>
-          </a:prstGeom>
-          <a:solidFill>
-            <a:schemeClr val="tx1">
-              <a:lumMod val="85000"/>
-            </a:schemeClr>
-          </a:solidFill>
-        </p:spPr>
-        <p:style>
-          <a:lnRef idx="2">
-            <a:schemeClr val="accent1">
-              <a:shade val="50000"/>
-            </a:schemeClr>
-          </a:lnRef>
-          <a:fillRef idx="1">
-            <a:schemeClr val="accent1"/>
-          </a:fillRef>
-          <a:effectRef idx="0">
-            <a:schemeClr val="accent1"/>
-          </a:effectRef>
-          <a:fontRef idx="minor">
-            <a:schemeClr val="lt1"/>
-          </a:fontRef>
-        </p:style>
-        <p:txBody>
-          <a:bodyPr rtlCol="0" anchor="ctr"/>
-          <a:lstStyle/>
-          <a:p>
-            <a:pPr algn="ctr"/>
-            <a:r>
-              <a:rPr lang="ko-KR" altLang="en-US" dirty="0">
-                <a:solidFill>
-                  <a:sysClr val="windowText" lastClr="000000"/>
-                </a:solidFill>
-              </a:rPr>
-              <a:t>방 생성</a:t>
-            </a:r>
-          </a:p>
-        </p:txBody>
-      </p:sp>
-      <p:sp>
-        <p:nvSpPr>
-          <p:cNvPr id="12" name="직사각형 11">
-            <a:extLst>
-              <a:ext uri="{FF2B5EF4-FFF2-40B4-BE49-F238E27FC236}">
-                <a16:creationId xmlns:a16="http://schemas.microsoft.com/office/drawing/2014/main" id="{901A0001-2E0B-42E1-BD7F-842DBFCD1754}"/>
-              </a:ext>
-            </a:extLst>
-          </p:cNvPr>
-          <p:cNvSpPr/>
-          <p:nvPr/>
-        </p:nvSpPr>
-        <p:spPr>
-          <a:xfrm>
-            <a:off x="4331070" y="2952497"/>
-            <a:ext cx="968188" cy="277035"/>
-          </a:xfrm>
-          <a:prstGeom prst="rect">
-            <a:avLst/>
-          </a:prstGeom>
-          <a:solidFill>
-            <a:schemeClr val="tx1">
-              <a:lumMod val="85000"/>
-            </a:schemeClr>
-          </a:solidFill>
-        </p:spPr>
-        <p:style>
-          <a:lnRef idx="2">
-            <a:schemeClr val="accent1">
-              <a:shade val="50000"/>
-            </a:schemeClr>
-          </a:lnRef>
-          <a:fillRef idx="1">
-            <a:schemeClr val="accent1"/>
-          </a:fillRef>
-          <a:effectRef idx="0">
-            <a:schemeClr val="accent1"/>
-          </a:effectRef>
-          <a:fontRef idx="minor">
-            <a:schemeClr val="lt1"/>
-          </a:fontRef>
-        </p:style>
-        <p:txBody>
-          <a:bodyPr rtlCol="0" anchor="ctr"/>
-          <a:lstStyle/>
-          <a:p>
-            <a:pPr algn="ctr"/>
-            <a:r>
-              <a:rPr lang="ko-KR" altLang="en-US" dirty="0">
-                <a:solidFill>
-                  <a:sysClr val="windowText" lastClr="000000"/>
-                </a:solidFill>
-              </a:rPr>
-              <a:t>방 선택</a:t>
-            </a:r>
-          </a:p>
-        </p:txBody>
-      </p:sp>
-      <p:sp>
-        <p:nvSpPr>
-          <p:cNvPr id="13" name="직사각형 12">
-            <a:extLst>
-              <a:ext uri="{FF2B5EF4-FFF2-40B4-BE49-F238E27FC236}">
-                <a16:creationId xmlns:a16="http://schemas.microsoft.com/office/drawing/2014/main" id="{C959FF58-0AC7-42C8-87AA-64353733BA71}"/>
-              </a:ext>
-            </a:extLst>
-          </p:cNvPr>
-          <p:cNvSpPr/>
-          <p:nvPr/>
-        </p:nvSpPr>
-        <p:spPr>
-          <a:xfrm>
-            <a:off x="6928598" y="3216083"/>
-            <a:ext cx="968188" cy="646331"/>
-          </a:xfrm>
-          <a:prstGeom prst="rect">
-            <a:avLst/>
-          </a:prstGeom>
-        </p:spPr>
-        <p:style>
-          <a:lnRef idx="2">
-            <a:schemeClr val="accent1">
-              <a:shade val="50000"/>
-            </a:schemeClr>
-          </a:lnRef>
-          <a:fillRef idx="1">
-            <a:schemeClr val="accent1"/>
-          </a:fillRef>
-          <a:effectRef idx="0">
-            <a:schemeClr val="accent1"/>
-          </a:effectRef>
-          <a:fontRef idx="minor">
-            <a:schemeClr val="lt1"/>
-          </a:fontRef>
-        </p:style>
-        <p:txBody>
-          <a:bodyPr rtlCol="0" anchor="ctr"/>
-          <a:lstStyle/>
-          <a:p>
-            <a:pPr algn="ctr"/>
-            <a:r>
-              <a:rPr lang="ko-KR" altLang="en-US" dirty="0"/>
-              <a:t>대기 방</a:t>
-            </a:r>
-          </a:p>
-        </p:txBody>
-      </p:sp>
-      <p:sp>
-        <p:nvSpPr>
-          <p:cNvPr id="16" name="직사각형 15">
-            <a:extLst>
-              <a:ext uri="{FF2B5EF4-FFF2-40B4-BE49-F238E27FC236}">
-                <a16:creationId xmlns:a16="http://schemas.microsoft.com/office/drawing/2014/main" id="{1D74CADB-1E05-4222-95BA-364D4719A1CC}"/>
-              </a:ext>
-            </a:extLst>
-          </p:cNvPr>
-          <p:cNvSpPr/>
-          <p:nvPr/>
-        </p:nvSpPr>
-        <p:spPr>
-          <a:xfrm>
-            <a:off x="9081248" y="3216085"/>
-            <a:ext cx="1550892" cy="646331"/>
-          </a:xfrm>
-          <a:prstGeom prst="rect">
-            <a:avLst/>
-          </a:prstGeom>
-        </p:spPr>
-        <p:style>
-          <a:lnRef idx="2">
-            <a:schemeClr val="accent1">
-              <a:shade val="50000"/>
-            </a:schemeClr>
-          </a:lnRef>
-          <a:fillRef idx="1">
-            <a:schemeClr val="accent1"/>
-          </a:fillRef>
-          <a:effectRef idx="0">
-            <a:schemeClr val="accent1"/>
-          </a:effectRef>
-          <a:fontRef idx="minor">
-            <a:schemeClr val="lt1"/>
-          </a:fontRef>
-        </p:style>
-        <p:txBody>
-          <a:bodyPr rtlCol="0" anchor="ctr"/>
-          <a:lstStyle/>
-          <a:p>
-            <a:pPr algn="ctr"/>
-            <a:r>
-              <a:rPr lang="ko-KR" altLang="en-US" dirty="0"/>
-              <a:t>게임 화면</a:t>
-            </a:r>
-          </a:p>
-        </p:txBody>
-      </p:sp>
-      <p:sp>
-        <p:nvSpPr>
-          <p:cNvPr id="19" name="직사각형 18">
-            <a:extLst>
-              <a:ext uri="{FF2B5EF4-FFF2-40B4-BE49-F238E27FC236}">
-                <a16:creationId xmlns:a16="http://schemas.microsoft.com/office/drawing/2014/main" id="{DD67C9F4-CEAD-4730-9E8A-93E7B8DC72CB}"/>
-              </a:ext>
-            </a:extLst>
-          </p:cNvPr>
-          <p:cNvSpPr/>
-          <p:nvPr/>
-        </p:nvSpPr>
-        <p:spPr>
-          <a:xfrm>
-            <a:off x="6928598" y="3889307"/>
-            <a:ext cx="968188" cy="263587"/>
-          </a:xfrm>
-          <a:prstGeom prst="rect">
-            <a:avLst/>
-          </a:prstGeom>
-          <a:solidFill>
-            <a:schemeClr val="tx1">
-              <a:lumMod val="85000"/>
-            </a:schemeClr>
-          </a:solidFill>
-        </p:spPr>
-        <p:style>
-          <a:lnRef idx="2">
-            <a:schemeClr val="accent1">
-              <a:shade val="50000"/>
-            </a:schemeClr>
-          </a:lnRef>
-          <a:fillRef idx="1">
-            <a:schemeClr val="accent1"/>
-          </a:fillRef>
-          <a:effectRef idx="0">
-            <a:schemeClr val="accent1"/>
-          </a:effectRef>
-          <a:fontRef idx="minor">
-            <a:schemeClr val="lt1"/>
-          </a:fontRef>
-        </p:style>
-        <p:txBody>
-          <a:bodyPr rtlCol="0" anchor="ctr"/>
-          <a:lstStyle/>
-          <a:p>
-            <a:pPr algn="ctr"/>
-            <a:r>
-              <a:rPr lang="ko-KR" altLang="en-US" dirty="0">
-                <a:solidFill>
-                  <a:sysClr val="windowText" lastClr="000000"/>
-                </a:solidFill>
-              </a:rPr>
-              <a:t>맵 선택</a:t>
-            </a:r>
-          </a:p>
-        </p:txBody>
-      </p:sp>
-      <p:cxnSp>
-        <p:nvCxnSpPr>
-          <p:cNvPr id="27" name="직선 화살표 연결선 26">
-            <a:extLst>
-              <a:ext uri="{FF2B5EF4-FFF2-40B4-BE49-F238E27FC236}">
-                <a16:creationId xmlns:a16="http://schemas.microsoft.com/office/drawing/2014/main" id="{C38311B0-C846-4DCB-88D9-DE4867BAB52E}"/>
-              </a:ext>
-            </a:extLst>
-          </p:cNvPr>
-          <p:cNvCxnSpPr>
-            <a:cxnSpLocks/>
-            <a:endCxn id="19" idx="1"/>
-          </p:cNvCxnSpPr>
-          <p:nvPr/>
-        </p:nvCxnSpPr>
-        <p:spPr>
-          <a:xfrm>
-            <a:off x="6051175" y="4021101"/>
-            <a:ext cx="877423" cy="0"/>
-          </a:xfrm>
-          <a:prstGeom prst="straightConnector1">
-            <a:avLst/>
-          </a:prstGeom>
-          <a:ln w="38100">
-            <a:solidFill>
-              <a:srgbClr val="FFFF00"/>
-            </a:solidFill>
-            <a:tailEnd type="triangle"/>
-          </a:ln>
-        </p:spPr>
-        <p:style>
-          <a:lnRef idx="1">
-            <a:schemeClr val="accent1"/>
-          </a:lnRef>
-          <a:fillRef idx="0">
-            <a:schemeClr val="accent1"/>
-          </a:fillRef>
-          <a:effectRef idx="0">
-            <a:schemeClr val="accent1"/>
-          </a:effectRef>
-          <a:fontRef idx="minor">
-            <a:schemeClr val="tx1"/>
-          </a:fontRef>
-        </p:style>
-      </p:cxnSp>
-      <p:cxnSp>
-        <p:nvCxnSpPr>
-          <p:cNvPr id="40" name="연결선: 꺾임 39">
-            <a:extLst>
-              <a:ext uri="{FF2B5EF4-FFF2-40B4-BE49-F238E27FC236}">
-                <a16:creationId xmlns:a16="http://schemas.microsoft.com/office/drawing/2014/main" id="{F7A9509C-B353-4ED4-824A-7024A98CADBD}"/>
-              </a:ext>
-            </a:extLst>
-          </p:cNvPr>
-          <p:cNvCxnSpPr>
-            <a:cxnSpLocks/>
-            <a:stCxn id="4" idx="3"/>
-            <a:endCxn id="9" idx="1"/>
-          </p:cNvCxnSpPr>
-          <p:nvPr/>
-        </p:nvCxnSpPr>
-        <p:spPr>
-          <a:xfrm flipV="1">
-            <a:off x="3146609" y="3552698"/>
-            <a:ext cx="1184461" cy="191372"/>
-          </a:xfrm>
-          <a:prstGeom prst="bentConnector3">
-            <a:avLst>
-              <a:gd name="adj1" fmla="val 50000"/>
-            </a:avLst>
-          </a:prstGeom>
-          <a:ln w="38100">
-            <a:solidFill>
-              <a:srgbClr val="FFFF00"/>
-            </a:solidFill>
-            <a:tailEnd type="triangle"/>
-          </a:ln>
-        </p:spPr>
-        <p:style>
-          <a:lnRef idx="1">
-            <a:schemeClr val="accent1"/>
-          </a:lnRef>
-          <a:fillRef idx="0">
-            <a:schemeClr val="accent1"/>
-          </a:fillRef>
-          <a:effectRef idx="0">
-            <a:schemeClr val="accent1"/>
-          </a:effectRef>
-          <a:fontRef idx="minor">
-            <a:schemeClr val="tx1"/>
-          </a:fontRef>
-        </p:style>
-      </p:cxnSp>
-      <p:sp>
-        <p:nvSpPr>
-          <p:cNvPr id="43" name="직사각형 42">
-            <a:extLst>
-              <a:ext uri="{FF2B5EF4-FFF2-40B4-BE49-F238E27FC236}">
-                <a16:creationId xmlns:a16="http://schemas.microsoft.com/office/drawing/2014/main" id="{7E271A6B-DBF2-48D1-951D-654E93F893AA}"/>
-              </a:ext>
-            </a:extLst>
-          </p:cNvPr>
-          <p:cNvSpPr/>
-          <p:nvPr/>
-        </p:nvSpPr>
-        <p:spPr>
-          <a:xfrm>
-            <a:off x="4331070" y="4165406"/>
-            <a:ext cx="968188" cy="236694"/>
-          </a:xfrm>
-          <a:prstGeom prst="rect">
-            <a:avLst/>
-          </a:prstGeom>
-          <a:solidFill>
-            <a:schemeClr val="tx1">
-              <a:lumMod val="85000"/>
-            </a:schemeClr>
-          </a:solidFill>
-        </p:spPr>
-        <p:style>
-          <a:lnRef idx="2">
-            <a:schemeClr val="accent1">
-              <a:shade val="50000"/>
-            </a:schemeClr>
-          </a:lnRef>
-          <a:fillRef idx="1">
-            <a:schemeClr val="accent1"/>
-          </a:fillRef>
-          <a:effectRef idx="0">
-            <a:schemeClr val="accent1"/>
-          </a:effectRef>
-          <a:fontRef idx="minor">
-            <a:schemeClr val="lt1"/>
-          </a:fontRef>
-        </p:style>
-        <p:txBody>
-          <a:bodyPr rtlCol="0" anchor="ctr"/>
-          <a:lstStyle/>
-          <a:p>
-            <a:pPr algn="ctr"/>
-            <a:r>
-              <a:rPr lang="ko-KR" altLang="en-US" dirty="0">
-                <a:solidFill>
-                  <a:sysClr val="windowText" lastClr="000000"/>
-                </a:solidFill>
-              </a:rPr>
-              <a:t>종료</a:t>
-            </a:r>
-          </a:p>
-        </p:txBody>
-      </p:sp>
-      <p:sp>
-        <p:nvSpPr>
-          <p:cNvPr id="44" name="직사각형 43">
-            <a:extLst>
-              <a:ext uri="{FF2B5EF4-FFF2-40B4-BE49-F238E27FC236}">
-                <a16:creationId xmlns:a16="http://schemas.microsoft.com/office/drawing/2014/main" id="{564B1A15-71DD-49CE-9572-5310E304AC0E}"/>
-              </a:ext>
-            </a:extLst>
-          </p:cNvPr>
-          <p:cNvSpPr/>
-          <p:nvPr/>
-        </p:nvSpPr>
-        <p:spPr>
-          <a:xfrm>
-            <a:off x="2178420" y="5478594"/>
-            <a:ext cx="968188" cy="646331"/>
-          </a:xfrm>
-          <a:prstGeom prst="rect">
-            <a:avLst/>
-          </a:prstGeom>
-        </p:spPr>
-        <p:style>
-          <a:lnRef idx="2">
-            <a:schemeClr val="accent1">
-              <a:shade val="50000"/>
-            </a:schemeClr>
-          </a:lnRef>
-          <a:fillRef idx="1">
-            <a:schemeClr val="accent1"/>
-          </a:fillRef>
-          <a:effectRef idx="0">
-            <a:schemeClr val="accent1"/>
-          </a:effectRef>
-          <a:fontRef idx="minor">
-            <a:schemeClr val="lt1"/>
-          </a:fontRef>
-        </p:style>
-        <p:txBody>
-          <a:bodyPr rtlCol="0" anchor="ctr"/>
-          <a:lstStyle/>
-          <a:p>
-            <a:pPr algn="ctr"/>
-            <a:r>
-              <a:rPr lang="ko-KR" altLang="en-US" dirty="0"/>
-              <a:t>종료</a:t>
-            </a:r>
-          </a:p>
-        </p:txBody>
-      </p:sp>
-      <p:cxnSp>
-        <p:nvCxnSpPr>
-          <p:cNvPr id="45" name="연결선: 꺾임 44">
-            <a:extLst>
-              <a:ext uri="{FF2B5EF4-FFF2-40B4-BE49-F238E27FC236}">
-                <a16:creationId xmlns:a16="http://schemas.microsoft.com/office/drawing/2014/main" id="{1812F883-751F-4159-BD05-2B715514FC10}"/>
-              </a:ext>
-            </a:extLst>
-          </p:cNvPr>
-          <p:cNvCxnSpPr>
-            <a:cxnSpLocks/>
-            <a:stCxn id="8" idx="3"/>
-            <a:endCxn id="44" idx="3"/>
-          </p:cNvCxnSpPr>
-          <p:nvPr/>
-        </p:nvCxnSpPr>
-        <p:spPr>
-          <a:xfrm>
-            <a:off x="3146608" y="3994210"/>
-            <a:ext cx="12700" cy="1807550"/>
-          </a:xfrm>
-          <a:prstGeom prst="bentConnector3">
-            <a:avLst>
-              <a:gd name="adj1" fmla="val 4623520"/>
-            </a:avLst>
-          </a:prstGeom>
-          <a:ln w="38100">
-            <a:solidFill>
-              <a:srgbClr val="7030A0"/>
-            </a:solidFill>
-            <a:tailEnd type="triangle"/>
-          </a:ln>
-        </p:spPr>
-        <p:style>
-          <a:lnRef idx="1">
-            <a:schemeClr val="accent1"/>
-          </a:lnRef>
-          <a:fillRef idx="0">
-            <a:schemeClr val="accent1"/>
-          </a:fillRef>
-          <a:effectRef idx="0">
-            <a:schemeClr val="accent1"/>
-          </a:effectRef>
-          <a:fontRef idx="minor">
-            <a:schemeClr val="tx1"/>
-          </a:fontRef>
-        </p:style>
-      </p:cxnSp>
-      <p:cxnSp>
-        <p:nvCxnSpPr>
-          <p:cNvPr id="53" name="직선 연결선 52">
-            <a:extLst>
-              <a:ext uri="{FF2B5EF4-FFF2-40B4-BE49-F238E27FC236}">
-                <a16:creationId xmlns:a16="http://schemas.microsoft.com/office/drawing/2014/main" id="{2FDB7714-2E1F-427D-ABA5-CBC55F9106CC}"/>
-              </a:ext>
-            </a:extLst>
-          </p:cNvPr>
-          <p:cNvCxnSpPr>
-            <a:cxnSpLocks/>
-            <a:stCxn id="43" idx="1"/>
-          </p:cNvCxnSpPr>
-          <p:nvPr/>
-        </p:nvCxnSpPr>
-        <p:spPr>
-          <a:xfrm flipH="1">
-            <a:off x="3738839" y="4283753"/>
-            <a:ext cx="592231" cy="0"/>
-          </a:xfrm>
-          <a:prstGeom prst="line">
-            <a:avLst/>
-          </a:prstGeom>
-          <a:ln w="38100">
-            <a:solidFill>
-              <a:srgbClr val="7030A0"/>
-            </a:solidFill>
-          </a:ln>
-        </p:spPr>
-        <p:style>
-          <a:lnRef idx="1">
-            <a:schemeClr val="accent1"/>
-          </a:lnRef>
-          <a:fillRef idx="0">
-            <a:schemeClr val="accent1"/>
-          </a:fillRef>
-          <a:effectRef idx="0">
-            <a:schemeClr val="accent1"/>
-          </a:effectRef>
-          <a:fontRef idx="minor">
-            <a:schemeClr val="tx1"/>
-          </a:fontRef>
-        </p:style>
-      </p:cxnSp>
-      <p:sp>
-        <p:nvSpPr>
-          <p:cNvPr id="61" name="직사각형 60">
-            <a:extLst>
-              <a:ext uri="{FF2B5EF4-FFF2-40B4-BE49-F238E27FC236}">
-                <a16:creationId xmlns:a16="http://schemas.microsoft.com/office/drawing/2014/main" id="{60F5BBB7-7357-411C-99CD-008ACCAF182A}"/>
-              </a:ext>
-            </a:extLst>
-          </p:cNvPr>
-          <p:cNvSpPr/>
-          <p:nvPr/>
-        </p:nvSpPr>
-        <p:spPr>
-          <a:xfrm>
-            <a:off x="6928598" y="2934136"/>
-            <a:ext cx="968188" cy="277035"/>
-          </a:xfrm>
-          <a:prstGeom prst="rect">
-            <a:avLst/>
-          </a:prstGeom>
-          <a:solidFill>
-            <a:schemeClr val="tx1">
-              <a:lumMod val="85000"/>
-            </a:schemeClr>
-          </a:solidFill>
-        </p:spPr>
-        <p:style>
-          <a:lnRef idx="2">
-            <a:schemeClr val="accent1">
-              <a:shade val="50000"/>
-            </a:schemeClr>
-          </a:lnRef>
-          <a:fillRef idx="1">
-            <a:schemeClr val="accent1"/>
-          </a:fillRef>
-          <a:effectRef idx="0">
-            <a:schemeClr val="accent1"/>
-          </a:effectRef>
-          <a:fontRef idx="minor">
-            <a:schemeClr val="lt1"/>
-          </a:fontRef>
-        </p:style>
-        <p:txBody>
-          <a:bodyPr rtlCol="0" anchor="ctr"/>
-          <a:lstStyle/>
-          <a:p>
-            <a:pPr algn="ctr"/>
-            <a:r>
-              <a:rPr lang="ko-KR" altLang="en-US" dirty="0">
-                <a:solidFill>
-                  <a:sysClr val="windowText" lastClr="000000"/>
-                </a:solidFill>
-              </a:rPr>
-              <a:t>준비</a:t>
-            </a:r>
-          </a:p>
-        </p:txBody>
-      </p:sp>
-      <p:cxnSp>
-        <p:nvCxnSpPr>
-          <p:cNvPr id="63" name="연결선: 꺾임 62">
-            <a:extLst>
-              <a:ext uri="{FF2B5EF4-FFF2-40B4-BE49-F238E27FC236}">
-                <a16:creationId xmlns:a16="http://schemas.microsoft.com/office/drawing/2014/main" id="{8DA2254A-ACFC-4476-BBF6-8583B104903F}"/>
-              </a:ext>
-            </a:extLst>
-          </p:cNvPr>
-          <p:cNvCxnSpPr>
-            <a:cxnSpLocks/>
-            <a:stCxn id="61" idx="3"/>
-            <a:endCxn id="16" idx="1"/>
-          </p:cNvCxnSpPr>
-          <p:nvPr/>
-        </p:nvCxnSpPr>
-        <p:spPr>
-          <a:xfrm>
-            <a:off x="7896786" y="3072654"/>
-            <a:ext cx="1184462" cy="466597"/>
-          </a:xfrm>
-          <a:prstGeom prst="bentConnector3">
-            <a:avLst>
-              <a:gd name="adj1" fmla="val 50000"/>
-            </a:avLst>
-          </a:prstGeom>
-          <a:ln w="38100">
-            <a:solidFill>
-              <a:srgbClr val="FFFF00"/>
-            </a:solidFill>
-            <a:tailEnd type="triangle"/>
-          </a:ln>
-        </p:spPr>
-        <p:style>
-          <a:lnRef idx="1">
-            <a:schemeClr val="accent1"/>
-          </a:lnRef>
-          <a:fillRef idx="0">
-            <a:schemeClr val="accent1"/>
-          </a:fillRef>
-          <a:effectRef idx="0">
-            <a:schemeClr val="accent1"/>
-          </a:effectRef>
-          <a:fontRef idx="minor">
-            <a:schemeClr val="tx1"/>
-          </a:fontRef>
-        </p:style>
-      </p:cxnSp>
-      <p:sp>
-        <p:nvSpPr>
-          <p:cNvPr id="67" name="TextBox 66">
-            <a:extLst>
-              <a:ext uri="{FF2B5EF4-FFF2-40B4-BE49-F238E27FC236}">
-                <a16:creationId xmlns:a16="http://schemas.microsoft.com/office/drawing/2014/main" id="{F39A3DBB-2E7B-4414-8E3D-0B58671B1344}"/>
-              </a:ext>
-            </a:extLst>
-          </p:cNvPr>
-          <p:cNvSpPr txBox="1"/>
-          <p:nvPr/>
-        </p:nvSpPr>
-        <p:spPr>
-          <a:xfrm>
-            <a:off x="6829707" y="2474491"/>
-            <a:ext cx="1165970" cy="461665"/>
-          </a:xfrm>
-          <a:prstGeom prst="rect">
-            <a:avLst/>
-          </a:prstGeom>
-          <a:noFill/>
-        </p:spPr>
-        <p:txBody>
-          <a:bodyPr wrap="square" rtlCol="0">
-            <a:spAutoFit/>
-          </a:bodyPr>
-          <a:lstStyle/>
-          <a:p>
-            <a:r>
-              <a:rPr lang="ko-KR" altLang="en-US" sz="1200" dirty="0"/>
-              <a:t>모든 참가자가 </a:t>
-            </a:r>
-            <a:endParaRPr lang="en-US" altLang="ko-KR" sz="1200" dirty="0"/>
-          </a:p>
-          <a:p>
-            <a:r>
-              <a:rPr lang="ko-KR" altLang="en-US" sz="1200" dirty="0"/>
-              <a:t>준비하면 시작</a:t>
-            </a:r>
-          </a:p>
-        </p:txBody>
-      </p:sp>
-      <p:cxnSp>
-        <p:nvCxnSpPr>
-          <p:cNvPr id="72" name="연결선: 꺾임 71">
-            <a:extLst>
-              <a:ext uri="{FF2B5EF4-FFF2-40B4-BE49-F238E27FC236}">
-                <a16:creationId xmlns:a16="http://schemas.microsoft.com/office/drawing/2014/main" id="{C18131A6-0C36-44EF-A06D-22F74AC214F6}"/>
-              </a:ext>
-            </a:extLst>
-          </p:cNvPr>
-          <p:cNvCxnSpPr>
-            <a:cxnSpLocks/>
-            <a:stCxn id="16" idx="0"/>
-          </p:cNvCxnSpPr>
-          <p:nvPr/>
-        </p:nvCxnSpPr>
-        <p:spPr>
-          <a:xfrm rot="16200000" flipV="1">
-            <a:off x="7267246" y="626636"/>
-            <a:ext cx="1066341" cy="4112557"/>
-          </a:xfrm>
-          <a:prstGeom prst="bentConnector2">
-            <a:avLst/>
-          </a:prstGeom>
-          <a:ln w="38100">
-            <a:solidFill>
-              <a:srgbClr val="7030A0"/>
-            </a:solidFill>
-          </a:ln>
-        </p:spPr>
-        <p:style>
-          <a:lnRef idx="1">
-            <a:schemeClr val="accent1"/>
-          </a:lnRef>
-          <a:fillRef idx="0">
-            <a:schemeClr val="accent1"/>
-          </a:fillRef>
-          <a:effectRef idx="0">
-            <a:schemeClr val="accent1"/>
-          </a:effectRef>
-          <a:fontRef idx="minor">
-            <a:schemeClr val="tx1"/>
-          </a:fontRef>
-        </p:style>
-      </p:cxnSp>
-      <p:cxnSp>
-        <p:nvCxnSpPr>
-          <p:cNvPr id="90" name="직선 연결선 89">
-            <a:extLst>
-              <a:ext uri="{FF2B5EF4-FFF2-40B4-BE49-F238E27FC236}">
-                <a16:creationId xmlns:a16="http://schemas.microsoft.com/office/drawing/2014/main" id="{B25D4C9A-76C4-4A93-B429-3F08CC157A23}"/>
-              </a:ext>
-            </a:extLst>
-          </p:cNvPr>
-          <p:cNvCxnSpPr>
-            <a:stCxn id="10" idx="3"/>
-          </p:cNvCxnSpPr>
-          <p:nvPr/>
-        </p:nvCxnSpPr>
-        <p:spPr>
-          <a:xfrm flipV="1">
-            <a:off x="5299258" y="4021101"/>
-            <a:ext cx="751917" cy="2235"/>
-          </a:xfrm>
-          <a:prstGeom prst="line">
-            <a:avLst/>
-          </a:prstGeom>
-          <a:ln w="38100">
-            <a:solidFill>
-              <a:srgbClr val="FFFF00"/>
-            </a:solidFill>
-          </a:ln>
-        </p:spPr>
-        <p:style>
-          <a:lnRef idx="1">
-            <a:schemeClr val="accent1"/>
-          </a:lnRef>
-          <a:fillRef idx="0">
-            <a:schemeClr val="accent1"/>
-          </a:fillRef>
-          <a:effectRef idx="0">
-            <a:schemeClr val="accent1"/>
-          </a:effectRef>
-          <a:fontRef idx="minor">
-            <a:schemeClr val="tx1"/>
-          </a:fontRef>
-        </p:style>
-      </p:cxnSp>
-      <p:cxnSp>
-        <p:nvCxnSpPr>
-          <p:cNvPr id="91" name="직선 연결선 90">
-            <a:extLst>
-              <a:ext uri="{FF2B5EF4-FFF2-40B4-BE49-F238E27FC236}">
-                <a16:creationId xmlns:a16="http://schemas.microsoft.com/office/drawing/2014/main" id="{71807899-FF82-479F-B8B9-E8336B905ED9}"/>
-              </a:ext>
-            </a:extLst>
-          </p:cNvPr>
-          <p:cNvCxnSpPr>
-            <a:cxnSpLocks/>
-          </p:cNvCxnSpPr>
-          <p:nvPr/>
-        </p:nvCxnSpPr>
-        <p:spPr>
-          <a:xfrm>
-            <a:off x="6130880" y="3533217"/>
-            <a:ext cx="9947" cy="504000"/>
-          </a:xfrm>
-          <a:prstGeom prst="line">
-            <a:avLst/>
-          </a:prstGeom>
-          <a:ln w="38100">
-            <a:solidFill>
-              <a:srgbClr val="FFFF00"/>
-            </a:solidFill>
-          </a:ln>
-        </p:spPr>
-        <p:style>
-          <a:lnRef idx="1">
-            <a:schemeClr val="accent1"/>
-          </a:lnRef>
-          <a:fillRef idx="0">
-            <a:schemeClr val="accent1"/>
-          </a:fillRef>
-          <a:effectRef idx="0">
-            <a:schemeClr val="accent1"/>
-          </a:effectRef>
-          <a:fontRef idx="minor">
-            <a:schemeClr val="tx1"/>
-          </a:fontRef>
-        </p:style>
-      </p:cxnSp>
-      <p:cxnSp>
-        <p:nvCxnSpPr>
-          <p:cNvPr id="97" name="직선 연결선 96">
-            <a:extLst>
-              <a:ext uri="{FF2B5EF4-FFF2-40B4-BE49-F238E27FC236}">
-                <a16:creationId xmlns:a16="http://schemas.microsoft.com/office/drawing/2014/main" id="{5BF80517-6D1E-40A3-9E86-9E705BE7DF14}"/>
-              </a:ext>
-            </a:extLst>
-          </p:cNvPr>
-          <p:cNvCxnSpPr>
-            <a:cxnSpLocks/>
-            <a:stCxn id="12" idx="3"/>
-          </p:cNvCxnSpPr>
-          <p:nvPr/>
-        </p:nvCxnSpPr>
-        <p:spPr>
-          <a:xfrm flipV="1">
-            <a:off x="5299258" y="3087462"/>
-            <a:ext cx="831622" cy="3553"/>
-          </a:xfrm>
-          <a:prstGeom prst="line">
-            <a:avLst/>
-          </a:prstGeom>
-          <a:ln w="38100">
-            <a:solidFill>
-              <a:srgbClr val="00B050"/>
-            </a:solidFill>
-          </a:ln>
-        </p:spPr>
-        <p:style>
-          <a:lnRef idx="1">
-            <a:schemeClr val="accent1"/>
-          </a:lnRef>
-          <a:fillRef idx="0">
-            <a:schemeClr val="accent1"/>
-          </a:fillRef>
-          <a:effectRef idx="0">
-            <a:schemeClr val="accent1"/>
-          </a:effectRef>
-          <a:fontRef idx="minor">
-            <a:schemeClr val="tx1"/>
-          </a:fontRef>
-        </p:style>
-      </p:cxnSp>
-      <p:cxnSp>
-        <p:nvCxnSpPr>
-          <p:cNvPr id="100" name="직선 연결선 99">
-            <a:extLst>
-              <a:ext uri="{FF2B5EF4-FFF2-40B4-BE49-F238E27FC236}">
-                <a16:creationId xmlns:a16="http://schemas.microsoft.com/office/drawing/2014/main" id="{F7BC9513-CED9-4EDC-AE22-0B7BE0CB439B}"/>
-              </a:ext>
-            </a:extLst>
-          </p:cNvPr>
-          <p:cNvCxnSpPr>
-            <a:cxnSpLocks/>
-          </p:cNvCxnSpPr>
-          <p:nvPr/>
-        </p:nvCxnSpPr>
-        <p:spPr>
-          <a:xfrm>
-            <a:off x="6121354" y="3063128"/>
-            <a:ext cx="9947" cy="468000"/>
-          </a:xfrm>
-          <a:prstGeom prst="line">
-            <a:avLst/>
-          </a:prstGeom>
-          <a:ln w="38100">
-            <a:solidFill>
-              <a:srgbClr val="00B050"/>
-            </a:solidFill>
-          </a:ln>
-        </p:spPr>
-        <p:style>
-          <a:lnRef idx="1">
-            <a:schemeClr val="accent1"/>
-          </a:lnRef>
-          <a:fillRef idx="0">
-            <a:schemeClr val="accent1"/>
-          </a:fillRef>
-          <a:effectRef idx="0">
-            <a:schemeClr val="accent1"/>
-          </a:effectRef>
-          <a:fontRef idx="minor">
-            <a:schemeClr val="tx1"/>
-          </a:fontRef>
-        </p:style>
-      </p:cxnSp>
-      <p:cxnSp>
-        <p:nvCxnSpPr>
-          <p:cNvPr id="59" name="직선 화살표 연결선 58">
-            <a:extLst>
-              <a:ext uri="{FF2B5EF4-FFF2-40B4-BE49-F238E27FC236}">
-                <a16:creationId xmlns:a16="http://schemas.microsoft.com/office/drawing/2014/main" id="{FBEF38DB-F402-4A5E-B344-620C2CB57A72}"/>
-              </a:ext>
-            </a:extLst>
-          </p:cNvPr>
-          <p:cNvCxnSpPr>
-            <a:cxnSpLocks/>
-          </p:cNvCxnSpPr>
-          <p:nvPr/>
-        </p:nvCxnSpPr>
-        <p:spPr>
-          <a:xfrm flipV="1">
-            <a:off x="6105525" y="3539249"/>
-            <a:ext cx="828000" cy="4400"/>
-          </a:xfrm>
-          <a:prstGeom prst="straightConnector1">
-            <a:avLst/>
-          </a:prstGeom>
-          <a:ln w="38100">
-            <a:solidFill>
-              <a:srgbClr val="0070C0"/>
-            </a:solidFill>
-            <a:tailEnd type="triangle"/>
-          </a:ln>
-        </p:spPr>
-        <p:style>
-          <a:lnRef idx="1">
-            <a:schemeClr val="accent1"/>
-          </a:lnRef>
-          <a:fillRef idx="0">
-            <a:schemeClr val="accent1"/>
-          </a:fillRef>
-          <a:effectRef idx="0">
-            <a:schemeClr val="accent1"/>
-          </a:effectRef>
-          <a:fontRef idx="minor">
-            <a:schemeClr val="tx1"/>
-          </a:fontRef>
-        </p:style>
-      </p:cxnSp>
-      <p:sp>
-        <p:nvSpPr>
-          <p:cNvPr id="102" name="직사각형 101">
-            <a:extLst>
-              <a:ext uri="{FF2B5EF4-FFF2-40B4-BE49-F238E27FC236}">
-                <a16:creationId xmlns:a16="http://schemas.microsoft.com/office/drawing/2014/main" id="{C4260689-D879-4EC4-A059-0240EB0227F3}"/>
-              </a:ext>
-            </a:extLst>
-          </p:cNvPr>
-          <p:cNvSpPr/>
-          <p:nvPr/>
-        </p:nvSpPr>
-        <p:spPr>
-          <a:xfrm>
-            <a:off x="6928598" y="4165406"/>
-            <a:ext cx="968188" cy="263587"/>
-          </a:xfrm>
-          <a:prstGeom prst="rect">
-            <a:avLst/>
-          </a:prstGeom>
-          <a:solidFill>
-            <a:schemeClr val="tx1">
-              <a:lumMod val="85000"/>
-            </a:schemeClr>
-          </a:solidFill>
-        </p:spPr>
-        <p:style>
-          <a:lnRef idx="2">
-            <a:schemeClr val="accent1">
-              <a:shade val="50000"/>
-            </a:schemeClr>
-          </a:lnRef>
-          <a:fillRef idx="1">
-            <a:schemeClr val="accent1"/>
-          </a:fillRef>
-          <a:effectRef idx="0">
-            <a:schemeClr val="accent1"/>
-          </a:effectRef>
-          <a:fontRef idx="minor">
-            <a:schemeClr val="lt1"/>
-          </a:fontRef>
-        </p:style>
-        <p:txBody>
-          <a:bodyPr rtlCol="0" anchor="ctr"/>
-          <a:lstStyle/>
-          <a:p>
-            <a:pPr algn="ctr"/>
-            <a:r>
-              <a:rPr lang="ko-KR" altLang="en-US" dirty="0">
-                <a:solidFill>
-                  <a:sysClr val="windowText" lastClr="000000"/>
-                </a:solidFill>
-              </a:rPr>
-              <a:t>나가기</a:t>
-            </a:r>
+                <a:latin typeface="HY헤드라인M" panose="02030600000101010101" pitchFamily="18" charset="-127"/>
+                <a:ea typeface="HY헤드라인M" panose="02030600000101010101" pitchFamily="18" charset="-127"/>
+              </a:rPr>
+              <a:t>아이템 사용</a:t>
+            </a:r>
+            <a:endParaRPr lang="en-US" altLang="ko-KR" dirty="0">
+              <a:latin typeface="HY헤드라인M" panose="02030600000101010101" pitchFamily="18" charset="-127"/>
+              <a:ea typeface="HY헤드라인M" panose="02030600000101010101" pitchFamily="18" charset="-127"/>
+            </a:endParaRPr>
           </a:p>
         </p:txBody>
       </p:sp>
     </p:spTree>
     <p:extLst>
       <p:ext uri="{BB962C8B-B14F-4D97-AF65-F5344CB8AC3E}">
-        <p14:creationId xmlns:p14="http://schemas.microsoft.com/office/powerpoint/2010/main" val="4181529946"/>
+        <p14:creationId xmlns:p14="http://schemas.microsoft.com/office/powerpoint/2010/main" val="3476636577"/>
       </p:ext>
     </p:extLst>
   </p:cSld>

--- a/기획단계/졸작 제안서_α.pptx
+++ b/기획단계/졸작 제안서_α.pptx
@@ -24221,36 +24221,6 @@
           </a:p>
         </p:txBody>
       </p:sp>
-      <p:pic>
-        <p:nvPicPr>
-          <p:cNvPr id="5" name="그림 4">
-            <a:extLst>
-              <a:ext uri="{FF2B5EF4-FFF2-40B4-BE49-F238E27FC236}">
-                <a16:creationId xmlns:a16="http://schemas.microsoft.com/office/drawing/2014/main" id="{16C14912-1030-4F59-8469-517741C78738}"/>
-              </a:ext>
-            </a:extLst>
-          </p:cNvPr>
-          <p:cNvPicPr>
-            <a:picLocks noChangeAspect="1"/>
-          </p:cNvPicPr>
-          <p:nvPr/>
-        </p:nvPicPr>
-        <p:blipFill>
-          <a:blip r:embed="rId2"/>
-          <a:stretch>
-            <a:fillRect/>
-          </a:stretch>
-        </p:blipFill>
-        <p:spPr>
-          <a:xfrm>
-            <a:off x="1419225" y="1543148"/>
-            <a:ext cx="8631085" cy="3260632"/>
-          </a:xfrm>
-          <a:prstGeom prst="rect">
-            <a:avLst/>
-          </a:prstGeom>
-        </p:spPr>
-      </p:pic>
       <p:sp>
         <p:nvSpPr>
           <p:cNvPr id="33" name="직사각형 32">
@@ -24340,7 +24310,21 @@
                 <a:latin typeface="HY헤드라인M" panose="02030600000101010101" pitchFamily="18" charset="-127"/>
                 <a:ea typeface="HY헤드라인M" panose="02030600000101010101" pitchFamily="18" charset="-127"/>
               </a:rPr>
-              <a:t> A – </a:t>
+              <a:t> </a:t>
+            </a:r>
+            <a:r>
+              <a:rPr lang="ko-KR" altLang="en-US" dirty="0">
+                <a:latin typeface="HY헤드라인M" panose="02030600000101010101" pitchFamily="18" charset="-127"/>
+                <a:ea typeface="HY헤드라인M" panose="02030600000101010101" pitchFamily="18" charset="-127"/>
+              </a:rPr>
+              <a:t>컨트롤</a:t>
+            </a:r>
+            <a:r>
+              <a:rPr lang="en-US" altLang="ko-KR" dirty="0">
+                <a:latin typeface="HY헤드라인M" panose="02030600000101010101" pitchFamily="18" charset="-127"/>
+                <a:ea typeface="HY헤드라인M" panose="02030600000101010101" pitchFamily="18" charset="-127"/>
+              </a:rPr>
+              <a:t> – </a:t>
             </a:r>
             <a:r>
               <a:rPr lang="ko-KR" altLang="en-US" dirty="0">
@@ -24356,6 +24340,36 @@
           </a:p>
         </p:txBody>
       </p:sp>
+      <p:pic>
+        <p:nvPicPr>
+          <p:cNvPr id="3" name="그림 2" descr="키보드, 전자기기, 컴퓨터, 실내이(가) 표시된 사진&#10;&#10;자동 생성된 설명">
+            <a:extLst>
+              <a:ext uri="{FF2B5EF4-FFF2-40B4-BE49-F238E27FC236}">
+                <a16:creationId xmlns:a16="http://schemas.microsoft.com/office/drawing/2014/main" id="{D8BCCC27-DECA-4847-88FB-599046E412DD}"/>
+              </a:ext>
+            </a:extLst>
+          </p:cNvPr>
+          <p:cNvPicPr>
+            <a:picLocks noChangeAspect="1"/>
+          </p:cNvPicPr>
+          <p:nvPr/>
+        </p:nvPicPr>
+        <p:blipFill>
+          <a:blip r:embed="rId2"/>
+          <a:stretch>
+            <a:fillRect/>
+          </a:stretch>
+        </p:blipFill>
+        <p:spPr>
+          <a:xfrm>
+            <a:off x="1419225" y="1551354"/>
+            <a:ext cx="8631084" cy="3260632"/>
+          </a:xfrm>
+          <a:prstGeom prst="rect">
+            <a:avLst/>
+          </a:prstGeom>
+        </p:spPr>
+      </p:pic>
     </p:spTree>
     <p:extLst>
       <p:ext uri="{BB962C8B-B14F-4D97-AF65-F5344CB8AC3E}">

--- a/기획단계/졸작 제안서_α.pptx
+++ b/기획단계/졸작 제안서_α.pptx
@@ -14,14 +14,13 @@
     <p:sldId id="268" r:id="rId8"/>
     <p:sldId id="275" r:id="rId9"/>
     <p:sldId id="276" r:id="rId10"/>
-    <p:sldId id="261" r:id="rId11"/>
-    <p:sldId id="262" r:id="rId12"/>
-    <p:sldId id="263" r:id="rId13"/>
-    <p:sldId id="269" r:id="rId14"/>
-    <p:sldId id="264" r:id="rId15"/>
-    <p:sldId id="265" r:id="rId16"/>
-    <p:sldId id="270" r:id="rId17"/>
-    <p:sldId id="271" r:id="rId18"/>
+    <p:sldId id="262" r:id="rId11"/>
+    <p:sldId id="263" r:id="rId12"/>
+    <p:sldId id="269" r:id="rId13"/>
+    <p:sldId id="264" r:id="rId14"/>
+    <p:sldId id="265" r:id="rId15"/>
+    <p:sldId id="270" r:id="rId16"/>
+    <p:sldId id="271" r:id="rId17"/>
   </p:sldIdLst>
   <p:sldSz cx="12192000" cy="6858000"/>
   <p:notesSz cx="6858000" cy="9144000"/>
@@ -3974,98 +3973,6 @@
           <a:chExt cx="0" cy="0"/>
         </a:xfrm>
       </p:grpSpPr>
-      <p:cxnSp>
-        <p:nvCxnSpPr>
-          <p:cNvPr id="73" name="연결선: 꺾임 72">
-            <a:extLst>
-              <a:ext uri="{FF2B5EF4-FFF2-40B4-BE49-F238E27FC236}">
-                <a16:creationId xmlns:a16="http://schemas.microsoft.com/office/drawing/2014/main" id="{00AA4975-2D8C-4D59-97C7-406539283550}"/>
-              </a:ext>
-            </a:extLst>
-          </p:cNvPr>
-          <p:cNvCxnSpPr>
-            <a:cxnSpLocks/>
-            <a:endCxn id="9" idx="3"/>
-          </p:cNvCxnSpPr>
-          <p:nvPr/>
-        </p:nvCxnSpPr>
-        <p:spPr>
-          <a:xfrm rot="5400000">
-            <a:off x="4812381" y="2620942"/>
-            <a:ext cx="1418633" cy="444878"/>
-          </a:xfrm>
-          <a:prstGeom prst="bentConnector2">
-            <a:avLst/>
-          </a:prstGeom>
-          <a:ln w="38100">
-            <a:solidFill>
-              <a:srgbClr val="7030A0"/>
-            </a:solidFill>
-            <a:tailEnd type="triangle"/>
-          </a:ln>
-        </p:spPr>
-        <p:style>
-          <a:lnRef idx="1">
-            <a:schemeClr val="accent1"/>
-          </a:lnRef>
-          <a:fillRef idx="0">
-            <a:schemeClr val="accent1"/>
-          </a:fillRef>
-          <a:effectRef idx="0">
-            <a:schemeClr val="accent1"/>
-          </a:effectRef>
-          <a:fontRef idx="minor">
-            <a:schemeClr val="tx1"/>
-          </a:fontRef>
-        </p:style>
-      </p:cxnSp>
-      <p:cxnSp>
-        <p:nvCxnSpPr>
-          <p:cNvPr id="103" name="연결선: 꺾임 102">
-            <a:extLst>
-              <a:ext uri="{FF2B5EF4-FFF2-40B4-BE49-F238E27FC236}">
-                <a16:creationId xmlns:a16="http://schemas.microsoft.com/office/drawing/2014/main" id="{9AF661CE-1E66-4C73-AFD5-DBE8D634AB2B}"/>
-              </a:ext>
-            </a:extLst>
-          </p:cNvPr>
-          <p:cNvCxnSpPr>
-            <a:cxnSpLocks/>
-            <a:stCxn id="102" idx="2"/>
-          </p:cNvCxnSpPr>
-          <p:nvPr/>
-        </p:nvCxnSpPr>
-        <p:spPr>
-          <a:xfrm rot="5400000" flipH="1">
-            <a:off x="5997906" y="3014208"/>
-            <a:ext cx="877223" cy="1952348"/>
-          </a:xfrm>
-          <a:prstGeom prst="bentConnector4">
-            <a:avLst>
-              <a:gd name="adj1" fmla="val -26060"/>
-              <a:gd name="adj2" fmla="val 85815"/>
-            </a:avLst>
-          </a:prstGeom>
-          <a:ln w="38100">
-            <a:solidFill>
-              <a:srgbClr val="7030A0"/>
-            </a:solidFill>
-          </a:ln>
-        </p:spPr>
-        <p:style>
-          <a:lnRef idx="1">
-            <a:schemeClr val="accent1"/>
-          </a:lnRef>
-          <a:fillRef idx="0">
-            <a:schemeClr val="accent1"/>
-          </a:fillRef>
-          <a:effectRef idx="0">
-            <a:schemeClr val="accent1"/>
-          </a:effectRef>
-          <a:fontRef idx="minor">
-            <a:schemeClr val="tx1"/>
-          </a:fontRef>
-        </p:style>
-      </p:cxnSp>
       <p:sp>
         <p:nvSpPr>
           <p:cNvPr id="6" name="직사각형 5">
@@ -4121,7 +4028,7 @@
                 <a:latin typeface="HY헤드라인M" panose="02030600000101010101" pitchFamily="18" charset="-127"/>
                 <a:ea typeface="HY헤드라인M" panose="02030600000101010101" pitchFamily="18" charset="-127"/>
               </a:rPr>
-              <a:t>3</a:t>
+              <a:t>4</a:t>
             </a:r>
             <a:endParaRPr lang="ko-KR" altLang="en-US" sz="5400" dirty="0">
               <a:latin typeface="HY헤드라인M" panose="02030600000101010101" pitchFamily="18" charset="-127"/>
@@ -4163,32 +4070,18 @@
                 <a:latin typeface="HY헤드라인M" panose="02030600000101010101" pitchFamily="18" charset="-127"/>
                 <a:ea typeface="HY헤드라인M" panose="02030600000101010101" pitchFamily="18" charset="-127"/>
               </a:rPr>
-              <a:t>게임 진행 </a:t>
-            </a:r>
-            <a:r>
-              <a:rPr lang="en-US" altLang="ko-KR" sz="2400" dirty="0">
-                <a:latin typeface="HY헤드라인M" panose="02030600000101010101" pitchFamily="18" charset="-127"/>
-                <a:ea typeface="HY헤드라인M" panose="02030600000101010101" pitchFamily="18" charset="-127"/>
-              </a:rPr>
-              <a:t>- </a:t>
-            </a:r>
-            <a:r>
-              <a:rPr lang="ko-KR" altLang="en-US" sz="2400" dirty="0">
-                <a:latin typeface="HY헤드라인M" panose="02030600000101010101" pitchFamily="18" charset="-127"/>
-                <a:ea typeface="HY헤드라인M" panose="02030600000101010101" pitchFamily="18" charset="-127"/>
-              </a:rPr>
-              <a:t>로직</a:t>
-            </a:r>
-            <a:endParaRPr lang="ko-KR" altLang="en-US" sz="2400" dirty="0"/>
+              <a:t>개발 환경</a:t>
+            </a:r>
+            <a:endParaRPr lang="ko-KR" altLang="en-US" dirty="0"/>
           </a:p>
         </p:txBody>
       </p:sp>
       <p:sp>
         <p:nvSpPr>
-          <p:cNvPr id="2" name="직사각형 1">
+          <p:cNvPr id="18" name="직사각형 17">
             <a:extLst>
               <a:ext uri="{FF2B5EF4-FFF2-40B4-BE49-F238E27FC236}">
-                <a16:creationId xmlns:a16="http://schemas.microsoft.com/office/drawing/2014/main" id="{D84614F5-F88D-455A-A938-5611AF85CF9C}"/>
+                <a16:creationId xmlns:a16="http://schemas.microsoft.com/office/drawing/2014/main" id="{5CBE9646-2975-4B2D-88D4-6FA9D1A35E10}"/>
               </a:ext>
             </a:extLst>
           </p:cNvPr>
@@ -4197,12 +4090,19 @@
         </p:nvSpPr>
         <p:spPr>
           <a:xfrm>
-            <a:off x="2178420" y="2979392"/>
-            <a:ext cx="968188" cy="646331"/>
+            <a:off x="1419225" y="1852589"/>
+            <a:ext cx="2495550" cy="500066"/>
           </a:xfrm>
           <a:prstGeom prst="rect">
             <a:avLst/>
           </a:prstGeom>
+          <a:ln w="38100">
+            <a:solidFill>
+              <a:schemeClr val="tx1">
+                <a:lumMod val="85000"/>
+              </a:schemeClr>
+            </a:solidFill>
+          </a:ln>
         </p:spPr>
         <p:style>
           <a:lnRef idx="2">
@@ -4226,18 +4126,21 @@
           <a:p>
             <a:pPr algn="ctr"/>
             <a:r>
-              <a:rPr lang="ko-KR" altLang="en-US" dirty="0"/>
-              <a:t>타이틀</a:t>
+              <a:rPr lang="en-US" altLang="ko-KR" sz="2000" dirty="0">
+                <a:latin typeface="HY헤드라인M" panose="02030600000101010101" pitchFamily="18" charset="-127"/>
+                <a:ea typeface="HY헤드라인M" panose="02030600000101010101" pitchFamily="18" charset="-127"/>
+              </a:rPr>
+              <a:t>Compiler</a:t>
             </a:r>
           </a:p>
         </p:txBody>
       </p:sp>
       <p:sp>
         <p:nvSpPr>
-          <p:cNvPr id="4" name="직사각형 3">
+          <p:cNvPr id="20" name="직사각형 19">
             <a:extLst>
               <a:ext uri="{FF2B5EF4-FFF2-40B4-BE49-F238E27FC236}">
-                <a16:creationId xmlns:a16="http://schemas.microsoft.com/office/drawing/2014/main" id="{F938F74F-999A-470D-87E3-9B70F49F26C1}"/>
+                <a16:creationId xmlns:a16="http://schemas.microsoft.com/office/drawing/2014/main" id="{14AAF03F-DB56-423C-B407-3C9CB218D40F}"/>
               </a:ext>
             </a:extLst>
           </p:cNvPr>
@@ -4246,17 +4149,22 @@
         </p:nvSpPr>
         <p:spPr>
           <a:xfrm>
-            <a:off x="2178421" y="3625723"/>
-            <a:ext cx="968188" cy="236694"/>
+            <a:off x="3914775" y="1852589"/>
+            <a:ext cx="6442312" cy="500066"/>
           </a:xfrm>
           <a:prstGeom prst="rect">
             <a:avLst/>
           </a:prstGeom>
           <a:solidFill>
-            <a:schemeClr val="tx1">
-              <a:lumMod val="85000"/>
-            </a:schemeClr>
+            <a:srgbClr val="595959"/>
           </a:solidFill>
+          <a:ln w="38100">
+            <a:solidFill>
+              <a:schemeClr val="tx1">
+                <a:lumMod val="85000"/>
+              </a:schemeClr>
+            </a:solidFill>
+          </a:ln>
         </p:spPr>
         <p:style>
           <a:lnRef idx="2">
@@ -4280,22 +4188,21 @@
           <a:p>
             <a:pPr algn="ctr"/>
             <a:r>
-              <a:rPr lang="ko-KR" altLang="en-US" dirty="0">
-                <a:solidFill>
-                  <a:sysClr val="windowText" lastClr="000000"/>
-                </a:solidFill>
-              </a:rPr>
-              <a:t>로그인</a:t>
+              <a:rPr lang="en-US" altLang="ko-KR" sz="2000" dirty="0">
+                <a:latin typeface="HY헤드라인M" panose="02030600000101010101" pitchFamily="18" charset="-127"/>
+                <a:ea typeface="HY헤드라인M" panose="02030600000101010101" pitchFamily="18" charset="-127"/>
+              </a:rPr>
+              <a:t>Visual Studio 2019</a:t>
             </a:r>
           </a:p>
         </p:txBody>
       </p:sp>
       <p:sp>
         <p:nvSpPr>
-          <p:cNvPr id="8" name="직사각형 7">
+          <p:cNvPr id="21" name="직사각형 20">
             <a:extLst>
               <a:ext uri="{FF2B5EF4-FFF2-40B4-BE49-F238E27FC236}">
-                <a16:creationId xmlns:a16="http://schemas.microsoft.com/office/drawing/2014/main" id="{5247BBEB-6016-4D40-91FE-176C76C64B64}"/>
+                <a16:creationId xmlns:a16="http://schemas.microsoft.com/office/drawing/2014/main" id="{D005A083-5BD4-4B25-8861-CE5DA6F51BA2}"/>
               </a:ext>
             </a:extLst>
           </p:cNvPr>
@@ -4304,17 +4211,19 @@
         </p:nvSpPr>
         <p:spPr>
           <a:xfrm>
-            <a:off x="2178420" y="3875863"/>
-            <a:ext cx="968188" cy="236694"/>
+            <a:off x="1419225" y="2545361"/>
+            <a:ext cx="2495550" cy="747716"/>
           </a:xfrm>
           <a:prstGeom prst="rect">
             <a:avLst/>
           </a:prstGeom>
-          <a:solidFill>
-            <a:schemeClr val="tx1">
-              <a:lumMod val="85000"/>
-            </a:schemeClr>
-          </a:solidFill>
+          <a:ln w="38100">
+            <a:solidFill>
+              <a:schemeClr val="tx1">
+                <a:lumMod val="85000"/>
+              </a:schemeClr>
+            </a:solidFill>
+          </a:ln>
         </p:spPr>
         <p:style>
           <a:lnRef idx="2">
@@ -4338,22 +4247,35 @@
           <a:p>
             <a:pPr algn="ctr"/>
             <a:r>
-              <a:rPr lang="ko-KR" altLang="en-US" dirty="0">
-                <a:solidFill>
-                  <a:sysClr val="windowText" lastClr="000000"/>
-                </a:solidFill>
-              </a:rPr>
-              <a:t>종료</a:t>
-            </a:r>
+              <a:rPr lang="en-US" altLang="ko-KR" sz="2000" dirty="0">
+                <a:latin typeface="HY헤드라인M" panose="02030600000101010101" pitchFamily="18" charset="-127"/>
+                <a:ea typeface="HY헤드라인M" panose="02030600000101010101" pitchFamily="18" charset="-127"/>
+              </a:rPr>
+              <a:t>Graphics </a:t>
+            </a:r>
+          </a:p>
+          <a:p>
+            <a:pPr algn="ctr"/>
+            <a:r>
+              <a:rPr lang="en-US" altLang="ko-KR" sz="2000" dirty="0">
+                <a:latin typeface="HY헤드라인M" panose="02030600000101010101" pitchFamily="18" charset="-127"/>
+                <a:ea typeface="HY헤드라인M" panose="02030600000101010101" pitchFamily="18" charset="-127"/>
+              </a:rPr>
+              <a:t>Library</a:t>
+            </a:r>
+            <a:endParaRPr lang="ko-KR" altLang="en-US" sz="2000" dirty="0">
+              <a:latin typeface="HY헤드라인M" panose="02030600000101010101" pitchFamily="18" charset="-127"/>
+              <a:ea typeface="HY헤드라인M" panose="02030600000101010101" pitchFamily="18" charset="-127"/>
+            </a:endParaRPr>
           </a:p>
         </p:txBody>
       </p:sp>
       <p:sp>
         <p:nvSpPr>
-          <p:cNvPr id="9" name="직사각형 8">
+          <p:cNvPr id="22" name="직사각형 21">
             <a:extLst>
               <a:ext uri="{FF2B5EF4-FFF2-40B4-BE49-F238E27FC236}">
-                <a16:creationId xmlns:a16="http://schemas.microsoft.com/office/drawing/2014/main" id="{00FFA73E-1FE6-4DCE-BC28-DE815A462507}"/>
+                <a16:creationId xmlns:a16="http://schemas.microsoft.com/office/drawing/2014/main" id="{631478C3-089F-4D3A-8915-025AE8575E91}"/>
               </a:ext>
             </a:extLst>
           </p:cNvPr>
@@ -4362,12 +4284,22 @@
         </p:nvSpPr>
         <p:spPr>
           <a:xfrm>
-            <a:off x="4331070" y="3229532"/>
-            <a:ext cx="968188" cy="646331"/>
+            <a:off x="3914775" y="2545361"/>
+            <a:ext cx="6442312" cy="752478"/>
           </a:xfrm>
           <a:prstGeom prst="rect">
             <a:avLst/>
           </a:prstGeom>
+          <a:solidFill>
+            <a:srgbClr val="595959"/>
+          </a:solidFill>
+          <a:ln w="38100">
+            <a:solidFill>
+              <a:schemeClr val="tx1">
+                <a:lumMod val="85000"/>
+              </a:schemeClr>
+            </a:solidFill>
+          </a:ln>
         </p:spPr>
         <p:style>
           <a:lnRef idx="2">
@@ -4391,18 +4323,21 @@
           <a:p>
             <a:pPr algn="ctr"/>
             <a:r>
-              <a:rPr lang="ko-KR" altLang="en-US" dirty="0"/>
-              <a:t>로비</a:t>
+              <a:rPr lang="en-US" altLang="ko-KR" sz="2000" dirty="0">
+                <a:latin typeface="HY헤드라인M" panose="02030600000101010101" pitchFamily="18" charset="-127"/>
+                <a:ea typeface="HY헤드라인M" panose="02030600000101010101" pitchFamily="18" charset="-127"/>
+              </a:rPr>
+              <a:t>DirectX 12</a:t>
             </a:r>
           </a:p>
         </p:txBody>
       </p:sp>
       <p:sp>
         <p:nvSpPr>
-          <p:cNvPr id="10" name="직사각형 9">
+          <p:cNvPr id="23" name="직사각형 22">
             <a:extLst>
               <a:ext uri="{FF2B5EF4-FFF2-40B4-BE49-F238E27FC236}">
-                <a16:creationId xmlns:a16="http://schemas.microsoft.com/office/drawing/2014/main" id="{6CB981B6-8664-43EC-9ADE-9945A5A53E4A}"/>
+                <a16:creationId xmlns:a16="http://schemas.microsoft.com/office/drawing/2014/main" id="{F90C45E9-58C0-4F51-BDD7-5DE2E4FA8988}"/>
               </a:ext>
             </a:extLst>
           </p:cNvPr>
@@ -4411,17 +4346,19 @@
         </p:nvSpPr>
         <p:spPr>
           <a:xfrm>
-            <a:off x="4331070" y="3891542"/>
-            <a:ext cx="968188" cy="263587"/>
+            <a:off x="1419225" y="3485783"/>
+            <a:ext cx="2495550" cy="747716"/>
           </a:xfrm>
           <a:prstGeom prst="rect">
             <a:avLst/>
           </a:prstGeom>
-          <a:solidFill>
-            <a:schemeClr val="tx1">
-              <a:lumMod val="85000"/>
-            </a:schemeClr>
-          </a:solidFill>
+          <a:ln w="38100">
+            <a:solidFill>
+              <a:schemeClr val="tx1">
+                <a:lumMod val="85000"/>
+              </a:schemeClr>
+            </a:solidFill>
+          </a:ln>
         </p:spPr>
         <p:style>
           <a:lnRef idx="2">
@@ -4445,22 +4382,25 @@
           <a:p>
             <a:pPr algn="ctr"/>
             <a:r>
-              <a:rPr lang="ko-KR" altLang="en-US" dirty="0">
-                <a:solidFill>
-                  <a:sysClr val="windowText" lastClr="000000"/>
-                </a:solidFill>
-              </a:rPr>
-              <a:t>방 생성</a:t>
-            </a:r>
+              <a:rPr lang="en-US" altLang="ko-KR" sz="2000" dirty="0">
+                <a:latin typeface="HY헤드라인M" panose="02030600000101010101" pitchFamily="18" charset="-127"/>
+                <a:ea typeface="HY헤드라인M" panose="02030600000101010101" pitchFamily="18" charset="-127"/>
+              </a:rPr>
+              <a:t>Version Control System</a:t>
+            </a:r>
+            <a:endParaRPr lang="ko-KR" altLang="en-US" sz="2000" dirty="0">
+              <a:latin typeface="HY헤드라인M" panose="02030600000101010101" pitchFamily="18" charset="-127"/>
+              <a:ea typeface="HY헤드라인M" panose="02030600000101010101" pitchFamily="18" charset="-127"/>
+            </a:endParaRPr>
           </a:p>
         </p:txBody>
       </p:sp>
       <p:sp>
         <p:nvSpPr>
-          <p:cNvPr id="12" name="직사각형 11">
+          <p:cNvPr id="24" name="직사각형 23">
             <a:extLst>
               <a:ext uri="{FF2B5EF4-FFF2-40B4-BE49-F238E27FC236}">
-                <a16:creationId xmlns:a16="http://schemas.microsoft.com/office/drawing/2014/main" id="{901A0001-2E0B-42E1-BD7F-842DBFCD1754}"/>
+                <a16:creationId xmlns:a16="http://schemas.microsoft.com/office/drawing/2014/main" id="{4005B3B2-3A6D-432B-8D1E-E99DC3C9896D}"/>
               </a:ext>
             </a:extLst>
           </p:cNvPr>
@@ -4469,17 +4409,22 @@
         </p:nvSpPr>
         <p:spPr>
           <a:xfrm>
-            <a:off x="4331070" y="2952497"/>
-            <a:ext cx="968188" cy="277035"/>
+            <a:off x="3914775" y="3490545"/>
+            <a:ext cx="6442312" cy="738192"/>
           </a:xfrm>
           <a:prstGeom prst="rect">
             <a:avLst/>
           </a:prstGeom>
           <a:solidFill>
-            <a:schemeClr val="tx1">
-              <a:lumMod val="85000"/>
-            </a:schemeClr>
+            <a:srgbClr val="595959"/>
           </a:solidFill>
+          <a:ln w="38100">
+            <a:solidFill>
+              <a:schemeClr val="tx1">
+                <a:lumMod val="85000"/>
+              </a:schemeClr>
+            </a:solidFill>
+          </a:ln>
         </p:spPr>
         <p:style>
           <a:lnRef idx="2">
@@ -4503,22 +4448,21 @@
           <a:p>
             <a:pPr algn="ctr"/>
             <a:r>
-              <a:rPr lang="ko-KR" altLang="en-US" dirty="0">
-                <a:solidFill>
-                  <a:sysClr val="windowText" lastClr="000000"/>
-                </a:solidFill>
-              </a:rPr>
-              <a:t>방 선택</a:t>
+              <a:rPr lang="en-US" altLang="ko-KR" sz="2000" dirty="0">
+                <a:latin typeface="HY헤드라인M" panose="02030600000101010101" pitchFamily="18" charset="-127"/>
+                <a:ea typeface="HY헤드라인M" panose="02030600000101010101" pitchFamily="18" charset="-127"/>
+              </a:rPr>
+              <a:t>Git hub</a:t>
             </a:r>
           </a:p>
         </p:txBody>
       </p:sp>
       <p:sp>
         <p:nvSpPr>
-          <p:cNvPr id="13" name="직사각형 12">
+          <p:cNvPr id="25" name="직사각형 24">
             <a:extLst>
               <a:ext uri="{FF2B5EF4-FFF2-40B4-BE49-F238E27FC236}">
-                <a16:creationId xmlns:a16="http://schemas.microsoft.com/office/drawing/2014/main" id="{C959FF58-0AC7-42C8-87AA-64353733BA71}"/>
+                <a16:creationId xmlns:a16="http://schemas.microsoft.com/office/drawing/2014/main" id="{73F128A8-F66D-44D8-8FFC-5972337ABD1D}"/>
               </a:ext>
             </a:extLst>
           </p:cNvPr>
@@ -4527,12 +4471,19 @@
         </p:nvSpPr>
         <p:spPr>
           <a:xfrm>
-            <a:off x="6928598" y="3216083"/>
-            <a:ext cx="968188" cy="646331"/>
+            <a:off x="1419225" y="4435729"/>
+            <a:ext cx="2495550" cy="500066"/>
           </a:xfrm>
           <a:prstGeom prst="rect">
             <a:avLst/>
           </a:prstGeom>
+          <a:ln w="38100">
+            <a:solidFill>
+              <a:schemeClr val="tx1">
+                <a:lumMod val="85000"/>
+              </a:schemeClr>
+            </a:solidFill>
+          </a:ln>
         </p:spPr>
         <p:style>
           <a:lnRef idx="2">
@@ -4556,18 +4507,21 @@
           <a:p>
             <a:pPr algn="ctr"/>
             <a:r>
-              <a:rPr lang="ko-KR" altLang="en-US" dirty="0"/>
-              <a:t>대기 방</a:t>
+              <a:rPr lang="en-US" altLang="ko-KR" sz="2000" dirty="0">
+                <a:latin typeface="HY헤드라인M" panose="02030600000101010101" pitchFamily="18" charset="-127"/>
+                <a:ea typeface="HY헤드라인M" panose="02030600000101010101" pitchFamily="18" charset="-127"/>
+              </a:rPr>
+              <a:t>OS</a:t>
             </a:r>
           </a:p>
         </p:txBody>
       </p:sp>
       <p:sp>
         <p:nvSpPr>
-          <p:cNvPr id="16" name="직사각형 15">
+          <p:cNvPr id="26" name="직사각형 25">
             <a:extLst>
               <a:ext uri="{FF2B5EF4-FFF2-40B4-BE49-F238E27FC236}">
-                <a16:creationId xmlns:a16="http://schemas.microsoft.com/office/drawing/2014/main" id="{1D74CADB-1E05-4222-95BA-364D4719A1CC}"/>
+                <a16:creationId xmlns:a16="http://schemas.microsoft.com/office/drawing/2014/main" id="{3AC0A49F-A9DB-4343-8A77-B167C3DCB5C4}"/>
               </a:ext>
             </a:extLst>
           </p:cNvPr>
@@ -4576,12 +4530,22 @@
         </p:nvSpPr>
         <p:spPr>
           <a:xfrm>
-            <a:off x="9081248" y="3216085"/>
-            <a:ext cx="1550892" cy="646331"/>
+            <a:off x="3914775" y="4435729"/>
+            <a:ext cx="6442312" cy="500066"/>
           </a:xfrm>
           <a:prstGeom prst="rect">
             <a:avLst/>
           </a:prstGeom>
+          <a:solidFill>
+            <a:srgbClr val="595959"/>
+          </a:solidFill>
+          <a:ln w="38100">
+            <a:solidFill>
+              <a:schemeClr val="tx1">
+                <a:lumMod val="85000"/>
+              </a:schemeClr>
+            </a:solidFill>
+          </a:ln>
         </p:spPr>
         <p:style>
           <a:lnRef idx="2">
@@ -4605,18 +4569,21 @@
           <a:p>
             <a:pPr algn="ctr"/>
             <a:r>
-              <a:rPr lang="ko-KR" altLang="en-US" dirty="0"/>
-              <a:t>게임 화면</a:t>
+              <a:rPr lang="en-US" altLang="ko-KR" sz="2000" dirty="0">
+                <a:latin typeface="HY헤드라인M" panose="02030600000101010101" pitchFamily="18" charset="-127"/>
+                <a:ea typeface="HY헤드라인M" panose="02030600000101010101" pitchFamily="18" charset="-127"/>
+              </a:rPr>
+              <a:t>Windows 10</a:t>
             </a:r>
           </a:p>
         </p:txBody>
       </p:sp>
       <p:sp>
         <p:nvSpPr>
-          <p:cNvPr id="19" name="직사각형 18">
+          <p:cNvPr id="27" name="직사각형 26">
             <a:extLst>
               <a:ext uri="{FF2B5EF4-FFF2-40B4-BE49-F238E27FC236}">
-                <a16:creationId xmlns:a16="http://schemas.microsoft.com/office/drawing/2014/main" id="{DD67C9F4-CEAD-4730-9E8A-93E7B8DC72CB}"/>
+                <a16:creationId xmlns:a16="http://schemas.microsoft.com/office/drawing/2014/main" id="{A9A2E645-780B-4733-8C86-5D4513ACDBFE}"/>
               </a:ext>
             </a:extLst>
           </p:cNvPr>
@@ -4625,17 +4592,19 @@
         </p:nvSpPr>
         <p:spPr>
           <a:xfrm>
-            <a:off x="6928598" y="3889307"/>
-            <a:ext cx="968188" cy="263587"/>
+            <a:off x="1419225" y="5133263"/>
+            <a:ext cx="2495550" cy="500066"/>
           </a:xfrm>
           <a:prstGeom prst="rect">
             <a:avLst/>
           </a:prstGeom>
-          <a:solidFill>
-            <a:schemeClr val="tx1">
-              <a:lumMod val="85000"/>
-            </a:schemeClr>
-          </a:solidFill>
+          <a:ln w="38100">
+            <a:solidFill>
+              <a:schemeClr val="tx1">
+                <a:lumMod val="85000"/>
+              </a:schemeClr>
+            </a:solidFill>
+          </a:ln>
         </p:spPr>
         <p:style>
           <a:lnRef idx="2">
@@ -4659,115 +4628,21 @@
           <a:p>
             <a:pPr algn="ctr"/>
             <a:r>
-              <a:rPr lang="ko-KR" altLang="en-US" dirty="0">
-                <a:solidFill>
-                  <a:sysClr val="windowText" lastClr="000000"/>
-                </a:solidFill>
-              </a:rPr>
-              <a:t>맵 선택</a:t>
+              <a:rPr lang="en-US" altLang="ko-KR" sz="2000" dirty="0">
+                <a:latin typeface="HY헤드라인M" panose="02030600000101010101" pitchFamily="18" charset="-127"/>
+                <a:ea typeface="HY헤드라인M" panose="02030600000101010101" pitchFamily="18" charset="-127"/>
+              </a:rPr>
+              <a:t>Resource</a:t>
             </a:r>
           </a:p>
         </p:txBody>
       </p:sp>
-      <p:cxnSp>
-        <p:nvCxnSpPr>
-          <p:cNvPr id="27" name="직선 화살표 연결선 26">
+      <p:sp>
+        <p:nvSpPr>
+          <p:cNvPr id="28" name="직사각형 27">
             <a:extLst>
               <a:ext uri="{FF2B5EF4-FFF2-40B4-BE49-F238E27FC236}">
-                <a16:creationId xmlns:a16="http://schemas.microsoft.com/office/drawing/2014/main" id="{C38311B0-C846-4DCB-88D9-DE4867BAB52E}"/>
-              </a:ext>
-            </a:extLst>
-          </p:cNvPr>
-          <p:cNvCxnSpPr>
-            <a:cxnSpLocks/>
-            <a:endCxn id="19" idx="1"/>
-          </p:cNvCxnSpPr>
-          <p:nvPr/>
-        </p:nvCxnSpPr>
-        <p:spPr>
-          <a:xfrm>
-            <a:off x="6051175" y="4021101"/>
-            <a:ext cx="877423" cy="0"/>
-          </a:xfrm>
-          <a:prstGeom prst="straightConnector1">
-            <a:avLst/>
-          </a:prstGeom>
-          <a:ln w="38100">
-            <a:solidFill>
-              <a:srgbClr val="FFFF00"/>
-            </a:solidFill>
-            <a:tailEnd type="triangle"/>
-          </a:ln>
-        </p:spPr>
-        <p:style>
-          <a:lnRef idx="1">
-            <a:schemeClr val="accent1"/>
-          </a:lnRef>
-          <a:fillRef idx="0">
-            <a:schemeClr val="accent1"/>
-          </a:fillRef>
-          <a:effectRef idx="0">
-            <a:schemeClr val="accent1"/>
-          </a:effectRef>
-          <a:fontRef idx="minor">
-            <a:schemeClr val="tx1"/>
-          </a:fontRef>
-        </p:style>
-      </p:cxnSp>
-      <p:cxnSp>
-        <p:nvCxnSpPr>
-          <p:cNvPr id="40" name="연결선: 꺾임 39">
-            <a:extLst>
-              <a:ext uri="{FF2B5EF4-FFF2-40B4-BE49-F238E27FC236}">
-                <a16:creationId xmlns:a16="http://schemas.microsoft.com/office/drawing/2014/main" id="{F7A9509C-B353-4ED4-824A-7024A98CADBD}"/>
-              </a:ext>
-            </a:extLst>
-          </p:cNvPr>
-          <p:cNvCxnSpPr>
-            <a:cxnSpLocks/>
-            <a:stCxn id="4" idx="3"/>
-            <a:endCxn id="9" idx="1"/>
-          </p:cNvCxnSpPr>
-          <p:nvPr/>
-        </p:nvCxnSpPr>
-        <p:spPr>
-          <a:xfrm flipV="1">
-            <a:off x="3146609" y="3552698"/>
-            <a:ext cx="1184461" cy="191372"/>
-          </a:xfrm>
-          <a:prstGeom prst="bentConnector3">
-            <a:avLst>
-              <a:gd name="adj1" fmla="val 50000"/>
-            </a:avLst>
-          </a:prstGeom>
-          <a:ln w="38100">
-            <a:solidFill>
-              <a:srgbClr val="FFFF00"/>
-            </a:solidFill>
-            <a:tailEnd type="triangle"/>
-          </a:ln>
-        </p:spPr>
-        <p:style>
-          <a:lnRef idx="1">
-            <a:schemeClr val="accent1"/>
-          </a:lnRef>
-          <a:fillRef idx="0">
-            <a:schemeClr val="accent1"/>
-          </a:fillRef>
-          <a:effectRef idx="0">
-            <a:schemeClr val="accent1"/>
-          </a:effectRef>
-          <a:fontRef idx="minor">
-            <a:schemeClr val="tx1"/>
-          </a:fontRef>
-        </p:style>
-      </p:cxnSp>
-      <p:sp>
-        <p:nvSpPr>
-          <p:cNvPr id="43" name="직사각형 42">
-            <a:extLst>
-              <a:ext uri="{FF2B5EF4-FFF2-40B4-BE49-F238E27FC236}">
-                <a16:creationId xmlns:a16="http://schemas.microsoft.com/office/drawing/2014/main" id="{7E271A6B-DBF2-48D1-951D-654E93F893AA}"/>
+                <a16:creationId xmlns:a16="http://schemas.microsoft.com/office/drawing/2014/main" id="{E3547CD1-8BD7-4E58-AAE3-5F4294E5F4CD}"/>
               </a:ext>
             </a:extLst>
           </p:cNvPr>
@@ -4776,17 +4651,22 @@
         </p:nvSpPr>
         <p:spPr>
           <a:xfrm>
-            <a:off x="4331070" y="4165406"/>
-            <a:ext cx="968188" cy="236694"/>
+            <a:off x="3914775" y="5138025"/>
+            <a:ext cx="6442312" cy="495304"/>
           </a:xfrm>
           <a:prstGeom prst="rect">
             <a:avLst/>
           </a:prstGeom>
           <a:solidFill>
-            <a:schemeClr val="tx1">
-              <a:lumMod val="85000"/>
-            </a:schemeClr>
+            <a:srgbClr val="595959"/>
           </a:solidFill>
+          <a:ln w="38100">
+            <a:solidFill>
+              <a:schemeClr val="tx1">
+                <a:lumMod val="85000"/>
+              </a:schemeClr>
+            </a:solidFill>
+          </a:ln>
         </p:spPr>
         <p:style>
           <a:lnRef idx="2">
@@ -4810,22 +4690,21 @@
           <a:p>
             <a:pPr algn="ctr"/>
             <a:r>
-              <a:rPr lang="ko-KR" altLang="en-US" dirty="0">
-                <a:solidFill>
-                  <a:sysClr val="windowText" lastClr="000000"/>
-                </a:solidFill>
-              </a:rPr>
-              <a:t>종료</a:t>
+              <a:rPr lang="en-US" altLang="ko-KR" sz="2000" dirty="0">
+                <a:latin typeface="HY헤드라인M" panose="02030600000101010101" pitchFamily="18" charset="-127"/>
+                <a:ea typeface="HY헤드라인M" panose="02030600000101010101" pitchFamily="18" charset="-127"/>
+              </a:rPr>
+              <a:t>Photo shop	||	Zbrush	||	3DS max </a:t>
             </a:r>
           </a:p>
         </p:txBody>
       </p:sp>
       <p:sp>
         <p:nvSpPr>
-          <p:cNvPr id="44" name="직사각형 43">
+          <p:cNvPr id="29" name="직사각형 28">
             <a:extLst>
               <a:ext uri="{FF2B5EF4-FFF2-40B4-BE49-F238E27FC236}">
-                <a16:creationId xmlns:a16="http://schemas.microsoft.com/office/drawing/2014/main" id="{564B1A15-71DD-49CE-9572-5310E304AC0E}"/>
+                <a16:creationId xmlns:a16="http://schemas.microsoft.com/office/drawing/2014/main" id="{56882EAF-FF49-4879-AB04-DFBFFB00F541}"/>
               </a:ext>
             </a:extLst>
           </p:cNvPr>
@@ -4834,12 +4713,19 @@
         </p:nvSpPr>
         <p:spPr>
           <a:xfrm>
-            <a:off x="2178420" y="5478594"/>
-            <a:ext cx="968188" cy="646331"/>
+            <a:off x="1419225" y="5826035"/>
+            <a:ext cx="2495550" cy="500066"/>
           </a:xfrm>
           <a:prstGeom prst="rect">
             <a:avLst/>
           </a:prstGeom>
+          <a:ln w="38100">
+            <a:solidFill>
+              <a:schemeClr val="tx1">
+                <a:lumMod val="85000"/>
+              </a:schemeClr>
+            </a:solidFill>
+          </a:ln>
         </p:spPr>
         <p:style>
           <a:lnRef idx="2">
@@ -4863,110 +4749,21 @@
           <a:p>
             <a:pPr algn="ctr"/>
             <a:r>
-              <a:rPr lang="ko-KR" altLang="en-US" dirty="0"/>
-              <a:t>종료</a:t>
+              <a:rPr lang="en-US" altLang="ko-KR" sz="2000" dirty="0">
+                <a:latin typeface="HY헤드라인M" panose="02030600000101010101" pitchFamily="18" charset="-127"/>
+                <a:ea typeface="HY헤드라인M" panose="02030600000101010101" pitchFamily="18" charset="-127"/>
+              </a:rPr>
+              <a:t>Animation</a:t>
             </a:r>
           </a:p>
         </p:txBody>
       </p:sp>
-      <p:cxnSp>
-        <p:nvCxnSpPr>
-          <p:cNvPr id="45" name="연결선: 꺾임 44">
+      <p:sp>
+        <p:nvSpPr>
+          <p:cNvPr id="30" name="직사각형 29">
             <a:extLst>
               <a:ext uri="{FF2B5EF4-FFF2-40B4-BE49-F238E27FC236}">
-                <a16:creationId xmlns:a16="http://schemas.microsoft.com/office/drawing/2014/main" id="{1812F883-751F-4159-BD05-2B715514FC10}"/>
-              </a:ext>
-            </a:extLst>
-          </p:cNvPr>
-          <p:cNvCxnSpPr>
-            <a:cxnSpLocks/>
-            <a:stCxn id="8" idx="3"/>
-            <a:endCxn id="44" idx="3"/>
-          </p:cNvCxnSpPr>
-          <p:nvPr/>
-        </p:nvCxnSpPr>
-        <p:spPr>
-          <a:xfrm>
-            <a:off x="3146608" y="3994210"/>
-            <a:ext cx="12700" cy="1807550"/>
-          </a:xfrm>
-          <a:prstGeom prst="bentConnector3">
-            <a:avLst>
-              <a:gd name="adj1" fmla="val 4623520"/>
-            </a:avLst>
-          </a:prstGeom>
-          <a:ln w="38100">
-            <a:solidFill>
-              <a:srgbClr val="7030A0"/>
-            </a:solidFill>
-            <a:tailEnd type="triangle"/>
-          </a:ln>
-        </p:spPr>
-        <p:style>
-          <a:lnRef idx="1">
-            <a:schemeClr val="accent1"/>
-          </a:lnRef>
-          <a:fillRef idx="0">
-            <a:schemeClr val="accent1"/>
-          </a:fillRef>
-          <a:effectRef idx="0">
-            <a:schemeClr val="accent1"/>
-          </a:effectRef>
-          <a:fontRef idx="minor">
-            <a:schemeClr val="tx1"/>
-          </a:fontRef>
-        </p:style>
-      </p:cxnSp>
-      <p:cxnSp>
-        <p:nvCxnSpPr>
-          <p:cNvPr id="53" name="직선 연결선 52">
-            <a:extLst>
-              <a:ext uri="{FF2B5EF4-FFF2-40B4-BE49-F238E27FC236}">
-                <a16:creationId xmlns:a16="http://schemas.microsoft.com/office/drawing/2014/main" id="{2FDB7714-2E1F-427D-ABA5-CBC55F9106CC}"/>
-              </a:ext>
-            </a:extLst>
-          </p:cNvPr>
-          <p:cNvCxnSpPr>
-            <a:cxnSpLocks/>
-            <a:stCxn id="43" idx="1"/>
-          </p:cNvCxnSpPr>
-          <p:nvPr/>
-        </p:nvCxnSpPr>
-        <p:spPr>
-          <a:xfrm flipH="1">
-            <a:off x="3738839" y="4283753"/>
-            <a:ext cx="592231" cy="0"/>
-          </a:xfrm>
-          <a:prstGeom prst="line">
-            <a:avLst/>
-          </a:prstGeom>
-          <a:ln w="38100">
-            <a:solidFill>
-        